--- a/help/data-sheets/assets/BusinessSupportDatasheet.pptx
+++ b/help/data-sheets/assets/BusinessSupportDatasheet.pptx
@@ -368,7 +368,7 @@
           <a:p>
             <a:fld id="{FB81873C-0B24-F04A-98A1-90E0A78F7E8A}" type="datetimeFigureOut">
               <a:rPr lang="en-US" smtClean="0"/>
-              <a:t>9/22/2021</a:t>
+              <a:t>10/1/2021</a:t>
             </a:fld>
             <a:endParaRPr lang="en-US"/>
           </a:p>
@@ -991,7 +991,7 @@
           <a:p>
             <a:fld id="{1D8BD707-D9CF-40AE-B4C6-C98DA3205C09}" type="datetimeFigureOut">
               <a:rPr lang="en-US"/>
-              <a:t>9/22/2021</a:t>
+              <a:t>10/1/2021</a:t>
             </a:fld>
             <a:endParaRPr lang="en-US"/>
           </a:p>
@@ -1183,7 +1183,7 @@
           <a:p>
             <a:fld id="{1D8BD707-D9CF-40AE-B4C6-C98DA3205C09}" type="datetimeFigureOut">
               <a:rPr lang="en-US"/>
-              <a:t>9/22/2021</a:t>
+              <a:t>10/1/2021</a:t>
             </a:fld>
             <a:endParaRPr lang="en-US"/>
           </a:p>
@@ -1501,7 +1501,7 @@
           <a:p>
             <a:fld id="{1D8BD707-D9CF-40AE-B4C6-C98DA3205C09}" type="datetimeFigureOut">
               <a:rPr lang="en-US"/>
-              <a:t>9/22/2021</a:t>
+              <a:t>10/1/2021</a:t>
             </a:fld>
             <a:endParaRPr lang="en-US"/>
           </a:p>
@@ -1755,8 +1755,8 @@
         </p:nvSpPr>
         <p:spPr>
           <a:xfrm>
-            <a:off x="168565" y="7162363"/>
-            <a:ext cx="2800350" cy="238760"/>
+            <a:off x="168564" y="7162363"/>
+            <a:ext cx="4045089" cy="227626"/>
           </a:xfrm>
           <a:prstGeom prst="rect">
             <a:avLst/>
@@ -1777,7 +1777,7 @@
               </a:spcBef>
             </a:pPr>
             <a:r>
-              <a:rPr sz="1400" b="1" u="heavy" spc="10">
+              <a:rPr lang="es-ES" sz="1400" b="1" u="heavy" dirty="0">
                 <a:solidFill>
                   <a:srgbClr val="020302"/>
                 </a:solidFill>
@@ -1789,87 +1789,8 @@
                 <a:latin typeface="Adobe Clean"/>
                 <a:cs typeface="Adobe Clean"/>
               </a:rPr>
-              <a:t>Service </a:t>
+              <a:t>Destinatarios de nivel de servicio: Respuesta inicial</a:t>
             </a:r>
-            <a:r>
-              <a:rPr sz="1400" b="1" u="heavy" spc="-10">
-                <a:solidFill>
-                  <a:srgbClr val="020302"/>
-                </a:solidFill>
-                <a:uFill>
-                  <a:solidFill>
-                    <a:srgbClr val="020302"/>
-                  </a:solidFill>
-                </a:uFill>
-                <a:latin typeface="Adobe Clean"/>
-                <a:cs typeface="Adobe Clean"/>
-              </a:rPr>
-              <a:t>Level </a:t>
-            </a:r>
-            <a:r>
-              <a:rPr sz="1400" b="1" u="heavy" spc="-45">
-                <a:solidFill>
-                  <a:srgbClr val="020302"/>
-                </a:solidFill>
-                <a:uFill>
-                  <a:solidFill>
-                    <a:srgbClr val="020302"/>
-                  </a:solidFill>
-                </a:uFill>
-                <a:latin typeface="Adobe Clean"/>
-                <a:cs typeface="Adobe Clean"/>
-              </a:rPr>
-              <a:t>Targets: </a:t>
-            </a:r>
-            <a:r>
-              <a:rPr sz="1400" b="1" u="heavy" spc="-10">
-                <a:solidFill>
-                  <a:srgbClr val="020302"/>
-                </a:solidFill>
-                <a:uFill>
-                  <a:solidFill>
-                    <a:srgbClr val="020302"/>
-                  </a:solidFill>
-                </a:uFill>
-                <a:latin typeface="Adobe Clean"/>
-                <a:cs typeface="Adobe Clean"/>
-              </a:rPr>
-              <a:t>Initial</a:t>
-            </a:r>
-            <a:r>
-              <a:rPr sz="1400" b="1" u="heavy" spc="-140">
-                <a:solidFill>
-                  <a:srgbClr val="020302"/>
-                </a:solidFill>
-                <a:uFill>
-                  <a:solidFill>
-                    <a:srgbClr val="020302"/>
-                  </a:solidFill>
-                </a:uFill>
-                <a:latin typeface="Adobe Clean"/>
-                <a:cs typeface="Adobe Clean"/>
-              </a:rPr>
-              <a:t> </a:t>
-            </a:r>
-            <a:r>
-              <a:rPr sz="1400" b="1" u="heavy" spc="-15">
-                <a:solidFill>
-                  <a:srgbClr val="020302"/>
-                </a:solidFill>
-                <a:uFill>
-                  <a:solidFill>
-                    <a:srgbClr val="020302"/>
-                  </a:solidFill>
-                </a:uFill>
-                <a:latin typeface="Adobe Clean"/>
-                <a:cs typeface="Adobe Clean"/>
-              </a:rPr>
-              <a:t>Response</a:t>
-            </a:r>
-            <a:endParaRPr sz="1400">
-              <a:latin typeface="Adobe Clean"/>
-              <a:cs typeface="Adobe Clean"/>
-            </a:endParaRPr>
           </a:p>
         </p:txBody>
       </p:sp>
@@ -1882,7 +1803,7 @@
         <p:spPr>
           <a:xfrm>
             <a:off x="-8467" y="23397"/>
-            <a:ext cx="7772399" cy="2006345"/>
+            <a:ext cx="7772399" cy="2097552"/>
           </a:xfrm>
           <a:prstGeom prst="rect">
             <a:avLst/>
@@ -1936,20 +1857,11 @@
               </a:spcBef>
             </a:pPr>
             <a:r>
-              <a:rPr sz="2300">
+              <a:rPr lang="es-ES" sz="2300">
                 <a:latin typeface="Adobe Clean" panose="020B0503020404020204" pitchFamily="34" charset="0"/>
               </a:rPr>
-              <a:t>ADOBE </a:t>
+              <a:t>OFERTA DE ASISTENCIA DE ADOBE</a:t>
             </a:r>
-            <a:r>
-              <a:rPr lang="en-US" sz="2300">
-                <a:latin typeface="Adobe Clean" panose="020B0503020404020204" pitchFamily="34" charset="0"/>
-              </a:rPr>
-              <a:t>SUPPORT OFFERINGS</a:t>
-            </a:r>
-            <a:endParaRPr sz="2300">
-              <a:latin typeface="Adobe Clean" panose="020B0503020404020204" pitchFamily="34" charset="0"/>
-            </a:endParaRPr>
           </a:p>
         </p:txBody>
       </p:sp>
@@ -1961,8 +1873,8 @@
         </p:nvSpPr>
         <p:spPr>
           <a:xfrm>
-            <a:off x="121147" y="635935"/>
-            <a:ext cx="5865216" cy="1269065"/>
+            <a:off x="121146" y="635935"/>
+            <a:ext cx="5981203" cy="1424364"/>
           </a:xfrm>
           <a:prstGeom prst="rect">
             <a:avLst/>
@@ -1983,7 +1895,7 @@
               </a:spcBef>
             </a:pPr>
             <a:r>
-              <a:rPr lang="en-US" sz="900">
+              <a:rPr lang="es-ES" sz="900" dirty="0">
                 <a:solidFill>
                   <a:schemeClr val="bg1"/>
                 </a:solidFill>
@@ -1992,7 +1904,7 @@
               <a:t>Online | </a:t>
             </a:r>
             <a:r>
-              <a:rPr lang="en-US" sz="900" b="1">
+              <a:rPr lang="es-ES" sz="900" b="1" dirty="0">
                 <a:solidFill>
                   <a:schemeClr val="bg1"/>
                 </a:solidFill>
@@ -2001,7 +1913,7 @@
               <a:t>Business</a:t>
             </a:r>
             <a:r>
-              <a:rPr lang="en-US" sz="900">
+              <a:rPr lang="es-ES" sz="900" dirty="0">
                 <a:solidFill>
                   <a:schemeClr val="bg1"/>
                 </a:solidFill>
@@ -2020,21 +1932,67 @@
               </a:spcBef>
             </a:pPr>
             <a:r>
-              <a:rPr lang="en-US" sz="900">
+              <a:rPr lang="es-ES" sz="900" dirty="0">
                 <a:solidFill>
                   <a:schemeClr val="bg1"/>
                 </a:solidFill>
                 <a:latin typeface="Adobe Clean SemiLight" panose="020B0403020404020204" pitchFamily="34" charset="0"/>
               </a:rPr>
-              <a:t>Adobe provides a comprehensive range of technical resources to help support your business, included as part of your Experience Cloud license subscription and enhanced in the BUSINESS support package. BUSINESS support includes access to personalized learning paths and monitored community forums via the Adobe Experience League. You can also take advantage of our detailed and in-depth technical product documentation and current release notes. BUSINESS customers also benefit from access to our technical support teams for any product query via either the telephone or the support web portal, to help protect your business at the most critical times. BUSINESS customers will receive regular communications and updates from their Account Support Lead in addition to support case escalation management for your most critical of support requests. </a:t>
+              <a:t>Adobe ofrece una amplia variedad de recursos técnicos para ayudar a su negocio, incluidos como parte de su suscripción de licencia de </a:t>
             </a:r>
-            <a:endParaRPr lang="en-US" sz="900">
-              <a:solidFill>
-                <a:schemeClr val="bg1"/>
-              </a:solidFill>
-              <a:latin typeface="Adobe Clean Light" panose="020B0303020404020204" pitchFamily="34" charset="0"/>
-              <a:cs typeface="AdobeClean-Light"/>
-            </a:endParaRPr>
+            <a:r>
+              <a:rPr lang="es-ES" sz="900" dirty="0" err="1">
+                <a:solidFill>
+                  <a:schemeClr val="bg1"/>
+                </a:solidFill>
+                <a:latin typeface="Adobe Clean SemiLight" panose="020B0403020404020204" pitchFamily="34" charset="0"/>
+              </a:rPr>
+              <a:t>Experience</a:t>
+            </a:r>
+            <a:r>
+              <a:rPr lang="es-ES" sz="900" dirty="0">
+                <a:solidFill>
+                  <a:schemeClr val="bg1"/>
+                </a:solidFill>
+                <a:latin typeface="Adobe Clean SemiLight" panose="020B0403020404020204" pitchFamily="34" charset="0"/>
+              </a:rPr>
+              <a:t> Cloud y mejorados en el paquete de soporte BUSINESS. El paquete BUSINESS incluye acceso a rutas de aprendizaje personalizadas y foros de la comunidad monitorizados a través de Adobe </a:t>
+            </a:r>
+            <a:r>
+              <a:rPr lang="es-ES" sz="900" dirty="0" err="1">
+                <a:solidFill>
+                  <a:schemeClr val="bg1"/>
+                </a:solidFill>
+                <a:latin typeface="Adobe Clean SemiLight" panose="020B0403020404020204" pitchFamily="34" charset="0"/>
+              </a:rPr>
+              <a:t>Experience</a:t>
+            </a:r>
+            <a:r>
+              <a:rPr lang="es-ES" sz="900" dirty="0">
+                <a:solidFill>
+                  <a:schemeClr val="bg1"/>
+                </a:solidFill>
+                <a:latin typeface="Adobe Clean SemiLight" panose="020B0403020404020204" pitchFamily="34" charset="0"/>
+              </a:rPr>
+              <a:t> League. También puede disfrutar de documentación técnica completa y detallada sobre productos y notas de la versión actual. Los clientes del paquete BUSINESS también pueden acceder a nuestros equipos de soporte técnico si tienen alguna duda con su producto, ya sea a través del teléfono o mediante el portal de asistencia en línea, para proteger su negocio en los momentos más importantes. Los clientes del paquete BUSINESS recibirán notificaciones periódicas y actualizaciones del responsable de asistencia técnica de la cuenta para ayudar </a:t>
+            </a:r>
+            <a:br>
+              <a:rPr lang="sk-SK" sz="900" dirty="0">
+                <a:solidFill>
+                  <a:schemeClr val="bg1"/>
+                </a:solidFill>
+                <a:latin typeface="Adobe Clean SemiLight" panose="020B0403020404020204" pitchFamily="34" charset="0"/>
+              </a:rPr>
+            </a:br>
+            <a:r>
+              <a:rPr lang="es-ES" sz="900" dirty="0">
+                <a:solidFill>
+                  <a:schemeClr val="bg1"/>
+                </a:solidFill>
+                <a:latin typeface="Adobe Clean SemiLight" panose="020B0403020404020204" pitchFamily="34" charset="0"/>
+              </a:rPr>
+              <a:t>en la administración de casos de soporte de las solicitudes más esenciales. </a:t>
+            </a:r>
           </a:p>
         </p:txBody>
       </p:sp>
@@ -2101,24 +2059,8 @@
               </a:spcBef>
             </a:pPr>
             <a:r>
-              <a:rPr spc="-5"/>
-              <a:t>©202</a:t>
-            </a:r>
-            <a:r>
-              <a:rPr lang="en-US" spc="-5"/>
-              <a:t>1</a:t>
-            </a:r>
-            <a:r>
-              <a:rPr spc="-5"/>
-              <a:t> Adobe. All Rights Reserved. Adobe</a:t>
-            </a:r>
-            <a:r>
-              <a:rPr spc="60"/>
-              <a:t> </a:t>
-            </a:r>
-            <a:r>
-              <a:rPr spc="-5"/>
-              <a:t>Confidential.</a:t>
+              <a:rPr lang="es-ES"/>
+              <a:t>©2021 Adobe. All Rights Reserved. Adobe Confidential.</a:t>
             </a:r>
           </a:p>
         </p:txBody>
@@ -2185,19 +2127,15 @@
                         </a:spcBef>
                       </a:pPr>
                       <a:r>
-                        <a:rPr sz="900" spc="0">
+                        <a:rPr lang="es-ES" sz="900">
                           <a:solidFill>
                             <a:srgbClr val="020302"/>
                           </a:solidFill>
                           <a:latin typeface="Adobe Clean"/>
                           <a:cs typeface="Adobe Clean"/>
                         </a:rPr>
-                        <a:t>Priority</a:t>
+                        <a:t>Prioridad</a:t>
                       </a:r>
-                      <a:endParaRPr sz="900" spc="0">
-                        <a:latin typeface="Adobe Clean"/>
-                        <a:cs typeface="Adobe Clean"/>
-                      </a:endParaRPr>
                     </a:p>
                   </a:txBody>
                   <a:tcPr marL="0" marR="0" marT="7620" marB="0" anchor="ctr">
@@ -2244,19 +2182,15 @@
                         </a:spcBef>
                       </a:pPr>
                       <a:r>
-                        <a:rPr sz="900" spc="0">
+                        <a:rPr lang="es-ES" sz="900">
                           <a:solidFill>
                             <a:srgbClr val="020302"/>
                           </a:solidFill>
                           <a:latin typeface="Adobe Clean"/>
                           <a:cs typeface="Adobe Clean"/>
                         </a:rPr>
-                        <a:t>Online Support</a:t>
+                        <a:t>Soporte Online</a:t>
                       </a:r>
-                      <a:endParaRPr sz="900" spc="0">
-                        <a:latin typeface="Adobe Clean"/>
-                        <a:cs typeface="Adobe Clean"/>
-                      </a:endParaRPr>
                     </a:p>
                   </a:txBody>
                   <a:tcPr anchor="ctr">
@@ -2303,39 +2237,15 @@
                         </a:spcBef>
                       </a:pPr>
                       <a:r>
-                        <a:rPr sz="900" spc="0">
+                        <a:rPr lang="es-ES" sz="900">
                           <a:solidFill>
                             <a:srgbClr val="FFFFFF"/>
                           </a:solidFill>
                           <a:latin typeface="Adobe Clean"/>
                           <a:cs typeface="Adobe Clean"/>
                         </a:rPr>
-                        <a:t>Business</a:t>
+                        <a:t>Soporte Business</a:t>
                       </a:r>
-                      <a:r>
-                        <a:rPr lang="en-US" sz="900" spc="0">
-                          <a:solidFill>
-                            <a:srgbClr val="FFFFFF"/>
-                          </a:solidFill>
-                          <a:latin typeface="Adobe Clean"/>
-                          <a:cs typeface="Adobe Clean"/>
-                        </a:rPr>
-                        <a:t> </a:t>
-                      </a:r>
-                      <a:r>
-                        <a:rPr sz="900" spc="0">
-                          <a:solidFill>
-                            <a:srgbClr val="FFFFFF"/>
-                          </a:solidFill>
-                          <a:latin typeface="Adobe Clean"/>
-                          <a:cs typeface="Adobe Clean"/>
-                        </a:rPr>
-                        <a:t>Support</a:t>
-                      </a:r>
-                      <a:endParaRPr sz="900" spc="0">
-                        <a:latin typeface="Adobe Clean"/>
-                        <a:cs typeface="Adobe Clean"/>
-                      </a:endParaRPr>
                     </a:p>
                   </a:txBody>
                   <a:tcPr anchor="ctr">
@@ -2389,19 +2299,15 @@
                         </a:spcBef>
                       </a:pPr>
                       <a:r>
-                        <a:rPr sz="900" b="1" spc="0">
+                        <a:rPr lang="es-ES" sz="900" b="1">
                           <a:solidFill>
                             <a:srgbClr val="020302"/>
                           </a:solidFill>
                           <a:latin typeface="Adobe Clean"/>
                           <a:cs typeface="Adobe Clean"/>
                         </a:rPr>
-                        <a:t>PRIORITY 1</a:t>
+                        <a:t>PRIORIDAD 1</a:t>
                       </a:r>
-                      <a:endParaRPr sz="900" spc="0">
-                        <a:latin typeface="Adobe Clean"/>
-                        <a:cs typeface="Adobe Clean"/>
-                      </a:endParaRPr>
                     </a:p>
                     <a:p>
                       <a:pPr marL="50800" marR="387985" lvl="0" indent="0" algn="l" defTabSz="914400" rtl="0" eaLnBrk="1" fontAlgn="auto" latinLnBrk="0" hangingPunct="1">
@@ -2422,19 +2328,14 @@
                         <a:defRPr/>
                       </a:pPr>
                       <a:r>
-                        <a:rPr lang="en-US" sz="900" b="0" i="0" spc="0">
+                        <a:rPr lang="es-ES" sz="900" b="0" i="0">
                           <a:solidFill>
                             <a:srgbClr val="000000"/>
                           </a:solidFill>
-                          <a:effectLst/>
                           <a:latin typeface="Adobe Clean Light" panose="020B0303020404020204" pitchFamily="34" charset="0"/>
                         </a:rPr>
-                        <a:t>Customer's production business functions are down or have significant data loss or service degradation and immediate attention is required to restore functionality and usability</a:t>
+                        <a:t>Las funciones empresariales de producción del cliente no están activadas o pierden datos o presentan una degradación del servicio significativa, por lo que se requiere atención inmediata para restaurar la funcionalidad y facilidad de uso.</a:t>
                       </a:r>
-                      <a:endParaRPr lang="en-US" sz="900" b="0" i="0" spc="0">
-                        <a:latin typeface="Adobe Clean Light" panose="020B0303020404020204" pitchFamily="34" charset="0"/>
-                        <a:cs typeface="AdobeClean-Light"/>
-                      </a:endParaRPr>
                     </a:p>
                   </a:txBody>
                   <a:tcPr marL="0" marR="0" marT="3810" marB="0">
@@ -2478,59 +2379,15 @@
                         </a:spcBef>
                       </a:pPr>
                       <a:r>
-                        <a:rPr sz="900" spc="0">
+                        <a:rPr lang="es-ES" sz="900">
                           <a:solidFill>
                             <a:srgbClr val="020302"/>
                           </a:solidFill>
                           <a:latin typeface="AdobeClean-Light"/>
                           <a:cs typeface="AdobeClean-Light"/>
                         </a:rPr>
-                        <a:t>24x7</a:t>
+                        <a:t>24x7 /           1 hora</a:t>
                       </a:r>
-                      <a:r>
-                        <a:rPr lang="en-US" sz="900" spc="0">
-                          <a:solidFill>
-                            <a:srgbClr val="020302"/>
-                          </a:solidFill>
-                          <a:latin typeface="AdobeClean-Light"/>
-                          <a:cs typeface="AdobeClean-Light"/>
-                        </a:rPr>
-                        <a:t> </a:t>
-                      </a:r>
-                      <a:r>
-                        <a:rPr sz="900" spc="0">
-                          <a:solidFill>
-                            <a:srgbClr val="020302"/>
-                          </a:solidFill>
-                          <a:latin typeface="AdobeClean-Light"/>
-                          <a:cs typeface="AdobeClean-Light"/>
-                        </a:rPr>
-                        <a:t>/  </a:t>
-                      </a:r>
-                      <a:r>
-                        <a:rPr lang="en-US" sz="900" spc="0">
-                          <a:solidFill>
-                            <a:srgbClr val="020302"/>
-                          </a:solidFill>
-                          <a:latin typeface="AdobeClean-Light"/>
-                          <a:cs typeface="AdobeClean-Light"/>
-                        </a:rPr>
-                        <a:t>         </a:t>
-                      </a:r>
-                      <a:r>
-                        <a:rPr sz="900" spc="0">
-                          <a:solidFill>
-                            <a:srgbClr val="020302"/>
-                          </a:solidFill>
-                          <a:latin typeface="AdobeClean-Light"/>
-                          <a:cs typeface="AdobeClean-Light"/>
-                        </a:rPr>
-                        <a:t>1 hour</a:t>
-                      </a:r>
-                      <a:endParaRPr sz="900" spc="0">
-                        <a:latin typeface="AdobeClean-Light"/>
-                        <a:cs typeface="AdobeClean-Light"/>
-                      </a:endParaRPr>
                     </a:p>
                   </a:txBody>
                   <a:tcPr anchor="ctr">
@@ -2574,59 +2431,15 @@
                         </a:spcBef>
                       </a:pPr>
                       <a:r>
-                        <a:rPr sz="900" spc="0">
+                        <a:rPr lang="es-ES" sz="900">
                           <a:solidFill>
                             <a:srgbClr val="020302"/>
                           </a:solidFill>
                           <a:latin typeface="AdobeClean-Light"/>
                           <a:cs typeface="AdobeClean-Light"/>
                         </a:rPr>
-                        <a:t>24x7</a:t>
+                        <a:t>24x7 /          1 hora</a:t>
                       </a:r>
-                      <a:r>
-                        <a:rPr lang="en-US" sz="900" spc="0">
-                          <a:solidFill>
-                            <a:srgbClr val="020302"/>
-                          </a:solidFill>
-                          <a:latin typeface="AdobeClean-Light"/>
-                          <a:cs typeface="AdobeClean-Light"/>
-                        </a:rPr>
-                        <a:t> </a:t>
-                      </a:r>
-                      <a:r>
-                        <a:rPr sz="900" spc="0">
-                          <a:solidFill>
-                            <a:srgbClr val="020302"/>
-                          </a:solidFill>
-                          <a:latin typeface="AdobeClean-Light"/>
-                          <a:cs typeface="AdobeClean-Light"/>
-                        </a:rPr>
-                        <a:t>/ </a:t>
-                      </a:r>
-                      <a:r>
-                        <a:rPr lang="en-US" sz="900" spc="0">
-                          <a:solidFill>
-                            <a:srgbClr val="020302"/>
-                          </a:solidFill>
-                          <a:latin typeface="AdobeClean-Light"/>
-                          <a:cs typeface="AdobeClean-Light"/>
-                        </a:rPr>
-                        <a:t>        </a:t>
-                      </a:r>
-                      <a:r>
-                        <a:rPr sz="900" spc="0">
-                          <a:solidFill>
-                            <a:srgbClr val="020302"/>
-                          </a:solidFill>
-                          <a:latin typeface="AdobeClean-Light"/>
-                          <a:cs typeface="AdobeClean-Light"/>
-                        </a:rPr>
-                        <a:t> 1 hour</a:t>
-                      </a:r>
-                      <a:endParaRPr sz="900" spc="0">
-                        <a:latin typeface="AdobeClean-Light"/>
-                        <a:cs typeface="AdobeClean-Light"/>
-                      </a:endParaRPr>
                     </a:p>
                   </a:txBody>
                   <a:tcPr anchor="ctr">
@@ -2682,19 +2495,15 @@
                         </a:spcBef>
                       </a:pPr>
                       <a:r>
-                        <a:rPr sz="900" b="1" spc="0">
+                        <a:rPr lang="es-ES" sz="900" b="1">
                           <a:solidFill>
                             <a:srgbClr val="020302"/>
                           </a:solidFill>
                           <a:latin typeface="Adobe Clean"/>
                           <a:cs typeface="Adobe Clean"/>
                         </a:rPr>
-                        <a:t>PRIORITY 2</a:t>
+                        <a:t>PRIORIDAD 2</a:t>
                       </a:r>
-                      <a:endParaRPr sz="900" spc="0">
-                        <a:latin typeface="Adobe Clean"/>
-                        <a:cs typeface="Adobe Clean"/>
-                      </a:endParaRPr>
                     </a:p>
                     <a:p>
                       <a:pPr marL="50165" marR="203200">
@@ -2706,19 +2515,14 @@
                         </a:spcBef>
                       </a:pPr>
                       <a:r>
-                        <a:rPr lang="en-US" sz="900" b="0" i="0" spc="0">
+                        <a:rPr lang="es-ES" sz="900" b="0" i="0">
                           <a:solidFill>
                             <a:srgbClr val="000000"/>
                           </a:solidFill>
-                          <a:effectLst/>
                           <a:latin typeface="Adobe Clean Light" panose="020B0303020404020204" pitchFamily="34" charset="0"/>
                         </a:rPr>
-                        <a:t>Customer's business functions have major service degradation or potential data loss, or a major feature is impacted </a:t>
+                        <a:t>Las funciones empresariales del cliente presentan una importante degradación del servicio o hay una posible pérdida de datos, o una función clave se está viendo afectada. </a:t>
                       </a:r>
-                      <a:endParaRPr lang="en-US" sz="900" b="0" i="0" spc="0">
-                        <a:latin typeface="Adobe Clean Light" panose="020B0303020404020204" pitchFamily="34" charset="0"/>
-                        <a:cs typeface="AdobeClean-Light"/>
-                      </a:endParaRPr>
                     </a:p>
                   </a:txBody>
                   <a:tcPr marL="0" marR="0" marT="3810" marB="0">
@@ -2762,79 +2566,15 @@
                         </a:spcBef>
                       </a:pPr>
                       <a:r>
-                        <a:rPr sz="900" spc="0">
+                        <a:rPr lang="es-ES" sz="900">
                           <a:solidFill>
                             <a:srgbClr val="020302"/>
                           </a:solidFill>
                           <a:latin typeface="AdobeClean-Light"/>
                           <a:cs typeface="AdobeClean-Light"/>
                         </a:rPr>
-                        <a:t>Business</a:t>
+                        <a:t>Horario de trabajo /     4 horas</a:t>
                       </a:r>
-                      <a:r>
-                        <a:rPr lang="en-US" sz="900" spc="0">
-                          <a:solidFill>
-                            <a:srgbClr val="020302"/>
-                          </a:solidFill>
-                          <a:latin typeface="AdobeClean-Light"/>
-                          <a:cs typeface="AdobeClean-Light"/>
-                        </a:rPr>
-                        <a:t> </a:t>
-                      </a:r>
-                      <a:r>
-                        <a:rPr sz="900" spc="0">
-                          <a:solidFill>
-                            <a:srgbClr val="020302"/>
-                          </a:solidFill>
-                          <a:latin typeface="AdobeClean-Light"/>
-                          <a:cs typeface="AdobeClean-Light"/>
-                        </a:rPr>
-                        <a:t>hours</a:t>
-                      </a:r>
-                      <a:r>
-                        <a:rPr lang="en-US" sz="900" spc="0">
-                          <a:solidFill>
-                            <a:srgbClr val="020302"/>
-                          </a:solidFill>
-                          <a:latin typeface="AdobeClean-Light"/>
-                          <a:cs typeface="AdobeClean-Light"/>
-                        </a:rPr>
-                        <a:t> </a:t>
-                      </a:r>
-                      <a:r>
-                        <a:rPr sz="900" spc="0">
-                          <a:solidFill>
-                            <a:srgbClr val="020302"/>
-                          </a:solidFill>
-                          <a:latin typeface="AdobeClean-Light"/>
-                          <a:cs typeface="AdobeClean-Light"/>
-                        </a:rPr>
-                        <a:t>/  </a:t>
-                      </a:r>
-                      <a:r>
-                        <a:rPr lang="en-US" sz="900" spc="0">
-                          <a:solidFill>
-                            <a:srgbClr val="020302"/>
-                          </a:solidFill>
-                          <a:latin typeface="AdobeClean-Light"/>
-                          <a:cs typeface="AdobeClean-Light"/>
-                        </a:rPr>
-                        <a:t>   </a:t>
-                      </a:r>
-                      <a:r>
-                        <a:rPr sz="900" spc="0">
-                          <a:solidFill>
-                            <a:srgbClr val="020302"/>
-                          </a:solidFill>
-                          <a:latin typeface="AdobeClean-Light"/>
-                          <a:cs typeface="AdobeClean-Light"/>
-                        </a:rPr>
-                        <a:t>4 hours</a:t>
-                      </a:r>
-                      <a:endParaRPr sz="900" spc="0">
-                        <a:latin typeface="AdobeClean-Light"/>
-                        <a:cs typeface="AdobeClean-Light"/>
-                      </a:endParaRPr>
                     </a:p>
                   </a:txBody>
                   <a:tcPr anchor="ctr">
@@ -2878,79 +2618,15 @@
                         </a:spcBef>
                       </a:pPr>
                       <a:r>
-                        <a:rPr sz="900" spc="0">
+                        <a:rPr lang="es-ES" sz="900">
                           <a:solidFill>
                             <a:srgbClr val="020302"/>
                           </a:solidFill>
                           <a:latin typeface="AdobeClean-Light"/>
                           <a:cs typeface="AdobeClean-Light"/>
                         </a:rPr>
-                        <a:t>Business</a:t>
+                        <a:t>Horario de trabajo /     2 horas</a:t>
                       </a:r>
-                      <a:r>
-                        <a:rPr lang="en-US" sz="900" spc="0">
-                          <a:solidFill>
-                            <a:srgbClr val="020302"/>
-                          </a:solidFill>
-                          <a:latin typeface="AdobeClean-Light"/>
-                          <a:cs typeface="AdobeClean-Light"/>
-                        </a:rPr>
-                        <a:t> </a:t>
-                      </a:r>
-                      <a:r>
-                        <a:rPr sz="900" spc="0">
-                          <a:solidFill>
-                            <a:srgbClr val="020302"/>
-                          </a:solidFill>
-                          <a:latin typeface="AdobeClean-Light"/>
-                          <a:cs typeface="AdobeClean-Light"/>
-                        </a:rPr>
-                        <a:t>hours</a:t>
-                      </a:r>
-                      <a:r>
-                        <a:rPr lang="en-US" sz="900" spc="0">
-                          <a:solidFill>
-                            <a:srgbClr val="020302"/>
-                          </a:solidFill>
-                          <a:latin typeface="AdobeClean-Light"/>
-                          <a:cs typeface="AdobeClean-Light"/>
-                        </a:rPr>
-                        <a:t> </a:t>
-                      </a:r>
-                      <a:r>
-                        <a:rPr sz="900" spc="0">
-                          <a:solidFill>
-                            <a:srgbClr val="020302"/>
-                          </a:solidFill>
-                          <a:latin typeface="AdobeClean-Light"/>
-                          <a:cs typeface="AdobeClean-Light"/>
-                        </a:rPr>
-                        <a:t>/  </a:t>
-                      </a:r>
-                      <a:r>
-                        <a:rPr lang="en-US" sz="900" spc="0">
-                          <a:solidFill>
-                            <a:srgbClr val="020302"/>
-                          </a:solidFill>
-                          <a:latin typeface="AdobeClean-Light"/>
-                          <a:cs typeface="AdobeClean-Light"/>
-                        </a:rPr>
-                        <a:t>    </a:t>
-                      </a:r>
-                      <a:r>
-                        <a:rPr sz="900" spc="0">
-                          <a:solidFill>
-                            <a:srgbClr val="020302"/>
-                          </a:solidFill>
-                          <a:latin typeface="AdobeClean-Light"/>
-                          <a:cs typeface="AdobeClean-Light"/>
-                        </a:rPr>
-                        <a:t>2 hours</a:t>
-                      </a:r>
-                      <a:endParaRPr sz="900" spc="0">
-                        <a:latin typeface="AdobeClean-Light"/>
-                        <a:cs typeface="AdobeClean-Light"/>
-                      </a:endParaRPr>
                     </a:p>
                   </a:txBody>
                   <a:tcPr anchor="ctr">
@@ -3006,19 +2682,15 @@
                         </a:spcBef>
                       </a:pPr>
                       <a:r>
-                        <a:rPr sz="900" b="1" spc="0">
+                        <a:rPr lang="es-ES" sz="900" b="1">
                           <a:solidFill>
                             <a:srgbClr val="020302"/>
                           </a:solidFill>
                           <a:latin typeface="Adobe Clean"/>
                           <a:cs typeface="Adobe Clean"/>
                         </a:rPr>
-                        <a:t>PRIORITY 3</a:t>
+                        <a:t>PRIORIDAD 3</a:t>
                       </a:r>
-                      <a:endParaRPr sz="900" spc="0">
-                        <a:latin typeface="Adobe Clean"/>
-                        <a:cs typeface="Adobe Clean"/>
-                      </a:endParaRPr>
                     </a:p>
                     <a:p>
                       <a:pPr marL="49530" marR="212090" indent="-2540">
@@ -3030,26 +2702,21 @@
                         </a:spcBef>
                       </a:pPr>
                       <a:r>
-                        <a:rPr kumimoji="0" lang="en-US" sz="900" b="0" i="0" u="none" strike="noStrike" kern="1200" cap="none" spc="0" normalizeH="0" baseline="0" noProof="0">
+                        <a:rPr kumimoji="0" lang="es-ES" sz="900" b="0" i="0" u="none" strike="noStrike" cap="none" normalizeH="0" baseline="0" noProof="0">
                           <a:ln>
                             <a:noFill/>
                           </a:ln>
                           <a:solidFill>
                             <a:srgbClr val="000000"/>
                           </a:solidFill>
-                          <a:effectLst/>
                           <a:uLnTx/>
                           <a:uFillTx/>
                           <a:latin typeface="Adobe Clean Light" panose="020B0303020404020204" pitchFamily="34" charset="0"/>
                           <a:ea typeface="+mn-ea"/>
                           <a:cs typeface="+mn-cs"/>
                         </a:rPr>
-                        <a:t>Customer's business functions have minor service degradation but there exists a solution/workaround allowing business functions to continue </a:t>
+                        <a:t>Las funciones empresariales del cliente presentan una menor degradación del servicio, pero existe una solución que permite que las funciones empresariales sigan funcionando. </a:t>
                       </a:r>
-                      <a:endParaRPr lang="en-US" sz="900" b="0" i="0" spc="0">
-                        <a:latin typeface="Adobe Clean Light" panose="020B0303020404020204" pitchFamily="34" charset="0"/>
-                        <a:cs typeface="AdobeClean-Light"/>
-                      </a:endParaRPr>
                     </a:p>
                   </a:txBody>
                   <a:tcPr marL="0" marR="0" marT="3810" marB="0">
@@ -3093,99 +2760,15 @@
                         </a:spcBef>
                       </a:pPr>
                       <a:r>
-                        <a:rPr sz="900" spc="0">
+                        <a:rPr lang="es-ES" sz="900">
                           <a:solidFill>
                             <a:srgbClr val="020302"/>
                           </a:solidFill>
                           <a:latin typeface="AdobeClean-Light"/>
                           <a:cs typeface="AdobeClean-Light"/>
                         </a:rPr>
-                        <a:t>Business</a:t>
+                        <a:t>Horario de trabajo /     6 horas</a:t>
                       </a:r>
-                      <a:r>
-                        <a:rPr lang="en-US" sz="900" spc="0">
-                          <a:solidFill>
-                            <a:srgbClr val="020302"/>
-                          </a:solidFill>
-                          <a:latin typeface="AdobeClean-Light"/>
-                          <a:cs typeface="AdobeClean-Light"/>
-                        </a:rPr>
-                        <a:t> </a:t>
-                      </a:r>
-                      <a:r>
-                        <a:rPr sz="900" spc="0">
-                          <a:solidFill>
-                            <a:srgbClr val="020302"/>
-                          </a:solidFill>
-                          <a:latin typeface="AdobeClean-Light"/>
-                          <a:cs typeface="AdobeClean-Light"/>
-                        </a:rPr>
-                        <a:t>hours</a:t>
-                      </a:r>
-                      <a:r>
-                        <a:rPr lang="en-US" sz="900" spc="0">
-                          <a:solidFill>
-                            <a:srgbClr val="020302"/>
-                          </a:solidFill>
-                          <a:latin typeface="AdobeClean-Light"/>
-                          <a:cs typeface="AdobeClean-Light"/>
-                        </a:rPr>
-                        <a:t> </a:t>
-                      </a:r>
-                      <a:r>
-                        <a:rPr sz="900" spc="0">
-                          <a:solidFill>
-                            <a:srgbClr val="020302"/>
-                          </a:solidFill>
-                          <a:latin typeface="AdobeClean-Light"/>
-                          <a:cs typeface="AdobeClean-Light"/>
-                        </a:rPr>
-                        <a:t>/  </a:t>
-                      </a:r>
-                      <a:r>
-                        <a:rPr lang="en-US" sz="900" spc="0">
-                          <a:solidFill>
-                            <a:srgbClr val="020302"/>
-                          </a:solidFill>
-                          <a:latin typeface="AdobeClean-Light"/>
-                          <a:cs typeface="AdobeClean-Light"/>
-                        </a:rPr>
-                        <a:t>   </a:t>
-                      </a:r>
-                      <a:r>
-                        <a:rPr sz="900" spc="0">
-                          <a:solidFill>
-                            <a:srgbClr val="020302"/>
-                          </a:solidFill>
-                          <a:latin typeface="AdobeClean-Light"/>
-                          <a:cs typeface="AdobeClean-Light"/>
-                        </a:rPr>
-                        <a:t>6</a:t>
-                      </a:r>
-                      <a:r>
-                        <a:rPr lang="en-US" sz="900" spc="0">
-                          <a:solidFill>
-                            <a:srgbClr val="020302"/>
-                          </a:solidFill>
-                          <a:latin typeface="AdobeClean-Light"/>
-                          <a:cs typeface="AdobeClean-Light"/>
-                        </a:rPr>
-                        <a:t> </a:t>
-                      </a:r>
-                      <a:r>
-                        <a:rPr sz="900" spc="0">
-                          <a:solidFill>
-                            <a:srgbClr val="020302"/>
-                          </a:solidFill>
-                          <a:latin typeface="AdobeClean-Light"/>
-                          <a:cs typeface="AdobeClean-Light"/>
-                        </a:rPr>
-                        <a:t>hours</a:t>
-                      </a:r>
-                      <a:endParaRPr sz="900" spc="0">
-                        <a:latin typeface="AdobeClean-Light"/>
-                        <a:cs typeface="AdobeClean-Light"/>
-                      </a:endParaRPr>
                     </a:p>
                   </a:txBody>
                   <a:tcPr anchor="ctr">
@@ -3229,99 +2812,15 @@
                         </a:spcBef>
                       </a:pPr>
                       <a:r>
-                        <a:rPr sz="900" spc="0">
+                        <a:rPr lang="es-ES" sz="900">
                           <a:solidFill>
                             <a:srgbClr val="020302"/>
                           </a:solidFill>
                           <a:latin typeface="AdobeClean-Light"/>
                           <a:cs typeface="AdobeClean-Light"/>
                         </a:rPr>
-                        <a:t>Business</a:t>
+                        <a:t>Horario de trabajo /     4 horas</a:t>
                       </a:r>
-                      <a:r>
-                        <a:rPr lang="en-US" sz="900" spc="0">
-                          <a:solidFill>
-                            <a:srgbClr val="020302"/>
-                          </a:solidFill>
-                          <a:latin typeface="AdobeClean-Light"/>
-                          <a:cs typeface="AdobeClean-Light"/>
-                        </a:rPr>
-                        <a:t> </a:t>
-                      </a:r>
-                      <a:r>
-                        <a:rPr sz="900" spc="0">
-                          <a:solidFill>
-                            <a:srgbClr val="020302"/>
-                          </a:solidFill>
-                          <a:latin typeface="AdobeClean-Light"/>
-                          <a:cs typeface="AdobeClean-Light"/>
-                        </a:rPr>
-                        <a:t>hours</a:t>
-                      </a:r>
-                      <a:r>
-                        <a:rPr lang="en-US" sz="900" spc="0">
-                          <a:solidFill>
-                            <a:srgbClr val="020302"/>
-                          </a:solidFill>
-                          <a:latin typeface="AdobeClean-Light"/>
-                          <a:cs typeface="AdobeClean-Light"/>
-                        </a:rPr>
-                        <a:t> </a:t>
-                      </a:r>
-                      <a:r>
-                        <a:rPr sz="900" spc="0">
-                          <a:solidFill>
-                            <a:srgbClr val="020302"/>
-                          </a:solidFill>
-                          <a:latin typeface="AdobeClean-Light"/>
-                          <a:cs typeface="AdobeClean-Light"/>
-                        </a:rPr>
-                        <a:t>/  </a:t>
-                      </a:r>
-                      <a:r>
-                        <a:rPr lang="en-US" sz="900" spc="0">
-                          <a:solidFill>
-                            <a:srgbClr val="020302"/>
-                          </a:solidFill>
-                          <a:latin typeface="AdobeClean-Light"/>
-                          <a:cs typeface="AdobeClean-Light"/>
-                        </a:rPr>
-                        <a:t>   </a:t>
-                      </a:r>
-                      <a:r>
-                        <a:rPr sz="900" spc="0">
-                          <a:solidFill>
-                            <a:srgbClr val="020302"/>
-                          </a:solidFill>
-                          <a:latin typeface="AdobeClean-Light"/>
-                          <a:cs typeface="AdobeClean-Light"/>
-                        </a:rPr>
-                        <a:t>4</a:t>
-                      </a:r>
-                      <a:r>
-                        <a:rPr lang="en-US" sz="900" spc="0">
-                          <a:solidFill>
-                            <a:srgbClr val="020302"/>
-                          </a:solidFill>
-                          <a:latin typeface="AdobeClean-Light"/>
-                          <a:cs typeface="AdobeClean-Light"/>
-                        </a:rPr>
-                        <a:t> </a:t>
-                      </a:r>
-                      <a:r>
-                        <a:rPr sz="900" spc="0">
-                          <a:solidFill>
-                            <a:srgbClr val="020302"/>
-                          </a:solidFill>
-                          <a:latin typeface="AdobeClean-Light"/>
-                          <a:cs typeface="AdobeClean-Light"/>
-                        </a:rPr>
-                        <a:t>hours</a:t>
-                      </a:r>
-                      <a:endParaRPr sz="900" spc="0">
-                        <a:latin typeface="AdobeClean-Light"/>
-                        <a:cs typeface="AdobeClean-Light"/>
-                      </a:endParaRPr>
                     </a:p>
                   </a:txBody>
                   <a:tcPr anchor="ctr">
@@ -3377,19 +2876,15 @@
                         </a:spcBef>
                       </a:pPr>
                       <a:r>
-                        <a:rPr sz="900" b="1" spc="0">
+                        <a:rPr lang="es-ES" sz="900" b="1" dirty="0">
                           <a:solidFill>
                             <a:srgbClr val="020302"/>
                           </a:solidFill>
                           <a:latin typeface="Adobe Clean"/>
                           <a:cs typeface="Adobe Clean"/>
                         </a:rPr>
-                        <a:t>PRIORITY 4</a:t>
+                        <a:t>PRIORIDAD 4</a:t>
                       </a:r>
-                      <a:endParaRPr sz="900" spc="0">
-                        <a:latin typeface="Adobe Clean"/>
-                        <a:cs typeface="Adobe Clean"/>
-                      </a:endParaRPr>
                     </a:p>
                     <a:p>
                       <a:pPr marL="48895" marR="0" lvl="0" indent="0" defTabSz="914400" eaLnBrk="1" fontAlgn="auto" latinLnBrk="0" hangingPunct="1">
@@ -3410,19 +2905,14 @@
                         <a:defRPr/>
                       </a:pPr>
                       <a:r>
-                        <a:rPr lang="en-US" sz="900" b="0" i="0" spc="0">
+                        <a:rPr lang="es-ES" sz="900" b="0" i="0" dirty="0">
                           <a:solidFill>
                             <a:srgbClr val="000000"/>
                           </a:solidFill>
-                          <a:effectLst/>
                           <a:latin typeface="Adobe Clean Light" panose="020B0303020404020204" pitchFamily="34" charset="0"/>
                         </a:rPr>
-                        <a:t>General question regarding current product functionality or an enhancement request</a:t>
+                        <a:t>Pregunta general sobre la funcionalidad actual del producto o una solicitud de mejora.</a:t>
                       </a:r>
-                      <a:endParaRPr lang="en-US" sz="900" b="0" i="0" spc="0">
-                        <a:latin typeface="Adobe Clean Light" panose="020B0303020404020204" pitchFamily="34" charset="0"/>
-                        <a:cs typeface="AdobeClean-Light"/>
-                      </a:endParaRPr>
                     </a:p>
                   </a:txBody>
                   <a:tcPr marL="0" marR="0" marT="1905" marB="0">
@@ -3466,79 +2956,15 @@
                         </a:spcBef>
                       </a:pPr>
                       <a:r>
-                        <a:rPr sz="900" spc="0">
+                        <a:rPr lang="es-ES" sz="900">
                           <a:solidFill>
                             <a:srgbClr val="020302"/>
                           </a:solidFill>
                           <a:latin typeface="AdobeClean-Light"/>
                           <a:cs typeface="AdobeClean-Light"/>
                         </a:rPr>
-                        <a:t>Business</a:t>
+                        <a:t>Días laborables /      3 días</a:t>
                       </a:r>
-                      <a:r>
-                        <a:rPr lang="en-US" sz="900" spc="0">
-                          <a:solidFill>
-                            <a:srgbClr val="020302"/>
-                          </a:solidFill>
-                          <a:latin typeface="AdobeClean-Light"/>
-                          <a:cs typeface="AdobeClean-Light"/>
-                        </a:rPr>
-                        <a:t> </a:t>
-                      </a:r>
-                      <a:r>
-                        <a:rPr sz="900" spc="0">
-                          <a:solidFill>
-                            <a:srgbClr val="020302"/>
-                          </a:solidFill>
-                          <a:latin typeface="AdobeClean-Light"/>
-                          <a:cs typeface="AdobeClean-Light"/>
-                        </a:rPr>
-                        <a:t>days</a:t>
-                      </a:r>
-                      <a:r>
-                        <a:rPr lang="en-US" sz="900" spc="0">
-                          <a:solidFill>
-                            <a:srgbClr val="020302"/>
-                          </a:solidFill>
-                          <a:latin typeface="AdobeClean-Light"/>
-                          <a:cs typeface="AdobeClean-Light"/>
-                        </a:rPr>
-                        <a:t> </a:t>
-                      </a:r>
-                      <a:r>
-                        <a:rPr sz="900" spc="0">
-                          <a:solidFill>
-                            <a:srgbClr val="020302"/>
-                          </a:solidFill>
-                          <a:latin typeface="AdobeClean-Light"/>
-                          <a:cs typeface="AdobeClean-Light"/>
-                        </a:rPr>
-                        <a:t>/  </a:t>
-                      </a:r>
-                      <a:r>
-                        <a:rPr lang="en-US" sz="900" spc="0">
-                          <a:solidFill>
-                            <a:srgbClr val="020302"/>
-                          </a:solidFill>
-                          <a:latin typeface="AdobeClean-Light"/>
-                          <a:cs typeface="AdobeClean-Light"/>
-                        </a:rPr>
-                        <a:t>    </a:t>
-                      </a:r>
-                      <a:r>
-                        <a:rPr sz="900" spc="0">
-                          <a:solidFill>
-                            <a:srgbClr val="020302"/>
-                          </a:solidFill>
-                          <a:latin typeface="AdobeClean-Light"/>
-                          <a:cs typeface="AdobeClean-Light"/>
-                        </a:rPr>
-                        <a:t>3 days</a:t>
-                      </a:r>
-                      <a:endParaRPr sz="900" spc="0">
-                        <a:latin typeface="AdobeClean-Light"/>
-                        <a:cs typeface="AdobeClean-Light"/>
-                      </a:endParaRPr>
                     </a:p>
                   </a:txBody>
                   <a:tcPr anchor="ctr">
@@ -3582,62 +3008,15 @@
                         </a:spcBef>
                       </a:pPr>
                       <a:r>
-                        <a:rPr sz="900" spc="0">
+                        <a:rPr lang="es-ES" sz="900" dirty="0">
                           <a:solidFill>
                             <a:srgbClr val="020302"/>
                           </a:solidFill>
                           <a:latin typeface="AdobeClean-Light"/>
                           <a:cs typeface="AdobeClean-Light"/>
                         </a:rPr>
-                        <a:t>Business</a:t>
+                        <a:t>Días laborables / </a:t>
                       </a:r>
-                      <a:r>
-                        <a:rPr lang="en-US" sz="900" spc="0">
-                          <a:solidFill>
-                            <a:srgbClr val="020302"/>
-                          </a:solidFill>
-                          <a:latin typeface="AdobeClean-Light"/>
-                          <a:cs typeface="AdobeClean-Light"/>
-                        </a:rPr>
-                        <a:t> </a:t>
-                      </a:r>
-                      <a:r>
-                        <a:rPr sz="900" spc="0">
-                          <a:solidFill>
-                            <a:srgbClr val="020302"/>
-                          </a:solidFill>
-                          <a:latin typeface="AdobeClean-Light"/>
-                          <a:cs typeface="AdobeClean-Light"/>
-                        </a:rPr>
-                        <a:t>day</a:t>
-                      </a:r>
-                      <a:r>
-                        <a:rPr lang="en-US" sz="900" spc="0">
-                          <a:solidFill>
-                            <a:srgbClr val="020302"/>
-                          </a:solidFill>
-                          <a:latin typeface="AdobeClean-Light"/>
-                          <a:cs typeface="AdobeClean-Light"/>
-                        </a:rPr>
-                        <a:t>s </a:t>
-                      </a:r>
-                      <a:r>
-                        <a:rPr sz="900" spc="0">
-                          <a:solidFill>
-                            <a:srgbClr val="020302"/>
-                          </a:solidFill>
-                          <a:latin typeface="AdobeClean-Light"/>
-                          <a:cs typeface="AdobeClean-Light"/>
-                        </a:rPr>
-                        <a:t>/ </a:t>
-                      </a:r>
-                      <a:endParaRPr lang="en-US" sz="900" spc="0">
-                        <a:solidFill>
-                          <a:srgbClr val="020302"/>
-                        </a:solidFill>
-                        <a:latin typeface="AdobeClean-Light"/>
-                        <a:cs typeface="AdobeClean-Light"/>
-                      </a:endParaRPr>
                     </a:p>
                     <a:p>
                       <a:pPr marL="370840" marR="223520" indent="-202565" algn="ctr">
@@ -3649,39 +3028,15 @@
                         </a:spcBef>
                       </a:pPr>
                       <a:r>
-                        <a:rPr sz="900" spc="0">
+                        <a:rPr lang="es-ES" sz="900" dirty="0">
                           <a:solidFill>
                             <a:srgbClr val="020302"/>
                           </a:solidFill>
                           <a:latin typeface="AdobeClean-Light"/>
                           <a:cs typeface="AdobeClean-Light"/>
                         </a:rPr>
-                        <a:t> </a:t>
+                        <a:t>  1 día</a:t>
                       </a:r>
-                      <a:r>
-                        <a:rPr lang="en-US" sz="900" spc="0">
-                          <a:solidFill>
-                            <a:srgbClr val="020302"/>
-                          </a:solidFill>
-                          <a:latin typeface="AdobeClean-Light"/>
-                          <a:cs typeface="AdobeClean-Light"/>
-                        </a:rPr>
-                        <a:t> </a:t>
-                      </a:r>
-                      <a:r>
-                        <a:rPr sz="900" spc="0">
-                          <a:solidFill>
-                            <a:srgbClr val="020302"/>
-                          </a:solidFill>
-                          <a:latin typeface="AdobeClean-Light"/>
-                          <a:cs typeface="AdobeClean-Light"/>
-                        </a:rPr>
-                        <a:t>1 day</a:t>
-                      </a:r>
-                      <a:endParaRPr sz="900" spc="0">
-                        <a:latin typeface="AdobeClean-Light"/>
-                        <a:cs typeface="AdobeClean-Light"/>
-                      </a:endParaRPr>
                     </a:p>
                   </a:txBody>
                   <a:tcPr anchor="ctr">
@@ -3741,7 +3096,7 @@
           <p:nvPr>
             <p:extLst>
               <p:ext uri="{D42A27DB-BD31-4B8C-83A1-F6EECF244321}">
-                <p14:modId xmlns:p14="http://schemas.microsoft.com/office/powerpoint/2010/main" val="116851390"/>
+                <p14:modId xmlns:p14="http://schemas.microsoft.com/office/powerpoint/2010/main" val="1386137920"/>
               </p:ext>
             </p:extLst>
           </p:nvPr>
@@ -3792,7 +3147,7 @@
                     <a:bodyPr/>
                     <a:lstStyle/>
                     <a:p>
-                      <a:endParaRPr lang="en-US"/>
+                      <a:endParaRPr lang="en-US" dirty="0"/>
                     </a:p>
                   </a:txBody>
                   <a:tcPr/>
@@ -3830,39 +3185,15 @@
                         <a:defRPr/>
                       </a:pPr>
                       <a:r>
-                        <a:rPr lang="en-US" sz="900" spc="-20">
+                        <a:rPr lang="es-ES" sz="900">
                           <a:solidFill>
                             <a:srgbClr val="404040"/>
                           </a:solidFill>
                           <a:latin typeface="Adobe Clean"/>
                           <a:cs typeface="Adobe Clean"/>
                         </a:rPr>
-                        <a:t>Online </a:t>
+                        <a:t>Soporte Online</a:t>
                       </a:r>
-                      <a:r>
-                        <a:rPr lang="en-US" sz="900" spc="-135">
-                          <a:solidFill>
-                            <a:srgbClr val="404040"/>
-                          </a:solidFill>
-                          <a:latin typeface="Adobe Clean"/>
-                          <a:cs typeface="Adobe Clean"/>
-                        </a:rPr>
-                        <a:t> </a:t>
-                      </a:r>
-                      <a:r>
-                        <a:rPr lang="en-US" sz="900" spc="-20">
-                          <a:solidFill>
-                            <a:srgbClr val="404040"/>
-                          </a:solidFill>
-                          <a:latin typeface="Adobe Clean"/>
-                          <a:cs typeface="Adobe Clean"/>
-                        </a:rPr>
-                        <a:t>Support</a:t>
-                      </a:r>
-                      <a:endParaRPr lang="en-US" sz="900">
-                        <a:latin typeface="Adobe Clean"/>
-                        <a:cs typeface="Adobe Clean"/>
-                      </a:endParaRPr>
                     </a:p>
                   </a:txBody>
                   <a:tcPr marL="0" marR="0" marT="7620" marB="0" anchor="ctr">
@@ -3903,39 +3234,15 @@
                         </a:spcBef>
                       </a:pPr>
                       <a:r>
-                        <a:rPr sz="900" spc="-20">
+                        <a:rPr lang="es-ES" sz="900">
                           <a:solidFill>
                             <a:srgbClr val="FFFFFF"/>
                           </a:solidFill>
                           <a:latin typeface="Adobe Clean"/>
                           <a:cs typeface="Adobe Clean"/>
                         </a:rPr>
-                        <a:t>Business</a:t>
+                        <a:t>Soporte Business</a:t>
                       </a:r>
-                      <a:r>
-                        <a:rPr lang="en-US" sz="900" spc="-20">
-                          <a:solidFill>
-                            <a:srgbClr val="FFFFFF"/>
-                          </a:solidFill>
-                          <a:latin typeface="Adobe Clean"/>
-                          <a:cs typeface="Adobe Clean"/>
-                        </a:rPr>
-                        <a:t> </a:t>
-                      </a:r>
-                      <a:r>
-                        <a:rPr sz="900" spc="-20">
-                          <a:solidFill>
-                            <a:srgbClr val="FFFFFF"/>
-                          </a:solidFill>
-                          <a:latin typeface="Adobe Clean"/>
-                          <a:cs typeface="Adobe Clean"/>
-                        </a:rPr>
-                        <a:t>Support</a:t>
-                      </a:r>
-                      <a:endParaRPr sz="900">
-                        <a:latin typeface="Adobe Clean"/>
-                        <a:cs typeface="Adobe Clean"/>
-                      </a:endParaRPr>
                     </a:p>
                   </a:txBody>
                   <a:tcPr marL="0" marR="0" marT="7620" marB="0" anchor="ctr">
@@ -4000,7 +3307,7 @@
                     <a:bodyPr/>
                     <a:lstStyle/>
                     <a:p>
-                      <a:pPr marL="0" marR="0" lvl="0" indent="0" algn="ctr" defTabSz="914400" eaLnBrk="1" fontAlgn="auto" latinLnBrk="0" hangingPunct="1">
+                      <a:pPr marL="0" marR="0" lvl="0" indent="0" algn="l" defTabSz="914400" rtl="0" eaLnBrk="1" fontAlgn="auto" latinLnBrk="0" hangingPunct="1">
                         <a:lnSpc>
                           <a:spcPct val="100000"/>
                         </a:lnSpc>
@@ -4081,13 +3388,13 @@
                         <a:defRPr/>
                       </a:pPr>
                       <a:r>
-                        <a:rPr lang="en-US" sz="800" i="1">
+                        <a:rPr lang="es-ES" sz="800" i="1">
                           <a:solidFill>
                             <a:schemeClr val="bg1"/>
                           </a:solidFill>
                           <a:latin typeface="Adobe Clean Light" panose="020B0303020404020204" pitchFamily="34" charset="0"/>
                         </a:rPr>
-                        <a:t>Paid Support ($)</a:t>
+                        <a:t>Soporte de pago ($)</a:t>
                       </a:r>
                     </a:p>
                   </a:txBody>
@@ -4151,22 +3458,15 @@
                         </a:spcBef>
                       </a:pPr>
                       <a:r>
-                        <a:rPr lang="en-US" sz="1000" b="1" i="0" spc="0">
+                        <a:rPr lang="es-ES" sz="1000" b="1" i="0">
                           <a:solidFill>
                             <a:schemeClr val="bg1"/>
                           </a:solidFill>
                           <a:latin typeface="Adobe Clean" panose="020B0503020404020204" pitchFamily="34" charset="0"/>
                           <a:cs typeface="AdobeClean-Light"/>
                         </a:rPr>
-                        <a:t>Assigned Experts</a:t>
+                        <a:t>Expertos asignados</a:t>
                       </a:r>
-                      <a:endParaRPr sz="1000" b="1" i="0" spc="0">
-                        <a:solidFill>
-                          <a:schemeClr val="bg1"/>
-                        </a:solidFill>
-                        <a:latin typeface="Adobe Clean" panose="020B0503020404020204" pitchFamily="34" charset="0"/>
-                        <a:cs typeface="AdobeClean-Light"/>
-                      </a:endParaRPr>
                     </a:p>
                   </a:txBody>
                   <a:tcPr marL="0" marR="0" marT="58419" marB="0" anchor="ctr">
@@ -4213,19 +3513,15 @@
                         </a:spcBef>
                       </a:pPr>
                       <a:r>
-                        <a:rPr sz="900" spc="0">
+                        <a:rPr lang="es-ES" sz="900">
                           <a:solidFill>
                             <a:srgbClr val="020302"/>
                           </a:solidFill>
                           <a:latin typeface="AdobeClean-Light"/>
                           <a:cs typeface="AdobeClean-Light"/>
                         </a:rPr>
-                        <a:t>Account Support Lead</a:t>
+                        <a:t>Responsable de la asistencia técnica de la cuenta</a:t>
                       </a:r>
-                      <a:endParaRPr sz="900" spc="0">
-                        <a:latin typeface="AdobeClean-Light"/>
-                        <a:cs typeface="AdobeClean-Light"/>
-                      </a:endParaRPr>
                     </a:p>
                   </a:txBody>
                   <a:tcPr marL="0" marR="0" marT="58419" marB="0">
@@ -4260,7 +3556,7 @@
                     <a:bodyPr/>
                     <a:lstStyle/>
                     <a:p>
-                      <a:pPr algn="ctr">
+                      <a:pPr algn="l" rtl="0">
                         <a:lnSpc>
                           <a:spcPct val="100000"/>
                         </a:lnSpc>
@@ -4310,7 +3606,7 @@
                         </a:spcBef>
                       </a:pPr>
                       <a:r>
-                        <a:rPr sz="900">
+                        <a:rPr lang="es-ES" sz="900">
                           <a:solidFill>
                             <a:srgbClr val="020302"/>
                           </a:solidFill>
@@ -4319,10 +3615,6 @@
                         </a:rPr>
                         <a:t></a:t>
                       </a:r>
-                      <a:endParaRPr sz="900">
-                        <a:latin typeface="Wingdings"/>
-                        <a:cs typeface="Wingdings"/>
-                      </a:endParaRPr>
                     </a:p>
                   </a:txBody>
                   <a:tcPr marL="0" marR="0" marT="59690" marB="0" anchor="ctr">
@@ -4354,7 +3646,7 @@
                     <a:bodyPr/>
                     <a:lstStyle/>
                     <a:p>
-                      <a:pPr marL="50800">
+                      <a:pPr marL="50800" algn="l" rtl="0">
                         <a:lnSpc>
                           <a:spcPct val="100000"/>
                         </a:lnSpc>
@@ -4400,19 +3692,15 @@
                         </a:spcBef>
                       </a:pPr>
                       <a:r>
-                        <a:rPr sz="900" spc="0">
+                        <a:rPr lang="es-ES" sz="900">
                           <a:solidFill>
                             <a:srgbClr val="020302"/>
                           </a:solidFill>
                           <a:latin typeface="AdobeClean-Light"/>
                           <a:cs typeface="AdobeClean-Light"/>
                         </a:rPr>
-                        <a:t>Named Support Engineer</a:t>
+                        <a:t>Ingeniero de asistencia técnica especializado</a:t>
                       </a:r>
-                      <a:endParaRPr sz="900" spc="0">
-                        <a:latin typeface="AdobeClean-Light"/>
-                        <a:cs typeface="AdobeClean-Light"/>
-                      </a:endParaRPr>
                     </a:p>
                   </a:txBody>
                   <a:tcPr marL="0" marR="0" marT="58419" marB="0">
@@ -4435,7 +3723,7 @@
                     <a:bodyPr/>
                     <a:lstStyle/>
                     <a:p>
-                      <a:pPr algn="ctr">
+                      <a:pPr algn="l" rtl="0">
                         <a:lnSpc>
                           <a:spcPct val="100000"/>
                         </a:lnSpc>
@@ -4464,7 +3752,7 @@
                     <a:bodyPr/>
                     <a:lstStyle/>
                     <a:p>
-                      <a:pPr algn="ctr">
+                      <a:pPr algn="l" rtl="0">
                         <a:lnSpc>
                           <a:spcPct val="100000"/>
                         </a:lnSpc>
@@ -4495,7 +3783,7 @@
                     <a:bodyPr/>
                     <a:lstStyle/>
                     <a:p>
-                      <a:pPr marL="50800">
+                      <a:pPr marL="50800" algn="l" rtl="0">
                         <a:lnSpc>
                           <a:spcPct val="100000"/>
                         </a:lnSpc>
@@ -4553,19 +3841,15 @@
                         </a:spcBef>
                       </a:pPr>
                       <a:r>
-                        <a:rPr sz="900" spc="0">
+                        <a:rPr lang="es-ES" sz="900">
                           <a:solidFill>
                             <a:srgbClr val="020302"/>
                           </a:solidFill>
                           <a:latin typeface="AdobeClean-Light"/>
                           <a:cs typeface="AdobeClean-Light"/>
                         </a:rPr>
-                        <a:t>Technical Account Manager</a:t>
+                        <a:t>Gestor técnico de cuentas</a:t>
                       </a:r>
-                      <a:endParaRPr sz="900" spc="0">
-                        <a:latin typeface="AdobeClean-Light"/>
-                        <a:cs typeface="AdobeClean-Light"/>
-                      </a:endParaRPr>
                     </a:p>
                   </a:txBody>
                   <a:tcPr marL="0" marR="0" marT="63500" marB="0">
@@ -4594,7 +3878,7 @@
                     <a:bodyPr/>
                     <a:lstStyle/>
                     <a:p>
-                      <a:pPr algn="ctr">
+                      <a:pPr algn="l" rtl="0">
                         <a:lnSpc>
                           <a:spcPct val="100000"/>
                         </a:lnSpc>
@@ -4632,7 +3916,7 @@
                     <a:bodyPr/>
                     <a:lstStyle/>
                     <a:p>
-                      <a:pPr algn="ctr">
+                      <a:pPr algn="l" rtl="0">
                         <a:lnSpc>
                           <a:spcPct val="100000"/>
                         </a:lnSpc>
@@ -4681,22 +3965,15 @@
                         </a:spcBef>
                       </a:pPr>
                       <a:r>
-                        <a:rPr lang="en-US" sz="1000" b="1" i="0" spc="0">
+                        <a:rPr lang="es-ES" sz="1000" b="1" i="0">
                           <a:solidFill>
                             <a:schemeClr val="bg1"/>
                           </a:solidFill>
                           <a:latin typeface="Adobe Clean" panose="020B0503020404020204" pitchFamily="34" charset="0"/>
                           <a:cs typeface="AdobeClean-Light"/>
                         </a:rPr>
-                        <a:t>Support Services</a:t>
+                        <a:t>Servicios de soporte</a:t>
                       </a:r>
-                      <a:endParaRPr sz="1000" b="1" i="0" spc="0">
-                        <a:solidFill>
-                          <a:schemeClr val="bg1"/>
-                        </a:solidFill>
-                        <a:latin typeface="Adobe Clean" panose="020B0503020404020204" pitchFamily="34" charset="0"/>
-                        <a:cs typeface="AdobeClean-Light"/>
-                      </a:endParaRPr>
                     </a:p>
                   </a:txBody>
                   <a:tcPr marL="0" marR="0" marT="57150" marB="0" anchor="ctr">
@@ -4752,29 +4029,15 @@
                         </a:spcBef>
                       </a:pPr>
                       <a:r>
-                        <a:rPr lang="en-US" sz="900" spc="0">
+                        <a:rPr lang="es-ES" sz="900">
                           <a:solidFill>
                             <a:srgbClr val="020302"/>
                           </a:solidFill>
                           <a:latin typeface="AdobeClean-Light"/>
                           <a:cs typeface="AdobeClean-Light"/>
                         </a:rPr>
-                        <a:t>Online</a:t>
+                        <a:t>Soporte Online</a:t>
                       </a:r>
-                      <a:r>
-                        <a:rPr sz="900" spc="0">
-                          <a:solidFill>
-                            <a:srgbClr val="020302"/>
-                          </a:solidFill>
-                          <a:latin typeface="AdobeClean-Light"/>
-                          <a:cs typeface="AdobeClean-Light"/>
-                        </a:rPr>
-                        <a:t> Support</a:t>
-                      </a:r>
-                      <a:endParaRPr sz="900" spc="0">
-                        <a:latin typeface="AdobeClean-Light"/>
-                        <a:cs typeface="AdobeClean-Light"/>
-                      </a:endParaRPr>
                     </a:p>
                   </a:txBody>
                   <a:tcPr marL="0" marR="0" marT="57150" marB="0">
@@ -4812,39 +4075,15 @@
                         </a:spcBef>
                       </a:pPr>
                       <a:r>
-                        <a:rPr sz="900" spc="-25">
+                        <a:rPr lang="es-ES" sz="900">
                           <a:solidFill>
                             <a:srgbClr val="020302"/>
                           </a:solidFill>
                           <a:latin typeface="AdobeClean-Light"/>
                           <a:cs typeface="AdobeClean-Light"/>
                         </a:rPr>
-                        <a:t>Business</a:t>
+                        <a:t>Horario de trabajo</a:t>
                       </a:r>
-                      <a:r>
-                        <a:rPr sz="900" spc="-15">
-                          <a:solidFill>
-                            <a:srgbClr val="020302"/>
-                          </a:solidFill>
-                          <a:latin typeface="AdobeClean-Light"/>
-                          <a:cs typeface="AdobeClean-Light"/>
-                        </a:rPr>
-                        <a:t> </a:t>
-                      </a:r>
-                      <a:r>
-                        <a:rPr sz="900" spc="-30">
-                          <a:solidFill>
-                            <a:srgbClr val="020302"/>
-                          </a:solidFill>
-                          <a:latin typeface="AdobeClean-Light"/>
-                          <a:cs typeface="AdobeClean-Light"/>
-                        </a:rPr>
-                        <a:t>hours</a:t>
-                      </a:r>
-                      <a:endParaRPr sz="900">
-                        <a:latin typeface="AdobeClean-Light"/>
-                        <a:cs typeface="AdobeClean-Light"/>
-                      </a:endParaRPr>
                     </a:p>
                   </a:txBody>
                   <a:tcPr marL="0" marR="0" marT="67945" marB="0">
@@ -4883,39 +4122,15 @@
                         </a:spcBef>
                       </a:pPr>
                       <a:r>
-                        <a:rPr sz="900" spc="-25">
+                        <a:rPr lang="es-ES" sz="900">
                           <a:solidFill>
                             <a:srgbClr val="020302"/>
                           </a:solidFill>
                           <a:latin typeface="AdobeClean-Light"/>
                           <a:cs typeface="AdobeClean-Light"/>
                         </a:rPr>
-                        <a:t>Business</a:t>
+                        <a:t>Horario de trabajo</a:t>
                       </a:r>
-                      <a:r>
-                        <a:rPr sz="900" spc="-15">
-                          <a:solidFill>
-                            <a:srgbClr val="020302"/>
-                          </a:solidFill>
-                          <a:latin typeface="AdobeClean-Light"/>
-                          <a:cs typeface="AdobeClean-Light"/>
-                        </a:rPr>
-                        <a:t> </a:t>
-                      </a:r>
-                      <a:r>
-                        <a:rPr sz="900" spc="-30">
-                          <a:solidFill>
-                            <a:srgbClr val="020302"/>
-                          </a:solidFill>
-                          <a:latin typeface="AdobeClean-Light"/>
-                          <a:cs typeface="AdobeClean-Light"/>
-                        </a:rPr>
-                        <a:t>hours</a:t>
-                      </a:r>
-                      <a:endParaRPr sz="900">
-                        <a:latin typeface="AdobeClean-Light"/>
-                        <a:cs typeface="AdobeClean-Light"/>
-                      </a:endParaRPr>
                     </a:p>
                   </a:txBody>
                   <a:tcPr marL="0" marR="0" marT="67945" marB="0">
@@ -4947,7 +4162,7 @@
                     <a:bodyPr/>
                     <a:lstStyle/>
                     <a:p>
-                      <a:pPr marL="50800">
+                      <a:pPr marL="50800" algn="l" rtl="0">
                         <a:lnSpc>
                           <a:spcPct val="100000"/>
                         </a:lnSpc>
@@ -4996,39 +4211,15 @@
                         </a:spcBef>
                       </a:pPr>
                       <a:r>
-                        <a:rPr sz="900" spc="0">
+                        <a:rPr lang="es-ES" sz="900">
                           <a:solidFill>
                             <a:srgbClr val="020302"/>
                           </a:solidFill>
                           <a:latin typeface="AdobeClean-Light"/>
                           <a:cs typeface="AdobeClean-Light"/>
                         </a:rPr>
-                        <a:t>24x7</a:t>
+                        <a:t>Soporte con problemas P1 24 x 7 x 365</a:t>
                       </a:r>
-                      <a:r>
-                        <a:rPr lang="en-US" sz="900" spc="0">
-                          <a:solidFill>
-                            <a:srgbClr val="020302"/>
-                          </a:solidFill>
-                          <a:latin typeface="AdobeClean-Light"/>
-                          <a:cs typeface="AdobeClean-Light"/>
-                        </a:rPr>
-                        <a:t>x365</a:t>
-                      </a:r>
-                      <a:r>
-                        <a:rPr sz="900" spc="0">
-                          <a:solidFill>
-                            <a:srgbClr val="020302"/>
-                          </a:solidFill>
-                          <a:latin typeface="AdobeClean-Light"/>
-                          <a:cs typeface="AdobeClean-Light"/>
-                        </a:rPr>
-                        <a:t> P1 Issue Support</a:t>
-                      </a:r>
-                      <a:endParaRPr sz="900" spc="0">
-                        <a:latin typeface="AdobeClean-Light"/>
-                        <a:cs typeface="AdobeClean-Light"/>
-                      </a:endParaRPr>
                     </a:p>
                   </a:txBody>
                   <a:tcPr marL="0" marR="0" marT="57785" marB="0">
@@ -5060,7 +4251,7 @@
                         </a:spcBef>
                       </a:pPr>
                       <a:r>
-                        <a:rPr sz="900">
+                        <a:rPr lang="es-ES" sz="900">
                           <a:solidFill>
                             <a:srgbClr val="020302"/>
                           </a:solidFill>
@@ -5069,10 +4260,6 @@
                         </a:rPr>
                         <a:t></a:t>
                       </a:r>
-                      <a:endParaRPr sz="900">
-                        <a:latin typeface="Wingdings"/>
-                        <a:cs typeface="Wingdings"/>
-                      </a:endParaRPr>
                     </a:p>
                   </a:txBody>
                   <a:tcPr marL="0" marR="0" marT="58419" marB="0">
@@ -5102,7 +4289,7 @@
                         </a:spcBef>
                       </a:pPr>
                       <a:r>
-                        <a:rPr sz="900">
+                        <a:rPr lang="es-ES" sz="900">
                           <a:solidFill>
                             <a:srgbClr val="020302"/>
                           </a:solidFill>
@@ -5111,10 +4298,6 @@
                         </a:rPr>
                         <a:t></a:t>
                       </a:r>
-                      <a:endParaRPr sz="900">
-                        <a:latin typeface="Wingdings"/>
-                        <a:cs typeface="Wingdings"/>
-                      </a:endParaRPr>
                     </a:p>
                   </a:txBody>
                   <a:tcPr marL="0" marR="0" marT="58419" marB="0">
@@ -5137,7 +4320,7 @@
                     <a:bodyPr/>
                     <a:lstStyle/>
                     <a:p>
-                      <a:pPr marL="50800">
+                      <a:pPr marL="50800" algn="l" rtl="0">
                         <a:lnSpc>
                           <a:spcPct val="100000"/>
                         </a:lnSpc>
@@ -5195,19 +4378,15 @@
                         </a:spcBef>
                       </a:pPr>
                       <a:r>
-                        <a:rPr lang="en-US" sz="900" spc="0">
+                        <a:rPr lang="es-ES" sz="900">
                           <a:solidFill>
                             <a:srgbClr val="020302"/>
                           </a:solidFill>
                           <a:latin typeface="AdobeClean-Light"/>
                           <a:cs typeface="AdobeClean-Light"/>
                         </a:rPr>
-                        <a:t>Named Support Contacts (per product)</a:t>
+                        <a:t>Contactos de soporte particulares (por producto)</a:t>
                       </a:r>
-                      <a:endParaRPr sz="900" spc="0">
-                        <a:latin typeface="AdobeClean-Light"/>
-                        <a:cs typeface="AdobeClean-Light"/>
-                      </a:endParaRPr>
                     </a:p>
                   </a:txBody>
                   <a:tcPr marL="0" marR="0" marT="57785" marB="0">
@@ -5245,7 +4424,7 @@
                         </a:spcBef>
                       </a:pPr>
                       <a:r>
-                        <a:rPr sz="900">
+                        <a:rPr lang="es-ES" sz="900">
                           <a:solidFill>
                             <a:srgbClr val="020302"/>
                           </a:solidFill>
@@ -5254,10 +4433,6 @@
                         </a:rPr>
                         <a:t>4</a:t>
                       </a:r>
-                      <a:endParaRPr sz="900">
-                        <a:latin typeface="AdobeClean-Light"/>
-                        <a:cs typeface="AdobeClean-Light"/>
-                      </a:endParaRPr>
                     </a:p>
                   </a:txBody>
                   <a:tcPr marL="0" marR="0" marT="57785" marB="0">
@@ -5287,7 +4462,7 @@
                         </a:spcBef>
                       </a:pPr>
                       <a:r>
-                        <a:rPr sz="900">
+                        <a:rPr lang="es-ES" sz="900">
                           <a:solidFill>
                             <a:srgbClr val="020302"/>
                           </a:solidFill>
@@ -5296,10 +4471,6 @@
                         </a:rPr>
                         <a:t>6</a:t>
                       </a:r>
-                      <a:endParaRPr sz="900">
-                        <a:latin typeface="AdobeClean-Light"/>
-                        <a:cs typeface="AdobeClean-Light"/>
-                      </a:endParaRPr>
                     </a:p>
                   </a:txBody>
                   <a:tcPr marL="0" marR="0" marT="57785" marB="0">
@@ -5322,7 +4493,7 @@
                     <a:bodyPr/>
                     <a:lstStyle/>
                     <a:p>
-                      <a:pPr marL="50800">
+                      <a:pPr marL="50800" algn="l" rtl="0">
                         <a:lnSpc>
                           <a:spcPct val="100000"/>
                         </a:lnSpc>
@@ -5371,19 +4542,15 @@
                         </a:spcBef>
                       </a:pPr>
                       <a:r>
-                        <a:rPr lang="en-US" sz="900" spc="0">
+                        <a:rPr lang="es-ES" sz="900">
                           <a:solidFill>
                             <a:srgbClr val="020302"/>
                           </a:solidFill>
                           <a:latin typeface="AdobeClean-Light"/>
                           <a:cs typeface="AdobeClean-Light"/>
                         </a:rPr>
-                        <a:t>Live Telephone Support</a:t>
+                        <a:t>Asistencia telefónica en directo</a:t>
                       </a:r>
-                      <a:endParaRPr sz="900" spc="0">
-                        <a:latin typeface="AdobeClean-Light"/>
-                        <a:cs typeface="AdobeClean-Light"/>
-                      </a:endParaRPr>
                     </a:p>
                   </a:txBody>
                   <a:tcPr marL="0" marR="0" marT="57785" marB="0">
@@ -5406,7 +4573,7 @@
                     <a:bodyPr/>
                     <a:lstStyle/>
                     <a:p>
-                      <a:pPr algn="ctr">
+                      <a:pPr algn="l" rtl="0">
                         <a:lnSpc>
                           <a:spcPct val="100000"/>
                         </a:lnSpc>
@@ -5447,7 +4614,7 @@
                         </a:spcBef>
                       </a:pPr>
                       <a:r>
-                        <a:rPr sz="900">
+                        <a:rPr lang="es-ES" sz="900">
                           <a:solidFill>
                             <a:srgbClr val="020302"/>
                           </a:solidFill>
@@ -5456,10 +4623,6 @@
                         </a:rPr>
                         <a:t></a:t>
                       </a:r>
-                      <a:endParaRPr sz="900">
-                        <a:latin typeface="Wingdings"/>
-                        <a:cs typeface="Wingdings"/>
-                      </a:endParaRPr>
                     </a:p>
                   </a:txBody>
                   <a:tcPr marL="0" marR="0" marT="59054" marB="0">
@@ -5482,7 +4645,7 @@
                     <a:bodyPr/>
                     <a:lstStyle/>
                     <a:p>
-                      <a:pPr marL="50800">
+                      <a:pPr marL="50800" algn="l" rtl="0">
                         <a:lnSpc>
                           <a:spcPct val="100000"/>
                         </a:lnSpc>
@@ -5531,19 +4694,15 @@
                         </a:spcBef>
                       </a:pPr>
                       <a:r>
-                        <a:rPr sz="900" spc="0">
+                        <a:rPr lang="es-ES" sz="900">
                           <a:solidFill>
                             <a:srgbClr val="020302"/>
                           </a:solidFill>
                           <a:latin typeface="AdobeClean-Light"/>
                           <a:cs typeface="AdobeClean-Light"/>
                         </a:rPr>
-                        <a:t>Escalation Management</a:t>
+                        <a:t>Administración de la escalabilidad</a:t>
                       </a:r>
-                      <a:endParaRPr sz="900" spc="0">
-                        <a:latin typeface="AdobeClean-Light"/>
-                        <a:cs typeface="AdobeClean-Light"/>
-                      </a:endParaRPr>
                     </a:p>
                   </a:txBody>
                   <a:tcPr marL="0" marR="0" marT="58419" marB="0">
@@ -5566,7 +4725,7 @@
                     <a:bodyPr/>
                     <a:lstStyle/>
                     <a:p>
-                      <a:pPr algn="ctr">
+                      <a:pPr algn="l" rtl="0">
                         <a:lnSpc>
                           <a:spcPct val="100000"/>
                         </a:lnSpc>
@@ -5607,7 +4766,7 @@
                         </a:spcBef>
                       </a:pPr>
                       <a:r>
-                        <a:rPr sz="900">
+                        <a:rPr lang="es-ES" sz="900">
                           <a:solidFill>
                             <a:srgbClr val="020302"/>
                           </a:solidFill>
@@ -5616,10 +4775,6 @@
                         </a:rPr>
                         <a:t></a:t>
                       </a:r>
-                      <a:endParaRPr sz="900">
-                        <a:latin typeface="Wingdings"/>
-                        <a:cs typeface="Wingdings"/>
-                      </a:endParaRPr>
                     </a:p>
                   </a:txBody>
                   <a:tcPr marL="0" marR="0" marT="59690" marB="0">
@@ -5642,7 +4797,7 @@
                     <a:bodyPr/>
                     <a:lstStyle/>
                     <a:p>
-                      <a:pPr marL="50800">
+                      <a:pPr marL="50800" algn="l" rtl="0">
                         <a:lnSpc>
                           <a:spcPct val="100000"/>
                         </a:lnSpc>
@@ -5691,29 +4846,15 @@
                         </a:spcBef>
                       </a:pPr>
                       <a:r>
-                        <a:rPr sz="900" spc="0">
+                        <a:rPr lang="es-ES" sz="900">
                           <a:solidFill>
                             <a:srgbClr val="020302"/>
                           </a:solidFill>
                           <a:latin typeface="AdobeClean-Light"/>
                           <a:cs typeface="AdobeClean-Light"/>
                         </a:rPr>
-                        <a:t>Service Reviews </a:t>
+                        <a:t>Revisiones de servicio al año</a:t>
                       </a:r>
-                      <a:r>
-                        <a:rPr lang="en-US" sz="900" spc="0">
-                          <a:solidFill>
-                            <a:srgbClr val="020302"/>
-                          </a:solidFill>
-                          <a:latin typeface="AdobeClean-Light"/>
-                          <a:cs typeface="AdobeClean-Light"/>
-                        </a:rPr>
-                        <a:t>per Year</a:t>
-                      </a:r>
-                      <a:endParaRPr sz="900" spc="0">
-                        <a:latin typeface="AdobeClean-Light"/>
-                        <a:cs typeface="AdobeClean-Light"/>
-                      </a:endParaRPr>
                     </a:p>
                   </a:txBody>
                   <a:tcPr marL="0" marR="0" marT="57150" marB="0">
@@ -5736,7 +4877,7 @@
                     <a:bodyPr/>
                     <a:lstStyle/>
                     <a:p>
-                      <a:pPr>
+                      <a:pPr algn="l" rtl="0">
                         <a:lnSpc>
                           <a:spcPct val="100000"/>
                         </a:lnSpc>
@@ -5765,7 +4906,7 @@
                     <a:bodyPr/>
                     <a:lstStyle/>
                     <a:p>
-                      <a:pPr>
+                      <a:pPr algn="l" rtl="0">
                         <a:lnSpc>
                           <a:spcPct val="100000"/>
                         </a:lnSpc>
@@ -5815,16 +4956,12 @@
                         </a:spcBef>
                       </a:pPr>
                       <a:r>
-                        <a:rPr lang="en-US" sz="900" spc="0">
+                        <a:rPr lang="es-ES" sz="900">
                           <a:latin typeface="AdobeClean-Light"/>
                           <a:cs typeface="AdobeClean-Light"/>
                         </a:rPr>
-                        <a:t>Expert Sessions per Year</a:t>
+                        <a:t>Sesiones con expertos al año</a:t>
                       </a:r>
-                      <a:endParaRPr sz="900" spc="0">
-                        <a:latin typeface="AdobeClean-Light"/>
-                        <a:cs typeface="AdobeClean-Light"/>
-                      </a:endParaRPr>
                     </a:p>
                   </a:txBody>
                   <a:tcPr marL="0" marR="0" marT="57150" marB="0">
@@ -5853,7 +4990,7 @@
                     <a:bodyPr/>
                     <a:lstStyle/>
                     <a:p>
-                      <a:pPr>
+                      <a:pPr algn="l" rtl="0">
                         <a:lnSpc>
                           <a:spcPct val="100000"/>
                         </a:lnSpc>
@@ -5882,7 +5019,7 @@
                     <a:bodyPr/>
                     <a:lstStyle/>
                     <a:p>
-                      <a:pPr>
+                      <a:pPr algn="l" rtl="0">
                         <a:lnSpc>
                           <a:spcPct val="100000"/>
                         </a:lnSpc>
@@ -5932,16 +5069,12 @@
                         </a:spcBef>
                       </a:pPr>
                       <a:r>
-                        <a:rPr lang="en-US" sz="900" spc="0">
+                        <a:rPr lang="es-ES" sz="900">
                           <a:latin typeface="AdobeClean-Light"/>
                           <a:cs typeface="AdobeClean-Light"/>
                         </a:rPr>
-                        <a:t>Case Reviews</a:t>
+                        <a:t>Reseñas de casos</a:t>
                       </a:r>
-                      <a:endParaRPr sz="900" spc="0">
-                        <a:latin typeface="AdobeClean-Light"/>
-                        <a:cs typeface="AdobeClean-Light"/>
-                      </a:endParaRPr>
                     </a:p>
                   </a:txBody>
                   <a:tcPr marL="0" marR="0" marT="57150" marB="0">
@@ -5970,7 +5103,7 @@
                     <a:bodyPr/>
                     <a:lstStyle/>
                     <a:p>
-                      <a:pPr>
+                      <a:pPr algn="l" rtl="0">
                         <a:lnSpc>
                           <a:spcPct val="100000"/>
                         </a:lnSpc>
@@ -5999,7 +5132,7 @@
                     <a:bodyPr/>
                     <a:lstStyle/>
                     <a:p>
-                      <a:pPr>
+                      <a:pPr algn="l" rtl="0">
                         <a:lnSpc>
                           <a:spcPct val="100000"/>
                         </a:lnSpc>
@@ -6030,7 +5163,7 @@
                     <a:bodyPr/>
                     <a:lstStyle/>
                     <a:p>
-                      <a:pPr marL="48895">
+                      <a:pPr marL="48895" algn="l" rtl="0">
                         <a:lnSpc>
                           <a:spcPct val="100000"/>
                         </a:lnSpc>
@@ -6088,29 +5221,15 @@
                         </a:spcBef>
                       </a:pPr>
                       <a:r>
-                        <a:rPr sz="900" spc="0">
+                        <a:rPr lang="es-ES" sz="900">
                           <a:solidFill>
                             <a:srgbClr val="020302"/>
                           </a:solidFill>
                           <a:latin typeface="AdobeClean-Light"/>
                           <a:cs typeface="AdobeClean-Light"/>
                         </a:rPr>
-                        <a:t>Event </a:t>
+                        <a:t>Gestión de eventos</a:t>
                       </a:r>
-                      <a:r>
-                        <a:rPr lang="en-US" sz="900" spc="0">
-                          <a:solidFill>
-                            <a:srgbClr val="020302"/>
-                          </a:solidFill>
-                          <a:latin typeface="AdobeClean-Light"/>
-                          <a:cs typeface="AdobeClean-Light"/>
-                        </a:rPr>
-                        <a:t>Management</a:t>
-                      </a:r>
-                      <a:endParaRPr sz="900" spc="0">
-                        <a:latin typeface="AdobeClean-Light"/>
-                        <a:cs typeface="AdobeClean-Light"/>
-                      </a:endParaRPr>
                     </a:p>
                   </a:txBody>
                   <a:tcPr marL="0" marR="0" marT="58419" marB="0">
@@ -6139,7 +5258,7 @@
                     <a:bodyPr/>
                     <a:lstStyle/>
                     <a:p>
-                      <a:pPr>
+                      <a:pPr algn="l" rtl="0">
                         <a:lnSpc>
                           <a:spcPct val="100000"/>
                         </a:lnSpc>
@@ -6168,7 +5287,7 @@
                     <a:bodyPr/>
                     <a:lstStyle/>
                     <a:p>
-                      <a:pPr>
+                      <a:pPr algn="l" rtl="0">
                         <a:lnSpc>
                           <a:spcPct val="100000"/>
                         </a:lnSpc>
@@ -6199,7 +5318,7 @@
                     <a:bodyPr/>
                     <a:lstStyle/>
                     <a:p>
-                      <a:pPr marL="48895">
+                      <a:pPr marL="48895" algn="l" rtl="0">
                         <a:lnSpc>
                           <a:spcPct val="100000"/>
                         </a:lnSpc>
@@ -6248,39 +5367,15 @@
                         </a:spcBef>
                       </a:pPr>
                       <a:r>
-                        <a:rPr sz="900" spc="0">
+                        <a:rPr lang="es-ES" sz="900">
                           <a:solidFill>
                             <a:srgbClr val="020302"/>
                           </a:solidFill>
                           <a:latin typeface="AdobeClean-Light"/>
                           <a:cs typeface="AdobeClean-Light"/>
                         </a:rPr>
-                        <a:t>Environment</a:t>
+                        <a:t>Revisión, mantenimiento y monitorización del entorno</a:t>
                       </a:r>
-                      <a:r>
-                        <a:rPr lang="en-US" sz="900" spc="0">
-                          <a:solidFill>
-                            <a:srgbClr val="020302"/>
-                          </a:solidFill>
-                          <a:latin typeface="AdobeClean-Light"/>
-                          <a:cs typeface="AdobeClean-Light"/>
-                        </a:rPr>
-                        <a:t> </a:t>
-                      </a:r>
-                      <a:r>
-                        <a:rPr sz="900" spc="0">
-                          <a:solidFill>
-                            <a:srgbClr val="020302"/>
-                          </a:solidFill>
-                          <a:latin typeface="AdobeClean-Light"/>
-                          <a:cs typeface="AdobeClean-Light"/>
-                        </a:rPr>
-                        <a:t>Review, Maintenance &amp; Monitoring</a:t>
-                      </a:r>
-                      <a:endParaRPr sz="900" spc="0">
-                        <a:latin typeface="AdobeClean-Light"/>
-                        <a:cs typeface="AdobeClean-Light"/>
-                      </a:endParaRPr>
                     </a:p>
                   </a:txBody>
                   <a:tcPr marL="0" marR="0" marT="59055" marB="0">
@@ -6303,7 +5398,7 @@
                     <a:bodyPr/>
                     <a:lstStyle/>
                     <a:p>
-                      <a:pPr>
+                      <a:pPr algn="l" rtl="0">
                         <a:lnSpc>
                           <a:spcPct val="100000"/>
                         </a:lnSpc>
@@ -6332,7 +5427,7 @@
                     <a:bodyPr/>
                     <a:lstStyle/>
                     <a:p>
-                      <a:pPr>
+                      <a:pPr algn="l" rtl="0">
                         <a:lnSpc>
                           <a:spcPct val="100000"/>
                         </a:lnSpc>
@@ -6363,7 +5458,7 @@
                     <a:bodyPr/>
                     <a:lstStyle/>
                     <a:p>
-                      <a:pPr marL="49530">
+                      <a:pPr marL="49530" algn="l" rtl="0">
                         <a:lnSpc>
                           <a:spcPct val="100000"/>
                         </a:lnSpc>
@@ -6412,19 +5507,15 @@
                         </a:spcBef>
                       </a:pPr>
                       <a:r>
-                        <a:rPr sz="900" spc="0">
+                        <a:rPr lang="es-ES" sz="900" spc="-50" baseline="0" dirty="0">
                           <a:solidFill>
                             <a:srgbClr val="020302"/>
                           </a:solidFill>
                           <a:latin typeface="AdobeClean-Light"/>
                           <a:cs typeface="AdobeClean-Light"/>
                         </a:rPr>
-                        <a:t>Release, Migration, Upgrade &amp; Product Roadmap Review</a:t>
+                        <a:t>Lanzamiento, migración, actualización y revisión de la hoja de ruta del producto</a:t>
                       </a:r>
-                      <a:endParaRPr sz="900" spc="0">
-                        <a:latin typeface="AdobeClean-Light"/>
-                        <a:cs typeface="AdobeClean-Light"/>
-                      </a:endParaRPr>
                     </a:p>
                   </a:txBody>
                   <a:tcPr marL="0" marR="0" marT="63500" marB="0">
@@ -6447,7 +5538,7 @@
                     <a:bodyPr/>
                     <a:lstStyle/>
                     <a:p>
-                      <a:pPr>
+                      <a:pPr algn="l" rtl="0">
                         <a:lnSpc>
                           <a:spcPct val="100000"/>
                         </a:lnSpc>
@@ -6476,7 +5567,7 @@
                     <a:bodyPr/>
                     <a:lstStyle/>
                     <a:p>
-                      <a:pPr>
+                      <a:pPr algn="l" rtl="0">
                         <a:lnSpc>
                           <a:spcPct val="100000"/>
                         </a:lnSpc>
@@ -6507,7 +5598,7 @@
                     <a:bodyPr/>
                     <a:lstStyle/>
                     <a:p>
-                      <a:pPr marL="49530">
+                      <a:pPr marL="49530" algn="l" rtl="0">
                         <a:lnSpc>
                           <a:spcPct val="100000"/>
                         </a:lnSpc>
@@ -6565,11 +5656,11 @@
                         </a:spcBef>
                       </a:pPr>
                       <a:r>
-                        <a:rPr sz="900" spc="0">
+                        <a:rPr lang="es-ES" sz="900">
                           <a:latin typeface="AdobeClean-Light"/>
                           <a:cs typeface="AdobeClean-Light"/>
                         </a:rPr>
-                        <a:t>Cloud Support Activities – Experience Manager as Cloud</a:t>
+                        <a:t>Actividades de asistencia en la nube: Experience Manager as Cloud</a:t>
                       </a:r>
                     </a:p>
                   </a:txBody>
@@ -6599,7 +5690,7 @@
                     <a:bodyPr/>
                     <a:lstStyle/>
                     <a:p>
-                      <a:pPr>
+                      <a:pPr algn="l" rtl="0">
                         <a:lnSpc>
                           <a:spcPct val="100000"/>
                         </a:lnSpc>
@@ -6637,7 +5728,7 @@
                     <a:bodyPr/>
                     <a:lstStyle/>
                     <a:p>
-                      <a:pPr>
+                      <a:pPr algn="l" rtl="0">
                         <a:lnSpc>
                           <a:spcPct val="100000"/>
                         </a:lnSpc>
@@ -6686,22 +5777,15 @@
                         </a:spcBef>
                       </a:pPr>
                       <a:r>
-                        <a:rPr lang="en-US" sz="1000" b="1" i="0" spc="0">
+                        <a:rPr lang="es-ES" sz="1000" b="1" i="0">
                           <a:solidFill>
                             <a:schemeClr val="bg1"/>
                           </a:solidFill>
                           <a:latin typeface="Adobe Clean" panose="020B0503020404020204" pitchFamily="34" charset="0"/>
                           <a:cs typeface="AdobeClean-Light"/>
                         </a:rPr>
-                        <a:t>Field Services</a:t>
+                        <a:t>Servicios de campo</a:t>
                       </a:r>
-                      <a:endParaRPr sz="1000" b="1" i="0" spc="0">
-                        <a:solidFill>
-                          <a:schemeClr val="bg1"/>
-                        </a:solidFill>
-                        <a:latin typeface="Adobe Clean" panose="020B0503020404020204" pitchFamily="34" charset="0"/>
-                        <a:cs typeface="AdobeClean-Light"/>
-                      </a:endParaRPr>
                     </a:p>
                   </a:txBody>
                   <a:tcPr marL="0" marR="0" marT="48260" marB="0" anchor="ctr">
@@ -6754,19 +5838,55 @@
                         </a:spcBef>
                       </a:pPr>
                       <a:r>
-                        <a:rPr sz="900" spc="0">
+                        <a:rPr lang="es-ES" sz="900" dirty="0">
                           <a:solidFill>
                             <a:srgbClr val="020302"/>
                           </a:solidFill>
                           <a:latin typeface="AdobeClean-Light"/>
                           <a:cs typeface="AdobeClean-Light"/>
                         </a:rPr>
-                        <a:t>Launch Advisory Services – First Year of new solution</a:t>
+                        <a:t>Servicios de </a:t>
                       </a:r>
-                      <a:endParaRPr sz="900" spc="0">
-                        <a:latin typeface="AdobeClean-Light"/>
-                        <a:cs typeface="AdobeClean-Light"/>
-                      </a:endParaRPr>
+                      <a:r>
+                        <a:rPr lang="es-ES" sz="900" dirty="0" err="1">
+                          <a:solidFill>
+                            <a:srgbClr val="020302"/>
+                          </a:solidFill>
+                          <a:latin typeface="AdobeClean-Light"/>
+                          <a:cs typeface="AdobeClean-Light"/>
+                        </a:rPr>
+                        <a:t>Launch</a:t>
+                      </a:r>
+                      <a:r>
+                        <a:rPr lang="es-ES" sz="900" dirty="0">
+                          <a:solidFill>
+                            <a:srgbClr val="020302"/>
+                          </a:solidFill>
+                          <a:latin typeface="AdobeClean-Light"/>
+                          <a:cs typeface="AdobeClean-Light"/>
+                        </a:rPr>
+                        <a:t> </a:t>
+                      </a:r>
+                      <a:r>
+                        <a:rPr lang="es-ES" sz="900" dirty="0" err="1">
+                          <a:solidFill>
+                            <a:srgbClr val="020302"/>
+                          </a:solidFill>
+                          <a:latin typeface="AdobeClean-Light"/>
+                          <a:cs typeface="AdobeClean-Light"/>
+                        </a:rPr>
+                        <a:t>Advisory</a:t>
+                      </a:r>
+                      <a:r>
+                        <a:rPr lang="es-ES" sz="900" dirty="0">
+                          <a:solidFill>
+                            <a:srgbClr val="020302"/>
+                          </a:solidFill>
+                          <a:latin typeface="AdobeClean-Light"/>
+                          <a:cs typeface="AdobeClean-Light"/>
+                        </a:rPr>
+                        <a:t>: primer año de la nueva solución</a:t>
+                      </a:r>
                     </a:p>
                     <a:p>
                       <a:pPr marL="48260" hangingPunct="0">
@@ -6778,11 +5898,11 @@
                         </a:spcBef>
                       </a:pPr>
                       <a:r>
-                        <a:rPr sz="900" spc="0">
+                        <a:rPr lang="es-ES" sz="900" dirty="0">
                           <a:latin typeface="AdobeClean-Light"/>
                           <a:cs typeface="AdobeClean-Light"/>
                         </a:rPr>
-                        <a:t>Field Service Activities </a:t>
+                        <a:t>Actividades del servicio de campo </a:t>
                       </a:r>
                     </a:p>
                   </a:txBody>
@@ -6818,7 +5938,7 @@
                     <a:bodyPr/>
                     <a:lstStyle/>
                     <a:p>
-                      <a:pPr>
+                      <a:pPr algn="l" rtl="0">
                         <a:lnSpc>
                           <a:spcPct val="100000"/>
                         </a:lnSpc>
@@ -6856,7 +5976,7 @@
                     <a:bodyPr/>
                     <a:lstStyle/>
                     <a:p>
-                      <a:pPr>
+                      <a:pPr algn="l" rtl="0">
                         <a:lnSpc>
                           <a:spcPct val="100000"/>
                         </a:lnSpc>
@@ -6941,7 +6061,7 @@
                     <a:bodyPr/>
                     <a:lstStyle/>
                     <a:p>
-                      <a:pPr>
+                      <a:pPr algn="l" rtl="0">
                         <a:lnSpc>
                           <a:spcPct val="100000"/>
                         </a:lnSpc>
@@ -6967,12 +6087,12 @@
                     <a:bodyPr/>
                     <a:lstStyle/>
                     <a:p>
-                      <a:pPr>
+                      <a:pPr algn="l" rtl="0">
                         <a:lnSpc>
                           <a:spcPct val="100000"/>
                         </a:lnSpc>
                       </a:pPr>
-                      <a:endParaRPr sz="900">
+                      <a:endParaRPr sz="900" dirty="0">
                         <a:latin typeface="Times New Roman"/>
                         <a:cs typeface="Times New Roman"/>
                       </a:endParaRPr>
@@ -7031,7 +6151,7 @@
           <a:lstStyle/>
           <a:p>
             <a:r>
-              <a:rPr lang="en-US" sz="700" i="1">
+              <a:rPr lang="es-ES" sz="700" i="1">
                 <a:solidFill>
                   <a:schemeClr val="bg1"/>
                 </a:solidFill>
@@ -7234,18 +6354,14 @@
               </a:spcBef>
             </a:pPr>
             <a:r>
-              <a:rPr lang="en-US" sz="1000">
+              <a:rPr lang="es-ES" sz="1000">
                 <a:solidFill>
                   <a:srgbClr val="000000"/>
                 </a:solidFill>
                 <a:latin typeface="Adobe Clean Light" panose="020B0303020404020204" pitchFamily="34" charset="0"/>
               </a:rPr>
-              <a:t>A designated Account Support Lead to proactively monitor cases, drive cross-team collaboration, deliver onboarding webinars, run service reports, provide non-technical support assistance, and function as your escalation point and internal advocate within Adobe Support.</a:t>
+              <a:t>Un responsable de la asistencia técnica de la cuenta particular para monitorizar de forma proactiva los casos, impulsar la colaboración entre equipos, ofrecer seminarios web de incorporación, ejecutar informes de servicios, proporcionar asistencia no técnica, y actuar como punto de escalación y defensor interno dentro del equipo de asistencia de Adobe.</a:t>
             </a:r>
-            <a:endParaRPr lang="en-US" sz="1000">
-              <a:latin typeface="Adobe Clean Light" panose="020B0303020404020204" pitchFamily="34" charset="0"/>
-              <a:cs typeface="AdobeClean-Light"/>
-            </a:endParaRPr>
           </a:p>
         </p:txBody>
       </p:sp>
@@ -7257,8 +6373,8 @@
         </p:nvSpPr>
         <p:spPr>
           <a:xfrm>
-            <a:off x="2836967" y="8618616"/>
-            <a:ext cx="2286000" cy="487313"/>
+            <a:off x="2836966" y="8618616"/>
+            <a:ext cx="2416449" cy="641201"/>
           </a:xfrm>
           <a:prstGeom prst="rect">
             <a:avLst/>
@@ -7282,42 +6398,15 @@
               </a:tabLst>
             </a:pPr>
             <a:r>
-              <a:rPr sz="1000">
+              <a:rPr lang="es-ES" sz="1000" dirty="0">
                 <a:solidFill>
                   <a:srgbClr val="020302"/>
                 </a:solidFill>
                 <a:latin typeface="AdobeClean-Light"/>
                 <a:cs typeface="AdobeClean-Light"/>
               </a:rPr>
-              <a:t>Start a chat session to get answers</a:t>
+              <a:t>Inicie una sesión de chat para obtener respuestas y ayuda con el envío de casos.</a:t>
             </a:r>
-            <a:r>
-              <a:rPr lang="en-US" sz="1000">
-                <a:solidFill>
-                  <a:srgbClr val="020302"/>
-                </a:solidFill>
-                <a:latin typeface="AdobeClean-Light"/>
-                <a:cs typeface="AdobeClean-Light"/>
-              </a:rPr>
-              <a:t> &amp; </a:t>
-            </a:r>
-            <a:r>
-              <a:rPr sz="1000">
-                <a:solidFill>
-                  <a:srgbClr val="020302"/>
-                </a:solidFill>
-                <a:latin typeface="AdobeClean-Light"/>
-                <a:cs typeface="AdobeClean-Light"/>
-              </a:rPr>
-              <a:t>help with case submission</a:t>
-            </a:r>
-            <a:endParaRPr lang="en-US" sz="1000">
-              <a:solidFill>
-                <a:srgbClr val="020302"/>
-              </a:solidFill>
-              <a:latin typeface="AdobeClean-Light"/>
-              <a:cs typeface="AdobeClean-Light"/>
-            </a:endParaRPr>
           </a:p>
           <a:p>
             <a:pPr marL="33020" marR="159385">
@@ -7332,17 +6421,17 @@
               </a:tabLst>
             </a:pPr>
             <a:r>
-              <a:rPr sz="1000" i="1">
+              <a:rPr lang="es-ES" sz="1000" i="1" dirty="0">
                 <a:solidFill>
                   <a:srgbClr val="7A7A7A"/>
                 </a:solidFill>
                 <a:latin typeface="AdobeClean-LightIt"/>
                 <a:cs typeface="AdobeClean-LightIt"/>
               </a:rPr>
-              <a:t>*Not all products have live chat support</a:t>
+              <a:t>* No todos los productos ofrecen la opción de disfrutar de asistencia mediante chat en directo</a:t>
             </a:r>
             <a:r>
-              <a:rPr sz="900" i="1">
+              <a:rPr lang="es-ES" sz="900" i="1" dirty="0">
                 <a:solidFill>
                   <a:srgbClr val="7A7A7A"/>
                 </a:solidFill>
@@ -7351,10 +6440,6 @@
               </a:rPr>
               <a:t>.  </a:t>
             </a:r>
-            <a:endParaRPr sz="900">
-              <a:latin typeface="AdobeClean-Light"/>
-              <a:cs typeface="AdobeClean-Light"/>
-            </a:endParaRPr>
           </a:p>
         </p:txBody>
       </p:sp>
@@ -7430,12 +6515,12 @@
               <a:defRPr/>
             </a:pPr>
             <a:r>
-              <a:rPr lang="en-US" sz="1200">
+              <a:rPr lang="es-ES" sz="1200">
                 <a:solidFill>
                   <a:srgbClr val="000000"/>
                 </a:solidFill>
               </a:rPr>
-              <a:t>Community Forums</a:t>
+              <a:t>Foros de la comunidad</a:t>
             </a:r>
           </a:p>
         </p:txBody>
@@ -7478,12 +6563,12 @@
               </a:spcAft>
             </a:pPr>
             <a:r>
-              <a:rPr lang="en-US" sz="1200" b="1">
+              <a:rPr lang="es-ES" sz="1200" b="1">
                 <a:latin typeface="+mj-lt"/>
                 <a:ea typeface="Open Sans" pitchFamily="34" charset="0"/>
                 <a:cs typeface="Open Sans" pitchFamily="34" charset="0"/>
               </a:rPr>
-              <a:t>Online Forums</a:t>
+              <a:t>Foros en línea</a:t>
             </a:r>
           </a:p>
         </p:txBody>
@@ -7503,7 +6588,7 @@
         <p:spPr>
           <a:xfrm>
             <a:off x="370040" y="6529249"/>
-            <a:ext cx="2286000" cy="805349"/>
+            <a:ext cx="2286000" cy="1113125"/>
           </a:xfrm>
           <a:prstGeom prst="rect">
             <a:avLst/>
@@ -7516,13 +6601,13 @@
           <a:lstStyle/>
           <a:p>
             <a:r>
-              <a:rPr lang="en-US" sz="1000">
+              <a:rPr lang="es-ES" sz="1000" dirty="0">
                 <a:solidFill>
                   <a:srgbClr val="000000"/>
                 </a:solidFill>
                 <a:latin typeface="Adobe Clean Light" panose="020B0303020404020204" pitchFamily="34" charset="0"/>
               </a:rPr>
-              <a:t>Continuous online access to a growing database of technical solutions, product documentation, FAQs and more. Thousands of customers can connect to share best practices and lessons learned.</a:t>
+              <a:t>Acceso continuo en línea a una base de datos donde encontrará cada vez más soluciones técnicas, documentación de productos, preguntas frecuentes y mucho más. Miles de clientes se pueden conectar para compartir las prácticas recomendadas y las lecciones aprendidas.</a:t>
             </a:r>
           </a:p>
         </p:txBody>
@@ -7565,12 +6650,12 @@
               </a:spcAft>
             </a:pPr>
             <a:r>
-              <a:rPr lang="en-US" sz="1200" b="1">
+              <a:rPr lang="es-ES" sz="1200" b="1">
                 <a:latin typeface="+mj-lt"/>
                 <a:ea typeface="Open Sans" pitchFamily="34" charset="0"/>
                 <a:cs typeface="Open Sans" pitchFamily="34" charset="0"/>
               </a:rPr>
-              <a:t>Self-guided Journeys</a:t>
+              <a:t>Recorridos autoguiados</a:t>
             </a:r>
           </a:p>
         </p:txBody>
@@ -7590,7 +6675,7 @@
         <p:spPr>
           <a:xfrm>
             <a:off x="5376301" y="6529249"/>
-            <a:ext cx="2286000" cy="959237"/>
+            <a:ext cx="2286000" cy="1267014"/>
           </a:xfrm>
           <a:prstGeom prst="rect">
             <a:avLst/>
@@ -7603,13 +6688,101 @@
           <a:lstStyle/>
           <a:p>
             <a:r>
-              <a:rPr lang="en-US" sz="1000">
+              <a:rPr lang="es-ES" sz="1000" dirty="0">
                 <a:solidFill>
                   <a:srgbClr val="000000"/>
                 </a:solidFill>
                 <a:latin typeface="Adobe Clean Light" panose="020B0303020404020204" pitchFamily="34" charset="0"/>
               </a:rPr>
-              <a:t>Experience Makers are made with Experience League. Customers can kickstart their Customer Experience Management abilities with personalized learning to develop skills, engage with a global community of peers, and earn career advancing recognition.</a:t>
+              <a:t>Los </a:t>
+            </a:r>
+            <a:r>
+              <a:rPr lang="es-ES" sz="1000" dirty="0" err="1">
+                <a:solidFill>
+                  <a:srgbClr val="000000"/>
+                </a:solidFill>
+                <a:latin typeface="Adobe Clean Light" panose="020B0303020404020204" pitchFamily="34" charset="0"/>
+              </a:rPr>
+              <a:t>experience</a:t>
+            </a:r>
+            <a:r>
+              <a:rPr lang="es-ES" sz="1000" dirty="0">
+                <a:solidFill>
+                  <a:srgbClr val="000000"/>
+                </a:solidFill>
+                <a:latin typeface="Adobe Clean Light" panose="020B0303020404020204" pitchFamily="34" charset="0"/>
+              </a:rPr>
+              <a:t> </a:t>
+            </a:r>
+            <a:r>
+              <a:rPr lang="es-ES" sz="1000" dirty="0" err="1">
+                <a:solidFill>
+                  <a:srgbClr val="000000"/>
+                </a:solidFill>
+                <a:latin typeface="Adobe Clean Light" panose="020B0303020404020204" pitchFamily="34" charset="0"/>
+              </a:rPr>
+              <a:t>makers</a:t>
+            </a:r>
+            <a:r>
+              <a:rPr lang="es-ES" sz="1000" dirty="0">
+                <a:solidFill>
+                  <a:srgbClr val="000000"/>
+                </a:solidFill>
+                <a:latin typeface="Adobe Clean Light" panose="020B0303020404020204" pitchFamily="34" charset="0"/>
+              </a:rPr>
+              <a:t> se realizan con </a:t>
+            </a:r>
+            <a:r>
+              <a:rPr lang="es-ES" sz="1000" dirty="0" err="1">
+                <a:solidFill>
+                  <a:srgbClr val="000000"/>
+                </a:solidFill>
+                <a:latin typeface="Adobe Clean Light" panose="020B0303020404020204" pitchFamily="34" charset="0"/>
+              </a:rPr>
+              <a:t>Experience</a:t>
+            </a:r>
+            <a:r>
+              <a:rPr lang="es-ES" sz="1000" dirty="0">
+                <a:solidFill>
+                  <a:srgbClr val="000000"/>
+                </a:solidFill>
+                <a:latin typeface="Adobe Clean Light" panose="020B0303020404020204" pitchFamily="34" charset="0"/>
+              </a:rPr>
+              <a:t> League. Los clientes pueden aplicar sus conocimientos de administración de la experiencia del cliente con aprendizaje personalizado para desarrollar habilidades, interactuar con la comunidad internacional </a:t>
+            </a:r>
+            <a:br>
+              <a:rPr lang="sk-SK" sz="1000" dirty="0">
+                <a:solidFill>
+                  <a:srgbClr val="000000"/>
+                </a:solidFill>
+                <a:latin typeface="Adobe Clean Light" panose="020B0303020404020204" pitchFamily="34" charset="0"/>
+              </a:rPr>
+            </a:br>
+            <a:r>
+              <a:rPr lang="es-ES" sz="1000" dirty="0">
+                <a:solidFill>
+                  <a:srgbClr val="000000"/>
+                </a:solidFill>
+                <a:latin typeface="Adobe Clean Light" panose="020B0303020404020204" pitchFamily="34" charset="0"/>
+              </a:rPr>
+              <a:t>de compañeros y obtener reconocimiento </a:t>
+            </a:r>
+            <a:br>
+              <a:rPr lang="sk-SK" sz="1000" dirty="0">
+                <a:solidFill>
+                  <a:srgbClr val="000000"/>
+                </a:solidFill>
+                <a:latin typeface="Adobe Clean Light" panose="020B0303020404020204" pitchFamily="34" charset="0"/>
+              </a:rPr>
+            </a:br>
+            <a:r>
+              <a:rPr lang="es-ES" sz="1000" dirty="0">
+                <a:solidFill>
+                  <a:srgbClr val="000000"/>
+                </a:solidFill>
+                <a:latin typeface="Adobe Clean Light" panose="020B0303020404020204" pitchFamily="34" charset="0"/>
+              </a:rPr>
+              <a:t>en su trayectoria profesional.</a:t>
             </a:r>
           </a:p>
         </p:txBody>
@@ -7657,12 +6830,12 @@
               <a:defRPr/>
             </a:pPr>
             <a:r>
-              <a:rPr lang="en-US" sz="1200">
+              <a:rPr lang="es-ES" sz="1200">
                 <a:solidFill>
                   <a:srgbClr val="000000"/>
                 </a:solidFill>
               </a:rPr>
-              <a:t>Live Chat  Support*</a:t>
+              <a:t>Asistencia mediante chat en directo*</a:t>
             </a:r>
           </a:p>
         </p:txBody>
@@ -7705,12 +6878,12 @@
               </a:spcAft>
             </a:pPr>
             <a:r>
-              <a:rPr lang="en-US" sz="1200" b="1">
+              <a:rPr lang="es-ES" sz="1200" b="1">
                 <a:latin typeface="+mj-lt"/>
                 <a:ea typeface="Open Sans" pitchFamily="34" charset="0"/>
                 <a:cs typeface="Open Sans" pitchFamily="34" charset="0"/>
               </a:rPr>
-              <a:t>Chat Support</a:t>
+              <a:t>Asistencia mediante chat</a:t>
             </a:r>
           </a:p>
         </p:txBody>
@@ -7758,12 +6931,12 @@
               <a:defRPr/>
             </a:pPr>
             <a:r>
-              <a:rPr lang="en-US" sz="1200">
+              <a:rPr lang="es-ES" sz="1200">
                 <a:solidFill>
                   <a:srgbClr val="000000"/>
                 </a:solidFill>
               </a:rPr>
-              <a:t>24X7 P1 </a:t>
+              <a:t>24/7 P1 </a:t>
             </a:r>
           </a:p>
         </p:txBody>
@@ -7806,12 +6979,12 @@
               </a:spcAft>
             </a:pPr>
             <a:r>
-              <a:rPr lang="en-US" sz="1200" b="1">
+              <a:rPr lang="es-ES" sz="1200" b="1">
                 <a:latin typeface="+mj-lt"/>
                 <a:ea typeface="Open Sans" pitchFamily="34" charset="0"/>
                 <a:cs typeface="Open Sans" pitchFamily="34" charset="0"/>
               </a:rPr>
-              <a:t>Phone Support</a:t>
+              <a:t>Asistencia telefónica</a:t>
             </a:r>
           </a:p>
         </p:txBody>
@@ -7831,7 +7004,7 @@
         <p:spPr>
           <a:xfrm>
             <a:off x="2836967" y="6529249"/>
-            <a:ext cx="2286000" cy="805349"/>
+            <a:ext cx="2286000" cy="1113125"/>
           </a:xfrm>
           <a:prstGeom prst="rect">
             <a:avLst/>
@@ -7844,26 +7017,48 @@
           <a:lstStyle/>
           <a:p>
             <a:r>
-              <a:rPr lang="en-US" sz="1000">
+              <a:rPr lang="es-ES" sz="1000" dirty="0">
                 <a:solidFill>
                   <a:srgbClr val="020302"/>
                 </a:solidFill>
                 <a:latin typeface="AdobeClean-Light"/>
               </a:rPr>
-              <a:t>Authorized users or Named Support Contacts </a:t>
+              <a:t>Los usuarios autorizados o los contactos </a:t>
+            </a:r>
+            <a:br>
+              <a:rPr lang="sk-SK" sz="1000" dirty="0">
+                <a:solidFill>
+                  <a:srgbClr val="020302"/>
+                </a:solidFill>
+                <a:latin typeface="AdobeClean-Light"/>
+              </a:rPr>
+            </a:br>
+            <a:r>
+              <a:rPr lang="es-ES" sz="1000" dirty="0">
+                <a:solidFill>
+                  <a:srgbClr val="020302"/>
+                </a:solidFill>
+                <a:latin typeface="AdobeClean-Light"/>
+              </a:rPr>
+              <a:t>de soporte particulares</a:t>
             </a:r>
             <a:r>
-              <a:rPr lang="en-US" sz="1000">
+              <a:rPr lang="es-ES" sz="1000" dirty="0">
                 <a:latin typeface="Adobe Clean Light" panose="020B0303020404020204" pitchFamily="34" charset="0"/>
               </a:rPr>
-              <a:t>can submit issues through all available  channels (including phone for P1) and interact with our technical support team on behalf of your company. </a:t>
+              <a:t> pueden enviar problemas a través de todos los canales disponibles (incluido el teléfono en el caso </a:t>
             </a:r>
-            <a:endParaRPr lang="en-US" sz="1000">
-              <a:solidFill>
-                <a:srgbClr val="000000"/>
-              </a:solidFill>
-              <a:latin typeface="Adobe Clean Light" panose="020B0303020404020204" pitchFamily="34" charset="0"/>
-            </a:endParaRPr>
+            <a:br>
+              <a:rPr lang="sk-SK" sz="1000" dirty="0">
+                <a:latin typeface="Adobe Clean Light" panose="020B0303020404020204" pitchFamily="34" charset="0"/>
+              </a:rPr>
+            </a:br>
+            <a:r>
+              <a:rPr lang="es-ES" sz="1000" dirty="0">
+                <a:latin typeface="Adobe Clean Light" panose="020B0303020404020204" pitchFamily="34" charset="0"/>
+              </a:rPr>
+              <a:t>de los problemas P1) y hablar con nuestro equipo de asistencia en nombre de su empresa. </a:t>
+            </a:r>
           </a:p>
         </p:txBody>
       </p:sp>
@@ -7907,24 +7102,8 @@
               </a:spcBef>
             </a:pPr>
             <a:r>
-              <a:rPr spc="-5"/>
-              <a:t>©202</a:t>
-            </a:r>
-            <a:r>
-              <a:rPr lang="en-US" spc="-5"/>
-              <a:t>1</a:t>
-            </a:r>
-            <a:r>
-              <a:rPr spc="-5"/>
-              <a:t> Adobe. All Rights Reserved. Adobe</a:t>
-            </a:r>
-            <a:r>
-              <a:rPr spc="60"/>
-              <a:t> </a:t>
-            </a:r>
-            <a:r>
-              <a:rPr spc="-5"/>
-              <a:t>Confidential.</a:t>
+              <a:rPr lang="es-ES"/>
+              <a:t>©2021 Adobe. All Rights Reserved. Adobe Confidential.</a:t>
             </a:r>
           </a:p>
         </p:txBody>
@@ -7946,7 +7125,7 @@
         <p:spPr>
           <a:xfrm>
             <a:off x="821898" y="1099315"/>
-            <a:ext cx="1726164" cy="184666"/>
+            <a:ext cx="1916592" cy="369332"/>
           </a:xfrm>
           <a:prstGeom prst="rect">
             <a:avLst/>
@@ -7967,13 +7146,13 @@
               </a:spcAft>
             </a:pPr>
             <a:r>
-              <a:rPr lang="en-US" sz="1200" b="1" spc="-10">
+              <a:rPr lang="es-ES" sz="1200" b="1" dirty="0">
                 <a:solidFill>
                   <a:srgbClr val="020302"/>
                 </a:solidFill>
                 <a:latin typeface="+mj-lt"/>
               </a:rPr>
-              <a:t>Account Support Lead</a:t>
+              <a:t>Responsable de la asistencia técnica de la cuenta</a:t>
             </a:r>
           </a:p>
         </p:txBody>
@@ -8062,19 +7241,15 @@
               </a:spcBef>
             </a:pPr>
             <a:r>
-              <a:rPr lang="en-US" sz="1400" b="1" spc="-10">
+              <a:rPr lang="es-ES" sz="1400" b="1">
                 <a:solidFill>
                   <a:srgbClr val="020302"/>
                 </a:solidFill>
                 <a:latin typeface="Adobe Clean"/>
                 <a:cs typeface="Adobe Clean"/>
               </a:rPr>
-              <a:t>Online Support Features</a:t>
+              <a:t>Funciones de soporte Online</a:t>
             </a:r>
-            <a:endParaRPr lang="en-US" sz="1400">
-              <a:latin typeface="Adobe Clean"/>
-              <a:cs typeface="Adobe Clean"/>
-            </a:endParaRPr>
           </a:p>
         </p:txBody>
       </p:sp>
@@ -8162,19 +7337,15 @@
               </a:spcBef>
             </a:pPr>
             <a:r>
-              <a:rPr lang="en-US" sz="1400" b="1" spc="-10">
+              <a:rPr lang="es-ES" sz="1400" b="1">
                 <a:solidFill>
                   <a:srgbClr val="020302"/>
                 </a:solidFill>
                 <a:latin typeface="Adobe Clean"/>
                 <a:cs typeface="Adobe Clean"/>
               </a:rPr>
-              <a:t>Business  Support Features</a:t>
+              <a:t>Funciones de soporte Business</a:t>
             </a:r>
-            <a:endParaRPr lang="en-US" sz="1400">
-              <a:latin typeface="Adobe Clean"/>
-              <a:cs typeface="Adobe Clean"/>
-            </a:endParaRPr>
           </a:p>
         </p:txBody>
       </p:sp>
@@ -8193,7 +7364,7 @@
         <p:spPr>
           <a:xfrm>
             <a:off x="2836967" y="1370913"/>
-            <a:ext cx="2286000" cy="1456681"/>
+            <a:ext cx="2456884" cy="1635319"/>
           </a:xfrm>
           <a:prstGeom prst="rect">
             <a:avLst/>
@@ -8214,15 +7385,44 @@
               </a:spcBef>
             </a:pPr>
             <a:r>
-              <a:rPr lang="en-US" sz="1000">
+              <a:rPr lang="es-ES" sz="900" dirty="0">
                 <a:latin typeface="Adobe Clean Light" panose="020B0303020404020204" pitchFamily="34" charset="0"/>
               </a:rPr>
-              <a:t>Customers can submit support cases via Phone for all P2, P3, P4 issues during regional support hours. There are no upper limits on the number of times you can call into support. Customers can also request a call back from support or request a meeting to demonstrate or work through an issue using a shared remote desktop session.</a:t>
+              <a:t>Los clientes pueden enviar casos de asistencia por teléfono en lo relacionado con todos los problemas P2, P3 y P4 durante el horario de asistencia regional. </a:t>
             </a:r>
-            <a:endParaRPr lang="en-US" sz="1000">
-              <a:latin typeface="Adobe Clean Light" panose="020B0303020404020204" pitchFamily="34" charset="0"/>
-              <a:cs typeface="AdobeClean-Light"/>
-            </a:endParaRPr>
+            <a:br>
+              <a:rPr lang="sk-SK" sz="900" dirty="0">
+                <a:latin typeface="Adobe Clean Light" panose="020B0303020404020204" pitchFamily="34" charset="0"/>
+              </a:rPr>
+            </a:br>
+            <a:r>
+              <a:rPr lang="es-ES" sz="900" dirty="0">
+                <a:latin typeface="Adobe Clean Light" panose="020B0303020404020204" pitchFamily="34" charset="0"/>
+              </a:rPr>
+              <a:t>No existen límites máximos en cuanto a la cantidad </a:t>
+            </a:r>
+            <a:br>
+              <a:rPr lang="sk-SK" sz="900" dirty="0">
+                <a:latin typeface="Adobe Clean Light" panose="020B0303020404020204" pitchFamily="34" charset="0"/>
+              </a:rPr>
+            </a:br>
+            <a:r>
+              <a:rPr lang="es-ES" sz="900" dirty="0">
+                <a:latin typeface="Adobe Clean Light" panose="020B0303020404020204" pitchFamily="34" charset="0"/>
+              </a:rPr>
+              <a:t>de veces que puede llamar al equipo de asistencia. </a:t>
+            </a:r>
+            <a:br>
+              <a:rPr lang="sk-SK" sz="900" dirty="0">
+                <a:latin typeface="Adobe Clean Light" panose="020B0303020404020204" pitchFamily="34" charset="0"/>
+              </a:rPr>
+            </a:br>
+            <a:r>
+              <a:rPr lang="es-ES" sz="900" dirty="0">
+                <a:latin typeface="Adobe Clean Light" panose="020B0303020404020204" pitchFamily="34" charset="0"/>
+              </a:rPr>
+              <a:t>Los clientes también pueden solicitar que el servicio de asistencia les llame por teléfono o solicitar una reunión para ver o solucionar un problema mediante una sesión de escritorio remoto compartida.</a:t>
+            </a:r>
           </a:p>
         </p:txBody>
       </p:sp>
@@ -8264,13 +7464,13 @@
               </a:spcAft>
             </a:pPr>
             <a:r>
-              <a:rPr lang="en-US" sz="1200" b="1" spc="-10">
+              <a:rPr lang="es-ES" sz="1200" b="1">
                 <a:solidFill>
                   <a:srgbClr val="020302"/>
                 </a:solidFill>
                 <a:latin typeface="+mj-lt"/>
               </a:rPr>
-              <a:t>Live Telephone Support</a:t>
+              <a:t>Asistencia telefónica en directo</a:t>
             </a:r>
           </a:p>
         </p:txBody>
@@ -8311,18 +7511,14 @@
               </a:spcBef>
             </a:pPr>
             <a:r>
-              <a:rPr lang="en-US" sz="1000">
+              <a:rPr lang="es-ES" sz="1000" dirty="0">
                 <a:solidFill>
                   <a:srgbClr val="4B4B4B"/>
                 </a:solidFill>
                 <a:latin typeface="Adobe Clean Light" panose="020B0303020404020204" pitchFamily="34" charset="0"/>
               </a:rPr>
-              <a:t>A designated point of contact within Adobe who can provide escalation assistance, regular updates and ensure priority is given to your most critical open support requests.</a:t>
+              <a:t>Un punto de contacto designado de Adobe que puede proporcionar asistencia en cuanto a escalabilidad y actualizaciones frecuentes, así como garantizar que se dé prioridad a sus solicitudes de soporte abierto más críticas.</a:t>
             </a:r>
-            <a:endParaRPr lang="en-US" sz="1000">
-              <a:latin typeface="Adobe Clean Light" panose="020B0303020404020204" pitchFamily="34" charset="0"/>
-              <a:cs typeface="AdobeClean-Light"/>
-            </a:endParaRPr>
           </a:p>
         </p:txBody>
       </p:sp>
@@ -8343,7 +7539,7 @@
         <p:spPr>
           <a:xfrm>
             <a:off x="5885313" y="1085652"/>
-            <a:ext cx="1608472" cy="184666"/>
+            <a:ext cx="1608472" cy="369332"/>
           </a:xfrm>
           <a:prstGeom prst="rect">
             <a:avLst/>
@@ -8364,13 +7560,30 @@
               </a:spcAft>
             </a:pPr>
             <a:r>
-              <a:rPr lang="en-US" sz="1200" b="1" spc="-10">
+              <a:rPr lang="es-ES" sz="1200" b="1" dirty="0">
                 <a:solidFill>
                   <a:srgbClr val="020302"/>
                 </a:solidFill>
                 <a:latin typeface="+mj-lt"/>
               </a:rPr>
-              <a:t>Escalation Management</a:t>
+              <a:t>Administración </a:t>
+            </a:r>
+            <a:br>
+              <a:rPr lang="sk-SK" sz="1200" b="1" dirty="0">
+                <a:solidFill>
+                  <a:srgbClr val="020302"/>
+                </a:solidFill>
+                <a:latin typeface="+mj-lt"/>
+              </a:rPr>
+            </a:br>
+            <a:r>
+              <a:rPr lang="es-ES" sz="1200" b="1" dirty="0">
+                <a:solidFill>
+                  <a:srgbClr val="020302"/>
+                </a:solidFill>
+                <a:latin typeface="+mj-lt"/>
+              </a:rPr>
+              <a:t>de la escalabilidad</a:t>
             </a:r>
           </a:p>
         </p:txBody>
@@ -8418,12 +7631,12 @@
               <a:defRPr/>
             </a:pPr>
             <a:r>
-              <a:rPr lang="en-US" sz="1200">
+              <a:rPr lang="es-ES" sz="1200">
                 <a:solidFill>
                   <a:srgbClr val="000000"/>
                 </a:solidFill>
               </a:rPr>
-              <a:t>Office Hours</a:t>
+              <a:t>Horario de oficina</a:t>
             </a:r>
           </a:p>
         </p:txBody>
@@ -8466,12 +7679,12 @@
               </a:spcAft>
             </a:pPr>
             <a:r>
-              <a:rPr lang="en-US" sz="1200" b="1">
+              <a:rPr lang="es-ES" sz="1200" b="1">
                 <a:latin typeface="+mj-lt"/>
                 <a:ea typeface="Open Sans" pitchFamily="34" charset="0"/>
                 <a:cs typeface="Open Sans" pitchFamily="34" charset="0"/>
               </a:rPr>
-              <a:t>Webinars</a:t>
+              <a:t>Seminarios web</a:t>
             </a:r>
           </a:p>
         </p:txBody>
@@ -8504,13 +7717,99 @@
           <a:lstStyle/>
           <a:p>
             <a:r>
-              <a:rPr lang="en-US" sz="1000">
+              <a:rPr lang="es-ES" sz="1000" dirty="0">
                 <a:solidFill>
                   <a:srgbClr val="000000"/>
                 </a:solidFill>
                 <a:latin typeface="Adobe Clean Light" panose="020B0303020404020204" pitchFamily="34" charset="0"/>
               </a:rPr>
-              <a:t>Office Hours is an initiative led by the Adobe Customer Support team. These sessions are designed to inform as well as help participants troubleshoot problems and provide tips and tricks to be successful with Adobe Experience Cloud.</a:t>
+              <a:t>“Horario de oficina” es una iniciativa liderada por el equipo de asistencia al cliente </a:t>
+            </a:r>
+            <a:br>
+              <a:rPr lang="sk-SK" sz="1000" dirty="0">
+                <a:solidFill>
+                  <a:srgbClr val="000000"/>
+                </a:solidFill>
+                <a:latin typeface="Adobe Clean Light" panose="020B0303020404020204" pitchFamily="34" charset="0"/>
+              </a:rPr>
+            </a:br>
+            <a:r>
+              <a:rPr lang="es-ES" sz="1000" dirty="0">
+                <a:solidFill>
+                  <a:srgbClr val="000000"/>
+                </a:solidFill>
+                <a:latin typeface="Adobe Clean Light" panose="020B0303020404020204" pitchFamily="34" charset="0"/>
+              </a:rPr>
+              <a:t>de Adobe. Estas sesiones están diseñadas </a:t>
+            </a:r>
+            <a:br>
+              <a:rPr lang="sk-SK" sz="1000" dirty="0">
+                <a:solidFill>
+                  <a:srgbClr val="000000"/>
+                </a:solidFill>
+                <a:latin typeface="Adobe Clean Light" panose="020B0303020404020204" pitchFamily="34" charset="0"/>
+              </a:rPr>
+            </a:br>
+            <a:r>
+              <a:rPr lang="es-ES" sz="1000" dirty="0">
+                <a:solidFill>
+                  <a:srgbClr val="000000"/>
+                </a:solidFill>
+                <a:latin typeface="Adobe Clean Light" panose="020B0303020404020204" pitchFamily="34" charset="0"/>
+              </a:rPr>
+              <a:t>para informar y ayudar a los participantes </a:t>
+            </a:r>
+            <a:br>
+              <a:rPr lang="sk-SK" sz="1000" dirty="0">
+                <a:solidFill>
+                  <a:srgbClr val="000000"/>
+                </a:solidFill>
+                <a:latin typeface="Adobe Clean Light" panose="020B0303020404020204" pitchFamily="34" charset="0"/>
+              </a:rPr>
+            </a:br>
+            <a:r>
+              <a:rPr lang="es-ES" sz="1000" dirty="0">
+                <a:solidFill>
+                  <a:srgbClr val="000000"/>
+                </a:solidFill>
+                <a:latin typeface="Adobe Clean Light" panose="020B0303020404020204" pitchFamily="34" charset="0"/>
+              </a:rPr>
+              <a:t>a solucionar problemas, y ofrecen sugerencias y trucos para usar correctamente </a:t>
+            </a:r>
+            <a:br>
+              <a:rPr lang="sk-SK" sz="1000" dirty="0">
+                <a:solidFill>
+                  <a:srgbClr val="000000"/>
+                </a:solidFill>
+                <a:latin typeface="Adobe Clean Light" panose="020B0303020404020204" pitchFamily="34" charset="0"/>
+              </a:rPr>
+            </a:br>
+            <a:r>
+              <a:rPr lang="es-ES" sz="1000" dirty="0">
+                <a:solidFill>
+                  <a:srgbClr val="000000"/>
+                </a:solidFill>
+                <a:latin typeface="Adobe Clean Light" panose="020B0303020404020204" pitchFamily="34" charset="0"/>
+              </a:rPr>
+              <a:t>Adobe </a:t>
+            </a:r>
+            <a:r>
+              <a:rPr lang="es-ES" sz="1000" dirty="0" err="1">
+                <a:solidFill>
+                  <a:srgbClr val="000000"/>
+                </a:solidFill>
+                <a:latin typeface="Adobe Clean Light" panose="020B0303020404020204" pitchFamily="34" charset="0"/>
+              </a:rPr>
+              <a:t>Experience</a:t>
+            </a:r>
+            <a:r>
+              <a:rPr lang="es-ES" sz="1000" dirty="0">
+                <a:solidFill>
+                  <a:srgbClr val="000000"/>
+                </a:solidFill>
+                <a:latin typeface="Adobe Clean Light" panose="020B0303020404020204" pitchFamily="34" charset="0"/>
+              </a:rPr>
+              <a:t> Cloud.</a:t>
             </a:r>
           </a:p>
         </p:txBody>
@@ -8553,12 +7852,12 @@
               </a:spcAft>
             </a:pPr>
             <a:r>
-              <a:rPr lang="en-US" sz="1200" b="1">
+              <a:rPr lang="es-ES" sz="1200" b="1">
                 <a:latin typeface="+mj-lt"/>
                 <a:ea typeface="Open Sans" pitchFamily="34" charset="0"/>
                 <a:cs typeface="Open Sans" pitchFamily="34" charset="0"/>
               </a:rPr>
-              <a:t>24/7 Support Portal</a:t>
+              <a:t>Portal de asistencia 24/7</a:t>
             </a:r>
           </a:p>
         </p:txBody>
@@ -8578,7 +7877,7 @@
         <p:spPr>
           <a:xfrm>
             <a:off x="5376301" y="8618616"/>
-            <a:ext cx="2286000" cy="805349"/>
+            <a:ext cx="2286000" cy="959237"/>
           </a:xfrm>
           <a:prstGeom prst="rect">
             <a:avLst/>
@@ -8591,16 +7890,16 @@
           <a:lstStyle/>
           <a:p>
             <a:r>
-              <a:rPr lang="en-US" sz="1000">
+              <a:rPr lang="es-ES" sz="1000" dirty="0">
                 <a:solidFill>
                   <a:srgbClr val="000000"/>
                 </a:solidFill>
                 <a:latin typeface="Adobe Clean Light" panose="020B0303020404020204" pitchFamily="34" charset="0"/>
               </a:rPr>
-              <a:t>On-demand access to the online </a:t>
+              <a:t>Acceso al portal de asistencia de autoayuda </a:t>
             </a:r>
             <a:br>
-              <a:rPr lang="en-US" sz="1000">
+              <a:rPr lang="sk-SK" sz="1000" dirty="0">
                 <a:solidFill>
                   <a:srgbClr val="000000"/>
                 </a:solidFill>
@@ -8608,13 +7907,30 @@
               </a:rPr>
             </a:br>
             <a:r>
-              <a:rPr lang="en-US" sz="1000">
+              <a:rPr lang="es-ES" sz="1000" dirty="0">
                 <a:solidFill>
                   <a:srgbClr val="000000"/>
                 </a:solidFill>
                 <a:latin typeface="Adobe Clean Light" panose="020B0303020404020204" pitchFamily="34" charset="0"/>
               </a:rPr>
-              <a:t>Self-help Support Portal to submit support requests, review case status, and browse other resources, like our knowledgebase, news and alerts, featured tips, and more.</a:t>
+              <a:t>en línea previa solicitud para enviar solicitudes de asistencia, revisar el estado de los casos </a:t>
+            </a:r>
+            <a:br>
+              <a:rPr lang="sk-SK" sz="1000" dirty="0">
+                <a:solidFill>
+                  <a:srgbClr val="000000"/>
+                </a:solidFill>
+                <a:latin typeface="Adobe Clean Light" panose="020B0303020404020204" pitchFamily="34" charset="0"/>
+              </a:rPr>
+            </a:br>
+            <a:r>
+              <a:rPr lang="es-ES" sz="1000" dirty="0">
+                <a:solidFill>
+                  <a:srgbClr val="000000"/>
+                </a:solidFill>
+                <a:latin typeface="Adobe Clean Light" panose="020B0303020404020204" pitchFamily="34" charset="0"/>
+              </a:rPr>
+              <a:t>y examinar otros recursos, como la base de conocimiento, noticias y alertas, sugerencias destacadas, y mucho más.</a:t>
             </a:r>
           </a:p>
         </p:txBody>
@@ -8712,7 +8028,7 @@
         <p:spPr>
           <a:xfrm>
             <a:off x="789025" y="3499700"/>
-            <a:ext cx="1336142" cy="285247"/>
+            <a:ext cx="1781260" cy="285247"/>
           </a:xfrm>
           <a:prstGeom prst="rect">
             <a:avLst/>
@@ -8726,10 +8042,10 @@
           <a:lstStyle/>
           <a:p>
             <a:r>
-              <a:rPr lang="en-US" sz="1200" b="1">
+              <a:rPr lang="es-ES" sz="1200" b="1" dirty="0">
                 <a:latin typeface="+mj-lt"/>
               </a:rPr>
-              <a:t>Business Services</a:t>
+              <a:t>Servicios empresariales</a:t>
             </a:r>
           </a:p>
         </p:txBody>
@@ -8749,7 +8065,7 @@
         <p:spPr>
           <a:xfrm>
             <a:off x="370041" y="3875832"/>
-            <a:ext cx="2286000" cy="558999"/>
+            <a:ext cx="2286000" cy="740780"/>
           </a:xfrm>
           <a:prstGeom prst="rect">
             <a:avLst/>
@@ -8770,15 +8086,33 @@
               </a:spcBef>
             </a:pPr>
             <a:r>
-              <a:rPr lang="en-US" sz="1000">
+              <a:rPr lang="es-ES" sz="1000" dirty="0">
                 <a:latin typeface="Adobe Clean Light" panose="020B0303020404020204" pitchFamily="34" charset="0"/>
               </a:rPr>
-              <a:t>An Account Support Lead will host webinars covering an overview of business support services.  </a:t>
+              <a:t>Un responsable de la asistencia técnica </a:t>
             </a:r>
-            <a:endParaRPr lang="en-US" sz="1000">
-              <a:latin typeface="Adobe Clean Light" panose="020B0303020404020204" pitchFamily="34" charset="0"/>
-              <a:cs typeface="AdobeClean-Light"/>
-            </a:endParaRPr>
+            <a:br>
+              <a:rPr lang="sk-SK" sz="1000" dirty="0">
+                <a:latin typeface="Adobe Clean Light" panose="020B0303020404020204" pitchFamily="34" charset="0"/>
+              </a:rPr>
+            </a:br>
+            <a:r>
+              <a:rPr lang="es-ES" sz="1000" dirty="0">
+                <a:latin typeface="Adobe Clean Light" panose="020B0303020404020204" pitchFamily="34" charset="0"/>
+              </a:rPr>
+              <a:t>de la cuenta organizará seminarios web que abarcarán una descripción general </a:t>
+            </a:r>
+            <a:br>
+              <a:rPr lang="sk-SK" sz="1000" dirty="0">
+                <a:latin typeface="Adobe Clean Light" panose="020B0303020404020204" pitchFamily="34" charset="0"/>
+              </a:rPr>
+            </a:br>
+            <a:r>
+              <a:rPr lang="es-ES" sz="1000" dirty="0">
+                <a:latin typeface="Adobe Clean Light" panose="020B0303020404020204" pitchFamily="34" charset="0"/>
+              </a:rPr>
+              <a:t>de los servicios de asistencia empresarial.  </a:t>
+            </a:r>
           </a:p>
         </p:txBody>
       </p:sp>
@@ -9163,7 +8497,7 @@
         </p:nvSpPr>
         <p:spPr>
           <a:xfrm rot="5400000" flipH="1">
-            <a:off x="3863341" y="4967117"/>
+            <a:off x="3863341" y="5100467"/>
             <a:ext cx="45719" cy="5577840"/>
           </a:xfrm>
           <a:custGeom>
@@ -9247,12 +8581,12 @@
               <a:defRPr/>
             </a:pPr>
             <a:r>
-              <a:rPr lang="en-US" sz="1200">
+              <a:rPr lang="es-ES" sz="1200">
                 <a:solidFill>
                   <a:srgbClr val="000000"/>
                 </a:solidFill>
               </a:rPr>
-              <a:t>Self– Help Portal</a:t>
+              <a:t>Portal de autoayuda</a:t>
             </a:r>
           </a:p>
         </p:txBody>
@@ -9300,7 +8634,7 @@
               <a:defRPr/>
             </a:pPr>
             <a:r>
-              <a:rPr lang="en-US" sz="1200">
+              <a:rPr lang="es-ES" sz="1200">
                 <a:solidFill>
                   <a:srgbClr val="000000"/>
                 </a:solidFill>
@@ -9362,49 +8696,15 @@
               </a:lnSpc>
             </a:pPr>
             <a:r>
-              <a:rPr sz="500" spc="-5">
+              <a:rPr lang="es-ES" sz="500">
                 <a:solidFill>
                   <a:srgbClr val="6C6C6C"/>
                 </a:solidFill>
                 <a:latin typeface="Adobe Clean"/>
                 <a:cs typeface="Adobe Clean"/>
               </a:rPr>
-              <a:t>©2020 Adobe. All Rights Reserved. </a:t>
+              <a:t>©2020 Adobe. All Rights Reserved. Adobe Confidential.</a:t>
             </a:r>
-            <a:r>
-              <a:rPr sz="500">
-                <a:solidFill>
-                  <a:srgbClr val="6C6C6C"/>
-                </a:solidFill>
-                <a:latin typeface="Adobe Clean"/>
-                <a:cs typeface="Adobe Clean"/>
-              </a:rPr>
-              <a:t>Adobe</a:t>
-            </a:r>
-            <a:r>
-              <a:rPr sz="500" spc="5">
-                <a:solidFill>
-                  <a:srgbClr val="6C6C6C"/>
-                </a:solidFill>
-                <a:latin typeface="Adobe Clean"/>
-                <a:cs typeface="Adobe Clean"/>
-              </a:rPr>
-              <a:t> </a:t>
-            </a:r>
-            <a:r>
-              <a:rPr sz="500" spc="-5">
-                <a:solidFill>
-                  <a:srgbClr val="6C6C6C"/>
-                </a:solidFill>
-                <a:latin typeface="Adobe Clean"/>
-                <a:cs typeface="Adobe Clean"/>
-              </a:rPr>
-              <a:t>Confidential.</a:t>
-            </a:r>
-            <a:endParaRPr sz="500">
-              <a:latin typeface="Adobe Clean"/>
-              <a:cs typeface="Adobe Clean"/>
-            </a:endParaRPr>
           </a:p>
           <a:p>
             <a:pPr>
@@ -9430,39 +8730,15 @@
               </a:spcBef>
             </a:pPr>
             <a:r>
-              <a:rPr sz="800" spc="-5">
+              <a:rPr lang="es-ES" sz="800">
                 <a:solidFill>
                   <a:srgbClr val="6D6D6D"/>
                 </a:solidFill>
                 <a:latin typeface="Adobe Clean"/>
                 <a:cs typeface="Adobe Clean"/>
               </a:rPr>
-              <a:t>©2020 Adobe. All Rights Reserved. Adobe</a:t>
+              <a:t>©2020 Adobe. All Rights Reserved. Adobe Confidential.</a:t>
             </a:r>
-            <a:r>
-              <a:rPr sz="800" spc="75">
-                <a:solidFill>
-                  <a:srgbClr val="6D6D6D"/>
-                </a:solidFill>
-                <a:latin typeface="Adobe Clean"/>
-                <a:cs typeface="Adobe Clean"/>
-              </a:rPr>
-              <a:t> </a:t>
-            </a:r>
-            <a:r>
-              <a:rPr sz="800" spc="-5">
-                <a:solidFill>
-                  <a:srgbClr val="6D6D6D"/>
-                </a:solidFill>
-                <a:latin typeface="Adobe Clean"/>
-                <a:cs typeface="Adobe Clean"/>
-              </a:rPr>
-              <a:t>Confidential.</a:t>
-            </a:r>
-            <a:endParaRPr sz="800">
-              <a:latin typeface="Adobe Clean"/>
-              <a:cs typeface="Adobe Clean"/>
-            </a:endParaRPr>
           </a:p>
         </p:txBody>
       </p:sp>
@@ -9546,19 +8822,15 @@
               </a:spcBef>
             </a:pPr>
             <a:r>
-              <a:rPr lang="en-US" sz="1400" b="1" spc="-15">
+              <a:rPr lang="es-ES" sz="1400" b="1">
                 <a:solidFill>
                   <a:srgbClr val="020302"/>
                 </a:solidFill>
                 <a:latin typeface="Adobe Clean"/>
                 <a:cs typeface="Adobe Clean"/>
               </a:rPr>
-              <a:t>Resources</a:t>
+              <a:t>Recursos</a:t>
             </a:r>
-            <a:endParaRPr sz="1400">
-              <a:latin typeface="Adobe Clean"/>
-              <a:cs typeface="Adobe Clean"/>
-            </a:endParaRPr>
           </a:p>
         </p:txBody>
       </p:sp>
@@ -9592,7 +8864,7 @@
               </a:spcBef>
             </a:pPr>
             <a:r>
-              <a:rPr sz="800" spc="-15">
+              <a:rPr lang="es-ES" sz="800">
                 <a:solidFill>
                   <a:srgbClr val="777879"/>
                 </a:solidFill>
@@ -9601,10 +8873,6 @@
               </a:rPr>
               <a:t>Adobe</a:t>
             </a:r>
-            <a:endParaRPr sz="800">
-              <a:latin typeface="Adobe Clean"/>
-              <a:cs typeface="Adobe Clean"/>
-            </a:endParaRPr>
           </a:p>
           <a:p>
             <a:pPr marL="12700">
@@ -9613,39 +8881,15 @@
               </a:lnSpc>
             </a:pPr>
             <a:r>
-              <a:rPr sz="800" spc="-15">
+              <a:rPr lang="es-ES" sz="800">
                 <a:solidFill>
                   <a:srgbClr val="777879"/>
                 </a:solidFill>
                 <a:latin typeface="Adobe Clean"/>
                 <a:cs typeface="Adobe Clean"/>
               </a:rPr>
-              <a:t>345 Park</a:t>
+              <a:t>345 Park Avenue</a:t>
             </a:r>
-            <a:r>
-              <a:rPr sz="800" spc="-100">
-                <a:solidFill>
-                  <a:srgbClr val="777879"/>
-                </a:solidFill>
-                <a:latin typeface="Adobe Clean"/>
-                <a:cs typeface="Adobe Clean"/>
-              </a:rPr>
-              <a:t> </a:t>
-            </a:r>
-            <a:r>
-              <a:rPr sz="800" spc="-15">
-                <a:solidFill>
-                  <a:srgbClr val="777879"/>
-                </a:solidFill>
-                <a:latin typeface="Adobe Clean"/>
-                <a:cs typeface="Adobe Clean"/>
-              </a:rPr>
-              <a:t>Avenue</a:t>
-            </a:r>
-            <a:endParaRPr sz="800">
-              <a:latin typeface="Adobe Clean"/>
-              <a:cs typeface="Adobe Clean"/>
-            </a:endParaRPr>
           </a:p>
           <a:p>
             <a:pPr marL="12700">
@@ -9654,49 +8898,15 @@
               </a:lnSpc>
             </a:pPr>
             <a:r>
-              <a:rPr sz="800" spc="-10">
+              <a:rPr lang="es-ES" sz="800">
                 <a:solidFill>
                   <a:srgbClr val="777879"/>
                 </a:solidFill>
                 <a:latin typeface="Adobe Clean"/>
                 <a:cs typeface="Adobe Clean"/>
               </a:rPr>
-              <a:t>San </a:t>
+              <a:t>San José, CA95110-2704</a:t>
             </a:r>
-            <a:r>
-              <a:rPr sz="800" spc="-15">
-                <a:solidFill>
-                  <a:srgbClr val="777879"/>
-                </a:solidFill>
-                <a:latin typeface="Adobe Clean"/>
-                <a:cs typeface="Adobe Clean"/>
-              </a:rPr>
-              <a:t>Jose,</a:t>
-            </a:r>
-            <a:r>
-              <a:rPr sz="800" spc="-140">
-                <a:solidFill>
-                  <a:srgbClr val="777879"/>
-                </a:solidFill>
-                <a:latin typeface="Adobe Clean"/>
-                <a:cs typeface="Adobe Clean"/>
-              </a:rPr>
-              <a:t> </a:t>
-            </a:r>
-            <a:r>
-              <a:rPr sz="800" spc="-20">
-                <a:solidFill>
-                  <a:srgbClr val="777879"/>
-                </a:solidFill>
-                <a:latin typeface="Adobe Clean"/>
-                <a:cs typeface="Adobe Clean"/>
-              </a:rPr>
-              <a:t>CA95110-2704</a:t>
-            </a:r>
-            <a:endParaRPr sz="800">
-              <a:latin typeface="Adobe Clean"/>
-              <a:cs typeface="Adobe Clean"/>
-            </a:endParaRPr>
           </a:p>
           <a:p>
             <a:pPr marL="12700">
@@ -9708,19 +8918,15 @@
               </a:spcBef>
             </a:pPr>
             <a:r>
-              <a:rPr sz="800" spc="-10">
+              <a:rPr lang="es-ES" sz="800">
                 <a:solidFill>
                   <a:srgbClr val="777879"/>
                 </a:solidFill>
                 <a:latin typeface="Adobe Clean"/>
                 <a:cs typeface="Adobe Clean"/>
               </a:rPr>
-              <a:t>USA</a:t>
+              <a:t>EE. UU.</a:t>
             </a:r>
-            <a:endParaRPr sz="800">
-              <a:latin typeface="Adobe Clean"/>
-              <a:cs typeface="Adobe Clean"/>
-            </a:endParaRPr>
           </a:p>
           <a:p>
             <a:pPr marL="12700">
@@ -9732,7 +8938,7 @@
               </a:spcBef>
             </a:pPr>
             <a:r>
-              <a:rPr sz="800" u="sng" spc="-25">
+              <a:rPr lang="es-ES" sz="800" u="sng">
                 <a:solidFill>
                   <a:srgbClr val="5F5F5F"/>
                 </a:solidFill>
@@ -9747,10 +8953,6 @@
               </a:rPr>
               <a:t>www.adobe.com</a:t>
             </a:r>
-            <a:endParaRPr sz="800">
-              <a:latin typeface="Adobe Clean"/>
-              <a:cs typeface="Adobe Clean"/>
-            </a:endParaRPr>
           </a:p>
         </p:txBody>
       </p:sp>
@@ -9925,17 +9127,46 @@
               </a:spcBef>
             </a:pPr>
             <a:r>
-              <a:rPr sz="1100" i="1" spc="-10">
+              <a:rPr lang="es-ES" sz="1100" i="1" dirty="0">
                 <a:solidFill>
                   <a:srgbClr val="777879"/>
                 </a:solidFill>
                 <a:latin typeface="AdobeClean-LightIt"/>
                 <a:cs typeface="AdobeClean-LightIt"/>
               </a:rPr>
-              <a:t>To</a:t>
+              <a:t>Para saber más sobre las ofertas de asistencia de Adobe y el nivel adecuado para usted, póngase </a:t>
+            </a:r>
+            <a:br>
+              <a:rPr lang="sk-SK" sz="1100" i="1" dirty="0">
+                <a:solidFill>
+                  <a:srgbClr val="777879"/>
+                </a:solidFill>
+                <a:latin typeface="AdobeClean-LightIt"/>
+                <a:cs typeface="AdobeClean-LightIt"/>
+              </a:rPr>
+            </a:br>
+            <a:r>
+              <a:rPr lang="es-ES" sz="1100" i="1" dirty="0">
+                <a:solidFill>
+                  <a:srgbClr val="777879"/>
+                </a:solidFill>
+                <a:latin typeface="AdobeClean-LightIt"/>
+                <a:cs typeface="AdobeClean-LightIt"/>
+              </a:rPr>
+              <a:t>en contacto con su administrador de cuentas (NAM) o con su </a:t>
             </a:r>
             <a:r>
-              <a:rPr sz="1100" i="1" spc="-50">
+              <a:rPr lang="es-ES" sz="1100" i="1" dirty="0" err="1">
+                <a:solidFill>
+                  <a:srgbClr val="777879"/>
+                </a:solidFill>
+                <a:latin typeface="AdobeClean-LightIt"/>
+                <a:cs typeface="AdobeClean-LightIt"/>
+              </a:rPr>
+              <a:t>Customer</a:t>
+            </a:r>
+            <a:r>
+              <a:rPr lang="es-ES" sz="1100" i="1" dirty="0">
                 <a:solidFill>
                   <a:srgbClr val="777879"/>
                 </a:solidFill>
@@ -9945,357 +9176,7 @@
               <a:t> </a:t>
             </a:r>
             <a:r>
-              <a:rPr sz="1100" i="1" spc="-15">
-                <a:solidFill>
-                  <a:srgbClr val="777879"/>
-                </a:solidFill>
-                <a:latin typeface="AdobeClean-LightIt"/>
-                <a:cs typeface="AdobeClean-LightIt"/>
-              </a:rPr>
-              <a:t>learn</a:t>
-            </a:r>
-            <a:r>
-              <a:rPr sz="1100" i="1" spc="-40">
-                <a:solidFill>
-                  <a:srgbClr val="777879"/>
-                </a:solidFill>
-                <a:latin typeface="AdobeClean-LightIt"/>
-                <a:cs typeface="AdobeClean-LightIt"/>
-              </a:rPr>
-              <a:t> </a:t>
-            </a:r>
-            <a:r>
-              <a:rPr sz="1100" i="1" spc="-15">
-                <a:solidFill>
-                  <a:srgbClr val="777879"/>
-                </a:solidFill>
-                <a:latin typeface="AdobeClean-LightIt"/>
-                <a:cs typeface="AdobeClean-LightIt"/>
-              </a:rPr>
-              <a:t>more</a:t>
-            </a:r>
-            <a:r>
-              <a:rPr sz="1100" i="1" spc="-45">
-                <a:solidFill>
-                  <a:srgbClr val="777879"/>
-                </a:solidFill>
-                <a:latin typeface="AdobeClean-LightIt"/>
-                <a:cs typeface="AdobeClean-LightIt"/>
-              </a:rPr>
-              <a:t> </a:t>
-            </a:r>
-            <a:r>
-              <a:rPr sz="1100" i="1" spc="-15">
-                <a:solidFill>
-                  <a:srgbClr val="777879"/>
-                </a:solidFill>
-                <a:latin typeface="AdobeClean-LightIt"/>
-                <a:cs typeface="AdobeClean-LightIt"/>
-              </a:rPr>
-              <a:t>about</a:t>
-            </a:r>
-            <a:r>
-              <a:rPr sz="1100" i="1" spc="-45">
-                <a:solidFill>
-                  <a:srgbClr val="777879"/>
-                </a:solidFill>
-                <a:latin typeface="AdobeClean-LightIt"/>
-                <a:cs typeface="AdobeClean-LightIt"/>
-              </a:rPr>
-              <a:t> </a:t>
-            </a:r>
-            <a:r>
-              <a:rPr sz="1100" i="1" spc="-15">
-                <a:solidFill>
-                  <a:srgbClr val="777879"/>
-                </a:solidFill>
-                <a:latin typeface="AdobeClean-LightIt"/>
-                <a:cs typeface="AdobeClean-LightIt"/>
-              </a:rPr>
-              <a:t>Adobe</a:t>
-            </a:r>
-            <a:r>
-              <a:rPr sz="1100" i="1" spc="-50">
-                <a:solidFill>
-                  <a:srgbClr val="777879"/>
-                </a:solidFill>
-                <a:latin typeface="AdobeClean-LightIt"/>
-                <a:cs typeface="AdobeClean-LightIt"/>
-              </a:rPr>
-              <a:t> </a:t>
-            </a:r>
-            <a:r>
-              <a:rPr sz="1100" i="1" spc="-15">
-                <a:solidFill>
-                  <a:srgbClr val="777879"/>
-                </a:solidFill>
-                <a:latin typeface="AdobeClean-LightIt"/>
-                <a:cs typeface="AdobeClean-LightIt"/>
-              </a:rPr>
-              <a:t>Support</a:t>
-            </a:r>
-            <a:r>
-              <a:rPr lang="en-US" sz="1100" i="1" spc="-15">
-                <a:solidFill>
-                  <a:srgbClr val="777879"/>
-                </a:solidFill>
-                <a:latin typeface="AdobeClean-LightIt"/>
-                <a:cs typeface="AdobeClean-LightIt"/>
-              </a:rPr>
-              <a:t> Offerings</a:t>
-            </a:r>
-            <a:r>
-              <a:rPr sz="1100" i="1" spc="-75">
-                <a:solidFill>
-                  <a:srgbClr val="777879"/>
-                </a:solidFill>
-                <a:latin typeface="AdobeClean-LightIt"/>
-                <a:cs typeface="AdobeClean-LightIt"/>
-              </a:rPr>
-              <a:t> </a:t>
-            </a:r>
-            <a:r>
-              <a:rPr sz="1100" i="1" spc="-15">
-                <a:solidFill>
-                  <a:srgbClr val="777879"/>
-                </a:solidFill>
-                <a:latin typeface="AdobeClean-LightIt"/>
-                <a:cs typeface="AdobeClean-LightIt"/>
-              </a:rPr>
-              <a:t>and</a:t>
-            </a:r>
-            <a:r>
-              <a:rPr sz="1100" i="1" spc="-50">
-                <a:solidFill>
-                  <a:srgbClr val="777879"/>
-                </a:solidFill>
-                <a:latin typeface="AdobeClean-LightIt"/>
-                <a:cs typeface="AdobeClean-LightIt"/>
-              </a:rPr>
-              <a:t> </a:t>
-            </a:r>
-            <a:r>
-              <a:rPr sz="1100" i="1" spc="-15">
-                <a:solidFill>
-                  <a:srgbClr val="777879"/>
-                </a:solidFill>
-                <a:latin typeface="AdobeClean-LightIt"/>
-                <a:cs typeface="AdobeClean-LightIt"/>
-              </a:rPr>
-              <a:t>the</a:t>
-            </a:r>
-            <a:r>
-              <a:rPr sz="1100" i="1" spc="-55">
-                <a:solidFill>
-                  <a:srgbClr val="777879"/>
-                </a:solidFill>
-                <a:latin typeface="AdobeClean-LightIt"/>
-                <a:cs typeface="AdobeClean-LightIt"/>
-              </a:rPr>
-              <a:t> </a:t>
-            </a:r>
-            <a:r>
-              <a:rPr sz="1100" i="1" spc="-15">
-                <a:solidFill>
-                  <a:srgbClr val="777879"/>
-                </a:solidFill>
-                <a:latin typeface="AdobeClean-LightIt"/>
-                <a:cs typeface="AdobeClean-LightIt"/>
-              </a:rPr>
-              <a:t>right</a:t>
-            </a:r>
-            <a:r>
-              <a:rPr sz="1100" i="1" spc="-95">
-                <a:solidFill>
-                  <a:srgbClr val="777879"/>
-                </a:solidFill>
-                <a:latin typeface="AdobeClean-LightIt"/>
-                <a:cs typeface="AdobeClean-LightIt"/>
-              </a:rPr>
-              <a:t> </a:t>
-            </a:r>
-            <a:r>
-              <a:rPr sz="1100" i="1" spc="-15">
-                <a:solidFill>
-                  <a:srgbClr val="777879"/>
-                </a:solidFill>
-                <a:latin typeface="AdobeClean-LightIt"/>
-                <a:cs typeface="AdobeClean-LightIt"/>
-              </a:rPr>
-              <a:t>level</a:t>
-            </a:r>
-            <a:r>
-              <a:rPr sz="1100" i="1" spc="-55">
-                <a:solidFill>
-                  <a:srgbClr val="777879"/>
-                </a:solidFill>
-                <a:latin typeface="AdobeClean-LightIt"/>
-                <a:cs typeface="AdobeClean-LightIt"/>
-              </a:rPr>
-              <a:t> </a:t>
-            </a:r>
-            <a:r>
-              <a:rPr sz="1100" i="1" spc="-15">
-                <a:solidFill>
-                  <a:srgbClr val="777879"/>
-                </a:solidFill>
-                <a:latin typeface="AdobeClean-LightIt"/>
-                <a:cs typeface="AdobeClean-LightIt"/>
-              </a:rPr>
-              <a:t>for</a:t>
-            </a:r>
-            <a:r>
-              <a:rPr sz="1100" i="1" spc="-85">
-                <a:solidFill>
-                  <a:srgbClr val="777879"/>
-                </a:solidFill>
-                <a:latin typeface="AdobeClean-LightIt"/>
-                <a:cs typeface="AdobeClean-LightIt"/>
-              </a:rPr>
-              <a:t> </a:t>
-            </a:r>
-            <a:r>
-              <a:rPr sz="1100" i="1" spc="-15">
-                <a:solidFill>
-                  <a:srgbClr val="777879"/>
-                </a:solidFill>
-                <a:latin typeface="AdobeClean-LightIt"/>
-                <a:cs typeface="AdobeClean-LightIt"/>
-              </a:rPr>
-              <a:t>you,</a:t>
-            </a:r>
-            <a:r>
-              <a:rPr sz="1100" i="1" spc="-65">
-                <a:solidFill>
-                  <a:srgbClr val="777879"/>
-                </a:solidFill>
-                <a:latin typeface="AdobeClean-LightIt"/>
-                <a:cs typeface="AdobeClean-LightIt"/>
-              </a:rPr>
-              <a:t> </a:t>
-            </a:r>
-            <a:r>
-              <a:rPr sz="1100" i="1" spc="-15">
-                <a:solidFill>
-                  <a:srgbClr val="777879"/>
-                </a:solidFill>
-                <a:latin typeface="AdobeClean-LightIt"/>
-                <a:cs typeface="AdobeClean-LightIt"/>
-              </a:rPr>
-              <a:t>contact</a:t>
-            </a:r>
-            <a:r>
-              <a:rPr sz="1100" i="1" spc="-85">
-                <a:solidFill>
-                  <a:srgbClr val="777879"/>
-                </a:solidFill>
-                <a:latin typeface="AdobeClean-LightIt"/>
-                <a:cs typeface="AdobeClean-LightIt"/>
-              </a:rPr>
-              <a:t> </a:t>
-            </a:r>
-            <a:r>
-              <a:rPr sz="1100" i="1" spc="-15">
-                <a:solidFill>
-                  <a:srgbClr val="777879"/>
-                </a:solidFill>
-                <a:latin typeface="AdobeClean-LightIt"/>
-                <a:cs typeface="AdobeClean-LightIt"/>
-              </a:rPr>
-              <a:t>your</a:t>
-            </a:r>
-            <a:r>
-              <a:rPr sz="1100" i="1" spc="-70">
-                <a:solidFill>
-                  <a:srgbClr val="777879"/>
-                </a:solidFill>
-                <a:latin typeface="AdobeClean-LightIt"/>
-                <a:cs typeface="AdobeClean-LightIt"/>
-              </a:rPr>
-              <a:t> </a:t>
-            </a:r>
-            <a:r>
-              <a:rPr sz="1100" i="1" spc="-15">
-                <a:solidFill>
-                  <a:srgbClr val="777879"/>
-                </a:solidFill>
-                <a:latin typeface="AdobeClean-LightIt"/>
-                <a:cs typeface="AdobeClean-LightIt"/>
-              </a:rPr>
-              <a:t>Named</a:t>
-            </a:r>
-            <a:r>
-              <a:rPr sz="1100" i="1" spc="-55">
-                <a:solidFill>
-                  <a:srgbClr val="777879"/>
-                </a:solidFill>
-                <a:latin typeface="AdobeClean-LightIt"/>
-                <a:cs typeface="AdobeClean-LightIt"/>
-              </a:rPr>
-              <a:t> </a:t>
-            </a:r>
-            <a:r>
-              <a:rPr sz="1100" i="1" spc="-25">
-                <a:solidFill>
-                  <a:srgbClr val="777879"/>
-                </a:solidFill>
-                <a:latin typeface="AdobeClean-LightIt"/>
-                <a:cs typeface="AdobeClean-LightIt"/>
-              </a:rPr>
-              <a:t>Account</a:t>
-            </a:r>
-            <a:r>
-              <a:rPr sz="1100" i="1" spc="-120">
-                <a:solidFill>
-                  <a:srgbClr val="777879"/>
-                </a:solidFill>
-                <a:latin typeface="AdobeClean-LightIt"/>
-                <a:cs typeface="AdobeClean-LightIt"/>
-              </a:rPr>
-              <a:t> </a:t>
-            </a:r>
-            <a:r>
-              <a:rPr sz="1100" i="1" spc="-20">
-                <a:solidFill>
-                  <a:srgbClr val="777879"/>
-                </a:solidFill>
-                <a:latin typeface="AdobeClean-LightIt"/>
-                <a:cs typeface="AdobeClean-LightIt"/>
-              </a:rPr>
-              <a:t>Manager  </a:t>
-            </a:r>
-            <a:r>
-              <a:rPr sz="1100" i="1" spc="-15">
-                <a:solidFill>
-                  <a:srgbClr val="777879"/>
-                </a:solidFill>
-                <a:latin typeface="AdobeClean-LightIt"/>
-                <a:cs typeface="AdobeClean-LightIt"/>
-              </a:rPr>
-              <a:t>(NAM) </a:t>
-            </a:r>
-            <a:r>
-              <a:rPr sz="1100" i="1" spc="-10">
-                <a:solidFill>
-                  <a:srgbClr val="777879"/>
-                </a:solidFill>
-                <a:latin typeface="AdobeClean-LightIt"/>
-                <a:cs typeface="AdobeClean-LightIt"/>
-              </a:rPr>
-              <a:t>or </a:t>
-            </a:r>
-            <a:r>
-              <a:rPr sz="1100" i="1" spc="-15">
-                <a:solidFill>
-                  <a:srgbClr val="777879"/>
-                </a:solidFill>
-                <a:latin typeface="AdobeClean-LightIt"/>
-                <a:cs typeface="AdobeClean-LightIt"/>
-              </a:rPr>
-              <a:t>Customer </a:t>
-            </a:r>
-            <a:r>
-              <a:rPr sz="1100" i="1" spc="-20">
+              <a:rPr lang="es-ES" sz="1100" i="1" dirty="0" err="1">
                 <a:solidFill>
                   <a:srgbClr val="777879"/>
                 </a:solidFill>
@@ -10305,29 +9186,15 @@
               <a:t>Success</a:t>
             </a:r>
             <a:r>
-              <a:rPr sz="1100" i="1" spc="-180">
+              <a:rPr lang="es-ES" sz="1100" i="1" dirty="0">
                 <a:solidFill>
                   <a:srgbClr val="777879"/>
                 </a:solidFill>
                 <a:latin typeface="AdobeClean-LightIt"/>
                 <a:cs typeface="AdobeClean-LightIt"/>
               </a:rPr>
-              <a:t> </a:t>
+              <a:t> Manager (CSM)</a:t>
             </a:r>
-            <a:r>
-              <a:rPr sz="1100" i="1" spc="-15">
-                <a:solidFill>
-                  <a:srgbClr val="777879"/>
-                </a:solidFill>
-                <a:latin typeface="AdobeClean-LightIt"/>
-                <a:cs typeface="AdobeClean-LightIt"/>
-              </a:rPr>
-              <a:t>Manager(CSM)</a:t>
-            </a:r>
-            <a:endParaRPr sz="1100">
-              <a:latin typeface="AdobeClean-LightIt"/>
-              <a:cs typeface="AdobeClean-LightIt"/>
-            </a:endParaRPr>
           </a:p>
           <a:p>
             <a:pPr marL="34290">
@@ -10339,37 +9206,27 @@
               </a:spcBef>
             </a:pPr>
             <a:r>
-              <a:rPr sz="800" spc="-5">
+              <a:rPr lang="es-ES" sz="800" dirty="0">
                 <a:solidFill>
                   <a:srgbClr val="6D6D6D"/>
                 </a:solidFill>
                 <a:latin typeface="Adobe Clean"/>
                 <a:cs typeface="Adobe Clean"/>
               </a:rPr>
-              <a:t>©202</a:t>
+              <a:t>©2021 Adobe. </a:t>
             </a:r>
             <a:r>
-              <a:rPr lang="en-US" sz="800" spc="-5">
+              <a:rPr lang="es-ES" sz="800" dirty="0" err="1">
                 <a:solidFill>
                   <a:srgbClr val="6D6D6D"/>
                 </a:solidFill>
                 <a:latin typeface="Adobe Clean"/>
                 <a:cs typeface="Adobe Clean"/>
               </a:rPr>
-              <a:t>1</a:t>
+              <a:t>All</a:t>
             </a:r>
             <a:r>
-              <a:rPr sz="800" spc="-5">
-                <a:solidFill>
-                  <a:srgbClr val="6D6D6D"/>
-                </a:solidFill>
-                <a:latin typeface="Adobe Clean"/>
-                <a:cs typeface="Adobe Clean"/>
-              </a:rPr>
-              <a:t> Adobe. All Rights Reserved. Adobe</a:t>
-            </a:r>
-            <a:r>
-              <a:rPr sz="800" spc="75">
+              <a:rPr lang="es-ES" sz="800" dirty="0">
                 <a:solidFill>
                   <a:srgbClr val="6D6D6D"/>
                 </a:solidFill>
@@ -10379,19 +9236,65 @@
               <a:t> </a:t>
             </a:r>
             <a:r>
-              <a:rPr sz="800" spc="-5">
+              <a:rPr lang="es-ES" sz="800" dirty="0" err="1">
                 <a:solidFill>
                   <a:srgbClr val="6D6D6D"/>
                 </a:solidFill>
                 <a:latin typeface="Adobe Clean"/>
                 <a:cs typeface="Adobe Clean"/>
               </a:rPr>
-              <a:t>Confidential.</a:t>
+              <a:t>Rights</a:t>
             </a:r>
-            <a:endParaRPr sz="800">
-              <a:latin typeface="Adobe Clean"/>
-              <a:cs typeface="Adobe Clean"/>
-            </a:endParaRPr>
+            <a:r>
+              <a:rPr lang="es-ES" sz="800" dirty="0">
+                <a:solidFill>
+                  <a:srgbClr val="6D6D6D"/>
+                </a:solidFill>
+                <a:latin typeface="Adobe Clean"/>
+                <a:cs typeface="Adobe Clean"/>
+              </a:rPr>
+              <a:t> </a:t>
+            </a:r>
+            <a:r>
+              <a:rPr lang="es-ES" sz="800" dirty="0" err="1">
+                <a:solidFill>
+                  <a:srgbClr val="6D6D6D"/>
+                </a:solidFill>
+                <a:latin typeface="Adobe Clean"/>
+                <a:cs typeface="Adobe Clean"/>
+              </a:rPr>
+              <a:t>Reserved</a:t>
+            </a:r>
+            <a:r>
+              <a:rPr lang="es-ES" sz="800" dirty="0">
+                <a:solidFill>
+                  <a:srgbClr val="6D6D6D"/>
+                </a:solidFill>
+                <a:latin typeface="Adobe Clean"/>
+                <a:cs typeface="Adobe Clean"/>
+              </a:rPr>
+              <a:t>. Adobe </a:t>
+            </a:r>
+            <a:r>
+              <a:rPr lang="es-ES" sz="800" dirty="0" err="1">
+                <a:solidFill>
+                  <a:srgbClr val="6D6D6D"/>
+                </a:solidFill>
+                <a:latin typeface="Adobe Clean"/>
+                <a:cs typeface="Adobe Clean"/>
+              </a:rPr>
+              <a:t>Confidential</a:t>
+            </a:r>
+            <a:r>
+              <a:rPr lang="es-ES" sz="800" dirty="0">
+                <a:solidFill>
+                  <a:srgbClr val="6D6D6D"/>
+                </a:solidFill>
+                <a:latin typeface="Adobe Clean"/>
+                <a:cs typeface="Adobe Clean"/>
+              </a:rPr>
+              <a:t>.</a:t>
+            </a:r>
           </a:p>
         </p:txBody>
       </p:sp>
@@ -10410,7 +9313,7 @@
         <p:spPr>
           <a:xfrm>
             <a:off x="197233" y="5031270"/>
-            <a:ext cx="6476646" cy="755976"/>
+            <a:ext cx="7365294" cy="755976"/>
           </a:xfrm>
           <a:prstGeom prst="rect">
             <a:avLst/>
@@ -10428,19 +9331,15 @@
               </a:spcBef>
             </a:pPr>
             <a:r>
-              <a:rPr lang="en-US" sz="1400" b="1" spc="-15">
+              <a:rPr lang="es-ES" sz="1400" b="1" dirty="0">
                 <a:solidFill>
                   <a:srgbClr val="020302"/>
                 </a:solidFill>
                 <a:latin typeface="Adobe Clean"/>
                 <a:cs typeface="Adobe Clean"/>
               </a:rPr>
-              <a:t>Regional scope of Adobe Support, Local Hours Of Operation And Language Support</a:t>
+              <a:t>Alcance regional del Soporte de Adobe, horas locales de trabajo y compatibilidad de idioma</a:t>
             </a:r>
-            <a:endParaRPr lang="en-US" sz="1400" spc="-15">
-              <a:ea typeface="+mn-lt"/>
-              <a:cs typeface="+mn-lt"/>
-            </a:endParaRPr>
           </a:p>
           <a:p>
             <a:pPr>
@@ -10449,15 +9348,14 @@
               </a:spcBef>
             </a:pPr>
             <a:r>
-              <a:rPr lang="en-US" sz="1000" spc="-15">
+              <a:rPr lang="es-ES" sz="1000" dirty="0">
                 <a:solidFill>
                   <a:srgbClr val="1F1F1F"/>
                 </a:solidFill>
                 <a:latin typeface="AdobeClean-Light"/>
               </a:rPr>
-              <a:t>The Regional scope of Adobe Support is established by aligning the customer's billing address (via the Sales Order or other Adobe Support purchasing document) to one of the following regions:</a:t>
+              <a:t>El alcance regional del Soporte de Adobe se establece asignando la dirección de facturación del cliente (mediante la orden de venta o el documento de compra de Soporte de Adobe) con una de estas regiones:</a:t>
             </a:r>
-            <a:endParaRPr lang="en-US"/>
           </a:p>
         </p:txBody>
       </p:sp>
@@ -10476,7 +9374,7 @@
           <p:nvPr>
             <p:extLst>
               <p:ext uri="{D42A27DB-BD31-4B8C-83A1-F6EECF244321}">
-                <p14:modId xmlns:p14="http://schemas.microsoft.com/office/powerpoint/2010/main" val="2969235217"/>
+                <p14:modId xmlns:p14="http://schemas.microsoft.com/office/powerpoint/2010/main" val="3308617207"/>
               </p:ext>
             </p:extLst>
           </p:nvPr>
@@ -10529,13 +9427,13 @@
                     <a:p>
                       <a:pPr algn="ctr"/>
                       <a:r>
-                        <a:rPr lang="en-US" sz="1100" dirty="0">
+                        <a:rPr lang="es-ES" sz="1100">
                           <a:solidFill>
                             <a:schemeClr val="tx1"/>
                           </a:solidFill>
                           <a:latin typeface="Adobe Clean"/>
                         </a:rPr>
-                        <a:t>Americas</a:t>
+                        <a:t>América</a:t>
                       </a:r>
                     </a:p>
                   </a:txBody>
@@ -10594,13 +9492,30 @@
                     <a:p>
                       <a:pPr algn="ctr"/>
                       <a:r>
-                        <a:rPr lang="en-US" sz="1100" dirty="0">
+                        <a:rPr lang="es-ES" sz="1100" dirty="0">
                           <a:solidFill>
                             <a:schemeClr val="tx1"/>
                           </a:solidFill>
                           <a:latin typeface="Adobe Clean"/>
                         </a:rPr>
-                        <a:t>Europe, Middle East &amp; Africa</a:t>
+                        <a:t>Europa, Oriente Medio </a:t>
+                      </a:r>
+                      <a:br>
+                        <a:rPr lang="sk-SK" sz="1100" dirty="0">
+                          <a:solidFill>
+                            <a:schemeClr val="tx1"/>
+                          </a:solidFill>
+                          <a:latin typeface="Adobe Clean"/>
+                        </a:rPr>
+                      </a:br>
+                      <a:r>
+                        <a:rPr lang="es-ES" sz="1100" dirty="0">
+                          <a:solidFill>
+                            <a:schemeClr val="tx1"/>
+                          </a:solidFill>
+                          <a:latin typeface="Adobe Clean"/>
+                        </a:rPr>
+                        <a:t>y África</a:t>
                       </a:r>
                     </a:p>
                   </a:txBody>
@@ -10659,13 +9574,13 @@
                     <a:p>
                       <a:pPr algn="ctr"/>
                       <a:r>
-                        <a:rPr lang="en-US" sz="1100" dirty="0">
+                        <a:rPr lang="es-ES" sz="1100">
                           <a:solidFill>
                             <a:schemeClr val="tx1"/>
                           </a:solidFill>
                           <a:latin typeface="Adobe Clean"/>
                         </a:rPr>
-                        <a:t>Asia Pacific</a:t>
+                        <a:t>Asia-Pacífico</a:t>
                       </a:r>
                     </a:p>
                   </a:txBody>
@@ -10724,16 +9639,16 @@
                     <a:p>
                       <a:pPr algn="ctr"/>
                       <a:r>
-                        <a:rPr lang="en-US" sz="1100" dirty="0">
+                        <a:rPr lang="es-ES" sz="1100">
                           <a:solidFill>
                             <a:schemeClr val="tx1"/>
                           </a:solidFill>
                           <a:latin typeface="Adobe Clean"/>
                         </a:rPr>
-                        <a:t>Japan </a:t>
+                        <a:t>Japón </a:t>
                       </a:r>
                       <a:r>
-                        <a:rPr lang="en-US" sz="1100" baseline="30000" dirty="0">
+                        <a:rPr lang="es-ES" sz="1100" baseline="30000">
                           <a:solidFill>
                             <a:schemeClr val="tx1"/>
                           </a:solidFill>
@@ -10741,12 +9656,6 @@
                         </a:rPr>
                         <a:t>1 </a:t>
                       </a:r>
-                      <a:endParaRPr lang="en-US" sz="1100">
-                        <a:solidFill>
-                          <a:schemeClr val="tx1"/>
-                        </a:solidFill>
-                        <a:latin typeface="Adobe Clean" panose="020B0503020404020204" pitchFamily="34" charset="0"/>
-                      </a:endParaRPr>
                     </a:p>
                   </a:txBody>
                   <a:tcPr anchor="ctr">
@@ -10811,13 +9720,13 @@
                     <a:p>
                       <a:pPr algn="ctr"/>
                       <a:r>
-                        <a:rPr lang="en-US" sz="1100" dirty="0">
+                        <a:rPr lang="es-ES" sz="1100">
                           <a:solidFill>
                             <a:schemeClr val="tx1"/>
                           </a:solidFill>
                           <a:latin typeface="Adobe Clean"/>
                         </a:rPr>
-                        <a:t>6 am – 5:30 pm</a:t>
+                        <a:t>06:00 h - 17:30 h</a:t>
                       </a:r>
                     </a:p>
                   </a:txBody>
@@ -10876,13 +9785,13 @@
                     <a:p>
                       <a:pPr algn="ctr"/>
                       <a:r>
-                        <a:rPr lang="en-US" sz="1100" dirty="0">
+                        <a:rPr lang="es-ES" sz="1100">
                           <a:solidFill>
                             <a:schemeClr val="tx1"/>
                           </a:solidFill>
                           <a:latin typeface="Adobe Clean"/>
                         </a:rPr>
-                        <a:t>9 am – 5 pm</a:t>
+                        <a:t>09:00 h - 17:00 h</a:t>
                       </a:r>
                     </a:p>
                   </a:txBody>
@@ -10941,13 +9850,13 @@
                     <a:p>
                       <a:pPr algn="ctr"/>
                       <a:r>
-                        <a:rPr lang="en-US" sz="1100" dirty="0">
+                        <a:rPr lang="es-ES" sz="1100">
                           <a:solidFill>
                             <a:schemeClr val="tx1"/>
                           </a:solidFill>
                           <a:latin typeface="Adobe Clean"/>
                         </a:rPr>
-                        <a:t>9 am – 5 pm</a:t>
+                        <a:t>09:00 h - 17:00 h</a:t>
                       </a:r>
                     </a:p>
                   </a:txBody>
@@ -11006,13 +9915,13 @@
                     <a:p>
                       <a:pPr algn="ctr"/>
                       <a:r>
-                        <a:rPr lang="en-US" sz="1100" dirty="0">
+                        <a:rPr lang="es-ES" sz="1100">
                           <a:solidFill>
                             <a:schemeClr val="tx1"/>
                           </a:solidFill>
                           <a:latin typeface="Adobe Clean"/>
                         </a:rPr>
-                        <a:t>9 am – 5:30 pm</a:t>
+                        <a:t>09:00 h - 17:30 h</a:t>
                       </a:r>
                     </a:p>
                   </a:txBody>
@@ -11092,11 +10001,10 @@
                         <a:buNone/>
                       </a:pPr>
                       <a:r>
-                        <a:rPr lang="en-US" sz="1100" b="1" i="0" u="none" strike="noStrike" kern="0" cap="none" spc="0" normalizeH="0" baseline="30000" noProof="0" dirty="0">
+                        <a:rPr lang="es-ES" sz="1100" b="1" i="0" u="none" strike="noStrike" cap="none" normalizeH="0" baseline="30000" noProof="0" dirty="0">
                           <a:ln>
                             <a:noFill/>
                           </a:ln>
-                          <a:effectLst/>
                           <a:uLnTx/>
                           <a:uFillTx/>
                           <a:latin typeface="Adobe Clean"/>
@@ -11106,17 +10014,16 @@
                         <a:t> </a:t>
                       </a:r>
                       <a:r>
-                        <a:rPr lang="en-US" sz="1100" dirty="0">
+                        <a:rPr lang="es-ES" sz="1100" dirty="0">
                           <a:solidFill>
                             <a:schemeClr val="tx1"/>
                           </a:solidFill>
                           <a:latin typeface="Adobe Clean"/>
+                          <a:ea typeface="+mn-ea"/>
+                          <a:cs typeface="+mn-cs"/>
                         </a:rPr>
-                        <a:t>Language support is only available in English and Japanese.</a:t>
+                        <a:t>Compatibilidad de idioma solo disponible en inglés y japonés</a:t>
                       </a:r>
-                      <a:endParaRPr lang="en-US" dirty="0">
-                        <a:latin typeface="Adobe Clean"/>
-                      </a:endParaRPr>
                     </a:p>
                     <a:p>
                       <a:pPr marL="0" marR="0" lvl="0" indent="0" algn="ctr">
@@ -11135,18 +10042,18 @@
                         <a:buNone/>
                       </a:pPr>
                       <a:r>
-                        <a:rPr lang="en-US" sz="1100" i="1" dirty="0">
+                        <a:rPr lang="es-ES" sz="1100" i="1" dirty="0">
                           <a:solidFill>
                             <a:schemeClr val="tx1"/>
                           </a:solidFill>
                           <a:latin typeface="Adobe Clean"/>
                         </a:rPr>
-                        <a:t>*Adobe Commerce excludes Japanese languages support.</a:t>
+                        <a:t>*Adobe Commerce no incluye soporte en japonés.</a:t>
                       </a:r>
                     </a:p>
                     <a:p>
-                      <a:pPr algn="ctr"/>
-                      <a:endParaRPr kumimoji="0" lang="en-US" sz="1100" b="1" i="0" u="none" strike="noStrike" kern="0" cap="none" spc="0" normalizeH="0" baseline="30000" noProof="0">
+                      <a:pPr algn="l" rtl="0"/>
+                      <a:endParaRPr kumimoji="0" lang="en-US" sz="1100" b="1" i="0" u="none" strike="noStrike" kern="0" cap="none" spc="0" normalizeH="0" baseline="30000" noProof="0" dirty="0">
                         <a:ln>
                           <a:noFill/>
                         </a:ln>
@@ -11164,7 +10071,7 @@
                     <a:p>
                       <a:pPr algn="ctr"/>
                       <a:r>
-                        <a:rPr lang="en-US" sz="1100" i="0" dirty="0">
+                        <a:rPr lang="es-ES" sz="1100" i="0" dirty="0">
                           <a:solidFill>
                             <a:schemeClr val="tx1"/>
                           </a:solidFill>
@@ -11173,7 +10080,7 @@
                         <a:t> </a:t>
                       </a:r>
                       <a:r>
-                        <a:rPr lang="en-US" sz="1100" i="0" baseline="30000" dirty="0">
+                        <a:rPr lang="es-ES" sz="1100" i="0" baseline="30000" dirty="0">
                           <a:solidFill>
                             <a:schemeClr val="tx1"/>
                           </a:solidFill>
@@ -11182,20 +10089,14 @@
                         <a:t>1 </a:t>
                       </a:r>
                       <a:r>
-                        <a:rPr lang="en-US" sz="1100" i="0" dirty="0">
+                        <a:rPr lang="es-ES" sz="1100" i="0" dirty="0">
                           <a:solidFill>
                             <a:schemeClr val="tx1"/>
                           </a:solidFill>
                           <a:latin typeface="Adobe Clean"/>
                         </a:rPr>
-                        <a:t>P2, P3, P4 cases are limited to business hours only in Japan.</a:t>
+                        <a:t>Los casos de P2, P3, P4 se limitan únicamente al horario laboral en Japón.</a:t>
                       </a:r>
-                      <a:endParaRPr lang="en-US" sz="1100" b="1" i="0">
-                        <a:solidFill>
-                          <a:schemeClr val="tx1"/>
-                        </a:solidFill>
-                        <a:latin typeface="Adobe Clean"/>
-                      </a:endParaRPr>
                     </a:p>
                   </a:txBody>
                   <a:tcPr anchor="ctr">
@@ -11537,8 +10438,8 @@
         </p:nvSpPr>
         <p:spPr>
           <a:xfrm>
-            <a:off x="2840871" y="8528519"/>
-            <a:ext cx="810895" cy="385445"/>
+            <a:off x="2802771" y="8528519"/>
+            <a:ext cx="911979" cy="385445"/>
           </a:xfrm>
           <a:prstGeom prst="rect">
             <a:avLst/>
@@ -11550,7 +10451,7 @@
           </a:bodyPr>
           <a:lstStyle/>
           <a:p>
-            <a:pPr marL="139065" marR="5080" indent="-139065">
+            <a:pPr marR="5080" algn="ctr">
               <a:lnSpc>
                 <a:spcPts val="1390"/>
               </a:lnSpc>
@@ -11559,129 +10460,15 @@
               </a:spcBef>
             </a:pPr>
             <a:r>
-              <a:rPr sz="1200" b="1" spc="-15">
+              <a:rPr lang="es-ES" sz="1200" b="1" dirty="0">
                 <a:solidFill>
                   <a:srgbClr val="FFFFFF"/>
                 </a:solidFill>
                 <a:latin typeface="Adobe Clean"/>
                 <a:cs typeface="Adobe Clean"/>
               </a:rPr>
-              <a:t>U</a:t>
+              <a:t>Experiencia sin igual</a:t>
             </a:r>
-            <a:r>
-              <a:rPr sz="1200" b="1" spc="-20">
-                <a:solidFill>
-                  <a:srgbClr val="FFFFFF"/>
-                </a:solidFill>
-                <a:latin typeface="Adobe Clean"/>
-                <a:cs typeface="Adobe Clean"/>
-              </a:rPr>
-              <a:t>n</a:t>
-            </a:r>
-            <a:r>
-              <a:rPr sz="1200" b="1" spc="-25">
-                <a:solidFill>
-                  <a:srgbClr val="FFFFFF"/>
-                </a:solidFill>
-                <a:latin typeface="Adobe Clean"/>
-                <a:cs typeface="Adobe Clean"/>
-              </a:rPr>
-              <a:t>p</a:t>
-            </a:r>
-            <a:r>
-              <a:rPr sz="1200" b="1" spc="-15">
-                <a:solidFill>
-                  <a:srgbClr val="FFFFFF"/>
-                </a:solidFill>
-                <a:latin typeface="Adobe Clean"/>
-                <a:cs typeface="Adobe Clean"/>
-              </a:rPr>
-              <a:t>a</a:t>
-            </a:r>
-            <a:r>
-              <a:rPr sz="1200" b="1" spc="-25">
-                <a:solidFill>
-                  <a:srgbClr val="FFFFFF"/>
-                </a:solidFill>
-                <a:latin typeface="Adobe Clean"/>
-                <a:cs typeface="Adobe Clean"/>
-              </a:rPr>
-              <a:t>r</a:t>
-            </a:r>
-            <a:r>
-              <a:rPr sz="1200" b="1" spc="-15">
-                <a:solidFill>
-                  <a:srgbClr val="FFFFFF"/>
-                </a:solidFill>
-                <a:latin typeface="Adobe Clean"/>
-                <a:cs typeface="Adobe Clean"/>
-              </a:rPr>
-              <a:t>a</a:t>
-            </a:r>
-            <a:r>
-              <a:rPr sz="1200" b="1" spc="-30">
-                <a:solidFill>
-                  <a:srgbClr val="FFFFFF"/>
-                </a:solidFill>
-                <a:latin typeface="Adobe Clean"/>
-                <a:cs typeface="Adobe Clean"/>
-              </a:rPr>
-              <a:t>ll</a:t>
-            </a:r>
-            <a:r>
-              <a:rPr sz="1200" b="1" spc="-25">
-                <a:solidFill>
-                  <a:srgbClr val="FFFFFF"/>
-                </a:solidFill>
-                <a:latin typeface="Adobe Clean"/>
-                <a:cs typeface="Adobe Clean"/>
-              </a:rPr>
-              <a:t>e</a:t>
-            </a:r>
-            <a:r>
-              <a:rPr sz="1200" b="1" spc="-30">
-                <a:solidFill>
-                  <a:srgbClr val="FFFFFF"/>
-                </a:solidFill>
-                <a:latin typeface="Adobe Clean"/>
-                <a:cs typeface="Adobe Clean"/>
-              </a:rPr>
-              <a:t>l</a:t>
-            </a:r>
-            <a:r>
-              <a:rPr sz="1200" b="1" spc="-25">
-                <a:solidFill>
-                  <a:srgbClr val="FFFFFF"/>
-                </a:solidFill>
-                <a:latin typeface="Adobe Clean"/>
-                <a:cs typeface="Adobe Clean"/>
-              </a:rPr>
-              <a:t>e</a:t>
-            </a:r>
-            <a:r>
-              <a:rPr sz="1200" b="1">
-                <a:solidFill>
-                  <a:srgbClr val="FFFFFF"/>
-                </a:solidFill>
-                <a:latin typeface="Adobe Clean"/>
-                <a:cs typeface="Adobe Clean"/>
-              </a:rPr>
-              <a:t>d  </a:t>
-            </a:r>
-            <a:r>
-              <a:rPr sz="1200" b="1" spc="-25">
-                <a:solidFill>
-                  <a:srgbClr val="FFFFFF"/>
-                </a:solidFill>
-                <a:latin typeface="Adobe Clean"/>
-                <a:cs typeface="Adobe Clean"/>
-              </a:rPr>
-              <a:t>Expertise</a:t>
-            </a:r>
-            <a:endParaRPr sz="1200">
-              <a:latin typeface="Adobe Clean"/>
-              <a:cs typeface="Adobe Clean"/>
-            </a:endParaRPr>
           </a:p>
         </p:txBody>
       </p:sp>
@@ -11699,8 +10486,8 @@
         </p:nvSpPr>
         <p:spPr>
           <a:xfrm>
-            <a:off x="4732495" y="8541244"/>
-            <a:ext cx="810895" cy="382797"/>
+            <a:off x="4541995" y="8541244"/>
+            <a:ext cx="1030130" cy="382797"/>
           </a:xfrm>
           <a:prstGeom prst="rect">
             <a:avLst/>
@@ -11712,7 +10499,7 @@
           </a:bodyPr>
           <a:lstStyle/>
           <a:p>
-            <a:pPr marL="139065" marR="5080" indent="-139065">
+            <a:pPr marR="5080" algn="ctr">
               <a:lnSpc>
                 <a:spcPts val="1390"/>
               </a:lnSpc>
@@ -11721,19 +10508,34 @@
               </a:spcBef>
             </a:pPr>
             <a:r>
-              <a:rPr lang="en-US" sz="1200" b="1" spc="-15">
+              <a:rPr lang="es-ES" sz="1200" b="1" dirty="0">
                 <a:solidFill>
                   <a:srgbClr val="FFFFFF"/>
                 </a:solidFill>
                 <a:latin typeface="Adobe Clean"/>
                 <a:cs typeface="Adobe Clean"/>
               </a:rPr>
-              <a:t>Accelerated Support</a:t>
+              <a:t>Asistencia </a:t>
             </a:r>
-            <a:endParaRPr sz="1200">
-              <a:latin typeface="Adobe Clean"/>
-              <a:cs typeface="Adobe Clean"/>
-            </a:endParaRPr>
+            <a:br>
+              <a:rPr lang="sk-SK" sz="1200" b="1" dirty="0">
+                <a:solidFill>
+                  <a:srgbClr val="FFFFFF"/>
+                </a:solidFill>
+                <a:latin typeface="Adobe Clean"/>
+                <a:cs typeface="Adobe Clean"/>
+              </a:rPr>
+            </a:br>
+            <a:r>
+              <a:rPr lang="es-ES" sz="1200" b="1" dirty="0">
+                <a:solidFill>
+                  <a:srgbClr val="FFFFFF"/>
+                </a:solidFill>
+                <a:latin typeface="Adobe Clean"/>
+                <a:cs typeface="Adobe Clean"/>
+              </a:rPr>
+              <a:t>ágil</a:t>
+            </a:r>
           </a:p>
         </p:txBody>
       </p:sp>
@@ -11751,8 +10553,8 @@
         </p:nvSpPr>
         <p:spPr>
           <a:xfrm>
-            <a:off x="6624119" y="8543943"/>
-            <a:ext cx="510540" cy="385445"/>
+            <a:off x="6471718" y="8543943"/>
+            <a:ext cx="810895" cy="382797"/>
           </a:xfrm>
           <a:prstGeom prst="rect">
             <a:avLst/>
@@ -11764,7 +10566,7 @@
           </a:bodyPr>
           <a:lstStyle/>
           <a:p>
-            <a:pPr marL="50800" marR="5080" indent="-51435">
+            <a:pPr marR="5080" algn="ctr">
               <a:lnSpc>
                 <a:spcPts val="1390"/>
               </a:lnSpc>
@@ -11773,109 +10575,15 @@
               </a:spcBef>
             </a:pPr>
             <a:r>
-              <a:rPr sz="1200" b="1" spc="-50">
+              <a:rPr lang="es-ES" sz="1200" b="1" dirty="0">
                 <a:solidFill>
                   <a:srgbClr val="FFFFFF"/>
                 </a:solidFill>
                 <a:latin typeface="Adobe Clean"/>
                 <a:cs typeface="Adobe Clean"/>
               </a:rPr>
-              <a:t>S</a:t>
+              <a:t>Asesoría estratégica</a:t>
             </a:r>
-            <a:r>
-              <a:rPr sz="1200" b="1" spc="-20">
-                <a:solidFill>
-                  <a:srgbClr val="FFFFFF"/>
-                </a:solidFill>
-                <a:latin typeface="Adobe Clean"/>
-                <a:cs typeface="Adobe Clean"/>
-              </a:rPr>
-              <a:t>t</a:t>
-            </a:r>
-            <a:r>
-              <a:rPr sz="1200" b="1" spc="-75">
-                <a:solidFill>
-                  <a:srgbClr val="FFFFFF"/>
-                </a:solidFill>
-                <a:latin typeface="Adobe Clean"/>
-                <a:cs typeface="Adobe Clean"/>
-              </a:rPr>
-              <a:t>r</a:t>
-            </a:r>
-            <a:r>
-              <a:rPr sz="1200" b="1" spc="-90">
-                <a:solidFill>
-                  <a:srgbClr val="FFFFFF"/>
-                </a:solidFill>
-                <a:latin typeface="Adobe Clean"/>
-                <a:cs typeface="Adobe Clean"/>
-              </a:rPr>
-              <a:t>a</a:t>
-            </a:r>
-            <a:r>
-              <a:rPr sz="1200" b="1" spc="-55">
-                <a:solidFill>
-                  <a:srgbClr val="FFFFFF"/>
-                </a:solidFill>
-                <a:latin typeface="Adobe Clean"/>
-                <a:cs typeface="Adobe Clean"/>
-              </a:rPr>
-              <a:t>t</a:t>
-            </a:r>
-            <a:r>
-              <a:rPr sz="1200" b="1" spc="-100">
-                <a:solidFill>
-                  <a:srgbClr val="FFFFFF"/>
-                </a:solidFill>
-                <a:latin typeface="Adobe Clean"/>
-                <a:cs typeface="Adobe Clean"/>
-              </a:rPr>
-              <a:t>e</a:t>
-            </a:r>
-            <a:r>
-              <a:rPr sz="1200" b="1" spc="-80">
-                <a:solidFill>
-                  <a:srgbClr val="FFFFFF"/>
-                </a:solidFill>
-                <a:latin typeface="Adobe Clean"/>
-                <a:cs typeface="Adobe Clean"/>
-              </a:rPr>
-              <a:t>g</a:t>
-            </a:r>
-            <a:r>
-              <a:rPr sz="1200" b="1" spc="-35">
-                <a:solidFill>
-                  <a:srgbClr val="FFFFFF"/>
-                </a:solidFill>
-                <a:latin typeface="Adobe Clean"/>
-                <a:cs typeface="Adobe Clean"/>
-              </a:rPr>
-              <a:t>i</a:t>
-            </a:r>
-            <a:r>
-              <a:rPr sz="1200" b="1">
-                <a:solidFill>
-                  <a:srgbClr val="FFFFFF"/>
-                </a:solidFill>
-                <a:latin typeface="Adobe Clean"/>
-                <a:cs typeface="Adobe Clean"/>
-              </a:rPr>
-              <a:t>c  </a:t>
-            </a:r>
-            <a:r>
-              <a:rPr sz="1200" b="1" spc="-45">
-                <a:solidFill>
-                  <a:srgbClr val="FFFFFF"/>
-                </a:solidFill>
-                <a:latin typeface="Adobe Clean"/>
-                <a:cs typeface="Adobe Clean"/>
-              </a:rPr>
-              <a:t>Advice</a:t>
-            </a:r>
-            <a:endParaRPr sz="1200">
-              <a:latin typeface="Adobe Clean"/>
-              <a:cs typeface="Adobe Clean"/>
-            </a:endParaRPr>
           </a:p>
         </p:txBody>
       </p:sp>
@@ -11891,11 +10599,17 @@
           <p:cNvGraphicFramePr>
             <a:graphicFrameLocks noGrp="1"/>
           </p:cNvGraphicFramePr>
-          <p:nvPr/>
+          <p:nvPr>
+            <p:extLst>
+              <p:ext uri="{D42A27DB-BD31-4B8C-83A1-F6EECF244321}">
+                <p14:modId xmlns:p14="http://schemas.microsoft.com/office/powerpoint/2010/main" val="1596060064"/>
+              </p:ext>
+            </p:extLst>
+          </p:nvPr>
         </p:nvGraphicFramePr>
         <p:xfrm>
           <a:off x="194236" y="1059345"/>
-          <a:ext cx="7368291" cy="3606800"/>
+          <a:ext cx="7368291" cy="3759200"/>
         </p:xfrm>
         <a:graphic>
           <a:graphicData uri="http://schemas.openxmlformats.org/drawingml/2006/table">
@@ -11926,7 +10640,7 @@
                     <a:lstStyle/>
                     <a:p>
                       <a:r>
-                        <a:rPr lang="en-US" sz="1100" b="0">
+                        <a:rPr lang="es-ES" sz="1100" b="0">
                           <a:solidFill>
                             <a:schemeClr val="tx1"/>
                           </a:solidFill>
@@ -11937,14 +10651,6 @@
                         </a:rPr>
                         <a:t>Experience League</a:t>
                       </a:r>
-                      <a:endParaRPr lang="en-US" sz="1100" b="0">
-                        <a:solidFill>
-                          <a:schemeClr val="tx1"/>
-                        </a:solidFill>
-                        <a:latin typeface="Adobe Clean" panose="020B0503020404020204" pitchFamily="34" charset="0"/>
-                        <a:ea typeface="+mn-ea"/>
-                        <a:cs typeface="+mn-cs"/>
-                      </a:endParaRPr>
                     </a:p>
                   </a:txBody>
                   <a:tcPr marL="47625" marR="47625" marT="0" marB="0" anchor="ctr">
@@ -12018,7 +10724,7 @@
                         <a:defRPr/>
                       </a:pPr>
                       <a:r>
-                        <a:rPr lang="en-US" sz="1000" b="0" kern="1200">
+                        <a:rPr lang="es-ES" sz="1000" b="0" dirty="0" err="1">
                           <a:solidFill>
                             <a:srgbClr val="000000"/>
                           </a:solidFill>
@@ -12026,7 +10732,102 @@
                           <a:ea typeface="+mn-ea"/>
                           <a:cs typeface="+mn-cs"/>
                         </a:rPr>
-                        <a:t>Experience League is how Adobe helps businesses achieve the value they expect from their Adobe investment. It’s the unified place where customers can learn, connect, and grow along a personalized path to success that includes self-help tutorials, product documentation, instructor-led training, community and technical support. </a:t>
+                        <a:t>Experience</a:t>
+                      </a:r>
+                      <a:r>
+                        <a:rPr lang="es-ES" sz="1000" b="0" dirty="0">
+                          <a:solidFill>
+                            <a:srgbClr val="000000"/>
+                          </a:solidFill>
+                          <a:latin typeface="Adobe Clean Light" panose="020B0303020404020204" pitchFamily="34" charset="0"/>
+                          <a:ea typeface="+mn-ea"/>
+                          <a:cs typeface="+mn-cs"/>
+                        </a:rPr>
+                        <a:t> League permite a Adobe ayudar a las empresas a alcanzar el valor que esperan de su inversión en Adobe. Es el lugar unificado </a:t>
+                      </a:r>
+                      <a:br>
+                        <a:rPr lang="sk-SK" sz="1000" b="0" dirty="0">
+                          <a:solidFill>
+                            <a:srgbClr val="000000"/>
+                          </a:solidFill>
+                          <a:latin typeface="Adobe Clean Light" panose="020B0303020404020204" pitchFamily="34" charset="0"/>
+                          <a:ea typeface="+mn-ea"/>
+                          <a:cs typeface="+mn-cs"/>
+                        </a:rPr>
+                      </a:br>
+                      <a:r>
+                        <a:rPr lang="es-ES" sz="1000" b="0" dirty="0">
+                          <a:solidFill>
+                            <a:srgbClr val="000000"/>
+                          </a:solidFill>
+                          <a:latin typeface="Adobe Clean Light" panose="020B0303020404020204" pitchFamily="34" charset="0"/>
+                          <a:ea typeface="+mn-ea"/>
+                          <a:cs typeface="+mn-cs"/>
+                        </a:rPr>
+                        <a:t>en el que los clientes pueden aprender, dialogar y crecer siguiendo </a:t>
+                      </a:r>
+                      <a:br>
+                        <a:rPr lang="sk-SK" sz="1000" b="0" dirty="0">
+                          <a:solidFill>
+                            <a:srgbClr val="000000"/>
+                          </a:solidFill>
+                          <a:latin typeface="Adobe Clean Light" panose="020B0303020404020204" pitchFamily="34" charset="0"/>
+                          <a:ea typeface="+mn-ea"/>
+                          <a:cs typeface="+mn-cs"/>
+                        </a:rPr>
+                      </a:br>
+                      <a:r>
+                        <a:rPr lang="es-ES" sz="1000" b="0" dirty="0">
+                          <a:solidFill>
+                            <a:srgbClr val="000000"/>
+                          </a:solidFill>
+                          <a:latin typeface="Adobe Clean Light" panose="020B0303020404020204" pitchFamily="34" charset="0"/>
+                          <a:ea typeface="+mn-ea"/>
+                          <a:cs typeface="+mn-cs"/>
+                        </a:rPr>
+                        <a:t>un camino personalizado hacia el éxito que incluye tutoriales </a:t>
+                      </a:r>
+                      <a:br>
+                        <a:rPr lang="sk-SK" sz="1000" b="0" dirty="0">
+                          <a:solidFill>
+                            <a:srgbClr val="000000"/>
+                          </a:solidFill>
+                          <a:latin typeface="Adobe Clean Light" panose="020B0303020404020204" pitchFamily="34" charset="0"/>
+                          <a:ea typeface="+mn-ea"/>
+                          <a:cs typeface="+mn-cs"/>
+                        </a:rPr>
+                      </a:br>
+                      <a:r>
+                        <a:rPr lang="es-ES" sz="1000" b="0" dirty="0">
+                          <a:solidFill>
+                            <a:srgbClr val="000000"/>
+                          </a:solidFill>
+                          <a:latin typeface="Adobe Clean Light" panose="020B0303020404020204" pitchFamily="34" charset="0"/>
+                          <a:ea typeface="+mn-ea"/>
+                          <a:cs typeface="+mn-cs"/>
+                        </a:rPr>
+                        <a:t>de autoayuda, documentación de productos, formación dirigida </a:t>
+                      </a:r>
+                      <a:br>
+                        <a:rPr lang="sk-SK" sz="1000" b="0" dirty="0">
+                          <a:solidFill>
+                            <a:srgbClr val="000000"/>
+                          </a:solidFill>
+                          <a:latin typeface="Adobe Clean Light" panose="020B0303020404020204" pitchFamily="34" charset="0"/>
+                          <a:ea typeface="+mn-ea"/>
+                          <a:cs typeface="+mn-cs"/>
+                        </a:rPr>
+                      </a:br>
+                      <a:r>
+                        <a:rPr lang="es-ES" sz="1000" b="0" dirty="0">
+                          <a:solidFill>
+                            <a:srgbClr val="000000"/>
+                          </a:solidFill>
+                          <a:latin typeface="Adobe Clean Light" panose="020B0303020404020204" pitchFamily="34" charset="0"/>
+                          <a:ea typeface="+mn-ea"/>
+                          <a:cs typeface="+mn-cs"/>
+                        </a:rPr>
+                        <a:t>por instructores, y asistencia técnica y comunitaria. </a:t>
                       </a:r>
                     </a:p>
                   </a:txBody>
@@ -12108,39 +10909,28 @@
                         <a:defRPr/>
                       </a:pPr>
                       <a:r>
-                        <a:rPr lang="en-US" sz="1100">
+                        <a:rPr lang="es-ES" sz="1100">
                           <a:solidFill>
                             <a:schemeClr val="dk1"/>
                           </a:solidFill>
-                          <a:effectLst/>
                           <a:latin typeface="Adobe Clean" panose="020B0503020404020204" pitchFamily="34" charset="0"/>
                           <a:ea typeface="+mn-ea"/>
                           <a:cs typeface="+mn-cs"/>
                           <a:hlinkClick r:id="rId8"/>
                         </a:rPr>
-                        <a:t>Training</a:t>
+                        <a:t>Formación</a:t>
                       </a:r>
                       <a:r>
-                        <a:rPr lang="en-US" sz="1100">
+                        <a:rPr lang="es-ES" sz="1100">
                           <a:solidFill>
                             <a:schemeClr val="dk1"/>
                           </a:solidFill>
-                          <a:effectLst/>
                           <a:latin typeface="Adobe Clean" panose="020B0503020404020204" pitchFamily="34" charset="0"/>
                           <a:ea typeface="+mn-ea"/>
                           <a:cs typeface="+mn-cs"/>
                         </a:rPr>
                         <a:t> </a:t>
                       </a:r>
-                      <a:endParaRPr lang="en-US" sz="1100">
-                        <a:solidFill>
-                          <a:schemeClr val="tx1"/>
-                        </a:solidFill>
-                        <a:effectLst/>
-                        <a:latin typeface="Adobe Clean" panose="020B0503020404020204" pitchFamily="34" charset="0"/>
-                        <a:ea typeface="+mn-ea"/>
-                        <a:cs typeface="+mn-cs"/>
-                      </a:endParaRPr>
                     </a:p>
                   </a:txBody>
                   <a:tcPr anchor="ctr">
@@ -12214,7 +11004,7 @@
                         <a:defRPr/>
                       </a:pPr>
                       <a:r>
-                        <a:rPr lang="en-US" sz="1000" kern="1200">
+                        <a:rPr lang="es-ES" sz="1000">
                           <a:solidFill>
                             <a:srgbClr val="000000"/>
                           </a:solidFill>
@@ -12222,7 +11012,7 @@
                           <a:ea typeface="+mn-ea"/>
                           <a:cs typeface="+mn-cs"/>
                         </a:rPr>
-                        <a:t>Adobe Digital Learning Services courses are accessible from Experience League. Learning courses integrate both on-demand and instructor-led lessons.  Here you can accrue skills that have recognized market value and position them to drive success in your organizations.</a:t>
+                        <a:t>Puede acceder a los cursos de Adobe Digital Learning Services desde Experience League. Los cursos de formación incluyen desde lecciones bajo demanda hasta lecciones impartidas por instructores.  Aquí puede aprender habilidades con valor de mercado reconocido para impulsar el éxito en su organización.</a:t>
                       </a:r>
                     </a:p>
                   </a:txBody>
@@ -12304,27 +11094,17 @@
                         <a:defRPr/>
                       </a:pPr>
                       <a:r>
-                        <a:rPr lang="en-US" sz="1100">
+                        <a:rPr lang="es-ES" sz="1100">
                           <a:solidFill>
                             <a:schemeClr val="tx1"/>
                           </a:solidFill>
-                          <a:effectLst/>
                           <a:latin typeface="Adobe Clean" panose="020B0503020404020204" pitchFamily="34" charset="0"/>
                           <a:ea typeface="+mn-ea"/>
                           <a:cs typeface="+mn-cs"/>
                           <a:hlinkClick r:id="rId9"/>
                         </a:rPr>
-                        <a:t>Production Issues &amp; System Outages</a:t>
+                        <a:t>Problemas de producción e interrupciones del sistema</a:t>
                       </a:r>
-                      <a:endParaRPr lang="en-US" sz="1100">
-                        <a:solidFill>
-                          <a:schemeClr val="tx1"/>
-                        </a:solidFill>
-                        <a:effectLst/>
-                        <a:latin typeface="Adobe Clean" panose="020B0503020404020204" pitchFamily="34" charset="0"/>
-                        <a:ea typeface="+mn-ea"/>
-                        <a:cs typeface="+mn-cs"/>
-                      </a:endParaRPr>
                     </a:p>
                   </a:txBody>
                   <a:tcPr anchor="ctr">
@@ -12398,7 +11178,7 @@
                         <a:defRPr/>
                       </a:pPr>
                       <a:r>
-                        <a:rPr lang="en-US" sz="1000" kern="1200">
+                        <a:rPr lang="es-ES" sz="1000">
                           <a:solidFill>
                             <a:srgbClr val="000000"/>
                           </a:solidFill>
@@ -12406,7 +11186,7 @@
                           <a:ea typeface="+mn-ea"/>
                           <a:cs typeface="+mn-cs"/>
                         </a:rPr>
-                        <a:t>Status.adobe.com conveys the health information of all Adobe products and services that are deployed in multi-tenant environments. Customers can choose their subscription preferences to get email notifications whenever Adobe creates, updates or resolves a product event. This can include scheduled maintenance or service issues of varying levels of severity. </a:t>
+                        <a:t>Status.adobe.com transmite la información de estado de todos los productos y servicios de Adobe implementados en entornos de varios inquilinos. Los clientes pueden elegir sus preferencias de suscripción para recibir notificaciones por correo electrónico cada vez que Adobe cree, actualice o resuelva un evento de producto. Esto puede incluir problemas de mantenimiento o servicio programados de diversos niveles de gravedad. </a:t>
                       </a:r>
                     </a:p>
                   </a:txBody>
@@ -12488,27 +11268,17 @@
                         <a:defRPr/>
                       </a:pPr>
                       <a:r>
-                        <a:rPr lang="en-US" sz="1100" b="0" i="0">
+                        <a:rPr lang="es-ES" sz="1100" b="0" i="0">
                           <a:solidFill>
                             <a:schemeClr val="dk1"/>
                           </a:solidFill>
-                          <a:effectLst/>
                           <a:latin typeface="Adobe Clean" panose="020B0503020404020204" pitchFamily="34" charset="0"/>
                           <a:ea typeface="+mn-ea"/>
                           <a:cs typeface="+mn-cs"/>
-                          <a:hlinkClick r:id="rId10" tooltip="https://helpx.adobe.com/support/programs/enterprise-support-programs/premier-support-business.html"/>
+                          <a:hlinkClick r:id="rId10" tooltip="https://helpx.adobe.com/es/support/programs/enterprise-support-programs/premier-support-business.html"/>
                         </a:rPr>
-                        <a:t>Business Support Website</a:t>
+                        <a:t>Sitio web de soporte Business</a:t>
                       </a:r>
-                      <a:endParaRPr lang="en-US" sz="1100" b="0" i="0">
-                        <a:solidFill>
-                          <a:schemeClr val="dk1"/>
-                        </a:solidFill>
-                        <a:effectLst/>
-                        <a:latin typeface="Adobe Clean" panose="020B0503020404020204" pitchFamily="34" charset="0"/>
-                        <a:ea typeface="+mn-ea"/>
-                        <a:cs typeface="+mn-cs"/>
-                      </a:endParaRPr>
                     </a:p>
                   </a:txBody>
                   <a:tcPr anchor="ctr">
@@ -12565,7 +11335,7 @@
                     <a:lstStyle/>
                     <a:p>
                       <a:r>
-                        <a:rPr lang="en-US" sz="1000" kern="1200">
+                        <a:rPr lang="es-ES" sz="1000">
                           <a:solidFill>
                             <a:srgbClr val="000000"/>
                           </a:solidFill>
@@ -12573,7 +11343,7 @@
                           <a:ea typeface="+mn-ea"/>
                           <a:cs typeface="+mn-cs"/>
                         </a:rPr>
-                        <a:t>Adobe Business Support website</a:t>
+                        <a:t>Sitio web de soporte Business de Adobe</a:t>
                       </a:r>
                     </a:p>
                   </a:txBody>
@@ -12655,27 +11425,17 @@
                         <a:defRPr/>
                       </a:pPr>
                       <a:r>
-                        <a:rPr lang="en-US" sz="1100">
+                        <a:rPr lang="es-ES" sz="1100">
                           <a:solidFill>
                             <a:schemeClr val="tx1"/>
                           </a:solidFill>
-                          <a:effectLst/>
                           <a:latin typeface="Adobe Clean" panose="020B0503020404020204" pitchFamily="34" charset="0"/>
                           <a:ea typeface="+mn-ea"/>
                           <a:cs typeface="+mn-cs"/>
                           <a:hlinkClick r:id="rId11"/>
                         </a:rPr>
-                        <a:t>Terms and Conditions</a:t>
+                        <a:t>Términos y condiciones</a:t>
                       </a:r>
-                      <a:endParaRPr lang="en-US" sz="1100">
-                        <a:solidFill>
-                          <a:schemeClr val="tx1"/>
-                        </a:solidFill>
-                        <a:effectLst/>
-                        <a:latin typeface="Adobe Clean" panose="020B0503020404020204" pitchFamily="34" charset="0"/>
-                        <a:ea typeface="+mn-ea"/>
-                        <a:cs typeface="+mn-cs"/>
-                      </a:endParaRPr>
                     </a:p>
                   </a:txBody>
                   <a:tcPr anchor="ctr">
@@ -12732,7 +11492,7 @@
                     <a:lstStyle/>
                     <a:p>
                       <a:r>
-                        <a:rPr lang="en-US" sz="1000" kern="1200">
+                        <a:rPr lang="es-ES" sz="1000" dirty="0">
                           <a:solidFill>
                             <a:srgbClr val="000000"/>
                           </a:solidFill>
@@ -12740,7 +11500,7 @@
                           <a:ea typeface="+mn-ea"/>
                           <a:cs typeface="+mn-cs"/>
                         </a:rPr>
-                        <a:t>Terms and conditions detailing Support Services offerings</a:t>
+                        <a:t>Términos y condiciones de las ofertas de los servicios de soporte</a:t>
                       </a:r>
                     </a:p>
                   </a:txBody>
@@ -13511,6 +12271,12 @@
 </file>
 
 <file path=customXml/item1.xml><?xml version="1.0" encoding="utf-8"?>
+<p:properties xmlns:p="http://schemas.microsoft.com/office/2006/metadata/properties" xmlns:xsi="http://www.w3.org/2001/XMLSchema-instance" xmlns:pc="http://schemas.microsoft.com/office/infopath/2007/PartnerControls">
+  <documentManagement/>
+</p:properties>
+</file>
+
+<file path=customXml/item2.xml><?xml version="1.0" encoding="utf-8"?>
 <ct:contentTypeSchema xmlns:ct="http://schemas.microsoft.com/office/2006/metadata/contentType" xmlns:ma="http://schemas.microsoft.com/office/2006/metadata/properties/metaAttributes" ct:_="" ma:_="" ma:contentTypeName="Document" ma:contentTypeID="0x010100E783BF6876BCC646A459363AF21A7736" ma:contentTypeVersion="10" ma:contentTypeDescription="Create a new document." ma:contentTypeScope="" ma:versionID="c4ffda7f4f415767600769e454c2ea87">
   <xsd:schema xmlns:xsd="http://www.w3.org/2001/XMLSchema" xmlns:xs="http://www.w3.org/2001/XMLSchema" xmlns:p="http://schemas.microsoft.com/office/2006/metadata/properties" xmlns:ns2="8a053bff-88be-49e4-9a87-e748e18b8b62" xmlns:ns3="6c8368ec-3776-49b5-a5bb-90648cf9530f" targetNamespace="http://schemas.microsoft.com/office/2006/metadata/properties" ma:root="true" ma:fieldsID="df3ec33bccc23e23bce7bc897fad43d1" ns2:_="" ns3:_="">
     <xsd:import namespace="8a053bff-88be-49e4-9a87-e748e18b8b62"/>
@@ -13715,12 +12481,6 @@
 </ct:contentTypeSchema>
 </file>
 
-<file path=customXml/item2.xml><?xml version="1.0" encoding="utf-8"?>
-<p:properties xmlns:p="http://schemas.microsoft.com/office/2006/metadata/properties" xmlns:xsi="http://www.w3.org/2001/XMLSchema-instance" xmlns:pc="http://schemas.microsoft.com/office/infopath/2007/PartnerControls">
-  <documentManagement/>
-</p:properties>
-</file>
-
 <file path=customXml/item3.xml><?xml version="1.0" encoding="utf-8"?>
 <?mso-contentType ?>
 <FormTemplates xmlns="http://schemas.microsoft.com/sharepoint/v3/contenttype/forms">
@@ -13731,6 +12491,15 @@
 </file>
 
 <file path=customXml/itemProps1.xml><?xml version="1.0" encoding="utf-8"?>
+<ds:datastoreItem xmlns:ds="http://schemas.openxmlformats.org/officeDocument/2006/customXml" ds:itemID="{10FC3CAF-E6F1-40E3-87D4-6B781C97D6B4}">
+  <ds:schemaRefs>
+    <ds:schemaRef ds:uri="http://schemas.microsoft.com/office/2006/metadata/properties"/>
+    <ds:schemaRef ds:uri="http://schemas.microsoft.com/office/infopath/2007/PartnerControls"/>
+  </ds:schemaRefs>
+</ds:datastoreItem>
+</file>
+
+<file path=customXml/itemProps2.xml><?xml version="1.0" encoding="utf-8"?>
 <ds:datastoreItem xmlns:ds="http://schemas.openxmlformats.org/officeDocument/2006/customXml" ds:itemID="{E0DB8BDF-6DA8-4ABC-A3CA-043AFD674CFC}">
   <ds:schemaRefs>
     <ds:schemaRef ds:uri="6c8368ec-3776-49b5-a5bb-90648cf9530f"/>
@@ -13749,15 +12518,6 @@
 </ds:datastoreItem>
 </file>
 
-<file path=customXml/itemProps2.xml><?xml version="1.0" encoding="utf-8"?>
-<ds:datastoreItem xmlns:ds="http://schemas.openxmlformats.org/officeDocument/2006/customXml" ds:itemID="{10FC3CAF-E6F1-40E3-87D4-6B781C97D6B4}">
-  <ds:schemaRefs>
-    <ds:schemaRef ds:uri="http://schemas.microsoft.com/office/2006/metadata/properties"/>
-    <ds:schemaRef ds:uri="http://schemas.microsoft.com/office/infopath/2007/PartnerControls"/>
-  </ds:schemaRefs>
-</ds:datastoreItem>
-</file>
-
 <file path=customXml/itemProps3.xml><?xml version="1.0" encoding="utf-8"?>
 <ds:datastoreItem xmlns:ds="http://schemas.openxmlformats.org/officeDocument/2006/customXml" ds:itemID="{95AE3B0B-E909-400C-B0B3-909FB50E07DE}">
   <ds:schemaRefs>

--- a/help/data-sheets/assets/BusinessSupportDatasheet.pptx
+++ b/help/data-sheets/assets/BusinessSupportDatasheet.pptx
@@ -143,12 +143,8 @@
 <file path=ppt/revisionInfo.xml><?xml version="1.0" encoding="utf-8"?>
 <p1510:revInfo xmlns:a="http://schemas.openxmlformats.org/drawingml/2006/main" xmlns:r="http://schemas.openxmlformats.org/officeDocument/2006/relationships" xmlns:p1510="http://schemas.microsoft.com/office/powerpoint/2015/10/main">
   <p1510:revLst>
-    <p1510:client id="{06B13378-B080-7F0F-51A5-F9203CEE57ED}" v="370" dt="2021-08-25T22:26:24.850"/>
-    <p1510:client id="{4D8E0410-E0CE-85E2-0F84-C1BF4F647622}" v="27" dt="2021-09-22T22:57:14.395"/>
-    <p1510:client id="{71D6CFBF-0EA2-99B0-93F4-22F19EF0AE4E}" v="2" dt="2021-09-22T19:06:58.732"/>
-    <p1510:client id="{9E385600-BF81-FC49-9ED0-E33BC37F7908}" v="55" dt="2021-08-04T08:16:13.478"/>
-    <p1510:client id="{AFB92C2B-405E-C597-0988-18F97C53104C}" v="37" dt="2021-09-22T18:53:28.028"/>
-    <p1510:client id="{CA5D33DF-AE75-BCA1-B9BC-A7CD44D2F3C7}" v="2" dt="2021-08-25T22:38:18.624"/>
+    <p1510:client id="{61630BD6-9AE9-064C-B39F-AFA945B82B3E}" v="202" dt="2021-10-13T19:21:08.267"/>
+    <p1510:client id="{AC30C20D-1316-8ECC-DADD-39CCEC6A7FCF}" v="9" dt="2021-10-13T19:03:35.035"/>
   </p1510:revLst>
 </p1510:revInfo>
 </file>
@@ -170,6 +166,77 @@
         </pc:sldMkLst>
         <pc:graphicFrameChg chg="mod modGraphic">
           <ac:chgData name="Akilah Johnson" userId="S::akjohnso@adobe.com::2fa3aa60-0c9c-4d06-bae2-795983241227" providerId="AD" clId="Web-{4D8E0410-E0CE-85E2-0F84-C1BF4F647622}" dt="2021-09-22T22:57:04.802" v="5"/>
+          <ac:graphicFrameMkLst>
+            <pc:docMk/>
+            <pc:sldMk cId="1050037809" sldId="261"/>
+            <ac:graphicFrameMk id="25" creationId="{3A91F5B0-3974-A14D-A146-FB590F2AAD18}"/>
+          </ac:graphicFrameMkLst>
+        </pc:graphicFrameChg>
+      </pc:sldChg>
+    </pc:docChg>
+  </pc:docChgLst>
+  <pc:docChgLst>
+    <pc:chgData name="Akilah Johnson" userId="S::akjohnso@adobe.com::2fa3aa60-0c9c-4d06-bae2-795983241227" providerId="AD" clId="Web-{019F6A09-DCDA-BB53-9E3C-5BA3B13E26BB}"/>
+    <pc:docChg chg="modSld">
+      <pc:chgData name="Akilah Johnson" userId="S::akjohnso@adobe.com::2fa3aa60-0c9c-4d06-bae2-795983241227" providerId="AD" clId="Web-{019F6A09-DCDA-BB53-9E3C-5BA3B13E26BB}" dt="2021-10-12T17:10:36.752" v="17" actId="20577"/>
+      <pc:docMkLst>
+        <pc:docMk/>
+      </pc:docMkLst>
+      <pc:sldChg chg="modSp">
+        <pc:chgData name="Akilah Johnson" userId="S::akjohnso@adobe.com::2fa3aa60-0c9c-4d06-bae2-795983241227" providerId="AD" clId="Web-{019F6A09-DCDA-BB53-9E3C-5BA3B13E26BB}" dt="2021-10-12T17:09:32.112" v="2" actId="20577"/>
+        <pc:sldMkLst>
+          <pc:docMk/>
+          <pc:sldMk cId="0" sldId="257"/>
+        </pc:sldMkLst>
+        <pc:spChg chg="mod">
+          <ac:chgData name="Akilah Johnson" userId="S::akjohnso@adobe.com::2fa3aa60-0c9c-4d06-bae2-795983241227" providerId="AD" clId="Web-{019F6A09-DCDA-BB53-9E3C-5BA3B13E26BB}" dt="2021-10-12T17:09:32.112" v="2" actId="20577"/>
+          <ac:spMkLst>
+            <pc:docMk/>
+            <pc:sldMk cId="0" sldId="257"/>
+            <ac:spMk id="46" creationId="{00000000-0000-0000-0000-000000000000}"/>
+          </ac:spMkLst>
+        </pc:spChg>
+      </pc:sldChg>
+      <pc:sldChg chg="modSp">
+        <pc:chgData name="Akilah Johnson" userId="S::akjohnso@adobe.com::2fa3aa60-0c9c-4d06-bae2-795983241227" providerId="AD" clId="Web-{019F6A09-DCDA-BB53-9E3C-5BA3B13E26BB}" dt="2021-10-12T17:10:36.752" v="17" actId="20577"/>
+        <pc:sldMkLst>
+          <pc:docMk/>
+          <pc:sldMk cId="1050037809" sldId="261"/>
+        </pc:sldMkLst>
+        <pc:spChg chg="mod">
+          <ac:chgData name="Akilah Johnson" userId="S::akjohnso@adobe.com::2fa3aa60-0c9c-4d06-bae2-795983241227" providerId="AD" clId="Web-{019F6A09-DCDA-BB53-9E3C-5BA3B13E26BB}" dt="2021-10-12T17:10:36.752" v="17" actId="20577"/>
+          <ac:spMkLst>
+            <pc:docMk/>
+            <pc:sldMk cId="1050037809" sldId="261"/>
+            <ac:spMk id="56" creationId="{00000000-0000-0000-0000-000000000000}"/>
+          </ac:spMkLst>
+        </pc:spChg>
+        <pc:graphicFrameChg chg="mod modGraphic">
+          <ac:chgData name="Akilah Johnson" userId="S::akjohnso@adobe.com::2fa3aa60-0c9c-4d06-bae2-795983241227" providerId="AD" clId="Web-{019F6A09-DCDA-BB53-9E3C-5BA3B13E26BB}" dt="2021-10-12T17:09:41.471" v="6"/>
+          <ac:graphicFrameMkLst>
+            <pc:docMk/>
+            <pc:sldMk cId="1050037809" sldId="261"/>
+            <ac:graphicFrameMk id="111" creationId="{D8653CEC-4213-DE40-9BAF-D1E3318FF89C}"/>
+          </ac:graphicFrameMkLst>
+        </pc:graphicFrameChg>
+      </pc:sldChg>
+    </pc:docChg>
+  </pc:docChgLst>
+  <pc:docChgLst>
+    <pc:chgData name="Andy Witt" userId="S::awitt@adobe.com::e9157bdf-53b2-40e4-9459-936793d75696" providerId="AD" clId="Web-{06B13378-B080-7F0F-51A5-F9203CEE57ED}"/>
+    <pc:docChg chg="modSld">
+      <pc:chgData name="Andy Witt" userId="S::awitt@adobe.com::e9157bdf-53b2-40e4-9459-936793d75696" providerId="AD" clId="Web-{06B13378-B080-7F0F-51A5-F9203CEE57ED}" dt="2021-08-25T22:25:13.647" v="363"/>
+      <pc:docMkLst>
+        <pc:docMk/>
+      </pc:docMkLst>
+      <pc:sldChg chg="modSp">
+        <pc:chgData name="Andy Witt" userId="S::awitt@adobe.com::e9157bdf-53b2-40e4-9459-936793d75696" providerId="AD" clId="Web-{06B13378-B080-7F0F-51A5-F9203CEE57ED}" dt="2021-08-25T22:25:13.647" v="363"/>
+        <pc:sldMkLst>
+          <pc:docMk/>
+          <pc:sldMk cId="1050037809" sldId="261"/>
+        </pc:sldMkLst>
+        <pc:graphicFrameChg chg="mod modGraphic">
+          <ac:chgData name="Andy Witt" userId="S::awitt@adobe.com::e9157bdf-53b2-40e4-9459-936793d75696" providerId="AD" clId="Web-{06B13378-B080-7F0F-51A5-F9203CEE57ED}" dt="2021-08-25T22:25:13.647" v="363"/>
           <ac:graphicFrameMkLst>
             <pc:docMk/>
             <pc:sldMk cId="1050037809" sldId="261"/>
@@ -204,26 +271,58 @@
     </pc:docChg>
   </pc:docChgLst>
   <pc:docChgLst>
-    <pc:chgData name="Andy Witt" userId="S::awitt@adobe.com::e9157bdf-53b2-40e4-9459-936793d75696" providerId="AD" clId="Web-{06B13378-B080-7F0F-51A5-F9203CEE57ED}"/>
+    <pc:chgData name="Akilah Johnson" userId="S::akjohnso@adobe.com::2fa3aa60-0c9c-4d06-bae2-795983241227" providerId="AD" clId="Web-{D428A0AE-54E2-30D2-C574-7A0742876CCF}"/>
     <pc:docChg chg="modSld">
-      <pc:chgData name="Andy Witt" userId="S::awitt@adobe.com::e9157bdf-53b2-40e4-9459-936793d75696" providerId="AD" clId="Web-{06B13378-B080-7F0F-51A5-F9203CEE57ED}" dt="2021-08-25T22:25:13.647" v="363"/>
+      <pc:chgData name="Akilah Johnson" userId="S::akjohnso@adobe.com::2fa3aa60-0c9c-4d06-bae2-795983241227" providerId="AD" clId="Web-{D428A0AE-54E2-30D2-C574-7A0742876CCF}" dt="2021-10-12T19:11:25.330" v="0" actId="20577"/>
       <pc:docMkLst>
         <pc:docMk/>
       </pc:docMkLst>
       <pc:sldChg chg="modSp">
-        <pc:chgData name="Andy Witt" userId="S::awitt@adobe.com::e9157bdf-53b2-40e4-9459-936793d75696" providerId="AD" clId="Web-{06B13378-B080-7F0F-51A5-F9203CEE57ED}" dt="2021-08-25T22:25:13.647" v="363"/>
+        <pc:chgData name="Akilah Johnson" userId="S::akjohnso@adobe.com::2fa3aa60-0c9c-4d06-bae2-795983241227" providerId="AD" clId="Web-{D428A0AE-54E2-30D2-C574-7A0742876CCF}" dt="2021-10-12T19:11:25.330" v="0" actId="20577"/>
         <pc:sldMkLst>
           <pc:docMk/>
-          <pc:sldMk cId="1050037809" sldId="261"/>
+          <pc:sldMk cId="0" sldId="256"/>
         </pc:sldMkLst>
-        <pc:graphicFrameChg chg="mod modGraphic">
-          <ac:chgData name="Andy Witt" userId="S::awitt@adobe.com::e9157bdf-53b2-40e4-9459-936793d75696" providerId="AD" clId="Web-{06B13378-B080-7F0F-51A5-F9203CEE57ED}" dt="2021-08-25T22:25:13.647" v="363"/>
-          <ac:graphicFrameMkLst>
+        <pc:spChg chg="mod">
+          <ac:chgData name="Akilah Johnson" userId="S::akjohnso@adobe.com::2fa3aa60-0c9c-4d06-bae2-795983241227" providerId="AD" clId="Web-{D428A0AE-54E2-30D2-C574-7A0742876CCF}" dt="2021-10-12T19:11:25.330" v="0" actId="20577"/>
+          <ac:spMkLst>
             <pc:docMk/>
-            <pc:sldMk cId="1050037809" sldId="261"/>
-            <ac:graphicFrameMk id="25" creationId="{3A91F5B0-3974-A14D-A146-FB590F2AAD18}"/>
-          </ac:graphicFrameMkLst>
-        </pc:graphicFrameChg>
+            <pc:sldMk cId="0" sldId="256"/>
+            <ac:spMk id="4" creationId="{00000000-0000-0000-0000-000000000000}"/>
+          </ac:spMkLst>
+        </pc:spChg>
+      </pc:sldChg>
+    </pc:docChg>
+  </pc:docChgLst>
+  <pc:docChgLst>
+    <pc:chgData name="Lauren Schutte" userId="S::schutte@adobe.com::6e08b2d3-447a-4d66-86be-444d50df187f" providerId="AD" clId="Web-{AC30C20D-1316-8ECC-DADD-39CCEC6A7FCF}"/>
+    <pc:docChg chg="modSld">
+      <pc:chgData name="Lauren Schutte" userId="S::schutte@adobe.com::6e08b2d3-447a-4d66-86be-444d50df187f" providerId="AD" clId="Web-{AC30C20D-1316-8ECC-DADD-39CCEC6A7FCF}" dt="2021-10-13T19:03:35.035" v="8" actId="1076"/>
+      <pc:docMkLst>
+        <pc:docMk/>
+      </pc:docMkLst>
+      <pc:sldChg chg="modSp">
+        <pc:chgData name="Lauren Schutte" userId="S::schutte@adobe.com::6e08b2d3-447a-4d66-86be-444d50df187f" providerId="AD" clId="Web-{AC30C20D-1316-8ECC-DADD-39CCEC6A7FCF}" dt="2021-10-13T19:03:35.035" v="8" actId="1076"/>
+        <pc:sldMkLst>
+          <pc:docMk/>
+          <pc:sldMk cId="0" sldId="256"/>
+        </pc:sldMkLst>
+        <pc:spChg chg="mod">
+          <ac:chgData name="Lauren Schutte" userId="S::schutte@adobe.com::6e08b2d3-447a-4d66-86be-444d50df187f" providerId="AD" clId="Web-{AC30C20D-1316-8ECC-DADD-39CCEC6A7FCF}" dt="2021-10-13T19:03:27.878" v="7" actId="14100"/>
+          <ac:spMkLst>
+            <pc:docMk/>
+            <pc:sldMk cId="0" sldId="256"/>
+            <ac:spMk id="3" creationId="{00000000-0000-0000-0000-000000000000}"/>
+          </ac:spMkLst>
+        </pc:spChg>
+        <pc:spChg chg="mod">
+          <ac:chgData name="Lauren Schutte" userId="S::schutte@adobe.com::6e08b2d3-447a-4d66-86be-444d50df187f" providerId="AD" clId="Web-{AC30C20D-1316-8ECC-DADD-39CCEC6A7FCF}" dt="2021-10-13T19:03:35.035" v="8" actId="1076"/>
+          <ac:spMkLst>
+            <pc:docMk/>
+            <pc:sldMk cId="0" sldId="256"/>
+            <ac:spMk id="5" creationId="{00000000-0000-0000-0000-000000000000}"/>
+          </ac:spMkLst>
+        </pc:spChg>
       </pc:sldChg>
     </pc:docChg>
   </pc:docChgLst>
@@ -254,6 +353,38 @@
             <pc:docMk/>
             <pc:sldMk cId="1050037809" sldId="261"/>
             <ac:graphicFrameMk id="25" creationId="{3A91F5B0-3974-A14D-A146-FB590F2AAD18}"/>
+          </ac:graphicFrameMkLst>
+        </pc:graphicFrameChg>
+      </pc:sldChg>
+    </pc:docChg>
+  </pc:docChgLst>
+  <pc:docChgLst>
+    <pc:chgData name="Lauren Schutte" userId="6e08b2d3-447a-4d66-86be-444d50df187f" providerId="ADAL" clId="{61630BD6-9AE9-064C-B39F-AFA945B82B3E}"/>
+    <pc:docChg chg="undo custSel modSld">
+      <pc:chgData name="Lauren Schutte" userId="6e08b2d3-447a-4d66-86be-444d50df187f" providerId="ADAL" clId="{61630BD6-9AE9-064C-B39F-AFA945B82B3E}" dt="2021-10-13T19:21:08.267" v="201" actId="20577"/>
+      <pc:docMkLst>
+        <pc:docMk/>
+      </pc:docMkLst>
+      <pc:sldChg chg="modSp mod">
+        <pc:chgData name="Lauren Schutte" userId="6e08b2d3-447a-4d66-86be-444d50df187f" providerId="ADAL" clId="{61630BD6-9AE9-064C-B39F-AFA945B82B3E}" dt="2021-10-13T19:21:08.267" v="201" actId="20577"/>
+        <pc:sldMkLst>
+          <pc:docMk/>
+          <pc:sldMk cId="0" sldId="256"/>
+        </pc:sldMkLst>
+        <pc:spChg chg="mod">
+          <ac:chgData name="Lauren Schutte" userId="6e08b2d3-447a-4d66-86be-444d50df187f" providerId="ADAL" clId="{61630BD6-9AE9-064C-B39F-AFA945B82B3E}" dt="2021-10-13T19:03:44.344" v="3" actId="1076"/>
+          <ac:spMkLst>
+            <pc:docMk/>
+            <pc:sldMk cId="0" sldId="256"/>
+            <ac:spMk id="3" creationId="{00000000-0000-0000-0000-000000000000}"/>
+          </ac:spMkLst>
+        </pc:spChg>
+        <pc:graphicFrameChg chg="mod modGraphic">
+          <ac:chgData name="Lauren Schutte" userId="6e08b2d3-447a-4d66-86be-444d50df187f" providerId="ADAL" clId="{61630BD6-9AE9-064C-B39F-AFA945B82B3E}" dt="2021-10-13T19:21:08.267" v="201" actId="20577"/>
+          <ac:graphicFrameMkLst>
+            <pc:docMk/>
+            <pc:sldMk cId="0" sldId="256"/>
+            <ac:graphicFrameMk id="9" creationId="{00000000-0000-0000-0000-000000000000}"/>
           </ac:graphicFrameMkLst>
         </pc:graphicFrameChg>
       </pc:sldChg>
@@ -368,7 +499,7 @@
           <a:p>
             <a:fld id="{FB81873C-0B24-F04A-98A1-90E0A78F7E8A}" type="datetimeFigureOut">
               <a:rPr lang="en-US" smtClean="0"/>
-              <a:t>10/1/2021</a:t>
+              <a:t>10/13/2021</a:t>
             </a:fld>
             <a:endParaRPr lang="en-US"/>
           </a:p>
@@ -991,7 +1122,7 @@
           <a:p>
             <a:fld id="{1D8BD707-D9CF-40AE-B4C6-C98DA3205C09}" type="datetimeFigureOut">
               <a:rPr lang="en-US"/>
-              <a:t>10/1/2021</a:t>
+              <a:t>10/13/2021</a:t>
             </a:fld>
             <a:endParaRPr lang="en-US"/>
           </a:p>
@@ -1183,7 +1314,7 @@
           <a:p>
             <a:fld id="{1D8BD707-D9CF-40AE-B4C6-C98DA3205C09}" type="datetimeFigureOut">
               <a:rPr lang="en-US"/>
-              <a:t>10/1/2021</a:t>
+              <a:t>10/13/2021</a:t>
             </a:fld>
             <a:endParaRPr lang="en-US"/>
           </a:p>
@@ -1501,7 +1632,7 @@
           <a:p>
             <a:fld id="{1D8BD707-D9CF-40AE-B4C6-C98DA3205C09}" type="datetimeFigureOut">
               <a:rPr lang="en-US"/>
-              <a:t>10/1/2021</a:t>
+              <a:t>10/13/2021</a:t>
             </a:fld>
             <a:endParaRPr lang="en-US"/>
           </a:p>
@@ -1755,8 +1886,8 @@
         </p:nvSpPr>
         <p:spPr>
           <a:xfrm>
-            <a:off x="168564" y="7162363"/>
-            <a:ext cx="4045089" cy="227626"/>
+            <a:off x="168565" y="7162363"/>
+            <a:ext cx="2800350" cy="238760"/>
           </a:xfrm>
           <a:prstGeom prst="rect">
             <a:avLst/>
@@ -1777,7 +1908,7 @@
               </a:spcBef>
             </a:pPr>
             <a:r>
-              <a:rPr lang="es-ES" sz="1400" b="1" u="heavy" dirty="0">
+              <a:rPr sz="1400" b="1" u="heavy" spc="10">
                 <a:solidFill>
                   <a:srgbClr val="020302"/>
                 </a:solidFill>
@@ -1789,8 +1920,87 @@
                 <a:latin typeface="Adobe Clean"/>
                 <a:cs typeface="Adobe Clean"/>
               </a:rPr>
-              <a:t>Destinatarios de nivel de servicio: Respuesta inicial</a:t>
-            </a:r>
+              <a:t>Service </a:t>
+            </a:r>
+            <a:r>
+              <a:rPr sz="1400" b="1" u="heavy" spc="-10">
+                <a:solidFill>
+                  <a:srgbClr val="020302"/>
+                </a:solidFill>
+                <a:uFill>
+                  <a:solidFill>
+                    <a:srgbClr val="020302"/>
+                  </a:solidFill>
+                </a:uFill>
+                <a:latin typeface="Adobe Clean"/>
+                <a:cs typeface="Adobe Clean"/>
+              </a:rPr>
+              <a:t>Level </a:t>
+            </a:r>
+            <a:r>
+              <a:rPr sz="1400" b="1" u="heavy" spc="-45">
+                <a:solidFill>
+                  <a:srgbClr val="020302"/>
+                </a:solidFill>
+                <a:uFill>
+                  <a:solidFill>
+                    <a:srgbClr val="020302"/>
+                  </a:solidFill>
+                </a:uFill>
+                <a:latin typeface="Adobe Clean"/>
+                <a:cs typeface="Adobe Clean"/>
+              </a:rPr>
+              <a:t>Targets: </a:t>
+            </a:r>
+            <a:r>
+              <a:rPr sz="1400" b="1" u="heavy" spc="-10">
+                <a:solidFill>
+                  <a:srgbClr val="020302"/>
+                </a:solidFill>
+                <a:uFill>
+                  <a:solidFill>
+                    <a:srgbClr val="020302"/>
+                  </a:solidFill>
+                </a:uFill>
+                <a:latin typeface="Adobe Clean"/>
+                <a:cs typeface="Adobe Clean"/>
+              </a:rPr>
+              <a:t>Initial</a:t>
+            </a:r>
+            <a:r>
+              <a:rPr sz="1400" b="1" u="heavy" spc="-140">
+                <a:solidFill>
+                  <a:srgbClr val="020302"/>
+                </a:solidFill>
+                <a:uFill>
+                  <a:solidFill>
+                    <a:srgbClr val="020302"/>
+                  </a:solidFill>
+                </a:uFill>
+                <a:latin typeface="Adobe Clean"/>
+                <a:cs typeface="Adobe Clean"/>
+              </a:rPr>
+              <a:t> </a:t>
+            </a:r>
+            <a:r>
+              <a:rPr sz="1400" b="1" u="heavy" spc="-15">
+                <a:solidFill>
+                  <a:srgbClr val="020302"/>
+                </a:solidFill>
+                <a:uFill>
+                  <a:solidFill>
+                    <a:srgbClr val="020302"/>
+                  </a:solidFill>
+                </a:uFill>
+                <a:latin typeface="Adobe Clean"/>
+                <a:cs typeface="Adobe Clean"/>
+              </a:rPr>
+              <a:t>Response</a:t>
+            </a:r>
+            <a:endParaRPr sz="1400">
+              <a:latin typeface="Adobe Clean"/>
+              <a:cs typeface="Adobe Clean"/>
+            </a:endParaRPr>
           </a:p>
         </p:txBody>
       </p:sp>
@@ -1803,7 +2013,7 @@
         <p:spPr>
           <a:xfrm>
             <a:off x="-8467" y="23397"/>
-            <a:ext cx="7772399" cy="2097552"/>
+            <a:ext cx="7772399" cy="2006345"/>
           </a:xfrm>
           <a:prstGeom prst="rect">
             <a:avLst/>
@@ -1843,7 +2053,7 @@
           </a:prstGeom>
         </p:spPr>
         <p:txBody>
-          <a:bodyPr vert="horz" wrap="square" lIns="0" tIns="12700" rIns="0" bIns="0" rtlCol="0">
+          <a:bodyPr vert="horz" wrap="square" lIns="0" tIns="12700" rIns="0" bIns="0" rtlCol="0" anchor="t">
             <a:spAutoFit/>
           </a:bodyPr>
           <a:lstStyle/>
@@ -1857,11 +2067,20 @@
               </a:spcBef>
             </a:pPr>
             <a:r>
-              <a:rPr lang="es-ES" sz="2300">
-                <a:latin typeface="Adobe Clean" panose="020B0503020404020204" pitchFamily="34" charset="0"/>
-              </a:rPr>
-              <a:t>OFERTA DE ASISTENCIA DE ADOBE</a:t>
-            </a:r>
+              <a:rPr sz="2300">
+                <a:latin typeface="Adobe Clean"/>
+              </a:rPr>
+              <a:t>ADOBE </a:t>
+            </a:r>
+            <a:r>
+              <a:rPr lang="en-US" sz="2300">
+                <a:latin typeface="Adobe Clean"/>
+              </a:rPr>
+              <a:t>SUPPORT PLANS</a:t>
+            </a:r>
+            <a:endParaRPr sz="2300">
+              <a:latin typeface="Adobe Clean" panose="020B0503020404020204" pitchFamily="34" charset="0"/>
+            </a:endParaRPr>
           </a:p>
         </p:txBody>
       </p:sp>
@@ -1873,8 +2092,8 @@
         </p:nvSpPr>
         <p:spPr>
           <a:xfrm>
-            <a:off x="121146" y="635935"/>
-            <a:ext cx="5981203" cy="1424364"/>
+            <a:off x="121147" y="531160"/>
+            <a:ext cx="5865216" cy="1269065"/>
           </a:xfrm>
           <a:prstGeom prst="rect">
             <a:avLst/>
@@ -1895,7 +2114,7 @@
               </a:spcBef>
             </a:pPr>
             <a:r>
-              <a:rPr lang="es-ES" sz="900" dirty="0">
+              <a:rPr lang="en-US" sz="900">
                 <a:solidFill>
                   <a:schemeClr val="bg1"/>
                 </a:solidFill>
@@ -1904,7 +2123,7 @@
               <a:t>Online | </a:t>
             </a:r>
             <a:r>
-              <a:rPr lang="es-ES" sz="900" b="1" dirty="0">
+              <a:rPr lang="en-US" sz="900" b="1">
                 <a:solidFill>
                   <a:schemeClr val="bg1"/>
                 </a:solidFill>
@@ -1913,7 +2132,7 @@
               <a:t>Business</a:t>
             </a:r>
             <a:r>
-              <a:rPr lang="es-ES" sz="900" dirty="0">
+              <a:rPr lang="en-US" sz="900">
                 <a:solidFill>
                   <a:schemeClr val="bg1"/>
                 </a:solidFill>
@@ -1932,67 +2151,21 @@
               </a:spcBef>
             </a:pPr>
             <a:r>
-              <a:rPr lang="es-ES" sz="900" dirty="0">
+              <a:rPr lang="en-US" sz="900">
                 <a:solidFill>
                   <a:schemeClr val="bg1"/>
                 </a:solidFill>
                 <a:latin typeface="Adobe Clean SemiLight" panose="020B0403020404020204" pitchFamily="34" charset="0"/>
               </a:rPr>
-              <a:t>Adobe ofrece una amplia variedad de recursos técnicos para ayudar a su negocio, incluidos como parte de su suscripción de licencia de </a:t>
-            </a:r>
-            <a:r>
-              <a:rPr lang="es-ES" sz="900" dirty="0" err="1">
-                <a:solidFill>
-                  <a:schemeClr val="bg1"/>
-                </a:solidFill>
-                <a:latin typeface="Adobe Clean SemiLight" panose="020B0403020404020204" pitchFamily="34" charset="0"/>
-              </a:rPr>
-              <a:t>Experience</a:t>
-            </a:r>
-            <a:r>
-              <a:rPr lang="es-ES" sz="900" dirty="0">
-                <a:solidFill>
-                  <a:schemeClr val="bg1"/>
-                </a:solidFill>
-                <a:latin typeface="Adobe Clean SemiLight" panose="020B0403020404020204" pitchFamily="34" charset="0"/>
-              </a:rPr>
-              <a:t> Cloud y mejorados en el paquete de soporte BUSINESS. El paquete BUSINESS incluye acceso a rutas de aprendizaje personalizadas y foros de la comunidad monitorizados a través de Adobe </a:t>
-            </a:r>
-            <a:r>
-              <a:rPr lang="es-ES" sz="900" dirty="0" err="1">
-                <a:solidFill>
-                  <a:schemeClr val="bg1"/>
-                </a:solidFill>
-                <a:latin typeface="Adobe Clean SemiLight" panose="020B0403020404020204" pitchFamily="34" charset="0"/>
-              </a:rPr>
-              <a:t>Experience</a:t>
-            </a:r>
-            <a:r>
-              <a:rPr lang="es-ES" sz="900" dirty="0">
-                <a:solidFill>
-                  <a:schemeClr val="bg1"/>
-                </a:solidFill>
-                <a:latin typeface="Adobe Clean SemiLight" panose="020B0403020404020204" pitchFamily="34" charset="0"/>
-              </a:rPr>
-              <a:t> League. También puede disfrutar de documentación técnica completa y detallada sobre productos y notas de la versión actual. Los clientes del paquete BUSINESS también pueden acceder a nuestros equipos de soporte técnico si tienen alguna duda con su producto, ya sea a través del teléfono o mediante el portal de asistencia en línea, para proteger su negocio en los momentos más importantes. Los clientes del paquete BUSINESS recibirán notificaciones periódicas y actualizaciones del responsable de asistencia técnica de la cuenta para ayudar </a:t>
-            </a:r>
-            <a:br>
-              <a:rPr lang="sk-SK" sz="900" dirty="0">
-                <a:solidFill>
-                  <a:schemeClr val="bg1"/>
-                </a:solidFill>
-                <a:latin typeface="Adobe Clean SemiLight" panose="020B0403020404020204" pitchFamily="34" charset="0"/>
-              </a:rPr>
-            </a:br>
-            <a:r>
-              <a:rPr lang="es-ES" sz="900" dirty="0">
-                <a:solidFill>
-                  <a:schemeClr val="bg1"/>
-                </a:solidFill>
-                <a:latin typeface="Adobe Clean SemiLight" panose="020B0403020404020204" pitchFamily="34" charset="0"/>
-              </a:rPr>
-              <a:t>en la administración de casos de soporte de las solicitudes más esenciales. </a:t>
-            </a:r>
+              <a:t>Adobe provides a comprehensive range of technical resources to help support your business, included as part of your Experience Cloud license subscription and enhanced in the BUSINESS support package. BUSINESS support includes access to personalized learning paths and monitored community forums via the Adobe Experience League. You can also take advantage of our detailed and in-depth technical product documentation and current release notes. BUSINESS customers also benefit from access to our technical support teams for any product query via either the telephone or the support web portal, to help protect your business at the most critical times. BUSINESS customers will receive regular communications and updates from their Account Support Lead in addition to support case escalation management for your most critical of support requests. </a:t>
+            </a:r>
+            <a:endParaRPr lang="en-US" sz="900">
+              <a:solidFill>
+                <a:schemeClr val="bg1"/>
+              </a:solidFill>
+              <a:latin typeface="Adobe Clean Light" panose="020B0303020404020204" pitchFamily="34" charset="0"/>
+              <a:cs typeface="AdobeClean-Light"/>
+            </a:endParaRPr>
           </a:p>
         </p:txBody>
       </p:sp>
@@ -2059,8 +2232,24 @@
               </a:spcBef>
             </a:pPr>
             <a:r>
-              <a:rPr lang="es-ES"/>
-              <a:t>©2021 Adobe. All Rights Reserved. Adobe Confidential.</a:t>
+              <a:rPr spc="-5"/>
+              <a:t>©202</a:t>
+            </a:r>
+            <a:r>
+              <a:rPr lang="en-US" spc="-5"/>
+              <a:t>1</a:t>
+            </a:r>
+            <a:r>
+              <a:rPr spc="-5"/>
+              <a:t> Adobe. All Rights Reserved. Adobe</a:t>
+            </a:r>
+            <a:r>
+              <a:rPr spc="60"/>
+              <a:t> </a:t>
+            </a:r>
+            <a:r>
+              <a:rPr spc="-5"/>
+              <a:t>Confidential.</a:t>
             </a:r>
           </a:p>
         </p:txBody>
@@ -2074,14 +2263,14 @@
           <p:nvPr>
             <p:extLst>
               <p:ext uri="{D42A27DB-BD31-4B8C-83A1-F6EECF244321}">
-                <p14:modId xmlns:p14="http://schemas.microsoft.com/office/powerpoint/2010/main" val="2501956132"/>
+                <p14:modId xmlns:p14="http://schemas.microsoft.com/office/powerpoint/2010/main" val="852543156"/>
               </p:ext>
             </p:extLst>
           </p:nvPr>
         </p:nvGraphicFramePr>
         <p:xfrm>
-          <a:off x="121146" y="7475985"/>
-          <a:ext cx="7498852" cy="2207759"/>
+          <a:off x="118872" y="7475985"/>
+          <a:ext cx="7498851" cy="2223598"/>
         </p:xfrm>
         <a:graphic>
           <a:graphicData uri="http://schemas.openxmlformats.org/drawingml/2006/table">
@@ -2090,7 +2279,7 @@
                 <a:tableStyleId>{2D5ABB26-0587-4C30-8999-92F81FD0307C}</a:tableStyleId>
               </a:tblPr>
               <a:tblGrid>
-                <a:gridCol w="4698745">
+                <a:gridCol w="4698744">
                   <a:extLst>
                     <a:ext uri="{9D8B030D-6E8A-4147-A177-3AD203B41FA5}">
                       <a16:colId xmlns:a16="http://schemas.microsoft.com/office/drawing/2014/main" val="20000"/>
@@ -2112,7 +2301,7 @@
                   </a:extLst>
                 </a:gridCol>
               </a:tblGrid>
-              <a:tr h="274318">
+              <a:tr h="291248">
                 <a:tc>
                   <a:txBody>
                     <a:bodyPr/>
@@ -2127,18 +2316,22 @@
                         </a:spcBef>
                       </a:pPr>
                       <a:r>
-                        <a:rPr lang="es-ES" sz="900">
+                        <a:rPr sz="900" spc="0">
                           <a:solidFill>
                             <a:srgbClr val="020302"/>
                           </a:solidFill>
                           <a:latin typeface="Adobe Clean"/>
                           <a:cs typeface="Adobe Clean"/>
                         </a:rPr>
-                        <a:t>Prioridad</a:t>
+                        <a:t>Priority</a:t>
                       </a:r>
+                      <a:endParaRPr sz="900" spc="0">
+                        <a:latin typeface="Adobe Clean"/>
+                        <a:cs typeface="Adobe Clean"/>
+                      </a:endParaRPr>
                     </a:p>
                   </a:txBody>
-                  <a:tcPr marL="0" marR="0" marT="7620" marB="0" anchor="ctr">
+                  <a:tcPr marL="0" marR="0" marT="7620" marB="0">
                     <a:lnL w="3175">
                       <a:solidFill>
                         <a:srgbClr val="B7B8B8"/>
@@ -2182,18 +2375,22 @@
                         </a:spcBef>
                       </a:pPr>
                       <a:r>
-                        <a:rPr lang="es-ES" sz="900">
+                        <a:rPr sz="900" spc="0">
                           <a:solidFill>
                             <a:srgbClr val="020302"/>
                           </a:solidFill>
                           <a:latin typeface="Adobe Clean"/>
                           <a:cs typeface="Adobe Clean"/>
                         </a:rPr>
-                        <a:t>Soporte Online</a:t>
+                        <a:t>Online Support</a:t>
                       </a:r>
+                      <a:endParaRPr sz="900" spc="0">
+                        <a:latin typeface="Adobe Clean"/>
+                        <a:cs typeface="Adobe Clean"/>
+                      </a:endParaRPr>
                     </a:p>
                   </a:txBody>
-                  <a:tcPr anchor="ctr">
+                  <a:tcPr marL="182880" marT="91440" anchor="ctr">
                     <a:lnL w="3175">
                       <a:solidFill>
                         <a:srgbClr val="B7B8B8"/>
@@ -2237,18 +2434,42 @@
                         </a:spcBef>
                       </a:pPr>
                       <a:r>
-                        <a:rPr lang="es-ES" sz="900">
+                        <a:rPr sz="900" spc="0">
                           <a:solidFill>
                             <a:srgbClr val="FFFFFF"/>
                           </a:solidFill>
                           <a:latin typeface="Adobe Clean"/>
                           <a:cs typeface="Adobe Clean"/>
                         </a:rPr>
-                        <a:t>Soporte Business</a:t>
+                        <a:t>Business</a:t>
                       </a:r>
+                      <a:r>
+                        <a:rPr lang="en-US" sz="900" spc="0">
+                          <a:solidFill>
+                            <a:srgbClr val="FFFFFF"/>
+                          </a:solidFill>
+                          <a:latin typeface="Adobe Clean"/>
+                          <a:cs typeface="Adobe Clean"/>
+                        </a:rPr>
+                        <a:t> </a:t>
+                      </a:r>
+                      <a:r>
+                        <a:rPr sz="900" spc="0">
+                          <a:solidFill>
+                            <a:srgbClr val="FFFFFF"/>
+                          </a:solidFill>
+                          <a:latin typeface="Adobe Clean"/>
+                          <a:cs typeface="Adobe Clean"/>
+                        </a:rPr>
+                        <a:t>Support</a:t>
+                      </a:r>
+                      <a:endParaRPr sz="900" spc="0">
+                        <a:latin typeface="Adobe Clean"/>
+                        <a:cs typeface="Adobe Clean"/>
+                      </a:endParaRPr>
                     </a:p>
                   </a:txBody>
-                  <a:tcPr anchor="ctr">
+                  <a:tcPr marL="182880" marT="91440" anchor="ctr">
                     <a:lnL w="3175">
                       <a:solidFill>
                         <a:srgbClr val="B7B8B8"/>
@@ -2284,7 +2505,7 @@
                   </a:ext>
                 </a:extLst>
               </a:tr>
-              <a:tr h="484755">
+              <a:tr h="514672">
                 <a:tc>
                   <a:txBody>
                     <a:bodyPr/>
@@ -2299,15 +2520,19 @@
                         </a:spcBef>
                       </a:pPr>
                       <a:r>
-                        <a:rPr lang="es-ES" sz="900" b="1">
+                        <a:rPr sz="900" b="1" spc="0">
                           <a:solidFill>
                             <a:srgbClr val="020302"/>
                           </a:solidFill>
                           <a:latin typeface="Adobe Clean"/>
                           <a:cs typeface="Adobe Clean"/>
                         </a:rPr>
-                        <a:t>PRIORIDAD 1</a:t>
+                        <a:t>PRIORITY 1</a:t>
                       </a:r>
+                      <a:endParaRPr sz="900" spc="0">
+                        <a:latin typeface="Adobe Clean"/>
+                        <a:cs typeface="Adobe Clean"/>
+                      </a:endParaRPr>
                     </a:p>
                     <a:p>
                       <a:pPr marL="50800" marR="387985" lvl="0" indent="0" algn="l" defTabSz="914400" rtl="0" eaLnBrk="1" fontAlgn="auto" latinLnBrk="0" hangingPunct="1">
@@ -2328,14 +2553,19 @@
                         <a:defRPr/>
                       </a:pPr>
                       <a:r>
-                        <a:rPr lang="es-ES" sz="900" b="0" i="0">
+                        <a:rPr lang="en-US" sz="900" b="0" i="0" spc="0">
                           <a:solidFill>
                             <a:srgbClr val="000000"/>
                           </a:solidFill>
+                          <a:effectLst/>
                           <a:latin typeface="Adobe Clean Light" panose="020B0303020404020204" pitchFamily="34" charset="0"/>
                         </a:rPr>
-                        <a:t>Las funciones empresariales de producción del cliente no están activadas o pierden datos o presentan una degradación del servicio significativa, por lo que se requiere atención inmediata para restaurar la funcionalidad y facilidad de uso.</a:t>
+                        <a:t>Customer's production business functions are down or have significant data loss or service degradation and immediate attention is required to restore functionality and usability</a:t>
                       </a:r>
+                      <a:endParaRPr lang="en-US" sz="900" b="0" i="0" spc="0">
+                        <a:latin typeface="Adobe Clean Light" panose="020B0303020404020204" pitchFamily="34" charset="0"/>
+                        <a:cs typeface="AdobeClean-Light"/>
+                      </a:endParaRPr>
                     </a:p>
                   </a:txBody>
                   <a:tcPr marL="0" marR="0" marT="3810" marB="0">
@@ -2379,18 +2609,62 @@
                         </a:spcBef>
                       </a:pPr>
                       <a:r>
-                        <a:rPr lang="es-ES" sz="900">
+                        <a:rPr sz="900" spc="0">
                           <a:solidFill>
                             <a:srgbClr val="020302"/>
                           </a:solidFill>
                           <a:latin typeface="AdobeClean-Light"/>
                           <a:cs typeface="AdobeClean-Light"/>
                         </a:rPr>
-                        <a:t>24x7 /           1 hora</a:t>
+                        <a:t>24x7</a:t>
                       </a:r>
+                      <a:r>
+                        <a:rPr lang="en-US" sz="900" spc="0">
+                          <a:solidFill>
+                            <a:srgbClr val="020302"/>
+                          </a:solidFill>
+                          <a:latin typeface="AdobeClean-Light"/>
+                          <a:cs typeface="AdobeClean-Light"/>
+                        </a:rPr>
+                        <a:t> </a:t>
+                      </a:r>
+                      <a:r>
+                        <a:rPr sz="900" spc="0">
+                          <a:solidFill>
+                            <a:srgbClr val="020302"/>
+                          </a:solidFill>
+                          <a:latin typeface="AdobeClean-Light"/>
+                          <a:cs typeface="AdobeClean-Light"/>
+                        </a:rPr>
+                        <a:t>/</a:t>
+                      </a:r>
+                      <a:r>
+                        <a:rPr lang="en-US" sz="900" spc="0">
+                          <a:solidFill>
+                            <a:srgbClr val="020302"/>
+                          </a:solidFill>
+                          <a:latin typeface="AdobeClean-Light"/>
+                          <a:cs typeface="AdobeClean-Light"/>
+                        </a:rPr>
+                        <a:t> </a:t>
+                      </a:r>
+                      <a:r>
+                        <a:rPr sz="900" spc="0">
+                          <a:solidFill>
+                            <a:srgbClr val="020302"/>
+                          </a:solidFill>
+                          <a:latin typeface="AdobeClean-Light"/>
+                          <a:cs typeface="AdobeClean-Light"/>
+                        </a:rPr>
+                        <a:t>1 hour</a:t>
+                      </a:r>
+                      <a:endParaRPr sz="900" spc="0">
+                        <a:latin typeface="AdobeClean-Light"/>
+                        <a:cs typeface="AdobeClean-Light"/>
+                      </a:endParaRPr>
                     </a:p>
                   </a:txBody>
-                  <a:tcPr anchor="ctr">
+                  <a:tcPr marL="0" marR="0" marT="91440" marB="91440" anchor="ctr" anchorCtr="1">
                     <a:lnL w="3175">
                       <a:solidFill>
                         <a:srgbClr val="B7B8B8"/>
@@ -2431,18 +2705,62 @@
                         </a:spcBef>
                       </a:pPr>
                       <a:r>
-                        <a:rPr lang="es-ES" sz="900">
+                        <a:rPr sz="900" spc="0">
                           <a:solidFill>
                             <a:srgbClr val="020302"/>
                           </a:solidFill>
                           <a:latin typeface="AdobeClean-Light"/>
                           <a:cs typeface="AdobeClean-Light"/>
                         </a:rPr>
-                        <a:t>24x7 /          1 hora</a:t>
+                        <a:t>24x7</a:t>
                       </a:r>
+                      <a:r>
+                        <a:rPr lang="en-US" sz="900" spc="0">
+                          <a:solidFill>
+                            <a:srgbClr val="020302"/>
+                          </a:solidFill>
+                          <a:latin typeface="AdobeClean-Light"/>
+                          <a:cs typeface="AdobeClean-Light"/>
+                        </a:rPr>
+                        <a:t> </a:t>
+                      </a:r>
+                      <a:r>
+                        <a:rPr sz="900" spc="0">
+                          <a:solidFill>
+                            <a:srgbClr val="020302"/>
+                          </a:solidFill>
+                          <a:latin typeface="AdobeClean-Light"/>
+                          <a:cs typeface="AdobeClean-Light"/>
+                        </a:rPr>
+                        <a:t>/</a:t>
+                      </a:r>
+                      <a:r>
+                        <a:rPr lang="en-US" sz="900" spc="0">
+                          <a:solidFill>
+                            <a:srgbClr val="020302"/>
+                          </a:solidFill>
+                          <a:latin typeface="AdobeClean-Light"/>
+                          <a:cs typeface="AdobeClean-Light"/>
+                        </a:rPr>
+                        <a:t> </a:t>
+                      </a:r>
+                      <a:r>
+                        <a:rPr sz="900" spc="0">
+                          <a:solidFill>
+                            <a:srgbClr val="020302"/>
+                          </a:solidFill>
+                          <a:latin typeface="AdobeClean-Light"/>
+                          <a:cs typeface="AdobeClean-Light"/>
+                        </a:rPr>
+                        <a:t>1 hour</a:t>
+                      </a:r>
+                      <a:endParaRPr sz="900" spc="0">
+                        <a:latin typeface="AdobeClean-Light"/>
+                        <a:cs typeface="AdobeClean-Light"/>
+                      </a:endParaRPr>
                     </a:p>
                   </a:txBody>
-                  <a:tcPr anchor="ctr">
+                  <a:tcPr marL="0" marR="0" marT="91440" marB="91440" anchor="ctr" anchorCtr="1">
                     <a:lnL w="3175">
                       <a:solidFill>
                         <a:srgbClr val="B7B8B8"/>
@@ -2480,7 +2798,7 @@
                   </a:ext>
                 </a:extLst>
               </a:tr>
-              <a:tr h="484755">
+              <a:tr h="514672">
                 <a:tc>
                   <a:txBody>
                     <a:bodyPr/>
@@ -2495,15 +2813,19 @@
                         </a:spcBef>
                       </a:pPr>
                       <a:r>
-                        <a:rPr lang="es-ES" sz="900" b="1">
+                        <a:rPr sz="900" b="1" spc="0">
                           <a:solidFill>
                             <a:srgbClr val="020302"/>
                           </a:solidFill>
                           <a:latin typeface="Adobe Clean"/>
                           <a:cs typeface="Adobe Clean"/>
                         </a:rPr>
-                        <a:t>PRIORIDAD 2</a:t>
+                        <a:t>PRIORITY 2</a:t>
                       </a:r>
+                      <a:endParaRPr sz="900" spc="0">
+                        <a:latin typeface="Adobe Clean"/>
+                        <a:cs typeface="Adobe Clean"/>
+                      </a:endParaRPr>
                     </a:p>
                     <a:p>
                       <a:pPr marL="50165" marR="203200">
@@ -2515,14 +2837,19 @@
                         </a:spcBef>
                       </a:pPr>
                       <a:r>
-                        <a:rPr lang="es-ES" sz="900" b="0" i="0">
+                        <a:rPr lang="en-US" sz="900" b="0" i="0" spc="0">
                           <a:solidFill>
                             <a:srgbClr val="000000"/>
                           </a:solidFill>
+                          <a:effectLst/>
                           <a:latin typeface="Adobe Clean Light" panose="020B0303020404020204" pitchFamily="34" charset="0"/>
                         </a:rPr>
-                        <a:t>Las funciones empresariales del cliente presentan una importante degradación del servicio o hay una posible pérdida de datos, o una función clave se está viendo afectada. </a:t>
+                        <a:t>Customer's business functions have major service degradation or potential data loss, or a major feature is impacted </a:t>
                       </a:r>
+                      <a:endParaRPr lang="en-US" sz="900" b="0" i="0" spc="0">
+                        <a:latin typeface="Adobe Clean Light" panose="020B0303020404020204" pitchFamily="34" charset="0"/>
+                        <a:cs typeface="AdobeClean-Light"/>
+                      </a:endParaRPr>
                     </a:p>
                   </a:txBody>
                   <a:tcPr marL="0" marR="0" marT="3810" marB="0">
@@ -2566,18 +2893,82 @@
                         </a:spcBef>
                       </a:pPr>
                       <a:r>
-                        <a:rPr lang="es-ES" sz="900">
+                        <a:rPr sz="900" spc="0">
                           <a:solidFill>
                             <a:srgbClr val="020302"/>
                           </a:solidFill>
                           <a:latin typeface="AdobeClean-Light"/>
                           <a:cs typeface="AdobeClean-Light"/>
                         </a:rPr>
-                        <a:t>Horario de trabajo /     4 horas</a:t>
+                        <a:t>Business</a:t>
                       </a:r>
+                      <a:r>
+                        <a:rPr lang="en-US" sz="900" spc="0">
+                          <a:solidFill>
+                            <a:srgbClr val="020302"/>
+                          </a:solidFill>
+                          <a:latin typeface="AdobeClean-Light"/>
+                          <a:cs typeface="AdobeClean-Light"/>
+                        </a:rPr>
+                        <a:t> </a:t>
+                      </a:r>
+                      <a:r>
+                        <a:rPr sz="900" spc="0">
+                          <a:solidFill>
+                            <a:srgbClr val="020302"/>
+                          </a:solidFill>
+                          <a:latin typeface="AdobeClean-Light"/>
+                          <a:cs typeface="AdobeClean-Light"/>
+                        </a:rPr>
+                        <a:t>hours</a:t>
+                      </a:r>
+                      <a:r>
+                        <a:rPr lang="en-US" sz="900" spc="0">
+                          <a:solidFill>
+                            <a:srgbClr val="020302"/>
+                          </a:solidFill>
+                          <a:latin typeface="AdobeClean-Light"/>
+                          <a:cs typeface="AdobeClean-Light"/>
+                        </a:rPr>
+                        <a:t> </a:t>
+                      </a:r>
+                      <a:r>
+                        <a:rPr sz="900" spc="0">
+                          <a:solidFill>
+                            <a:srgbClr val="020302"/>
+                          </a:solidFill>
+                          <a:latin typeface="AdobeClean-Light"/>
+                          <a:cs typeface="AdobeClean-Light"/>
+                        </a:rPr>
+                        <a:t>/</a:t>
+                      </a:r>
+                      <a:r>
+                        <a:rPr lang="en-US" sz="900" spc="0">
+                          <a:solidFill>
+                            <a:srgbClr val="020302"/>
+                          </a:solidFill>
+                          <a:latin typeface="AdobeClean-Light"/>
+                          <a:cs typeface="AdobeClean-Light"/>
+                        </a:rPr>
+                        <a:t> </a:t>
+                      </a:r>
+                      <a:r>
+                        <a:rPr sz="900" spc="0">
+                          <a:solidFill>
+                            <a:srgbClr val="020302"/>
+                          </a:solidFill>
+                          <a:latin typeface="AdobeClean-Light"/>
+                          <a:cs typeface="AdobeClean-Light"/>
+                        </a:rPr>
+                        <a:t>4 hours</a:t>
+                      </a:r>
+                      <a:endParaRPr sz="900" spc="0">
+                        <a:latin typeface="AdobeClean-Light"/>
+                        <a:cs typeface="AdobeClean-Light"/>
+                      </a:endParaRPr>
                     </a:p>
                   </a:txBody>
-                  <a:tcPr anchor="ctr">
+                  <a:tcPr marL="0" marR="0" marT="91440" marB="91440" anchor="ctr" anchorCtr="1">
                     <a:lnL w="3175">
                       <a:solidFill>
                         <a:srgbClr val="B7B8B8"/>
@@ -2618,18 +3009,92 @@
                         </a:spcBef>
                       </a:pPr>
                       <a:r>
-                        <a:rPr lang="es-ES" sz="900">
+                        <a:rPr lang="en-US" sz="900" spc="0">
                           <a:solidFill>
                             <a:srgbClr val="020302"/>
                           </a:solidFill>
                           <a:latin typeface="AdobeClean-Light"/>
                           <a:cs typeface="AdobeClean-Light"/>
                         </a:rPr>
-                        <a:t>Horario de trabajo /     2 horas</a:t>
+                        <a:t>    </a:t>
                       </a:r>
+                      <a:r>
+                        <a:rPr sz="900" spc="0">
+                          <a:solidFill>
+                            <a:srgbClr val="020302"/>
+                          </a:solidFill>
+                          <a:latin typeface="AdobeClean-Light"/>
+                          <a:cs typeface="AdobeClean-Light"/>
+                        </a:rPr>
+                        <a:t>Business</a:t>
+                      </a:r>
+                      <a:r>
+                        <a:rPr lang="en-US" sz="900" spc="0">
+                          <a:solidFill>
+                            <a:srgbClr val="020302"/>
+                          </a:solidFill>
+                          <a:latin typeface="AdobeClean-Light"/>
+                          <a:cs typeface="AdobeClean-Light"/>
+                        </a:rPr>
+                        <a:t> </a:t>
+                      </a:r>
+                      <a:r>
+                        <a:rPr sz="900" spc="0">
+                          <a:solidFill>
+                            <a:srgbClr val="020302"/>
+                          </a:solidFill>
+                          <a:latin typeface="AdobeClean-Light"/>
+                          <a:cs typeface="AdobeClean-Light"/>
+                        </a:rPr>
+                        <a:t>hours</a:t>
+                      </a:r>
+                      <a:r>
+                        <a:rPr lang="en-US" sz="900" spc="0">
+                          <a:solidFill>
+                            <a:srgbClr val="020302"/>
+                          </a:solidFill>
+                          <a:latin typeface="AdobeClean-Light"/>
+                          <a:cs typeface="AdobeClean-Light"/>
+                        </a:rPr>
+                        <a:t> / </a:t>
+                      </a:r>
+                      <a:r>
+                        <a:rPr sz="900" spc="0">
+                          <a:solidFill>
+                            <a:srgbClr val="020302"/>
+                          </a:solidFill>
+                          <a:latin typeface="AdobeClean-Light"/>
+                          <a:cs typeface="AdobeClean-Light"/>
+                        </a:rPr>
+                        <a:t>2</a:t>
+                      </a:r>
+                      <a:r>
+                        <a:rPr lang="en-US" sz="900" spc="0">
+                          <a:solidFill>
+                            <a:srgbClr val="020302"/>
+                          </a:solidFill>
+                          <a:latin typeface="AdobeClean-Light"/>
+                          <a:cs typeface="AdobeClean-Light"/>
+                        </a:rPr>
+                        <a:t> </a:t>
+                      </a:r>
+                      <a:r>
+                        <a:rPr sz="900" spc="0">
+                          <a:solidFill>
+                            <a:srgbClr val="020302"/>
+                          </a:solidFill>
+                          <a:latin typeface="AdobeClean-Light"/>
+                          <a:cs typeface="AdobeClean-Light"/>
+                        </a:rPr>
+                        <a:t>hours</a:t>
+                      </a:r>
+                      <a:endParaRPr sz="900" spc="0">
+                        <a:latin typeface="AdobeClean-Light"/>
+                        <a:cs typeface="AdobeClean-Light"/>
+                      </a:endParaRPr>
                     </a:p>
                   </a:txBody>
-                  <a:tcPr anchor="ctr">
+                  <a:tcPr marL="0" marR="0" marT="91440" marB="91440" anchor="ctr" anchorCtr="1">
                     <a:lnL w="3175">
                       <a:solidFill>
                         <a:srgbClr val="B7B8B8"/>
@@ -2667,7 +3132,7 @@
                   </a:ext>
                 </a:extLst>
               </a:tr>
-              <a:tr h="484756">
+              <a:tr h="514673">
                 <a:tc>
                   <a:txBody>
                     <a:bodyPr/>
@@ -2682,15 +3147,19 @@
                         </a:spcBef>
                       </a:pPr>
                       <a:r>
-                        <a:rPr lang="es-ES" sz="900" b="1">
+                        <a:rPr sz="900" b="1" spc="0">
                           <a:solidFill>
                             <a:srgbClr val="020302"/>
                           </a:solidFill>
                           <a:latin typeface="Adobe Clean"/>
                           <a:cs typeface="Adobe Clean"/>
                         </a:rPr>
-                        <a:t>PRIORIDAD 3</a:t>
+                        <a:t>PRIORITY 3</a:t>
                       </a:r>
+                      <a:endParaRPr sz="900" spc="0">
+                        <a:latin typeface="Adobe Clean"/>
+                        <a:cs typeface="Adobe Clean"/>
+                      </a:endParaRPr>
                     </a:p>
                     <a:p>
                       <a:pPr marL="49530" marR="212090" indent="-2540">
@@ -2702,21 +3171,26 @@
                         </a:spcBef>
                       </a:pPr>
                       <a:r>
-                        <a:rPr kumimoji="0" lang="es-ES" sz="900" b="0" i="0" u="none" strike="noStrike" cap="none" normalizeH="0" baseline="0" noProof="0">
+                        <a:rPr kumimoji="0" lang="en-US" sz="900" b="0" i="0" u="none" strike="noStrike" kern="1200" cap="none" spc="0" normalizeH="0" baseline="0" noProof="0">
                           <a:ln>
                             <a:noFill/>
                           </a:ln>
                           <a:solidFill>
                             <a:srgbClr val="000000"/>
                           </a:solidFill>
+                          <a:effectLst/>
                           <a:uLnTx/>
                           <a:uFillTx/>
                           <a:latin typeface="Adobe Clean Light" panose="020B0303020404020204" pitchFamily="34" charset="0"/>
                           <a:ea typeface="+mn-ea"/>
                           <a:cs typeface="+mn-cs"/>
                         </a:rPr>
-                        <a:t>Las funciones empresariales del cliente presentan una menor degradación del servicio, pero existe una solución que permite que las funciones empresariales sigan funcionando. </a:t>
+                        <a:t>Customer's business functions have minor service degradation but there exists a solution/workaround allowing business functions to continue </a:t>
                       </a:r>
+                      <a:endParaRPr lang="en-US" sz="900" b="0" i="0" spc="0">
+                        <a:latin typeface="Adobe Clean Light" panose="020B0303020404020204" pitchFamily="34" charset="0"/>
+                        <a:cs typeface="AdobeClean-Light"/>
+                      </a:endParaRPr>
                     </a:p>
                   </a:txBody>
                   <a:tcPr marL="0" marR="0" marT="3810" marB="0">
@@ -2760,18 +3234,92 @@
                         </a:spcBef>
                       </a:pPr>
                       <a:r>
-                        <a:rPr lang="es-ES" sz="900">
+                        <a:rPr lang="en-US" sz="900" spc="0">
                           <a:solidFill>
                             <a:srgbClr val="020302"/>
                           </a:solidFill>
                           <a:latin typeface="AdobeClean-Light"/>
                           <a:cs typeface="AdobeClean-Light"/>
                         </a:rPr>
-                        <a:t>Horario de trabajo /     6 horas</a:t>
+                        <a:t>   </a:t>
                       </a:r>
+                      <a:r>
+                        <a:rPr sz="900" spc="0">
+                          <a:solidFill>
+                            <a:srgbClr val="020302"/>
+                          </a:solidFill>
+                          <a:latin typeface="AdobeClean-Light"/>
+                          <a:cs typeface="AdobeClean-Light"/>
+                        </a:rPr>
+                        <a:t>Business</a:t>
+                      </a:r>
+                      <a:r>
+                        <a:rPr lang="en-US" sz="900" spc="0">
+                          <a:solidFill>
+                            <a:srgbClr val="020302"/>
+                          </a:solidFill>
+                          <a:latin typeface="AdobeClean-Light"/>
+                          <a:cs typeface="AdobeClean-Light"/>
+                        </a:rPr>
+                        <a:t> </a:t>
+                      </a:r>
+                      <a:r>
+                        <a:rPr sz="900" spc="0">
+                          <a:solidFill>
+                            <a:srgbClr val="020302"/>
+                          </a:solidFill>
+                          <a:latin typeface="AdobeClean-Light"/>
+                          <a:cs typeface="AdobeClean-Light"/>
+                        </a:rPr>
+                        <a:t>hours</a:t>
+                      </a:r>
+                      <a:r>
+                        <a:rPr lang="en-US" sz="900" spc="0">
+                          <a:solidFill>
+                            <a:srgbClr val="020302"/>
+                          </a:solidFill>
+                          <a:latin typeface="AdobeClean-Light"/>
+                          <a:cs typeface="AdobeClean-Light"/>
+                        </a:rPr>
+                        <a:t> / </a:t>
+                      </a:r>
+                      <a:r>
+                        <a:rPr sz="900" spc="0">
+                          <a:solidFill>
+                            <a:srgbClr val="020302"/>
+                          </a:solidFill>
+                          <a:latin typeface="AdobeClean-Light"/>
+                          <a:cs typeface="AdobeClean-Light"/>
+                        </a:rPr>
+                        <a:t>6</a:t>
+                      </a:r>
+                      <a:r>
+                        <a:rPr lang="en-US" sz="900" spc="0">
+                          <a:solidFill>
+                            <a:srgbClr val="020302"/>
+                          </a:solidFill>
+                          <a:latin typeface="AdobeClean-Light"/>
+                          <a:cs typeface="AdobeClean-Light"/>
+                        </a:rPr>
+                        <a:t> </a:t>
+                      </a:r>
+                      <a:r>
+                        <a:rPr sz="900" spc="0">
+                          <a:solidFill>
+                            <a:srgbClr val="020302"/>
+                          </a:solidFill>
+                          <a:latin typeface="AdobeClean-Light"/>
+                          <a:cs typeface="AdobeClean-Light"/>
+                        </a:rPr>
+                        <a:t>hours</a:t>
+                      </a:r>
+                      <a:endParaRPr sz="900" spc="0">
+                        <a:latin typeface="AdobeClean-Light"/>
+                        <a:cs typeface="AdobeClean-Light"/>
+                      </a:endParaRPr>
                     </a:p>
                   </a:txBody>
-                  <a:tcPr anchor="ctr">
+                  <a:tcPr marL="0" marR="0" marT="91440" marB="91440" anchor="ctr" anchorCtr="1">
                     <a:lnL w="3175">
                       <a:solidFill>
                         <a:srgbClr val="B7B8B8"/>
@@ -2812,18 +3360,82 @@
                         </a:spcBef>
                       </a:pPr>
                       <a:r>
-                        <a:rPr lang="es-ES" sz="900">
+                        <a:rPr sz="900" spc="0">
                           <a:solidFill>
                             <a:srgbClr val="020302"/>
                           </a:solidFill>
                           <a:latin typeface="AdobeClean-Light"/>
                           <a:cs typeface="AdobeClean-Light"/>
                         </a:rPr>
-                        <a:t>Horario de trabajo /     4 horas</a:t>
+                        <a:t>Business</a:t>
                       </a:r>
+                      <a:r>
+                        <a:rPr lang="en-US" sz="900" spc="0">
+                          <a:solidFill>
+                            <a:srgbClr val="020302"/>
+                          </a:solidFill>
+                          <a:latin typeface="AdobeClean-Light"/>
+                          <a:cs typeface="AdobeClean-Light"/>
+                        </a:rPr>
+                        <a:t> </a:t>
+                      </a:r>
+                      <a:r>
+                        <a:rPr sz="900" spc="0">
+                          <a:solidFill>
+                            <a:srgbClr val="020302"/>
+                          </a:solidFill>
+                          <a:latin typeface="AdobeClean-Light"/>
+                          <a:cs typeface="AdobeClean-Light"/>
+                        </a:rPr>
+                        <a:t>hours</a:t>
+                      </a:r>
+                      <a:r>
+                        <a:rPr lang="en-US" sz="900" spc="0">
+                          <a:solidFill>
+                            <a:srgbClr val="020302"/>
+                          </a:solidFill>
+                          <a:latin typeface="AdobeClean-Light"/>
+                          <a:cs typeface="AdobeClean-Light"/>
+                        </a:rPr>
+                        <a:t> </a:t>
+                      </a:r>
+                      <a:r>
+                        <a:rPr sz="900" spc="0">
+                          <a:solidFill>
+                            <a:srgbClr val="020302"/>
+                          </a:solidFill>
+                          <a:latin typeface="AdobeClean-Light"/>
+                          <a:cs typeface="AdobeClean-Light"/>
+                        </a:rPr>
+                        <a:t>/ 4</a:t>
+                      </a:r>
+                      <a:r>
+                        <a:rPr lang="en-US" sz="900" spc="0">
+                          <a:solidFill>
+                            <a:srgbClr val="020302"/>
+                          </a:solidFill>
+                          <a:latin typeface="AdobeClean-Light"/>
+                          <a:cs typeface="AdobeClean-Light"/>
+                        </a:rPr>
+                        <a:t> </a:t>
+                      </a:r>
+                      <a:r>
+                        <a:rPr sz="900" spc="0">
+                          <a:solidFill>
+                            <a:srgbClr val="020302"/>
+                          </a:solidFill>
+                          <a:latin typeface="AdobeClean-Light"/>
+                          <a:cs typeface="AdobeClean-Light"/>
+                        </a:rPr>
+                        <a:t>hours</a:t>
+                      </a:r>
+                      <a:endParaRPr sz="900" spc="0">
+                        <a:latin typeface="AdobeClean-Light"/>
+                        <a:cs typeface="AdobeClean-Light"/>
+                      </a:endParaRPr>
                     </a:p>
                   </a:txBody>
-                  <a:tcPr anchor="ctr">
+                  <a:tcPr marL="0" marR="0" marT="91440" marB="91440" anchor="ctr" anchorCtr="1">
                     <a:lnL w="3175">
                       <a:solidFill>
                         <a:srgbClr val="B7B8B8"/>
@@ -2861,7 +3473,7 @@
                   </a:ext>
                 </a:extLst>
               </a:tr>
-              <a:tr h="359998">
+              <a:tr h="388333">
                 <a:tc>
                   <a:txBody>
                     <a:bodyPr/>
@@ -2876,15 +3488,19 @@
                         </a:spcBef>
                       </a:pPr>
                       <a:r>
-                        <a:rPr lang="es-ES" sz="900" b="1" dirty="0">
+                        <a:rPr sz="900" b="1" spc="0">
                           <a:solidFill>
                             <a:srgbClr val="020302"/>
                           </a:solidFill>
                           <a:latin typeface="Adobe Clean"/>
                           <a:cs typeface="Adobe Clean"/>
                         </a:rPr>
-                        <a:t>PRIORIDAD 4</a:t>
+                        <a:t>PRIORITY 4</a:t>
                       </a:r>
+                      <a:endParaRPr sz="900" spc="0">
+                        <a:latin typeface="Adobe Clean"/>
+                        <a:cs typeface="Adobe Clean"/>
+                      </a:endParaRPr>
                     </a:p>
                     <a:p>
                       <a:pPr marL="48895" marR="0" lvl="0" indent="0" defTabSz="914400" eaLnBrk="1" fontAlgn="auto" latinLnBrk="0" hangingPunct="1">
@@ -2905,14 +3521,19 @@
                         <a:defRPr/>
                       </a:pPr>
                       <a:r>
-                        <a:rPr lang="es-ES" sz="900" b="0" i="0" dirty="0">
+                        <a:rPr lang="en-US" sz="900" b="0" i="0" spc="0">
                           <a:solidFill>
                             <a:srgbClr val="000000"/>
                           </a:solidFill>
+                          <a:effectLst/>
                           <a:latin typeface="Adobe Clean Light" panose="020B0303020404020204" pitchFamily="34" charset="0"/>
                         </a:rPr>
-                        <a:t>Pregunta general sobre la funcionalidad actual del producto o una solicitud de mejora.</a:t>
+                        <a:t>General question regarding current product functionality or an enhancement request</a:t>
                       </a:r>
+                      <a:endParaRPr lang="en-US" sz="900" b="0" i="0" spc="0">
+                        <a:latin typeface="Adobe Clean Light" panose="020B0303020404020204" pitchFamily="34" charset="0"/>
+                        <a:cs typeface="AdobeClean-Light"/>
+                      </a:endParaRPr>
                     </a:p>
                   </a:txBody>
                   <a:tcPr marL="0" marR="0" marT="1905" marB="0">
@@ -2956,18 +3577,72 @@
                         </a:spcBef>
                       </a:pPr>
                       <a:r>
-                        <a:rPr lang="es-ES" sz="900">
+                        <a:rPr lang="en-US" sz="900" spc="0">
                           <a:solidFill>
                             <a:srgbClr val="020302"/>
                           </a:solidFill>
                           <a:latin typeface="AdobeClean-Light"/>
                           <a:cs typeface="AdobeClean-Light"/>
                         </a:rPr>
-                        <a:t>Días laborables /      3 días</a:t>
+                        <a:t>  </a:t>
                       </a:r>
+                      <a:r>
+                        <a:rPr sz="900" spc="0">
+                          <a:solidFill>
+                            <a:srgbClr val="020302"/>
+                          </a:solidFill>
+                          <a:latin typeface="AdobeClean-Light"/>
+                          <a:cs typeface="AdobeClean-Light"/>
+                        </a:rPr>
+                        <a:t>Business</a:t>
+                      </a:r>
+                      <a:r>
+                        <a:rPr lang="en-US" sz="900" spc="0">
+                          <a:solidFill>
+                            <a:srgbClr val="020302"/>
+                          </a:solidFill>
+                          <a:latin typeface="AdobeClean-Light"/>
+                          <a:cs typeface="AdobeClean-Light"/>
+                        </a:rPr>
+                        <a:t> </a:t>
+                      </a:r>
+                      <a:r>
+                        <a:rPr sz="900" spc="0">
+                          <a:solidFill>
+                            <a:srgbClr val="020302"/>
+                          </a:solidFill>
+                          <a:latin typeface="AdobeClean-Light"/>
+                          <a:cs typeface="AdobeClean-Light"/>
+                        </a:rPr>
+                        <a:t>days</a:t>
+                      </a:r>
+                      <a:r>
+                        <a:rPr lang="en-US" sz="900" spc="0">
+                          <a:solidFill>
+                            <a:srgbClr val="020302"/>
+                          </a:solidFill>
+                          <a:latin typeface="AdobeClean-Light"/>
+                          <a:cs typeface="AdobeClean-Light"/>
+                        </a:rPr>
+                        <a:t> / </a:t>
+                      </a:r>
+                      <a:r>
+                        <a:rPr sz="900" spc="0">
+                          <a:solidFill>
+                            <a:srgbClr val="020302"/>
+                          </a:solidFill>
+                          <a:latin typeface="AdobeClean-Light"/>
+                          <a:cs typeface="AdobeClean-Light"/>
+                        </a:rPr>
+                        <a:t>3 days</a:t>
+                      </a:r>
+                      <a:endParaRPr sz="900" spc="0">
+                        <a:latin typeface="AdobeClean-Light"/>
+                        <a:cs typeface="AdobeClean-Light"/>
+                      </a:endParaRPr>
                     </a:p>
                   </a:txBody>
-                  <a:tcPr anchor="ctr">
+                  <a:tcPr marL="0" marR="0" marT="91440" marB="91440" anchor="ctr" anchorCtr="1">
                     <a:lnL w="3175">
                       <a:solidFill>
                         <a:srgbClr val="B7B8B8"/>
@@ -3008,38 +3683,82 @@
                         </a:spcBef>
                       </a:pPr>
                       <a:r>
-                        <a:rPr lang="es-ES" sz="900" dirty="0">
+                        <a:rPr sz="900" spc="0">
                           <a:solidFill>
                             <a:srgbClr val="020302"/>
                           </a:solidFill>
                           <a:latin typeface="AdobeClean-Light"/>
                           <a:cs typeface="AdobeClean-Light"/>
                         </a:rPr>
-                        <a:t>Días laborables / </a:t>
+                        <a:t>Business</a:t>
                       </a:r>
-                    </a:p>
-                    <a:p>
-                      <a:pPr marL="370840" marR="223520" indent="-202565" algn="ctr">
-                        <a:lnSpc>
-                          <a:spcPct val="100000"/>
-                        </a:lnSpc>
-                        <a:spcBef>
-                          <a:spcPts val="155"/>
-                        </a:spcBef>
-                      </a:pPr>
                       <a:r>
-                        <a:rPr lang="es-ES" sz="900" dirty="0">
+                        <a:rPr lang="en-US" sz="900" spc="0">
                           <a:solidFill>
                             <a:srgbClr val="020302"/>
                           </a:solidFill>
                           <a:latin typeface="AdobeClean-Light"/>
                           <a:cs typeface="AdobeClean-Light"/>
                         </a:rPr>
-                        <a:t>  1 día</a:t>
+                        <a:t> </a:t>
                       </a:r>
+                      <a:r>
+                        <a:rPr sz="900" spc="0">
+                          <a:solidFill>
+                            <a:srgbClr val="020302"/>
+                          </a:solidFill>
+                          <a:latin typeface="AdobeClean-Light"/>
+                          <a:cs typeface="AdobeClean-Light"/>
+                        </a:rPr>
+                        <a:t>day</a:t>
+                      </a:r>
+                      <a:r>
+                        <a:rPr lang="en-US" sz="900" spc="0">
+                          <a:solidFill>
+                            <a:srgbClr val="020302"/>
+                          </a:solidFill>
+                          <a:latin typeface="AdobeClean-Light"/>
+                          <a:cs typeface="AdobeClean-Light"/>
+                        </a:rPr>
+                        <a:t>s </a:t>
+                      </a:r>
+                      <a:r>
+                        <a:rPr sz="900" spc="0">
+                          <a:solidFill>
+                            <a:srgbClr val="020302"/>
+                          </a:solidFill>
+                          <a:latin typeface="AdobeClean-Light"/>
+                          <a:cs typeface="AdobeClean-Light"/>
+                        </a:rPr>
+                        <a:t>/</a:t>
+                      </a:r>
+                      <a:r>
+                        <a:rPr lang="en-US" sz="900" spc="0">
+                          <a:solidFill>
+                            <a:srgbClr val="020302"/>
+                          </a:solidFill>
+                          <a:latin typeface="AdobeClean-Light"/>
+                          <a:cs typeface="AdobeClean-Light"/>
+                        </a:rPr>
+                        <a:t> </a:t>
+                      </a:r>
+                      <a:r>
+                        <a:rPr sz="900" spc="0">
+                          <a:solidFill>
+                            <a:srgbClr val="020302"/>
+                          </a:solidFill>
+                          <a:latin typeface="AdobeClean-Light"/>
+                          <a:cs typeface="AdobeClean-Light"/>
+                        </a:rPr>
+                        <a:t>1 day</a:t>
+                      </a:r>
+                      <a:endParaRPr sz="900" spc="0">
+                        <a:latin typeface="AdobeClean-Light"/>
+                        <a:cs typeface="AdobeClean-Light"/>
+                      </a:endParaRPr>
                     </a:p>
                   </a:txBody>
-                  <a:tcPr anchor="ctr">
+                  <a:tcPr marL="0" marR="0" marT="91440" marB="91440" anchor="ctr" anchorCtr="1">
                     <a:lnL w="3175">
                       <a:solidFill>
                         <a:srgbClr val="B7B8B8"/>
@@ -3096,7 +3815,7 @@
           <p:nvPr>
             <p:extLst>
               <p:ext uri="{D42A27DB-BD31-4B8C-83A1-F6EECF244321}">
-                <p14:modId xmlns:p14="http://schemas.microsoft.com/office/powerpoint/2010/main" val="1386137920"/>
+                <p14:modId xmlns:p14="http://schemas.microsoft.com/office/powerpoint/2010/main" val="116851390"/>
               </p:ext>
             </p:extLst>
           </p:nvPr>
@@ -3147,7 +3866,7 @@
                     <a:bodyPr/>
                     <a:lstStyle/>
                     <a:p>
-                      <a:endParaRPr lang="en-US" dirty="0"/>
+                      <a:endParaRPr lang="en-US"/>
                     </a:p>
                   </a:txBody>
                   <a:tcPr/>
@@ -3185,15 +3904,39 @@
                         <a:defRPr/>
                       </a:pPr>
                       <a:r>
-                        <a:rPr lang="es-ES" sz="900">
+                        <a:rPr lang="en-US" sz="900" spc="-20">
                           <a:solidFill>
                             <a:srgbClr val="404040"/>
                           </a:solidFill>
                           <a:latin typeface="Adobe Clean"/>
                           <a:cs typeface="Adobe Clean"/>
                         </a:rPr>
-                        <a:t>Soporte Online</a:t>
+                        <a:t>Online </a:t>
                       </a:r>
+                      <a:r>
+                        <a:rPr lang="en-US" sz="900" spc="-135">
+                          <a:solidFill>
+                            <a:srgbClr val="404040"/>
+                          </a:solidFill>
+                          <a:latin typeface="Adobe Clean"/>
+                          <a:cs typeface="Adobe Clean"/>
+                        </a:rPr>
+                        <a:t> </a:t>
+                      </a:r>
+                      <a:r>
+                        <a:rPr lang="en-US" sz="900" spc="-20">
+                          <a:solidFill>
+                            <a:srgbClr val="404040"/>
+                          </a:solidFill>
+                          <a:latin typeface="Adobe Clean"/>
+                          <a:cs typeface="Adobe Clean"/>
+                        </a:rPr>
+                        <a:t>Support</a:t>
+                      </a:r>
+                      <a:endParaRPr lang="en-US" sz="900">
+                        <a:latin typeface="Adobe Clean"/>
+                        <a:cs typeface="Adobe Clean"/>
+                      </a:endParaRPr>
                     </a:p>
                   </a:txBody>
                   <a:tcPr marL="0" marR="0" marT="7620" marB="0" anchor="ctr">
@@ -3234,15 +3977,39 @@
                         </a:spcBef>
                       </a:pPr>
                       <a:r>
-                        <a:rPr lang="es-ES" sz="900">
+                        <a:rPr sz="900" spc="-20">
                           <a:solidFill>
                             <a:srgbClr val="FFFFFF"/>
                           </a:solidFill>
                           <a:latin typeface="Adobe Clean"/>
                           <a:cs typeface="Adobe Clean"/>
                         </a:rPr>
-                        <a:t>Soporte Business</a:t>
+                        <a:t>Business</a:t>
                       </a:r>
+                      <a:r>
+                        <a:rPr lang="en-US" sz="900" spc="-20">
+                          <a:solidFill>
+                            <a:srgbClr val="FFFFFF"/>
+                          </a:solidFill>
+                          <a:latin typeface="Adobe Clean"/>
+                          <a:cs typeface="Adobe Clean"/>
+                        </a:rPr>
+                        <a:t> </a:t>
+                      </a:r>
+                      <a:r>
+                        <a:rPr sz="900" spc="-20">
+                          <a:solidFill>
+                            <a:srgbClr val="FFFFFF"/>
+                          </a:solidFill>
+                          <a:latin typeface="Adobe Clean"/>
+                          <a:cs typeface="Adobe Clean"/>
+                        </a:rPr>
+                        <a:t>Support</a:t>
+                      </a:r>
+                      <a:endParaRPr sz="900">
+                        <a:latin typeface="Adobe Clean"/>
+                        <a:cs typeface="Adobe Clean"/>
+                      </a:endParaRPr>
                     </a:p>
                   </a:txBody>
                   <a:tcPr marL="0" marR="0" marT="7620" marB="0" anchor="ctr">
@@ -3307,7 +4074,7 @@
                     <a:bodyPr/>
                     <a:lstStyle/>
                     <a:p>
-                      <a:pPr marL="0" marR="0" lvl="0" indent="0" algn="l" defTabSz="914400" rtl="0" eaLnBrk="1" fontAlgn="auto" latinLnBrk="0" hangingPunct="1">
+                      <a:pPr marL="0" marR="0" lvl="0" indent="0" algn="ctr" defTabSz="914400" eaLnBrk="1" fontAlgn="auto" latinLnBrk="0" hangingPunct="1">
                         <a:lnSpc>
                           <a:spcPct val="100000"/>
                         </a:lnSpc>
@@ -3388,13 +4155,13 @@
                         <a:defRPr/>
                       </a:pPr>
                       <a:r>
-                        <a:rPr lang="es-ES" sz="800" i="1">
+                        <a:rPr lang="en-US" sz="800" i="1">
                           <a:solidFill>
                             <a:schemeClr val="bg1"/>
                           </a:solidFill>
                           <a:latin typeface="Adobe Clean Light" panose="020B0303020404020204" pitchFamily="34" charset="0"/>
                         </a:rPr>
-                        <a:t>Soporte de pago ($)</a:t>
+                        <a:t>Paid Support ($)</a:t>
                       </a:r>
                     </a:p>
                   </a:txBody>
@@ -3458,15 +4225,22 @@
                         </a:spcBef>
                       </a:pPr>
                       <a:r>
-                        <a:rPr lang="es-ES" sz="1000" b="1" i="0">
+                        <a:rPr lang="en-US" sz="1000" b="1" i="0" spc="0">
                           <a:solidFill>
                             <a:schemeClr val="bg1"/>
                           </a:solidFill>
                           <a:latin typeface="Adobe Clean" panose="020B0503020404020204" pitchFamily="34" charset="0"/>
                           <a:cs typeface="AdobeClean-Light"/>
                         </a:rPr>
-                        <a:t>Expertos asignados</a:t>
+                        <a:t>Assigned Experts</a:t>
                       </a:r>
+                      <a:endParaRPr sz="1000" b="1" i="0" spc="0">
+                        <a:solidFill>
+                          <a:schemeClr val="bg1"/>
+                        </a:solidFill>
+                        <a:latin typeface="Adobe Clean" panose="020B0503020404020204" pitchFamily="34" charset="0"/>
+                        <a:cs typeface="AdobeClean-Light"/>
+                      </a:endParaRPr>
                     </a:p>
                   </a:txBody>
                   <a:tcPr marL="0" marR="0" marT="58419" marB="0" anchor="ctr">
@@ -3513,15 +4287,19 @@
                         </a:spcBef>
                       </a:pPr>
                       <a:r>
-                        <a:rPr lang="es-ES" sz="900">
+                        <a:rPr sz="900" spc="0">
                           <a:solidFill>
                             <a:srgbClr val="020302"/>
                           </a:solidFill>
                           <a:latin typeface="AdobeClean-Light"/>
                           <a:cs typeface="AdobeClean-Light"/>
                         </a:rPr>
-                        <a:t>Responsable de la asistencia técnica de la cuenta</a:t>
+                        <a:t>Account Support Lead</a:t>
                       </a:r>
+                      <a:endParaRPr sz="900" spc="0">
+                        <a:latin typeface="AdobeClean-Light"/>
+                        <a:cs typeface="AdobeClean-Light"/>
+                      </a:endParaRPr>
                     </a:p>
                   </a:txBody>
                   <a:tcPr marL="0" marR="0" marT="58419" marB="0">
@@ -3556,7 +4334,7 @@
                     <a:bodyPr/>
                     <a:lstStyle/>
                     <a:p>
-                      <a:pPr algn="l" rtl="0">
+                      <a:pPr algn="ctr">
                         <a:lnSpc>
                           <a:spcPct val="100000"/>
                         </a:lnSpc>
@@ -3606,7 +4384,7 @@
                         </a:spcBef>
                       </a:pPr>
                       <a:r>
-                        <a:rPr lang="es-ES" sz="900">
+                        <a:rPr sz="900">
                           <a:solidFill>
                             <a:srgbClr val="020302"/>
                           </a:solidFill>
@@ -3615,6 +4393,10 @@
                         </a:rPr>
                         <a:t></a:t>
                       </a:r>
+                      <a:endParaRPr sz="900">
+                        <a:latin typeface="Wingdings"/>
+                        <a:cs typeface="Wingdings"/>
+                      </a:endParaRPr>
                     </a:p>
                   </a:txBody>
                   <a:tcPr marL="0" marR="0" marT="59690" marB="0" anchor="ctr">
@@ -3646,7 +4428,7 @@
                     <a:bodyPr/>
                     <a:lstStyle/>
                     <a:p>
-                      <a:pPr marL="50800" algn="l" rtl="0">
+                      <a:pPr marL="50800">
                         <a:lnSpc>
                           <a:spcPct val="100000"/>
                         </a:lnSpc>
@@ -3692,15 +4474,19 @@
                         </a:spcBef>
                       </a:pPr>
                       <a:r>
-                        <a:rPr lang="es-ES" sz="900">
+                        <a:rPr sz="900" spc="0">
                           <a:solidFill>
                             <a:srgbClr val="020302"/>
                           </a:solidFill>
                           <a:latin typeface="AdobeClean-Light"/>
                           <a:cs typeface="AdobeClean-Light"/>
                         </a:rPr>
-                        <a:t>Ingeniero de asistencia técnica especializado</a:t>
+                        <a:t>Named Support Engineer</a:t>
                       </a:r>
+                      <a:endParaRPr sz="900" spc="0">
+                        <a:latin typeface="AdobeClean-Light"/>
+                        <a:cs typeface="AdobeClean-Light"/>
+                      </a:endParaRPr>
                     </a:p>
                   </a:txBody>
                   <a:tcPr marL="0" marR="0" marT="58419" marB="0">
@@ -3723,7 +4509,7 @@
                     <a:bodyPr/>
                     <a:lstStyle/>
                     <a:p>
-                      <a:pPr algn="l" rtl="0">
+                      <a:pPr algn="ctr">
                         <a:lnSpc>
                           <a:spcPct val="100000"/>
                         </a:lnSpc>
@@ -3752,7 +4538,7 @@
                     <a:bodyPr/>
                     <a:lstStyle/>
                     <a:p>
-                      <a:pPr algn="l" rtl="0">
+                      <a:pPr algn="ctr">
                         <a:lnSpc>
                           <a:spcPct val="100000"/>
                         </a:lnSpc>
@@ -3783,7 +4569,7 @@
                     <a:bodyPr/>
                     <a:lstStyle/>
                     <a:p>
-                      <a:pPr marL="50800" algn="l" rtl="0">
+                      <a:pPr marL="50800">
                         <a:lnSpc>
                           <a:spcPct val="100000"/>
                         </a:lnSpc>
@@ -3841,15 +4627,19 @@
                         </a:spcBef>
                       </a:pPr>
                       <a:r>
-                        <a:rPr lang="es-ES" sz="900">
+                        <a:rPr sz="900" spc="0">
                           <a:solidFill>
                             <a:srgbClr val="020302"/>
                           </a:solidFill>
                           <a:latin typeface="AdobeClean-Light"/>
                           <a:cs typeface="AdobeClean-Light"/>
                         </a:rPr>
-                        <a:t>Gestor técnico de cuentas</a:t>
+                        <a:t>Technical Account Manager</a:t>
                       </a:r>
+                      <a:endParaRPr sz="900" spc="0">
+                        <a:latin typeface="AdobeClean-Light"/>
+                        <a:cs typeface="AdobeClean-Light"/>
+                      </a:endParaRPr>
                     </a:p>
                   </a:txBody>
                   <a:tcPr marL="0" marR="0" marT="63500" marB="0">
@@ -3878,7 +4668,7 @@
                     <a:bodyPr/>
                     <a:lstStyle/>
                     <a:p>
-                      <a:pPr algn="l" rtl="0">
+                      <a:pPr algn="ctr">
                         <a:lnSpc>
                           <a:spcPct val="100000"/>
                         </a:lnSpc>
@@ -3916,7 +4706,7 @@
                     <a:bodyPr/>
                     <a:lstStyle/>
                     <a:p>
-                      <a:pPr algn="l" rtl="0">
+                      <a:pPr algn="ctr">
                         <a:lnSpc>
                           <a:spcPct val="100000"/>
                         </a:lnSpc>
@@ -3965,15 +4755,22 @@
                         </a:spcBef>
                       </a:pPr>
                       <a:r>
-                        <a:rPr lang="es-ES" sz="1000" b="1" i="0">
+                        <a:rPr lang="en-US" sz="1000" b="1" i="0" spc="0">
                           <a:solidFill>
                             <a:schemeClr val="bg1"/>
                           </a:solidFill>
                           <a:latin typeface="Adobe Clean" panose="020B0503020404020204" pitchFamily="34" charset="0"/>
                           <a:cs typeface="AdobeClean-Light"/>
                         </a:rPr>
-                        <a:t>Servicios de soporte</a:t>
+                        <a:t>Support Services</a:t>
                       </a:r>
+                      <a:endParaRPr sz="1000" b="1" i="0" spc="0">
+                        <a:solidFill>
+                          <a:schemeClr val="bg1"/>
+                        </a:solidFill>
+                        <a:latin typeface="Adobe Clean" panose="020B0503020404020204" pitchFamily="34" charset="0"/>
+                        <a:cs typeface="AdobeClean-Light"/>
+                      </a:endParaRPr>
                     </a:p>
                   </a:txBody>
                   <a:tcPr marL="0" marR="0" marT="57150" marB="0" anchor="ctr">
@@ -4029,15 +4826,29 @@
                         </a:spcBef>
                       </a:pPr>
                       <a:r>
-                        <a:rPr lang="es-ES" sz="900">
+                        <a:rPr lang="en-US" sz="900" spc="0">
                           <a:solidFill>
                             <a:srgbClr val="020302"/>
                           </a:solidFill>
                           <a:latin typeface="AdobeClean-Light"/>
                           <a:cs typeface="AdobeClean-Light"/>
                         </a:rPr>
-                        <a:t>Soporte Online</a:t>
+                        <a:t>Online</a:t>
                       </a:r>
+                      <a:r>
+                        <a:rPr sz="900" spc="0">
+                          <a:solidFill>
+                            <a:srgbClr val="020302"/>
+                          </a:solidFill>
+                          <a:latin typeface="AdobeClean-Light"/>
+                          <a:cs typeface="AdobeClean-Light"/>
+                        </a:rPr>
+                        <a:t> Support</a:t>
+                      </a:r>
+                      <a:endParaRPr sz="900" spc="0">
+                        <a:latin typeface="AdobeClean-Light"/>
+                        <a:cs typeface="AdobeClean-Light"/>
+                      </a:endParaRPr>
                     </a:p>
                   </a:txBody>
                   <a:tcPr marL="0" marR="0" marT="57150" marB="0">
@@ -4075,15 +4886,39 @@
                         </a:spcBef>
                       </a:pPr>
                       <a:r>
-                        <a:rPr lang="es-ES" sz="900">
+                        <a:rPr sz="900" spc="-25">
                           <a:solidFill>
                             <a:srgbClr val="020302"/>
                           </a:solidFill>
                           <a:latin typeface="AdobeClean-Light"/>
                           <a:cs typeface="AdobeClean-Light"/>
                         </a:rPr>
-                        <a:t>Horario de trabajo</a:t>
+                        <a:t>Business</a:t>
                       </a:r>
+                      <a:r>
+                        <a:rPr sz="900" spc="-15">
+                          <a:solidFill>
+                            <a:srgbClr val="020302"/>
+                          </a:solidFill>
+                          <a:latin typeface="AdobeClean-Light"/>
+                          <a:cs typeface="AdobeClean-Light"/>
+                        </a:rPr>
+                        <a:t> </a:t>
+                      </a:r>
+                      <a:r>
+                        <a:rPr sz="900" spc="-30">
+                          <a:solidFill>
+                            <a:srgbClr val="020302"/>
+                          </a:solidFill>
+                          <a:latin typeface="AdobeClean-Light"/>
+                          <a:cs typeface="AdobeClean-Light"/>
+                        </a:rPr>
+                        <a:t>hours</a:t>
+                      </a:r>
+                      <a:endParaRPr sz="900">
+                        <a:latin typeface="AdobeClean-Light"/>
+                        <a:cs typeface="AdobeClean-Light"/>
+                      </a:endParaRPr>
                     </a:p>
                   </a:txBody>
                   <a:tcPr marL="0" marR="0" marT="67945" marB="0">
@@ -4122,15 +4957,39 @@
                         </a:spcBef>
                       </a:pPr>
                       <a:r>
-                        <a:rPr lang="es-ES" sz="900">
+                        <a:rPr sz="900" spc="-25">
                           <a:solidFill>
                             <a:srgbClr val="020302"/>
                           </a:solidFill>
                           <a:latin typeface="AdobeClean-Light"/>
                           <a:cs typeface="AdobeClean-Light"/>
                         </a:rPr>
-                        <a:t>Horario de trabajo</a:t>
+                        <a:t>Business</a:t>
                       </a:r>
+                      <a:r>
+                        <a:rPr sz="900" spc="-15">
+                          <a:solidFill>
+                            <a:srgbClr val="020302"/>
+                          </a:solidFill>
+                          <a:latin typeface="AdobeClean-Light"/>
+                          <a:cs typeface="AdobeClean-Light"/>
+                        </a:rPr>
+                        <a:t> </a:t>
+                      </a:r>
+                      <a:r>
+                        <a:rPr sz="900" spc="-30">
+                          <a:solidFill>
+                            <a:srgbClr val="020302"/>
+                          </a:solidFill>
+                          <a:latin typeface="AdobeClean-Light"/>
+                          <a:cs typeface="AdobeClean-Light"/>
+                        </a:rPr>
+                        <a:t>hours</a:t>
+                      </a:r>
+                      <a:endParaRPr sz="900">
+                        <a:latin typeface="AdobeClean-Light"/>
+                        <a:cs typeface="AdobeClean-Light"/>
+                      </a:endParaRPr>
                     </a:p>
                   </a:txBody>
                   <a:tcPr marL="0" marR="0" marT="67945" marB="0">
@@ -4162,7 +5021,7 @@
                     <a:bodyPr/>
                     <a:lstStyle/>
                     <a:p>
-                      <a:pPr marL="50800" algn="l" rtl="0">
+                      <a:pPr marL="50800">
                         <a:lnSpc>
                           <a:spcPct val="100000"/>
                         </a:lnSpc>
@@ -4211,15 +5070,39 @@
                         </a:spcBef>
                       </a:pPr>
                       <a:r>
-                        <a:rPr lang="es-ES" sz="900">
+                        <a:rPr sz="900" spc="0">
                           <a:solidFill>
                             <a:srgbClr val="020302"/>
                           </a:solidFill>
                           <a:latin typeface="AdobeClean-Light"/>
                           <a:cs typeface="AdobeClean-Light"/>
                         </a:rPr>
-                        <a:t>Soporte con problemas P1 24 x 7 x 365</a:t>
+                        <a:t>24x7</a:t>
                       </a:r>
+                      <a:r>
+                        <a:rPr lang="en-US" sz="900" spc="0">
+                          <a:solidFill>
+                            <a:srgbClr val="020302"/>
+                          </a:solidFill>
+                          <a:latin typeface="AdobeClean-Light"/>
+                          <a:cs typeface="AdobeClean-Light"/>
+                        </a:rPr>
+                        <a:t>x365</a:t>
+                      </a:r>
+                      <a:r>
+                        <a:rPr sz="900" spc="0">
+                          <a:solidFill>
+                            <a:srgbClr val="020302"/>
+                          </a:solidFill>
+                          <a:latin typeface="AdobeClean-Light"/>
+                          <a:cs typeface="AdobeClean-Light"/>
+                        </a:rPr>
+                        <a:t> P1 Issue Support</a:t>
+                      </a:r>
+                      <a:endParaRPr sz="900" spc="0">
+                        <a:latin typeface="AdobeClean-Light"/>
+                        <a:cs typeface="AdobeClean-Light"/>
+                      </a:endParaRPr>
                     </a:p>
                   </a:txBody>
                   <a:tcPr marL="0" marR="0" marT="57785" marB="0">
@@ -4251,7 +5134,7 @@
                         </a:spcBef>
                       </a:pPr>
                       <a:r>
-                        <a:rPr lang="es-ES" sz="900">
+                        <a:rPr sz="900">
                           <a:solidFill>
                             <a:srgbClr val="020302"/>
                           </a:solidFill>
@@ -4260,6 +5143,10 @@
                         </a:rPr>
                         <a:t></a:t>
                       </a:r>
+                      <a:endParaRPr sz="900">
+                        <a:latin typeface="Wingdings"/>
+                        <a:cs typeface="Wingdings"/>
+                      </a:endParaRPr>
                     </a:p>
                   </a:txBody>
                   <a:tcPr marL="0" marR="0" marT="58419" marB="0">
@@ -4289,7 +5176,7 @@
                         </a:spcBef>
                       </a:pPr>
                       <a:r>
-                        <a:rPr lang="es-ES" sz="900">
+                        <a:rPr sz="900">
                           <a:solidFill>
                             <a:srgbClr val="020302"/>
                           </a:solidFill>
@@ -4298,6 +5185,10 @@
                         </a:rPr>
                         <a:t></a:t>
                       </a:r>
+                      <a:endParaRPr sz="900">
+                        <a:latin typeface="Wingdings"/>
+                        <a:cs typeface="Wingdings"/>
+                      </a:endParaRPr>
                     </a:p>
                   </a:txBody>
                   <a:tcPr marL="0" marR="0" marT="58419" marB="0">
@@ -4320,7 +5211,7 @@
                     <a:bodyPr/>
                     <a:lstStyle/>
                     <a:p>
-                      <a:pPr marL="50800" algn="l" rtl="0">
+                      <a:pPr marL="50800">
                         <a:lnSpc>
                           <a:spcPct val="100000"/>
                         </a:lnSpc>
@@ -4378,15 +5269,19 @@
                         </a:spcBef>
                       </a:pPr>
                       <a:r>
-                        <a:rPr lang="es-ES" sz="900">
+                        <a:rPr lang="en-US" sz="900" spc="0">
                           <a:solidFill>
                             <a:srgbClr val="020302"/>
                           </a:solidFill>
                           <a:latin typeface="AdobeClean-Light"/>
                           <a:cs typeface="AdobeClean-Light"/>
                         </a:rPr>
-                        <a:t>Contactos de soporte particulares (por producto)</a:t>
+                        <a:t>Named Support Contacts (per product)</a:t>
                       </a:r>
+                      <a:endParaRPr sz="900" spc="0">
+                        <a:latin typeface="AdobeClean-Light"/>
+                        <a:cs typeface="AdobeClean-Light"/>
+                      </a:endParaRPr>
                     </a:p>
                   </a:txBody>
                   <a:tcPr marL="0" marR="0" marT="57785" marB="0">
@@ -4424,7 +5319,7 @@
                         </a:spcBef>
                       </a:pPr>
                       <a:r>
-                        <a:rPr lang="es-ES" sz="900">
+                        <a:rPr sz="900">
                           <a:solidFill>
                             <a:srgbClr val="020302"/>
                           </a:solidFill>
@@ -4433,6 +5328,10 @@
                         </a:rPr>
                         <a:t>4</a:t>
                       </a:r>
+                      <a:endParaRPr sz="900">
+                        <a:latin typeface="AdobeClean-Light"/>
+                        <a:cs typeface="AdobeClean-Light"/>
+                      </a:endParaRPr>
                     </a:p>
                   </a:txBody>
                   <a:tcPr marL="0" marR="0" marT="57785" marB="0">
@@ -4462,7 +5361,7 @@
                         </a:spcBef>
                       </a:pPr>
                       <a:r>
-                        <a:rPr lang="es-ES" sz="900">
+                        <a:rPr sz="900">
                           <a:solidFill>
                             <a:srgbClr val="020302"/>
                           </a:solidFill>
@@ -4471,6 +5370,10 @@
                         </a:rPr>
                         <a:t>6</a:t>
                       </a:r>
+                      <a:endParaRPr sz="900">
+                        <a:latin typeface="AdobeClean-Light"/>
+                        <a:cs typeface="AdobeClean-Light"/>
+                      </a:endParaRPr>
                     </a:p>
                   </a:txBody>
                   <a:tcPr marL="0" marR="0" marT="57785" marB="0">
@@ -4493,7 +5396,7 @@
                     <a:bodyPr/>
                     <a:lstStyle/>
                     <a:p>
-                      <a:pPr marL="50800" algn="l" rtl="0">
+                      <a:pPr marL="50800">
                         <a:lnSpc>
                           <a:spcPct val="100000"/>
                         </a:lnSpc>
@@ -4542,15 +5445,19 @@
                         </a:spcBef>
                       </a:pPr>
                       <a:r>
-                        <a:rPr lang="es-ES" sz="900">
+                        <a:rPr lang="en-US" sz="900" spc="0">
                           <a:solidFill>
                             <a:srgbClr val="020302"/>
                           </a:solidFill>
                           <a:latin typeface="AdobeClean-Light"/>
                           <a:cs typeface="AdobeClean-Light"/>
                         </a:rPr>
-                        <a:t>Asistencia telefónica en directo</a:t>
+                        <a:t>Live Telephone Support</a:t>
                       </a:r>
+                      <a:endParaRPr sz="900" spc="0">
+                        <a:latin typeface="AdobeClean-Light"/>
+                        <a:cs typeface="AdobeClean-Light"/>
+                      </a:endParaRPr>
                     </a:p>
                   </a:txBody>
                   <a:tcPr marL="0" marR="0" marT="57785" marB="0">
@@ -4573,7 +5480,7 @@
                     <a:bodyPr/>
                     <a:lstStyle/>
                     <a:p>
-                      <a:pPr algn="l" rtl="0">
+                      <a:pPr algn="ctr">
                         <a:lnSpc>
                           <a:spcPct val="100000"/>
                         </a:lnSpc>
@@ -4614,7 +5521,7 @@
                         </a:spcBef>
                       </a:pPr>
                       <a:r>
-                        <a:rPr lang="es-ES" sz="900">
+                        <a:rPr sz="900">
                           <a:solidFill>
                             <a:srgbClr val="020302"/>
                           </a:solidFill>
@@ -4623,6 +5530,10 @@
                         </a:rPr>
                         <a:t></a:t>
                       </a:r>
+                      <a:endParaRPr sz="900">
+                        <a:latin typeface="Wingdings"/>
+                        <a:cs typeface="Wingdings"/>
+                      </a:endParaRPr>
                     </a:p>
                   </a:txBody>
                   <a:tcPr marL="0" marR="0" marT="59054" marB="0">
@@ -4645,7 +5556,7 @@
                     <a:bodyPr/>
                     <a:lstStyle/>
                     <a:p>
-                      <a:pPr marL="50800" algn="l" rtl="0">
+                      <a:pPr marL="50800">
                         <a:lnSpc>
                           <a:spcPct val="100000"/>
                         </a:lnSpc>
@@ -4694,15 +5605,19 @@
                         </a:spcBef>
                       </a:pPr>
                       <a:r>
-                        <a:rPr lang="es-ES" sz="900">
+                        <a:rPr sz="900" spc="0">
                           <a:solidFill>
                             <a:srgbClr val="020302"/>
                           </a:solidFill>
                           <a:latin typeface="AdobeClean-Light"/>
                           <a:cs typeface="AdobeClean-Light"/>
                         </a:rPr>
-                        <a:t>Administración de la escalabilidad</a:t>
+                        <a:t>Escalation Management</a:t>
                       </a:r>
+                      <a:endParaRPr sz="900" spc="0">
+                        <a:latin typeface="AdobeClean-Light"/>
+                        <a:cs typeface="AdobeClean-Light"/>
+                      </a:endParaRPr>
                     </a:p>
                   </a:txBody>
                   <a:tcPr marL="0" marR="0" marT="58419" marB="0">
@@ -4725,7 +5640,7 @@
                     <a:bodyPr/>
                     <a:lstStyle/>
                     <a:p>
-                      <a:pPr algn="l" rtl="0">
+                      <a:pPr algn="ctr">
                         <a:lnSpc>
                           <a:spcPct val="100000"/>
                         </a:lnSpc>
@@ -4766,7 +5681,7 @@
                         </a:spcBef>
                       </a:pPr>
                       <a:r>
-                        <a:rPr lang="es-ES" sz="900">
+                        <a:rPr sz="900">
                           <a:solidFill>
                             <a:srgbClr val="020302"/>
                           </a:solidFill>
@@ -4775,6 +5690,10 @@
                         </a:rPr>
                         <a:t></a:t>
                       </a:r>
+                      <a:endParaRPr sz="900">
+                        <a:latin typeface="Wingdings"/>
+                        <a:cs typeface="Wingdings"/>
+                      </a:endParaRPr>
                     </a:p>
                   </a:txBody>
                   <a:tcPr marL="0" marR="0" marT="59690" marB="0">
@@ -4797,7 +5716,7 @@
                     <a:bodyPr/>
                     <a:lstStyle/>
                     <a:p>
-                      <a:pPr marL="50800" algn="l" rtl="0">
+                      <a:pPr marL="50800">
                         <a:lnSpc>
                           <a:spcPct val="100000"/>
                         </a:lnSpc>
@@ -4846,15 +5765,29 @@
                         </a:spcBef>
                       </a:pPr>
                       <a:r>
-                        <a:rPr lang="es-ES" sz="900">
+                        <a:rPr sz="900" spc="0">
                           <a:solidFill>
                             <a:srgbClr val="020302"/>
                           </a:solidFill>
                           <a:latin typeface="AdobeClean-Light"/>
                           <a:cs typeface="AdobeClean-Light"/>
                         </a:rPr>
-                        <a:t>Revisiones de servicio al año</a:t>
+                        <a:t>Service Reviews </a:t>
                       </a:r>
+                      <a:r>
+                        <a:rPr lang="en-US" sz="900" spc="0">
+                          <a:solidFill>
+                            <a:srgbClr val="020302"/>
+                          </a:solidFill>
+                          <a:latin typeface="AdobeClean-Light"/>
+                          <a:cs typeface="AdobeClean-Light"/>
+                        </a:rPr>
+                        <a:t>per Year</a:t>
+                      </a:r>
+                      <a:endParaRPr sz="900" spc="0">
+                        <a:latin typeface="AdobeClean-Light"/>
+                        <a:cs typeface="AdobeClean-Light"/>
+                      </a:endParaRPr>
                     </a:p>
                   </a:txBody>
                   <a:tcPr marL="0" marR="0" marT="57150" marB="0">
@@ -4877,7 +5810,7 @@
                     <a:bodyPr/>
                     <a:lstStyle/>
                     <a:p>
-                      <a:pPr algn="l" rtl="0">
+                      <a:pPr>
                         <a:lnSpc>
                           <a:spcPct val="100000"/>
                         </a:lnSpc>
@@ -4906,7 +5839,7 @@
                     <a:bodyPr/>
                     <a:lstStyle/>
                     <a:p>
-                      <a:pPr algn="l" rtl="0">
+                      <a:pPr>
                         <a:lnSpc>
                           <a:spcPct val="100000"/>
                         </a:lnSpc>
@@ -4956,12 +5889,16 @@
                         </a:spcBef>
                       </a:pPr>
                       <a:r>
-                        <a:rPr lang="es-ES" sz="900">
+                        <a:rPr lang="en-US" sz="900" spc="0">
                           <a:latin typeface="AdobeClean-Light"/>
                           <a:cs typeface="AdobeClean-Light"/>
                         </a:rPr>
-                        <a:t>Sesiones con expertos al año</a:t>
+                        <a:t>Expert Sessions per Year</a:t>
                       </a:r>
+                      <a:endParaRPr sz="900" spc="0">
+                        <a:latin typeface="AdobeClean-Light"/>
+                        <a:cs typeface="AdobeClean-Light"/>
+                      </a:endParaRPr>
                     </a:p>
                   </a:txBody>
                   <a:tcPr marL="0" marR="0" marT="57150" marB="0">
@@ -4990,7 +5927,7 @@
                     <a:bodyPr/>
                     <a:lstStyle/>
                     <a:p>
-                      <a:pPr algn="l" rtl="0">
+                      <a:pPr>
                         <a:lnSpc>
                           <a:spcPct val="100000"/>
                         </a:lnSpc>
@@ -5019,7 +5956,7 @@
                     <a:bodyPr/>
                     <a:lstStyle/>
                     <a:p>
-                      <a:pPr algn="l" rtl="0">
+                      <a:pPr>
                         <a:lnSpc>
                           <a:spcPct val="100000"/>
                         </a:lnSpc>
@@ -5069,12 +6006,16 @@
                         </a:spcBef>
                       </a:pPr>
                       <a:r>
-                        <a:rPr lang="es-ES" sz="900">
+                        <a:rPr lang="en-US" sz="900" spc="0">
                           <a:latin typeface="AdobeClean-Light"/>
                           <a:cs typeface="AdobeClean-Light"/>
                         </a:rPr>
-                        <a:t>Reseñas de casos</a:t>
+                        <a:t>Case Reviews</a:t>
                       </a:r>
+                      <a:endParaRPr sz="900" spc="0">
+                        <a:latin typeface="AdobeClean-Light"/>
+                        <a:cs typeface="AdobeClean-Light"/>
+                      </a:endParaRPr>
                     </a:p>
                   </a:txBody>
                   <a:tcPr marL="0" marR="0" marT="57150" marB="0">
@@ -5103,7 +6044,7 @@
                     <a:bodyPr/>
                     <a:lstStyle/>
                     <a:p>
-                      <a:pPr algn="l" rtl="0">
+                      <a:pPr>
                         <a:lnSpc>
                           <a:spcPct val="100000"/>
                         </a:lnSpc>
@@ -5132,7 +6073,7 @@
                     <a:bodyPr/>
                     <a:lstStyle/>
                     <a:p>
-                      <a:pPr algn="l" rtl="0">
+                      <a:pPr>
                         <a:lnSpc>
                           <a:spcPct val="100000"/>
                         </a:lnSpc>
@@ -5163,7 +6104,7 @@
                     <a:bodyPr/>
                     <a:lstStyle/>
                     <a:p>
-                      <a:pPr marL="48895" algn="l" rtl="0">
+                      <a:pPr marL="48895">
                         <a:lnSpc>
                           <a:spcPct val="100000"/>
                         </a:lnSpc>
@@ -5221,15 +6162,29 @@
                         </a:spcBef>
                       </a:pPr>
                       <a:r>
-                        <a:rPr lang="es-ES" sz="900">
+                        <a:rPr sz="900" spc="0">
                           <a:solidFill>
                             <a:srgbClr val="020302"/>
                           </a:solidFill>
                           <a:latin typeface="AdobeClean-Light"/>
                           <a:cs typeface="AdobeClean-Light"/>
                         </a:rPr>
-                        <a:t>Gestión de eventos</a:t>
+                        <a:t>Event </a:t>
                       </a:r>
+                      <a:r>
+                        <a:rPr lang="en-US" sz="900" spc="0">
+                          <a:solidFill>
+                            <a:srgbClr val="020302"/>
+                          </a:solidFill>
+                          <a:latin typeface="AdobeClean-Light"/>
+                          <a:cs typeface="AdobeClean-Light"/>
+                        </a:rPr>
+                        <a:t>Management</a:t>
+                      </a:r>
+                      <a:endParaRPr sz="900" spc="0">
+                        <a:latin typeface="AdobeClean-Light"/>
+                        <a:cs typeface="AdobeClean-Light"/>
+                      </a:endParaRPr>
                     </a:p>
                   </a:txBody>
                   <a:tcPr marL="0" marR="0" marT="58419" marB="0">
@@ -5258,7 +6213,7 @@
                     <a:bodyPr/>
                     <a:lstStyle/>
                     <a:p>
-                      <a:pPr algn="l" rtl="0">
+                      <a:pPr>
                         <a:lnSpc>
                           <a:spcPct val="100000"/>
                         </a:lnSpc>
@@ -5287,7 +6242,7 @@
                     <a:bodyPr/>
                     <a:lstStyle/>
                     <a:p>
-                      <a:pPr algn="l" rtl="0">
+                      <a:pPr>
                         <a:lnSpc>
                           <a:spcPct val="100000"/>
                         </a:lnSpc>
@@ -5318,7 +6273,7 @@
                     <a:bodyPr/>
                     <a:lstStyle/>
                     <a:p>
-                      <a:pPr marL="48895" algn="l" rtl="0">
+                      <a:pPr marL="48895">
                         <a:lnSpc>
                           <a:spcPct val="100000"/>
                         </a:lnSpc>
@@ -5367,15 +6322,39 @@
                         </a:spcBef>
                       </a:pPr>
                       <a:r>
-                        <a:rPr lang="es-ES" sz="900">
+                        <a:rPr sz="900" spc="0">
                           <a:solidFill>
                             <a:srgbClr val="020302"/>
                           </a:solidFill>
                           <a:latin typeface="AdobeClean-Light"/>
                           <a:cs typeface="AdobeClean-Light"/>
                         </a:rPr>
-                        <a:t>Revisión, mantenimiento y monitorización del entorno</a:t>
+                        <a:t>Environment</a:t>
                       </a:r>
+                      <a:r>
+                        <a:rPr lang="en-US" sz="900" spc="0">
+                          <a:solidFill>
+                            <a:srgbClr val="020302"/>
+                          </a:solidFill>
+                          <a:latin typeface="AdobeClean-Light"/>
+                          <a:cs typeface="AdobeClean-Light"/>
+                        </a:rPr>
+                        <a:t> </a:t>
+                      </a:r>
+                      <a:r>
+                        <a:rPr sz="900" spc="0">
+                          <a:solidFill>
+                            <a:srgbClr val="020302"/>
+                          </a:solidFill>
+                          <a:latin typeface="AdobeClean-Light"/>
+                          <a:cs typeface="AdobeClean-Light"/>
+                        </a:rPr>
+                        <a:t>Review, Maintenance &amp; Monitoring</a:t>
+                      </a:r>
+                      <a:endParaRPr sz="900" spc="0">
+                        <a:latin typeface="AdobeClean-Light"/>
+                        <a:cs typeface="AdobeClean-Light"/>
+                      </a:endParaRPr>
                     </a:p>
                   </a:txBody>
                   <a:tcPr marL="0" marR="0" marT="59055" marB="0">
@@ -5398,7 +6377,7 @@
                     <a:bodyPr/>
                     <a:lstStyle/>
                     <a:p>
-                      <a:pPr algn="l" rtl="0">
+                      <a:pPr>
                         <a:lnSpc>
                           <a:spcPct val="100000"/>
                         </a:lnSpc>
@@ -5427,7 +6406,7 @@
                     <a:bodyPr/>
                     <a:lstStyle/>
                     <a:p>
-                      <a:pPr algn="l" rtl="0">
+                      <a:pPr>
                         <a:lnSpc>
                           <a:spcPct val="100000"/>
                         </a:lnSpc>
@@ -5458,7 +6437,7 @@
                     <a:bodyPr/>
                     <a:lstStyle/>
                     <a:p>
-                      <a:pPr marL="49530" algn="l" rtl="0">
+                      <a:pPr marL="49530">
                         <a:lnSpc>
                           <a:spcPct val="100000"/>
                         </a:lnSpc>
@@ -5507,15 +6486,19 @@
                         </a:spcBef>
                       </a:pPr>
                       <a:r>
-                        <a:rPr lang="es-ES" sz="900" spc="-50" baseline="0" dirty="0">
+                        <a:rPr sz="900" spc="0">
                           <a:solidFill>
                             <a:srgbClr val="020302"/>
                           </a:solidFill>
                           <a:latin typeface="AdobeClean-Light"/>
                           <a:cs typeface="AdobeClean-Light"/>
                         </a:rPr>
-                        <a:t>Lanzamiento, migración, actualización y revisión de la hoja de ruta del producto</a:t>
+                        <a:t>Release, Migration, Upgrade &amp; Product Roadmap Review</a:t>
                       </a:r>
+                      <a:endParaRPr sz="900" spc="0">
+                        <a:latin typeface="AdobeClean-Light"/>
+                        <a:cs typeface="AdobeClean-Light"/>
+                      </a:endParaRPr>
                     </a:p>
                   </a:txBody>
                   <a:tcPr marL="0" marR="0" marT="63500" marB="0">
@@ -5538,7 +6521,7 @@
                     <a:bodyPr/>
                     <a:lstStyle/>
                     <a:p>
-                      <a:pPr algn="l" rtl="0">
+                      <a:pPr>
                         <a:lnSpc>
                           <a:spcPct val="100000"/>
                         </a:lnSpc>
@@ -5567,7 +6550,7 @@
                     <a:bodyPr/>
                     <a:lstStyle/>
                     <a:p>
-                      <a:pPr algn="l" rtl="0">
+                      <a:pPr>
                         <a:lnSpc>
                           <a:spcPct val="100000"/>
                         </a:lnSpc>
@@ -5598,7 +6581,7 @@
                     <a:bodyPr/>
                     <a:lstStyle/>
                     <a:p>
-                      <a:pPr marL="49530" algn="l" rtl="0">
+                      <a:pPr marL="49530">
                         <a:lnSpc>
                           <a:spcPct val="100000"/>
                         </a:lnSpc>
@@ -5656,11 +6639,11 @@
                         </a:spcBef>
                       </a:pPr>
                       <a:r>
-                        <a:rPr lang="es-ES" sz="900">
+                        <a:rPr sz="900" spc="0">
                           <a:latin typeface="AdobeClean-Light"/>
                           <a:cs typeface="AdobeClean-Light"/>
                         </a:rPr>
-                        <a:t>Actividades de asistencia en la nube: Experience Manager as Cloud</a:t>
+                        <a:t>Cloud Support Activities – Experience Manager as Cloud</a:t>
                       </a:r>
                     </a:p>
                   </a:txBody>
@@ -5690,7 +6673,7 @@
                     <a:bodyPr/>
                     <a:lstStyle/>
                     <a:p>
-                      <a:pPr algn="l" rtl="0">
+                      <a:pPr>
                         <a:lnSpc>
                           <a:spcPct val="100000"/>
                         </a:lnSpc>
@@ -5728,7 +6711,7 @@
                     <a:bodyPr/>
                     <a:lstStyle/>
                     <a:p>
-                      <a:pPr algn="l" rtl="0">
+                      <a:pPr>
                         <a:lnSpc>
                           <a:spcPct val="100000"/>
                         </a:lnSpc>
@@ -5777,15 +6760,22 @@
                         </a:spcBef>
                       </a:pPr>
                       <a:r>
-                        <a:rPr lang="es-ES" sz="1000" b="1" i="0">
+                        <a:rPr lang="en-US" sz="1000" b="1" i="0" spc="0">
                           <a:solidFill>
                             <a:schemeClr val="bg1"/>
                           </a:solidFill>
                           <a:latin typeface="Adobe Clean" panose="020B0503020404020204" pitchFamily="34" charset="0"/>
                           <a:cs typeface="AdobeClean-Light"/>
                         </a:rPr>
-                        <a:t>Servicios de campo</a:t>
+                        <a:t>Field Services</a:t>
                       </a:r>
+                      <a:endParaRPr sz="1000" b="1" i="0" spc="0">
+                        <a:solidFill>
+                          <a:schemeClr val="bg1"/>
+                        </a:solidFill>
+                        <a:latin typeface="Adobe Clean" panose="020B0503020404020204" pitchFamily="34" charset="0"/>
+                        <a:cs typeface="AdobeClean-Light"/>
+                      </a:endParaRPr>
                     </a:p>
                   </a:txBody>
                   <a:tcPr marL="0" marR="0" marT="48260" marB="0" anchor="ctr">
@@ -5838,55 +6828,19 @@
                         </a:spcBef>
                       </a:pPr>
                       <a:r>
-                        <a:rPr lang="es-ES" sz="900" dirty="0">
+                        <a:rPr sz="900" spc="0">
                           <a:solidFill>
                             <a:srgbClr val="020302"/>
                           </a:solidFill>
                           <a:latin typeface="AdobeClean-Light"/>
                           <a:cs typeface="AdobeClean-Light"/>
                         </a:rPr>
-                        <a:t>Servicios de </a:t>
+                        <a:t>Launch Advisory Services – First Year of new solution</a:t>
                       </a:r>
-                      <a:r>
-                        <a:rPr lang="es-ES" sz="900" dirty="0" err="1">
-                          <a:solidFill>
-                            <a:srgbClr val="020302"/>
-                          </a:solidFill>
-                          <a:latin typeface="AdobeClean-Light"/>
-                          <a:cs typeface="AdobeClean-Light"/>
-                        </a:rPr>
-                        <a:t>Launch</a:t>
-                      </a:r>
-                      <a:r>
-                        <a:rPr lang="es-ES" sz="900" dirty="0">
-                          <a:solidFill>
-                            <a:srgbClr val="020302"/>
-                          </a:solidFill>
-                          <a:latin typeface="AdobeClean-Light"/>
-                          <a:cs typeface="AdobeClean-Light"/>
-                        </a:rPr>
-                        <a:t> </a:t>
-                      </a:r>
-                      <a:r>
-                        <a:rPr lang="es-ES" sz="900" dirty="0" err="1">
-                          <a:solidFill>
-                            <a:srgbClr val="020302"/>
-                          </a:solidFill>
-                          <a:latin typeface="AdobeClean-Light"/>
-                          <a:cs typeface="AdobeClean-Light"/>
-                        </a:rPr>
-                        <a:t>Advisory</a:t>
-                      </a:r>
-                      <a:r>
-                        <a:rPr lang="es-ES" sz="900" dirty="0">
-                          <a:solidFill>
-                            <a:srgbClr val="020302"/>
-                          </a:solidFill>
-                          <a:latin typeface="AdobeClean-Light"/>
-                          <a:cs typeface="AdobeClean-Light"/>
-                        </a:rPr>
-                        <a:t>: primer año de la nueva solución</a:t>
-                      </a:r>
+                      <a:endParaRPr sz="900" spc="0">
+                        <a:latin typeface="AdobeClean-Light"/>
+                        <a:cs typeface="AdobeClean-Light"/>
+                      </a:endParaRPr>
                     </a:p>
                     <a:p>
                       <a:pPr marL="48260" hangingPunct="0">
@@ -5898,11 +6852,11 @@
                         </a:spcBef>
                       </a:pPr>
                       <a:r>
-                        <a:rPr lang="es-ES" sz="900" dirty="0">
+                        <a:rPr sz="900" spc="0">
                           <a:latin typeface="AdobeClean-Light"/>
                           <a:cs typeface="AdobeClean-Light"/>
                         </a:rPr>
-                        <a:t>Actividades del servicio de campo </a:t>
+                        <a:t>Field Service Activities </a:t>
                       </a:r>
                     </a:p>
                   </a:txBody>
@@ -5938,7 +6892,7 @@
                     <a:bodyPr/>
                     <a:lstStyle/>
                     <a:p>
-                      <a:pPr algn="l" rtl="0">
+                      <a:pPr>
                         <a:lnSpc>
                           <a:spcPct val="100000"/>
                         </a:lnSpc>
@@ -5976,7 +6930,7 @@
                     <a:bodyPr/>
                     <a:lstStyle/>
                     <a:p>
-                      <a:pPr algn="l" rtl="0">
+                      <a:pPr>
                         <a:lnSpc>
                           <a:spcPct val="100000"/>
                         </a:lnSpc>
@@ -6061,7 +7015,7 @@
                     <a:bodyPr/>
                     <a:lstStyle/>
                     <a:p>
-                      <a:pPr algn="l" rtl="0">
+                      <a:pPr>
                         <a:lnSpc>
                           <a:spcPct val="100000"/>
                         </a:lnSpc>
@@ -6087,12 +7041,12 @@
                     <a:bodyPr/>
                     <a:lstStyle/>
                     <a:p>
-                      <a:pPr algn="l" rtl="0">
+                      <a:pPr>
                         <a:lnSpc>
                           <a:spcPct val="100000"/>
                         </a:lnSpc>
                       </a:pPr>
-                      <a:endParaRPr sz="900" dirty="0">
+                      <a:endParaRPr sz="900">
                         <a:latin typeface="Times New Roman"/>
                         <a:cs typeface="Times New Roman"/>
                       </a:endParaRPr>
@@ -6151,7 +7105,7 @@
           <a:lstStyle/>
           <a:p>
             <a:r>
-              <a:rPr lang="es-ES" sz="700" i="1">
+              <a:rPr lang="en-US" sz="700" i="1">
                 <a:solidFill>
                   <a:schemeClr val="bg1"/>
                 </a:solidFill>
@@ -6354,14 +7308,18 @@
               </a:spcBef>
             </a:pPr>
             <a:r>
-              <a:rPr lang="es-ES" sz="1000">
+              <a:rPr lang="en-US" sz="1000">
                 <a:solidFill>
                   <a:srgbClr val="000000"/>
                 </a:solidFill>
                 <a:latin typeface="Adobe Clean Light" panose="020B0303020404020204" pitchFamily="34" charset="0"/>
               </a:rPr>
-              <a:t>Un responsable de la asistencia técnica de la cuenta particular para monitorizar de forma proactiva los casos, impulsar la colaboración entre equipos, ofrecer seminarios web de incorporación, ejecutar informes de servicios, proporcionar asistencia no técnica, y actuar como punto de escalación y defensor interno dentro del equipo de asistencia de Adobe.</a:t>
-            </a:r>
+              <a:t>A designated Account Support Lead to proactively monitor cases, drive cross-team collaboration, deliver onboarding webinars, run service reports, provide non-technical support assistance, and function as your escalation point and internal advocate within Adobe Support.</a:t>
+            </a:r>
+            <a:endParaRPr lang="en-US" sz="1000">
+              <a:latin typeface="Adobe Clean Light" panose="020B0303020404020204" pitchFamily="34" charset="0"/>
+              <a:cs typeface="AdobeClean-Light"/>
+            </a:endParaRPr>
           </a:p>
         </p:txBody>
       </p:sp>
@@ -6373,15 +7331,15 @@
         </p:nvSpPr>
         <p:spPr>
           <a:xfrm>
-            <a:off x="2836966" y="8618616"/>
-            <a:ext cx="2416449" cy="641201"/>
+            <a:off x="2836967" y="8618616"/>
+            <a:ext cx="2286000" cy="641201"/>
           </a:xfrm>
           <a:prstGeom prst="rect">
             <a:avLst/>
           </a:prstGeom>
         </p:spPr>
         <p:txBody>
-          <a:bodyPr vert="horz" wrap="square" lIns="0" tIns="12700" rIns="0" bIns="0" rtlCol="0">
+          <a:bodyPr vert="horz" wrap="square" lIns="0" tIns="12700" rIns="0" bIns="0" rtlCol="0" anchor="t">
             <a:spAutoFit/>
           </a:bodyPr>
           <a:lstStyle/>
@@ -6398,21 +7356,48 @@
               </a:tabLst>
             </a:pPr>
             <a:r>
-              <a:rPr lang="es-ES" sz="1000" dirty="0">
+              <a:rPr sz="1000">
                 <a:solidFill>
                   <a:srgbClr val="020302"/>
                 </a:solidFill>
                 <a:latin typeface="AdobeClean-Light"/>
                 <a:cs typeface="AdobeClean-Light"/>
               </a:rPr>
-              <a:t>Inicie una sesión de chat para obtener respuestas y ayuda con el envío de casos.</a:t>
+              <a:t>Start a chat session to get answers</a:t>
+            </a:r>
+            <a:r>
+              <a:rPr lang="en-US" sz="1000">
+                <a:solidFill>
+                  <a:srgbClr val="020302"/>
+                </a:solidFill>
+                <a:latin typeface="AdobeClean-Light"/>
+                <a:cs typeface="AdobeClean-Light"/>
+              </a:rPr>
+              <a:t> &amp; </a:t>
+            </a:r>
+            <a:r>
+              <a:rPr sz="1000">
+                <a:solidFill>
+                  <a:srgbClr val="020302"/>
+                </a:solidFill>
+                <a:latin typeface="AdobeClean-Light"/>
+                <a:cs typeface="AdobeClean-Light"/>
+              </a:rPr>
+              <a:t>help with case submission</a:t>
+            </a:r>
+            <a:r>
+              <a:rPr lang="en-US" sz="1000">
+                <a:solidFill>
+                  <a:srgbClr val="020302"/>
+                </a:solidFill>
+                <a:latin typeface="AdobeClean-Light"/>
+                <a:cs typeface="AdobeClean-Light"/>
+              </a:rPr>
+              <a:t>.</a:t>
             </a:r>
           </a:p>
           <a:p>
             <a:pPr marL="33020" marR="159385">
-              <a:lnSpc>
-                <a:spcPct val="100000"/>
-              </a:lnSpc>
               <a:spcBef>
                 <a:spcPts val="100"/>
               </a:spcBef>
@@ -6421,25 +7406,39 @@
               </a:tabLst>
             </a:pPr>
             <a:r>
-              <a:rPr lang="es-ES" sz="1000" i="1" dirty="0">
+              <a:rPr sz="1000" i="1">
                 <a:solidFill>
                   <a:srgbClr val="7A7A7A"/>
                 </a:solidFill>
                 <a:latin typeface="AdobeClean-LightIt"/>
                 <a:cs typeface="AdobeClean-LightIt"/>
               </a:rPr>
-              <a:t>* No todos los productos ofrecen la opción de disfrutar de asistencia mediante chat en directo</a:t>
-            </a:r>
-            <a:r>
-              <a:rPr lang="es-ES" sz="900" i="1" dirty="0">
+              <a:t>*Not all products have live chat support</a:t>
+            </a:r>
+            <a:r>
+              <a:rPr sz="900" i="1">
                 <a:solidFill>
                   <a:srgbClr val="7A7A7A"/>
                 </a:solidFill>
                 <a:latin typeface="AdobeClean-LightIt"/>
                 <a:cs typeface="AdobeClean-LightIt"/>
               </a:rPr>
-              <a:t>.  </a:t>
-            </a:r>
+              <a:t>.</a:t>
+            </a:r>
+            <a:r>
+              <a:rPr lang="en-US" sz="900" i="1">
+                <a:solidFill>
+                  <a:srgbClr val="7A7A7A"/>
+                </a:solidFill>
+                <a:latin typeface="AdobeClean-LightIt"/>
+                <a:cs typeface="AdobeClean-LightIt"/>
+              </a:rPr>
+              <a:t>  </a:t>
+            </a:r>
+            <a:endParaRPr sz="900">
+              <a:latin typeface="AdobeClean-Light"/>
+              <a:cs typeface="AdobeClean-Light"/>
+            </a:endParaRPr>
           </a:p>
         </p:txBody>
       </p:sp>
@@ -6515,12 +7514,12 @@
               <a:defRPr/>
             </a:pPr>
             <a:r>
-              <a:rPr lang="es-ES" sz="1200">
+              <a:rPr lang="en-US" sz="1200">
                 <a:solidFill>
                   <a:srgbClr val="000000"/>
                 </a:solidFill>
               </a:rPr>
-              <a:t>Foros de la comunidad</a:t>
+              <a:t>Community Forums</a:t>
             </a:r>
           </a:p>
         </p:txBody>
@@ -6563,12 +7562,12 @@
               </a:spcAft>
             </a:pPr>
             <a:r>
-              <a:rPr lang="es-ES" sz="1200" b="1">
+              <a:rPr lang="en-US" sz="1200" b="1">
                 <a:latin typeface="+mj-lt"/>
                 <a:ea typeface="Open Sans" pitchFamily="34" charset="0"/>
                 <a:cs typeface="Open Sans" pitchFamily="34" charset="0"/>
               </a:rPr>
-              <a:t>Foros en línea</a:t>
+              <a:t>Online Forums</a:t>
             </a:r>
           </a:p>
         </p:txBody>
@@ -6588,7 +7587,7 @@
         <p:spPr>
           <a:xfrm>
             <a:off x="370040" y="6529249"/>
-            <a:ext cx="2286000" cy="1113125"/>
+            <a:ext cx="2286000" cy="805349"/>
           </a:xfrm>
           <a:prstGeom prst="rect">
             <a:avLst/>
@@ -6601,13 +7600,13 @@
           <a:lstStyle/>
           <a:p>
             <a:r>
-              <a:rPr lang="es-ES" sz="1000" dirty="0">
+              <a:rPr lang="en-US" sz="1000">
                 <a:solidFill>
                   <a:srgbClr val="000000"/>
                 </a:solidFill>
                 <a:latin typeface="Adobe Clean Light" panose="020B0303020404020204" pitchFamily="34" charset="0"/>
               </a:rPr>
-              <a:t>Acceso continuo en línea a una base de datos donde encontrará cada vez más soluciones técnicas, documentación de productos, preguntas frecuentes y mucho más. Miles de clientes se pueden conectar para compartir las prácticas recomendadas y las lecciones aprendidas.</a:t>
+              <a:t>Continuous online access to a growing database of technical solutions, product documentation, FAQs and more. Thousands of customers can connect to share best practices and lessons learned.</a:t>
             </a:r>
           </a:p>
         </p:txBody>
@@ -6650,12 +7649,12 @@
               </a:spcAft>
             </a:pPr>
             <a:r>
-              <a:rPr lang="es-ES" sz="1200" b="1">
+              <a:rPr lang="en-US" sz="1200" b="1">
                 <a:latin typeface="+mj-lt"/>
                 <a:ea typeface="Open Sans" pitchFamily="34" charset="0"/>
                 <a:cs typeface="Open Sans" pitchFamily="34" charset="0"/>
               </a:rPr>
-              <a:t>Recorridos autoguiados</a:t>
+              <a:t>Self-guided Journeys</a:t>
             </a:r>
           </a:p>
         </p:txBody>
@@ -6675,7 +7674,7 @@
         <p:spPr>
           <a:xfrm>
             <a:off x="5376301" y="6529249"/>
-            <a:ext cx="2286000" cy="1267014"/>
+            <a:ext cx="2286000" cy="959237"/>
           </a:xfrm>
           <a:prstGeom prst="rect">
             <a:avLst/>
@@ -6688,101 +7687,13 @@
           <a:lstStyle/>
           <a:p>
             <a:r>
-              <a:rPr lang="es-ES" sz="1000" dirty="0">
+              <a:rPr lang="en-US" sz="1000">
                 <a:solidFill>
                   <a:srgbClr val="000000"/>
                 </a:solidFill>
                 <a:latin typeface="Adobe Clean Light" panose="020B0303020404020204" pitchFamily="34" charset="0"/>
               </a:rPr>
-              <a:t>Los </a:t>
-            </a:r>
-            <a:r>
-              <a:rPr lang="es-ES" sz="1000" dirty="0" err="1">
-                <a:solidFill>
-                  <a:srgbClr val="000000"/>
-                </a:solidFill>
-                <a:latin typeface="Adobe Clean Light" panose="020B0303020404020204" pitchFamily="34" charset="0"/>
-              </a:rPr>
-              <a:t>experience</a:t>
-            </a:r>
-            <a:r>
-              <a:rPr lang="es-ES" sz="1000" dirty="0">
-                <a:solidFill>
-                  <a:srgbClr val="000000"/>
-                </a:solidFill>
-                <a:latin typeface="Adobe Clean Light" panose="020B0303020404020204" pitchFamily="34" charset="0"/>
-              </a:rPr>
-              <a:t> </a:t>
-            </a:r>
-            <a:r>
-              <a:rPr lang="es-ES" sz="1000" dirty="0" err="1">
-                <a:solidFill>
-                  <a:srgbClr val="000000"/>
-                </a:solidFill>
-                <a:latin typeface="Adobe Clean Light" panose="020B0303020404020204" pitchFamily="34" charset="0"/>
-              </a:rPr>
-              <a:t>makers</a:t>
-            </a:r>
-            <a:r>
-              <a:rPr lang="es-ES" sz="1000" dirty="0">
-                <a:solidFill>
-                  <a:srgbClr val="000000"/>
-                </a:solidFill>
-                <a:latin typeface="Adobe Clean Light" panose="020B0303020404020204" pitchFamily="34" charset="0"/>
-              </a:rPr>
-              <a:t> se realizan con </a:t>
-            </a:r>
-            <a:r>
-              <a:rPr lang="es-ES" sz="1000" dirty="0" err="1">
-                <a:solidFill>
-                  <a:srgbClr val="000000"/>
-                </a:solidFill>
-                <a:latin typeface="Adobe Clean Light" panose="020B0303020404020204" pitchFamily="34" charset="0"/>
-              </a:rPr>
-              <a:t>Experience</a:t>
-            </a:r>
-            <a:r>
-              <a:rPr lang="es-ES" sz="1000" dirty="0">
-                <a:solidFill>
-                  <a:srgbClr val="000000"/>
-                </a:solidFill>
-                <a:latin typeface="Adobe Clean Light" panose="020B0303020404020204" pitchFamily="34" charset="0"/>
-              </a:rPr>
-              <a:t> League. Los clientes pueden aplicar sus conocimientos de administración de la experiencia del cliente con aprendizaje personalizado para desarrollar habilidades, interactuar con la comunidad internacional </a:t>
-            </a:r>
-            <a:br>
-              <a:rPr lang="sk-SK" sz="1000" dirty="0">
-                <a:solidFill>
-                  <a:srgbClr val="000000"/>
-                </a:solidFill>
-                <a:latin typeface="Adobe Clean Light" panose="020B0303020404020204" pitchFamily="34" charset="0"/>
-              </a:rPr>
-            </a:br>
-            <a:r>
-              <a:rPr lang="es-ES" sz="1000" dirty="0">
-                <a:solidFill>
-                  <a:srgbClr val="000000"/>
-                </a:solidFill>
-                <a:latin typeface="Adobe Clean Light" panose="020B0303020404020204" pitchFamily="34" charset="0"/>
-              </a:rPr>
-              <a:t>de compañeros y obtener reconocimiento </a:t>
-            </a:r>
-            <a:br>
-              <a:rPr lang="sk-SK" sz="1000" dirty="0">
-                <a:solidFill>
-                  <a:srgbClr val="000000"/>
-                </a:solidFill>
-                <a:latin typeface="Adobe Clean Light" panose="020B0303020404020204" pitchFamily="34" charset="0"/>
-              </a:rPr>
-            </a:br>
-            <a:r>
-              <a:rPr lang="es-ES" sz="1000" dirty="0">
-                <a:solidFill>
-                  <a:srgbClr val="000000"/>
-                </a:solidFill>
-                <a:latin typeface="Adobe Clean Light" panose="020B0303020404020204" pitchFamily="34" charset="0"/>
-              </a:rPr>
-              <a:t>en su trayectoria profesional.</a:t>
+              <a:t>Experience Makers are made with Experience League. Customers can kickstart their Customer Experience Management abilities with personalized learning to develop skills, engage with a global community of peers, and earn career advancing recognition.</a:t>
             </a:r>
           </a:p>
         </p:txBody>
@@ -6830,12 +7741,12 @@
               <a:defRPr/>
             </a:pPr>
             <a:r>
-              <a:rPr lang="es-ES" sz="1200">
+              <a:rPr lang="en-US" sz="1200">
                 <a:solidFill>
                   <a:srgbClr val="000000"/>
                 </a:solidFill>
               </a:rPr>
-              <a:t>Asistencia mediante chat en directo*</a:t>
+              <a:t>Live Chat  Support*</a:t>
             </a:r>
           </a:p>
         </p:txBody>
@@ -6878,12 +7789,12 @@
               </a:spcAft>
             </a:pPr>
             <a:r>
-              <a:rPr lang="es-ES" sz="1200" b="1">
+              <a:rPr lang="en-US" sz="1200" b="1">
                 <a:latin typeface="+mj-lt"/>
                 <a:ea typeface="Open Sans" pitchFamily="34" charset="0"/>
                 <a:cs typeface="Open Sans" pitchFamily="34" charset="0"/>
               </a:rPr>
-              <a:t>Asistencia mediante chat</a:t>
+              <a:t>Chat Support</a:t>
             </a:r>
           </a:p>
         </p:txBody>
@@ -6931,12 +7842,12 @@
               <a:defRPr/>
             </a:pPr>
             <a:r>
-              <a:rPr lang="es-ES" sz="1200">
+              <a:rPr lang="en-US" sz="1200">
                 <a:solidFill>
                   <a:srgbClr val="000000"/>
                 </a:solidFill>
               </a:rPr>
-              <a:t>24/7 P1 </a:t>
+              <a:t>24X7 P1 </a:t>
             </a:r>
           </a:p>
         </p:txBody>
@@ -6979,12 +7890,12 @@
               </a:spcAft>
             </a:pPr>
             <a:r>
-              <a:rPr lang="es-ES" sz="1200" b="1">
+              <a:rPr lang="en-US" sz="1200" b="1">
                 <a:latin typeface="+mj-lt"/>
                 <a:ea typeface="Open Sans" pitchFamily="34" charset="0"/>
                 <a:cs typeface="Open Sans" pitchFamily="34" charset="0"/>
               </a:rPr>
-              <a:t>Asistencia telefónica</a:t>
+              <a:t>Phone Support</a:t>
             </a:r>
           </a:p>
         </p:txBody>
@@ -7004,7 +7915,7 @@
         <p:spPr>
           <a:xfrm>
             <a:off x="2836967" y="6529249"/>
-            <a:ext cx="2286000" cy="1113125"/>
+            <a:ext cx="2286000" cy="805349"/>
           </a:xfrm>
           <a:prstGeom prst="rect">
             <a:avLst/>
@@ -7017,48 +7928,26 @@
           <a:lstStyle/>
           <a:p>
             <a:r>
-              <a:rPr lang="es-ES" sz="1000" dirty="0">
+              <a:rPr lang="en-US" sz="1000">
                 <a:solidFill>
                   <a:srgbClr val="020302"/>
                 </a:solidFill>
                 <a:latin typeface="AdobeClean-Light"/>
               </a:rPr>
-              <a:t>Los usuarios autorizados o los contactos </a:t>
-            </a:r>
-            <a:br>
-              <a:rPr lang="sk-SK" sz="1000" dirty="0">
-                <a:solidFill>
-                  <a:srgbClr val="020302"/>
-                </a:solidFill>
-                <a:latin typeface="AdobeClean-Light"/>
-              </a:rPr>
-            </a:br>
-            <a:r>
-              <a:rPr lang="es-ES" sz="1000" dirty="0">
-                <a:solidFill>
-                  <a:srgbClr val="020302"/>
-                </a:solidFill>
-                <a:latin typeface="AdobeClean-Light"/>
-              </a:rPr>
-              <a:t>de soporte particulares</a:t>
-            </a:r>
-            <a:r>
-              <a:rPr lang="es-ES" sz="1000" dirty="0">
+              <a:t>Authorized users or Named Support Contacts </a:t>
+            </a:r>
+            <a:r>
+              <a:rPr lang="en-US" sz="1000">
                 <a:latin typeface="Adobe Clean Light" panose="020B0303020404020204" pitchFamily="34" charset="0"/>
               </a:rPr>
-              <a:t> pueden enviar problemas a través de todos los canales disponibles (incluido el teléfono en el caso </a:t>
-            </a:r>
-            <a:br>
-              <a:rPr lang="sk-SK" sz="1000" dirty="0">
-                <a:latin typeface="Adobe Clean Light" panose="020B0303020404020204" pitchFamily="34" charset="0"/>
-              </a:rPr>
-            </a:br>
-            <a:r>
-              <a:rPr lang="es-ES" sz="1000" dirty="0">
-                <a:latin typeface="Adobe Clean Light" panose="020B0303020404020204" pitchFamily="34" charset="0"/>
-              </a:rPr>
-              <a:t>de los problemas P1) y hablar con nuestro equipo de asistencia en nombre de su empresa. </a:t>
-            </a:r>
+              <a:t>can submit issues through all available  channels (including phone for P1) and interact with our technical support team on behalf of your company. </a:t>
+            </a:r>
+            <a:endParaRPr lang="en-US" sz="1000">
+              <a:solidFill>
+                <a:srgbClr val="000000"/>
+              </a:solidFill>
+              <a:latin typeface="Adobe Clean Light" panose="020B0303020404020204" pitchFamily="34" charset="0"/>
+            </a:endParaRPr>
           </a:p>
         </p:txBody>
       </p:sp>
@@ -7102,8 +7991,24 @@
               </a:spcBef>
             </a:pPr>
             <a:r>
-              <a:rPr lang="es-ES"/>
-              <a:t>©2021 Adobe. All Rights Reserved. Adobe Confidential.</a:t>
+              <a:rPr spc="-5"/>
+              <a:t>©202</a:t>
+            </a:r>
+            <a:r>
+              <a:rPr lang="en-US" spc="-5"/>
+              <a:t>1</a:t>
+            </a:r>
+            <a:r>
+              <a:rPr spc="-5"/>
+              <a:t> Adobe. All Rights Reserved. Adobe</a:t>
+            </a:r>
+            <a:r>
+              <a:rPr spc="60"/>
+              <a:t> </a:t>
+            </a:r>
+            <a:r>
+              <a:rPr spc="-5"/>
+              <a:t>Confidential.</a:t>
             </a:r>
           </a:p>
         </p:txBody>
@@ -7125,7 +8030,7 @@
         <p:spPr>
           <a:xfrm>
             <a:off x="821898" y="1099315"/>
-            <a:ext cx="1916592" cy="369332"/>
+            <a:ext cx="1726164" cy="184666"/>
           </a:xfrm>
           <a:prstGeom prst="rect">
             <a:avLst/>
@@ -7146,13 +8051,13 @@
               </a:spcAft>
             </a:pPr>
             <a:r>
-              <a:rPr lang="es-ES" sz="1200" b="1" dirty="0">
+              <a:rPr lang="en-US" sz="1200" b="1" spc="-10">
                 <a:solidFill>
                   <a:srgbClr val="020302"/>
                 </a:solidFill>
                 <a:latin typeface="+mj-lt"/>
               </a:rPr>
-              <a:t>Responsable de la asistencia técnica de la cuenta</a:t>
+              <a:t>Account Support Lead</a:t>
             </a:r>
           </a:p>
         </p:txBody>
@@ -7241,15 +8146,19 @@
               </a:spcBef>
             </a:pPr>
             <a:r>
-              <a:rPr lang="es-ES" sz="1400" b="1">
+              <a:rPr lang="en-US" sz="1400" b="1" spc="-10">
                 <a:solidFill>
                   <a:srgbClr val="020302"/>
                 </a:solidFill>
                 <a:latin typeface="Adobe Clean"/>
                 <a:cs typeface="Adobe Clean"/>
               </a:rPr>
-              <a:t>Funciones de soporte Online</a:t>
-            </a:r>
+              <a:t>Online Support Features</a:t>
+            </a:r>
+            <a:endParaRPr lang="en-US" sz="1400">
+              <a:latin typeface="Adobe Clean"/>
+              <a:cs typeface="Adobe Clean"/>
+            </a:endParaRPr>
           </a:p>
         </p:txBody>
       </p:sp>
@@ -7337,15 +8246,19 @@
               </a:spcBef>
             </a:pPr>
             <a:r>
-              <a:rPr lang="es-ES" sz="1400" b="1">
+              <a:rPr lang="en-US" sz="1400" b="1" spc="-10">
                 <a:solidFill>
                   <a:srgbClr val="020302"/>
                 </a:solidFill>
                 <a:latin typeface="Adobe Clean"/>
                 <a:cs typeface="Adobe Clean"/>
               </a:rPr>
-              <a:t>Funciones de soporte Business</a:t>
-            </a:r>
+              <a:t>Business  Support Features</a:t>
+            </a:r>
+            <a:endParaRPr lang="en-US" sz="1400">
+              <a:latin typeface="Adobe Clean"/>
+              <a:cs typeface="Adobe Clean"/>
+            </a:endParaRPr>
           </a:p>
         </p:txBody>
       </p:sp>
@@ -7364,7 +8277,7 @@
         <p:spPr>
           <a:xfrm>
             <a:off x="2836967" y="1370913"/>
-            <a:ext cx="2456884" cy="1635319"/>
+            <a:ext cx="2286000" cy="1456681"/>
           </a:xfrm>
           <a:prstGeom prst="rect">
             <a:avLst/>
@@ -7385,44 +8298,15 @@
               </a:spcBef>
             </a:pPr>
             <a:r>
-              <a:rPr lang="es-ES" sz="900" dirty="0">
+              <a:rPr lang="en-US" sz="1000">
                 <a:latin typeface="Adobe Clean Light" panose="020B0303020404020204" pitchFamily="34" charset="0"/>
               </a:rPr>
-              <a:t>Los clientes pueden enviar casos de asistencia por teléfono en lo relacionado con todos los problemas P2, P3 y P4 durante el horario de asistencia regional. </a:t>
-            </a:r>
-            <a:br>
-              <a:rPr lang="sk-SK" sz="900" dirty="0">
-                <a:latin typeface="Adobe Clean Light" panose="020B0303020404020204" pitchFamily="34" charset="0"/>
-              </a:rPr>
-            </a:br>
-            <a:r>
-              <a:rPr lang="es-ES" sz="900" dirty="0">
-                <a:latin typeface="Adobe Clean Light" panose="020B0303020404020204" pitchFamily="34" charset="0"/>
-              </a:rPr>
-              <a:t>No existen límites máximos en cuanto a la cantidad </a:t>
-            </a:r>
-            <a:br>
-              <a:rPr lang="sk-SK" sz="900" dirty="0">
-                <a:latin typeface="Adobe Clean Light" panose="020B0303020404020204" pitchFamily="34" charset="0"/>
-              </a:rPr>
-            </a:br>
-            <a:r>
-              <a:rPr lang="es-ES" sz="900" dirty="0">
-                <a:latin typeface="Adobe Clean Light" panose="020B0303020404020204" pitchFamily="34" charset="0"/>
-              </a:rPr>
-              <a:t>de veces que puede llamar al equipo de asistencia. </a:t>
-            </a:r>
-            <a:br>
-              <a:rPr lang="sk-SK" sz="900" dirty="0">
-                <a:latin typeface="Adobe Clean Light" panose="020B0303020404020204" pitchFamily="34" charset="0"/>
-              </a:rPr>
-            </a:br>
-            <a:r>
-              <a:rPr lang="es-ES" sz="900" dirty="0">
-                <a:latin typeface="Adobe Clean Light" panose="020B0303020404020204" pitchFamily="34" charset="0"/>
-              </a:rPr>
-              <a:t>Los clientes también pueden solicitar que el servicio de asistencia les llame por teléfono o solicitar una reunión para ver o solucionar un problema mediante una sesión de escritorio remoto compartida.</a:t>
-            </a:r>
+              <a:t>Customers can submit support cases via Phone for all P2, P3, P4 issues during regional support hours. There are no upper limits on the number of times you can call into support. Customers can also request a call back from support or request a meeting to demonstrate or work through an issue using a shared remote desktop session.</a:t>
+            </a:r>
+            <a:endParaRPr lang="en-US" sz="1000">
+              <a:latin typeface="Adobe Clean Light" panose="020B0303020404020204" pitchFamily="34" charset="0"/>
+              <a:cs typeface="AdobeClean-Light"/>
+            </a:endParaRPr>
           </a:p>
         </p:txBody>
       </p:sp>
@@ -7464,13 +8348,13 @@
               </a:spcAft>
             </a:pPr>
             <a:r>
-              <a:rPr lang="es-ES" sz="1200" b="1">
+              <a:rPr lang="en-US" sz="1200" b="1" spc="-10">
                 <a:solidFill>
                   <a:srgbClr val="020302"/>
                 </a:solidFill>
                 <a:latin typeface="+mj-lt"/>
               </a:rPr>
-              <a:t>Asistencia telefónica en directo</a:t>
+              <a:t>Live Telephone Support</a:t>
             </a:r>
           </a:p>
         </p:txBody>
@@ -7511,14 +8395,18 @@
               </a:spcBef>
             </a:pPr>
             <a:r>
-              <a:rPr lang="es-ES" sz="1000" dirty="0">
+              <a:rPr lang="en-US" sz="1000">
                 <a:solidFill>
                   <a:srgbClr val="4B4B4B"/>
                 </a:solidFill>
                 <a:latin typeface="Adobe Clean Light" panose="020B0303020404020204" pitchFamily="34" charset="0"/>
               </a:rPr>
-              <a:t>Un punto de contacto designado de Adobe que puede proporcionar asistencia en cuanto a escalabilidad y actualizaciones frecuentes, así como garantizar que se dé prioridad a sus solicitudes de soporte abierto más críticas.</a:t>
-            </a:r>
+              <a:t>A designated point of contact within Adobe who can provide escalation assistance, regular updates and ensure priority is given to your most critical open support requests.</a:t>
+            </a:r>
+            <a:endParaRPr lang="en-US" sz="1000">
+              <a:latin typeface="Adobe Clean Light" panose="020B0303020404020204" pitchFamily="34" charset="0"/>
+              <a:cs typeface="AdobeClean-Light"/>
+            </a:endParaRPr>
           </a:p>
         </p:txBody>
       </p:sp>
@@ -7539,7 +8427,7 @@
         <p:spPr>
           <a:xfrm>
             <a:off x="5885313" y="1085652"/>
-            <a:ext cx="1608472" cy="369332"/>
+            <a:ext cx="1608472" cy="184666"/>
           </a:xfrm>
           <a:prstGeom prst="rect">
             <a:avLst/>
@@ -7560,30 +8448,13 @@
               </a:spcAft>
             </a:pPr>
             <a:r>
-              <a:rPr lang="es-ES" sz="1200" b="1" dirty="0">
+              <a:rPr lang="en-US" sz="1200" b="1" spc="-10">
                 <a:solidFill>
                   <a:srgbClr val="020302"/>
                 </a:solidFill>
                 <a:latin typeface="+mj-lt"/>
               </a:rPr>
-              <a:t>Administración </a:t>
-            </a:r>
-            <a:br>
-              <a:rPr lang="sk-SK" sz="1200" b="1" dirty="0">
-                <a:solidFill>
-                  <a:srgbClr val="020302"/>
-                </a:solidFill>
-                <a:latin typeface="+mj-lt"/>
-              </a:rPr>
-            </a:br>
-            <a:r>
-              <a:rPr lang="es-ES" sz="1200" b="1" dirty="0">
-                <a:solidFill>
-                  <a:srgbClr val="020302"/>
-                </a:solidFill>
-                <a:latin typeface="+mj-lt"/>
-              </a:rPr>
-              <a:t>de la escalabilidad</a:t>
+              <a:t>Escalation Management</a:t>
             </a:r>
           </a:p>
         </p:txBody>
@@ -7631,12 +8502,12 @@
               <a:defRPr/>
             </a:pPr>
             <a:r>
-              <a:rPr lang="es-ES" sz="1200">
+              <a:rPr lang="en-US" sz="1200">
                 <a:solidFill>
                   <a:srgbClr val="000000"/>
                 </a:solidFill>
               </a:rPr>
-              <a:t>Horario de oficina</a:t>
+              <a:t>Office Hours</a:t>
             </a:r>
           </a:p>
         </p:txBody>
@@ -7679,12 +8550,12 @@
               </a:spcAft>
             </a:pPr>
             <a:r>
-              <a:rPr lang="es-ES" sz="1200" b="1">
+              <a:rPr lang="en-US" sz="1200" b="1">
                 <a:latin typeface="+mj-lt"/>
                 <a:ea typeface="Open Sans" pitchFamily="34" charset="0"/>
                 <a:cs typeface="Open Sans" pitchFamily="34" charset="0"/>
               </a:rPr>
-              <a:t>Seminarios web</a:t>
+              <a:t>Webinars</a:t>
             </a:r>
           </a:p>
         </p:txBody>
@@ -7717,99 +8588,13 @@
           <a:lstStyle/>
           <a:p>
             <a:r>
-              <a:rPr lang="es-ES" sz="1000" dirty="0">
+              <a:rPr lang="en-US" sz="1000">
                 <a:solidFill>
                   <a:srgbClr val="000000"/>
                 </a:solidFill>
                 <a:latin typeface="Adobe Clean Light" panose="020B0303020404020204" pitchFamily="34" charset="0"/>
               </a:rPr>
-              <a:t>“Horario de oficina” es una iniciativa liderada por el equipo de asistencia al cliente </a:t>
-            </a:r>
-            <a:br>
-              <a:rPr lang="sk-SK" sz="1000" dirty="0">
-                <a:solidFill>
-                  <a:srgbClr val="000000"/>
-                </a:solidFill>
-                <a:latin typeface="Adobe Clean Light" panose="020B0303020404020204" pitchFamily="34" charset="0"/>
-              </a:rPr>
-            </a:br>
-            <a:r>
-              <a:rPr lang="es-ES" sz="1000" dirty="0">
-                <a:solidFill>
-                  <a:srgbClr val="000000"/>
-                </a:solidFill>
-                <a:latin typeface="Adobe Clean Light" panose="020B0303020404020204" pitchFamily="34" charset="0"/>
-              </a:rPr>
-              <a:t>de Adobe. Estas sesiones están diseñadas </a:t>
-            </a:r>
-            <a:br>
-              <a:rPr lang="sk-SK" sz="1000" dirty="0">
-                <a:solidFill>
-                  <a:srgbClr val="000000"/>
-                </a:solidFill>
-                <a:latin typeface="Adobe Clean Light" panose="020B0303020404020204" pitchFamily="34" charset="0"/>
-              </a:rPr>
-            </a:br>
-            <a:r>
-              <a:rPr lang="es-ES" sz="1000" dirty="0">
-                <a:solidFill>
-                  <a:srgbClr val="000000"/>
-                </a:solidFill>
-                <a:latin typeface="Adobe Clean Light" panose="020B0303020404020204" pitchFamily="34" charset="0"/>
-              </a:rPr>
-              <a:t>para informar y ayudar a los participantes </a:t>
-            </a:r>
-            <a:br>
-              <a:rPr lang="sk-SK" sz="1000" dirty="0">
-                <a:solidFill>
-                  <a:srgbClr val="000000"/>
-                </a:solidFill>
-                <a:latin typeface="Adobe Clean Light" panose="020B0303020404020204" pitchFamily="34" charset="0"/>
-              </a:rPr>
-            </a:br>
-            <a:r>
-              <a:rPr lang="es-ES" sz="1000" dirty="0">
-                <a:solidFill>
-                  <a:srgbClr val="000000"/>
-                </a:solidFill>
-                <a:latin typeface="Adobe Clean Light" panose="020B0303020404020204" pitchFamily="34" charset="0"/>
-              </a:rPr>
-              <a:t>a solucionar problemas, y ofrecen sugerencias y trucos para usar correctamente </a:t>
-            </a:r>
-            <a:br>
-              <a:rPr lang="sk-SK" sz="1000" dirty="0">
-                <a:solidFill>
-                  <a:srgbClr val="000000"/>
-                </a:solidFill>
-                <a:latin typeface="Adobe Clean Light" panose="020B0303020404020204" pitchFamily="34" charset="0"/>
-              </a:rPr>
-            </a:br>
-            <a:r>
-              <a:rPr lang="es-ES" sz="1000" dirty="0">
-                <a:solidFill>
-                  <a:srgbClr val="000000"/>
-                </a:solidFill>
-                <a:latin typeface="Adobe Clean Light" panose="020B0303020404020204" pitchFamily="34" charset="0"/>
-              </a:rPr>
-              <a:t>Adobe </a:t>
-            </a:r>
-            <a:r>
-              <a:rPr lang="es-ES" sz="1000" dirty="0" err="1">
-                <a:solidFill>
-                  <a:srgbClr val="000000"/>
-                </a:solidFill>
-                <a:latin typeface="Adobe Clean Light" panose="020B0303020404020204" pitchFamily="34" charset="0"/>
-              </a:rPr>
-              <a:t>Experience</a:t>
-            </a:r>
-            <a:r>
-              <a:rPr lang="es-ES" sz="1000" dirty="0">
-                <a:solidFill>
-                  <a:srgbClr val="000000"/>
-                </a:solidFill>
-                <a:latin typeface="Adobe Clean Light" panose="020B0303020404020204" pitchFamily="34" charset="0"/>
-              </a:rPr>
-              <a:t> Cloud.</a:t>
+              <a:t>Office Hours is an initiative led by the Adobe Customer Support team. These sessions are designed to inform as well as help participants troubleshoot problems and provide tips and tricks to be successful with Adobe Experience Cloud.</a:t>
             </a:r>
           </a:p>
         </p:txBody>
@@ -7852,12 +8637,12 @@
               </a:spcAft>
             </a:pPr>
             <a:r>
-              <a:rPr lang="es-ES" sz="1200" b="1">
+              <a:rPr lang="en-US" sz="1200" b="1">
                 <a:latin typeface="+mj-lt"/>
                 <a:ea typeface="Open Sans" pitchFamily="34" charset="0"/>
                 <a:cs typeface="Open Sans" pitchFamily="34" charset="0"/>
               </a:rPr>
-              <a:t>Portal de asistencia 24/7</a:t>
+              <a:t>24/7 Support Portal</a:t>
             </a:r>
           </a:p>
         </p:txBody>
@@ -7877,7 +8662,7 @@
         <p:spPr>
           <a:xfrm>
             <a:off x="5376301" y="8618616"/>
-            <a:ext cx="2286000" cy="959237"/>
+            <a:ext cx="2286000" cy="805349"/>
           </a:xfrm>
           <a:prstGeom prst="rect">
             <a:avLst/>
@@ -7890,16 +8675,16 @@
           <a:lstStyle/>
           <a:p>
             <a:r>
-              <a:rPr lang="es-ES" sz="1000" dirty="0">
+              <a:rPr lang="en-US" sz="1000">
                 <a:solidFill>
                   <a:srgbClr val="000000"/>
                 </a:solidFill>
                 <a:latin typeface="Adobe Clean Light" panose="020B0303020404020204" pitchFamily="34" charset="0"/>
               </a:rPr>
-              <a:t>Acceso al portal de asistencia de autoayuda </a:t>
+              <a:t>On-demand access to the online </a:t>
             </a:r>
             <a:br>
-              <a:rPr lang="sk-SK" sz="1000" dirty="0">
+              <a:rPr lang="en-US" sz="1000">
                 <a:solidFill>
                   <a:srgbClr val="000000"/>
                 </a:solidFill>
@@ -7907,30 +8692,13 @@
               </a:rPr>
             </a:br>
             <a:r>
-              <a:rPr lang="es-ES" sz="1000" dirty="0">
+              <a:rPr lang="en-US" sz="1000">
                 <a:solidFill>
                   <a:srgbClr val="000000"/>
                 </a:solidFill>
                 <a:latin typeface="Adobe Clean Light" panose="020B0303020404020204" pitchFamily="34" charset="0"/>
               </a:rPr>
-              <a:t>en línea previa solicitud para enviar solicitudes de asistencia, revisar el estado de los casos </a:t>
-            </a:r>
-            <a:br>
-              <a:rPr lang="sk-SK" sz="1000" dirty="0">
-                <a:solidFill>
-                  <a:srgbClr val="000000"/>
-                </a:solidFill>
-                <a:latin typeface="Adobe Clean Light" panose="020B0303020404020204" pitchFamily="34" charset="0"/>
-              </a:rPr>
-            </a:br>
-            <a:r>
-              <a:rPr lang="es-ES" sz="1000" dirty="0">
-                <a:solidFill>
-                  <a:srgbClr val="000000"/>
-                </a:solidFill>
-                <a:latin typeface="Adobe Clean Light" panose="020B0303020404020204" pitchFamily="34" charset="0"/>
-              </a:rPr>
-              <a:t>y examinar otros recursos, como la base de conocimiento, noticias y alertas, sugerencias destacadas, y mucho más.</a:t>
+              <a:t>Self-help Support Portal to submit support requests, review case status, and browse other resources, like our knowledgebase, news and alerts, featured tips, and more.</a:t>
             </a:r>
           </a:p>
         </p:txBody>
@@ -8028,7 +8796,7 @@
         <p:spPr>
           <a:xfrm>
             <a:off x="789025" y="3499700"/>
-            <a:ext cx="1781260" cy="285247"/>
+            <a:ext cx="1336142" cy="285247"/>
           </a:xfrm>
           <a:prstGeom prst="rect">
             <a:avLst/>
@@ -8042,10 +8810,10 @@
           <a:lstStyle/>
           <a:p>
             <a:r>
-              <a:rPr lang="es-ES" sz="1200" b="1" dirty="0">
+              <a:rPr lang="en-US" sz="1200" b="1">
                 <a:latin typeface="+mj-lt"/>
               </a:rPr>
-              <a:t>Servicios empresariales</a:t>
+              <a:t>Business Services</a:t>
             </a:r>
           </a:p>
         </p:txBody>
@@ -8065,7 +8833,7 @@
         <p:spPr>
           <a:xfrm>
             <a:off x="370041" y="3875832"/>
-            <a:ext cx="2286000" cy="740780"/>
+            <a:ext cx="2286000" cy="558999"/>
           </a:xfrm>
           <a:prstGeom prst="rect">
             <a:avLst/>
@@ -8086,33 +8854,15 @@
               </a:spcBef>
             </a:pPr>
             <a:r>
-              <a:rPr lang="es-ES" sz="1000" dirty="0">
+              <a:rPr lang="en-US" sz="1000">
                 <a:latin typeface="Adobe Clean Light" panose="020B0303020404020204" pitchFamily="34" charset="0"/>
               </a:rPr>
-              <a:t>Un responsable de la asistencia técnica </a:t>
-            </a:r>
-            <a:br>
-              <a:rPr lang="sk-SK" sz="1000" dirty="0">
-                <a:latin typeface="Adobe Clean Light" panose="020B0303020404020204" pitchFamily="34" charset="0"/>
-              </a:rPr>
-            </a:br>
-            <a:r>
-              <a:rPr lang="es-ES" sz="1000" dirty="0">
-                <a:latin typeface="Adobe Clean Light" panose="020B0303020404020204" pitchFamily="34" charset="0"/>
-              </a:rPr>
-              <a:t>de la cuenta organizará seminarios web que abarcarán una descripción general </a:t>
-            </a:r>
-            <a:br>
-              <a:rPr lang="sk-SK" sz="1000" dirty="0">
-                <a:latin typeface="Adobe Clean Light" panose="020B0303020404020204" pitchFamily="34" charset="0"/>
-              </a:rPr>
-            </a:br>
-            <a:r>
-              <a:rPr lang="es-ES" sz="1000" dirty="0">
-                <a:latin typeface="Adobe Clean Light" panose="020B0303020404020204" pitchFamily="34" charset="0"/>
-              </a:rPr>
-              <a:t>de los servicios de asistencia empresarial.  </a:t>
-            </a:r>
+              <a:t>An Account Support Lead will host webinars covering an overview of business support services.  </a:t>
+            </a:r>
+            <a:endParaRPr lang="en-US" sz="1000">
+              <a:latin typeface="Adobe Clean Light" panose="020B0303020404020204" pitchFamily="34" charset="0"/>
+              <a:cs typeface="AdobeClean-Light"/>
+            </a:endParaRPr>
           </a:p>
         </p:txBody>
       </p:sp>
@@ -8497,7 +9247,7 @@
         </p:nvSpPr>
         <p:spPr>
           <a:xfrm rot="5400000" flipH="1">
-            <a:off x="3863341" y="5100467"/>
+            <a:off x="3863341" y="4967117"/>
             <a:ext cx="45719" cy="5577840"/>
           </a:xfrm>
           <a:custGeom>
@@ -8581,12 +9331,12 @@
               <a:defRPr/>
             </a:pPr>
             <a:r>
-              <a:rPr lang="es-ES" sz="1200">
+              <a:rPr lang="en-US" sz="1200">
                 <a:solidFill>
                   <a:srgbClr val="000000"/>
                 </a:solidFill>
               </a:rPr>
-              <a:t>Portal de autoayuda</a:t>
+              <a:t>Self– Help Portal</a:t>
             </a:r>
           </a:p>
         </p:txBody>
@@ -8634,7 +9384,7 @@
               <a:defRPr/>
             </a:pPr>
             <a:r>
-              <a:rPr lang="es-ES" sz="1200">
+              <a:rPr lang="en-US" sz="1200">
                 <a:solidFill>
                   <a:srgbClr val="000000"/>
                 </a:solidFill>
@@ -8696,15 +9446,49 @@
               </a:lnSpc>
             </a:pPr>
             <a:r>
-              <a:rPr lang="es-ES" sz="500">
+              <a:rPr sz="500" spc="-5">
                 <a:solidFill>
                   <a:srgbClr val="6C6C6C"/>
                 </a:solidFill>
                 <a:latin typeface="Adobe Clean"/>
                 <a:cs typeface="Adobe Clean"/>
               </a:rPr>
-              <a:t>©2020 Adobe. All Rights Reserved. Adobe Confidential.</a:t>
-            </a:r>
+              <a:t>©2020 Adobe. All Rights Reserved. </a:t>
+            </a:r>
+            <a:r>
+              <a:rPr sz="500">
+                <a:solidFill>
+                  <a:srgbClr val="6C6C6C"/>
+                </a:solidFill>
+                <a:latin typeface="Adobe Clean"/>
+                <a:cs typeface="Adobe Clean"/>
+              </a:rPr>
+              <a:t>Adobe</a:t>
+            </a:r>
+            <a:r>
+              <a:rPr sz="500" spc="5">
+                <a:solidFill>
+                  <a:srgbClr val="6C6C6C"/>
+                </a:solidFill>
+                <a:latin typeface="Adobe Clean"/>
+                <a:cs typeface="Adobe Clean"/>
+              </a:rPr>
+              <a:t> </a:t>
+            </a:r>
+            <a:r>
+              <a:rPr sz="500" spc="-5">
+                <a:solidFill>
+                  <a:srgbClr val="6C6C6C"/>
+                </a:solidFill>
+                <a:latin typeface="Adobe Clean"/>
+                <a:cs typeface="Adobe Clean"/>
+              </a:rPr>
+              <a:t>Confidential.</a:t>
+            </a:r>
+            <a:endParaRPr sz="500">
+              <a:latin typeface="Adobe Clean"/>
+              <a:cs typeface="Adobe Clean"/>
+            </a:endParaRPr>
           </a:p>
           <a:p>
             <a:pPr>
@@ -8730,15 +9514,39 @@
               </a:spcBef>
             </a:pPr>
             <a:r>
-              <a:rPr lang="es-ES" sz="800">
+              <a:rPr sz="800" spc="-5">
                 <a:solidFill>
                   <a:srgbClr val="6D6D6D"/>
                 </a:solidFill>
                 <a:latin typeface="Adobe Clean"/>
                 <a:cs typeface="Adobe Clean"/>
               </a:rPr>
-              <a:t>©2020 Adobe. All Rights Reserved. Adobe Confidential.</a:t>
-            </a:r>
+              <a:t>©2020 Adobe. All Rights Reserved. Adobe</a:t>
+            </a:r>
+            <a:r>
+              <a:rPr sz="800" spc="75">
+                <a:solidFill>
+                  <a:srgbClr val="6D6D6D"/>
+                </a:solidFill>
+                <a:latin typeface="Adobe Clean"/>
+                <a:cs typeface="Adobe Clean"/>
+              </a:rPr>
+              <a:t> </a:t>
+            </a:r>
+            <a:r>
+              <a:rPr sz="800" spc="-5">
+                <a:solidFill>
+                  <a:srgbClr val="6D6D6D"/>
+                </a:solidFill>
+                <a:latin typeface="Adobe Clean"/>
+                <a:cs typeface="Adobe Clean"/>
+              </a:rPr>
+              <a:t>Confidential.</a:t>
+            </a:r>
+            <a:endParaRPr sz="800">
+              <a:latin typeface="Adobe Clean"/>
+              <a:cs typeface="Adobe Clean"/>
+            </a:endParaRPr>
           </a:p>
         </p:txBody>
       </p:sp>
@@ -8822,15 +9630,19 @@
               </a:spcBef>
             </a:pPr>
             <a:r>
-              <a:rPr lang="es-ES" sz="1400" b="1">
+              <a:rPr lang="en-US" sz="1400" b="1" spc="-15">
                 <a:solidFill>
                   <a:srgbClr val="020302"/>
                 </a:solidFill>
                 <a:latin typeface="Adobe Clean"/>
                 <a:cs typeface="Adobe Clean"/>
               </a:rPr>
-              <a:t>Recursos</a:t>
-            </a:r>
+              <a:t>Resources</a:t>
+            </a:r>
+            <a:endParaRPr sz="1400">
+              <a:latin typeface="Adobe Clean"/>
+              <a:cs typeface="Adobe Clean"/>
+            </a:endParaRPr>
           </a:p>
         </p:txBody>
       </p:sp>
@@ -8864,7 +9676,7 @@
               </a:spcBef>
             </a:pPr>
             <a:r>
-              <a:rPr lang="es-ES" sz="800">
+              <a:rPr sz="800" spc="-15">
                 <a:solidFill>
                   <a:srgbClr val="777879"/>
                 </a:solidFill>
@@ -8873,6 +9685,10 @@
               </a:rPr>
               <a:t>Adobe</a:t>
             </a:r>
+            <a:endParaRPr sz="800">
+              <a:latin typeface="Adobe Clean"/>
+              <a:cs typeface="Adobe Clean"/>
+            </a:endParaRPr>
           </a:p>
           <a:p>
             <a:pPr marL="12700">
@@ -8881,15 +9697,39 @@
               </a:lnSpc>
             </a:pPr>
             <a:r>
-              <a:rPr lang="es-ES" sz="800">
+              <a:rPr sz="800" spc="-15">
                 <a:solidFill>
                   <a:srgbClr val="777879"/>
                 </a:solidFill>
                 <a:latin typeface="Adobe Clean"/>
                 <a:cs typeface="Adobe Clean"/>
               </a:rPr>
-              <a:t>345 Park Avenue</a:t>
-            </a:r>
+              <a:t>345 Park</a:t>
+            </a:r>
+            <a:r>
+              <a:rPr sz="800" spc="-100">
+                <a:solidFill>
+                  <a:srgbClr val="777879"/>
+                </a:solidFill>
+                <a:latin typeface="Adobe Clean"/>
+                <a:cs typeface="Adobe Clean"/>
+              </a:rPr>
+              <a:t> </a:t>
+            </a:r>
+            <a:r>
+              <a:rPr sz="800" spc="-15">
+                <a:solidFill>
+                  <a:srgbClr val="777879"/>
+                </a:solidFill>
+                <a:latin typeface="Adobe Clean"/>
+                <a:cs typeface="Adobe Clean"/>
+              </a:rPr>
+              <a:t>Avenue</a:t>
+            </a:r>
+            <a:endParaRPr sz="800">
+              <a:latin typeface="Adobe Clean"/>
+              <a:cs typeface="Adobe Clean"/>
+            </a:endParaRPr>
           </a:p>
           <a:p>
             <a:pPr marL="12700">
@@ -8898,15 +9738,49 @@
               </a:lnSpc>
             </a:pPr>
             <a:r>
-              <a:rPr lang="es-ES" sz="800">
+              <a:rPr sz="800" spc="-10">
                 <a:solidFill>
                   <a:srgbClr val="777879"/>
                 </a:solidFill>
                 <a:latin typeface="Adobe Clean"/>
                 <a:cs typeface="Adobe Clean"/>
               </a:rPr>
-              <a:t>San José, CA95110-2704</a:t>
-            </a:r>
+              <a:t>San </a:t>
+            </a:r>
+            <a:r>
+              <a:rPr sz="800" spc="-15">
+                <a:solidFill>
+                  <a:srgbClr val="777879"/>
+                </a:solidFill>
+                <a:latin typeface="Adobe Clean"/>
+                <a:cs typeface="Adobe Clean"/>
+              </a:rPr>
+              <a:t>Jose,</a:t>
+            </a:r>
+            <a:r>
+              <a:rPr sz="800" spc="-140">
+                <a:solidFill>
+                  <a:srgbClr val="777879"/>
+                </a:solidFill>
+                <a:latin typeface="Adobe Clean"/>
+                <a:cs typeface="Adobe Clean"/>
+              </a:rPr>
+              <a:t> </a:t>
+            </a:r>
+            <a:r>
+              <a:rPr sz="800" spc="-20">
+                <a:solidFill>
+                  <a:srgbClr val="777879"/>
+                </a:solidFill>
+                <a:latin typeface="Adobe Clean"/>
+                <a:cs typeface="Adobe Clean"/>
+              </a:rPr>
+              <a:t>CA95110-2704</a:t>
+            </a:r>
+            <a:endParaRPr sz="800">
+              <a:latin typeface="Adobe Clean"/>
+              <a:cs typeface="Adobe Clean"/>
+            </a:endParaRPr>
           </a:p>
           <a:p>
             <a:pPr marL="12700">
@@ -8918,15 +9792,19 @@
               </a:spcBef>
             </a:pPr>
             <a:r>
-              <a:rPr lang="es-ES" sz="800">
+              <a:rPr sz="800" spc="-10">
                 <a:solidFill>
                   <a:srgbClr val="777879"/>
                 </a:solidFill>
                 <a:latin typeface="Adobe Clean"/>
                 <a:cs typeface="Adobe Clean"/>
               </a:rPr>
-              <a:t>EE. UU.</a:t>
-            </a:r>
+              <a:t>USA</a:t>
+            </a:r>
+            <a:endParaRPr sz="800">
+              <a:latin typeface="Adobe Clean"/>
+              <a:cs typeface="Adobe Clean"/>
+            </a:endParaRPr>
           </a:p>
           <a:p>
             <a:pPr marL="12700">
@@ -8938,7 +9816,7 @@
               </a:spcBef>
             </a:pPr>
             <a:r>
-              <a:rPr lang="es-ES" sz="800" u="sng">
+              <a:rPr sz="800" u="sng" spc="-25">
                 <a:solidFill>
                   <a:srgbClr val="5F5F5F"/>
                 </a:solidFill>
@@ -8953,6 +9831,10 @@
               </a:rPr>
               <a:t>www.adobe.com</a:t>
             </a:r>
+            <a:endParaRPr sz="800">
+              <a:latin typeface="Adobe Clean"/>
+              <a:cs typeface="Adobe Clean"/>
+            </a:endParaRPr>
           </a:p>
         </p:txBody>
       </p:sp>
@@ -9113,7 +9995,7 @@
           </a:prstGeom>
         </p:spPr>
         <p:txBody>
-          <a:bodyPr vert="horz" wrap="square" lIns="0" tIns="29845" rIns="0" bIns="0" rtlCol="0">
+          <a:bodyPr vert="horz" wrap="square" lIns="0" tIns="29845" rIns="0" bIns="0" rtlCol="0" anchor="t">
             <a:spAutoFit/>
           </a:bodyPr>
           <a:lstStyle/>
@@ -9127,74 +10009,439 @@
               </a:spcBef>
             </a:pPr>
             <a:r>
-              <a:rPr lang="es-ES" sz="1100" i="1" dirty="0">
+              <a:rPr sz="1100" i="1" spc="-10">
                 <a:solidFill>
                   <a:srgbClr val="777879"/>
                 </a:solidFill>
                 <a:latin typeface="AdobeClean-LightIt"/>
                 <a:cs typeface="AdobeClean-LightIt"/>
               </a:rPr>
-              <a:t>Para saber más sobre las ofertas de asistencia de Adobe y el nivel adecuado para usted, póngase </a:t>
-            </a:r>
-            <a:br>
-              <a:rPr lang="sk-SK" sz="1100" i="1" dirty="0">
+              <a:t>To</a:t>
+            </a:r>
+            <a:r>
+              <a:rPr sz="1100" i="1" spc="-50">
                 <a:solidFill>
                   <a:srgbClr val="777879"/>
                 </a:solidFill>
                 <a:latin typeface="AdobeClean-LightIt"/>
                 <a:cs typeface="AdobeClean-LightIt"/>
               </a:rPr>
-            </a:br>
-            <a:r>
-              <a:rPr lang="es-ES" sz="1100" i="1" dirty="0">
+              <a:t> </a:t>
+            </a:r>
+            <a:r>
+              <a:rPr sz="1100" i="1" spc="-15">
                 <a:solidFill>
                   <a:srgbClr val="777879"/>
                 </a:solidFill>
                 <a:latin typeface="AdobeClean-LightIt"/>
                 <a:cs typeface="AdobeClean-LightIt"/>
               </a:rPr>
-              <a:t>en contacto con su administrador de cuentas (NAM) o con su </a:t>
-            </a:r>
-            <a:r>
-              <a:rPr lang="es-ES" sz="1100" i="1" dirty="0" err="1">
+              <a:t>learn</a:t>
+            </a:r>
+            <a:r>
+              <a:rPr sz="1100" i="1" spc="-40">
                 <a:solidFill>
                   <a:srgbClr val="777879"/>
                 </a:solidFill>
                 <a:latin typeface="AdobeClean-LightIt"/>
                 <a:cs typeface="AdobeClean-LightIt"/>
               </a:rPr>
-              <a:t>Customer</a:t>
-            </a:r>
-            <a:r>
-              <a:rPr lang="es-ES" sz="1100" i="1" dirty="0">
+              <a:t> </a:t>
+            </a:r>
+            <a:r>
+              <a:rPr sz="1100" i="1" spc="-15">
                 <a:solidFill>
                   <a:srgbClr val="777879"/>
                 </a:solidFill>
                 <a:latin typeface="AdobeClean-LightIt"/>
                 <a:cs typeface="AdobeClean-LightIt"/>
               </a:rPr>
-              <a:t> </a:t>
-            </a:r>
-            <a:r>
-              <a:rPr lang="es-ES" sz="1100" i="1" dirty="0" err="1">
+              <a:t>more</a:t>
+            </a:r>
+            <a:r>
+              <a:rPr sz="1100" i="1" spc="-45">
                 <a:solidFill>
                   <a:srgbClr val="777879"/>
                 </a:solidFill>
                 <a:latin typeface="AdobeClean-LightIt"/>
                 <a:cs typeface="AdobeClean-LightIt"/>
               </a:rPr>
-              <a:t>Success</a:t>
-            </a:r>
-            <a:r>
-              <a:rPr lang="es-ES" sz="1100" i="1" dirty="0">
+              <a:t> </a:t>
+            </a:r>
+            <a:r>
+              <a:rPr sz="1100" i="1" spc="-15">
                 <a:solidFill>
                   <a:srgbClr val="777879"/>
                 </a:solidFill>
                 <a:latin typeface="AdobeClean-LightIt"/>
                 <a:cs typeface="AdobeClean-LightIt"/>
               </a:rPr>
-              <a:t> Manager (CSM)</a:t>
-            </a:r>
+              <a:t>about</a:t>
+            </a:r>
+            <a:r>
+              <a:rPr sz="1100" i="1" spc="-45">
+                <a:solidFill>
+                  <a:srgbClr val="777879"/>
+                </a:solidFill>
+                <a:latin typeface="AdobeClean-LightIt"/>
+                <a:cs typeface="AdobeClean-LightIt"/>
+              </a:rPr>
+              <a:t> </a:t>
+            </a:r>
+            <a:r>
+              <a:rPr sz="1100" i="1" spc="-15">
+                <a:solidFill>
+                  <a:srgbClr val="777879"/>
+                </a:solidFill>
+                <a:latin typeface="AdobeClean-LightIt"/>
+                <a:cs typeface="AdobeClean-LightIt"/>
+              </a:rPr>
+              <a:t>Adobe</a:t>
+            </a:r>
+            <a:r>
+              <a:rPr sz="1100" i="1" spc="-50">
+                <a:solidFill>
+                  <a:srgbClr val="777879"/>
+                </a:solidFill>
+                <a:latin typeface="AdobeClean-LightIt"/>
+                <a:cs typeface="AdobeClean-LightIt"/>
+              </a:rPr>
+              <a:t> </a:t>
+            </a:r>
+            <a:r>
+              <a:rPr sz="1100" i="1" spc="-15">
+                <a:solidFill>
+                  <a:srgbClr val="777879"/>
+                </a:solidFill>
+                <a:latin typeface="AdobeClean-LightIt"/>
+                <a:cs typeface="AdobeClean-LightIt"/>
+              </a:rPr>
+              <a:t>Support</a:t>
+            </a:r>
+            <a:r>
+              <a:rPr lang="en-US" sz="1100" i="1" spc="-15">
+                <a:solidFill>
+                  <a:srgbClr val="777879"/>
+                </a:solidFill>
+                <a:latin typeface="AdobeClean-LightIt"/>
+                <a:cs typeface="AdobeClean-LightIt"/>
+              </a:rPr>
+              <a:t> Offerings</a:t>
+            </a:r>
+            <a:r>
+              <a:rPr sz="1100" i="1" spc="-75">
+                <a:solidFill>
+                  <a:srgbClr val="777879"/>
+                </a:solidFill>
+                <a:latin typeface="AdobeClean-LightIt"/>
+                <a:cs typeface="AdobeClean-LightIt"/>
+              </a:rPr>
+              <a:t> </a:t>
+            </a:r>
+            <a:r>
+              <a:rPr sz="1100" i="1" spc="-15">
+                <a:solidFill>
+                  <a:srgbClr val="777879"/>
+                </a:solidFill>
+                <a:latin typeface="AdobeClean-LightIt"/>
+                <a:cs typeface="AdobeClean-LightIt"/>
+              </a:rPr>
+              <a:t>and</a:t>
+            </a:r>
+            <a:r>
+              <a:rPr sz="1100" i="1" spc="-50">
+                <a:solidFill>
+                  <a:srgbClr val="777879"/>
+                </a:solidFill>
+                <a:latin typeface="AdobeClean-LightIt"/>
+                <a:cs typeface="AdobeClean-LightIt"/>
+              </a:rPr>
+              <a:t> </a:t>
+            </a:r>
+            <a:r>
+              <a:rPr sz="1100" i="1" spc="-15">
+                <a:solidFill>
+                  <a:srgbClr val="777879"/>
+                </a:solidFill>
+                <a:latin typeface="AdobeClean-LightIt"/>
+                <a:cs typeface="AdobeClean-LightIt"/>
+              </a:rPr>
+              <a:t>the</a:t>
+            </a:r>
+            <a:r>
+              <a:rPr sz="1100" i="1" spc="-55">
+                <a:solidFill>
+                  <a:srgbClr val="777879"/>
+                </a:solidFill>
+                <a:latin typeface="AdobeClean-LightIt"/>
+                <a:cs typeface="AdobeClean-LightIt"/>
+              </a:rPr>
+              <a:t> </a:t>
+            </a:r>
+            <a:r>
+              <a:rPr sz="1100" i="1" spc="-15">
+                <a:solidFill>
+                  <a:srgbClr val="777879"/>
+                </a:solidFill>
+                <a:latin typeface="AdobeClean-LightIt"/>
+                <a:cs typeface="AdobeClean-LightIt"/>
+              </a:rPr>
+              <a:t>right</a:t>
+            </a:r>
+            <a:r>
+              <a:rPr sz="1100" i="1" spc="-95">
+                <a:solidFill>
+                  <a:srgbClr val="777879"/>
+                </a:solidFill>
+                <a:latin typeface="AdobeClean-LightIt"/>
+                <a:cs typeface="AdobeClean-LightIt"/>
+              </a:rPr>
+              <a:t> </a:t>
+            </a:r>
+            <a:r>
+              <a:rPr sz="1100" i="1" spc="-15">
+                <a:solidFill>
+                  <a:srgbClr val="777879"/>
+                </a:solidFill>
+                <a:latin typeface="AdobeClean-LightIt"/>
+                <a:cs typeface="AdobeClean-LightIt"/>
+              </a:rPr>
+              <a:t>level</a:t>
+            </a:r>
+            <a:r>
+              <a:rPr sz="1100" i="1" spc="-55">
+                <a:solidFill>
+                  <a:srgbClr val="777879"/>
+                </a:solidFill>
+                <a:latin typeface="AdobeClean-LightIt"/>
+                <a:cs typeface="AdobeClean-LightIt"/>
+              </a:rPr>
+              <a:t> </a:t>
+            </a:r>
+            <a:r>
+              <a:rPr sz="1100" i="1" spc="-15">
+                <a:solidFill>
+                  <a:srgbClr val="777879"/>
+                </a:solidFill>
+                <a:latin typeface="AdobeClean-LightIt"/>
+                <a:cs typeface="AdobeClean-LightIt"/>
+              </a:rPr>
+              <a:t>for</a:t>
+            </a:r>
+            <a:r>
+              <a:rPr sz="1100" i="1" spc="-85">
+                <a:solidFill>
+                  <a:srgbClr val="777879"/>
+                </a:solidFill>
+                <a:latin typeface="AdobeClean-LightIt"/>
+                <a:cs typeface="AdobeClean-LightIt"/>
+              </a:rPr>
+              <a:t> </a:t>
+            </a:r>
+            <a:r>
+              <a:rPr sz="1100" i="1" spc="-15">
+                <a:solidFill>
+                  <a:srgbClr val="777879"/>
+                </a:solidFill>
+                <a:latin typeface="AdobeClean-LightIt"/>
+                <a:cs typeface="AdobeClean-LightIt"/>
+              </a:rPr>
+              <a:t>you,</a:t>
+            </a:r>
+            <a:r>
+              <a:rPr sz="1100" i="1" spc="-65">
+                <a:solidFill>
+                  <a:srgbClr val="777879"/>
+                </a:solidFill>
+                <a:latin typeface="AdobeClean-LightIt"/>
+                <a:cs typeface="AdobeClean-LightIt"/>
+              </a:rPr>
+              <a:t> </a:t>
+            </a:r>
+            <a:r>
+              <a:rPr sz="1100" i="1" spc="-15">
+                <a:solidFill>
+                  <a:srgbClr val="777879"/>
+                </a:solidFill>
+                <a:latin typeface="AdobeClean-LightIt"/>
+                <a:cs typeface="AdobeClean-LightIt"/>
+              </a:rPr>
+              <a:t>contact</a:t>
+            </a:r>
+            <a:r>
+              <a:rPr sz="1100" i="1" spc="-85">
+                <a:solidFill>
+                  <a:srgbClr val="777879"/>
+                </a:solidFill>
+                <a:latin typeface="AdobeClean-LightIt"/>
+                <a:cs typeface="AdobeClean-LightIt"/>
+              </a:rPr>
+              <a:t> </a:t>
+            </a:r>
+            <a:r>
+              <a:rPr sz="1100" i="1" spc="-15">
+                <a:solidFill>
+                  <a:srgbClr val="777879"/>
+                </a:solidFill>
+                <a:latin typeface="AdobeClean-LightIt"/>
+                <a:cs typeface="AdobeClean-LightIt"/>
+              </a:rPr>
+              <a:t>your</a:t>
+            </a:r>
+            <a:r>
+              <a:rPr sz="1100" i="1" spc="-70">
+                <a:solidFill>
+                  <a:srgbClr val="777879"/>
+                </a:solidFill>
+                <a:latin typeface="AdobeClean-LightIt"/>
+                <a:cs typeface="AdobeClean-LightIt"/>
+              </a:rPr>
+              <a:t> </a:t>
+            </a:r>
+            <a:r>
+              <a:rPr sz="1100" i="1" spc="-15">
+                <a:solidFill>
+                  <a:srgbClr val="777879"/>
+                </a:solidFill>
+                <a:latin typeface="AdobeClean-LightIt"/>
+                <a:cs typeface="AdobeClean-LightIt"/>
+              </a:rPr>
+              <a:t>Named</a:t>
+            </a:r>
+            <a:r>
+              <a:rPr sz="1100" i="1" spc="-55">
+                <a:solidFill>
+                  <a:srgbClr val="777879"/>
+                </a:solidFill>
+                <a:latin typeface="AdobeClean-LightIt"/>
+                <a:cs typeface="AdobeClean-LightIt"/>
+              </a:rPr>
+              <a:t> </a:t>
+            </a:r>
+            <a:r>
+              <a:rPr sz="1100" i="1" spc="-25">
+                <a:solidFill>
+                  <a:srgbClr val="777879"/>
+                </a:solidFill>
+                <a:latin typeface="AdobeClean-LightIt"/>
+                <a:cs typeface="AdobeClean-LightIt"/>
+              </a:rPr>
+              <a:t>Account</a:t>
+            </a:r>
+            <a:r>
+              <a:rPr sz="1100" i="1" spc="-120">
+                <a:solidFill>
+                  <a:srgbClr val="777879"/>
+                </a:solidFill>
+                <a:latin typeface="AdobeClean-LightIt"/>
+                <a:cs typeface="AdobeClean-LightIt"/>
+              </a:rPr>
+              <a:t> </a:t>
+            </a:r>
+            <a:r>
+              <a:rPr sz="1100" i="1" spc="-20">
+                <a:solidFill>
+                  <a:srgbClr val="777879"/>
+                </a:solidFill>
+                <a:latin typeface="AdobeClean-LightIt"/>
+                <a:cs typeface="AdobeClean-LightIt"/>
+              </a:rPr>
+              <a:t>Manager</a:t>
+            </a:r>
+            <a:r>
+              <a:rPr lang="en-US" sz="1100" i="1" spc="-20">
+                <a:solidFill>
+                  <a:srgbClr val="777879"/>
+                </a:solidFill>
+                <a:latin typeface="AdobeClean-LightIt"/>
+                <a:cs typeface="AdobeClean-LightIt"/>
+              </a:rPr>
+              <a:t> </a:t>
+            </a:r>
+            <a:r>
+              <a:rPr sz="1100" i="1" spc="-20">
+                <a:solidFill>
+                  <a:srgbClr val="777879"/>
+                </a:solidFill>
+                <a:latin typeface="AdobeClean-LightIt"/>
+                <a:cs typeface="AdobeClean-LightIt"/>
+              </a:rPr>
+              <a:t> </a:t>
+            </a:r>
+            <a:r>
+              <a:rPr sz="1100" i="1" spc="-15">
+                <a:solidFill>
+                  <a:srgbClr val="777879"/>
+                </a:solidFill>
+                <a:latin typeface="AdobeClean-LightIt"/>
+                <a:cs typeface="AdobeClean-LightIt"/>
+              </a:rPr>
+              <a:t>(NAM) </a:t>
+            </a:r>
+            <a:r>
+              <a:rPr sz="1100" i="1" spc="-10">
+                <a:solidFill>
+                  <a:srgbClr val="777879"/>
+                </a:solidFill>
+                <a:latin typeface="AdobeClean-LightIt"/>
+                <a:cs typeface="AdobeClean-LightIt"/>
+              </a:rPr>
+              <a:t>or </a:t>
+            </a:r>
+            <a:r>
+              <a:rPr sz="1100" i="1" spc="-15">
+                <a:solidFill>
+                  <a:srgbClr val="777879"/>
+                </a:solidFill>
+                <a:latin typeface="AdobeClean-LightIt"/>
+                <a:cs typeface="AdobeClean-LightIt"/>
+              </a:rPr>
+              <a:t>Customer</a:t>
+            </a:r>
+            <a:r>
+              <a:rPr lang="en-US" sz="1100" i="1" spc="-15">
+                <a:solidFill>
+                  <a:srgbClr val="777879"/>
+                </a:solidFill>
+                <a:latin typeface="AdobeClean-LightIt"/>
+                <a:cs typeface="AdobeClean-LightIt"/>
+              </a:rPr>
+              <a:t> </a:t>
+            </a:r>
+            <a:r>
+              <a:rPr lang="en-US" sz="1100" i="1" spc="-20">
+                <a:solidFill>
+                  <a:srgbClr val="777879"/>
+                </a:solidFill>
+                <a:latin typeface="AdobeClean-LightIt"/>
+                <a:cs typeface="AdobeClean-LightIt"/>
+              </a:rPr>
+              <a:t>Success </a:t>
+            </a:r>
+            <a:r>
+              <a:rPr lang="en-US" sz="1100" i="1" spc="-15">
+                <a:solidFill>
+                  <a:srgbClr val="777879"/>
+                </a:solidFill>
+                <a:latin typeface="AdobeClean-LightIt"/>
+                <a:cs typeface="AdobeClean-LightIt"/>
+              </a:rPr>
+              <a:t>Manager </a:t>
+            </a:r>
+            <a:r>
+              <a:rPr sz="1100" i="1" spc="-15">
+                <a:solidFill>
+                  <a:srgbClr val="777879"/>
+                </a:solidFill>
+                <a:latin typeface="AdobeClean-LightIt"/>
+                <a:cs typeface="AdobeClean-LightIt"/>
+              </a:rPr>
+              <a:t>(CSM)</a:t>
+            </a:r>
+            <a:endParaRPr sz="1100">
+              <a:latin typeface="AdobeClean-LightIt"/>
+              <a:cs typeface="AdobeClean-LightIt"/>
+            </a:endParaRPr>
           </a:p>
           <a:p>
             <a:pPr marL="34290">
@@ -9206,95 +10453,59 @@
               </a:spcBef>
             </a:pPr>
             <a:r>
-              <a:rPr lang="es-ES" sz="800" dirty="0">
+              <a:rPr sz="800" spc="-5">
                 <a:solidFill>
                   <a:srgbClr val="6D6D6D"/>
                 </a:solidFill>
                 <a:latin typeface="Adobe Clean"/>
                 <a:cs typeface="Adobe Clean"/>
               </a:rPr>
-              <a:t>©2021 Adobe. </a:t>
-            </a:r>
-            <a:r>
-              <a:rPr lang="es-ES" sz="800" dirty="0" err="1">
+              <a:t>©202</a:t>
+            </a:r>
+            <a:r>
+              <a:rPr lang="en-US" sz="800" spc="-5">
                 <a:solidFill>
                   <a:srgbClr val="6D6D6D"/>
                 </a:solidFill>
                 <a:latin typeface="Adobe Clean"/>
                 <a:cs typeface="Adobe Clean"/>
               </a:rPr>
-              <a:t>All</a:t>
-            </a:r>
-            <a:r>
-              <a:rPr lang="es-ES" sz="800" dirty="0">
+              <a:t>1</a:t>
+            </a:r>
+            <a:r>
+              <a:rPr sz="800" spc="-5">
                 <a:solidFill>
                   <a:srgbClr val="6D6D6D"/>
                 </a:solidFill>
                 <a:latin typeface="Adobe Clean"/>
                 <a:cs typeface="Adobe Clean"/>
               </a:rPr>
-              <a:t> </a:t>
-            </a:r>
-            <a:r>
-              <a:rPr lang="es-ES" sz="800" dirty="0" err="1">
+              <a:t> Adobe. All Rights Reserved. Adobe</a:t>
+            </a:r>
+            <a:r>
+              <a:rPr sz="800" spc="75">
                 <a:solidFill>
                   <a:srgbClr val="6D6D6D"/>
                 </a:solidFill>
                 <a:latin typeface="Adobe Clean"/>
                 <a:cs typeface="Adobe Clean"/>
               </a:rPr>
-              <a:t>Rights</a:t>
-            </a:r>
-            <a:r>
-              <a:rPr lang="es-ES" sz="800" dirty="0">
+              <a:t> </a:t>
+            </a:r>
+            <a:r>
+              <a:rPr sz="800" spc="-5">
                 <a:solidFill>
                   <a:srgbClr val="6D6D6D"/>
                 </a:solidFill>
                 <a:latin typeface="Adobe Clean"/>
                 <a:cs typeface="Adobe Clean"/>
               </a:rPr>
-              <a:t> </a:t>
-            </a:r>
-            <a:r>
-              <a:rPr lang="es-ES" sz="800" dirty="0" err="1">
-                <a:solidFill>
-                  <a:srgbClr val="6D6D6D"/>
-                </a:solidFill>
-                <a:latin typeface="Adobe Clean"/>
-                <a:cs typeface="Adobe Clean"/>
-              </a:rPr>
-              <a:t>Reserved</a:t>
-            </a:r>
-            <a:r>
-              <a:rPr lang="es-ES" sz="800" dirty="0">
-                <a:solidFill>
-                  <a:srgbClr val="6D6D6D"/>
-                </a:solidFill>
-                <a:latin typeface="Adobe Clean"/>
-                <a:cs typeface="Adobe Clean"/>
-              </a:rPr>
-              <a:t>. Adobe </a:t>
-            </a:r>
-            <a:r>
-              <a:rPr lang="es-ES" sz="800" dirty="0" err="1">
-                <a:solidFill>
-                  <a:srgbClr val="6D6D6D"/>
-                </a:solidFill>
-                <a:latin typeface="Adobe Clean"/>
-                <a:cs typeface="Adobe Clean"/>
-              </a:rPr>
-              <a:t>Confidential</a:t>
-            </a:r>
-            <a:r>
-              <a:rPr lang="es-ES" sz="800" dirty="0">
-                <a:solidFill>
-                  <a:srgbClr val="6D6D6D"/>
-                </a:solidFill>
-                <a:latin typeface="Adobe Clean"/>
-                <a:cs typeface="Adobe Clean"/>
-              </a:rPr>
-              <a:t>.</a:t>
-            </a:r>
+              <a:t>Confidential.</a:t>
+            </a:r>
+            <a:endParaRPr sz="800">
+              <a:latin typeface="Adobe Clean"/>
+              <a:cs typeface="Adobe Clean"/>
+            </a:endParaRPr>
           </a:p>
         </p:txBody>
       </p:sp>
@@ -9313,7 +10524,7 @@
         <p:spPr>
           <a:xfrm>
             <a:off x="197233" y="5031270"/>
-            <a:ext cx="7365294" cy="755976"/>
+            <a:ext cx="6476646" cy="755976"/>
           </a:xfrm>
           <a:prstGeom prst="rect">
             <a:avLst/>
@@ -9331,15 +10542,19 @@
               </a:spcBef>
             </a:pPr>
             <a:r>
-              <a:rPr lang="es-ES" sz="1400" b="1" dirty="0">
+              <a:rPr lang="en-US" sz="1400" b="1" spc="-15">
                 <a:solidFill>
                   <a:srgbClr val="020302"/>
                 </a:solidFill>
                 <a:latin typeface="Adobe Clean"/>
                 <a:cs typeface="Adobe Clean"/>
               </a:rPr>
-              <a:t>Alcance regional del Soporte de Adobe, horas locales de trabajo y compatibilidad de idioma</a:t>
-            </a:r>
+              <a:t>Regional scope of Adobe Support, Local Hours Of Operation And Language Support</a:t>
+            </a:r>
+            <a:endParaRPr lang="en-US" sz="1400" spc="-15">
+              <a:ea typeface="+mn-lt"/>
+              <a:cs typeface="+mn-lt"/>
+            </a:endParaRPr>
           </a:p>
           <a:p>
             <a:pPr>
@@ -9348,14 +10563,15 @@
               </a:spcBef>
             </a:pPr>
             <a:r>
-              <a:rPr lang="es-ES" sz="1000" dirty="0">
+              <a:rPr lang="en-US" sz="1000" spc="-15">
                 <a:solidFill>
                   <a:srgbClr val="1F1F1F"/>
                 </a:solidFill>
                 <a:latin typeface="AdobeClean-Light"/>
               </a:rPr>
-              <a:t>El alcance regional del Soporte de Adobe se establece asignando la dirección de facturación del cliente (mediante la orden de venta o el documento de compra de Soporte de Adobe) con una de estas regiones:</a:t>
-            </a:r>
+              <a:t>The Regional scope of Adobe Support is established by aligning the customer's billing address (via the Sales Order or other Adobe Support purchasing document) to one of the following regions:</a:t>
+            </a:r>
+            <a:endParaRPr lang="en-US"/>
           </a:p>
         </p:txBody>
       </p:sp>
@@ -9374,7 +10590,7 @@
           <p:nvPr>
             <p:extLst>
               <p:ext uri="{D42A27DB-BD31-4B8C-83A1-F6EECF244321}">
-                <p14:modId xmlns:p14="http://schemas.microsoft.com/office/powerpoint/2010/main" val="3308617207"/>
+                <p14:modId xmlns:p14="http://schemas.microsoft.com/office/powerpoint/2010/main" val="2969235217"/>
               </p:ext>
             </p:extLst>
           </p:nvPr>
@@ -9427,13 +10643,13 @@
                     <a:p>
                       <a:pPr algn="ctr"/>
                       <a:r>
-                        <a:rPr lang="es-ES" sz="1100">
+                        <a:rPr lang="en-US" sz="1100">
                           <a:solidFill>
                             <a:schemeClr val="tx1"/>
                           </a:solidFill>
                           <a:latin typeface="Adobe Clean"/>
                         </a:rPr>
-                        <a:t>América</a:t>
+                        <a:t>Americas</a:t>
                       </a:r>
                     </a:p>
                   </a:txBody>
@@ -9492,30 +10708,13 @@
                     <a:p>
                       <a:pPr algn="ctr"/>
                       <a:r>
-                        <a:rPr lang="es-ES" sz="1100" dirty="0">
+                        <a:rPr lang="en-US" sz="1100">
                           <a:solidFill>
                             <a:schemeClr val="tx1"/>
                           </a:solidFill>
                           <a:latin typeface="Adobe Clean"/>
                         </a:rPr>
-                        <a:t>Europa, Oriente Medio </a:t>
-                      </a:r>
-                      <a:br>
-                        <a:rPr lang="sk-SK" sz="1100" dirty="0">
-                          <a:solidFill>
-                            <a:schemeClr val="tx1"/>
-                          </a:solidFill>
-                          <a:latin typeface="Adobe Clean"/>
-                        </a:rPr>
-                      </a:br>
-                      <a:r>
-                        <a:rPr lang="es-ES" sz="1100" dirty="0">
-                          <a:solidFill>
-                            <a:schemeClr val="tx1"/>
-                          </a:solidFill>
-                          <a:latin typeface="Adobe Clean"/>
-                        </a:rPr>
-                        <a:t>y África</a:t>
+                        <a:t>Europe, Middle East &amp; Africa</a:t>
                       </a:r>
                     </a:p>
                   </a:txBody>
@@ -9574,13 +10773,13 @@
                     <a:p>
                       <a:pPr algn="ctr"/>
                       <a:r>
-                        <a:rPr lang="es-ES" sz="1100">
+                        <a:rPr lang="en-US" sz="1100">
                           <a:solidFill>
                             <a:schemeClr val="tx1"/>
                           </a:solidFill>
                           <a:latin typeface="Adobe Clean"/>
                         </a:rPr>
-                        <a:t>Asia-Pacífico</a:t>
+                        <a:t>Asia Pacific</a:t>
                       </a:r>
                     </a:p>
                   </a:txBody>
@@ -9639,16 +10838,16 @@
                     <a:p>
                       <a:pPr algn="ctr"/>
                       <a:r>
-                        <a:rPr lang="es-ES" sz="1100">
+                        <a:rPr lang="en-US" sz="1100">
                           <a:solidFill>
                             <a:schemeClr val="tx1"/>
                           </a:solidFill>
                           <a:latin typeface="Adobe Clean"/>
                         </a:rPr>
-                        <a:t>Japón </a:t>
+                        <a:t>Japan </a:t>
                       </a:r>
                       <a:r>
-                        <a:rPr lang="es-ES" sz="1100" baseline="30000">
+                        <a:rPr lang="en-US" sz="1100" baseline="30000">
                           <a:solidFill>
                             <a:schemeClr val="tx1"/>
                           </a:solidFill>
@@ -9656,6 +10855,12 @@
                         </a:rPr>
                         <a:t>1 </a:t>
                       </a:r>
+                      <a:endParaRPr lang="en-US" sz="1100">
+                        <a:solidFill>
+                          <a:schemeClr val="tx1"/>
+                        </a:solidFill>
+                        <a:latin typeface="Adobe Clean" panose="020B0503020404020204" pitchFamily="34" charset="0"/>
+                      </a:endParaRPr>
                     </a:p>
                   </a:txBody>
                   <a:tcPr anchor="ctr">
@@ -9720,13 +10925,13 @@
                     <a:p>
                       <a:pPr algn="ctr"/>
                       <a:r>
-                        <a:rPr lang="es-ES" sz="1100">
+                        <a:rPr lang="en-US" sz="1100">
                           <a:solidFill>
                             <a:schemeClr val="tx1"/>
                           </a:solidFill>
                           <a:latin typeface="Adobe Clean"/>
                         </a:rPr>
-                        <a:t>06:00 h - 17:30 h</a:t>
+                        <a:t>6 am – 5:30 pm</a:t>
                       </a:r>
                     </a:p>
                   </a:txBody>
@@ -9785,13 +10990,13 @@
                     <a:p>
                       <a:pPr algn="ctr"/>
                       <a:r>
-                        <a:rPr lang="es-ES" sz="1100">
+                        <a:rPr lang="en-US" sz="1100">
                           <a:solidFill>
                             <a:schemeClr val="tx1"/>
                           </a:solidFill>
                           <a:latin typeface="Adobe Clean"/>
                         </a:rPr>
-                        <a:t>09:00 h - 17:00 h</a:t>
+                        <a:t>9 am – 5 pm</a:t>
                       </a:r>
                     </a:p>
                   </a:txBody>
@@ -9850,13 +11055,13 @@
                     <a:p>
                       <a:pPr algn="ctr"/>
                       <a:r>
-                        <a:rPr lang="es-ES" sz="1100">
+                        <a:rPr lang="en-US" sz="1100">
                           <a:solidFill>
                             <a:schemeClr val="tx1"/>
                           </a:solidFill>
                           <a:latin typeface="Adobe Clean"/>
                         </a:rPr>
-                        <a:t>09:00 h - 17:00 h</a:t>
+                        <a:t>9 am – 5 pm</a:t>
                       </a:r>
                     </a:p>
                   </a:txBody>
@@ -9915,13 +11120,13 @@
                     <a:p>
                       <a:pPr algn="ctr"/>
                       <a:r>
-                        <a:rPr lang="es-ES" sz="1100">
+                        <a:rPr lang="en-US" sz="1100">
                           <a:solidFill>
                             <a:schemeClr val="tx1"/>
                           </a:solidFill>
                           <a:latin typeface="Adobe Clean"/>
                         </a:rPr>
-                        <a:t>09:00 h - 17:30 h</a:t>
+                        <a:t>9 am – 5:30 pm</a:t>
                       </a:r>
                     </a:p>
                   </a:txBody>
@@ -10001,10 +11206,11 @@
                         <a:buNone/>
                       </a:pPr>
                       <a:r>
-                        <a:rPr lang="es-ES" sz="1100" b="1" i="0" u="none" strike="noStrike" cap="none" normalizeH="0" baseline="30000" noProof="0" dirty="0">
+                        <a:rPr lang="en-US" sz="1100" b="1" i="0" u="none" strike="noStrike" kern="0" cap="none" spc="0" normalizeH="0" baseline="30000" noProof="0">
                           <a:ln>
                             <a:noFill/>
                           </a:ln>
+                          <a:effectLst/>
                           <a:uLnTx/>
                           <a:uFillTx/>
                           <a:latin typeface="Adobe Clean"/>
@@ -10014,16 +11220,17 @@
                         <a:t> </a:t>
                       </a:r>
                       <a:r>
-                        <a:rPr lang="es-ES" sz="1100" dirty="0">
+                        <a:rPr lang="en-US" sz="1100">
                           <a:solidFill>
                             <a:schemeClr val="tx1"/>
                           </a:solidFill>
                           <a:latin typeface="Adobe Clean"/>
-                          <a:ea typeface="+mn-ea"/>
-                          <a:cs typeface="+mn-cs"/>
                         </a:rPr>
-                        <a:t>Compatibilidad de idioma solo disponible en inglés y japonés</a:t>
+                        <a:t>Language support is only available in English and Japanese.</a:t>
                       </a:r>
+                      <a:endParaRPr lang="en-US">
+                        <a:latin typeface="Adobe Clean"/>
+                      </a:endParaRPr>
                     </a:p>
                     <a:p>
                       <a:pPr marL="0" marR="0" lvl="0" indent="0" algn="ctr">
@@ -10042,18 +11249,18 @@
                         <a:buNone/>
                       </a:pPr>
                       <a:r>
-                        <a:rPr lang="es-ES" sz="1100" i="1" dirty="0">
+                        <a:rPr lang="en-US" sz="1100" i="1">
                           <a:solidFill>
                             <a:schemeClr val="tx1"/>
                           </a:solidFill>
                           <a:latin typeface="Adobe Clean"/>
                         </a:rPr>
-                        <a:t>*Adobe Commerce no incluye soporte en japonés.</a:t>
+                        <a:t>*Adobe Commerce excludes Japanese languages support.</a:t>
                       </a:r>
                     </a:p>
                     <a:p>
-                      <a:pPr algn="l" rtl="0"/>
-                      <a:endParaRPr kumimoji="0" lang="en-US" sz="1100" b="1" i="0" u="none" strike="noStrike" kern="0" cap="none" spc="0" normalizeH="0" baseline="30000" noProof="0" dirty="0">
+                      <a:pPr algn="ctr"/>
+                      <a:endParaRPr kumimoji="0" lang="en-US" sz="1100" b="1" i="0" u="none" strike="noStrike" kern="0" cap="none" spc="0" normalizeH="0" baseline="30000" noProof="0">
                         <a:ln>
                           <a:noFill/>
                         </a:ln>
@@ -10071,7 +11278,7 @@
                     <a:p>
                       <a:pPr algn="ctr"/>
                       <a:r>
-                        <a:rPr lang="es-ES" sz="1100" i="0" dirty="0">
+                        <a:rPr lang="en-US" sz="1100" i="0">
                           <a:solidFill>
                             <a:schemeClr val="tx1"/>
                           </a:solidFill>
@@ -10080,7 +11287,7 @@
                         <a:t> </a:t>
                       </a:r>
                       <a:r>
-                        <a:rPr lang="es-ES" sz="1100" i="0" baseline="30000" dirty="0">
+                        <a:rPr lang="en-US" sz="1100" i="0" baseline="30000">
                           <a:solidFill>
                             <a:schemeClr val="tx1"/>
                           </a:solidFill>
@@ -10089,14 +11296,20 @@
                         <a:t>1 </a:t>
                       </a:r>
                       <a:r>
-                        <a:rPr lang="es-ES" sz="1100" i="0" dirty="0">
+                        <a:rPr lang="en-US" sz="1100" i="0">
                           <a:solidFill>
                             <a:schemeClr val="tx1"/>
                           </a:solidFill>
                           <a:latin typeface="Adobe Clean"/>
                         </a:rPr>
-                        <a:t>Los casos de P2, P3, P4 se limitan únicamente al horario laboral en Japón.</a:t>
+                        <a:t>P2, P3, P4 cases are limited to business hours only in Japan.</a:t>
                       </a:r>
+                      <a:endParaRPr lang="en-US" sz="1100" b="1" i="0">
+                        <a:solidFill>
+                          <a:schemeClr val="tx1"/>
+                        </a:solidFill>
+                        <a:latin typeface="Adobe Clean"/>
+                      </a:endParaRPr>
                     </a:p>
                   </a:txBody>
                   <a:tcPr anchor="ctr">
@@ -10438,8 +11651,8 @@
         </p:nvSpPr>
         <p:spPr>
           <a:xfrm>
-            <a:off x="2802771" y="8528519"/>
-            <a:ext cx="911979" cy="385445"/>
+            <a:off x="2840871" y="8528519"/>
+            <a:ext cx="810895" cy="385445"/>
           </a:xfrm>
           <a:prstGeom prst="rect">
             <a:avLst/>
@@ -10451,7 +11664,7 @@
           </a:bodyPr>
           <a:lstStyle/>
           <a:p>
-            <a:pPr marR="5080" algn="ctr">
+            <a:pPr marL="139065" marR="5080" indent="-139065">
               <a:lnSpc>
                 <a:spcPts val="1390"/>
               </a:lnSpc>
@@ -10460,15 +11673,129 @@
               </a:spcBef>
             </a:pPr>
             <a:r>
-              <a:rPr lang="es-ES" sz="1200" b="1" dirty="0">
+              <a:rPr sz="1200" b="1" spc="-15">
                 <a:solidFill>
                   <a:srgbClr val="FFFFFF"/>
                 </a:solidFill>
                 <a:latin typeface="Adobe Clean"/>
                 <a:cs typeface="Adobe Clean"/>
               </a:rPr>
-              <a:t>Experiencia sin igual</a:t>
-            </a:r>
+              <a:t>U</a:t>
+            </a:r>
+            <a:r>
+              <a:rPr sz="1200" b="1" spc="-20">
+                <a:solidFill>
+                  <a:srgbClr val="FFFFFF"/>
+                </a:solidFill>
+                <a:latin typeface="Adobe Clean"/>
+                <a:cs typeface="Adobe Clean"/>
+              </a:rPr>
+              <a:t>n</a:t>
+            </a:r>
+            <a:r>
+              <a:rPr sz="1200" b="1" spc="-25">
+                <a:solidFill>
+                  <a:srgbClr val="FFFFFF"/>
+                </a:solidFill>
+                <a:latin typeface="Adobe Clean"/>
+                <a:cs typeface="Adobe Clean"/>
+              </a:rPr>
+              <a:t>p</a:t>
+            </a:r>
+            <a:r>
+              <a:rPr sz="1200" b="1" spc="-15">
+                <a:solidFill>
+                  <a:srgbClr val="FFFFFF"/>
+                </a:solidFill>
+                <a:latin typeface="Adobe Clean"/>
+                <a:cs typeface="Adobe Clean"/>
+              </a:rPr>
+              <a:t>a</a:t>
+            </a:r>
+            <a:r>
+              <a:rPr sz="1200" b="1" spc="-25">
+                <a:solidFill>
+                  <a:srgbClr val="FFFFFF"/>
+                </a:solidFill>
+                <a:latin typeface="Adobe Clean"/>
+                <a:cs typeface="Adobe Clean"/>
+              </a:rPr>
+              <a:t>r</a:t>
+            </a:r>
+            <a:r>
+              <a:rPr sz="1200" b="1" spc="-15">
+                <a:solidFill>
+                  <a:srgbClr val="FFFFFF"/>
+                </a:solidFill>
+                <a:latin typeface="Adobe Clean"/>
+                <a:cs typeface="Adobe Clean"/>
+              </a:rPr>
+              <a:t>a</a:t>
+            </a:r>
+            <a:r>
+              <a:rPr sz="1200" b="1" spc="-30">
+                <a:solidFill>
+                  <a:srgbClr val="FFFFFF"/>
+                </a:solidFill>
+                <a:latin typeface="Adobe Clean"/>
+                <a:cs typeface="Adobe Clean"/>
+              </a:rPr>
+              <a:t>ll</a:t>
+            </a:r>
+            <a:r>
+              <a:rPr sz="1200" b="1" spc="-25">
+                <a:solidFill>
+                  <a:srgbClr val="FFFFFF"/>
+                </a:solidFill>
+                <a:latin typeface="Adobe Clean"/>
+                <a:cs typeface="Adobe Clean"/>
+              </a:rPr>
+              <a:t>e</a:t>
+            </a:r>
+            <a:r>
+              <a:rPr sz="1200" b="1" spc="-30">
+                <a:solidFill>
+                  <a:srgbClr val="FFFFFF"/>
+                </a:solidFill>
+                <a:latin typeface="Adobe Clean"/>
+                <a:cs typeface="Adobe Clean"/>
+              </a:rPr>
+              <a:t>l</a:t>
+            </a:r>
+            <a:r>
+              <a:rPr sz="1200" b="1" spc="-25">
+                <a:solidFill>
+                  <a:srgbClr val="FFFFFF"/>
+                </a:solidFill>
+                <a:latin typeface="Adobe Clean"/>
+                <a:cs typeface="Adobe Clean"/>
+              </a:rPr>
+              <a:t>e</a:t>
+            </a:r>
+            <a:r>
+              <a:rPr sz="1200" b="1">
+                <a:solidFill>
+                  <a:srgbClr val="FFFFFF"/>
+                </a:solidFill>
+                <a:latin typeface="Adobe Clean"/>
+                <a:cs typeface="Adobe Clean"/>
+              </a:rPr>
+              <a:t>d  </a:t>
+            </a:r>
+            <a:r>
+              <a:rPr sz="1200" b="1" spc="-25">
+                <a:solidFill>
+                  <a:srgbClr val="FFFFFF"/>
+                </a:solidFill>
+                <a:latin typeface="Adobe Clean"/>
+                <a:cs typeface="Adobe Clean"/>
+              </a:rPr>
+              <a:t>Expertise</a:t>
+            </a:r>
+            <a:endParaRPr sz="1200">
+              <a:latin typeface="Adobe Clean"/>
+              <a:cs typeface="Adobe Clean"/>
+            </a:endParaRPr>
           </a:p>
         </p:txBody>
       </p:sp>
@@ -10486,8 +11813,8 @@
         </p:nvSpPr>
         <p:spPr>
           <a:xfrm>
-            <a:off x="4541995" y="8541244"/>
-            <a:ext cx="1030130" cy="382797"/>
+            <a:off x="4732495" y="8541244"/>
+            <a:ext cx="810895" cy="382797"/>
           </a:xfrm>
           <a:prstGeom prst="rect">
             <a:avLst/>
@@ -10499,7 +11826,7 @@
           </a:bodyPr>
           <a:lstStyle/>
           <a:p>
-            <a:pPr marR="5080" algn="ctr">
+            <a:pPr marL="139065" marR="5080" indent="-139065">
               <a:lnSpc>
                 <a:spcPts val="1390"/>
               </a:lnSpc>
@@ -10508,34 +11835,19 @@
               </a:spcBef>
             </a:pPr>
             <a:r>
-              <a:rPr lang="es-ES" sz="1200" b="1" dirty="0">
+              <a:rPr lang="en-US" sz="1200" b="1" spc="-15">
                 <a:solidFill>
                   <a:srgbClr val="FFFFFF"/>
                 </a:solidFill>
                 <a:latin typeface="Adobe Clean"/>
                 <a:cs typeface="Adobe Clean"/>
               </a:rPr>
-              <a:t>Asistencia </a:t>
-            </a:r>
-            <a:br>
-              <a:rPr lang="sk-SK" sz="1200" b="1" dirty="0">
-                <a:solidFill>
-                  <a:srgbClr val="FFFFFF"/>
-                </a:solidFill>
-                <a:latin typeface="Adobe Clean"/>
-                <a:cs typeface="Adobe Clean"/>
-              </a:rPr>
-            </a:br>
-            <a:r>
-              <a:rPr lang="es-ES" sz="1200" b="1" dirty="0">
-                <a:solidFill>
-                  <a:srgbClr val="FFFFFF"/>
-                </a:solidFill>
-                <a:latin typeface="Adobe Clean"/>
-                <a:cs typeface="Adobe Clean"/>
-              </a:rPr>
-              <a:t>ágil</a:t>
-            </a:r>
+              <a:t>Accelerated Support</a:t>
+            </a:r>
+            <a:endParaRPr sz="1200">
+              <a:latin typeface="Adobe Clean"/>
+              <a:cs typeface="Adobe Clean"/>
+            </a:endParaRPr>
           </a:p>
         </p:txBody>
       </p:sp>
@@ -10553,8 +11865,8 @@
         </p:nvSpPr>
         <p:spPr>
           <a:xfrm>
-            <a:off x="6471718" y="8543943"/>
-            <a:ext cx="810895" cy="382797"/>
+            <a:off x="6624119" y="8543943"/>
+            <a:ext cx="510540" cy="385445"/>
           </a:xfrm>
           <a:prstGeom prst="rect">
             <a:avLst/>
@@ -10566,7 +11878,7 @@
           </a:bodyPr>
           <a:lstStyle/>
           <a:p>
-            <a:pPr marR="5080" algn="ctr">
+            <a:pPr marL="50800" marR="5080" indent="-51435">
               <a:lnSpc>
                 <a:spcPts val="1390"/>
               </a:lnSpc>
@@ -10575,15 +11887,109 @@
               </a:spcBef>
             </a:pPr>
             <a:r>
-              <a:rPr lang="es-ES" sz="1200" b="1" dirty="0">
+              <a:rPr sz="1200" b="1" spc="-50">
                 <a:solidFill>
                   <a:srgbClr val="FFFFFF"/>
                 </a:solidFill>
                 <a:latin typeface="Adobe Clean"/>
                 <a:cs typeface="Adobe Clean"/>
               </a:rPr>
-              <a:t>Asesoría estratégica</a:t>
-            </a:r>
+              <a:t>S</a:t>
+            </a:r>
+            <a:r>
+              <a:rPr sz="1200" b="1" spc="-20">
+                <a:solidFill>
+                  <a:srgbClr val="FFFFFF"/>
+                </a:solidFill>
+                <a:latin typeface="Adobe Clean"/>
+                <a:cs typeface="Adobe Clean"/>
+              </a:rPr>
+              <a:t>t</a:t>
+            </a:r>
+            <a:r>
+              <a:rPr sz="1200" b="1" spc="-75">
+                <a:solidFill>
+                  <a:srgbClr val="FFFFFF"/>
+                </a:solidFill>
+                <a:latin typeface="Adobe Clean"/>
+                <a:cs typeface="Adobe Clean"/>
+              </a:rPr>
+              <a:t>r</a:t>
+            </a:r>
+            <a:r>
+              <a:rPr sz="1200" b="1" spc="-90">
+                <a:solidFill>
+                  <a:srgbClr val="FFFFFF"/>
+                </a:solidFill>
+                <a:latin typeface="Adobe Clean"/>
+                <a:cs typeface="Adobe Clean"/>
+              </a:rPr>
+              <a:t>a</a:t>
+            </a:r>
+            <a:r>
+              <a:rPr sz="1200" b="1" spc="-55">
+                <a:solidFill>
+                  <a:srgbClr val="FFFFFF"/>
+                </a:solidFill>
+                <a:latin typeface="Adobe Clean"/>
+                <a:cs typeface="Adobe Clean"/>
+              </a:rPr>
+              <a:t>t</a:t>
+            </a:r>
+            <a:r>
+              <a:rPr sz="1200" b="1" spc="-100">
+                <a:solidFill>
+                  <a:srgbClr val="FFFFFF"/>
+                </a:solidFill>
+                <a:latin typeface="Adobe Clean"/>
+                <a:cs typeface="Adobe Clean"/>
+              </a:rPr>
+              <a:t>e</a:t>
+            </a:r>
+            <a:r>
+              <a:rPr sz="1200" b="1" spc="-80">
+                <a:solidFill>
+                  <a:srgbClr val="FFFFFF"/>
+                </a:solidFill>
+                <a:latin typeface="Adobe Clean"/>
+                <a:cs typeface="Adobe Clean"/>
+              </a:rPr>
+              <a:t>g</a:t>
+            </a:r>
+            <a:r>
+              <a:rPr sz="1200" b="1" spc="-35">
+                <a:solidFill>
+                  <a:srgbClr val="FFFFFF"/>
+                </a:solidFill>
+                <a:latin typeface="Adobe Clean"/>
+                <a:cs typeface="Adobe Clean"/>
+              </a:rPr>
+              <a:t>i</a:t>
+            </a:r>
+            <a:r>
+              <a:rPr sz="1200" b="1">
+                <a:solidFill>
+                  <a:srgbClr val="FFFFFF"/>
+                </a:solidFill>
+                <a:latin typeface="Adobe Clean"/>
+                <a:cs typeface="Adobe Clean"/>
+              </a:rPr>
+              <a:t>c  </a:t>
+            </a:r>
+            <a:r>
+              <a:rPr sz="1200" b="1" spc="-45">
+                <a:solidFill>
+                  <a:srgbClr val="FFFFFF"/>
+                </a:solidFill>
+                <a:latin typeface="Adobe Clean"/>
+                <a:cs typeface="Adobe Clean"/>
+              </a:rPr>
+              <a:t>Advice</a:t>
+            </a:r>
+            <a:endParaRPr sz="1200">
+              <a:latin typeface="Adobe Clean"/>
+              <a:cs typeface="Adobe Clean"/>
+            </a:endParaRPr>
           </a:p>
         </p:txBody>
       </p:sp>
@@ -10602,14 +12008,14 @@
           <p:nvPr>
             <p:extLst>
               <p:ext uri="{D42A27DB-BD31-4B8C-83A1-F6EECF244321}">
-                <p14:modId xmlns:p14="http://schemas.microsoft.com/office/powerpoint/2010/main" val="1596060064"/>
+                <p14:modId xmlns:p14="http://schemas.microsoft.com/office/powerpoint/2010/main" val="3773282750"/>
               </p:ext>
             </p:extLst>
           </p:nvPr>
         </p:nvGraphicFramePr>
         <p:xfrm>
           <a:off x="194236" y="1059345"/>
-          <a:ext cx="7368291" cy="3759200"/>
+          <a:ext cx="7368291" cy="3302000"/>
         </p:xfrm>
         <a:graphic>
           <a:graphicData uri="http://schemas.openxmlformats.org/drawingml/2006/table">
@@ -10640,17 +12046,25 @@
                     <a:lstStyle/>
                     <a:p>
                       <a:r>
-                        <a:rPr lang="es-ES" sz="1100" b="0">
+                        <a:rPr lang="en-US" sz="1100" b="0">
                           <a:solidFill>
                             <a:schemeClr val="tx1"/>
                           </a:solidFill>
-                          <a:latin typeface="Adobe Clean" panose="020B0503020404020204" pitchFamily="34" charset="0"/>
+                          <a:latin typeface="Adobe Clean"/>
                           <a:ea typeface="+mn-ea"/>
                           <a:cs typeface="+mn-cs"/>
                           <a:hlinkClick r:id="rId7"/>
                         </a:rPr>
                         <a:t>Experience League</a:t>
                       </a:r>
+                      <a:endParaRPr lang="en-US" sz="1100" b="0">
+                        <a:solidFill>
+                          <a:schemeClr val="tx1"/>
+                        </a:solidFill>
+                        <a:latin typeface="Adobe Clean"/>
+                        <a:ea typeface="+mn-ea"/>
+                        <a:cs typeface="+mn-cs"/>
+                      </a:endParaRPr>
                     </a:p>
                   </a:txBody>
                   <a:tcPr marL="47625" marR="47625" marT="0" marB="0" anchor="ctr">
@@ -10706,7 +12120,7 @@
                     <a:bodyPr/>
                     <a:lstStyle/>
                     <a:p>
-                      <a:pPr marL="0" marR="0" lvl="0" indent="0" defTabSz="914400" eaLnBrk="1" fontAlgn="auto" latinLnBrk="0" hangingPunct="1">
+                      <a:pPr marL="0" marR="0" lvl="0" indent="0" eaLnBrk="1" fontAlgn="auto" latinLnBrk="0" hangingPunct="1">
                         <a:lnSpc>
                           <a:spcPct val="100000"/>
                         </a:lnSpc>
@@ -10720,115 +12134,26 @@
                         <a:buSzTx/>
                         <a:buFontTx/>
                         <a:buNone/>
-                        <a:tabLst/>
-                        <a:defRPr/>
                       </a:pPr>
                       <a:r>
-                        <a:rPr lang="es-ES" sz="1000" b="0" dirty="0" err="1">
+                        <a:rPr lang="en-US" sz="1000" b="0" kern="1200">
                           <a:solidFill>
                             <a:srgbClr val="000000"/>
                           </a:solidFill>
-                          <a:latin typeface="Adobe Clean Light" panose="020B0303020404020204" pitchFamily="34" charset="0"/>
+                          <a:latin typeface="Adobe Clean Light"/>
                           <a:ea typeface="+mn-ea"/>
                           <a:cs typeface="+mn-cs"/>
                         </a:rPr>
-                        <a:t>Experience</a:t>
+                        <a:t>Experience League is how Adobe helps businesses achieve the value they expect from their Adobe investment. It’s the unified place where customers can learn, connect, and grow along a personalized path to success that includes self-help tutorials, product documentation, instructor-led training, community and technical support. </a:t>
                       </a:r>
-                      <a:r>
-                        <a:rPr lang="es-ES" sz="1000" b="0" dirty="0">
-                          <a:solidFill>
-                            <a:srgbClr val="000000"/>
-                          </a:solidFill>
-                          <a:latin typeface="Adobe Clean Light" panose="020B0303020404020204" pitchFamily="34" charset="0"/>
-                          <a:ea typeface="+mn-ea"/>
-                          <a:cs typeface="+mn-cs"/>
-                        </a:rPr>
-                        <a:t> League permite a Adobe ayudar a las empresas a alcanzar el valor que esperan de su inversión en Adobe. Es el lugar unificado </a:t>
-                      </a:r>
-                      <a:br>
-                        <a:rPr lang="sk-SK" sz="1000" b="0" dirty="0">
-                          <a:solidFill>
-                            <a:srgbClr val="000000"/>
-                          </a:solidFill>
-                          <a:latin typeface="Adobe Clean Light" panose="020B0303020404020204" pitchFamily="34" charset="0"/>
-                          <a:ea typeface="+mn-ea"/>
-                          <a:cs typeface="+mn-cs"/>
-                        </a:rPr>
-                      </a:br>
-                      <a:r>
-                        <a:rPr lang="es-ES" sz="1000" b="0" dirty="0">
-                          <a:solidFill>
-                            <a:srgbClr val="000000"/>
-                          </a:solidFill>
-                          <a:latin typeface="Adobe Clean Light" panose="020B0303020404020204" pitchFamily="34" charset="0"/>
-                          <a:ea typeface="+mn-ea"/>
-                          <a:cs typeface="+mn-cs"/>
-                        </a:rPr>
-                        <a:t>en el que los clientes pueden aprender, dialogar y crecer siguiendo </a:t>
-                      </a:r>
-                      <a:br>
-                        <a:rPr lang="sk-SK" sz="1000" b="0" dirty="0">
-                          <a:solidFill>
-                            <a:srgbClr val="000000"/>
-                          </a:solidFill>
-                          <a:latin typeface="Adobe Clean Light" panose="020B0303020404020204" pitchFamily="34" charset="0"/>
-                          <a:ea typeface="+mn-ea"/>
-                          <a:cs typeface="+mn-cs"/>
-                        </a:rPr>
-                      </a:br>
-                      <a:r>
-                        <a:rPr lang="es-ES" sz="1000" b="0" dirty="0">
-                          <a:solidFill>
-                            <a:srgbClr val="000000"/>
-                          </a:solidFill>
-                          <a:latin typeface="Adobe Clean Light" panose="020B0303020404020204" pitchFamily="34" charset="0"/>
-                          <a:ea typeface="+mn-ea"/>
-                          <a:cs typeface="+mn-cs"/>
-                        </a:rPr>
-                        <a:t>un camino personalizado hacia el éxito que incluye tutoriales </a:t>
-                      </a:r>
-                      <a:br>
-                        <a:rPr lang="sk-SK" sz="1000" b="0" dirty="0">
-                          <a:solidFill>
-                            <a:srgbClr val="000000"/>
-                          </a:solidFill>
-                          <a:latin typeface="Adobe Clean Light" panose="020B0303020404020204" pitchFamily="34" charset="0"/>
-                          <a:ea typeface="+mn-ea"/>
-                          <a:cs typeface="+mn-cs"/>
-                        </a:rPr>
-                      </a:br>
-                      <a:r>
-                        <a:rPr lang="es-ES" sz="1000" b="0" dirty="0">
-                          <a:solidFill>
-                            <a:srgbClr val="000000"/>
-                          </a:solidFill>
-                          <a:latin typeface="Adobe Clean Light" panose="020B0303020404020204" pitchFamily="34" charset="0"/>
-                          <a:ea typeface="+mn-ea"/>
-                          <a:cs typeface="+mn-cs"/>
-                        </a:rPr>
-                        <a:t>de autoayuda, documentación de productos, formación dirigida </a:t>
-                      </a:r>
-                      <a:br>
-                        <a:rPr lang="sk-SK" sz="1000" b="0" dirty="0">
-                          <a:solidFill>
-                            <a:srgbClr val="000000"/>
-                          </a:solidFill>
-                          <a:latin typeface="Adobe Clean Light" panose="020B0303020404020204" pitchFamily="34" charset="0"/>
-                          <a:ea typeface="+mn-ea"/>
-                          <a:cs typeface="+mn-cs"/>
-                        </a:rPr>
-                      </a:br>
-                      <a:r>
-                        <a:rPr lang="es-ES" sz="1000" b="0" dirty="0">
-                          <a:solidFill>
-                            <a:srgbClr val="000000"/>
-                          </a:solidFill>
-                          <a:latin typeface="Adobe Clean Light" panose="020B0303020404020204" pitchFamily="34" charset="0"/>
-                          <a:ea typeface="+mn-ea"/>
-                          <a:cs typeface="+mn-cs"/>
-                        </a:rPr>
-                        <a:t>por instructores, y asistencia técnica y comunitaria. </a:t>
-                      </a:r>
+                      <a:endParaRPr lang="en-US" sz="1000" b="0" kern="1200">
+                        <a:solidFill>
+                          <a:srgbClr val="000000"/>
+                        </a:solidFill>
+                        <a:latin typeface="Adobe Clean Light" panose="020B0303020404020204" pitchFamily="34" charset="0"/>
+                        <a:ea typeface="+mn-ea"/>
+                        <a:cs typeface="+mn-cs"/>
+                      </a:endParaRPr>
                     </a:p>
                   </a:txBody>
                   <a:tcPr anchor="ctr">
@@ -10909,28 +12234,39 @@
                         <a:defRPr/>
                       </a:pPr>
                       <a:r>
-                        <a:rPr lang="es-ES" sz="1100">
+                        <a:rPr lang="en-US" sz="1100">
                           <a:solidFill>
                             <a:schemeClr val="dk1"/>
                           </a:solidFill>
-                          <a:latin typeface="Adobe Clean" panose="020B0503020404020204" pitchFamily="34" charset="0"/>
+                          <a:effectLst/>
+                          <a:latin typeface="Adobe Clean"/>
                           <a:ea typeface="+mn-ea"/>
                           <a:cs typeface="+mn-cs"/>
                           <a:hlinkClick r:id="rId8"/>
                         </a:rPr>
-                        <a:t>Formación</a:t>
+                        <a:t>Training</a:t>
                       </a:r>
                       <a:r>
-                        <a:rPr lang="es-ES" sz="1100">
+                        <a:rPr lang="en-US" sz="1100">
                           <a:solidFill>
                             <a:schemeClr val="dk1"/>
                           </a:solidFill>
-                          <a:latin typeface="Adobe Clean" panose="020B0503020404020204" pitchFamily="34" charset="0"/>
+                          <a:effectLst/>
+                          <a:latin typeface="Adobe Clean"/>
                           <a:ea typeface="+mn-ea"/>
                           <a:cs typeface="+mn-cs"/>
                         </a:rPr>
                         <a:t> </a:t>
                       </a:r>
+                      <a:endParaRPr lang="en-US" sz="1100">
+                        <a:solidFill>
+                          <a:schemeClr val="tx1"/>
+                        </a:solidFill>
+                        <a:effectLst/>
+                        <a:latin typeface="Adobe Clean"/>
+                        <a:ea typeface="+mn-ea"/>
+                        <a:cs typeface="+mn-cs"/>
+                      </a:endParaRPr>
                     </a:p>
                   </a:txBody>
                   <a:tcPr anchor="ctr">
@@ -11004,15 +12340,15 @@
                         <a:defRPr/>
                       </a:pPr>
                       <a:r>
-                        <a:rPr lang="es-ES" sz="1000">
+                        <a:rPr lang="en-US" sz="1000" kern="1200">
                           <a:solidFill>
                             <a:srgbClr val="000000"/>
                           </a:solidFill>
-                          <a:latin typeface="Adobe Clean Light" panose="020B0303020404020204" pitchFamily="34" charset="0"/>
+                          <a:latin typeface="Adobe Clean Light"/>
                           <a:ea typeface="+mn-ea"/>
                           <a:cs typeface="+mn-cs"/>
                         </a:rPr>
-                        <a:t>Puede acceder a los cursos de Adobe Digital Learning Services desde Experience League. Los cursos de formación incluyen desde lecciones bajo demanda hasta lecciones impartidas por instructores.  Aquí puede aprender habilidades con valor de mercado reconocido para impulsar el éxito en su organización.</a:t>
+                        <a:t>Adobe Digital Learning Services courses are accessible from Experience League. Learning courses integrate both on-demand and instructor-led lessons.  Here you can accrue skills that have recognized market value and position them to drive success in your organizations.</a:t>
                       </a:r>
                     </a:p>
                   </a:txBody>
@@ -11094,17 +12430,27 @@
                         <a:defRPr/>
                       </a:pPr>
                       <a:r>
-                        <a:rPr lang="es-ES" sz="1100">
+                        <a:rPr lang="en-US" sz="1100">
                           <a:solidFill>
                             <a:schemeClr val="tx1"/>
                           </a:solidFill>
-                          <a:latin typeface="Adobe Clean" panose="020B0503020404020204" pitchFamily="34" charset="0"/>
+                          <a:effectLst/>
+                          <a:latin typeface="Adobe Clean"/>
                           <a:ea typeface="+mn-ea"/>
                           <a:cs typeface="+mn-cs"/>
                           <a:hlinkClick r:id="rId9"/>
                         </a:rPr>
-                        <a:t>Problemas de producción e interrupciones del sistema</a:t>
+                        <a:t>Production Issues &amp; System Outages</a:t>
                       </a:r>
+                      <a:endParaRPr lang="en-US" sz="1100">
+                        <a:solidFill>
+                          <a:schemeClr val="tx1"/>
+                        </a:solidFill>
+                        <a:effectLst/>
+                        <a:latin typeface="Adobe Clean"/>
+                        <a:ea typeface="+mn-ea"/>
+                        <a:cs typeface="+mn-cs"/>
+                      </a:endParaRPr>
                     </a:p>
                   </a:txBody>
                   <a:tcPr anchor="ctr">
@@ -11160,7 +12506,7 @@
                     <a:bodyPr/>
                     <a:lstStyle/>
                     <a:p>
-                      <a:pPr marL="0" marR="0" lvl="0" indent="0" defTabSz="914400" eaLnBrk="1" fontAlgn="auto" latinLnBrk="0" hangingPunct="1">
+                      <a:pPr marL="0" marR="0" lvl="0" indent="0" eaLnBrk="1" fontAlgn="auto" latinLnBrk="0" hangingPunct="1">
                         <a:lnSpc>
                           <a:spcPct val="100000"/>
                         </a:lnSpc>
@@ -11174,20 +12520,26 @@
                         <a:buSzTx/>
                         <a:buFontTx/>
                         <a:buNone/>
-                        <a:tabLst/>
-                        <a:defRPr/>
                       </a:pPr>
                       <a:r>
-                        <a:rPr lang="es-ES" sz="1000">
+                        <a:rPr lang="en-US" sz="1000" kern="1200">
                           <a:solidFill>
                             <a:srgbClr val="000000"/>
                           </a:solidFill>
-                          <a:latin typeface="Adobe Clean Light" panose="020B0303020404020204" pitchFamily="34" charset="0"/>
+                          <a:latin typeface="Adobe Clean Light"/>
                           <a:ea typeface="+mn-ea"/>
                           <a:cs typeface="+mn-cs"/>
                         </a:rPr>
-                        <a:t>Status.adobe.com transmite la información de estado de todos los productos y servicios de Adobe implementados en entornos de varios inquilinos. Los clientes pueden elegir sus preferencias de suscripción para recibir notificaciones por correo electrónico cada vez que Adobe cree, actualice o resuelva un evento de producto. Esto puede incluir problemas de mantenimiento o servicio programados de diversos niveles de gravedad. </a:t>
+                        <a:t>Status.adobe.com conveys the health information of all Adobe products and services that are deployed in multi-tenant environments. Customers can choose their subscription preferences to get email notifications whenever Adobe creates, updates or resolves a product event. This can include scheduled maintenance or service issues of varying levels of severity. </a:t>
                       </a:r>
+                      <a:endParaRPr lang="en-US" sz="1000" kern="1200">
+                        <a:solidFill>
+                          <a:srgbClr val="000000"/>
+                        </a:solidFill>
+                        <a:latin typeface="Adobe Clean Light" panose="020B0303020404020204" pitchFamily="34" charset="0"/>
+                        <a:ea typeface="+mn-ea"/>
+                        <a:cs typeface="+mn-cs"/>
+                      </a:endParaRPr>
                     </a:p>
                   </a:txBody>
                   <a:tcPr anchor="ctr">
@@ -11268,17 +12620,27 @@
                         <a:defRPr/>
                       </a:pPr>
                       <a:r>
-                        <a:rPr lang="es-ES" sz="1100" b="0" i="0">
+                        <a:rPr lang="en-US" sz="1100" b="0" i="0">
                           <a:solidFill>
                             <a:schemeClr val="dk1"/>
                           </a:solidFill>
-                          <a:latin typeface="Adobe Clean" panose="020B0503020404020204" pitchFamily="34" charset="0"/>
+                          <a:effectLst/>
+                          <a:latin typeface="Adobe Clean"/>
                           <a:ea typeface="+mn-ea"/>
                           <a:cs typeface="+mn-cs"/>
-                          <a:hlinkClick r:id="rId10" tooltip="https://helpx.adobe.com/es/support/programs/enterprise-support-programs/premier-support-business.html"/>
+                          <a:hlinkClick r:id="rId10" tooltip="https://helpx.adobe.com/support/programs/enterprise-support-programs/premier-support-business.html"/>
                         </a:rPr>
-                        <a:t>Sitio web de soporte Business</a:t>
+                        <a:t>Business Support Website</a:t>
                       </a:r>
+                      <a:endParaRPr lang="en-US" sz="1100" b="0" i="0">
+                        <a:solidFill>
+                          <a:schemeClr val="dk1"/>
+                        </a:solidFill>
+                        <a:effectLst/>
+                        <a:latin typeface="Adobe Clean"/>
+                        <a:ea typeface="+mn-ea"/>
+                        <a:cs typeface="+mn-cs"/>
+                      </a:endParaRPr>
                     </a:p>
                   </a:txBody>
                   <a:tcPr anchor="ctr">
@@ -11335,16 +12697,24 @@
                     <a:lstStyle/>
                     <a:p>
                       <a:r>
-                        <a:rPr lang="es-ES" sz="1000">
+                        <a:rPr lang="en-US" sz="1000" kern="1200">
                           <a:solidFill>
                             <a:srgbClr val="000000"/>
                           </a:solidFill>
-                          <a:latin typeface="Adobe Clean Light" panose="020B0303020404020204" pitchFamily="34" charset="0"/>
+                          <a:latin typeface="Adobe Clean Light"/>
                           <a:ea typeface="+mn-ea"/>
                           <a:cs typeface="+mn-cs"/>
                         </a:rPr>
-                        <a:t>Sitio web de soporte Business de Adobe</a:t>
+                        <a:t>Adobe Business Support website.</a:t>
                       </a:r>
+                      <a:endParaRPr lang="en-US" sz="1000" kern="1200">
+                        <a:solidFill>
+                          <a:srgbClr val="000000"/>
+                        </a:solidFill>
+                        <a:latin typeface="Adobe Clean Light" panose="020B0303020404020204" pitchFamily="34" charset="0"/>
+                        <a:ea typeface="+mn-ea"/>
+                        <a:cs typeface="+mn-cs"/>
+                      </a:endParaRPr>
                     </a:p>
                   </a:txBody>
                   <a:tcPr anchor="ctr">
@@ -11425,17 +12795,27 @@
                         <a:defRPr/>
                       </a:pPr>
                       <a:r>
-                        <a:rPr lang="es-ES" sz="1100">
+                        <a:rPr lang="en-US" sz="1100">
                           <a:solidFill>
                             <a:schemeClr val="tx1"/>
                           </a:solidFill>
-                          <a:latin typeface="Adobe Clean" panose="020B0503020404020204" pitchFamily="34" charset="0"/>
+                          <a:effectLst/>
+                          <a:latin typeface="Adobe Clean"/>
                           <a:ea typeface="+mn-ea"/>
                           <a:cs typeface="+mn-cs"/>
                           <a:hlinkClick r:id="rId11"/>
                         </a:rPr>
-                        <a:t>Términos y condiciones</a:t>
+                        <a:t>Terms and Conditions</a:t>
                       </a:r>
+                      <a:endParaRPr lang="en-US" sz="1100">
+                        <a:solidFill>
+                          <a:schemeClr val="tx1"/>
+                        </a:solidFill>
+                        <a:effectLst/>
+                        <a:latin typeface="Adobe Clean"/>
+                        <a:ea typeface="+mn-ea"/>
+                        <a:cs typeface="+mn-cs"/>
+                      </a:endParaRPr>
                     </a:p>
                   </a:txBody>
                   <a:tcPr anchor="ctr">
@@ -11492,16 +12872,24 @@
                     <a:lstStyle/>
                     <a:p>
                       <a:r>
-                        <a:rPr lang="es-ES" sz="1000" dirty="0">
+                        <a:rPr lang="en-US" sz="1000" kern="1200">
                           <a:solidFill>
                             <a:srgbClr val="000000"/>
                           </a:solidFill>
-                          <a:latin typeface="Adobe Clean Light" panose="020B0303020404020204" pitchFamily="34" charset="0"/>
+                          <a:latin typeface="Adobe Clean Light"/>
                           <a:ea typeface="+mn-ea"/>
                           <a:cs typeface="+mn-cs"/>
                         </a:rPr>
-                        <a:t>Términos y condiciones de las ofertas de los servicios de soporte</a:t>
+                        <a:t>Terms and conditions detailing Support Services offerings.</a:t>
                       </a:r>
+                      <a:endParaRPr lang="en-US" sz="1000" kern="1200">
+                        <a:solidFill>
+                          <a:srgbClr val="000000"/>
+                        </a:solidFill>
+                        <a:latin typeface="Adobe Clean Light" panose="020B0303020404020204" pitchFamily="34" charset="0"/>
+                        <a:ea typeface="+mn-ea"/>
+                        <a:cs typeface="+mn-cs"/>
+                      </a:endParaRPr>
                     </a:p>
                   </a:txBody>
                   <a:tcPr anchor="ctr">
@@ -12271,12 +13659,6 @@
 </file>
 
 <file path=customXml/item1.xml><?xml version="1.0" encoding="utf-8"?>
-<p:properties xmlns:p="http://schemas.microsoft.com/office/2006/metadata/properties" xmlns:xsi="http://www.w3.org/2001/XMLSchema-instance" xmlns:pc="http://schemas.microsoft.com/office/infopath/2007/PartnerControls">
-  <documentManagement/>
-</p:properties>
-</file>
-
-<file path=customXml/item2.xml><?xml version="1.0" encoding="utf-8"?>
 <ct:contentTypeSchema xmlns:ct="http://schemas.microsoft.com/office/2006/metadata/contentType" xmlns:ma="http://schemas.microsoft.com/office/2006/metadata/properties/metaAttributes" ct:_="" ma:_="" ma:contentTypeName="Document" ma:contentTypeID="0x010100E783BF6876BCC646A459363AF21A7736" ma:contentTypeVersion="10" ma:contentTypeDescription="Create a new document." ma:contentTypeScope="" ma:versionID="c4ffda7f4f415767600769e454c2ea87">
   <xsd:schema xmlns:xsd="http://www.w3.org/2001/XMLSchema" xmlns:xs="http://www.w3.org/2001/XMLSchema" xmlns:p="http://schemas.microsoft.com/office/2006/metadata/properties" xmlns:ns2="8a053bff-88be-49e4-9a87-e748e18b8b62" xmlns:ns3="6c8368ec-3776-49b5-a5bb-90648cf9530f" targetNamespace="http://schemas.microsoft.com/office/2006/metadata/properties" ma:root="true" ma:fieldsID="df3ec33bccc23e23bce7bc897fad43d1" ns2:_="" ns3:_="">
     <xsd:import namespace="8a053bff-88be-49e4-9a87-e748e18b8b62"/>
@@ -12481,7 +13863,7 @@
 </ct:contentTypeSchema>
 </file>
 
-<file path=customXml/item3.xml><?xml version="1.0" encoding="utf-8"?>
+<file path=customXml/item2.xml><?xml version="1.0" encoding="utf-8"?>
 <?mso-contentType ?>
 <FormTemplates xmlns="http://schemas.microsoft.com/sharepoint/v3/contenttype/forms">
   <Display>DocumentLibraryForm</Display>
@@ -12490,16 +13872,13 @@
 </FormTemplates>
 </file>
 
-<file path=customXml/itemProps1.xml><?xml version="1.0" encoding="utf-8"?>
-<ds:datastoreItem xmlns:ds="http://schemas.openxmlformats.org/officeDocument/2006/customXml" ds:itemID="{10FC3CAF-E6F1-40E3-87D4-6B781C97D6B4}">
-  <ds:schemaRefs>
-    <ds:schemaRef ds:uri="http://schemas.microsoft.com/office/2006/metadata/properties"/>
-    <ds:schemaRef ds:uri="http://schemas.microsoft.com/office/infopath/2007/PartnerControls"/>
-  </ds:schemaRefs>
-</ds:datastoreItem>
+<file path=customXml/item3.xml><?xml version="1.0" encoding="utf-8"?>
+<p:properties xmlns:p="http://schemas.microsoft.com/office/2006/metadata/properties" xmlns:xsi="http://www.w3.org/2001/XMLSchema-instance" xmlns:pc="http://schemas.microsoft.com/office/infopath/2007/PartnerControls">
+  <documentManagement/>
+</p:properties>
 </file>
 
-<file path=customXml/itemProps2.xml><?xml version="1.0" encoding="utf-8"?>
+<file path=customXml/itemProps1.xml><?xml version="1.0" encoding="utf-8"?>
 <ds:datastoreItem xmlns:ds="http://schemas.openxmlformats.org/officeDocument/2006/customXml" ds:itemID="{E0DB8BDF-6DA8-4ABC-A3CA-043AFD674CFC}">
   <ds:schemaRefs>
     <ds:schemaRef ds:uri="6c8368ec-3776-49b5-a5bb-90648cf9530f"/>
@@ -12518,10 +13897,27 @@
 </ds:datastoreItem>
 </file>
 
-<file path=customXml/itemProps3.xml><?xml version="1.0" encoding="utf-8"?>
+<file path=customXml/itemProps2.xml><?xml version="1.0" encoding="utf-8"?>
 <ds:datastoreItem xmlns:ds="http://schemas.openxmlformats.org/officeDocument/2006/customXml" ds:itemID="{95AE3B0B-E909-400C-B0B3-909FB50E07DE}">
   <ds:schemaRefs>
     <ds:schemaRef ds:uri="http://schemas.microsoft.com/sharepoint/v3/contenttype/forms"/>
   </ds:schemaRefs>
 </ds:datastoreItem>
+</file>
+
+<file path=customXml/itemProps3.xml><?xml version="1.0" encoding="utf-8"?>
+<ds:datastoreItem xmlns:ds="http://schemas.openxmlformats.org/officeDocument/2006/customXml" ds:itemID="{10FC3CAF-E6F1-40E3-87D4-6B781C97D6B4}">
+  <ds:schemaRefs>
+    <ds:schemaRef ds:uri="6c8368ec-3776-49b5-a5bb-90648cf9530f"/>
+    <ds:schemaRef ds:uri="8a053bff-88be-49e4-9a87-e748e18b8b62"/>
+    <ds:schemaRef ds:uri="http://purl.org/dc/dcmitype/"/>
+    <ds:schemaRef ds:uri="http://purl.org/dc/elements/1.1/"/>
+    <ds:schemaRef ds:uri="http://purl.org/dc/terms/"/>
+    <ds:schemaRef ds:uri="http://schemas.microsoft.com/office/2006/documentManagement/types"/>
+    <ds:schemaRef ds:uri="http://schemas.microsoft.com/office/2006/metadata/properties"/>
+    <ds:schemaRef ds:uri="http://schemas.microsoft.com/office/infopath/2007/PartnerControls"/>
+    <ds:schemaRef ds:uri="http://schemas.openxmlformats.org/package/2006/metadata/core-properties"/>
+    <ds:schemaRef ds:uri="http://www.w3.org/XML/1998/namespace"/>
+  </ds:schemaRefs>
+</ds:datastoreItem>
 </file>
--- a/help/data-sheets/assets/BusinessSupportDatasheet.pptx
+++ b/help/data-sheets/assets/BusinessSupportDatasheet.pptx
@@ -143,8 +143,12 @@
 <file path=ppt/revisionInfo.xml><?xml version="1.0" encoding="utf-8"?>
 <p1510:revInfo xmlns:a="http://schemas.openxmlformats.org/drawingml/2006/main" xmlns:r="http://schemas.openxmlformats.org/officeDocument/2006/relationships" xmlns:p1510="http://schemas.microsoft.com/office/powerpoint/2015/10/main">
   <p1510:revLst>
-    <p1510:client id="{61630BD6-9AE9-064C-B39F-AFA945B82B3E}" v="202" dt="2021-10-13T19:21:08.267"/>
-    <p1510:client id="{AC30C20D-1316-8ECC-DADD-39CCEC6A7FCF}" v="9" dt="2021-10-13T19:03:35.035"/>
+    <p1510:client id="{06B13378-B080-7F0F-51A5-F9203CEE57ED}" v="370" dt="2021-08-25T22:26:24.850"/>
+    <p1510:client id="{4D8E0410-E0CE-85E2-0F84-C1BF4F647622}" v="27" dt="2021-09-22T22:57:14.395"/>
+    <p1510:client id="{71D6CFBF-0EA2-99B0-93F4-22F19EF0AE4E}" v="2" dt="2021-09-22T19:06:58.732"/>
+    <p1510:client id="{9E385600-BF81-FC49-9ED0-E33BC37F7908}" v="55" dt="2021-08-04T08:16:13.478"/>
+    <p1510:client id="{AFB92C2B-405E-C597-0988-18F97C53104C}" v="37" dt="2021-09-22T18:53:28.028"/>
+    <p1510:client id="{CA5D33DF-AE75-BCA1-B9BC-A7CD44D2F3C7}" v="2" dt="2021-08-25T22:38:18.624"/>
   </p1510:revLst>
 </p1510:revInfo>
 </file>
@@ -166,77 +170,6 @@
         </pc:sldMkLst>
         <pc:graphicFrameChg chg="mod modGraphic">
           <ac:chgData name="Akilah Johnson" userId="S::akjohnso@adobe.com::2fa3aa60-0c9c-4d06-bae2-795983241227" providerId="AD" clId="Web-{4D8E0410-E0CE-85E2-0F84-C1BF4F647622}" dt="2021-09-22T22:57:04.802" v="5"/>
-          <ac:graphicFrameMkLst>
-            <pc:docMk/>
-            <pc:sldMk cId="1050037809" sldId="261"/>
-            <ac:graphicFrameMk id="25" creationId="{3A91F5B0-3974-A14D-A146-FB590F2AAD18}"/>
-          </ac:graphicFrameMkLst>
-        </pc:graphicFrameChg>
-      </pc:sldChg>
-    </pc:docChg>
-  </pc:docChgLst>
-  <pc:docChgLst>
-    <pc:chgData name="Akilah Johnson" userId="S::akjohnso@adobe.com::2fa3aa60-0c9c-4d06-bae2-795983241227" providerId="AD" clId="Web-{019F6A09-DCDA-BB53-9E3C-5BA3B13E26BB}"/>
-    <pc:docChg chg="modSld">
-      <pc:chgData name="Akilah Johnson" userId="S::akjohnso@adobe.com::2fa3aa60-0c9c-4d06-bae2-795983241227" providerId="AD" clId="Web-{019F6A09-DCDA-BB53-9E3C-5BA3B13E26BB}" dt="2021-10-12T17:10:36.752" v="17" actId="20577"/>
-      <pc:docMkLst>
-        <pc:docMk/>
-      </pc:docMkLst>
-      <pc:sldChg chg="modSp">
-        <pc:chgData name="Akilah Johnson" userId="S::akjohnso@adobe.com::2fa3aa60-0c9c-4d06-bae2-795983241227" providerId="AD" clId="Web-{019F6A09-DCDA-BB53-9E3C-5BA3B13E26BB}" dt="2021-10-12T17:09:32.112" v="2" actId="20577"/>
-        <pc:sldMkLst>
-          <pc:docMk/>
-          <pc:sldMk cId="0" sldId="257"/>
-        </pc:sldMkLst>
-        <pc:spChg chg="mod">
-          <ac:chgData name="Akilah Johnson" userId="S::akjohnso@adobe.com::2fa3aa60-0c9c-4d06-bae2-795983241227" providerId="AD" clId="Web-{019F6A09-DCDA-BB53-9E3C-5BA3B13E26BB}" dt="2021-10-12T17:09:32.112" v="2" actId="20577"/>
-          <ac:spMkLst>
-            <pc:docMk/>
-            <pc:sldMk cId="0" sldId="257"/>
-            <ac:spMk id="46" creationId="{00000000-0000-0000-0000-000000000000}"/>
-          </ac:spMkLst>
-        </pc:spChg>
-      </pc:sldChg>
-      <pc:sldChg chg="modSp">
-        <pc:chgData name="Akilah Johnson" userId="S::akjohnso@adobe.com::2fa3aa60-0c9c-4d06-bae2-795983241227" providerId="AD" clId="Web-{019F6A09-DCDA-BB53-9E3C-5BA3B13E26BB}" dt="2021-10-12T17:10:36.752" v="17" actId="20577"/>
-        <pc:sldMkLst>
-          <pc:docMk/>
-          <pc:sldMk cId="1050037809" sldId="261"/>
-        </pc:sldMkLst>
-        <pc:spChg chg="mod">
-          <ac:chgData name="Akilah Johnson" userId="S::akjohnso@adobe.com::2fa3aa60-0c9c-4d06-bae2-795983241227" providerId="AD" clId="Web-{019F6A09-DCDA-BB53-9E3C-5BA3B13E26BB}" dt="2021-10-12T17:10:36.752" v="17" actId="20577"/>
-          <ac:spMkLst>
-            <pc:docMk/>
-            <pc:sldMk cId="1050037809" sldId="261"/>
-            <ac:spMk id="56" creationId="{00000000-0000-0000-0000-000000000000}"/>
-          </ac:spMkLst>
-        </pc:spChg>
-        <pc:graphicFrameChg chg="mod modGraphic">
-          <ac:chgData name="Akilah Johnson" userId="S::akjohnso@adobe.com::2fa3aa60-0c9c-4d06-bae2-795983241227" providerId="AD" clId="Web-{019F6A09-DCDA-BB53-9E3C-5BA3B13E26BB}" dt="2021-10-12T17:09:41.471" v="6"/>
-          <ac:graphicFrameMkLst>
-            <pc:docMk/>
-            <pc:sldMk cId="1050037809" sldId="261"/>
-            <ac:graphicFrameMk id="111" creationId="{D8653CEC-4213-DE40-9BAF-D1E3318FF89C}"/>
-          </ac:graphicFrameMkLst>
-        </pc:graphicFrameChg>
-      </pc:sldChg>
-    </pc:docChg>
-  </pc:docChgLst>
-  <pc:docChgLst>
-    <pc:chgData name="Andy Witt" userId="S::awitt@adobe.com::e9157bdf-53b2-40e4-9459-936793d75696" providerId="AD" clId="Web-{06B13378-B080-7F0F-51A5-F9203CEE57ED}"/>
-    <pc:docChg chg="modSld">
-      <pc:chgData name="Andy Witt" userId="S::awitt@adobe.com::e9157bdf-53b2-40e4-9459-936793d75696" providerId="AD" clId="Web-{06B13378-B080-7F0F-51A5-F9203CEE57ED}" dt="2021-08-25T22:25:13.647" v="363"/>
-      <pc:docMkLst>
-        <pc:docMk/>
-      </pc:docMkLst>
-      <pc:sldChg chg="modSp">
-        <pc:chgData name="Andy Witt" userId="S::awitt@adobe.com::e9157bdf-53b2-40e4-9459-936793d75696" providerId="AD" clId="Web-{06B13378-B080-7F0F-51A5-F9203CEE57ED}" dt="2021-08-25T22:25:13.647" v="363"/>
-        <pc:sldMkLst>
-          <pc:docMk/>
-          <pc:sldMk cId="1050037809" sldId="261"/>
-        </pc:sldMkLst>
-        <pc:graphicFrameChg chg="mod modGraphic">
-          <ac:chgData name="Andy Witt" userId="S::awitt@adobe.com::e9157bdf-53b2-40e4-9459-936793d75696" providerId="AD" clId="Web-{06B13378-B080-7F0F-51A5-F9203CEE57ED}" dt="2021-08-25T22:25:13.647" v="363"/>
           <ac:graphicFrameMkLst>
             <pc:docMk/>
             <pc:sldMk cId="1050037809" sldId="261"/>
@@ -271,58 +204,26 @@
     </pc:docChg>
   </pc:docChgLst>
   <pc:docChgLst>
-    <pc:chgData name="Akilah Johnson" userId="S::akjohnso@adobe.com::2fa3aa60-0c9c-4d06-bae2-795983241227" providerId="AD" clId="Web-{D428A0AE-54E2-30D2-C574-7A0742876CCF}"/>
+    <pc:chgData name="Andy Witt" userId="S::awitt@adobe.com::e9157bdf-53b2-40e4-9459-936793d75696" providerId="AD" clId="Web-{06B13378-B080-7F0F-51A5-F9203CEE57ED}"/>
     <pc:docChg chg="modSld">
-      <pc:chgData name="Akilah Johnson" userId="S::akjohnso@adobe.com::2fa3aa60-0c9c-4d06-bae2-795983241227" providerId="AD" clId="Web-{D428A0AE-54E2-30D2-C574-7A0742876CCF}" dt="2021-10-12T19:11:25.330" v="0" actId="20577"/>
+      <pc:chgData name="Andy Witt" userId="S::awitt@adobe.com::e9157bdf-53b2-40e4-9459-936793d75696" providerId="AD" clId="Web-{06B13378-B080-7F0F-51A5-F9203CEE57ED}" dt="2021-08-25T22:25:13.647" v="363"/>
       <pc:docMkLst>
         <pc:docMk/>
       </pc:docMkLst>
       <pc:sldChg chg="modSp">
-        <pc:chgData name="Akilah Johnson" userId="S::akjohnso@adobe.com::2fa3aa60-0c9c-4d06-bae2-795983241227" providerId="AD" clId="Web-{D428A0AE-54E2-30D2-C574-7A0742876CCF}" dt="2021-10-12T19:11:25.330" v="0" actId="20577"/>
+        <pc:chgData name="Andy Witt" userId="S::awitt@adobe.com::e9157bdf-53b2-40e4-9459-936793d75696" providerId="AD" clId="Web-{06B13378-B080-7F0F-51A5-F9203CEE57ED}" dt="2021-08-25T22:25:13.647" v="363"/>
         <pc:sldMkLst>
           <pc:docMk/>
-          <pc:sldMk cId="0" sldId="256"/>
+          <pc:sldMk cId="1050037809" sldId="261"/>
         </pc:sldMkLst>
-        <pc:spChg chg="mod">
-          <ac:chgData name="Akilah Johnson" userId="S::akjohnso@adobe.com::2fa3aa60-0c9c-4d06-bae2-795983241227" providerId="AD" clId="Web-{D428A0AE-54E2-30D2-C574-7A0742876CCF}" dt="2021-10-12T19:11:25.330" v="0" actId="20577"/>
-          <ac:spMkLst>
+        <pc:graphicFrameChg chg="mod modGraphic">
+          <ac:chgData name="Andy Witt" userId="S::awitt@adobe.com::e9157bdf-53b2-40e4-9459-936793d75696" providerId="AD" clId="Web-{06B13378-B080-7F0F-51A5-F9203CEE57ED}" dt="2021-08-25T22:25:13.647" v="363"/>
+          <ac:graphicFrameMkLst>
             <pc:docMk/>
-            <pc:sldMk cId="0" sldId="256"/>
-            <ac:spMk id="4" creationId="{00000000-0000-0000-0000-000000000000}"/>
-          </ac:spMkLst>
-        </pc:spChg>
-      </pc:sldChg>
-    </pc:docChg>
-  </pc:docChgLst>
-  <pc:docChgLst>
-    <pc:chgData name="Lauren Schutte" userId="S::schutte@adobe.com::6e08b2d3-447a-4d66-86be-444d50df187f" providerId="AD" clId="Web-{AC30C20D-1316-8ECC-DADD-39CCEC6A7FCF}"/>
-    <pc:docChg chg="modSld">
-      <pc:chgData name="Lauren Schutte" userId="S::schutte@adobe.com::6e08b2d3-447a-4d66-86be-444d50df187f" providerId="AD" clId="Web-{AC30C20D-1316-8ECC-DADD-39CCEC6A7FCF}" dt="2021-10-13T19:03:35.035" v="8" actId="1076"/>
-      <pc:docMkLst>
-        <pc:docMk/>
-      </pc:docMkLst>
-      <pc:sldChg chg="modSp">
-        <pc:chgData name="Lauren Schutte" userId="S::schutte@adobe.com::6e08b2d3-447a-4d66-86be-444d50df187f" providerId="AD" clId="Web-{AC30C20D-1316-8ECC-DADD-39CCEC6A7FCF}" dt="2021-10-13T19:03:35.035" v="8" actId="1076"/>
-        <pc:sldMkLst>
-          <pc:docMk/>
-          <pc:sldMk cId="0" sldId="256"/>
-        </pc:sldMkLst>
-        <pc:spChg chg="mod">
-          <ac:chgData name="Lauren Schutte" userId="S::schutte@adobe.com::6e08b2d3-447a-4d66-86be-444d50df187f" providerId="AD" clId="Web-{AC30C20D-1316-8ECC-DADD-39CCEC6A7FCF}" dt="2021-10-13T19:03:27.878" v="7" actId="14100"/>
-          <ac:spMkLst>
-            <pc:docMk/>
-            <pc:sldMk cId="0" sldId="256"/>
-            <ac:spMk id="3" creationId="{00000000-0000-0000-0000-000000000000}"/>
-          </ac:spMkLst>
-        </pc:spChg>
-        <pc:spChg chg="mod">
-          <ac:chgData name="Lauren Schutte" userId="S::schutte@adobe.com::6e08b2d3-447a-4d66-86be-444d50df187f" providerId="AD" clId="Web-{AC30C20D-1316-8ECC-DADD-39CCEC6A7FCF}" dt="2021-10-13T19:03:35.035" v="8" actId="1076"/>
-          <ac:spMkLst>
-            <pc:docMk/>
-            <pc:sldMk cId="0" sldId="256"/>
-            <ac:spMk id="5" creationId="{00000000-0000-0000-0000-000000000000}"/>
-          </ac:spMkLst>
-        </pc:spChg>
+            <pc:sldMk cId="1050037809" sldId="261"/>
+            <ac:graphicFrameMk id="25" creationId="{3A91F5B0-3974-A14D-A146-FB590F2AAD18}"/>
+          </ac:graphicFrameMkLst>
+        </pc:graphicFrameChg>
       </pc:sldChg>
     </pc:docChg>
   </pc:docChgLst>
@@ -353,38 +254,6 @@
             <pc:docMk/>
             <pc:sldMk cId="1050037809" sldId="261"/>
             <ac:graphicFrameMk id="25" creationId="{3A91F5B0-3974-A14D-A146-FB590F2AAD18}"/>
-          </ac:graphicFrameMkLst>
-        </pc:graphicFrameChg>
-      </pc:sldChg>
-    </pc:docChg>
-  </pc:docChgLst>
-  <pc:docChgLst>
-    <pc:chgData name="Lauren Schutte" userId="6e08b2d3-447a-4d66-86be-444d50df187f" providerId="ADAL" clId="{61630BD6-9AE9-064C-B39F-AFA945B82B3E}"/>
-    <pc:docChg chg="undo custSel modSld">
-      <pc:chgData name="Lauren Schutte" userId="6e08b2d3-447a-4d66-86be-444d50df187f" providerId="ADAL" clId="{61630BD6-9AE9-064C-B39F-AFA945B82B3E}" dt="2021-10-13T19:21:08.267" v="201" actId="20577"/>
-      <pc:docMkLst>
-        <pc:docMk/>
-      </pc:docMkLst>
-      <pc:sldChg chg="modSp mod">
-        <pc:chgData name="Lauren Schutte" userId="6e08b2d3-447a-4d66-86be-444d50df187f" providerId="ADAL" clId="{61630BD6-9AE9-064C-B39F-AFA945B82B3E}" dt="2021-10-13T19:21:08.267" v="201" actId="20577"/>
-        <pc:sldMkLst>
-          <pc:docMk/>
-          <pc:sldMk cId="0" sldId="256"/>
-        </pc:sldMkLst>
-        <pc:spChg chg="mod">
-          <ac:chgData name="Lauren Schutte" userId="6e08b2d3-447a-4d66-86be-444d50df187f" providerId="ADAL" clId="{61630BD6-9AE9-064C-B39F-AFA945B82B3E}" dt="2021-10-13T19:03:44.344" v="3" actId="1076"/>
-          <ac:spMkLst>
-            <pc:docMk/>
-            <pc:sldMk cId="0" sldId="256"/>
-            <ac:spMk id="3" creationId="{00000000-0000-0000-0000-000000000000}"/>
-          </ac:spMkLst>
-        </pc:spChg>
-        <pc:graphicFrameChg chg="mod modGraphic">
-          <ac:chgData name="Lauren Schutte" userId="6e08b2d3-447a-4d66-86be-444d50df187f" providerId="ADAL" clId="{61630BD6-9AE9-064C-B39F-AFA945B82B3E}" dt="2021-10-13T19:21:08.267" v="201" actId="20577"/>
-          <ac:graphicFrameMkLst>
-            <pc:docMk/>
-            <pc:sldMk cId="0" sldId="256"/>
-            <ac:graphicFrameMk id="9" creationId="{00000000-0000-0000-0000-000000000000}"/>
           </ac:graphicFrameMkLst>
         </pc:graphicFrameChg>
       </pc:sldChg>
@@ -499,7 +368,7 @@
           <a:p>
             <a:fld id="{FB81873C-0B24-F04A-98A1-90E0A78F7E8A}" type="datetimeFigureOut">
               <a:rPr lang="en-US" smtClean="0"/>
-              <a:t>10/13/2021</a:t>
+              <a:t>10/1/2021</a:t>
             </a:fld>
             <a:endParaRPr lang="en-US"/>
           </a:p>
@@ -1122,7 +991,7 @@
           <a:p>
             <a:fld id="{1D8BD707-D9CF-40AE-B4C6-C98DA3205C09}" type="datetimeFigureOut">
               <a:rPr lang="en-US"/>
-              <a:t>10/13/2021</a:t>
+              <a:t>10/1/2021</a:t>
             </a:fld>
             <a:endParaRPr lang="en-US"/>
           </a:p>
@@ -1314,7 +1183,7 @@
           <a:p>
             <a:fld id="{1D8BD707-D9CF-40AE-B4C6-C98DA3205C09}" type="datetimeFigureOut">
               <a:rPr lang="en-US"/>
-              <a:t>10/13/2021</a:t>
+              <a:t>10/1/2021</a:t>
             </a:fld>
             <a:endParaRPr lang="en-US"/>
           </a:p>
@@ -1632,7 +1501,7 @@
           <a:p>
             <a:fld id="{1D8BD707-D9CF-40AE-B4C6-C98DA3205C09}" type="datetimeFigureOut">
               <a:rPr lang="en-US"/>
-              <a:t>10/13/2021</a:t>
+              <a:t>10/1/2021</a:t>
             </a:fld>
             <a:endParaRPr lang="en-US"/>
           </a:p>
@@ -1886,8 +1755,8 @@
         </p:nvSpPr>
         <p:spPr>
           <a:xfrm>
-            <a:off x="168565" y="7162363"/>
-            <a:ext cx="2800350" cy="238760"/>
+            <a:off x="168564" y="7162363"/>
+            <a:ext cx="4045089" cy="227626"/>
           </a:xfrm>
           <a:prstGeom prst="rect">
             <a:avLst/>
@@ -1908,7 +1777,7 @@
               </a:spcBef>
             </a:pPr>
             <a:r>
-              <a:rPr sz="1400" b="1" u="heavy" spc="10">
+              <a:rPr lang="es-ES" sz="1400" b="1" u="heavy" dirty="0">
                 <a:solidFill>
                   <a:srgbClr val="020302"/>
                 </a:solidFill>
@@ -1920,87 +1789,8 @@
                 <a:latin typeface="Adobe Clean"/>
                 <a:cs typeface="Adobe Clean"/>
               </a:rPr>
-              <a:t>Service </a:t>
+              <a:t>Destinatarios de nivel de servicio: Respuesta inicial</a:t>
             </a:r>
-            <a:r>
-              <a:rPr sz="1400" b="1" u="heavy" spc="-10">
-                <a:solidFill>
-                  <a:srgbClr val="020302"/>
-                </a:solidFill>
-                <a:uFill>
-                  <a:solidFill>
-                    <a:srgbClr val="020302"/>
-                  </a:solidFill>
-                </a:uFill>
-                <a:latin typeface="Adobe Clean"/>
-                <a:cs typeface="Adobe Clean"/>
-              </a:rPr>
-              <a:t>Level </a:t>
-            </a:r>
-            <a:r>
-              <a:rPr sz="1400" b="1" u="heavy" spc="-45">
-                <a:solidFill>
-                  <a:srgbClr val="020302"/>
-                </a:solidFill>
-                <a:uFill>
-                  <a:solidFill>
-                    <a:srgbClr val="020302"/>
-                  </a:solidFill>
-                </a:uFill>
-                <a:latin typeface="Adobe Clean"/>
-                <a:cs typeface="Adobe Clean"/>
-              </a:rPr>
-              <a:t>Targets: </a:t>
-            </a:r>
-            <a:r>
-              <a:rPr sz="1400" b="1" u="heavy" spc="-10">
-                <a:solidFill>
-                  <a:srgbClr val="020302"/>
-                </a:solidFill>
-                <a:uFill>
-                  <a:solidFill>
-                    <a:srgbClr val="020302"/>
-                  </a:solidFill>
-                </a:uFill>
-                <a:latin typeface="Adobe Clean"/>
-                <a:cs typeface="Adobe Clean"/>
-              </a:rPr>
-              <a:t>Initial</a:t>
-            </a:r>
-            <a:r>
-              <a:rPr sz="1400" b="1" u="heavy" spc="-140">
-                <a:solidFill>
-                  <a:srgbClr val="020302"/>
-                </a:solidFill>
-                <a:uFill>
-                  <a:solidFill>
-                    <a:srgbClr val="020302"/>
-                  </a:solidFill>
-                </a:uFill>
-                <a:latin typeface="Adobe Clean"/>
-                <a:cs typeface="Adobe Clean"/>
-              </a:rPr>
-              <a:t> </a:t>
-            </a:r>
-            <a:r>
-              <a:rPr sz="1400" b="1" u="heavy" spc="-15">
-                <a:solidFill>
-                  <a:srgbClr val="020302"/>
-                </a:solidFill>
-                <a:uFill>
-                  <a:solidFill>
-                    <a:srgbClr val="020302"/>
-                  </a:solidFill>
-                </a:uFill>
-                <a:latin typeface="Adobe Clean"/>
-                <a:cs typeface="Adobe Clean"/>
-              </a:rPr>
-              <a:t>Response</a:t>
-            </a:r>
-            <a:endParaRPr sz="1400">
-              <a:latin typeface="Adobe Clean"/>
-              <a:cs typeface="Adobe Clean"/>
-            </a:endParaRPr>
           </a:p>
         </p:txBody>
       </p:sp>
@@ -2013,7 +1803,7 @@
         <p:spPr>
           <a:xfrm>
             <a:off x="-8467" y="23397"/>
-            <a:ext cx="7772399" cy="2006345"/>
+            <a:ext cx="7772399" cy="2097552"/>
           </a:xfrm>
           <a:prstGeom prst="rect">
             <a:avLst/>
@@ -2053,7 +1843,7 @@
           </a:prstGeom>
         </p:spPr>
         <p:txBody>
-          <a:bodyPr vert="horz" wrap="square" lIns="0" tIns="12700" rIns="0" bIns="0" rtlCol="0" anchor="t">
+          <a:bodyPr vert="horz" wrap="square" lIns="0" tIns="12700" rIns="0" bIns="0" rtlCol="0">
             <a:spAutoFit/>
           </a:bodyPr>
           <a:lstStyle/>
@@ -2067,20 +1857,11 @@
               </a:spcBef>
             </a:pPr>
             <a:r>
-              <a:rPr sz="2300">
-                <a:latin typeface="Adobe Clean"/>
+              <a:rPr lang="es-ES" sz="2300">
+                <a:latin typeface="Adobe Clean" panose="020B0503020404020204" pitchFamily="34" charset="0"/>
               </a:rPr>
-              <a:t>ADOBE </a:t>
+              <a:t>OFERTA DE ASISTENCIA DE ADOBE</a:t>
             </a:r>
-            <a:r>
-              <a:rPr lang="en-US" sz="2300">
-                <a:latin typeface="Adobe Clean"/>
-              </a:rPr>
-              <a:t>SUPPORT PLANS</a:t>
-            </a:r>
-            <a:endParaRPr sz="2300">
-              <a:latin typeface="Adobe Clean" panose="020B0503020404020204" pitchFamily="34" charset="0"/>
-            </a:endParaRPr>
           </a:p>
         </p:txBody>
       </p:sp>
@@ -2092,8 +1873,8 @@
         </p:nvSpPr>
         <p:spPr>
           <a:xfrm>
-            <a:off x="121147" y="531160"/>
-            <a:ext cx="5865216" cy="1269065"/>
+            <a:off x="121146" y="635935"/>
+            <a:ext cx="5981203" cy="1424364"/>
           </a:xfrm>
           <a:prstGeom prst="rect">
             <a:avLst/>
@@ -2114,7 +1895,7 @@
               </a:spcBef>
             </a:pPr>
             <a:r>
-              <a:rPr lang="en-US" sz="900">
+              <a:rPr lang="es-ES" sz="900" dirty="0">
                 <a:solidFill>
                   <a:schemeClr val="bg1"/>
                 </a:solidFill>
@@ -2123,7 +1904,7 @@
               <a:t>Online | </a:t>
             </a:r>
             <a:r>
-              <a:rPr lang="en-US" sz="900" b="1">
+              <a:rPr lang="es-ES" sz="900" b="1" dirty="0">
                 <a:solidFill>
                   <a:schemeClr val="bg1"/>
                 </a:solidFill>
@@ -2132,7 +1913,7 @@
               <a:t>Business</a:t>
             </a:r>
             <a:r>
-              <a:rPr lang="en-US" sz="900">
+              <a:rPr lang="es-ES" sz="900" dirty="0">
                 <a:solidFill>
                   <a:schemeClr val="bg1"/>
                 </a:solidFill>
@@ -2151,21 +1932,67 @@
               </a:spcBef>
             </a:pPr>
             <a:r>
-              <a:rPr lang="en-US" sz="900">
+              <a:rPr lang="es-ES" sz="900" dirty="0">
                 <a:solidFill>
                   <a:schemeClr val="bg1"/>
                 </a:solidFill>
                 <a:latin typeface="Adobe Clean SemiLight" panose="020B0403020404020204" pitchFamily="34" charset="0"/>
               </a:rPr>
-              <a:t>Adobe provides a comprehensive range of technical resources to help support your business, included as part of your Experience Cloud license subscription and enhanced in the BUSINESS support package. BUSINESS support includes access to personalized learning paths and monitored community forums via the Adobe Experience League. You can also take advantage of our detailed and in-depth technical product documentation and current release notes. BUSINESS customers also benefit from access to our technical support teams for any product query via either the telephone or the support web portal, to help protect your business at the most critical times. BUSINESS customers will receive regular communications and updates from their Account Support Lead in addition to support case escalation management for your most critical of support requests. </a:t>
+              <a:t>Adobe ofrece una amplia variedad de recursos técnicos para ayudar a su negocio, incluidos como parte de su suscripción de licencia de </a:t>
             </a:r>
-            <a:endParaRPr lang="en-US" sz="900">
-              <a:solidFill>
-                <a:schemeClr val="bg1"/>
-              </a:solidFill>
-              <a:latin typeface="Adobe Clean Light" panose="020B0303020404020204" pitchFamily="34" charset="0"/>
-              <a:cs typeface="AdobeClean-Light"/>
-            </a:endParaRPr>
+            <a:r>
+              <a:rPr lang="es-ES" sz="900" dirty="0" err="1">
+                <a:solidFill>
+                  <a:schemeClr val="bg1"/>
+                </a:solidFill>
+                <a:latin typeface="Adobe Clean SemiLight" panose="020B0403020404020204" pitchFamily="34" charset="0"/>
+              </a:rPr>
+              <a:t>Experience</a:t>
+            </a:r>
+            <a:r>
+              <a:rPr lang="es-ES" sz="900" dirty="0">
+                <a:solidFill>
+                  <a:schemeClr val="bg1"/>
+                </a:solidFill>
+                <a:latin typeface="Adobe Clean SemiLight" panose="020B0403020404020204" pitchFamily="34" charset="0"/>
+              </a:rPr>
+              <a:t> Cloud y mejorados en el paquete de soporte BUSINESS. El paquete BUSINESS incluye acceso a rutas de aprendizaje personalizadas y foros de la comunidad monitorizados a través de Adobe </a:t>
+            </a:r>
+            <a:r>
+              <a:rPr lang="es-ES" sz="900" dirty="0" err="1">
+                <a:solidFill>
+                  <a:schemeClr val="bg1"/>
+                </a:solidFill>
+                <a:latin typeface="Adobe Clean SemiLight" panose="020B0403020404020204" pitchFamily="34" charset="0"/>
+              </a:rPr>
+              <a:t>Experience</a:t>
+            </a:r>
+            <a:r>
+              <a:rPr lang="es-ES" sz="900" dirty="0">
+                <a:solidFill>
+                  <a:schemeClr val="bg1"/>
+                </a:solidFill>
+                <a:latin typeface="Adobe Clean SemiLight" panose="020B0403020404020204" pitchFamily="34" charset="0"/>
+              </a:rPr>
+              <a:t> League. También puede disfrutar de documentación técnica completa y detallada sobre productos y notas de la versión actual. Los clientes del paquete BUSINESS también pueden acceder a nuestros equipos de soporte técnico si tienen alguna duda con su producto, ya sea a través del teléfono o mediante el portal de asistencia en línea, para proteger su negocio en los momentos más importantes. Los clientes del paquete BUSINESS recibirán notificaciones periódicas y actualizaciones del responsable de asistencia técnica de la cuenta para ayudar </a:t>
+            </a:r>
+            <a:br>
+              <a:rPr lang="sk-SK" sz="900" dirty="0">
+                <a:solidFill>
+                  <a:schemeClr val="bg1"/>
+                </a:solidFill>
+                <a:latin typeface="Adobe Clean SemiLight" panose="020B0403020404020204" pitchFamily="34" charset="0"/>
+              </a:rPr>
+            </a:br>
+            <a:r>
+              <a:rPr lang="es-ES" sz="900" dirty="0">
+                <a:solidFill>
+                  <a:schemeClr val="bg1"/>
+                </a:solidFill>
+                <a:latin typeface="Adobe Clean SemiLight" panose="020B0403020404020204" pitchFamily="34" charset="0"/>
+              </a:rPr>
+              <a:t>en la administración de casos de soporte de las solicitudes más esenciales. </a:t>
+            </a:r>
           </a:p>
         </p:txBody>
       </p:sp>
@@ -2232,24 +2059,8 @@
               </a:spcBef>
             </a:pPr>
             <a:r>
-              <a:rPr spc="-5"/>
-              <a:t>©202</a:t>
-            </a:r>
-            <a:r>
-              <a:rPr lang="en-US" spc="-5"/>
-              <a:t>1</a:t>
-            </a:r>
-            <a:r>
-              <a:rPr spc="-5"/>
-              <a:t> Adobe. All Rights Reserved. Adobe</a:t>
-            </a:r>
-            <a:r>
-              <a:rPr spc="60"/>
-              <a:t> </a:t>
-            </a:r>
-            <a:r>
-              <a:rPr spc="-5"/>
-              <a:t>Confidential.</a:t>
+              <a:rPr lang="es-ES"/>
+              <a:t>©2021 Adobe. All Rights Reserved. Adobe Confidential.</a:t>
             </a:r>
           </a:p>
         </p:txBody>
@@ -2263,14 +2074,14 @@
           <p:nvPr>
             <p:extLst>
               <p:ext uri="{D42A27DB-BD31-4B8C-83A1-F6EECF244321}">
-                <p14:modId xmlns:p14="http://schemas.microsoft.com/office/powerpoint/2010/main" val="852543156"/>
+                <p14:modId xmlns:p14="http://schemas.microsoft.com/office/powerpoint/2010/main" val="2501956132"/>
               </p:ext>
             </p:extLst>
           </p:nvPr>
         </p:nvGraphicFramePr>
         <p:xfrm>
-          <a:off x="118872" y="7475985"/>
-          <a:ext cx="7498851" cy="2223598"/>
+          <a:off x="121146" y="7475985"/>
+          <a:ext cx="7498852" cy="2207759"/>
         </p:xfrm>
         <a:graphic>
           <a:graphicData uri="http://schemas.openxmlformats.org/drawingml/2006/table">
@@ -2279,7 +2090,7 @@
                 <a:tableStyleId>{2D5ABB26-0587-4C30-8999-92F81FD0307C}</a:tableStyleId>
               </a:tblPr>
               <a:tblGrid>
-                <a:gridCol w="4698744">
+                <a:gridCol w="4698745">
                   <a:extLst>
                     <a:ext uri="{9D8B030D-6E8A-4147-A177-3AD203B41FA5}">
                       <a16:colId xmlns:a16="http://schemas.microsoft.com/office/drawing/2014/main" val="20000"/>
@@ -2301,7 +2112,7 @@
                   </a:extLst>
                 </a:gridCol>
               </a:tblGrid>
-              <a:tr h="291248">
+              <a:tr h="274318">
                 <a:tc>
                   <a:txBody>
                     <a:bodyPr/>
@@ -2316,22 +2127,18 @@
                         </a:spcBef>
                       </a:pPr>
                       <a:r>
-                        <a:rPr sz="900" spc="0">
+                        <a:rPr lang="es-ES" sz="900">
                           <a:solidFill>
                             <a:srgbClr val="020302"/>
                           </a:solidFill>
                           <a:latin typeface="Adobe Clean"/>
                           <a:cs typeface="Adobe Clean"/>
                         </a:rPr>
-                        <a:t>Priority</a:t>
+                        <a:t>Prioridad</a:t>
                       </a:r>
-                      <a:endParaRPr sz="900" spc="0">
-                        <a:latin typeface="Adobe Clean"/>
-                        <a:cs typeface="Adobe Clean"/>
-                      </a:endParaRPr>
                     </a:p>
                   </a:txBody>
-                  <a:tcPr marL="0" marR="0" marT="7620" marB="0">
+                  <a:tcPr marL="0" marR="0" marT="7620" marB="0" anchor="ctr">
                     <a:lnL w="3175">
                       <a:solidFill>
                         <a:srgbClr val="B7B8B8"/>
@@ -2375,22 +2182,18 @@
                         </a:spcBef>
                       </a:pPr>
                       <a:r>
-                        <a:rPr sz="900" spc="0">
+                        <a:rPr lang="es-ES" sz="900">
                           <a:solidFill>
                             <a:srgbClr val="020302"/>
                           </a:solidFill>
                           <a:latin typeface="Adobe Clean"/>
                           <a:cs typeface="Adobe Clean"/>
                         </a:rPr>
-                        <a:t>Online Support</a:t>
+                        <a:t>Soporte Online</a:t>
                       </a:r>
-                      <a:endParaRPr sz="900" spc="0">
-                        <a:latin typeface="Adobe Clean"/>
-                        <a:cs typeface="Adobe Clean"/>
-                      </a:endParaRPr>
                     </a:p>
                   </a:txBody>
-                  <a:tcPr marL="182880" marT="91440" anchor="ctr">
+                  <a:tcPr anchor="ctr">
                     <a:lnL w="3175">
                       <a:solidFill>
                         <a:srgbClr val="B7B8B8"/>
@@ -2434,42 +2237,18 @@
                         </a:spcBef>
                       </a:pPr>
                       <a:r>
-                        <a:rPr sz="900" spc="0">
+                        <a:rPr lang="es-ES" sz="900">
                           <a:solidFill>
                             <a:srgbClr val="FFFFFF"/>
                           </a:solidFill>
                           <a:latin typeface="Adobe Clean"/>
                           <a:cs typeface="Adobe Clean"/>
                         </a:rPr>
-                        <a:t>Business</a:t>
+                        <a:t>Soporte Business</a:t>
                       </a:r>
-                      <a:r>
-                        <a:rPr lang="en-US" sz="900" spc="0">
-                          <a:solidFill>
-                            <a:srgbClr val="FFFFFF"/>
-                          </a:solidFill>
-                          <a:latin typeface="Adobe Clean"/>
-                          <a:cs typeface="Adobe Clean"/>
-                        </a:rPr>
-                        <a:t> </a:t>
-                      </a:r>
-                      <a:r>
-                        <a:rPr sz="900" spc="0">
-                          <a:solidFill>
-                            <a:srgbClr val="FFFFFF"/>
-                          </a:solidFill>
-                          <a:latin typeface="Adobe Clean"/>
-                          <a:cs typeface="Adobe Clean"/>
-                        </a:rPr>
-                        <a:t>Support</a:t>
-                      </a:r>
-                      <a:endParaRPr sz="900" spc="0">
-                        <a:latin typeface="Adobe Clean"/>
-                        <a:cs typeface="Adobe Clean"/>
-                      </a:endParaRPr>
                     </a:p>
                   </a:txBody>
-                  <a:tcPr marL="182880" marT="91440" anchor="ctr">
+                  <a:tcPr anchor="ctr">
                     <a:lnL w="3175">
                       <a:solidFill>
                         <a:srgbClr val="B7B8B8"/>
@@ -2505,7 +2284,7 @@
                   </a:ext>
                 </a:extLst>
               </a:tr>
-              <a:tr h="514672">
+              <a:tr h="484755">
                 <a:tc>
                   <a:txBody>
                     <a:bodyPr/>
@@ -2520,19 +2299,15 @@
                         </a:spcBef>
                       </a:pPr>
                       <a:r>
-                        <a:rPr sz="900" b="1" spc="0">
+                        <a:rPr lang="es-ES" sz="900" b="1">
                           <a:solidFill>
                             <a:srgbClr val="020302"/>
                           </a:solidFill>
                           <a:latin typeface="Adobe Clean"/>
                           <a:cs typeface="Adobe Clean"/>
                         </a:rPr>
-                        <a:t>PRIORITY 1</a:t>
+                        <a:t>PRIORIDAD 1</a:t>
                       </a:r>
-                      <a:endParaRPr sz="900" spc="0">
-                        <a:latin typeface="Adobe Clean"/>
-                        <a:cs typeface="Adobe Clean"/>
-                      </a:endParaRPr>
                     </a:p>
                     <a:p>
                       <a:pPr marL="50800" marR="387985" lvl="0" indent="0" algn="l" defTabSz="914400" rtl="0" eaLnBrk="1" fontAlgn="auto" latinLnBrk="0" hangingPunct="1">
@@ -2553,19 +2328,14 @@
                         <a:defRPr/>
                       </a:pPr>
                       <a:r>
-                        <a:rPr lang="en-US" sz="900" b="0" i="0" spc="0">
+                        <a:rPr lang="es-ES" sz="900" b="0" i="0">
                           <a:solidFill>
                             <a:srgbClr val="000000"/>
                           </a:solidFill>
-                          <a:effectLst/>
                           <a:latin typeface="Adobe Clean Light" panose="020B0303020404020204" pitchFamily="34" charset="0"/>
                         </a:rPr>
-                        <a:t>Customer's production business functions are down or have significant data loss or service degradation and immediate attention is required to restore functionality and usability</a:t>
+                        <a:t>Las funciones empresariales de producción del cliente no están activadas o pierden datos o presentan una degradación del servicio significativa, por lo que se requiere atención inmediata para restaurar la funcionalidad y facilidad de uso.</a:t>
                       </a:r>
-                      <a:endParaRPr lang="en-US" sz="900" b="0" i="0" spc="0">
-                        <a:latin typeface="Adobe Clean Light" panose="020B0303020404020204" pitchFamily="34" charset="0"/>
-                        <a:cs typeface="AdobeClean-Light"/>
-                      </a:endParaRPr>
                     </a:p>
                   </a:txBody>
                   <a:tcPr marL="0" marR="0" marT="3810" marB="0">
@@ -2609,62 +2379,18 @@
                         </a:spcBef>
                       </a:pPr>
                       <a:r>
-                        <a:rPr sz="900" spc="0">
+                        <a:rPr lang="es-ES" sz="900">
                           <a:solidFill>
                             <a:srgbClr val="020302"/>
                           </a:solidFill>
                           <a:latin typeface="AdobeClean-Light"/>
                           <a:cs typeface="AdobeClean-Light"/>
                         </a:rPr>
-                        <a:t>24x7</a:t>
+                        <a:t>24x7 /           1 hora</a:t>
                       </a:r>
-                      <a:r>
-                        <a:rPr lang="en-US" sz="900" spc="0">
-                          <a:solidFill>
-                            <a:srgbClr val="020302"/>
-                          </a:solidFill>
-                          <a:latin typeface="AdobeClean-Light"/>
-                          <a:cs typeface="AdobeClean-Light"/>
-                        </a:rPr>
-                        <a:t> </a:t>
-                      </a:r>
-                      <a:r>
-                        <a:rPr sz="900" spc="0">
-                          <a:solidFill>
-                            <a:srgbClr val="020302"/>
-                          </a:solidFill>
-                          <a:latin typeface="AdobeClean-Light"/>
-                          <a:cs typeface="AdobeClean-Light"/>
-                        </a:rPr>
-                        <a:t>/</a:t>
-                      </a:r>
-                      <a:r>
-                        <a:rPr lang="en-US" sz="900" spc="0">
-                          <a:solidFill>
-                            <a:srgbClr val="020302"/>
-                          </a:solidFill>
-                          <a:latin typeface="AdobeClean-Light"/>
-                          <a:cs typeface="AdobeClean-Light"/>
-                        </a:rPr>
-                        <a:t> </a:t>
-                      </a:r>
-                      <a:r>
-                        <a:rPr sz="900" spc="0">
-                          <a:solidFill>
-                            <a:srgbClr val="020302"/>
-                          </a:solidFill>
-                          <a:latin typeface="AdobeClean-Light"/>
-                          <a:cs typeface="AdobeClean-Light"/>
-                        </a:rPr>
-                        <a:t>1 hour</a:t>
-                      </a:r>
-                      <a:endParaRPr sz="900" spc="0">
-                        <a:latin typeface="AdobeClean-Light"/>
-                        <a:cs typeface="AdobeClean-Light"/>
-                      </a:endParaRPr>
                     </a:p>
                   </a:txBody>
-                  <a:tcPr marL="0" marR="0" marT="91440" marB="91440" anchor="ctr" anchorCtr="1">
+                  <a:tcPr anchor="ctr">
                     <a:lnL w="3175">
                       <a:solidFill>
                         <a:srgbClr val="B7B8B8"/>
@@ -2705,62 +2431,18 @@
                         </a:spcBef>
                       </a:pPr>
                       <a:r>
-                        <a:rPr sz="900" spc="0">
+                        <a:rPr lang="es-ES" sz="900">
                           <a:solidFill>
                             <a:srgbClr val="020302"/>
                           </a:solidFill>
                           <a:latin typeface="AdobeClean-Light"/>
                           <a:cs typeface="AdobeClean-Light"/>
                         </a:rPr>
-                        <a:t>24x7</a:t>
+                        <a:t>24x7 /          1 hora</a:t>
                       </a:r>
-                      <a:r>
-                        <a:rPr lang="en-US" sz="900" spc="0">
-                          <a:solidFill>
-                            <a:srgbClr val="020302"/>
-                          </a:solidFill>
-                          <a:latin typeface="AdobeClean-Light"/>
-                          <a:cs typeface="AdobeClean-Light"/>
-                        </a:rPr>
-                        <a:t> </a:t>
-                      </a:r>
-                      <a:r>
-                        <a:rPr sz="900" spc="0">
-                          <a:solidFill>
-                            <a:srgbClr val="020302"/>
-                          </a:solidFill>
-                          <a:latin typeface="AdobeClean-Light"/>
-                          <a:cs typeface="AdobeClean-Light"/>
-                        </a:rPr>
-                        <a:t>/</a:t>
-                      </a:r>
-                      <a:r>
-                        <a:rPr lang="en-US" sz="900" spc="0">
-                          <a:solidFill>
-                            <a:srgbClr val="020302"/>
-                          </a:solidFill>
-                          <a:latin typeface="AdobeClean-Light"/>
-                          <a:cs typeface="AdobeClean-Light"/>
-                        </a:rPr>
-                        <a:t> </a:t>
-                      </a:r>
-                      <a:r>
-                        <a:rPr sz="900" spc="0">
-                          <a:solidFill>
-                            <a:srgbClr val="020302"/>
-                          </a:solidFill>
-                          <a:latin typeface="AdobeClean-Light"/>
-                          <a:cs typeface="AdobeClean-Light"/>
-                        </a:rPr>
-                        <a:t>1 hour</a:t>
-                      </a:r>
-                      <a:endParaRPr sz="900" spc="0">
-                        <a:latin typeface="AdobeClean-Light"/>
-                        <a:cs typeface="AdobeClean-Light"/>
-                      </a:endParaRPr>
                     </a:p>
                   </a:txBody>
-                  <a:tcPr marL="0" marR="0" marT="91440" marB="91440" anchor="ctr" anchorCtr="1">
+                  <a:tcPr anchor="ctr">
                     <a:lnL w="3175">
                       <a:solidFill>
                         <a:srgbClr val="B7B8B8"/>
@@ -2798,7 +2480,7 @@
                   </a:ext>
                 </a:extLst>
               </a:tr>
-              <a:tr h="514672">
+              <a:tr h="484755">
                 <a:tc>
                   <a:txBody>
                     <a:bodyPr/>
@@ -2813,19 +2495,15 @@
                         </a:spcBef>
                       </a:pPr>
                       <a:r>
-                        <a:rPr sz="900" b="1" spc="0">
+                        <a:rPr lang="es-ES" sz="900" b="1">
                           <a:solidFill>
                             <a:srgbClr val="020302"/>
                           </a:solidFill>
                           <a:latin typeface="Adobe Clean"/>
                           <a:cs typeface="Adobe Clean"/>
                         </a:rPr>
-                        <a:t>PRIORITY 2</a:t>
+                        <a:t>PRIORIDAD 2</a:t>
                       </a:r>
-                      <a:endParaRPr sz="900" spc="0">
-                        <a:latin typeface="Adobe Clean"/>
-                        <a:cs typeface="Adobe Clean"/>
-                      </a:endParaRPr>
                     </a:p>
                     <a:p>
                       <a:pPr marL="50165" marR="203200">
@@ -2837,19 +2515,14 @@
                         </a:spcBef>
                       </a:pPr>
                       <a:r>
-                        <a:rPr lang="en-US" sz="900" b="0" i="0" spc="0">
+                        <a:rPr lang="es-ES" sz="900" b="0" i="0">
                           <a:solidFill>
                             <a:srgbClr val="000000"/>
                           </a:solidFill>
-                          <a:effectLst/>
                           <a:latin typeface="Adobe Clean Light" panose="020B0303020404020204" pitchFamily="34" charset="0"/>
                         </a:rPr>
-                        <a:t>Customer's business functions have major service degradation or potential data loss, or a major feature is impacted </a:t>
+                        <a:t>Las funciones empresariales del cliente presentan una importante degradación del servicio o hay una posible pérdida de datos, o una función clave se está viendo afectada. </a:t>
                       </a:r>
-                      <a:endParaRPr lang="en-US" sz="900" b="0" i="0" spc="0">
-                        <a:latin typeface="Adobe Clean Light" panose="020B0303020404020204" pitchFamily="34" charset="0"/>
-                        <a:cs typeface="AdobeClean-Light"/>
-                      </a:endParaRPr>
                     </a:p>
                   </a:txBody>
                   <a:tcPr marL="0" marR="0" marT="3810" marB="0">
@@ -2893,82 +2566,18 @@
                         </a:spcBef>
                       </a:pPr>
                       <a:r>
-                        <a:rPr sz="900" spc="0">
+                        <a:rPr lang="es-ES" sz="900">
                           <a:solidFill>
                             <a:srgbClr val="020302"/>
                           </a:solidFill>
                           <a:latin typeface="AdobeClean-Light"/>
                           <a:cs typeface="AdobeClean-Light"/>
                         </a:rPr>
-                        <a:t>Business</a:t>
+                        <a:t>Horario de trabajo /     4 horas</a:t>
                       </a:r>
-                      <a:r>
-                        <a:rPr lang="en-US" sz="900" spc="0">
-                          <a:solidFill>
-                            <a:srgbClr val="020302"/>
-                          </a:solidFill>
-                          <a:latin typeface="AdobeClean-Light"/>
-                          <a:cs typeface="AdobeClean-Light"/>
-                        </a:rPr>
-                        <a:t> </a:t>
-                      </a:r>
-                      <a:r>
-                        <a:rPr sz="900" spc="0">
-                          <a:solidFill>
-                            <a:srgbClr val="020302"/>
-                          </a:solidFill>
-                          <a:latin typeface="AdobeClean-Light"/>
-                          <a:cs typeface="AdobeClean-Light"/>
-                        </a:rPr>
-                        <a:t>hours</a:t>
-                      </a:r>
-                      <a:r>
-                        <a:rPr lang="en-US" sz="900" spc="0">
-                          <a:solidFill>
-                            <a:srgbClr val="020302"/>
-                          </a:solidFill>
-                          <a:latin typeface="AdobeClean-Light"/>
-                          <a:cs typeface="AdobeClean-Light"/>
-                        </a:rPr>
-                        <a:t> </a:t>
-                      </a:r>
-                      <a:r>
-                        <a:rPr sz="900" spc="0">
-                          <a:solidFill>
-                            <a:srgbClr val="020302"/>
-                          </a:solidFill>
-                          <a:latin typeface="AdobeClean-Light"/>
-                          <a:cs typeface="AdobeClean-Light"/>
-                        </a:rPr>
-                        <a:t>/</a:t>
-                      </a:r>
-                      <a:r>
-                        <a:rPr lang="en-US" sz="900" spc="0">
-                          <a:solidFill>
-                            <a:srgbClr val="020302"/>
-                          </a:solidFill>
-                          <a:latin typeface="AdobeClean-Light"/>
-                          <a:cs typeface="AdobeClean-Light"/>
-                        </a:rPr>
-                        <a:t> </a:t>
-                      </a:r>
-                      <a:r>
-                        <a:rPr sz="900" spc="0">
-                          <a:solidFill>
-                            <a:srgbClr val="020302"/>
-                          </a:solidFill>
-                          <a:latin typeface="AdobeClean-Light"/>
-                          <a:cs typeface="AdobeClean-Light"/>
-                        </a:rPr>
-                        <a:t>4 hours</a:t>
-                      </a:r>
-                      <a:endParaRPr sz="900" spc="0">
-                        <a:latin typeface="AdobeClean-Light"/>
-                        <a:cs typeface="AdobeClean-Light"/>
-                      </a:endParaRPr>
                     </a:p>
                   </a:txBody>
-                  <a:tcPr marL="0" marR="0" marT="91440" marB="91440" anchor="ctr" anchorCtr="1">
+                  <a:tcPr anchor="ctr">
                     <a:lnL w="3175">
                       <a:solidFill>
                         <a:srgbClr val="B7B8B8"/>
@@ -3009,92 +2618,18 @@
                         </a:spcBef>
                       </a:pPr>
                       <a:r>
-                        <a:rPr lang="en-US" sz="900" spc="0">
+                        <a:rPr lang="es-ES" sz="900">
                           <a:solidFill>
                             <a:srgbClr val="020302"/>
                           </a:solidFill>
                           <a:latin typeface="AdobeClean-Light"/>
                           <a:cs typeface="AdobeClean-Light"/>
                         </a:rPr>
-                        <a:t>    </a:t>
+                        <a:t>Horario de trabajo /     2 horas</a:t>
                       </a:r>
-                      <a:r>
-                        <a:rPr sz="900" spc="0">
-                          <a:solidFill>
-                            <a:srgbClr val="020302"/>
-                          </a:solidFill>
-                          <a:latin typeface="AdobeClean-Light"/>
-                          <a:cs typeface="AdobeClean-Light"/>
-                        </a:rPr>
-                        <a:t>Business</a:t>
-                      </a:r>
-                      <a:r>
-                        <a:rPr lang="en-US" sz="900" spc="0">
-                          <a:solidFill>
-                            <a:srgbClr val="020302"/>
-                          </a:solidFill>
-                          <a:latin typeface="AdobeClean-Light"/>
-                          <a:cs typeface="AdobeClean-Light"/>
-                        </a:rPr>
-                        <a:t> </a:t>
-                      </a:r>
-                      <a:r>
-                        <a:rPr sz="900" spc="0">
-                          <a:solidFill>
-                            <a:srgbClr val="020302"/>
-                          </a:solidFill>
-                          <a:latin typeface="AdobeClean-Light"/>
-                          <a:cs typeface="AdobeClean-Light"/>
-                        </a:rPr>
-                        <a:t>hours</a:t>
-                      </a:r>
-                      <a:r>
-                        <a:rPr lang="en-US" sz="900" spc="0">
-                          <a:solidFill>
-                            <a:srgbClr val="020302"/>
-                          </a:solidFill>
-                          <a:latin typeface="AdobeClean-Light"/>
-                          <a:cs typeface="AdobeClean-Light"/>
-                        </a:rPr>
-                        <a:t> / </a:t>
-                      </a:r>
-                      <a:r>
-                        <a:rPr sz="900" spc="0">
-                          <a:solidFill>
-                            <a:srgbClr val="020302"/>
-                          </a:solidFill>
-                          <a:latin typeface="AdobeClean-Light"/>
-                          <a:cs typeface="AdobeClean-Light"/>
-                        </a:rPr>
-                        <a:t>2</a:t>
-                      </a:r>
-                      <a:r>
-                        <a:rPr lang="en-US" sz="900" spc="0">
-                          <a:solidFill>
-                            <a:srgbClr val="020302"/>
-                          </a:solidFill>
-                          <a:latin typeface="AdobeClean-Light"/>
-                          <a:cs typeface="AdobeClean-Light"/>
-                        </a:rPr>
-                        <a:t> </a:t>
-                      </a:r>
-                      <a:r>
-                        <a:rPr sz="900" spc="0">
-                          <a:solidFill>
-                            <a:srgbClr val="020302"/>
-                          </a:solidFill>
-                          <a:latin typeface="AdobeClean-Light"/>
-                          <a:cs typeface="AdobeClean-Light"/>
-                        </a:rPr>
-                        <a:t>hours</a:t>
-                      </a:r>
-                      <a:endParaRPr sz="900" spc="0">
-                        <a:latin typeface="AdobeClean-Light"/>
-                        <a:cs typeface="AdobeClean-Light"/>
-                      </a:endParaRPr>
                     </a:p>
                   </a:txBody>
-                  <a:tcPr marL="0" marR="0" marT="91440" marB="91440" anchor="ctr" anchorCtr="1">
+                  <a:tcPr anchor="ctr">
                     <a:lnL w="3175">
                       <a:solidFill>
                         <a:srgbClr val="B7B8B8"/>
@@ -3132,7 +2667,7 @@
                   </a:ext>
                 </a:extLst>
               </a:tr>
-              <a:tr h="514673">
+              <a:tr h="484756">
                 <a:tc>
                   <a:txBody>
                     <a:bodyPr/>
@@ -3147,19 +2682,15 @@
                         </a:spcBef>
                       </a:pPr>
                       <a:r>
-                        <a:rPr sz="900" b="1" spc="0">
+                        <a:rPr lang="es-ES" sz="900" b="1">
                           <a:solidFill>
                             <a:srgbClr val="020302"/>
                           </a:solidFill>
                           <a:latin typeface="Adobe Clean"/>
                           <a:cs typeface="Adobe Clean"/>
                         </a:rPr>
-                        <a:t>PRIORITY 3</a:t>
+                        <a:t>PRIORIDAD 3</a:t>
                       </a:r>
-                      <a:endParaRPr sz="900" spc="0">
-                        <a:latin typeface="Adobe Clean"/>
-                        <a:cs typeface="Adobe Clean"/>
-                      </a:endParaRPr>
                     </a:p>
                     <a:p>
                       <a:pPr marL="49530" marR="212090" indent="-2540">
@@ -3171,26 +2702,21 @@
                         </a:spcBef>
                       </a:pPr>
                       <a:r>
-                        <a:rPr kumimoji="0" lang="en-US" sz="900" b="0" i="0" u="none" strike="noStrike" kern="1200" cap="none" spc="0" normalizeH="0" baseline="0" noProof="0">
+                        <a:rPr kumimoji="0" lang="es-ES" sz="900" b="0" i="0" u="none" strike="noStrike" cap="none" normalizeH="0" baseline="0" noProof="0">
                           <a:ln>
                             <a:noFill/>
                           </a:ln>
                           <a:solidFill>
                             <a:srgbClr val="000000"/>
                           </a:solidFill>
-                          <a:effectLst/>
                           <a:uLnTx/>
                           <a:uFillTx/>
                           <a:latin typeface="Adobe Clean Light" panose="020B0303020404020204" pitchFamily="34" charset="0"/>
                           <a:ea typeface="+mn-ea"/>
                           <a:cs typeface="+mn-cs"/>
                         </a:rPr>
-                        <a:t>Customer's business functions have minor service degradation but there exists a solution/workaround allowing business functions to continue </a:t>
+                        <a:t>Las funciones empresariales del cliente presentan una menor degradación del servicio, pero existe una solución que permite que las funciones empresariales sigan funcionando. </a:t>
                       </a:r>
-                      <a:endParaRPr lang="en-US" sz="900" b="0" i="0" spc="0">
-                        <a:latin typeface="Adobe Clean Light" panose="020B0303020404020204" pitchFamily="34" charset="0"/>
-                        <a:cs typeface="AdobeClean-Light"/>
-                      </a:endParaRPr>
                     </a:p>
                   </a:txBody>
                   <a:tcPr marL="0" marR="0" marT="3810" marB="0">
@@ -3234,92 +2760,18 @@
                         </a:spcBef>
                       </a:pPr>
                       <a:r>
-                        <a:rPr lang="en-US" sz="900" spc="0">
+                        <a:rPr lang="es-ES" sz="900">
                           <a:solidFill>
                             <a:srgbClr val="020302"/>
                           </a:solidFill>
                           <a:latin typeface="AdobeClean-Light"/>
                           <a:cs typeface="AdobeClean-Light"/>
                         </a:rPr>
-                        <a:t>   </a:t>
+                        <a:t>Horario de trabajo /     6 horas</a:t>
                       </a:r>
-                      <a:r>
-                        <a:rPr sz="900" spc="0">
-                          <a:solidFill>
-                            <a:srgbClr val="020302"/>
-                          </a:solidFill>
-                          <a:latin typeface="AdobeClean-Light"/>
-                          <a:cs typeface="AdobeClean-Light"/>
-                        </a:rPr>
-                        <a:t>Business</a:t>
-                      </a:r>
-                      <a:r>
-                        <a:rPr lang="en-US" sz="900" spc="0">
-                          <a:solidFill>
-                            <a:srgbClr val="020302"/>
-                          </a:solidFill>
-                          <a:latin typeface="AdobeClean-Light"/>
-                          <a:cs typeface="AdobeClean-Light"/>
-                        </a:rPr>
-                        <a:t> </a:t>
-                      </a:r>
-                      <a:r>
-                        <a:rPr sz="900" spc="0">
-                          <a:solidFill>
-                            <a:srgbClr val="020302"/>
-                          </a:solidFill>
-                          <a:latin typeface="AdobeClean-Light"/>
-                          <a:cs typeface="AdobeClean-Light"/>
-                        </a:rPr>
-                        <a:t>hours</a:t>
-                      </a:r>
-                      <a:r>
-                        <a:rPr lang="en-US" sz="900" spc="0">
-                          <a:solidFill>
-                            <a:srgbClr val="020302"/>
-                          </a:solidFill>
-                          <a:latin typeface="AdobeClean-Light"/>
-                          <a:cs typeface="AdobeClean-Light"/>
-                        </a:rPr>
-                        <a:t> / </a:t>
-                      </a:r>
-                      <a:r>
-                        <a:rPr sz="900" spc="0">
-                          <a:solidFill>
-                            <a:srgbClr val="020302"/>
-                          </a:solidFill>
-                          <a:latin typeface="AdobeClean-Light"/>
-                          <a:cs typeface="AdobeClean-Light"/>
-                        </a:rPr>
-                        <a:t>6</a:t>
-                      </a:r>
-                      <a:r>
-                        <a:rPr lang="en-US" sz="900" spc="0">
-                          <a:solidFill>
-                            <a:srgbClr val="020302"/>
-                          </a:solidFill>
-                          <a:latin typeface="AdobeClean-Light"/>
-                          <a:cs typeface="AdobeClean-Light"/>
-                        </a:rPr>
-                        <a:t> </a:t>
-                      </a:r>
-                      <a:r>
-                        <a:rPr sz="900" spc="0">
-                          <a:solidFill>
-                            <a:srgbClr val="020302"/>
-                          </a:solidFill>
-                          <a:latin typeface="AdobeClean-Light"/>
-                          <a:cs typeface="AdobeClean-Light"/>
-                        </a:rPr>
-                        <a:t>hours</a:t>
-                      </a:r>
-                      <a:endParaRPr sz="900" spc="0">
-                        <a:latin typeface="AdobeClean-Light"/>
-                        <a:cs typeface="AdobeClean-Light"/>
-                      </a:endParaRPr>
                     </a:p>
                   </a:txBody>
-                  <a:tcPr marL="0" marR="0" marT="91440" marB="91440" anchor="ctr" anchorCtr="1">
+                  <a:tcPr anchor="ctr">
                     <a:lnL w="3175">
                       <a:solidFill>
                         <a:srgbClr val="B7B8B8"/>
@@ -3360,82 +2812,18 @@
                         </a:spcBef>
                       </a:pPr>
                       <a:r>
-                        <a:rPr sz="900" spc="0">
+                        <a:rPr lang="es-ES" sz="900">
                           <a:solidFill>
                             <a:srgbClr val="020302"/>
                           </a:solidFill>
                           <a:latin typeface="AdobeClean-Light"/>
                           <a:cs typeface="AdobeClean-Light"/>
                         </a:rPr>
-                        <a:t>Business</a:t>
+                        <a:t>Horario de trabajo /     4 horas</a:t>
                       </a:r>
-                      <a:r>
-                        <a:rPr lang="en-US" sz="900" spc="0">
-                          <a:solidFill>
-                            <a:srgbClr val="020302"/>
-                          </a:solidFill>
-                          <a:latin typeface="AdobeClean-Light"/>
-                          <a:cs typeface="AdobeClean-Light"/>
-                        </a:rPr>
-                        <a:t> </a:t>
-                      </a:r>
-                      <a:r>
-                        <a:rPr sz="900" spc="0">
-                          <a:solidFill>
-                            <a:srgbClr val="020302"/>
-                          </a:solidFill>
-                          <a:latin typeface="AdobeClean-Light"/>
-                          <a:cs typeface="AdobeClean-Light"/>
-                        </a:rPr>
-                        <a:t>hours</a:t>
-                      </a:r>
-                      <a:r>
-                        <a:rPr lang="en-US" sz="900" spc="0">
-                          <a:solidFill>
-                            <a:srgbClr val="020302"/>
-                          </a:solidFill>
-                          <a:latin typeface="AdobeClean-Light"/>
-                          <a:cs typeface="AdobeClean-Light"/>
-                        </a:rPr>
-                        <a:t> </a:t>
-                      </a:r>
-                      <a:r>
-                        <a:rPr sz="900" spc="0">
-                          <a:solidFill>
-                            <a:srgbClr val="020302"/>
-                          </a:solidFill>
-                          <a:latin typeface="AdobeClean-Light"/>
-                          <a:cs typeface="AdobeClean-Light"/>
-                        </a:rPr>
-                        <a:t>/ 4</a:t>
-                      </a:r>
-                      <a:r>
-                        <a:rPr lang="en-US" sz="900" spc="0">
-                          <a:solidFill>
-                            <a:srgbClr val="020302"/>
-                          </a:solidFill>
-                          <a:latin typeface="AdobeClean-Light"/>
-                          <a:cs typeface="AdobeClean-Light"/>
-                        </a:rPr>
-                        <a:t> </a:t>
-                      </a:r>
-                      <a:r>
-                        <a:rPr sz="900" spc="0">
-                          <a:solidFill>
-                            <a:srgbClr val="020302"/>
-                          </a:solidFill>
-                          <a:latin typeface="AdobeClean-Light"/>
-                          <a:cs typeface="AdobeClean-Light"/>
-                        </a:rPr>
-                        <a:t>hours</a:t>
-                      </a:r>
-                      <a:endParaRPr sz="900" spc="0">
-                        <a:latin typeface="AdobeClean-Light"/>
-                        <a:cs typeface="AdobeClean-Light"/>
-                      </a:endParaRPr>
                     </a:p>
                   </a:txBody>
-                  <a:tcPr marL="0" marR="0" marT="91440" marB="91440" anchor="ctr" anchorCtr="1">
+                  <a:tcPr anchor="ctr">
                     <a:lnL w="3175">
                       <a:solidFill>
                         <a:srgbClr val="B7B8B8"/>
@@ -3473,7 +2861,7 @@
                   </a:ext>
                 </a:extLst>
               </a:tr>
-              <a:tr h="388333">
+              <a:tr h="359998">
                 <a:tc>
                   <a:txBody>
                     <a:bodyPr/>
@@ -3488,19 +2876,15 @@
                         </a:spcBef>
                       </a:pPr>
                       <a:r>
-                        <a:rPr sz="900" b="1" spc="0">
+                        <a:rPr lang="es-ES" sz="900" b="1" dirty="0">
                           <a:solidFill>
                             <a:srgbClr val="020302"/>
                           </a:solidFill>
                           <a:latin typeface="Adobe Clean"/>
                           <a:cs typeface="Adobe Clean"/>
                         </a:rPr>
-                        <a:t>PRIORITY 4</a:t>
+                        <a:t>PRIORIDAD 4</a:t>
                       </a:r>
-                      <a:endParaRPr sz="900" spc="0">
-                        <a:latin typeface="Adobe Clean"/>
-                        <a:cs typeface="Adobe Clean"/>
-                      </a:endParaRPr>
                     </a:p>
                     <a:p>
                       <a:pPr marL="48895" marR="0" lvl="0" indent="0" defTabSz="914400" eaLnBrk="1" fontAlgn="auto" latinLnBrk="0" hangingPunct="1">
@@ -3521,19 +2905,14 @@
                         <a:defRPr/>
                       </a:pPr>
                       <a:r>
-                        <a:rPr lang="en-US" sz="900" b="0" i="0" spc="0">
+                        <a:rPr lang="es-ES" sz="900" b="0" i="0" dirty="0">
                           <a:solidFill>
                             <a:srgbClr val="000000"/>
                           </a:solidFill>
-                          <a:effectLst/>
                           <a:latin typeface="Adobe Clean Light" panose="020B0303020404020204" pitchFamily="34" charset="0"/>
                         </a:rPr>
-                        <a:t>General question regarding current product functionality or an enhancement request</a:t>
+                        <a:t>Pregunta general sobre la funcionalidad actual del producto o una solicitud de mejora.</a:t>
                       </a:r>
-                      <a:endParaRPr lang="en-US" sz="900" b="0" i="0" spc="0">
-                        <a:latin typeface="Adobe Clean Light" panose="020B0303020404020204" pitchFamily="34" charset="0"/>
-                        <a:cs typeface="AdobeClean-Light"/>
-                      </a:endParaRPr>
                     </a:p>
                   </a:txBody>
                   <a:tcPr marL="0" marR="0" marT="1905" marB="0">
@@ -3577,72 +2956,18 @@
                         </a:spcBef>
                       </a:pPr>
                       <a:r>
-                        <a:rPr lang="en-US" sz="900" spc="0">
+                        <a:rPr lang="es-ES" sz="900">
                           <a:solidFill>
                             <a:srgbClr val="020302"/>
                           </a:solidFill>
                           <a:latin typeface="AdobeClean-Light"/>
                           <a:cs typeface="AdobeClean-Light"/>
                         </a:rPr>
-                        <a:t>  </a:t>
+                        <a:t>Días laborables /      3 días</a:t>
                       </a:r>
-                      <a:r>
-                        <a:rPr sz="900" spc="0">
-                          <a:solidFill>
-                            <a:srgbClr val="020302"/>
-                          </a:solidFill>
-                          <a:latin typeface="AdobeClean-Light"/>
-                          <a:cs typeface="AdobeClean-Light"/>
-                        </a:rPr>
-                        <a:t>Business</a:t>
-                      </a:r>
-                      <a:r>
-                        <a:rPr lang="en-US" sz="900" spc="0">
-                          <a:solidFill>
-                            <a:srgbClr val="020302"/>
-                          </a:solidFill>
-                          <a:latin typeface="AdobeClean-Light"/>
-                          <a:cs typeface="AdobeClean-Light"/>
-                        </a:rPr>
-                        <a:t> </a:t>
-                      </a:r>
-                      <a:r>
-                        <a:rPr sz="900" spc="0">
-                          <a:solidFill>
-                            <a:srgbClr val="020302"/>
-                          </a:solidFill>
-                          <a:latin typeface="AdobeClean-Light"/>
-                          <a:cs typeface="AdobeClean-Light"/>
-                        </a:rPr>
-                        <a:t>days</a:t>
-                      </a:r>
-                      <a:r>
-                        <a:rPr lang="en-US" sz="900" spc="0">
-                          <a:solidFill>
-                            <a:srgbClr val="020302"/>
-                          </a:solidFill>
-                          <a:latin typeface="AdobeClean-Light"/>
-                          <a:cs typeface="AdobeClean-Light"/>
-                        </a:rPr>
-                        <a:t> / </a:t>
-                      </a:r>
-                      <a:r>
-                        <a:rPr sz="900" spc="0">
-                          <a:solidFill>
-                            <a:srgbClr val="020302"/>
-                          </a:solidFill>
-                          <a:latin typeface="AdobeClean-Light"/>
-                          <a:cs typeface="AdobeClean-Light"/>
-                        </a:rPr>
-                        <a:t>3 days</a:t>
-                      </a:r>
-                      <a:endParaRPr sz="900" spc="0">
-                        <a:latin typeface="AdobeClean-Light"/>
-                        <a:cs typeface="AdobeClean-Light"/>
-                      </a:endParaRPr>
                     </a:p>
                   </a:txBody>
-                  <a:tcPr marL="0" marR="0" marT="91440" marB="91440" anchor="ctr" anchorCtr="1">
+                  <a:tcPr anchor="ctr">
                     <a:lnL w="3175">
                       <a:solidFill>
                         <a:srgbClr val="B7B8B8"/>
@@ -3683,82 +3008,38 @@
                         </a:spcBef>
                       </a:pPr>
                       <a:r>
-                        <a:rPr sz="900" spc="0">
+                        <a:rPr lang="es-ES" sz="900" dirty="0">
                           <a:solidFill>
                             <a:srgbClr val="020302"/>
                           </a:solidFill>
                           <a:latin typeface="AdobeClean-Light"/>
                           <a:cs typeface="AdobeClean-Light"/>
                         </a:rPr>
-                        <a:t>Business</a:t>
+                        <a:t>Días laborables / </a:t>
                       </a:r>
+                    </a:p>
+                    <a:p>
+                      <a:pPr marL="370840" marR="223520" indent="-202565" algn="ctr">
+                        <a:lnSpc>
+                          <a:spcPct val="100000"/>
+                        </a:lnSpc>
+                        <a:spcBef>
+                          <a:spcPts val="155"/>
+                        </a:spcBef>
+                      </a:pPr>
                       <a:r>
-                        <a:rPr lang="en-US" sz="900" spc="0">
+                        <a:rPr lang="es-ES" sz="900" dirty="0">
                           <a:solidFill>
                             <a:srgbClr val="020302"/>
                           </a:solidFill>
                           <a:latin typeface="AdobeClean-Light"/>
                           <a:cs typeface="AdobeClean-Light"/>
                         </a:rPr>
-                        <a:t> </a:t>
+                        <a:t>  1 día</a:t>
                       </a:r>
-                      <a:r>
-                        <a:rPr sz="900" spc="0">
-                          <a:solidFill>
-                            <a:srgbClr val="020302"/>
-                          </a:solidFill>
-                          <a:latin typeface="AdobeClean-Light"/>
-                          <a:cs typeface="AdobeClean-Light"/>
-                        </a:rPr>
-                        <a:t>day</a:t>
-                      </a:r>
-                      <a:r>
-                        <a:rPr lang="en-US" sz="900" spc="0">
-                          <a:solidFill>
-                            <a:srgbClr val="020302"/>
-                          </a:solidFill>
-                          <a:latin typeface="AdobeClean-Light"/>
-                          <a:cs typeface="AdobeClean-Light"/>
-                        </a:rPr>
-                        <a:t>s </a:t>
-                      </a:r>
-                      <a:r>
-                        <a:rPr sz="900" spc="0">
-                          <a:solidFill>
-                            <a:srgbClr val="020302"/>
-                          </a:solidFill>
-                          <a:latin typeface="AdobeClean-Light"/>
-                          <a:cs typeface="AdobeClean-Light"/>
-                        </a:rPr>
-                        <a:t>/</a:t>
-                      </a:r>
-                      <a:r>
-                        <a:rPr lang="en-US" sz="900" spc="0">
-                          <a:solidFill>
-                            <a:srgbClr val="020302"/>
-                          </a:solidFill>
-                          <a:latin typeface="AdobeClean-Light"/>
-                          <a:cs typeface="AdobeClean-Light"/>
-                        </a:rPr>
-                        <a:t> </a:t>
-                      </a:r>
-                      <a:r>
-                        <a:rPr sz="900" spc="0">
-                          <a:solidFill>
-                            <a:srgbClr val="020302"/>
-                          </a:solidFill>
-                          <a:latin typeface="AdobeClean-Light"/>
-                          <a:cs typeface="AdobeClean-Light"/>
-                        </a:rPr>
-                        <a:t>1 day</a:t>
-                      </a:r>
-                      <a:endParaRPr sz="900" spc="0">
-                        <a:latin typeface="AdobeClean-Light"/>
-                        <a:cs typeface="AdobeClean-Light"/>
-                      </a:endParaRPr>
                     </a:p>
                   </a:txBody>
-                  <a:tcPr marL="0" marR="0" marT="91440" marB="91440" anchor="ctr" anchorCtr="1">
+                  <a:tcPr anchor="ctr">
                     <a:lnL w="3175">
                       <a:solidFill>
                         <a:srgbClr val="B7B8B8"/>
@@ -3815,7 +3096,7 @@
           <p:nvPr>
             <p:extLst>
               <p:ext uri="{D42A27DB-BD31-4B8C-83A1-F6EECF244321}">
-                <p14:modId xmlns:p14="http://schemas.microsoft.com/office/powerpoint/2010/main" val="116851390"/>
+                <p14:modId xmlns:p14="http://schemas.microsoft.com/office/powerpoint/2010/main" val="1386137920"/>
               </p:ext>
             </p:extLst>
           </p:nvPr>
@@ -3866,7 +3147,7 @@
                     <a:bodyPr/>
                     <a:lstStyle/>
                     <a:p>
-                      <a:endParaRPr lang="en-US"/>
+                      <a:endParaRPr lang="en-US" dirty="0"/>
                     </a:p>
                   </a:txBody>
                   <a:tcPr/>
@@ -3904,39 +3185,15 @@
                         <a:defRPr/>
                       </a:pPr>
                       <a:r>
-                        <a:rPr lang="en-US" sz="900" spc="-20">
+                        <a:rPr lang="es-ES" sz="900">
                           <a:solidFill>
                             <a:srgbClr val="404040"/>
                           </a:solidFill>
                           <a:latin typeface="Adobe Clean"/>
                           <a:cs typeface="Adobe Clean"/>
                         </a:rPr>
-                        <a:t>Online </a:t>
+                        <a:t>Soporte Online</a:t>
                       </a:r>
-                      <a:r>
-                        <a:rPr lang="en-US" sz="900" spc="-135">
-                          <a:solidFill>
-                            <a:srgbClr val="404040"/>
-                          </a:solidFill>
-                          <a:latin typeface="Adobe Clean"/>
-                          <a:cs typeface="Adobe Clean"/>
-                        </a:rPr>
-                        <a:t> </a:t>
-                      </a:r>
-                      <a:r>
-                        <a:rPr lang="en-US" sz="900" spc="-20">
-                          <a:solidFill>
-                            <a:srgbClr val="404040"/>
-                          </a:solidFill>
-                          <a:latin typeface="Adobe Clean"/>
-                          <a:cs typeface="Adobe Clean"/>
-                        </a:rPr>
-                        <a:t>Support</a:t>
-                      </a:r>
-                      <a:endParaRPr lang="en-US" sz="900">
-                        <a:latin typeface="Adobe Clean"/>
-                        <a:cs typeface="Adobe Clean"/>
-                      </a:endParaRPr>
                     </a:p>
                   </a:txBody>
                   <a:tcPr marL="0" marR="0" marT="7620" marB="0" anchor="ctr">
@@ -3977,39 +3234,15 @@
                         </a:spcBef>
                       </a:pPr>
                       <a:r>
-                        <a:rPr sz="900" spc="-20">
+                        <a:rPr lang="es-ES" sz="900">
                           <a:solidFill>
                             <a:srgbClr val="FFFFFF"/>
                           </a:solidFill>
                           <a:latin typeface="Adobe Clean"/>
                           <a:cs typeface="Adobe Clean"/>
                         </a:rPr>
-                        <a:t>Business</a:t>
+                        <a:t>Soporte Business</a:t>
                       </a:r>
-                      <a:r>
-                        <a:rPr lang="en-US" sz="900" spc="-20">
-                          <a:solidFill>
-                            <a:srgbClr val="FFFFFF"/>
-                          </a:solidFill>
-                          <a:latin typeface="Adobe Clean"/>
-                          <a:cs typeface="Adobe Clean"/>
-                        </a:rPr>
-                        <a:t> </a:t>
-                      </a:r>
-                      <a:r>
-                        <a:rPr sz="900" spc="-20">
-                          <a:solidFill>
-                            <a:srgbClr val="FFFFFF"/>
-                          </a:solidFill>
-                          <a:latin typeface="Adobe Clean"/>
-                          <a:cs typeface="Adobe Clean"/>
-                        </a:rPr>
-                        <a:t>Support</a:t>
-                      </a:r>
-                      <a:endParaRPr sz="900">
-                        <a:latin typeface="Adobe Clean"/>
-                        <a:cs typeface="Adobe Clean"/>
-                      </a:endParaRPr>
                     </a:p>
                   </a:txBody>
                   <a:tcPr marL="0" marR="0" marT="7620" marB="0" anchor="ctr">
@@ -4074,7 +3307,7 @@
                     <a:bodyPr/>
                     <a:lstStyle/>
                     <a:p>
-                      <a:pPr marL="0" marR="0" lvl="0" indent="0" algn="ctr" defTabSz="914400" eaLnBrk="1" fontAlgn="auto" latinLnBrk="0" hangingPunct="1">
+                      <a:pPr marL="0" marR="0" lvl="0" indent="0" algn="l" defTabSz="914400" rtl="0" eaLnBrk="1" fontAlgn="auto" latinLnBrk="0" hangingPunct="1">
                         <a:lnSpc>
                           <a:spcPct val="100000"/>
                         </a:lnSpc>
@@ -4155,13 +3388,13 @@
                         <a:defRPr/>
                       </a:pPr>
                       <a:r>
-                        <a:rPr lang="en-US" sz="800" i="1">
+                        <a:rPr lang="es-ES" sz="800" i="1">
                           <a:solidFill>
                             <a:schemeClr val="bg1"/>
                           </a:solidFill>
                           <a:latin typeface="Adobe Clean Light" panose="020B0303020404020204" pitchFamily="34" charset="0"/>
                         </a:rPr>
-                        <a:t>Paid Support ($)</a:t>
+                        <a:t>Soporte de pago ($)</a:t>
                       </a:r>
                     </a:p>
                   </a:txBody>
@@ -4225,22 +3458,15 @@
                         </a:spcBef>
                       </a:pPr>
                       <a:r>
-                        <a:rPr lang="en-US" sz="1000" b="1" i="0" spc="0">
+                        <a:rPr lang="es-ES" sz="1000" b="1" i="0">
                           <a:solidFill>
                             <a:schemeClr val="bg1"/>
                           </a:solidFill>
                           <a:latin typeface="Adobe Clean" panose="020B0503020404020204" pitchFamily="34" charset="0"/>
                           <a:cs typeface="AdobeClean-Light"/>
                         </a:rPr>
-                        <a:t>Assigned Experts</a:t>
+                        <a:t>Expertos asignados</a:t>
                       </a:r>
-                      <a:endParaRPr sz="1000" b="1" i="0" spc="0">
-                        <a:solidFill>
-                          <a:schemeClr val="bg1"/>
-                        </a:solidFill>
-                        <a:latin typeface="Adobe Clean" panose="020B0503020404020204" pitchFamily="34" charset="0"/>
-                        <a:cs typeface="AdobeClean-Light"/>
-                      </a:endParaRPr>
                     </a:p>
                   </a:txBody>
                   <a:tcPr marL="0" marR="0" marT="58419" marB="0" anchor="ctr">
@@ -4287,19 +3513,15 @@
                         </a:spcBef>
                       </a:pPr>
                       <a:r>
-                        <a:rPr sz="900" spc="0">
+                        <a:rPr lang="es-ES" sz="900">
                           <a:solidFill>
                             <a:srgbClr val="020302"/>
                           </a:solidFill>
                           <a:latin typeface="AdobeClean-Light"/>
                           <a:cs typeface="AdobeClean-Light"/>
                         </a:rPr>
-                        <a:t>Account Support Lead</a:t>
+                        <a:t>Responsable de la asistencia técnica de la cuenta</a:t>
                       </a:r>
-                      <a:endParaRPr sz="900" spc="0">
-                        <a:latin typeface="AdobeClean-Light"/>
-                        <a:cs typeface="AdobeClean-Light"/>
-                      </a:endParaRPr>
                     </a:p>
                   </a:txBody>
                   <a:tcPr marL="0" marR="0" marT="58419" marB="0">
@@ -4334,7 +3556,7 @@
                     <a:bodyPr/>
                     <a:lstStyle/>
                     <a:p>
-                      <a:pPr algn="ctr">
+                      <a:pPr algn="l" rtl="0">
                         <a:lnSpc>
                           <a:spcPct val="100000"/>
                         </a:lnSpc>
@@ -4384,7 +3606,7 @@
                         </a:spcBef>
                       </a:pPr>
                       <a:r>
-                        <a:rPr sz="900">
+                        <a:rPr lang="es-ES" sz="900">
                           <a:solidFill>
                             <a:srgbClr val="020302"/>
                           </a:solidFill>
@@ -4393,10 +3615,6 @@
                         </a:rPr>
                         <a:t></a:t>
                       </a:r>
-                      <a:endParaRPr sz="900">
-                        <a:latin typeface="Wingdings"/>
-                        <a:cs typeface="Wingdings"/>
-                      </a:endParaRPr>
                     </a:p>
                   </a:txBody>
                   <a:tcPr marL="0" marR="0" marT="59690" marB="0" anchor="ctr">
@@ -4428,7 +3646,7 @@
                     <a:bodyPr/>
                     <a:lstStyle/>
                     <a:p>
-                      <a:pPr marL="50800">
+                      <a:pPr marL="50800" algn="l" rtl="0">
                         <a:lnSpc>
                           <a:spcPct val="100000"/>
                         </a:lnSpc>
@@ -4474,19 +3692,15 @@
                         </a:spcBef>
                       </a:pPr>
                       <a:r>
-                        <a:rPr sz="900" spc="0">
+                        <a:rPr lang="es-ES" sz="900">
                           <a:solidFill>
                             <a:srgbClr val="020302"/>
                           </a:solidFill>
                           <a:latin typeface="AdobeClean-Light"/>
                           <a:cs typeface="AdobeClean-Light"/>
                         </a:rPr>
-                        <a:t>Named Support Engineer</a:t>
+                        <a:t>Ingeniero de asistencia técnica especializado</a:t>
                       </a:r>
-                      <a:endParaRPr sz="900" spc="0">
-                        <a:latin typeface="AdobeClean-Light"/>
-                        <a:cs typeface="AdobeClean-Light"/>
-                      </a:endParaRPr>
                     </a:p>
                   </a:txBody>
                   <a:tcPr marL="0" marR="0" marT="58419" marB="0">
@@ -4509,7 +3723,7 @@
                     <a:bodyPr/>
                     <a:lstStyle/>
                     <a:p>
-                      <a:pPr algn="ctr">
+                      <a:pPr algn="l" rtl="0">
                         <a:lnSpc>
                           <a:spcPct val="100000"/>
                         </a:lnSpc>
@@ -4538,7 +3752,7 @@
                     <a:bodyPr/>
                     <a:lstStyle/>
                     <a:p>
-                      <a:pPr algn="ctr">
+                      <a:pPr algn="l" rtl="0">
                         <a:lnSpc>
                           <a:spcPct val="100000"/>
                         </a:lnSpc>
@@ -4569,7 +3783,7 @@
                     <a:bodyPr/>
                     <a:lstStyle/>
                     <a:p>
-                      <a:pPr marL="50800">
+                      <a:pPr marL="50800" algn="l" rtl="0">
                         <a:lnSpc>
                           <a:spcPct val="100000"/>
                         </a:lnSpc>
@@ -4627,19 +3841,15 @@
                         </a:spcBef>
                       </a:pPr>
                       <a:r>
-                        <a:rPr sz="900" spc="0">
+                        <a:rPr lang="es-ES" sz="900">
                           <a:solidFill>
                             <a:srgbClr val="020302"/>
                           </a:solidFill>
                           <a:latin typeface="AdobeClean-Light"/>
                           <a:cs typeface="AdobeClean-Light"/>
                         </a:rPr>
-                        <a:t>Technical Account Manager</a:t>
+                        <a:t>Gestor técnico de cuentas</a:t>
                       </a:r>
-                      <a:endParaRPr sz="900" spc="0">
-                        <a:latin typeface="AdobeClean-Light"/>
-                        <a:cs typeface="AdobeClean-Light"/>
-                      </a:endParaRPr>
                     </a:p>
                   </a:txBody>
                   <a:tcPr marL="0" marR="0" marT="63500" marB="0">
@@ -4668,7 +3878,7 @@
                     <a:bodyPr/>
                     <a:lstStyle/>
                     <a:p>
-                      <a:pPr algn="ctr">
+                      <a:pPr algn="l" rtl="0">
                         <a:lnSpc>
                           <a:spcPct val="100000"/>
                         </a:lnSpc>
@@ -4706,7 +3916,7 @@
                     <a:bodyPr/>
                     <a:lstStyle/>
                     <a:p>
-                      <a:pPr algn="ctr">
+                      <a:pPr algn="l" rtl="0">
                         <a:lnSpc>
                           <a:spcPct val="100000"/>
                         </a:lnSpc>
@@ -4755,22 +3965,15 @@
                         </a:spcBef>
                       </a:pPr>
                       <a:r>
-                        <a:rPr lang="en-US" sz="1000" b="1" i="0" spc="0">
+                        <a:rPr lang="es-ES" sz="1000" b="1" i="0">
                           <a:solidFill>
                             <a:schemeClr val="bg1"/>
                           </a:solidFill>
                           <a:latin typeface="Adobe Clean" panose="020B0503020404020204" pitchFamily="34" charset="0"/>
                           <a:cs typeface="AdobeClean-Light"/>
                         </a:rPr>
-                        <a:t>Support Services</a:t>
+                        <a:t>Servicios de soporte</a:t>
                       </a:r>
-                      <a:endParaRPr sz="1000" b="1" i="0" spc="0">
-                        <a:solidFill>
-                          <a:schemeClr val="bg1"/>
-                        </a:solidFill>
-                        <a:latin typeface="Adobe Clean" panose="020B0503020404020204" pitchFamily="34" charset="0"/>
-                        <a:cs typeface="AdobeClean-Light"/>
-                      </a:endParaRPr>
                     </a:p>
                   </a:txBody>
                   <a:tcPr marL="0" marR="0" marT="57150" marB="0" anchor="ctr">
@@ -4826,29 +4029,15 @@
                         </a:spcBef>
                       </a:pPr>
                       <a:r>
-                        <a:rPr lang="en-US" sz="900" spc="0">
+                        <a:rPr lang="es-ES" sz="900">
                           <a:solidFill>
                             <a:srgbClr val="020302"/>
                           </a:solidFill>
                           <a:latin typeface="AdobeClean-Light"/>
                           <a:cs typeface="AdobeClean-Light"/>
                         </a:rPr>
-                        <a:t>Online</a:t>
+                        <a:t>Soporte Online</a:t>
                       </a:r>
-                      <a:r>
-                        <a:rPr sz="900" spc="0">
-                          <a:solidFill>
-                            <a:srgbClr val="020302"/>
-                          </a:solidFill>
-                          <a:latin typeface="AdobeClean-Light"/>
-                          <a:cs typeface="AdobeClean-Light"/>
-                        </a:rPr>
-                        <a:t> Support</a:t>
-                      </a:r>
-                      <a:endParaRPr sz="900" spc="0">
-                        <a:latin typeface="AdobeClean-Light"/>
-                        <a:cs typeface="AdobeClean-Light"/>
-                      </a:endParaRPr>
                     </a:p>
                   </a:txBody>
                   <a:tcPr marL="0" marR="0" marT="57150" marB="0">
@@ -4886,39 +4075,15 @@
                         </a:spcBef>
                       </a:pPr>
                       <a:r>
-                        <a:rPr sz="900" spc="-25">
+                        <a:rPr lang="es-ES" sz="900">
                           <a:solidFill>
                             <a:srgbClr val="020302"/>
                           </a:solidFill>
                           <a:latin typeface="AdobeClean-Light"/>
                           <a:cs typeface="AdobeClean-Light"/>
                         </a:rPr>
-                        <a:t>Business</a:t>
+                        <a:t>Horario de trabajo</a:t>
                       </a:r>
-                      <a:r>
-                        <a:rPr sz="900" spc="-15">
-                          <a:solidFill>
-                            <a:srgbClr val="020302"/>
-                          </a:solidFill>
-                          <a:latin typeface="AdobeClean-Light"/>
-                          <a:cs typeface="AdobeClean-Light"/>
-                        </a:rPr>
-                        <a:t> </a:t>
-                      </a:r>
-                      <a:r>
-                        <a:rPr sz="900" spc="-30">
-                          <a:solidFill>
-                            <a:srgbClr val="020302"/>
-                          </a:solidFill>
-                          <a:latin typeface="AdobeClean-Light"/>
-                          <a:cs typeface="AdobeClean-Light"/>
-                        </a:rPr>
-                        <a:t>hours</a:t>
-                      </a:r>
-                      <a:endParaRPr sz="900">
-                        <a:latin typeface="AdobeClean-Light"/>
-                        <a:cs typeface="AdobeClean-Light"/>
-                      </a:endParaRPr>
                     </a:p>
                   </a:txBody>
                   <a:tcPr marL="0" marR="0" marT="67945" marB="0">
@@ -4957,39 +4122,15 @@
                         </a:spcBef>
                       </a:pPr>
                       <a:r>
-                        <a:rPr sz="900" spc="-25">
+                        <a:rPr lang="es-ES" sz="900">
                           <a:solidFill>
                             <a:srgbClr val="020302"/>
                           </a:solidFill>
                           <a:latin typeface="AdobeClean-Light"/>
                           <a:cs typeface="AdobeClean-Light"/>
                         </a:rPr>
-                        <a:t>Business</a:t>
+                        <a:t>Horario de trabajo</a:t>
                       </a:r>
-                      <a:r>
-                        <a:rPr sz="900" spc="-15">
-                          <a:solidFill>
-                            <a:srgbClr val="020302"/>
-                          </a:solidFill>
-                          <a:latin typeface="AdobeClean-Light"/>
-                          <a:cs typeface="AdobeClean-Light"/>
-                        </a:rPr>
-                        <a:t> </a:t>
-                      </a:r>
-                      <a:r>
-                        <a:rPr sz="900" spc="-30">
-                          <a:solidFill>
-                            <a:srgbClr val="020302"/>
-                          </a:solidFill>
-                          <a:latin typeface="AdobeClean-Light"/>
-                          <a:cs typeface="AdobeClean-Light"/>
-                        </a:rPr>
-                        <a:t>hours</a:t>
-                      </a:r>
-                      <a:endParaRPr sz="900">
-                        <a:latin typeface="AdobeClean-Light"/>
-                        <a:cs typeface="AdobeClean-Light"/>
-                      </a:endParaRPr>
                     </a:p>
                   </a:txBody>
                   <a:tcPr marL="0" marR="0" marT="67945" marB="0">
@@ -5021,7 +4162,7 @@
                     <a:bodyPr/>
                     <a:lstStyle/>
                     <a:p>
-                      <a:pPr marL="50800">
+                      <a:pPr marL="50800" algn="l" rtl="0">
                         <a:lnSpc>
                           <a:spcPct val="100000"/>
                         </a:lnSpc>
@@ -5070,39 +4211,15 @@
                         </a:spcBef>
                       </a:pPr>
                       <a:r>
-                        <a:rPr sz="900" spc="0">
+                        <a:rPr lang="es-ES" sz="900">
                           <a:solidFill>
                             <a:srgbClr val="020302"/>
                           </a:solidFill>
                           <a:latin typeface="AdobeClean-Light"/>
                           <a:cs typeface="AdobeClean-Light"/>
                         </a:rPr>
-                        <a:t>24x7</a:t>
+                        <a:t>Soporte con problemas P1 24 x 7 x 365</a:t>
                       </a:r>
-                      <a:r>
-                        <a:rPr lang="en-US" sz="900" spc="0">
-                          <a:solidFill>
-                            <a:srgbClr val="020302"/>
-                          </a:solidFill>
-                          <a:latin typeface="AdobeClean-Light"/>
-                          <a:cs typeface="AdobeClean-Light"/>
-                        </a:rPr>
-                        <a:t>x365</a:t>
-                      </a:r>
-                      <a:r>
-                        <a:rPr sz="900" spc="0">
-                          <a:solidFill>
-                            <a:srgbClr val="020302"/>
-                          </a:solidFill>
-                          <a:latin typeface="AdobeClean-Light"/>
-                          <a:cs typeface="AdobeClean-Light"/>
-                        </a:rPr>
-                        <a:t> P1 Issue Support</a:t>
-                      </a:r>
-                      <a:endParaRPr sz="900" spc="0">
-                        <a:latin typeface="AdobeClean-Light"/>
-                        <a:cs typeface="AdobeClean-Light"/>
-                      </a:endParaRPr>
                     </a:p>
                   </a:txBody>
                   <a:tcPr marL="0" marR="0" marT="57785" marB="0">
@@ -5134,7 +4251,7 @@
                         </a:spcBef>
                       </a:pPr>
                       <a:r>
-                        <a:rPr sz="900">
+                        <a:rPr lang="es-ES" sz="900">
                           <a:solidFill>
                             <a:srgbClr val="020302"/>
                           </a:solidFill>
@@ -5143,10 +4260,6 @@
                         </a:rPr>
                         <a:t></a:t>
                       </a:r>
-                      <a:endParaRPr sz="900">
-                        <a:latin typeface="Wingdings"/>
-                        <a:cs typeface="Wingdings"/>
-                      </a:endParaRPr>
                     </a:p>
                   </a:txBody>
                   <a:tcPr marL="0" marR="0" marT="58419" marB="0">
@@ -5176,7 +4289,7 @@
                         </a:spcBef>
                       </a:pPr>
                       <a:r>
-                        <a:rPr sz="900">
+                        <a:rPr lang="es-ES" sz="900">
                           <a:solidFill>
                             <a:srgbClr val="020302"/>
                           </a:solidFill>
@@ -5185,10 +4298,6 @@
                         </a:rPr>
                         <a:t></a:t>
                       </a:r>
-                      <a:endParaRPr sz="900">
-                        <a:latin typeface="Wingdings"/>
-                        <a:cs typeface="Wingdings"/>
-                      </a:endParaRPr>
                     </a:p>
                   </a:txBody>
                   <a:tcPr marL="0" marR="0" marT="58419" marB="0">
@@ -5211,7 +4320,7 @@
                     <a:bodyPr/>
                     <a:lstStyle/>
                     <a:p>
-                      <a:pPr marL="50800">
+                      <a:pPr marL="50800" algn="l" rtl="0">
                         <a:lnSpc>
                           <a:spcPct val="100000"/>
                         </a:lnSpc>
@@ -5269,19 +4378,15 @@
                         </a:spcBef>
                       </a:pPr>
                       <a:r>
-                        <a:rPr lang="en-US" sz="900" spc="0">
+                        <a:rPr lang="es-ES" sz="900">
                           <a:solidFill>
                             <a:srgbClr val="020302"/>
                           </a:solidFill>
                           <a:latin typeface="AdobeClean-Light"/>
                           <a:cs typeface="AdobeClean-Light"/>
                         </a:rPr>
-                        <a:t>Named Support Contacts (per product)</a:t>
+                        <a:t>Contactos de soporte particulares (por producto)</a:t>
                       </a:r>
-                      <a:endParaRPr sz="900" spc="0">
-                        <a:latin typeface="AdobeClean-Light"/>
-                        <a:cs typeface="AdobeClean-Light"/>
-                      </a:endParaRPr>
                     </a:p>
                   </a:txBody>
                   <a:tcPr marL="0" marR="0" marT="57785" marB="0">
@@ -5319,7 +4424,7 @@
                         </a:spcBef>
                       </a:pPr>
                       <a:r>
-                        <a:rPr sz="900">
+                        <a:rPr lang="es-ES" sz="900">
                           <a:solidFill>
                             <a:srgbClr val="020302"/>
                           </a:solidFill>
@@ -5328,10 +4433,6 @@
                         </a:rPr>
                         <a:t>4</a:t>
                       </a:r>
-                      <a:endParaRPr sz="900">
-                        <a:latin typeface="AdobeClean-Light"/>
-                        <a:cs typeface="AdobeClean-Light"/>
-                      </a:endParaRPr>
                     </a:p>
                   </a:txBody>
                   <a:tcPr marL="0" marR="0" marT="57785" marB="0">
@@ -5361,7 +4462,7 @@
                         </a:spcBef>
                       </a:pPr>
                       <a:r>
-                        <a:rPr sz="900">
+                        <a:rPr lang="es-ES" sz="900">
                           <a:solidFill>
                             <a:srgbClr val="020302"/>
                           </a:solidFill>
@@ -5370,10 +4471,6 @@
                         </a:rPr>
                         <a:t>6</a:t>
                       </a:r>
-                      <a:endParaRPr sz="900">
-                        <a:latin typeface="AdobeClean-Light"/>
-                        <a:cs typeface="AdobeClean-Light"/>
-                      </a:endParaRPr>
                     </a:p>
                   </a:txBody>
                   <a:tcPr marL="0" marR="0" marT="57785" marB="0">
@@ -5396,7 +4493,7 @@
                     <a:bodyPr/>
                     <a:lstStyle/>
                     <a:p>
-                      <a:pPr marL="50800">
+                      <a:pPr marL="50800" algn="l" rtl="0">
                         <a:lnSpc>
                           <a:spcPct val="100000"/>
                         </a:lnSpc>
@@ -5445,19 +4542,15 @@
                         </a:spcBef>
                       </a:pPr>
                       <a:r>
-                        <a:rPr lang="en-US" sz="900" spc="0">
+                        <a:rPr lang="es-ES" sz="900">
                           <a:solidFill>
                             <a:srgbClr val="020302"/>
                           </a:solidFill>
                           <a:latin typeface="AdobeClean-Light"/>
                           <a:cs typeface="AdobeClean-Light"/>
                         </a:rPr>
-                        <a:t>Live Telephone Support</a:t>
+                        <a:t>Asistencia telefónica en directo</a:t>
                       </a:r>
-                      <a:endParaRPr sz="900" spc="0">
-                        <a:latin typeface="AdobeClean-Light"/>
-                        <a:cs typeface="AdobeClean-Light"/>
-                      </a:endParaRPr>
                     </a:p>
                   </a:txBody>
                   <a:tcPr marL="0" marR="0" marT="57785" marB="0">
@@ -5480,7 +4573,7 @@
                     <a:bodyPr/>
                     <a:lstStyle/>
                     <a:p>
-                      <a:pPr algn="ctr">
+                      <a:pPr algn="l" rtl="0">
                         <a:lnSpc>
                           <a:spcPct val="100000"/>
                         </a:lnSpc>
@@ -5521,7 +4614,7 @@
                         </a:spcBef>
                       </a:pPr>
                       <a:r>
-                        <a:rPr sz="900">
+                        <a:rPr lang="es-ES" sz="900">
                           <a:solidFill>
                             <a:srgbClr val="020302"/>
                           </a:solidFill>
@@ -5530,10 +4623,6 @@
                         </a:rPr>
                         <a:t></a:t>
                       </a:r>
-                      <a:endParaRPr sz="900">
-                        <a:latin typeface="Wingdings"/>
-                        <a:cs typeface="Wingdings"/>
-                      </a:endParaRPr>
                     </a:p>
                   </a:txBody>
                   <a:tcPr marL="0" marR="0" marT="59054" marB="0">
@@ -5556,7 +4645,7 @@
                     <a:bodyPr/>
                     <a:lstStyle/>
                     <a:p>
-                      <a:pPr marL="50800">
+                      <a:pPr marL="50800" algn="l" rtl="0">
                         <a:lnSpc>
                           <a:spcPct val="100000"/>
                         </a:lnSpc>
@@ -5605,19 +4694,15 @@
                         </a:spcBef>
                       </a:pPr>
                       <a:r>
-                        <a:rPr sz="900" spc="0">
+                        <a:rPr lang="es-ES" sz="900">
                           <a:solidFill>
                             <a:srgbClr val="020302"/>
                           </a:solidFill>
                           <a:latin typeface="AdobeClean-Light"/>
                           <a:cs typeface="AdobeClean-Light"/>
                         </a:rPr>
-                        <a:t>Escalation Management</a:t>
+                        <a:t>Administración de la escalabilidad</a:t>
                       </a:r>
-                      <a:endParaRPr sz="900" spc="0">
-                        <a:latin typeface="AdobeClean-Light"/>
-                        <a:cs typeface="AdobeClean-Light"/>
-                      </a:endParaRPr>
                     </a:p>
                   </a:txBody>
                   <a:tcPr marL="0" marR="0" marT="58419" marB="0">
@@ -5640,7 +4725,7 @@
                     <a:bodyPr/>
                     <a:lstStyle/>
                     <a:p>
-                      <a:pPr algn="ctr">
+                      <a:pPr algn="l" rtl="0">
                         <a:lnSpc>
                           <a:spcPct val="100000"/>
                         </a:lnSpc>
@@ -5681,7 +4766,7 @@
                         </a:spcBef>
                       </a:pPr>
                       <a:r>
-                        <a:rPr sz="900">
+                        <a:rPr lang="es-ES" sz="900">
                           <a:solidFill>
                             <a:srgbClr val="020302"/>
                           </a:solidFill>
@@ -5690,10 +4775,6 @@
                         </a:rPr>
                         <a:t></a:t>
                       </a:r>
-                      <a:endParaRPr sz="900">
-                        <a:latin typeface="Wingdings"/>
-                        <a:cs typeface="Wingdings"/>
-                      </a:endParaRPr>
                     </a:p>
                   </a:txBody>
                   <a:tcPr marL="0" marR="0" marT="59690" marB="0">
@@ -5716,7 +4797,7 @@
                     <a:bodyPr/>
                     <a:lstStyle/>
                     <a:p>
-                      <a:pPr marL="50800">
+                      <a:pPr marL="50800" algn="l" rtl="0">
                         <a:lnSpc>
                           <a:spcPct val="100000"/>
                         </a:lnSpc>
@@ -5765,29 +4846,15 @@
                         </a:spcBef>
                       </a:pPr>
                       <a:r>
-                        <a:rPr sz="900" spc="0">
+                        <a:rPr lang="es-ES" sz="900">
                           <a:solidFill>
                             <a:srgbClr val="020302"/>
                           </a:solidFill>
                           <a:latin typeface="AdobeClean-Light"/>
                           <a:cs typeface="AdobeClean-Light"/>
                         </a:rPr>
-                        <a:t>Service Reviews </a:t>
+                        <a:t>Revisiones de servicio al año</a:t>
                       </a:r>
-                      <a:r>
-                        <a:rPr lang="en-US" sz="900" spc="0">
-                          <a:solidFill>
-                            <a:srgbClr val="020302"/>
-                          </a:solidFill>
-                          <a:latin typeface="AdobeClean-Light"/>
-                          <a:cs typeface="AdobeClean-Light"/>
-                        </a:rPr>
-                        <a:t>per Year</a:t>
-                      </a:r>
-                      <a:endParaRPr sz="900" spc="0">
-                        <a:latin typeface="AdobeClean-Light"/>
-                        <a:cs typeface="AdobeClean-Light"/>
-                      </a:endParaRPr>
                     </a:p>
                   </a:txBody>
                   <a:tcPr marL="0" marR="0" marT="57150" marB="0">
@@ -5810,7 +4877,7 @@
                     <a:bodyPr/>
                     <a:lstStyle/>
                     <a:p>
-                      <a:pPr>
+                      <a:pPr algn="l" rtl="0">
                         <a:lnSpc>
                           <a:spcPct val="100000"/>
                         </a:lnSpc>
@@ -5839,7 +4906,7 @@
                     <a:bodyPr/>
                     <a:lstStyle/>
                     <a:p>
-                      <a:pPr>
+                      <a:pPr algn="l" rtl="0">
                         <a:lnSpc>
                           <a:spcPct val="100000"/>
                         </a:lnSpc>
@@ -5889,16 +4956,12 @@
                         </a:spcBef>
                       </a:pPr>
                       <a:r>
-                        <a:rPr lang="en-US" sz="900" spc="0">
+                        <a:rPr lang="es-ES" sz="900">
                           <a:latin typeface="AdobeClean-Light"/>
                           <a:cs typeface="AdobeClean-Light"/>
                         </a:rPr>
-                        <a:t>Expert Sessions per Year</a:t>
+                        <a:t>Sesiones con expertos al año</a:t>
                       </a:r>
-                      <a:endParaRPr sz="900" spc="0">
-                        <a:latin typeface="AdobeClean-Light"/>
-                        <a:cs typeface="AdobeClean-Light"/>
-                      </a:endParaRPr>
                     </a:p>
                   </a:txBody>
                   <a:tcPr marL="0" marR="0" marT="57150" marB="0">
@@ -5927,7 +4990,7 @@
                     <a:bodyPr/>
                     <a:lstStyle/>
                     <a:p>
-                      <a:pPr>
+                      <a:pPr algn="l" rtl="0">
                         <a:lnSpc>
                           <a:spcPct val="100000"/>
                         </a:lnSpc>
@@ -5956,7 +5019,7 @@
                     <a:bodyPr/>
                     <a:lstStyle/>
                     <a:p>
-                      <a:pPr>
+                      <a:pPr algn="l" rtl="0">
                         <a:lnSpc>
                           <a:spcPct val="100000"/>
                         </a:lnSpc>
@@ -6006,16 +5069,12 @@
                         </a:spcBef>
                       </a:pPr>
                       <a:r>
-                        <a:rPr lang="en-US" sz="900" spc="0">
+                        <a:rPr lang="es-ES" sz="900">
                           <a:latin typeface="AdobeClean-Light"/>
                           <a:cs typeface="AdobeClean-Light"/>
                         </a:rPr>
-                        <a:t>Case Reviews</a:t>
+                        <a:t>Reseñas de casos</a:t>
                       </a:r>
-                      <a:endParaRPr sz="900" spc="0">
-                        <a:latin typeface="AdobeClean-Light"/>
-                        <a:cs typeface="AdobeClean-Light"/>
-                      </a:endParaRPr>
                     </a:p>
                   </a:txBody>
                   <a:tcPr marL="0" marR="0" marT="57150" marB="0">
@@ -6044,7 +5103,7 @@
                     <a:bodyPr/>
                     <a:lstStyle/>
                     <a:p>
-                      <a:pPr>
+                      <a:pPr algn="l" rtl="0">
                         <a:lnSpc>
                           <a:spcPct val="100000"/>
                         </a:lnSpc>
@@ -6073,7 +5132,7 @@
                     <a:bodyPr/>
                     <a:lstStyle/>
                     <a:p>
-                      <a:pPr>
+                      <a:pPr algn="l" rtl="0">
                         <a:lnSpc>
                           <a:spcPct val="100000"/>
                         </a:lnSpc>
@@ -6104,7 +5163,7 @@
                     <a:bodyPr/>
                     <a:lstStyle/>
                     <a:p>
-                      <a:pPr marL="48895">
+                      <a:pPr marL="48895" algn="l" rtl="0">
                         <a:lnSpc>
                           <a:spcPct val="100000"/>
                         </a:lnSpc>
@@ -6162,29 +5221,15 @@
                         </a:spcBef>
                       </a:pPr>
                       <a:r>
-                        <a:rPr sz="900" spc="0">
+                        <a:rPr lang="es-ES" sz="900">
                           <a:solidFill>
                             <a:srgbClr val="020302"/>
                           </a:solidFill>
                           <a:latin typeface="AdobeClean-Light"/>
                           <a:cs typeface="AdobeClean-Light"/>
                         </a:rPr>
-                        <a:t>Event </a:t>
+                        <a:t>Gestión de eventos</a:t>
                       </a:r>
-                      <a:r>
-                        <a:rPr lang="en-US" sz="900" spc="0">
-                          <a:solidFill>
-                            <a:srgbClr val="020302"/>
-                          </a:solidFill>
-                          <a:latin typeface="AdobeClean-Light"/>
-                          <a:cs typeface="AdobeClean-Light"/>
-                        </a:rPr>
-                        <a:t>Management</a:t>
-                      </a:r>
-                      <a:endParaRPr sz="900" spc="0">
-                        <a:latin typeface="AdobeClean-Light"/>
-                        <a:cs typeface="AdobeClean-Light"/>
-                      </a:endParaRPr>
                     </a:p>
                   </a:txBody>
                   <a:tcPr marL="0" marR="0" marT="58419" marB="0">
@@ -6213,7 +5258,7 @@
                     <a:bodyPr/>
                     <a:lstStyle/>
                     <a:p>
-                      <a:pPr>
+                      <a:pPr algn="l" rtl="0">
                         <a:lnSpc>
                           <a:spcPct val="100000"/>
                         </a:lnSpc>
@@ -6242,7 +5287,7 @@
                     <a:bodyPr/>
                     <a:lstStyle/>
                     <a:p>
-                      <a:pPr>
+                      <a:pPr algn="l" rtl="0">
                         <a:lnSpc>
                           <a:spcPct val="100000"/>
                         </a:lnSpc>
@@ -6273,7 +5318,7 @@
                     <a:bodyPr/>
                     <a:lstStyle/>
                     <a:p>
-                      <a:pPr marL="48895">
+                      <a:pPr marL="48895" algn="l" rtl="0">
                         <a:lnSpc>
                           <a:spcPct val="100000"/>
                         </a:lnSpc>
@@ -6322,39 +5367,15 @@
                         </a:spcBef>
                       </a:pPr>
                       <a:r>
-                        <a:rPr sz="900" spc="0">
+                        <a:rPr lang="es-ES" sz="900">
                           <a:solidFill>
                             <a:srgbClr val="020302"/>
                           </a:solidFill>
                           <a:latin typeface="AdobeClean-Light"/>
                           <a:cs typeface="AdobeClean-Light"/>
                         </a:rPr>
-                        <a:t>Environment</a:t>
+                        <a:t>Revisión, mantenimiento y monitorización del entorno</a:t>
                       </a:r>
-                      <a:r>
-                        <a:rPr lang="en-US" sz="900" spc="0">
-                          <a:solidFill>
-                            <a:srgbClr val="020302"/>
-                          </a:solidFill>
-                          <a:latin typeface="AdobeClean-Light"/>
-                          <a:cs typeface="AdobeClean-Light"/>
-                        </a:rPr>
-                        <a:t> </a:t>
-                      </a:r>
-                      <a:r>
-                        <a:rPr sz="900" spc="0">
-                          <a:solidFill>
-                            <a:srgbClr val="020302"/>
-                          </a:solidFill>
-                          <a:latin typeface="AdobeClean-Light"/>
-                          <a:cs typeface="AdobeClean-Light"/>
-                        </a:rPr>
-                        <a:t>Review, Maintenance &amp; Monitoring</a:t>
-                      </a:r>
-                      <a:endParaRPr sz="900" spc="0">
-                        <a:latin typeface="AdobeClean-Light"/>
-                        <a:cs typeface="AdobeClean-Light"/>
-                      </a:endParaRPr>
                     </a:p>
                   </a:txBody>
                   <a:tcPr marL="0" marR="0" marT="59055" marB="0">
@@ -6377,7 +5398,7 @@
                     <a:bodyPr/>
                     <a:lstStyle/>
                     <a:p>
-                      <a:pPr>
+                      <a:pPr algn="l" rtl="0">
                         <a:lnSpc>
                           <a:spcPct val="100000"/>
                         </a:lnSpc>
@@ -6406,7 +5427,7 @@
                     <a:bodyPr/>
                     <a:lstStyle/>
                     <a:p>
-                      <a:pPr>
+                      <a:pPr algn="l" rtl="0">
                         <a:lnSpc>
                           <a:spcPct val="100000"/>
                         </a:lnSpc>
@@ -6437,7 +5458,7 @@
                     <a:bodyPr/>
                     <a:lstStyle/>
                     <a:p>
-                      <a:pPr marL="49530">
+                      <a:pPr marL="49530" algn="l" rtl="0">
                         <a:lnSpc>
                           <a:spcPct val="100000"/>
                         </a:lnSpc>
@@ -6486,19 +5507,15 @@
                         </a:spcBef>
                       </a:pPr>
                       <a:r>
-                        <a:rPr sz="900" spc="0">
+                        <a:rPr lang="es-ES" sz="900" spc="-50" baseline="0" dirty="0">
                           <a:solidFill>
                             <a:srgbClr val="020302"/>
                           </a:solidFill>
                           <a:latin typeface="AdobeClean-Light"/>
                           <a:cs typeface="AdobeClean-Light"/>
                         </a:rPr>
-                        <a:t>Release, Migration, Upgrade &amp; Product Roadmap Review</a:t>
+                        <a:t>Lanzamiento, migración, actualización y revisión de la hoja de ruta del producto</a:t>
                       </a:r>
-                      <a:endParaRPr sz="900" spc="0">
-                        <a:latin typeface="AdobeClean-Light"/>
-                        <a:cs typeface="AdobeClean-Light"/>
-                      </a:endParaRPr>
                     </a:p>
                   </a:txBody>
                   <a:tcPr marL="0" marR="0" marT="63500" marB="0">
@@ -6521,7 +5538,7 @@
                     <a:bodyPr/>
                     <a:lstStyle/>
                     <a:p>
-                      <a:pPr>
+                      <a:pPr algn="l" rtl="0">
                         <a:lnSpc>
                           <a:spcPct val="100000"/>
                         </a:lnSpc>
@@ -6550,7 +5567,7 @@
                     <a:bodyPr/>
                     <a:lstStyle/>
                     <a:p>
-                      <a:pPr>
+                      <a:pPr algn="l" rtl="0">
                         <a:lnSpc>
                           <a:spcPct val="100000"/>
                         </a:lnSpc>
@@ -6581,7 +5598,7 @@
                     <a:bodyPr/>
                     <a:lstStyle/>
                     <a:p>
-                      <a:pPr marL="49530">
+                      <a:pPr marL="49530" algn="l" rtl="0">
                         <a:lnSpc>
                           <a:spcPct val="100000"/>
                         </a:lnSpc>
@@ -6639,11 +5656,11 @@
                         </a:spcBef>
                       </a:pPr>
                       <a:r>
-                        <a:rPr sz="900" spc="0">
+                        <a:rPr lang="es-ES" sz="900">
                           <a:latin typeface="AdobeClean-Light"/>
                           <a:cs typeface="AdobeClean-Light"/>
                         </a:rPr>
-                        <a:t>Cloud Support Activities – Experience Manager as Cloud</a:t>
+                        <a:t>Actividades de asistencia en la nube: Experience Manager as Cloud</a:t>
                       </a:r>
                     </a:p>
                   </a:txBody>
@@ -6673,7 +5690,7 @@
                     <a:bodyPr/>
                     <a:lstStyle/>
                     <a:p>
-                      <a:pPr>
+                      <a:pPr algn="l" rtl="0">
                         <a:lnSpc>
                           <a:spcPct val="100000"/>
                         </a:lnSpc>
@@ -6711,7 +5728,7 @@
                     <a:bodyPr/>
                     <a:lstStyle/>
                     <a:p>
-                      <a:pPr>
+                      <a:pPr algn="l" rtl="0">
                         <a:lnSpc>
                           <a:spcPct val="100000"/>
                         </a:lnSpc>
@@ -6760,22 +5777,15 @@
                         </a:spcBef>
                       </a:pPr>
                       <a:r>
-                        <a:rPr lang="en-US" sz="1000" b="1" i="0" spc="0">
+                        <a:rPr lang="es-ES" sz="1000" b="1" i="0">
                           <a:solidFill>
                             <a:schemeClr val="bg1"/>
                           </a:solidFill>
                           <a:latin typeface="Adobe Clean" panose="020B0503020404020204" pitchFamily="34" charset="0"/>
                           <a:cs typeface="AdobeClean-Light"/>
                         </a:rPr>
-                        <a:t>Field Services</a:t>
+                        <a:t>Servicios de campo</a:t>
                       </a:r>
-                      <a:endParaRPr sz="1000" b="1" i="0" spc="0">
-                        <a:solidFill>
-                          <a:schemeClr val="bg1"/>
-                        </a:solidFill>
-                        <a:latin typeface="Adobe Clean" panose="020B0503020404020204" pitchFamily="34" charset="0"/>
-                        <a:cs typeface="AdobeClean-Light"/>
-                      </a:endParaRPr>
                     </a:p>
                   </a:txBody>
                   <a:tcPr marL="0" marR="0" marT="48260" marB="0" anchor="ctr">
@@ -6828,19 +5838,55 @@
                         </a:spcBef>
                       </a:pPr>
                       <a:r>
-                        <a:rPr sz="900" spc="0">
+                        <a:rPr lang="es-ES" sz="900" dirty="0">
                           <a:solidFill>
                             <a:srgbClr val="020302"/>
                           </a:solidFill>
                           <a:latin typeface="AdobeClean-Light"/>
                           <a:cs typeface="AdobeClean-Light"/>
                         </a:rPr>
-                        <a:t>Launch Advisory Services – First Year of new solution</a:t>
+                        <a:t>Servicios de </a:t>
                       </a:r>
-                      <a:endParaRPr sz="900" spc="0">
-                        <a:latin typeface="AdobeClean-Light"/>
-                        <a:cs typeface="AdobeClean-Light"/>
-                      </a:endParaRPr>
+                      <a:r>
+                        <a:rPr lang="es-ES" sz="900" dirty="0" err="1">
+                          <a:solidFill>
+                            <a:srgbClr val="020302"/>
+                          </a:solidFill>
+                          <a:latin typeface="AdobeClean-Light"/>
+                          <a:cs typeface="AdobeClean-Light"/>
+                        </a:rPr>
+                        <a:t>Launch</a:t>
+                      </a:r>
+                      <a:r>
+                        <a:rPr lang="es-ES" sz="900" dirty="0">
+                          <a:solidFill>
+                            <a:srgbClr val="020302"/>
+                          </a:solidFill>
+                          <a:latin typeface="AdobeClean-Light"/>
+                          <a:cs typeface="AdobeClean-Light"/>
+                        </a:rPr>
+                        <a:t> </a:t>
+                      </a:r>
+                      <a:r>
+                        <a:rPr lang="es-ES" sz="900" dirty="0" err="1">
+                          <a:solidFill>
+                            <a:srgbClr val="020302"/>
+                          </a:solidFill>
+                          <a:latin typeface="AdobeClean-Light"/>
+                          <a:cs typeface="AdobeClean-Light"/>
+                        </a:rPr>
+                        <a:t>Advisory</a:t>
+                      </a:r>
+                      <a:r>
+                        <a:rPr lang="es-ES" sz="900" dirty="0">
+                          <a:solidFill>
+                            <a:srgbClr val="020302"/>
+                          </a:solidFill>
+                          <a:latin typeface="AdobeClean-Light"/>
+                          <a:cs typeface="AdobeClean-Light"/>
+                        </a:rPr>
+                        <a:t>: primer año de la nueva solución</a:t>
+                      </a:r>
                     </a:p>
                     <a:p>
                       <a:pPr marL="48260" hangingPunct="0">
@@ -6852,11 +5898,11 @@
                         </a:spcBef>
                       </a:pPr>
                       <a:r>
-                        <a:rPr sz="900" spc="0">
+                        <a:rPr lang="es-ES" sz="900" dirty="0">
                           <a:latin typeface="AdobeClean-Light"/>
                           <a:cs typeface="AdobeClean-Light"/>
                         </a:rPr>
-                        <a:t>Field Service Activities </a:t>
+                        <a:t>Actividades del servicio de campo </a:t>
                       </a:r>
                     </a:p>
                   </a:txBody>
@@ -6892,7 +5938,7 @@
                     <a:bodyPr/>
                     <a:lstStyle/>
                     <a:p>
-                      <a:pPr>
+                      <a:pPr algn="l" rtl="0">
                         <a:lnSpc>
                           <a:spcPct val="100000"/>
                         </a:lnSpc>
@@ -6930,7 +5976,7 @@
                     <a:bodyPr/>
                     <a:lstStyle/>
                     <a:p>
-                      <a:pPr>
+                      <a:pPr algn="l" rtl="0">
                         <a:lnSpc>
                           <a:spcPct val="100000"/>
                         </a:lnSpc>
@@ -7015,7 +6061,7 @@
                     <a:bodyPr/>
                     <a:lstStyle/>
                     <a:p>
-                      <a:pPr>
+                      <a:pPr algn="l" rtl="0">
                         <a:lnSpc>
                           <a:spcPct val="100000"/>
                         </a:lnSpc>
@@ -7041,12 +6087,12 @@
                     <a:bodyPr/>
                     <a:lstStyle/>
                     <a:p>
-                      <a:pPr>
+                      <a:pPr algn="l" rtl="0">
                         <a:lnSpc>
                           <a:spcPct val="100000"/>
                         </a:lnSpc>
                       </a:pPr>
-                      <a:endParaRPr sz="900">
+                      <a:endParaRPr sz="900" dirty="0">
                         <a:latin typeface="Times New Roman"/>
                         <a:cs typeface="Times New Roman"/>
                       </a:endParaRPr>
@@ -7105,7 +6151,7 @@
           <a:lstStyle/>
           <a:p>
             <a:r>
-              <a:rPr lang="en-US" sz="700" i="1">
+              <a:rPr lang="es-ES" sz="700" i="1">
                 <a:solidFill>
                   <a:schemeClr val="bg1"/>
                 </a:solidFill>
@@ -7308,18 +6354,14 @@
               </a:spcBef>
             </a:pPr>
             <a:r>
-              <a:rPr lang="en-US" sz="1000">
+              <a:rPr lang="es-ES" sz="1000">
                 <a:solidFill>
                   <a:srgbClr val="000000"/>
                 </a:solidFill>
                 <a:latin typeface="Adobe Clean Light" panose="020B0303020404020204" pitchFamily="34" charset="0"/>
               </a:rPr>
-              <a:t>A designated Account Support Lead to proactively monitor cases, drive cross-team collaboration, deliver onboarding webinars, run service reports, provide non-technical support assistance, and function as your escalation point and internal advocate within Adobe Support.</a:t>
+              <a:t>Un responsable de la asistencia técnica de la cuenta particular para monitorizar de forma proactiva los casos, impulsar la colaboración entre equipos, ofrecer seminarios web de incorporación, ejecutar informes de servicios, proporcionar asistencia no técnica, y actuar como punto de escalación y defensor interno dentro del equipo de asistencia de Adobe.</a:t>
             </a:r>
-            <a:endParaRPr lang="en-US" sz="1000">
-              <a:latin typeface="Adobe Clean Light" panose="020B0303020404020204" pitchFamily="34" charset="0"/>
-              <a:cs typeface="AdobeClean-Light"/>
-            </a:endParaRPr>
           </a:p>
         </p:txBody>
       </p:sp>
@@ -7331,15 +6373,15 @@
         </p:nvSpPr>
         <p:spPr>
           <a:xfrm>
-            <a:off x="2836967" y="8618616"/>
-            <a:ext cx="2286000" cy="641201"/>
+            <a:off x="2836966" y="8618616"/>
+            <a:ext cx="2416449" cy="641201"/>
           </a:xfrm>
           <a:prstGeom prst="rect">
             <a:avLst/>
           </a:prstGeom>
         </p:spPr>
         <p:txBody>
-          <a:bodyPr vert="horz" wrap="square" lIns="0" tIns="12700" rIns="0" bIns="0" rtlCol="0" anchor="t">
+          <a:bodyPr vert="horz" wrap="square" lIns="0" tIns="12700" rIns="0" bIns="0" rtlCol="0">
             <a:spAutoFit/>
           </a:bodyPr>
           <a:lstStyle/>
@@ -7356,48 +6398,21 @@
               </a:tabLst>
             </a:pPr>
             <a:r>
-              <a:rPr sz="1000">
+              <a:rPr lang="es-ES" sz="1000" dirty="0">
                 <a:solidFill>
                   <a:srgbClr val="020302"/>
                 </a:solidFill>
                 <a:latin typeface="AdobeClean-Light"/>
                 <a:cs typeface="AdobeClean-Light"/>
               </a:rPr>
-              <a:t>Start a chat session to get answers</a:t>
-            </a:r>
-            <a:r>
-              <a:rPr lang="en-US" sz="1000">
-                <a:solidFill>
-                  <a:srgbClr val="020302"/>
-                </a:solidFill>
-                <a:latin typeface="AdobeClean-Light"/>
-                <a:cs typeface="AdobeClean-Light"/>
-              </a:rPr>
-              <a:t> &amp; </a:t>
-            </a:r>
-            <a:r>
-              <a:rPr sz="1000">
-                <a:solidFill>
-                  <a:srgbClr val="020302"/>
-                </a:solidFill>
-                <a:latin typeface="AdobeClean-Light"/>
-                <a:cs typeface="AdobeClean-Light"/>
-              </a:rPr>
-              <a:t>help with case submission</a:t>
-            </a:r>
-            <a:r>
-              <a:rPr lang="en-US" sz="1000">
-                <a:solidFill>
-                  <a:srgbClr val="020302"/>
-                </a:solidFill>
-                <a:latin typeface="AdobeClean-Light"/>
-                <a:cs typeface="AdobeClean-Light"/>
-              </a:rPr>
-              <a:t>.</a:t>
+              <a:t>Inicie una sesión de chat para obtener respuestas y ayuda con el envío de casos.</a:t>
             </a:r>
           </a:p>
           <a:p>
             <a:pPr marL="33020" marR="159385">
+              <a:lnSpc>
+                <a:spcPct val="100000"/>
+              </a:lnSpc>
               <a:spcBef>
                 <a:spcPts val="100"/>
               </a:spcBef>
@@ -7406,39 +6421,25 @@
               </a:tabLst>
             </a:pPr>
             <a:r>
-              <a:rPr sz="1000" i="1">
+              <a:rPr lang="es-ES" sz="1000" i="1" dirty="0">
                 <a:solidFill>
                   <a:srgbClr val="7A7A7A"/>
                 </a:solidFill>
                 <a:latin typeface="AdobeClean-LightIt"/>
                 <a:cs typeface="AdobeClean-LightIt"/>
               </a:rPr>
-              <a:t>*Not all products have live chat support</a:t>
+              <a:t>* No todos los productos ofrecen la opción de disfrutar de asistencia mediante chat en directo</a:t>
             </a:r>
             <a:r>
-              <a:rPr sz="900" i="1">
+              <a:rPr lang="es-ES" sz="900" i="1" dirty="0">
                 <a:solidFill>
                   <a:srgbClr val="7A7A7A"/>
                 </a:solidFill>
                 <a:latin typeface="AdobeClean-LightIt"/>
                 <a:cs typeface="AdobeClean-LightIt"/>
               </a:rPr>
-              <a:t>.</a:t>
+              <a:t>.  </a:t>
             </a:r>
-            <a:r>
-              <a:rPr lang="en-US" sz="900" i="1">
-                <a:solidFill>
-                  <a:srgbClr val="7A7A7A"/>
-                </a:solidFill>
-                <a:latin typeface="AdobeClean-LightIt"/>
-                <a:cs typeface="AdobeClean-LightIt"/>
-              </a:rPr>
-              <a:t>  </a:t>
-            </a:r>
-            <a:endParaRPr sz="900">
-              <a:latin typeface="AdobeClean-Light"/>
-              <a:cs typeface="AdobeClean-Light"/>
-            </a:endParaRPr>
           </a:p>
         </p:txBody>
       </p:sp>
@@ -7514,12 +6515,12 @@
               <a:defRPr/>
             </a:pPr>
             <a:r>
-              <a:rPr lang="en-US" sz="1200">
+              <a:rPr lang="es-ES" sz="1200">
                 <a:solidFill>
                   <a:srgbClr val="000000"/>
                 </a:solidFill>
               </a:rPr>
-              <a:t>Community Forums</a:t>
+              <a:t>Foros de la comunidad</a:t>
             </a:r>
           </a:p>
         </p:txBody>
@@ -7562,12 +6563,12 @@
               </a:spcAft>
             </a:pPr>
             <a:r>
-              <a:rPr lang="en-US" sz="1200" b="1">
+              <a:rPr lang="es-ES" sz="1200" b="1">
                 <a:latin typeface="+mj-lt"/>
                 <a:ea typeface="Open Sans" pitchFamily="34" charset="0"/>
                 <a:cs typeface="Open Sans" pitchFamily="34" charset="0"/>
               </a:rPr>
-              <a:t>Online Forums</a:t>
+              <a:t>Foros en línea</a:t>
             </a:r>
           </a:p>
         </p:txBody>
@@ -7587,7 +6588,7 @@
         <p:spPr>
           <a:xfrm>
             <a:off x="370040" y="6529249"/>
-            <a:ext cx="2286000" cy="805349"/>
+            <a:ext cx="2286000" cy="1113125"/>
           </a:xfrm>
           <a:prstGeom prst="rect">
             <a:avLst/>
@@ -7600,13 +6601,13 @@
           <a:lstStyle/>
           <a:p>
             <a:r>
-              <a:rPr lang="en-US" sz="1000">
+              <a:rPr lang="es-ES" sz="1000" dirty="0">
                 <a:solidFill>
                   <a:srgbClr val="000000"/>
                 </a:solidFill>
                 <a:latin typeface="Adobe Clean Light" panose="020B0303020404020204" pitchFamily="34" charset="0"/>
               </a:rPr>
-              <a:t>Continuous online access to a growing database of technical solutions, product documentation, FAQs and more. Thousands of customers can connect to share best practices and lessons learned.</a:t>
+              <a:t>Acceso continuo en línea a una base de datos donde encontrará cada vez más soluciones técnicas, documentación de productos, preguntas frecuentes y mucho más. Miles de clientes se pueden conectar para compartir las prácticas recomendadas y las lecciones aprendidas.</a:t>
             </a:r>
           </a:p>
         </p:txBody>
@@ -7649,12 +6650,12 @@
               </a:spcAft>
             </a:pPr>
             <a:r>
-              <a:rPr lang="en-US" sz="1200" b="1">
+              <a:rPr lang="es-ES" sz="1200" b="1">
                 <a:latin typeface="+mj-lt"/>
                 <a:ea typeface="Open Sans" pitchFamily="34" charset="0"/>
                 <a:cs typeface="Open Sans" pitchFamily="34" charset="0"/>
               </a:rPr>
-              <a:t>Self-guided Journeys</a:t>
+              <a:t>Recorridos autoguiados</a:t>
             </a:r>
           </a:p>
         </p:txBody>
@@ -7674,7 +6675,7 @@
         <p:spPr>
           <a:xfrm>
             <a:off x="5376301" y="6529249"/>
-            <a:ext cx="2286000" cy="959237"/>
+            <a:ext cx="2286000" cy="1267014"/>
           </a:xfrm>
           <a:prstGeom prst="rect">
             <a:avLst/>
@@ -7687,13 +6688,101 @@
           <a:lstStyle/>
           <a:p>
             <a:r>
-              <a:rPr lang="en-US" sz="1000">
+              <a:rPr lang="es-ES" sz="1000" dirty="0">
                 <a:solidFill>
                   <a:srgbClr val="000000"/>
                 </a:solidFill>
                 <a:latin typeface="Adobe Clean Light" panose="020B0303020404020204" pitchFamily="34" charset="0"/>
               </a:rPr>
-              <a:t>Experience Makers are made with Experience League. Customers can kickstart their Customer Experience Management abilities with personalized learning to develop skills, engage with a global community of peers, and earn career advancing recognition.</a:t>
+              <a:t>Los </a:t>
+            </a:r>
+            <a:r>
+              <a:rPr lang="es-ES" sz="1000" dirty="0" err="1">
+                <a:solidFill>
+                  <a:srgbClr val="000000"/>
+                </a:solidFill>
+                <a:latin typeface="Adobe Clean Light" panose="020B0303020404020204" pitchFamily="34" charset="0"/>
+              </a:rPr>
+              <a:t>experience</a:t>
+            </a:r>
+            <a:r>
+              <a:rPr lang="es-ES" sz="1000" dirty="0">
+                <a:solidFill>
+                  <a:srgbClr val="000000"/>
+                </a:solidFill>
+                <a:latin typeface="Adobe Clean Light" panose="020B0303020404020204" pitchFamily="34" charset="0"/>
+              </a:rPr>
+              <a:t> </a:t>
+            </a:r>
+            <a:r>
+              <a:rPr lang="es-ES" sz="1000" dirty="0" err="1">
+                <a:solidFill>
+                  <a:srgbClr val="000000"/>
+                </a:solidFill>
+                <a:latin typeface="Adobe Clean Light" panose="020B0303020404020204" pitchFamily="34" charset="0"/>
+              </a:rPr>
+              <a:t>makers</a:t>
+            </a:r>
+            <a:r>
+              <a:rPr lang="es-ES" sz="1000" dirty="0">
+                <a:solidFill>
+                  <a:srgbClr val="000000"/>
+                </a:solidFill>
+                <a:latin typeface="Adobe Clean Light" panose="020B0303020404020204" pitchFamily="34" charset="0"/>
+              </a:rPr>
+              <a:t> se realizan con </a:t>
+            </a:r>
+            <a:r>
+              <a:rPr lang="es-ES" sz="1000" dirty="0" err="1">
+                <a:solidFill>
+                  <a:srgbClr val="000000"/>
+                </a:solidFill>
+                <a:latin typeface="Adobe Clean Light" panose="020B0303020404020204" pitchFamily="34" charset="0"/>
+              </a:rPr>
+              <a:t>Experience</a:t>
+            </a:r>
+            <a:r>
+              <a:rPr lang="es-ES" sz="1000" dirty="0">
+                <a:solidFill>
+                  <a:srgbClr val="000000"/>
+                </a:solidFill>
+                <a:latin typeface="Adobe Clean Light" panose="020B0303020404020204" pitchFamily="34" charset="0"/>
+              </a:rPr>
+              <a:t> League. Los clientes pueden aplicar sus conocimientos de administración de la experiencia del cliente con aprendizaje personalizado para desarrollar habilidades, interactuar con la comunidad internacional </a:t>
+            </a:r>
+            <a:br>
+              <a:rPr lang="sk-SK" sz="1000" dirty="0">
+                <a:solidFill>
+                  <a:srgbClr val="000000"/>
+                </a:solidFill>
+                <a:latin typeface="Adobe Clean Light" panose="020B0303020404020204" pitchFamily="34" charset="0"/>
+              </a:rPr>
+            </a:br>
+            <a:r>
+              <a:rPr lang="es-ES" sz="1000" dirty="0">
+                <a:solidFill>
+                  <a:srgbClr val="000000"/>
+                </a:solidFill>
+                <a:latin typeface="Adobe Clean Light" panose="020B0303020404020204" pitchFamily="34" charset="0"/>
+              </a:rPr>
+              <a:t>de compañeros y obtener reconocimiento </a:t>
+            </a:r>
+            <a:br>
+              <a:rPr lang="sk-SK" sz="1000" dirty="0">
+                <a:solidFill>
+                  <a:srgbClr val="000000"/>
+                </a:solidFill>
+                <a:latin typeface="Adobe Clean Light" panose="020B0303020404020204" pitchFamily="34" charset="0"/>
+              </a:rPr>
+            </a:br>
+            <a:r>
+              <a:rPr lang="es-ES" sz="1000" dirty="0">
+                <a:solidFill>
+                  <a:srgbClr val="000000"/>
+                </a:solidFill>
+                <a:latin typeface="Adobe Clean Light" panose="020B0303020404020204" pitchFamily="34" charset="0"/>
+              </a:rPr>
+              <a:t>en su trayectoria profesional.</a:t>
             </a:r>
           </a:p>
         </p:txBody>
@@ -7741,12 +6830,12 @@
               <a:defRPr/>
             </a:pPr>
             <a:r>
-              <a:rPr lang="en-US" sz="1200">
+              <a:rPr lang="es-ES" sz="1200">
                 <a:solidFill>
                   <a:srgbClr val="000000"/>
                 </a:solidFill>
               </a:rPr>
-              <a:t>Live Chat  Support*</a:t>
+              <a:t>Asistencia mediante chat en directo*</a:t>
             </a:r>
           </a:p>
         </p:txBody>
@@ -7789,12 +6878,12 @@
               </a:spcAft>
             </a:pPr>
             <a:r>
-              <a:rPr lang="en-US" sz="1200" b="1">
+              <a:rPr lang="es-ES" sz="1200" b="1">
                 <a:latin typeface="+mj-lt"/>
                 <a:ea typeface="Open Sans" pitchFamily="34" charset="0"/>
                 <a:cs typeface="Open Sans" pitchFamily="34" charset="0"/>
               </a:rPr>
-              <a:t>Chat Support</a:t>
+              <a:t>Asistencia mediante chat</a:t>
             </a:r>
           </a:p>
         </p:txBody>
@@ -7842,12 +6931,12 @@
               <a:defRPr/>
             </a:pPr>
             <a:r>
-              <a:rPr lang="en-US" sz="1200">
+              <a:rPr lang="es-ES" sz="1200">
                 <a:solidFill>
                   <a:srgbClr val="000000"/>
                 </a:solidFill>
               </a:rPr>
-              <a:t>24X7 P1 </a:t>
+              <a:t>24/7 P1 </a:t>
             </a:r>
           </a:p>
         </p:txBody>
@@ -7890,12 +6979,12 @@
               </a:spcAft>
             </a:pPr>
             <a:r>
-              <a:rPr lang="en-US" sz="1200" b="1">
+              <a:rPr lang="es-ES" sz="1200" b="1">
                 <a:latin typeface="+mj-lt"/>
                 <a:ea typeface="Open Sans" pitchFamily="34" charset="0"/>
                 <a:cs typeface="Open Sans" pitchFamily="34" charset="0"/>
               </a:rPr>
-              <a:t>Phone Support</a:t>
+              <a:t>Asistencia telefónica</a:t>
             </a:r>
           </a:p>
         </p:txBody>
@@ -7915,7 +7004,7 @@
         <p:spPr>
           <a:xfrm>
             <a:off x="2836967" y="6529249"/>
-            <a:ext cx="2286000" cy="805349"/>
+            <a:ext cx="2286000" cy="1113125"/>
           </a:xfrm>
           <a:prstGeom prst="rect">
             <a:avLst/>
@@ -7928,26 +7017,48 @@
           <a:lstStyle/>
           <a:p>
             <a:r>
-              <a:rPr lang="en-US" sz="1000">
+              <a:rPr lang="es-ES" sz="1000" dirty="0">
                 <a:solidFill>
                   <a:srgbClr val="020302"/>
                 </a:solidFill>
                 <a:latin typeface="AdobeClean-Light"/>
               </a:rPr>
-              <a:t>Authorized users or Named Support Contacts </a:t>
+              <a:t>Los usuarios autorizados o los contactos </a:t>
+            </a:r>
+            <a:br>
+              <a:rPr lang="sk-SK" sz="1000" dirty="0">
+                <a:solidFill>
+                  <a:srgbClr val="020302"/>
+                </a:solidFill>
+                <a:latin typeface="AdobeClean-Light"/>
+              </a:rPr>
+            </a:br>
+            <a:r>
+              <a:rPr lang="es-ES" sz="1000" dirty="0">
+                <a:solidFill>
+                  <a:srgbClr val="020302"/>
+                </a:solidFill>
+                <a:latin typeface="AdobeClean-Light"/>
+              </a:rPr>
+              <a:t>de soporte particulares</a:t>
             </a:r>
             <a:r>
-              <a:rPr lang="en-US" sz="1000">
+              <a:rPr lang="es-ES" sz="1000" dirty="0">
                 <a:latin typeface="Adobe Clean Light" panose="020B0303020404020204" pitchFamily="34" charset="0"/>
               </a:rPr>
-              <a:t>can submit issues through all available  channels (including phone for P1) and interact with our technical support team on behalf of your company. </a:t>
+              <a:t> pueden enviar problemas a través de todos los canales disponibles (incluido el teléfono en el caso </a:t>
             </a:r>
-            <a:endParaRPr lang="en-US" sz="1000">
-              <a:solidFill>
-                <a:srgbClr val="000000"/>
-              </a:solidFill>
-              <a:latin typeface="Adobe Clean Light" panose="020B0303020404020204" pitchFamily="34" charset="0"/>
-            </a:endParaRPr>
+            <a:br>
+              <a:rPr lang="sk-SK" sz="1000" dirty="0">
+                <a:latin typeface="Adobe Clean Light" panose="020B0303020404020204" pitchFamily="34" charset="0"/>
+              </a:rPr>
+            </a:br>
+            <a:r>
+              <a:rPr lang="es-ES" sz="1000" dirty="0">
+                <a:latin typeface="Adobe Clean Light" panose="020B0303020404020204" pitchFamily="34" charset="0"/>
+              </a:rPr>
+              <a:t>de los problemas P1) y hablar con nuestro equipo de asistencia en nombre de su empresa. </a:t>
+            </a:r>
           </a:p>
         </p:txBody>
       </p:sp>
@@ -7991,24 +7102,8 @@
               </a:spcBef>
             </a:pPr>
             <a:r>
-              <a:rPr spc="-5"/>
-              <a:t>©202</a:t>
-            </a:r>
-            <a:r>
-              <a:rPr lang="en-US" spc="-5"/>
-              <a:t>1</a:t>
-            </a:r>
-            <a:r>
-              <a:rPr spc="-5"/>
-              <a:t> Adobe. All Rights Reserved. Adobe</a:t>
-            </a:r>
-            <a:r>
-              <a:rPr spc="60"/>
-              <a:t> </a:t>
-            </a:r>
-            <a:r>
-              <a:rPr spc="-5"/>
-              <a:t>Confidential.</a:t>
+              <a:rPr lang="es-ES"/>
+              <a:t>©2021 Adobe. All Rights Reserved. Adobe Confidential.</a:t>
             </a:r>
           </a:p>
         </p:txBody>
@@ -8030,7 +7125,7 @@
         <p:spPr>
           <a:xfrm>
             <a:off x="821898" y="1099315"/>
-            <a:ext cx="1726164" cy="184666"/>
+            <a:ext cx="1916592" cy="369332"/>
           </a:xfrm>
           <a:prstGeom prst="rect">
             <a:avLst/>
@@ -8051,13 +7146,13 @@
               </a:spcAft>
             </a:pPr>
             <a:r>
-              <a:rPr lang="en-US" sz="1200" b="1" spc="-10">
+              <a:rPr lang="es-ES" sz="1200" b="1" dirty="0">
                 <a:solidFill>
                   <a:srgbClr val="020302"/>
                 </a:solidFill>
                 <a:latin typeface="+mj-lt"/>
               </a:rPr>
-              <a:t>Account Support Lead</a:t>
+              <a:t>Responsable de la asistencia técnica de la cuenta</a:t>
             </a:r>
           </a:p>
         </p:txBody>
@@ -8146,19 +7241,15 @@
               </a:spcBef>
             </a:pPr>
             <a:r>
-              <a:rPr lang="en-US" sz="1400" b="1" spc="-10">
+              <a:rPr lang="es-ES" sz="1400" b="1">
                 <a:solidFill>
                   <a:srgbClr val="020302"/>
                 </a:solidFill>
                 <a:latin typeface="Adobe Clean"/>
                 <a:cs typeface="Adobe Clean"/>
               </a:rPr>
-              <a:t>Online Support Features</a:t>
+              <a:t>Funciones de soporte Online</a:t>
             </a:r>
-            <a:endParaRPr lang="en-US" sz="1400">
-              <a:latin typeface="Adobe Clean"/>
-              <a:cs typeface="Adobe Clean"/>
-            </a:endParaRPr>
           </a:p>
         </p:txBody>
       </p:sp>
@@ -8246,19 +7337,15 @@
               </a:spcBef>
             </a:pPr>
             <a:r>
-              <a:rPr lang="en-US" sz="1400" b="1" spc="-10">
+              <a:rPr lang="es-ES" sz="1400" b="1">
                 <a:solidFill>
                   <a:srgbClr val="020302"/>
                 </a:solidFill>
                 <a:latin typeface="Adobe Clean"/>
                 <a:cs typeface="Adobe Clean"/>
               </a:rPr>
-              <a:t>Business  Support Features</a:t>
+              <a:t>Funciones de soporte Business</a:t>
             </a:r>
-            <a:endParaRPr lang="en-US" sz="1400">
-              <a:latin typeface="Adobe Clean"/>
-              <a:cs typeface="Adobe Clean"/>
-            </a:endParaRPr>
           </a:p>
         </p:txBody>
       </p:sp>
@@ -8277,7 +7364,7 @@
         <p:spPr>
           <a:xfrm>
             <a:off x="2836967" y="1370913"/>
-            <a:ext cx="2286000" cy="1456681"/>
+            <a:ext cx="2456884" cy="1635319"/>
           </a:xfrm>
           <a:prstGeom prst="rect">
             <a:avLst/>
@@ -8298,15 +7385,44 @@
               </a:spcBef>
             </a:pPr>
             <a:r>
-              <a:rPr lang="en-US" sz="1000">
+              <a:rPr lang="es-ES" sz="900" dirty="0">
                 <a:latin typeface="Adobe Clean Light" panose="020B0303020404020204" pitchFamily="34" charset="0"/>
               </a:rPr>
-              <a:t>Customers can submit support cases via Phone for all P2, P3, P4 issues during regional support hours. There are no upper limits on the number of times you can call into support. Customers can also request a call back from support or request a meeting to demonstrate or work through an issue using a shared remote desktop session.</a:t>
+              <a:t>Los clientes pueden enviar casos de asistencia por teléfono en lo relacionado con todos los problemas P2, P3 y P4 durante el horario de asistencia regional. </a:t>
             </a:r>
-            <a:endParaRPr lang="en-US" sz="1000">
-              <a:latin typeface="Adobe Clean Light" panose="020B0303020404020204" pitchFamily="34" charset="0"/>
-              <a:cs typeface="AdobeClean-Light"/>
-            </a:endParaRPr>
+            <a:br>
+              <a:rPr lang="sk-SK" sz="900" dirty="0">
+                <a:latin typeface="Adobe Clean Light" panose="020B0303020404020204" pitchFamily="34" charset="0"/>
+              </a:rPr>
+            </a:br>
+            <a:r>
+              <a:rPr lang="es-ES" sz="900" dirty="0">
+                <a:latin typeface="Adobe Clean Light" panose="020B0303020404020204" pitchFamily="34" charset="0"/>
+              </a:rPr>
+              <a:t>No existen límites máximos en cuanto a la cantidad </a:t>
+            </a:r>
+            <a:br>
+              <a:rPr lang="sk-SK" sz="900" dirty="0">
+                <a:latin typeface="Adobe Clean Light" panose="020B0303020404020204" pitchFamily="34" charset="0"/>
+              </a:rPr>
+            </a:br>
+            <a:r>
+              <a:rPr lang="es-ES" sz="900" dirty="0">
+                <a:latin typeface="Adobe Clean Light" panose="020B0303020404020204" pitchFamily="34" charset="0"/>
+              </a:rPr>
+              <a:t>de veces que puede llamar al equipo de asistencia. </a:t>
+            </a:r>
+            <a:br>
+              <a:rPr lang="sk-SK" sz="900" dirty="0">
+                <a:latin typeface="Adobe Clean Light" panose="020B0303020404020204" pitchFamily="34" charset="0"/>
+              </a:rPr>
+            </a:br>
+            <a:r>
+              <a:rPr lang="es-ES" sz="900" dirty="0">
+                <a:latin typeface="Adobe Clean Light" panose="020B0303020404020204" pitchFamily="34" charset="0"/>
+              </a:rPr>
+              <a:t>Los clientes también pueden solicitar que el servicio de asistencia les llame por teléfono o solicitar una reunión para ver o solucionar un problema mediante una sesión de escritorio remoto compartida.</a:t>
+            </a:r>
           </a:p>
         </p:txBody>
       </p:sp>
@@ -8348,13 +7464,13 @@
               </a:spcAft>
             </a:pPr>
             <a:r>
-              <a:rPr lang="en-US" sz="1200" b="1" spc="-10">
+              <a:rPr lang="es-ES" sz="1200" b="1">
                 <a:solidFill>
                   <a:srgbClr val="020302"/>
                 </a:solidFill>
                 <a:latin typeface="+mj-lt"/>
               </a:rPr>
-              <a:t>Live Telephone Support</a:t>
+              <a:t>Asistencia telefónica en directo</a:t>
             </a:r>
           </a:p>
         </p:txBody>
@@ -8395,18 +7511,14 @@
               </a:spcBef>
             </a:pPr>
             <a:r>
-              <a:rPr lang="en-US" sz="1000">
+              <a:rPr lang="es-ES" sz="1000" dirty="0">
                 <a:solidFill>
                   <a:srgbClr val="4B4B4B"/>
                 </a:solidFill>
                 <a:latin typeface="Adobe Clean Light" panose="020B0303020404020204" pitchFamily="34" charset="0"/>
               </a:rPr>
-              <a:t>A designated point of contact within Adobe who can provide escalation assistance, regular updates and ensure priority is given to your most critical open support requests.</a:t>
+              <a:t>Un punto de contacto designado de Adobe que puede proporcionar asistencia en cuanto a escalabilidad y actualizaciones frecuentes, así como garantizar que se dé prioridad a sus solicitudes de soporte abierto más críticas.</a:t>
             </a:r>
-            <a:endParaRPr lang="en-US" sz="1000">
-              <a:latin typeface="Adobe Clean Light" panose="020B0303020404020204" pitchFamily="34" charset="0"/>
-              <a:cs typeface="AdobeClean-Light"/>
-            </a:endParaRPr>
           </a:p>
         </p:txBody>
       </p:sp>
@@ -8427,7 +7539,7 @@
         <p:spPr>
           <a:xfrm>
             <a:off x="5885313" y="1085652"/>
-            <a:ext cx="1608472" cy="184666"/>
+            <a:ext cx="1608472" cy="369332"/>
           </a:xfrm>
           <a:prstGeom prst="rect">
             <a:avLst/>
@@ -8448,13 +7560,30 @@
               </a:spcAft>
             </a:pPr>
             <a:r>
-              <a:rPr lang="en-US" sz="1200" b="1" spc="-10">
+              <a:rPr lang="es-ES" sz="1200" b="1" dirty="0">
                 <a:solidFill>
                   <a:srgbClr val="020302"/>
                 </a:solidFill>
                 <a:latin typeface="+mj-lt"/>
               </a:rPr>
-              <a:t>Escalation Management</a:t>
+              <a:t>Administración </a:t>
+            </a:r>
+            <a:br>
+              <a:rPr lang="sk-SK" sz="1200" b="1" dirty="0">
+                <a:solidFill>
+                  <a:srgbClr val="020302"/>
+                </a:solidFill>
+                <a:latin typeface="+mj-lt"/>
+              </a:rPr>
+            </a:br>
+            <a:r>
+              <a:rPr lang="es-ES" sz="1200" b="1" dirty="0">
+                <a:solidFill>
+                  <a:srgbClr val="020302"/>
+                </a:solidFill>
+                <a:latin typeface="+mj-lt"/>
+              </a:rPr>
+              <a:t>de la escalabilidad</a:t>
             </a:r>
           </a:p>
         </p:txBody>
@@ -8502,12 +7631,12 @@
               <a:defRPr/>
             </a:pPr>
             <a:r>
-              <a:rPr lang="en-US" sz="1200">
+              <a:rPr lang="es-ES" sz="1200">
                 <a:solidFill>
                   <a:srgbClr val="000000"/>
                 </a:solidFill>
               </a:rPr>
-              <a:t>Office Hours</a:t>
+              <a:t>Horario de oficina</a:t>
             </a:r>
           </a:p>
         </p:txBody>
@@ -8550,12 +7679,12 @@
               </a:spcAft>
             </a:pPr>
             <a:r>
-              <a:rPr lang="en-US" sz="1200" b="1">
+              <a:rPr lang="es-ES" sz="1200" b="1">
                 <a:latin typeface="+mj-lt"/>
                 <a:ea typeface="Open Sans" pitchFamily="34" charset="0"/>
                 <a:cs typeface="Open Sans" pitchFamily="34" charset="0"/>
               </a:rPr>
-              <a:t>Webinars</a:t>
+              <a:t>Seminarios web</a:t>
             </a:r>
           </a:p>
         </p:txBody>
@@ -8588,13 +7717,99 @@
           <a:lstStyle/>
           <a:p>
             <a:r>
-              <a:rPr lang="en-US" sz="1000">
+              <a:rPr lang="es-ES" sz="1000" dirty="0">
                 <a:solidFill>
                   <a:srgbClr val="000000"/>
                 </a:solidFill>
                 <a:latin typeface="Adobe Clean Light" panose="020B0303020404020204" pitchFamily="34" charset="0"/>
               </a:rPr>
-              <a:t>Office Hours is an initiative led by the Adobe Customer Support team. These sessions are designed to inform as well as help participants troubleshoot problems and provide tips and tricks to be successful with Adobe Experience Cloud.</a:t>
+              <a:t>“Horario de oficina” es una iniciativa liderada por el equipo de asistencia al cliente </a:t>
+            </a:r>
+            <a:br>
+              <a:rPr lang="sk-SK" sz="1000" dirty="0">
+                <a:solidFill>
+                  <a:srgbClr val="000000"/>
+                </a:solidFill>
+                <a:latin typeface="Adobe Clean Light" panose="020B0303020404020204" pitchFamily="34" charset="0"/>
+              </a:rPr>
+            </a:br>
+            <a:r>
+              <a:rPr lang="es-ES" sz="1000" dirty="0">
+                <a:solidFill>
+                  <a:srgbClr val="000000"/>
+                </a:solidFill>
+                <a:latin typeface="Adobe Clean Light" panose="020B0303020404020204" pitchFamily="34" charset="0"/>
+              </a:rPr>
+              <a:t>de Adobe. Estas sesiones están diseñadas </a:t>
+            </a:r>
+            <a:br>
+              <a:rPr lang="sk-SK" sz="1000" dirty="0">
+                <a:solidFill>
+                  <a:srgbClr val="000000"/>
+                </a:solidFill>
+                <a:latin typeface="Adobe Clean Light" panose="020B0303020404020204" pitchFamily="34" charset="0"/>
+              </a:rPr>
+            </a:br>
+            <a:r>
+              <a:rPr lang="es-ES" sz="1000" dirty="0">
+                <a:solidFill>
+                  <a:srgbClr val="000000"/>
+                </a:solidFill>
+                <a:latin typeface="Adobe Clean Light" panose="020B0303020404020204" pitchFamily="34" charset="0"/>
+              </a:rPr>
+              <a:t>para informar y ayudar a los participantes </a:t>
+            </a:r>
+            <a:br>
+              <a:rPr lang="sk-SK" sz="1000" dirty="0">
+                <a:solidFill>
+                  <a:srgbClr val="000000"/>
+                </a:solidFill>
+                <a:latin typeface="Adobe Clean Light" panose="020B0303020404020204" pitchFamily="34" charset="0"/>
+              </a:rPr>
+            </a:br>
+            <a:r>
+              <a:rPr lang="es-ES" sz="1000" dirty="0">
+                <a:solidFill>
+                  <a:srgbClr val="000000"/>
+                </a:solidFill>
+                <a:latin typeface="Adobe Clean Light" panose="020B0303020404020204" pitchFamily="34" charset="0"/>
+              </a:rPr>
+              <a:t>a solucionar problemas, y ofrecen sugerencias y trucos para usar correctamente </a:t>
+            </a:r>
+            <a:br>
+              <a:rPr lang="sk-SK" sz="1000" dirty="0">
+                <a:solidFill>
+                  <a:srgbClr val="000000"/>
+                </a:solidFill>
+                <a:latin typeface="Adobe Clean Light" panose="020B0303020404020204" pitchFamily="34" charset="0"/>
+              </a:rPr>
+            </a:br>
+            <a:r>
+              <a:rPr lang="es-ES" sz="1000" dirty="0">
+                <a:solidFill>
+                  <a:srgbClr val="000000"/>
+                </a:solidFill>
+                <a:latin typeface="Adobe Clean Light" panose="020B0303020404020204" pitchFamily="34" charset="0"/>
+              </a:rPr>
+              <a:t>Adobe </a:t>
+            </a:r>
+            <a:r>
+              <a:rPr lang="es-ES" sz="1000" dirty="0" err="1">
+                <a:solidFill>
+                  <a:srgbClr val="000000"/>
+                </a:solidFill>
+                <a:latin typeface="Adobe Clean Light" panose="020B0303020404020204" pitchFamily="34" charset="0"/>
+              </a:rPr>
+              <a:t>Experience</a:t>
+            </a:r>
+            <a:r>
+              <a:rPr lang="es-ES" sz="1000" dirty="0">
+                <a:solidFill>
+                  <a:srgbClr val="000000"/>
+                </a:solidFill>
+                <a:latin typeface="Adobe Clean Light" panose="020B0303020404020204" pitchFamily="34" charset="0"/>
+              </a:rPr>
+              <a:t> Cloud.</a:t>
             </a:r>
           </a:p>
         </p:txBody>
@@ -8637,12 +7852,12 @@
               </a:spcAft>
             </a:pPr>
             <a:r>
-              <a:rPr lang="en-US" sz="1200" b="1">
+              <a:rPr lang="es-ES" sz="1200" b="1">
                 <a:latin typeface="+mj-lt"/>
                 <a:ea typeface="Open Sans" pitchFamily="34" charset="0"/>
                 <a:cs typeface="Open Sans" pitchFamily="34" charset="0"/>
               </a:rPr>
-              <a:t>24/7 Support Portal</a:t>
+              <a:t>Portal de asistencia 24/7</a:t>
             </a:r>
           </a:p>
         </p:txBody>
@@ -8662,7 +7877,7 @@
         <p:spPr>
           <a:xfrm>
             <a:off x="5376301" y="8618616"/>
-            <a:ext cx="2286000" cy="805349"/>
+            <a:ext cx="2286000" cy="959237"/>
           </a:xfrm>
           <a:prstGeom prst="rect">
             <a:avLst/>
@@ -8675,16 +7890,16 @@
           <a:lstStyle/>
           <a:p>
             <a:r>
-              <a:rPr lang="en-US" sz="1000">
+              <a:rPr lang="es-ES" sz="1000" dirty="0">
                 <a:solidFill>
                   <a:srgbClr val="000000"/>
                 </a:solidFill>
                 <a:latin typeface="Adobe Clean Light" panose="020B0303020404020204" pitchFamily="34" charset="0"/>
               </a:rPr>
-              <a:t>On-demand access to the online </a:t>
+              <a:t>Acceso al portal de asistencia de autoayuda </a:t>
             </a:r>
             <a:br>
-              <a:rPr lang="en-US" sz="1000">
+              <a:rPr lang="sk-SK" sz="1000" dirty="0">
                 <a:solidFill>
                   <a:srgbClr val="000000"/>
                 </a:solidFill>
@@ -8692,13 +7907,30 @@
               </a:rPr>
             </a:br>
             <a:r>
-              <a:rPr lang="en-US" sz="1000">
+              <a:rPr lang="es-ES" sz="1000" dirty="0">
                 <a:solidFill>
                   <a:srgbClr val="000000"/>
                 </a:solidFill>
                 <a:latin typeface="Adobe Clean Light" panose="020B0303020404020204" pitchFamily="34" charset="0"/>
               </a:rPr>
-              <a:t>Self-help Support Portal to submit support requests, review case status, and browse other resources, like our knowledgebase, news and alerts, featured tips, and more.</a:t>
+              <a:t>en línea previa solicitud para enviar solicitudes de asistencia, revisar el estado de los casos </a:t>
+            </a:r>
+            <a:br>
+              <a:rPr lang="sk-SK" sz="1000" dirty="0">
+                <a:solidFill>
+                  <a:srgbClr val="000000"/>
+                </a:solidFill>
+                <a:latin typeface="Adobe Clean Light" panose="020B0303020404020204" pitchFamily="34" charset="0"/>
+              </a:rPr>
+            </a:br>
+            <a:r>
+              <a:rPr lang="es-ES" sz="1000" dirty="0">
+                <a:solidFill>
+                  <a:srgbClr val="000000"/>
+                </a:solidFill>
+                <a:latin typeface="Adobe Clean Light" panose="020B0303020404020204" pitchFamily="34" charset="0"/>
+              </a:rPr>
+              <a:t>y examinar otros recursos, como la base de conocimiento, noticias y alertas, sugerencias destacadas, y mucho más.</a:t>
             </a:r>
           </a:p>
         </p:txBody>
@@ -8796,7 +8028,7 @@
         <p:spPr>
           <a:xfrm>
             <a:off x="789025" y="3499700"/>
-            <a:ext cx="1336142" cy="285247"/>
+            <a:ext cx="1781260" cy="285247"/>
           </a:xfrm>
           <a:prstGeom prst="rect">
             <a:avLst/>
@@ -8810,10 +8042,10 @@
           <a:lstStyle/>
           <a:p>
             <a:r>
-              <a:rPr lang="en-US" sz="1200" b="1">
+              <a:rPr lang="es-ES" sz="1200" b="1" dirty="0">
                 <a:latin typeface="+mj-lt"/>
               </a:rPr>
-              <a:t>Business Services</a:t>
+              <a:t>Servicios empresariales</a:t>
             </a:r>
           </a:p>
         </p:txBody>
@@ -8833,7 +8065,7 @@
         <p:spPr>
           <a:xfrm>
             <a:off x="370041" y="3875832"/>
-            <a:ext cx="2286000" cy="558999"/>
+            <a:ext cx="2286000" cy="740780"/>
           </a:xfrm>
           <a:prstGeom prst="rect">
             <a:avLst/>
@@ -8854,15 +8086,33 @@
               </a:spcBef>
             </a:pPr>
             <a:r>
-              <a:rPr lang="en-US" sz="1000">
+              <a:rPr lang="es-ES" sz="1000" dirty="0">
                 <a:latin typeface="Adobe Clean Light" panose="020B0303020404020204" pitchFamily="34" charset="0"/>
               </a:rPr>
-              <a:t>An Account Support Lead will host webinars covering an overview of business support services.  </a:t>
+              <a:t>Un responsable de la asistencia técnica </a:t>
             </a:r>
-            <a:endParaRPr lang="en-US" sz="1000">
-              <a:latin typeface="Adobe Clean Light" panose="020B0303020404020204" pitchFamily="34" charset="0"/>
-              <a:cs typeface="AdobeClean-Light"/>
-            </a:endParaRPr>
+            <a:br>
+              <a:rPr lang="sk-SK" sz="1000" dirty="0">
+                <a:latin typeface="Adobe Clean Light" panose="020B0303020404020204" pitchFamily="34" charset="0"/>
+              </a:rPr>
+            </a:br>
+            <a:r>
+              <a:rPr lang="es-ES" sz="1000" dirty="0">
+                <a:latin typeface="Adobe Clean Light" panose="020B0303020404020204" pitchFamily="34" charset="0"/>
+              </a:rPr>
+              <a:t>de la cuenta organizará seminarios web que abarcarán una descripción general </a:t>
+            </a:r>
+            <a:br>
+              <a:rPr lang="sk-SK" sz="1000" dirty="0">
+                <a:latin typeface="Adobe Clean Light" panose="020B0303020404020204" pitchFamily="34" charset="0"/>
+              </a:rPr>
+            </a:br>
+            <a:r>
+              <a:rPr lang="es-ES" sz="1000" dirty="0">
+                <a:latin typeface="Adobe Clean Light" panose="020B0303020404020204" pitchFamily="34" charset="0"/>
+              </a:rPr>
+              <a:t>de los servicios de asistencia empresarial.  </a:t>
+            </a:r>
           </a:p>
         </p:txBody>
       </p:sp>
@@ -9247,7 +8497,7 @@
         </p:nvSpPr>
         <p:spPr>
           <a:xfrm rot="5400000" flipH="1">
-            <a:off x="3863341" y="4967117"/>
+            <a:off x="3863341" y="5100467"/>
             <a:ext cx="45719" cy="5577840"/>
           </a:xfrm>
           <a:custGeom>
@@ -9331,12 +8581,12 @@
               <a:defRPr/>
             </a:pPr>
             <a:r>
-              <a:rPr lang="en-US" sz="1200">
+              <a:rPr lang="es-ES" sz="1200">
                 <a:solidFill>
                   <a:srgbClr val="000000"/>
                 </a:solidFill>
               </a:rPr>
-              <a:t>Self– Help Portal</a:t>
+              <a:t>Portal de autoayuda</a:t>
             </a:r>
           </a:p>
         </p:txBody>
@@ -9384,7 +8634,7 @@
               <a:defRPr/>
             </a:pPr>
             <a:r>
-              <a:rPr lang="en-US" sz="1200">
+              <a:rPr lang="es-ES" sz="1200">
                 <a:solidFill>
                   <a:srgbClr val="000000"/>
                 </a:solidFill>
@@ -9446,49 +8696,15 @@
               </a:lnSpc>
             </a:pPr>
             <a:r>
-              <a:rPr sz="500" spc="-5">
+              <a:rPr lang="es-ES" sz="500">
                 <a:solidFill>
                   <a:srgbClr val="6C6C6C"/>
                 </a:solidFill>
                 <a:latin typeface="Adobe Clean"/>
                 <a:cs typeface="Adobe Clean"/>
               </a:rPr>
-              <a:t>©2020 Adobe. All Rights Reserved. </a:t>
+              <a:t>©2020 Adobe. All Rights Reserved. Adobe Confidential.</a:t>
             </a:r>
-            <a:r>
-              <a:rPr sz="500">
-                <a:solidFill>
-                  <a:srgbClr val="6C6C6C"/>
-                </a:solidFill>
-                <a:latin typeface="Adobe Clean"/>
-                <a:cs typeface="Adobe Clean"/>
-              </a:rPr>
-              <a:t>Adobe</a:t>
-            </a:r>
-            <a:r>
-              <a:rPr sz="500" spc="5">
-                <a:solidFill>
-                  <a:srgbClr val="6C6C6C"/>
-                </a:solidFill>
-                <a:latin typeface="Adobe Clean"/>
-                <a:cs typeface="Adobe Clean"/>
-              </a:rPr>
-              <a:t> </a:t>
-            </a:r>
-            <a:r>
-              <a:rPr sz="500" spc="-5">
-                <a:solidFill>
-                  <a:srgbClr val="6C6C6C"/>
-                </a:solidFill>
-                <a:latin typeface="Adobe Clean"/>
-                <a:cs typeface="Adobe Clean"/>
-              </a:rPr>
-              <a:t>Confidential.</a:t>
-            </a:r>
-            <a:endParaRPr sz="500">
-              <a:latin typeface="Adobe Clean"/>
-              <a:cs typeface="Adobe Clean"/>
-            </a:endParaRPr>
           </a:p>
           <a:p>
             <a:pPr>
@@ -9514,39 +8730,15 @@
               </a:spcBef>
             </a:pPr>
             <a:r>
-              <a:rPr sz="800" spc="-5">
+              <a:rPr lang="es-ES" sz="800">
                 <a:solidFill>
                   <a:srgbClr val="6D6D6D"/>
                 </a:solidFill>
                 <a:latin typeface="Adobe Clean"/>
                 <a:cs typeface="Adobe Clean"/>
               </a:rPr>
-              <a:t>©2020 Adobe. All Rights Reserved. Adobe</a:t>
+              <a:t>©2020 Adobe. All Rights Reserved. Adobe Confidential.</a:t>
             </a:r>
-            <a:r>
-              <a:rPr sz="800" spc="75">
-                <a:solidFill>
-                  <a:srgbClr val="6D6D6D"/>
-                </a:solidFill>
-                <a:latin typeface="Adobe Clean"/>
-                <a:cs typeface="Adobe Clean"/>
-              </a:rPr>
-              <a:t> </a:t>
-            </a:r>
-            <a:r>
-              <a:rPr sz="800" spc="-5">
-                <a:solidFill>
-                  <a:srgbClr val="6D6D6D"/>
-                </a:solidFill>
-                <a:latin typeface="Adobe Clean"/>
-                <a:cs typeface="Adobe Clean"/>
-              </a:rPr>
-              <a:t>Confidential.</a:t>
-            </a:r>
-            <a:endParaRPr sz="800">
-              <a:latin typeface="Adobe Clean"/>
-              <a:cs typeface="Adobe Clean"/>
-            </a:endParaRPr>
           </a:p>
         </p:txBody>
       </p:sp>
@@ -9630,19 +8822,15 @@
               </a:spcBef>
             </a:pPr>
             <a:r>
-              <a:rPr lang="en-US" sz="1400" b="1" spc="-15">
+              <a:rPr lang="es-ES" sz="1400" b="1">
                 <a:solidFill>
                   <a:srgbClr val="020302"/>
                 </a:solidFill>
                 <a:latin typeface="Adobe Clean"/>
                 <a:cs typeface="Adobe Clean"/>
               </a:rPr>
-              <a:t>Resources</a:t>
+              <a:t>Recursos</a:t>
             </a:r>
-            <a:endParaRPr sz="1400">
-              <a:latin typeface="Adobe Clean"/>
-              <a:cs typeface="Adobe Clean"/>
-            </a:endParaRPr>
           </a:p>
         </p:txBody>
       </p:sp>
@@ -9676,7 +8864,7 @@
               </a:spcBef>
             </a:pPr>
             <a:r>
-              <a:rPr sz="800" spc="-15">
+              <a:rPr lang="es-ES" sz="800">
                 <a:solidFill>
                   <a:srgbClr val="777879"/>
                 </a:solidFill>
@@ -9685,10 +8873,6 @@
               </a:rPr>
               <a:t>Adobe</a:t>
             </a:r>
-            <a:endParaRPr sz="800">
-              <a:latin typeface="Adobe Clean"/>
-              <a:cs typeface="Adobe Clean"/>
-            </a:endParaRPr>
           </a:p>
           <a:p>
             <a:pPr marL="12700">
@@ -9697,39 +8881,15 @@
               </a:lnSpc>
             </a:pPr>
             <a:r>
-              <a:rPr sz="800" spc="-15">
+              <a:rPr lang="es-ES" sz="800">
                 <a:solidFill>
                   <a:srgbClr val="777879"/>
                 </a:solidFill>
                 <a:latin typeface="Adobe Clean"/>
                 <a:cs typeface="Adobe Clean"/>
               </a:rPr>
-              <a:t>345 Park</a:t>
+              <a:t>345 Park Avenue</a:t>
             </a:r>
-            <a:r>
-              <a:rPr sz="800" spc="-100">
-                <a:solidFill>
-                  <a:srgbClr val="777879"/>
-                </a:solidFill>
-                <a:latin typeface="Adobe Clean"/>
-                <a:cs typeface="Adobe Clean"/>
-              </a:rPr>
-              <a:t> </a:t>
-            </a:r>
-            <a:r>
-              <a:rPr sz="800" spc="-15">
-                <a:solidFill>
-                  <a:srgbClr val="777879"/>
-                </a:solidFill>
-                <a:latin typeface="Adobe Clean"/>
-                <a:cs typeface="Adobe Clean"/>
-              </a:rPr>
-              <a:t>Avenue</a:t>
-            </a:r>
-            <a:endParaRPr sz="800">
-              <a:latin typeface="Adobe Clean"/>
-              <a:cs typeface="Adobe Clean"/>
-            </a:endParaRPr>
           </a:p>
           <a:p>
             <a:pPr marL="12700">
@@ -9738,49 +8898,15 @@
               </a:lnSpc>
             </a:pPr>
             <a:r>
-              <a:rPr sz="800" spc="-10">
+              <a:rPr lang="es-ES" sz="800">
                 <a:solidFill>
                   <a:srgbClr val="777879"/>
                 </a:solidFill>
                 <a:latin typeface="Adobe Clean"/>
                 <a:cs typeface="Adobe Clean"/>
               </a:rPr>
-              <a:t>San </a:t>
+              <a:t>San José, CA95110-2704</a:t>
             </a:r>
-            <a:r>
-              <a:rPr sz="800" spc="-15">
-                <a:solidFill>
-                  <a:srgbClr val="777879"/>
-                </a:solidFill>
-                <a:latin typeface="Adobe Clean"/>
-                <a:cs typeface="Adobe Clean"/>
-              </a:rPr>
-              <a:t>Jose,</a:t>
-            </a:r>
-            <a:r>
-              <a:rPr sz="800" spc="-140">
-                <a:solidFill>
-                  <a:srgbClr val="777879"/>
-                </a:solidFill>
-                <a:latin typeface="Adobe Clean"/>
-                <a:cs typeface="Adobe Clean"/>
-              </a:rPr>
-              <a:t> </a:t>
-            </a:r>
-            <a:r>
-              <a:rPr sz="800" spc="-20">
-                <a:solidFill>
-                  <a:srgbClr val="777879"/>
-                </a:solidFill>
-                <a:latin typeface="Adobe Clean"/>
-                <a:cs typeface="Adobe Clean"/>
-              </a:rPr>
-              <a:t>CA95110-2704</a:t>
-            </a:r>
-            <a:endParaRPr sz="800">
-              <a:latin typeface="Adobe Clean"/>
-              <a:cs typeface="Adobe Clean"/>
-            </a:endParaRPr>
           </a:p>
           <a:p>
             <a:pPr marL="12700">
@@ -9792,19 +8918,15 @@
               </a:spcBef>
             </a:pPr>
             <a:r>
-              <a:rPr sz="800" spc="-10">
+              <a:rPr lang="es-ES" sz="800">
                 <a:solidFill>
                   <a:srgbClr val="777879"/>
                 </a:solidFill>
                 <a:latin typeface="Adobe Clean"/>
                 <a:cs typeface="Adobe Clean"/>
               </a:rPr>
-              <a:t>USA</a:t>
+              <a:t>EE. UU.</a:t>
             </a:r>
-            <a:endParaRPr sz="800">
-              <a:latin typeface="Adobe Clean"/>
-              <a:cs typeface="Adobe Clean"/>
-            </a:endParaRPr>
           </a:p>
           <a:p>
             <a:pPr marL="12700">
@@ -9816,7 +8938,7 @@
               </a:spcBef>
             </a:pPr>
             <a:r>
-              <a:rPr sz="800" u="sng" spc="-25">
+              <a:rPr lang="es-ES" sz="800" u="sng">
                 <a:solidFill>
                   <a:srgbClr val="5F5F5F"/>
                 </a:solidFill>
@@ -9831,10 +8953,6 @@
               </a:rPr>
               <a:t>www.adobe.com</a:t>
             </a:r>
-            <a:endParaRPr sz="800">
-              <a:latin typeface="Adobe Clean"/>
-              <a:cs typeface="Adobe Clean"/>
-            </a:endParaRPr>
           </a:p>
         </p:txBody>
       </p:sp>
@@ -9995,7 +9113,7 @@
           </a:prstGeom>
         </p:spPr>
         <p:txBody>
-          <a:bodyPr vert="horz" wrap="square" lIns="0" tIns="29845" rIns="0" bIns="0" rtlCol="0" anchor="t">
+          <a:bodyPr vert="horz" wrap="square" lIns="0" tIns="29845" rIns="0" bIns="0" rtlCol="0">
             <a:spAutoFit/>
           </a:bodyPr>
           <a:lstStyle/>
@@ -10009,17 +9127,46 @@
               </a:spcBef>
             </a:pPr>
             <a:r>
-              <a:rPr sz="1100" i="1" spc="-10">
+              <a:rPr lang="es-ES" sz="1100" i="1" dirty="0">
                 <a:solidFill>
                   <a:srgbClr val="777879"/>
                 </a:solidFill>
                 <a:latin typeface="AdobeClean-LightIt"/>
                 <a:cs typeface="AdobeClean-LightIt"/>
               </a:rPr>
-              <a:t>To</a:t>
+              <a:t>Para saber más sobre las ofertas de asistencia de Adobe y el nivel adecuado para usted, póngase </a:t>
+            </a:r>
+            <a:br>
+              <a:rPr lang="sk-SK" sz="1100" i="1" dirty="0">
+                <a:solidFill>
+                  <a:srgbClr val="777879"/>
+                </a:solidFill>
+                <a:latin typeface="AdobeClean-LightIt"/>
+                <a:cs typeface="AdobeClean-LightIt"/>
+              </a:rPr>
+            </a:br>
+            <a:r>
+              <a:rPr lang="es-ES" sz="1100" i="1" dirty="0">
+                <a:solidFill>
+                  <a:srgbClr val="777879"/>
+                </a:solidFill>
+                <a:latin typeface="AdobeClean-LightIt"/>
+                <a:cs typeface="AdobeClean-LightIt"/>
+              </a:rPr>
+              <a:t>en contacto con su administrador de cuentas (NAM) o con su </a:t>
             </a:r>
             <a:r>
-              <a:rPr sz="1100" i="1" spc="-50">
+              <a:rPr lang="es-ES" sz="1100" i="1" dirty="0" err="1">
+                <a:solidFill>
+                  <a:srgbClr val="777879"/>
+                </a:solidFill>
+                <a:latin typeface="AdobeClean-LightIt"/>
+                <a:cs typeface="AdobeClean-LightIt"/>
+              </a:rPr>
+              <a:t>Customer</a:t>
+            </a:r>
+            <a:r>
+              <a:rPr lang="es-ES" sz="1100" i="1" dirty="0">
                 <a:solidFill>
                   <a:srgbClr val="777879"/>
                 </a:solidFill>
@@ -10029,419 +9176,25 @@
               <a:t> </a:t>
             </a:r>
             <a:r>
-              <a:rPr sz="1100" i="1" spc="-15">
+              <a:rPr lang="es-ES" sz="1100" i="1" dirty="0" err="1">
                 <a:solidFill>
                   <a:srgbClr val="777879"/>
                 </a:solidFill>
                 <a:latin typeface="AdobeClean-LightIt"/>
                 <a:cs typeface="AdobeClean-LightIt"/>
               </a:rPr>
-              <a:t>learn</a:t>
+              <a:t>Success</a:t>
             </a:r>
             <a:r>
-              <a:rPr sz="1100" i="1" spc="-40">
+              <a:rPr lang="es-ES" sz="1100" i="1" dirty="0">
                 <a:solidFill>
                   <a:srgbClr val="777879"/>
                 </a:solidFill>
                 <a:latin typeface="AdobeClean-LightIt"/>
                 <a:cs typeface="AdobeClean-LightIt"/>
               </a:rPr>
-              <a:t> </a:t>
+              <a:t> Manager (CSM)</a:t>
             </a:r>
-            <a:r>
-              <a:rPr sz="1100" i="1" spc="-15">
-                <a:solidFill>
-                  <a:srgbClr val="777879"/>
-                </a:solidFill>
-                <a:latin typeface="AdobeClean-LightIt"/>
-                <a:cs typeface="AdobeClean-LightIt"/>
-              </a:rPr>
-              <a:t>more</a:t>
-            </a:r>
-            <a:r>
-              <a:rPr sz="1100" i="1" spc="-45">
-                <a:solidFill>
-                  <a:srgbClr val="777879"/>
-                </a:solidFill>
-                <a:latin typeface="AdobeClean-LightIt"/>
-                <a:cs typeface="AdobeClean-LightIt"/>
-              </a:rPr>
-              <a:t> </a:t>
-            </a:r>
-            <a:r>
-              <a:rPr sz="1100" i="1" spc="-15">
-                <a:solidFill>
-                  <a:srgbClr val="777879"/>
-                </a:solidFill>
-                <a:latin typeface="AdobeClean-LightIt"/>
-                <a:cs typeface="AdobeClean-LightIt"/>
-              </a:rPr>
-              <a:t>about</a:t>
-            </a:r>
-            <a:r>
-              <a:rPr sz="1100" i="1" spc="-45">
-                <a:solidFill>
-                  <a:srgbClr val="777879"/>
-                </a:solidFill>
-                <a:latin typeface="AdobeClean-LightIt"/>
-                <a:cs typeface="AdobeClean-LightIt"/>
-              </a:rPr>
-              <a:t> </a:t>
-            </a:r>
-            <a:r>
-              <a:rPr sz="1100" i="1" spc="-15">
-                <a:solidFill>
-                  <a:srgbClr val="777879"/>
-                </a:solidFill>
-                <a:latin typeface="AdobeClean-LightIt"/>
-                <a:cs typeface="AdobeClean-LightIt"/>
-              </a:rPr>
-              <a:t>Adobe</a:t>
-            </a:r>
-            <a:r>
-              <a:rPr sz="1100" i="1" spc="-50">
-                <a:solidFill>
-                  <a:srgbClr val="777879"/>
-                </a:solidFill>
-                <a:latin typeface="AdobeClean-LightIt"/>
-                <a:cs typeface="AdobeClean-LightIt"/>
-              </a:rPr>
-              <a:t> </a:t>
-            </a:r>
-            <a:r>
-              <a:rPr sz="1100" i="1" spc="-15">
-                <a:solidFill>
-                  <a:srgbClr val="777879"/>
-                </a:solidFill>
-                <a:latin typeface="AdobeClean-LightIt"/>
-                <a:cs typeface="AdobeClean-LightIt"/>
-              </a:rPr>
-              <a:t>Support</a:t>
-            </a:r>
-            <a:r>
-              <a:rPr lang="en-US" sz="1100" i="1" spc="-15">
-                <a:solidFill>
-                  <a:srgbClr val="777879"/>
-                </a:solidFill>
-                <a:latin typeface="AdobeClean-LightIt"/>
-                <a:cs typeface="AdobeClean-LightIt"/>
-              </a:rPr>
-              <a:t> Offerings</a:t>
-            </a:r>
-            <a:r>
-              <a:rPr sz="1100" i="1" spc="-75">
-                <a:solidFill>
-                  <a:srgbClr val="777879"/>
-                </a:solidFill>
-                <a:latin typeface="AdobeClean-LightIt"/>
-                <a:cs typeface="AdobeClean-LightIt"/>
-              </a:rPr>
-              <a:t> </a:t>
-            </a:r>
-            <a:r>
-              <a:rPr sz="1100" i="1" spc="-15">
-                <a:solidFill>
-                  <a:srgbClr val="777879"/>
-                </a:solidFill>
-                <a:latin typeface="AdobeClean-LightIt"/>
-                <a:cs typeface="AdobeClean-LightIt"/>
-              </a:rPr>
-              <a:t>and</a:t>
-            </a:r>
-            <a:r>
-              <a:rPr sz="1100" i="1" spc="-50">
-                <a:solidFill>
-                  <a:srgbClr val="777879"/>
-                </a:solidFill>
-                <a:latin typeface="AdobeClean-LightIt"/>
-                <a:cs typeface="AdobeClean-LightIt"/>
-              </a:rPr>
-              <a:t> </a:t>
-            </a:r>
-            <a:r>
-              <a:rPr sz="1100" i="1" spc="-15">
-                <a:solidFill>
-                  <a:srgbClr val="777879"/>
-                </a:solidFill>
-                <a:latin typeface="AdobeClean-LightIt"/>
-                <a:cs typeface="AdobeClean-LightIt"/>
-              </a:rPr>
-              <a:t>the</a:t>
-            </a:r>
-            <a:r>
-              <a:rPr sz="1100" i="1" spc="-55">
-                <a:solidFill>
-                  <a:srgbClr val="777879"/>
-                </a:solidFill>
-                <a:latin typeface="AdobeClean-LightIt"/>
-                <a:cs typeface="AdobeClean-LightIt"/>
-              </a:rPr>
-              <a:t> </a:t>
-            </a:r>
-            <a:r>
-              <a:rPr sz="1100" i="1" spc="-15">
-                <a:solidFill>
-                  <a:srgbClr val="777879"/>
-                </a:solidFill>
-                <a:latin typeface="AdobeClean-LightIt"/>
-                <a:cs typeface="AdobeClean-LightIt"/>
-              </a:rPr>
-              <a:t>right</a:t>
-            </a:r>
-            <a:r>
-              <a:rPr sz="1100" i="1" spc="-95">
-                <a:solidFill>
-                  <a:srgbClr val="777879"/>
-                </a:solidFill>
-                <a:latin typeface="AdobeClean-LightIt"/>
-                <a:cs typeface="AdobeClean-LightIt"/>
-              </a:rPr>
-              <a:t> </a:t>
-            </a:r>
-            <a:r>
-              <a:rPr sz="1100" i="1" spc="-15">
-                <a:solidFill>
-                  <a:srgbClr val="777879"/>
-                </a:solidFill>
-                <a:latin typeface="AdobeClean-LightIt"/>
-                <a:cs typeface="AdobeClean-LightIt"/>
-              </a:rPr>
-              <a:t>level</a:t>
-            </a:r>
-            <a:r>
-              <a:rPr sz="1100" i="1" spc="-55">
-                <a:solidFill>
-                  <a:srgbClr val="777879"/>
-                </a:solidFill>
-                <a:latin typeface="AdobeClean-LightIt"/>
-                <a:cs typeface="AdobeClean-LightIt"/>
-              </a:rPr>
-              <a:t> </a:t>
-            </a:r>
-            <a:r>
-              <a:rPr sz="1100" i="1" spc="-15">
-                <a:solidFill>
-                  <a:srgbClr val="777879"/>
-                </a:solidFill>
-                <a:latin typeface="AdobeClean-LightIt"/>
-                <a:cs typeface="AdobeClean-LightIt"/>
-              </a:rPr>
-              <a:t>for</a:t>
-            </a:r>
-            <a:r>
-              <a:rPr sz="1100" i="1" spc="-85">
-                <a:solidFill>
-                  <a:srgbClr val="777879"/>
-                </a:solidFill>
-                <a:latin typeface="AdobeClean-LightIt"/>
-                <a:cs typeface="AdobeClean-LightIt"/>
-              </a:rPr>
-              <a:t> </a:t>
-            </a:r>
-            <a:r>
-              <a:rPr sz="1100" i="1" spc="-15">
-                <a:solidFill>
-                  <a:srgbClr val="777879"/>
-                </a:solidFill>
-                <a:latin typeface="AdobeClean-LightIt"/>
-                <a:cs typeface="AdobeClean-LightIt"/>
-              </a:rPr>
-              <a:t>you,</a:t>
-            </a:r>
-            <a:r>
-              <a:rPr sz="1100" i="1" spc="-65">
-                <a:solidFill>
-                  <a:srgbClr val="777879"/>
-                </a:solidFill>
-                <a:latin typeface="AdobeClean-LightIt"/>
-                <a:cs typeface="AdobeClean-LightIt"/>
-              </a:rPr>
-              <a:t> </a:t>
-            </a:r>
-            <a:r>
-              <a:rPr sz="1100" i="1" spc="-15">
-                <a:solidFill>
-                  <a:srgbClr val="777879"/>
-                </a:solidFill>
-                <a:latin typeface="AdobeClean-LightIt"/>
-                <a:cs typeface="AdobeClean-LightIt"/>
-              </a:rPr>
-              <a:t>contact</a:t>
-            </a:r>
-            <a:r>
-              <a:rPr sz="1100" i="1" spc="-85">
-                <a:solidFill>
-                  <a:srgbClr val="777879"/>
-                </a:solidFill>
-                <a:latin typeface="AdobeClean-LightIt"/>
-                <a:cs typeface="AdobeClean-LightIt"/>
-              </a:rPr>
-              <a:t> </a:t>
-            </a:r>
-            <a:r>
-              <a:rPr sz="1100" i="1" spc="-15">
-                <a:solidFill>
-                  <a:srgbClr val="777879"/>
-                </a:solidFill>
-                <a:latin typeface="AdobeClean-LightIt"/>
-                <a:cs typeface="AdobeClean-LightIt"/>
-              </a:rPr>
-              <a:t>your</a:t>
-            </a:r>
-            <a:r>
-              <a:rPr sz="1100" i="1" spc="-70">
-                <a:solidFill>
-                  <a:srgbClr val="777879"/>
-                </a:solidFill>
-                <a:latin typeface="AdobeClean-LightIt"/>
-                <a:cs typeface="AdobeClean-LightIt"/>
-              </a:rPr>
-              <a:t> </a:t>
-            </a:r>
-            <a:r>
-              <a:rPr sz="1100" i="1" spc="-15">
-                <a:solidFill>
-                  <a:srgbClr val="777879"/>
-                </a:solidFill>
-                <a:latin typeface="AdobeClean-LightIt"/>
-                <a:cs typeface="AdobeClean-LightIt"/>
-              </a:rPr>
-              <a:t>Named</a:t>
-            </a:r>
-            <a:r>
-              <a:rPr sz="1100" i="1" spc="-55">
-                <a:solidFill>
-                  <a:srgbClr val="777879"/>
-                </a:solidFill>
-                <a:latin typeface="AdobeClean-LightIt"/>
-                <a:cs typeface="AdobeClean-LightIt"/>
-              </a:rPr>
-              <a:t> </a:t>
-            </a:r>
-            <a:r>
-              <a:rPr sz="1100" i="1" spc="-25">
-                <a:solidFill>
-                  <a:srgbClr val="777879"/>
-                </a:solidFill>
-                <a:latin typeface="AdobeClean-LightIt"/>
-                <a:cs typeface="AdobeClean-LightIt"/>
-              </a:rPr>
-              <a:t>Account</a:t>
-            </a:r>
-            <a:r>
-              <a:rPr sz="1100" i="1" spc="-120">
-                <a:solidFill>
-                  <a:srgbClr val="777879"/>
-                </a:solidFill>
-                <a:latin typeface="AdobeClean-LightIt"/>
-                <a:cs typeface="AdobeClean-LightIt"/>
-              </a:rPr>
-              <a:t> </a:t>
-            </a:r>
-            <a:r>
-              <a:rPr sz="1100" i="1" spc="-20">
-                <a:solidFill>
-                  <a:srgbClr val="777879"/>
-                </a:solidFill>
-                <a:latin typeface="AdobeClean-LightIt"/>
-                <a:cs typeface="AdobeClean-LightIt"/>
-              </a:rPr>
-              <a:t>Manager</a:t>
-            </a:r>
-            <a:r>
-              <a:rPr lang="en-US" sz="1100" i="1" spc="-20">
-                <a:solidFill>
-                  <a:srgbClr val="777879"/>
-                </a:solidFill>
-                <a:latin typeface="AdobeClean-LightIt"/>
-                <a:cs typeface="AdobeClean-LightIt"/>
-              </a:rPr>
-              <a:t> </a:t>
-            </a:r>
-            <a:r>
-              <a:rPr sz="1100" i="1" spc="-20">
-                <a:solidFill>
-                  <a:srgbClr val="777879"/>
-                </a:solidFill>
-                <a:latin typeface="AdobeClean-LightIt"/>
-                <a:cs typeface="AdobeClean-LightIt"/>
-              </a:rPr>
-              <a:t> </a:t>
-            </a:r>
-            <a:r>
-              <a:rPr sz="1100" i="1" spc="-15">
-                <a:solidFill>
-                  <a:srgbClr val="777879"/>
-                </a:solidFill>
-                <a:latin typeface="AdobeClean-LightIt"/>
-                <a:cs typeface="AdobeClean-LightIt"/>
-              </a:rPr>
-              <a:t>(NAM) </a:t>
-            </a:r>
-            <a:r>
-              <a:rPr sz="1100" i="1" spc="-10">
-                <a:solidFill>
-                  <a:srgbClr val="777879"/>
-                </a:solidFill>
-                <a:latin typeface="AdobeClean-LightIt"/>
-                <a:cs typeface="AdobeClean-LightIt"/>
-              </a:rPr>
-              <a:t>or </a:t>
-            </a:r>
-            <a:r>
-              <a:rPr sz="1100" i="1" spc="-15">
-                <a:solidFill>
-                  <a:srgbClr val="777879"/>
-                </a:solidFill>
-                <a:latin typeface="AdobeClean-LightIt"/>
-                <a:cs typeface="AdobeClean-LightIt"/>
-              </a:rPr>
-              <a:t>Customer</a:t>
-            </a:r>
-            <a:r>
-              <a:rPr lang="en-US" sz="1100" i="1" spc="-15">
-                <a:solidFill>
-                  <a:srgbClr val="777879"/>
-                </a:solidFill>
-                <a:latin typeface="AdobeClean-LightIt"/>
-                <a:cs typeface="AdobeClean-LightIt"/>
-              </a:rPr>
-              <a:t> </a:t>
-            </a:r>
-            <a:r>
-              <a:rPr lang="en-US" sz="1100" i="1" spc="-20">
-                <a:solidFill>
-                  <a:srgbClr val="777879"/>
-                </a:solidFill>
-                <a:latin typeface="AdobeClean-LightIt"/>
-                <a:cs typeface="AdobeClean-LightIt"/>
-              </a:rPr>
-              <a:t>Success </a:t>
-            </a:r>
-            <a:r>
-              <a:rPr lang="en-US" sz="1100" i="1" spc="-15">
-                <a:solidFill>
-                  <a:srgbClr val="777879"/>
-                </a:solidFill>
-                <a:latin typeface="AdobeClean-LightIt"/>
-                <a:cs typeface="AdobeClean-LightIt"/>
-              </a:rPr>
-              <a:t>Manager </a:t>
-            </a:r>
-            <a:r>
-              <a:rPr sz="1100" i="1" spc="-15">
-                <a:solidFill>
-                  <a:srgbClr val="777879"/>
-                </a:solidFill>
-                <a:latin typeface="AdobeClean-LightIt"/>
-                <a:cs typeface="AdobeClean-LightIt"/>
-              </a:rPr>
-              <a:t>(CSM)</a:t>
-            </a:r>
-            <a:endParaRPr sz="1100">
-              <a:latin typeface="AdobeClean-LightIt"/>
-              <a:cs typeface="AdobeClean-LightIt"/>
-            </a:endParaRPr>
           </a:p>
           <a:p>
             <a:pPr marL="34290">
@@ -10453,37 +9206,27 @@
               </a:spcBef>
             </a:pPr>
             <a:r>
-              <a:rPr sz="800" spc="-5">
+              <a:rPr lang="es-ES" sz="800" dirty="0">
                 <a:solidFill>
                   <a:srgbClr val="6D6D6D"/>
                 </a:solidFill>
                 <a:latin typeface="Adobe Clean"/>
                 <a:cs typeface="Adobe Clean"/>
               </a:rPr>
-              <a:t>©202</a:t>
+              <a:t>©2021 Adobe. </a:t>
             </a:r>
             <a:r>
-              <a:rPr lang="en-US" sz="800" spc="-5">
+              <a:rPr lang="es-ES" sz="800" dirty="0" err="1">
                 <a:solidFill>
                   <a:srgbClr val="6D6D6D"/>
                 </a:solidFill>
                 <a:latin typeface="Adobe Clean"/>
                 <a:cs typeface="Adobe Clean"/>
               </a:rPr>
-              <a:t>1</a:t>
+              <a:t>All</a:t>
             </a:r>
             <a:r>
-              <a:rPr sz="800" spc="-5">
-                <a:solidFill>
-                  <a:srgbClr val="6D6D6D"/>
-                </a:solidFill>
-                <a:latin typeface="Adobe Clean"/>
-                <a:cs typeface="Adobe Clean"/>
-              </a:rPr>
-              <a:t> Adobe. All Rights Reserved. Adobe</a:t>
-            </a:r>
-            <a:r>
-              <a:rPr sz="800" spc="75">
+              <a:rPr lang="es-ES" sz="800" dirty="0">
                 <a:solidFill>
                   <a:srgbClr val="6D6D6D"/>
                 </a:solidFill>
@@ -10493,19 +9236,65 @@
               <a:t> </a:t>
             </a:r>
             <a:r>
-              <a:rPr sz="800" spc="-5">
+              <a:rPr lang="es-ES" sz="800" dirty="0" err="1">
                 <a:solidFill>
                   <a:srgbClr val="6D6D6D"/>
                 </a:solidFill>
                 <a:latin typeface="Adobe Clean"/>
                 <a:cs typeface="Adobe Clean"/>
               </a:rPr>
-              <a:t>Confidential.</a:t>
+              <a:t>Rights</a:t>
             </a:r>
-            <a:endParaRPr sz="800">
-              <a:latin typeface="Adobe Clean"/>
-              <a:cs typeface="Adobe Clean"/>
-            </a:endParaRPr>
+            <a:r>
+              <a:rPr lang="es-ES" sz="800" dirty="0">
+                <a:solidFill>
+                  <a:srgbClr val="6D6D6D"/>
+                </a:solidFill>
+                <a:latin typeface="Adobe Clean"/>
+                <a:cs typeface="Adobe Clean"/>
+              </a:rPr>
+              <a:t> </a:t>
+            </a:r>
+            <a:r>
+              <a:rPr lang="es-ES" sz="800" dirty="0" err="1">
+                <a:solidFill>
+                  <a:srgbClr val="6D6D6D"/>
+                </a:solidFill>
+                <a:latin typeface="Adobe Clean"/>
+                <a:cs typeface="Adobe Clean"/>
+              </a:rPr>
+              <a:t>Reserved</a:t>
+            </a:r>
+            <a:r>
+              <a:rPr lang="es-ES" sz="800" dirty="0">
+                <a:solidFill>
+                  <a:srgbClr val="6D6D6D"/>
+                </a:solidFill>
+                <a:latin typeface="Adobe Clean"/>
+                <a:cs typeface="Adobe Clean"/>
+              </a:rPr>
+              <a:t>. Adobe </a:t>
+            </a:r>
+            <a:r>
+              <a:rPr lang="es-ES" sz="800" dirty="0" err="1">
+                <a:solidFill>
+                  <a:srgbClr val="6D6D6D"/>
+                </a:solidFill>
+                <a:latin typeface="Adobe Clean"/>
+                <a:cs typeface="Adobe Clean"/>
+              </a:rPr>
+              <a:t>Confidential</a:t>
+            </a:r>
+            <a:r>
+              <a:rPr lang="es-ES" sz="800" dirty="0">
+                <a:solidFill>
+                  <a:srgbClr val="6D6D6D"/>
+                </a:solidFill>
+                <a:latin typeface="Adobe Clean"/>
+                <a:cs typeface="Adobe Clean"/>
+              </a:rPr>
+              <a:t>.</a:t>
+            </a:r>
           </a:p>
         </p:txBody>
       </p:sp>
@@ -10524,7 +9313,7 @@
         <p:spPr>
           <a:xfrm>
             <a:off x="197233" y="5031270"/>
-            <a:ext cx="6476646" cy="755976"/>
+            <a:ext cx="7365294" cy="755976"/>
           </a:xfrm>
           <a:prstGeom prst="rect">
             <a:avLst/>
@@ -10542,19 +9331,15 @@
               </a:spcBef>
             </a:pPr>
             <a:r>
-              <a:rPr lang="en-US" sz="1400" b="1" spc="-15">
+              <a:rPr lang="es-ES" sz="1400" b="1" dirty="0">
                 <a:solidFill>
                   <a:srgbClr val="020302"/>
                 </a:solidFill>
                 <a:latin typeface="Adobe Clean"/>
                 <a:cs typeface="Adobe Clean"/>
               </a:rPr>
-              <a:t>Regional scope of Adobe Support, Local Hours Of Operation And Language Support</a:t>
+              <a:t>Alcance regional del Soporte de Adobe, horas locales de trabajo y compatibilidad de idioma</a:t>
             </a:r>
-            <a:endParaRPr lang="en-US" sz="1400" spc="-15">
-              <a:ea typeface="+mn-lt"/>
-              <a:cs typeface="+mn-lt"/>
-            </a:endParaRPr>
           </a:p>
           <a:p>
             <a:pPr>
@@ -10563,15 +9348,14 @@
               </a:spcBef>
             </a:pPr>
             <a:r>
-              <a:rPr lang="en-US" sz="1000" spc="-15">
+              <a:rPr lang="es-ES" sz="1000" dirty="0">
                 <a:solidFill>
                   <a:srgbClr val="1F1F1F"/>
                 </a:solidFill>
                 <a:latin typeface="AdobeClean-Light"/>
               </a:rPr>
-              <a:t>The Regional scope of Adobe Support is established by aligning the customer's billing address (via the Sales Order or other Adobe Support purchasing document) to one of the following regions:</a:t>
+              <a:t>El alcance regional del Soporte de Adobe se establece asignando la dirección de facturación del cliente (mediante la orden de venta o el documento de compra de Soporte de Adobe) con una de estas regiones:</a:t>
             </a:r>
-            <a:endParaRPr lang="en-US"/>
           </a:p>
         </p:txBody>
       </p:sp>
@@ -10590,7 +9374,7 @@
           <p:nvPr>
             <p:extLst>
               <p:ext uri="{D42A27DB-BD31-4B8C-83A1-F6EECF244321}">
-                <p14:modId xmlns:p14="http://schemas.microsoft.com/office/powerpoint/2010/main" val="2969235217"/>
+                <p14:modId xmlns:p14="http://schemas.microsoft.com/office/powerpoint/2010/main" val="3308617207"/>
               </p:ext>
             </p:extLst>
           </p:nvPr>
@@ -10643,13 +9427,13 @@
                     <a:p>
                       <a:pPr algn="ctr"/>
                       <a:r>
-                        <a:rPr lang="en-US" sz="1100">
+                        <a:rPr lang="es-ES" sz="1100">
                           <a:solidFill>
                             <a:schemeClr val="tx1"/>
                           </a:solidFill>
                           <a:latin typeface="Adobe Clean"/>
                         </a:rPr>
-                        <a:t>Americas</a:t>
+                        <a:t>América</a:t>
                       </a:r>
                     </a:p>
                   </a:txBody>
@@ -10708,13 +9492,30 @@
                     <a:p>
                       <a:pPr algn="ctr"/>
                       <a:r>
-                        <a:rPr lang="en-US" sz="1100">
+                        <a:rPr lang="es-ES" sz="1100" dirty="0">
                           <a:solidFill>
                             <a:schemeClr val="tx1"/>
                           </a:solidFill>
                           <a:latin typeface="Adobe Clean"/>
                         </a:rPr>
-                        <a:t>Europe, Middle East &amp; Africa</a:t>
+                        <a:t>Europa, Oriente Medio </a:t>
+                      </a:r>
+                      <a:br>
+                        <a:rPr lang="sk-SK" sz="1100" dirty="0">
+                          <a:solidFill>
+                            <a:schemeClr val="tx1"/>
+                          </a:solidFill>
+                          <a:latin typeface="Adobe Clean"/>
+                        </a:rPr>
+                      </a:br>
+                      <a:r>
+                        <a:rPr lang="es-ES" sz="1100" dirty="0">
+                          <a:solidFill>
+                            <a:schemeClr val="tx1"/>
+                          </a:solidFill>
+                          <a:latin typeface="Adobe Clean"/>
+                        </a:rPr>
+                        <a:t>y África</a:t>
                       </a:r>
                     </a:p>
                   </a:txBody>
@@ -10773,13 +9574,13 @@
                     <a:p>
                       <a:pPr algn="ctr"/>
                       <a:r>
-                        <a:rPr lang="en-US" sz="1100">
+                        <a:rPr lang="es-ES" sz="1100">
                           <a:solidFill>
                             <a:schemeClr val="tx1"/>
                           </a:solidFill>
                           <a:latin typeface="Adobe Clean"/>
                         </a:rPr>
-                        <a:t>Asia Pacific</a:t>
+                        <a:t>Asia-Pacífico</a:t>
                       </a:r>
                     </a:p>
                   </a:txBody>
@@ -10838,16 +9639,16 @@
                     <a:p>
                       <a:pPr algn="ctr"/>
                       <a:r>
-                        <a:rPr lang="en-US" sz="1100">
+                        <a:rPr lang="es-ES" sz="1100">
                           <a:solidFill>
                             <a:schemeClr val="tx1"/>
                           </a:solidFill>
                           <a:latin typeface="Adobe Clean"/>
                         </a:rPr>
-                        <a:t>Japan </a:t>
+                        <a:t>Japón </a:t>
                       </a:r>
                       <a:r>
-                        <a:rPr lang="en-US" sz="1100" baseline="30000">
+                        <a:rPr lang="es-ES" sz="1100" baseline="30000">
                           <a:solidFill>
                             <a:schemeClr val="tx1"/>
                           </a:solidFill>
@@ -10855,12 +9656,6 @@
                         </a:rPr>
                         <a:t>1 </a:t>
                       </a:r>
-                      <a:endParaRPr lang="en-US" sz="1100">
-                        <a:solidFill>
-                          <a:schemeClr val="tx1"/>
-                        </a:solidFill>
-                        <a:latin typeface="Adobe Clean" panose="020B0503020404020204" pitchFamily="34" charset="0"/>
-                      </a:endParaRPr>
                     </a:p>
                   </a:txBody>
                   <a:tcPr anchor="ctr">
@@ -10925,13 +9720,13 @@
                     <a:p>
                       <a:pPr algn="ctr"/>
                       <a:r>
-                        <a:rPr lang="en-US" sz="1100">
+                        <a:rPr lang="es-ES" sz="1100">
                           <a:solidFill>
                             <a:schemeClr val="tx1"/>
                           </a:solidFill>
                           <a:latin typeface="Adobe Clean"/>
                         </a:rPr>
-                        <a:t>6 am – 5:30 pm</a:t>
+                        <a:t>06:00 h - 17:30 h</a:t>
                       </a:r>
                     </a:p>
                   </a:txBody>
@@ -10990,13 +9785,13 @@
                     <a:p>
                       <a:pPr algn="ctr"/>
                       <a:r>
-                        <a:rPr lang="en-US" sz="1100">
+                        <a:rPr lang="es-ES" sz="1100">
                           <a:solidFill>
                             <a:schemeClr val="tx1"/>
                           </a:solidFill>
                           <a:latin typeface="Adobe Clean"/>
                         </a:rPr>
-                        <a:t>9 am – 5 pm</a:t>
+                        <a:t>09:00 h - 17:00 h</a:t>
                       </a:r>
                     </a:p>
                   </a:txBody>
@@ -11055,13 +9850,13 @@
                     <a:p>
                       <a:pPr algn="ctr"/>
                       <a:r>
-                        <a:rPr lang="en-US" sz="1100">
+                        <a:rPr lang="es-ES" sz="1100">
                           <a:solidFill>
                             <a:schemeClr val="tx1"/>
                           </a:solidFill>
                           <a:latin typeface="Adobe Clean"/>
                         </a:rPr>
-                        <a:t>9 am – 5 pm</a:t>
+                        <a:t>09:00 h - 17:00 h</a:t>
                       </a:r>
                     </a:p>
                   </a:txBody>
@@ -11120,13 +9915,13 @@
                     <a:p>
                       <a:pPr algn="ctr"/>
                       <a:r>
-                        <a:rPr lang="en-US" sz="1100">
+                        <a:rPr lang="es-ES" sz="1100">
                           <a:solidFill>
                             <a:schemeClr val="tx1"/>
                           </a:solidFill>
                           <a:latin typeface="Adobe Clean"/>
                         </a:rPr>
-                        <a:t>9 am – 5:30 pm</a:t>
+                        <a:t>09:00 h - 17:30 h</a:t>
                       </a:r>
                     </a:p>
                   </a:txBody>
@@ -11206,11 +10001,10 @@
                         <a:buNone/>
                       </a:pPr>
                       <a:r>
-                        <a:rPr lang="en-US" sz="1100" b="1" i="0" u="none" strike="noStrike" kern="0" cap="none" spc="0" normalizeH="0" baseline="30000" noProof="0">
+                        <a:rPr lang="es-ES" sz="1100" b="1" i="0" u="none" strike="noStrike" cap="none" normalizeH="0" baseline="30000" noProof="0" dirty="0">
                           <a:ln>
                             <a:noFill/>
                           </a:ln>
-                          <a:effectLst/>
                           <a:uLnTx/>
                           <a:uFillTx/>
                           <a:latin typeface="Adobe Clean"/>
@@ -11220,17 +10014,16 @@
                         <a:t> </a:t>
                       </a:r>
                       <a:r>
-                        <a:rPr lang="en-US" sz="1100">
+                        <a:rPr lang="es-ES" sz="1100" dirty="0">
                           <a:solidFill>
                             <a:schemeClr val="tx1"/>
                           </a:solidFill>
                           <a:latin typeface="Adobe Clean"/>
+                          <a:ea typeface="+mn-ea"/>
+                          <a:cs typeface="+mn-cs"/>
                         </a:rPr>
-                        <a:t>Language support is only available in English and Japanese.</a:t>
+                        <a:t>Compatibilidad de idioma solo disponible en inglés y japonés</a:t>
                       </a:r>
-                      <a:endParaRPr lang="en-US">
-                        <a:latin typeface="Adobe Clean"/>
-                      </a:endParaRPr>
                     </a:p>
                     <a:p>
                       <a:pPr marL="0" marR="0" lvl="0" indent="0" algn="ctr">
@@ -11249,18 +10042,18 @@
                         <a:buNone/>
                       </a:pPr>
                       <a:r>
-                        <a:rPr lang="en-US" sz="1100" i="1">
+                        <a:rPr lang="es-ES" sz="1100" i="1" dirty="0">
                           <a:solidFill>
                             <a:schemeClr val="tx1"/>
                           </a:solidFill>
                           <a:latin typeface="Adobe Clean"/>
                         </a:rPr>
-                        <a:t>*Adobe Commerce excludes Japanese languages support.</a:t>
+                        <a:t>*Adobe Commerce no incluye soporte en japonés.</a:t>
                       </a:r>
                     </a:p>
                     <a:p>
-                      <a:pPr algn="ctr"/>
-                      <a:endParaRPr kumimoji="0" lang="en-US" sz="1100" b="1" i="0" u="none" strike="noStrike" kern="0" cap="none" spc="0" normalizeH="0" baseline="30000" noProof="0">
+                      <a:pPr algn="l" rtl="0"/>
+                      <a:endParaRPr kumimoji="0" lang="en-US" sz="1100" b="1" i="0" u="none" strike="noStrike" kern="0" cap="none" spc="0" normalizeH="0" baseline="30000" noProof="0" dirty="0">
                         <a:ln>
                           <a:noFill/>
                         </a:ln>
@@ -11278,7 +10071,7 @@
                     <a:p>
                       <a:pPr algn="ctr"/>
                       <a:r>
-                        <a:rPr lang="en-US" sz="1100" i="0">
+                        <a:rPr lang="es-ES" sz="1100" i="0" dirty="0">
                           <a:solidFill>
                             <a:schemeClr val="tx1"/>
                           </a:solidFill>
@@ -11287,7 +10080,7 @@
                         <a:t> </a:t>
                       </a:r>
                       <a:r>
-                        <a:rPr lang="en-US" sz="1100" i="0" baseline="30000">
+                        <a:rPr lang="es-ES" sz="1100" i="0" baseline="30000" dirty="0">
                           <a:solidFill>
                             <a:schemeClr val="tx1"/>
                           </a:solidFill>
@@ -11296,20 +10089,14 @@
                         <a:t>1 </a:t>
                       </a:r>
                       <a:r>
-                        <a:rPr lang="en-US" sz="1100" i="0">
+                        <a:rPr lang="es-ES" sz="1100" i="0" dirty="0">
                           <a:solidFill>
                             <a:schemeClr val="tx1"/>
                           </a:solidFill>
                           <a:latin typeface="Adobe Clean"/>
                         </a:rPr>
-                        <a:t>P2, P3, P4 cases are limited to business hours only in Japan.</a:t>
+                        <a:t>Los casos de P2, P3, P4 se limitan únicamente al horario laboral en Japón.</a:t>
                       </a:r>
-                      <a:endParaRPr lang="en-US" sz="1100" b="1" i="0">
-                        <a:solidFill>
-                          <a:schemeClr val="tx1"/>
-                        </a:solidFill>
-                        <a:latin typeface="Adobe Clean"/>
-                      </a:endParaRPr>
                     </a:p>
                   </a:txBody>
                   <a:tcPr anchor="ctr">
@@ -11651,8 +10438,8 @@
         </p:nvSpPr>
         <p:spPr>
           <a:xfrm>
-            <a:off x="2840871" y="8528519"/>
-            <a:ext cx="810895" cy="385445"/>
+            <a:off x="2802771" y="8528519"/>
+            <a:ext cx="911979" cy="385445"/>
           </a:xfrm>
           <a:prstGeom prst="rect">
             <a:avLst/>
@@ -11664,7 +10451,7 @@
           </a:bodyPr>
           <a:lstStyle/>
           <a:p>
-            <a:pPr marL="139065" marR="5080" indent="-139065">
+            <a:pPr marR="5080" algn="ctr">
               <a:lnSpc>
                 <a:spcPts val="1390"/>
               </a:lnSpc>
@@ -11673,129 +10460,15 @@
               </a:spcBef>
             </a:pPr>
             <a:r>
-              <a:rPr sz="1200" b="1" spc="-15">
+              <a:rPr lang="es-ES" sz="1200" b="1" dirty="0">
                 <a:solidFill>
                   <a:srgbClr val="FFFFFF"/>
                 </a:solidFill>
                 <a:latin typeface="Adobe Clean"/>
                 <a:cs typeface="Adobe Clean"/>
               </a:rPr>
-              <a:t>U</a:t>
+              <a:t>Experiencia sin igual</a:t>
             </a:r>
-            <a:r>
-              <a:rPr sz="1200" b="1" spc="-20">
-                <a:solidFill>
-                  <a:srgbClr val="FFFFFF"/>
-                </a:solidFill>
-                <a:latin typeface="Adobe Clean"/>
-                <a:cs typeface="Adobe Clean"/>
-              </a:rPr>
-              <a:t>n</a:t>
-            </a:r>
-            <a:r>
-              <a:rPr sz="1200" b="1" spc="-25">
-                <a:solidFill>
-                  <a:srgbClr val="FFFFFF"/>
-                </a:solidFill>
-                <a:latin typeface="Adobe Clean"/>
-                <a:cs typeface="Adobe Clean"/>
-              </a:rPr>
-              <a:t>p</a:t>
-            </a:r>
-            <a:r>
-              <a:rPr sz="1200" b="1" spc="-15">
-                <a:solidFill>
-                  <a:srgbClr val="FFFFFF"/>
-                </a:solidFill>
-                <a:latin typeface="Adobe Clean"/>
-                <a:cs typeface="Adobe Clean"/>
-              </a:rPr>
-              <a:t>a</a:t>
-            </a:r>
-            <a:r>
-              <a:rPr sz="1200" b="1" spc="-25">
-                <a:solidFill>
-                  <a:srgbClr val="FFFFFF"/>
-                </a:solidFill>
-                <a:latin typeface="Adobe Clean"/>
-                <a:cs typeface="Adobe Clean"/>
-              </a:rPr>
-              <a:t>r</a:t>
-            </a:r>
-            <a:r>
-              <a:rPr sz="1200" b="1" spc="-15">
-                <a:solidFill>
-                  <a:srgbClr val="FFFFFF"/>
-                </a:solidFill>
-                <a:latin typeface="Adobe Clean"/>
-                <a:cs typeface="Adobe Clean"/>
-              </a:rPr>
-              <a:t>a</a:t>
-            </a:r>
-            <a:r>
-              <a:rPr sz="1200" b="1" spc="-30">
-                <a:solidFill>
-                  <a:srgbClr val="FFFFFF"/>
-                </a:solidFill>
-                <a:latin typeface="Adobe Clean"/>
-                <a:cs typeface="Adobe Clean"/>
-              </a:rPr>
-              <a:t>ll</a:t>
-            </a:r>
-            <a:r>
-              <a:rPr sz="1200" b="1" spc="-25">
-                <a:solidFill>
-                  <a:srgbClr val="FFFFFF"/>
-                </a:solidFill>
-                <a:latin typeface="Adobe Clean"/>
-                <a:cs typeface="Adobe Clean"/>
-              </a:rPr>
-              <a:t>e</a:t>
-            </a:r>
-            <a:r>
-              <a:rPr sz="1200" b="1" spc="-30">
-                <a:solidFill>
-                  <a:srgbClr val="FFFFFF"/>
-                </a:solidFill>
-                <a:latin typeface="Adobe Clean"/>
-                <a:cs typeface="Adobe Clean"/>
-              </a:rPr>
-              <a:t>l</a:t>
-            </a:r>
-            <a:r>
-              <a:rPr sz="1200" b="1" spc="-25">
-                <a:solidFill>
-                  <a:srgbClr val="FFFFFF"/>
-                </a:solidFill>
-                <a:latin typeface="Adobe Clean"/>
-                <a:cs typeface="Adobe Clean"/>
-              </a:rPr>
-              <a:t>e</a:t>
-            </a:r>
-            <a:r>
-              <a:rPr sz="1200" b="1">
-                <a:solidFill>
-                  <a:srgbClr val="FFFFFF"/>
-                </a:solidFill>
-                <a:latin typeface="Adobe Clean"/>
-                <a:cs typeface="Adobe Clean"/>
-              </a:rPr>
-              <a:t>d  </a:t>
-            </a:r>
-            <a:r>
-              <a:rPr sz="1200" b="1" spc="-25">
-                <a:solidFill>
-                  <a:srgbClr val="FFFFFF"/>
-                </a:solidFill>
-                <a:latin typeface="Adobe Clean"/>
-                <a:cs typeface="Adobe Clean"/>
-              </a:rPr>
-              <a:t>Expertise</a:t>
-            </a:r>
-            <a:endParaRPr sz="1200">
-              <a:latin typeface="Adobe Clean"/>
-              <a:cs typeface="Adobe Clean"/>
-            </a:endParaRPr>
           </a:p>
         </p:txBody>
       </p:sp>
@@ -11813,8 +10486,8 @@
         </p:nvSpPr>
         <p:spPr>
           <a:xfrm>
-            <a:off x="4732495" y="8541244"/>
-            <a:ext cx="810895" cy="382797"/>
+            <a:off x="4541995" y="8541244"/>
+            <a:ext cx="1030130" cy="382797"/>
           </a:xfrm>
           <a:prstGeom prst="rect">
             <a:avLst/>
@@ -11826,7 +10499,7 @@
           </a:bodyPr>
           <a:lstStyle/>
           <a:p>
-            <a:pPr marL="139065" marR="5080" indent="-139065">
+            <a:pPr marR="5080" algn="ctr">
               <a:lnSpc>
                 <a:spcPts val="1390"/>
               </a:lnSpc>
@@ -11835,19 +10508,34 @@
               </a:spcBef>
             </a:pPr>
             <a:r>
-              <a:rPr lang="en-US" sz="1200" b="1" spc="-15">
+              <a:rPr lang="es-ES" sz="1200" b="1" dirty="0">
                 <a:solidFill>
                   <a:srgbClr val="FFFFFF"/>
                 </a:solidFill>
                 <a:latin typeface="Adobe Clean"/>
                 <a:cs typeface="Adobe Clean"/>
               </a:rPr>
-              <a:t>Accelerated Support</a:t>
+              <a:t>Asistencia </a:t>
             </a:r>
-            <a:endParaRPr sz="1200">
-              <a:latin typeface="Adobe Clean"/>
-              <a:cs typeface="Adobe Clean"/>
-            </a:endParaRPr>
+            <a:br>
+              <a:rPr lang="sk-SK" sz="1200" b="1" dirty="0">
+                <a:solidFill>
+                  <a:srgbClr val="FFFFFF"/>
+                </a:solidFill>
+                <a:latin typeface="Adobe Clean"/>
+                <a:cs typeface="Adobe Clean"/>
+              </a:rPr>
+            </a:br>
+            <a:r>
+              <a:rPr lang="es-ES" sz="1200" b="1" dirty="0">
+                <a:solidFill>
+                  <a:srgbClr val="FFFFFF"/>
+                </a:solidFill>
+                <a:latin typeface="Adobe Clean"/>
+                <a:cs typeface="Adobe Clean"/>
+              </a:rPr>
+              <a:t>ágil</a:t>
+            </a:r>
           </a:p>
         </p:txBody>
       </p:sp>
@@ -11865,8 +10553,8 @@
         </p:nvSpPr>
         <p:spPr>
           <a:xfrm>
-            <a:off x="6624119" y="8543943"/>
-            <a:ext cx="510540" cy="385445"/>
+            <a:off x="6471718" y="8543943"/>
+            <a:ext cx="810895" cy="382797"/>
           </a:xfrm>
           <a:prstGeom prst="rect">
             <a:avLst/>
@@ -11878,7 +10566,7 @@
           </a:bodyPr>
           <a:lstStyle/>
           <a:p>
-            <a:pPr marL="50800" marR="5080" indent="-51435">
+            <a:pPr marR="5080" algn="ctr">
               <a:lnSpc>
                 <a:spcPts val="1390"/>
               </a:lnSpc>
@@ -11887,109 +10575,15 @@
               </a:spcBef>
             </a:pPr>
             <a:r>
-              <a:rPr sz="1200" b="1" spc="-50">
+              <a:rPr lang="es-ES" sz="1200" b="1" dirty="0">
                 <a:solidFill>
                   <a:srgbClr val="FFFFFF"/>
                 </a:solidFill>
                 <a:latin typeface="Adobe Clean"/>
                 <a:cs typeface="Adobe Clean"/>
               </a:rPr>
-              <a:t>S</a:t>
+              <a:t>Asesoría estratégica</a:t>
             </a:r>
-            <a:r>
-              <a:rPr sz="1200" b="1" spc="-20">
-                <a:solidFill>
-                  <a:srgbClr val="FFFFFF"/>
-                </a:solidFill>
-                <a:latin typeface="Adobe Clean"/>
-                <a:cs typeface="Adobe Clean"/>
-              </a:rPr>
-              <a:t>t</a:t>
-            </a:r>
-            <a:r>
-              <a:rPr sz="1200" b="1" spc="-75">
-                <a:solidFill>
-                  <a:srgbClr val="FFFFFF"/>
-                </a:solidFill>
-                <a:latin typeface="Adobe Clean"/>
-                <a:cs typeface="Adobe Clean"/>
-              </a:rPr>
-              <a:t>r</a:t>
-            </a:r>
-            <a:r>
-              <a:rPr sz="1200" b="1" spc="-90">
-                <a:solidFill>
-                  <a:srgbClr val="FFFFFF"/>
-                </a:solidFill>
-                <a:latin typeface="Adobe Clean"/>
-                <a:cs typeface="Adobe Clean"/>
-              </a:rPr>
-              <a:t>a</a:t>
-            </a:r>
-            <a:r>
-              <a:rPr sz="1200" b="1" spc="-55">
-                <a:solidFill>
-                  <a:srgbClr val="FFFFFF"/>
-                </a:solidFill>
-                <a:latin typeface="Adobe Clean"/>
-                <a:cs typeface="Adobe Clean"/>
-              </a:rPr>
-              <a:t>t</a:t>
-            </a:r>
-            <a:r>
-              <a:rPr sz="1200" b="1" spc="-100">
-                <a:solidFill>
-                  <a:srgbClr val="FFFFFF"/>
-                </a:solidFill>
-                <a:latin typeface="Adobe Clean"/>
-                <a:cs typeface="Adobe Clean"/>
-              </a:rPr>
-              <a:t>e</a:t>
-            </a:r>
-            <a:r>
-              <a:rPr sz="1200" b="1" spc="-80">
-                <a:solidFill>
-                  <a:srgbClr val="FFFFFF"/>
-                </a:solidFill>
-                <a:latin typeface="Adobe Clean"/>
-                <a:cs typeface="Adobe Clean"/>
-              </a:rPr>
-              <a:t>g</a:t>
-            </a:r>
-            <a:r>
-              <a:rPr sz="1200" b="1" spc="-35">
-                <a:solidFill>
-                  <a:srgbClr val="FFFFFF"/>
-                </a:solidFill>
-                <a:latin typeface="Adobe Clean"/>
-                <a:cs typeface="Adobe Clean"/>
-              </a:rPr>
-              <a:t>i</a:t>
-            </a:r>
-            <a:r>
-              <a:rPr sz="1200" b="1">
-                <a:solidFill>
-                  <a:srgbClr val="FFFFFF"/>
-                </a:solidFill>
-                <a:latin typeface="Adobe Clean"/>
-                <a:cs typeface="Adobe Clean"/>
-              </a:rPr>
-              <a:t>c  </a:t>
-            </a:r>
-            <a:r>
-              <a:rPr sz="1200" b="1" spc="-45">
-                <a:solidFill>
-                  <a:srgbClr val="FFFFFF"/>
-                </a:solidFill>
-                <a:latin typeface="Adobe Clean"/>
-                <a:cs typeface="Adobe Clean"/>
-              </a:rPr>
-              <a:t>Advice</a:t>
-            </a:r>
-            <a:endParaRPr sz="1200">
-              <a:latin typeface="Adobe Clean"/>
-              <a:cs typeface="Adobe Clean"/>
-            </a:endParaRPr>
           </a:p>
         </p:txBody>
       </p:sp>
@@ -12008,14 +10602,14 @@
           <p:nvPr>
             <p:extLst>
               <p:ext uri="{D42A27DB-BD31-4B8C-83A1-F6EECF244321}">
-                <p14:modId xmlns:p14="http://schemas.microsoft.com/office/powerpoint/2010/main" val="3773282750"/>
+                <p14:modId xmlns:p14="http://schemas.microsoft.com/office/powerpoint/2010/main" val="1596060064"/>
               </p:ext>
             </p:extLst>
           </p:nvPr>
         </p:nvGraphicFramePr>
         <p:xfrm>
           <a:off x="194236" y="1059345"/>
-          <a:ext cx="7368291" cy="3302000"/>
+          <a:ext cx="7368291" cy="3759200"/>
         </p:xfrm>
         <a:graphic>
           <a:graphicData uri="http://schemas.openxmlformats.org/drawingml/2006/table">
@@ -12046,25 +10640,17 @@
                     <a:lstStyle/>
                     <a:p>
                       <a:r>
-                        <a:rPr lang="en-US" sz="1100" b="0">
+                        <a:rPr lang="es-ES" sz="1100" b="0">
                           <a:solidFill>
                             <a:schemeClr val="tx1"/>
                           </a:solidFill>
-                          <a:latin typeface="Adobe Clean"/>
+                          <a:latin typeface="Adobe Clean" panose="020B0503020404020204" pitchFamily="34" charset="0"/>
                           <a:ea typeface="+mn-ea"/>
                           <a:cs typeface="+mn-cs"/>
                           <a:hlinkClick r:id="rId7"/>
                         </a:rPr>
                         <a:t>Experience League</a:t>
                       </a:r>
-                      <a:endParaRPr lang="en-US" sz="1100" b="0">
-                        <a:solidFill>
-                          <a:schemeClr val="tx1"/>
-                        </a:solidFill>
-                        <a:latin typeface="Adobe Clean"/>
-                        <a:ea typeface="+mn-ea"/>
-                        <a:cs typeface="+mn-cs"/>
-                      </a:endParaRPr>
                     </a:p>
                   </a:txBody>
                   <a:tcPr marL="47625" marR="47625" marT="0" marB="0" anchor="ctr">
@@ -12120,7 +10706,7 @@
                     <a:bodyPr/>
                     <a:lstStyle/>
                     <a:p>
-                      <a:pPr marL="0" marR="0" lvl="0" indent="0" eaLnBrk="1" fontAlgn="auto" latinLnBrk="0" hangingPunct="1">
+                      <a:pPr marL="0" marR="0" lvl="0" indent="0" defTabSz="914400" eaLnBrk="1" fontAlgn="auto" latinLnBrk="0" hangingPunct="1">
                         <a:lnSpc>
                           <a:spcPct val="100000"/>
                         </a:lnSpc>
@@ -12134,26 +10720,115 @@
                         <a:buSzTx/>
                         <a:buFontTx/>
                         <a:buNone/>
+                        <a:tabLst/>
+                        <a:defRPr/>
                       </a:pPr>
                       <a:r>
-                        <a:rPr lang="en-US" sz="1000" b="0" kern="1200">
+                        <a:rPr lang="es-ES" sz="1000" b="0" dirty="0" err="1">
                           <a:solidFill>
                             <a:srgbClr val="000000"/>
                           </a:solidFill>
-                          <a:latin typeface="Adobe Clean Light"/>
+                          <a:latin typeface="Adobe Clean Light" panose="020B0303020404020204" pitchFamily="34" charset="0"/>
                           <a:ea typeface="+mn-ea"/>
                           <a:cs typeface="+mn-cs"/>
                         </a:rPr>
-                        <a:t>Experience League is how Adobe helps businesses achieve the value they expect from their Adobe investment. It’s the unified place where customers can learn, connect, and grow along a personalized path to success that includes self-help tutorials, product documentation, instructor-led training, community and technical support. </a:t>
+                        <a:t>Experience</a:t>
                       </a:r>
-                      <a:endParaRPr lang="en-US" sz="1000" b="0" kern="1200">
-                        <a:solidFill>
-                          <a:srgbClr val="000000"/>
-                        </a:solidFill>
-                        <a:latin typeface="Adobe Clean Light" panose="020B0303020404020204" pitchFamily="34" charset="0"/>
-                        <a:ea typeface="+mn-ea"/>
-                        <a:cs typeface="+mn-cs"/>
-                      </a:endParaRPr>
+                      <a:r>
+                        <a:rPr lang="es-ES" sz="1000" b="0" dirty="0">
+                          <a:solidFill>
+                            <a:srgbClr val="000000"/>
+                          </a:solidFill>
+                          <a:latin typeface="Adobe Clean Light" panose="020B0303020404020204" pitchFamily="34" charset="0"/>
+                          <a:ea typeface="+mn-ea"/>
+                          <a:cs typeface="+mn-cs"/>
+                        </a:rPr>
+                        <a:t> League permite a Adobe ayudar a las empresas a alcanzar el valor que esperan de su inversión en Adobe. Es el lugar unificado </a:t>
+                      </a:r>
+                      <a:br>
+                        <a:rPr lang="sk-SK" sz="1000" b="0" dirty="0">
+                          <a:solidFill>
+                            <a:srgbClr val="000000"/>
+                          </a:solidFill>
+                          <a:latin typeface="Adobe Clean Light" panose="020B0303020404020204" pitchFamily="34" charset="0"/>
+                          <a:ea typeface="+mn-ea"/>
+                          <a:cs typeface="+mn-cs"/>
+                        </a:rPr>
+                      </a:br>
+                      <a:r>
+                        <a:rPr lang="es-ES" sz="1000" b="0" dirty="0">
+                          <a:solidFill>
+                            <a:srgbClr val="000000"/>
+                          </a:solidFill>
+                          <a:latin typeface="Adobe Clean Light" panose="020B0303020404020204" pitchFamily="34" charset="0"/>
+                          <a:ea typeface="+mn-ea"/>
+                          <a:cs typeface="+mn-cs"/>
+                        </a:rPr>
+                        <a:t>en el que los clientes pueden aprender, dialogar y crecer siguiendo </a:t>
+                      </a:r>
+                      <a:br>
+                        <a:rPr lang="sk-SK" sz="1000" b="0" dirty="0">
+                          <a:solidFill>
+                            <a:srgbClr val="000000"/>
+                          </a:solidFill>
+                          <a:latin typeface="Adobe Clean Light" panose="020B0303020404020204" pitchFamily="34" charset="0"/>
+                          <a:ea typeface="+mn-ea"/>
+                          <a:cs typeface="+mn-cs"/>
+                        </a:rPr>
+                      </a:br>
+                      <a:r>
+                        <a:rPr lang="es-ES" sz="1000" b="0" dirty="0">
+                          <a:solidFill>
+                            <a:srgbClr val="000000"/>
+                          </a:solidFill>
+                          <a:latin typeface="Adobe Clean Light" panose="020B0303020404020204" pitchFamily="34" charset="0"/>
+                          <a:ea typeface="+mn-ea"/>
+                          <a:cs typeface="+mn-cs"/>
+                        </a:rPr>
+                        <a:t>un camino personalizado hacia el éxito que incluye tutoriales </a:t>
+                      </a:r>
+                      <a:br>
+                        <a:rPr lang="sk-SK" sz="1000" b="0" dirty="0">
+                          <a:solidFill>
+                            <a:srgbClr val="000000"/>
+                          </a:solidFill>
+                          <a:latin typeface="Adobe Clean Light" panose="020B0303020404020204" pitchFamily="34" charset="0"/>
+                          <a:ea typeface="+mn-ea"/>
+                          <a:cs typeface="+mn-cs"/>
+                        </a:rPr>
+                      </a:br>
+                      <a:r>
+                        <a:rPr lang="es-ES" sz="1000" b="0" dirty="0">
+                          <a:solidFill>
+                            <a:srgbClr val="000000"/>
+                          </a:solidFill>
+                          <a:latin typeface="Adobe Clean Light" panose="020B0303020404020204" pitchFamily="34" charset="0"/>
+                          <a:ea typeface="+mn-ea"/>
+                          <a:cs typeface="+mn-cs"/>
+                        </a:rPr>
+                        <a:t>de autoayuda, documentación de productos, formación dirigida </a:t>
+                      </a:r>
+                      <a:br>
+                        <a:rPr lang="sk-SK" sz="1000" b="0" dirty="0">
+                          <a:solidFill>
+                            <a:srgbClr val="000000"/>
+                          </a:solidFill>
+                          <a:latin typeface="Adobe Clean Light" panose="020B0303020404020204" pitchFamily="34" charset="0"/>
+                          <a:ea typeface="+mn-ea"/>
+                          <a:cs typeface="+mn-cs"/>
+                        </a:rPr>
+                      </a:br>
+                      <a:r>
+                        <a:rPr lang="es-ES" sz="1000" b="0" dirty="0">
+                          <a:solidFill>
+                            <a:srgbClr val="000000"/>
+                          </a:solidFill>
+                          <a:latin typeface="Adobe Clean Light" panose="020B0303020404020204" pitchFamily="34" charset="0"/>
+                          <a:ea typeface="+mn-ea"/>
+                          <a:cs typeface="+mn-cs"/>
+                        </a:rPr>
+                        <a:t>por instructores, y asistencia técnica y comunitaria. </a:t>
+                      </a:r>
                     </a:p>
                   </a:txBody>
                   <a:tcPr anchor="ctr">
@@ -12234,39 +10909,28 @@
                         <a:defRPr/>
                       </a:pPr>
                       <a:r>
-                        <a:rPr lang="en-US" sz="1100">
+                        <a:rPr lang="es-ES" sz="1100">
                           <a:solidFill>
                             <a:schemeClr val="dk1"/>
                           </a:solidFill>
-                          <a:effectLst/>
-                          <a:latin typeface="Adobe Clean"/>
+                          <a:latin typeface="Adobe Clean" panose="020B0503020404020204" pitchFamily="34" charset="0"/>
                           <a:ea typeface="+mn-ea"/>
                           <a:cs typeface="+mn-cs"/>
                           <a:hlinkClick r:id="rId8"/>
                         </a:rPr>
-                        <a:t>Training</a:t>
+                        <a:t>Formación</a:t>
                       </a:r>
                       <a:r>
-                        <a:rPr lang="en-US" sz="1100">
+                        <a:rPr lang="es-ES" sz="1100">
                           <a:solidFill>
                             <a:schemeClr val="dk1"/>
                           </a:solidFill>
-                          <a:effectLst/>
-                          <a:latin typeface="Adobe Clean"/>
+                          <a:latin typeface="Adobe Clean" panose="020B0503020404020204" pitchFamily="34" charset="0"/>
                           <a:ea typeface="+mn-ea"/>
                           <a:cs typeface="+mn-cs"/>
                         </a:rPr>
                         <a:t> </a:t>
                       </a:r>
-                      <a:endParaRPr lang="en-US" sz="1100">
-                        <a:solidFill>
-                          <a:schemeClr val="tx1"/>
-                        </a:solidFill>
-                        <a:effectLst/>
-                        <a:latin typeface="Adobe Clean"/>
-                        <a:ea typeface="+mn-ea"/>
-                        <a:cs typeface="+mn-cs"/>
-                      </a:endParaRPr>
                     </a:p>
                   </a:txBody>
                   <a:tcPr anchor="ctr">
@@ -12340,15 +11004,15 @@
                         <a:defRPr/>
                       </a:pPr>
                       <a:r>
-                        <a:rPr lang="en-US" sz="1000" kern="1200">
+                        <a:rPr lang="es-ES" sz="1000">
                           <a:solidFill>
                             <a:srgbClr val="000000"/>
                           </a:solidFill>
-                          <a:latin typeface="Adobe Clean Light"/>
+                          <a:latin typeface="Adobe Clean Light" panose="020B0303020404020204" pitchFamily="34" charset="0"/>
                           <a:ea typeface="+mn-ea"/>
                           <a:cs typeface="+mn-cs"/>
                         </a:rPr>
-                        <a:t>Adobe Digital Learning Services courses are accessible from Experience League. Learning courses integrate both on-demand and instructor-led lessons.  Here you can accrue skills that have recognized market value and position them to drive success in your organizations.</a:t>
+                        <a:t>Puede acceder a los cursos de Adobe Digital Learning Services desde Experience League. Los cursos de formación incluyen desde lecciones bajo demanda hasta lecciones impartidas por instructores.  Aquí puede aprender habilidades con valor de mercado reconocido para impulsar el éxito en su organización.</a:t>
                       </a:r>
                     </a:p>
                   </a:txBody>
@@ -12430,27 +11094,17 @@
                         <a:defRPr/>
                       </a:pPr>
                       <a:r>
-                        <a:rPr lang="en-US" sz="1100">
+                        <a:rPr lang="es-ES" sz="1100">
                           <a:solidFill>
                             <a:schemeClr val="tx1"/>
                           </a:solidFill>
-                          <a:effectLst/>
-                          <a:latin typeface="Adobe Clean"/>
+                          <a:latin typeface="Adobe Clean" panose="020B0503020404020204" pitchFamily="34" charset="0"/>
                           <a:ea typeface="+mn-ea"/>
                           <a:cs typeface="+mn-cs"/>
                           <a:hlinkClick r:id="rId9"/>
                         </a:rPr>
-                        <a:t>Production Issues &amp; System Outages</a:t>
+                        <a:t>Problemas de producción e interrupciones del sistema</a:t>
                       </a:r>
-                      <a:endParaRPr lang="en-US" sz="1100">
-                        <a:solidFill>
-                          <a:schemeClr val="tx1"/>
-                        </a:solidFill>
-                        <a:effectLst/>
-                        <a:latin typeface="Adobe Clean"/>
-                        <a:ea typeface="+mn-ea"/>
-                        <a:cs typeface="+mn-cs"/>
-                      </a:endParaRPr>
                     </a:p>
                   </a:txBody>
                   <a:tcPr anchor="ctr">
@@ -12506,7 +11160,7 @@
                     <a:bodyPr/>
                     <a:lstStyle/>
                     <a:p>
-                      <a:pPr marL="0" marR="0" lvl="0" indent="0" eaLnBrk="1" fontAlgn="auto" latinLnBrk="0" hangingPunct="1">
+                      <a:pPr marL="0" marR="0" lvl="0" indent="0" defTabSz="914400" eaLnBrk="1" fontAlgn="auto" latinLnBrk="0" hangingPunct="1">
                         <a:lnSpc>
                           <a:spcPct val="100000"/>
                         </a:lnSpc>
@@ -12520,26 +11174,20 @@
                         <a:buSzTx/>
                         <a:buFontTx/>
                         <a:buNone/>
+                        <a:tabLst/>
+                        <a:defRPr/>
                       </a:pPr>
                       <a:r>
-                        <a:rPr lang="en-US" sz="1000" kern="1200">
+                        <a:rPr lang="es-ES" sz="1000">
                           <a:solidFill>
                             <a:srgbClr val="000000"/>
                           </a:solidFill>
-                          <a:latin typeface="Adobe Clean Light"/>
+                          <a:latin typeface="Adobe Clean Light" panose="020B0303020404020204" pitchFamily="34" charset="0"/>
                           <a:ea typeface="+mn-ea"/>
                           <a:cs typeface="+mn-cs"/>
                         </a:rPr>
-                        <a:t>Status.adobe.com conveys the health information of all Adobe products and services that are deployed in multi-tenant environments. Customers can choose their subscription preferences to get email notifications whenever Adobe creates, updates or resolves a product event. This can include scheduled maintenance or service issues of varying levels of severity. </a:t>
+                        <a:t>Status.adobe.com transmite la información de estado de todos los productos y servicios de Adobe implementados en entornos de varios inquilinos. Los clientes pueden elegir sus preferencias de suscripción para recibir notificaciones por correo electrónico cada vez que Adobe cree, actualice o resuelva un evento de producto. Esto puede incluir problemas de mantenimiento o servicio programados de diversos niveles de gravedad. </a:t>
                       </a:r>
-                      <a:endParaRPr lang="en-US" sz="1000" kern="1200">
-                        <a:solidFill>
-                          <a:srgbClr val="000000"/>
-                        </a:solidFill>
-                        <a:latin typeface="Adobe Clean Light" panose="020B0303020404020204" pitchFamily="34" charset="0"/>
-                        <a:ea typeface="+mn-ea"/>
-                        <a:cs typeface="+mn-cs"/>
-                      </a:endParaRPr>
                     </a:p>
                   </a:txBody>
                   <a:tcPr anchor="ctr">
@@ -12620,27 +11268,17 @@
                         <a:defRPr/>
                       </a:pPr>
                       <a:r>
-                        <a:rPr lang="en-US" sz="1100" b="0" i="0">
+                        <a:rPr lang="es-ES" sz="1100" b="0" i="0">
                           <a:solidFill>
                             <a:schemeClr val="dk1"/>
                           </a:solidFill>
-                          <a:effectLst/>
-                          <a:latin typeface="Adobe Clean"/>
+                          <a:latin typeface="Adobe Clean" panose="020B0503020404020204" pitchFamily="34" charset="0"/>
                           <a:ea typeface="+mn-ea"/>
                           <a:cs typeface="+mn-cs"/>
-                          <a:hlinkClick r:id="rId10" tooltip="https://helpx.adobe.com/support/programs/enterprise-support-programs/premier-support-business.html"/>
+                          <a:hlinkClick r:id="rId10" tooltip="https://helpx.adobe.com/es/support/programs/enterprise-support-programs/premier-support-business.html"/>
                         </a:rPr>
-                        <a:t>Business Support Website</a:t>
+                        <a:t>Sitio web de soporte Business</a:t>
                       </a:r>
-                      <a:endParaRPr lang="en-US" sz="1100" b="0" i="0">
-                        <a:solidFill>
-                          <a:schemeClr val="dk1"/>
-                        </a:solidFill>
-                        <a:effectLst/>
-                        <a:latin typeface="Adobe Clean"/>
-                        <a:ea typeface="+mn-ea"/>
-                        <a:cs typeface="+mn-cs"/>
-                      </a:endParaRPr>
                     </a:p>
                   </a:txBody>
                   <a:tcPr anchor="ctr">
@@ -12697,24 +11335,16 @@
                     <a:lstStyle/>
                     <a:p>
                       <a:r>
-                        <a:rPr lang="en-US" sz="1000" kern="1200">
+                        <a:rPr lang="es-ES" sz="1000">
                           <a:solidFill>
                             <a:srgbClr val="000000"/>
                           </a:solidFill>
-                          <a:latin typeface="Adobe Clean Light"/>
+                          <a:latin typeface="Adobe Clean Light" panose="020B0303020404020204" pitchFamily="34" charset="0"/>
                           <a:ea typeface="+mn-ea"/>
                           <a:cs typeface="+mn-cs"/>
                         </a:rPr>
-                        <a:t>Adobe Business Support website.</a:t>
+                        <a:t>Sitio web de soporte Business de Adobe</a:t>
                       </a:r>
-                      <a:endParaRPr lang="en-US" sz="1000" kern="1200">
-                        <a:solidFill>
-                          <a:srgbClr val="000000"/>
-                        </a:solidFill>
-                        <a:latin typeface="Adobe Clean Light" panose="020B0303020404020204" pitchFamily="34" charset="0"/>
-                        <a:ea typeface="+mn-ea"/>
-                        <a:cs typeface="+mn-cs"/>
-                      </a:endParaRPr>
                     </a:p>
                   </a:txBody>
                   <a:tcPr anchor="ctr">
@@ -12795,27 +11425,17 @@
                         <a:defRPr/>
                       </a:pPr>
                       <a:r>
-                        <a:rPr lang="en-US" sz="1100">
+                        <a:rPr lang="es-ES" sz="1100">
                           <a:solidFill>
                             <a:schemeClr val="tx1"/>
                           </a:solidFill>
-                          <a:effectLst/>
-                          <a:latin typeface="Adobe Clean"/>
+                          <a:latin typeface="Adobe Clean" panose="020B0503020404020204" pitchFamily="34" charset="0"/>
                           <a:ea typeface="+mn-ea"/>
                           <a:cs typeface="+mn-cs"/>
                           <a:hlinkClick r:id="rId11"/>
                         </a:rPr>
-                        <a:t>Terms and Conditions</a:t>
+                        <a:t>Términos y condiciones</a:t>
                       </a:r>
-                      <a:endParaRPr lang="en-US" sz="1100">
-                        <a:solidFill>
-                          <a:schemeClr val="tx1"/>
-                        </a:solidFill>
-                        <a:effectLst/>
-                        <a:latin typeface="Adobe Clean"/>
-                        <a:ea typeface="+mn-ea"/>
-                        <a:cs typeface="+mn-cs"/>
-                      </a:endParaRPr>
                     </a:p>
                   </a:txBody>
                   <a:tcPr anchor="ctr">
@@ -12872,24 +11492,16 @@
                     <a:lstStyle/>
                     <a:p>
                       <a:r>
-                        <a:rPr lang="en-US" sz="1000" kern="1200">
+                        <a:rPr lang="es-ES" sz="1000" dirty="0">
                           <a:solidFill>
                             <a:srgbClr val="000000"/>
                           </a:solidFill>
-                          <a:latin typeface="Adobe Clean Light"/>
+                          <a:latin typeface="Adobe Clean Light" panose="020B0303020404020204" pitchFamily="34" charset="0"/>
                           <a:ea typeface="+mn-ea"/>
                           <a:cs typeface="+mn-cs"/>
                         </a:rPr>
-                        <a:t>Terms and conditions detailing Support Services offerings.</a:t>
+                        <a:t>Términos y condiciones de las ofertas de los servicios de soporte</a:t>
                       </a:r>
-                      <a:endParaRPr lang="en-US" sz="1000" kern="1200">
-                        <a:solidFill>
-                          <a:srgbClr val="000000"/>
-                        </a:solidFill>
-                        <a:latin typeface="Adobe Clean Light" panose="020B0303020404020204" pitchFamily="34" charset="0"/>
-                        <a:ea typeface="+mn-ea"/>
-                        <a:cs typeface="+mn-cs"/>
-                      </a:endParaRPr>
                     </a:p>
                   </a:txBody>
                   <a:tcPr anchor="ctr">
@@ -13659,6 +12271,12 @@
 </file>
 
 <file path=customXml/item1.xml><?xml version="1.0" encoding="utf-8"?>
+<p:properties xmlns:p="http://schemas.microsoft.com/office/2006/metadata/properties" xmlns:xsi="http://www.w3.org/2001/XMLSchema-instance" xmlns:pc="http://schemas.microsoft.com/office/infopath/2007/PartnerControls">
+  <documentManagement/>
+</p:properties>
+</file>
+
+<file path=customXml/item2.xml><?xml version="1.0" encoding="utf-8"?>
 <ct:contentTypeSchema xmlns:ct="http://schemas.microsoft.com/office/2006/metadata/contentType" xmlns:ma="http://schemas.microsoft.com/office/2006/metadata/properties/metaAttributes" ct:_="" ma:_="" ma:contentTypeName="Document" ma:contentTypeID="0x010100E783BF6876BCC646A459363AF21A7736" ma:contentTypeVersion="10" ma:contentTypeDescription="Create a new document." ma:contentTypeScope="" ma:versionID="c4ffda7f4f415767600769e454c2ea87">
   <xsd:schema xmlns:xsd="http://www.w3.org/2001/XMLSchema" xmlns:xs="http://www.w3.org/2001/XMLSchema" xmlns:p="http://schemas.microsoft.com/office/2006/metadata/properties" xmlns:ns2="8a053bff-88be-49e4-9a87-e748e18b8b62" xmlns:ns3="6c8368ec-3776-49b5-a5bb-90648cf9530f" targetNamespace="http://schemas.microsoft.com/office/2006/metadata/properties" ma:root="true" ma:fieldsID="df3ec33bccc23e23bce7bc897fad43d1" ns2:_="" ns3:_="">
     <xsd:import namespace="8a053bff-88be-49e4-9a87-e748e18b8b62"/>
@@ -13863,7 +12481,7 @@
 </ct:contentTypeSchema>
 </file>
 
-<file path=customXml/item2.xml><?xml version="1.0" encoding="utf-8"?>
+<file path=customXml/item3.xml><?xml version="1.0" encoding="utf-8"?>
 <?mso-contentType ?>
 <FormTemplates xmlns="http://schemas.microsoft.com/sharepoint/v3/contenttype/forms">
   <Display>DocumentLibraryForm</Display>
@@ -13872,13 +12490,16 @@
 </FormTemplates>
 </file>
 
-<file path=customXml/item3.xml><?xml version="1.0" encoding="utf-8"?>
-<p:properties xmlns:p="http://schemas.microsoft.com/office/2006/metadata/properties" xmlns:xsi="http://www.w3.org/2001/XMLSchema-instance" xmlns:pc="http://schemas.microsoft.com/office/infopath/2007/PartnerControls">
-  <documentManagement/>
-</p:properties>
+<file path=customXml/itemProps1.xml><?xml version="1.0" encoding="utf-8"?>
+<ds:datastoreItem xmlns:ds="http://schemas.openxmlformats.org/officeDocument/2006/customXml" ds:itemID="{10FC3CAF-E6F1-40E3-87D4-6B781C97D6B4}">
+  <ds:schemaRefs>
+    <ds:schemaRef ds:uri="http://schemas.microsoft.com/office/2006/metadata/properties"/>
+    <ds:schemaRef ds:uri="http://schemas.microsoft.com/office/infopath/2007/PartnerControls"/>
+  </ds:schemaRefs>
+</ds:datastoreItem>
 </file>
 
-<file path=customXml/itemProps1.xml><?xml version="1.0" encoding="utf-8"?>
+<file path=customXml/itemProps2.xml><?xml version="1.0" encoding="utf-8"?>
 <ds:datastoreItem xmlns:ds="http://schemas.openxmlformats.org/officeDocument/2006/customXml" ds:itemID="{E0DB8BDF-6DA8-4ABC-A3CA-043AFD674CFC}">
   <ds:schemaRefs>
     <ds:schemaRef ds:uri="6c8368ec-3776-49b5-a5bb-90648cf9530f"/>
@@ -13897,27 +12518,10 @@
 </ds:datastoreItem>
 </file>
 
-<file path=customXml/itemProps2.xml><?xml version="1.0" encoding="utf-8"?>
+<file path=customXml/itemProps3.xml><?xml version="1.0" encoding="utf-8"?>
 <ds:datastoreItem xmlns:ds="http://schemas.openxmlformats.org/officeDocument/2006/customXml" ds:itemID="{95AE3B0B-E909-400C-B0B3-909FB50E07DE}">
   <ds:schemaRefs>
     <ds:schemaRef ds:uri="http://schemas.microsoft.com/sharepoint/v3/contenttype/forms"/>
   </ds:schemaRefs>
 </ds:datastoreItem>
-</file>
-
-<file path=customXml/itemProps3.xml><?xml version="1.0" encoding="utf-8"?>
-<ds:datastoreItem xmlns:ds="http://schemas.openxmlformats.org/officeDocument/2006/customXml" ds:itemID="{10FC3CAF-E6F1-40E3-87D4-6B781C97D6B4}">
-  <ds:schemaRefs>
-    <ds:schemaRef ds:uri="6c8368ec-3776-49b5-a5bb-90648cf9530f"/>
-    <ds:schemaRef ds:uri="8a053bff-88be-49e4-9a87-e748e18b8b62"/>
-    <ds:schemaRef ds:uri="http://purl.org/dc/dcmitype/"/>
-    <ds:schemaRef ds:uri="http://purl.org/dc/elements/1.1/"/>
-    <ds:schemaRef ds:uri="http://purl.org/dc/terms/"/>
-    <ds:schemaRef ds:uri="http://schemas.microsoft.com/office/2006/documentManagement/types"/>
-    <ds:schemaRef ds:uri="http://schemas.microsoft.com/office/2006/metadata/properties"/>
-    <ds:schemaRef ds:uri="http://schemas.microsoft.com/office/infopath/2007/PartnerControls"/>
-    <ds:schemaRef ds:uri="http://schemas.openxmlformats.org/package/2006/metadata/core-properties"/>
-    <ds:schemaRef ds:uri="http://www.w3.org/XML/1998/namespace"/>
-  </ds:schemaRefs>
-</ds:datastoreItem>
 </file>
--- a/help/data-sheets/assets/BusinessSupportDatasheet.pptx
+++ b/help/data-sheets/assets/BusinessSupportDatasheet.pptx
@@ -143,12 +143,8 @@
 <file path=ppt/revisionInfo.xml><?xml version="1.0" encoding="utf-8"?>
 <p1510:revInfo xmlns:a="http://schemas.openxmlformats.org/drawingml/2006/main" xmlns:r="http://schemas.openxmlformats.org/officeDocument/2006/relationships" xmlns:p1510="http://schemas.microsoft.com/office/powerpoint/2015/10/main">
   <p1510:revLst>
-    <p1510:client id="{06B13378-B080-7F0F-51A5-F9203CEE57ED}" v="370" dt="2021-08-25T22:26:24.850"/>
-    <p1510:client id="{4D8E0410-E0CE-85E2-0F84-C1BF4F647622}" v="27" dt="2021-09-22T22:57:14.395"/>
-    <p1510:client id="{71D6CFBF-0EA2-99B0-93F4-22F19EF0AE4E}" v="2" dt="2021-09-22T19:06:58.732"/>
-    <p1510:client id="{9E385600-BF81-FC49-9ED0-E33BC37F7908}" v="55" dt="2021-08-04T08:16:13.478"/>
-    <p1510:client id="{AFB92C2B-405E-C597-0988-18F97C53104C}" v="37" dt="2021-09-22T18:53:28.028"/>
-    <p1510:client id="{CA5D33DF-AE75-BCA1-B9BC-A7CD44D2F3C7}" v="2" dt="2021-08-25T22:38:18.624"/>
+    <p1510:client id="{61630BD6-9AE9-064C-B39F-AFA945B82B3E}" v="202" dt="2021-10-13T19:21:08.267"/>
+    <p1510:client id="{AC30C20D-1316-8ECC-DADD-39CCEC6A7FCF}" v="9" dt="2021-10-13T19:03:35.035"/>
   </p1510:revLst>
 </p1510:revInfo>
 </file>
@@ -170,6 +166,77 @@
         </pc:sldMkLst>
         <pc:graphicFrameChg chg="mod modGraphic">
           <ac:chgData name="Akilah Johnson" userId="S::akjohnso@adobe.com::2fa3aa60-0c9c-4d06-bae2-795983241227" providerId="AD" clId="Web-{4D8E0410-E0CE-85E2-0F84-C1BF4F647622}" dt="2021-09-22T22:57:04.802" v="5"/>
+          <ac:graphicFrameMkLst>
+            <pc:docMk/>
+            <pc:sldMk cId="1050037809" sldId="261"/>
+            <ac:graphicFrameMk id="25" creationId="{3A91F5B0-3974-A14D-A146-FB590F2AAD18}"/>
+          </ac:graphicFrameMkLst>
+        </pc:graphicFrameChg>
+      </pc:sldChg>
+    </pc:docChg>
+  </pc:docChgLst>
+  <pc:docChgLst>
+    <pc:chgData name="Akilah Johnson" userId="S::akjohnso@adobe.com::2fa3aa60-0c9c-4d06-bae2-795983241227" providerId="AD" clId="Web-{019F6A09-DCDA-BB53-9E3C-5BA3B13E26BB}"/>
+    <pc:docChg chg="modSld">
+      <pc:chgData name="Akilah Johnson" userId="S::akjohnso@adobe.com::2fa3aa60-0c9c-4d06-bae2-795983241227" providerId="AD" clId="Web-{019F6A09-DCDA-BB53-9E3C-5BA3B13E26BB}" dt="2021-10-12T17:10:36.752" v="17" actId="20577"/>
+      <pc:docMkLst>
+        <pc:docMk/>
+      </pc:docMkLst>
+      <pc:sldChg chg="modSp">
+        <pc:chgData name="Akilah Johnson" userId="S::akjohnso@adobe.com::2fa3aa60-0c9c-4d06-bae2-795983241227" providerId="AD" clId="Web-{019F6A09-DCDA-BB53-9E3C-5BA3B13E26BB}" dt="2021-10-12T17:09:32.112" v="2" actId="20577"/>
+        <pc:sldMkLst>
+          <pc:docMk/>
+          <pc:sldMk cId="0" sldId="257"/>
+        </pc:sldMkLst>
+        <pc:spChg chg="mod">
+          <ac:chgData name="Akilah Johnson" userId="S::akjohnso@adobe.com::2fa3aa60-0c9c-4d06-bae2-795983241227" providerId="AD" clId="Web-{019F6A09-DCDA-BB53-9E3C-5BA3B13E26BB}" dt="2021-10-12T17:09:32.112" v="2" actId="20577"/>
+          <ac:spMkLst>
+            <pc:docMk/>
+            <pc:sldMk cId="0" sldId="257"/>
+            <ac:spMk id="46" creationId="{00000000-0000-0000-0000-000000000000}"/>
+          </ac:spMkLst>
+        </pc:spChg>
+      </pc:sldChg>
+      <pc:sldChg chg="modSp">
+        <pc:chgData name="Akilah Johnson" userId="S::akjohnso@adobe.com::2fa3aa60-0c9c-4d06-bae2-795983241227" providerId="AD" clId="Web-{019F6A09-DCDA-BB53-9E3C-5BA3B13E26BB}" dt="2021-10-12T17:10:36.752" v="17" actId="20577"/>
+        <pc:sldMkLst>
+          <pc:docMk/>
+          <pc:sldMk cId="1050037809" sldId="261"/>
+        </pc:sldMkLst>
+        <pc:spChg chg="mod">
+          <ac:chgData name="Akilah Johnson" userId="S::akjohnso@adobe.com::2fa3aa60-0c9c-4d06-bae2-795983241227" providerId="AD" clId="Web-{019F6A09-DCDA-BB53-9E3C-5BA3B13E26BB}" dt="2021-10-12T17:10:36.752" v="17" actId="20577"/>
+          <ac:spMkLst>
+            <pc:docMk/>
+            <pc:sldMk cId="1050037809" sldId="261"/>
+            <ac:spMk id="56" creationId="{00000000-0000-0000-0000-000000000000}"/>
+          </ac:spMkLst>
+        </pc:spChg>
+        <pc:graphicFrameChg chg="mod modGraphic">
+          <ac:chgData name="Akilah Johnson" userId="S::akjohnso@adobe.com::2fa3aa60-0c9c-4d06-bae2-795983241227" providerId="AD" clId="Web-{019F6A09-DCDA-BB53-9E3C-5BA3B13E26BB}" dt="2021-10-12T17:09:41.471" v="6"/>
+          <ac:graphicFrameMkLst>
+            <pc:docMk/>
+            <pc:sldMk cId="1050037809" sldId="261"/>
+            <ac:graphicFrameMk id="111" creationId="{D8653CEC-4213-DE40-9BAF-D1E3318FF89C}"/>
+          </ac:graphicFrameMkLst>
+        </pc:graphicFrameChg>
+      </pc:sldChg>
+    </pc:docChg>
+  </pc:docChgLst>
+  <pc:docChgLst>
+    <pc:chgData name="Andy Witt" userId="S::awitt@adobe.com::e9157bdf-53b2-40e4-9459-936793d75696" providerId="AD" clId="Web-{06B13378-B080-7F0F-51A5-F9203CEE57ED}"/>
+    <pc:docChg chg="modSld">
+      <pc:chgData name="Andy Witt" userId="S::awitt@adobe.com::e9157bdf-53b2-40e4-9459-936793d75696" providerId="AD" clId="Web-{06B13378-B080-7F0F-51A5-F9203CEE57ED}" dt="2021-08-25T22:25:13.647" v="363"/>
+      <pc:docMkLst>
+        <pc:docMk/>
+      </pc:docMkLst>
+      <pc:sldChg chg="modSp">
+        <pc:chgData name="Andy Witt" userId="S::awitt@adobe.com::e9157bdf-53b2-40e4-9459-936793d75696" providerId="AD" clId="Web-{06B13378-B080-7F0F-51A5-F9203CEE57ED}" dt="2021-08-25T22:25:13.647" v="363"/>
+        <pc:sldMkLst>
+          <pc:docMk/>
+          <pc:sldMk cId="1050037809" sldId="261"/>
+        </pc:sldMkLst>
+        <pc:graphicFrameChg chg="mod modGraphic">
+          <ac:chgData name="Andy Witt" userId="S::awitt@adobe.com::e9157bdf-53b2-40e4-9459-936793d75696" providerId="AD" clId="Web-{06B13378-B080-7F0F-51A5-F9203CEE57ED}" dt="2021-08-25T22:25:13.647" v="363"/>
           <ac:graphicFrameMkLst>
             <pc:docMk/>
             <pc:sldMk cId="1050037809" sldId="261"/>
@@ -204,26 +271,58 @@
     </pc:docChg>
   </pc:docChgLst>
   <pc:docChgLst>
-    <pc:chgData name="Andy Witt" userId="S::awitt@adobe.com::e9157bdf-53b2-40e4-9459-936793d75696" providerId="AD" clId="Web-{06B13378-B080-7F0F-51A5-F9203CEE57ED}"/>
+    <pc:chgData name="Akilah Johnson" userId="S::akjohnso@adobe.com::2fa3aa60-0c9c-4d06-bae2-795983241227" providerId="AD" clId="Web-{D428A0AE-54E2-30D2-C574-7A0742876CCF}"/>
     <pc:docChg chg="modSld">
-      <pc:chgData name="Andy Witt" userId="S::awitt@adobe.com::e9157bdf-53b2-40e4-9459-936793d75696" providerId="AD" clId="Web-{06B13378-B080-7F0F-51A5-F9203CEE57ED}" dt="2021-08-25T22:25:13.647" v="363"/>
+      <pc:chgData name="Akilah Johnson" userId="S::akjohnso@adobe.com::2fa3aa60-0c9c-4d06-bae2-795983241227" providerId="AD" clId="Web-{D428A0AE-54E2-30D2-C574-7A0742876CCF}" dt="2021-10-12T19:11:25.330" v="0" actId="20577"/>
       <pc:docMkLst>
         <pc:docMk/>
       </pc:docMkLst>
       <pc:sldChg chg="modSp">
-        <pc:chgData name="Andy Witt" userId="S::awitt@adobe.com::e9157bdf-53b2-40e4-9459-936793d75696" providerId="AD" clId="Web-{06B13378-B080-7F0F-51A5-F9203CEE57ED}" dt="2021-08-25T22:25:13.647" v="363"/>
+        <pc:chgData name="Akilah Johnson" userId="S::akjohnso@adobe.com::2fa3aa60-0c9c-4d06-bae2-795983241227" providerId="AD" clId="Web-{D428A0AE-54E2-30D2-C574-7A0742876CCF}" dt="2021-10-12T19:11:25.330" v="0" actId="20577"/>
         <pc:sldMkLst>
           <pc:docMk/>
-          <pc:sldMk cId="1050037809" sldId="261"/>
+          <pc:sldMk cId="0" sldId="256"/>
         </pc:sldMkLst>
-        <pc:graphicFrameChg chg="mod modGraphic">
-          <ac:chgData name="Andy Witt" userId="S::awitt@adobe.com::e9157bdf-53b2-40e4-9459-936793d75696" providerId="AD" clId="Web-{06B13378-B080-7F0F-51A5-F9203CEE57ED}" dt="2021-08-25T22:25:13.647" v="363"/>
-          <ac:graphicFrameMkLst>
+        <pc:spChg chg="mod">
+          <ac:chgData name="Akilah Johnson" userId="S::akjohnso@adobe.com::2fa3aa60-0c9c-4d06-bae2-795983241227" providerId="AD" clId="Web-{D428A0AE-54E2-30D2-C574-7A0742876CCF}" dt="2021-10-12T19:11:25.330" v="0" actId="20577"/>
+          <ac:spMkLst>
             <pc:docMk/>
-            <pc:sldMk cId="1050037809" sldId="261"/>
-            <ac:graphicFrameMk id="25" creationId="{3A91F5B0-3974-A14D-A146-FB590F2AAD18}"/>
-          </ac:graphicFrameMkLst>
-        </pc:graphicFrameChg>
+            <pc:sldMk cId="0" sldId="256"/>
+            <ac:spMk id="4" creationId="{00000000-0000-0000-0000-000000000000}"/>
+          </ac:spMkLst>
+        </pc:spChg>
+      </pc:sldChg>
+    </pc:docChg>
+  </pc:docChgLst>
+  <pc:docChgLst>
+    <pc:chgData name="Lauren Schutte" userId="S::schutte@adobe.com::6e08b2d3-447a-4d66-86be-444d50df187f" providerId="AD" clId="Web-{AC30C20D-1316-8ECC-DADD-39CCEC6A7FCF}"/>
+    <pc:docChg chg="modSld">
+      <pc:chgData name="Lauren Schutte" userId="S::schutte@adobe.com::6e08b2d3-447a-4d66-86be-444d50df187f" providerId="AD" clId="Web-{AC30C20D-1316-8ECC-DADD-39CCEC6A7FCF}" dt="2021-10-13T19:03:35.035" v="8" actId="1076"/>
+      <pc:docMkLst>
+        <pc:docMk/>
+      </pc:docMkLst>
+      <pc:sldChg chg="modSp">
+        <pc:chgData name="Lauren Schutte" userId="S::schutte@adobe.com::6e08b2d3-447a-4d66-86be-444d50df187f" providerId="AD" clId="Web-{AC30C20D-1316-8ECC-DADD-39CCEC6A7FCF}" dt="2021-10-13T19:03:35.035" v="8" actId="1076"/>
+        <pc:sldMkLst>
+          <pc:docMk/>
+          <pc:sldMk cId="0" sldId="256"/>
+        </pc:sldMkLst>
+        <pc:spChg chg="mod">
+          <ac:chgData name="Lauren Schutte" userId="S::schutte@adobe.com::6e08b2d3-447a-4d66-86be-444d50df187f" providerId="AD" clId="Web-{AC30C20D-1316-8ECC-DADD-39CCEC6A7FCF}" dt="2021-10-13T19:03:27.878" v="7" actId="14100"/>
+          <ac:spMkLst>
+            <pc:docMk/>
+            <pc:sldMk cId="0" sldId="256"/>
+            <ac:spMk id="3" creationId="{00000000-0000-0000-0000-000000000000}"/>
+          </ac:spMkLst>
+        </pc:spChg>
+        <pc:spChg chg="mod">
+          <ac:chgData name="Lauren Schutte" userId="S::schutte@adobe.com::6e08b2d3-447a-4d66-86be-444d50df187f" providerId="AD" clId="Web-{AC30C20D-1316-8ECC-DADD-39CCEC6A7FCF}" dt="2021-10-13T19:03:35.035" v="8" actId="1076"/>
+          <ac:spMkLst>
+            <pc:docMk/>
+            <pc:sldMk cId="0" sldId="256"/>
+            <ac:spMk id="5" creationId="{00000000-0000-0000-0000-000000000000}"/>
+          </ac:spMkLst>
+        </pc:spChg>
       </pc:sldChg>
     </pc:docChg>
   </pc:docChgLst>
@@ -254,6 +353,38 @@
             <pc:docMk/>
             <pc:sldMk cId="1050037809" sldId="261"/>
             <ac:graphicFrameMk id="25" creationId="{3A91F5B0-3974-A14D-A146-FB590F2AAD18}"/>
+          </ac:graphicFrameMkLst>
+        </pc:graphicFrameChg>
+      </pc:sldChg>
+    </pc:docChg>
+  </pc:docChgLst>
+  <pc:docChgLst>
+    <pc:chgData name="Lauren Schutte" userId="6e08b2d3-447a-4d66-86be-444d50df187f" providerId="ADAL" clId="{61630BD6-9AE9-064C-B39F-AFA945B82B3E}"/>
+    <pc:docChg chg="undo custSel modSld">
+      <pc:chgData name="Lauren Schutte" userId="6e08b2d3-447a-4d66-86be-444d50df187f" providerId="ADAL" clId="{61630BD6-9AE9-064C-B39F-AFA945B82B3E}" dt="2021-10-13T19:21:08.267" v="201" actId="20577"/>
+      <pc:docMkLst>
+        <pc:docMk/>
+      </pc:docMkLst>
+      <pc:sldChg chg="modSp mod">
+        <pc:chgData name="Lauren Schutte" userId="6e08b2d3-447a-4d66-86be-444d50df187f" providerId="ADAL" clId="{61630BD6-9AE9-064C-B39F-AFA945B82B3E}" dt="2021-10-13T19:21:08.267" v="201" actId="20577"/>
+        <pc:sldMkLst>
+          <pc:docMk/>
+          <pc:sldMk cId="0" sldId="256"/>
+        </pc:sldMkLst>
+        <pc:spChg chg="mod">
+          <ac:chgData name="Lauren Schutte" userId="6e08b2d3-447a-4d66-86be-444d50df187f" providerId="ADAL" clId="{61630BD6-9AE9-064C-B39F-AFA945B82B3E}" dt="2021-10-13T19:03:44.344" v="3" actId="1076"/>
+          <ac:spMkLst>
+            <pc:docMk/>
+            <pc:sldMk cId="0" sldId="256"/>
+            <ac:spMk id="3" creationId="{00000000-0000-0000-0000-000000000000}"/>
+          </ac:spMkLst>
+        </pc:spChg>
+        <pc:graphicFrameChg chg="mod modGraphic">
+          <ac:chgData name="Lauren Schutte" userId="6e08b2d3-447a-4d66-86be-444d50df187f" providerId="ADAL" clId="{61630BD6-9AE9-064C-B39F-AFA945B82B3E}" dt="2021-10-13T19:21:08.267" v="201" actId="20577"/>
+          <ac:graphicFrameMkLst>
+            <pc:docMk/>
+            <pc:sldMk cId="0" sldId="256"/>
+            <ac:graphicFrameMk id="9" creationId="{00000000-0000-0000-0000-000000000000}"/>
           </ac:graphicFrameMkLst>
         </pc:graphicFrameChg>
       </pc:sldChg>
@@ -368,7 +499,7 @@
           <a:p>
             <a:fld id="{FB81873C-0B24-F04A-98A1-90E0A78F7E8A}" type="datetimeFigureOut">
               <a:rPr lang="en-US" smtClean="0"/>
-              <a:t>10/1/2021</a:t>
+              <a:t>11/11/2021</a:t>
             </a:fld>
             <a:endParaRPr lang="en-US"/>
           </a:p>
@@ -991,7 +1122,7 @@
           <a:p>
             <a:fld id="{1D8BD707-D9CF-40AE-B4C6-C98DA3205C09}" type="datetimeFigureOut">
               <a:rPr lang="en-US"/>
-              <a:t>10/1/2021</a:t>
+              <a:t>11/11/2021</a:t>
             </a:fld>
             <a:endParaRPr lang="en-US"/>
           </a:p>
@@ -1183,7 +1314,7 @@
           <a:p>
             <a:fld id="{1D8BD707-D9CF-40AE-B4C6-C98DA3205C09}" type="datetimeFigureOut">
               <a:rPr lang="en-US"/>
-              <a:t>10/1/2021</a:t>
+              <a:t>11/11/2021</a:t>
             </a:fld>
             <a:endParaRPr lang="en-US"/>
           </a:p>
@@ -1501,7 +1632,7 @@
           <a:p>
             <a:fld id="{1D8BD707-D9CF-40AE-B4C6-C98DA3205C09}" type="datetimeFigureOut">
               <a:rPr lang="en-US"/>
-              <a:t>10/1/2021</a:t>
+              <a:t>11/11/2021</a:t>
             </a:fld>
             <a:endParaRPr lang="en-US"/>
           </a:p>
@@ -1755,8 +1886,8 @@
         </p:nvSpPr>
         <p:spPr>
           <a:xfrm>
-            <a:off x="168564" y="7162363"/>
-            <a:ext cx="4045089" cy="227626"/>
+            <a:off x="168564" y="7059493"/>
+            <a:ext cx="5660735" cy="227626"/>
           </a:xfrm>
           <a:prstGeom prst="rect">
             <a:avLst/>
@@ -1803,7 +1934,7 @@
         <p:spPr>
           <a:xfrm>
             <a:off x="-8467" y="23397"/>
-            <a:ext cx="7772399" cy="2097552"/>
+            <a:ext cx="7772399" cy="2006345"/>
           </a:xfrm>
           <a:prstGeom prst="rect">
             <a:avLst/>
@@ -1843,7 +1974,7 @@
           </a:prstGeom>
         </p:spPr>
         <p:txBody>
-          <a:bodyPr vert="horz" wrap="square" lIns="0" tIns="12700" rIns="0" bIns="0" rtlCol="0">
+          <a:bodyPr vert="horz" wrap="square" lIns="0" tIns="12700" rIns="0" bIns="0" rtlCol="0" anchor="t">
             <a:spAutoFit/>
           </a:bodyPr>
           <a:lstStyle/>
@@ -1857,10 +1988,10 @@
               </a:spcBef>
             </a:pPr>
             <a:r>
-              <a:rPr lang="es-ES" sz="2300">
-                <a:latin typeface="Adobe Clean" panose="020B0503020404020204" pitchFamily="34" charset="0"/>
+              <a:rPr lang="es-ES" sz="2300" dirty="0">
+                <a:latin typeface="Adobe Clean"/>
               </a:rPr>
-              <a:t>OFERTA DE ASISTENCIA DE ADOBE</a:t>
+              <a:t>PLANES DE SOPORTE DE ADOBE</a:t>
             </a:r>
           </a:p>
         </p:txBody>
@@ -1873,8 +2004,8 @@
         </p:nvSpPr>
         <p:spPr>
           <a:xfrm>
-            <a:off x="121146" y="635935"/>
-            <a:ext cx="5981203" cy="1424364"/>
+            <a:off x="121147" y="531160"/>
+            <a:ext cx="5865216" cy="1424364"/>
           </a:xfrm>
           <a:prstGeom prst="rect">
             <a:avLst/>
@@ -1938,7 +2069,24 @@
                 </a:solidFill>
                 <a:latin typeface="Adobe Clean SemiLight" panose="020B0403020404020204" pitchFamily="34" charset="0"/>
               </a:rPr>
-              <a:t>Adobe ofrece una amplia variedad de recursos técnicos para ayudar a su negocio, incluidos como parte de su suscripción de licencia de </a:t>
+              <a:t>Adobe ofrece una amplia variedad de recursos técnicos para ayudar a su negocio, incluidos como parte de su suscripción </a:t>
+            </a:r>
+            <a:br>
+              <a:rPr lang="es-ES" sz="900" dirty="0">
+                <a:solidFill>
+                  <a:schemeClr val="bg1"/>
+                </a:solidFill>
+                <a:latin typeface="Adobe Clean SemiLight" panose="020B0403020404020204" pitchFamily="34" charset="0"/>
+              </a:rPr>
+            </a:br>
+            <a:r>
+              <a:rPr lang="es-ES" sz="900" dirty="0">
+                <a:solidFill>
+                  <a:schemeClr val="bg1"/>
+                </a:solidFill>
+                <a:latin typeface="Adobe Clean SemiLight" panose="020B0403020404020204" pitchFamily="34" charset="0"/>
+              </a:rPr>
+              <a:t>de licencia de </a:t>
             </a:r>
             <a:r>
               <a:rPr lang="es-ES" sz="900" dirty="0" err="1">
@@ -1956,7 +2104,24 @@
                 </a:solidFill>
                 <a:latin typeface="Adobe Clean SemiLight" panose="020B0403020404020204" pitchFamily="34" charset="0"/>
               </a:rPr>
-              <a:t> Cloud y mejorados en el paquete de soporte BUSINESS. El paquete BUSINESS incluye acceso a rutas de aprendizaje personalizadas y foros de la comunidad monitorizados a través de Adobe </a:t>
+              <a:t> Cloud y mejorados en el paquete de soporte BUSINESS. El paquete BUSINESS incluye acceso a rutas </a:t>
+            </a:r>
+            <a:br>
+              <a:rPr lang="es-ES" sz="900" dirty="0">
+                <a:solidFill>
+                  <a:schemeClr val="bg1"/>
+                </a:solidFill>
+                <a:latin typeface="Adobe Clean SemiLight" panose="020B0403020404020204" pitchFamily="34" charset="0"/>
+              </a:rPr>
+            </a:br>
+            <a:r>
+              <a:rPr lang="es-ES" sz="900" dirty="0">
+                <a:solidFill>
+                  <a:schemeClr val="bg1"/>
+                </a:solidFill>
+                <a:latin typeface="Adobe Clean SemiLight" panose="020B0403020404020204" pitchFamily="34" charset="0"/>
+              </a:rPr>
+              <a:t>de aprendizaje personalizadas y foros de la comunidad monitorizados a través de Adobe </a:t>
             </a:r>
             <a:r>
               <a:rPr lang="es-ES" sz="900" dirty="0" err="1">
@@ -1974,24 +2139,7 @@
                 </a:solidFill>
                 <a:latin typeface="Adobe Clean SemiLight" panose="020B0403020404020204" pitchFamily="34" charset="0"/>
               </a:rPr>
-              <a:t> League. También puede disfrutar de documentación técnica completa y detallada sobre productos y notas de la versión actual. Los clientes del paquete BUSINESS también pueden acceder a nuestros equipos de soporte técnico si tienen alguna duda con su producto, ya sea a través del teléfono o mediante el portal de asistencia en línea, para proteger su negocio en los momentos más importantes. Los clientes del paquete BUSINESS recibirán notificaciones periódicas y actualizaciones del responsable de asistencia técnica de la cuenta para ayudar </a:t>
-            </a:r>
-            <a:br>
-              <a:rPr lang="sk-SK" sz="900" dirty="0">
-                <a:solidFill>
-                  <a:schemeClr val="bg1"/>
-                </a:solidFill>
-                <a:latin typeface="Adobe Clean SemiLight" panose="020B0403020404020204" pitchFamily="34" charset="0"/>
-              </a:rPr>
-            </a:br>
-            <a:r>
-              <a:rPr lang="es-ES" sz="900" dirty="0">
-                <a:solidFill>
-                  <a:schemeClr val="bg1"/>
-                </a:solidFill>
-                <a:latin typeface="Adobe Clean SemiLight" panose="020B0403020404020204" pitchFamily="34" charset="0"/>
-              </a:rPr>
-              <a:t>en la administración de casos de soporte de las solicitudes más esenciales. </a:t>
+              <a:t> League. También puede disfrutar de documentación técnica completa y detallada sobre productos y notas de la versión actual. Los clientes del paquete BUSINESS también pueden acceder a nuestros equipos de soporte técnico si tienen alguna duda con su producto, ya sea a través del teléfono o mediante el portal de asistencia en línea, para proteger su negocio en los momentos más importantes. Los clientes del paquete BUSINESS recibirán notificaciones periódicas y actualizaciones del responsable de asistencia técnica de la cuenta para ayudar en la administración de casos de soporte de las solicitudes más esenciales. </a:t>
             </a:r>
           </a:p>
         </p:txBody>
@@ -2074,14 +2222,14 @@
           <p:nvPr>
             <p:extLst>
               <p:ext uri="{D42A27DB-BD31-4B8C-83A1-F6EECF244321}">
-                <p14:modId xmlns:p14="http://schemas.microsoft.com/office/powerpoint/2010/main" val="2501956132"/>
+                <p14:modId xmlns:p14="http://schemas.microsoft.com/office/powerpoint/2010/main" val="2269390037"/>
               </p:ext>
             </p:extLst>
           </p:nvPr>
         </p:nvGraphicFramePr>
         <p:xfrm>
-          <a:off x="121146" y="7475985"/>
-          <a:ext cx="7498852" cy="2207759"/>
+          <a:off x="118872" y="7357111"/>
+          <a:ext cx="7498851" cy="2436601"/>
         </p:xfrm>
         <a:graphic>
           <a:graphicData uri="http://schemas.openxmlformats.org/drawingml/2006/table">
@@ -2090,21 +2238,21 @@
                 <a:tableStyleId>{2D5ABB26-0587-4C30-8999-92F81FD0307C}</a:tableStyleId>
               </a:tblPr>
               <a:tblGrid>
-                <a:gridCol w="4698745">
+                <a:gridCol w="4235958">
                   <a:extLst>
                     <a:ext uri="{9D8B030D-6E8A-4147-A177-3AD203B41FA5}">
                       <a16:colId xmlns:a16="http://schemas.microsoft.com/office/drawing/2014/main" val="20000"/>
                     </a:ext>
                   </a:extLst>
                 </a:gridCol>
-                <a:gridCol w="1400053">
+                <a:gridCol w="1611630">
                   <a:extLst>
                     <a:ext uri="{9D8B030D-6E8A-4147-A177-3AD203B41FA5}">
                       <a16:colId xmlns:a16="http://schemas.microsoft.com/office/drawing/2014/main" val="20001"/>
                     </a:ext>
                   </a:extLst>
                 </a:gridCol>
-                <a:gridCol w="1400054">
+                <a:gridCol w="1651263">
                   <a:extLst>
                     <a:ext uri="{9D8B030D-6E8A-4147-A177-3AD203B41FA5}">
                       <a16:colId xmlns:a16="http://schemas.microsoft.com/office/drawing/2014/main" val="20002"/>
@@ -2112,7 +2260,7 @@
                   </a:extLst>
                 </a:gridCol>
               </a:tblGrid>
-              <a:tr h="274318">
+              <a:tr h="295994">
                 <a:tc>
                   <a:txBody>
                     <a:bodyPr/>
@@ -2127,7 +2275,7 @@
                         </a:spcBef>
                       </a:pPr>
                       <a:r>
-                        <a:rPr lang="es-ES" sz="900">
+                        <a:rPr lang="es-ES" sz="900" dirty="0">
                           <a:solidFill>
                             <a:srgbClr val="020302"/>
                           </a:solidFill>
@@ -2138,7 +2286,7 @@
                       </a:r>
                     </a:p>
                   </a:txBody>
-                  <a:tcPr marL="0" marR="0" marT="7620" marB="0" anchor="ctr">
+                  <a:tcPr marL="0" marR="0" marT="7620" marB="0">
                     <a:lnL w="3175">
                       <a:solidFill>
                         <a:srgbClr val="B7B8B8"/>
@@ -2193,7 +2341,7 @@
                       </a:r>
                     </a:p>
                   </a:txBody>
-                  <a:tcPr anchor="ctr">
+                  <a:tcPr marL="182880" marT="91440" anchor="ctr">
                     <a:lnL w="3175">
                       <a:solidFill>
                         <a:srgbClr val="B7B8B8"/>
@@ -2248,7 +2396,7 @@
                       </a:r>
                     </a:p>
                   </a:txBody>
-                  <a:tcPr anchor="ctr">
+                  <a:tcPr marL="182880" marT="91440" anchor="ctr">
                     <a:lnL w="3175">
                       <a:solidFill>
                         <a:srgbClr val="B7B8B8"/>
@@ -2284,7 +2432,7 @@
                   </a:ext>
                 </a:extLst>
               </a:tr>
-              <a:tr h="484755">
+              <a:tr h="629835">
                 <a:tc>
                   <a:txBody>
                     <a:bodyPr/>
@@ -2299,7 +2447,7 @@
                         </a:spcBef>
                       </a:pPr>
                       <a:r>
-                        <a:rPr lang="es-ES" sz="900" b="1">
+                        <a:rPr lang="es-ES" sz="900" b="1" dirty="0">
                           <a:solidFill>
                             <a:srgbClr val="020302"/>
                           </a:solidFill>
@@ -2328,7 +2476,7 @@
                         <a:defRPr/>
                       </a:pPr>
                       <a:r>
-                        <a:rPr lang="es-ES" sz="900" b="0" i="0">
+                        <a:rPr lang="es-ES" sz="900" b="0" i="0" dirty="0">
                           <a:solidFill>
                             <a:srgbClr val="000000"/>
                           </a:solidFill>
@@ -2379,18 +2527,18 @@
                         </a:spcBef>
                       </a:pPr>
                       <a:r>
-                        <a:rPr lang="es-ES" sz="900">
+                        <a:rPr lang="es-ES" sz="900" spc="-20" baseline="0" dirty="0">
                           <a:solidFill>
                             <a:srgbClr val="020302"/>
                           </a:solidFill>
                           <a:latin typeface="AdobeClean-Light"/>
                           <a:cs typeface="AdobeClean-Light"/>
                         </a:rPr>
-                        <a:t>24x7 /           1 hora</a:t>
+                        <a:t>24x7 / 1 hora</a:t>
                       </a:r>
                     </a:p>
                   </a:txBody>
-                  <a:tcPr anchor="ctr">
+                  <a:tcPr marL="0" marR="0" marT="0" marB="0" anchor="ctr" anchorCtr="1">
                     <a:lnL w="3175">
                       <a:solidFill>
                         <a:srgbClr val="B7B8B8"/>
@@ -2431,18 +2579,18 @@
                         </a:spcBef>
                       </a:pPr>
                       <a:r>
-                        <a:rPr lang="es-ES" sz="900">
+                        <a:rPr lang="es-ES" sz="900" spc="-20" baseline="0">
                           <a:solidFill>
                             <a:srgbClr val="020302"/>
                           </a:solidFill>
                           <a:latin typeface="AdobeClean-Light"/>
                           <a:cs typeface="AdobeClean-Light"/>
                         </a:rPr>
-                        <a:t>24x7 /          1 hora</a:t>
+                        <a:t>24x7 / 1 hora</a:t>
                       </a:r>
                     </a:p>
                   </a:txBody>
-                  <a:tcPr anchor="ctr">
+                  <a:tcPr marL="0" marR="0" marT="0" marB="0" anchor="ctr" anchorCtr="1">
                     <a:lnL w="3175">
                       <a:solidFill>
                         <a:srgbClr val="B7B8B8"/>
@@ -2480,7 +2628,7 @@
                   </a:ext>
                 </a:extLst>
               </a:tr>
-              <a:tr h="484755">
+              <a:tr h="523060">
                 <a:tc>
                   <a:txBody>
                     <a:bodyPr/>
@@ -2566,18 +2714,18 @@
                         </a:spcBef>
                       </a:pPr>
                       <a:r>
-                        <a:rPr lang="es-ES" sz="900">
+                        <a:rPr lang="es-ES" sz="900" spc="-20" baseline="0" dirty="0">
                           <a:solidFill>
                             <a:srgbClr val="020302"/>
                           </a:solidFill>
                           <a:latin typeface="AdobeClean-Light"/>
                           <a:cs typeface="AdobeClean-Light"/>
                         </a:rPr>
-                        <a:t>Horario de trabajo /     4 horas</a:t>
+                        <a:t>Horario de trabajo / 4 horas</a:t>
                       </a:r>
                     </a:p>
                   </a:txBody>
-                  <a:tcPr anchor="ctr">
+                  <a:tcPr marL="0" marR="0" marT="0" marB="0" anchor="ctr" anchorCtr="1">
                     <a:lnL w="3175">
                       <a:solidFill>
                         <a:srgbClr val="B7B8B8"/>
@@ -2618,18 +2766,18 @@
                         </a:spcBef>
                       </a:pPr>
                       <a:r>
-                        <a:rPr lang="es-ES" sz="900">
+                        <a:rPr lang="es-ES" sz="900" spc="-20" baseline="0">
                           <a:solidFill>
                             <a:srgbClr val="020302"/>
                           </a:solidFill>
                           <a:latin typeface="AdobeClean-Light"/>
                           <a:cs typeface="AdobeClean-Light"/>
                         </a:rPr>
-                        <a:t>Horario de trabajo /     2 horas</a:t>
+                        <a:t>    Horario de trabajo / 2 horas</a:t>
                       </a:r>
                     </a:p>
                   </a:txBody>
-                  <a:tcPr anchor="ctr">
+                  <a:tcPr marL="0" marR="0" marT="0" marB="0" anchor="ctr" anchorCtr="1">
                     <a:lnL w="3175">
                       <a:solidFill>
                         <a:srgbClr val="B7B8B8"/>
@@ -2667,7 +2815,7 @@
                   </a:ext>
                 </a:extLst>
               </a:tr>
-              <a:tr h="484756">
+              <a:tr h="523061">
                 <a:tc>
                   <a:txBody>
                     <a:bodyPr/>
@@ -2760,18 +2908,18 @@
                         </a:spcBef>
                       </a:pPr>
                       <a:r>
-                        <a:rPr lang="es-ES" sz="900">
+                        <a:rPr lang="es-ES" sz="900" spc="-20" baseline="0" dirty="0">
                           <a:solidFill>
                             <a:srgbClr val="020302"/>
                           </a:solidFill>
                           <a:latin typeface="AdobeClean-Light"/>
                           <a:cs typeface="AdobeClean-Light"/>
                         </a:rPr>
-                        <a:t>Horario de trabajo /     6 horas</a:t>
+                        <a:t>   Horario de trabajo / 6 horas</a:t>
                       </a:r>
                     </a:p>
                   </a:txBody>
-                  <a:tcPr anchor="ctr">
+                  <a:tcPr marL="0" marR="0" marT="0" marB="0" anchor="ctr" anchorCtr="1">
                     <a:lnL w="3175">
                       <a:solidFill>
                         <a:srgbClr val="B7B8B8"/>
@@ -2812,18 +2960,18 @@
                         </a:spcBef>
                       </a:pPr>
                       <a:r>
-                        <a:rPr lang="es-ES" sz="900">
+                        <a:rPr lang="es-ES" sz="900" spc="-20" baseline="0" dirty="0">
                           <a:solidFill>
                             <a:srgbClr val="020302"/>
                           </a:solidFill>
                           <a:latin typeface="AdobeClean-Light"/>
                           <a:cs typeface="AdobeClean-Light"/>
                         </a:rPr>
-                        <a:t>Horario de trabajo /     4 horas</a:t>
+                        <a:t>Horario de trabajo / 4 horas</a:t>
                       </a:r>
                     </a:p>
                   </a:txBody>
-                  <a:tcPr anchor="ctr">
+                  <a:tcPr marL="0" marR="0" marT="0" marB="0" anchor="ctr" anchorCtr="1">
                     <a:lnL w="3175">
                       <a:solidFill>
                         <a:srgbClr val="B7B8B8"/>
@@ -2861,7 +3009,7 @@
                   </a:ext>
                 </a:extLst>
               </a:tr>
-              <a:tr h="359998">
+              <a:tr h="464651">
                 <a:tc>
                   <a:txBody>
                     <a:bodyPr/>
@@ -2876,7 +3024,7 @@
                         </a:spcBef>
                       </a:pPr>
                       <a:r>
-                        <a:rPr lang="es-ES" sz="900" b="1" dirty="0">
+                        <a:rPr lang="es-ES" sz="900" b="1">
                           <a:solidFill>
                             <a:srgbClr val="020302"/>
                           </a:solidFill>
@@ -2905,7 +3053,7 @@
                         <a:defRPr/>
                       </a:pPr>
                       <a:r>
-                        <a:rPr lang="es-ES" sz="900" b="0" i="0" dirty="0">
+                        <a:rPr lang="es-ES" sz="900" b="0" i="0">
                           <a:solidFill>
                             <a:srgbClr val="000000"/>
                           </a:solidFill>
@@ -2956,18 +3104,18 @@
                         </a:spcBef>
                       </a:pPr>
                       <a:r>
-                        <a:rPr lang="es-ES" sz="900">
+                        <a:rPr lang="es-ES" sz="900" spc="-20" baseline="0" dirty="0">
                           <a:solidFill>
                             <a:srgbClr val="020302"/>
                           </a:solidFill>
                           <a:latin typeface="AdobeClean-Light"/>
                           <a:cs typeface="AdobeClean-Light"/>
                         </a:rPr>
-                        <a:t>Días laborables /      3 días</a:t>
+                        <a:t>  Días laborables / 3 días</a:t>
                       </a:r>
                     </a:p>
                   </a:txBody>
-                  <a:tcPr anchor="ctr">
+                  <a:tcPr marL="0" marR="0" marT="0" marB="0" anchor="ctr" anchorCtr="1">
                     <a:lnL w="3175">
                       <a:solidFill>
                         <a:srgbClr val="B7B8B8"/>
@@ -3008,38 +3156,18 @@
                         </a:spcBef>
                       </a:pPr>
                       <a:r>
-                        <a:rPr lang="es-ES" sz="900" dirty="0">
+                        <a:rPr lang="es-ES" sz="900" spc="-20" baseline="0" dirty="0">
                           <a:solidFill>
                             <a:srgbClr val="020302"/>
                           </a:solidFill>
                           <a:latin typeface="AdobeClean-Light"/>
                           <a:cs typeface="AdobeClean-Light"/>
                         </a:rPr>
-                        <a:t>Días laborables / </a:t>
-                      </a:r>
-                    </a:p>
-                    <a:p>
-                      <a:pPr marL="370840" marR="223520" indent="-202565" algn="ctr">
-                        <a:lnSpc>
-                          <a:spcPct val="100000"/>
-                        </a:lnSpc>
-                        <a:spcBef>
-                          <a:spcPts val="155"/>
-                        </a:spcBef>
-                      </a:pPr>
-                      <a:r>
-                        <a:rPr lang="es-ES" sz="900" dirty="0">
-                          <a:solidFill>
-                            <a:srgbClr val="020302"/>
-                          </a:solidFill>
-                          <a:latin typeface="AdobeClean-Light"/>
-                          <a:cs typeface="AdobeClean-Light"/>
-                        </a:rPr>
-                        <a:t>  1 día</a:t>
+                        <a:t>Días laborables / 1 día</a:t>
                       </a:r>
                     </a:p>
                   </a:txBody>
-                  <a:tcPr anchor="ctr">
+                  <a:tcPr marL="0" marR="0" marT="0" marB="0" anchor="ctr" anchorCtr="1">
                     <a:lnL w="3175">
                       <a:solidFill>
                         <a:srgbClr val="B7B8B8"/>
@@ -3096,14 +3224,14 @@
           <p:nvPr>
             <p:extLst>
               <p:ext uri="{D42A27DB-BD31-4B8C-83A1-F6EECF244321}">
-                <p14:modId xmlns:p14="http://schemas.microsoft.com/office/powerpoint/2010/main" val="1386137920"/>
+                <p14:modId xmlns:p14="http://schemas.microsoft.com/office/powerpoint/2010/main" val="732991917"/>
               </p:ext>
             </p:extLst>
           </p:nvPr>
         </p:nvGraphicFramePr>
         <p:xfrm>
           <a:off x="121147" y="2120949"/>
-          <a:ext cx="7498851" cy="4714546"/>
+          <a:ext cx="7498851" cy="4815558"/>
         </p:xfrm>
         <a:graphic>
           <a:graphicData uri="http://schemas.openxmlformats.org/drawingml/2006/table">
@@ -3185,7 +3313,7 @@
                         <a:defRPr/>
                       </a:pPr>
                       <a:r>
-                        <a:rPr lang="es-ES" sz="900">
+                        <a:rPr lang="es-ES" sz="900" dirty="0">
                           <a:solidFill>
                             <a:srgbClr val="404040"/>
                           </a:solidFill>
@@ -5507,14 +5635,33 @@
                         </a:spcBef>
                       </a:pPr>
                       <a:r>
-                        <a:rPr lang="es-ES" sz="900" spc="-50" baseline="0" dirty="0">
+                        <a:rPr lang="es-ES" sz="900" dirty="0">
                           <a:solidFill>
                             <a:srgbClr val="020302"/>
                           </a:solidFill>
                           <a:latin typeface="AdobeClean-Light"/>
                           <a:cs typeface="AdobeClean-Light"/>
                         </a:rPr>
-                        <a:t>Lanzamiento, migración, actualización y revisión de la hoja de ruta del producto</a:t>
+                        <a:t>Lanzamiento, migración, actualización y revisión </a:t>
+                      </a:r>
+                      <a:br>
+                        <a:rPr lang="es-ES" sz="900" dirty="0">
+                          <a:solidFill>
+                            <a:srgbClr val="020302"/>
+                          </a:solidFill>
+                          <a:latin typeface="AdobeClean-Light"/>
+                          <a:cs typeface="AdobeClean-Light"/>
+                        </a:rPr>
+                      </a:br>
+                      <a:r>
+                        <a:rPr lang="es-ES" sz="900" dirty="0">
+                          <a:solidFill>
+                            <a:srgbClr val="020302"/>
+                          </a:solidFill>
+                          <a:latin typeface="AdobeClean-Light"/>
+                          <a:cs typeface="AdobeClean-Light"/>
+                        </a:rPr>
+                        <a:t>de la hoja de ruta del producto</a:t>
                       </a:r>
                     </a:p>
                   </a:txBody>
@@ -5838,54 +5985,14 @@
                         </a:spcBef>
                       </a:pPr>
                       <a:r>
-                        <a:rPr lang="es-ES" sz="900" dirty="0">
+                        <a:rPr lang="es-ES" sz="900">
                           <a:solidFill>
                             <a:srgbClr val="020302"/>
                           </a:solidFill>
                           <a:latin typeface="AdobeClean-Light"/>
                           <a:cs typeface="AdobeClean-Light"/>
                         </a:rPr>
-                        <a:t>Servicios de </a:t>
-                      </a:r>
-                      <a:r>
-                        <a:rPr lang="es-ES" sz="900" dirty="0" err="1">
-                          <a:solidFill>
-                            <a:srgbClr val="020302"/>
-                          </a:solidFill>
-                          <a:latin typeface="AdobeClean-Light"/>
-                          <a:cs typeface="AdobeClean-Light"/>
-                        </a:rPr>
-                        <a:t>Launch</a:t>
-                      </a:r>
-                      <a:r>
-                        <a:rPr lang="es-ES" sz="900" dirty="0">
-                          <a:solidFill>
-                            <a:srgbClr val="020302"/>
-                          </a:solidFill>
-                          <a:latin typeface="AdobeClean-Light"/>
-                          <a:cs typeface="AdobeClean-Light"/>
-                        </a:rPr>
-                        <a:t> </a:t>
-                      </a:r>
-                      <a:r>
-                        <a:rPr lang="es-ES" sz="900" dirty="0" err="1">
-                          <a:solidFill>
-                            <a:srgbClr val="020302"/>
-                          </a:solidFill>
-                          <a:latin typeface="AdobeClean-Light"/>
-                          <a:cs typeface="AdobeClean-Light"/>
-                        </a:rPr>
-                        <a:t>Advisory</a:t>
-                      </a:r>
-                      <a:r>
-                        <a:rPr lang="es-ES" sz="900" dirty="0">
-                          <a:solidFill>
-                            <a:srgbClr val="020302"/>
-                          </a:solidFill>
-                          <a:latin typeface="AdobeClean-Light"/>
-                          <a:cs typeface="AdobeClean-Light"/>
-                        </a:rPr>
-                        <a:t>: primer año de la nueva solución</a:t>
+                        <a:t>Servicios de Launch Advisory: primer año de la nueva solución</a:t>
                       </a:r>
                     </a:p>
                     <a:p>
@@ -5898,7 +6005,7 @@
                         </a:spcBef>
                       </a:pPr>
                       <a:r>
-                        <a:rPr lang="es-ES" sz="900" dirty="0">
+                        <a:rPr lang="es-ES" sz="900">
                           <a:latin typeface="AdobeClean-Light"/>
                           <a:cs typeface="AdobeClean-Light"/>
                         </a:rPr>
@@ -6332,8 +6439,8 @@
         </p:nvSpPr>
         <p:spPr>
           <a:xfrm>
-            <a:off x="370040" y="1409311"/>
-            <a:ext cx="2286000" cy="1289969"/>
+            <a:off x="370040" y="1504489"/>
+            <a:ext cx="2286000" cy="1458926"/>
           </a:xfrm>
           <a:prstGeom prst="rect">
             <a:avLst/>
@@ -6354,13 +6461,30 @@
               </a:spcBef>
             </a:pPr>
             <a:r>
-              <a:rPr lang="es-ES" sz="1000">
+              <a:rPr lang="es-ES" sz="1000" dirty="0">
                 <a:solidFill>
                   <a:srgbClr val="000000"/>
                 </a:solidFill>
                 <a:latin typeface="Adobe Clean Light" panose="020B0303020404020204" pitchFamily="34" charset="0"/>
               </a:rPr>
-              <a:t>Un responsable de la asistencia técnica de la cuenta particular para monitorizar de forma proactiva los casos, impulsar la colaboración entre equipos, ofrecer seminarios web de incorporación, ejecutar informes de servicios, proporcionar asistencia no técnica, y actuar como punto de escalación y defensor interno dentro del equipo de asistencia de Adobe.</a:t>
+              <a:t>Un responsable de la asistencia técnica de </a:t>
+            </a:r>
+            <a:br>
+              <a:rPr lang="es-ES" sz="1000" dirty="0">
+                <a:solidFill>
+                  <a:srgbClr val="000000"/>
+                </a:solidFill>
+                <a:latin typeface="Adobe Clean Light" panose="020B0303020404020204" pitchFamily="34" charset="0"/>
+              </a:rPr>
+            </a:br>
+            <a:r>
+              <a:rPr lang="es-ES" sz="1000" dirty="0">
+                <a:solidFill>
+                  <a:srgbClr val="000000"/>
+                </a:solidFill>
+                <a:latin typeface="Adobe Clean Light" panose="020B0303020404020204" pitchFamily="34" charset="0"/>
+              </a:rPr>
+              <a:t>la cuenta particular para monitorizar de forma proactiva los casos, impulsar la colaboración entre equipos, ofrecer seminarios web de incorporación, ejecutar informes de servicios, proporcionar asistencia no técnica, y actuar como punto de escalación y defensor interno dentro del equipo de asistencia de Adobe.</a:t>
             </a:r>
           </a:p>
         </p:txBody>
@@ -6373,15 +6497,15 @@
         </p:nvSpPr>
         <p:spPr>
           <a:xfrm>
-            <a:off x="2836966" y="8618616"/>
-            <a:ext cx="2416449" cy="641201"/>
+            <a:off x="2680855" y="8551823"/>
+            <a:ext cx="2488440" cy="641201"/>
           </a:xfrm>
           <a:prstGeom prst="rect">
             <a:avLst/>
           </a:prstGeom>
         </p:spPr>
         <p:txBody>
-          <a:bodyPr vert="horz" wrap="square" lIns="0" tIns="12700" rIns="0" bIns="0" rtlCol="0">
+          <a:bodyPr vert="horz" wrap="square" lIns="0" tIns="12700" rIns="0" bIns="0" rtlCol="0" anchor="t">
             <a:spAutoFit/>
           </a:bodyPr>
           <a:lstStyle/>
@@ -6410,9 +6534,6 @@
           </a:p>
           <a:p>
             <a:pPr marL="33020" marR="159385">
-              <a:lnSpc>
-                <a:spcPct val="100000"/>
-              </a:lnSpc>
               <a:spcBef>
                 <a:spcPts val="100"/>
               </a:spcBef>
@@ -6438,7 +6559,7 @@
                 <a:latin typeface="AdobeClean-LightIt"/>
                 <a:cs typeface="AdobeClean-LightIt"/>
               </a:rPr>
-              <a:t>.  </a:t>
+              <a:t>.  </a:t>
             </a:r>
           </a:p>
         </p:txBody>
@@ -6488,7 +6609,7 @@
         </p:nvSpPr>
         <p:spPr>
           <a:xfrm>
-            <a:off x="838200" y="6046398"/>
+            <a:off x="838200" y="5939387"/>
             <a:ext cx="1568246" cy="184666"/>
           </a:xfrm>
           <a:prstGeom prst="rect">
@@ -6541,7 +6662,7 @@
         </p:nvSpPr>
         <p:spPr>
           <a:xfrm>
-            <a:off x="838200" y="6277305"/>
+            <a:off x="838200" y="6170294"/>
             <a:ext cx="959314" cy="184666"/>
           </a:xfrm>
           <a:prstGeom prst="rect">
@@ -6587,8 +6708,8 @@
         </p:nvSpPr>
         <p:spPr>
           <a:xfrm>
-            <a:off x="370040" y="6529249"/>
-            <a:ext cx="2286000" cy="1113125"/>
+            <a:off x="370040" y="6422238"/>
+            <a:ext cx="2233067" cy="1113125"/>
           </a:xfrm>
           <a:prstGeom prst="rect">
             <a:avLst/>
@@ -6607,7 +6728,41 @@
                 </a:solidFill>
                 <a:latin typeface="Adobe Clean Light" panose="020B0303020404020204" pitchFamily="34" charset="0"/>
               </a:rPr>
-              <a:t>Acceso continuo en línea a una base de datos donde encontrará cada vez más soluciones técnicas, documentación de productos, preguntas frecuentes y mucho más. Miles de clientes se pueden conectar para compartir las prácticas recomendadas y las lecciones aprendidas.</a:t>
+              <a:t>Acceso continuo en línea a una base </a:t>
+            </a:r>
+            <a:br>
+              <a:rPr lang="es-ES" sz="1000" dirty="0">
+                <a:solidFill>
+                  <a:srgbClr val="000000"/>
+                </a:solidFill>
+                <a:latin typeface="Adobe Clean Light" panose="020B0303020404020204" pitchFamily="34" charset="0"/>
+              </a:rPr>
+            </a:br>
+            <a:r>
+              <a:rPr lang="es-ES" sz="1000" dirty="0">
+                <a:solidFill>
+                  <a:srgbClr val="000000"/>
+                </a:solidFill>
+                <a:latin typeface="Adobe Clean Light" panose="020B0303020404020204" pitchFamily="34" charset="0"/>
+              </a:rPr>
+              <a:t>de datos donde encontrará cada vez más soluciones técnicas, documentación de productos, preguntas frecuentes y mucho más. Miles de clientes se pueden conectar para compartir las prácticas recomendadas </a:t>
+            </a:r>
+            <a:br>
+              <a:rPr lang="es-ES" sz="1000" dirty="0">
+                <a:solidFill>
+                  <a:srgbClr val="000000"/>
+                </a:solidFill>
+                <a:latin typeface="Adobe Clean Light" panose="020B0303020404020204" pitchFamily="34" charset="0"/>
+              </a:rPr>
+            </a:br>
+            <a:r>
+              <a:rPr lang="es-ES" sz="1000" dirty="0">
+                <a:solidFill>
+                  <a:srgbClr val="000000"/>
+                </a:solidFill>
+                <a:latin typeface="Adobe Clean Light" panose="020B0303020404020204" pitchFamily="34" charset="0"/>
+              </a:rPr>
+              <a:t>y las lecciones aprendidas.</a:t>
             </a:r>
           </a:p>
         </p:txBody>
@@ -6628,7 +6783,7 @@
         </p:nvSpPr>
         <p:spPr>
           <a:xfrm>
-            <a:off x="5851290" y="6277305"/>
+            <a:off x="5786661" y="6170294"/>
             <a:ext cx="1316707" cy="184666"/>
           </a:xfrm>
           <a:prstGeom prst="rect">
@@ -6674,8 +6829,8 @@
         </p:nvSpPr>
         <p:spPr>
           <a:xfrm>
-            <a:off x="5376301" y="6529249"/>
-            <a:ext cx="2286000" cy="1267014"/>
+            <a:off x="5311672" y="6422238"/>
+            <a:ext cx="2224649" cy="1267014"/>
           </a:xfrm>
           <a:prstGeom prst="rect">
             <a:avLst/>
@@ -6748,41 +6903,7 @@
                 </a:solidFill>
                 <a:latin typeface="Adobe Clean Light" panose="020B0303020404020204" pitchFamily="34" charset="0"/>
               </a:rPr>
-              <a:t> League. Los clientes pueden aplicar sus conocimientos de administración de la experiencia del cliente con aprendizaje personalizado para desarrollar habilidades, interactuar con la comunidad internacional </a:t>
-            </a:r>
-            <a:br>
-              <a:rPr lang="sk-SK" sz="1000" dirty="0">
-                <a:solidFill>
-                  <a:srgbClr val="000000"/>
-                </a:solidFill>
-                <a:latin typeface="Adobe Clean Light" panose="020B0303020404020204" pitchFamily="34" charset="0"/>
-              </a:rPr>
-            </a:br>
-            <a:r>
-              <a:rPr lang="es-ES" sz="1000" dirty="0">
-                <a:solidFill>
-                  <a:srgbClr val="000000"/>
-                </a:solidFill>
-                <a:latin typeface="Adobe Clean Light" panose="020B0303020404020204" pitchFamily="34" charset="0"/>
-              </a:rPr>
-              <a:t>de compañeros y obtener reconocimiento </a:t>
-            </a:r>
-            <a:br>
-              <a:rPr lang="sk-SK" sz="1000" dirty="0">
-                <a:solidFill>
-                  <a:srgbClr val="000000"/>
-                </a:solidFill>
-                <a:latin typeface="Adobe Clean Light" panose="020B0303020404020204" pitchFamily="34" charset="0"/>
-              </a:rPr>
-            </a:br>
-            <a:r>
-              <a:rPr lang="es-ES" sz="1000" dirty="0">
-                <a:solidFill>
-                  <a:srgbClr val="000000"/>
-                </a:solidFill>
-                <a:latin typeface="Adobe Clean Light" panose="020B0303020404020204" pitchFamily="34" charset="0"/>
-              </a:rPr>
-              <a:t>en su trayectoria profesional.</a:t>
+              <a:t> League. Los clientes pueden aplicar sus conocimientos de administración de la experiencia del cliente con aprendizaje personalizado para desarrollar habilidades, interactuar con la comunidad internacional de compañeros y obtener reconocimiento en su trayectoria profesional.</a:t>
             </a:r>
           </a:p>
         </p:txBody>
@@ -6803,7 +6924,7 @@
         </p:nvSpPr>
         <p:spPr>
           <a:xfrm>
-            <a:off x="3215895" y="8150141"/>
+            <a:off x="3059783" y="8083348"/>
             <a:ext cx="2520000" cy="184666"/>
           </a:xfrm>
           <a:prstGeom prst="rect">
@@ -6830,7 +6951,7 @@
               <a:defRPr/>
             </a:pPr>
             <a:r>
-              <a:rPr lang="es-ES" sz="1200">
+              <a:rPr lang="es-ES" sz="1200" dirty="0">
                 <a:solidFill>
                   <a:srgbClr val="000000"/>
                 </a:solidFill>
@@ -6856,7 +6977,7 @@
         </p:nvSpPr>
         <p:spPr>
           <a:xfrm>
-            <a:off x="3198434" y="8373543"/>
+            <a:off x="3042322" y="8306750"/>
             <a:ext cx="840166" cy="184666"/>
           </a:xfrm>
           <a:prstGeom prst="rect">
@@ -6904,7 +7025,7 @@
         </p:nvSpPr>
         <p:spPr>
           <a:xfrm>
-            <a:off x="3290772" y="6046398"/>
+            <a:off x="3226143" y="5939387"/>
             <a:ext cx="2520000" cy="184666"/>
           </a:xfrm>
           <a:prstGeom prst="rect">
@@ -6957,7 +7078,7 @@
         </p:nvSpPr>
         <p:spPr>
           <a:xfrm>
-            <a:off x="3276600" y="6277305"/>
+            <a:off x="3211971" y="6170294"/>
             <a:ext cx="992259" cy="184666"/>
           </a:xfrm>
           <a:prstGeom prst="rect">
@@ -7003,8 +7124,8 @@
         </p:nvSpPr>
         <p:spPr>
           <a:xfrm>
-            <a:off x="2836967" y="6529249"/>
-            <a:ext cx="2286000" cy="1113125"/>
+            <a:off x="2772338" y="6422238"/>
+            <a:ext cx="2286000" cy="959237"/>
           </a:xfrm>
           <a:prstGeom prst="rect">
             <a:avLst/>
@@ -7026,7 +7147,7 @@
               <a:t>Los usuarios autorizados o los contactos </a:t>
             </a:r>
             <a:br>
-              <a:rPr lang="sk-SK" sz="1000" dirty="0">
+              <a:rPr lang="es-ES" sz="1000" dirty="0">
                 <a:solidFill>
                   <a:srgbClr val="020302"/>
                 </a:solidFill>
@@ -7046,18 +7167,7 @@
               <a:rPr lang="es-ES" sz="1000" dirty="0">
                 <a:latin typeface="Adobe Clean Light" panose="020B0303020404020204" pitchFamily="34" charset="0"/>
               </a:rPr>
-              <a:t> pueden enviar problemas a través de todos los canales disponibles (incluido el teléfono en el caso </a:t>
-            </a:r>
-            <a:br>
-              <a:rPr lang="sk-SK" sz="1000" dirty="0">
-                <a:latin typeface="Adobe Clean Light" panose="020B0303020404020204" pitchFamily="34" charset="0"/>
-              </a:rPr>
-            </a:br>
-            <a:r>
-              <a:rPr lang="es-ES" sz="1000" dirty="0">
-                <a:latin typeface="Adobe Clean Light" panose="020B0303020404020204" pitchFamily="34" charset="0"/>
-              </a:rPr>
-              <a:t>de los problemas P1) y hablar con nuestro equipo de asistencia en nombre de su empresa. </a:t>
+              <a:t> pueden enviar problemas a través de todos los canales disponibles (incluido el teléfono en el caso de los problemas P1) y hablar con nuestro equipo de asistencia en nombre de su empresa. </a:t>
             </a:r>
           </a:p>
         </p:txBody>
@@ -7125,7 +7235,7 @@
         <p:spPr>
           <a:xfrm>
             <a:off x="821898" y="1099315"/>
-            <a:ext cx="1916592" cy="369332"/>
+            <a:ext cx="2020934" cy="369332"/>
           </a:xfrm>
           <a:prstGeom prst="rect">
             <a:avLst/>
@@ -7171,8 +7281,8 @@
         </p:nvSpPr>
         <p:spPr>
           <a:xfrm>
-            <a:off x="401995" y="5785009"/>
-            <a:ext cx="1848207" cy="45719"/>
+            <a:off x="401995" y="5677998"/>
+            <a:ext cx="2168290" cy="45719"/>
           </a:xfrm>
           <a:custGeom>
             <a:avLst/>
@@ -7219,7 +7329,7 @@
         </p:nvSpPr>
         <p:spPr>
           <a:xfrm>
-            <a:off x="318713" y="5432541"/>
+            <a:off x="318713" y="5325530"/>
             <a:ext cx="2006640" cy="307777"/>
           </a:xfrm>
           <a:prstGeom prst="rect">
@@ -7267,8 +7377,8 @@
         </p:nvSpPr>
         <p:spPr>
           <a:xfrm>
-            <a:off x="384421" y="774495"/>
-            <a:ext cx="2011680" cy="0"/>
+            <a:off x="384420" y="774494"/>
+            <a:ext cx="2253675" cy="109101"/>
           </a:xfrm>
           <a:custGeom>
             <a:avLst/>
@@ -7363,8 +7473,8 @@
         </p:nvSpPr>
         <p:spPr>
           <a:xfrm>
-            <a:off x="2836967" y="1370913"/>
-            <a:ext cx="2456884" cy="1635319"/>
+            <a:off x="2836966" y="1466091"/>
+            <a:ext cx="2535941" cy="1817998"/>
           </a:xfrm>
           <a:prstGeom prst="rect">
             <a:avLst/>
@@ -7385,43 +7495,65 @@
               </a:spcBef>
             </a:pPr>
             <a:r>
-              <a:rPr lang="es-ES" sz="900" dirty="0">
+              <a:rPr lang="es-ES" sz="1000" dirty="0">
                 <a:latin typeface="Adobe Clean Light" panose="020B0303020404020204" pitchFamily="34" charset="0"/>
               </a:rPr>
-              <a:t>Los clientes pueden enviar casos de asistencia por teléfono en lo relacionado con todos los problemas P2, P3 y P4 durante el horario de asistencia regional. </a:t>
+              <a:t>Los clientes pueden enviar casos de asistencia</a:t>
             </a:r>
             <a:br>
-              <a:rPr lang="sk-SK" sz="900" dirty="0">
+              <a:rPr lang="es-ES" sz="1000" dirty="0">
                 <a:latin typeface="Adobe Clean Light" panose="020B0303020404020204" pitchFamily="34" charset="0"/>
               </a:rPr>
             </a:br>
             <a:r>
-              <a:rPr lang="es-ES" sz="900" dirty="0">
+              <a:rPr lang="es-ES" sz="1000" dirty="0">
                 <a:latin typeface="Adobe Clean Light" panose="020B0303020404020204" pitchFamily="34" charset="0"/>
               </a:rPr>
-              <a:t>No existen límites máximos en cuanto a la cantidad </a:t>
+              <a:t>por teléfono en lo relacionado con todos los problemas P2, P3 y P4 durante el horario de asistencia regional. No existen límites máximos </a:t>
             </a:r>
             <a:br>
-              <a:rPr lang="sk-SK" sz="900" dirty="0">
+              <a:rPr lang="es-ES" sz="1000" dirty="0">
                 <a:latin typeface="Adobe Clean Light" panose="020B0303020404020204" pitchFamily="34" charset="0"/>
               </a:rPr>
             </a:br>
             <a:r>
-              <a:rPr lang="es-ES" sz="900" dirty="0">
+              <a:rPr lang="es-ES" sz="1000" dirty="0">
                 <a:latin typeface="Adobe Clean Light" panose="020B0303020404020204" pitchFamily="34" charset="0"/>
               </a:rPr>
-              <a:t>de veces que puede llamar al equipo de asistencia. </a:t>
+              <a:t>en cuanto a la cantidad de veces que puede </a:t>
             </a:r>
             <a:br>
-              <a:rPr lang="sk-SK" sz="900" dirty="0">
+              <a:rPr lang="sk-SK" sz="1000" dirty="0">
                 <a:latin typeface="Adobe Clean Light" panose="020B0303020404020204" pitchFamily="34" charset="0"/>
               </a:rPr>
             </a:br>
             <a:r>
-              <a:rPr lang="es-ES" sz="900" dirty="0">
+              <a:rPr lang="es-ES" sz="1000" dirty="0">
                 <a:latin typeface="Adobe Clean Light" panose="020B0303020404020204" pitchFamily="34" charset="0"/>
               </a:rPr>
-              <a:t>Los clientes también pueden solicitar que el servicio de asistencia les llame por teléfono o solicitar una reunión para ver o solucionar un problema mediante una sesión de escritorio remoto compartida.</a:t>
+              <a:t>llamar al equipo de asistencia. Los clientes también pueden solicitar que el servicio de asistencia les llame por teléfono o solicitar una reunión para </a:t>
+            </a:r>
+            <a:br>
+              <a:rPr lang="es-ES" sz="1000" dirty="0">
+                <a:latin typeface="Adobe Clean Light" panose="020B0303020404020204" pitchFamily="34" charset="0"/>
+              </a:rPr>
+            </a:br>
+            <a:r>
+              <a:rPr lang="es-ES" sz="1000" dirty="0">
+                <a:latin typeface="Adobe Clean Light" panose="020B0303020404020204" pitchFamily="34" charset="0"/>
+              </a:rPr>
+              <a:t>ver o solucionar un problema mediante una sesión </a:t>
+            </a:r>
+            <a:br>
+              <a:rPr lang="es-ES" sz="1000" dirty="0">
+                <a:latin typeface="Adobe Clean Light" panose="020B0303020404020204" pitchFamily="34" charset="0"/>
+              </a:rPr>
+            </a:br>
+            <a:r>
+              <a:rPr lang="es-ES" sz="1000" dirty="0">
+                <a:latin typeface="Adobe Clean Light" panose="020B0303020404020204" pitchFamily="34" charset="0"/>
+              </a:rPr>
+              <a:t>de escritorio remoto compartida.</a:t>
             </a:r>
           </a:p>
         </p:txBody>
@@ -7489,7 +7621,7 @@
         </p:nvSpPr>
         <p:spPr>
           <a:xfrm>
-            <a:off x="5376301" y="1398482"/>
+            <a:off x="5376301" y="1493660"/>
             <a:ext cx="2286000" cy="805349"/>
           </a:xfrm>
           <a:prstGeom prst="rect">
@@ -7511,7 +7643,7 @@
               </a:spcBef>
             </a:pPr>
             <a:r>
-              <a:rPr lang="es-ES" sz="1000" dirty="0">
+              <a:rPr lang="es-ES" sz="1000">
                 <a:solidFill>
                   <a:srgbClr val="4B4B4B"/>
                 </a:solidFill>
@@ -7569,7 +7701,7 @@
               <a:t>Administración </a:t>
             </a:r>
             <a:br>
-              <a:rPr lang="sk-SK" sz="1200" b="1" dirty="0">
+              <a:rPr lang="es-ES" sz="1200" b="1" dirty="0">
                 <a:solidFill>
                   <a:srgbClr val="020302"/>
                 </a:solidFill>
@@ -7604,7 +7736,7 @@
         </p:nvSpPr>
         <p:spPr>
           <a:xfrm>
-            <a:off x="838200" y="8148121"/>
+            <a:off x="838200" y="8081328"/>
             <a:ext cx="2520000" cy="184666"/>
           </a:xfrm>
           <a:prstGeom prst="rect">
@@ -7657,7 +7789,7 @@
         </p:nvSpPr>
         <p:spPr>
           <a:xfrm>
-            <a:off x="838200" y="8373543"/>
+            <a:off x="838200" y="8306750"/>
             <a:ext cx="604974" cy="184666"/>
           </a:xfrm>
           <a:prstGeom prst="rect">
@@ -7703,8 +7835,8 @@
         </p:nvSpPr>
         <p:spPr>
           <a:xfrm>
-            <a:off x="370040" y="8618616"/>
-            <a:ext cx="2286000" cy="1113125"/>
+            <a:off x="370040" y="8551823"/>
+            <a:ext cx="2233067" cy="1113125"/>
           </a:xfrm>
           <a:prstGeom prst="rect">
             <a:avLst/>
@@ -7723,27 +7855,10 @@
                 </a:solidFill>
                 <a:latin typeface="Adobe Clean Light" panose="020B0303020404020204" pitchFamily="34" charset="0"/>
               </a:rPr>
-              <a:t>“Horario de oficina” es una iniciativa liderada por el equipo de asistencia al cliente </a:t>
+              <a:t>“Horario de oficina” es una iniciativa liderada por el equipo de asistencia al cliente de Adobe. Estas sesiones están diseñadas </a:t>
             </a:r>
             <a:br>
-              <a:rPr lang="sk-SK" sz="1000" dirty="0">
-                <a:solidFill>
-                  <a:srgbClr val="000000"/>
-                </a:solidFill>
-                <a:latin typeface="Adobe Clean Light" panose="020B0303020404020204" pitchFamily="34" charset="0"/>
-              </a:rPr>
-            </a:br>
-            <a:r>
               <a:rPr lang="es-ES" sz="1000" dirty="0">
-                <a:solidFill>
-                  <a:srgbClr val="000000"/>
-                </a:solidFill>
-                <a:latin typeface="Adobe Clean Light" panose="020B0303020404020204" pitchFamily="34" charset="0"/>
-              </a:rPr>
-              <a:t>de Adobe. Estas sesiones están diseñadas </a:t>
-            </a:r>
-            <a:br>
-              <a:rPr lang="sk-SK" sz="1000" dirty="0">
                 <a:solidFill>
                   <a:srgbClr val="000000"/>
                 </a:solidFill>
@@ -7760,7 +7875,7 @@
               <a:t>para informar y ayudar a los participantes </a:t>
             </a:r>
             <a:br>
-              <a:rPr lang="sk-SK" sz="1000" dirty="0">
+              <a:rPr lang="es-ES" sz="1000" dirty="0">
                 <a:solidFill>
                   <a:srgbClr val="000000"/>
                 </a:solidFill>
@@ -7774,10 +7889,10 @@
                 </a:solidFill>
                 <a:latin typeface="Adobe Clean Light" panose="020B0303020404020204" pitchFamily="34" charset="0"/>
               </a:rPr>
-              <a:t>a solucionar problemas, y ofrecen sugerencias y trucos para usar correctamente </a:t>
+              <a:t>a solucionar problemas, y ofrecen sugerencias y trucos para usar </a:t>
             </a:r>
             <a:br>
-              <a:rPr lang="sk-SK" sz="1000" dirty="0">
+              <a:rPr lang="es-ES" sz="1000" dirty="0">
                 <a:solidFill>
                   <a:srgbClr val="000000"/>
                 </a:solidFill>
@@ -7791,7 +7906,7 @@
                 </a:solidFill>
                 <a:latin typeface="Adobe Clean Light" panose="020B0303020404020204" pitchFamily="34" charset="0"/>
               </a:rPr>
-              <a:t>Adobe </a:t>
+              <a:t>correctamente Adobe </a:t>
             </a:r>
             <a:r>
               <a:rPr lang="es-ES" sz="1000" dirty="0" err="1">
@@ -7830,7 +7945,7 @@
         </p:nvSpPr>
         <p:spPr>
           <a:xfrm>
-            <a:off x="5851290" y="8373543"/>
+            <a:off x="5786661" y="8306750"/>
             <a:ext cx="1267206" cy="184666"/>
           </a:xfrm>
           <a:prstGeom prst="rect">
@@ -7876,7 +7991,7 @@
         </p:nvSpPr>
         <p:spPr>
           <a:xfrm>
-            <a:off x="5376301" y="8618616"/>
+            <a:off x="5311672" y="8551823"/>
             <a:ext cx="2286000" cy="959237"/>
           </a:xfrm>
           <a:prstGeom prst="rect">
@@ -7899,7 +8014,7 @@
               <a:t>Acceso al portal de asistencia de autoayuda </a:t>
             </a:r>
             <a:br>
-              <a:rPr lang="sk-SK" sz="1000" dirty="0">
+              <a:rPr lang="es-ES" sz="1000" dirty="0">
                 <a:solidFill>
                   <a:srgbClr val="000000"/>
                 </a:solidFill>
@@ -7916,7 +8031,7 @@
               <a:t>en línea previa solicitud para enviar solicitudes de asistencia, revisar el estado de los casos </a:t>
             </a:r>
             <a:br>
-              <a:rPr lang="sk-SK" sz="1000" dirty="0">
+              <a:rPr lang="es-ES" sz="1000" dirty="0">
                 <a:solidFill>
                   <a:srgbClr val="000000"/>
                 </a:solidFill>
@@ -8027,8 +8142,8 @@
         </p:nvSpPr>
         <p:spPr>
           <a:xfrm>
-            <a:off x="789025" y="3499700"/>
-            <a:ext cx="1781260" cy="285247"/>
+            <a:off x="789024" y="3650934"/>
+            <a:ext cx="1867015" cy="285247"/>
           </a:xfrm>
           <a:prstGeom prst="rect">
             <a:avLst/>
@@ -8042,7 +8157,7 @@
           <a:lstStyle/>
           <a:p>
             <a:r>
-              <a:rPr lang="es-ES" sz="1200" b="1" dirty="0">
+              <a:rPr lang="es-ES" sz="1200" b="1">
                 <a:latin typeface="+mj-lt"/>
               </a:rPr>
               <a:t>Servicios empresariales</a:t>
@@ -8064,7 +8179,7 @@
         </p:nvSpPr>
         <p:spPr>
           <a:xfrm>
-            <a:off x="370041" y="3875832"/>
+            <a:off x="370041" y="4027066"/>
             <a:ext cx="2286000" cy="740780"/>
           </a:xfrm>
           <a:prstGeom prst="rect">
@@ -8092,7 +8207,7 @@
               <a:t>Un responsable de la asistencia técnica </a:t>
             </a:r>
             <a:br>
-              <a:rPr lang="sk-SK" sz="1000" dirty="0">
+              <a:rPr lang="es-ES" sz="1000" dirty="0">
                 <a:latin typeface="Adobe Clean Light" panose="020B0303020404020204" pitchFamily="34" charset="0"/>
               </a:rPr>
             </a:br>
@@ -8100,10 +8215,21 @@
               <a:rPr lang="es-ES" sz="1000" dirty="0">
                 <a:latin typeface="Adobe Clean Light" panose="020B0303020404020204" pitchFamily="34" charset="0"/>
               </a:rPr>
-              <a:t>de la cuenta organizará seminarios web que abarcarán una descripción general </a:t>
+              <a:t>de la cuenta organizará seminarios web </a:t>
             </a:r>
             <a:br>
-              <a:rPr lang="sk-SK" sz="1000" dirty="0">
+              <a:rPr lang="es-ES" sz="1000" dirty="0">
+                <a:latin typeface="Adobe Clean Light" panose="020B0303020404020204" pitchFamily="34" charset="0"/>
+              </a:rPr>
+            </a:br>
+            <a:r>
+              <a:rPr lang="es-ES" sz="1000" dirty="0">
+                <a:latin typeface="Adobe Clean Light" panose="020B0303020404020204" pitchFamily="34" charset="0"/>
+              </a:rPr>
+              <a:t>que abarcarán una descripción general </a:t>
+            </a:r>
+            <a:br>
+              <a:rPr lang="es-ES" sz="1000" dirty="0">
                 <a:latin typeface="Adobe Clean Light" panose="020B0303020404020204" pitchFamily="34" charset="0"/>
               </a:rPr>
             </a:br>
@@ -8130,7 +8256,7 @@
         </p:nvSpPr>
         <p:spPr>
           <a:xfrm rot="5400000" flipH="1">
-            <a:off x="3863341" y="302967"/>
+            <a:off x="3863341" y="569650"/>
             <a:ext cx="45719" cy="5577840"/>
           </a:xfrm>
           <a:custGeom>
@@ -8241,7 +8367,7 @@
         </p:blipFill>
         <p:spPr>
           <a:xfrm>
-            <a:off x="2794208" y="8146218"/>
+            <a:off x="2638096" y="8079425"/>
             <a:ext cx="411480" cy="411480"/>
           </a:xfrm>
           <a:prstGeom prst="rect">
@@ -8280,7 +8406,7 @@
         </p:blipFill>
         <p:spPr>
           <a:xfrm>
-            <a:off x="388426" y="3436583"/>
+            <a:off x="388426" y="3587817"/>
             <a:ext cx="411480" cy="411480"/>
           </a:xfrm>
           <a:prstGeom prst="rect">
@@ -8319,7 +8445,7 @@
         </p:blipFill>
         <p:spPr>
           <a:xfrm>
-            <a:off x="2836967" y="6062796"/>
+            <a:off x="2772338" y="5955785"/>
             <a:ext cx="411480" cy="411480"/>
           </a:xfrm>
           <a:prstGeom prst="rect">
@@ -8358,7 +8484,7 @@
         </p:blipFill>
         <p:spPr>
           <a:xfrm>
-            <a:off x="359731" y="6062796"/>
+            <a:off x="359731" y="5955785"/>
             <a:ext cx="411480" cy="411480"/>
           </a:xfrm>
           <a:prstGeom prst="rect">
@@ -8397,7 +8523,7 @@
         </p:blipFill>
         <p:spPr>
           <a:xfrm>
-            <a:off x="5329042" y="6062796"/>
+            <a:off x="5264413" y="5955785"/>
             <a:ext cx="411480" cy="411480"/>
           </a:xfrm>
           <a:prstGeom prst="rect">
@@ -8436,7 +8562,7 @@
         </p:blipFill>
         <p:spPr>
           <a:xfrm>
-            <a:off x="5372908" y="8146218"/>
+            <a:off x="5308279" y="8079425"/>
             <a:ext cx="411480" cy="411480"/>
           </a:xfrm>
           <a:prstGeom prst="rect">
@@ -8475,7 +8601,7 @@
         </p:blipFill>
         <p:spPr>
           <a:xfrm>
-            <a:off x="384421" y="8146218"/>
+            <a:off x="384421" y="8079425"/>
             <a:ext cx="411480" cy="411480"/>
           </a:xfrm>
           <a:prstGeom prst="rect">
@@ -8497,7 +8623,7 @@
         </p:nvSpPr>
         <p:spPr>
           <a:xfrm rot="5400000" flipH="1">
-            <a:off x="3863341" y="5100467"/>
+            <a:off x="3863341" y="5007960"/>
             <a:ext cx="45719" cy="5577840"/>
           </a:xfrm>
           <a:custGeom>
@@ -8554,7 +8680,7 @@
         </p:nvSpPr>
         <p:spPr>
           <a:xfrm>
-            <a:off x="5851290" y="8150141"/>
+            <a:off x="5786661" y="8150141"/>
             <a:ext cx="2520000" cy="184666"/>
           </a:xfrm>
           <a:prstGeom prst="rect">
@@ -8607,7 +8733,7 @@
         </p:nvSpPr>
         <p:spPr>
           <a:xfrm>
-            <a:off x="5851290" y="6046398"/>
+            <a:off x="5786661" y="5939387"/>
             <a:ext cx="2520000" cy="184666"/>
           </a:xfrm>
           <a:prstGeom prst="rect">
@@ -8843,7 +8969,7 @@
         <p:spPr>
           <a:xfrm>
             <a:off x="6754821" y="9283729"/>
-            <a:ext cx="930275" cy="662305"/>
+            <a:ext cx="1017579" cy="662305"/>
           </a:xfrm>
           <a:prstGeom prst="rect">
             <a:avLst/>
@@ -8864,7 +8990,7 @@
               </a:spcBef>
             </a:pPr>
             <a:r>
-              <a:rPr lang="es-ES" sz="800">
+              <a:rPr lang="es-ES" sz="800" dirty="0">
                 <a:solidFill>
                   <a:srgbClr val="777879"/>
                 </a:solidFill>
@@ -8881,7 +9007,7 @@
               </a:lnSpc>
             </a:pPr>
             <a:r>
-              <a:rPr lang="es-ES" sz="800">
+              <a:rPr lang="es-ES" sz="800" dirty="0">
                 <a:solidFill>
                   <a:srgbClr val="777879"/>
                 </a:solidFill>
@@ -8898,7 +9024,7 @@
               </a:lnSpc>
             </a:pPr>
             <a:r>
-              <a:rPr lang="es-ES" sz="800">
+              <a:rPr lang="es-ES" sz="800" dirty="0">
                 <a:solidFill>
                   <a:srgbClr val="777879"/>
                 </a:solidFill>
@@ -8918,7 +9044,7 @@
               </a:spcBef>
             </a:pPr>
             <a:r>
-              <a:rPr lang="es-ES" sz="800">
+              <a:rPr lang="es-ES" sz="800" dirty="0">
                 <a:solidFill>
                   <a:srgbClr val="777879"/>
                 </a:solidFill>
@@ -8938,7 +9064,7 @@
               </a:spcBef>
             </a:pPr>
             <a:r>
-              <a:rPr lang="es-ES" sz="800" u="sng">
+              <a:rPr lang="es-ES" sz="800" u="sng" dirty="0">
                 <a:solidFill>
                   <a:srgbClr val="5F5F5F"/>
                 </a:solidFill>
@@ -9106,14 +9232,14 @@
         <p:spPr>
           <a:xfrm>
             <a:off x="75947" y="9437110"/>
-            <a:ext cx="5466715" cy="570865"/>
+            <a:ext cx="5086603" cy="570865"/>
           </a:xfrm>
           <a:prstGeom prst="rect">
             <a:avLst/>
           </a:prstGeom>
         </p:spPr>
         <p:txBody>
-          <a:bodyPr vert="horz" wrap="square" lIns="0" tIns="29845" rIns="0" bIns="0" rtlCol="0">
+          <a:bodyPr vert="horz" wrap="square" lIns="0" tIns="29845" rIns="0" bIns="0" rtlCol="0" anchor="t">
             <a:spAutoFit/>
           </a:bodyPr>
           <a:lstStyle/>
@@ -9134,26 +9260,7 @@
                 <a:latin typeface="AdobeClean-LightIt"/>
                 <a:cs typeface="AdobeClean-LightIt"/>
               </a:rPr>
-              <a:t>Para saber más sobre las ofertas de asistencia de Adobe y el nivel adecuado para usted, póngase </a:t>
-            </a:r>
-            <a:br>
-              <a:rPr lang="sk-SK" sz="1100" i="1" dirty="0">
-                <a:solidFill>
-                  <a:srgbClr val="777879"/>
-                </a:solidFill>
-                <a:latin typeface="AdobeClean-LightIt"/>
-                <a:cs typeface="AdobeClean-LightIt"/>
-              </a:rPr>
-            </a:br>
-            <a:r>
-              <a:rPr lang="es-ES" sz="1100" i="1" dirty="0">
-                <a:solidFill>
-                  <a:srgbClr val="777879"/>
-                </a:solidFill>
-                <a:latin typeface="AdobeClean-LightIt"/>
-                <a:cs typeface="AdobeClean-LightIt"/>
-              </a:rPr>
-              <a:t>en contacto con su administrador de cuentas (NAM) o con su </a:t>
+              <a:t>Para saber más sobre las ofertas de asistencia de Adobe y el nivel adecuado para usted, póngase en contacto con su administrador de cuentas (NAM) o con su </a:t>
             </a:r>
             <a:r>
               <a:rPr lang="es-ES" sz="1100" i="1" dirty="0" err="1">
@@ -9312,7 +9419,7 @@
         </p:nvSpPr>
         <p:spPr>
           <a:xfrm>
-            <a:off x="197233" y="5031270"/>
+            <a:off x="197233" y="4969823"/>
             <a:ext cx="7365294" cy="755976"/>
           </a:xfrm>
           <a:prstGeom prst="rect">
@@ -9374,7 +9481,7 @@
           <p:nvPr>
             <p:extLst>
               <p:ext uri="{D42A27DB-BD31-4B8C-83A1-F6EECF244321}">
-                <p14:modId xmlns:p14="http://schemas.microsoft.com/office/powerpoint/2010/main" val="3308617207"/>
+                <p14:modId xmlns:p14="http://schemas.microsoft.com/office/powerpoint/2010/main" val="2853681373"/>
               </p:ext>
             </p:extLst>
           </p:nvPr>
@@ -9501,7 +9608,7 @@
                         <a:t>Europa, Oriente Medio </a:t>
                       </a:r>
                       <a:br>
-                        <a:rPr lang="sk-SK" sz="1100" dirty="0">
+                        <a:rPr lang="es-ES" sz="1100" dirty="0">
                           <a:solidFill>
                             <a:schemeClr val="tx1"/>
                           </a:solidFill>
@@ -10438,8 +10545,8 @@
         </p:nvSpPr>
         <p:spPr>
           <a:xfrm>
-            <a:off x="2802771" y="8528519"/>
-            <a:ext cx="911979" cy="385445"/>
+            <a:off x="2840871" y="8528519"/>
+            <a:ext cx="810895" cy="385445"/>
           </a:xfrm>
           <a:prstGeom prst="rect">
             <a:avLst/>
@@ -10451,7 +10558,7 @@
           </a:bodyPr>
           <a:lstStyle/>
           <a:p>
-            <a:pPr marR="5080" algn="ctr">
+            <a:pPr marL="139065" marR="5080" indent="-139065">
               <a:lnSpc>
                 <a:spcPts val="1390"/>
               </a:lnSpc>
@@ -10486,8 +10593,8 @@
         </p:nvSpPr>
         <p:spPr>
           <a:xfrm>
-            <a:off x="4541995" y="8541244"/>
-            <a:ext cx="1030130" cy="382797"/>
+            <a:off x="4658426" y="8531167"/>
+            <a:ext cx="884236" cy="382797"/>
           </a:xfrm>
           <a:prstGeom prst="rect">
             <a:avLst/>
@@ -10515,26 +10622,7 @@
                 <a:latin typeface="Adobe Clean"/>
                 <a:cs typeface="Adobe Clean"/>
               </a:rPr>
-              <a:t>Asistencia </a:t>
-            </a:r>
-            <a:br>
-              <a:rPr lang="sk-SK" sz="1200" b="1" dirty="0">
-                <a:solidFill>
-                  <a:srgbClr val="FFFFFF"/>
-                </a:solidFill>
-                <a:latin typeface="Adobe Clean"/>
-                <a:cs typeface="Adobe Clean"/>
-              </a:rPr>
-            </a:br>
-            <a:r>
-              <a:rPr lang="es-ES" sz="1200" b="1" dirty="0">
-                <a:solidFill>
-                  <a:srgbClr val="FFFFFF"/>
-                </a:solidFill>
-                <a:latin typeface="Adobe Clean"/>
-                <a:cs typeface="Adobe Clean"/>
-              </a:rPr>
-              <a:t>ágil</a:t>
+              <a:t>Asistencia ágil</a:t>
             </a:r>
           </a:p>
         </p:txBody>
@@ -10553,8 +10641,8 @@
         </p:nvSpPr>
         <p:spPr>
           <a:xfrm>
-            <a:off x="6471718" y="8543943"/>
-            <a:ext cx="810895" cy="382797"/>
+            <a:off x="6343650" y="8543943"/>
+            <a:ext cx="1071478" cy="385445"/>
           </a:xfrm>
           <a:prstGeom prst="rect">
             <a:avLst/>
@@ -10566,7 +10654,7 @@
           </a:bodyPr>
           <a:lstStyle/>
           <a:p>
-            <a:pPr marR="5080" algn="ctr">
+            <a:pPr marL="50800" marR="5080" indent="-51435" algn="ctr">
               <a:lnSpc>
                 <a:spcPts val="1390"/>
               </a:lnSpc>
@@ -10602,7 +10690,7 @@
           <p:nvPr>
             <p:extLst>
               <p:ext uri="{D42A27DB-BD31-4B8C-83A1-F6EECF244321}">
-                <p14:modId xmlns:p14="http://schemas.microsoft.com/office/powerpoint/2010/main" val="1596060064"/>
+                <p14:modId xmlns:p14="http://schemas.microsoft.com/office/powerpoint/2010/main" val="3067232937"/>
               </p:ext>
             </p:extLst>
           </p:nvPr>
@@ -10640,16 +10728,28 @@
                     <a:lstStyle/>
                     <a:p>
                       <a:r>
-                        <a:rPr lang="es-ES" sz="1100" b="0">
+                        <a:rPr lang="es-ES" sz="1100" b="0" dirty="0" err="1">
                           <a:solidFill>
                             <a:schemeClr val="tx1"/>
                           </a:solidFill>
-                          <a:latin typeface="Adobe Clean" panose="020B0503020404020204" pitchFamily="34" charset="0"/>
+                          <a:latin typeface="Adobe Clean"/>
                           <a:ea typeface="+mn-ea"/>
                           <a:cs typeface="+mn-cs"/>
                           <a:hlinkClick r:id="rId7"/>
                         </a:rPr>
-                        <a:t>Experience League</a:t>
+                        <a:t>Experience</a:t>
+                      </a:r>
+                      <a:r>
+                        <a:rPr lang="es-ES" sz="1100" b="0" dirty="0">
+                          <a:solidFill>
+                            <a:schemeClr val="tx1"/>
+                          </a:solidFill>
+                          <a:latin typeface="Adobe Clean"/>
+                          <a:ea typeface="+mn-ea"/>
+                          <a:cs typeface="+mn-cs"/>
+                          <a:hlinkClick r:id="rId7"/>
+                        </a:rPr>
+                        <a:t> League</a:t>
                       </a:r>
                     </a:p>
                   </a:txBody>
@@ -10706,7 +10806,7 @@
                     <a:bodyPr/>
                     <a:lstStyle/>
                     <a:p>
-                      <a:pPr marL="0" marR="0" lvl="0" indent="0" defTabSz="914400" eaLnBrk="1" fontAlgn="auto" latinLnBrk="0" hangingPunct="1">
+                      <a:pPr marL="0" marR="0" lvl="0" indent="0" eaLnBrk="1" fontAlgn="auto" latinLnBrk="0" hangingPunct="1">
                         <a:lnSpc>
                           <a:spcPct val="100000"/>
                         </a:lnSpc>
@@ -10720,15 +10820,13 @@
                         <a:buSzTx/>
                         <a:buFontTx/>
                         <a:buNone/>
-                        <a:tabLst/>
-                        <a:defRPr/>
                       </a:pPr>
                       <a:r>
                         <a:rPr lang="es-ES" sz="1000" b="0" dirty="0" err="1">
                           <a:solidFill>
                             <a:srgbClr val="000000"/>
                           </a:solidFill>
-                          <a:latin typeface="Adobe Clean Light" panose="020B0303020404020204" pitchFamily="34" charset="0"/>
+                          <a:latin typeface="Adobe Clean Light"/>
                           <a:ea typeface="+mn-ea"/>
                           <a:cs typeface="+mn-cs"/>
                         </a:rPr>
@@ -10739,95 +10837,11 @@
                           <a:solidFill>
                             <a:srgbClr val="000000"/>
                           </a:solidFill>
-                          <a:latin typeface="Adobe Clean Light" panose="020B0303020404020204" pitchFamily="34" charset="0"/>
+                          <a:latin typeface="Adobe Clean Light"/>
                           <a:ea typeface="+mn-ea"/>
                           <a:cs typeface="+mn-cs"/>
                         </a:rPr>
-                        <a:t> League permite a Adobe ayudar a las empresas a alcanzar el valor que esperan de su inversión en Adobe. Es el lugar unificado </a:t>
-                      </a:r>
-                      <a:br>
-                        <a:rPr lang="sk-SK" sz="1000" b="0" dirty="0">
-                          <a:solidFill>
-                            <a:srgbClr val="000000"/>
-                          </a:solidFill>
-                          <a:latin typeface="Adobe Clean Light" panose="020B0303020404020204" pitchFamily="34" charset="0"/>
-                          <a:ea typeface="+mn-ea"/>
-                          <a:cs typeface="+mn-cs"/>
-                        </a:rPr>
-                      </a:br>
-                      <a:r>
-                        <a:rPr lang="es-ES" sz="1000" b="0" dirty="0">
-                          <a:solidFill>
-                            <a:srgbClr val="000000"/>
-                          </a:solidFill>
-                          <a:latin typeface="Adobe Clean Light" panose="020B0303020404020204" pitchFamily="34" charset="0"/>
-                          <a:ea typeface="+mn-ea"/>
-                          <a:cs typeface="+mn-cs"/>
-                        </a:rPr>
-                        <a:t>en el que los clientes pueden aprender, dialogar y crecer siguiendo </a:t>
-                      </a:r>
-                      <a:br>
-                        <a:rPr lang="sk-SK" sz="1000" b="0" dirty="0">
-                          <a:solidFill>
-                            <a:srgbClr val="000000"/>
-                          </a:solidFill>
-                          <a:latin typeface="Adobe Clean Light" panose="020B0303020404020204" pitchFamily="34" charset="0"/>
-                          <a:ea typeface="+mn-ea"/>
-                          <a:cs typeface="+mn-cs"/>
-                        </a:rPr>
-                      </a:br>
-                      <a:r>
-                        <a:rPr lang="es-ES" sz="1000" b="0" dirty="0">
-                          <a:solidFill>
-                            <a:srgbClr val="000000"/>
-                          </a:solidFill>
-                          <a:latin typeface="Adobe Clean Light" panose="020B0303020404020204" pitchFamily="34" charset="0"/>
-                          <a:ea typeface="+mn-ea"/>
-                          <a:cs typeface="+mn-cs"/>
-                        </a:rPr>
-                        <a:t>un camino personalizado hacia el éxito que incluye tutoriales </a:t>
-                      </a:r>
-                      <a:br>
-                        <a:rPr lang="sk-SK" sz="1000" b="0" dirty="0">
-                          <a:solidFill>
-                            <a:srgbClr val="000000"/>
-                          </a:solidFill>
-                          <a:latin typeface="Adobe Clean Light" panose="020B0303020404020204" pitchFamily="34" charset="0"/>
-                          <a:ea typeface="+mn-ea"/>
-                          <a:cs typeface="+mn-cs"/>
-                        </a:rPr>
-                      </a:br>
-                      <a:r>
-                        <a:rPr lang="es-ES" sz="1000" b="0" dirty="0">
-                          <a:solidFill>
-                            <a:srgbClr val="000000"/>
-                          </a:solidFill>
-                          <a:latin typeface="Adobe Clean Light" panose="020B0303020404020204" pitchFamily="34" charset="0"/>
-                          <a:ea typeface="+mn-ea"/>
-                          <a:cs typeface="+mn-cs"/>
-                        </a:rPr>
-                        <a:t>de autoayuda, documentación de productos, formación dirigida </a:t>
-                      </a:r>
-                      <a:br>
-                        <a:rPr lang="sk-SK" sz="1000" b="0" dirty="0">
-                          <a:solidFill>
-                            <a:srgbClr val="000000"/>
-                          </a:solidFill>
-                          <a:latin typeface="Adobe Clean Light" panose="020B0303020404020204" pitchFamily="34" charset="0"/>
-                          <a:ea typeface="+mn-ea"/>
-                          <a:cs typeface="+mn-cs"/>
-                        </a:rPr>
-                      </a:br>
-                      <a:r>
-                        <a:rPr lang="es-ES" sz="1000" b="0" dirty="0">
-                          <a:solidFill>
-                            <a:srgbClr val="000000"/>
-                          </a:solidFill>
-                          <a:latin typeface="Adobe Clean Light" panose="020B0303020404020204" pitchFamily="34" charset="0"/>
-                          <a:ea typeface="+mn-ea"/>
-                          <a:cs typeface="+mn-cs"/>
-                        </a:rPr>
-                        <a:t>por instructores, y asistencia técnica y comunitaria. </a:t>
+                        <a:t> League permite a Adobe ayudar a las empresas a alcanzar el valor que esperan de su inversión en Adobe. Es el lugar unificado en el que los clientes pueden aprender, dialogar y crecer siguiendo un camino personalizado hacia el éxito que incluye tutoriales de autoayuda, documentación de productos, formación dirigida por instructores, y asistencia técnica y comunitaria. </a:t>
                       </a:r>
                     </a:p>
                   </a:txBody>
@@ -10909,11 +10923,11 @@
                         <a:defRPr/>
                       </a:pPr>
                       <a:r>
-                        <a:rPr lang="es-ES" sz="1100">
+                        <a:rPr lang="es-ES" sz="1100" dirty="0">
                           <a:solidFill>
                             <a:schemeClr val="dk1"/>
                           </a:solidFill>
-                          <a:latin typeface="Adobe Clean" panose="020B0503020404020204" pitchFamily="34" charset="0"/>
+                          <a:latin typeface="Adobe Clean"/>
                           <a:ea typeface="+mn-ea"/>
                           <a:cs typeface="+mn-cs"/>
                           <a:hlinkClick r:id="rId8"/>
@@ -10921,11 +10935,11 @@
                         <a:t>Formación</a:t>
                       </a:r>
                       <a:r>
-                        <a:rPr lang="es-ES" sz="1100">
+                        <a:rPr lang="es-ES" sz="1100" dirty="0">
                           <a:solidFill>
                             <a:schemeClr val="dk1"/>
                           </a:solidFill>
-                          <a:latin typeface="Adobe Clean" panose="020B0503020404020204" pitchFamily="34" charset="0"/>
+                          <a:latin typeface="Adobe Clean"/>
                           <a:ea typeface="+mn-ea"/>
                           <a:cs typeface="+mn-cs"/>
                         </a:rPr>
@@ -11008,7 +11022,7 @@
                           <a:solidFill>
                             <a:srgbClr val="000000"/>
                           </a:solidFill>
-                          <a:latin typeface="Adobe Clean Light" panose="020B0303020404020204" pitchFamily="34" charset="0"/>
+                          <a:latin typeface="Adobe Clean Light"/>
                           <a:ea typeface="+mn-ea"/>
                           <a:cs typeface="+mn-cs"/>
                         </a:rPr>
@@ -11098,7 +11112,7 @@
                           <a:solidFill>
                             <a:schemeClr val="tx1"/>
                           </a:solidFill>
-                          <a:latin typeface="Adobe Clean" panose="020B0503020404020204" pitchFamily="34" charset="0"/>
+                          <a:latin typeface="Adobe Clean"/>
                           <a:ea typeface="+mn-ea"/>
                           <a:cs typeface="+mn-cs"/>
                           <a:hlinkClick r:id="rId9"/>
@@ -11160,7 +11174,7 @@
                     <a:bodyPr/>
                     <a:lstStyle/>
                     <a:p>
-                      <a:pPr marL="0" marR="0" lvl="0" indent="0" defTabSz="914400" eaLnBrk="1" fontAlgn="auto" latinLnBrk="0" hangingPunct="1">
+                      <a:pPr marL="0" marR="0" lvl="0" indent="0" eaLnBrk="1" fontAlgn="auto" latinLnBrk="0" hangingPunct="1">
                         <a:lnSpc>
                           <a:spcPct val="100000"/>
                         </a:lnSpc>
@@ -11174,19 +11188,17 @@
                         <a:buSzTx/>
                         <a:buFontTx/>
                         <a:buNone/>
-                        <a:tabLst/>
-                        <a:defRPr/>
                       </a:pPr>
                       <a:r>
                         <a:rPr lang="es-ES" sz="1000">
                           <a:solidFill>
                             <a:srgbClr val="000000"/>
                           </a:solidFill>
-                          <a:latin typeface="Adobe Clean Light" panose="020B0303020404020204" pitchFamily="34" charset="0"/>
+                          <a:latin typeface="Adobe Clean Light"/>
                           <a:ea typeface="+mn-ea"/>
                           <a:cs typeface="+mn-cs"/>
                         </a:rPr>
-                        <a:t>Status.adobe.com transmite la información de estado de todos los productos y servicios de Adobe implementados en entornos de varios inquilinos. Los clientes pueden elegir sus preferencias de suscripción para recibir notificaciones por correo electrónico cada vez que Adobe cree, actualice o resuelva un evento de producto. Esto puede incluir problemas de mantenimiento o servicio programados de diversos niveles de gravedad. </a:t>
+                        <a:t>Status.adobe.com transmite la información de estado de todos los productos y servicios de Adobe implementados en entornos de varios inquilinos. Los clientes pueden elegir sus preferencias de suscripción para recibir notificaciones por correo electrónico cada vez que Adobe cree, actualice o resuelva un evento de producto. Esto puede incluir problemas de mantenimiento o servicio programados de diversos niveles de gravedad. </a:t>
                       </a:r>
                     </a:p>
                   </a:txBody>
@@ -11272,7 +11284,7 @@
                           <a:solidFill>
                             <a:schemeClr val="dk1"/>
                           </a:solidFill>
-                          <a:latin typeface="Adobe Clean" panose="020B0503020404020204" pitchFamily="34" charset="0"/>
+                          <a:latin typeface="Adobe Clean"/>
                           <a:ea typeface="+mn-ea"/>
                           <a:cs typeface="+mn-cs"/>
                           <a:hlinkClick r:id="rId10" tooltip="https://helpx.adobe.com/es/support/programs/enterprise-support-programs/premier-support-business.html"/>
@@ -11339,11 +11351,11 @@
                           <a:solidFill>
                             <a:srgbClr val="000000"/>
                           </a:solidFill>
-                          <a:latin typeface="Adobe Clean Light" panose="020B0303020404020204" pitchFamily="34" charset="0"/>
+                          <a:latin typeface="Adobe Clean Light"/>
                           <a:ea typeface="+mn-ea"/>
                           <a:cs typeface="+mn-cs"/>
                         </a:rPr>
-                        <a:t>Sitio web de soporte Business de Adobe</a:t>
+                        <a:t>Sitio web de soporte Business de Adobe.</a:t>
                       </a:r>
                     </a:p>
                   </a:txBody>
@@ -11429,7 +11441,7 @@
                           <a:solidFill>
                             <a:schemeClr val="tx1"/>
                           </a:solidFill>
-                          <a:latin typeface="Adobe Clean" panose="020B0503020404020204" pitchFamily="34" charset="0"/>
+                          <a:latin typeface="Adobe Clean"/>
                           <a:ea typeface="+mn-ea"/>
                           <a:cs typeface="+mn-cs"/>
                           <a:hlinkClick r:id="rId11"/>
@@ -11496,11 +11508,11 @@
                           <a:solidFill>
                             <a:srgbClr val="000000"/>
                           </a:solidFill>
-                          <a:latin typeface="Adobe Clean Light" panose="020B0303020404020204" pitchFamily="34" charset="0"/>
+                          <a:latin typeface="Adobe Clean Light"/>
                           <a:ea typeface="+mn-ea"/>
                           <a:cs typeface="+mn-cs"/>
                         </a:rPr>
-                        <a:t>Términos y condiciones de las ofertas de los servicios de soporte</a:t>
+                        <a:t>Términos y condiciones de las ofertas de los servicios de soporte.</a:t>
                       </a:r>
                     </a:p>
                   </a:txBody>
@@ -12271,12 +12283,21 @@
 </file>
 
 <file path=customXml/item1.xml><?xml version="1.0" encoding="utf-8"?>
+<?mso-contentType ?>
+<FormTemplates xmlns="http://schemas.microsoft.com/sharepoint/v3/contenttype/forms">
+  <Display>DocumentLibraryForm</Display>
+  <Edit>DocumentLibraryForm</Edit>
+  <New>DocumentLibraryForm</New>
+</FormTemplates>
+</file>
+
+<file path=customXml/item2.xml><?xml version="1.0" encoding="utf-8"?>
 <p:properties xmlns:p="http://schemas.microsoft.com/office/2006/metadata/properties" xmlns:xsi="http://www.w3.org/2001/XMLSchema-instance" xmlns:pc="http://schemas.microsoft.com/office/infopath/2007/PartnerControls">
   <documentManagement/>
 </p:properties>
 </file>
 
-<file path=customXml/item2.xml><?xml version="1.0" encoding="utf-8"?>
+<file path=customXml/item3.xml><?xml version="1.0" encoding="utf-8"?>
 <ct:contentTypeSchema xmlns:ct="http://schemas.microsoft.com/office/2006/metadata/contentType" xmlns:ma="http://schemas.microsoft.com/office/2006/metadata/properties/metaAttributes" ct:_="" ma:_="" ma:contentTypeName="Document" ma:contentTypeID="0x010100E783BF6876BCC646A459363AF21A7736" ma:contentTypeVersion="10" ma:contentTypeDescription="Create a new document." ma:contentTypeScope="" ma:versionID="c4ffda7f4f415767600769e454c2ea87">
   <xsd:schema xmlns:xsd="http://www.w3.org/2001/XMLSchema" xmlns:xs="http://www.w3.org/2001/XMLSchema" xmlns:p="http://schemas.microsoft.com/office/2006/metadata/properties" xmlns:ns2="8a053bff-88be-49e4-9a87-e748e18b8b62" xmlns:ns3="6c8368ec-3776-49b5-a5bb-90648cf9530f" targetNamespace="http://schemas.microsoft.com/office/2006/metadata/properties" ma:root="true" ma:fieldsID="df3ec33bccc23e23bce7bc897fad43d1" ns2:_="" ns3:_="">
     <xsd:import namespace="8a053bff-88be-49e4-9a87-e748e18b8b62"/>
@@ -12481,25 +12502,32 @@
 </ct:contentTypeSchema>
 </file>
 
-<file path=customXml/item3.xml><?xml version="1.0" encoding="utf-8"?>
-<?mso-contentType ?>
-<FormTemplates xmlns="http://schemas.microsoft.com/sharepoint/v3/contenttype/forms">
-  <Display>DocumentLibraryForm</Display>
-  <Edit>DocumentLibraryForm</Edit>
-  <New>DocumentLibraryForm</New>
-</FormTemplates>
-</file>
-
 <file path=customXml/itemProps1.xml><?xml version="1.0" encoding="utf-8"?>
-<ds:datastoreItem xmlns:ds="http://schemas.openxmlformats.org/officeDocument/2006/customXml" ds:itemID="{10FC3CAF-E6F1-40E3-87D4-6B781C97D6B4}">
+<ds:datastoreItem xmlns:ds="http://schemas.openxmlformats.org/officeDocument/2006/customXml" ds:itemID="{95AE3B0B-E909-400C-B0B3-909FB50E07DE}">
   <ds:schemaRefs>
-    <ds:schemaRef ds:uri="http://schemas.microsoft.com/office/2006/metadata/properties"/>
-    <ds:schemaRef ds:uri="http://schemas.microsoft.com/office/infopath/2007/PartnerControls"/>
+    <ds:schemaRef ds:uri="http://schemas.microsoft.com/sharepoint/v3/contenttype/forms"/>
   </ds:schemaRefs>
 </ds:datastoreItem>
 </file>
 
 <file path=customXml/itemProps2.xml><?xml version="1.0" encoding="utf-8"?>
+<ds:datastoreItem xmlns:ds="http://schemas.openxmlformats.org/officeDocument/2006/customXml" ds:itemID="{10FC3CAF-E6F1-40E3-87D4-6B781C97D6B4}">
+  <ds:schemaRefs>
+    <ds:schemaRef ds:uri="6c8368ec-3776-49b5-a5bb-90648cf9530f"/>
+    <ds:schemaRef ds:uri="8a053bff-88be-49e4-9a87-e748e18b8b62"/>
+    <ds:schemaRef ds:uri="http://purl.org/dc/dcmitype/"/>
+    <ds:schemaRef ds:uri="http://purl.org/dc/elements/1.1/"/>
+    <ds:schemaRef ds:uri="http://purl.org/dc/terms/"/>
+    <ds:schemaRef ds:uri="http://schemas.microsoft.com/office/2006/documentManagement/types"/>
+    <ds:schemaRef ds:uri="http://schemas.microsoft.com/office/2006/metadata/properties"/>
+    <ds:schemaRef ds:uri="http://schemas.microsoft.com/office/infopath/2007/PartnerControls"/>
+    <ds:schemaRef ds:uri="http://schemas.openxmlformats.org/package/2006/metadata/core-properties"/>
+    <ds:schemaRef ds:uri="http://www.w3.org/XML/1998/namespace"/>
+  </ds:schemaRefs>
+</ds:datastoreItem>
+</file>
+
+<file path=customXml/itemProps3.xml><?xml version="1.0" encoding="utf-8"?>
 <ds:datastoreItem xmlns:ds="http://schemas.openxmlformats.org/officeDocument/2006/customXml" ds:itemID="{E0DB8BDF-6DA8-4ABC-A3CA-043AFD674CFC}">
   <ds:schemaRefs>
     <ds:schemaRef ds:uri="6c8368ec-3776-49b5-a5bb-90648cf9530f"/>
@@ -12516,12 +12544,4 @@
     <ds:schemaRef ds:uri="http://www.w3.org/2001/XMLSchema"/>
   </ds:schemaRefs>
 </ds:datastoreItem>
-</file>
-
-<file path=customXml/itemProps3.xml><?xml version="1.0" encoding="utf-8"?>
-<ds:datastoreItem xmlns:ds="http://schemas.openxmlformats.org/officeDocument/2006/customXml" ds:itemID="{95AE3B0B-E909-400C-B0B3-909FB50E07DE}">
-  <ds:schemaRefs>
-    <ds:schemaRef ds:uri="http://schemas.microsoft.com/sharepoint/v3/contenttype/forms"/>
-  </ds:schemaRefs>
-</ds:datastoreItem>
 </file>
--- a/help/data-sheets/assets/BusinessSupportDatasheet.pptx
+++ b/help/data-sheets/assets/BusinessSupportDatasheet.pptx
@@ -247,6 +247,30 @@
     </pc:docChg>
   </pc:docChgLst>
   <pc:docChgLst>
+    <pc:chgData name="Akilah Johnson" userId="S::akjohnso@adobe.com::2fa3aa60-0c9c-4d06-bae2-795983241227" providerId="AD" clId="Web-{D428A0AE-54E2-30D2-C574-7A0742876CCF}"/>
+    <pc:docChg chg="modSld">
+      <pc:chgData name="Akilah Johnson" userId="S::akjohnso@adobe.com::2fa3aa60-0c9c-4d06-bae2-795983241227" providerId="AD" clId="Web-{D428A0AE-54E2-30D2-C574-7A0742876CCF}" dt="2021-10-12T19:11:25.330" v="0" actId="20577"/>
+      <pc:docMkLst>
+        <pc:docMk/>
+      </pc:docMkLst>
+      <pc:sldChg chg="modSp">
+        <pc:chgData name="Akilah Johnson" userId="S::akjohnso@adobe.com::2fa3aa60-0c9c-4d06-bae2-795983241227" providerId="AD" clId="Web-{D428A0AE-54E2-30D2-C574-7A0742876CCF}" dt="2021-10-12T19:11:25.330" v="0" actId="20577"/>
+        <pc:sldMkLst>
+          <pc:docMk/>
+          <pc:sldMk cId="0" sldId="256"/>
+        </pc:sldMkLst>
+        <pc:spChg chg="mod">
+          <ac:chgData name="Akilah Johnson" userId="S::akjohnso@adobe.com::2fa3aa60-0c9c-4d06-bae2-795983241227" providerId="AD" clId="Web-{D428A0AE-54E2-30D2-C574-7A0742876CCF}" dt="2021-10-12T19:11:25.330" v="0" actId="20577"/>
+          <ac:spMkLst>
+            <pc:docMk/>
+            <pc:sldMk cId="0" sldId="256"/>
+            <ac:spMk id="4" creationId="{00000000-0000-0000-0000-000000000000}"/>
+          </ac:spMkLst>
+        </pc:spChg>
+      </pc:sldChg>
+    </pc:docChg>
+  </pc:docChgLst>
+  <pc:docChgLst>
     <pc:chgData name="Akilah Johnson" userId="S::akjohnso@adobe.com::2fa3aa60-0c9c-4d06-bae2-795983241227" providerId="AD" clId="Web-{71D6CFBF-0EA2-99B0-93F4-22F19EF0AE4E}"/>
     <pc:docChg chg="modSld">
       <pc:chgData name="Akilah Johnson" userId="S::akjohnso@adobe.com::2fa3aa60-0c9c-4d06-bae2-795983241227" providerId="AD" clId="Web-{71D6CFBF-0EA2-99B0-93F4-22F19EF0AE4E}" dt="2021-09-22T19:06:58.732" v="1" actId="1076"/>
@@ -265,30 +289,6 @@
             <pc:docMk/>
             <pc:sldMk cId="1050037809" sldId="261"/>
             <ac:spMk id="64" creationId="{41467BDC-3D83-D844-B922-CD07E94E5AAB}"/>
-          </ac:spMkLst>
-        </pc:spChg>
-      </pc:sldChg>
-    </pc:docChg>
-  </pc:docChgLst>
-  <pc:docChgLst>
-    <pc:chgData name="Akilah Johnson" userId="S::akjohnso@adobe.com::2fa3aa60-0c9c-4d06-bae2-795983241227" providerId="AD" clId="Web-{D428A0AE-54E2-30D2-C574-7A0742876CCF}"/>
-    <pc:docChg chg="modSld">
-      <pc:chgData name="Akilah Johnson" userId="S::akjohnso@adobe.com::2fa3aa60-0c9c-4d06-bae2-795983241227" providerId="AD" clId="Web-{D428A0AE-54E2-30D2-C574-7A0742876CCF}" dt="2021-10-12T19:11:25.330" v="0" actId="20577"/>
-      <pc:docMkLst>
-        <pc:docMk/>
-      </pc:docMkLst>
-      <pc:sldChg chg="modSp">
-        <pc:chgData name="Akilah Johnson" userId="S::akjohnso@adobe.com::2fa3aa60-0c9c-4d06-bae2-795983241227" providerId="AD" clId="Web-{D428A0AE-54E2-30D2-C574-7A0742876CCF}" dt="2021-10-12T19:11:25.330" v="0" actId="20577"/>
-        <pc:sldMkLst>
-          <pc:docMk/>
-          <pc:sldMk cId="0" sldId="256"/>
-        </pc:sldMkLst>
-        <pc:spChg chg="mod">
-          <ac:chgData name="Akilah Johnson" userId="S::akjohnso@adobe.com::2fa3aa60-0c9c-4d06-bae2-795983241227" providerId="AD" clId="Web-{D428A0AE-54E2-30D2-C574-7A0742876CCF}" dt="2021-10-12T19:11:25.330" v="0" actId="20577"/>
-          <ac:spMkLst>
-            <pc:docMk/>
-            <pc:sldMk cId="0" sldId="256"/>
-            <ac:spMk id="4" creationId="{00000000-0000-0000-0000-000000000000}"/>
           </ac:spMkLst>
         </pc:spChg>
       </pc:sldChg>
@@ -499,7 +499,7 @@
           <a:p>
             <a:fld id="{FB81873C-0B24-F04A-98A1-90E0A78F7E8A}" type="datetimeFigureOut">
               <a:rPr lang="en-US" smtClean="0"/>
-              <a:t>11/11/2021</a:t>
+              <a:t>12/7/21</a:t>
             </a:fld>
             <a:endParaRPr lang="en-US"/>
           </a:p>
@@ -1122,7 +1122,7 @@
           <a:p>
             <a:fld id="{1D8BD707-D9CF-40AE-B4C6-C98DA3205C09}" type="datetimeFigureOut">
               <a:rPr lang="en-US"/>
-              <a:t>11/11/2021</a:t>
+              <a:t>12/7/21</a:t>
             </a:fld>
             <a:endParaRPr lang="en-US"/>
           </a:p>
@@ -1314,7 +1314,7 @@
           <a:p>
             <a:fld id="{1D8BD707-D9CF-40AE-B4C6-C98DA3205C09}" type="datetimeFigureOut">
               <a:rPr lang="en-US"/>
-              <a:t>11/11/2021</a:t>
+              <a:t>12/7/21</a:t>
             </a:fld>
             <a:endParaRPr lang="en-US"/>
           </a:p>
@@ -1632,7 +1632,7 @@
           <a:p>
             <a:fld id="{1D8BD707-D9CF-40AE-B4C6-C98DA3205C09}" type="datetimeFigureOut">
               <a:rPr lang="en-US"/>
-              <a:t>11/11/2021</a:t>
+              <a:t>12/7/21</a:t>
             </a:fld>
             <a:endParaRPr lang="en-US"/>
           </a:p>
@@ -1886,8 +1886,8 @@
         </p:nvSpPr>
         <p:spPr>
           <a:xfrm>
-            <a:off x="168564" y="7059493"/>
-            <a:ext cx="5660735" cy="227626"/>
+            <a:off x="168565" y="7162363"/>
+            <a:ext cx="2800350" cy="238760"/>
           </a:xfrm>
           <a:prstGeom prst="rect">
             <a:avLst/>
@@ -1908,7 +1908,7 @@
               </a:spcBef>
             </a:pPr>
             <a:r>
-              <a:rPr lang="es-ES" sz="1400" b="1" u="heavy" dirty="0">
+              <a:rPr sz="1400" b="1" u="heavy" spc="10">
                 <a:solidFill>
                   <a:srgbClr val="020302"/>
                 </a:solidFill>
@@ -1920,8 +1920,87 @@
                 <a:latin typeface="Adobe Clean"/>
                 <a:cs typeface="Adobe Clean"/>
               </a:rPr>
-              <a:t>Destinatarios de nivel de servicio: Respuesta inicial</a:t>
-            </a:r>
+              <a:t>Service </a:t>
+            </a:r>
+            <a:r>
+              <a:rPr sz="1400" b="1" u="heavy" spc="-10">
+                <a:solidFill>
+                  <a:srgbClr val="020302"/>
+                </a:solidFill>
+                <a:uFill>
+                  <a:solidFill>
+                    <a:srgbClr val="020302"/>
+                  </a:solidFill>
+                </a:uFill>
+                <a:latin typeface="Adobe Clean"/>
+                <a:cs typeface="Adobe Clean"/>
+              </a:rPr>
+              <a:t>Level </a:t>
+            </a:r>
+            <a:r>
+              <a:rPr sz="1400" b="1" u="heavy" spc="-45">
+                <a:solidFill>
+                  <a:srgbClr val="020302"/>
+                </a:solidFill>
+                <a:uFill>
+                  <a:solidFill>
+                    <a:srgbClr val="020302"/>
+                  </a:solidFill>
+                </a:uFill>
+                <a:latin typeface="Adobe Clean"/>
+                <a:cs typeface="Adobe Clean"/>
+              </a:rPr>
+              <a:t>Targets: </a:t>
+            </a:r>
+            <a:r>
+              <a:rPr sz="1400" b="1" u="heavy" spc="-10">
+                <a:solidFill>
+                  <a:srgbClr val="020302"/>
+                </a:solidFill>
+                <a:uFill>
+                  <a:solidFill>
+                    <a:srgbClr val="020302"/>
+                  </a:solidFill>
+                </a:uFill>
+                <a:latin typeface="Adobe Clean"/>
+                <a:cs typeface="Adobe Clean"/>
+              </a:rPr>
+              <a:t>Initial</a:t>
+            </a:r>
+            <a:r>
+              <a:rPr sz="1400" b="1" u="heavy" spc="-140">
+                <a:solidFill>
+                  <a:srgbClr val="020302"/>
+                </a:solidFill>
+                <a:uFill>
+                  <a:solidFill>
+                    <a:srgbClr val="020302"/>
+                  </a:solidFill>
+                </a:uFill>
+                <a:latin typeface="Adobe Clean"/>
+                <a:cs typeface="Adobe Clean"/>
+              </a:rPr>
+              <a:t> </a:t>
+            </a:r>
+            <a:r>
+              <a:rPr sz="1400" b="1" u="heavy" spc="-15">
+                <a:solidFill>
+                  <a:srgbClr val="020302"/>
+                </a:solidFill>
+                <a:uFill>
+                  <a:solidFill>
+                    <a:srgbClr val="020302"/>
+                  </a:solidFill>
+                </a:uFill>
+                <a:latin typeface="Adobe Clean"/>
+                <a:cs typeface="Adobe Clean"/>
+              </a:rPr>
+              <a:t>Response</a:t>
+            </a:r>
+            <a:endParaRPr sz="1400">
+              <a:latin typeface="Adobe Clean"/>
+              <a:cs typeface="Adobe Clean"/>
+            </a:endParaRPr>
           </a:p>
         </p:txBody>
       </p:sp>
@@ -1988,11 +2067,20 @@
               </a:spcBef>
             </a:pPr>
             <a:r>
-              <a:rPr lang="es-ES" sz="2300" dirty="0">
+              <a:rPr sz="2300">
                 <a:latin typeface="Adobe Clean"/>
               </a:rPr>
-              <a:t>PLANES DE SOPORTE DE ADOBE</a:t>
-            </a:r>
+              <a:t>ADOBE </a:t>
+            </a:r>
+            <a:r>
+              <a:rPr lang="en-US" sz="2300">
+                <a:latin typeface="Adobe Clean"/>
+              </a:rPr>
+              <a:t>SUPPORT PLANS</a:t>
+            </a:r>
+            <a:endParaRPr sz="2300">
+              <a:latin typeface="Adobe Clean" panose="020B0503020404020204" pitchFamily="34" charset="0"/>
+            </a:endParaRPr>
           </a:p>
         </p:txBody>
       </p:sp>
@@ -2005,7 +2093,7 @@
         <p:spPr>
           <a:xfrm>
             <a:off x="121147" y="531160"/>
-            <a:ext cx="5865216" cy="1424364"/>
+            <a:ext cx="5865216" cy="1269065"/>
           </a:xfrm>
           <a:prstGeom prst="rect">
             <a:avLst/>
@@ -2026,7 +2114,7 @@
               </a:spcBef>
             </a:pPr>
             <a:r>
-              <a:rPr lang="es-ES" sz="900" dirty="0">
+              <a:rPr lang="en-US" sz="900">
                 <a:solidFill>
                   <a:schemeClr val="bg1"/>
                 </a:solidFill>
@@ -2035,7 +2123,7 @@
               <a:t>Online | </a:t>
             </a:r>
             <a:r>
-              <a:rPr lang="es-ES" sz="900" b="1" dirty="0">
+              <a:rPr lang="en-US" sz="900" b="1">
                 <a:solidFill>
                   <a:schemeClr val="bg1"/>
                 </a:solidFill>
@@ -2044,7 +2132,7 @@
               <a:t>Business</a:t>
             </a:r>
             <a:r>
-              <a:rPr lang="es-ES" sz="900" dirty="0">
+              <a:rPr lang="en-US" sz="900">
                 <a:solidFill>
                   <a:schemeClr val="bg1"/>
                 </a:solidFill>
@@ -2063,84 +2151,21 @@
               </a:spcBef>
             </a:pPr>
             <a:r>
-              <a:rPr lang="es-ES" sz="900" dirty="0">
+              <a:rPr lang="en-US" sz="900">
                 <a:solidFill>
                   <a:schemeClr val="bg1"/>
                 </a:solidFill>
                 <a:latin typeface="Adobe Clean SemiLight" panose="020B0403020404020204" pitchFamily="34" charset="0"/>
               </a:rPr>
-              <a:t>Adobe ofrece una amplia variedad de recursos técnicos para ayudar a su negocio, incluidos como parte de su suscripción </a:t>
-            </a:r>
-            <a:br>
-              <a:rPr lang="es-ES" sz="900" dirty="0">
-                <a:solidFill>
-                  <a:schemeClr val="bg1"/>
-                </a:solidFill>
-                <a:latin typeface="Adobe Clean SemiLight" panose="020B0403020404020204" pitchFamily="34" charset="0"/>
-              </a:rPr>
-            </a:br>
-            <a:r>
-              <a:rPr lang="es-ES" sz="900" dirty="0">
-                <a:solidFill>
-                  <a:schemeClr val="bg1"/>
-                </a:solidFill>
-                <a:latin typeface="Adobe Clean SemiLight" panose="020B0403020404020204" pitchFamily="34" charset="0"/>
-              </a:rPr>
-              <a:t>de licencia de </a:t>
-            </a:r>
-            <a:r>
-              <a:rPr lang="es-ES" sz="900" dirty="0" err="1">
-                <a:solidFill>
-                  <a:schemeClr val="bg1"/>
-                </a:solidFill>
-                <a:latin typeface="Adobe Clean SemiLight" panose="020B0403020404020204" pitchFamily="34" charset="0"/>
-              </a:rPr>
-              <a:t>Experience</a:t>
-            </a:r>
-            <a:r>
-              <a:rPr lang="es-ES" sz="900" dirty="0">
-                <a:solidFill>
-                  <a:schemeClr val="bg1"/>
-                </a:solidFill>
-                <a:latin typeface="Adobe Clean SemiLight" panose="020B0403020404020204" pitchFamily="34" charset="0"/>
-              </a:rPr>
-              <a:t> Cloud y mejorados en el paquete de soporte BUSINESS. El paquete BUSINESS incluye acceso a rutas </a:t>
-            </a:r>
-            <a:br>
-              <a:rPr lang="es-ES" sz="900" dirty="0">
-                <a:solidFill>
-                  <a:schemeClr val="bg1"/>
-                </a:solidFill>
-                <a:latin typeface="Adobe Clean SemiLight" panose="020B0403020404020204" pitchFamily="34" charset="0"/>
-              </a:rPr>
-            </a:br>
-            <a:r>
-              <a:rPr lang="es-ES" sz="900" dirty="0">
-                <a:solidFill>
-                  <a:schemeClr val="bg1"/>
-                </a:solidFill>
-                <a:latin typeface="Adobe Clean SemiLight" panose="020B0403020404020204" pitchFamily="34" charset="0"/>
-              </a:rPr>
-              <a:t>de aprendizaje personalizadas y foros de la comunidad monitorizados a través de Adobe </a:t>
-            </a:r>
-            <a:r>
-              <a:rPr lang="es-ES" sz="900" dirty="0" err="1">
-                <a:solidFill>
-                  <a:schemeClr val="bg1"/>
-                </a:solidFill>
-                <a:latin typeface="Adobe Clean SemiLight" panose="020B0403020404020204" pitchFamily="34" charset="0"/>
-              </a:rPr>
-              <a:t>Experience</a:t>
-            </a:r>
-            <a:r>
-              <a:rPr lang="es-ES" sz="900" dirty="0">
-                <a:solidFill>
-                  <a:schemeClr val="bg1"/>
-                </a:solidFill>
-                <a:latin typeface="Adobe Clean SemiLight" panose="020B0403020404020204" pitchFamily="34" charset="0"/>
-              </a:rPr>
-              <a:t> League. También puede disfrutar de documentación técnica completa y detallada sobre productos y notas de la versión actual. Los clientes del paquete BUSINESS también pueden acceder a nuestros equipos de soporte técnico si tienen alguna duda con su producto, ya sea a través del teléfono o mediante el portal de asistencia en línea, para proteger su negocio en los momentos más importantes. Los clientes del paquete BUSINESS recibirán notificaciones periódicas y actualizaciones del responsable de asistencia técnica de la cuenta para ayudar en la administración de casos de soporte de las solicitudes más esenciales. </a:t>
-            </a:r>
+              <a:t>Adobe provides a comprehensive range of technical resources to help support your business, included as part of your Experience Cloud license subscription and enhanced in the BUSINESS support package. BUSINESS support includes access to personalized learning paths and monitored community forums via the Adobe Experience League. You can also take advantage of our detailed and in-depth technical product documentation and current release notes. BUSINESS customers also benefit from access to our technical support teams for any product query via either the telephone or the support web portal, to help protect your business at the most critical times. BUSINESS customers will receive regular communications and updates from their Account Support Lead in addition to support case escalation management for your most critical of support requests. </a:t>
+            </a:r>
+            <a:endParaRPr lang="en-US" sz="900">
+              <a:solidFill>
+                <a:schemeClr val="bg1"/>
+              </a:solidFill>
+              <a:latin typeface="Adobe Clean Light" panose="020B0303020404020204" pitchFamily="34" charset="0"/>
+              <a:cs typeface="AdobeClean-Light"/>
+            </a:endParaRPr>
           </a:p>
         </p:txBody>
       </p:sp>
@@ -2207,8 +2232,24 @@
               </a:spcBef>
             </a:pPr>
             <a:r>
-              <a:rPr lang="es-ES"/>
-              <a:t>©2021 Adobe. All Rights Reserved. Adobe Confidential.</a:t>
+              <a:rPr spc="-5"/>
+              <a:t>©202</a:t>
+            </a:r>
+            <a:r>
+              <a:rPr lang="en-US" spc="-5"/>
+              <a:t>1</a:t>
+            </a:r>
+            <a:r>
+              <a:rPr spc="-5"/>
+              <a:t> Adobe. All Rights Reserved. Adobe</a:t>
+            </a:r>
+            <a:r>
+              <a:rPr spc="60"/>
+              <a:t> </a:t>
+            </a:r>
+            <a:r>
+              <a:rPr spc="-5"/>
+              <a:t>Confidential.</a:t>
             </a:r>
           </a:p>
         </p:txBody>
@@ -2222,14 +2263,14 @@
           <p:nvPr>
             <p:extLst>
               <p:ext uri="{D42A27DB-BD31-4B8C-83A1-F6EECF244321}">
-                <p14:modId xmlns:p14="http://schemas.microsoft.com/office/powerpoint/2010/main" val="2269390037"/>
+                <p14:modId xmlns:p14="http://schemas.microsoft.com/office/powerpoint/2010/main" val="852543156"/>
               </p:ext>
             </p:extLst>
           </p:nvPr>
         </p:nvGraphicFramePr>
         <p:xfrm>
-          <a:off x="118872" y="7357111"/>
-          <a:ext cx="7498851" cy="2436601"/>
+          <a:off x="118872" y="7475985"/>
+          <a:ext cx="7498851" cy="2223598"/>
         </p:xfrm>
         <a:graphic>
           <a:graphicData uri="http://schemas.openxmlformats.org/drawingml/2006/table">
@@ -2238,21 +2279,21 @@
                 <a:tableStyleId>{2D5ABB26-0587-4C30-8999-92F81FD0307C}</a:tableStyleId>
               </a:tblPr>
               <a:tblGrid>
-                <a:gridCol w="4235958">
+                <a:gridCol w="4698744">
                   <a:extLst>
                     <a:ext uri="{9D8B030D-6E8A-4147-A177-3AD203B41FA5}">
                       <a16:colId xmlns:a16="http://schemas.microsoft.com/office/drawing/2014/main" val="20000"/>
                     </a:ext>
                   </a:extLst>
                 </a:gridCol>
-                <a:gridCol w="1611630">
+                <a:gridCol w="1400053">
                   <a:extLst>
                     <a:ext uri="{9D8B030D-6E8A-4147-A177-3AD203B41FA5}">
                       <a16:colId xmlns:a16="http://schemas.microsoft.com/office/drawing/2014/main" val="20001"/>
                     </a:ext>
                   </a:extLst>
                 </a:gridCol>
-                <a:gridCol w="1651263">
+                <a:gridCol w="1400054">
                   <a:extLst>
                     <a:ext uri="{9D8B030D-6E8A-4147-A177-3AD203B41FA5}">
                       <a16:colId xmlns:a16="http://schemas.microsoft.com/office/drawing/2014/main" val="20002"/>
@@ -2260,7 +2301,7 @@
                   </a:extLst>
                 </a:gridCol>
               </a:tblGrid>
-              <a:tr h="295994">
+              <a:tr h="291248">
                 <a:tc>
                   <a:txBody>
                     <a:bodyPr/>
@@ -2275,15 +2316,19 @@
                         </a:spcBef>
                       </a:pPr>
                       <a:r>
-                        <a:rPr lang="es-ES" sz="900" dirty="0">
+                        <a:rPr sz="900" spc="0">
                           <a:solidFill>
                             <a:srgbClr val="020302"/>
                           </a:solidFill>
                           <a:latin typeface="Adobe Clean"/>
                           <a:cs typeface="Adobe Clean"/>
                         </a:rPr>
-                        <a:t>Prioridad</a:t>
+                        <a:t>Priority</a:t>
                       </a:r>
+                      <a:endParaRPr sz="900" spc="0">
+                        <a:latin typeface="Adobe Clean"/>
+                        <a:cs typeface="Adobe Clean"/>
+                      </a:endParaRPr>
                     </a:p>
                   </a:txBody>
                   <a:tcPr marL="0" marR="0" marT="7620" marB="0">
@@ -2330,15 +2375,19 @@
                         </a:spcBef>
                       </a:pPr>
                       <a:r>
-                        <a:rPr lang="es-ES" sz="900">
+                        <a:rPr sz="900" spc="0">
                           <a:solidFill>
                             <a:srgbClr val="020302"/>
                           </a:solidFill>
                           <a:latin typeface="Adobe Clean"/>
                           <a:cs typeface="Adobe Clean"/>
                         </a:rPr>
-                        <a:t>Soporte Online</a:t>
+                        <a:t>Online Support</a:t>
                       </a:r>
+                      <a:endParaRPr sz="900" spc="0">
+                        <a:latin typeface="Adobe Clean"/>
+                        <a:cs typeface="Adobe Clean"/>
+                      </a:endParaRPr>
                     </a:p>
                   </a:txBody>
                   <a:tcPr marL="182880" marT="91440" anchor="ctr">
@@ -2385,15 +2434,39 @@
                         </a:spcBef>
                       </a:pPr>
                       <a:r>
-                        <a:rPr lang="es-ES" sz="900">
+                        <a:rPr sz="900" spc="0">
                           <a:solidFill>
                             <a:srgbClr val="FFFFFF"/>
                           </a:solidFill>
                           <a:latin typeface="Adobe Clean"/>
                           <a:cs typeface="Adobe Clean"/>
                         </a:rPr>
-                        <a:t>Soporte Business</a:t>
+                        <a:t>Business</a:t>
                       </a:r>
+                      <a:r>
+                        <a:rPr lang="en-US" sz="900" spc="0">
+                          <a:solidFill>
+                            <a:srgbClr val="FFFFFF"/>
+                          </a:solidFill>
+                          <a:latin typeface="Adobe Clean"/>
+                          <a:cs typeface="Adobe Clean"/>
+                        </a:rPr>
+                        <a:t> </a:t>
+                      </a:r>
+                      <a:r>
+                        <a:rPr sz="900" spc="0">
+                          <a:solidFill>
+                            <a:srgbClr val="FFFFFF"/>
+                          </a:solidFill>
+                          <a:latin typeface="Adobe Clean"/>
+                          <a:cs typeface="Adobe Clean"/>
+                        </a:rPr>
+                        <a:t>Support</a:t>
+                      </a:r>
+                      <a:endParaRPr sz="900" spc="0">
+                        <a:latin typeface="Adobe Clean"/>
+                        <a:cs typeface="Adobe Clean"/>
+                      </a:endParaRPr>
                     </a:p>
                   </a:txBody>
                   <a:tcPr marL="182880" marT="91440" anchor="ctr">
@@ -2432,7 +2505,7 @@
                   </a:ext>
                 </a:extLst>
               </a:tr>
-              <a:tr h="629835">
+              <a:tr h="514672">
                 <a:tc>
                   <a:txBody>
                     <a:bodyPr/>
@@ -2447,15 +2520,19 @@
                         </a:spcBef>
                       </a:pPr>
                       <a:r>
-                        <a:rPr lang="es-ES" sz="900" b="1" dirty="0">
+                        <a:rPr sz="900" b="1" spc="0">
                           <a:solidFill>
                             <a:srgbClr val="020302"/>
                           </a:solidFill>
                           <a:latin typeface="Adobe Clean"/>
                           <a:cs typeface="Adobe Clean"/>
                         </a:rPr>
-                        <a:t>PRIORIDAD 1</a:t>
+                        <a:t>PRIORITY 1</a:t>
                       </a:r>
+                      <a:endParaRPr sz="900" spc="0">
+                        <a:latin typeface="Adobe Clean"/>
+                        <a:cs typeface="Adobe Clean"/>
+                      </a:endParaRPr>
                     </a:p>
                     <a:p>
                       <a:pPr marL="50800" marR="387985" lvl="0" indent="0" algn="l" defTabSz="914400" rtl="0" eaLnBrk="1" fontAlgn="auto" latinLnBrk="0" hangingPunct="1">
@@ -2476,14 +2553,19 @@
                         <a:defRPr/>
                       </a:pPr>
                       <a:r>
-                        <a:rPr lang="es-ES" sz="900" b="0" i="0" dirty="0">
+                        <a:rPr lang="en-US" sz="900" b="0" i="0" spc="0">
                           <a:solidFill>
                             <a:srgbClr val="000000"/>
                           </a:solidFill>
+                          <a:effectLst/>
                           <a:latin typeface="Adobe Clean Light" panose="020B0303020404020204" pitchFamily="34" charset="0"/>
                         </a:rPr>
-                        <a:t>Las funciones empresariales de producción del cliente no están activadas o pierden datos o presentan una degradación del servicio significativa, por lo que se requiere atención inmediata para restaurar la funcionalidad y facilidad de uso.</a:t>
+                        <a:t>Customer's production business functions are down or have significant data loss or service degradation and immediate attention is required to restore functionality and usability</a:t>
                       </a:r>
+                      <a:endParaRPr lang="en-US" sz="900" b="0" i="0" spc="0">
+                        <a:latin typeface="Adobe Clean Light" panose="020B0303020404020204" pitchFamily="34" charset="0"/>
+                        <a:cs typeface="AdobeClean-Light"/>
+                      </a:endParaRPr>
                     </a:p>
                   </a:txBody>
                   <a:tcPr marL="0" marR="0" marT="3810" marB="0">
@@ -2527,18 +2609,62 @@
                         </a:spcBef>
                       </a:pPr>
                       <a:r>
-                        <a:rPr lang="es-ES" sz="900" spc="-20" baseline="0" dirty="0">
+                        <a:rPr sz="900" spc="0">
                           <a:solidFill>
                             <a:srgbClr val="020302"/>
                           </a:solidFill>
                           <a:latin typeface="AdobeClean-Light"/>
                           <a:cs typeface="AdobeClean-Light"/>
                         </a:rPr>
-                        <a:t>24x7 / 1 hora</a:t>
+                        <a:t>24x7</a:t>
                       </a:r>
+                      <a:r>
+                        <a:rPr lang="en-US" sz="900" spc="0">
+                          <a:solidFill>
+                            <a:srgbClr val="020302"/>
+                          </a:solidFill>
+                          <a:latin typeface="AdobeClean-Light"/>
+                          <a:cs typeface="AdobeClean-Light"/>
+                        </a:rPr>
+                        <a:t> </a:t>
+                      </a:r>
+                      <a:r>
+                        <a:rPr sz="900" spc="0">
+                          <a:solidFill>
+                            <a:srgbClr val="020302"/>
+                          </a:solidFill>
+                          <a:latin typeface="AdobeClean-Light"/>
+                          <a:cs typeface="AdobeClean-Light"/>
+                        </a:rPr>
+                        <a:t>/</a:t>
+                      </a:r>
+                      <a:r>
+                        <a:rPr lang="en-US" sz="900" spc="0">
+                          <a:solidFill>
+                            <a:srgbClr val="020302"/>
+                          </a:solidFill>
+                          <a:latin typeface="AdobeClean-Light"/>
+                          <a:cs typeface="AdobeClean-Light"/>
+                        </a:rPr>
+                        <a:t> </a:t>
+                      </a:r>
+                      <a:r>
+                        <a:rPr sz="900" spc="0">
+                          <a:solidFill>
+                            <a:srgbClr val="020302"/>
+                          </a:solidFill>
+                          <a:latin typeface="AdobeClean-Light"/>
+                          <a:cs typeface="AdobeClean-Light"/>
+                        </a:rPr>
+                        <a:t>1 hour</a:t>
+                      </a:r>
+                      <a:endParaRPr sz="900" spc="0">
+                        <a:latin typeface="AdobeClean-Light"/>
+                        <a:cs typeface="AdobeClean-Light"/>
+                      </a:endParaRPr>
                     </a:p>
                   </a:txBody>
-                  <a:tcPr marL="0" marR="0" marT="0" marB="0" anchor="ctr" anchorCtr="1">
+                  <a:tcPr marL="0" marR="0" marT="91440" marB="91440" anchor="ctr" anchorCtr="1">
                     <a:lnL w="3175">
                       <a:solidFill>
                         <a:srgbClr val="B7B8B8"/>
@@ -2579,18 +2705,62 @@
                         </a:spcBef>
                       </a:pPr>
                       <a:r>
-                        <a:rPr lang="es-ES" sz="900" spc="-20" baseline="0">
+                        <a:rPr sz="900" spc="0">
                           <a:solidFill>
                             <a:srgbClr val="020302"/>
                           </a:solidFill>
                           <a:latin typeface="AdobeClean-Light"/>
                           <a:cs typeface="AdobeClean-Light"/>
                         </a:rPr>
-                        <a:t>24x7 / 1 hora</a:t>
+                        <a:t>24x7</a:t>
                       </a:r>
+                      <a:r>
+                        <a:rPr lang="en-US" sz="900" spc="0">
+                          <a:solidFill>
+                            <a:srgbClr val="020302"/>
+                          </a:solidFill>
+                          <a:latin typeface="AdobeClean-Light"/>
+                          <a:cs typeface="AdobeClean-Light"/>
+                        </a:rPr>
+                        <a:t> </a:t>
+                      </a:r>
+                      <a:r>
+                        <a:rPr sz="900" spc="0">
+                          <a:solidFill>
+                            <a:srgbClr val="020302"/>
+                          </a:solidFill>
+                          <a:latin typeface="AdobeClean-Light"/>
+                          <a:cs typeface="AdobeClean-Light"/>
+                        </a:rPr>
+                        <a:t>/</a:t>
+                      </a:r>
+                      <a:r>
+                        <a:rPr lang="en-US" sz="900" spc="0">
+                          <a:solidFill>
+                            <a:srgbClr val="020302"/>
+                          </a:solidFill>
+                          <a:latin typeface="AdobeClean-Light"/>
+                          <a:cs typeface="AdobeClean-Light"/>
+                        </a:rPr>
+                        <a:t> </a:t>
+                      </a:r>
+                      <a:r>
+                        <a:rPr sz="900" spc="0">
+                          <a:solidFill>
+                            <a:srgbClr val="020302"/>
+                          </a:solidFill>
+                          <a:latin typeface="AdobeClean-Light"/>
+                          <a:cs typeface="AdobeClean-Light"/>
+                        </a:rPr>
+                        <a:t>1 hour</a:t>
+                      </a:r>
+                      <a:endParaRPr sz="900" spc="0">
+                        <a:latin typeface="AdobeClean-Light"/>
+                        <a:cs typeface="AdobeClean-Light"/>
+                      </a:endParaRPr>
                     </a:p>
                   </a:txBody>
-                  <a:tcPr marL="0" marR="0" marT="0" marB="0" anchor="ctr" anchorCtr="1">
+                  <a:tcPr marL="0" marR="0" marT="91440" marB="91440" anchor="ctr" anchorCtr="1">
                     <a:lnL w="3175">
                       <a:solidFill>
                         <a:srgbClr val="B7B8B8"/>
@@ -2628,7 +2798,7 @@
                   </a:ext>
                 </a:extLst>
               </a:tr>
-              <a:tr h="523060">
+              <a:tr h="514672">
                 <a:tc>
                   <a:txBody>
                     <a:bodyPr/>
@@ -2643,15 +2813,19 @@
                         </a:spcBef>
                       </a:pPr>
                       <a:r>
-                        <a:rPr lang="es-ES" sz="900" b="1">
+                        <a:rPr sz="900" b="1" spc="0">
                           <a:solidFill>
                             <a:srgbClr val="020302"/>
                           </a:solidFill>
                           <a:latin typeface="Adobe Clean"/>
                           <a:cs typeface="Adobe Clean"/>
                         </a:rPr>
-                        <a:t>PRIORIDAD 2</a:t>
+                        <a:t>PRIORITY 2</a:t>
                       </a:r>
+                      <a:endParaRPr sz="900" spc="0">
+                        <a:latin typeface="Adobe Clean"/>
+                        <a:cs typeface="Adobe Clean"/>
+                      </a:endParaRPr>
                     </a:p>
                     <a:p>
                       <a:pPr marL="50165" marR="203200">
@@ -2663,14 +2837,19 @@
                         </a:spcBef>
                       </a:pPr>
                       <a:r>
-                        <a:rPr lang="es-ES" sz="900" b="0" i="0">
+                        <a:rPr lang="en-US" sz="900" b="0" i="0" spc="0">
                           <a:solidFill>
                             <a:srgbClr val="000000"/>
                           </a:solidFill>
+                          <a:effectLst/>
                           <a:latin typeface="Adobe Clean Light" panose="020B0303020404020204" pitchFamily="34" charset="0"/>
                         </a:rPr>
-                        <a:t>Las funciones empresariales del cliente presentan una importante degradación del servicio o hay una posible pérdida de datos, o una función clave se está viendo afectada. </a:t>
+                        <a:t>Customer's business functions have major service degradation or potential data loss, or a major feature is impacted </a:t>
                       </a:r>
+                      <a:endParaRPr lang="en-US" sz="900" b="0" i="0" spc="0">
+                        <a:latin typeface="Adobe Clean Light" panose="020B0303020404020204" pitchFamily="34" charset="0"/>
+                        <a:cs typeface="AdobeClean-Light"/>
+                      </a:endParaRPr>
                     </a:p>
                   </a:txBody>
                   <a:tcPr marL="0" marR="0" marT="3810" marB="0">
@@ -2714,18 +2893,82 @@
                         </a:spcBef>
                       </a:pPr>
                       <a:r>
-                        <a:rPr lang="es-ES" sz="900" spc="-20" baseline="0" dirty="0">
+                        <a:rPr sz="900" spc="0">
                           <a:solidFill>
                             <a:srgbClr val="020302"/>
                           </a:solidFill>
                           <a:latin typeface="AdobeClean-Light"/>
                           <a:cs typeface="AdobeClean-Light"/>
                         </a:rPr>
-                        <a:t>Horario de trabajo / 4 horas</a:t>
+                        <a:t>Business</a:t>
                       </a:r>
+                      <a:r>
+                        <a:rPr lang="en-US" sz="900" spc="0">
+                          <a:solidFill>
+                            <a:srgbClr val="020302"/>
+                          </a:solidFill>
+                          <a:latin typeface="AdobeClean-Light"/>
+                          <a:cs typeface="AdobeClean-Light"/>
+                        </a:rPr>
+                        <a:t> </a:t>
+                      </a:r>
+                      <a:r>
+                        <a:rPr sz="900" spc="0">
+                          <a:solidFill>
+                            <a:srgbClr val="020302"/>
+                          </a:solidFill>
+                          <a:latin typeface="AdobeClean-Light"/>
+                          <a:cs typeface="AdobeClean-Light"/>
+                        </a:rPr>
+                        <a:t>hours</a:t>
+                      </a:r>
+                      <a:r>
+                        <a:rPr lang="en-US" sz="900" spc="0">
+                          <a:solidFill>
+                            <a:srgbClr val="020302"/>
+                          </a:solidFill>
+                          <a:latin typeface="AdobeClean-Light"/>
+                          <a:cs typeface="AdobeClean-Light"/>
+                        </a:rPr>
+                        <a:t> </a:t>
+                      </a:r>
+                      <a:r>
+                        <a:rPr sz="900" spc="0">
+                          <a:solidFill>
+                            <a:srgbClr val="020302"/>
+                          </a:solidFill>
+                          <a:latin typeface="AdobeClean-Light"/>
+                          <a:cs typeface="AdobeClean-Light"/>
+                        </a:rPr>
+                        <a:t>/</a:t>
+                      </a:r>
+                      <a:r>
+                        <a:rPr lang="en-US" sz="900" spc="0">
+                          <a:solidFill>
+                            <a:srgbClr val="020302"/>
+                          </a:solidFill>
+                          <a:latin typeface="AdobeClean-Light"/>
+                          <a:cs typeface="AdobeClean-Light"/>
+                        </a:rPr>
+                        <a:t> </a:t>
+                      </a:r>
+                      <a:r>
+                        <a:rPr sz="900" spc="0">
+                          <a:solidFill>
+                            <a:srgbClr val="020302"/>
+                          </a:solidFill>
+                          <a:latin typeface="AdobeClean-Light"/>
+                          <a:cs typeface="AdobeClean-Light"/>
+                        </a:rPr>
+                        <a:t>4 hours</a:t>
+                      </a:r>
+                      <a:endParaRPr sz="900" spc="0">
+                        <a:latin typeface="AdobeClean-Light"/>
+                        <a:cs typeface="AdobeClean-Light"/>
+                      </a:endParaRPr>
                     </a:p>
                   </a:txBody>
-                  <a:tcPr marL="0" marR="0" marT="0" marB="0" anchor="ctr" anchorCtr="1">
+                  <a:tcPr marL="0" marR="0" marT="91440" marB="91440" anchor="ctr" anchorCtr="1">
                     <a:lnL w="3175">
                       <a:solidFill>
                         <a:srgbClr val="B7B8B8"/>
@@ -2766,18 +3009,92 @@
                         </a:spcBef>
                       </a:pPr>
                       <a:r>
-                        <a:rPr lang="es-ES" sz="900" spc="-20" baseline="0">
+                        <a:rPr lang="en-US" sz="900" spc="0">
                           <a:solidFill>
                             <a:srgbClr val="020302"/>
                           </a:solidFill>
                           <a:latin typeface="AdobeClean-Light"/>
                           <a:cs typeface="AdobeClean-Light"/>
                         </a:rPr>
-                        <a:t>    Horario de trabajo / 2 horas</a:t>
+                        <a:t>    </a:t>
                       </a:r>
+                      <a:r>
+                        <a:rPr sz="900" spc="0">
+                          <a:solidFill>
+                            <a:srgbClr val="020302"/>
+                          </a:solidFill>
+                          <a:latin typeface="AdobeClean-Light"/>
+                          <a:cs typeface="AdobeClean-Light"/>
+                        </a:rPr>
+                        <a:t>Business</a:t>
+                      </a:r>
+                      <a:r>
+                        <a:rPr lang="en-US" sz="900" spc="0">
+                          <a:solidFill>
+                            <a:srgbClr val="020302"/>
+                          </a:solidFill>
+                          <a:latin typeface="AdobeClean-Light"/>
+                          <a:cs typeface="AdobeClean-Light"/>
+                        </a:rPr>
+                        <a:t> </a:t>
+                      </a:r>
+                      <a:r>
+                        <a:rPr sz="900" spc="0">
+                          <a:solidFill>
+                            <a:srgbClr val="020302"/>
+                          </a:solidFill>
+                          <a:latin typeface="AdobeClean-Light"/>
+                          <a:cs typeface="AdobeClean-Light"/>
+                        </a:rPr>
+                        <a:t>hours</a:t>
+                      </a:r>
+                      <a:r>
+                        <a:rPr lang="en-US" sz="900" spc="0">
+                          <a:solidFill>
+                            <a:srgbClr val="020302"/>
+                          </a:solidFill>
+                          <a:latin typeface="AdobeClean-Light"/>
+                          <a:cs typeface="AdobeClean-Light"/>
+                        </a:rPr>
+                        <a:t> / </a:t>
+                      </a:r>
+                      <a:r>
+                        <a:rPr sz="900" spc="0">
+                          <a:solidFill>
+                            <a:srgbClr val="020302"/>
+                          </a:solidFill>
+                          <a:latin typeface="AdobeClean-Light"/>
+                          <a:cs typeface="AdobeClean-Light"/>
+                        </a:rPr>
+                        <a:t>2</a:t>
+                      </a:r>
+                      <a:r>
+                        <a:rPr lang="en-US" sz="900" spc="0">
+                          <a:solidFill>
+                            <a:srgbClr val="020302"/>
+                          </a:solidFill>
+                          <a:latin typeface="AdobeClean-Light"/>
+                          <a:cs typeface="AdobeClean-Light"/>
+                        </a:rPr>
+                        <a:t> </a:t>
+                      </a:r>
+                      <a:r>
+                        <a:rPr sz="900" spc="0">
+                          <a:solidFill>
+                            <a:srgbClr val="020302"/>
+                          </a:solidFill>
+                          <a:latin typeface="AdobeClean-Light"/>
+                          <a:cs typeface="AdobeClean-Light"/>
+                        </a:rPr>
+                        <a:t>hours</a:t>
+                      </a:r>
+                      <a:endParaRPr sz="900" spc="0">
+                        <a:latin typeface="AdobeClean-Light"/>
+                        <a:cs typeface="AdobeClean-Light"/>
+                      </a:endParaRPr>
                     </a:p>
                   </a:txBody>
-                  <a:tcPr marL="0" marR="0" marT="0" marB="0" anchor="ctr" anchorCtr="1">
+                  <a:tcPr marL="0" marR="0" marT="91440" marB="91440" anchor="ctr" anchorCtr="1">
                     <a:lnL w="3175">
                       <a:solidFill>
                         <a:srgbClr val="B7B8B8"/>
@@ -2815,7 +3132,7 @@
                   </a:ext>
                 </a:extLst>
               </a:tr>
-              <a:tr h="523061">
+              <a:tr h="514673">
                 <a:tc>
                   <a:txBody>
                     <a:bodyPr/>
@@ -2830,15 +3147,19 @@
                         </a:spcBef>
                       </a:pPr>
                       <a:r>
-                        <a:rPr lang="es-ES" sz="900" b="1">
+                        <a:rPr sz="900" b="1" spc="0">
                           <a:solidFill>
                             <a:srgbClr val="020302"/>
                           </a:solidFill>
                           <a:latin typeface="Adobe Clean"/>
                           <a:cs typeface="Adobe Clean"/>
                         </a:rPr>
-                        <a:t>PRIORIDAD 3</a:t>
+                        <a:t>PRIORITY 3</a:t>
                       </a:r>
+                      <a:endParaRPr sz="900" spc="0">
+                        <a:latin typeface="Adobe Clean"/>
+                        <a:cs typeface="Adobe Clean"/>
+                      </a:endParaRPr>
                     </a:p>
                     <a:p>
                       <a:pPr marL="49530" marR="212090" indent="-2540">
@@ -2850,21 +3171,26 @@
                         </a:spcBef>
                       </a:pPr>
                       <a:r>
-                        <a:rPr kumimoji="0" lang="es-ES" sz="900" b="0" i="0" u="none" strike="noStrike" cap="none" normalizeH="0" baseline="0" noProof="0">
+                        <a:rPr kumimoji="0" lang="en-US" sz="900" b="0" i="0" u="none" strike="noStrike" kern="1200" cap="none" spc="0" normalizeH="0" baseline="0" noProof="0">
                           <a:ln>
                             <a:noFill/>
                           </a:ln>
                           <a:solidFill>
                             <a:srgbClr val="000000"/>
                           </a:solidFill>
+                          <a:effectLst/>
                           <a:uLnTx/>
                           <a:uFillTx/>
                           <a:latin typeface="Adobe Clean Light" panose="020B0303020404020204" pitchFamily="34" charset="0"/>
                           <a:ea typeface="+mn-ea"/>
                           <a:cs typeface="+mn-cs"/>
                         </a:rPr>
-                        <a:t>Las funciones empresariales del cliente presentan una menor degradación del servicio, pero existe una solución que permite que las funciones empresariales sigan funcionando. </a:t>
+                        <a:t>Customer's business functions have minor service degradation but there exists a solution/workaround allowing business functions to continue </a:t>
                       </a:r>
+                      <a:endParaRPr lang="en-US" sz="900" b="0" i="0" spc="0">
+                        <a:latin typeface="Adobe Clean Light" panose="020B0303020404020204" pitchFamily="34" charset="0"/>
+                        <a:cs typeface="AdobeClean-Light"/>
+                      </a:endParaRPr>
                     </a:p>
                   </a:txBody>
                   <a:tcPr marL="0" marR="0" marT="3810" marB="0">
@@ -2908,18 +3234,92 @@
                         </a:spcBef>
                       </a:pPr>
                       <a:r>
-                        <a:rPr lang="es-ES" sz="900" spc="-20" baseline="0" dirty="0">
+                        <a:rPr lang="en-US" sz="900" spc="0">
                           <a:solidFill>
                             <a:srgbClr val="020302"/>
                           </a:solidFill>
                           <a:latin typeface="AdobeClean-Light"/>
                           <a:cs typeface="AdobeClean-Light"/>
                         </a:rPr>
-                        <a:t>   Horario de trabajo / 6 horas</a:t>
+                        <a:t>   </a:t>
                       </a:r>
+                      <a:r>
+                        <a:rPr sz="900" spc="0">
+                          <a:solidFill>
+                            <a:srgbClr val="020302"/>
+                          </a:solidFill>
+                          <a:latin typeface="AdobeClean-Light"/>
+                          <a:cs typeface="AdobeClean-Light"/>
+                        </a:rPr>
+                        <a:t>Business</a:t>
+                      </a:r>
+                      <a:r>
+                        <a:rPr lang="en-US" sz="900" spc="0">
+                          <a:solidFill>
+                            <a:srgbClr val="020302"/>
+                          </a:solidFill>
+                          <a:latin typeface="AdobeClean-Light"/>
+                          <a:cs typeface="AdobeClean-Light"/>
+                        </a:rPr>
+                        <a:t> </a:t>
+                      </a:r>
+                      <a:r>
+                        <a:rPr sz="900" spc="0">
+                          <a:solidFill>
+                            <a:srgbClr val="020302"/>
+                          </a:solidFill>
+                          <a:latin typeface="AdobeClean-Light"/>
+                          <a:cs typeface="AdobeClean-Light"/>
+                        </a:rPr>
+                        <a:t>hours</a:t>
+                      </a:r>
+                      <a:r>
+                        <a:rPr lang="en-US" sz="900" spc="0">
+                          <a:solidFill>
+                            <a:srgbClr val="020302"/>
+                          </a:solidFill>
+                          <a:latin typeface="AdobeClean-Light"/>
+                          <a:cs typeface="AdobeClean-Light"/>
+                        </a:rPr>
+                        <a:t> / </a:t>
+                      </a:r>
+                      <a:r>
+                        <a:rPr sz="900" spc="0">
+                          <a:solidFill>
+                            <a:srgbClr val="020302"/>
+                          </a:solidFill>
+                          <a:latin typeface="AdobeClean-Light"/>
+                          <a:cs typeface="AdobeClean-Light"/>
+                        </a:rPr>
+                        <a:t>6</a:t>
+                      </a:r>
+                      <a:r>
+                        <a:rPr lang="en-US" sz="900" spc="0">
+                          <a:solidFill>
+                            <a:srgbClr val="020302"/>
+                          </a:solidFill>
+                          <a:latin typeface="AdobeClean-Light"/>
+                          <a:cs typeface="AdobeClean-Light"/>
+                        </a:rPr>
+                        <a:t> </a:t>
+                      </a:r>
+                      <a:r>
+                        <a:rPr sz="900" spc="0">
+                          <a:solidFill>
+                            <a:srgbClr val="020302"/>
+                          </a:solidFill>
+                          <a:latin typeface="AdobeClean-Light"/>
+                          <a:cs typeface="AdobeClean-Light"/>
+                        </a:rPr>
+                        <a:t>hours</a:t>
+                      </a:r>
+                      <a:endParaRPr sz="900" spc="0">
+                        <a:latin typeface="AdobeClean-Light"/>
+                        <a:cs typeface="AdobeClean-Light"/>
+                      </a:endParaRPr>
                     </a:p>
                   </a:txBody>
-                  <a:tcPr marL="0" marR="0" marT="0" marB="0" anchor="ctr" anchorCtr="1">
+                  <a:tcPr marL="0" marR="0" marT="91440" marB="91440" anchor="ctr" anchorCtr="1">
                     <a:lnL w="3175">
                       <a:solidFill>
                         <a:srgbClr val="B7B8B8"/>
@@ -2960,18 +3360,82 @@
                         </a:spcBef>
                       </a:pPr>
                       <a:r>
-                        <a:rPr lang="es-ES" sz="900" spc="-20" baseline="0" dirty="0">
+                        <a:rPr sz="900" spc="0">
                           <a:solidFill>
                             <a:srgbClr val="020302"/>
                           </a:solidFill>
                           <a:latin typeface="AdobeClean-Light"/>
                           <a:cs typeface="AdobeClean-Light"/>
                         </a:rPr>
-                        <a:t>Horario de trabajo / 4 horas</a:t>
+                        <a:t>Business</a:t>
                       </a:r>
+                      <a:r>
+                        <a:rPr lang="en-US" sz="900" spc="0">
+                          <a:solidFill>
+                            <a:srgbClr val="020302"/>
+                          </a:solidFill>
+                          <a:latin typeface="AdobeClean-Light"/>
+                          <a:cs typeface="AdobeClean-Light"/>
+                        </a:rPr>
+                        <a:t> </a:t>
+                      </a:r>
+                      <a:r>
+                        <a:rPr sz="900" spc="0">
+                          <a:solidFill>
+                            <a:srgbClr val="020302"/>
+                          </a:solidFill>
+                          <a:latin typeface="AdobeClean-Light"/>
+                          <a:cs typeface="AdobeClean-Light"/>
+                        </a:rPr>
+                        <a:t>hours</a:t>
+                      </a:r>
+                      <a:r>
+                        <a:rPr lang="en-US" sz="900" spc="0">
+                          <a:solidFill>
+                            <a:srgbClr val="020302"/>
+                          </a:solidFill>
+                          <a:latin typeface="AdobeClean-Light"/>
+                          <a:cs typeface="AdobeClean-Light"/>
+                        </a:rPr>
+                        <a:t> </a:t>
+                      </a:r>
+                      <a:r>
+                        <a:rPr sz="900" spc="0">
+                          <a:solidFill>
+                            <a:srgbClr val="020302"/>
+                          </a:solidFill>
+                          <a:latin typeface="AdobeClean-Light"/>
+                          <a:cs typeface="AdobeClean-Light"/>
+                        </a:rPr>
+                        <a:t>/ 4</a:t>
+                      </a:r>
+                      <a:r>
+                        <a:rPr lang="en-US" sz="900" spc="0">
+                          <a:solidFill>
+                            <a:srgbClr val="020302"/>
+                          </a:solidFill>
+                          <a:latin typeface="AdobeClean-Light"/>
+                          <a:cs typeface="AdobeClean-Light"/>
+                        </a:rPr>
+                        <a:t> </a:t>
+                      </a:r>
+                      <a:r>
+                        <a:rPr sz="900" spc="0">
+                          <a:solidFill>
+                            <a:srgbClr val="020302"/>
+                          </a:solidFill>
+                          <a:latin typeface="AdobeClean-Light"/>
+                          <a:cs typeface="AdobeClean-Light"/>
+                        </a:rPr>
+                        <a:t>hours</a:t>
+                      </a:r>
+                      <a:endParaRPr sz="900" spc="0">
+                        <a:latin typeface="AdobeClean-Light"/>
+                        <a:cs typeface="AdobeClean-Light"/>
+                      </a:endParaRPr>
                     </a:p>
                   </a:txBody>
-                  <a:tcPr marL="0" marR="0" marT="0" marB="0" anchor="ctr" anchorCtr="1">
+                  <a:tcPr marL="0" marR="0" marT="91440" marB="91440" anchor="ctr" anchorCtr="1">
                     <a:lnL w="3175">
                       <a:solidFill>
                         <a:srgbClr val="B7B8B8"/>
@@ -3009,7 +3473,7 @@
                   </a:ext>
                 </a:extLst>
               </a:tr>
-              <a:tr h="464651">
+              <a:tr h="388333">
                 <a:tc>
                   <a:txBody>
                     <a:bodyPr/>
@@ -3024,15 +3488,19 @@
                         </a:spcBef>
                       </a:pPr>
                       <a:r>
-                        <a:rPr lang="es-ES" sz="900" b="1">
+                        <a:rPr sz="900" b="1" spc="0">
                           <a:solidFill>
                             <a:srgbClr val="020302"/>
                           </a:solidFill>
                           <a:latin typeface="Adobe Clean"/>
                           <a:cs typeface="Adobe Clean"/>
                         </a:rPr>
-                        <a:t>PRIORIDAD 4</a:t>
+                        <a:t>PRIORITY 4</a:t>
                       </a:r>
+                      <a:endParaRPr sz="900" spc="0">
+                        <a:latin typeface="Adobe Clean"/>
+                        <a:cs typeface="Adobe Clean"/>
+                      </a:endParaRPr>
                     </a:p>
                     <a:p>
                       <a:pPr marL="48895" marR="0" lvl="0" indent="0" defTabSz="914400" eaLnBrk="1" fontAlgn="auto" latinLnBrk="0" hangingPunct="1">
@@ -3053,14 +3521,19 @@
                         <a:defRPr/>
                       </a:pPr>
                       <a:r>
-                        <a:rPr lang="es-ES" sz="900" b="0" i="0">
+                        <a:rPr lang="en-US" sz="900" b="0" i="0" spc="0">
                           <a:solidFill>
                             <a:srgbClr val="000000"/>
                           </a:solidFill>
+                          <a:effectLst/>
                           <a:latin typeface="Adobe Clean Light" panose="020B0303020404020204" pitchFamily="34" charset="0"/>
                         </a:rPr>
-                        <a:t>Pregunta general sobre la funcionalidad actual del producto o una solicitud de mejora.</a:t>
+                        <a:t>General question regarding current product functionality or an enhancement request</a:t>
                       </a:r>
+                      <a:endParaRPr lang="en-US" sz="900" b="0" i="0" spc="0">
+                        <a:latin typeface="Adobe Clean Light" panose="020B0303020404020204" pitchFamily="34" charset="0"/>
+                        <a:cs typeface="AdobeClean-Light"/>
+                      </a:endParaRPr>
                     </a:p>
                   </a:txBody>
                   <a:tcPr marL="0" marR="0" marT="1905" marB="0">
@@ -3104,18 +3577,72 @@
                         </a:spcBef>
                       </a:pPr>
                       <a:r>
-                        <a:rPr lang="es-ES" sz="900" spc="-20" baseline="0" dirty="0">
+                        <a:rPr lang="en-US" sz="900" spc="0">
                           <a:solidFill>
                             <a:srgbClr val="020302"/>
                           </a:solidFill>
                           <a:latin typeface="AdobeClean-Light"/>
                           <a:cs typeface="AdobeClean-Light"/>
                         </a:rPr>
-                        <a:t>  Días laborables / 3 días</a:t>
+                        <a:t>  </a:t>
                       </a:r>
+                      <a:r>
+                        <a:rPr sz="900" spc="0">
+                          <a:solidFill>
+                            <a:srgbClr val="020302"/>
+                          </a:solidFill>
+                          <a:latin typeface="AdobeClean-Light"/>
+                          <a:cs typeface="AdobeClean-Light"/>
+                        </a:rPr>
+                        <a:t>Business</a:t>
+                      </a:r>
+                      <a:r>
+                        <a:rPr lang="en-US" sz="900" spc="0">
+                          <a:solidFill>
+                            <a:srgbClr val="020302"/>
+                          </a:solidFill>
+                          <a:latin typeface="AdobeClean-Light"/>
+                          <a:cs typeface="AdobeClean-Light"/>
+                        </a:rPr>
+                        <a:t> </a:t>
+                      </a:r>
+                      <a:r>
+                        <a:rPr sz="900" spc="0">
+                          <a:solidFill>
+                            <a:srgbClr val="020302"/>
+                          </a:solidFill>
+                          <a:latin typeface="AdobeClean-Light"/>
+                          <a:cs typeface="AdobeClean-Light"/>
+                        </a:rPr>
+                        <a:t>days</a:t>
+                      </a:r>
+                      <a:r>
+                        <a:rPr lang="en-US" sz="900" spc="0">
+                          <a:solidFill>
+                            <a:srgbClr val="020302"/>
+                          </a:solidFill>
+                          <a:latin typeface="AdobeClean-Light"/>
+                          <a:cs typeface="AdobeClean-Light"/>
+                        </a:rPr>
+                        <a:t> / </a:t>
+                      </a:r>
+                      <a:r>
+                        <a:rPr sz="900" spc="0">
+                          <a:solidFill>
+                            <a:srgbClr val="020302"/>
+                          </a:solidFill>
+                          <a:latin typeface="AdobeClean-Light"/>
+                          <a:cs typeface="AdobeClean-Light"/>
+                        </a:rPr>
+                        <a:t>3 days</a:t>
+                      </a:r>
+                      <a:endParaRPr sz="900" spc="0">
+                        <a:latin typeface="AdobeClean-Light"/>
+                        <a:cs typeface="AdobeClean-Light"/>
+                      </a:endParaRPr>
                     </a:p>
                   </a:txBody>
-                  <a:tcPr marL="0" marR="0" marT="0" marB="0" anchor="ctr" anchorCtr="1">
+                  <a:tcPr marL="0" marR="0" marT="91440" marB="91440" anchor="ctr" anchorCtr="1">
                     <a:lnL w="3175">
                       <a:solidFill>
                         <a:srgbClr val="B7B8B8"/>
@@ -3156,18 +3683,82 @@
                         </a:spcBef>
                       </a:pPr>
                       <a:r>
-                        <a:rPr lang="es-ES" sz="900" spc="-20" baseline="0" dirty="0">
+                        <a:rPr sz="900" spc="0">
                           <a:solidFill>
                             <a:srgbClr val="020302"/>
                           </a:solidFill>
                           <a:latin typeface="AdobeClean-Light"/>
                           <a:cs typeface="AdobeClean-Light"/>
                         </a:rPr>
-                        <a:t>Días laborables / 1 día</a:t>
+                        <a:t>Business</a:t>
                       </a:r>
+                      <a:r>
+                        <a:rPr lang="en-US" sz="900" spc="0">
+                          <a:solidFill>
+                            <a:srgbClr val="020302"/>
+                          </a:solidFill>
+                          <a:latin typeface="AdobeClean-Light"/>
+                          <a:cs typeface="AdobeClean-Light"/>
+                        </a:rPr>
+                        <a:t> </a:t>
+                      </a:r>
+                      <a:r>
+                        <a:rPr sz="900" spc="0">
+                          <a:solidFill>
+                            <a:srgbClr val="020302"/>
+                          </a:solidFill>
+                          <a:latin typeface="AdobeClean-Light"/>
+                          <a:cs typeface="AdobeClean-Light"/>
+                        </a:rPr>
+                        <a:t>day</a:t>
+                      </a:r>
+                      <a:r>
+                        <a:rPr lang="en-US" sz="900" spc="0">
+                          <a:solidFill>
+                            <a:srgbClr val="020302"/>
+                          </a:solidFill>
+                          <a:latin typeface="AdobeClean-Light"/>
+                          <a:cs typeface="AdobeClean-Light"/>
+                        </a:rPr>
+                        <a:t>s </a:t>
+                      </a:r>
+                      <a:r>
+                        <a:rPr sz="900" spc="0">
+                          <a:solidFill>
+                            <a:srgbClr val="020302"/>
+                          </a:solidFill>
+                          <a:latin typeface="AdobeClean-Light"/>
+                          <a:cs typeface="AdobeClean-Light"/>
+                        </a:rPr>
+                        <a:t>/</a:t>
+                      </a:r>
+                      <a:r>
+                        <a:rPr lang="en-US" sz="900" spc="0">
+                          <a:solidFill>
+                            <a:srgbClr val="020302"/>
+                          </a:solidFill>
+                          <a:latin typeface="AdobeClean-Light"/>
+                          <a:cs typeface="AdobeClean-Light"/>
+                        </a:rPr>
+                        <a:t> </a:t>
+                      </a:r>
+                      <a:r>
+                        <a:rPr sz="900" spc="0">
+                          <a:solidFill>
+                            <a:srgbClr val="020302"/>
+                          </a:solidFill>
+                          <a:latin typeface="AdobeClean-Light"/>
+                          <a:cs typeface="AdobeClean-Light"/>
+                        </a:rPr>
+                        <a:t>1 day</a:t>
+                      </a:r>
+                      <a:endParaRPr sz="900" spc="0">
+                        <a:latin typeface="AdobeClean-Light"/>
+                        <a:cs typeface="AdobeClean-Light"/>
+                      </a:endParaRPr>
                     </a:p>
                   </a:txBody>
-                  <a:tcPr marL="0" marR="0" marT="0" marB="0" anchor="ctr" anchorCtr="1">
+                  <a:tcPr marL="0" marR="0" marT="91440" marB="91440" anchor="ctr" anchorCtr="1">
                     <a:lnL w="3175">
                       <a:solidFill>
                         <a:srgbClr val="B7B8B8"/>
@@ -3224,14 +3815,14 @@
           <p:nvPr>
             <p:extLst>
               <p:ext uri="{D42A27DB-BD31-4B8C-83A1-F6EECF244321}">
-                <p14:modId xmlns:p14="http://schemas.microsoft.com/office/powerpoint/2010/main" val="732991917"/>
+                <p14:modId xmlns:p14="http://schemas.microsoft.com/office/powerpoint/2010/main" val="116851390"/>
               </p:ext>
             </p:extLst>
           </p:nvPr>
         </p:nvGraphicFramePr>
         <p:xfrm>
           <a:off x="121147" y="2120949"/>
-          <a:ext cx="7498851" cy="4815558"/>
+          <a:ext cx="7498851" cy="4714546"/>
         </p:xfrm>
         <a:graphic>
           <a:graphicData uri="http://schemas.openxmlformats.org/drawingml/2006/table">
@@ -3275,7 +3866,7 @@
                     <a:bodyPr/>
                     <a:lstStyle/>
                     <a:p>
-                      <a:endParaRPr lang="en-US" dirty="0"/>
+                      <a:endParaRPr lang="en-US"/>
                     </a:p>
                   </a:txBody>
                   <a:tcPr/>
@@ -3313,15 +3904,39 @@
                         <a:defRPr/>
                       </a:pPr>
                       <a:r>
-                        <a:rPr lang="es-ES" sz="900" dirty="0">
+                        <a:rPr lang="en-US" sz="900" spc="-20">
                           <a:solidFill>
                             <a:srgbClr val="404040"/>
                           </a:solidFill>
                           <a:latin typeface="Adobe Clean"/>
                           <a:cs typeface="Adobe Clean"/>
                         </a:rPr>
-                        <a:t>Soporte Online</a:t>
+                        <a:t>Online </a:t>
                       </a:r>
+                      <a:r>
+                        <a:rPr lang="en-US" sz="900" spc="-135">
+                          <a:solidFill>
+                            <a:srgbClr val="404040"/>
+                          </a:solidFill>
+                          <a:latin typeface="Adobe Clean"/>
+                          <a:cs typeface="Adobe Clean"/>
+                        </a:rPr>
+                        <a:t> </a:t>
+                      </a:r>
+                      <a:r>
+                        <a:rPr lang="en-US" sz="900" spc="-20">
+                          <a:solidFill>
+                            <a:srgbClr val="404040"/>
+                          </a:solidFill>
+                          <a:latin typeface="Adobe Clean"/>
+                          <a:cs typeface="Adobe Clean"/>
+                        </a:rPr>
+                        <a:t>Support</a:t>
+                      </a:r>
+                      <a:endParaRPr lang="en-US" sz="900">
+                        <a:latin typeface="Adobe Clean"/>
+                        <a:cs typeface="Adobe Clean"/>
+                      </a:endParaRPr>
                     </a:p>
                   </a:txBody>
                   <a:tcPr marL="0" marR="0" marT="7620" marB="0" anchor="ctr">
@@ -3362,15 +3977,39 @@
                         </a:spcBef>
                       </a:pPr>
                       <a:r>
-                        <a:rPr lang="es-ES" sz="900">
+                        <a:rPr sz="900" spc="-20">
                           <a:solidFill>
                             <a:srgbClr val="FFFFFF"/>
                           </a:solidFill>
                           <a:latin typeface="Adobe Clean"/>
                           <a:cs typeface="Adobe Clean"/>
                         </a:rPr>
-                        <a:t>Soporte Business</a:t>
+                        <a:t>Business</a:t>
                       </a:r>
+                      <a:r>
+                        <a:rPr lang="en-US" sz="900" spc="-20">
+                          <a:solidFill>
+                            <a:srgbClr val="FFFFFF"/>
+                          </a:solidFill>
+                          <a:latin typeface="Adobe Clean"/>
+                          <a:cs typeface="Adobe Clean"/>
+                        </a:rPr>
+                        <a:t> </a:t>
+                      </a:r>
+                      <a:r>
+                        <a:rPr sz="900" spc="-20">
+                          <a:solidFill>
+                            <a:srgbClr val="FFFFFF"/>
+                          </a:solidFill>
+                          <a:latin typeface="Adobe Clean"/>
+                          <a:cs typeface="Adobe Clean"/>
+                        </a:rPr>
+                        <a:t>Support</a:t>
+                      </a:r>
+                      <a:endParaRPr sz="900">
+                        <a:latin typeface="Adobe Clean"/>
+                        <a:cs typeface="Adobe Clean"/>
+                      </a:endParaRPr>
                     </a:p>
                   </a:txBody>
                   <a:tcPr marL="0" marR="0" marT="7620" marB="0" anchor="ctr">
@@ -3435,7 +4074,7 @@
                     <a:bodyPr/>
                     <a:lstStyle/>
                     <a:p>
-                      <a:pPr marL="0" marR="0" lvl="0" indent="0" algn="l" defTabSz="914400" rtl="0" eaLnBrk="1" fontAlgn="auto" latinLnBrk="0" hangingPunct="1">
+                      <a:pPr marL="0" marR="0" lvl="0" indent="0" algn="ctr" defTabSz="914400" eaLnBrk="1" fontAlgn="auto" latinLnBrk="0" hangingPunct="1">
                         <a:lnSpc>
                           <a:spcPct val="100000"/>
                         </a:lnSpc>
@@ -3516,13 +4155,13 @@
                         <a:defRPr/>
                       </a:pPr>
                       <a:r>
-                        <a:rPr lang="es-ES" sz="800" i="1">
+                        <a:rPr lang="en-US" sz="800" i="1">
                           <a:solidFill>
                             <a:schemeClr val="bg1"/>
                           </a:solidFill>
                           <a:latin typeface="Adobe Clean Light" panose="020B0303020404020204" pitchFamily="34" charset="0"/>
                         </a:rPr>
-                        <a:t>Soporte de pago ($)</a:t>
+                        <a:t>Paid Support ($)</a:t>
                       </a:r>
                     </a:p>
                   </a:txBody>
@@ -3586,15 +4225,22 @@
                         </a:spcBef>
                       </a:pPr>
                       <a:r>
-                        <a:rPr lang="es-ES" sz="1000" b="1" i="0">
+                        <a:rPr lang="en-US" sz="1000" b="1" i="0" spc="0">
                           <a:solidFill>
                             <a:schemeClr val="bg1"/>
                           </a:solidFill>
                           <a:latin typeface="Adobe Clean" panose="020B0503020404020204" pitchFamily="34" charset="0"/>
                           <a:cs typeface="AdobeClean-Light"/>
                         </a:rPr>
-                        <a:t>Expertos asignados</a:t>
+                        <a:t>Assigned Experts</a:t>
                       </a:r>
+                      <a:endParaRPr sz="1000" b="1" i="0" spc="0">
+                        <a:solidFill>
+                          <a:schemeClr val="bg1"/>
+                        </a:solidFill>
+                        <a:latin typeface="Adobe Clean" panose="020B0503020404020204" pitchFamily="34" charset="0"/>
+                        <a:cs typeface="AdobeClean-Light"/>
+                      </a:endParaRPr>
                     </a:p>
                   </a:txBody>
                   <a:tcPr marL="0" marR="0" marT="58419" marB="0" anchor="ctr">
@@ -3641,15 +4287,19 @@
                         </a:spcBef>
                       </a:pPr>
                       <a:r>
-                        <a:rPr lang="es-ES" sz="900">
+                        <a:rPr sz="900" spc="0">
                           <a:solidFill>
                             <a:srgbClr val="020302"/>
                           </a:solidFill>
                           <a:latin typeface="AdobeClean-Light"/>
                           <a:cs typeface="AdobeClean-Light"/>
                         </a:rPr>
-                        <a:t>Responsable de la asistencia técnica de la cuenta</a:t>
+                        <a:t>Account Support Lead</a:t>
                       </a:r>
+                      <a:endParaRPr sz="900" spc="0">
+                        <a:latin typeface="AdobeClean-Light"/>
+                        <a:cs typeface="AdobeClean-Light"/>
+                      </a:endParaRPr>
                     </a:p>
                   </a:txBody>
                   <a:tcPr marL="0" marR="0" marT="58419" marB="0">
@@ -3684,7 +4334,7 @@
                     <a:bodyPr/>
                     <a:lstStyle/>
                     <a:p>
-                      <a:pPr algn="l" rtl="0">
+                      <a:pPr algn="ctr">
                         <a:lnSpc>
                           <a:spcPct val="100000"/>
                         </a:lnSpc>
@@ -3734,7 +4384,7 @@
                         </a:spcBef>
                       </a:pPr>
                       <a:r>
-                        <a:rPr lang="es-ES" sz="900">
+                        <a:rPr sz="900">
                           <a:solidFill>
                             <a:srgbClr val="020302"/>
                           </a:solidFill>
@@ -3743,6 +4393,10 @@
                         </a:rPr>
                         <a:t></a:t>
                       </a:r>
+                      <a:endParaRPr sz="900">
+                        <a:latin typeface="Wingdings"/>
+                        <a:cs typeface="Wingdings"/>
+                      </a:endParaRPr>
                     </a:p>
                   </a:txBody>
                   <a:tcPr marL="0" marR="0" marT="59690" marB="0" anchor="ctr">
@@ -3774,7 +4428,7 @@
                     <a:bodyPr/>
                     <a:lstStyle/>
                     <a:p>
-                      <a:pPr marL="50800" algn="l" rtl="0">
+                      <a:pPr marL="50800">
                         <a:lnSpc>
                           <a:spcPct val="100000"/>
                         </a:lnSpc>
@@ -3820,15 +4474,19 @@
                         </a:spcBef>
                       </a:pPr>
                       <a:r>
-                        <a:rPr lang="es-ES" sz="900">
+                        <a:rPr sz="900" spc="0">
                           <a:solidFill>
                             <a:srgbClr val="020302"/>
                           </a:solidFill>
                           <a:latin typeface="AdobeClean-Light"/>
                           <a:cs typeface="AdobeClean-Light"/>
                         </a:rPr>
-                        <a:t>Ingeniero de asistencia técnica especializado</a:t>
+                        <a:t>Named Support Engineer</a:t>
                       </a:r>
+                      <a:endParaRPr sz="900" spc="0">
+                        <a:latin typeface="AdobeClean-Light"/>
+                        <a:cs typeface="AdobeClean-Light"/>
+                      </a:endParaRPr>
                     </a:p>
                   </a:txBody>
                   <a:tcPr marL="0" marR="0" marT="58419" marB="0">
@@ -3851,7 +4509,7 @@
                     <a:bodyPr/>
                     <a:lstStyle/>
                     <a:p>
-                      <a:pPr algn="l" rtl="0">
+                      <a:pPr algn="ctr">
                         <a:lnSpc>
                           <a:spcPct val="100000"/>
                         </a:lnSpc>
@@ -3880,7 +4538,7 @@
                     <a:bodyPr/>
                     <a:lstStyle/>
                     <a:p>
-                      <a:pPr algn="l" rtl="0">
+                      <a:pPr algn="ctr">
                         <a:lnSpc>
                           <a:spcPct val="100000"/>
                         </a:lnSpc>
@@ -3911,7 +4569,7 @@
                     <a:bodyPr/>
                     <a:lstStyle/>
                     <a:p>
-                      <a:pPr marL="50800" algn="l" rtl="0">
+                      <a:pPr marL="50800">
                         <a:lnSpc>
                           <a:spcPct val="100000"/>
                         </a:lnSpc>
@@ -3969,15 +4627,19 @@
                         </a:spcBef>
                       </a:pPr>
                       <a:r>
-                        <a:rPr lang="es-ES" sz="900">
+                        <a:rPr sz="900" spc="0">
                           <a:solidFill>
                             <a:srgbClr val="020302"/>
                           </a:solidFill>
                           <a:latin typeface="AdobeClean-Light"/>
                           <a:cs typeface="AdobeClean-Light"/>
                         </a:rPr>
-                        <a:t>Gestor técnico de cuentas</a:t>
+                        <a:t>Technical Account Manager</a:t>
                       </a:r>
+                      <a:endParaRPr sz="900" spc="0">
+                        <a:latin typeface="AdobeClean-Light"/>
+                        <a:cs typeface="AdobeClean-Light"/>
+                      </a:endParaRPr>
                     </a:p>
                   </a:txBody>
                   <a:tcPr marL="0" marR="0" marT="63500" marB="0">
@@ -4006,7 +4668,7 @@
                     <a:bodyPr/>
                     <a:lstStyle/>
                     <a:p>
-                      <a:pPr algn="l" rtl="0">
+                      <a:pPr algn="ctr">
                         <a:lnSpc>
                           <a:spcPct val="100000"/>
                         </a:lnSpc>
@@ -4044,7 +4706,7 @@
                     <a:bodyPr/>
                     <a:lstStyle/>
                     <a:p>
-                      <a:pPr algn="l" rtl="0">
+                      <a:pPr algn="ctr">
                         <a:lnSpc>
                           <a:spcPct val="100000"/>
                         </a:lnSpc>
@@ -4093,15 +4755,22 @@
                         </a:spcBef>
                       </a:pPr>
                       <a:r>
-                        <a:rPr lang="es-ES" sz="1000" b="1" i="0">
+                        <a:rPr lang="en-US" sz="1000" b="1" i="0" spc="0">
                           <a:solidFill>
                             <a:schemeClr val="bg1"/>
                           </a:solidFill>
                           <a:latin typeface="Adobe Clean" panose="020B0503020404020204" pitchFamily="34" charset="0"/>
                           <a:cs typeface="AdobeClean-Light"/>
                         </a:rPr>
-                        <a:t>Servicios de soporte</a:t>
+                        <a:t>Support Services</a:t>
                       </a:r>
+                      <a:endParaRPr sz="1000" b="1" i="0" spc="0">
+                        <a:solidFill>
+                          <a:schemeClr val="bg1"/>
+                        </a:solidFill>
+                        <a:latin typeface="Adobe Clean" panose="020B0503020404020204" pitchFamily="34" charset="0"/>
+                        <a:cs typeface="AdobeClean-Light"/>
+                      </a:endParaRPr>
                     </a:p>
                   </a:txBody>
                   <a:tcPr marL="0" marR="0" marT="57150" marB="0" anchor="ctr">
@@ -4157,15 +4826,29 @@
                         </a:spcBef>
                       </a:pPr>
                       <a:r>
-                        <a:rPr lang="es-ES" sz="900">
+                        <a:rPr lang="en-US" sz="900" spc="0">
                           <a:solidFill>
                             <a:srgbClr val="020302"/>
                           </a:solidFill>
                           <a:latin typeface="AdobeClean-Light"/>
                           <a:cs typeface="AdobeClean-Light"/>
                         </a:rPr>
-                        <a:t>Soporte Online</a:t>
+                        <a:t>Online</a:t>
                       </a:r>
+                      <a:r>
+                        <a:rPr sz="900" spc="0">
+                          <a:solidFill>
+                            <a:srgbClr val="020302"/>
+                          </a:solidFill>
+                          <a:latin typeface="AdobeClean-Light"/>
+                          <a:cs typeface="AdobeClean-Light"/>
+                        </a:rPr>
+                        <a:t> Support</a:t>
+                      </a:r>
+                      <a:endParaRPr sz="900" spc="0">
+                        <a:latin typeface="AdobeClean-Light"/>
+                        <a:cs typeface="AdobeClean-Light"/>
+                      </a:endParaRPr>
                     </a:p>
                   </a:txBody>
                   <a:tcPr marL="0" marR="0" marT="57150" marB="0">
@@ -4203,15 +4886,39 @@
                         </a:spcBef>
                       </a:pPr>
                       <a:r>
-                        <a:rPr lang="es-ES" sz="900">
+                        <a:rPr sz="900" spc="-25">
                           <a:solidFill>
                             <a:srgbClr val="020302"/>
                           </a:solidFill>
                           <a:latin typeface="AdobeClean-Light"/>
                           <a:cs typeface="AdobeClean-Light"/>
                         </a:rPr>
-                        <a:t>Horario de trabajo</a:t>
+                        <a:t>Business</a:t>
                       </a:r>
+                      <a:r>
+                        <a:rPr sz="900" spc="-15">
+                          <a:solidFill>
+                            <a:srgbClr val="020302"/>
+                          </a:solidFill>
+                          <a:latin typeface="AdobeClean-Light"/>
+                          <a:cs typeface="AdobeClean-Light"/>
+                        </a:rPr>
+                        <a:t> </a:t>
+                      </a:r>
+                      <a:r>
+                        <a:rPr sz="900" spc="-30">
+                          <a:solidFill>
+                            <a:srgbClr val="020302"/>
+                          </a:solidFill>
+                          <a:latin typeface="AdobeClean-Light"/>
+                          <a:cs typeface="AdobeClean-Light"/>
+                        </a:rPr>
+                        <a:t>hours</a:t>
+                      </a:r>
+                      <a:endParaRPr sz="900">
+                        <a:latin typeface="AdobeClean-Light"/>
+                        <a:cs typeface="AdobeClean-Light"/>
+                      </a:endParaRPr>
                     </a:p>
                   </a:txBody>
                   <a:tcPr marL="0" marR="0" marT="67945" marB="0">
@@ -4250,15 +4957,39 @@
                         </a:spcBef>
                       </a:pPr>
                       <a:r>
-                        <a:rPr lang="es-ES" sz="900">
+                        <a:rPr sz="900" spc="-25">
                           <a:solidFill>
                             <a:srgbClr val="020302"/>
                           </a:solidFill>
                           <a:latin typeface="AdobeClean-Light"/>
                           <a:cs typeface="AdobeClean-Light"/>
                         </a:rPr>
-                        <a:t>Horario de trabajo</a:t>
+                        <a:t>Business</a:t>
                       </a:r>
+                      <a:r>
+                        <a:rPr sz="900" spc="-15">
+                          <a:solidFill>
+                            <a:srgbClr val="020302"/>
+                          </a:solidFill>
+                          <a:latin typeface="AdobeClean-Light"/>
+                          <a:cs typeface="AdobeClean-Light"/>
+                        </a:rPr>
+                        <a:t> </a:t>
+                      </a:r>
+                      <a:r>
+                        <a:rPr sz="900" spc="-30">
+                          <a:solidFill>
+                            <a:srgbClr val="020302"/>
+                          </a:solidFill>
+                          <a:latin typeface="AdobeClean-Light"/>
+                          <a:cs typeface="AdobeClean-Light"/>
+                        </a:rPr>
+                        <a:t>hours</a:t>
+                      </a:r>
+                      <a:endParaRPr sz="900">
+                        <a:latin typeface="AdobeClean-Light"/>
+                        <a:cs typeface="AdobeClean-Light"/>
+                      </a:endParaRPr>
                     </a:p>
                   </a:txBody>
                   <a:tcPr marL="0" marR="0" marT="67945" marB="0">
@@ -4290,7 +5021,7 @@
                     <a:bodyPr/>
                     <a:lstStyle/>
                     <a:p>
-                      <a:pPr marL="50800" algn="l" rtl="0">
+                      <a:pPr marL="50800">
                         <a:lnSpc>
                           <a:spcPct val="100000"/>
                         </a:lnSpc>
@@ -4339,15 +5070,39 @@
                         </a:spcBef>
                       </a:pPr>
                       <a:r>
-                        <a:rPr lang="es-ES" sz="900">
+                        <a:rPr sz="900" spc="0">
                           <a:solidFill>
                             <a:srgbClr val="020302"/>
                           </a:solidFill>
                           <a:latin typeface="AdobeClean-Light"/>
                           <a:cs typeface="AdobeClean-Light"/>
                         </a:rPr>
-                        <a:t>Soporte con problemas P1 24 x 7 x 365</a:t>
+                        <a:t>24x7</a:t>
                       </a:r>
+                      <a:r>
+                        <a:rPr lang="en-US" sz="900" spc="0">
+                          <a:solidFill>
+                            <a:srgbClr val="020302"/>
+                          </a:solidFill>
+                          <a:latin typeface="AdobeClean-Light"/>
+                          <a:cs typeface="AdobeClean-Light"/>
+                        </a:rPr>
+                        <a:t>x365</a:t>
+                      </a:r>
+                      <a:r>
+                        <a:rPr sz="900" spc="0">
+                          <a:solidFill>
+                            <a:srgbClr val="020302"/>
+                          </a:solidFill>
+                          <a:latin typeface="AdobeClean-Light"/>
+                          <a:cs typeface="AdobeClean-Light"/>
+                        </a:rPr>
+                        <a:t> P1 Issue Support</a:t>
+                      </a:r>
+                      <a:endParaRPr sz="900" spc="0">
+                        <a:latin typeface="AdobeClean-Light"/>
+                        <a:cs typeface="AdobeClean-Light"/>
+                      </a:endParaRPr>
                     </a:p>
                   </a:txBody>
                   <a:tcPr marL="0" marR="0" marT="57785" marB="0">
@@ -4379,7 +5134,7 @@
                         </a:spcBef>
                       </a:pPr>
                       <a:r>
-                        <a:rPr lang="es-ES" sz="900">
+                        <a:rPr sz="900">
                           <a:solidFill>
                             <a:srgbClr val="020302"/>
                           </a:solidFill>
@@ -4388,6 +5143,10 @@
                         </a:rPr>
                         <a:t></a:t>
                       </a:r>
+                      <a:endParaRPr sz="900">
+                        <a:latin typeface="Wingdings"/>
+                        <a:cs typeface="Wingdings"/>
+                      </a:endParaRPr>
                     </a:p>
                   </a:txBody>
                   <a:tcPr marL="0" marR="0" marT="58419" marB="0">
@@ -4417,7 +5176,7 @@
                         </a:spcBef>
                       </a:pPr>
                       <a:r>
-                        <a:rPr lang="es-ES" sz="900">
+                        <a:rPr sz="900">
                           <a:solidFill>
                             <a:srgbClr val="020302"/>
                           </a:solidFill>
@@ -4426,6 +5185,10 @@
                         </a:rPr>
                         <a:t></a:t>
                       </a:r>
+                      <a:endParaRPr sz="900">
+                        <a:latin typeface="Wingdings"/>
+                        <a:cs typeface="Wingdings"/>
+                      </a:endParaRPr>
                     </a:p>
                   </a:txBody>
                   <a:tcPr marL="0" marR="0" marT="58419" marB="0">
@@ -4448,7 +5211,7 @@
                     <a:bodyPr/>
                     <a:lstStyle/>
                     <a:p>
-                      <a:pPr marL="50800" algn="l" rtl="0">
+                      <a:pPr marL="50800">
                         <a:lnSpc>
                           <a:spcPct val="100000"/>
                         </a:lnSpc>
@@ -4506,15 +5269,19 @@
                         </a:spcBef>
                       </a:pPr>
                       <a:r>
-                        <a:rPr lang="es-ES" sz="900">
+                        <a:rPr lang="en-US" sz="900" spc="0">
                           <a:solidFill>
                             <a:srgbClr val="020302"/>
                           </a:solidFill>
                           <a:latin typeface="AdobeClean-Light"/>
                           <a:cs typeface="AdobeClean-Light"/>
                         </a:rPr>
-                        <a:t>Contactos de soporte particulares (por producto)</a:t>
+                        <a:t>Named Support Contacts (per product)</a:t>
                       </a:r>
+                      <a:endParaRPr sz="900" spc="0">
+                        <a:latin typeface="AdobeClean-Light"/>
+                        <a:cs typeface="AdobeClean-Light"/>
+                      </a:endParaRPr>
                     </a:p>
                   </a:txBody>
                   <a:tcPr marL="0" marR="0" marT="57785" marB="0">
@@ -4552,7 +5319,7 @@
                         </a:spcBef>
                       </a:pPr>
                       <a:r>
-                        <a:rPr lang="es-ES" sz="900">
+                        <a:rPr sz="900">
                           <a:solidFill>
                             <a:srgbClr val="020302"/>
                           </a:solidFill>
@@ -4561,6 +5328,10 @@
                         </a:rPr>
                         <a:t>4</a:t>
                       </a:r>
+                      <a:endParaRPr sz="900">
+                        <a:latin typeface="AdobeClean-Light"/>
+                        <a:cs typeface="AdobeClean-Light"/>
+                      </a:endParaRPr>
                     </a:p>
                   </a:txBody>
                   <a:tcPr marL="0" marR="0" marT="57785" marB="0">
@@ -4590,7 +5361,7 @@
                         </a:spcBef>
                       </a:pPr>
                       <a:r>
-                        <a:rPr lang="es-ES" sz="900">
+                        <a:rPr sz="900">
                           <a:solidFill>
                             <a:srgbClr val="020302"/>
                           </a:solidFill>
@@ -4599,6 +5370,10 @@
                         </a:rPr>
                         <a:t>6</a:t>
                       </a:r>
+                      <a:endParaRPr sz="900">
+                        <a:latin typeface="AdobeClean-Light"/>
+                        <a:cs typeface="AdobeClean-Light"/>
+                      </a:endParaRPr>
                     </a:p>
                   </a:txBody>
                   <a:tcPr marL="0" marR="0" marT="57785" marB="0">
@@ -4621,7 +5396,7 @@
                     <a:bodyPr/>
                     <a:lstStyle/>
                     <a:p>
-                      <a:pPr marL="50800" algn="l" rtl="0">
+                      <a:pPr marL="50800">
                         <a:lnSpc>
                           <a:spcPct val="100000"/>
                         </a:lnSpc>
@@ -4670,15 +5445,19 @@
                         </a:spcBef>
                       </a:pPr>
                       <a:r>
-                        <a:rPr lang="es-ES" sz="900">
+                        <a:rPr lang="en-US" sz="900" spc="0">
                           <a:solidFill>
                             <a:srgbClr val="020302"/>
                           </a:solidFill>
                           <a:latin typeface="AdobeClean-Light"/>
                           <a:cs typeface="AdobeClean-Light"/>
                         </a:rPr>
-                        <a:t>Asistencia telefónica en directo</a:t>
+                        <a:t>Live Telephone Support</a:t>
                       </a:r>
+                      <a:endParaRPr sz="900" spc="0">
+                        <a:latin typeface="AdobeClean-Light"/>
+                        <a:cs typeface="AdobeClean-Light"/>
+                      </a:endParaRPr>
                     </a:p>
                   </a:txBody>
                   <a:tcPr marL="0" marR="0" marT="57785" marB="0">
@@ -4701,7 +5480,7 @@
                     <a:bodyPr/>
                     <a:lstStyle/>
                     <a:p>
-                      <a:pPr algn="l" rtl="0">
+                      <a:pPr algn="ctr">
                         <a:lnSpc>
                           <a:spcPct val="100000"/>
                         </a:lnSpc>
@@ -4742,7 +5521,7 @@
                         </a:spcBef>
                       </a:pPr>
                       <a:r>
-                        <a:rPr lang="es-ES" sz="900">
+                        <a:rPr sz="900">
                           <a:solidFill>
                             <a:srgbClr val="020302"/>
                           </a:solidFill>
@@ -4751,6 +5530,10 @@
                         </a:rPr>
                         <a:t></a:t>
                       </a:r>
+                      <a:endParaRPr sz="900">
+                        <a:latin typeface="Wingdings"/>
+                        <a:cs typeface="Wingdings"/>
+                      </a:endParaRPr>
                     </a:p>
                   </a:txBody>
                   <a:tcPr marL="0" marR="0" marT="59054" marB="0">
@@ -4773,7 +5556,7 @@
                     <a:bodyPr/>
                     <a:lstStyle/>
                     <a:p>
-                      <a:pPr marL="50800" algn="l" rtl="0">
+                      <a:pPr marL="50800">
                         <a:lnSpc>
                           <a:spcPct val="100000"/>
                         </a:lnSpc>
@@ -4822,15 +5605,19 @@
                         </a:spcBef>
                       </a:pPr>
                       <a:r>
-                        <a:rPr lang="es-ES" sz="900">
+                        <a:rPr sz="900" spc="0">
                           <a:solidFill>
                             <a:srgbClr val="020302"/>
                           </a:solidFill>
                           <a:latin typeface="AdobeClean-Light"/>
                           <a:cs typeface="AdobeClean-Light"/>
                         </a:rPr>
-                        <a:t>Administración de la escalabilidad</a:t>
+                        <a:t>Escalation Management</a:t>
                       </a:r>
+                      <a:endParaRPr sz="900" spc="0">
+                        <a:latin typeface="AdobeClean-Light"/>
+                        <a:cs typeface="AdobeClean-Light"/>
+                      </a:endParaRPr>
                     </a:p>
                   </a:txBody>
                   <a:tcPr marL="0" marR="0" marT="58419" marB="0">
@@ -4853,7 +5640,7 @@
                     <a:bodyPr/>
                     <a:lstStyle/>
                     <a:p>
-                      <a:pPr algn="l" rtl="0">
+                      <a:pPr algn="ctr">
                         <a:lnSpc>
                           <a:spcPct val="100000"/>
                         </a:lnSpc>
@@ -4894,7 +5681,7 @@
                         </a:spcBef>
                       </a:pPr>
                       <a:r>
-                        <a:rPr lang="es-ES" sz="900">
+                        <a:rPr sz="900">
                           <a:solidFill>
                             <a:srgbClr val="020302"/>
                           </a:solidFill>
@@ -4903,6 +5690,10 @@
                         </a:rPr>
                         <a:t></a:t>
                       </a:r>
+                      <a:endParaRPr sz="900">
+                        <a:latin typeface="Wingdings"/>
+                        <a:cs typeface="Wingdings"/>
+                      </a:endParaRPr>
                     </a:p>
                   </a:txBody>
                   <a:tcPr marL="0" marR="0" marT="59690" marB="0">
@@ -4925,7 +5716,7 @@
                     <a:bodyPr/>
                     <a:lstStyle/>
                     <a:p>
-                      <a:pPr marL="50800" algn="l" rtl="0">
+                      <a:pPr marL="50800">
                         <a:lnSpc>
                           <a:spcPct val="100000"/>
                         </a:lnSpc>
@@ -4974,15 +5765,29 @@
                         </a:spcBef>
                       </a:pPr>
                       <a:r>
-                        <a:rPr lang="es-ES" sz="900">
+                        <a:rPr sz="900" spc="0">
                           <a:solidFill>
                             <a:srgbClr val="020302"/>
                           </a:solidFill>
                           <a:latin typeface="AdobeClean-Light"/>
                           <a:cs typeface="AdobeClean-Light"/>
                         </a:rPr>
-                        <a:t>Revisiones de servicio al año</a:t>
+                        <a:t>Service Reviews </a:t>
                       </a:r>
+                      <a:r>
+                        <a:rPr lang="en-US" sz="900" spc="0">
+                          <a:solidFill>
+                            <a:srgbClr val="020302"/>
+                          </a:solidFill>
+                          <a:latin typeface="AdobeClean-Light"/>
+                          <a:cs typeface="AdobeClean-Light"/>
+                        </a:rPr>
+                        <a:t>per Year</a:t>
+                      </a:r>
+                      <a:endParaRPr sz="900" spc="0">
+                        <a:latin typeface="AdobeClean-Light"/>
+                        <a:cs typeface="AdobeClean-Light"/>
+                      </a:endParaRPr>
                     </a:p>
                   </a:txBody>
                   <a:tcPr marL="0" marR="0" marT="57150" marB="0">
@@ -5005,7 +5810,7 @@
                     <a:bodyPr/>
                     <a:lstStyle/>
                     <a:p>
-                      <a:pPr algn="l" rtl="0">
+                      <a:pPr>
                         <a:lnSpc>
                           <a:spcPct val="100000"/>
                         </a:lnSpc>
@@ -5034,7 +5839,7 @@
                     <a:bodyPr/>
                     <a:lstStyle/>
                     <a:p>
-                      <a:pPr algn="l" rtl="0">
+                      <a:pPr>
                         <a:lnSpc>
                           <a:spcPct val="100000"/>
                         </a:lnSpc>
@@ -5084,12 +5889,16 @@
                         </a:spcBef>
                       </a:pPr>
                       <a:r>
-                        <a:rPr lang="es-ES" sz="900">
+                        <a:rPr lang="en-US" sz="900" spc="0">
                           <a:latin typeface="AdobeClean-Light"/>
                           <a:cs typeface="AdobeClean-Light"/>
                         </a:rPr>
-                        <a:t>Sesiones con expertos al año</a:t>
+                        <a:t>Expert Sessions per Year</a:t>
                       </a:r>
+                      <a:endParaRPr sz="900" spc="0">
+                        <a:latin typeface="AdobeClean-Light"/>
+                        <a:cs typeface="AdobeClean-Light"/>
+                      </a:endParaRPr>
                     </a:p>
                   </a:txBody>
                   <a:tcPr marL="0" marR="0" marT="57150" marB="0">
@@ -5118,7 +5927,7 @@
                     <a:bodyPr/>
                     <a:lstStyle/>
                     <a:p>
-                      <a:pPr algn="l" rtl="0">
+                      <a:pPr>
                         <a:lnSpc>
                           <a:spcPct val="100000"/>
                         </a:lnSpc>
@@ -5147,7 +5956,7 @@
                     <a:bodyPr/>
                     <a:lstStyle/>
                     <a:p>
-                      <a:pPr algn="l" rtl="0">
+                      <a:pPr>
                         <a:lnSpc>
                           <a:spcPct val="100000"/>
                         </a:lnSpc>
@@ -5197,12 +6006,16 @@
                         </a:spcBef>
                       </a:pPr>
                       <a:r>
-                        <a:rPr lang="es-ES" sz="900">
+                        <a:rPr lang="en-US" sz="900" spc="0">
                           <a:latin typeface="AdobeClean-Light"/>
                           <a:cs typeface="AdobeClean-Light"/>
                         </a:rPr>
-                        <a:t>Reseñas de casos</a:t>
+                        <a:t>Case Reviews</a:t>
                       </a:r>
+                      <a:endParaRPr sz="900" spc="0">
+                        <a:latin typeface="AdobeClean-Light"/>
+                        <a:cs typeface="AdobeClean-Light"/>
+                      </a:endParaRPr>
                     </a:p>
                   </a:txBody>
                   <a:tcPr marL="0" marR="0" marT="57150" marB="0">
@@ -5231,7 +6044,7 @@
                     <a:bodyPr/>
                     <a:lstStyle/>
                     <a:p>
-                      <a:pPr algn="l" rtl="0">
+                      <a:pPr>
                         <a:lnSpc>
                           <a:spcPct val="100000"/>
                         </a:lnSpc>
@@ -5260,7 +6073,7 @@
                     <a:bodyPr/>
                     <a:lstStyle/>
                     <a:p>
-                      <a:pPr algn="l" rtl="0">
+                      <a:pPr>
                         <a:lnSpc>
                           <a:spcPct val="100000"/>
                         </a:lnSpc>
@@ -5291,7 +6104,7 @@
                     <a:bodyPr/>
                     <a:lstStyle/>
                     <a:p>
-                      <a:pPr marL="48895" algn="l" rtl="0">
+                      <a:pPr marL="48895">
                         <a:lnSpc>
                           <a:spcPct val="100000"/>
                         </a:lnSpc>
@@ -5349,15 +6162,29 @@
                         </a:spcBef>
                       </a:pPr>
                       <a:r>
-                        <a:rPr lang="es-ES" sz="900">
+                        <a:rPr sz="900" spc="0">
                           <a:solidFill>
                             <a:srgbClr val="020302"/>
                           </a:solidFill>
                           <a:latin typeface="AdobeClean-Light"/>
                           <a:cs typeface="AdobeClean-Light"/>
                         </a:rPr>
-                        <a:t>Gestión de eventos</a:t>
+                        <a:t>Event </a:t>
                       </a:r>
+                      <a:r>
+                        <a:rPr lang="en-US" sz="900" spc="0">
+                          <a:solidFill>
+                            <a:srgbClr val="020302"/>
+                          </a:solidFill>
+                          <a:latin typeface="AdobeClean-Light"/>
+                          <a:cs typeface="AdobeClean-Light"/>
+                        </a:rPr>
+                        <a:t>Management</a:t>
+                      </a:r>
+                      <a:endParaRPr sz="900" spc="0">
+                        <a:latin typeface="AdobeClean-Light"/>
+                        <a:cs typeface="AdobeClean-Light"/>
+                      </a:endParaRPr>
                     </a:p>
                   </a:txBody>
                   <a:tcPr marL="0" marR="0" marT="58419" marB="0">
@@ -5386,7 +6213,7 @@
                     <a:bodyPr/>
                     <a:lstStyle/>
                     <a:p>
-                      <a:pPr algn="l" rtl="0">
+                      <a:pPr>
                         <a:lnSpc>
                           <a:spcPct val="100000"/>
                         </a:lnSpc>
@@ -5415,7 +6242,7 @@
                     <a:bodyPr/>
                     <a:lstStyle/>
                     <a:p>
-                      <a:pPr algn="l" rtl="0">
+                      <a:pPr>
                         <a:lnSpc>
                           <a:spcPct val="100000"/>
                         </a:lnSpc>
@@ -5446,7 +6273,7 @@
                     <a:bodyPr/>
                     <a:lstStyle/>
                     <a:p>
-                      <a:pPr marL="48895" algn="l" rtl="0">
+                      <a:pPr marL="48895">
                         <a:lnSpc>
                           <a:spcPct val="100000"/>
                         </a:lnSpc>
@@ -5495,15 +6322,39 @@
                         </a:spcBef>
                       </a:pPr>
                       <a:r>
-                        <a:rPr lang="es-ES" sz="900">
+                        <a:rPr sz="900" spc="0">
                           <a:solidFill>
                             <a:srgbClr val="020302"/>
                           </a:solidFill>
                           <a:latin typeface="AdobeClean-Light"/>
                           <a:cs typeface="AdobeClean-Light"/>
                         </a:rPr>
-                        <a:t>Revisión, mantenimiento y monitorización del entorno</a:t>
+                        <a:t>Environment</a:t>
                       </a:r>
+                      <a:r>
+                        <a:rPr lang="en-US" sz="900" spc="0">
+                          <a:solidFill>
+                            <a:srgbClr val="020302"/>
+                          </a:solidFill>
+                          <a:latin typeface="AdobeClean-Light"/>
+                          <a:cs typeface="AdobeClean-Light"/>
+                        </a:rPr>
+                        <a:t> </a:t>
+                      </a:r>
+                      <a:r>
+                        <a:rPr sz="900" spc="0">
+                          <a:solidFill>
+                            <a:srgbClr val="020302"/>
+                          </a:solidFill>
+                          <a:latin typeface="AdobeClean-Light"/>
+                          <a:cs typeface="AdobeClean-Light"/>
+                        </a:rPr>
+                        <a:t>Review, Maintenance &amp; Monitoring</a:t>
+                      </a:r>
+                      <a:endParaRPr sz="900" spc="0">
+                        <a:latin typeface="AdobeClean-Light"/>
+                        <a:cs typeface="AdobeClean-Light"/>
+                      </a:endParaRPr>
                     </a:p>
                   </a:txBody>
                   <a:tcPr marL="0" marR="0" marT="59055" marB="0">
@@ -5526,7 +6377,7 @@
                     <a:bodyPr/>
                     <a:lstStyle/>
                     <a:p>
-                      <a:pPr algn="l" rtl="0">
+                      <a:pPr>
                         <a:lnSpc>
                           <a:spcPct val="100000"/>
                         </a:lnSpc>
@@ -5555,7 +6406,7 @@
                     <a:bodyPr/>
                     <a:lstStyle/>
                     <a:p>
-                      <a:pPr algn="l" rtl="0">
+                      <a:pPr>
                         <a:lnSpc>
                           <a:spcPct val="100000"/>
                         </a:lnSpc>
@@ -5586,7 +6437,7 @@
                     <a:bodyPr/>
                     <a:lstStyle/>
                     <a:p>
-                      <a:pPr marL="49530" algn="l" rtl="0">
+                      <a:pPr marL="49530">
                         <a:lnSpc>
                           <a:spcPct val="100000"/>
                         </a:lnSpc>
@@ -5635,34 +6486,19 @@
                         </a:spcBef>
                       </a:pPr>
                       <a:r>
-                        <a:rPr lang="es-ES" sz="900" dirty="0">
+                        <a:rPr sz="900" spc="0">
                           <a:solidFill>
                             <a:srgbClr val="020302"/>
                           </a:solidFill>
                           <a:latin typeface="AdobeClean-Light"/>
                           <a:cs typeface="AdobeClean-Light"/>
                         </a:rPr>
-                        <a:t>Lanzamiento, migración, actualización y revisión </a:t>
+                        <a:t>Release, Migration, Upgrade &amp; Product Roadmap Review</a:t>
                       </a:r>
-                      <a:br>
-                        <a:rPr lang="es-ES" sz="900" dirty="0">
-                          <a:solidFill>
-                            <a:srgbClr val="020302"/>
-                          </a:solidFill>
-                          <a:latin typeface="AdobeClean-Light"/>
-                          <a:cs typeface="AdobeClean-Light"/>
-                        </a:rPr>
-                      </a:br>
-                      <a:r>
-                        <a:rPr lang="es-ES" sz="900" dirty="0">
-                          <a:solidFill>
-                            <a:srgbClr val="020302"/>
-                          </a:solidFill>
-                          <a:latin typeface="AdobeClean-Light"/>
-                          <a:cs typeface="AdobeClean-Light"/>
-                        </a:rPr>
-                        <a:t>de la hoja de ruta del producto</a:t>
-                      </a:r>
+                      <a:endParaRPr sz="900" spc="0">
+                        <a:latin typeface="AdobeClean-Light"/>
+                        <a:cs typeface="AdobeClean-Light"/>
+                      </a:endParaRPr>
                     </a:p>
                   </a:txBody>
                   <a:tcPr marL="0" marR="0" marT="63500" marB="0">
@@ -5685,7 +6521,7 @@
                     <a:bodyPr/>
                     <a:lstStyle/>
                     <a:p>
-                      <a:pPr algn="l" rtl="0">
+                      <a:pPr>
                         <a:lnSpc>
                           <a:spcPct val="100000"/>
                         </a:lnSpc>
@@ -5714,7 +6550,7 @@
                     <a:bodyPr/>
                     <a:lstStyle/>
                     <a:p>
-                      <a:pPr algn="l" rtl="0">
+                      <a:pPr>
                         <a:lnSpc>
                           <a:spcPct val="100000"/>
                         </a:lnSpc>
@@ -5745,7 +6581,7 @@
                     <a:bodyPr/>
                     <a:lstStyle/>
                     <a:p>
-                      <a:pPr marL="49530" algn="l" rtl="0">
+                      <a:pPr marL="49530">
                         <a:lnSpc>
                           <a:spcPct val="100000"/>
                         </a:lnSpc>
@@ -5803,11 +6639,11 @@
                         </a:spcBef>
                       </a:pPr>
                       <a:r>
-                        <a:rPr lang="es-ES" sz="900">
+                        <a:rPr sz="900" spc="0">
                           <a:latin typeface="AdobeClean-Light"/>
                           <a:cs typeface="AdobeClean-Light"/>
                         </a:rPr>
-                        <a:t>Actividades de asistencia en la nube: Experience Manager as Cloud</a:t>
+                        <a:t>Cloud Support Activities – Experience Manager as Cloud</a:t>
                       </a:r>
                     </a:p>
                   </a:txBody>
@@ -5837,7 +6673,7 @@
                     <a:bodyPr/>
                     <a:lstStyle/>
                     <a:p>
-                      <a:pPr algn="l" rtl="0">
+                      <a:pPr>
                         <a:lnSpc>
                           <a:spcPct val="100000"/>
                         </a:lnSpc>
@@ -5875,7 +6711,7 @@
                     <a:bodyPr/>
                     <a:lstStyle/>
                     <a:p>
-                      <a:pPr algn="l" rtl="0">
+                      <a:pPr>
                         <a:lnSpc>
                           <a:spcPct val="100000"/>
                         </a:lnSpc>
@@ -5924,15 +6760,22 @@
                         </a:spcBef>
                       </a:pPr>
                       <a:r>
-                        <a:rPr lang="es-ES" sz="1000" b="1" i="0">
+                        <a:rPr lang="en-US" sz="1000" b="1" i="0" spc="0">
                           <a:solidFill>
                             <a:schemeClr val="bg1"/>
                           </a:solidFill>
                           <a:latin typeface="Adobe Clean" panose="020B0503020404020204" pitchFamily="34" charset="0"/>
                           <a:cs typeface="AdobeClean-Light"/>
                         </a:rPr>
-                        <a:t>Servicios de campo</a:t>
+                        <a:t>Field Services</a:t>
                       </a:r>
+                      <a:endParaRPr sz="1000" b="1" i="0" spc="0">
+                        <a:solidFill>
+                          <a:schemeClr val="bg1"/>
+                        </a:solidFill>
+                        <a:latin typeface="Adobe Clean" panose="020B0503020404020204" pitchFamily="34" charset="0"/>
+                        <a:cs typeface="AdobeClean-Light"/>
+                      </a:endParaRPr>
                     </a:p>
                   </a:txBody>
                   <a:tcPr marL="0" marR="0" marT="48260" marB="0" anchor="ctr">
@@ -5985,15 +6828,19 @@
                         </a:spcBef>
                       </a:pPr>
                       <a:r>
-                        <a:rPr lang="es-ES" sz="900">
+                        <a:rPr sz="900" spc="0">
                           <a:solidFill>
                             <a:srgbClr val="020302"/>
                           </a:solidFill>
                           <a:latin typeface="AdobeClean-Light"/>
                           <a:cs typeface="AdobeClean-Light"/>
                         </a:rPr>
-                        <a:t>Servicios de Launch Advisory: primer año de la nueva solución</a:t>
+                        <a:t>Launch Advisory Services – First Year of new solution</a:t>
                       </a:r>
+                      <a:endParaRPr sz="900" spc="0">
+                        <a:latin typeface="AdobeClean-Light"/>
+                        <a:cs typeface="AdobeClean-Light"/>
+                      </a:endParaRPr>
                     </a:p>
                     <a:p>
                       <a:pPr marL="48260" hangingPunct="0">
@@ -6005,11 +6852,11 @@
                         </a:spcBef>
                       </a:pPr>
                       <a:r>
-                        <a:rPr lang="es-ES" sz="900">
+                        <a:rPr sz="900" spc="0">
                           <a:latin typeface="AdobeClean-Light"/>
                           <a:cs typeface="AdobeClean-Light"/>
                         </a:rPr>
-                        <a:t>Actividades del servicio de campo </a:t>
+                        <a:t>Field Service Activities </a:t>
                       </a:r>
                     </a:p>
                   </a:txBody>
@@ -6045,7 +6892,7 @@
                     <a:bodyPr/>
                     <a:lstStyle/>
                     <a:p>
-                      <a:pPr algn="l" rtl="0">
+                      <a:pPr>
                         <a:lnSpc>
                           <a:spcPct val="100000"/>
                         </a:lnSpc>
@@ -6083,7 +6930,7 @@
                     <a:bodyPr/>
                     <a:lstStyle/>
                     <a:p>
-                      <a:pPr algn="l" rtl="0">
+                      <a:pPr>
                         <a:lnSpc>
                           <a:spcPct val="100000"/>
                         </a:lnSpc>
@@ -6168,7 +7015,7 @@
                     <a:bodyPr/>
                     <a:lstStyle/>
                     <a:p>
-                      <a:pPr algn="l" rtl="0">
+                      <a:pPr>
                         <a:lnSpc>
                           <a:spcPct val="100000"/>
                         </a:lnSpc>
@@ -6194,12 +7041,12 @@
                     <a:bodyPr/>
                     <a:lstStyle/>
                     <a:p>
-                      <a:pPr algn="l" rtl="0">
+                      <a:pPr>
                         <a:lnSpc>
                           <a:spcPct val="100000"/>
                         </a:lnSpc>
                       </a:pPr>
-                      <a:endParaRPr sz="900" dirty="0">
+                      <a:endParaRPr sz="900">
                         <a:latin typeface="Times New Roman"/>
                         <a:cs typeface="Times New Roman"/>
                       </a:endParaRPr>
@@ -6258,7 +7105,7 @@
           <a:lstStyle/>
           <a:p>
             <a:r>
-              <a:rPr lang="es-ES" sz="700" i="1">
+              <a:rPr lang="en-US" sz="700" i="1">
                 <a:solidFill>
                   <a:schemeClr val="bg1"/>
                 </a:solidFill>
@@ -6439,8 +7286,8 @@
         </p:nvSpPr>
         <p:spPr>
           <a:xfrm>
-            <a:off x="370040" y="1504489"/>
-            <a:ext cx="2286000" cy="1458926"/>
+            <a:off x="370040" y="1409311"/>
+            <a:ext cx="2286000" cy="1289969"/>
           </a:xfrm>
           <a:prstGeom prst="rect">
             <a:avLst/>
@@ -6461,31 +7308,18 @@
               </a:spcBef>
             </a:pPr>
             <a:r>
-              <a:rPr lang="es-ES" sz="1000" dirty="0">
+              <a:rPr lang="en-US" sz="1000">
                 <a:solidFill>
                   <a:srgbClr val="000000"/>
                 </a:solidFill>
                 <a:latin typeface="Adobe Clean Light" panose="020B0303020404020204" pitchFamily="34" charset="0"/>
               </a:rPr>
-              <a:t>Un responsable de la asistencia técnica de </a:t>
-            </a:r>
-            <a:br>
-              <a:rPr lang="es-ES" sz="1000" dirty="0">
-                <a:solidFill>
-                  <a:srgbClr val="000000"/>
-                </a:solidFill>
-                <a:latin typeface="Adobe Clean Light" panose="020B0303020404020204" pitchFamily="34" charset="0"/>
-              </a:rPr>
-            </a:br>
-            <a:r>
-              <a:rPr lang="es-ES" sz="1000" dirty="0">
-                <a:solidFill>
-                  <a:srgbClr val="000000"/>
-                </a:solidFill>
-                <a:latin typeface="Adobe Clean Light" panose="020B0303020404020204" pitchFamily="34" charset="0"/>
-              </a:rPr>
-              <a:t>la cuenta particular para monitorizar de forma proactiva los casos, impulsar la colaboración entre equipos, ofrecer seminarios web de incorporación, ejecutar informes de servicios, proporcionar asistencia no técnica, y actuar como punto de escalación y defensor interno dentro del equipo de asistencia de Adobe.</a:t>
-            </a:r>
+              <a:t>A designated Account Support Lead to proactively monitor cases, drive cross-team collaboration, deliver onboarding webinars, run service reports, provide non-technical support assistance, and function as your escalation point and internal advocate within Adobe Support.</a:t>
+            </a:r>
+            <a:endParaRPr lang="en-US" sz="1000">
+              <a:latin typeface="Adobe Clean Light" panose="020B0303020404020204" pitchFamily="34" charset="0"/>
+              <a:cs typeface="AdobeClean-Light"/>
+            </a:endParaRPr>
           </a:p>
         </p:txBody>
       </p:sp>
@@ -6497,8 +7331,8 @@
         </p:nvSpPr>
         <p:spPr>
           <a:xfrm>
-            <a:off x="2680855" y="8551823"/>
-            <a:ext cx="2488440" cy="641201"/>
+            <a:off x="2836967" y="8618616"/>
+            <a:ext cx="2286000" cy="641201"/>
           </a:xfrm>
           <a:prstGeom prst="rect">
             <a:avLst/>
@@ -6522,14 +7356,44 @@
               </a:tabLst>
             </a:pPr>
             <a:r>
-              <a:rPr lang="es-ES" sz="1000" dirty="0">
+              <a:rPr sz="1000">
                 <a:solidFill>
                   <a:srgbClr val="020302"/>
                 </a:solidFill>
                 <a:latin typeface="AdobeClean-Light"/>
                 <a:cs typeface="AdobeClean-Light"/>
               </a:rPr>
-              <a:t>Inicie una sesión de chat para obtener respuestas y ayuda con el envío de casos.</a:t>
+              <a:t>Start a chat session to get answers</a:t>
+            </a:r>
+            <a:r>
+              <a:rPr lang="en-US" sz="1000">
+                <a:solidFill>
+                  <a:srgbClr val="020302"/>
+                </a:solidFill>
+                <a:latin typeface="AdobeClean-Light"/>
+                <a:cs typeface="AdobeClean-Light"/>
+              </a:rPr>
+              <a:t> &amp; </a:t>
+            </a:r>
+            <a:r>
+              <a:rPr sz="1000">
+                <a:solidFill>
+                  <a:srgbClr val="020302"/>
+                </a:solidFill>
+                <a:latin typeface="AdobeClean-Light"/>
+                <a:cs typeface="AdobeClean-Light"/>
+              </a:rPr>
+              <a:t>help with case submission</a:t>
+            </a:r>
+            <a:r>
+              <a:rPr lang="en-US" sz="1000">
+                <a:solidFill>
+                  <a:srgbClr val="020302"/>
+                </a:solidFill>
+                <a:latin typeface="AdobeClean-Light"/>
+                <a:cs typeface="AdobeClean-Light"/>
+              </a:rPr>
+              <a:t>.</a:t>
             </a:r>
           </a:p>
           <a:p>
@@ -6542,25 +7406,39 @@
               </a:tabLst>
             </a:pPr>
             <a:r>
-              <a:rPr lang="es-ES" sz="1000" i="1" dirty="0">
+              <a:rPr sz="1000" i="1">
                 <a:solidFill>
                   <a:srgbClr val="7A7A7A"/>
                 </a:solidFill>
                 <a:latin typeface="AdobeClean-LightIt"/>
                 <a:cs typeface="AdobeClean-LightIt"/>
               </a:rPr>
-              <a:t>* No todos los productos ofrecen la opción de disfrutar de asistencia mediante chat en directo</a:t>
-            </a:r>
-            <a:r>
-              <a:rPr lang="es-ES" sz="900" i="1" dirty="0">
+              <a:t>*Not all products have live chat support</a:t>
+            </a:r>
+            <a:r>
+              <a:rPr sz="900" i="1">
                 <a:solidFill>
                   <a:srgbClr val="7A7A7A"/>
                 </a:solidFill>
                 <a:latin typeface="AdobeClean-LightIt"/>
                 <a:cs typeface="AdobeClean-LightIt"/>
               </a:rPr>
-              <a:t>.  </a:t>
-            </a:r>
+              <a:t>.</a:t>
+            </a:r>
+            <a:r>
+              <a:rPr lang="en-US" sz="900" i="1">
+                <a:solidFill>
+                  <a:srgbClr val="7A7A7A"/>
+                </a:solidFill>
+                <a:latin typeface="AdobeClean-LightIt"/>
+                <a:cs typeface="AdobeClean-LightIt"/>
+              </a:rPr>
+              <a:t>  </a:t>
+            </a:r>
+            <a:endParaRPr sz="900">
+              <a:latin typeface="AdobeClean-Light"/>
+              <a:cs typeface="AdobeClean-Light"/>
+            </a:endParaRPr>
           </a:p>
         </p:txBody>
       </p:sp>
@@ -6609,7 +7487,7 @@
         </p:nvSpPr>
         <p:spPr>
           <a:xfrm>
-            <a:off x="838200" y="5939387"/>
+            <a:off x="838200" y="6046398"/>
             <a:ext cx="1568246" cy="184666"/>
           </a:xfrm>
           <a:prstGeom prst="rect">
@@ -6636,12 +7514,12 @@
               <a:defRPr/>
             </a:pPr>
             <a:r>
-              <a:rPr lang="es-ES" sz="1200">
+              <a:rPr lang="en-US" sz="1200">
                 <a:solidFill>
                   <a:srgbClr val="000000"/>
                 </a:solidFill>
               </a:rPr>
-              <a:t>Foros de la comunidad</a:t>
+              <a:t>Community Forums</a:t>
             </a:r>
           </a:p>
         </p:txBody>
@@ -6662,7 +7540,7 @@
         </p:nvSpPr>
         <p:spPr>
           <a:xfrm>
-            <a:off x="838200" y="6170294"/>
+            <a:off x="838200" y="6277305"/>
             <a:ext cx="959314" cy="184666"/>
           </a:xfrm>
           <a:prstGeom prst="rect">
@@ -6684,12 +7562,12 @@
               </a:spcAft>
             </a:pPr>
             <a:r>
-              <a:rPr lang="es-ES" sz="1200" b="1">
+              <a:rPr lang="en-US" sz="1200" b="1">
                 <a:latin typeface="+mj-lt"/>
                 <a:ea typeface="Open Sans" pitchFamily="34" charset="0"/>
                 <a:cs typeface="Open Sans" pitchFamily="34" charset="0"/>
               </a:rPr>
-              <a:t>Foros en línea</a:t>
+              <a:t>Online Forums</a:t>
             </a:r>
           </a:p>
         </p:txBody>
@@ -6708,8 +7586,8 @@
         </p:nvSpPr>
         <p:spPr>
           <a:xfrm>
-            <a:off x="370040" y="6422238"/>
-            <a:ext cx="2233067" cy="1113125"/>
+            <a:off x="370040" y="6529249"/>
+            <a:ext cx="2286000" cy="805349"/>
           </a:xfrm>
           <a:prstGeom prst="rect">
             <a:avLst/>
@@ -6722,47 +7600,13 @@
           <a:lstStyle/>
           <a:p>
             <a:r>
-              <a:rPr lang="es-ES" sz="1000" dirty="0">
+              <a:rPr lang="en-US" sz="1000">
                 <a:solidFill>
                   <a:srgbClr val="000000"/>
                 </a:solidFill>
                 <a:latin typeface="Adobe Clean Light" panose="020B0303020404020204" pitchFamily="34" charset="0"/>
               </a:rPr>
-              <a:t>Acceso continuo en línea a una base </a:t>
-            </a:r>
-            <a:br>
-              <a:rPr lang="es-ES" sz="1000" dirty="0">
-                <a:solidFill>
-                  <a:srgbClr val="000000"/>
-                </a:solidFill>
-                <a:latin typeface="Adobe Clean Light" panose="020B0303020404020204" pitchFamily="34" charset="0"/>
-              </a:rPr>
-            </a:br>
-            <a:r>
-              <a:rPr lang="es-ES" sz="1000" dirty="0">
-                <a:solidFill>
-                  <a:srgbClr val="000000"/>
-                </a:solidFill>
-                <a:latin typeface="Adobe Clean Light" panose="020B0303020404020204" pitchFamily="34" charset="0"/>
-              </a:rPr>
-              <a:t>de datos donde encontrará cada vez más soluciones técnicas, documentación de productos, preguntas frecuentes y mucho más. Miles de clientes se pueden conectar para compartir las prácticas recomendadas </a:t>
-            </a:r>
-            <a:br>
-              <a:rPr lang="es-ES" sz="1000" dirty="0">
-                <a:solidFill>
-                  <a:srgbClr val="000000"/>
-                </a:solidFill>
-                <a:latin typeface="Adobe Clean Light" panose="020B0303020404020204" pitchFamily="34" charset="0"/>
-              </a:rPr>
-            </a:br>
-            <a:r>
-              <a:rPr lang="es-ES" sz="1000" dirty="0">
-                <a:solidFill>
-                  <a:srgbClr val="000000"/>
-                </a:solidFill>
-                <a:latin typeface="Adobe Clean Light" panose="020B0303020404020204" pitchFamily="34" charset="0"/>
-              </a:rPr>
-              <a:t>y las lecciones aprendidas.</a:t>
+              <a:t>Continuous online access to a growing database of technical solutions, product documentation, FAQs and more. Thousands of customers can connect to share best practices and lessons learned.</a:t>
             </a:r>
           </a:p>
         </p:txBody>
@@ -6783,7 +7627,7 @@
         </p:nvSpPr>
         <p:spPr>
           <a:xfrm>
-            <a:off x="5786661" y="6170294"/>
+            <a:off x="5851290" y="6277305"/>
             <a:ext cx="1316707" cy="184666"/>
           </a:xfrm>
           <a:prstGeom prst="rect">
@@ -6805,12 +7649,12 @@
               </a:spcAft>
             </a:pPr>
             <a:r>
-              <a:rPr lang="es-ES" sz="1200" b="1">
+              <a:rPr lang="en-US" sz="1200" b="1">
                 <a:latin typeface="+mj-lt"/>
                 <a:ea typeface="Open Sans" pitchFamily="34" charset="0"/>
                 <a:cs typeface="Open Sans" pitchFamily="34" charset="0"/>
               </a:rPr>
-              <a:t>Recorridos autoguiados</a:t>
+              <a:t>Self-guided Journeys</a:t>
             </a:r>
           </a:p>
         </p:txBody>
@@ -6829,8 +7673,8 @@
         </p:nvSpPr>
         <p:spPr>
           <a:xfrm>
-            <a:off x="5311672" y="6422238"/>
-            <a:ext cx="2224649" cy="1267014"/>
+            <a:off x="5376301" y="6529249"/>
+            <a:ext cx="2286000" cy="959237"/>
           </a:xfrm>
           <a:prstGeom prst="rect">
             <a:avLst/>
@@ -6843,67 +7687,13 @@
           <a:lstStyle/>
           <a:p>
             <a:r>
-              <a:rPr lang="es-ES" sz="1000" dirty="0">
+              <a:rPr lang="en-US" sz="1000">
                 <a:solidFill>
                   <a:srgbClr val="000000"/>
                 </a:solidFill>
                 <a:latin typeface="Adobe Clean Light" panose="020B0303020404020204" pitchFamily="34" charset="0"/>
               </a:rPr>
-              <a:t>Los </a:t>
-            </a:r>
-            <a:r>
-              <a:rPr lang="es-ES" sz="1000" dirty="0" err="1">
-                <a:solidFill>
-                  <a:srgbClr val="000000"/>
-                </a:solidFill>
-                <a:latin typeface="Adobe Clean Light" panose="020B0303020404020204" pitchFamily="34" charset="0"/>
-              </a:rPr>
-              <a:t>experience</a:t>
-            </a:r>
-            <a:r>
-              <a:rPr lang="es-ES" sz="1000" dirty="0">
-                <a:solidFill>
-                  <a:srgbClr val="000000"/>
-                </a:solidFill>
-                <a:latin typeface="Adobe Clean Light" panose="020B0303020404020204" pitchFamily="34" charset="0"/>
-              </a:rPr>
-              <a:t> </a:t>
-            </a:r>
-            <a:r>
-              <a:rPr lang="es-ES" sz="1000" dirty="0" err="1">
-                <a:solidFill>
-                  <a:srgbClr val="000000"/>
-                </a:solidFill>
-                <a:latin typeface="Adobe Clean Light" panose="020B0303020404020204" pitchFamily="34" charset="0"/>
-              </a:rPr>
-              <a:t>makers</a:t>
-            </a:r>
-            <a:r>
-              <a:rPr lang="es-ES" sz="1000" dirty="0">
-                <a:solidFill>
-                  <a:srgbClr val="000000"/>
-                </a:solidFill>
-                <a:latin typeface="Adobe Clean Light" panose="020B0303020404020204" pitchFamily="34" charset="0"/>
-              </a:rPr>
-              <a:t> se realizan con </a:t>
-            </a:r>
-            <a:r>
-              <a:rPr lang="es-ES" sz="1000" dirty="0" err="1">
-                <a:solidFill>
-                  <a:srgbClr val="000000"/>
-                </a:solidFill>
-                <a:latin typeface="Adobe Clean Light" panose="020B0303020404020204" pitchFamily="34" charset="0"/>
-              </a:rPr>
-              <a:t>Experience</a:t>
-            </a:r>
-            <a:r>
-              <a:rPr lang="es-ES" sz="1000" dirty="0">
-                <a:solidFill>
-                  <a:srgbClr val="000000"/>
-                </a:solidFill>
-                <a:latin typeface="Adobe Clean Light" panose="020B0303020404020204" pitchFamily="34" charset="0"/>
-              </a:rPr>
-              <a:t> League. Los clientes pueden aplicar sus conocimientos de administración de la experiencia del cliente con aprendizaje personalizado para desarrollar habilidades, interactuar con la comunidad internacional de compañeros y obtener reconocimiento en su trayectoria profesional.</a:t>
+              <a:t>Experience Makers are made with Experience League. Customers can kickstart their Customer Experience Management abilities with personalized learning to develop skills, engage with a global community of peers, and earn career advancing recognition.</a:t>
             </a:r>
           </a:p>
         </p:txBody>
@@ -6924,7 +7714,7 @@
         </p:nvSpPr>
         <p:spPr>
           <a:xfrm>
-            <a:off x="3059783" y="8083348"/>
+            <a:off x="3215895" y="8150141"/>
             <a:ext cx="2520000" cy="184666"/>
           </a:xfrm>
           <a:prstGeom prst="rect">
@@ -6951,12 +7741,12 @@
               <a:defRPr/>
             </a:pPr>
             <a:r>
-              <a:rPr lang="es-ES" sz="1200" dirty="0">
+              <a:rPr lang="en-US" sz="1200">
                 <a:solidFill>
                   <a:srgbClr val="000000"/>
                 </a:solidFill>
               </a:rPr>
-              <a:t>Asistencia mediante chat en directo*</a:t>
+              <a:t>Live Chat  Support*</a:t>
             </a:r>
           </a:p>
         </p:txBody>
@@ -6977,7 +7767,7 @@
         </p:nvSpPr>
         <p:spPr>
           <a:xfrm>
-            <a:off x="3042322" y="8306750"/>
+            <a:off x="3198434" y="8373543"/>
             <a:ext cx="840166" cy="184666"/>
           </a:xfrm>
           <a:prstGeom prst="rect">
@@ -6999,12 +7789,12 @@
               </a:spcAft>
             </a:pPr>
             <a:r>
-              <a:rPr lang="es-ES" sz="1200" b="1">
+              <a:rPr lang="en-US" sz="1200" b="1">
                 <a:latin typeface="+mj-lt"/>
                 <a:ea typeface="Open Sans" pitchFamily="34" charset="0"/>
                 <a:cs typeface="Open Sans" pitchFamily="34" charset="0"/>
               </a:rPr>
-              <a:t>Asistencia mediante chat</a:t>
+              <a:t>Chat Support</a:t>
             </a:r>
           </a:p>
         </p:txBody>
@@ -7025,7 +7815,7 @@
         </p:nvSpPr>
         <p:spPr>
           <a:xfrm>
-            <a:off x="3226143" y="5939387"/>
+            <a:off x="3290772" y="6046398"/>
             <a:ext cx="2520000" cy="184666"/>
           </a:xfrm>
           <a:prstGeom prst="rect">
@@ -7052,12 +7842,12 @@
               <a:defRPr/>
             </a:pPr>
             <a:r>
-              <a:rPr lang="es-ES" sz="1200">
+              <a:rPr lang="en-US" sz="1200">
                 <a:solidFill>
                   <a:srgbClr val="000000"/>
                 </a:solidFill>
               </a:rPr>
-              <a:t>24/7 P1 </a:t>
+              <a:t>24X7 P1 </a:t>
             </a:r>
           </a:p>
         </p:txBody>
@@ -7078,7 +7868,7 @@
         </p:nvSpPr>
         <p:spPr>
           <a:xfrm>
-            <a:off x="3211971" y="6170294"/>
+            <a:off x="3276600" y="6277305"/>
             <a:ext cx="992259" cy="184666"/>
           </a:xfrm>
           <a:prstGeom prst="rect">
@@ -7100,12 +7890,12 @@
               </a:spcAft>
             </a:pPr>
             <a:r>
-              <a:rPr lang="es-ES" sz="1200" b="1">
+              <a:rPr lang="en-US" sz="1200" b="1">
                 <a:latin typeface="+mj-lt"/>
                 <a:ea typeface="Open Sans" pitchFamily="34" charset="0"/>
                 <a:cs typeface="Open Sans" pitchFamily="34" charset="0"/>
               </a:rPr>
-              <a:t>Asistencia telefónica</a:t>
+              <a:t>Phone Support</a:t>
             </a:r>
           </a:p>
         </p:txBody>
@@ -7124,8 +7914,8 @@
         </p:nvSpPr>
         <p:spPr>
           <a:xfrm>
-            <a:off x="2772338" y="6422238"/>
-            <a:ext cx="2286000" cy="959237"/>
+            <a:off x="2836967" y="6529249"/>
+            <a:ext cx="2286000" cy="805349"/>
           </a:xfrm>
           <a:prstGeom prst="rect">
             <a:avLst/>
@@ -7138,37 +7928,26 @@
           <a:lstStyle/>
           <a:p>
             <a:r>
-              <a:rPr lang="es-ES" sz="1000" dirty="0">
+              <a:rPr lang="en-US" sz="1000">
                 <a:solidFill>
                   <a:srgbClr val="020302"/>
                 </a:solidFill>
                 <a:latin typeface="AdobeClean-Light"/>
               </a:rPr>
-              <a:t>Los usuarios autorizados o los contactos </a:t>
-            </a:r>
-            <a:br>
-              <a:rPr lang="es-ES" sz="1000" dirty="0">
-                <a:solidFill>
-                  <a:srgbClr val="020302"/>
-                </a:solidFill>
-                <a:latin typeface="AdobeClean-Light"/>
-              </a:rPr>
-            </a:br>
-            <a:r>
-              <a:rPr lang="es-ES" sz="1000" dirty="0">
-                <a:solidFill>
-                  <a:srgbClr val="020302"/>
-                </a:solidFill>
-                <a:latin typeface="AdobeClean-Light"/>
-              </a:rPr>
-              <a:t>de soporte particulares</a:t>
-            </a:r>
-            <a:r>
-              <a:rPr lang="es-ES" sz="1000" dirty="0">
+              <a:t>Authorized users or Named Support Contacts </a:t>
+            </a:r>
+            <a:r>
+              <a:rPr lang="en-US" sz="1000">
                 <a:latin typeface="Adobe Clean Light" panose="020B0303020404020204" pitchFamily="34" charset="0"/>
               </a:rPr>
-              <a:t> pueden enviar problemas a través de todos los canales disponibles (incluido el teléfono en el caso de los problemas P1) y hablar con nuestro equipo de asistencia en nombre de su empresa. </a:t>
-            </a:r>
+              <a:t>can submit issues through all available  channels (including phone for P1) and interact with our technical support team on behalf of your company. </a:t>
+            </a:r>
+            <a:endParaRPr lang="en-US" sz="1000">
+              <a:solidFill>
+                <a:srgbClr val="000000"/>
+              </a:solidFill>
+              <a:latin typeface="Adobe Clean Light" panose="020B0303020404020204" pitchFamily="34" charset="0"/>
+            </a:endParaRPr>
           </a:p>
         </p:txBody>
       </p:sp>
@@ -7212,8 +7991,24 @@
               </a:spcBef>
             </a:pPr>
             <a:r>
-              <a:rPr lang="es-ES"/>
-              <a:t>©2021 Adobe. All Rights Reserved. Adobe Confidential.</a:t>
+              <a:rPr spc="-5"/>
+              <a:t>©202</a:t>
+            </a:r>
+            <a:r>
+              <a:rPr lang="en-US" spc="-5"/>
+              <a:t>1</a:t>
+            </a:r>
+            <a:r>
+              <a:rPr spc="-5"/>
+              <a:t> Adobe. All Rights Reserved. Adobe</a:t>
+            </a:r>
+            <a:r>
+              <a:rPr spc="60"/>
+              <a:t> </a:t>
+            </a:r>
+            <a:r>
+              <a:rPr spc="-5"/>
+              <a:t>Confidential.</a:t>
             </a:r>
           </a:p>
         </p:txBody>
@@ -7235,7 +8030,7 @@
         <p:spPr>
           <a:xfrm>
             <a:off x="821898" y="1099315"/>
-            <a:ext cx="2020934" cy="369332"/>
+            <a:ext cx="1726164" cy="184666"/>
           </a:xfrm>
           <a:prstGeom prst="rect">
             <a:avLst/>
@@ -7256,13 +8051,13 @@
               </a:spcAft>
             </a:pPr>
             <a:r>
-              <a:rPr lang="es-ES" sz="1200" b="1" dirty="0">
+              <a:rPr lang="en-US" sz="1200" b="1" spc="-10">
                 <a:solidFill>
                   <a:srgbClr val="020302"/>
                 </a:solidFill>
                 <a:latin typeface="+mj-lt"/>
               </a:rPr>
-              <a:t>Responsable de la asistencia técnica de la cuenta</a:t>
+              <a:t>Account Support Lead</a:t>
             </a:r>
           </a:p>
         </p:txBody>
@@ -7281,8 +8076,8 @@
         </p:nvSpPr>
         <p:spPr>
           <a:xfrm>
-            <a:off x="401995" y="5677998"/>
-            <a:ext cx="2168290" cy="45719"/>
+            <a:off x="401995" y="5785009"/>
+            <a:ext cx="1848207" cy="45719"/>
           </a:xfrm>
           <a:custGeom>
             <a:avLst/>
@@ -7329,7 +8124,7 @@
         </p:nvSpPr>
         <p:spPr>
           <a:xfrm>
-            <a:off x="318713" y="5325530"/>
+            <a:off x="318713" y="5432541"/>
             <a:ext cx="2006640" cy="307777"/>
           </a:xfrm>
           <a:prstGeom prst="rect">
@@ -7351,15 +8146,19 @@
               </a:spcBef>
             </a:pPr>
             <a:r>
-              <a:rPr lang="es-ES" sz="1400" b="1">
+              <a:rPr lang="en-US" sz="1400" b="1" spc="-10">
                 <a:solidFill>
                   <a:srgbClr val="020302"/>
                 </a:solidFill>
                 <a:latin typeface="Adobe Clean"/>
                 <a:cs typeface="Adobe Clean"/>
               </a:rPr>
-              <a:t>Funciones de soporte Online</a:t>
-            </a:r>
+              <a:t>Online Support Features</a:t>
+            </a:r>
+            <a:endParaRPr lang="en-US" sz="1400">
+              <a:latin typeface="Adobe Clean"/>
+              <a:cs typeface="Adobe Clean"/>
+            </a:endParaRPr>
           </a:p>
         </p:txBody>
       </p:sp>
@@ -7377,8 +8176,8 @@
         </p:nvSpPr>
         <p:spPr>
           <a:xfrm>
-            <a:off x="384420" y="774494"/>
-            <a:ext cx="2253675" cy="109101"/>
+            <a:off x="384421" y="774495"/>
+            <a:ext cx="2011680" cy="0"/>
           </a:xfrm>
           <a:custGeom>
             <a:avLst/>
@@ -7447,15 +8246,19 @@
               </a:spcBef>
             </a:pPr>
             <a:r>
-              <a:rPr lang="es-ES" sz="1400" b="1">
+              <a:rPr lang="en-US" sz="1400" b="1" spc="-10">
                 <a:solidFill>
                   <a:srgbClr val="020302"/>
                 </a:solidFill>
                 <a:latin typeface="Adobe Clean"/>
                 <a:cs typeface="Adobe Clean"/>
               </a:rPr>
-              <a:t>Funciones de soporte Business</a:t>
-            </a:r>
+              <a:t>Business  Support Features</a:t>
+            </a:r>
+            <a:endParaRPr lang="en-US" sz="1400">
+              <a:latin typeface="Adobe Clean"/>
+              <a:cs typeface="Adobe Clean"/>
+            </a:endParaRPr>
           </a:p>
         </p:txBody>
       </p:sp>
@@ -7473,8 +8276,8 @@
         </p:nvSpPr>
         <p:spPr>
           <a:xfrm>
-            <a:off x="2836966" y="1466091"/>
-            <a:ext cx="2535941" cy="1817998"/>
+            <a:off x="2836967" y="1370913"/>
+            <a:ext cx="2286000" cy="1456681"/>
           </a:xfrm>
           <a:prstGeom prst="rect">
             <a:avLst/>
@@ -7495,66 +8298,15 @@
               </a:spcBef>
             </a:pPr>
             <a:r>
-              <a:rPr lang="es-ES" sz="1000" dirty="0">
+              <a:rPr lang="en-US" sz="1000">
                 <a:latin typeface="Adobe Clean Light" panose="020B0303020404020204" pitchFamily="34" charset="0"/>
               </a:rPr>
-              <a:t>Los clientes pueden enviar casos de asistencia</a:t>
-            </a:r>
-            <a:br>
-              <a:rPr lang="es-ES" sz="1000" dirty="0">
-                <a:latin typeface="Adobe Clean Light" panose="020B0303020404020204" pitchFamily="34" charset="0"/>
-              </a:rPr>
-            </a:br>
-            <a:r>
-              <a:rPr lang="es-ES" sz="1000" dirty="0">
-                <a:latin typeface="Adobe Clean Light" panose="020B0303020404020204" pitchFamily="34" charset="0"/>
-              </a:rPr>
-              <a:t>por teléfono en lo relacionado con todos los problemas P2, P3 y P4 durante el horario de asistencia regional. No existen límites máximos </a:t>
-            </a:r>
-            <a:br>
-              <a:rPr lang="es-ES" sz="1000" dirty="0">
-                <a:latin typeface="Adobe Clean Light" panose="020B0303020404020204" pitchFamily="34" charset="0"/>
-              </a:rPr>
-            </a:br>
-            <a:r>
-              <a:rPr lang="es-ES" sz="1000" dirty="0">
-                <a:latin typeface="Adobe Clean Light" panose="020B0303020404020204" pitchFamily="34" charset="0"/>
-              </a:rPr>
-              <a:t>en cuanto a la cantidad de veces que puede </a:t>
-            </a:r>
-            <a:br>
-              <a:rPr lang="sk-SK" sz="1000" dirty="0">
-                <a:latin typeface="Adobe Clean Light" panose="020B0303020404020204" pitchFamily="34" charset="0"/>
-              </a:rPr>
-            </a:br>
-            <a:r>
-              <a:rPr lang="es-ES" sz="1000" dirty="0">
-                <a:latin typeface="Adobe Clean Light" panose="020B0303020404020204" pitchFamily="34" charset="0"/>
-              </a:rPr>
-              <a:t>llamar al equipo de asistencia. Los clientes también pueden solicitar que el servicio de asistencia les llame por teléfono o solicitar una reunión para </a:t>
-            </a:r>
-            <a:br>
-              <a:rPr lang="es-ES" sz="1000" dirty="0">
-                <a:latin typeface="Adobe Clean Light" panose="020B0303020404020204" pitchFamily="34" charset="0"/>
-              </a:rPr>
-            </a:br>
-            <a:r>
-              <a:rPr lang="es-ES" sz="1000" dirty="0">
-                <a:latin typeface="Adobe Clean Light" panose="020B0303020404020204" pitchFamily="34" charset="0"/>
-              </a:rPr>
-              <a:t>ver o solucionar un problema mediante una sesión </a:t>
-            </a:r>
-            <a:br>
-              <a:rPr lang="es-ES" sz="1000" dirty="0">
-                <a:latin typeface="Adobe Clean Light" panose="020B0303020404020204" pitchFamily="34" charset="0"/>
-              </a:rPr>
-            </a:br>
-            <a:r>
-              <a:rPr lang="es-ES" sz="1000" dirty="0">
-                <a:latin typeface="Adobe Clean Light" panose="020B0303020404020204" pitchFamily="34" charset="0"/>
-              </a:rPr>
-              <a:t>de escritorio remoto compartida.</a:t>
-            </a:r>
+              <a:t>Customers can submit support cases via Phone for all P2, P3, P4 issues during regional support hours. There are no upper limits on the number of times you can call into support. Customers can also request a call back from support or request a meeting to demonstrate or work through an issue using a shared remote desktop session.</a:t>
+            </a:r>
+            <a:endParaRPr lang="en-US" sz="1000">
+              <a:latin typeface="Adobe Clean Light" panose="020B0303020404020204" pitchFamily="34" charset="0"/>
+              <a:cs typeface="AdobeClean-Light"/>
+            </a:endParaRPr>
           </a:p>
         </p:txBody>
       </p:sp>
@@ -7596,13 +8348,13 @@
               </a:spcAft>
             </a:pPr>
             <a:r>
-              <a:rPr lang="es-ES" sz="1200" b="1">
+              <a:rPr lang="en-US" sz="1200" b="1" spc="-10">
                 <a:solidFill>
                   <a:srgbClr val="020302"/>
                 </a:solidFill>
                 <a:latin typeface="+mj-lt"/>
               </a:rPr>
-              <a:t>Asistencia telefónica en directo</a:t>
+              <a:t>Live Telephone Support</a:t>
             </a:r>
           </a:p>
         </p:txBody>
@@ -7621,7 +8373,7 @@
         </p:nvSpPr>
         <p:spPr>
           <a:xfrm>
-            <a:off x="5376301" y="1493660"/>
+            <a:off x="5376301" y="1398482"/>
             <a:ext cx="2286000" cy="805349"/>
           </a:xfrm>
           <a:prstGeom prst="rect">
@@ -7643,14 +8395,18 @@
               </a:spcBef>
             </a:pPr>
             <a:r>
-              <a:rPr lang="es-ES" sz="1000">
+              <a:rPr lang="en-US" sz="1000">
                 <a:solidFill>
                   <a:srgbClr val="4B4B4B"/>
                 </a:solidFill>
                 <a:latin typeface="Adobe Clean Light" panose="020B0303020404020204" pitchFamily="34" charset="0"/>
               </a:rPr>
-              <a:t>Un punto de contacto designado de Adobe que puede proporcionar asistencia en cuanto a escalabilidad y actualizaciones frecuentes, así como garantizar que se dé prioridad a sus solicitudes de soporte abierto más críticas.</a:t>
-            </a:r>
+              <a:t>A designated point of contact within Adobe who can provide escalation assistance, regular updates and ensure priority is given to your most critical open support requests.</a:t>
+            </a:r>
+            <a:endParaRPr lang="en-US" sz="1000">
+              <a:latin typeface="Adobe Clean Light" panose="020B0303020404020204" pitchFamily="34" charset="0"/>
+              <a:cs typeface="AdobeClean-Light"/>
+            </a:endParaRPr>
           </a:p>
         </p:txBody>
       </p:sp>
@@ -7671,7 +8427,7 @@
         <p:spPr>
           <a:xfrm>
             <a:off x="5885313" y="1085652"/>
-            <a:ext cx="1608472" cy="369332"/>
+            <a:ext cx="1608472" cy="184666"/>
           </a:xfrm>
           <a:prstGeom prst="rect">
             <a:avLst/>
@@ -7692,30 +8448,13 @@
               </a:spcAft>
             </a:pPr>
             <a:r>
-              <a:rPr lang="es-ES" sz="1200" b="1" dirty="0">
+              <a:rPr lang="en-US" sz="1200" b="1" spc="-10">
                 <a:solidFill>
                   <a:srgbClr val="020302"/>
                 </a:solidFill>
                 <a:latin typeface="+mj-lt"/>
               </a:rPr>
-              <a:t>Administración </a:t>
-            </a:r>
-            <a:br>
-              <a:rPr lang="es-ES" sz="1200" b="1" dirty="0">
-                <a:solidFill>
-                  <a:srgbClr val="020302"/>
-                </a:solidFill>
-                <a:latin typeface="+mj-lt"/>
-              </a:rPr>
-            </a:br>
-            <a:r>
-              <a:rPr lang="es-ES" sz="1200" b="1" dirty="0">
-                <a:solidFill>
-                  <a:srgbClr val="020302"/>
-                </a:solidFill>
-                <a:latin typeface="+mj-lt"/>
-              </a:rPr>
-              <a:t>de la escalabilidad</a:t>
+              <a:t>Escalation Management</a:t>
             </a:r>
           </a:p>
         </p:txBody>
@@ -7736,7 +8475,7 @@
         </p:nvSpPr>
         <p:spPr>
           <a:xfrm>
-            <a:off x="838200" y="8081328"/>
+            <a:off x="838200" y="8148121"/>
             <a:ext cx="2520000" cy="184666"/>
           </a:xfrm>
           <a:prstGeom prst="rect">
@@ -7763,12 +8502,12 @@
               <a:defRPr/>
             </a:pPr>
             <a:r>
-              <a:rPr lang="es-ES" sz="1200">
+              <a:rPr lang="en-US" sz="1200">
                 <a:solidFill>
                   <a:srgbClr val="000000"/>
                 </a:solidFill>
               </a:rPr>
-              <a:t>Horario de oficina</a:t>
+              <a:t>Office Hours</a:t>
             </a:r>
           </a:p>
         </p:txBody>
@@ -7789,7 +8528,7 @@
         </p:nvSpPr>
         <p:spPr>
           <a:xfrm>
-            <a:off x="838200" y="8306750"/>
+            <a:off x="838200" y="8373543"/>
             <a:ext cx="604974" cy="184666"/>
           </a:xfrm>
           <a:prstGeom prst="rect">
@@ -7811,12 +8550,12 @@
               </a:spcAft>
             </a:pPr>
             <a:r>
-              <a:rPr lang="es-ES" sz="1200" b="1">
+              <a:rPr lang="en-US" sz="1200" b="1">
                 <a:latin typeface="+mj-lt"/>
                 <a:ea typeface="Open Sans" pitchFamily="34" charset="0"/>
                 <a:cs typeface="Open Sans" pitchFamily="34" charset="0"/>
               </a:rPr>
-              <a:t>Seminarios web</a:t>
+              <a:t>Webinars</a:t>
             </a:r>
           </a:p>
         </p:txBody>
@@ -7835,8 +8574,8 @@
         </p:nvSpPr>
         <p:spPr>
           <a:xfrm>
-            <a:off x="370040" y="8551823"/>
-            <a:ext cx="2233067" cy="1113125"/>
+            <a:off x="370040" y="8618616"/>
+            <a:ext cx="2286000" cy="1113125"/>
           </a:xfrm>
           <a:prstGeom prst="rect">
             <a:avLst/>
@@ -7849,82 +8588,13 @@
           <a:lstStyle/>
           <a:p>
             <a:r>
-              <a:rPr lang="es-ES" sz="1000" dirty="0">
+              <a:rPr lang="en-US" sz="1000">
                 <a:solidFill>
                   <a:srgbClr val="000000"/>
                 </a:solidFill>
                 <a:latin typeface="Adobe Clean Light" panose="020B0303020404020204" pitchFamily="34" charset="0"/>
               </a:rPr>
-              <a:t>“Horario de oficina” es una iniciativa liderada por el equipo de asistencia al cliente de Adobe. Estas sesiones están diseñadas </a:t>
-            </a:r>
-            <a:br>
-              <a:rPr lang="es-ES" sz="1000" dirty="0">
-                <a:solidFill>
-                  <a:srgbClr val="000000"/>
-                </a:solidFill>
-                <a:latin typeface="Adobe Clean Light" panose="020B0303020404020204" pitchFamily="34" charset="0"/>
-              </a:rPr>
-            </a:br>
-            <a:r>
-              <a:rPr lang="es-ES" sz="1000" dirty="0">
-                <a:solidFill>
-                  <a:srgbClr val="000000"/>
-                </a:solidFill>
-                <a:latin typeface="Adobe Clean Light" panose="020B0303020404020204" pitchFamily="34" charset="0"/>
-              </a:rPr>
-              <a:t>para informar y ayudar a los participantes </a:t>
-            </a:r>
-            <a:br>
-              <a:rPr lang="es-ES" sz="1000" dirty="0">
-                <a:solidFill>
-                  <a:srgbClr val="000000"/>
-                </a:solidFill>
-                <a:latin typeface="Adobe Clean Light" panose="020B0303020404020204" pitchFamily="34" charset="0"/>
-              </a:rPr>
-            </a:br>
-            <a:r>
-              <a:rPr lang="es-ES" sz="1000" dirty="0">
-                <a:solidFill>
-                  <a:srgbClr val="000000"/>
-                </a:solidFill>
-                <a:latin typeface="Adobe Clean Light" panose="020B0303020404020204" pitchFamily="34" charset="0"/>
-              </a:rPr>
-              <a:t>a solucionar problemas, y ofrecen sugerencias y trucos para usar </a:t>
-            </a:r>
-            <a:br>
-              <a:rPr lang="es-ES" sz="1000" dirty="0">
-                <a:solidFill>
-                  <a:srgbClr val="000000"/>
-                </a:solidFill>
-                <a:latin typeface="Adobe Clean Light" panose="020B0303020404020204" pitchFamily="34" charset="0"/>
-              </a:rPr>
-            </a:br>
-            <a:r>
-              <a:rPr lang="es-ES" sz="1000" dirty="0">
-                <a:solidFill>
-                  <a:srgbClr val="000000"/>
-                </a:solidFill>
-                <a:latin typeface="Adobe Clean Light" panose="020B0303020404020204" pitchFamily="34" charset="0"/>
-              </a:rPr>
-              <a:t>correctamente Adobe </a:t>
-            </a:r>
-            <a:r>
-              <a:rPr lang="es-ES" sz="1000" dirty="0" err="1">
-                <a:solidFill>
-                  <a:srgbClr val="000000"/>
-                </a:solidFill>
-                <a:latin typeface="Adobe Clean Light" panose="020B0303020404020204" pitchFamily="34" charset="0"/>
-              </a:rPr>
-              <a:t>Experience</a:t>
-            </a:r>
-            <a:r>
-              <a:rPr lang="es-ES" sz="1000" dirty="0">
-                <a:solidFill>
-                  <a:srgbClr val="000000"/>
-                </a:solidFill>
-                <a:latin typeface="Adobe Clean Light" panose="020B0303020404020204" pitchFamily="34" charset="0"/>
-              </a:rPr>
-              <a:t> Cloud.</a:t>
+              <a:t>Office Hours is an initiative led by the Adobe Customer Support team. These sessions are designed to inform as well as help participants troubleshoot problems and provide tips and tricks to be successful with Adobe Experience Cloud.</a:t>
             </a:r>
           </a:p>
         </p:txBody>
@@ -7945,7 +8615,7 @@
         </p:nvSpPr>
         <p:spPr>
           <a:xfrm>
-            <a:off x="5786661" y="8306750"/>
+            <a:off x="5851290" y="8373543"/>
             <a:ext cx="1267206" cy="184666"/>
           </a:xfrm>
           <a:prstGeom prst="rect">
@@ -7967,12 +8637,12 @@
               </a:spcAft>
             </a:pPr>
             <a:r>
-              <a:rPr lang="es-ES" sz="1200" b="1">
+              <a:rPr lang="en-US" sz="1200" b="1">
                 <a:latin typeface="+mj-lt"/>
                 <a:ea typeface="Open Sans" pitchFamily="34" charset="0"/>
                 <a:cs typeface="Open Sans" pitchFamily="34" charset="0"/>
               </a:rPr>
-              <a:t>Portal de asistencia 24/7</a:t>
+              <a:t>24/7 Support Portal</a:t>
             </a:r>
           </a:p>
         </p:txBody>
@@ -7991,8 +8661,8 @@
         </p:nvSpPr>
         <p:spPr>
           <a:xfrm>
-            <a:off x="5311672" y="8551823"/>
-            <a:ext cx="2286000" cy="959237"/>
+            <a:off x="5376301" y="8618616"/>
+            <a:ext cx="2286000" cy="805349"/>
           </a:xfrm>
           <a:prstGeom prst="rect">
             <a:avLst/>
@@ -8005,16 +8675,16 @@
           <a:lstStyle/>
           <a:p>
             <a:r>
-              <a:rPr lang="es-ES" sz="1000" dirty="0">
+              <a:rPr lang="en-US" sz="1000">
                 <a:solidFill>
                   <a:srgbClr val="000000"/>
                 </a:solidFill>
                 <a:latin typeface="Adobe Clean Light" panose="020B0303020404020204" pitchFamily="34" charset="0"/>
               </a:rPr>
-              <a:t>Acceso al portal de asistencia de autoayuda </a:t>
+              <a:t>On-demand access to the online </a:t>
             </a:r>
             <a:br>
-              <a:rPr lang="es-ES" sz="1000" dirty="0">
+              <a:rPr lang="en-US" sz="1000">
                 <a:solidFill>
                   <a:srgbClr val="000000"/>
                 </a:solidFill>
@@ -8022,30 +8692,13 @@
               </a:rPr>
             </a:br>
             <a:r>
-              <a:rPr lang="es-ES" sz="1000" dirty="0">
+              <a:rPr lang="en-US" sz="1000">
                 <a:solidFill>
                   <a:srgbClr val="000000"/>
                 </a:solidFill>
                 <a:latin typeface="Adobe Clean Light" panose="020B0303020404020204" pitchFamily="34" charset="0"/>
               </a:rPr>
-              <a:t>en línea previa solicitud para enviar solicitudes de asistencia, revisar el estado de los casos </a:t>
-            </a:r>
-            <a:br>
-              <a:rPr lang="es-ES" sz="1000" dirty="0">
-                <a:solidFill>
-                  <a:srgbClr val="000000"/>
-                </a:solidFill>
-                <a:latin typeface="Adobe Clean Light" panose="020B0303020404020204" pitchFamily="34" charset="0"/>
-              </a:rPr>
-            </a:br>
-            <a:r>
-              <a:rPr lang="es-ES" sz="1000" dirty="0">
-                <a:solidFill>
-                  <a:srgbClr val="000000"/>
-                </a:solidFill>
-                <a:latin typeface="Adobe Clean Light" panose="020B0303020404020204" pitchFamily="34" charset="0"/>
-              </a:rPr>
-              <a:t>y examinar otros recursos, como la base de conocimiento, noticias y alertas, sugerencias destacadas, y mucho más.</a:t>
+              <a:t>Self-help Support Portal to submit support requests, review case status, and browse other resources, like our knowledgebase, news and alerts, featured tips, and more.</a:t>
             </a:r>
           </a:p>
         </p:txBody>
@@ -8142,8 +8795,8 @@
         </p:nvSpPr>
         <p:spPr>
           <a:xfrm>
-            <a:off x="789024" y="3650934"/>
-            <a:ext cx="1867015" cy="285247"/>
+            <a:off x="789025" y="3499700"/>
+            <a:ext cx="1336142" cy="285247"/>
           </a:xfrm>
           <a:prstGeom prst="rect">
             <a:avLst/>
@@ -8157,10 +8810,10 @@
           <a:lstStyle/>
           <a:p>
             <a:r>
-              <a:rPr lang="es-ES" sz="1200" b="1">
+              <a:rPr lang="en-US" sz="1200" b="1">
                 <a:latin typeface="+mj-lt"/>
               </a:rPr>
-              <a:t>Servicios empresariales</a:t>
+              <a:t>Business Services</a:t>
             </a:r>
           </a:p>
         </p:txBody>
@@ -8179,8 +8832,8 @@
         </p:nvSpPr>
         <p:spPr>
           <a:xfrm>
-            <a:off x="370041" y="4027066"/>
-            <a:ext cx="2286000" cy="740780"/>
+            <a:off x="370041" y="3875832"/>
+            <a:ext cx="2286000" cy="558999"/>
           </a:xfrm>
           <a:prstGeom prst="rect">
             <a:avLst/>
@@ -8201,44 +8854,15 @@
               </a:spcBef>
             </a:pPr>
             <a:r>
-              <a:rPr lang="es-ES" sz="1000" dirty="0">
+              <a:rPr lang="en-US" sz="1000">
                 <a:latin typeface="Adobe Clean Light" panose="020B0303020404020204" pitchFamily="34" charset="0"/>
               </a:rPr>
-              <a:t>Un responsable de la asistencia técnica </a:t>
-            </a:r>
-            <a:br>
-              <a:rPr lang="es-ES" sz="1000" dirty="0">
-                <a:latin typeface="Adobe Clean Light" panose="020B0303020404020204" pitchFamily="34" charset="0"/>
-              </a:rPr>
-            </a:br>
-            <a:r>
-              <a:rPr lang="es-ES" sz="1000" dirty="0">
-                <a:latin typeface="Adobe Clean Light" panose="020B0303020404020204" pitchFamily="34" charset="0"/>
-              </a:rPr>
-              <a:t>de la cuenta organizará seminarios web </a:t>
-            </a:r>
-            <a:br>
-              <a:rPr lang="es-ES" sz="1000" dirty="0">
-                <a:latin typeface="Adobe Clean Light" panose="020B0303020404020204" pitchFamily="34" charset="0"/>
-              </a:rPr>
-            </a:br>
-            <a:r>
-              <a:rPr lang="es-ES" sz="1000" dirty="0">
-                <a:latin typeface="Adobe Clean Light" panose="020B0303020404020204" pitchFamily="34" charset="0"/>
-              </a:rPr>
-              <a:t>que abarcarán una descripción general </a:t>
-            </a:r>
-            <a:br>
-              <a:rPr lang="es-ES" sz="1000" dirty="0">
-                <a:latin typeface="Adobe Clean Light" panose="020B0303020404020204" pitchFamily="34" charset="0"/>
-              </a:rPr>
-            </a:br>
-            <a:r>
-              <a:rPr lang="es-ES" sz="1000" dirty="0">
-                <a:latin typeface="Adobe Clean Light" panose="020B0303020404020204" pitchFamily="34" charset="0"/>
-              </a:rPr>
-              <a:t>de los servicios de asistencia empresarial.  </a:t>
-            </a:r>
+              <a:t>An Account Support Lead will host webinars covering an overview of business support services.  </a:t>
+            </a:r>
+            <a:endParaRPr lang="en-US" sz="1000">
+              <a:latin typeface="Adobe Clean Light" panose="020B0303020404020204" pitchFamily="34" charset="0"/>
+              <a:cs typeface="AdobeClean-Light"/>
+            </a:endParaRPr>
           </a:p>
         </p:txBody>
       </p:sp>
@@ -8256,7 +8880,7 @@
         </p:nvSpPr>
         <p:spPr>
           <a:xfrm rot="5400000" flipH="1">
-            <a:off x="3863341" y="569650"/>
+            <a:off x="3863341" y="302967"/>
             <a:ext cx="45719" cy="5577840"/>
           </a:xfrm>
           <a:custGeom>
@@ -8367,7 +8991,7 @@
         </p:blipFill>
         <p:spPr>
           <a:xfrm>
-            <a:off x="2638096" y="8079425"/>
+            <a:off x="2794208" y="8146218"/>
             <a:ext cx="411480" cy="411480"/>
           </a:xfrm>
           <a:prstGeom prst="rect">
@@ -8406,7 +9030,7 @@
         </p:blipFill>
         <p:spPr>
           <a:xfrm>
-            <a:off x="388426" y="3587817"/>
+            <a:off x="388426" y="3436583"/>
             <a:ext cx="411480" cy="411480"/>
           </a:xfrm>
           <a:prstGeom prst="rect">
@@ -8445,7 +9069,7 @@
         </p:blipFill>
         <p:spPr>
           <a:xfrm>
-            <a:off x="2772338" y="5955785"/>
+            <a:off x="2836967" y="6062796"/>
             <a:ext cx="411480" cy="411480"/>
           </a:xfrm>
           <a:prstGeom prst="rect">
@@ -8484,7 +9108,7 @@
         </p:blipFill>
         <p:spPr>
           <a:xfrm>
-            <a:off x="359731" y="5955785"/>
+            <a:off x="359731" y="6062796"/>
             <a:ext cx="411480" cy="411480"/>
           </a:xfrm>
           <a:prstGeom prst="rect">
@@ -8523,7 +9147,7 @@
         </p:blipFill>
         <p:spPr>
           <a:xfrm>
-            <a:off x="5264413" y="5955785"/>
+            <a:off x="5329042" y="6062796"/>
             <a:ext cx="411480" cy="411480"/>
           </a:xfrm>
           <a:prstGeom prst="rect">
@@ -8562,7 +9186,7 @@
         </p:blipFill>
         <p:spPr>
           <a:xfrm>
-            <a:off x="5308279" y="8079425"/>
+            <a:off x="5372908" y="8146218"/>
             <a:ext cx="411480" cy="411480"/>
           </a:xfrm>
           <a:prstGeom prst="rect">
@@ -8601,7 +9225,7 @@
         </p:blipFill>
         <p:spPr>
           <a:xfrm>
-            <a:off x="384421" y="8079425"/>
+            <a:off x="384421" y="8146218"/>
             <a:ext cx="411480" cy="411480"/>
           </a:xfrm>
           <a:prstGeom prst="rect">
@@ -8623,7 +9247,7 @@
         </p:nvSpPr>
         <p:spPr>
           <a:xfrm rot="5400000" flipH="1">
-            <a:off x="3863341" y="5007960"/>
+            <a:off x="3863341" y="4967117"/>
             <a:ext cx="45719" cy="5577840"/>
           </a:xfrm>
           <a:custGeom>
@@ -8680,7 +9304,7 @@
         </p:nvSpPr>
         <p:spPr>
           <a:xfrm>
-            <a:off x="5786661" y="8150141"/>
+            <a:off x="5851290" y="8150141"/>
             <a:ext cx="2520000" cy="184666"/>
           </a:xfrm>
           <a:prstGeom prst="rect">
@@ -8707,12 +9331,12 @@
               <a:defRPr/>
             </a:pPr>
             <a:r>
-              <a:rPr lang="es-ES" sz="1200">
+              <a:rPr lang="en-US" sz="1200">
                 <a:solidFill>
                   <a:srgbClr val="000000"/>
                 </a:solidFill>
               </a:rPr>
-              <a:t>Portal de autoayuda</a:t>
+              <a:t>Self– Help Portal</a:t>
             </a:r>
           </a:p>
         </p:txBody>
@@ -8733,7 +9357,7 @@
         </p:nvSpPr>
         <p:spPr>
           <a:xfrm>
-            <a:off x="5786661" y="5939387"/>
+            <a:off x="5851290" y="6046398"/>
             <a:ext cx="2520000" cy="184666"/>
           </a:xfrm>
           <a:prstGeom prst="rect">
@@ -8760,7 +9384,7 @@
               <a:defRPr/>
             </a:pPr>
             <a:r>
-              <a:rPr lang="es-ES" sz="1200">
+              <a:rPr lang="en-US" sz="1200">
                 <a:solidFill>
                   <a:srgbClr val="000000"/>
                 </a:solidFill>
@@ -8822,15 +9446,49 @@
               </a:lnSpc>
             </a:pPr>
             <a:r>
-              <a:rPr lang="es-ES" sz="500">
+              <a:rPr sz="500" spc="-5">
                 <a:solidFill>
                   <a:srgbClr val="6C6C6C"/>
                 </a:solidFill>
                 <a:latin typeface="Adobe Clean"/>
                 <a:cs typeface="Adobe Clean"/>
               </a:rPr>
-              <a:t>©2020 Adobe. All Rights Reserved. Adobe Confidential.</a:t>
-            </a:r>
+              <a:t>©2020 Adobe. All Rights Reserved. </a:t>
+            </a:r>
+            <a:r>
+              <a:rPr sz="500">
+                <a:solidFill>
+                  <a:srgbClr val="6C6C6C"/>
+                </a:solidFill>
+                <a:latin typeface="Adobe Clean"/>
+                <a:cs typeface="Adobe Clean"/>
+              </a:rPr>
+              <a:t>Adobe</a:t>
+            </a:r>
+            <a:r>
+              <a:rPr sz="500" spc="5">
+                <a:solidFill>
+                  <a:srgbClr val="6C6C6C"/>
+                </a:solidFill>
+                <a:latin typeface="Adobe Clean"/>
+                <a:cs typeface="Adobe Clean"/>
+              </a:rPr>
+              <a:t> </a:t>
+            </a:r>
+            <a:r>
+              <a:rPr sz="500" spc="-5">
+                <a:solidFill>
+                  <a:srgbClr val="6C6C6C"/>
+                </a:solidFill>
+                <a:latin typeface="Adobe Clean"/>
+                <a:cs typeface="Adobe Clean"/>
+              </a:rPr>
+              <a:t>Confidential.</a:t>
+            </a:r>
+            <a:endParaRPr sz="500">
+              <a:latin typeface="Adobe Clean"/>
+              <a:cs typeface="Adobe Clean"/>
+            </a:endParaRPr>
           </a:p>
           <a:p>
             <a:pPr>
@@ -8856,15 +9514,39 @@
               </a:spcBef>
             </a:pPr>
             <a:r>
-              <a:rPr lang="es-ES" sz="800">
+              <a:rPr sz="800" spc="-5">
                 <a:solidFill>
                   <a:srgbClr val="6D6D6D"/>
                 </a:solidFill>
                 <a:latin typeface="Adobe Clean"/>
                 <a:cs typeface="Adobe Clean"/>
               </a:rPr>
-              <a:t>©2020 Adobe. All Rights Reserved. Adobe Confidential.</a:t>
-            </a:r>
+              <a:t>©2020 Adobe. All Rights Reserved. Adobe</a:t>
+            </a:r>
+            <a:r>
+              <a:rPr sz="800" spc="75">
+                <a:solidFill>
+                  <a:srgbClr val="6D6D6D"/>
+                </a:solidFill>
+                <a:latin typeface="Adobe Clean"/>
+                <a:cs typeface="Adobe Clean"/>
+              </a:rPr>
+              <a:t> </a:t>
+            </a:r>
+            <a:r>
+              <a:rPr sz="800" spc="-5">
+                <a:solidFill>
+                  <a:srgbClr val="6D6D6D"/>
+                </a:solidFill>
+                <a:latin typeface="Adobe Clean"/>
+                <a:cs typeface="Adobe Clean"/>
+              </a:rPr>
+              <a:t>Confidential.</a:t>
+            </a:r>
+            <a:endParaRPr sz="800">
+              <a:latin typeface="Adobe Clean"/>
+              <a:cs typeface="Adobe Clean"/>
+            </a:endParaRPr>
           </a:p>
         </p:txBody>
       </p:sp>
@@ -8948,15 +9630,19 @@
               </a:spcBef>
             </a:pPr>
             <a:r>
-              <a:rPr lang="es-ES" sz="1400" b="1">
+              <a:rPr lang="en-US" sz="1400" b="1" spc="-15">
                 <a:solidFill>
                   <a:srgbClr val="020302"/>
                 </a:solidFill>
                 <a:latin typeface="Adobe Clean"/>
                 <a:cs typeface="Adobe Clean"/>
               </a:rPr>
-              <a:t>Recursos</a:t>
-            </a:r>
+              <a:t>Resources</a:t>
+            </a:r>
+            <a:endParaRPr sz="1400">
+              <a:latin typeface="Adobe Clean"/>
+              <a:cs typeface="Adobe Clean"/>
+            </a:endParaRPr>
           </a:p>
         </p:txBody>
       </p:sp>
@@ -8969,7 +9655,7 @@
         <p:spPr>
           <a:xfrm>
             <a:off x="6754821" y="9283729"/>
-            <a:ext cx="1017579" cy="662305"/>
+            <a:ext cx="930275" cy="662305"/>
           </a:xfrm>
           <a:prstGeom prst="rect">
             <a:avLst/>
@@ -8990,7 +9676,7 @@
               </a:spcBef>
             </a:pPr>
             <a:r>
-              <a:rPr lang="es-ES" sz="800" dirty="0">
+              <a:rPr sz="800" spc="-15">
                 <a:solidFill>
                   <a:srgbClr val="777879"/>
                 </a:solidFill>
@@ -8999,6 +9685,10 @@
               </a:rPr>
               <a:t>Adobe</a:t>
             </a:r>
+            <a:endParaRPr sz="800">
+              <a:latin typeface="Adobe Clean"/>
+              <a:cs typeface="Adobe Clean"/>
+            </a:endParaRPr>
           </a:p>
           <a:p>
             <a:pPr marL="12700">
@@ -9007,15 +9697,39 @@
               </a:lnSpc>
             </a:pPr>
             <a:r>
-              <a:rPr lang="es-ES" sz="800" dirty="0">
+              <a:rPr sz="800" spc="-15">
                 <a:solidFill>
                   <a:srgbClr val="777879"/>
                 </a:solidFill>
                 <a:latin typeface="Adobe Clean"/>
                 <a:cs typeface="Adobe Clean"/>
               </a:rPr>
-              <a:t>345 Park Avenue</a:t>
-            </a:r>
+              <a:t>345 Park</a:t>
+            </a:r>
+            <a:r>
+              <a:rPr sz="800" spc="-100">
+                <a:solidFill>
+                  <a:srgbClr val="777879"/>
+                </a:solidFill>
+                <a:latin typeface="Adobe Clean"/>
+                <a:cs typeface="Adobe Clean"/>
+              </a:rPr>
+              <a:t> </a:t>
+            </a:r>
+            <a:r>
+              <a:rPr sz="800" spc="-15">
+                <a:solidFill>
+                  <a:srgbClr val="777879"/>
+                </a:solidFill>
+                <a:latin typeface="Adobe Clean"/>
+                <a:cs typeface="Adobe Clean"/>
+              </a:rPr>
+              <a:t>Avenue</a:t>
+            </a:r>
+            <a:endParaRPr sz="800">
+              <a:latin typeface="Adobe Clean"/>
+              <a:cs typeface="Adobe Clean"/>
+            </a:endParaRPr>
           </a:p>
           <a:p>
             <a:pPr marL="12700">
@@ -9024,15 +9738,49 @@
               </a:lnSpc>
             </a:pPr>
             <a:r>
-              <a:rPr lang="es-ES" sz="800" dirty="0">
+              <a:rPr sz="800" spc="-10">
                 <a:solidFill>
                   <a:srgbClr val="777879"/>
                 </a:solidFill>
                 <a:latin typeface="Adobe Clean"/>
                 <a:cs typeface="Adobe Clean"/>
               </a:rPr>
-              <a:t>San José, CA95110-2704</a:t>
-            </a:r>
+              <a:t>San </a:t>
+            </a:r>
+            <a:r>
+              <a:rPr sz="800" spc="-15">
+                <a:solidFill>
+                  <a:srgbClr val="777879"/>
+                </a:solidFill>
+                <a:latin typeface="Adobe Clean"/>
+                <a:cs typeface="Adobe Clean"/>
+              </a:rPr>
+              <a:t>Jose,</a:t>
+            </a:r>
+            <a:r>
+              <a:rPr sz="800" spc="-140">
+                <a:solidFill>
+                  <a:srgbClr val="777879"/>
+                </a:solidFill>
+                <a:latin typeface="Adobe Clean"/>
+                <a:cs typeface="Adobe Clean"/>
+              </a:rPr>
+              <a:t> </a:t>
+            </a:r>
+            <a:r>
+              <a:rPr sz="800" spc="-20">
+                <a:solidFill>
+                  <a:srgbClr val="777879"/>
+                </a:solidFill>
+                <a:latin typeface="Adobe Clean"/>
+                <a:cs typeface="Adobe Clean"/>
+              </a:rPr>
+              <a:t>CA95110-2704</a:t>
+            </a:r>
+            <a:endParaRPr sz="800">
+              <a:latin typeface="Adobe Clean"/>
+              <a:cs typeface="Adobe Clean"/>
+            </a:endParaRPr>
           </a:p>
           <a:p>
             <a:pPr marL="12700">
@@ -9044,15 +9792,19 @@
               </a:spcBef>
             </a:pPr>
             <a:r>
-              <a:rPr lang="es-ES" sz="800" dirty="0">
+              <a:rPr sz="800" spc="-10">
                 <a:solidFill>
                   <a:srgbClr val="777879"/>
                 </a:solidFill>
                 <a:latin typeface="Adobe Clean"/>
                 <a:cs typeface="Adobe Clean"/>
               </a:rPr>
-              <a:t>EE. UU.</a:t>
-            </a:r>
+              <a:t>USA</a:t>
+            </a:r>
+            <a:endParaRPr sz="800">
+              <a:latin typeface="Adobe Clean"/>
+              <a:cs typeface="Adobe Clean"/>
+            </a:endParaRPr>
           </a:p>
           <a:p>
             <a:pPr marL="12700">
@@ -9064,7 +9816,7 @@
               </a:spcBef>
             </a:pPr>
             <a:r>
-              <a:rPr lang="es-ES" sz="800" u="sng" dirty="0">
+              <a:rPr sz="800" u="sng" spc="-25">
                 <a:solidFill>
                   <a:srgbClr val="5F5F5F"/>
                 </a:solidFill>
@@ -9079,6 +9831,10 @@
               </a:rPr>
               <a:t>www.adobe.com</a:t>
             </a:r>
+            <a:endParaRPr sz="800">
+              <a:latin typeface="Adobe Clean"/>
+              <a:cs typeface="Adobe Clean"/>
+            </a:endParaRPr>
           </a:p>
         </p:txBody>
       </p:sp>
@@ -9232,7 +9988,7 @@
         <p:spPr>
           <a:xfrm>
             <a:off x="75947" y="9437110"/>
-            <a:ext cx="5086603" cy="570865"/>
+            <a:ext cx="5466715" cy="570865"/>
           </a:xfrm>
           <a:prstGeom prst="rect">
             <a:avLst/>
@@ -9253,55 +10009,439 @@
               </a:spcBef>
             </a:pPr>
             <a:r>
-              <a:rPr lang="es-ES" sz="1100" i="1" dirty="0">
+              <a:rPr sz="1100" i="1" spc="-10">
                 <a:solidFill>
                   <a:srgbClr val="777879"/>
                 </a:solidFill>
                 <a:latin typeface="AdobeClean-LightIt"/>
                 <a:cs typeface="AdobeClean-LightIt"/>
               </a:rPr>
-              <a:t>Para saber más sobre las ofertas de asistencia de Adobe y el nivel adecuado para usted, póngase en contacto con su administrador de cuentas (NAM) o con su </a:t>
-            </a:r>
-            <a:r>
-              <a:rPr lang="es-ES" sz="1100" i="1" dirty="0" err="1">
+              <a:t>To</a:t>
+            </a:r>
+            <a:r>
+              <a:rPr sz="1100" i="1" spc="-50">
                 <a:solidFill>
                   <a:srgbClr val="777879"/>
                 </a:solidFill>
                 <a:latin typeface="AdobeClean-LightIt"/>
                 <a:cs typeface="AdobeClean-LightIt"/>
               </a:rPr>
-              <a:t>Customer</a:t>
-            </a:r>
-            <a:r>
-              <a:rPr lang="es-ES" sz="1100" i="1" dirty="0">
+              <a:t> </a:t>
+            </a:r>
+            <a:r>
+              <a:rPr sz="1100" i="1" spc="-15">
                 <a:solidFill>
                   <a:srgbClr val="777879"/>
                 </a:solidFill>
                 <a:latin typeface="AdobeClean-LightIt"/>
                 <a:cs typeface="AdobeClean-LightIt"/>
               </a:rPr>
-              <a:t> </a:t>
-            </a:r>
-            <a:r>
-              <a:rPr lang="es-ES" sz="1100" i="1" dirty="0" err="1">
+              <a:t>learn</a:t>
+            </a:r>
+            <a:r>
+              <a:rPr sz="1100" i="1" spc="-40">
                 <a:solidFill>
                   <a:srgbClr val="777879"/>
                 </a:solidFill>
                 <a:latin typeface="AdobeClean-LightIt"/>
                 <a:cs typeface="AdobeClean-LightIt"/>
               </a:rPr>
-              <a:t>Success</a:t>
-            </a:r>
-            <a:r>
-              <a:rPr lang="es-ES" sz="1100" i="1" dirty="0">
+              <a:t> </a:t>
+            </a:r>
+            <a:r>
+              <a:rPr sz="1100" i="1" spc="-15">
                 <a:solidFill>
                   <a:srgbClr val="777879"/>
                 </a:solidFill>
                 <a:latin typeface="AdobeClean-LightIt"/>
                 <a:cs typeface="AdobeClean-LightIt"/>
               </a:rPr>
-              <a:t> Manager (CSM)</a:t>
-            </a:r>
+              <a:t>more</a:t>
+            </a:r>
+            <a:r>
+              <a:rPr sz="1100" i="1" spc="-45">
+                <a:solidFill>
+                  <a:srgbClr val="777879"/>
+                </a:solidFill>
+                <a:latin typeface="AdobeClean-LightIt"/>
+                <a:cs typeface="AdobeClean-LightIt"/>
+              </a:rPr>
+              <a:t> </a:t>
+            </a:r>
+            <a:r>
+              <a:rPr sz="1100" i="1" spc="-15">
+                <a:solidFill>
+                  <a:srgbClr val="777879"/>
+                </a:solidFill>
+                <a:latin typeface="AdobeClean-LightIt"/>
+                <a:cs typeface="AdobeClean-LightIt"/>
+              </a:rPr>
+              <a:t>about</a:t>
+            </a:r>
+            <a:r>
+              <a:rPr sz="1100" i="1" spc="-45">
+                <a:solidFill>
+                  <a:srgbClr val="777879"/>
+                </a:solidFill>
+                <a:latin typeface="AdobeClean-LightIt"/>
+                <a:cs typeface="AdobeClean-LightIt"/>
+              </a:rPr>
+              <a:t> </a:t>
+            </a:r>
+            <a:r>
+              <a:rPr sz="1100" i="1" spc="-15">
+                <a:solidFill>
+                  <a:srgbClr val="777879"/>
+                </a:solidFill>
+                <a:latin typeface="AdobeClean-LightIt"/>
+                <a:cs typeface="AdobeClean-LightIt"/>
+              </a:rPr>
+              <a:t>Adobe</a:t>
+            </a:r>
+            <a:r>
+              <a:rPr sz="1100" i="1" spc="-50">
+                <a:solidFill>
+                  <a:srgbClr val="777879"/>
+                </a:solidFill>
+                <a:latin typeface="AdobeClean-LightIt"/>
+                <a:cs typeface="AdobeClean-LightIt"/>
+              </a:rPr>
+              <a:t> </a:t>
+            </a:r>
+            <a:r>
+              <a:rPr sz="1100" i="1" spc="-15">
+                <a:solidFill>
+                  <a:srgbClr val="777879"/>
+                </a:solidFill>
+                <a:latin typeface="AdobeClean-LightIt"/>
+                <a:cs typeface="AdobeClean-LightIt"/>
+              </a:rPr>
+              <a:t>Support</a:t>
+            </a:r>
+            <a:r>
+              <a:rPr lang="en-US" sz="1100" i="1" spc="-15">
+                <a:solidFill>
+                  <a:srgbClr val="777879"/>
+                </a:solidFill>
+                <a:latin typeface="AdobeClean-LightIt"/>
+                <a:cs typeface="AdobeClean-LightIt"/>
+              </a:rPr>
+              <a:t> Offerings</a:t>
+            </a:r>
+            <a:r>
+              <a:rPr sz="1100" i="1" spc="-75">
+                <a:solidFill>
+                  <a:srgbClr val="777879"/>
+                </a:solidFill>
+                <a:latin typeface="AdobeClean-LightIt"/>
+                <a:cs typeface="AdobeClean-LightIt"/>
+              </a:rPr>
+              <a:t> </a:t>
+            </a:r>
+            <a:r>
+              <a:rPr sz="1100" i="1" spc="-15">
+                <a:solidFill>
+                  <a:srgbClr val="777879"/>
+                </a:solidFill>
+                <a:latin typeface="AdobeClean-LightIt"/>
+                <a:cs typeface="AdobeClean-LightIt"/>
+              </a:rPr>
+              <a:t>and</a:t>
+            </a:r>
+            <a:r>
+              <a:rPr sz="1100" i="1" spc="-50">
+                <a:solidFill>
+                  <a:srgbClr val="777879"/>
+                </a:solidFill>
+                <a:latin typeface="AdobeClean-LightIt"/>
+                <a:cs typeface="AdobeClean-LightIt"/>
+              </a:rPr>
+              <a:t> </a:t>
+            </a:r>
+            <a:r>
+              <a:rPr sz="1100" i="1" spc="-15">
+                <a:solidFill>
+                  <a:srgbClr val="777879"/>
+                </a:solidFill>
+                <a:latin typeface="AdobeClean-LightIt"/>
+                <a:cs typeface="AdobeClean-LightIt"/>
+              </a:rPr>
+              <a:t>the</a:t>
+            </a:r>
+            <a:r>
+              <a:rPr sz="1100" i="1" spc="-55">
+                <a:solidFill>
+                  <a:srgbClr val="777879"/>
+                </a:solidFill>
+                <a:latin typeface="AdobeClean-LightIt"/>
+                <a:cs typeface="AdobeClean-LightIt"/>
+              </a:rPr>
+              <a:t> </a:t>
+            </a:r>
+            <a:r>
+              <a:rPr sz="1100" i="1" spc="-15">
+                <a:solidFill>
+                  <a:srgbClr val="777879"/>
+                </a:solidFill>
+                <a:latin typeface="AdobeClean-LightIt"/>
+                <a:cs typeface="AdobeClean-LightIt"/>
+              </a:rPr>
+              <a:t>right</a:t>
+            </a:r>
+            <a:r>
+              <a:rPr sz="1100" i="1" spc="-95">
+                <a:solidFill>
+                  <a:srgbClr val="777879"/>
+                </a:solidFill>
+                <a:latin typeface="AdobeClean-LightIt"/>
+                <a:cs typeface="AdobeClean-LightIt"/>
+              </a:rPr>
+              <a:t> </a:t>
+            </a:r>
+            <a:r>
+              <a:rPr sz="1100" i="1" spc="-15">
+                <a:solidFill>
+                  <a:srgbClr val="777879"/>
+                </a:solidFill>
+                <a:latin typeface="AdobeClean-LightIt"/>
+                <a:cs typeface="AdobeClean-LightIt"/>
+              </a:rPr>
+              <a:t>level</a:t>
+            </a:r>
+            <a:r>
+              <a:rPr sz="1100" i="1" spc="-55">
+                <a:solidFill>
+                  <a:srgbClr val="777879"/>
+                </a:solidFill>
+                <a:latin typeface="AdobeClean-LightIt"/>
+                <a:cs typeface="AdobeClean-LightIt"/>
+              </a:rPr>
+              <a:t> </a:t>
+            </a:r>
+            <a:r>
+              <a:rPr sz="1100" i="1" spc="-15">
+                <a:solidFill>
+                  <a:srgbClr val="777879"/>
+                </a:solidFill>
+                <a:latin typeface="AdobeClean-LightIt"/>
+                <a:cs typeface="AdobeClean-LightIt"/>
+              </a:rPr>
+              <a:t>for</a:t>
+            </a:r>
+            <a:r>
+              <a:rPr sz="1100" i="1" spc="-85">
+                <a:solidFill>
+                  <a:srgbClr val="777879"/>
+                </a:solidFill>
+                <a:latin typeface="AdobeClean-LightIt"/>
+                <a:cs typeface="AdobeClean-LightIt"/>
+              </a:rPr>
+              <a:t> </a:t>
+            </a:r>
+            <a:r>
+              <a:rPr sz="1100" i="1" spc="-15">
+                <a:solidFill>
+                  <a:srgbClr val="777879"/>
+                </a:solidFill>
+                <a:latin typeface="AdobeClean-LightIt"/>
+                <a:cs typeface="AdobeClean-LightIt"/>
+              </a:rPr>
+              <a:t>you,</a:t>
+            </a:r>
+            <a:r>
+              <a:rPr sz="1100" i="1" spc="-65">
+                <a:solidFill>
+                  <a:srgbClr val="777879"/>
+                </a:solidFill>
+                <a:latin typeface="AdobeClean-LightIt"/>
+                <a:cs typeface="AdobeClean-LightIt"/>
+              </a:rPr>
+              <a:t> </a:t>
+            </a:r>
+            <a:r>
+              <a:rPr sz="1100" i="1" spc="-15">
+                <a:solidFill>
+                  <a:srgbClr val="777879"/>
+                </a:solidFill>
+                <a:latin typeface="AdobeClean-LightIt"/>
+                <a:cs typeface="AdobeClean-LightIt"/>
+              </a:rPr>
+              <a:t>contact</a:t>
+            </a:r>
+            <a:r>
+              <a:rPr sz="1100" i="1" spc="-85">
+                <a:solidFill>
+                  <a:srgbClr val="777879"/>
+                </a:solidFill>
+                <a:latin typeface="AdobeClean-LightIt"/>
+                <a:cs typeface="AdobeClean-LightIt"/>
+              </a:rPr>
+              <a:t> </a:t>
+            </a:r>
+            <a:r>
+              <a:rPr sz="1100" i="1" spc="-15">
+                <a:solidFill>
+                  <a:srgbClr val="777879"/>
+                </a:solidFill>
+                <a:latin typeface="AdobeClean-LightIt"/>
+                <a:cs typeface="AdobeClean-LightIt"/>
+              </a:rPr>
+              <a:t>your</a:t>
+            </a:r>
+            <a:r>
+              <a:rPr sz="1100" i="1" spc="-70">
+                <a:solidFill>
+                  <a:srgbClr val="777879"/>
+                </a:solidFill>
+                <a:latin typeface="AdobeClean-LightIt"/>
+                <a:cs typeface="AdobeClean-LightIt"/>
+              </a:rPr>
+              <a:t> </a:t>
+            </a:r>
+            <a:r>
+              <a:rPr sz="1100" i="1" spc="-15">
+                <a:solidFill>
+                  <a:srgbClr val="777879"/>
+                </a:solidFill>
+                <a:latin typeface="AdobeClean-LightIt"/>
+                <a:cs typeface="AdobeClean-LightIt"/>
+              </a:rPr>
+              <a:t>Named</a:t>
+            </a:r>
+            <a:r>
+              <a:rPr sz="1100" i="1" spc="-55">
+                <a:solidFill>
+                  <a:srgbClr val="777879"/>
+                </a:solidFill>
+                <a:latin typeface="AdobeClean-LightIt"/>
+                <a:cs typeface="AdobeClean-LightIt"/>
+              </a:rPr>
+              <a:t> </a:t>
+            </a:r>
+            <a:r>
+              <a:rPr sz="1100" i="1" spc="-25">
+                <a:solidFill>
+                  <a:srgbClr val="777879"/>
+                </a:solidFill>
+                <a:latin typeface="AdobeClean-LightIt"/>
+                <a:cs typeface="AdobeClean-LightIt"/>
+              </a:rPr>
+              <a:t>Account</a:t>
+            </a:r>
+            <a:r>
+              <a:rPr sz="1100" i="1" spc="-120">
+                <a:solidFill>
+                  <a:srgbClr val="777879"/>
+                </a:solidFill>
+                <a:latin typeface="AdobeClean-LightIt"/>
+                <a:cs typeface="AdobeClean-LightIt"/>
+              </a:rPr>
+              <a:t> </a:t>
+            </a:r>
+            <a:r>
+              <a:rPr sz="1100" i="1" spc="-20">
+                <a:solidFill>
+                  <a:srgbClr val="777879"/>
+                </a:solidFill>
+                <a:latin typeface="AdobeClean-LightIt"/>
+                <a:cs typeface="AdobeClean-LightIt"/>
+              </a:rPr>
+              <a:t>Manager</a:t>
+            </a:r>
+            <a:r>
+              <a:rPr lang="en-US" sz="1100" i="1" spc="-20">
+                <a:solidFill>
+                  <a:srgbClr val="777879"/>
+                </a:solidFill>
+                <a:latin typeface="AdobeClean-LightIt"/>
+                <a:cs typeface="AdobeClean-LightIt"/>
+              </a:rPr>
+              <a:t> </a:t>
+            </a:r>
+            <a:r>
+              <a:rPr sz="1100" i="1" spc="-20">
+                <a:solidFill>
+                  <a:srgbClr val="777879"/>
+                </a:solidFill>
+                <a:latin typeface="AdobeClean-LightIt"/>
+                <a:cs typeface="AdobeClean-LightIt"/>
+              </a:rPr>
+              <a:t> </a:t>
+            </a:r>
+            <a:r>
+              <a:rPr sz="1100" i="1" spc="-15">
+                <a:solidFill>
+                  <a:srgbClr val="777879"/>
+                </a:solidFill>
+                <a:latin typeface="AdobeClean-LightIt"/>
+                <a:cs typeface="AdobeClean-LightIt"/>
+              </a:rPr>
+              <a:t>(NAM) </a:t>
+            </a:r>
+            <a:r>
+              <a:rPr sz="1100" i="1" spc="-10">
+                <a:solidFill>
+                  <a:srgbClr val="777879"/>
+                </a:solidFill>
+                <a:latin typeface="AdobeClean-LightIt"/>
+                <a:cs typeface="AdobeClean-LightIt"/>
+              </a:rPr>
+              <a:t>or </a:t>
+            </a:r>
+            <a:r>
+              <a:rPr sz="1100" i="1" spc="-15">
+                <a:solidFill>
+                  <a:srgbClr val="777879"/>
+                </a:solidFill>
+                <a:latin typeface="AdobeClean-LightIt"/>
+                <a:cs typeface="AdobeClean-LightIt"/>
+              </a:rPr>
+              <a:t>Customer</a:t>
+            </a:r>
+            <a:r>
+              <a:rPr lang="en-US" sz="1100" i="1" spc="-15">
+                <a:solidFill>
+                  <a:srgbClr val="777879"/>
+                </a:solidFill>
+                <a:latin typeface="AdobeClean-LightIt"/>
+                <a:cs typeface="AdobeClean-LightIt"/>
+              </a:rPr>
+              <a:t> </a:t>
+            </a:r>
+            <a:r>
+              <a:rPr lang="en-US" sz="1100" i="1" spc="-20">
+                <a:solidFill>
+                  <a:srgbClr val="777879"/>
+                </a:solidFill>
+                <a:latin typeface="AdobeClean-LightIt"/>
+                <a:cs typeface="AdobeClean-LightIt"/>
+              </a:rPr>
+              <a:t>Success </a:t>
+            </a:r>
+            <a:r>
+              <a:rPr lang="en-US" sz="1100" i="1" spc="-15">
+                <a:solidFill>
+                  <a:srgbClr val="777879"/>
+                </a:solidFill>
+                <a:latin typeface="AdobeClean-LightIt"/>
+                <a:cs typeface="AdobeClean-LightIt"/>
+              </a:rPr>
+              <a:t>Manager </a:t>
+            </a:r>
+            <a:r>
+              <a:rPr sz="1100" i="1" spc="-15">
+                <a:solidFill>
+                  <a:srgbClr val="777879"/>
+                </a:solidFill>
+                <a:latin typeface="AdobeClean-LightIt"/>
+                <a:cs typeface="AdobeClean-LightIt"/>
+              </a:rPr>
+              <a:t>(CSM)</a:t>
+            </a:r>
+            <a:endParaRPr sz="1100">
+              <a:latin typeface="AdobeClean-LightIt"/>
+              <a:cs typeface="AdobeClean-LightIt"/>
+            </a:endParaRPr>
           </a:p>
           <a:p>
             <a:pPr marL="34290">
@@ -9313,95 +10453,59 @@
               </a:spcBef>
             </a:pPr>
             <a:r>
-              <a:rPr lang="es-ES" sz="800" dirty="0">
+              <a:rPr sz="800" spc="-5">
                 <a:solidFill>
                   <a:srgbClr val="6D6D6D"/>
                 </a:solidFill>
                 <a:latin typeface="Adobe Clean"/>
                 <a:cs typeface="Adobe Clean"/>
               </a:rPr>
-              <a:t>©2021 Adobe. </a:t>
-            </a:r>
-            <a:r>
-              <a:rPr lang="es-ES" sz="800" dirty="0" err="1">
+              <a:t>©202</a:t>
+            </a:r>
+            <a:r>
+              <a:rPr lang="en-US" sz="800" spc="-5">
                 <a:solidFill>
                   <a:srgbClr val="6D6D6D"/>
                 </a:solidFill>
                 <a:latin typeface="Adobe Clean"/>
                 <a:cs typeface="Adobe Clean"/>
               </a:rPr>
-              <a:t>All</a:t>
-            </a:r>
-            <a:r>
-              <a:rPr lang="es-ES" sz="800" dirty="0">
+              <a:t>1</a:t>
+            </a:r>
+            <a:r>
+              <a:rPr sz="800" spc="-5">
                 <a:solidFill>
                   <a:srgbClr val="6D6D6D"/>
                 </a:solidFill>
                 <a:latin typeface="Adobe Clean"/>
                 <a:cs typeface="Adobe Clean"/>
               </a:rPr>
-              <a:t> </a:t>
-            </a:r>
-            <a:r>
-              <a:rPr lang="es-ES" sz="800" dirty="0" err="1">
+              <a:t> Adobe. All Rights Reserved. Adobe</a:t>
+            </a:r>
+            <a:r>
+              <a:rPr sz="800" spc="75">
                 <a:solidFill>
                   <a:srgbClr val="6D6D6D"/>
                 </a:solidFill>
                 <a:latin typeface="Adobe Clean"/>
                 <a:cs typeface="Adobe Clean"/>
               </a:rPr>
-              <a:t>Rights</a:t>
-            </a:r>
-            <a:r>
-              <a:rPr lang="es-ES" sz="800" dirty="0">
+              <a:t> </a:t>
+            </a:r>
+            <a:r>
+              <a:rPr sz="800" spc="-5">
                 <a:solidFill>
                   <a:srgbClr val="6D6D6D"/>
                 </a:solidFill>
                 <a:latin typeface="Adobe Clean"/>
                 <a:cs typeface="Adobe Clean"/>
               </a:rPr>
-              <a:t> </a:t>
-            </a:r>
-            <a:r>
-              <a:rPr lang="es-ES" sz="800" dirty="0" err="1">
-                <a:solidFill>
-                  <a:srgbClr val="6D6D6D"/>
-                </a:solidFill>
-                <a:latin typeface="Adobe Clean"/>
-                <a:cs typeface="Adobe Clean"/>
-              </a:rPr>
-              <a:t>Reserved</a:t>
-            </a:r>
-            <a:r>
-              <a:rPr lang="es-ES" sz="800" dirty="0">
-                <a:solidFill>
-                  <a:srgbClr val="6D6D6D"/>
-                </a:solidFill>
-                <a:latin typeface="Adobe Clean"/>
-                <a:cs typeface="Adobe Clean"/>
-              </a:rPr>
-              <a:t>. Adobe </a:t>
-            </a:r>
-            <a:r>
-              <a:rPr lang="es-ES" sz="800" dirty="0" err="1">
-                <a:solidFill>
-                  <a:srgbClr val="6D6D6D"/>
-                </a:solidFill>
-                <a:latin typeface="Adobe Clean"/>
-                <a:cs typeface="Adobe Clean"/>
-              </a:rPr>
-              <a:t>Confidential</a:t>
-            </a:r>
-            <a:r>
-              <a:rPr lang="es-ES" sz="800" dirty="0">
-                <a:solidFill>
-                  <a:srgbClr val="6D6D6D"/>
-                </a:solidFill>
-                <a:latin typeface="Adobe Clean"/>
-                <a:cs typeface="Adobe Clean"/>
-              </a:rPr>
-              <a:t>.</a:t>
-            </a:r>
+              <a:t>Confidential.</a:t>
+            </a:r>
+            <a:endParaRPr sz="800">
+              <a:latin typeface="Adobe Clean"/>
+              <a:cs typeface="Adobe Clean"/>
+            </a:endParaRPr>
           </a:p>
         </p:txBody>
       </p:sp>
@@ -9419,8 +10523,8 @@
         </p:nvSpPr>
         <p:spPr>
           <a:xfrm>
-            <a:off x="197233" y="4969823"/>
-            <a:ext cx="7365294" cy="755976"/>
+            <a:off x="197233" y="5031270"/>
+            <a:ext cx="6476646" cy="755976"/>
           </a:xfrm>
           <a:prstGeom prst="rect">
             <a:avLst/>
@@ -9438,15 +10542,19 @@
               </a:spcBef>
             </a:pPr>
             <a:r>
-              <a:rPr lang="es-ES" sz="1400" b="1" dirty="0">
+              <a:rPr lang="en-US" sz="1400" b="1" spc="-15">
                 <a:solidFill>
                   <a:srgbClr val="020302"/>
                 </a:solidFill>
                 <a:latin typeface="Adobe Clean"/>
                 <a:cs typeface="Adobe Clean"/>
               </a:rPr>
-              <a:t>Alcance regional del Soporte de Adobe, horas locales de trabajo y compatibilidad de idioma</a:t>
-            </a:r>
+              <a:t>Regional scope of Adobe Support, Local Hours Of Operation And Language Support</a:t>
+            </a:r>
+            <a:endParaRPr lang="en-US" sz="1400" spc="-15">
+              <a:ea typeface="+mn-lt"/>
+              <a:cs typeface="+mn-lt"/>
+            </a:endParaRPr>
           </a:p>
           <a:p>
             <a:pPr>
@@ -9455,14 +10563,15 @@
               </a:spcBef>
             </a:pPr>
             <a:r>
-              <a:rPr lang="es-ES" sz="1000" dirty="0">
+              <a:rPr lang="en-US" sz="1000" spc="-15">
                 <a:solidFill>
                   <a:srgbClr val="1F1F1F"/>
                 </a:solidFill>
                 <a:latin typeface="AdobeClean-Light"/>
               </a:rPr>
-              <a:t>El alcance regional del Soporte de Adobe se establece asignando la dirección de facturación del cliente (mediante la orden de venta o el documento de compra de Soporte de Adobe) con una de estas regiones:</a:t>
-            </a:r>
+              <a:t>The Regional scope of Adobe Support is established by aligning the customer's billing address (via the Sales Order or other Adobe Support purchasing document) to one of the following regions:</a:t>
+            </a:r>
+            <a:endParaRPr lang="en-US"/>
           </a:p>
         </p:txBody>
       </p:sp>
@@ -9481,7 +10590,7 @@
           <p:nvPr>
             <p:extLst>
               <p:ext uri="{D42A27DB-BD31-4B8C-83A1-F6EECF244321}">
-                <p14:modId xmlns:p14="http://schemas.microsoft.com/office/powerpoint/2010/main" val="2853681373"/>
+                <p14:modId xmlns:p14="http://schemas.microsoft.com/office/powerpoint/2010/main" val="914484175"/>
               </p:ext>
             </p:extLst>
           </p:nvPr>
@@ -9534,13 +10643,13 @@
                     <a:p>
                       <a:pPr algn="ctr"/>
                       <a:r>
-                        <a:rPr lang="es-ES" sz="1100">
+                        <a:rPr lang="en-US" sz="1100">
                           <a:solidFill>
                             <a:schemeClr val="tx1"/>
                           </a:solidFill>
                           <a:latin typeface="Adobe Clean"/>
                         </a:rPr>
-                        <a:t>América</a:t>
+                        <a:t>Americas</a:t>
                       </a:r>
                     </a:p>
                   </a:txBody>
@@ -9599,30 +10708,13 @@
                     <a:p>
                       <a:pPr algn="ctr"/>
                       <a:r>
-                        <a:rPr lang="es-ES" sz="1100" dirty="0">
+                        <a:rPr lang="en-US" sz="1100">
                           <a:solidFill>
                             <a:schemeClr val="tx1"/>
                           </a:solidFill>
                           <a:latin typeface="Adobe Clean"/>
                         </a:rPr>
-                        <a:t>Europa, Oriente Medio </a:t>
-                      </a:r>
-                      <a:br>
-                        <a:rPr lang="es-ES" sz="1100" dirty="0">
-                          <a:solidFill>
-                            <a:schemeClr val="tx1"/>
-                          </a:solidFill>
-                          <a:latin typeface="Adobe Clean"/>
-                        </a:rPr>
-                      </a:br>
-                      <a:r>
-                        <a:rPr lang="es-ES" sz="1100" dirty="0">
-                          <a:solidFill>
-                            <a:schemeClr val="tx1"/>
-                          </a:solidFill>
-                          <a:latin typeface="Adobe Clean"/>
-                        </a:rPr>
-                        <a:t>y África</a:t>
+                        <a:t>Europe, Middle East &amp; Africa</a:t>
                       </a:r>
                     </a:p>
                   </a:txBody>
@@ -9681,13 +10773,13 @@
                     <a:p>
                       <a:pPr algn="ctr"/>
                       <a:r>
-                        <a:rPr lang="es-ES" sz="1100">
+                        <a:rPr lang="en-US" sz="1100">
                           <a:solidFill>
                             <a:schemeClr val="tx1"/>
                           </a:solidFill>
                           <a:latin typeface="Adobe Clean"/>
                         </a:rPr>
-                        <a:t>Asia-Pacífico</a:t>
+                        <a:t>Asia Pacific</a:t>
                       </a:r>
                     </a:p>
                   </a:txBody>
@@ -9746,16 +10838,16 @@
                     <a:p>
                       <a:pPr algn="ctr"/>
                       <a:r>
-                        <a:rPr lang="es-ES" sz="1100">
+                        <a:rPr lang="en-US" sz="1100">
                           <a:solidFill>
                             <a:schemeClr val="tx1"/>
                           </a:solidFill>
                           <a:latin typeface="Adobe Clean"/>
                         </a:rPr>
-                        <a:t>Japón </a:t>
+                        <a:t>Japan </a:t>
                       </a:r>
                       <a:r>
-                        <a:rPr lang="es-ES" sz="1100" baseline="30000">
+                        <a:rPr lang="en-US" sz="1100" baseline="30000">
                           <a:solidFill>
                             <a:schemeClr val="tx1"/>
                           </a:solidFill>
@@ -9763,6 +10855,12 @@
                         </a:rPr>
                         <a:t>1 </a:t>
                       </a:r>
+                      <a:endParaRPr lang="en-US" sz="1100">
+                        <a:solidFill>
+                          <a:schemeClr val="tx1"/>
+                        </a:solidFill>
+                        <a:latin typeface="Adobe Clean" panose="020B0503020404020204" pitchFamily="34" charset="0"/>
+                      </a:endParaRPr>
                     </a:p>
                   </a:txBody>
                   <a:tcPr anchor="ctr">
@@ -9827,13 +10925,13 @@
                     <a:p>
                       <a:pPr algn="ctr"/>
                       <a:r>
-                        <a:rPr lang="es-ES" sz="1100">
+                        <a:rPr lang="en-US" sz="1100">
                           <a:solidFill>
                             <a:schemeClr val="tx1"/>
                           </a:solidFill>
                           <a:latin typeface="Adobe Clean"/>
                         </a:rPr>
-                        <a:t>06:00 h - 17:30 h</a:t>
+                        <a:t>6 am – 5:30 pm</a:t>
                       </a:r>
                     </a:p>
                   </a:txBody>
@@ -9892,13 +10990,13 @@
                     <a:p>
                       <a:pPr algn="ctr"/>
                       <a:r>
-                        <a:rPr lang="es-ES" sz="1100">
+                        <a:rPr lang="en-US" sz="1100">
                           <a:solidFill>
                             <a:schemeClr val="tx1"/>
                           </a:solidFill>
                           <a:latin typeface="Adobe Clean"/>
                         </a:rPr>
-                        <a:t>09:00 h - 17:00 h</a:t>
+                        <a:t>9 am – 5 pm</a:t>
                       </a:r>
                     </a:p>
                   </a:txBody>
@@ -9957,13 +11055,13 @@
                     <a:p>
                       <a:pPr algn="ctr"/>
                       <a:r>
-                        <a:rPr lang="es-ES" sz="1100">
+                        <a:rPr lang="en-US" sz="1100">
                           <a:solidFill>
                             <a:schemeClr val="tx1"/>
                           </a:solidFill>
                           <a:latin typeface="Adobe Clean"/>
                         </a:rPr>
-                        <a:t>09:00 h - 17:00 h</a:t>
+                        <a:t>9 am – 5 pm</a:t>
                       </a:r>
                     </a:p>
                   </a:txBody>
@@ -10022,13 +11120,13 @@
                     <a:p>
                       <a:pPr algn="ctr"/>
                       <a:r>
-                        <a:rPr lang="es-ES" sz="1100">
+                        <a:rPr lang="en-US" sz="1100">
                           <a:solidFill>
                             <a:schemeClr val="tx1"/>
                           </a:solidFill>
                           <a:latin typeface="Adobe Clean"/>
                         </a:rPr>
-                        <a:t>09:00 h - 17:30 h</a:t>
+                        <a:t>9 am – 5:30 pm</a:t>
                       </a:r>
                     </a:p>
                   </a:txBody>
@@ -10108,10 +11206,11 @@
                         <a:buNone/>
                       </a:pPr>
                       <a:r>
-                        <a:rPr lang="es-ES" sz="1100" b="1" i="0" u="none" strike="noStrike" cap="none" normalizeH="0" baseline="30000" noProof="0" dirty="0">
+                        <a:rPr lang="en-US" sz="1100" b="1" i="0" u="none" strike="noStrike" kern="0" cap="none" spc="0" normalizeH="0" baseline="30000" noProof="0" dirty="0">
                           <a:ln>
                             <a:noFill/>
                           </a:ln>
+                          <a:effectLst/>
                           <a:uLnTx/>
                           <a:uFillTx/>
                           <a:latin typeface="Adobe Clean"/>
@@ -10121,16 +11220,17 @@
                         <a:t> </a:t>
                       </a:r>
                       <a:r>
-                        <a:rPr lang="es-ES" sz="1100" dirty="0">
+                        <a:rPr lang="en-US" sz="1100" dirty="0">
                           <a:solidFill>
                             <a:schemeClr val="tx1"/>
                           </a:solidFill>
                           <a:latin typeface="Adobe Clean"/>
-                          <a:ea typeface="+mn-ea"/>
-                          <a:cs typeface="+mn-cs"/>
                         </a:rPr>
-                        <a:t>Compatibilidad de idioma solo disponible en inglés y japonés</a:t>
+                        <a:t>Language support is only available in English and Japanese.</a:t>
                       </a:r>
+                      <a:endParaRPr lang="en-US" dirty="0">
+                        <a:latin typeface="Adobe Clean"/>
+                      </a:endParaRPr>
                     </a:p>
                     <a:p>
                       <a:pPr marL="0" marR="0" lvl="0" indent="0" algn="ctr">
@@ -10149,17 +11249,17 @@
                         <a:buNone/>
                       </a:pPr>
                       <a:r>
-                        <a:rPr lang="es-ES" sz="1100" i="1" dirty="0">
+                        <a:rPr lang="en-US" sz="1100" i="1" dirty="0">
                           <a:solidFill>
                             <a:schemeClr val="tx1"/>
                           </a:solidFill>
                           <a:latin typeface="Adobe Clean"/>
                         </a:rPr>
-                        <a:t>*Adobe Commerce no incluye soporte en japonés.</a:t>
+                        <a:t>*Adobe Commerce excludes Japanese languages support. </a:t>
                       </a:r>
                     </a:p>
                     <a:p>
-                      <a:pPr algn="l" rtl="0"/>
+                      <a:pPr algn="ctr"/>
                       <a:endParaRPr kumimoji="0" lang="en-US" sz="1100" b="1" i="0" u="none" strike="noStrike" kern="0" cap="none" spc="0" normalizeH="0" baseline="30000" noProof="0" dirty="0">
                         <a:ln>
                           <a:noFill/>
@@ -10178,7 +11278,7 @@
                     <a:p>
                       <a:pPr algn="ctr"/>
                       <a:r>
-                        <a:rPr lang="es-ES" sz="1100" i="0" dirty="0">
+                        <a:rPr lang="en-US" sz="1100" i="0" dirty="0">
                           <a:solidFill>
                             <a:schemeClr val="tx1"/>
                           </a:solidFill>
@@ -10187,7 +11287,7 @@
                         <a:t> </a:t>
                       </a:r>
                       <a:r>
-                        <a:rPr lang="es-ES" sz="1100" i="0" baseline="30000" dirty="0">
+                        <a:rPr lang="en-US" sz="1100" i="0" baseline="30000" dirty="0">
                           <a:solidFill>
                             <a:schemeClr val="tx1"/>
                           </a:solidFill>
@@ -10196,14 +11296,20 @@
                         <a:t>1 </a:t>
                       </a:r>
                       <a:r>
-                        <a:rPr lang="es-ES" sz="1100" i="0" dirty="0">
+                        <a:rPr lang="en-US" sz="1100" i="0" dirty="0">
                           <a:solidFill>
                             <a:schemeClr val="tx1"/>
                           </a:solidFill>
                           <a:latin typeface="Adobe Clean"/>
                         </a:rPr>
-                        <a:t>Los casos de P2, P3, P4 se limitan únicamente al horario laboral en Japón.</a:t>
+                        <a:t>P2, P3, P4 cases are limited to business hours only in Japan.</a:t>
                       </a:r>
+                      <a:endParaRPr lang="en-US" sz="1100" b="1" i="0" dirty="0">
+                        <a:solidFill>
+                          <a:schemeClr val="tx1"/>
+                        </a:solidFill>
+                        <a:latin typeface="Adobe Clean"/>
+                      </a:endParaRPr>
                     </a:p>
                   </a:txBody>
                   <a:tcPr anchor="ctr">
@@ -10567,15 +11673,129 @@
               </a:spcBef>
             </a:pPr>
             <a:r>
-              <a:rPr lang="es-ES" sz="1200" b="1" dirty="0">
+              <a:rPr sz="1200" b="1" spc="-15">
                 <a:solidFill>
                   <a:srgbClr val="FFFFFF"/>
                 </a:solidFill>
                 <a:latin typeface="Adobe Clean"/>
                 <a:cs typeface="Adobe Clean"/>
               </a:rPr>
-              <a:t>Experiencia sin igual</a:t>
-            </a:r>
+              <a:t>U</a:t>
+            </a:r>
+            <a:r>
+              <a:rPr sz="1200" b="1" spc="-20">
+                <a:solidFill>
+                  <a:srgbClr val="FFFFFF"/>
+                </a:solidFill>
+                <a:latin typeface="Adobe Clean"/>
+                <a:cs typeface="Adobe Clean"/>
+              </a:rPr>
+              <a:t>n</a:t>
+            </a:r>
+            <a:r>
+              <a:rPr sz="1200" b="1" spc="-25">
+                <a:solidFill>
+                  <a:srgbClr val="FFFFFF"/>
+                </a:solidFill>
+                <a:latin typeface="Adobe Clean"/>
+                <a:cs typeface="Adobe Clean"/>
+              </a:rPr>
+              <a:t>p</a:t>
+            </a:r>
+            <a:r>
+              <a:rPr sz="1200" b="1" spc="-15">
+                <a:solidFill>
+                  <a:srgbClr val="FFFFFF"/>
+                </a:solidFill>
+                <a:latin typeface="Adobe Clean"/>
+                <a:cs typeface="Adobe Clean"/>
+              </a:rPr>
+              <a:t>a</a:t>
+            </a:r>
+            <a:r>
+              <a:rPr sz="1200" b="1" spc="-25">
+                <a:solidFill>
+                  <a:srgbClr val="FFFFFF"/>
+                </a:solidFill>
+                <a:latin typeface="Adobe Clean"/>
+                <a:cs typeface="Adobe Clean"/>
+              </a:rPr>
+              <a:t>r</a:t>
+            </a:r>
+            <a:r>
+              <a:rPr sz="1200" b="1" spc="-15">
+                <a:solidFill>
+                  <a:srgbClr val="FFFFFF"/>
+                </a:solidFill>
+                <a:latin typeface="Adobe Clean"/>
+                <a:cs typeface="Adobe Clean"/>
+              </a:rPr>
+              <a:t>a</a:t>
+            </a:r>
+            <a:r>
+              <a:rPr sz="1200" b="1" spc="-30">
+                <a:solidFill>
+                  <a:srgbClr val="FFFFFF"/>
+                </a:solidFill>
+                <a:latin typeface="Adobe Clean"/>
+                <a:cs typeface="Adobe Clean"/>
+              </a:rPr>
+              <a:t>ll</a:t>
+            </a:r>
+            <a:r>
+              <a:rPr sz="1200" b="1" spc="-25">
+                <a:solidFill>
+                  <a:srgbClr val="FFFFFF"/>
+                </a:solidFill>
+                <a:latin typeface="Adobe Clean"/>
+                <a:cs typeface="Adobe Clean"/>
+              </a:rPr>
+              <a:t>e</a:t>
+            </a:r>
+            <a:r>
+              <a:rPr sz="1200" b="1" spc="-30">
+                <a:solidFill>
+                  <a:srgbClr val="FFFFFF"/>
+                </a:solidFill>
+                <a:latin typeface="Adobe Clean"/>
+                <a:cs typeface="Adobe Clean"/>
+              </a:rPr>
+              <a:t>l</a:t>
+            </a:r>
+            <a:r>
+              <a:rPr sz="1200" b="1" spc="-25">
+                <a:solidFill>
+                  <a:srgbClr val="FFFFFF"/>
+                </a:solidFill>
+                <a:latin typeface="Adobe Clean"/>
+                <a:cs typeface="Adobe Clean"/>
+              </a:rPr>
+              <a:t>e</a:t>
+            </a:r>
+            <a:r>
+              <a:rPr sz="1200" b="1">
+                <a:solidFill>
+                  <a:srgbClr val="FFFFFF"/>
+                </a:solidFill>
+                <a:latin typeface="Adobe Clean"/>
+                <a:cs typeface="Adobe Clean"/>
+              </a:rPr>
+              <a:t>d  </a:t>
+            </a:r>
+            <a:r>
+              <a:rPr sz="1200" b="1" spc="-25">
+                <a:solidFill>
+                  <a:srgbClr val="FFFFFF"/>
+                </a:solidFill>
+                <a:latin typeface="Adobe Clean"/>
+                <a:cs typeface="Adobe Clean"/>
+              </a:rPr>
+              <a:t>Expertise</a:t>
+            </a:r>
+            <a:endParaRPr sz="1200">
+              <a:latin typeface="Adobe Clean"/>
+              <a:cs typeface="Adobe Clean"/>
+            </a:endParaRPr>
           </a:p>
         </p:txBody>
       </p:sp>
@@ -10593,8 +11813,8 @@
         </p:nvSpPr>
         <p:spPr>
           <a:xfrm>
-            <a:off x="4658426" y="8531167"/>
-            <a:ext cx="884236" cy="382797"/>
+            <a:off x="4732495" y="8541244"/>
+            <a:ext cx="810895" cy="382797"/>
           </a:xfrm>
           <a:prstGeom prst="rect">
             <a:avLst/>
@@ -10606,7 +11826,7 @@
           </a:bodyPr>
           <a:lstStyle/>
           <a:p>
-            <a:pPr marR="5080" algn="ctr">
+            <a:pPr marL="139065" marR="5080" indent="-139065">
               <a:lnSpc>
                 <a:spcPts val="1390"/>
               </a:lnSpc>
@@ -10615,15 +11835,19 @@
               </a:spcBef>
             </a:pPr>
             <a:r>
-              <a:rPr lang="es-ES" sz="1200" b="1" dirty="0">
+              <a:rPr lang="en-US" sz="1200" b="1" spc="-15">
                 <a:solidFill>
                   <a:srgbClr val="FFFFFF"/>
                 </a:solidFill>
                 <a:latin typeface="Adobe Clean"/>
                 <a:cs typeface="Adobe Clean"/>
               </a:rPr>
-              <a:t>Asistencia ágil</a:t>
-            </a:r>
+              <a:t>Accelerated Support</a:t>
+            </a:r>
+            <a:endParaRPr sz="1200">
+              <a:latin typeface="Adobe Clean"/>
+              <a:cs typeface="Adobe Clean"/>
+            </a:endParaRPr>
           </a:p>
         </p:txBody>
       </p:sp>
@@ -10641,8 +11865,8 @@
         </p:nvSpPr>
         <p:spPr>
           <a:xfrm>
-            <a:off x="6343650" y="8543943"/>
-            <a:ext cx="1071478" cy="385445"/>
+            <a:off x="6624119" y="8543943"/>
+            <a:ext cx="510540" cy="385445"/>
           </a:xfrm>
           <a:prstGeom prst="rect">
             <a:avLst/>
@@ -10654,7 +11878,7 @@
           </a:bodyPr>
           <a:lstStyle/>
           <a:p>
-            <a:pPr marL="50800" marR="5080" indent="-51435" algn="ctr">
+            <a:pPr marL="50800" marR="5080" indent="-51435">
               <a:lnSpc>
                 <a:spcPts val="1390"/>
               </a:lnSpc>
@@ -10663,15 +11887,109 @@
               </a:spcBef>
             </a:pPr>
             <a:r>
-              <a:rPr lang="es-ES" sz="1200" b="1" dirty="0">
+              <a:rPr sz="1200" b="1" spc="-50">
                 <a:solidFill>
                   <a:srgbClr val="FFFFFF"/>
                 </a:solidFill>
                 <a:latin typeface="Adobe Clean"/>
                 <a:cs typeface="Adobe Clean"/>
               </a:rPr>
-              <a:t>Asesoría estratégica</a:t>
-            </a:r>
+              <a:t>S</a:t>
+            </a:r>
+            <a:r>
+              <a:rPr sz="1200" b="1" spc="-20">
+                <a:solidFill>
+                  <a:srgbClr val="FFFFFF"/>
+                </a:solidFill>
+                <a:latin typeface="Adobe Clean"/>
+                <a:cs typeface="Adobe Clean"/>
+              </a:rPr>
+              <a:t>t</a:t>
+            </a:r>
+            <a:r>
+              <a:rPr sz="1200" b="1" spc="-75">
+                <a:solidFill>
+                  <a:srgbClr val="FFFFFF"/>
+                </a:solidFill>
+                <a:latin typeface="Adobe Clean"/>
+                <a:cs typeface="Adobe Clean"/>
+              </a:rPr>
+              <a:t>r</a:t>
+            </a:r>
+            <a:r>
+              <a:rPr sz="1200" b="1" spc="-90">
+                <a:solidFill>
+                  <a:srgbClr val="FFFFFF"/>
+                </a:solidFill>
+                <a:latin typeface="Adobe Clean"/>
+                <a:cs typeface="Adobe Clean"/>
+              </a:rPr>
+              <a:t>a</a:t>
+            </a:r>
+            <a:r>
+              <a:rPr sz="1200" b="1" spc="-55">
+                <a:solidFill>
+                  <a:srgbClr val="FFFFFF"/>
+                </a:solidFill>
+                <a:latin typeface="Adobe Clean"/>
+                <a:cs typeface="Adobe Clean"/>
+              </a:rPr>
+              <a:t>t</a:t>
+            </a:r>
+            <a:r>
+              <a:rPr sz="1200" b="1" spc="-100">
+                <a:solidFill>
+                  <a:srgbClr val="FFFFFF"/>
+                </a:solidFill>
+                <a:latin typeface="Adobe Clean"/>
+                <a:cs typeface="Adobe Clean"/>
+              </a:rPr>
+              <a:t>e</a:t>
+            </a:r>
+            <a:r>
+              <a:rPr sz="1200" b="1" spc="-80">
+                <a:solidFill>
+                  <a:srgbClr val="FFFFFF"/>
+                </a:solidFill>
+                <a:latin typeface="Adobe Clean"/>
+                <a:cs typeface="Adobe Clean"/>
+              </a:rPr>
+              <a:t>g</a:t>
+            </a:r>
+            <a:r>
+              <a:rPr sz="1200" b="1" spc="-35">
+                <a:solidFill>
+                  <a:srgbClr val="FFFFFF"/>
+                </a:solidFill>
+                <a:latin typeface="Adobe Clean"/>
+                <a:cs typeface="Adobe Clean"/>
+              </a:rPr>
+              <a:t>i</a:t>
+            </a:r>
+            <a:r>
+              <a:rPr sz="1200" b="1">
+                <a:solidFill>
+                  <a:srgbClr val="FFFFFF"/>
+                </a:solidFill>
+                <a:latin typeface="Adobe Clean"/>
+                <a:cs typeface="Adobe Clean"/>
+              </a:rPr>
+              <a:t>c  </a:t>
+            </a:r>
+            <a:r>
+              <a:rPr sz="1200" b="1" spc="-45">
+                <a:solidFill>
+                  <a:srgbClr val="FFFFFF"/>
+                </a:solidFill>
+                <a:latin typeface="Adobe Clean"/>
+                <a:cs typeface="Adobe Clean"/>
+              </a:rPr>
+              <a:t>Advice</a:t>
+            </a:r>
+            <a:endParaRPr sz="1200">
+              <a:latin typeface="Adobe Clean"/>
+              <a:cs typeface="Adobe Clean"/>
+            </a:endParaRPr>
           </a:p>
         </p:txBody>
       </p:sp>
@@ -10690,14 +12008,14 @@
           <p:nvPr>
             <p:extLst>
               <p:ext uri="{D42A27DB-BD31-4B8C-83A1-F6EECF244321}">
-                <p14:modId xmlns:p14="http://schemas.microsoft.com/office/powerpoint/2010/main" val="3067232937"/>
+                <p14:modId xmlns:p14="http://schemas.microsoft.com/office/powerpoint/2010/main" val="3773282750"/>
               </p:ext>
             </p:extLst>
           </p:nvPr>
         </p:nvGraphicFramePr>
         <p:xfrm>
           <a:off x="194236" y="1059345"/>
-          <a:ext cx="7368291" cy="3759200"/>
+          <a:ext cx="7368291" cy="3302000"/>
         </p:xfrm>
         <a:graphic>
           <a:graphicData uri="http://schemas.openxmlformats.org/drawingml/2006/table">
@@ -10728,7 +12046,7 @@
                     <a:lstStyle/>
                     <a:p>
                       <a:r>
-                        <a:rPr lang="es-ES" sz="1100" b="0" dirty="0" err="1">
+                        <a:rPr lang="en-US" sz="1100" b="0">
                           <a:solidFill>
                             <a:schemeClr val="tx1"/>
                           </a:solidFill>
@@ -10737,20 +12055,16 @@
                           <a:cs typeface="+mn-cs"/>
                           <a:hlinkClick r:id="rId7"/>
                         </a:rPr>
-                        <a:t>Experience</a:t>
+                        <a:t>Experience League</a:t>
                       </a:r>
-                      <a:r>
-                        <a:rPr lang="es-ES" sz="1100" b="0" dirty="0">
-                          <a:solidFill>
-                            <a:schemeClr val="tx1"/>
-                          </a:solidFill>
-                          <a:latin typeface="Adobe Clean"/>
-                          <a:ea typeface="+mn-ea"/>
-                          <a:cs typeface="+mn-cs"/>
-                          <a:hlinkClick r:id="rId7"/>
-                        </a:rPr>
-                        <a:t> League</a:t>
-                      </a:r>
+                      <a:endParaRPr lang="en-US" sz="1100" b="0">
+                        <a:solidFill>
+                          <a:schemeClr val="tx1"/>
+                        </a:solidFill>
+                        <a:latin typeface="Adobe Clean"/>
+                        <a:ea typeface="+mn-ea"/>
+                        <a:cs typeface="+mn-cs"/>
+                      </a:endParaRPr>
                     </a:p>
                   </a:txBody>
                   <a:tcPr marL="47625" marR="47625" marT="0" marB="0" anchor="ctr">
@@ -10822,7 +12136,7 @@
                         <a:buNone/>
                       </a:pPr>
                       <a:r>
-                        <a:rPr lang="es-ES" sz="1000" b="0" dirty="0" err="1">
+                        <a:rPr lang="en-US" sz="1000" b="0" kern="1200">
                           <a:solidFill>
                             <a:srgbClr val="000000"/>
                           </a:solidFill>
@@ -10830,19 +12144,16 @@
                           <a:ea typeface="+mn-ea"/>
                           <a:cs typeface="+mn-cs"/>
                         </a:rPr>
-                        <a:t>Experience</a:t>
+                        <a:t>Experience League is how Adobe helps businesses achieve the value they expect from their Adobe investment. It’s the unified place where customers can learn, connect, and grow along a personalized path to success that includes self-help tutorials, product documentation, instructor-led training, community and technical support. </a:t>
                       </a:r>
-                      <a:r>
-                        <a:rPr lang="es-ES" sz="1000" b="0" dirty="0">
-                          <a:solidFill>
-                            <a:srgbClr val="000000"/>
-                          </a:solidFill>
-                          <a:latin typeface="Adobe Clean Light"/>
-                          <a:ea typeface="+mn-ea"/>
-                          <a:cs typeface="+mn-cs"/>
-                        </a:rPr>
-                        <a:t> League permite a Adobe ayudar a las empresas a alcanzar el valor que esperan de su inversión en Adobe. Es el lugar unificado en el que los clientes pueden aprender, dialogar y crecer siguiendo un camino personalizado hacia el éxito que incluye tutoriales de autoayuda, documentación de productos, formación dirigida por instructores, y asistencia técnica y comunitaria. </a:t>
-                      </a:r>
+                      <a:endParaRPr lang="en-US" sz="1000" b="0" kern="1200">
+                        <a:solidFill>
+                          <a:srgbClr val="000000"/>
+                        </a:solidFill>
+                        <a:latin typeface="Adobe Clean Light" panose="020B0303020404020204" pitchFamily="34" charset="0"/>
+                        <a:ea typeface="+mn-ea"/>
+                        <a:cs typeface="+mn-cs"/>
+                      </a:endParaRPr>
                     </a:p>
                   </a:txBody>
                   <a:tcPr anchor="ctr">
@@ -10923,28 +12234,39 @@
                         <a:defRPr/>
                       </a:pPr>
                       <a:r>
-                        <a:rPr lang="es-ES" sz="1100" dirty="0">
+                        <a:rPr lang="en-US" sz="1100">
                           <a:solidFill>
                             <a:schemeClr val="dk1"/>
                           </a:solidFill>
+                          <a:effectLst/>
                           <a:latin typeface="Adobe Clean"/>
                           <a:ea typeface="+mn-ea"/>
                           <a:cs typeface="+mn-cs"/>
                           <a:hlinkClick r:id="rId8"/>
                         </a:rPr>
-                        <a:t>Formación</a:t>
+                        <a:t>Training</a:t>
                       </a:r>
                       <a:r>
-                        <a:rPr lang="es-ES" sz="1100" dirty="0">
+                        <a:rPr lang="en-US" sz="1100">
                           <a:solidFill>
                             <a:schemeClr val="dk1"/>
                           </a:solidFill>
+                          <a:effectLst/>
                           <a:latin typeface="Adobe Clean"/>
                           <a:ea typeface="+mn-ea"/>
                           <a:cs typeface="+mn-cs"/>
                         </a:rPr>
                         <a:t> </a:t>
                       </a:r>
+                      <a:endParaRPr lang="en-US" sz="1100">
+                        <a:solidFill>
+                          <a:schemeClr val="tx1"/>
+                        </a:solidFill>
+                        <a:effectLst/>
+                        <a:latin typeface="Adobe Clean"/>
+                        <a:ea typeface="+mn-ea"/>
+                        <a:cs typeface="+mn-cs"/>
+                      </a:endParaRPr>
                     </a:p>
                   </a:txBody>
                   <a:tcPr anchor="ctr">
@@ -11018,7 +12340,7 @@
                         <a:defRPr/>
                       </a:pPr>
                       <a:r>
-                        <a:rPr lang="es-ES" sz="1000">
+                        <a:rPr lang="en-US" sz="1000" kern="1200">
                           <a:solidFill>
                             <a:srgbClr val="000000"/>
                           </a:solidFill>
@@ -11026,7 +12348,7 @@
                           <a:ea typeface="+mn-ea"/>
                           <a:cs typeface="+mn-cs"/>
                         </a:rPr>
-                        <a:t>Puede acceder a los cursos de Adobe Digital Learning Services desde Experience League. Los cursos de formación incluyen desde lecciones bajo demanda hasta lecciones impartidas por instructores.  Aquí puede aprender habilidades con valor de mercado reconocido para impulsar el éxito en su organización.</a:t>
+                        <a:t>Adobe Digital Learning Services courses are accessible from Experience League. Learning courses integrate both on-demand and instructor-led lessons.  Here you can accrue skills that have recognized market value and position them to drive success in your organizations.</a:t>
                       </a:r>
                     </a:p>
                   </a:txBody>
@@ -11108,17 +12430,27 @@
                         <a:defRPr/>
                       </a:pPr>
                       <a:r>
-                        <a:rPr lang="es-ES" sz="1100">
+                        <a:rPr lang="en-US" sz="1100">
                           <a:solidFill>
                             <a:schemeClr val="tx1"/>
                           </a:solidFill>
+                          <a:effectLst/>
                           <a:latin typeface="Adobe Clean"/>
                           <a:ea typeface="+mn-ea"/>
                           <a:cs typeface="+mn-cs"/>
                           <a:hlinkClick r:id="rId9"/>
                         </a:rPr>
-                        <a:t>Problemas de producción e interrupciones del sistema</a:t>
+                        <a:t>Production Issues &amp; System Outages</a:t>
                       </a:r>
+                      <a:endParaRPr lang="en-US" sz="1100">
+                        <a:solidFill>
+                          <a:schemeClr val="tx1"/>
+                        </a:solidFill>
+                        <a:effectLst/>
+                        <a:latin typeface="Adobe Clean"/>
+                        <a:ea typeface="+mn-ea"/>
+                        <a:cs typeface="+mn-cs"/>
+                      </a:endParaRPr>
                     </a:p>
                   </a:txBody>
                   <a:tcPr anchor="ctr">
@@ -11190,7 +12522,7 @@
                         <a:buNone/>
                       </a:pPr>
                       <a:r>
-                        <a:rPr lang="es-ES" sz="1000">
+                        <a:rPr lang="en-US" sz="1000" kern="1200">
                           <a:solidFill>
                             <a:srgbClr val="000000"/>
                           </a:solidFill>
@@ -11198,8 +12530,16 @@
                           <a:ea typeface="+mn-ea"/>
                           <a:cs typeface="+mn-cs"/>
                         </a:rPr>
-                        <a:t>Status.adobe.com transmite la información de estado de todos los productos y servicios de Adobe implementados en entornos de varios inquilinos. Los clientes pueden elegir sus preferencias de suscripción para recibir notificaciones por correo electrónico cada vez que Adobe cree, actualice o resuelva un evento de producto. Esto puede incluir problemas de mantenimiento o servicio programados de diversos niveles de gravedad. </a:t>
+                        <a:t>Status.adobe.com conveys the health information of all Adobe products and services that are deployed in multi-tenant environments. Customers can choose their subscription preferences to get email notifications whenever Adobe creates, updates or resolves a product event. This can include scheduled maintenance or service issues of varying levels of severity. </a:t>
                       </a:r>
+                      <a:endParaRPr lang="en-US" sz="1000" kern="1200">
+                        <a:solidFill>
+                          <a:srgbClr val="000000"/>
+                        </a:solidFill>
+                        <a:latin typeface="Adobe Clean Light" panose="020B0303020404020204" pitchFamily="34" charset="0"/>
+                        <a:ea typeface="+mn-ea"/>
+                        <a:cs typeface="+mn-cs"/>
+                      </a:endParaRPr>
                     </a:p>
                   </a:txBody>
                   <a:tcPr anchor="ctr">
@@ -11280,17 +12620,27 @@
                         <a:defRPr/>
                       </a:pPr>
                       <a:r>
-                        <a:rPr lang="es-ES" sz="1100" b="0" i="0">
+                        <a:rPr lang="en-US" sz="1100" b="0" i="0">
                           <a:solidFill>
                             <a:schemeClr val="dk1"/>
                           </a:solidFill>
+                          <a:effectLst/>
                           <a:latin typeface="Adobe Clean"/>
                           <a:ea typeface="+mn-ea"/>
                           <a:cs typeface="+mn-cs"/>
-                          <a:hlinkClick r:id="rId10" tooltip="https://helpx.adobe.com/es/support/programs/enterprise-support-programs/premier-support-business.html"/>
+                          <a:hlinkClick r:id="rId10" tooltip="https://helpx.adobe.com/support/programs/enterprise-support-programs/premier-support-business.html"/>
                         </a:rPr>
-                        <a:t>Sitio web de soporte Business</a:t>
+                        <a:t>Business Support Website</a:t>
                       </a:r>
+                      <a:endParaRPr lang="en-US" sz="1100" b="0" i="0">
+                        <a:solidFill>
+                          <a:schemeClr val="dk1"/>
+                        </a:solidFill>
+                        <a:effectLst/>
+                        <a:latin typeface="Adobe Clean"/>
+                        <a:ea typeface="+mn-ea"/>
+                        <a:cs typeface="+mn-cs"/>
+                      </a:endParaRPr>
                     </a:p>
                   </a:txBody>
                   <a:tcPr anchor="ctr">
@@ -11347,7 +12697,7 @@
                     <a:lstStyle/>
                     <a:p>
                       <a:r>
-                        <a:rPr lang="es-ES" sz="1000">
+                        <a:rPr lang="en-US" sz="1000" kern="1200">
                           <a:solidFill>
                             <a:srgbClr val="000000"/>
                           </a:solidFill>
@@ -11355,8 +12705,16 @@
                           <a:ea typeface="+mn-ea"/>
                           <a:cs typeface="+mn-cs"/>
                         </a:rPr>
-                        <a:t>Sitio web de soporte Business de Adobe.</a:t>
+                        <a:t>Adobe Business Support website.</a:t>
                       </a:r>
+                      <a:endParaRPr lang="en-US" sz="1000" kern="1200">
+                        <a:solidFill>
+                          <a:srgbClr val="000000"/>
+                        </a:solidFill>
+                        <a:latin typeface="Adobe Clean Light" panose="020B0303020404020204" pitchFamily="34" charset="0"/>
+                        <a:ea typeface="+mn-ea"/>
+                        <a:cs typeface="+mn-cs"/>
+                      </a:endParaRPr>
                     </a:p>
                   </a:txBody>
                   <a:tcPr anchor="ctr">
@@ -11437,17 +12795,27 @@
                         <a:defRPr/>
                       </a:pPr>
                       <a:r>
-                        <a:rPr lang="es-ES" sz="1100">
+                        <a:rPr lang="en-US" sz="1100">
                           <a:solidFill>
                             <a:schemeClr val="tx1"/>
                           </a:solidFill>
+                          <a:effectLst/>
                           <a:latin typeface="Adobe Clean"/>
                           <a:ea typeface="+mn-ea"/>
                           <a:cs typeface="+mn-cs"/>
                           <a:hlinkClick r:id="rId11"/>
                         </a:rPr>
-                        <a:t>Términos y condiciones</a:t>
+                        <a:t>Terms and Conditions</a:t>
                       </a:r>
+                      <a:endParaRPr lang="en-US" sz="1100">
+                        <a:solidFill>
+                          <a:schemeClr val="tx1"/>
+                        </a:solidFill>
+                        <a:effectLst/>
+                        <a:latin typeface="Adobe Clean"/>
+                        <a:ea typeface="+mn-ea"/>
+                        <a:cs typeface="+mn-cs"/>
+                      </a:endParaRPr>
                     </a:p>
                   </a:txBody>
                   <a:tcPr anchor="ctr">
@@ -11504,7 +12872,7 @@
                     <a:lstStyle/>
                     <a:p>
                       <a:r>
-                        <a:rPr lang="es-ES" sz="1000" dirty="0">
+                        <a:rPr lang="en-US" sz="1000" kern="1200">
                           <a:solidFill>
                             <a:srgbClr val="000000"/>
                           </a:solidFill>
@@ -11512,8 +12880,16 @@
                           <a:ea typeface="+mn-ea"/>
                           <a:cs typeface="+mn-cs"/>
                         </a:rPr>
-                        <a:t>Términos y condiciones de las ofertas de los servicios de soporte.</a:t>
+                        <a:t>Terms and conditions detailing Support Services offerings.</a:t>
                       </a:r>
+                      <a:endParaRPr lang="en-US" sz="1000" kern="1200">
+                        <a:solidFill>
+                          <a:srgbClr val="000000"/>
+                        </a:solidFill>
+                        <a:latin typeface="Adobe Clean Light" panose="020B0303020404020204" pitchFamily="34" charset="0"/>
+                        <a:ea typeface="+mn-ea"/>
+                        <a:cs typeface="+mn-cs"/>
+                      </a:endParaRPr>
                     </a:p>
                   </a:txBody>
                   <a:tcPr anchor="ctr">
@@ -12283,18 +13659,18 @@
 </file>
 
 <file path=customXml/item1.xml><?xml version="1.0" encoding="utf-8"?>
+<p:properties xmlns:p="http://schemas.microsoft.com/office/2006/metadata/properties" xmlns:xsi="http://www.w3.org/2001/XMLSchema-instance" xmlns:pc="http://schemas.microsoft.com/office/infopath/2007/PartnerControls">
+  <documentManagement/>
+</p:properties>
+</file>
+
+<file path=customXml/item2.xml><?xml version="1.0" encoding="utf-8"?>
 <?mso-contentType ?>
 <FormTemplates xmlns="http://schemas.microsoft.com/sharepoint/v3/contenttype/forms">
   <Display>DocumentLibraryForm</Display>
   <Edit>DocumentLibraryForm</Edit>
   <New>DocumentLibraryForm</New>
 </FormTemplates>
-</file>
-
-<file path=customXml/item2.xml><?xml version="1.0" encoding="utf-8"?>
-<p:properties xmlns:p="http://schemas.microsoft.com/office/2006/metadata/properties" xmlns:xsi="http://www.w3.org/2001/XMLSchema-instance" xmlns:pc="http://schemas.microsoft.com/office/infopath/2007/PartnerControls">
-  <documentManagement/>
-</p:properties>
 </file>
 
 <file path=customXml/item3.xml><?xml version="1.0" encoding="utf-8"?>
@@ -12503,14 +13879,6 @@
 </file>
 
 <file path=customXml/itemProps1.xml><?xml version="1.0" encoding="utf-8"?>
-<ds:datastoreItem xmlns:ds="http://schemas.openxmlformats.org/officeDocument/2006/customXml" ds:itemID="{95AE3B0B-E909-400C-B0B3-909FB50E07DE}">
-  <ds:schemaRefs>
-    <ds:schemaRef ds:uri="http://schemas.microsoft.com/sharepoint/v3/contenttype/forms"/>
-  </ds:schemaRefs>
-</ds:datastoreItem>
-</file>
-
-<file path=customXml/itemProps2.xml><?xml version="1.0" encoding="utf-8"?>
 <ds:datastoreItem xmlns:ds="http://schemas.openxmlformats.org/officeDocument/2006/customXml" ds:itemID="{10FC3CAF-E6F1-40E3-87D4-6B781C97D6B4}">
   <ds:schemaRefs>
     <ds:schemaRef ds:uri="6c8368ec-3776-49b5-a5bb-90648cf9530f"/>
@@ -12523,6 +13891,14 @@
     <ds:schemaRef ds:uri="http://schemas.microsoft.com/office/infopath/2007/PartnerControls"/>
     <ds:schemaRef ds:uri="http://schemas.openxmlformats.org/package/2006/metadata/core-properties"/>
     <ds:schemaRef ds:uri="http://www.w3.org/XML/1998/namespace"/>
+  </ds:schemaRefs>
+</ds:datastoreItem>
+</file>
+
+<file path=customXml/itemProps2.xml><?xml version="1.0" encoding="utf-8"?>
+<ds:datastoreItem xmlns:ds="http://schemas.openxmlformats.org/officeDocument/2006/customXml" ds:itemID="{95AE3B0B-E909-400C-B0B3-909FB50E07DE}">
+  <ds:schemaRefs>
+    <ds:schemaRef ds:uri="http://schemas.microsoft.com/sharepoint/v3/contenttype/forms"/>
   </ds:schemaRefs>
 </ds:datastoreItem>
 </file>

--- a/help/data-sheets/assets/BusinessSupportDatasheet.pptx
+++ b/help/data-sheets/assets/BusinessSupportDatasheet.pptx
@@ -247,6 +247,30 @@
     </pc:docChg>
   </pc:docChgLst>
   <pc:docChgLst>
+    <pc:chgData name="Akilah Johnson" userId="S::akjohnso@adobe.com::2fa3aa60-0c9c-4d06-bae2-795983241227" providerId="AD" clId="Web-{71D6CFBF-0EA2-99B0-93F4-22F19EF0AE4E}"/>
+    <pc:docChg chg="modSld">
+      <pc:chgData name="Akilah Johnson" userId="S::akjohnso@adobe.com::2fa3aa60-0c9c-4d06-bae2-795983241227" providerId="AD" clId="Web-{71D6CFBF-0EA2-99B0-93F4-22F19EF0AE4E}" dt="2021-09-22T19:06:58.732" v="1" actId="1076"/>
+      <pc:docMkLst>
+        <pc:docMk/>
+      </pc:docMkLst>
+      <pc:sldChg chg="modSp">
+        <pc:chgData name="Akilah Johnson" userId="S::akjohnso@adobe.com::2fa3aa60-0c9c-4d06-bae2-795983241227" providerId="AD" clId="Web-{71D6CFBF-0EA2-99B0-93F4-22F19EF0AE4E}" dt="2021-09-22T19:06:58.732" v="1" actId="1076"/>
+        <pc:sldMkLst>
+          <pc:docMk/>
+          <pc:sldMk cId="1050037809" sldId="261"/>
+        </pc:sldMkLst>
+        <pc:spChg chg="mod">
+          <ac:chgData name="Akilah Johnson" userId="S::akjohnso@adobe.com::2fa3aa60-0c9c-4d06-bae2-795983241227" providerId="AD" clId="Web-{71D6CFBF-0EA2-99B0-93F4-22F19EF0AE4E}" dt="2021-09-22T19:06:58.732" v="1" actId="1076"/>
+          <ac:spMkLst>
+            <pc:docMk/>
+            <pc:sldMk cId="1050037809" sldId="261"/>
+            <ac:spMk id="64" creationId="{41467BDC-3D83-D844-B922-CD07E94E5AAB}"/>
+          </ac:spMkLst>
+        </pc:spChg>
+      </pc:sldChg>
+    </pc:docChg>
+  </pc:docChgLst>
+  <pc:docChgLst>
     <pc:chgData name="Akilah Johnson" userId="S::akjohnso@adobe.com::2fa3aa60-0c9c-4d06-bae2-795983241227" providerId="AD" clId="Web-{D428A0AE-54E2-30D2-C574-7A0742876CCF}"/>
     <pc:docChg chg="modSld">
       <pc:chgData name="Akilah Johnson" userId="S::akjohnso@adobe.com::2fa3aa60-0c9c-4d06-bae2-795983241227" providerId="AD" clId="Web-{D428A0AE-54E2-30D2-C574-7A0742876CCF}" dt="2021-10-12T19:11:25.330" v="0" actId="20577"/>
@@ -265,30 +289,6 @@
             <pc:docMk/>
             <pc:sldMk cId="0" sldId="256"/>
             <ac:spMk id="4" creationId="{00000000-0000-0000-0000-000000000000}"/>
-          </ac:spMkLst>
-        </pc:spChg>
-      </pc:sldChg>
-    </pc:docChg>
-  </pc:docChgLst>
-  <pc:docChgLst>
-    <pc:chgData name="Akilah Johnson" userId="S::akjohnso@adobe.com::2fa3aa60-0c9c-4d06-bae2-795983241227" providerId="AD" clId="Web-{71D6CFBF-0EA2-99B0-93F4-22F19EF0AE4E}"/>
-    <pc:docChg chg="modSld">
-      <pc:chgData name="Akilah Johnson" userId="S::akjohnso@adobe.com::2fa3aa60-0c9c-4d06-bae2-795983241227" providerId="AD" clId="Web-{71D6CFBF-0EA2-99B0-93F4-22F19EF0AE4E}" dt="2021-09-22T19:06:58.732" v="1" actId="1076"/>
-      <pc:docMkLst>
-        <pc:docMk/>
-      </pc:docMkLst>
-      <pc:sldChg chg="modSp">
-        <pc:chgData name="Akilah Johnson" userId="S::akjohnso@adobe.com::2fa3aa60-0c9c-4d06-bae2-795983241227" providerId="AD" clId="Web-{71D6CFBF-0EA2-99B0-93F4-22F19EF0AE4E}" dt="2021-09-22T19:06:58.732" v="1" actId="1076"/>
-        <pc:sldMkLst>
-          <pc:docMk/>
-          <pc:sldMk cId="1050037809" sldId="261"/>
-        </pc:sldMkLst>
-        <pc:spChg chg="mod">
-          <ac:chgData name="Akilah Johnson" userId="S::akjohnso@adobe.com::2fa3aa60-0c9c-4d06-bae2-795983241227" providerId="AD" clId="Web-{71D6CFBF-0EA2-99B0-93F4-22F19EF0AE4E}" dt="2021-09-22T19:06:58.732" v="1" actId="1076"/>
-          <ac:spMkLst>
-            <pc:docMk/>
-            <pc:sldMk cId="1050037809" sldId="261"/>
-            <ac:spMk id="64" creationId="{41467BDC-3D83-D844-B922-CD07E94E5AAB}"/>
           </ac:spMkLst>
         </pc:spChg>
       </pc:sldChg>
@@ -499,7 +499,7 @@
           <a:p>
             <a:fld id="{FB81873C-0B24-F04A-98A1-90E0A78F7E8A}" type="datetimeFigureOut">
               <a:rPr lang="en-US" smtClean="0"/>
-              <a:t>12/7/21</a:t>
+              <a:t>11/11/2021</a:t>
             </a:fld>
             <a:endParaRPr lang="en-US"/>
           </a:p>
@@ -1122,7 +1122,7 @@
           <a:p>
             <a:fld id="{1D8BD707-D9CF-40AE-B4C6-C98DA3205C09}" type="datetimeFigureOut">
               <a:rPr lang="en-US"/>
-              <a:t>12/7/21</a:t>
+              <a:t>11/11/2021</a:t>
             </a:fld>
             <a:endParaRPr lang="en-US"/>
           </a:p>
@@ -1314,7 +1314,7 @@
           <a:p>
             <a:fld id="{1D8BD707-D9CF-40AE-B4C6-C98DA3205C09}" type="datetimeFigureOut">
               <a:rPr lang="en-US"/>
-              <a:t>12/7/21</a:t>
+              <a:t>11/11/2021</a:t>
             </a:fld>
             <a:endParaRPr lang="en-US"/>
           </a:p>
@@ -1632,7 +1632,7 @@
           <a:p>
             <a:fld id="{1D8BD707-D9CF-40AE-B4C6-C98DA3205C09}" type="datetimeFigureOut">
               <a:rPr lang="en-US"/>
-              <a:t>12/7/21</a:t>
+              <a:t>11/11/2021</a:t>
             </a:fld>
             <a:endParaRPr lang="en-US"/>
           </a:p>
@@ -1886,8 +1886,8 @@
         </p:nvSpPr>
         <p:spPr>
           <a:xfrm>
-            <a:off x="168565" y="7162363"/>
-            <a:ext cx="2800350" cy="238760"/>
+            <a:off x="168564" y="7059493"/>
+            <a:ext cx="5660735" cy="227626"/>
           </a:xfrm>
           <a:prstGeom prst="rect">
             <a:avLst/>
@@ -1908,7 +1908,7 @@
               </a:spcBef>
             </a:pPr>
             <a:r>
-              <a:rPr sz="1400" b="1" u="heavy" spc="10">
+              <a:rPr lang="es-ES" sz="1400" b="1" u="heavy" dirty="0">
                 <a:solidFill>
                   <a:srgbClr val="020302"/>
                 </a:solidFill>
@@ -1920,87 +1920,8 @@
                 <a:latin typeface="Adobe Clean"/>
                 <a:cs typeface="Adobe Clean"/>
               </a:rPr>
-              <a:t>Service </a:t>
+              <a:t>Destinatarios de nivel de servicio: Respuesta inicial</a:t>
             </a:r>
-            <a:r>
-              <a:rPr sz="1400" b="1" u="heavy" spc="-10">
-                <a:solidFill>
-                  <a:srgbClr val="020302"/>
-                </a:solidFill>
-                <a:uFill>
-                  <a:solidFill>
-                    <a:srgbClr val="020302"/>
-                  </a:solidFill>
-                </a:uFill>
-                <a:latin typeface="Adobe Clean"/>
-                <a:cs typeface="Adobe Clean"/>
-              </a:rPr>
-              <a:t>Level </a:t>
-            </a:r>
-            <a:r>
-              <a:rPr sz="1400" b="1" u="heavy" spc="-45">
-                <a:solidFill>
-                  <a:srgbClr val="020302"/>
-                </a:solidFill>
-                <a:uFill>
-                  <a:solidFill>
-                    <a:srgbClr val="020302"/>
-                  </a:solidFill>
-                </a:uFill>
-                <a:latin typeface="Adobe Clean"/>
-                <a:cs typeface="Adobe Clean"/>
-              </a:rPr>
-              <a:t>Targets: </a:t>
-            </a:r>
-            <a:r>
-              <a:rPr sz="1400" b="1" u="heavy" spc="-10">
-                <a:solidFill>
-                  <a:srgbClr val="020302"/>
-                </a:solidFill>
-                <a:uFill>
-                  <a:solidFill>
-                    <a:srgbClr val="020302"/>
-                  </a:solidFill>
-                </a:uFill>
-                <a:latin typeface="Adobe Clean"/>
-                <a:cs typeface="Adobe Clean"/>
-              </a:rPr>
-              <a:t>Initial</a:t>
-            </a:r>
-            <a:r>
-              <a:rPr sz="1400" b="1" u="heavy" spc="-140">
-                <a:solidFill>
-                  <a:srgbClr val="020302"/>
-                </a:solidFill>
-                <a:uFill>
-                  <a:solidFill>
-                    <a:srgbClr val="020302"/>
-                  </a:solidFill>
-                </a:uFill>
-                <a:latin typeface="Adobe Clean"/>
-                <a:cs typeface="Adobe Clean"/>
-              </a:rPr>
-              <a:t> </a:t>
-            </a:r>
-            <a:r>
-              <a:rPr sz="1400" b="1" u="heavy" spc="-15">
-                <a:solidFill>
-                  <a:srgbClr val="020302"/>
-                </a:solidFill>
-                <a:uFill>
-                  <a:solidFill>
-                    <a:srgbClr val="020302"/>
-                  </a:solidFill>
-                </a:uFill>
-                <a:latin typeface="Adobe Clean"/>
-                <a:cs typeface="Adobe Clean"/>
-              </a:rPr>
-              <a:t>Response</a:t>
-            </a:r>
-            <a:endParaRPr sz="1400">
-              <a:latin typeface="Adobe Clean"/>
-              <a:cs typeface="Adobe Clean"/>
-            </a:endParaRPr>
           </a:p>
         </p:txBody>
       </p:sp>
@@ -2067,20 +1988,11 @@
               </a:spcBef>
             </a:pPr>
             <a:r>
-              <a:rPr sz="2300">
+              <a:rPr lang="es-ES" sz="2300" dirty="0">
                 <a:latin typeface="Adobe Clean"/>
               </a:rPr>
-              <a:t>ADOBE </a:t>
+              <a:t>PLANES DE SOPORTE DE ADOBE</a:t>
             </a:r>
-            <a:r>
-              <a:rPr lang="en-US" sz="2300">
-                <a:latin typeface="Adobe Clean"/>
-              </a:rPr>
-              <a:t>SUPPORT PLANS</a:t>
-            </a:r>
-            <a:endParaRPr sz="2300">
-              <a:latin typeface="Adobe Clean" panose="020B0503020404020204" pitchFamily="34" charset="0"/>
-            </a:endParaRPr>
           </a:p>
         </p:txBody>
       </p:sp>
@@ -2093,7 +2005,7 @@
         <p:spPr>
           <a:xfrm>
             <a:off x="121147" y="531160"/>
-            <a:ext cx="5865216" cy="1269065"/>
+            <a:ext cx="5865216" cy="1424364"/>
           </a:xfrm>
           <a:prstGeom prst="rect">
             <a:avLst/>
@@ -2114,7 +2026,7 @@
               </a:spcBef>
             </a:pPr>
             <a:r>
-              <a:rPr lang="en-US" sz="900">
+              <a:rPr lang="es-ES" sz="900" dirty="0">
                 <a:solidFill>
                   <a:schemeClr val="bg1"/>
                 </a:solidFill>
@@ -2123,7 +2035,7 @@
               <a:t>Online | </a:t>
             </a:r>
             <a:r>
-              <a:rPr lang="en-US" sz="900" b="1">
+              <a:rPr lang="es-ES" sz="900" b="1" dirty="0">
                 <a:solidFill>
                   <a:schemeClr val="bg1"/>
                 </a:solidFill>
@@ -2132,7 +2044,7 @@
               <a:t>Business</a:t>
             </a:r>
             <a:r>
-              <a:rPr lang="en-US" sz="900">
+              <a:rPr lang="es-ES" sz="900" dirty="0">
                 <a:solidFill>
                   <a:schemeClr val="bg1"/>
                 </a:solidFill>
@@ -2151,21 +2063,84 @@
               </a:spcBef>
             </a:pPr>
             <a:r>
-              <a:rPr lang="en-US" sz="900">
+              <a:rPr lang="es-ES" sz="900" dirty="0">
                 <a:solidFill>
                   <a:schemeClr val="bg1"/>
                 </a:solidFill>
                 <a:latin typeface="Adobe Clean SemiLight" panose="020B0403020404020204" pitchFamily="34" charset="0"/>
               </a:rPr>
-              <a:t>Adobe provides a comprehensive range of technical resources to help support your business, included as part of your Experience Cloud license subscription and enhanced in the BUSINESS support package. BUSINESS support includes access to personalized learning paths and monitored community forums via the Adobe Experience League. You can also take advantage of our detailed and in-depth technical product documentation and current release notes. BUSINESS customers also benefit from access to our technical support teams for any product query via either the telephone or the support web portal, to help protect your business at the most critical times. BUSINESS customers will receive regular communications and updates from their Account Support Lead in addition to support case escalation management for your most critical of support requests. </a:t>
+              <a:t>Adobe ofrece una amplia variedad de recursos técnicos para ayudar a su negocio, incluidos como parte de su suscripción </a:t>
             </a:r>
-            <a:endParaRPr lang="en-US" sz="900">
-              <a:solidFill>
-                <a:schemeClr val="bg1"/>
-              </a:solidFill>
-              <a:latin typeface="Adobe Clean Light" panose="020B0303020404020204" pitchFamily="34" charset="0"/>
-              <a:cs typeface="AdobeClean-Light"/>
-            </a:endParaRPr>
+            <a:br>
+              <a:rPr lang="es-ES" sz="900" dirty="0">
+                <a:solidFill>
+                  <a:schemeClr val="bg1"/>
+                </a:solidFill>
+                <a:latin typeface="Adobe Clean SemiLight" panose="020B0403020404020204" pitchFamily="34" charset="0"/>
+              </a:rPr>
+            </a:br>
+            <a:r>
+              <a:rPr lang="es-ES" sz="900" dirty="0">
+                <a:solidFill>
+                  <a:schemeClr val="bg1"/>
+                </a:solidFill>
+                <a:latin typeface="Adobe Clean SemiLight" panose="020B0403020404020204" pitchFamily="34" charset="0"/>
+              </a:rPr>
+              <a:t>de licencia de </a:t>
+            </a:r>
+            <a:r>
+              <a:rPr lang="es-ES" sz="900" dirty="0" err="1">
+                <a:solidFill>
+                  <a:schemeClr val="bg1"/>
+                </a:solidFill>
+                <a:latin typeface="Adobe Clean SemiLight" panose="020B0403020404020204" pitchFamily="34" charset="0"/>
+              </a:rPr>
+              <a:t>Experience</a:t>
+            </a:r>
+            <a:r>
+              <a:rPr lang="es-ES" sz="900" dirty="0">
+                <a:solidFill>
+                  <a:schemeClr val="bg1"/>
+                </a:solidFill>
+                <a:latin typeface="Adobe Clean SemiLight" panose="020B0403020404020204" pitchFamily="34" charset="0"/>
+              </a:rPr>
+              <a:t> Cloud y mejorados en el paquete de soporte BUSINESS. El paquete BUSINESS incluye acceso a rutas </a:t>
+            </a:r>
+            <a:br>
+              <a:rPr lang="es-ES" sz="900" dirty="0">
+                <a:solidFill>
+                  <a:schemeClr val="bg1"/>
+                </a:solidFill>
+                <a:latin typeface="Adobe Clean SemiLight" panose="020B0403020404020204" pitchFamily="34" charset="0"/>
+              </a:rPr>
+            </a:br>
+            <a:r>
+              <a:rPr lang="es-ES" sz="900" dirty="0">
+                <a:solidFill>
+                  <a:schemeClr val="bg1"/>
+                </a:solidFill>
+                <a:latin typeface="Adobe Clean SemiLight" panose="020B0403020404020204" pitchFamily="34" charset="0"/>
+              </a:rPr>
+              <a:t>de aprendizaje personalizadas y foros de la comunidad monitorizados a través de Adobe </a:t>
+            </a:r>
+            <a:r>
+              <a:rPr lang="es-ES" sz="900" dirty="0" err="1">
+                <a:solidFill>
+                  <a:schemeClr val="bg1"/>
+                </a:solidFill>
+                <a:latin typeface="Adobe Clean SemiLight" panose="020B0403020404020204" pitchFamily="34" charset="0"/>
+              </a:rPr>
+              <a:t>Experience</a:t>
+            </a:r>
+            <a:r>
+              <a:rPr lang="es-ES" sz="900" dirty="0">
+                <a:solidFill>
+                  <a:schemeClr val="bg1"/>
+                </a:solidFill>
+                <a:latin typeface="Adobe Clean SemiLight" panose="020B0403020404020204" pitchFamily="34" charset="0"/>
+              </a:rPr>
+              <a:t> League. También puede disfrutar de documentación técnica completa y detallada sobre productos y notas de la versión actual. Los clientes del paquete BUSINESS también pueden acceder a nuestros equipos de soporte técnico si tienen alguna duda con su producto, ya sea a través del teléfono o mediante el portal de asistencia en línea, para proteger su negocio en los momentos más importantes. Los clientes del paquete BUSINESS recibirán notificaciones periódicas y actualizaciones del responsable de asistencia técnica de la cuenta para ayudar en la administración de casos de soporte de las solicitudes más esenciales. </a:t>
+            </a:r>
           </a:p>
         </p:txBody>
       </p:sp>
@@ -2232,24 +2207,8 @@
               </a:spcBef>
             </a:pPr>
             <a:r>
-              <a:rPr spc="-5"/>
-              <a:t>©202</a:t>
-            </a:r>
-            <a:r>
-              <a:rPr lang="en-US" spc="-5"/>
-              <a:t>1</a:t>
-            </a:r>
-            <a:r>
-              <a:rPr spc="-5"/>
-              <a:t> Adobe. All Rights Reserved. Adobe</a:t>
-            </a:r>
-            <a:r>
-              <a:rPr spc="60"/>
-              <a:t> </a:t>
-            </a:r>
-            <a:r>
-              <a:rPr spc="-5"/>
-              <a:t>Confidential.</a:t>
+              <a:rPr lang="es-ES"/>
+              <a:t>©2021 Adobe. All Rights Reserved. Adobe Confidential.</a:t>
             </a:r>
           </a:p>
         </p:txBody>
@@ -2263,14 +2222,14 @@
           <p:nvPr>
             <p:extLst>
               <p:ext uri="{D42A27DB-BD31-4B8C-83A1-F6EECF244321}">
-                <p14:modId xmlns:p14="http://schemas.microsoft.com/office/powerpoint/2010/main" val="852543156"/>
+                <p14:modId xmlns:p14="http://schemas.microsoft.com/office/powerpoint/2010/main" val="2269390037"/>
               </p:ext>
             </p:extLst>
           </p:nvPr>
         </p:nvGraphicFramePr>
         <p:xfrm>
-          <a:off x="118872" y="7475985"/>
-          <a:ext cx="7498851" cy="2223598"/>
+          <a:off x="118872" y="7357111"/>
+          <a:ext cx="7498851" cy="2436601"/>
         </p:xfrm>
         <a:graphic>
           <a:graphicData uri="http://schemas.openxmlformats.org/drawingml/2006/table">
@@ -2279,21 +2238,21 @@
                 <a:tableStyleId>{2D5ABB26-0587-4C30-8999-92F81FD0307C}</a:tableStyleId>
               </a:tblPr>
               <a:tblGrid>
-                <a:gridCol w="4698744">
+                <a:gridCol w="4235958">
                   <a:extLst>
                     <a:ext uri="{9D8B030D-6E8A-4147-A177-3AD203B41FA5}">
                       <a16:colId xmlns:a16="http://schemas.microsoft.com/office/drawing/2014/main" val="20000"/>
                     </a:ext>
                   </a:extLst>
                 </a:gridCol>
-                <a:gridCol w="1400053">
+                <a:gridCol w="1611630">
                   <a:extLst>
                     <a:ext uri="{9D8B030D-6E8A-4147-A177-3AD203B41FA5}">
                       <a16:colId xmlns:a16="http://schemas.microsoft.com/office/drawing/2014/main" val="20001"/>
                     </a:ext>
                   </a:extLst>
                 </a:gridCol>
-                <a:gridCol w="1400054">
+                <a:gridCol w="1651263">
                   <a:extLst>
                     <a:ext uri="{9D8B030D-6E8A-4147-A177-3AD203B41FA5}">
                       <a16:colId xmlns:a16="http://schemas.microsoft.com/office/drawing/2014/main" val="20002"/>
@@ -2301,7 +2260,7 @@
                   </a:extLst>
                 </a:gridCol>
               </a:tblGrid>
-              <a:tr h="291248">
+              <a:tr h="295994">
                 <a:tc>
                   <a:txBody>
                     <a:bodyPr/>
@@ -2316,19 +2275,15 @@
                         </a:spcBef>
                       </a:pPr>
                       <a:r>
-                        <a:rPr sz="900" spc="0">
+                        <a:rPr lang="es-ES" sz="900" dirty="0">
                           <a:solidFill>
                             <a:srgbClr val="020302"/>
                           </a:solidFill>
                           <a:latin typeface="Adobe Clean"/>
                           <a:cs typeface="Adobe Clean"/>
                         </a:rPr>
-                        <a:t>Priority</a:t>
+                        <a:t>Prioridad</a:t>
                       </a:r>
-                      <a:endParaRPr sz="900" spc="0">
-                        <a:latin typeface="Adobe Clean"/>
-                        <a:cs typeface="Adobe Clean"/>
-                      </a:endParaRPr>
                     </a:p>
                   </a:txBody>
                   <a:tcPr marL="0" marR="0" marT="7620" marB="0">
@@ -2375,19 +2330,15 @@
                         </a:spcBef>
                       </a:pPr>
                       <a:r>
-                        <a:rPr sz="900" spc="0">
+                        <a:rPr lang="es-ES" sz="900">
                           <a:solidFill>
                             <a:srgbClr val="020302"/>
                           </a:solidFill>
                           <a:latin typeface="Adobe Clean"/>
                           <a:cs typeface="Adobe Clean"/>
                         </a:rPr>
-                        <a:t>Online Support</a:t>
+                        <a:t>Soporte Online</a:t>
                       </a:r>
-                      <a:endParaRPr sz="900" spc="0">
-                        <a:latin typeface="Adobe Clean"/>
-                        <a:cs typeface="Adobe Clean"/>
-                      </a:endParaRPr>
                     </a:p>
                   </a:txBody>
                   <a:tcPr marL="182880" marT="91440" anchor="ctr">
@@ -2434,39 +2385,15 @@
                         </a:spcBef>
                       </a:pPr>
                       <a:r>
-                        <a:rPr sz="900" spc="0">
+                        <a:rPr lang="es-ES" sz="900">
                           <a:solidFill>
                             <a:srgbClr val="FFFFFF"/>
                           </a:solidFill>
                           <a:latin typeface="Adobe Clean"/>
                           <a:cs typeface="Adobe Clean"/>
                         </a:rPr>
-                        <a:t>Business</a:t>
+                        <a:t>Soporte Business</a:t>
                       </a:r>
-                      <a:r>
-                        <a:rPr lang="en-US" sz="900" spc="0">
-                          <a:solidFill>
-                            <a:srgbClr val="FFFFFF"/>
-                          </a:solidFill>
-                          <a:latin typeface="Adobe Clean"/>
-                          <a:cs typeface="Adobe Clean"/>
-                        </a:rPr>
-                        <a:t> </a:t>
-                      </a:r>
-                      <a:r>
-                        <a:rPr sz="900" spc="0">
-                          <a:solidFill>
-                            <a:srgbClr val="FFFFFF"/>
-                          </a:solidFill>
-                          <a:latin typeface="Adobe Clean"/>
-                          <a:cs typeface="Adobe Clean"/>
-                        </a:rPr>
-                        <a:t>Support</a:t>
-                      </a:r>
-                      <a:endParaRPr sz="900" spc="0">
-                        <a:latin typeface="Adobe Clean"/>
-                        <a:cs typeface="Adobe Clean"/>
-                      </a:endParaRPr>
                     </a:p>
                   </a:txBody>
                   <a:tcPr marL="182880" marT="91440" anchor="ctr">
@@ -2505,7 +2432,7 @@
                   </a:ext>
                 </a:extLst>
               </a:tr>
-              <a:tr h="514672">
+              <a:tr h="629835">
                 <a:tc>
                   <a:txBody>
                     <a:bodyPr/>
@@ -2520,19 +2447,15 @@
                         </a:spcBef>
                       </a:pPr>
                       <a:r>
-                        <a:rPr sz="900" b="1" spc="0">
+                        <a:rPr lang="es-ES" sz="900" b="1" dirty="0">
                           <a:solidFill>
                             <a:srgbClr val="020302"/>
                           </a:solidFill>
                           <a:latin typeface="Adobe Clean"/>
                           <a:cs typeface="Adobe Clean"/>
                         </a:rPr>
-                        <a:t>PRIORITY 1</a:t>
+                        <a:t>PRIORIDAD 1</a:t>
                       </a:r>
-                      <a:endParaRPr sz="900" spc="0">
-                        <a:latin typeface="Adobe Clean"/>
-                        <a:cs typeface="Adobe Clean"/>
-                      </a:endParaRPr>
                     </a:p>
                     <a:p>
                       <a:pPr marL="50800" marR="387985" lvl="0" indent="0" algn="l" defTabSz="914400" rtl="0" eaLnBrk="1" fontAlgn="auto" latinLnBrk="0" hangingPunct="1">
@@ -2553,19 +2476,14 @@
                         <a:defRPr/>
                       </a:pPr>
                       <a:r>
-                        <a:rPr lang="en-US" sz="900" b="0" i="0" spc="0">
+                        <a:rPr lang="es-ES" sz="900" b="0" i="0" dirty="0">
                           <a:solidFill>
                             <a:srgbClr val="000000"/>
                           </a:solidFill>
-                          <a:effectLst/>
                           <a:latin typeface="Adobe Clean Light" panose="020B0303020404020204" pitchFamily="34" charset="0"/>
                         </a:rPr>
-                        <a:t>Customer's production business functions are down or have significant data loss or service degradation and immediate attention is required to restore functionality and usability</a:t>
+                        <a:t>Las funciones empresariales de producción del cliente no están activadas o pierden datos o presentan una degradación del servicio significativa, por lo que se requiere atención inmediata para restaurar la funcionalidad y facilidad de uso.</a:t>
                       </a:r>
-                      <a:endParaRPr lang="en-US" sz="900" b="0" i="0" spc="0">
-                        <a:latin typeface="Adobe Clean Light" panose="020B0303020404020204" pitchFamily="34" charset="0"/>
-                        <a:cs typeface="AdobeClean-Light"/>
-                      </a:endParaRPr>
                     </a:p>
                   </a:txBody>
                   <a:tcPr marL="0" marR="0" marT="3810" marB="0">
@@ -2609,62 +2527,18 @@
                         </a:spcBef>
                       </a:pPr>
                       <a:r>
-                        <a:rPr sz="900" spc="0">
+                        <a:rPr lang="es-ES" sz="900" spc="-20" baseline="0" dirty="0">
                           <a:solidFill>
                             <a:srgbClr val="020302"/>
                           </a:solidFill>
                           <a:latin typeface="AdobeClean-Light"/>
                           <a:cs typeface="AdobeClean-Light"/>
                         </a:rPr>
-                        <a:t>24x7</a:t>
+                        <a:t>24x7 / 1 hora</a:t>
                       </a:r>
-                      <a:r>
-                        <a:rPr lang="en-US" sz="900" spc="0">
-                          <a:solidFill>
-                            <a:srgbClr val="020302"/>
-                          </a:solidFill>
-                          <a:latin typeface="AdobeClean-Light"/>
-                          <a:cs typeface="AdobeClean-Light"/>
-                        </a:rPr>
-                        <a:t> </a:t>
-                      </a:r>
-                      <a:r>
-                        <a:rPr sz="900" spc="0">
-                          <a:solidFill>
-                            <a:srgbClr val="020302"/>
-                          </a:solidFill>
-                          <a:latin typeface="AdobeClean-Light"/>
-                          <a:cs typeface="AdobeClean-Light"/>
-                        </a:rPr>
-                        <a:t>/</a:t>
-                      </a:r>
-                      <a:r>
-                        <a:rPr lang="en-US" sz="900" spc="0">
-                          <a:solidFill>
-                            <a:srgbClr val="020302"/>
-                          </a:solidFill>
-                          <a:latin typeface="AdobeClean-Light"/>
-                          <a:cs typeface="AdobeClean-Light"/>
-                        </a:rPr>
-                        <a:t> </a:t>
-                      </a:r>
-                      <a:r>
-                        <a:rPr sz="900" spc="0">
-                          <a:solidFill>
-                            <a:srgbClr val="020302"/>
-                          </a:solidFill>
-                          <a:latin typeface="AdobeClean-Light"/>
-                          <a:cs typeface="AdobeClean-Light"/>
-                        </a:rPr>
-                        <a:t>1 hour</a:t>
-                      </a:r>
-                      <a:endParaRPr sz="900" spc="0">
-                        <a:latin typeface="AdobeClean-Light"/>
-                        <a:cs typeface="AdobeClean-Light"/>
-                      </a:endParaRPr>
                     </a:p>
                   </a:txBody>
-                  <a:tcPr marL="0" marR="0" marT="91440" marB="91440" anchor="ctr" anchorCtr="1">
+                  <a:tcPr marL="0" marR="0" marT="0" marB="0" anchor="ctr" anchorCtr="1">
                     <a:lnL w="3175">
                       <a:solidFill>
                         <a:srgbClr val="B7B8B8"/>
@@ -2705,62 +2579,18 @@
                         </a:spcBef>
                       </a:pPr>
                       <a:r>
-                        <a:rPr sz="900" spc="0">
+                        <a:rPr lang="es-ES" sz="900" spc="-20" baseline="0">
                           <a:solidFill>
                             <a:srgbClr val="020302"/>
                           </a:solidFill>
                           <a:latin typeface="AdobeClean-Light"/>
                           <a:cs typeface="AdobeClean-Light"/>
                         </a:rPr>
-                        <a:t>24x7</a:t>
+                        <a:t>24x7 / 1 hora</a:t>
                       </a:r>
-                      <a:r>
-                        <a:rPr lang="en-US" sz="900" spc="0">
-                          <a:solidFill>
-                            <a:srgbClr val="020302"/>
-                          </a:solidFill>
-                          <a:latin typeface="AdobeClean-Light"/>
-                          <a:cs typeface="AdobeClean-Light"/>
-                        </a:rPr>
-                        <a:t> </a:t>
-                      </a:r>
-                      <a:r>
-                        <a:rPr sz="900" spc="0">
-                          <a:solidFill>
-                            <a:srgbClr val="020302"/>
-                          </a:solidFill>
-                          <a:latin typeface="AdobeClean-Light"/>
-                          <a:cs typeface="AdobeClean-Light"/>
-                        </a:rPr>
-                        <a:t>/</a:t>
-                      </a:r>
-                      <a:r>
-                        <a:rPr lang="en-US" sz="900" spc="0">
-                          <a:solidFill>
-                            <a:srgbClr val="020302"/>
-                          </a:solidFill>
-                          <a:latin typeface="AdobeClean-Light"/>
-                          <a:cs typeface="AdobeClean-Light"/>
-                        </a:rPr>
-                        <a:t> </a:t>
-                      </a:r>
-                      <a:r>
-                        <a:rPr sz="900" spc="0">
-                          <a:solidFill>
-                            <a:srgbClr val="020302"/>
-                          </a:solidFill>
-                          <a:latin typeface="AdobeClean-Light"/>
-                          <a:cs typeface="AdobeClean-Light"/>
-                        </a:rPr>
-                        <a:t>1 hour</a:t>
-                      </a:r>
-                      <a:endParaRPr sz="900" spc="0">
-                        <a:latin typeface="AdobeClean-Light"/>
-                        <a:cs typeface="AdobeClean-Light"/>
-                      </a:endParaRPr>
                     </a:p>
                   </a:txBody>
-                  <a:tcPr marL="0" marR="0" marT="91440" marB="91440" anchor="ctr" anchorCtr="1">
+                  <a:tcPr marL="0" marR="0" marT="0" marB="0" anchor="ctr" anchorCtr="1">
                     <a:lnL w="3175">
                       <a:solidFill>
                         <a:srgbClr val="B7B8B8"/>
@@ -2798,7 +2628,7 @@
                   </a:ext>
                 </a:extLst>
               </a:tr>
-              <a:tr h="514672">
+              <a:tr h="523060">
                 <a:tc>
                   <a:txBody>
                     <a:bodyPr/>
@@ -2813,19 +2643,15 @@
                         </a:spcBef>
                       </a:pPr>
                       <a:r>
-                        <a:rPr sz="900" b="1" spc="0">
+                        <a:rPr lang="es-ES" sz="900" b="1">
                           <a:solidFill>
                             <a:srgbClr val="020302"/>
                           </a:solidFill>
                           <a:latin typeface="Adobe Clean"/>
                           <a:cs typeface="Adobe Clean"/>
                         </a:rPr>
-                        <a:t>PRIORITY 2</a:t>
+                        <a:t>PRIORIDAD 2</a:t>
                       </a:r>
-                      <a:endParaRPr sz="900" spc="0">
-                        <a:latin typeface="Adobe Clean"/>
-                        <a:cs typeface="Adobe Clean"/>
-                      </a:endParaRPr>
                     </a:p>
                     <a:p>
                       <a:pPr marL="50165" marR="203200">
@@ -2837,19 +2663,14 @@
                         </a:spcBef>
                       </a:pPr>
                       <a:r>
-                        <a:rPr lang="en-US" sz="900" b="0" i="0" spc="0">
+                        <a:rPr lang="es-ES" sz="900" b="0" i="0">
                           <a:solidFill>
                             <a:srgbClr val="000000"/>
                           </a:solidFill>
-                          <a:effectLst/>
                           <a:latin typeface="Adobe Clean Light" panose="020B0303020404020204" pitchFamily="34" charset="0"/>
                         </a:rPr>
-                        <a:t>Customer's business functions have major service degradation or potential data loss, or a major feature is impacted </a:t>
+                        <a:t>Las funciones empresariales del cliente presentan una importante degradación del servicio o hay una posible pérdida de datos, o una función clave se está viendo afectada. </a:t>
                       </a:r>
-                      <a:endParaRPr lang="en-US" sz="900" b="0" i="0" spc="0">
-                        <a:latin typeface="Adobe Clean Light" panose="020B0303020404020204" pitchFamily="34" charset="0"/>
-                        <a:cs typeface="AdobeClean-Light"/>
-                      </a:endParaRPr>
                     </a:p>
                   </a:txBody>
                   <a:tcPr marL="0" marR="0" marT="3810" marB="0">
@@ -2893,82 +2714,18 @@
                         </a:spcBef>
                       </a:pPr>
                       <a:r>
-                        <a:rPr sz="900" spc="0">
+                        <a:rPr lang="es-ES" sz="900" spc="-20" baseline="0" dirty="0">
                           <a:solidFill>
                             <a:srgbClr val="020302"/>
                           </a:solidFill>
                           <a:latin typeface="AdobeClean-Light"/>
                           <a:cs typeface="AdobeClean-Light"/>
                         </a:rPr>
-                        <a:t>Business</a:t>
+                        <a:t>Horario de trabajo / 4 horas</a:t>
                       </a:r>
-                      <a:r>
-                        <a:rPr lang="en-US" sz="900" spc="0">
-                          <a:solidFill>
-                            <a:srgbClr val="020302"/>
-                          </a:solidFill>
-                          <a:latin typeface="AdobeClean-Light"/>
-                          <a:cs typeface="AdobeClean-Light"/>
-                        </a:rPr>
-                        <a:t> </a:t>
-                      </a:r>
-                      <a:r>
-                        <a:rPr sz="900" spc="0">
-                          <a:solidFill>
-                            <a:srgbClr val="020302"/>
-                          </a:solidFill>
-                          <a:latin typeface="AdobeClean-Light"/>
-                          <a:cs typeface="AdobeClean-Light"/>
-                        </a:rPr>
-                        <a:t>hours</a:t>
-                      </a:r>
-                      <a:r>
-                        <a:rPr lang="en-US" sz="900" spc="0">
-                          <a:solidFill>
-                            <a:srgbClr val="020302"/>
-                          </a:solidFill>
-                          <a:latin typeface="AdobeClean-Light"/>
-                          <a:cs typeface="AdobeClean-Light"/>
-                        </a:rPr>
-                        <a:t> </a:t>
-                      </a:r>
-                      <a:r>
-                        <a:rPr sz="900" spc="0">
-                          <a:solidFill>
-                            <a:srgbClr val="020302"/>
-                          </a:solidFill>
-                          <a:latin typeface="AdobeClean-Light"/>
-                          <a:cs typeface="AdobeClean-Light"/>
-                        </a:rPr>
-                        <a:t>/</a:t>
-                      </a:r>
-                      <a:r>
-                        <a:rPr lang="en-US" sz="900" spc="0">
-                          <a:solidFill>
-                            <a:srgbClr val="020302"/>
-                          </a:solidFill>
-                          <a:latin typeface="AdobeClean-Light"/>
-                          <a:cs typeface="AdobeClean-Light"/>
-                        </a:rPr>
-                        <a:t> </a:t>
-                      </a:r>
-                      <a:r>
-                        <a:rPr sz="900" spc="0">
-                          <a:solidFill>
-                            <a:srgbClr val="020302"/>
-                          </a:solidFill>
-                          <a:latin typeface="AdobeClean-Light"/>
-                          <a:cs typeface="AdobeClean-Light"/>
-                        </a:rPr>
-                        <a:t>4 hours</a:t>
-                      </a:r>
-                      <a:endParaRPr sz="900" spc="0">
-                        <a:latin typeface="AdobeClean-Light"/>
-                        <a:cs typeface="AdobeClean-Light"/>
-                      </a:endParaRPr>
                     </a:p>
                   </a:txBody>
-                  <a:tcPr marL="0" marR="0" marT="91440" marB="91440" anchor="ctr" anchorCtr="1">
+                  <a:tcPr marL="0" marR="0" marT="0" marB="0" anchor="ctr" anchorCtr="1">
                     <a:lnL w="3175">
                       <a:solidFill>
                         <a:srgbClr val="B7B8B8"/>
@@ -3009,92 +2766,18 @@
                         </a:spcBef>
                       </a:pPr>
                       <a:r>
-                        <a:rPr lang="en-US" sz="900" spc="0">
+                        <a:rPr lang="es-ES" sz="900" spc="-20" baseline="0">
                           <a:solidFill>
                             <a:srgbClr val="020302"/>
                           </a:solidFill>
                           <a:latin typeface="AdobeClean-Light"/>
                           <a:cs typeface="AdobeClean-Light"/>
                         </a:rPr>
-                        <a:t>    </a:t>
+                        <a:t>    Horario de trabajo / 2 horas</a:t>
                       </a:r>
-                      <a:r>
-                        <a:rPr sz="900" spc="0">
-                          <a:solidFill>
-                            <a:srgbClr val="020302"/>
-                          </a:solidFill>
-                          <a:latin typeface="AdobeClean-Light"/>
-                          <a:cs typeface="AdobeClean-Light"/>
-                        </a:rPr>
-                        <a:t>Business</a:t>
-                      </a:r>
-                      <a:r>
-                        <a:rPr lang="en-US" sz="900" spc="0">
-                          <a:solidFill>
-                            <a:srgbClr val="020302"/>
-                          </a:solidFill>
-                          <a:latin typeface="AdobeClean-Light"/>
-                          <a:cs typeface="AdobeClean-Light"/>
-                        </a:rPr>
-                        <a:t> </a:t>
-                      </a:r>
-                      <a:r>
-                        <a:rPr sz="900" spc="0">
-                          <a:solidFill>
-                            <a:srgbClr val="020302"/>
-                          </a:solidFill>
-                          <a:latin typeface="AdobeClean-Light"/>
-                          <a:cs typeface="AdobeClean-Light"/>
-                        </a:rPr>
-                        <a:t>hours</a:t>
-                      </a:r>
-                      <a:r>
-                        <a:rPr lang="en-US" sz="900" spc="0">
-                          <a:solidFill>
-                            <a:srgbClr val="020302"/>
-                          </a:solidFill>
-                          <a:latin typeface="AdobeClean-Light"/>
-                          <a:cs typeface="AdobeClean-Light"/>
-                        </a:rPr>
-                        <a:t> / </a:t>
-                      </a:r>
-                      <a:r>
-                        <a:rPr sz="900" spc="0">
-                          <a:solidFill>
-                            <a:srgbClr val="020302"/>
-                          </a:solidFill>
-                          <a:latin typeface="AdobeClean-Light"/>
-                          <a:cs typeface="AdobeClean-Light"/>
-                        </a:rPr>
-                        <a:t>2</a:t>
-                      </a:r>
-                      <a:r>
-                        <a:rPr lang="en-US" sz="900" spc="0">
-                          <a:solidFill>
-                            <a:srgbClr val="020302"/>
-                          </a:solidFill>
-                          <a:latin typeface="AdobeClean-Light"/>
-                          <a:cs typeface="AdobeClean-Light"/>
-                        </a:rPr>
-                        <a:t> </a:t>
-                      </a:r>
-                      <a:r>
-                        <a:rPr sz="900" spc="0">
-                          <a:solidFill>
-                            <a:srgbClr val="020302"/>
-                          </a:solidFill>
-                          <a:latin typeface="AdobeClean-Light"/>
-                          <a:cs typeface="AdobeClean-Light"/>
-                        </a:rPr>
-                        <a:t>hours</a:t>
-                      </a:r>
-                      <a:endParaRPr sz="900" spc="0">
-                        <a:latin typeface="AdobeClean-Light"/>
-                        <a:cs typeface="AdobeClean-Light"/>
-                      </a:endParaRPr>
                     </a:p>
                   </a:txBody>
-                  <a:tcPr marL="0" marR="0" marT="91440" marB="91440" anchor="ctr" anchorCtr="1">
+                  <a:tcPr marL="0" marR="0" marT="0" marB="0" anchor="ctr" anchorCtr="1">
                     <a:lnL w="3175">
                       <a:solidFill>
                         <a:srgbClr val="B7B8B8"/>
@@ -3132,7 +2815,7 @@
                   </a:ext>
                 </a:extLst>
               </a:tr>
-              <a:tr h="514673">
+              <a:tr h="523061">
                 <a:tc>
                   <a:txBody>
                     <a:bodyPr/>
@@ -3147,19 +2830,15 @@
                         </a:spcBef>
                       </a:pPr>
                       <a:r>
-                        <a:rPr sz="900" b="1" spc="0">
+                        <a:rPr lang="es-ES" sz="900" b="1">
                           <a:solidFill>
                             <a:srgbClr val="020302"/>
                           </a:solidFill>
                           <a:latin typeface="Adobe Clean"/>
                           <a:cs typeface="Adobe Clean"/>
                         </a:rPr>
-                        <a:t>PRIORITY 3</a:t>
+                        <a:t>PRIORIDAD 3</a:t>
                       </a:r>
-                      <a:endParaRPr sz="900" spc="0">
-                        <a:latin typeface="Adobe Clean"/>
-                        <a:cs typeface="Adobe Clean"/>
-                      </a:endParaRPr>
                     </a:p>
                     <a:p>
                       <a:pPr marL="49530" marR="212090" indent="-2540">
@@ -3171,26 +2850,21 @@
                         </a:spcBef>
                       </a:pPr>
                       <a:r>
-                        <a:rPr kumimoji="0" lang="en-US" sz="900" b="0" i="0" u="none" strike="noStrike" kern="1200" cap="none" spc="0" normalizeH="0" baseline="0" noProof="0">
+                        <a:rPr kumimoji="0" lang="es-ES" sz="900" b="0" i="0" u="none" strike="noStrike" cap="none" normalizeH="0" baseline="0" noProof="0">
                           <a:ln>
                             <a:noFill/>
                           </a:ln>
                           <a:solidFill>
                             <a:srgbClr val="000000"/>
                           </a:solidFill>
-                          <a:effectLst/>
                           <a:uLnTx/>
                           <a:uFillTx/>
                           <a:latin typeface="Adobe Clean Light" panose="020B0303020404020204" pitchFamily="34" charset="0"/>
                           <a:ea typeface="+mn-ea"/>
                           <a:cs typeface="+mn-cs"/>
                         </a:rPr>
-                        <a:t>Customer's business functions have minor service degradation but there exists a solution/workaround allowing business functions to continue </a:t>
+                        <a:t>Las funciones empresariales del cliente presentan una menor degradación del servicio, pero existe una solución que permite que las funciones empresariales sigan funcionando. </a:t>
                       </a:r>
-                      <a:endParaRPr lang="en-US" sz="900" b="0" i="0" spc="0">
-                        <a:latin typeface="Adobe Clean Light" panose="020B0303020404020204" pitchFamily="34" charset="0"/>
-                        <a:cs typeface="AdobeClean-Light"/>
-                      </a:endParaRPr>
                     </a:p>
                   </a:txBody>
                   <a:tcPr marL="0" marR="0" marT="3810" marB="0">
@@ -3234,92 +2908,18 @@
                         </a:spcBef>
                       </a:pPr>
                       <a:r>
-                        <a:rPr lang="en-US" sz="900" spc="0">
+                        <a:rPr lang="es-ES" sz="900" spc="-20" baseline="0" dirty="0">
                           <a:solidFill>
                             <a:srgbClr val="020302"/>
                           </a:solidFill>
                           <a:latin typeface="AdobeClean-Light"/>
                           <a:cs typeface="AdobeClean-Light"/>
                         </a:rPr>
-                        <a:t>   </a:t>
+                        <a:t>   Horario de trabajo / 6 horas</a:t>
                       </a:r>
-                      <a:r>
-                        <a:rPr sz="900" spc="0">
-                          <a:solidFill>
-                            <a:srgbClr val="020302"/>
-                          </a:solidFill>
-                          <a:latin typeface="AdobeClean-Light"/>
-                          <a:cs typeface="AdobeClean-Light"/>
-                        </a:rPr>
-                        <a:t>Business</a:t>
-                      </a:r>
-                      <a:r>
-                        <a:rPr lang="en-US" sz="900" spc="0">
-                          <a:solidFill>
-                            <a:srgbClr val="020302"/>
-                          </a:solidFill>
-                          <a:latin typeface="AdobeClean-Light"/>
-                          <a:cs typeface="AdobeClean-Light"/>
-                        </a:rPr>
-                        <a:t> </a:t>
-                      </a:r>
-                      <a:r>
-                        <a:rPr sz="900" spc="0">
-                          <a:solidFill>
-                            <a:srgbClr val="020302"/>
-                          </a:solidFill>
-                          <a:latin typeface="AdobeClean-Light"/>
-                          <a:cs typeface="AdobeClean-Light"/>
-                        </a:rPr>
-                        <a:t>hours</a:t>
-                      </a:r>
-                      <a:r>
-                        <a:rPr lang="en-US" sz="900" spc="0">
-                          <a:solidFill>
-                            <a:srgbClr val="020302"/>
-                          </a:solidFill>
-                          <a:latin typeface="AdobeClean-Light"/>
-                          <a:cs typeface="AdobeClean-Light"/>
-                        </a:rPr>
-                        <a:t> / </a:t>
-                      </a:r>
-                      <a:r>
-                        <a:rPr sz="900" spc="0">
-                          <a:solidFill>
-                            <a:srgbClr val="020302"/>
-                          </a:solidFill>
-                          <a:latin typeface="AdobeClean-Light"/>
-                          <a:cs typeface="AdobeClean-Light"/>
-                        </a:rPr>
-                        <a:t>6</a:t>
-                      </a:r>
-                      <a:r>
-                        <a:rPr lang="en-US" sz="900" spc="0">
-                          <a:solidFill>
-                            <a:srgbClr val="020302"/>
-                          </a:solidFill>
-                          <a:latin typeface="AdobeClean-Light"/>
-                          <a:cs typeface="AdobeClean-Light"/>
-                        </a:rPr>
-                        <a:t> </a:t>
-                      </a:r>
-                      <a:r>
-                        <a:rPr sz="900" spc="0">
-                          <a:solidFill>
-                            <a:srgbClr val="020302"/>
-                          </a:solidFill>
-                          <a:latin typeface="AdobeClean-Light"/>
-                          <a:cs typeface="AdobeClean-Light"/>
-                        </a:rPr>
-                        <a:t>hours</a:t>
-                      </a:r>
-                      <a:endParaRPr sz="900" spc="0">
-                        <a:latin typeface="AdobeClean-Light"/>
-                        <a:cs typeface="AdobeClean-Light"/>
-                      </a:endParaRPr>
                     </a:p>
                   </a:txBody>
-                  <a:tcPr marL="0" marR="0" marT="91440" marB="91440" anchor="ctr" anchorCtr="1">
+                  <a:tcPr marL="0" marR="0" marT="0" marB="0" anchor="ctr" anchorCtr="1">
                     <a:lnL w="3175">
                       <a:solidFill>
                         <a:srgbClr val="B7B8B8"/>
@@ -3360,82 +2960,18 @@
                         </a:spcBef>
                       </a:pPr>
                       <a:r>
-                        <a:rPr sz="900" spc="0">
+                        <a:rPr lang="es-ES" sz="900" spc="-20" baseline="0" dirty="0">
                           <a:solidFill>
                             <a:srgbClr val="020302"/>
                           </a:solidFill>
                           <a:latin typeface="AdobeClean-Light"/>
                           <a:cs typeface="AdobeClean-Light"/>
                         </a:rPr>
-                        <a:t>Business</a:t>
+                        <a:t>Horario de trabajo / 4 horas</a:t>
                       </a:r>
-                      <a:r>
-                        <a:rPr lang="en-US" sz="900" spc="0">
-                          <a:solidFill>
-                            <a:srgbClr val="020302"/>
-                          </a:solidFill>
-                          <a:latin typeface="AdobeClean-Light"/>
-                          <a:cs typeface="AdobeClean-Light"/>
-                        </a:rPr>
-                        <a:t> </a:t>
-                      </a:r>
-                      <a:r>
-                        <a:rPr sz="900" spc="0">
-                          <a:solidFill>
-                            <a:srgbClr val="020302"/>
-                          </a:solidFill>
-                          <a:latin typeface="AdobeClean-Light"/>
-                          <a:cs typeface="AdobeClean-Light"/>
-                        </a:rPr>
-                        <a:t>hours</a:t>
-                      </a:r>
-                      <a:r>
-                        <a:rPr lang="en-US" sz="900" spc="0">
-                          <a:solidFill>
-                            <a:srgbClr val="020302"/>
-                          </a:solidFill>
-                          <a:latin typeface="AdobeClean-Light"/>
-                          <a:cs typeface="AdobeClean-Light"/>
-                        </a:rPr>
-                        <a:t> </a:t>
-                      </a:r>
-                      <a:r>
-                        <a:rPr sz="900" spc="0">
-                          <a:solidFill>
-                            <a:srgbClr val="020302"/>
-                          </a:solidFill>
-                          <a:latin typeface="AdobeClean-Light"/>
-                          <a:cs typeface="AdobeClean-Light"/>
-                        </a:rPr>
-                        <a:t>/ 4</a:t>
-                      </a:r>
-                      <a:r>
-                        <a:rPr lang="en-US" sz="900" spc="0">
-                          <a:solidFill>
-                            <a:srgbClr val="020302"/>
-                          </a:solidFill>
-                          <a:latin typeface="AdobeClean-Light"/>
-                          <a:cs typeface="AdobeClean-Light"/>
-                        </a:rPr>
-                        <a:t> </a:t>
-                      </a:r>
-                      <a:r>
-                        <a:rPr sz="900" spc="0">
-                          <a:solidFill>
-                            <a:srgbClr val="020302"/>
-                          </a:solidFill>
-                          <a:latin typeface="AdobeClean-Light"/>
-                          <a:cs typeface="AdobeClean-Light"/>
-                        </a:rPr>
-                        <a:t>hours</a:t>
-                      </a:r>
-                      <a:endParaRPr sz="900" spc="0">
-                        <a:latin typeface="AdobeClean-Light"/>
-                        <a:cs typeface="AdobeClean-Light"/>
-                      </a:endParaRPr>
                     </a:p>
                   </a:txBody>
-                  <a:tcPr marL="0" marR="0" marT="91440" marB="91440" anchor="ctr" anchorCtr="1">
+                  <a:tcPr marL="0" marR="0" marT="0" marB="0" anchor="ctr" anchorCtr="1">
                     <a:lnL w="3175">
                       <a:solidFill>
                         <a:srgbClr val="B7B8B8"/>
@@ -3473,7 +3009,7 @@
                   </a:ext>
                 </a:extLst>
               </a:tr>
-              <a:tr h="388333">
+              <a:tr h="464651">
                 <a:tc>
                   <a:txBody>
                     <a:bodyPr/>
@@ -3488,19 +3024,15 @@
                         </a:spcBef>
                       </a:pPr>
                       <a:r>
-                        <a:rPr sz="900" b="1" spc="0">
+                        <a:rPr lang="es-ES" sz="900" b="1">
                           <a:solidFill>
                             <a:srgbClr val="020302"/>
                           </a:solidFill>
                           <a:latin typeface="Adobe Clean"/>
                           <a:cs typeface="Adobe Clean"/>
                         </a:rPr>
-                        <a:t>PRIORITY 4</a:t>
+                        <a:t>PRIORIDAD 4</a:t>
                       </a:r>
-                      <a:endParaRPr sz="900" spc="0">
-                        <a:latin typeface="Adobe Clean"/>
-                        <a:cs typeface="Adobe Clean"/>
-                      </a:endParaRPr>
                     </a:p>
                     <a:p>
                       <a:pPr marL="48895" marR="0" lvl="0" indent="0" defTabSz="914400" eaLnBrk="1" fontAlgn="auto" latinLnBrk="0" hangingPunct="1">
@@ -3521,19 +3053,14 @@
                         <a:defRPr/>
                       </a:pPr>
                       <a:r>
-                        <a:rPr lang="en-US" sz="900" b="0" i="0" spc="0">
+                        <a:rPr lang="es-ES" sz="900" b="0" i="0">
                           <a:solidFill>
                             <a:srgbClr val="000000"/>
                           </a:solidFill>
-                          <a:effectLst/>
                           <a:latin typeface="Adobe Clean Light" panose="020B0303020404020204" pitchFamily="34" charset="0"/>
                         </a:rPr>
-                        <a:t>General question regarding current product functionality or an enhancement request</a:t>
+                        <a:t>Pregunta general sobre la funcionalidad actual del producto o una solicitud de mejora.</a:t>
                       </a:r>
-                      <a:endParaRPr lang="en-US" sz="900" b="0" i="0" spc="0">
-                        <a:latin typeface="Adobe Clean Light" panose="020B0303020404020204" pitchFamily="34" charset="0"/>
-                        <a:cs typeface="AdobeClean-Light"/>
-                      </a:endParaRPr>
                     </a:p>
                   </a:txBody>
                   <a:tcPr marL="0" marR="0" marT="1905" marB="0">
@@ -3577,72 +3104,18 @@
                         </a:spcBef>
                       </a:pPr>
                       <a:r>
-                        <a:rPr lang="en-US" sz="900" spc="0">
+                        <a:rPr lang="es-ES" sz="900" spc="-20" baseline="0" dirty="0">
                           <a:solidFill>
                             <a:srgbClr val="020302"/>
                           </a:solidFill>
                           <a:latin typeface="AdobeClean-Light"/>
                           <a:cs typeface="AdobeClean-Light"/>
                         </a:rPr>
-                        <a:t>  </a:t>
+                        <a:t>  Días laborables / 3 días</a:t>
                       </a:r>
-                      <a:r>
-                        <a:rPr sz="900" spc="0">
-                          <a:solidFill>
-                            <a:srgbClr val="020302"/>
-                          </a:solidFill>
-                          <a:latin typeface="AdobeClean-Light"/>
-                          <a:cs typeface="AdobeClean-Light"/>
-                        </a:rPr>
-                        <a:t>Business</a:t>
-                      </a:r>
-                      <a:r>
-                        <a:rPr lang="en-US" sz="900" spc="0">
-                          <a:solidFill>
-                            <a:srgbClr val="020302"/>
-                          </a:solidFill>
-                          <a:latin typeface="AdobeClean-Light"/>
-                          <a:cs typeface="AdobeClean-Light"/>
-                        </a:rPr>
-                        <a:t> </a:t>
-                      </a:r>
-                      <a:r>
-                        <a:rPr sz="900" spc="0">
-                          <a:solidFill>
-                            <a:srgbClr val="020302"/>
-                          </a:solidFill>
-                          <a:latin typeface="AdobeClean-Light"/>
-                          <a:cs typeface="AdobeClean-Light"/>
-                        </a:rPr>
-                        <a:t>days</a:t>
-                      </a:r>
-                      <a:r>
-                        <a:rPr lang="en-US" sz="900" spc="0">
-                          <a:solidFill>
-                            <a:srgbClr val="020302"/>
-                          </a:solidFill>
-                          <a:latin typeface="AdobeClean-Light"/>
-                          <a:cs typeface="AdobeClean-Light"/>
-                        </a:rPr>
-                        <a:t> / </a:t>
-                      </a:r>
-                      <a:r>
-                        <a:rPr sz="900" spc="0">
-                          <a:solidFill>
-                            <a:srgbClr val="020302"/>
-                          </a:solidFill>
-                          <a:latin typeface="AdobeClean-Light"/>
-                          <a:cs typeface="AdobeClean-Light"/>
-                        </a:rPr>
-                        <a:t>3 days</a:t>
-                      </a:r>
-                      <a:endParaRPr sz="900" spc="0">
-                        <a:latin typeface="AdobeClean-Light"/>
-                        <a:cs typeface="AdobeClean-Light"/>
-                      </a:endParaRPr>
                     </a:p>
                   </a:txBody>
-                  <a:tcPr marL="0" marR="0" marT="91440" marB="91440" anchor="ctr" anchorCtr="1">
+                  <a:tcPr marL="0" marR="0" marT="0" marB="0" anchor="ctr" anchorCtr="1">
                     <a:lnL w="3175">
                       <a:solidFill>
                         <a:srgbClr val="B7B8B8"/>
@@ -3683,82 +3156,18 @@
                         </a:spcBef>
                       </a:pPr>
                       <a:r>
-                        <a:rPr sz="900" spc="0">
+                        <a:rPr lang="es-ES" sz="900" spc="-20" baseline="0" dirty="0">
                           <a:solidFill>
                             <a:srgbClr val="020302"/>
                           </a:solidFill>
                           <a:latin typeface="AdobeClean-Light"/>
                           <a:cs typeface="AdobeClean-Light"/>
                         </a:rPr>
-                        <a:t>Business</a:t>
+                        <a:t>Días laborables / 1 día</a:t>
                       </a:r>
-                      <a:r>
-                        <a:rPr lang="en-US" sz="900" spc="0">
-                          <a:solidFill>
-                            <a:srgbClr val="020302"/>
-                          </a:solidFill>
-                          <a:latin typeface="AdobeClean-Light"/>
-                          <a:cs typeface="AdobeClean-Light"/>
-                        </a:rPr>
-                        <a:t> </a:t>
-                      </a:r>
-                      <a:r>
-                        <a:rPr sz="900" spc="0">
-                          <a:solidFill>
-                            <a:srgbClr val="020302"/>
-                          </a:solidFill>
-                          <a:latin typeface="AdobeClean-Light"/>
-                          <a:cs typeface="AdobeClean-Light"/>
-                        </a:rPr>
-                        <a:t>day</a:t>
-                      </a:r>
-                      <a:r>
-                        <a:rPr lang="en-US" sz="900" spc="0">
-                          <a:solidFill>
-                            <a:srgbClr val="020302"/>
-                          </a:solidFill>
-                          <a:latin typeface="AdobeClean-Light"/>
-                          <a:cs typeface="AdobeClean-Light"/>
-                        </a:rPr>
-                        <a:t>s </a:t>
-                      </a:r>
-                      <a:r>
-                        <a:rPr sz="900" spc="0">
-                          <a:solidFill>
-                            <a:srgbClr val="020302"/>
-                          </a:solidFill>
-                          <a:latin typeface="AdobeClean-Light"/>
-                          <a:cs typeface="AdobeClean-Light"/>
-                        </a:rPr>
-                        <a:t>/</a:t>
-                      </a:r>
-                      <a:r>
-                        <a:rPr lang="en-US" sz="900" spc="0">
-                          <a:solidFill>
-                            <a:srgbClr val="020302"/>
-                          </a:solidFill>
-                          <a:latin typeface="AdobeClean-Light"/>
-                          <a:cs typeface="AdobeClean-Light"/>
-                        </a:rPr>
-                        <a:t> </a:t>
-                      </a:r>
-                      <a:r>
-                        <a:rPr sz="900" spc="0">
-                          <a:solidFill>
-                            <a:srgbClr val="020302"/>
-                          </a:solidFill>
-                          <a:latin typeface="AdobeClean-Light"/>
-                          <a:cs typeface="AdobeClean-Light"/>
-                        </a:rPr>
-                        <a:t>1 day</a:t>
-                      </a:r>
-                      <a:endParaRPr sz="900" spc="0">
-                        <a:latin typeface="AdobeClean-Light"/>
-                        <a:cs typeface="AdobeClean-Light"/>
-                      </a:endParaRPr>
                     </a:p>
                   </a:txBody>
-                  <a:tcPr marL="0" marR="0" marT="91440" marB="91440" anchor="ctr" anchorCtr="1">
+                  <a:tcPr marL="0" marR="0" marT="0" marB="0" anchor="ctr" anchorCtr="1">
                     <a:lnL w="3175">
                       <a:solidFill>
                         <a:srgbClr val="B7B8B8"/>
@@ -3815,14 +3224,14 @@
           <p:nvPr>
             <p:extLst>
               <p:ext uri="{D42A27DB-BD31-4B8C-83A1-F6EECF244321}">
-                <p14:modId xmlns:p14="http://schemas.microsoft.com/office/powerpoint/2010/main" val="116851390"/>
+                <p14:modId xmlns:p14="http://schemas.microsoft.com/office/powerpoint/2010/main" val="732991917"/>
               </p:ext>
             </p:extLst>
           </p:nvPr>
         </p:nvGraphicFramePr>
         <p:xfrm>
           <a:off x="121147" y="2120949"/>
-          <a:ext cx="7498851" cy="4714546"/>
+          <a:ext cx="7498851" cy="4815558"/>
         </p:xfrm>
         <a:graphic>
           <a:graphicData uri="http://schemas.openxmlformats.org/drawingml/2006/table">
@@ -3866,7 +3275,7 @@
                     <a:bodyPr/>
                     <a:lstStyle/>
                     <a:p>
-                      <a:endParaRPr lang="en-US"/>
+                      <a:endParaRPr lang="en-US" dirty="0"/>
                     </a:p>
                   </a:txBody>
                   <a:tcPr/>
@@ -3904,39 +3313,15 @@
                         <a:defRPr/>
                       </a:pPr>
                       <a:r>
-                        <a:rPr lang="en-US" sz="900" spc="-20">
+                        <a:rPr lang="es-ES" sz="900" dirty="0">
                           <a:solidFill>
                             <a:srgbClr val="404040"/>
                           </a:solidFill>
                           <a:latin typeface="Adobe Clean"/>
                           <a:cs typeface="Adobe Clean"/>
                         </a:rPr>
-                        <a:t>Online </a:t>
+                        <a:t>Soporte Online</a:t>
                       </a:r>
-                      <a:r>
-                        <a:rPr lang="en-US" sz="900" spc="-135">
-                          <a:solidFill>
-                            <a:srgbClr val="404040"/>
-                          </a:solidFill>
-                          <a:latin typeface="Adobe Clean"/>
-                          <a:cs typeface="Adobe Clean"/>
-                        </a:rPr>
-                        <a:t> </a:t>
-                      </a:r>
-                      <a:r>
-                        <a:rPr lang="en-US" sz="900" spc="-20">
-                          <a:solidFill>
-                            <a:srgbClr val="404040"/>
-                          </a:solidFill>
-                          <a:latin typeface="Adobe Clean"/>
-                          <a:cs typeface="Adobe Clean"/>
-                        </a:rPr>
-                        <a:t>Support</a:t>
-                      </a:r>
-                      <a:endParaRPr lang="en-US" sz="900">
-                        <a:latin typeface="Adobe Clean"/>
-                        <a:cs typeface="Adobe Clean"/>
-                      </a:endParaRPr>
                     </a:p>
                   </a:txBody>
                   <a:tcPr marL="0" marR="0" marT="7620" marB="0" anchor="ctr">
@@ -3977,39 +3362,15 @@
                         </a:spcBef>
                       </a:pPr>
                       <a:r>
-                        <a:rPr sz="900" spc="-20">
+                        <a:rPr lang="es-ES" sz="900">
                           <a:solidFill>
                             <a:srgbClr val="FFFFFF"/>
                           </a:solidFill>
                           <a:latin typeface="Adobe Clean"/>
                           <a:cs typeface="Adobe Clean"/>
                         </a:rPr>
-                        <a:t>Business</a:t>
+                        <a:t>Soporte Business</a:t>
                       </a:r>
-                      <a:r>
-                        <a:rPr lang="en-US" sz="900" spc="-20">
-                          <a:solidFill>
-                            <a:srgbClr val="FFFFFF"/>
-                          </a:solidFill>
-                          <a:latin typeface="Adobe Clean"/>
-                          <a:cs typeface="Adobe Clean"/>
-                        </a:rPr>
-                        <a:t> </a:t>
-                      </a:r>
-                      <a:r>
-                        <a:rPr sz="900" spc="-20">
-                          <a:solidFill>
-                            <a:srgbClr val="FFFFFF"/>
-                          </a:solidFill>
-                          <a:latin typeface="Adobe Clean"/>
-                          <a:cs typeface="Adobe Clean"/>
-                        </a:rPr>
-                        <a:t>Support</a:t>
-                      </a:r>
-                      <a:endParaRPr sz="900">
-                        <a:latin typeface="Adobe Clean"/>
-                        <a:cs typeface="Adobe Clean"/>
-                      </a:endParaRPr>
                     </a:p>
                   </a:txBody>
                   <a:tcPr marL="0" marR="0" marT="7620" marB="0" anchor="ctr">
@@ -4074,7 +3435,7 @@
                     <a:bodyPr/>
                     <a:lstStyle/>
                     <a:p>
-                      <a:pPr marL="0" marR="0" lvl="0" indent="0" algn="ctr" defTabSz="914400" eaLnBrk="1" fontAlgn="auto" latinLnBrk="0" hangingPunct="1">
+                      <a:pPr marL="0" marR="0" lvl="0" indent="0" algn="l" defTabSz="914400" rtl="0" eaLnBrk="1" fontAlgn="auto" latinLnBrk="0" hangingPunct="1">
                         <a:lnSpc>
                           <a:spcPct val="100000"/>
                         </a:lnSpc>
@@ -4155,13 +3516,13 @@
                         <a:defRPr/>
                       </a:pPr>
                       <a:r>
-                        <a:rPr lang="en-US" sz="800" i="1">
+                        <a:rPr lang="es-ES" sz="800" i="1">
                           <a:solidFill>
                             <a:schemeClr val="bg1"/>
                           </a:solidFill>
                           <a:latin typeface="Adobe Clean Light" panose="020B0303020404020204" pitchFamily="34" charset="0"/>
                         </a:rPr>
-                        <a:t>Paid Support ($)</a:t>
+                        <a:t>Soporte de pago ($)</a:t>
                       </a:r>
                     </a:p>
                   </a:txBody>
@@ -4225,22 +3586,15 @@
                         </a:spcBef>
                       </a:pPr>
                       <a:r>
-                        <a:rPr lang="en-US" sz="1000" b="1" i="0" spc="0">
+                        <a:rPr lang="es-ES" sz="1000" b="1" i="0">
                           <a:solidFill>
                             <a:schemeClr val="bg1"/>
                           </a:solidFill>
                           <a:latin typeface="Adobe Clean" panose="020B0503020404020204" pitchFamily="34" charset="0"/>
                           <a:cs typeface="AdobeClean-Light"/>
                         </a:rPr>
-                        <a:t>Assigned Experts</a:t>
+                        <a:t>Expertos asignados</a:t>
                       </a:r>
-                      <a:endParaRPr sz="1000" b="1" i="0" spc="0">
-                        <a:solidFill>
-                          <a:schemeClr val="bg1"/>
-                        </a:solidFill>
-                        <a:latin typeface="Adobe Clean" panose="020B0503020404020204" pitchFamily="34" charset="0"/>
-                        <a:cs typeface="AdobeClean-Light"/>
-                      </a:endParaRPr>
                     </a:p>
                   </a:txBody>
                   <a:tcPr marL="0" marR="0" marT="58419" marB="0" anchor="ctr">
@@ -4287,19 +3641,15 @@
                         </a:spcBef>
                       </a:pPr>
                       <a:r>
-                        <a:rPr sz="900" spc="0">
+                        <a:rPr lang="es-ES" sz="900">
                           <a:solidFill>
                             <a:srgbClr val="020302"/>
                           </a:solidFill>
                           <a:latin typeface="AdobeClean-Light"/>
                           <a:cs typeface="AdobeClean-Light"/>
                         </a:rPr>
-                        <a:t>Account Support Lead</a:t>
+                        <a:t>Responsable de la asistencia técnica de la cuenta</a:t>
                       </a:r>
-                      <a:endParaRPr sz="900" spc="0">
-                        <a:latin typeface="AdobeClean-Light"/>
-                        <a:cs typeface="AdobeClean-Light"/>
-                      </a:endParaRPr>
                     </a:p>
                   </a:txBody>
                   <a:tcPr marL="0" marR="0" marT="58419" marB="0">
@@ -4334,7 +3684,7 @@
                     <a:bodyPr/>
                     <a:lstStyle/>
                     <a:p>
-                      <a:pPr algn="ctr">
+                      <a:pPr algn="l" rtl="0">
                         <a:lnSpc>
                           <a:spcPct val="100000"/>
                         </a:lnSpc>
@@ -4384,7 +3734,7 @@
                         </a:spcBef>
                       </a:pPr>
                       <a:r>
-                        <a:rPr sz="900">
+                        <a:rPr lang="es-ES" sz="900">
                           <a:solidFill>
                             <a:srgbClr val="020302"/>
                           </a:solidFill>
@@ -4393,10 +3743,6 @@
                         </a:rPr>
                         <a:t></a:t>
                       </a:r>
-                      <a:endParaRPr sz="900">
-                        <a:latin typeface="Wingdings"/>
-                        <a:cs typeface="Wingdings"/>
-                      </a:endParaRPr>
                     </a:p>
                   </a:txBody>
                   <a:tcPr marL="0" marR="0" marT="59690" marB="0" anchor="ctr">
@@ -4428,7 +3774,7 @@
                     <a:bodyPr/>
                     <a:lstStyle/>
                     <a:p>
-                      <a:pPr marL="50800">
+                      <a:pPr marL="50800" algn="l" rtl="0">
                         <a:lnSpc>
                           <a:spcPct val="100000"/>
                         </a:lnSpc>
@@ -4474,19 +3820,15 @@
                         </a:spcBef>
                       </a:pPr>
                       <a:r>
-                        <a:rPr sz="900" spc="0">
+                        <a:rPr lang="es-ES" sz="900">
                           <a:solidFill>
                             <a:srgbClr val="020302"/>
                           </a:solidFill>
                           <a:latin typeface="AdobeClean-Light"/>
                           <a:cs typeface="AdobeClean-Light"/>
                         </a:rPr>
-                        <a:t>Named Support Engineer</a:t>
+                        <a:t>Ingeniero de asistencia técnica especializado</a:t>
                       </a:r>
-                      <a:endParaRPr sz="900" spc="0">
-                        <a:latin typeface="AdobeClean-Light"/>
-                        <a:cs typeface="AdobeClean-Light"/>
-                      </a:endParaRPr>
                     </a:p>
                   </a:txBody>
                   <a:tcPr marL="0" marR="0" marT="58419" marB="0">
@@ -4509,7 +3851,7 @@
                     <a:bodyPr/>
                     <a:lstStyle/>
                     <a:p>
-                      <a:pPr algn="ctr">
+                      <a:pPr algn="l" rtl="0">
                         <a:lnSpc>
                           <a:spcPct val="100000"/>
                         </a:lnSpc>
@@ -4538,7 +3880,7 @@
                     <a:bodyPr/>
                     <a:lstStyle/>
                     <a:p>
-                      <a:pPr algn="ctr">
+                      <a:pPr algn="l" rtl="0">
                         <a:lnSpc>
                           <a:spcPct val="100000"/>
                         </a:lnSpc>
@@ -4569,7 +3911,7 @@
                     <a:bodyPr/>
                     <a:lstStyle/>
                     <a:p>
-                      <a:pPr marL="50800">
+                      <a:pPr marL="50800" algn="l" rtl="0">
                         <a:lnSpc>
                           <a:spcPct val="100000"/>
                         </a:lnSpc>
@@ -4627,19 +3969,15 @@
                         </a:spcBef>
                       </a:pPr>
                       <a:r>
-                        <a:rPr sz="900" spc="0">
+                        <a:rPr lang="es-ES" sz="900">
                           <a:solidFill>
                             <a:srgbClr val="020302"/>
                           </a:solidFill>
                           <a:latin typeface="AdobeClean-Light"/>
                           <a:cs typeface="AdobeClean-Light"/>
                         </a:rPr>
-                        <a:t>Technical Account Manager</a:t>
+                        <a:t>Gestor técnico de cuentas</a:t>
                       </a:r>
-                      <a:endParaRPr sz="900" spc="0">
-                        <a:latin typeface="AdobeClean-Light"/>
-                        <a:cs typeface="AdobeClean-Light"/>
-                      </a:endParaRPr>
                     </a:p>
                   </a:txBody>
                   <a:tcPr marL="0" marR="0" marT="63500" marB="0">
@@ -4668,7 +4006,7 @@
                     <a:bodyPr/>
                     <a:lstStyle/>
                     <a:p>
-                      <a:pPr algn="ctr">
+                      <a:pPr algn="l" rtl="0">
                         <a:lnSpc>
                           <a:spcPct val="100000"/>
                         </a:lnSpc>
@@ -4706,7 +4044,7 @@
                     <a:bodyPr/>
                     <a:lstStyle/>
                     <a:p>
-                      <a:pPr algn="ctr">
+                      <a:pPr algn="l" rtl="0">
                         <a:lnSpc>
                           <a:spcPct val="100000"/>
                         </a:lnSpc>
@@ -4755,22 +4093,15 @@
                         </a:spcBef>
                       </a:pPr>
                       <a:r>
-                        <a:rPr lang="en-US" sz="1000" b="1" i="0" spc="0">
+                        <a:rPr lang="es-ES" sz="1000" b="1" i="0">
                           <a:solidFill>
                             <a:schemeClr val="bg1"/>
                           </a:solidFill>
                           <a:latin typeface="Adobe Clean" panose="020B0503020404020204" pitchFamily="34" charset="0"/>
                           <a:cs typeface="AdobeClean-Light"/>
                         </a:rPr>
-                        <a:t>Support Services</a:t>
+                        <a:t>Servicios de soporte</a:t>
                       </a:r>
-                      <a:endParaRPr sz="1000" b="1" i="0" spc="0">
-                        <a:solidFill>
-                          <a:schemeClr val="bg1"/>
-                        </a:solidFill>
-                        <a:latin typeface="Adobe Clean" panose="020B0503020404020204" pitchFamily="34" charset="0"/>
-                        <a:cs typeface="AdobeClean-Light"/>
-                      </a:endParaRPr>
                     </a:p>
                   </a:txBody>
                   <a:tcPr marL="0" marR="0" marT="57150" marB="0" anchor="ctr">
@@ -4826,29 +4157,15 @@
                         </a:spcBef>
                       </a:pPr>
                       <a:r>
-                        <a:rPr lang="en-US" sz="900" spc="0">
+                        <a:rPr lang="es-ES" sz="900">
                           <a:solidFill>
                             <a:srgbClr val="020302"/>
                           </a:solidFill>
                           <a:latin typeface="AdobeClean-Light"/>
                           <a:cs typeface="AdobeClean-Light"/>
                         </a:rPr>
-                        <a:t>Online</a:t>
+                        <a:t>Soporte Online</a:t>
                       </a:r>
-                      <a:r>
-                        <a:rPr sz="900" spc="0">
-                          <a:solidFill>
-                            <a:srgbClr val="020302"/>
-                          </a:solidFill>
-                          <a:latin typeface="AdobeClean-Light"/>
-                          <a:cs typeface="AdobeClean-Light"/>
-                        </a:rPr>
-                        <a:t> Support</a:t>
-                      </a:r>
-                      <a:endParaRPr sz="900" spc="0">
-                        <a:latin typeface="AdobeClean-Light"/>
-                        <a:cs typeface="AdobeClean-Light"/>
-                      </a:endParaRPr>
                     </a:p>
                   </a:txBody>
                   <a:tcPr marL="0" marR="0" marT="57150" marB="0">
@@ -4886,39 +4203,15 @@
                         </a:spcBef>
                       </a:pPr>
                       <a:r>
-                        <a:rPr sz="900" spc="-25">
+                        <a:rPr lang="es-ES" sz="900">
                           <a:solidFill>
                             <a:srgbClr val="020302"/>
                           </a:solidFill>
                           <a:latin typeface="AdobeClean-Light"/>
                           <a:cs typeface="AdobeClean-Light"/>
                         </a:rPr>
-                        <a:t>Business</a:t>
+                        <a:t>Horario de trabajo</a:t>
                       </a:r>
-                      <a:r>
-                        <a:rPr sz="900" spc="-15">
-                          <a:solidFill>
-                            <a:srgbClr val="020302"/>
-                          </a:solidFill>
-                          <a:latin typeface="AdobeClean-Light"/>
-                          <a:cs typeface="AdobeClean-Light"/>
-                        </a:rPr>
-                        <a:t> </a:t>
-                      </a:r>
-                      <a:r>
-                        <a:rPr sz="900" spc="-30">
-                          <a:solidFill>
-                            <a:srgbClr val="020302"/>
-                          </a:solidFill>
-                          <a:latin typeface="AdobeClean-Light"/>
-                          <a:cs typeface="AdobeClean-Light"/>
-                        </a:rPr>
-                        <a:t>hours</a:t>
-                      </a:r>
-                      <a:endParaRPr sz="900">
-                        <a:latin typeface="AdobeClean-Light"/>
-                        <a:cs typeface="AdobeClean-Light"/>
-                      </a:endParaRPr>
                     </a:p>
                   </a:txBody>
                   <a:tcPr marL="0" marR="0" marT="67945" marB="0">
@@ -4957,39 +4250,15 @@
                         </a:spcBef>
                       </a:pPr>
                       <a:r>
-                        <a:rPr sz="900" spc="-25">
+                        <a:rPr lang="es-ES" sz="900">
                           <a:solidFill>
                             <a:srgbClr val="020302"/>
                           </a:solidFill>
                           <a:latin typeface="AdobeClean-Light"/>
                           <a:cs typeface="AdobeClean-Light"/>
                         </a:rPr>
-                        <a:t>Business</a:t>
+                        <a:t>Horario de trabajo</a:t>
                       </a:r>
-                      <a:r>
-                        <a:rPr sz="900" spc="-15">
-                          <a:solidFill>
-                            <a:srgbClr val="020302"/>
-                          </a:solidFill>
-                          <a:latin typeface="AdobeClean-Light"/>
-                          <a:cs typeface="AdobeClean-Light"/>
-                        </a:rPr>
-                        <a:t> </a:t>
-                      </a:r>
-                      <a:r>
-                        <a:rPr sz="900" spc="-30">
-                          <a:solidFill>
-                            <a:srgbClr val="020302"/>
-                          </a:solidFill>
-                          <a:latin typeface="AdobeClean-Light"/>
-                          <a:cs typeface="AdobeClean-Light"/>
-                        </a:rPr>
-                        <a:t>hours</a:t>
-                      </a:r>
-                      <a:endParaRPr sz="900">
-                        <a:latin typeface="AdobeClean-Light"/>
-                        <a:cs typeface="AdobeClean-Light"/>
-                      </a:endParaRPr>
                     </a:p>
                   </a:txBody>
                   <a:tcPr marL="0" marR="0" marT="67945" marB="0">
@@ -5021,7 +4290,7 @@
                     <a:bodyPr/>
                     <a:lstStyle/>
                     <a:p>
-                      <a:pPr marL="50800">
+                      <a:pPr marL="50800" algn="l" rtl="0">
                         <a:lnSpc>
                           <a:spcPct val="100000"/>
                         </a:lnSpc>
@@ -5070,39 +4339,15 @@
                         </a:spcBef>
                       </a:pPr>
                       <a:r>
-                        <a:rPr sz="900" spc="0">
+                        <a:rPr lang="es-ES" sz="900">
                           <a:solidFill>
                             <a:srgbClr val="020302"/>
                           </a:solidFill>
                           <a:latin typeface="AdobeClean-Light"/>
                           <a:cs typeface="AdobeClean-Light"/>
                         </a:rPr>
-                        <a:t>24x7</a:t>
+                        <a:t>Soporte con problemas P1 24 x 7 x 365</a:t>
                       </a:r>
-                      <a:r>
-                        <a:rPr lang="en-US" sz="900" spc="0">
-                          <a:solidFill>
-                            <a:srgbClr val="020302"/>
-                          </a:solidFill>
-                          <a:latin typeface="AdobeClean-Light"/>
-                          <a:cs typeface="AdobeClean-Light"/>
-                        </a:rPr>
-                        <a:t>x365</a:t>
-                      </a:r>
-                      <a:r>
-                        <a:rPr sz="900" spc="0">
-                          <a:solidFill>
-                            <a:srgbClr val="020302"/>
-                          </a:solidFill>
-                          <a:latin typeface="AdobeClean-Light"/>
-                          <a:cs typeface="AdobeClean-Light"/>
-                        </a:rPr>
-                        <a:t> P1 Issue Support</a:t>
-                      </a:r>
-                      <a:endParaRPr sz="900" spc="0">
-                        <a:latin typeface="AdobeClean-Light"/>
-                        <a:cs typeface="AdobeClean-Light"/>
-                      </a:endParaRPr>
                     </a:p>
                   </a:txBody>
                   <a:tcPr marL="0" marR="0" marT="57785" marB="0">
@@ -5134,7 +4379,7 @@
                         </a:spcBef>
                       </a:pPr>
                       <a:r>
-                        <a:rPr sz="900">
+                        <a:rPr lang="es-ES" sz="900">
                           <a:solidFill>
                             <a:srgbClr val="020302"/>
                           </a:solidFill>
@@ -5143,10 +4388,6 @@
                         </a:rPr>
                         <a:t></a:t>
                       </a:r>
-                      <a:endParaRPr sz="900">
-                        <a:latin typeface="Wingdings"/>
-                        <a:cs typeface="Wingdings"/>
-                      </a:endParaRPr>
                     </a:p>
                   </a:txBody>
                   <a:tcPr marL="0" marR="0" marT="58419" marB="0">
@@ -5176,7 +4417,7 @@
                         </a:spcBef>
                       </a:pPr>
                       <a:r>
-                        <a:rPr sz="900">
+                        <a:rPr lang="es-ES" sz="900">
                           <a:solidFill>
                             <a:srgbClr val="020302"/>
                           </a:solidFill>
@@ -5185,10 +4426,6 @@
                         </a:rPr>
                         <a:t></a:t>
                       </a:r>
-                      <a:endParaRPr sz="900">
-                        <a:latin typeface="Wingdings"/>
-                        <a:cs typeface="Wingdings"/>
-                      </a:endParaRPr>
                     </a:p>
                   </a:txBody>
                   <a:tcPr marL="0" marR="0" marT="58419" marB="0">
@@ -5211,7 +4448,7 @@
                     <a:bodyPr/>
                     <a:lstStyle/>
                     <a:p>
-                      <a:pPr marL="50800">
+                      <a:pPr marL="50800" algn="l" rtl="0">
                         <a:lnSpc>
                           <a:spcPct val="100000"/>
                         </a:lnSpc>
@@ -5269,19 +4506,15 @@
                         </a:spcBef>
                       </a:pPr>
                       <a:r>
-                        <a:rPr lang="en-US" sz="900" spc="0">
+                        <a:rPr lang="es-ES" sz="900">
                           <a:solidFill>
                             <a:srgbClr val="020302"/>
                           </a:solidFill>
                           <a:latin typeface="AdobeClean-Light"/>
                           <a:cs typeface="AdobeClean-Light"/>
                         </a:rPr>
-                        <a:t>Named Support Contacts (per product)</a:t>
+                        <a:t>Contactos de soporte particulares (por producto)</a:t>
                       </a:r>
-                      <a:endParaRPr sz="900" spc="0">
-                        <a:latin typeface="AdobeClean-Light"/>
-                        <a:cs typeface="AdobeClean-Light"/>
-                      </a:endParaRPr>
                     </a:p>
                   </a:txBody>
                   <a:tcPr marL="0" marR="0" marT="57785" marB="0">
@@ -5319,7 +4552,7 @@
                         </a:spcBef>
                       </a:pPr>
                       <a:r>
-                        <a:rPr sz="900">
+                        <a:rPr lang="es-ES" sz="900">
                           <a:solidFill>
                             <a:srgbClr val="020302"/>
                           </a:solidFill>
@@ -5328,10 +4561,6 @@
                         </a:rPr>
                         <a:t>4</a:t>
                       </a:r>
-                      <a:endParaRPr sz="900">
-                        <a:latin typeface="AdobeClean-Light"/>
-                        <a:cs typeface="AdobeClean-Light"/>
-                      </a:endParaRPr>
                     </a:p>
                   </a:txBody>
                   <a:tcPr marL="0" marR="0" marT="57785" marB="0">
@@ -5361,7 +4590,7 @@
                         </a:spcBef>
                       </a:pPr>
                       <a:r>
-                        <a:rPr sz="900">
+                        <a:rPr lang="es-ES" sz="900">
                           <a:solidFill>
                             <a:srgbClr val="020302"/>
                           </a:solidFill>
@@ -5370,10 +4599,6 @@
                         </a:rPr>
                         <a:t>6</a:t>
                       </a:r>
-                      <a:endParaRPr sz="900">
-                        <a:latin typeface="AdobeClean-Light"/>
-                        <a:cs typeface="AdobeClean-Light"/>
-                      </a:endParaRPr>
                     </a:p>
                   </a:txBody>
                   <a:tcPr marL="0" marR="0" marT="57785" marB="0">
@@ -5396,7 +4621,7 @@
                     <a:bodyPr/>
                     <a:lstStyle/>
                     <a:p>
-                      <a:pPr marL="50800">
+                      <a:pPr marL="50800" algn="l" rtl="0">
                         <a:lnSpc>
                           <a:spcPct val="100000"/>
                         </a:lnSpc>
@@ -5445,19 +4670,15 @@
                         </a:spcBef>
                       </a:pPr>
                       <a:r>
-                        <a:rPr lang="en-US" sz="900" spc="0">
+                        <a:rPr lang="es-ES" sz="900">
                           <a:solidFill>
                             <a:srgbClr val="020302"/>
                           </a:solidFill>
                           <a:latin typeface="AdobeClean-Light"/>
                           <a:cs typeface="AdobeClean-Light"/>
                         </a:rPr>
-                        <a:t>Live Telephone Support</a:t>
+                        <a:t>Asistencia telefónica en directo</a:t>
                       </a:r>
-                      <a:endParaRPr sz="900" spc="0">
-                        <a:latin typeface="AdobeClean-Light"/>
-                        <a:cs typeface="AdobeClean-Light"/>
-                      </a:endParaRPr>
                     </a:p>
                   </a:txBody>
                   <a:tcPr marL="0" marR="0" marT="57785" marB="0">
@@ -5480,7 +4701,7 @@
                     <a:bodyPr/>
                     <a:lstStyle/>
                     <a:p>
-                      <a:pPr algn="ctr">
+                      <a:pPr algn="l" rtl="0">
                         <a:lnSpc>
                           <a:spcPct val="100000"/>
                         </a:lnSpc>
@@ -5521,7 +4742,7 @@
                         </a:spcBef>
                       </a:pPr>
                       <a:r>
-                        <a:rPr sz="900">
+                        <a:rPr lang="es-ES" sz="900">
                           <a:solidFill>
                             <a:srgbClr val="020302"/>
                           </a:solidFill>
@@ -5530,10 +4751,6 @@
                         </a:rPr>
                         <a:t></a:t>
                       </a:r>
-                      <a:endParaRPr sz="900">
-                        <a:latin typeface="Wingdings"/>
-                        <a:cs typeface="Wingdings"/>
-                      </a:endParaRPr>
                     </a:p>
                   </a:txBody>
                   <a:tcPr marL="0" marR="0" marT="59054" marB="0">
@@ -5556,7 +4773,7 @@
                     <a:bodyPr/>
                     <a:lstStyle/>
                     <a:p>
-                      <a:pPr marL="50800">
+                      <a:pPr marL="50800" algn="l" rtl="0">
                         <a:lnSpc>
                           <a:spcPct val="100000"/>
                         </a:lnSpc>
@@ -5605,19 +4822,15 @@
                         </a:spcBef>
                       </a:pPr>
                       <a:r>
-                        <a:rPr sz="900" spc="0">
+                        <a:rPr lang="es-ES" sz="900">
                           <a:solidFill>
                             <a:srgbClr val="020302"/>
                           </a:solidFill>
                           <a:latin typeface="AdobeClean-Light"/>
                           <a:cs typeface="AdobeClean-Light"/>
                         </a:rPr>
-                        <a:t>Escalation Management</a:t>
+                        <a:t>Administración de la escalabilidad</a:t>
                       </a:r>
-                      <a:endParaRPr sz="900" spc="0">
-                        <a:latin typeface="AdobeClean-Light"/>
-                        <a:cs typeface="AdobeClean-Light"/>
-                      </a:endParaRPr>
                     </a:p>
                   </a:txBody>
                   <a:tcPr marL="0" marR="0" marT="58419" marB="0">
@@ -5640,7 +4853,7 @@
                     <a:bodyPr/>
                     <a:lstStyle/>
                     <a:p>
-                      <a:pPr algn="ctr">
+                      <a:pPr algn="l" rtl="0">
                         <a:lnSpc>
                           <a:spcPct val="100000"/>
                         </a:lnSpc>
@@ -5681,7 +4894,7 @@
                         </a:spcBef>
                       </a:pPr>
                       <a:r>
-                        <a:rPr sz="900">
+                        <a:rPr lang="es-ES" sz="900">
                           <a:solidFill>
                             <a:srgbClr val="020302"/>
                           </a:solidFill>
@@ -5690,10 +4903,6 @@
                         </a:rPr>
                         <a:t></a:t>
                       </a:r>
-                      <a:endParaRPr sz="900">
-                        <a:latin typeface="Wingdings"/>
-                        <a:cs typeface="Wingdings"/>
-                      </a:endParaRPr>
                     </a:p>
                   </a:txBody>
                   <a:tcPr marL="0" marR="0" marT="59690" marB="0">
@@ -5716,7 +4925,7 @@
                     <a:bodyPr/>
                     <a:lstStyle/>
                     <a:p>
-                      <a:pPr marL="50800">
+                      <a:pPr marL="50800" algn="l" rtl="0">
                         <a:lnSpc>
                           <a:spcPct val="100000"/>
                         </a:lnSpc>
@@ -5765,29 +4974,15 @@
                         </a:spcBef>
                       </a:pPr>
                       <a:r>
-                        <a:rPr sz="900" spc="0">
+                        <a:rPr lang="es-ES" sz="900">
                           <a:solidFill>
                             <a:srgbClr val="020302"/>
                           </a:solidFill>
                           <a:latin typeface="AdobeClean-Light"/>
                           <a:cs typeface="AdobeClean-Light"/>
                         </a:rPr>
-                        <a:t>Service Reviews </a:t>
+                        <a:t>Revisiones de servicio al año</a:t>
                       </a:r>
-                      <a:r>
-                        <a:rPr lang="en-US" sz="900" spc="0">
-                          <a:solidFill>
-                            <a:srgbClr val="020302"/>
-                          </a:solidFill>
-                          <a:latin typeface="AdobeClean-Light"/>
-                          <a:cs typeface="AdobeClean-Light"/>
-                        </a:rPr>
-                        <a:t>per Year</a:t>
-                      </a:r>
-                      <a:endParaRPr sz="900" spc="0">
-                        <a:latin typeface="AdobeClean-Light"/>
-                        <a:cs typeface="AdobeClean-Light"/>
-                      </a:endParaRPr>
                     </a:p>
                   </a:txBody>
                   <a:tcPr marL="0" marR="0" marT="57150" marB="0">
@@ -5810,7 +5005,7 @@
                     <a:bodyPr/>
                     <a:lstStyle/>
                     <a:p>
-                      <a:pPr>
+                      <a:pPr algn="l" rtl="0">
                         <a:lnSpc>
                           <a:spcPct val="100000"/>
                         </a:lnSpc>
@@ -5839,7 +5034,7 @@
                     <a:bodyPr/>
                     <a:lstStyle/>
                     <a:p>
-                      <a:pPr>
+                      <a:pPr algn="l" rtl="0">
                         <a:lnSpc>
                           <a:spcPct val="100000"/>
                         </a:lnSpc>
@@ -5889,16 +5084,12 @@
                         </a:spcBef>
                       </a:pPr>
                       <a:r>
-                        <a:rPr lang="en-US" sz="900" spc="0">
+                        <a:rPr lang="es-ES" sz="900">
                           <a:latin typeface="AdobeClean-Light"/>
                           <a:cs typeface="AdobeClean-Light"/>
                         </a:rPr>
-                        <a:t>Expert Sessions per Year</a:t>
+                        <a:t>Sesiones con expertos al año</a:t>
                       </a:r>
-                      <a:endParaRPr sz="900" spc="0">
-                        <a:latin typeface="AdobeClean-Light"/>
-                        <a:cs typeface="AdobeClean-Light"/>
-                      </a:endParaRPr>
                     </a:p>
                   </a:txBody>
                   <a:tcPr marL="0" marR="0" marT="57150" marB="0">
@@ -5927,7 +5118,7 @@
                     <a:bodyPr/>
                     <a:lstStyle/>
                     <a:p>
-                      <a:pPr>
+                      <a:pPr algn="l" rtl="0">
                         <a:lnSpc>
                           <a:spcPct val="100000"/>
                         </a:lnSpc>
@@ -5956,7 +5147,7 @@
                     <a:bodyPr/>
                     <a:lstStyle/>
                     <a:p>
-                      <a:pPr>
+                      <a:pPr algn="l" rtl="0">
                         <a:lnSpc>
                           <a:spcPct val="100000"/>
                         </a:lnSpc>
@@ -6006,16 +5197,12 @@
                         </a:spcBef>
                       </a:pPr>
                       <a:r>
-                        <a:rPr lang="en-US" sz="900" spc="0">
+                        <a:rPr lang="es-ES" sz="900">
                           <a:latin typeface="AdobeClean-Light"/>
                           <a:cs typeface="AdobeClean-Light"/>
                         </a:rPr>
-                        <a:t>Case Reviews</a:t>
+                        <a:t>Reseñas de casos</a:t>
                       </a:r>
-                      <a:endParaRPr sz="900" spc="0">
-                        <a:latin typeface="AdobeClean-Light"/>
-                        <a:cs typeface="AdobeClean-Light"/>
-                      </a:endParaRPr>
                     </a:p>
                   </a:txBody>
                   <a:tcPr marL="0" marR="0" marT="57150" marB="0">
@@ -6044,7 +5231,7 @@
                     <a:bodyPr/>
                     <a:lstStyle/>
                     <a:p>
-                      <a:pPr>
+                      <a:pPr algn="l" rtl="0">
                         <a:lnSpc>
                           <a:spcPct val="100000"/>
                         </a:lnSpc>
@@ -6073,7 +5260,7 @@
                     <a:bodyPr/>
                     <a:lstStyle/>
                     <a:p>
-                      <a:pPr>
+                      <a:pPr algn="l" rtl="0">
                         <a:lnSpc>
                           <a:spcPct val="100000"/>
                         </a:lnSpc>
@@ -6104,7 +5291,7 @@
                     <a:bodyPr/>
                     <a:lstStyle/>
                     <a:p>
-                      <a:pPr marL="48895">
+                      <a:pPr marL="48895" algn="l" rtl="0">
                         <a:lnSpc>
                           <a:spcPct val="100000"/>
                         </a:lnSpc>
@@ -6162,29 +5349,15 @@
                         </a:spcBef>
                       </a:pPr>
                       <a:r>
-                        <a:rPr sz="900" spc="0">
+                        <a:rPr lang="es-ES" sz="900">
                           <a:solidFill>
                             <a:srgbClr val="020302"/>
                           </a:solidFill>
                           <a:latin typeface="AdobeClean-Light"/>
                           <a:cs typeface="AdobeClean-Light"/>
                         </a:rPr>
-                        <a:t>Event </a:t>
+                        <a:t>Gestión de eventos</a:t>
                       </a:r>
-                      <a:r>
-                        <a:rPr lang="en-US" sz="900" spc="0">
-                          <a:solidFill>
-                            <a:srgbClr val="020302"/>
-                          </a:solidFill>
-                          <a:latin typeface="AdobeClean-Light"/>
-                          <a:cs typeface="AdobeClean-Light"/>
-                        </a:rPr>
-                        <a:t>Management</a:t>
-                      </a:r>
-                      <a:endParaRPr sz="900" spc="0">
-                        <a:latin typeface="AdobeClean-Light"/>
-                        <a:cs typeface="AdobeClean-Light"/>
-                      </a:endParaRPr>
                     </a:p>
                   </a:txBody>
                   <a:tcPr marL="0" marR="0" marT="58419" marB="0">
@@ -6213,7 +5386,7 @@
                     <a:bodyPr/>
                     <a:lstStyle/>
                     <a:p>
-                      <a:pPr>
+                      <a:pPr algn="l" rtl="0">
                         <a:lnSpc>
                           <a:spcPct val="100000"/>
                         </a:lnSpc>
@@ -6242,7 +5415,7 @@
                     <a:bodyPr/>
                     <a:lstStyle/>
                     <a:p>
-                      <a:pPr>
+                      <a:pPr algn="l" rtl="0">
                         <a:lnSpc>
                           <a:spcPct val="100000"/>
                         </a:lnSpc>
@@ -6273,7 +5446,7 @@
                     <a:bodyPr/>
                     <a:lstStyle/>
                     <a:p>
-                      <a:pPr marL="48895">
+                      <a:pPr marL="48895" algn="l" rtl="0">
                         <a:lnSpc>
                           <a:spcPct val="100000"/>
                         </a:lnSpc>
@@ -6322,39 +5495,15 @@
                         </a:spcBef>
                       </a:pPr>
                       <a:r>
-                        <a:rPr sz="900" spc="0">
+                        <a:rPr lang="es-ES" sz="900">
                           <a:solidFill>
                             <a:srgbClr val="020302"/>
                           </a:solidFill>
                           <a:latin typeface="AdobeClean-Light"/>
                           <a:cs typeface="AdobeClean-Light"/>
                         </a:rPr>
-                        <a:t>Environment</a:t>
+                        <a:t>Revisión, mantenimiento y monitorización del entorno</a:t>
                       </a:r>
-                      <a:r>
-                        <a:rPr lang="en-US" sz="900" spc="0">
-                          <a:solidFill>
-                            <a:srgbClr val="020302"/>
-                          </a:solidFill>
-                          <a:latin typeface="AdobeClean-Light"/>
-                          <a:cs typeface="AdobeClean-Light"/>
-                        </a:rPr>
-                        <a:t> </a:t>
-                      </a:r>
-                      <a:r>
-                        <a:rPr sz="900" spc="0">
-                          <a:solidFill>
-                            <a:srgbClr val="020302"/>
-                          </a:solidFill>
-                          <a:latin typeface="AdobeClean-Light"/>
-                          <a:cs typeface="AdobeClean-Light"/>
-                        </a:rPr>
-                        <a:t>Review, Maintenance &amp; Monitoring</a:t>
-                      </a:r>
-                      <a:endParaRPr sz="900" spc="0">
-                        <a:latin typeface="AdobeClean-Light"/>
-                        <a:cs typeface="AdobeClean-Light"/>
-                      </a:endParaRPr>
                     </a:p>
                   </a:txBody>
                   <a:tcPr marL="0" marR="0" marT="59055" marB="0">
@@ -6377,7 +5526,7 @@
                     <a:bodyPr/>
                     <a:lstStyle/>
                     <a:p>
-                      <a:pPr>
+                      <a:pPr algn="l" rtl="0">
                         <a:lnSpc>
                           <a:spcPct val="100000"/>
                         </a:lnSpc>
@@ -6406,7 +5555,7 @@
                     <a:bodyPr/>
                     <a:lstStyle/>
                     <a:p>
-                      <a:pPr>
+                      <a:pPr algn="l" rtl="0">
                         <a:lnSpc>
                           <a:spcPct val="100000"/>
                         </a:lnSpc>
@@ -6437,7 +5586,7 @@
                     <a:bodyPr/>
                     <a:lstStyle/>
                     <a:p>
-                      <a:pPr marL="49530">
+                      <a:pPr marL="49530" algn="l" rtl="0">
                         <a:lnSpc>
                           <a:spcPct val="100000"/>
                         </a:lnSpc>
@@ -6486,19 +5635,34 @@
                         </a:spcBef>
                       </a:pPr>
                       <a:r>
-                        <a:rPr sz="900" spc="0">
+                        <a:rPr lang="es-ES" sz="900" dirty="0">
                           <a:solidFill>
                             <a:srgbClr val="020302"/>
                           </a:solidFill>
                           <a:latin typeface="AdobeClean-Light"/>
                           <a:cs typeface="AdobeClean-Light"/>
                         </a:rPr>
-                        <a:t>Release, Migration, Upgrade &amp; Product Roadmap Review</a:t>
+                        <a:t>Lanzamiento, migración, actualización y revisión </a:t>
                       </a:r>
-                      <a:endParaRPr sz="900" spc="0">
-                        <a:latin typeface="AdobeClean-Light"/>
-                        <a:cs typeface="AdobeClean-Light"/>
-                      </a:endParaRPr>
+                      <a:br>
+                        <a:rPr lang="es-ES" sz="900" dirty="0">
+                          <a:solidFill>
+                            <a:srgbClr val="020302"/>
+                          </a:solidFill>
+                          <a:latin typeface="AdobeClean-Light"/>
+                          <a:cs typeface="AdobeClean-Light"/>
+                        </a:rPr>
+                      </a:br>
+                      <a:r>
+                        <a:rPr lang="es-ES" sz="900" dirty="0">
+                          <a:solidFill>
+                            <a:srgbClr val="020302"/>
+                          </a:solidFill>
+                          <a:latin typeface="AdobeClean-Light"/>
+                          <a:cs typeface="AdobeClean-Light"/>
+                        </a:rPr>
+                        <a:t>de la hoja de ruta del producto</a:t>
+                      </a:r>
                     </a:p>
                   </a:txBody>
                   <a:tcPr marL="0" marR="0" marT="63500" marB="0">
@@ -6521,7 +5685,7 @@
                     <a:bodyPr/>
                     <a:lstStyle/>
                     <a:p>
-                      <a:pPr>
+                      <a:pPr algn="l" rtl="0">
                         <a:lnSpc>
                           <a:spcPct val="100000"/>
                         </a:lnSpc>
@@ -6550,7 +5714,7 @@
                     <a:bodyPr/>
                     <a:lstStyle/>
                     <a:p>
-                      <a:pPr>
+                      <a:pPr algn="l" rtl="0">
                         <a:lnSpc>
                           <a:spcPct val="100000"/>
                         </a:lnSpc>
@@ -6581,7 +5745,7 @@
                     <a:bodyPr/>
                     <a:lstStyle/>
                     <a:p>
-                      <a:pPr marL="49530">
+                      <a:pPr marL="49530" algn="l" rtl="0">
                         <a:lnSpc>
                           <a:spcPct val="100000"/>
                         </a:lnSpc>
@@ -6639,11 +5803,11 @@
                         </a:spcBef>
                       </a:pPr>
                       <a:r>
-                        <a:rPr sz="900" spc="0">
+                        <a:rPr lang="es-ES" sz="900">
                           <a:latin typeface="AdobeClean-Light"/>
                           <a:cs typeface="AdobeClean-Light"/>
                         </a:rPr>
-                        <a:t>Cloud Support Activities – Experience Manager as Cloud</a:t>
+                        <a:t>Actividades de asistencia en la nube: Experience Manager as Cloud</a:t>
                       </a:r>
                     </a:p>
                   </a:txBody>
@@ -6673,7 +5837,7 @@
                     <a:bodyPr/>
                     <a:lstStyle/>
                     <a:p>
-                      <a:pPr>
+                      <a:pPr algn="l" rtl="0">
                         <a:lnSpc>
                           <a:spcPct val="100000"/>
                         </a:lnSpc>
@@ -6711,7 +5875,7 @@
                     <a:bodyPr/>
                     <a:lstStyle/>
                     <a:p>
-                      <a:pPr>
+                      <a:pPr algn="l" rtl="0">
                         <a:lnSpc>
                           <a:spcPct val="100000"/>
                         </a:lnSpc>
@@ -6760,22 +5924,15 @@
                         </a:spcBef>
                       </a:pPr>
                       <a:r>
-                        <a:rPr lang="en-US" sz="1000" b="1" i="0" spc="0">
+                        <a:rPr lang="es-ES" sz="1000" b="1" i="0">
                           <a:solidFill>
                             <a:schemeClr val="bg1"/>
                           </a:solidFill>
                           <a:latin typeface="Adobe Clean" panose="020B0503020404020204" pitchFamily="34" charset="0"/>
                           <a:cs typeface="AdobeClean-Light"/>
                         </a:rPr>
-                        <a:t>Field Services</a:t>
+                        <a:t>Servicios de campo</a:t>
                       </a:r>
-                      <a:endParaRPr sz="1000" b="1" i="0" spc="0">
-                        <a:solidFill>
-                          <a:schemeClr val="bg1"/>
-                        </a:solidFill>
-                        <a:latin typeface="Adobe Clean" panose="020B0503020404020204" pitchFamily="34" charset="0"/>
-                        <a:cs typeface="AdobeClean-Light"/>
-                      </a:endParaRPr>
                     </a:p>
                   </a:txBody>
                   <a:tcPr marL="0" marR="0" marT="48260" marB="0" anchor="ctr">
@@ -6828,19 +5985,15 @@
                         </a:spcBef>
                       </a:pPr>
                       <a:r>
-                        <a:rPr sz="900" spc="0">
+                        <a:rPr lang="es-ES" sz="900">
                           <a:solidFill>
                             <a:srgbClr val="020302"/>
                           </a:solidFill>
                           <a:latin typeface="AdobeClean-Light"/>
                           <a:cs typeface="AdobeClean-Light"/>
                         </a:rPr>
-                        <a:t>Launch Advisory Services – First Year of new solution</a:t>
+                        <a:t>Servicios de Launch Advisory: primer año de la nueva solución</a:t>
                       </a:r>
-                      <a:endParaRPr sz="900" spc="0">
-                        <a:latin typeface="AdobeClean-Light"/>
-                        <a:cs typeface="AdobeClean-Light"/>
-                      </a:endParaRPr>
                     </a:p>
                     <a:p>
                       <a:pPr marL="48260" hangingPunct="0">
@@ -6852,11 +6005,11 @@
                         </a:spcBef>
                       </a:pPr>
                       <a:r>
-                        <a:rPr sz="900" spc="0">
+                        <a:rPr lang="es-ES" sz="900">
                           <a:latin typeface="AdobeClean-Light"/>
                           <a:cs typeface="AdobeClean-Light"/>
                         </a:rPr>
-                        <a:t>Field Service Activities </a:t>
+                        <a:t>Actividades del servicio de campo </a:t>
                       </a:r>
                     </a:p>
                   </a:txBody>
@@ -6892,7 +6045,7 @@
                     <a:bodyPr/>
                     <a:lstStyle/>
                     <a:p>
-                      <a:pPr>
+                      <a:pPr algn="l" rtl="0">
                         <a:lnSpc>
                           <a:spcPct val="100000"/>
                         </a:lnSpc>
@@ -6930,7 +6083,7 @@
                     <a:bodyPr/>
                     <a:lstStyle/>
                     <a:p>
-                      <a:pPr>
+                      <a:pPr algn="l" rtl="0">
                         <a:lnSpc>
                           <a:spcPct val="100000"/>
                         </a:lnSpc>
@@ -7015,7 +6168,7 @@
                     <a:bodyPr/>
                     <a:lstStyle/>
                     <a:p>
-                      <a:pPr>
+                      <a:pPr algn="l" rtl="0">
                         <a:lnSpc>
                           <a:spcPct val="100000"/>
                         </a:lnSpc>
@@ -7041,12 +6194,12 @@
                     <a:bodyPr/>
                     <a:lstStyle/>
                     <a:p>
-                      <a:pPr>
+                      <a:pPr algn="l" rtl="0">
                         <a:lnSpc>
                           <a:spcPct val="100000"/>
                         </a:lnSpc>
                       </a:pPr>
-                      <a:endParaRPr sz="900">
+                      <a:endParaRPr sz="900" dirty="0">
                         <a:latin typeface="Times New Roman"/>
                         <a:cs typeface="Times New Roman"/>
                       </a:endParaRPr>
@@ -7105,7 +6258,7 @@
           <a:lstStyle/>
           <a:p>
             <a:r>
-              <a:rPr lang="en-US" sz="700" i="1">
+              <a:rPr lang="es-ES" sz="700" i="1">
                 <a:solidFill>
                   <a:schemeClr val="bg1"/>
                 </a:solidFill>
@@ -7286,8 +6439,8 @@
         </p:nvSpPr>
         <p:spPr>
           <a:xfrm>
-            <a:off x="370040" y="1409311"/>
-            <a:ext cx="2286000" cy="1289969"/>
+            <a:off x="370040" y="1504489"/>
+            <a:ext cx="2286000" cy="1458926"/>
           </a:xfrm>
           <a:prstGeom prst="rect">
             <a:avLst/>
@@ -7308,18 +6461,31 @@
               </a:spcBef>
             </a:pPr>
             <a:r>
-              <a:rPr lang="en-US" sz="1000">
+              <a:rPr lang="es-ES" sz="1000" dirty="0">
                 <a:solidFill>
                   <a:srgbClr val="000000"/>
                 </a:solidFill>
                 <a:latin typeface="Adobe Clean Light" panose="020B0303020404020204" pitchFamily="34" charset="0"/>
               </a:rPr>
-              <a:t>A designated Account Support Lead to proactively monitor cases, drive cross-team collaboration, deliver onboarding webinars, run service reports, provide non-technical support assistance, and function as your escalation point and internal advocate within Adobe Support.</a:t>
+              <a:t>Un responsable de la asistencia técnica de </a:t>
             </a:r>
-            <a:endParaRPr lang="en-US" sz="1000">
-              <a:latin typeface="Adobe Clean Light" panose="020B0303020404020204" pitchFamily="34" charset="0"/>
-              <a:cs typeface="AdobeClean-Light"/>
-            </a:endParaRPr>
+            <a:br>
+              <a:rPr lang="es-ES" sz="1000" dirty="0">
+                <a:solidFill>
+                  <a:srgbClr val="000000"/>
+                </a:solidFill>
+                <a:latin typeface="Adobe Clean Light" panose="020B0303020404020204" pitchFamily="34" charset="0"/>
+              </a:rPr>
+            </a:br>
+            <a:r>
+              <a:rPr lang="es-ES" sz="1000" dirty="0">
+                <a:solidFill>
+                  <a:srgbClr val="000000"/>
+                </a:solidFill>
+                <a:latin typeface="Adobe Clean Light" panose="020B0303020404020204" pitchFamily="34" charset="0"/>
+              </a:rPr>
+              <a:t>la cuenta particular para monitorizar de forma proactiva los casos, impulsar la colaboración entre equipos, ofrecer seminarios web de incorporación, ejecutar informes de servicios, proporcionar asistencia no técnica, y actuar como punto de escalación y defensor interno dentro del equipo de asistencia de Adobe.</a:t>
+            </a:r>
           </a:p>
         </p:txBody>
       </p:sp>
@@ -7331,8 +6497,8 @@
         </p:nvSpPr>
         <p:spPr>
           <a:xfrm>
-            <a:off x="2836967" y="8618616"/>
-            <a:ext cx="2286000" cy="641201"/>
+            <a:off x="2680855" y="8551823"/>
+            <a:ext cx="2488440" cy="641201"/>
           </a:xfrm>
           <a:prstGeom prst="rect">
             <a:avLst/>
@@ -7356,44 +6522,14 @@
               </a:tabLst>
             </a:pPr>
             <a:r>
-              <a:rPr sz="1000">
+              <a:rPr lang="es-ES" sz="1000" dirty="0">
                 <a:solidFill>
                   <a:srgbClr val="020302"/>
                 </a:solidFill>
                 <a:latin typeface="AdobeClean-Light"/>
                 <a:cs typeface="AdobeClean-Light"/>
               </a:rPr>
-              <a:t>Start a chat session to get answers</a:t>
-            </a:r>
-            <a:r>
-              <a:rPr lang="en-US" sz="1000">
-                <a:solidFill>
-                  <a:srgbClr val="020302"/>
-                </a:solidFill>
-                <a:latin typeface="AdobeClean-Light"/>
-                <a:cs typeface="AdobeClean-Light"/>
-              </a:rPr>
-              <a:t> &amp; </a:t>
-            </a:r>
-            <a:r>
-              <a:rPr sz="1000">
-                <a:solidFill>
-                  <a:srgbClr val="020302"/>
-                </a:solidFill>
-                <a:latin typeface="AdobeClean-Light"/>
-                <a:cs typeface="AdobeClean-Light"/>
-              </a:rPr>
-              <a:t>help with case submission</a:t>
-            </a:r>
-            <a:r>
-              <a:rPr lang="en-US" sz="1000">
-                <a:solidFill>
-                  <a:srgbClr val="020302"/>
-                </a:solidFill>
-                <a:latin typeface="AdobeClean-Light"/>
-                <a:cs typeface="AdobeClean-Light"/>
-              </a:rPr>
-              <a:t>.</a:t>
+              <a:t>Inicie una sesión de chat para obtener respuestas y ayuda con el envío de casos.</a:t>
             </a:r>
           </a:p>
           <a:p>
@@ -7406,39 +6542,25 @@
               </a:tabLst>
             </a:pPr>
             <a:r>
-              <a:rPr sz="1000" i="1">
+              <a:rPr lang="es-ES" sz="1000" i="1" dirty="0">
                 <a:solidFill>
                   <a:srgbClr val="7A7A7A"/>
                 </a:solidFill>
                 <a:latin typeface="AdobeClean-LightIt"/>
                 <a:cs typeface="AdobeClean-LightIt"/>
               </a:rPr>
-              <a:t>*Not all products have live chat support</a:t>
+              <a:t>* No todos los productos ofrecen la opción de disfrutar de asistencia mediante chat en directo</a:t>
             </a:r>
             <a:r>
-              <a:rPr sz="900" i="1">
+              <a:rPr lang="es-ES" sz="900" i="1" dirty="0">
                 <a:solidFill>
                   <a:srgbClr val="7A7A7A"/>
                 </a:solidFill>
                 <a:latin typeface="AdobeClean-LightIt"/>
                 <a:cs typeface="AdobeClean-LightIt"/>
               </a:rPr>
-              <a:t>.</a:t>
+              <a:t>.  </a:t>
             </a:r>
-            <a:r>
-              <a:rPr lang="en-US" sz="900" i="1">
-                <a:solidFill>
-                  <a:srgbClr val="7A7A7A"/>
-                </a:solidFill>
-                <a:latin typeface="AdobeClean-LightIt"/>
-                <a:cs typeface="AdobeClean-LightIt"/>
-              </a:rPr>
-              <a:t>  </a:t>
-            </a:r>
-            <a:endParaRPr sz="900">
-              <a:latin typeface="AdobeClean-Light"/>
-              <a:cs typeface="AdobeClean-Light"/>
-            </a:endParaRPr>
           </a:p>
         </p:txBody>
       </p:sp>
@@ -7487,7 +6609,7 @@
         </p:nvSpPr>
         <p:spPr>
           <a:xfrm>
-            <a:off x="838200" y="6046398"/>
+            <a:off x="838200" y="5939387"/>
             <a:ext cx="1568246" cy="184666"/>
           </a:xfrm>
           <a:prstGeom prst="rect">
@@ -7514,12 +6636,12 @@
               <a:defRPr/>
             </a:pPr>
             <a:r>
-              <a:rPr lang="en-US" sz="1200">
+              <a:rPr lang="es-ES" sz="1200">
                 <a:solidFill>
                   <a:srgbClr val="000000"/>
                 </a:solidFill>
               </a:rPr>
-              <a:t>Community Forums</a:t>
+              <a:t>Foros de la comunidad</a:t>
             </a:r>
           </a:p>
         </p:txBody>
@@ -7540,7 +6662,7 @@
         </p:nvSpPr>
         <p:spPr>
           <a:xfrm>
-            <a:off x="838200" y="6277305"/>
+            <a:off x="838200" y="6170294"/>
             <a:ext cx="959314" cy="184666"/>
           </a:xfrm>
           <a:prstGeom prst="rect">
@@ -7562,12 +6684,12 @@
               </a:spcAft>
             </a:pPr>
             <a:r>
-              <a:rPr lang="en-US" sz="1200" b="1">
+              <a:rPr lang="es-ES" sz="1200" b="1">
                 <a:latin typeface="+mj-lt"/>
                 <a:ea typeface="Open Sans" pitchFamily="34" charset="0"/>
                 <a:cs typeface="Open Sans" pitchFamily="34" charset="0"/>
               </a:rPr>
-              <a:t>Online Forums</a:t>
+              <a:t>Foros en línea</a:t>
             </a:r>
           </a:p>
         </p:txBody>
@@ -7586,8 +6708,8 @@
         </p:nvSpPr>
         <p:spPr>
           <a:xfrm>
-            <a:off x="370040" y="6529249"/>
-            <a:ext cx="2286000" cy="805349"/>
+            <a:off x="370040" y="6422238"/>
+            <a:ext cx="2233067" cy="1113125"/>
           </a:xfrm>
           <a:prstGeom prst="rect">
             <a:avLst/>
@@ -7600,13 +6722,47 @@
           <a:lstStyle/>
           <a:p>
             <a:r>
-              <a:rPr lang="en-US" sz="1000">
+              <a:rPr lang="es-ES" sz="1000" dirty="0">
                 <a:solidFill>
                   <a:srgbClr val="000000"/>
                 </a:solidFill>
                 <a:latin typeface="Adobe Clean Light" panose="020B0303020404020204" pitchFamily="34" charset="0"/>
               </a:rPr>
-              <a:t>Continuous online access to a growing database of technical solutions, product documentation, FAQs and more. Thousands of customers can connect to share best practices and lessons learned.</a:t>
+              <a:t>Acceso continuo en línea a una base </a:t>
+            </a:r>
+            <a:br>
+              <a:rPr lang="es-ES" sz="1000" dirty="0">
+                <a:solidFill>
+                  <a:srgbClr val="000000"/>
+                </a:solidFill>
+                <a:latin typeface="Adobe Clean Light" panose="020B0303020404020204" pitchFamily="34" charset="0"/>
+              </a:rPr>
+            </a:br>
+            <a:r>
+              <a:rPr lang="es-ES" sz="1000" dirty="0">
+                <a:solidFill>
+                  <a:srgbClr val="000000"/>
+                </a:solidFill>
+                <a:latin typeface="Adobe Clean Light" panose="020B0303020404020204" pitchFamily="34" charset="0"/>
+              </a:rPr>
+              <a:t>de datos donde encontrará cada vez más soluciones técnicas, documentación de productos, preguntas frecuentes y mucho más. Miles de clientes se pueden conectar para compartir las prácticas recomendadas </a:t>
+            </a:r>
+            <a:br>
+              <a:rPr lang="es-ES" sz="1000" dirty="0">
+                <a:solidFill>
+                  <a:srgbClr val="000000"/>
+                </a:solidFill>
+                <a:latin typeface="Adobe Clean Light" panose="020B0303020404020204" pitchFamily="34" charset="0"/>
+              </a:rPr>
+            </a:br>
+            <a:r>
+              <a:rPr lang="es-ES" sz="1000" dirty="0">
+                <a:solidFill>
+                  <a:srgbClr val="000000"/>
+                </a:solidFill>
+                <a:latin typeface="Adobe Clean Light" panose="020B0303020404020204" pitchFamily="34" charset="0"/>
+              </a:rPr>
+              <a:t>y las lecciones aprendidas.</a:t>
             </a:r>
           </a:p>
         </p:txBody>
@@ -7627,7 +6783,7 @@
         </p:nvSpPr>
         <p:spPr>
           <a:xfrm>
-            <a:off x="5851290" y="6277305"/>
+            <a:off x="5786661" y="6170294"/>
             <a:ext cx="1316707" cy="184666"/>
           </a:xfrm>
           <a:prstGeom prst="rect">
@@ -7649,12 +6805,12 @@
               </a:spcAft>
             </a:pPr>
             <a:r>
-              <a:rPr lang="en-US" sz="1200" b="1">
+              <a:rPr lang="es-ES" sz="1200" b="1">
                 <a:latin typeface="+mj-lt"/>
                 <a:ea typeface="Open Sans" pitchFamily="34" charset="0"/>
                 <a:cs typeface="Open Sans" pitchFamily="34" charset="0"/>
               </a:rPr>
-              <a:t>Self-guided Journeys</a:t>
+              <a:t>Recorridos autoguiados</a:t>
             </a:r>
           </a:p>
         </p:txBody>
@@ -7673,8 +6829,8 @@
         </p:nvSpPr>
         <p:spPr>
           <a:xfrm>
-            <a:off x="5376301" y="6529249"/>
-            <a:ext cx="2286000" cy="959237"/>
+            <a:off x="5311672" y="6422238"/>
+            <a:ext cx="2224649" cy="1267014"/>
           </a:xfrm>
           <a:prstGeom prst="rect">
             <a:avLst/>
@@ -7687,13 +6843,67 @@
           <a:lstStyle/>
           <a:p>
             <a:r>
-              <a:rPr lang="en-US" sz="1000">
+              <a:rPr lang="es-ES" sz="1000" dirty="0">
                 <a:solidFill>
                   <a:srgbClr val="000000"/>
                 </a:solidFill>
                 <a:latin typeface="Adobe Clean Light" panose="020B0303020404020204" pitchFamily="34" charset="0"/>
               </a:rPr>
-              <a:t>Experience Makers are made with Experience League. Customers can kickstart their Customer Experience Management abilities with personalized learning to develop skills, engage with a global community of peers, and earn career advancing recognition.</a:t>
+              <a:t>Los </a:t>
+            </a:r>
+            <a:r>
+              <a:rPr lang="es-ES" sz="1000" dirty="0" err="1">
+                <a:solidFill>
+                  <a:srgbClr val="000000"/>
+                </a:solidFill>
+                <a:latin typeface="Adobe Clean Light" panose="020B0303020404020204" pitchFamily="34" charset="0"/>
+              </a:rPr>
+              <a:t>experience</a:t>
+            </a:r>
+            <a:r>
+              <a:rPr lang="es-ES" sz="1000" dirty="0">
+                <a:solidFill>
+                  <a:srgbClr val="000000"/>
+                </a:solidFill>
+                <a:latin typeface="Adobe Clean Light" panose="020B0303020404020204" pitchFamily="34" charset="0"/>
+              </a:rPr>
+              <a:t> </a:t>
+            </a:r>
+            <a:r>
+              <a:rPr lang="es-ES" sz="1000" dirty="0" err="1">
+                <a:solidFill>
+                  <a:srgbClr val="000000"/>
+                </a:solidFill>
+                <a:latin typeface="Adobe Clean Light" panose="020B0303020404020204" pitchFamily="34" charset="0"/>
+              </a:rPr>
+              <a:t>makers</a:t>
+            </a:r>
+            <a:r>
+              <a:rPr lang="es-ES" sz="1000" dirty="0">
+                <a:solidFill>
+                  <a:srgbClr val="000000"/>
+                </a:solidFill>
+                <a:latin typeface="Adobe Clean Light" panose="020B0303020404020204" pitchFamily="34" charset="0"/>
+              </a:rPr>
+              <a:t> se realizan con </a:t>
+            </a:r>
+            <a:r>
+              <a:rPr lang="es-ES" sz="1000" dirty="0" err="1">
+                <a:solidFill>
+                  <a:srgbClr val="000000"/>
+                </a:solidFill>
+                <a:latin typeface="Adobe Clean Light" panose="020B0303020404020204" pitchFamily="34" charset="0"/>
+              </a:rPr>
+              <a:t>Experience</a:t>
+            </a:r>
+            <a:r>
+              <a:rPr lang="es-ES" sz="1000" dirty="0">
+                <a:solidFill>
+                  <a:srgbClr val="000000"/>
+                </a:solidFill>
+                <a:latin typeface="Adobe Clean Light" panose="020B0303020404020204" pitchFamily="34" charset="0"/>
+              </a:rPr>
+              <a:t> League. Los clientes pueden aplicar sus conocimientos de administración de la experiencia del cliente con aprendizaje personalizado para desarrollar habilidades, interactuar con la comunidad internacional de compañeros y obtener reconocimiento en su trayectoria profesional.</a:t>
             </a:r>
           </a:p>
         </p:txBody>
@@ -7714,7 +6924,7 @@
         </p:nvSpPr>
         <p:spPr>
           <a:xfrm>
-            <a:off x="3215895" y="8150141"/>
+            <a:off x="3059783" y="8083348"/>
             <a:ext cx="2520000" cy="184666"/>
           </a:xfrm>
           <a:prstGeom prst="rect">
@@ -7741,12 +6951,12 @@
               <a:defRPr/>
             </a:pPr>
             <a:r>
-              <a:rPr lang="en-US" sz="1200">
+              <a:rPr lang="es-ES" sz="1200" dirty="0">
                 <a:solidFill>
                   <a:srgbClr val="000000"/>
                 </a:solidFill>
               </a:rPr>
-              <a:t>Live Chat  Support*</a:t>
+              <a:t>Asistencia mediante chat en directo*</a:t>
             </a:r>
           </a:p>
         </p:txBody>
@@ -7767,7 +6977,7 @@
         </p:nvSpPr>
         <p:spPr>
           <a:xfrm>
-            <a:off x="3198434" y="8373543"/>
+            <a:off x="3042322" y="8306750"/>
             <a:ext cx="840166" cy="184666"/>
           </a:xfrm>
           <a:prstGeom prst="rect">
@@ -7789,12 +6999,12 @@
               </a:spcAft>
             </a:pPr>
             <a:r>
-              <a:rPr lang="en-US" sz="1200" b="1">
+              <a:rPr lang="es-ES" sz="1200" b="1">
                 <a:latin typeface="+mj-lt"/>
                 <a:ea typeface="Open Sans" pitchFamily="34" charset="0"/>
                 <a:cs typeface="Open Sans" pitchFamily="34" charset="0"/>
               </a:rPr>
-              <a:t>Chat Support</a:t>
+              <a:t>Asistencia mediante chat</a:t>
             </a:r>
           </a:p>
         </p:txBody>
@@ -7815,7 +7025,7 @@
         </p:nvSpPr>
         <p:spPr>
           <a:xfrm>
-            <a:off x="3290772" y="6046398"/>
+            <a:off x="3226143" y="5939387"/>
             <a:ext cx="2520000" cy="184666"/>
           </a:xfrm>
           <a:prstGeom prst="rect">
@@ -7842,12 +7052,12 @@
               <a:defRPr/>
             </a:pPr>
             <a:r>
-              <a:rPr lang="en-US" sz="1200">
+              <a:rPr lang="es-ES" sz="1200">
                 <a:solidFill>
                   <a:srgbClr val="000000"/>
                 </a:solidFill>
               </a:rPr>
-              <a:t>24X7 P1 </a:t>
+              <a:t>24/7 P1 </a:t>
             </a:r>
           </a:p>
         </p:txBody>
@@ -7868,7 +7078,7 @@
         </p:nvSpPr>
         <p:spPr>
           <a:xfrm>
-            <a:off x="3276600" y="6277305"/>
+            <a:off x="3211971" y="6170294"/>
             <a:ext cx="992259" cy="184666"/>
           </a:xfrm>
           <a:prstGeom prst="rect">
@@ -7890,12 +7100,12 @@
               </a:spcAft>
             </a:pPr>
             <a:r>
-              <a:rPr lang="en-US" sz="1200" b="1">
+              <a:rPr lang="es-ES" sz="1200" b="1">
                 <a:latin typeface="+mj-lt"/>
                 <a:ea typeface="Open Sans" pitchFamily="34" charset="0"/>
                 <a:cs typeface="Open Sans" pitchFamily="34" charset="0"/>
               </a:rPr>
-              <a:t>Phone Support</a:t>
+              <a:t>Asistencia telefónica</a:t>
             </a:r>
           </a:p>
         </p:txBody>
@@ -7914,8 +7124,8 @@
         </p:nvSpPr>
         <p:spPr>
           <a:xfrm>
-            <a:off x="2836967" y="6529249"/>
-            <a:ext cx="2286000" cy="805349"/>
+            <a:off x="2772338" y="6422238"/>
+            <a:ext cx="2286000" cy="959237"/>
           </a:xfrm>
           <a:prstGeom prst="rect">
             <a:avLst/>
@@ -7928,26 +7138,37 @@
           <a:lstStyle/>
           <a:p>
             <a:r>
-              <a:rPr lang="en-US" sz="1000">
+              <a:rPr lang="es-ES" sz="1000" dirty="0">
                 <a:solidFill>
                   <a:srgbClr val="020302"/>
                 </a:solidFill>
                 <a:latin typeface="AdobeClean-Light"/>
               </a:rPr>
-              <a:t>Authorized users or Named Support Contacts </a:t>
+              <a:t>Los usuarios autorizados o los contactos </a:t>
+            </a:r>
+            <a:br>
+              <a:rPr lang="es-ES" sz="1000" dirty="0">
+                <a:solidFill>
+                  <a:srgbClr val="020302"/>
+                </a:solidFill>
+                <a:latin typeface="AdobeClean-Light"/>
+              </a:rPr>
+            </a:br>
+            <a:r>
+              <a:rPr lang="es-ES" sz="1000" dirty="0">
+                <a:solidFill>
+                  <a:srgbClr val="020302"/>
+                </a:solidFill>
+                <a:latin typeface="AdobeClean-Light"/>
+              </a:rPr>
+              <a:t>de soporte particulares</a:t>
             </a:r>
             <a:r>
-              <a:rPr lang="en-US" sz="1000">
+              <a:rPr lang="es-ES" sz="1000" dirty="0">
                 <a:latin typeface="Adobe Clean Light" panose="020B0303020404020204" pitchFamily="34" charset="0"/>
               </a:rPr>
-              <a:t>can submit issues through all available  channels (including phone for P1) and interact with our technical support team on behalf of your company. </a:t>
+              <a:t> pueden enviar problemas a través de todos los canales disponibles (incluido el teléfono en el caso de los problemas P1) y hablar con nuestro equipo de asistencia en nombre de su empresa. </a:t>
             </a:r>
-            <a:endParaRPr lang="en-US" sz="1000">
-              <a:solidFill>
-                <a:srgbClr val="000000"/>
-              </a:solidFill>
-              <a:latin typeface="Adobe Clean Light" panose="020B0303020404020204" pitchFamily="34" charset="0"/>
-            </a:endParaRPr>
           </a:p>
         </p:txBody>
       </p:sp>
@@ -7991,24 +7212,8 @@
               </a:spcBef>
             </a:pPr>
             <a:r>
-              <a:rPr spc="-5"/>
-              <a:t>©202</a:t>
-            </a:r>
-            <a:r>
-              <a:rPr lang="en-US" spc="-5"/>
-              <a:t>1</a:t>
-            </a:r>
-            <a:r>
-              <a:rPr spc="-5"/>
-              <a:t> Adobe. All Rights Reserved. Adobe</a:t>
-            </a:r>
-            <a:r>
-              <a:rPr spc="60"/>
-              <a:t> </a:t>
-            </a:r>
-            <a:r>
-              <a:rPr spc="-5"/>
-              <a:t>Confidential.</a:t>
+              <a:rPr lang="es-ES"/>
+              <a:t>©2021 Adobe. All Rights Reserved. Adobe Confidential.</a:t>
             </a:r>
           </a:p>
         </p:txBody>
@@ -8030,7 +7235,7 @@
         <p:spPr>
           <a:xfrm>
             <a:off x="821898" y="1099315"/>
-            <a:ext cx="1726164" cy="184666"/>
+            <a:ext cx="2020934" cy="369332"/>
           </a:xfrm>
           <a:prstGeom prst="rect">
             <a:avLst/>
@@ -8051,13 +7256,13 @@
               </a:spcAft>
             </a:pPr>
             <a:r>
-              <a:rPr lang="en-US" sz="1200" b="1" spc="-10">
+              <a:rPr lang="es-ES" sz="1200" b="1" dirty="0">
                 <a:solidFill>
                   <a:srgbClr val="020302"/>
                 </a:solidFill>
                 <a:latin typeface="+mj-lt"/>
               </a:rPr>
-              <a:t>Account Support Lead</a:t>
+              <a:t>Responsable de la asistencia técnica de la cuenta</a:t>
             </a:r>
           </a:p>
         </p:txBody>
@@ -8076,8 +7281,8 @@
         </p:nvSpPr>
         <p:spPr>
           <a:xfrm>
-            <a:off x="401995" y="5785009"/>
-            <a:ext cx="1848207" cy="45719"/>
+            <a:off x="401995" y="5677998"/>
+            <a:ext cx="2168290" cy="45719"/>
           </a:xfrm>
           <a:custGeom>
             <a:avLst/>
@@ -8124,7 +7329,7 @@
         </p:nvSpPr>
         <p:spPr>
           <a:xfrm>
-            <a:off x="318713" y="5432541"/>
+            <a:off x="318713" y="5325530"/>
             <a:ext cx="2006640" cy="307777"/>
           </a:xfrm>
           <a:prstGeom prst="rect">
@@ -8146,19 +7351,15 @@
               </a:spcBef>
             </a:pPr>
             <a:r>
-              <a:rPr lang="en-US" sz="1400" b="1" spc="-10">
+              <a:rPr lang="es-ES" sz="1400" b="1">
                 <a:solidFill>
                   <a:srgbClr val="020302"/>
                 </a:solidFill>
                 <a:latin typeface="Adobe Clean"/>
                 <a:cs typeface="Adobe Clean"/>
               </a:rPr>
-              <a:t>Online Support Features</a:t>
+              <a:t>Funciones de soporte Online</a:t>
             </a:r>
-            <a:endParaRPr lang="en-US" sz="1400">
-              <a:latin typeface="Adobe Clean"/>
-              <a:cs typeface="Adobe Clean"/>
-            </a:endParaRPr>
           </a:p>
         </p:txBody>
       </p:sp>
@@ -8176,8 +7377,8 @@
         </p:nvSpPr>
         <p:spPr>
           <a:xfrm>
-            <a:off x="384421" y="774495"/>
-            <a:ext cx="2011680" cy="0"/>
+            <a:off x="384420" y="774494"/>
+            <a:ext cx="2253675" cy="109101"/>
           </a:xfrm>
           <a:custGeom>
             <a:avLst/>
@@ -8246,19 +7447,15 @@
               </a:spcBef>
             </a:pPr>
             <a:r>
-              <a:rPr lang="en-US" sz="1400" b="1" spc="-10">
+              <a:rPr lang="es-ES" sz="1400" b="1">
                 <a:solidFill>
                   <a:srgbClr val="020302"/>
                 </a:solidFill>
                 <a:latin typeface="Adobe Clean"/>
                 <a:cs typeface="Adobe Clean"/>
               </a:rPr>
-              <a:t>Business  Support Features</a:t>
+              <a:t>Funciones de soporte Business</a:t>
             </a:r>
-            <a:endParaRPr lang="en-US" sz="1400">
-              <a:latin typeface="Adobe Clean"/>
-              <a:cs typeface="Adobe Clean"/>
-            </a:endParaRPr>
           </a:p>
         </p:txBody>
       </p:sp>
@@ -8276,8 +7473,8 @@
         </p:nvSpPr>
         <p:spPr>
           <a:xfrm>
-            <a:off x="2836967" y="1370913"/>
-            <a:ext cx="2286000" cy="1456681"/>
+            <a:off x="2836966" y="1466091"/>
+            <a:ext cx="2535941" cy="1817998"/>
           </a:xfrm>
           <a:prstGeom prst="rect">
             <a:avLst/>
@@ -8298,15 +7495,66 @@
               </a:spcBef>
             </a:pPr>
             <a:r>
-              <a:rPr lang="en-US" sz="1000">
+              <a:rPr lang="es-ES" sz="1000" dirty="0">
                 <a:latin typeface="Adobe Clean Light" panose="020B0303020404020204" pitchFamily="34" charset="0"/>
               </a:rPr>
-              <a:t>Customers can submit support cases via Phone for all P2, P3, P4 issues during regional support hours. There are no upper limits on the number of times you can call into support. Customers can also request a call back from support or request a meeting to demonstrate or work through an issue using a shared remote desktop session.</a:t>
+              <a:t>Los clientes pueden enviar casos de asistencia</a:t>
             </a:r>
-            <a:endParaRPr lang="en-US" sz="1000">
-              <a:latin typeface="Adobe Clean Light" panose="020B0303020404020204" pitchFamily="34" charset="0"/>
-              <a:cs typeface="AdobeClean-Light"/>
-            </a:endParaRPr>
+            <a:br>
+              <a:rPr lang="es-ES" sz="1000" dirty="0">
+                <a:latin typeface="Adobe Clean Light" panose="020B0303020404020204" pitchFamily="34" charset="0"/>
+              </a:rPr>
+            </a:br>
+            <a:r>
+              <a:rPr lang="es-ES" sz="1000" dirty="0">
+                <a:latin typeface="Adobe Clean Light" panose="020B0303020404020204" pitchFamily="34" charset="0"/>
+              </a:rPr>
+              <a:t>por teléfono en lo relacionado con todos los problemas P2, P3 y P4 durante el horario de asistencia regional. No existen límites máximos </a:t>
+            </a:r>
+            <a:br>
+              <a:rPr lang="es-ES" sz="1000" dirty="0">
+                <a:latin typeface="Adobe Clean Light" panose="020B0303020404020204" pitchFamily="34" charset="0"/>
+              </a:rPr>
+            </a:br>
+            <a:r>
+              <a:rPr lang="es-ES" sz="1000" dirty="0">
+                <a:latin typeface="Adobe Clean Light" panose="020B0303020404020204" pitchFamily="34" charset="0"/>
+              </a:rPr>
+              <a:t>en cuanto a la cantidad de veces que puede </a:t>
+            </a:r>
+            <a:br>
+              <a:rPr lang="sk-SK" sz="1000" dirty="0">
+                <a:latin typeface="Adobe Clean Light" panose="020B0303020404020204" pitchFamily="34" charset="0"/>
+              </a:rPr>
+            </a:br>
+            <a:r>
+              <a:rPr lang="es-ES" sz="1000" dirty="0">
+                <a:latin typeface="Adobe Clean Light" panose="020B0303020404020204" pitchFamily="34" charset="0"/>
+              </a:rPr>
+              <a:t>llamar al equipo de asistencia. Los clientes también pueden solicitar que el servicio de asistencia les llame por teléfono o solicitar una reunión para </a:t>
+            </a:r>
+            <a:br>
+              <a:rPr lang="es-ES" sz="1000" dirty="0">
+                <a:latin typeface="Adobe Clean Light" panose="020B0303020404020204" pitchFamily="34" charset="0"/>
+              </a:rPr>
+            </a:br>
+            <a:r>
+              <a:rPr lang="es-ES" sz="1000" dirty="0">
+                <a:latin typeface="Adobe Clean Light" panose="020B0303020404020204" pitchFamily="34" charset="0"/>
+              </a:rPr>
+              <a:t>ver o solucionar un problema mediante una sesión </a:t>
+            </a:r>
+            <a:br>
+              <a:rPr lang="es-ES" sz="1000" dirty="0">
+                <a:latin typeface="Adobe Clean Light" panose="020B0303020404020204" pitchFamily="34" charset="0"/>
+              </a:rPr>
+            </a:br>
+            <a:r>
+              <a:rPr lang="es-ES" sz="1000" dirty="0">
+                <a:latin typeface="Adobe Clean Light" panose="020B0303020404020204" pitchFamily="34" charset="0"/>
+              </a:rPr>
+              <a:t>de escritorio remoto compartida.</a:t>
+            </a:r>
           </a:p>
         </p:txBody>
       </p:sp>
@@ -8348,13 +7596,13 @@
               </a:spcAft>
             </a:pPr>
             <a:r>
-              <a:rPr lang="en-US" sz="1200" b="1" spc="-10">
+              <a:rPr lang="es-ES" sz="1200" b="1">
                 <a:solidFill>
                   <a:srgbClr val="020302"/>
                 </a:solidFill>
                 <a:latin typeface="+mj-lt"/>
               </a:rPr>
-              <a:t>Live Telephone Support</a:t>
+              <a:t>Asistencia telefónica en directo</a:t>
             </a:r>
           </a:p>
         </p:txBody>
@@ -8373,7 +7621,7 @@
         </p:nvSpPr>
         <p:spPr>
           <a:xfrm>
-            <a:off x="5376301" y="1398482"/>
+            <a:off x="5376301" y="1493660"/>
             <a:ext cx="2286000" cy="805349"/>
           </a:xfrm>
           <a:prstGeom prst="rect">
@@ -8395,18 +7643,14 @@
               </a:spcBef>
             </a:pPr>
             <a:r>
-              <a:rPr lang="en-US" sz="1000">
+              <a:rPr lang="es-ES" sz="1000">
                 <a:solidFill>
                   <a:srgbClr val="4B4B4B"/>
                 </a:solidFill>
                 <a:latin typeface="Adobe Clean Light" panose="020B0303020404020204" pitchFamily="34" charset="0"/>
               </a:rPr>
-              <a:t>A designated point of contact within Adobe who can provide escalation assistance, regular updates and ensure priority is given to your most critical open support requests.</a:t>
+              <a:t>Un punto de contacto designado de Adobe que puede proporcionar asistencia en cuanto a escalabilidad y actualizaciones frecuentes, así como garantizar que se dé prioridad a sus solicitudes de soporte abierto más críticas.</a:t>
             </a:r>
-            <a:endParaRPr lang="en-US" sz="1000">
-              <a:latin typeface="Adobe Clean Light" panose="020B0303020404020204" pitchFamily="34" charset="0"/>
-              <a:cs typeface="AdobeClean-Light"/>
-            </a:endParaRPr>
           </a:p>
         </p:txBody>
       </p:sp>
@@ -8427,7 +7671,7 @@
         <p:spPr>
           <a:xfrm>
             <a:off x="5885313" y="1085652"/>
-            <a:ext cx="1608472" cy="184666"/>
+            <a:ext cx="1608472" cy="369332"/>
           </a:xfrm>
           <a:prstGeom prst="rect">
             <a:avLst/>
@@ -8448,13 +7692,30 @@
               </a:spcAft>
             </a:pPr>
             <a:r>
-              <a:rPr lang="en-US" sz="1200" b="1" spc="-10">
+              <a:rPr lang="es-ES" sz="1200" b="1" dirty="0">
                 <a:solidFill>
                   <a:srgbClr val="020302"/>
                 </a:solidFill>
                 <a:latin typeface="+mj-lt"/>
               </a:rPr>
-              <a:t>Escalation Management</a:t>
+              <a:t>Administración </a:t>
+            </a:r>
+            <a:br>
+              <a:rPr lang="es-ES" sz="1200" b="1" dirty="0">
+                <a:solidFill>
+                  <a:srgbClr val="020302"/>
+                </a:solidFill>
+                <a:latin typeface="+mj-lt"/>
+              </a:rPr>
+            </a:br>
+            <a:r>
+              <a:rPr lang="es-ES" sz="1200" b="1" dirty="0">
+                <a:solidFill>
+                  <a:srgbClr val="020302"/>
+                </a:solidFill>
+                <a:latin typeface="+mj-lt"/>
+              </a:rPr>
+              <a:t>de la escalabilidad</a:t>
             </a:r>
           </a:p>
         </p:txBody>
@@ -8475,7 +7736,7 @@
         </p:nvSpPr>
         <p:spPr>
           <a:xfrm>
-            <a:off x="838200" y="8148121"/>
+            <a:off x="838200" y="8081328"/>
             <a:ext cx="2520000" cy="184666"/>
           </a:xfrm>
           <a:prstGeom prst="rect">
@@ -8502,12 +7763,12 @@
               <a:defRPr/>
             </a:pPr>
             <a:r>
-              <a:rPr lang="en-US" sz="1200">
+              <a:rPr lang="es-ES" sz="1200">
                 <a:solidFill>
                   <a:srgbClr val="000000"/>
                 </a:solidFill>
               </a:rPr>
-              <a:t>Office Hours</a:t>
+              <a:t>Horario de oficina</a:t>
             </a:r>
           </a:p>
         </p:txBody>
@@ -8528,7 +7789,7 @@
         </p:nvSpPr>
         <p:spPr>
           <a:xfrm>
-            <a:off x="838200" y="8373543"/>
+            <a:off x="838200" y="8306750"/>
             <a:ext cx="604974" cy="184666"/>
           </a:xfrm>
           <a:prstGeom prst="rect">
@@ -8550,12 +7811,12 @@
               </a:spcAft>
             </a:pPr>
             <a:r>
-              <a:rPr lang="en-US" sz="1200" b="1">
+              <a:rPr lang="es-ES" sz="1200" b="1">
                 <a:latin typeface="+mj-lt"/>
                 <a:ea typeface="Open Sans" pitchFamily="34" charset="0"/>
                 <a:cs typeface="Open Sans" pitchFamily="34" charset="0"/>
               </a:rPr>
-              <a:t>Webinars</a:t>
+              <a:t>Seminarios web</a:t>
             </a:r>
           </a:p>
         </p:txBody>
@@ -8574,8 +7835,8 @@
         </p:nvSpPr>
         <p:spPr>
           <a:xfrm>
-            <a:off x="370040" y="8618616"/>
-            <a:ext cx="2286000" cy="1113125"/>
+            <a:off x="370040" y="8551823"/>
+            <a:ext cx="2233067" cy="1113125"/>
           </a:xfrm>
           <a:prstGeom prst="rect">
             <a:avLst/>
@@ -8588,13 +7849,82 @@
           <a:lstStyle/>
           <a:p>
             <a:r>
-              <a:rPr lang="en-US" sz="1000">
+              <a:rPr lang="es-ES" sz="1000" dirty="0">
                 <a:solidFill>
                   <a:srgbClr val="000000"/>
                 </a:solidFill>
                 <a:latin typeface="Adobe Clean Light" panose="020B0303020404020204" pitchFamily="34" charset="0"/>
               </a:rPr>
-              <a:t>Office Hours is an initiative led by the Adobe Customer Support team. These sessions are designed to inform as well as help participants troubleshoot problems and provide tips and tricks to be successful with Adobe Experience Cloud.</a:t>
+              <a:t>“Horario de oficina” es una iniciativa liderada por el equipo de asistencia al cliente de Adobe. Estas sesiones están diseñadas </a:t>
+            </a:r>
+            <a:br>
+              <a:rPr lang="es-ES" sz="1000" dirty="0">
+                <a:solidFill>
+                  <a:srgbClr val="000000"/>
+                </a:solidFill>
+                <a:latin typeface="Adobe Clean Light" panose="020B0303020404020204" pitchFamily="34" charset="0"/>
+              </a:rPr>
+            </a:br>
+            <a:r>
+              <a:rPr lang="es-ES" sz="1000" dirty="0">
+                <a:solidFill>
+                  <a:srgbClr val="000000"/>
+                </a:solidFill>
+                <a:latin typeface="Adobe Clean Light" panose="020B0303020404020204" pitchFamily="34" charset="0"/>
+              </a:rPr>
+              <a:t>para informar y ayudar a los participantes </a:t>
+            </a:r>
+            <a:br>
+              <a:rPr lang="es-ES" sz="1000" dirty="0">
+                <a:solidFill>
+                  <a:srgbClr val="000000"/>
+                </a:solidFill>
+                <a:latin typeface="Adobe Clean Light" panose="020B0303020404020204" pitchFamily="34" charset="0"/>
+              </a:rPr>
+            </a:br>
+            <a:r>
+              <a:rPr lang="es-ES" sz="1000" dirty="0">
+                <a:solidFill>
+                  <a:srgbClr val="000000"/>
+                </a:solidFill>
+                <a:latin typeface="Adobe Clean Light" panose="020B0303020404020204" pitchFamily="34" charset="0"/>
+              </a:rPr>
+              <a:t>a solucionar problemas, y ofrecen sugerencias y trucos para usar </a:t>
+            </a:r>
+            <a:br>
+              <a:rPr lang="es-ES" sz="1000" dirty="0">
+                <a:solidFill>
+                  <a:srgbClr val="000000"/>
+                </a:solidFill>
+                <a:latin typeface="Adobe Clean Light" panose="020B0303020404020204" pitchFamily="34" charset="0"/>
+              </a:rPr>
+            </a:br>
+            <a:r>
+              <a:rPr lang="es-ES" sz="1000" dirty="0">
+                <a:solidFill>
+                  <a:srgbClr val="000000"/>
+                </a:solidFill>
+                <a:latin typeface="Adobe Clean Light" panose="020B0303020404020204" pitchFamily="34" charset="0"/>
+              </a:rPr>
+              <a:t>correctamente Adobe </a:t>
+            </a:r>
+            <a:r>
+              <a:rPr lang="es-ES" sz="1000" dirty="0" err="1">
+                <a:solidFill>
+                  <a:srgbClr val="000000"/>
+                </a:solidFill>
+                <a:latin typeface="Adobe Clean Light" panose="020B0303020404020204" pitchFamily="34" charset="0"/>
+              </a:rPr>
+              <a:t>Experience</a:t>
+            </a:r>
+            <a:r>
+              <a:rPr lang="es-ES" sz="1000" dirty="0">
+                <a:solidFill>
+                  <a:srgbClr val="000000"/>
+                </a:solidFill>
+                <a:latin typeface="Adobe Clean Light" panose="020B0303020404020204" pitchFamily="34" charset="0"/>
+              </a:rPr>
+              <a:t> Cloud.</a:t>
             </a:r>
           </a:p>
         </p:txBody>
@@ -8615,7 +7945,7 @@
         </p:nvSpPr>
         <p:spPr>
           <a:xfrm>
-            <a:off x="5851290" y="8373543"/>
+            <a:off x="5786661" y="8306750"/>
             <a:ext cx="1267206" cy="184666"/>
           </a:xfrm>
           <a:prstGeom prst="rect">
@@ -8637,12 +7967,12 @@
               </a:spcAft>
             </a:pPr>
             <a:r>
-              <a:rPr lang="en-US" sz="1200" b="1">
+              <a:rPr lang="es-ES" sz="1200" b="1">
                 <a:latin typeface="+mj-lt"/>
                 <a:ea typeface="Open Sans" pitchFamily="34" charset="0"/>
                 <a:cs typeface="Open Sans" pitchFamily="34" charset="0"/>
               </a:rPr>
-              <a:t>24/7 Support Portal</a:t>
+              <a:t>Portal de asistencia 24/7</a:t>
             </a:r>
           </a:p>
         </p:txBody>
@@ -8661,8 +7991,8 @@
         </p:nvSpPr>
         <p:spPr>
           <a:xfrm>
-            <a:off x="5376301" y="8618616"/>
-            <a:ext cx="2286000" cy="805349"/>
+            <a:off x="5311672" y="8551823"/>
+            <a:ext cx="2286000" cy="959237"/>
           </a:xfrm>
           <a:prstGeom prst="rect">
             <a:avLst/>
@@ -8675,16 +8005,16 @@
           <a:lstStyle/>
           <a:p>
             <a:r>
-              <a:rPr lang="en-US" sz="1000">
+              <a:rPr lang="es-ES" sz="1000" dirty="0">
                 <a:solidFill>
                   <a:srgbClr val="000000"/>
                 </a:solidFill>
                 <a:latin typeface="Adobe Clean Light" panose="020B0303020404020204" pitchFamily="34" charset="0"/>
               </a:rPr>
-              <a:t>On-demand access to the online </a:t>
+              <a:t>Acceso al portal de asistencia de autoayuda </a:t>
             </a:r>
             <a:br>
-              <a:rPr lang="en-US" sz="1000">
+              <a:rPr lang="es-ES" sz="1000" dirty="0">
                 <a:solidFill>
                   <a:srgbClr val="000000"/>
                 </a:solidFill>
@@ -8692,13 +8022,30 @@
               </a:rPr>
             </a:br>
             <a:r>
-              <a:rPr lang="en-US" sz="1000">
+              <a:rPr lang="es-ES" sz="1000" dirty="0">
                 <a:solidFill>
                   <a:srgbClr val="000000"/>
                 </a:solidFill>
                 <a:latin typeface="Adobe Clean Light" panose="020B0303020404020204" pitchFamily="34" charset="0"/>
               </a:rPr>
-              <a:t>Self-help Support Portal to submit support requests, review case status, and browse other resources, like our knowledgebase, news and alerts, featured tips, and more.</a:t>
+              <a:t>en línea previa solicitud para enviar solicitudes de asistencia, revisar el estado de los casos </a:t>
+            </a:r>
+            <a:br>
+              <a:rPr lang="es-ES" sz="1000" dirty="0">
+                <a:solidFill>
+                  <a:srgbClr val="000000"/>
+                </a:solidFill>
+                <a:latin typeface="Adobe Clean Light" panose="020B0303020404020204" pitchFamily="34" charset="0"/>
+              </a:rPr>
+            </a:br>
+            <a:r>
+              <a:rPr lang="es-ES" sz="1000" dirty="0">
+                <a:solidFill>
+                  <a:srgbClr val="000000"/>
+                </a:solidFill>
+                <a:latin typeface="Adobe Clean Light" panose="020B0303020404020204" pitchFamily="34" charset="0"/>
+              </a:rPr>
+              <a:t>y examinar otros recursos, como la base de conocimiento, noticias y alertas, sugerencias destacadas, y mucho más.</a:t>
             </a:r>
           </a:p>
         </p:txBody>
@@ -8795,8 +8142,8 @@
         </p:nvSpPr>
         <p:spPr>
           <a:xfrm>
-            <a:off x="789025" y="3499700"/>
-            <a:ext cx="1336142" cy="285247"/>
+            <a:off x="789024" y="3650934"/>
+            <a:ext cx="1867015" cy="285247"/>
           </a:xfrm>
           <a:prstGeom prst="rect">
             <a:avLst/>
@@ -8810,10 +8157,10 @@
           <a:lstStyle/>
           <a:p>
             <a:r>
-              <a:rPr lang="en-US" sz="1200" b="1">
+              <a:rPr lang="es-ES" sz="1200" b="1">
                 <a:latin typeface="+mj-lt"/>
               </a:rPr>
-              <a:t>Business Services</a:t>
+              <a:t>Servicios empresariales</a:t>
             </a:r>
           </a:p>
         </p:txBody>
@@ -8832,8 +8179,8 @@
         </p:nvSpPr>
         <p:spPr>
           <a:xfrm>
-            <a:off x="370041" y="3875832"/>
-            <a:ext cx="2286000" cy="558999"/>
+            <a:off x="370041" y="4027066"/>
+            <a:ext cx="2286000" cy="740780"/>
           </a:xfrm>
           <a:prstGeom prst="rect">
             <a:avLst/>
@@ -8854,15 +8201,44 @@
               </a:spcBef>
             </a:pPr>
             <a:r>
-              <a:rPr lang="en-US" sz="1000">
+              <a:rPr lang="es-ES" sz="1000" dirty="0">
                 <a:latin typeface="Adobe Clean Light" panose="020B0303020404020204" pitchFamily="34" charset="0"/>
               </a:rPr>
-              <a:t>An Account Support Lead will host webinars covering an overview of business support services.  </a:t>
+              <a:t>Un responsable de la asistencia técnica </a:t>
             </a:r>
-            <a:endParaRPr lang="en-US" sz="1000">
-              <a:latin typeface="Adobe Clean Light" panose="020B0303020404020204" pitchFamily="34" charset="0"/>
-              <a:cs typeface="AdobeClean-Light"/>
-            </a:endParaRPr>
+            <a:br>
+              <a:rPr lang="es-ES" sz="1000" dirty="0">
+                <a:latin typeface="Adobe Clean Light" panose="020B0303020404020204" pitchFamily="34" charset="0"/>
+              </a:rPr>
+            </a:br>
+            <a:r>
+              <a:rPr lang="es-ES" sz="1000" dirty="0">
+                <a:latin typeface="Adobe Clean Light" panose="020B0303020404020204" pitchFamily="34" charset="0"/>
+              </a:rPr>
+              <a:t>de la cuenta organizará seminarios web </a:t>
+            </a:r>
+            <a:br>
+              <a:rPr lang="es-ES" sz="1000" dirty="0">
+                <a:latin typeface="Adobe Clean Light" panose="020B0303020404020204" pitchFamily="34" charset="0"/>
+              </a:rPr>
+            </a:br>
+            <a:r>
+              <a:rPr lang="es-ES" sz="1000" dirty="0">
+                <a:latin typeface="Adobe Clean Light" panose="020B0303020404020204" pitchFamily="34" charset="0"/>
+              </a:rPr>
+              <a:t>que abarcarán una descripción general </a:t>
+            </a:r>
+            <a:br>
+              <a:rPr lang="es-ES" sz="1000" dirty="0">
+                <a:latin typeface="Adobe Clean Light" panose="020B0303020404020204" pitchFamily="34" charset="0"/>
+              </a:rPr>
+            </a:br>
+            <a:r>
+              <a:rPr lang="es-ES" sz="1000" dirty="0">
+                <a:latin typeface="Adobe Clean Light" panose="020B0303020404020204" pitchFamily="34" charset="0"/>
+              </a:rPr>
+              <a:t>de los servicios de asistencia empresarial.  </a:t>
+            </a:r>
           </a:p>
         </p:txBody>
       </p:sp>
@@ -8880,7 +8256,7 @@
         </p:nvSpPr>
         <p:spPr>
           <a:xfrm rot="5400000" flipH="1">
-            <a:off x="3863341" y="302967"/>
+            <a:off x="3863341" y="569650"/>
             <a:ext cx="45719" cy="5577840"/>
           </a:xfrm>
           <a:custGeom>
@@ -8991,7 +8367,7 @@
         </p:blipFill>
         <p:spPr>
           <a:xfrm>
-            <a:off x="2794208" y="8146218"/>
+            <a:off x="2638096" y="8079425"/>
             <a:ext cx="411480" cy="411480"/>
           </a:xfrm>
           <a:prstGeom prst="rect">
@@ -9030,7 +8406,7 @@
         </p:blipFill>
         <p:spPr>
           <a:xfrm>
-            <a:off x="388426" y="3436583"/>
+            <a:off x="388426" y="3587817"/>
             <a:ext cx="411480" cy="411480"/>
           </a:xfrm>
           <a:prstGeom prst="rect">
@@ -9069,7 +8445,7 @@
         </p:blipFill>
         <p:spPr>
           <a:xfrm>
-            <a:off x="2836967" y="6062796"/>
+            <a:off x="2772338" y="5955785"/>
             <a:ext cx="411480" cy="411480"/>
           </a:xfrm>
           <a:prstGeom prst="rect">
@@ -9108,7 +8484,7 @@
         </p:blipFill>
         <p:spPr>
           <a:xfrm>
-            <a:off x="359731" y="6062796"/>
+            <a:off x="359731" y="5955785"/>
             <a:ext cx="411480" cy="411480"/>
           </a:xfrm>
           <a:prstGeom prst="rect">
@@ -9147,7 +8523,7 @@
         </p:blipFill>
         <p:spPr>
           <a:xfrm>
-            <a:off x="5329042" y="6062796"/>
+            <a:off x="5264413" y="5955785"/>
             <a:ext cx="411480" cy="411480"/>
           </a:xfrm>
           <a:prstGeom prst="rect">
@@ -9186,7 +8562,7 @@
         </p:blipFill>
         <p:spPr>
           <a:xfrm>
-            <a:off x="5372908" y="8146218"/>
+            <a:off x="5308279" y="8079425"/>
             <a:ext cx="411480" cy="411480"/>
           </a:xfrm>
           <a:prstGeom prst="rect">
@@ -9225,7 +8601,7 @@
         </p:blipFill>
         <p:spPr>
           <a:xfrm>
-            <a:off x="384421" y="8146218"/>
+            <a:off x="384421" y="8079425"/>
             <a:ext cx="411480" cy="411480"/>
           </a:xfrm>
           <a:prstGeom prst="rect">
@@ -9247,7 +8623,7 @@
         </p:nvSpPr>
         <p:spPr>
           <a:xfrm rot="5400000" flipH="1">
-            <a:off x="3863341" y="4967117"/>
+            <a:off x="3863341" y="5007960"/>
             <a:ext cx="45719" cy="5577840"/>
           </a:xfrm>
           <a:custGeom>
@@ -9304,7 +8680,7 @@
         </p:nvSpPr>
         <p:spPr>
           <a:xfrm>
-            <a:off x="5851290" y="8150141"/>
+            <a:off x="5786661" y="8150141"/>
             <a:ext cx="2520000" cy="184666"/>
           </a:xfrm>
           <a:prstGeom prst="rect">
@@ -9331,12 +8707,12 @@
               <a:defRPr/>
             </a:pPr>
             <a:r>
-              <a:rPr lang="en-US" sz="1200">
+              <a:rPr lang="es-ES" sz="1200">
                 <a:solidFill>
                   <a:srgbClr val="000000"/>
                 </a:solidFill>
               </a:rPr>
-              <a:t>Self– Help Portal</a:t>
+              <a:t>Portal de autoayuda</a:t>
             </a:r>
           </a:p>
         </p:txBody>
@@ -9357,7 +8733,7 @@
         </p:nvSpPr>
         <p:spPr>
           <a:xfrm>
-            <a:off x="5851290" y="6046398"/>
+            <a:off x="5786661" y="5939387"/>
             <a:ext cx="2520000" cy="184666"/>
           </a:xfrm>
           <a:prstGeom prst="rect">
@@ -9384,7 +8760,7 @@
               <a:defRPr/>
             </a:pPr>
             <a:r>
-              <a:rPr lang="en-US" sz="1200">
+              <a:rPr lang="es-ES" sz="1200">
                 <a:solidFill>
                   <a:srgbClr val="000000"/>
                 </a:solidFill>
@@ -9446,49 +8822,15 @@
               </a:lnSpc>
             </a:pPr>
             <a:r>
-              <a:rPr sz="500" spc="-5">
+              <a:rPr lang="es-ES" sz="500">
                 <a:solidFill>
                   <a:srgbClr val="6C6C6C"/>
                 </a:solidFill>
                 <a:latin typeface="Adobe Clean"/>
                 <a:cs typeface="Adobe Clean"/>
               </a:rPr>
-              <a:t>©2020 Adobe. All Rights Reserved. </a:t>
+              <a:t>©2020 Adobe. All Rights Reserved. Adobe Confidential.</a:t>
             </a:r>
-            <a:r>
-              <a:rPr sz="500">
-                <a:solidFill>
-                  <a:srgbClr val="6C6C6C"/>
-                </a:solidFill>
-                <a:latin typeface="Adobe Clean"/>
-                <a:cs typeface="Adobe Clean"/>
-              </a:rPr>
-              <a:t>Adobe</a:t>
-            </a:r>
-            <a:r>
-              <a:rPr sz="500" spc="5">
-                <a:solidFill>
-                  <a:srgbClr val="6C6C6C"/>
-                </a:solidFill>
-                <a:latin typeface="Adobe Clean"/>
-                <a:cs typeface="Adobe Clean"/>
-              </a:rPr>
-              <a:t> </a:t>
-            </a:r>
-            <a:r>
-              <a:rPr sz="500" spc="-5">
-                <a:solidFill>
-                  <a:srgbClr val="6C6C6C"/>
-                </a:solidFill>
-                <a:latin typeface="Adobe Clean"/>
-                <a:cs typeface="Adobe Clean"/>
-              </a:rPr>
-              <a:t>Confidential.</a:t>
-            </a:r>
-            <a:endParaRPr sz="500">
-              <a:latin typeface="Adobe Clean"/>
-              <a:cs typeface="Adobe Clean"/>
-            </a:endParaRPr>
           </a:p>
           <a:p>
             <a:pPr>
@@ -9514,39 +8856,15 @@
               </a:spcBef>
             </a:pPr>
             <a:r>
-              <a:rPr sz="800" spc="-5">
+              <a:rPr lang="es-ES" sz="800">
                 <a:solidFill>
                   <a:srgbClr val="6D6D6D"/>
                 </a:solidFill>
                 <a:latin typeface="Adobe Clean"/>
                 <a:cs typeface="Adobe Clean"/>
               </a:rPr>
-              <a:t>©2020 Adobe. All Rights Reserved. Adobe</a:t>
+              <a:t>©2020 Adobe. All Rights Reserved. Adobe Confidential.</a:t>
             </a:r>
-            <a:r>
-              <a:rPr sz="800" spc="75">
-                <a:solidFill>
-                  <a:srgbClr val="6D6D6D"/>
-                </a:solidFill>
-                <a:latin typeface="Adobe Clean"/>
-                <a:cs typeface="Adobe Clean"/>
-              </a:rPr>
-              <a:t> </a:t>
-            </a:r>
-            <a:r>
-              <a:rPr sz="800" spc="-5">
-                <a:solidFill>
-                  <a:srgbClr val="6D6D6D"/>
-                </a:solidFill>
-                <a:latin typeface="Adobe Clean"/>
-                <a:cs typeface="Adobe Clean"/>
-              </a:rPr>
-              <a:t>Confidential.</a:t>
-            </a:r>
-            <a:endParaRPr sz="800">
-              <a:latin typeface="Adobe Clean"/>
-              <a:cs typeface="Adobe Clean"/>
-            </a:endParaRPr>
           </a:p>
         </p:txBody>
       </p:sp>
@@ -9630,19 +8948,15 @@
               </a:spcBef>
             </a:pPr>
             <a:r>
-              <a:rPr lang="en-US" sz="1400" b="1" spc="-15">
+              <a:rPr lang="es-ES" sz="1400" b="1">
                 <a:solidFill>
                   <a:srgbClr val="020302"/>
                 </a:solidFill>
                 <a:latin typeface="Adobe Clean"/>
                 <a:cs typeface="Adobe Clean"/>
               </a:rPr>
-              <a:t>Resources</a:t>
+              <a:t>Recursos</a:t>
             </a:r>
-            <a:endParaRPr sz="1400">
-              <a:latin typeface="Adobe Clean"/>
-              <a:cs typeface="Adobe Clean"/>
-            </a:endParaRPr>
           </a:p>
         </p:txBody>
       </p:sp>
@@ -9655,7 +8969,7 @@
         <p:spPr>
           <a:xfrm>
             <a:off x="6754821" y="9283729"/>
-            <a:ext cx="930275" cy="662305"/>
+            <a:ext cx="1017579" cy="662305"/>
           </a:xfrm>
           <a:prstGeom prst="rect">
             <a:avLst/>
@@ -9676,7 +8990,7 @@
               </a:spcBef>
             </a:pPr>
             <a:r>
-              <a:rPr sz="800" spc="-15">
+              <a:rPr lang="es-ES" sz="800" dirty="0">
                 <a:solidFill>
                   <a:srgbClr val="777879"/>
                 </a:solidFill>
@@ -9685,10 +8999,6 @@
               </a:rPr>
               <a:t>Adobe</a:t>
             </a:r>
-            <a:endParaRPr sz="800">
-              <a:latin typeface="Adobe Clean"/>
-              <a:cs typeface="Adobe Clean"/>
-            </a:endParaRPr>
           </a:p>
           <a:p>
             <a:pPr marL="12700">
@@ -9697,39 +9007,15 @@
               </a:lnSpc>
             </a:pPr>
             <a:r>
-              <a:rPr sz="800" spc="-15">
+              <a:rPr lang="es-ES" sz="800" dirty="0">
                 <a:solidFill>
                   <a:srgbClr val="777879"/>
                 </a:solidFill>
                 <a:latin typeface="Adobe Clean"/>
                 <a:cs typeface="Adobe Clean"/>
               </a:rPr>
-              <a:t>345 Park</a:t>
+              <a:t>345 Park Avenue</a:t>
             </a:r>
-            <a:r>
-              <a:rPr sz="800" spc="-100">
-                <a:solidFill>
-                  <a:srgbClr val="777879"/>
-                </a:solidFill>
-                <a:latin typeface="Adobe Clean"/>
-                <a:cs typeface="Adobe Clean"/>
-              </a:rPr>
-              <a:t> </a:t>
-            </a:r>
-            <a:r>
-              <a:rPr sz="800" spc="-15">
-                <a:solidFill>
-                  <a:srgbClr val="777879"/>
-                </a:solidFill>
-                <a:latin typeface="Adobe Clean"/>
-                <a:cs typeface="Adobe Clean"/>
-              </a:rPr>
-              <a:t>Avenue</a:t>
-            </a:r>
-            <a:endParaRPr sz="800">
-              <a:latin typeface="Adobe Clean"/>
-              <a:cs typeface="Adobe Clean"/>
-            </a:endParaRPr>
           </a:p>
           <a:p>
             <a:pPr marL="12700">
@@ -9738,49 +9024,15 @@
               </a:lnSpc>
             </a:pPr>
             <a:r>
-              <a:rPr sz="800" spc="-10">
+              <a:rPr lang="es-ES" sz="800" dirty="0">
                 <a:solidFill>
                   <a:srgbClr val="777879"/>
                 </a:solidFill>
                 <a:latin typeface="Adobe Clean"/>
                 <a:cs typeface="Adobe Clean"/>
               </a:rPr>
-              <a:t>San </a:t>
+              <a:t>San José, CA95110-2704</a:t>
             </a:r>
-            <a:r>
-              <a:rPr sz="800" spc="-15">
-                <a:solidFill>
-                  <a:srgbClr val="777879"/>
-                </a:solidFill>
-                <a:latin typeface="Adobe Clean"/>
-                <a:cs typeface="Adobe Clean"/>
-              </a:rPr>
-              <a:t>Jose,</a:t>
-            </a:r>
-            <a:r>
-              <a:rPr sz="800" spc="-140">
-                <a:solidFill>
-                  <a:srgbClr val="777879"/>
-                </a:solidFill>
-                <a:latin typeface="Adobe Clean"/>
-                <a:cs typeface="Adobe Clean"/>
-              </a:rPr>
-              <a:t> </a:t>
-            </a:r>
-            <a:r>
-              <a:rPr sz="800" spc="-20">
-                <a:solidFill>
-                  <a:srgbClr val="777879"/>
-                </a:solidFill>
-                <a:latin typeface="Adobe Clean"/>
-                <a:cs typeface="Adobe Clean"/>
-              </a:rPr>
-              <a:t>CA95110-2704</a:t>
-            </a:r>
-            <a:endParaRPr sz="800">
-              <a:latin typeface="Adobe Clean"/>
-              <a:cs typeface="Adobe Clean"/>
-            </a:endParaRPr>
           </a:p>
           <a:p>
             <a:pPr marL="12700">
@@ -9792,19 +9044,15 @@
               </a:spcBef>
             </a:pPr>
             <a:r>
-              <a:rPr sz="800" spc="-10">
+              <a:rPr lang="es-ES" sz="800" dirty="0">
                 <a:solidFill>
                   <a:srgbClr val="777879"/>
                 </a:solidFill>
                 <a:latin typeface="Adobe Clean"/>
                 <a:cs typeface="Adobe Clean"/>
               </a:rPr>
-              <a:t>USA</a:t>
+              <a:t>EE. UU.</a:t>
             </a:r>
-            <a:endParaRPr sz="800">
-              <a:latin typeface="Adobe Clean"/>
-              <a:cs typeface="Adobe Clean"/>
-            </a:endParaRPr>
           </a:p>
           <a:p>
             <a:pPr marL="12700">
@@ -9816,7 +9064,7 @@
               </a:spcBef>
             </a:pPr>
             <a:r>
-              <a:rPr sz="800" u="sng" spc="-25">
+              <a:rPr lang="es-ES" sz="800" u="sng" dirty="0">
                 <a:solidFill>
                   <a:srgbClr val="5F5F5F"/>
                 </a:solidFill>
@@ -9831,10 +9079,6 @@
               </a:rPr>
               <a:t>www.adobe.com</a:t>
             </a:r>
-            <a:endParaRPr sz="800">
-              <a:latin typeface="Adobe Clean"/>
-              <a:cs typeface="Adobe Clean"/>
-            </a:endParaRPr>
           </a:p>
         </p:txBody>
       </p:sp>
@@ -9988,7 +9232,7 @@
         <p:spPr>
           <a:xfrm>
             <a:off x="75947" y="9437110"/>
-            <a:ext cx="5466715" cy="570865"/>
+            <a:ext cx="5086603" cy="570865"/>
           </a:xfrm>
           <a:prstGeom prst="rect">
             <a:avLst/>
@@ -10009,17 +9253,27 @@
               </a:spcBef>
             </a:pPr>
             <a:r>
-              <a:rPr sz="1100" i="1" spc="-10">
+              <a:rPr lang="es-ES" sz="1100" i="1" dirty="0">
                 <a:solidFill>
                   <a:srgbClr val="777879"/>
                 </a:solidFill>
                 <a:latin typeface="AdobeClean-LightIt"/>
                 <a:cs typeface="AdobeClean-LightIt"/>
               </a:rPr>
-              <a:t>To</a:t>
+              <a:t>Para saber más sobre las ofertas de asistencia de Adobe y el nivel adecuado para usted, póngase en contacto con su administrador de cuentas (NAM) o con su </a:t>
             </a:r>
             <a:r>
-              <a:rPr sz="1100" i="1" spc="-50">
+              <a:rPr lang="es-ES" sz="1100" i="1" dirty="0" err="1">
+                <a:solidFill>
+                  <a:srgbClr val="777879"/>
+                </a:solidFill>
+                <a:latin typeface="AdobeClean-LightIt"/>
+                <a:cs typeface="AdobeClean-LightIt"/>
+              </a:rPr>
+              <a:t>Customer</a:t>
+            </a:r>
+            <a:r>
+              <a:rPr lang="es-ES" sz="1100" i="1" dirty="0">
                 <a:solidFill>
                   <a:srgbClr val="777879"/>
                 </a:solidFill>
@@ -10029,419 +9283,25 @@
               <a:t> </a:t>
             </a:r>
             <a:r>
-              <a:rPr sz="1100" i="1" spc="-15">
+              <a:rPr lang="es-ES" sz="1100" i="1" dirty="0" err="1">
                 <a:solidFill>
                   <a:srgbClr val="777879"/>
                 </a:solidFill>
                 <a:latin typeface="AdobeClean-LightIt"/>
                 <a:cs typeface="AdobeClean-LightIt"/>
               </a:rPr>
-              <a:t>learn</a:t>
+              <a:t>Success</a:t>
             </a:r>
             <a:r>
-              <a:rPr sz="1100" i="1" spc="-40">
+              <a:rPr lang="es-ES" sz="1100" i="1" dirty="0">
                 <a:solidFill>
                   <a:srgbClr val="777879"/>
                 </a:solidFill>
                 <a:latin typeface="AdobeClean-LightIt"/>
                 <a:cs typeface="AdobeClean-LightIt"/>
               </a:rPr>
-              <a:t> </a:t>
+              <a:t> Manager (CSM)</a:t>
             </a:r>
-            <a:r>
-              <a:rPr sz="1100" i="1" spc="-15">
-                <a:solidFill>
-                  <a:srgbClr val="777879"/>
-                </a:solidFill>
-                <a:latin typeface="AdobeClean-LightIt"/>
-                <a:cs typeface="AdobeClean-LightIt"/>
-              </a:rPr>
-              <a:t>more</a:t>
-            </a:r>
-            <a:r>
-              <a:rPr sz="1100" i="1" spc="-45">
-                <a:solidFill>
-                  <a:srgbClr val="777879"/>
-                </a:solidFill>
-                <a:latin typeface="AdobeClean-LightIt"/>
-                <a:cs typeface="AdobeClean-LightIt"/>
-              </a:rPr>
-              <a:t> </a:t>
-            </a:r>
-            <a:r>
-              <a:rPr sz="1100" i="1" spc="-15">
-                <a:solidFill>
-                  <a:srgbClr val="777879"/>
-                </a:solidFill>
-                <a:latin typeface="AdobeClean-LightIt"/>
-                <a:cs typeface="AdobeClean-LightIt"/>
-              </a:rPr>
-              <a:t>about</a:t>
-            </a:r>
-            <a:r>
-              <a:rPr sz="1100" i="1" spc="-45">
-                <a:solidFill>
-                  <a:srgbClr val="777879"/>
-                </a:solidFill>
-                <a:latin typeface="AdobeClean-LightIt"/>
-                <a:cs typeface="AdobeClean-LightIt"/>
-              </a:rPr>
-              <a:t> </a:t>
-            </a:r>
-            <a:r>
-              <a:rPr sz="1100" i="1" spc="-15">
-                <a:solidFill>
-                  <a:srgbClr val="777879"/>
-                </a:solidFill>
-                <a:latin typeface="AdobeClean-LightIt"/>
-                <a:cs typeface="AdobeClean-LightIt"/>
-              </a:rPr>
-              <a:t>Adobe</a:t>
-            </a:r>
-            <a:r>
-              <a:rPr sz="1100" i="1" spc="-50">
-                <a:solidFill>
-                  <a:srgbClr val="777879"/>
-                </a:solidFill>
-                <a:latin typeface="AdobeClean-LightIt"/>
-                <a:cs typeface="AdobeClean-LightIt"/>
-              </a:rPr>
-              <a:t> </a:t>
-            </a:r>
-            <a:r>
-              <a:rPr sz="1100" i="1" spc="-15">
-                <a:solidFill>
-                  <a:srgbClr val="777879"/>
-                </a:solidFill>
-                <a:latin typeface="AdobeClean-LightIt"/>
-                <a:cs typeface="AdobeClean-LightIt"/>
-              </a:rPr>
-              <a:t>Support</a:t>
-            </a:r>
-            <a:r>
-              <a:rPr lang="en-US" sz="1100" i="1" spc="-15">
-                <a:solidFill>
-                  <a:srgbClr val="777879"/>
-                </a:solidFill>
-                <a:latin typeface="AdobeClean-LightIt"/>
-                <a:cs typeface="AdobeClean-LightIt"/>
-              </a:rPr>
-              <a:t> Offerings</a:t>
-            </a:r>
-            <a:r>
-              <a:rPr sz="1100" i="1" spc="-75">
-                <a:solidFill>
-                  <a:srgbClr val="777879"/>
-                </a:solidFill>
-                <a:latin typeface="AdobeClean-LightIt"/>
-                <a:cs typeface="AdobeClean-LightIt"/>
-              </a:rPr>
-              <a:t> </a:t>
-            </a:r>
-            <a:r>
-              <a:rPr sz="1100" i="1" spc="-15">
-                <a:solidFill>
-                  <a:srgbClr val="777879"/>
-                </a:solidFill>
-                <a:latin typeface="AdobeClean-LightIt"/>
-                <a:cs typeface="AdobeClean-LightIt"/>
-              </a:rPr>
-              <a:t>and</a:t>
-            </a:r>
-            <a:r>
-              <a:rPr sz="1100" i="1" spc="-50">
-                <a:solidFill>
-                  <a:srgbClr val="777879"/>
-                </a:solidFill>
-                <a:latin typeface="AdobeClean-LightIt"/>
-                <a:cs typeface="AdobeClean-LightIt"/>
-              </a:rPr>
-              <a:t> </a:t>
-            </a:r>
-            <a:r>
-              <a:rPr sz="1100" i="1" spc="-15">
-                <a:solidFill>
-                  <a:srgbClr val="777879"/>
-                </a:solidFill>
-                <a:latin typeface="AdobeClean-LightIt"/>
-                <a:cs typeface="AdobeClean-LightIt"/>
-              </a:rPr>
-              <a:t>the</a:t>
-            </a:r>
-            <a:r>
-              <a:rPr sz="1100" i="1" spc="-55">
-                <a:solidFill>
-                  <a:srgbClr val="777879"/>
-                </a:solidFill>
-                <a:latin typeface="AdobeClean-LightIt"/>
-                <a:cs typeface="AdobeClean-LightIt"/>
-              </a:rPr>
-              <a:t> </a:t>
-            </a:r>
-            <a:r>
-              <a:rPr sz="1100" i="1" spc="-15">
-                <a:solidFill>
-                  <a:srgbClr val="777879"/>
-                </a:solidFill>
-                <a:latin typeface="AdobeClean-LightIt"/>
-                <a:cs typeface="AdobeClean-LightIt"/>
-              </a:rPr>
-              <a:t>right</a:t>
-            </a:r>
-            <a:r>
-              <a:rPr sz="1100" i="1" spc="-95">
-                <a:solidFill>
-                  <a:srgbClr val="777879"/>
-                </a:solidFill>
-                <a:latin typeface="AdobeClean-LightIt"/>
-                <a:cs typeface="AdobeClean-LightIt"/>
-              </a:rPr>
-              <a:t> </a:t>
-            </a:r>
-            <a:r>
-              <a:rPr sz="1100" i="1" spc="-15">
-                <a:solidFill>
-                  <a:srgbClr val="777879"/>
-                </a:solidFill>
-                <a:latin typeface="AdobeClean-LightIt"/>
-                <a:cs typeface="AdobeClean-LightIt"/>
-              </a:rPr>
-              <a:t>level</a:t>
-            </a:r>
-            <a:r>
-              <a:rPr sz="1100" i="1" spc="-55">
-                <a:solidFill>
-                  <a:srgbClr val="777879"/>
-                </a:solidFill>
-                <a:latin typeface="AdobeClean-LightIt"/>
-                <a:cs typeface="AdobeClean-LightIt"/>
-              </a:rPr>
-              <a:t> </a:t>
-            </a:r>
-            <a:r>
-              <a:rPr sz="1100" i="1" spc="-15">
-                <a:solidFill>
-                  <a:srgbClr val="777879"/>
-                </a:solidFill>
-                <a:latin typeface="AdobeClean-LightIt"/>
-                <a:cs typeface="AdobeClean-LightIt"/>
-              </a:rPr>
-              <a:t>for</a:t>
-            </a:r>
-            <a:r>
-              <a:rPr sz="1100" i="1" spc="-85">
-                <a:solidFill>
-                  <a:srgbClr val="777879"/>
-                </a:solidFill>
-                <a:latin typeface="AdobeClean-LightIt"/>
-                <a:cs typeface="AdobeClean-LightIt"/>
-              </a:rPr>
-              <a:t> </a:t>
-            </a:r>
-            <a:r>
-              <a:rPr sz="1100" i="1" spc="-15">
-                <a:solidFill>
-                  <a:srgbClr val="777879"/>
-                </a:solidFill>
-                <a:latin typeface="AdobeClean-LightIt"/>
-                <a:cs typeface="AdobeClean-LightIt"/>
-              </a:rPr>
-              <a:t>you,</a:t>
-            </a:r>
-            <a:r>
-              <a:rPr sz="1100" i="1" spc="-65">
-                <a:solidFill>
-                  <a:srgbClr val="777879"/>
-                </a:solidFill>
-                <a:latin typeface="AdobeClean-LightIt"/>
-                <a:cs typeface="AdobeClean-LightIt"/>
-              </a:rPr>
-              <a:t> </a:t>
-            </a:r>
-            <a:r>
-              <a:rPr sz="1100" i="1" spc="-15">
-                <a:solidFill>
-                  <a:srgbClr val="777879"/>
-                </a:solidFill>
-                <a:latin typeface="AdobeClean-LightIt"/>
-                <a:cs typeface="AdobeClean-LightIt"/>
-              </a:rPr>
-              <a:t>contact</a:t>
-            </a:r>
-            <a:r>
-              <a:rPr sz="1100" i="1" spc="-85">
-                <a:solidFill>
-                  <a:srgbClr val="777879"/>
-                </a:solidFill>
-                <a:latin typeface="AdobeClean-LightIt"/>
-                <a:cs typeface="AdobeClean-LightIt"/>
-              </a:rPr>
-              <a:t> </a:t>
-            </a:r>
-            <a:r>
-              <a:rPr sz="1100" i="1" spc="-15">
-                <a:solidFill>
-                  <a:srgbClr val="777879"/>
-                </a:solidFill>
-                <a:latin typeface="AdobeClean-LightIt"/>
-                <a:cs typeface="AdobeClean-LightIt"/>
-              </a:rPr>
-              <a:t>your</a:t>
-            </a:r>
-            <a:r>
-              <a:rPr sz="1100" i="1" spc="-70">
-                <a:solidFill>
-                  <a:srgbClr val="777879"/>
-                </a:solidFill>
-                <a:latin typeface="AdobeClean-LightIt"/>
-                <a:cs typeface="AdobeClean-LightIt"/>
-              </a:rPr>
-              <a:t> </a:t>
-            </a:r>
-            <a:r>
-              <a:rPr sz="1100" i="1" spc="-15">
-                <a:solidFill>
-                  <a:srgbClr val="777879"/>
-                </a:solidFill>
-                <a:latin typeface="AdobeClean-LightIt"/>
-                <a:cs typeface="AdobeClean-LightIt"/>
-              </a:rPr>
-              <a:t>Named</a:t>
-            </a:r>
-            <a:r>
-              <a:rPr sz="1100" i="1" spc="-55">
-                <a:solidFill>
-                  <a:srgbClr val="777879"/>
-                </a:solidFill>
-                <a:latin typeface="AdobeClean-LightIt"/>
-                <a:cs typeface="AdobeClean-LightIt"/>
-              </a:rPr>
-              <a:t> </a:t>
-            </a:r>
-            <a:r>
-              <a:rPr sz="1100" i="1" spc="-25">
-                <a:solidFill>
-                  <a:srgbClr val="777879"/>
-                </a:solidFill>
-                <a:latin typeface="AdobeClean-LightIt"/>
-                <a:cs typeface="AdobeClean-LightIt"/>
-              </a:rPr>
-              <a:t>Account</a:t>
-            </a:r>
-            <a:r>
-              <a:rPr sz="1100" i="1" spc="-120">
-                <a:solidFill>
-                  <a:srgbClr val="777879"/>
-                </a:solidFill>
-                <a:latin typeface="AdobeClean-LightIt"/>
-                <a:cs typeface="AdobeClean-LightIt"/>
-              </a:rPr>
-              <a:t> </a:t>
-            </a:r>
-            <a:r>
-              <a:rPr sz="1100" i="1" spc="-20">
-                <a:solidFill>
-                  <a:srgbClr val="777879"/>
-                </a:solidFill>
-                <a:latin typeface="AdobeClean-LightIt"/>
-                <a:cs typeface="AdobeClean-LightIt"/>
-              </a:rPr>
-              <a:t>Manager</a:t>
-            </a:r>
-            <a:r>
-              <a:rPr lang="en-US" sz="1100" i="1" spc="-20">
-                <a:solidFill>
-                  <a:srgbClr val="777879"/>
-                </a:solidFill>
-                <a:latin typeface="AdobeClean-LightIt"/>
-                <a:cs typeface="AdobeClean-LightIt"/>
-              </a:rPr>
-              <a:t> </a:t>
-            </a:r>
-            <a:r>
-              <a:rPr sz="1100" i="1" spc="-20">
-                <a:solidFill>
-                  <a:srgbClr val="777879"/>
-                </a:solidFill>
-                <a:latin typeface="AdobeClean-LightIt"/>
-                <a:cs typeface="AdobeClean-LightIt"/>
-              </a:rPr>
-              <a:t> </a:t>
-            </a:r>
-            <a:r>
-              <a:rPr sz="1100" i="1" spc="-15">
-                <a:solidFill>
-                  <a:srgbClr val="777879"/>
-                </a:solidFill>
-                <a:latin typeface="AdobeClean-LightIt"/>
-                <a:cs typeface="AdobeClean-LightIt"/>
-              </a:rPr>
-              <a:t>(NAM) </a:t>
-            </a:r>
-            <a:r>
-              <a:rPr sz="1100" i="1" spc="-10">
-                <a:solidFill>
-                  <a:srgbClr val="777879"/>
-                </a:solidFill>
-                <a:latin typeface="AdobeClean-LightIt"/>
-                <a:cs typeface="AdobeClean-LightIt"/>
-              </a:rPr>
-              <a:t>or </a:t>
-            </a:r>
-            <a:r>
-              <a:rPr sz="1100" i="1" spc="-15">
-                <a:solidFill>
-                  <a:srgbClr val="777879"/>
-                </a:solidFill>
-                <a:latin typeface="AdobeClean-LightIt"/>
-                <a:cs typeface="AdobeClean-LightIt"/>
-              </a:rPr>
-              <a:t>Customer</a:t>
-            </a:r>
-            <a:r>
-              <a:rPr lang="en-US" sz="1100" i="1" spc="-15">
-                <a:solidFill>
-                  <a:srgbClr val="777879"/>
-                </a:solidFill>
-                <a:latin typeface="AdobeClean-LightIt"/>
-                <a:cs typeface="AdobeClean-LightIt"/>
-              </a:rPr>
-              <a:t> </a:t>
-            </a:r>
-            <a:r>
-              <a:rPr lang="en-US" sz="1100" i="1" spc="-20">
-                <a:solidFill>
-                  <a:srgbClr val="777879"/>
-                </a:solidFill>
-                <a:latin typeface="AdobeClean-LightIt"/>
-                <a:cs typeface="AdobeClean-LightIt"/>
-              </a:rPr>
-              <a:t>Success </a:t>
-            </a:r>
-            <a:r>
-              <a:rPr lang="en-US" sz="1100" i="1" spc="-15">
-                <a:solidFill>
-                  <a:srgbClr val="777879"/>
-                </a:solidFill>
-                <a:latin typeface="AdobeClean-LightIt"/>
-                <a:cs typeface="AdobeClean-LightIt"/>
-              </a:rPr>
-              <a:t>Manager </a:t>
-            </a:r>
-            <a:r>
-              <a:rPr sz="1100" i="1" spc="-15">
-                <a:solidFill>
-                  <a:srgbClr val="777879"/>
-                </a:solidFill>
-                <a:latin typeface="AdobeClean-LightIt"/>
-                <a:cs typeface="AdobeClean-LightIt"/>
-              </a:rPr>
-              <a:t>(CSM)</a:t>
-            </a:r>
-            <a:endParaRPr sz="1100">
-              <a:latin typeface="AdobeClean-LightIt"/>
-              <a:cs typeface="AdobeClean-LightIt"/>
-            </a:endParaRPr>
           </a:p>
           <a:p>
             <a:pPr marL="34290">
@@ -10453,37 +9313,27 @@
               </a:spcBef>
             </a:pPr>
             <a:r>
-              <a:rPr sz="800" spc="-5">
+              <a:rPr lang="es-ES" sz="800" dirty="0">
                 <a:solidFill>
                   <a:srgbClr val="6D6D6D"/>
                 </a:solidFill>
                 <a:latin typeface="Adobe Clean"/>
                 <a:cs typeface="Adobe Clean"/>
               </a:rPr>
-              <a:t>©202</a:t>
+              <a:t>©2021 Adobe. </a:t>
             </a:r>
             <a:r>
-              <a:rPr lang="en-US" sz="800" spc="-5">
+              <a:rPr lang="es-ES" sz="800" dirty="0" err="1">
                 <a:solidFill>
                   <a:srgbClr val="6D6D6D"/>
                 </a:solidFill>
                 <a:latin typeface="Adobe Clean"/>
                 <a:cs typeface="Adobe Clean"/>
               </a:rPr>
-              <a:t>1</a:t>
+              <a:t>All</a:t>
             </a:r>
             <a:r>
-              <a:rPr sz="800" spc="-5">
-                <a:solidFill>
-                  <a:srgbClr val="6D6D6D"/>
-                </a:solidFill>
-                <a:latin typeface="Adobe Clean"/>
-                <a:cs typeface="Adobe Clean"/>
-              </a:rPr>
-              <a:t> Adobe. All Rights Reserved. Adobe</a:t>
-            </a:r>
-            <a:r>
-              <a:rPr sz="800" spc="75">
+              <a:rPr lang="es-ES" sz="800" dirty="0">
                 <a:solidFill>
                   <a:srgbClr val="6D6D6D"/>
                 </a:solidFill>
@@ -10493,19 +9343,65 @@
               <a:t> </a:t>
             </a:r>
             <a:r>
-              <a:rPr sz="800" spc="-5">
+              <a:rPr lang="es-ES" sz="800" dirty="0" err="1">
                 <a:solidFill>
                   <a:srgbClr val="6D6D6D"/>
                 </a:solidFill>
                 <a:latin typeface="Adobe Clean"/>
                 <a:cs typeface="Adobe Clean"/>
               </a:rPr>
-              <a:t>Confidential.</a:t>
+              <a:t>Rights</a:t>
             </a:r>
-            <a:endParaRPr sz="800">
-              <a:latin typeface="Adobe Clean"/>
-              <a:cs typeface="Adobe Clean"/>
-            </a:endParaRPr>
+            <a:r>
+              <a:rPr lang="es-ES" sz="800" dirty="0">
+                <a:solidFill>
+                  <a:srgbClr val="6D6D6D"/>
+                </a:solidFill>
+                <a:latin typeface="Adobe Clean"/>
+                <a:cs typeface="Adobe Clean"/>
+              </a:rPr>
+              <a:t> </a:t>
+            </a:r>
+            <a:r>
+              <a:rPr lang="es-ES" sz="800" dirty="0" err="1">
+                <a:solidFill>
+                  <a:srgbClr val="6D6D6D"/>
+                </a:solidFill>
+                <a:latin typeface="Adobe Clean"/>
+                <a:cs typeface="Adobe Clean"/>
+              </a:rPr>
+              <a:t>Reserved</a:t>
+            </a:r>
+            <a:r>
+              <a:rPr lang="es-ES" sz="800" dirty="0">
+                <a:solidFill>
+                  <a:srgbClr val="6D6D6D"/>
+                </a:solidFill>
+                <a:latin typeface="Adobe Clean"/>
+                <a:cs typeface="Adobe Clean"/>
+              </a:rPr>
+              <a:t>. Adobe </a:t>
+            </a:r>
+            <a:r>
+              <a:rPr lang="es-ES" sz="800" dirty="0" err="1">
+                <a:solidFill>
+                  <a:srgbClr val="6D6D6D"/>
+                </a:solidFill>
+                <a:latin typeface="Adobe Clean"/>
+                <a:cs typeface="Adobe Clean"/>
+              </a:rPr>
+              <a:t>Confidential</a:t>
+            </a:r>
+            <a:r>
+              <a:rPr lang="es-ES" sz="800" dirty="0">
+                <a:solidFill>
+                  <a:srgbClr val="6D6D6D"/>
+                </a:solidFill>
+                <a:latin typeface="Adobe Clean"/>
+                <a:cs typeface="Adobe Clean"/>
+              </a:rPr>
+              <a:t>.</a:t>
+            </a:r>
           </a:p>
         </p:txBody>
       </p:sp>
@@ -10523,8 +9419,8 @@
         </p:nvSpPr>
         <p:spPr>
           <a:xfrm>
-            <a:off x="197233" y="5031270"/>
-            <a:ext cx="6476646" cy="755976"/>
+            <a:off x="197233" y="4969823"/>
+            <a:ext cx="7365294" cy="755976"/>
           </a:xfrm>
           <a:prstGeom prst="rect">
             <a:avLst/>
@@ -10542,19 +9438,15 @@
               </a:spcBef>
             </a:pPr>
             <a:r>
-              <a:rPr lang="en-US" sz="1400" b="1" spc="-15">
+              <a:rPr lang="es-ES" sz="1400" b="1" dirty="0">
                 <a:solidFill>
                   <a:srgbClr val="020302"/>
                 </a:solidFill>
                 <a:latin typeface="Adobe Clean"/>
                 <a:cs typeface="Adobe Clean"/>
               </a:rPr>
-              <a:t>Regional scope of Adobe Support, Local Hours Of Operation And Language Support</a:t>
+              <a:t>Alcance regional del Soporte de Adobe, horas locales de trabajo y compatibilidad de idioma</a:t>
             </a:r>
-            <a:endParaRPr lang="en-US" sz="1400" spc="-15">
-              <a:ea typeface="+mn-lt"/>
-              <a:cs typeface="+mn-lt"/>
-            </a:endParaRPr>
           </a:p>
           <a:p>
             <a:pPr>
@@ -10563,15 +9455,14 @@
               </a:spcBef>
             </a:pPr>
             <a:r>
-              <a:rPr lang="en-US" sz="1000" spc="-15">
+              <a:rPr lang="es-ES" sz="1000" dirty="0">
                 <a:solidFill>
                   <a:srgbClr val="1F1F1F"/>
                 </a:solidFill>
                 <a:latin typeface="AdobeClean-Light"/>
               </a:rPr>
-              <a:t>The Regional scope of Adobe Support is established by aligning the customer's billing address (via the Sales Order or other Adobe Support purchasing document) to one of the following regions:</a:t>
+              <a:t>El alcance regional del Soporte de Adobe se establece asignando la dirección de facturación del cliente (mediante la orden de venta o el documento de compra de Soporte de Adobe) con una de estas regiones:</a:t>
             </a:r>
-            <a:endParaRPr lang="en-US"/>
           </a:p>
         </p:txBody>
       </p:sp>
@@ -10590,7 +9481,7 @@
           <p:nvPr>
             <p:extLst>
               <p:ext uri="{D42A27DB-BD31-4B8C-83A1-F6EECF244321}">
-                <p14:modId xmlns:p14="http://schemas.microsoft.com/office/powerpoint/2010/main" val="914484175"/>
+                <p14:modId xmlns:p14="http://schemas.microsoft.com/office/powerpoint/2010/main" val="2853681373"/>
               </p:ext>
             </p:extLst>
           </p:nvPr>
@@ -10643,13 +9534,13 @@
                     <a:p>
                       <a:pPr algn="ctr"/>
                       <a:r>
-                        <a:rPr lang="en-US" sz="1100">
+                        <a:rPr lang="es-ES" sz="1100">
                           <a:solidFill>
                             <a:schemeClr val="tx1"/>
                           </a:solidFill>
                           <a:latin typeface="Adobe Clean"/>
                         </a:rPr>
-                        <a:t>Americas</a:t>
+                        <a:t>América</a:t>
                       </a:r>
                     </a:p>
                   </a:txBody>
@@ -10708,13 +9599,30 @@
                     <a:p>
                       <a:pPr algn="ctr"/>
                       <a:r>
-                        <a:rPr lang="en-US" sz="1100">
+                        <a:rPr lang="es-ES" sz="1100" dirty="0">
                           <a:solidFill>
                             <a:schemeClr val="tx1"/>
                           </a:solidFill>
                           <a:latin typeface="Adobe Clean"/>
                         </a:rPr>
-                        <a:t>Europe, Middle East &amp; Africa</a:t>
+                        <a:t>Europa, Oriente Medio </a:t>
+                      </a:r>
+                      <a:br>
+                        <a:rPr lang="es-ES" sz="1100" dirty="0">
+                          <a:solidFill>
+                            <a:schemeClr val="tx1"/>
+                          </a:solidFill>
+                          <a:latin typeface="Adobe Clean"/>
+                        </a:rPr>
+                      </a:br>
+                      <a:r>
+                        <a:rPr lang="es-ES" sz="1100" dirty="0">
+                          <a:solidFill>
+                            <a:schemeClr val="tx1"/>
+                          </a:solidFill>
+                          <a:latin typeface="Adobe Clean"/>
+                        </a:rPr>
+                        <a:t>y África</a:t>
                       </a:r>
                     </a:p>
                   </a:txBody>
@@ -10773,13 +9681,13 @@
                     <a:p>
                       <a:pPr algn="ctr"/>
                       <a:r>
-                        <a:rPr lang="en-US" sz="1100">
+                        <a:rPr lang="es-ES" sz="1100">
                           <a:solidFill>
                             <a:schemeClr val="tx1"/>
                           </a:solidFill>
                           <a:latin typeface="Adobe Clean"/>
                         </a:rPr>
-                        <a:t>Asia Pacific</a:t>
+                        <a:t>Asia-Pacífico</a:t>
                       </a:r>
                     </a:p>
                   </a:txBody>
@@ -10838,16 +9746,16 @@
                     <a:p>
                       <a:pPr algn="ctr"/>
                       <a:r>
-                        <a:rPr lang="en-US" sz="1100">
+                        <a:rPr lang="es-ES" sz="1100">
                           <a:solidFill>
                             <a:schemeClr val="tx1"/>
                           </a:solidFill>
                           <a:latin typeface="Adobe Clean"/>
                         </a:rPr>
-                        <a:t>Japan </a:t>
+                        <a:t>Japón </a:t>
                       </a:r>
                       <a:r>
-                        <a:rPr lang="en-US" sz="1100" baseline="30000">
+                        <a:rPr lang="es-ES" sz="1100" baseline="30000">
                           <a:solidFill>
                             <a:schemeClr val="tx1"/>
                           </a:solidFill>
@@ -10855,12 +9763,6 @@
                         </a:rPr>
                         <a:t>1 </a:t>
                       </a:r>
-                      <a:endParaRPr lang="en-US" sz="1100">
-                        <a:solidFill>
-                          <a:schemeClr val="tx1"/>
-                        </a:solidFill>
-                        <a:latin typeface="Adobe Clean" panose="020B0503020404020204" pitchFamily="34" charset="0"/>
-                      </a:endParaRPr>
                     </a:p>
                   </a:txBody>
                   <a:tcPr anchor="ctr">
@@ -10925,13 +9827,13 @@
                     <a:p>
                       <a:pPr algn="ctr"/>
                       <a:r>
-                        <a:rPr lang="en-US" sz="1100">
+                        <a:rPr lang="es-ES" sz="1100">
                           <a:solidFill>
                             <a:schemeClr val="tx1"/>
                           </a:solidFill>
                           <a:latin typeface="Adobe Clean"/>
                         </a:rPr>
-                        <a:t>6 am – 5:30 pm</a:t>
+                        <a:t>06:00 h - 17:30 h</a:t>
                       </a:r>
                     </a:p>
                   </a:txBody>
@@ -10990,13 +9892,13 @@
                     <a:p>
                       <a:pPr algn="ctr"/>
                       <a:r>
-                        <a:rPr lang="en-US" sz="1100">
+                        <a:rPr lang="es-ES" sz="1100">
                           <a:solidFill>
                             <a:schemeClr val="tx1"/>
                           </a:solidFill>
                           <a:latin typeface="Adobe Clean"/>
                         </a:rPr>
-                        <a:t>9 am – 5 pm</a:t>
+                        <a:t>09:00 h - 17:00 h</a:t>
                       </a:r>
                     </a:p>
                   </a:txBody>
@@ -11055,13 +9957,13 @@
                     <a:p>
                       <a:pPr algn="ctr"/>
                       <a:r>
-                        <a:rPr lang="en-US" sz="1100">
+                        <a:rPr lang="es-ES" sz="1100">
                           <a:solidFill>
                             <a:schemeClr val="tx1"/>
                           </a:solidFill>
                           <a:latin typeface="Adobe Clean"/>
                         </a:rPr>
-                        <a:t>9 am – 5 pm</a:t>
+                        <a:t>09:00 h - 17:00 h</a:t>
                       </a:r>
                     </a:p>
                   </a:txBody>
@@ -11120,13 +10022,13 @@
                     <a:p>
                       <a:pPr algn="ctr"/>
                       <a:r>
-                        <a:rPr lang="en-US" sz="1100">
+                        <a:rPr lang="es-ES" sz="1100">
                           <a:solidFill>
                             <a:schemeClr val="tx1"/>
                           </a:solidFill>
                           <a:latin typeface="Adobe Clean"/>
                         </a:rPr>
-                        <a:t>9 am – 5:30 pm</a:t>
+                        <a:t>09:00 h - 17:30 h</a:t>
                       </a:r>
                     </a:p>
                   </a:txBody>
@@ -11206,11 +10108,10 @@
                         <a:buNone/>
                       </a:pPr>
                       <a:r>
-                        <a:rPr lang="en-US" sz="1100" b="1" i="0" u="none" strike="noStrike" kern="0" cap="none" spc="0" normalizeH="0" baseline="30000" noProof="0" dirty="0">
+                        <a:rPr lang="es-ES" sz="1100" b="1" i="0" u="none" strike="noStrike" cap="none" normalizeH="0" baseline="30000" noProof="0" dirty="0">
                           <a:ln>
                             <a:noFill/>
                           </a:ln>
-                          <a:effectLst/>
                           <a:uLnTx/>
                           <a:uFillTx/>
                           <a:latin typeface="Adobe Clean"/>
@@ -11220,17 +10121,16 @@
                         <a:t> </a:t>
                       </a:r>
                       <a:r>
-                        <a:rPr lang="en-US" sz="1100" dirty="0">
+                        <a:rPr lang="es-ES" sz="1100" dirty="0">
                           <a:solidFill>
                             <a:schemeClr val="tx1"/>
                           </a:solidFill>
                           <a:latin typeface="Adobe Clean"/>
+                          <a:ea typeface="+mn-ea"/>
+                          <a:cs typeface="+mn-cs"/>
                         </a:rPr>
-                        <a:t>Language support is only available in English and Japanese.</a:t>
+                        <a:t>Compatibilidad de idioma solo disponible en inglés y japonés</a:t>
                       </a:r>
-                      <a:endParaRPr lang="en-US" dirty="0">
-                        <a:latin typeface="Adobe Clean"/>
-                      </a:endParaRPr>
                     </a:p>
                     <a:p>
                       <a:pPr marL="0" marR="0" lvl="0" indent="0" algn="ctr">
@@ -11249,17 +10149,17 @@
                         <a:buNone/>
                       </a:pPr>
                       <a:r>
-                        <a:rPr lang="en-US" sz="1100" i="1" dirty="0">
+                        <a:rPr lang="es-ES" sz="1100" i="1" dirty="0">
                           <a:solidFill>
                             <a:schemeClr val="tx1"/>
                           </a:solidFill>
                           <a:latin typeface="Adobe Clean"/>
                         </a:rPr>
-                        <a:t>*Adobe Commerce excludes Japanese languages support. </a:t>
+                        <a:t>*Adobe Commerce no incluye soporte en japonés.</a:t>
                       </a:r>
                     </a:p>
                     <a:p>
-                      <a:pPr algn="ctr"/>
+                      <a:pPr algn="l" rtl="0"/>
                       <a:endParaRPr kumimoji="0" lang="en-US" sz="1100" b="1" i="0" u="none" strike="noStrike" kern="0" cap="none" spc="0" normalizeH="0" baseline="30000" noProof="0" dirty="0">
                         <a:ln>
                           <a:noFill/>
@@ -11278,7 +10178,7 @@
                     <a:p>
                       <a:pPr algn="ctr"/>
                       <a:r>
-                        <a:rPr lang="en-US" sz="1100" i="0" dirty="0">
+                        <a:rPr lang="es-ES" sz="1100" i="0" dirty="0">
                           <a:solidFill>
                             <a:schemeClr val="tx1"/>
                           </a:solidFill>
@@ -11287,7 +10187,7 @@
                         <a:t> </a:t>
                       </a:r>
                       <a:r>
-                        <a:rPr lang="en-US" sz="1100" i="0" baseline="30000" dirty="0">
+                        <a:rPr lang="es-ES" sz="1100" i="0" baseline="30000" dirty="0">
                           <a:solidFill>
                             <a:schemeClr val="tx1"/>
                           </a:solidFill>
@@ -11296,20 +10196,14 @@
                         <a:t>1 </a:t>
                       </a:r>
                       <a:r>
-                        <a:rPr lang="en-US" sz="1100" i="0" dirty="0">
+                        <a:rPr lang="es-ES" sz="1100" i="0" dirty="0">
                           <a:solidFill>
                             <a:schemeClr val="tx1"/>
                           </a:solidFill>
                           <a:latin typeface="Adobe Clean"/>
                         </a:rPr>
-                        <a:t>P2, P3, P4 cases are limited to business hours only in Japan.</a:t>
+                        <a:t>Los casos de P2, P3, P4 se limitan únicamente al horario laboral en Japón.</a:t>
                       </a:r>
-                      <a:endParaRPr lang="en-US" sz="1100" b="1" i="0" dirty="0">
-                        <a:solidFill>
-                          <a:schemeClr val="tx1"/>
-                        </a:solidFill>
-                        <a:latin typeface="Adobe Clean"/>
-                      </a:endParaRPr>
                     </a:p>
                   </a:txBody>
                   <a:tcPr anchor="ctr">
@@ -11673,129 +10567,15 @@
               </a:spcBef>
             </a:pPr>
             <a:r>
-              <a:rPr sz="1200" b="1" spc="-15">
+              <a:rPr lang="es-ES" sz="1200" b="1" dirty="0">
                 <a:solidFill>
                   <a:srgbClr val="FFFFFF"/>
                 </a:solidFill>
                 <a:latin typeface="Adobe Clean"/>
                 <a:cs typeface="Adobe Clean"/>
               </a:rPr>
-              <a:t>U</a:t>
+              <a:t>Experiencia sin igual</a:t>
             </a:r>
-            <a:r>
-              <a:rPr sz="1200" b="1" spc="-20">
-                <a:solidFill>
-                  <a:srgbClr val="FFFFFF"/>
-                </a:solidFill>
-                <a:latin typeface="Adobe Clean"/>
-                <a:cs typeface="Adobe Clean"/>
-              </a:rPr>
-              <a:t>n</a:t>
-            </a:r>
-            <a:r>
-              <a:rPr sz="1200" b="1" spc="-25">
-                <a:solidFill>
-                  <a:srgbClr val="FFFFFF"/>
-                </a:solidFill>
-                <a:latin typeface="Adobe Clean"/>
-                <a:cs typeface="Adobe Clean"/>
-              </a:rPr>
-              <a:t>p</a:t>
-            </a:r>
-            <a:r>
-              <a:rPr sz="1200" b="1" spc="-15">
-                <a:solidFill>
-                  <a:srgbClr val="FFFFFF"/>
-                </a:solidFill>
-                <a:latin typeface="Adobe Clean"/>
-                <a:cs typeface="Adobe Clean"/>
-              </a:rPr>
-              <a:t>a</a:t>
-            </a:r>
-            <a:r>
-              <a:rPr sz="1200" b="1" spc="-25">
-                <a:solidFill>
-                  <a:srgbClr val="FFFFFF"/>
-                </a:solidFill>
-                <a:latin typeface="Adobe Clean"/>
-                <a:cs typeface="Adobe Clean"/>
-              </a:rPr>
-              <a:t>r</a:t>
-            </a:r>
-            <a:r>
-              <a:rPr sz="1200" b="1" spc="-15">
-                <a:solidFill>
-                  <a:srgbClr val="FFFFFF"/>
-                </a:solidFill>
-                <a:latin typeface="Adobe Clean"/>
-                <a:cs typeface="Adobe Clean"/>
-              </a:rPr>
-              <a:t>a</a:t>
-            </a:r>
-            <a:r>
-              <a:rPr sz="1200" b="1" spc="-30">
-                <a:solidFill>
-                  <a:srgbClr val="FFFFFF"/>
-                </a:solidFill>
-                <a:latin typeface="Adobe Clean"/>
-                <a:cs typeface="Adobe Clean"/>
-              </a:rPr>
-              <a:t>ll</a:t>
-            </a:r>
-            <a:r>
-              <a:rPr sz="1200" b="1" spc="-25">
-                <a:solidFill>
-                  <a:srgbClr val="FFFFFF"/>
-                </a:solidFill>
-                <a:latin typeface="Adobe Clean"/>
-                <a:cs typeface="Adobe Clean"/>
-              </a:rPr>
-              <a:t>e</a:t>
-            </a:r>
-            <a:r>
-              <a:rPr sz="1200" b="1" spc="-30">
-                <a:solidFill>
-                  <a:srgbClr val="FFFFFF"/>
-                </a:solidFill>
-                <a:latin typeface="Adobe Clean"/>
-                <a:cs typeface="Adobe Clean"/>
-              </a:rPr>
-              <a:t>l</a:t>
-            </a:r>
-            <a:r>
-              <a:rPr sz="1200" b="1" spc="-25">
-                <a:solidFill>
-                  <a:srgbClr val="FFFFFF"/>
-                </a:solidFill>
-                <a:latin typeface="Adobe Clean"/>
-                <a:cs typeface="Adobe Clean"/>
-              </a:rPr>
-              <a:t>e</a:t>
-            </a:r>
-            <a:r>
-              <a:rPr sz="1200" b="1">
-                <a:solidFill>
-                  <a:srgbClr val="FFFFFF"/>
-                </a:solidFill>
-                <a:latin typeface="Adobe Clean"/>
-                <a:cs typeface="Adobe Clean"/>
-              </a:rPr>
-              <a:t>d  </a:t>
-            </a:r>
-            <a:r>
-              <a:rPr sz="1200" b="1" spc="-25">
-                <a:solidFill>
-                  <a:srgbClr val="FFFFFF"/>
-                </a:solidFill>
-                <a:latin typeface="Adobe Clean"/>
-                <a:cs typeface="Adobe Clean"/>
-              </a:rPr>
-              <a:t>Expertise</a:t>
-            </a:r>
-            <a:endParaRPr sz="1200">
-              <a:latin typeface="Adobe Clean"/>
-              <a:cs typeface="Adobe Clean"/>
-            </a:endParaRPr>
           </a:p>
         </p:txBody>
       </p:sp>
@@ -11813,8 +10593,8 @@
         </p:nvSpPr>
         <p:spPr>
           <a:xfrm>
-            <a:off x="4732495" y="8541244"/>
-            <a:ext cx="810895" cy="382797"/>
+            <a:off x="4658426" y="8531167"/>
+            <a:ext cx="884236" cy="382797"/>
           </a:xfrm>
           <a:prstGeom prst="rect">
             <a:avLst/>
@@ -11826,7 +10606,7 @@
           </a:bodyPr>
           <a:lstStyle/>
           <a:p>
-            <a:pPr marL="139065" marR="5080" indent="-139065">
+            <a:pPr marR="5080" algn="ctr">
               <a:lnSpc>
                 <a:spcPts val="1390"/>
               </a:lnSpc>
@@ -11835,19 +10615,15 @@
               </a:spcBef>
             </a:pPr>
             <a:r>
-              <a:rPr lang="en-US" sz="1200" b="1" spc="-15">
+              <a:rPr lang="es-ES" sz="1200" b="1" dirty="0">
                 <a:solidFill>
                   <a:srgbClr val="FFFFFF"/>
                 </a:solidFill>
                 <a:latin typeface="Adobe Clean"/>
                 <a:cs typeface="Adobe Clean"/>
               </a:rPr>
-              <a:t>Accelerated Support</a:t>
+              <a:t>Asistencia ágil</a:t>
             </a:r>
-            <a:endParaRPr sz="1200">
-              <a:latin typeface="Adobe Clean"/>
-              <a:cs typeface="Adobe Clean"/>
-            </a:endParaRPr>
           </a:p>
         </p:txBody>
       </p:sp>
@@ -11865,8 +10641,8 @@
         </p:nvSpPr>
         <p:spPr>
           <a:xfrm>
-            <a:off x="6624119" y="8543943"/>
-            <a:ext cx="510540" cy="385445"/>
+            <a:off x="6343650" y="8543943"/>
+            <a:ext cx="1071478" cy="385445"/>
           </a:xfrm>
           <a:prstGeom prst="rect">
             <a:avLst/>
@@ -11878,7 +10654,7 @@
           </a:bodyPr>
           <a:lstStyle/>
           <a:p>
-            <a:pPr marL="50800" marR="5080" indent="-51435">
+            <a:pPr marL="50800" marR="5080" indent="-51435" algn="ctr">
               <a:lnSpc>
                 <a:spcPts val="1390"/>
               </a:lnSpc>
@@ -11887,109 +10663,15 @@
               </a:spcBef>
             </a:pPr>
             <a:r>
-              <a:rPr sz="1200" b="1" spc="-50">
+              <a:rPr lang="es-ES" sz="1200" b="1" dirty="0">
                 <a:solidFill>
                   <a:srgbClr val="FFFFFF"/>
                 </a:solidFill>
                 <a:latin typeface="Adobe Clean"/>
                 <a:cs typeface="Adobe Clean"/>
               </a:rPr>
-              <a:t>S</a:t>
+              <a:t>Asesoría estratégica</a:t>
             </a:r>
-            <a:r>
-              <a:rPr sz="1200" b="1" spc="-20">
-                <a:solidFill>
-                  <a:srgbClr val="FFFFFF"/>
-                </a:solidFill>
-                <a:latin typeface="Adobe Clean"/>
-                <a:cs typeface="Adobe Clean"/>
-              </a:rPr>
-              <a:t>t</a:t>
-            </a:r>
-            <a:r>
-              <a:rPr sz="1200" b="1" spc="-75">
-                <a:solidFill>
-                  <a:srgbClr val="FFFFFF"/>
-                </a:solidFill>
-                <a:latin typeface="Adobe Clean"/>
-                <a:cs typeface="Adobe Clean"/>
-              </a:rPr>
-              <a:t>r</a:t>
-            </a:r>
-            <a:r>
-              <a:rPr sz="1200" b="1" spc="-90">
-                <a:solidFill>
-                  <a:srgbClr val="FFFFFF"/>
-                </a:solidFill>
-                <a:latin typeface="Adobe Clean"/>
-                <a:cs typeface="Adobe Clean"/>
-              </a:rPr>
-              <a:t>a</a:t>
-            </a:r>
-            <a:r>
-              <a:rPr sz="1200" b="1" spc="-55">
-                <a:solidFill>
-                  <a:srgbClr val="FFFFFF"/>
-                </a:solidFill>
-                <a:latin typeface="Adobe Clean"/>
-                <a:cs typeface="Adobe Clean"/>
-              </a:rPr>
-              <a:t>t</a:t>
-            </a:r>
-            <a:r>
-              <a:rPr sz="1200" b="1" spc="-100">
-                <a:solidFill>
-                  <a:srgbClr val="FFFFFF"/>
-                </a:solidFill>
-                <a:latin typeface="Adobe Clean"/>
-                <a:cs typeface="Adobe Clean"/>
-              </a:rPr>
-              <a:t>e</a:t>
-            </a:r>
-            <a:r>
-              <a:rPr sz="1200" b="1" spc="-80">
-                <a:solidFill>
-                  <a:srgbClr val="FFFFFF"/>
-                </a:solidFill>
-                <a:latin typeface="Adobe Clean"/>
-                <a:cs typeface="Adobe Clean"/>
-              </a:rPr>
-              <a:t>g</a:t>
-            </a:r>
-            <a:r>
-              <a:rPr sz="1200" b="1" spc="-35">
-                <a:solidFill>
-                  <a:srgbClr val="FFFFFF"/>
-                </a:solidFill>
-                <a:latin typeface="Adobe Clean"/>
-                <a:cs typeface="Adobe Clean"/>
-              </a:rPr>
-              <a:t>i</a:t>
-            </a:r>
-            <a:r>
-              <a:rPr sz="1200" b="1">
-                <a:solidFill>
-                  <a:srgbClr val="FFFFFF"/>
-                </a:solidFill>
-                <a:latin typeface="Adobe Clean"/>
-                <a:cs typeface="Adobe Clean"/>
-              </a:rPr>
-              <a:t>c  </a:t>
-            </a:r>
-            <a:r>
-              <a:rPr sz="1200" b="1" spc="-45">
-                <a:solidFill>
-                  <a:srgbClr val="FFFFFF"/>
-                </a:solidFill>
-                <a:latin typeface="Adobe Clean"/>
-                <a:cs typeface="Adobe Clean"/>
-              </a:rPr>
-              <a:t>Advice</a:t>
-            </a:r>
-            <a:endParaRPr sz="1200">
-              <a:latin typeface="Adobe Clean"/>
-              <a:cs typeface="Adobe Clean"/>
-            </a:endParaRPr>
           </a:p>
         </p:txBody>
       </p:sp>
@@ -12008,14 +10690,14 @@
           <p:nvPr>
             <p:extLst>
               <p:ext uri="{D42A27DB-BD31-4B8C-83A1-F6EECF244321}">
-                <p14:modId xmlns:p14="http://schemas.microsoft.com/office/powerpoint/2010/main" val="3773282750"/>
+                <p14:modId xmlns:p14="http://schemas.microsoft.com/office/powerpoint/2010/main" val="3067232937"/>
               </p:ext>
             </p:extLst>
           </p:nvPr>
         </p:nvGraphicFramePr>
         <p:xfrm>
           <a:off x="194236" y="1059345"/>
-          <a:ext cx="7368291" cy="3302000"/>
+          <a:ext cx="7368291" cy="3759200"/>
         </p:xfrm>
         <a:graphic>
           <a:graphicData uri="http://schemas.openxmlformats.org/drawingml/2006/table">
@@ -12046,7 +10728,7 @@
                     <a:lstStyle/>
                     <a:p>
                       <a:r>
-                        <a:rPr lang="en-US" sz="1100" b="0">
+                        <a:rPr lang="es-ES" sz="1100" b="0" dirty="0" err="1">
                           <a:solidFill>
                             <a:schemeClr val="tx1"/>
                           </a:solidFill>
@@ -12055,16 +10737,20 @@
                           <a:cs typeface="+mn-cs"/>
                           <a:hlinkClick r:id="rId7"/>
                         </a:rPr>
-                        <a:t>Experience League</a:t>
+                        <a:t>Experience</a:t>
                       </a:r>
-                      <a:endParaRPr lang="en-US" sz="1100" b="0">
-                        <a:solidFill>
-                          <a:schemeClr val="tx1"/>
-                        </a:solidFill>
-                        <a:latin typeface="Adobe Clean"/>
-                        <a:ea typeface="+mn-ea"/>
-                        <a:cs typeface="+mn-cs"/>
-                      </a:endParaRPr>
+                      <a:r>
+                        <a:rPr lang="es-ES" sz="1100" b="0" dirty="0">
+                          <a:solidFill>
+                            <a:schemeClr val="tx1"/>
+                          </a:solidFill>
+                          <a:latin typeface="Adobe Clean"/>
+                          <a:ea typeface="+mn-ea"/>
+                          <a:cs typeface="+mn-cs"/>
+                          <a:hlinkClick r:id="rId7"/>
+                        </a:rPr>
+                        <a:t> League</a:t>
+                      </a:r>
                     </a:p>
                   </a:txBody>
                   <a:tcPr marL="47625" marR="47625" marT="0" marB="0" anchor="ctr">
@@ -12136,7 +10822,7 @@
                         <a:buNone/>
                       </a:pPr>
                       <a:r>
-                        <a:rPr lang="en-US" sz="1000" b="0" kern="1200">
+                        <a:rPr lang="es-ES" sz="1000" b="0" dirty="0" err="1">
                           <a:solidFill>
                             <a:srgbClr val="000000"/>
                           </a:solidFill>
@@ -12144,16 +10830,19 @@
                           <a:ea typeface="+mn-ea"/>
                           <a:cs typeface="+mn-cs"/>
                         </a:rPr>
-                        <a:t>Experience League is how Adobe helps businesses achieve the value they expect from their Adobe investment. It’s the unified place where customers can learn, connect, and grow along a personalized path to success that includes self-help tutorials, product documentation, instructor-led training, community and technical support. </a:t>
+                        <a:t>Experience</a:t>
                       </a:r>
-                      <a:endParaRPr lang="en-US" sz="1000" b="0" kern="1200">
-                        <a:solidFill>
-                          <a:srgbClr val="000000"/>
-                        </a:solidFill>
-                        <a:latin typeface="Adobe Clean Light" panose="020B0303020404020204" pitchFamily="34" charset="0"/>
-                        <a:ea typeface="+mn-ea"/>
-                        <a:cs typeface="+mn-cs"/>
-                      </a:endParaRPr>
+                      <a:r>
+                        <a:rPr lang="es-ES" sz="1000" b="0" dirty="0">
+                          <a:solidFill>
+                            <a:srgbClr val="000000"/>
+                          </a:solidFill>
+                          <a:latin typeface="Adobe Clean Light"/>
+                          <a:ea typeface="+mn-ea"/>
+                          <a:cs typeface="+mn-cs"/>
+                        </a:rPr>
+                        <a:t> League permite a Adobe ayudar a las empresas a alcanzar el valor que esperan de su inversión en Adobe. Es el lugar unificado en el que los clientes pueden aprender, dialogar y crecer siguiendo un camino personalizado hacia el éxito que incluye tutoriales de autoayuda, documentación de productos, formación dirigida por instructores, y asistencia técnica y comunitaria. </a:t>
+                      </a:r>
                     </a:p>
                   </a:txBody>
                   <a:tcPr anchor="ctr">
@@ -12234,39 +10923,28 @@
                         <a:defRPr/>
                       </a:pPr>
                       <a:r>
-                        <a:rPr lang="en-US" sz="1100">
+                        <a:rPr lang="es-ES" sz="1100" dirty="0">
                           <a:solidFill>
                             <a:schemeClr val="dk1"/>
                           </a:solidFill>
-                          <a:effectLst/>
                           <a:latin typeface="Adobe Clean"/>
                           <a:ea typeface="+mn-ea"/>
                           <a:cs typeface="+mn-cs"/>
                           <a:hlinkClick r:id="rId8"/>
                         </a:rPr>
-                        <a:t>Training</a:t>
+                        <a:t>Formación</a:t>
                       </a:r>
                       <a:r>
-                        <a:rPr lang="en-US" sz="1100">
+                        <a:rPr lang="es-ES" sz="1100" dirty="0">
                           <a:solidFill>
                             <a:schemeClr val="dk1"/>
                           </a:solidFill>
-                          <a:effectLst/>
                           <a:latin typeface="Adobe Clean"/>
                           <a:ea typeface="+mn-ea"/>
                           <a:cs typeface="+mn-cs"/>
                         </a:rPr>
                         <a:t> </a:t>
                       </a:r>
-                      <a:endParaRPr lang="en-US" sz="1100">
-                        <a:solidFill>
-                          <a:schemeClr val="tx1"/>
-                        </a:solidFill>
-                        <a:effectLst/>
-                        <a:latin typeface="Adobe Clean"/>
-                        <a:ea typeface="+mn-ea"/>
-                        <a:cs typeface="+mn-cs"/>
-                      </a:endParaRPr>
                     </a:p>
                   </a:txBody>
                   <a:tcPr anchor="ctr">
@@ -12340,7 +11018,7 @@
                         <a:defRPr/>
                       </a:pPr>
                       <a:r>
-                        <a:rPr lang="en-US" sz="1000" kern="1200">
+                        <a:rPr lang="es-ES" sz="1000">
                           <a:solidFill>
                             <a:srgbClr val="000000"/>
                           </a:solidFill>
@@ -12348,7 +11026,7 @@
                           <a:ea typeface="+mn-ea"/>
                           <a:cs typeface="+mn-cs"/>
                         </a:rPr>
-                        <a:t>Adobe Digital Learning Services courses are accessible from Experience League. Learning courses integrate both on-demand and instructor-led lessons.  Here you can accrue skills that have recognized market value and position them to drive success in your organizations.</a:t>
+                        <a:t>Puede acceder a los cursos de Adobe Digital Learning Services desde Experience League. Los cursos de formación incluyen desde lecciones bajo demanda hasta lecciones impartidas por instructores.  Aquí puede aprender habilidades con valor de mercado reconocido para impulsar el éxito en su organización.</a:t>
                       </a:r>
                     </a:p>
                   </a:txBody>
@@ -12430,27 +11108,17 @@
                         <a:defRPr/>
                       </a:pPr>
                       <a:r>
-                        <a:rPr lang="en-US" sz="1100">
+                        <a:rPr lang="es-ES" sz="1100">
                           <a:solidFill>
                             <a:schemeClr val="tx1"/>
                           </a:solidFill>
-                          <a:effectLst/>
                           <a:latin typeface="Adobe Clean"/>
                           <a:ea typeface="+mn-ea"/>
                           <a:cs typeface="+mn-cs"/>
                           <a:hlinkClick r:id="rId9"/>
                         </a:rPr>
-                        <a:t>Production Issues &amp; System Outages</a:t>
+                        <a:t>Problemas de producción e interrupciones del sistema</a:t>
                       </a:r>
-                      <a:endParaRPr lang="en-US" sz="1100">
-                        <a:solidFill>
-                          <a:schemeClr val="tx1"/>
-                        </a:solidFill>
-                        <a:effectLst/>
-                        <a:latin typeface="Adobe Clean"/>
-                        <a:ea typeface="+mn-ea"/>
-                        <a:cs typeface="+mn-cs"/>
-                      </a:endParaRPr>
                     </a:p>
                   </a:txBody>
                   <a:tcPr anchor="ctr">
@@ -12522,7 +11190,7 @@
                         <a:buNone/>
                       </a:pPr>
                       <a:r>
-                        <a:rPr lang="en-US" sz="1000" kern="1200">
+                        <a:rPr lang="es-ES" sz="1000">
                           <a:solidFill>
                             <a:srgbClr val="000000"/>
                           </a:solidFill>
@@ -12530,16 +11198,8 @@
                           <a:ea typeface="+mn-ea"/>
                           <a:cs typeface="+mn-cs"/>
                         </a:rPr>
-                        <a:t>Status.adobe.com conveys the health information of all Adobe products and services that are deployed in multi-tenant environments. Customers can choose their subscription preferences to get email notifications whenever Adobe creates, updates or resolves a product event. This can include scheduled maintenance or service issues of varying levels of severity. </a:t>
+                        <a:t>Status.adobe.com transmite la información de estado de todos los productos y servicios de Adobe implementados en entornos de varios inquilinos. Los clientes pueden elegir sus preferencias de suscripción para recibir notificaciones por correo electrónico cada vez que Adobe cree, actualice o resuelva un evento de producto. Esto puede incluir problemas de mantenimiento o servicio programados de diversos niveles de gravedad. </a:t>
                       </a:r>
-                      <a:endParaRPr lang="en-US" sz="1000" kern="1200">
-                        <a:solidFill>
-                          <a:srgbClr val="000000"/>
-                        </a:solidFill>
-                        <a:latin typeface="Adobe Clean Light" panose="020B0303020404020204" pitchFamily="34" charset="0"/>
-                        <a:ea typeface="+mn-ea"/>
-                        <a:cs typeface="+mn-cs"/>
-                      </a:endParaRPr>
                     </a:p>
                   </a:txBody>
                   <a:tcPr anchor="ctr">
@@ -12620,27 +11280,17 @@
                         <a:defRPr/>
                       </a:pPr>
                       <a:r>
-                        <a:rPr lang="en-US" sz="1100" b="0" i="0">
+                        <a:rPr lang="es-ES" sz="1100" b="0" i="0">
                           <a:solidFill>
                             <a:schemeClr val="dk1"/>
                           </a:solidFill>
-                          <a:effectLst/>
                           <a:latin typeface="Adobe Clean"/>
                           <a:ea typeface="+mn-ea"/>
                           <a:cs typeface="+mn-cs"/>
-                          <a:hlinkClick r:id="rId10" tooltip="https://helpx.adobe.com/support/programs/enterprise-support-programs/premier-support-business.html"/>
+                          <a:hlinkClick r:id="rId10" tooltip="https://helpx.adobe.com/es/support/programs/enterprise-support-programs/premier-support-business.html"/>
                         </a:rPr>
-                        <a:t>Business Support Website</a:t>
+                        <a:t>Sitio web de soporte Business</a:t>
                       </a:r>
-                      <a:endParaRPr lang="en-US" sz="1100" b="0" i="0">
-                        <a:solidFill>
-                          <a:schemeClr val="dk1"/>
-                        </a:solidFill>
-                        <a:effectLst/>
-                        <a:latin typeface="Adobe Clean"/>
-                        <a:ea typeface="+mn-ea"/>
-                        <a:cs typeface="+mn-cs"/>
-                      </a:endParaRPr>
                     </a:p>
                   </a:txBody>
                   <a:tcPr anchor="ctr">
@@ -12697,7 +11347,7 @@
                     <a:lstStyle/>
                     <a:p>
                       <a:r>
-                        <a:rPr lang="en-US" sz="1000" kern="1200">
+                        <a:rPr lang="es-ES" sz="1000">
                           <a:solidFill>
                             <a:srgbClr val="000000"/>
                           </a:solidFill>
@@ -12705,16 +11355,8 @@
                           <a:ea typeface="+mn-ea"/>
                           <a:cs typeface="+mn-cs"/>
                         </a:rPr>
-                        <a:t>Adobe Business Support website.</a:t>
+                        <a:t>Sitio web de soporte Business de Adobe.</a:t>
                       </a:r>
-                      <a:endParaRPr lang="en-US" sz="1000" kern="1200">
-                        <a:solidFill>
-                          <a:srgbClr val="000000"/>
-                        </a:solidFill>
-                        <a:latin typeface="Adobe Clean Light" panose="020B0303020404020204" pitchFamily="34" charset="0"/>
-                        <a:ea typeface="+mn-ea"/>
-                        <a:cs typeface="+mn-cs"/>
-                      </a:endParaRPr>
                     </a:p>
                   </a:txBody>
                   <a:tcPr anchor="ctr">
@@ -12795,27 +11437,17 @@
                         <a:defRPr/>
                       </a:pPr>
                       <a:r>
-                        <a:rPr lang="en-US" sz="1100">
+                        <a:rPr lang="es-ES" sz="1100">
                           <a:solidFill>
                             <a:schemeClr val="tx1"/>
                           </a:solidFill>
-                          <a:effectLst/>
                           <a:latin typeface="Adobe Clean"/>
                           <a:ea typeface="+mn-ea"/>
                           <a:cs typeface="+mn-cs"/>
                           <a:hlinkClick r:id="rId11"/>
                         </a:rPr>
-                        <a:t>Terms and Conditions</a:t>
+                        <a:t>Términos y condiciones</a:t>
                       </a:r>
-                      <a:endParaRPr lang="en-US" sz="1100">
-                        <a:solidFill>
-                          <a:schemeClr val="tx1"/>
-                        </a:solidFill>
-                        <a:effectLst/>
-                        <a:latin typeface="Adobe Clean"/>
-                        <a:ea typeface="+mn-ea"/>
-                        <a:cs typeface="+mn-cs"/>
-                      </a:endParaRPr>
                     </a:p>
                   </a:txBody>
                   <a:tcPr anchor="ctr">
@@ -12872,7 +11504,7 @@
                     <a:lstStyle/>
                     <a:p>
                       <a:r>
-                        <a:rPr lang="en-US" sz="1000" kern="1200">
+                        <a:rPr lang="es-ES" sz="1000" dirty="0">
                           <a:solidFill>
                             <a:srgbClr val="000000"/>
                           </a:solidFill>
@@ -12880,16 +11512,8 @@
                           <a:ea typeface="+mn-ea"/>
                           <a:cs typeface="+mn-cs"/>
                         </a:rPr>
-                        <a:t>Terms and conditions detailing Support Services offerings.</a:t>
+                        <a:t>Términos y condiciones de las ofertas de los servicios de soporte.</a:t>
                       </a:r>
-                      <a:endParaRPr lang="en-US" sz="1000" kern="1200">
-                        <a:solidFill>
-                          <a:srgbClr val="000000"/>
-                        </a:solidFill>
-                        <a:latin typeface="Adobe Clean Light" panose="020B0303020404020204" pitchFamily="34" charset="0"/>
-                        <a:ea typeface="+mn-ea"/>
-                        <a:cs typeface="+mn-cs"/>
-                      </a:endParaRPr>
                     </a:p>
                   </a:txBody>
                   <a:tcPr anchor="ctr">
@@ -13659,18 +12283,18 @@
 </file>
 
 <file path=customXml/item1.xml><?xml version="1.0" encoding="utf-8"?>
-<p:properties xmlns:p="http://schemas.microsoft.com/office/2006/metadata/properties" xmlns:xsi="http://www.w3.org/2001/XMLSchema-instance" xmlns:pc="http://schemas.microsoft.com/office/infopath/2007/PartnerControls">
-  <documentManagement/>
-</p:properties>
-</file>
-
-<file path=customXml/item2.xml><?xml version="1.0" encoding="utf-8"?>
 <?mso-contentType ?>
 <FormTemplates xmlns="http://schemas.microsoft.com/sharepoint/v3/contenttype/forms">
   <Display>DocumentLibraryForm</Display>
   <Edit>DocumentLibraryForm</Edit>
   <New>DocumentLibraryForm</New>
 </FormTemplates>
+</file>
+
+<file path=customXml/item2.xml><?xml version="1.0" encoding="utf-8"?>
+<p:properties xmlns:p="http://schemas.microsoft.com/office/2006/metadata/properties" xmlns:xsi="http://www.w3.org/2001/XMLSchema-instance" xmlns:pc="http://schemas.microsoft.com/office/infopath/2007/PartnerControls">
+  <documentManagement/>
+</p:properties>
 </file>
 
 <file path=customXml/item3.xml><?xml version="1.0" encoding="utf-8"?>
@@ -13879,6 +12503,14 @@
 </file>
 
 <file path=customXml/itemProps1.xml><?xml version="1.0" encoding="utf-8"?>
+<ds:datastoreItem xmlns:ds="http://schemas.openxmlformats.org/officeDocument/2006/customXml" ds:itemID="{95AE3B0B-E909-400C-B0B3-909FB50E07DE}">
+  <ds:schemaRefs>
+    <ds:schemaRef ds:uri="http://schemas.microsoft.com/sharepoint/v3/contenttype/forms"/>
+  </ds:schemaRefs>
+</ds:datastoreItem>
+</file>
+
+<file path=customXml/itemProps2.xml><?xml version="1.0" encoding="utf-8"?>
 <ds:datastoreItem xmlns:ds="http://schemas.openxmlformats.org/officeDocument/2006/customXml" ds:itemID="{10FC3CAF-E6F1-40E3-87D4-6B781C97D6B4}">
   <ds:schemaRefs>
     <ds:schemaRef ds:uri="6c8368ec-3776-49b5-a5bb-90648cf9530f"/>
@@ -13891,14 +12523,6 @@
     <ds:schemaRef ds:uri="http://schemas.microsoft.com/office/infopath/2007/PartnerControls"/>
     <ds:schemaRef ds:uri="http://schemas.openxmlformats.org/package/2006/metadata/core-properties"/>
     <ds:schemaRef ds:uri="http://www.w3.org/XML/1998/namespace"/>
-  </ds:schemaRefs>
-</ds:datastoreItem>
-</file>
-
-<file path=customXml/itemProps2.xml><?xml version="1.0" encoding="utf-8"?>
-<ds:datastoreItem xmlns:ds="http://schemas.openxmlformats.org/officeDocument/2006/customXml" ds:itemID="{95AE3B0B-E909-400C-B0B3-909FB50E07DE}">
-  <ds:schemaRefs>
-    <ds:schemaRef ds:uri="http://schemas.microsoft.com/sharepoint/v3/contenttype/forms"/>
   </ds:schemaRefs>
 </ds:datastoreItem>
 </file>

--- a/help/data-sheets/assets/BusinessSupportDatasheet.pptx
+++ b/help/data-sheets/assets/BusinessSupportDatasheet.pptx
@@ -140,32 +140,55 @@
 </p:cmAuthorLst>
 </file>
 
-<file path=ppt/revisionInfo.xml><?xml version="1.0" encoding="utf-8"?>
-<p1510:revInfo xmlns:a="http://schemas.openxmlformats.org/drawingml/2006/main" xmlns:r="http://schemas.openxmlformats.org/officeDocument/2006/relationships" xmlns:p1510="http://schemas.microsoft.com/office/powerpoint/2015/10/main">
-  <p1510:revLst>
-    <p1510:client id="{61630BD6-9AE9-064C-B39F-AFA945B82B3E}" v="202" dt="2021-10-13T19:21:08.267"/>
-    <p1510:client id="{AC30C20D-1316-8ECC-DADD-39CCEC6A7FCF}" v="9" dt="2021-10-13T19:03:35.035"/>
-  </p1510:revLst>
-</p1510:revInfo>
-</file>
-
 <file path=ppt/changesInfos/changesInfo1.xml><?xml version="1.0" encoding="utf-8"?>
 <pc:chgInfo xmlns:a="http://schemas.openxmlformats.org/drawingml/2006/main" xmlns:r="http://schemas.openxmlformats.org/officeDocument/2006/relationships" xmlns:ac="http://schemas.microsoft.com/office/drawing/2013/main/command" xmlns:pc="http://schemas.microsoft.com/office/powerpoint/2013/main/command">
   <pc:docChgLst>
-    <pc:chgData name="Akilah Johnson" userId="S::akjohnso@adobe.com::2fa3aa60-0c9c-4d06-bae2-795983241227" providerId="AD" clId="Web-{4D8E0410-E0CE-85E2-0F84-C1BF4F647622}"/>
+    <pc:chgData name="Akilah Johnson" userId="S::akjohnso@adobe.com::2fa3aa60-0c9c-4d06-bae2-795983241227" providerId="AD" clId="Web-{71D6CFBF-0EA2-99B0-93F4-22F19EF0AE4E}"/>
     <pc:docChg chg="modSld">
-      <pc:chgData name="Akilah Johnson" userId="S::akjohnso@adobe.com::2fa3aa60-0c9c-4d06-bae2-795983241227" providerId="AD" clId="Web-{4D8E0410-E0CE-85E2-0F84-C1BF4F647622}" dt="2021-09-22T22:57:04.802" v="5"/>
+      <pc:chgData name="Akilah Johnson" userId="S::akjohnso@adobe.com::2fa3aa60-0c9c-4d06-bae2-795983241227" providerId="AD" clId="Web-{71D6CFBF-0EA2-99B0-93F4-22F19EF0AE4E}" dt="2021-09-22T19:06:58.732" v="1" actId="1076"/>
       <pc:docMkLst>
         <pc:docMk/>
       </pc:docMkLst>
       <pc:sldChg chg="modSp">
-        <pc:chgData name="Akilah Johnson" userId="S::akjohnso@adobe.com::2fa3aa60-0c9c-4d06-bae2-795983241227" providerId="AD" clId="Web-{4D8E0410-E0CE-85E2-0F84-C1BF4F647622}" dt="2021-09-22T22:57:04.802" v="5"/>
+        <pc:chgData name="Akilah Johnson" userId="S::akjohnso@adobe.com::2fa3aa60-0c9c-4d06-bae2-795983241227" providerId="AD" clId="Web-{71D6CFBF-0EA2-99B0-93F4-22F19EF0AE4E}" dt="2021-09-22T19:06:58.732" v="1" actId="1076"/>
         <pc:sldMkLst>
           <pc:docMk/>
           <pc:sldMk cId="1050037809" sldId="261"/>
         </pc:sldMkLst>
+        <pc:spChg chg="mod">
+          <ac:chgData name="Akilah Johnson" userId="S::akjohnso@adobe.com::2fa3aa60-0c9c-4d06-bae2-795983241227" providerId="AD" clId="Web-{71D6CFBF-0EA2-99B0-93F4-22F19EF0AE4E}" dt="2021-09-22T19:06:58.732" v="1" actId="1076"/>
+          <ac:spMkLst>
+            <pc:docMk/>
+            <pc:sldMk cId="1050037809" sldId="261"/>
+            <ac:spMk id="64" creationId="{41467BDC-3D83-D844-B922-CD07E94E5AAB}"/>
+          </ac:spMkLst>
+        </pc:spChg>
+      </pc:sldChg>
+    </pc:docChg>
+  </pc:docChgLst>
+  <pc:docChgLst>
+    <pc:chgData name="Akilah Johnson" userId="S::akjohnso@adobe.com::2fa3aa60-0c9c-4d06-bae2-795983241227" providerId="AD" clId="Web-{AFB92C2B-405E-C597-0988-18F97C53104C}"/>
+    <pc:docChg chg="modSld">
+      <pc:chgData name="Akilah Johnson" userId="S::akjohnso@adobe.com::2fa3aa60-0c9c-4d06-bae2-795983241227" providerId="AD" clId="Web-{AFB92C2B-405E-C597-0988-18F97C53104C}" dt="2021-09-22T18:53:26.184" v="29"/>
+      <pc:docMkLst>
+        <pc:docMk/>
+      </pc:docMkLst>
+      <pc:sldChg chg="modSp">
+        <pc:chgData name="Akilah Johnson" userId="S::akjohnso@adobe.com::2fa3aa60-0c9c-4d06-bae2-795983241227" providerId="AD" clId="Web-{AFB92C2B-405E-C597-0988-18F97C53104C}" dt="2021-09-22T18:53:26.184" v="29"/>
+        <pc:sldMkLst>
+          <pc:docMk/>
+          <pc:sldMk cId="1050037809" sldId="261"/>
+        </pc:sldMkLst>
+        <pc:spChg chg="mod">
+          <ac:chgData name="Akilah Johnson" userId="S::akjohnso@adobe.com::2fa3aa60-0c9c-4d06-bae2-795983241227" providerId="AD" clId="Web-{AFB92C2B-405E-C597-0988-18F97C53104C}" dt="2021-09-22T18:53:05.841" v="5" actId="20577"/>
+          <ac:spMkLst>
+            <pc:docMk/>
+            <pc:sldMk cId="1050037809" sldId="261"/>
+            <ac:spMk id="64" creationId="{41467BDC-3D83-D844-B922-CD07E94E5AAB}"/>
+          </ac:spMkLst>
+        </pc:spChg>
         <pc:graphicFrameChg chg="mod modGraphic">
-          <ac:chgData name="Akilah Johnson" userId="S::akjohnso@adobe.com::2fa3aa60-0c9c-4d06-bae2-795983241227" providerId="AD" clId="Web-{4D8E0410-E0CE-85E2-0F84-C1BF4F647622}" dt="2021-09-22T22:57:04.802" v="5"/>
+          <ac:chgData name="Akilah Johnson" userId="S::akjohnso@adobe.com::2fa3aa60-0c9c-4d06-bae2-795983241227" providerId="AD" clId="Web-{AFB92C2B-405E-C597-0988-18F97C53104C}" dt="2021-09-22T18:53:26.184" v="29"/>
           <ac:graphicFrameMkLst>
             <pc:docMk/>
             <pc:sldMk cId="1050037809" sldId="261"/>
@@ -223,6 +246,117 @@
     </pc:docChg>
   </pc:docChgLst>
   <pc:docChgLst>
+    <pc:chgData name="Ankita Sood" userId="c93a62e3-2a47-429d-82c6-c2a8fd110ae7" providerId="ADAL" clId="{EADEB940-4844-7941-8DD1-C0A7CBA2737C}"/>
+    <pc:docChg chg="modSld">
+      <pc:chgData name="Ankita Sood" userId="c93a62e3-2a47-429d-82c6-c2a8fd110ae7" providerId="ADAL" clId="{EADEB940-4844-7941-8DD1-C0A7CBA2737C}" dt="2022-01-20T19:38:27.531" v="31" actId="20577"/>
+      <pc:docMkLst>
+        <pc:docMk/>
+      </pc:docMkLst>
+      <pc:sldChg chg="modSp mod">
+        <pc:chgData name="Ankita Sood" userId="c93a62e3-2a47-429d-82c6-c2a8fd110ae7" providerId="ADAL" clId="{EADEB940-4844-7941-8DD1-C0A7CBA2737C}" dt="2022-01-20T19:38:22.046" v="23" actId="20577"/>
+        <pc:sldMkLst>
+          <pc:docMk/>
+          <pc:sldMk cId="0" sldId="256"/>
+        </pc:sldMkLst>
+        <pc:spChg chg="mod">
+          <ac:chgData name="Ankita Sood" userId="c93a62e3-2a47-429d-82c6-c2a8fd110ae7" providerId="ADAL" clId="{EADEB940-4844-7941-8DD1-C0A7CBA2737C}" dt="2022-01-20T19:38:07.964" v="7" actId="20577"/>
+          <ac:spMkLst>
+            <pc:docMk/>
+            <pc:sldMk cId="0" sldId="256"/>
+            <ac:spMk id="5" creationId="{00000000-0000-0000-0000-000000000000}"/>
+          </ac:spMkLst>
+        </pc:spChg>
+        <pc:graphicFrameChg chg="modGraphic">
+          <ac:chgData name="Ankita Sood" userId="c93a62e3-2a47-429d-82c6-c2a8fd110ae7" providerId="ADAL" clId="{EADEB940-4844-7941-8DD1-C0A7CBA2737C}" dt="2022-01-20T19:38:22.046" v="23" actId="20577"/>
+          <ac:graphicFrameMkLst>
+            <pc:docMk/>
+            <pc:sldMk cId="0" sldId="256"/>
+            <ac:graphicFrameMk id="9" creationId="{00000000-0000-0000-0000-000000000000}"/>
+          </ac:graphicFrameMkLst>
+        </pc:graphicFrameChg>
+        <pc:graphicFrameChg chg="modGraphic">
+          <ac:chgData name="Ankita Sood" userId="c93a62e3-2a47-429d-82c6-c2a8fd110ae7" providerId="ADAL" clId="{EADEB940-4844-7941-8DD1-C0A7CBA2737C}" dt="2022-01-20T19:38:16.769" v="15" actId="20577"/>
+          <ac:graphicFrameMkLst>
+            <pc:docMk/>
+            <pc:sldMk cId="0" sldId="256"/>
+            <ac:graphicFrameMk id="11" creationId="{3AC7AEA2-E7A4-BD48-80EA-856168E207F6}"/>
+          </ac:graphicFrameMkLst>
+        </pc:graphicFrameChg>
+      </pc:sldChg>
+      <pc:sldChg chg="modSp mod">
+        <pc:chgData name="Ankita Sood" userId="c93a62e3-2a47-429d-82c6-c2a8fd110ae7" providerId="ADAL" clId="{EADEB940-4844-7941-8DD1-C0A7CBA2737C}" dt="2022-01-20T19:38:27.531" v="31" actId="20577"/>
+        <pc:sldMkLst>
+          <pc:docMk/>
+          <pc:sldMk cId="0" sldId="257"/>
+        </pc:sldMkLst>
+        <pc:spChg chg="mod">
+          <ac:chgData name="Ankita Sood" userId="c93a62e3-2a47-429d-82c6-c2a8fd110ae7" providerId="ADAL" clId="{EADEB940-4844-7941-8DD1-C0A7CBA2737C}" dt="2022-01-20T19:38:27.531" v="31" actId="20577"/>
+          <ac:spMkLst>
+            <pc:docMk/>
+            <pc:sldMk cId="0" sldId="257"/>
+            <ac:spMk id="44" creationId="{147009FB-1B8D-6D4F-87DF-41B5DE49EFE5}"/>
+          </ac:spMkLst>
+        </pc:spChg>
+      </pc:sldChg>
+    </pc:docChg>
+  </pc:docChgLst>
+  <pc:docChgLst>
+    <pc:chgData name="Andy Witt" userId="S::awitt@adobe.com::e9157bdf-53b2-40e4-9459-936793d75696" providerId="AD" clId="Web-{CA5D33DF-AE75-BCA1-B9BC-A7CD44D2F3C7}"/>
+    <pc:docChg chg="modSld">
+      <pc:chgData name="Andy Witt" userId="S::awitt@adobe.com::e9157bdf-53b2-40e4-9459-936793d75696" providerId="AD" clId="Web-{CA5D33DF-AE75-BCA1-B9BC-A7CD44D2F3C7}" dt="2021-08-25T22:38:18.624" v="1" actId="1076"/>
+      <pc:docMkLst>
+        <pc:docMk/>
+      </pc:docMkLst>
+      <pc:sldChg chg="modSp">
+        <pc:chgData name="Andy Witt" userId="S::awitt@adobe.com::e9157bdf-53b2-40e4-9459-936793d75696" providerId="AD" clId="Web-{CA5D33DF-AE75-BCA1-B9BC-A7CD44D2F3C7}" dt="2021-08-25T22:38:18.624" v="1" actId="1076"/>
+        <pc:sldMkLst>
+          <pc:docMk/>
+          <pc:sldMk cId="1050037809" sldId="261"/>
+        </pc:sldMkLst>
+        <pc:spChg chg="mod">
+          <ac:chgData name="Andy Witt" userId="S::awitt@adobe.com::e9157bdf-53b2-40e4-9459-936793d75696" providerId="AD" clId="Web-{CA5D33DF-AE75-BCA1-B9BC-A7CD44D2F3C7}" dt="2021-08-25T22:38:18.624" v="1" actId="1076"/>
+          <ac:spMkLst>
+            <pc:docMk/>
+            <pc:sldMk cId="1050037809" sldId="261"/>
+            <ac:spMk id="50" creationId="{043050D0-21FC-0C42-8484-7FE7C0DB771F}"/>
+          </ac:spMkLst>
+        </pc:spChg>
+      </pc:sldChg>
+    </pc:docChg>
+  </pc:docChgLst>
+  <pc:docChgLst>
+    <pc:chgData name="Lauren Schutte" userId="6e08b2d3-447a-4d66-86be-444d50df187f" providerId="ADAL" clId="{61630BD6-9AE9-064C-B39F-AFA945B82B3E}"/>
+    <pc:docChg chg="undo custSel modSld">
+      <pc:chgData name="Lauren Schutte" userId="6e08b2d3-447a-4d66-86be-444d50df187f" providerId="ADAL" clId="{61630BD6-9AE9-064C-B39F-AFA945B82B3E}" dt="2021-10-13T19:21:08.267" v="201" actId="20577"/>
+      <pc:docMkLst>
+        <pc:docMk/>
+      </pc:docMkLst>
+      <pc:sldChg chg="modSp mod">
+        <pc:chgData name="Lauren Schutte" userId="6e08b2d3-447a-4d66-86be-444d50df187f" providerId="ADAL" clId="{61630BD6-9AE9-064C-B39F-AFA945B82B3E}" dt="2021-10-13T19:21:08.267" v="201" actId="20577"/>
+        <pc:sldMkLst>
+          <pc:docMk/>
+          <pc:sldMk cId="0" sldId="256"/>
+        </pc:sldMkLst>
+        <pc:spChg chg="mod">
+          <ac:chgData name="Lauren Schutte" userId="6e08b2d3-447a-4d66-86be-444d50df187f" providerId="ADAL" clId="{61630BD6-9AE9-064C-B39F-AFA945B82B3E}" dt="2021-10-13T19:03:44.344" v="3" actId="1076"/>
+          <ac:spMkLst>
+            <pc:docMk/>
+            <pc:sldMk cId="0" sldId="256"/>
+            <ac:spMk id="3" creationId="{00000000-0000-0000-0000-000000000000}"/>
+          </ac:spMkLst>
+        </pc:spChg>
+        <pc:graphicFrameChg chg="mod modGraphic">
+          <ac:chgData name="Lauren Schutte" userId="6e08b2d3-447a-4d66-86be-444d50df187f" providerId="ADAL" clId="{61630BD6-9AE9-064C-B39F-AFA945B82B3E}" dt="2021-10-13T19:21:08.267" v="201" actId="20577"/>
+          <ac:graphicFrameMkLst>
+            <pc:docMk/>
+            <pc:sldMk cId="0" sldId="256"/>
+            <ac:graphicFrameMk id="9" creationId="{00000000-0000-0000-0000-000000000000}"/>
+          </ac:graphicFrameMkLst>
+        </pc:graphicFrameChg>
+      </pc:sldChg>
+    </pc:docChg>
+  </pc:docChgLst>
+  <pc:docChgLst>
     <pc:chgData name="Andy Witt" userId="S::awitt@adobe.com::e9157bdf-53b2-40e4-9459-936793d75696" providerId="AD" clId="Web-{06B13378-B080-7F0F-51A5-F9203CEE57ED}"/>
     <pc:docChg chg="modSld">
       <pc:chgData name="Andy Witt" userId="S::awitt@adobe.com::e9157bdf-53b2-40e4-9459-936793d75696" providerId="AD" clId="Web-{06B13378-B080-7F0F-51A5-F9203CEE57ED}" dt="2021-08-25T22:25:13.647" v="363"/>
@@ -247,50 +381,26 @@
     </pc:docChg>
   </pc:docChgLst>
   <pc:docChgLst>
-    <pc:chgData name="Akilah Johnson" userId="S::akjohnso@adobe.com::2fa3aa60-0c9c-4d06-bae2-795983241227" providerId="AD" clId="Web-{71D6CFBF-0EA2-99B0-93F4-22F19EF0AE4E}"/>
+    <pc:chgData name="Akilah Johnson" userId="S::akjohnso@adobe.com::2fa3aa60-0c9c-4d06-bae2-795983241227" providerId="AD" clId="Web-{4D8E0410-E0CE-85E2-0F84-C1BF4F647622}"/>
     <pc:docChg chg="modSld">
-      <pc:chgData name="Akilah Johnson" userId="S::akjohnso@adobe.com::2fa3aa60-0c9c-4d06-bae2-795983241227" providerId="AD" clId="Web-{71D6CFBF-0EA2-99B0-93F4-22F19EF0AE4E}" dt="2021-09-22T19:06:58.732" v="1" actId="1076"/>
+      <pc:chgData name="Akilah Johnson" userId="S::akjohnso@adobe.com::2fa3aa60-0c9c-4d06-bae2-795983241227" providerId="AD" clId="Web-{4D8E0410-E0CE-85E2-0F84-C1BF4F647622}" dt="2021-09-22T22:57:04.802" v="5"/>
       <pc:docMkLst>
         <pc:docMk/>
       </pc:docMkLst>
       <pc:sldChg chg="modSp">
-        <pc:chgData name="Akilah Johnson" userId="S::akjohnso@adobe.com::2fa3aa60-0c9c-4d06-bae2-795983241227" providerId="AD" clId="Web-{71D6CFBF-0EA2-99B0-93F4-22F19EF0AE4E}" dt="2021-09-22T19:06:58.732" v="1" actId="1076"/>
+        <pc:chgData name="Akilah Johnson" userId="S::akjohnso@adobe.com::2fa3aa60-0c9c-4d06-bae2-795983241227" providerId="AD" clId="Web-{4D8E0410-E0CE-85E2-0F84-C1BF4F647622}" dt="2021-09-22T22:57:04.802" v="5"/>
         <pc:sldMkLst>
           <pc:docMk/>
           <pc:sldMk cId="1050037809" sldId="261"/>
         </pc:sldMkLst>
-        <pc:spChg chg="mod">
-          <ac:chgData name="Akilah Johnson" userId="S::akjohnso@adobe.com::2fa3aa60-0c9c-4d06-bae2-795983241227" providerId="AD" clId="Web-{71D6CFBF-0EA2-99B0-93F4-22F19EF0AE4E}" dt="2021-09-22T19:06:58.732" v="1" actId="1076"/>
-          <ac:spMkLst>
+        <pc:graphicFrameChg chg="mod modGraphic">
+          <ac:chgData name="Akilah Johnson" userId="S::akjohnso@adobe.com::2fa3aa60-0c9c-4d06-bae2-795983241227" providerId="AD" clId="Web-{4D8E0410-E0CE-85E2-0F84-C1BF4F647622}" dt="2021-09-22T22:57:04.802" v="5"/>
+          <ac:graphicFrameMkLst>
             <pc:docMk/>
             <pc:sldMk cId="1050037809" sldId="261"/>
-            <ac:spMk id="64" creationId="{41467BDC-3D83-D844-B922-CD07E94E5AAB}"/>
-          </ac:spMkLst>
-        </pc:spChg>
-      </pc:sldChg>
-    </pc:docChg>
-  </pc:docChgLst>
-  <pc:docChgLst>
-    <pc:chgData name="Akilah Johnson" userId="S::akjohnso@adobe.com::2fa3aa60-0c9c-4d06-bae2-795983241227" providerId="AD" clId="Web-{D428A0AE-54E2-30D2-C574-7A0742876CCF}"/>
-    <pc:docChg chg="modSld">
-      <pc:chgData name="Akilah Johnson" userId="S::akjohnso@adobe.com::2fa3aa60-0c9c-4d06-bae2-795983241227" providerId="AD" clId="Web-{D428A0AE-54E2-30D2-C574-7A0742876CCF}" dt="2021-10-12T19:11:25.330" v="0" actId="20577"/>
-      <pc:docMkLst>
-        <pc:docMk/>
-      </pc:docMkLst>
-      <pc:sldChg chg="modSp">
-        <pc:chgData name="Akilah Johnson" userId="S::akjohnso@adobe.com::2fa3aa60-0c9c-4d06-bae2-795983241227" providerId="AD" clId="Web-{D428A0AE-54E2-30D2-C574-7A0742876CCF}" dt="2021-10-12T19:11:25.330" v="0" actId="20577"/>
-        <pc:sldMkLst>
-          <pc:docMk/>
-          <pc:sldMk cId="0" sldId="256"/>
-        </pc:sldMkLst>
-        <pc:spChg chg="mod">
-          <ac:chgData name="Akilah Johnson" userId="S::akjohnso@adobe.com::2fa3aa60-0c9c-4d06-bae2-795983241227" providerId="AD" clId="Web-{D428A0AE-54E2-30D2-C574-7A0742876CCF}" dt="2021-10-12T19:11:25.330" v="0" actId="20577"/>
-          <ac:spMkLst>
-            <pc:docMk/>
-            <pc:sldMk cId="0" sldId="256"/>
-            <ac:spMk id="4" creationId="{00000000-0000-0000-0000-000000000000}"/>
-          </ac:spMkLst>
-        </pc:spChg>
+            <ac:graphicFrameMk id="25" creationId="{3A91F5B0-3974-A14D-A146-FB590F2AAD18}"/>
+          </ac:graphicFrameMkLst>
+        </pc:graphicFrameChg>
       </pc:sldChg>
     </pc:docChg>
   </pc:docChgLst>
@@ -327,88 +437,24 @@
     </pc:docChg>
   </pc:docChgLst>
   <pc:docChgLst>
-    <pc:chgData name="Akilah Johnson" userId="S::akjohnso@adobe.com::2fa3aa60-0c9c-4d06-bae2-795983241227" providerId="AD" clId="Web-{AFB92C2B-405E-C597-0988-18F97C53104C}"/>
+    <pc:chgData name="Akilah Johnson" userId="S::akjohnso@adobe.com::2fa3aa60-0c9c-4d06-bae2-795983241227" providerId="AD" clId="Web-{D428A0AE-54E2-30D2-C574-7A0742876CCF}"/>
     <pc:docChg chg="modSld">
-      <pc:chgData name="Akilah Johnson" userId="S::akjohnso@adobe.com::2fa3aa60-0c9c-4d06-bae2-795983241227" providerId="AD" clId="Web-{AFB92C2B-405E-C597-0988-18F97C53104C}" dt="2021-09-22T18:53:26.184" v="29"/>
+      <pc:chgData name="Akilah Johnson" userId="S::akjohnso@adobe.com::2fa3aa60-0c9c-4d06-bae2-795983241227" providerId="AD" clId="Web-{D428A0AE-54E2-30D2-C574-7A0742876CCF}" dt="2021-10-12T19:11:25.330" v="0" actId="20577"/>
       <pc:docMkLst>
         <pc:docMk/>
       </pc:docMkLst>
       <pc:sldChg chg="modSp">
-        <pc:chgData name="Akilah Johnson" userId="S::akjohnso@adobe.com::2fa3aa60-0c9c-4d06-bae2-795983241227" providerId="AD" clId="Web-{AFB92C2B-405E-C597-0988-18F97C53104C}" dt="2021-09-22T18:53:26.184" v="29"/>
-        <pc:sldMkLst>
-          <pc:docMk/>
-          <pc:sldMk cId="1050037809" sldId="261"/>
-        </pc:sldMkLst>
-        <pc:spChg chg="mod">
-          <ac:chgData name="Akilah Johnson" userId="S::akjohnso@adobe.com::2fa3aa60-0c9c-4d06-bae2-795983241227" providerId="AD" clId="Web-{AFB92C2B-405E-C597-0988-18F97C53104C}" dt="2021-09-22T18:53:05.841" v="5" actId="20577"/>
-          <ac:spMkLst>
-            <pc:docMk/>
-            <pc:sldMk cId="1050037809" sldId="261"/>
-            <ac:spMk id="64" creationId="{41467BDC-3D83-D844-B922-CD07E94E5AAB}"/>
-          </ac:spMkLst>
-        </pc:spChg>
-        <pc:graphicFrameChg chg="mod modGraphic">
-          <ac:chgData name="Akilah Johnson" userId="S::akjohnso@adobe.com::2fa3aa60-0c9c-4d06-bae2-795983241227" providerId="AD" clId="Web-{AFB92C2B-405E-C597-0988-18F97C53104C}" dt="2021-09-22T18:53:26.184" v="29"/>
-          <ac:graphicFrameMkLst>
-            <pc:docMk/>
-            <pc:sldMk cId="1050037809" sldId="261"/>
-            <ac:graphicFrameMk id="25" creationId="{3A91F5B0-3974-A14D-A146-FB590F2AAD18}"/>
-          </ac:graphicFrameMkLst>
-        </pc:graphicFrameChg>
-      </pc:sldChg>
-    </pc:docChg>
-  </pc:docChgLst>
-  <pc:docChgLst>
-    <pc:chgData name="Lauren Schutte" userId="6e08b2d3-447a-4d66-86be-444d50df187f" providerId="ADAL" clId="{61630BD6-9AE9-064C-B39F-AFA945B82B3E}"/>
-    <pc:docChg chg="undo custSel modSld">
-      <pc:chgData name="Lauren Schutte" userId="6e08b2d3-447a-4d66-86be-444d50df187f" providerId="ADAL" clId="{61630BD6-9AE9-064C-B39F-AFA945B82B3E}" dt="2021-10-13T19:21:08.267" v="201" actId="20577"/>
-      <pc:docMkLst>
-        <pc:docMk/>
-      </pc:docMkLst>
-      <pc:sldChg chg="modSp mod">
-        <pc:chgData name="Lauren Schutte" userId="6e08b2d3-447a-4d66-86be-444d50df187f" providerId="ADAL" clId="{61630BD6-9AE9-064C-B39F-AFA945B82B3E}" dt="2021-10-13T19:21:08.267" v="201" actId="20577"/>
+        <pc:chgData name="Akilah Johnson" userId="S::akjohnso@adobe.com::2fa3aa60-0c9c-4d06-bae2-795983241227" providerId="AD" clId="Web-{D428A0AE-54E2-30D2-C574-7A0742876CCF}" dt="2021-10-12T19:11:25.330" v="0" actId="20577"/>
         <pc:sldMkLst>
           <pc:docMk/>
           <pc:sldMk cId="0" sldId="256"/>
         </pc:sldMkLst>
         <pc:spChg chg="mod">
-          <ac:chgData name="Lauren Schutte" userId="6e08b2d3-447a-4d66-86be-444d50df187f" providerId="ADAL" clId="{61630BD6-9AE9-064C-B39F-AFA945B82B3E}" dt="2021-10-13T19:03:44.344" v="3" actId="1076"/>
+          <ac:chgData name="Akilah Johnson" userId="S::akjohnso@adobe.com::2fa3aa60-0c9c-4d06-bae2-795983241227" providerId="AD" clId="Web-{D428A0AE-54E2-30D2-C574-7A0742876CCF}" dt="2021-10-12T19:11:25.330" v="0" actId="20577"/>
           <ac:spMkLst>
             <pc:docMk/>
             <pc:sldMk cId="0" sldId="256"/>
-            <ac:spMk id="3" creationId="{00000000-0000-0000-0000-000000000000}"/>
-          </ac:spMkLst>
-        </pc:spChg>
-        <pc:graphicFrameChg chg="mod modGraphic">
-          <ac:chgData name="Lauren Schutte" userId="6e08b2d3-447a-4d66-86be-444d50df187f" providerId="ADAL" clId="{61630BD6-9AE9-064C-B39F-AFA945B82B3E}" dt="2021-10-13T19:21:08.267" v="201" actId="20577"/>
-          <ac:graphicFrameMkLst>
-            <pc:docMk/>
-            <pc:sldMk cId="0" sldId="256"/>
-            <ac:graphicFrameMk id="9" creationId="{00000000-0000-0000-0000-000000000000}"/>
-          </ac:graphicFrameMkLst>
-        </pc:graphicFrameChg>
-      </pc:sldChg>
-    </pc:docChg>
-  </pc:docChgLst>
-  <pc:docChgLst>
-    <pc:chgData name="Andy Witt" userId="S::awitt@adobe.com::e9157bdf-53b2-40e4-9459-936793d75696" providerId="AD" clId="Web-{CA5D33DF-AE75-BCA1-B9BC-A7CD44D2F3C7}"/>
-    <pc:docChg chg="modSld">
-      <pc:chgData name="Andy Witt" userId="S::awitt@adobe.com::e9157bdf-53b2-40e4-9459-936793d75696" providerId="AD" clId="Web-{CA5D33DF-AE75-BCA1-B9BC-A7CD44D2F3C7}" dt="2021-08-25T22:38:18.624" v="1" actId="1076"/>
-      <pc:docMkLst>
-        <pc:docMk/>
-      </pc:docMkLst>
-      <pc:sldChg chg="modSp">
-        <pc:chgData name="Andy Witt" userId="S::awitt@adobe.com::e9157bdf-53b2-40e4-9459-936793d75696" providerId="AD" clId="Web-{CA5D33DF-AE75-BCA1-B9BC-A7CD44D2F3C7}" dt="2021-08-25T22:38:18.624" v="1" actId="1076"/>
-        <pc:sldMkLst>
-          <pc:docMk/>
-          <pc:sldMk cId="1050037809" sldId="261"/>
-        </pc:sldMkLst>
-        <pc:spChg chg="mod">
-          <ac:chgData name="Andy Witt" userId="S::awitt@adobe.com::e9157bdf-53b2-40e4-9459-936793d75696" providerId="AD" clId="Web-{CA5D33DF-AE75-BCA1-B9BC-A7CD44D2F3C7}" dt="2021-08-25T22:38:18.624" v="1" actId="1076"/>
-          <ac:spMkLst>
-            <pc:docMk/>
-            <pc:sldMk cId="1050037809" sldId="261"/>
-            <ac:spMk id="50" creationId="{043050D0-21FC-0C42-8484-7FE7C0DB771F}"/>
+            <ac:spMk id="4" creationId="{00000000-0000-0000-0000-000000000000}"/>
           </ac:spMkLst>
         </pc:spChg>
       </pc:sldChg>
@@ -499,7 +545,7 @@
           <a:p>
             <a:fld id="{FB81873C-0B24-F04A-98A1-90E0A78F7E8A}" type="datetimeFigureOut">
               <a:rPr lang="en-US" smtClean="0"/>
-              <a:t>11/11/2021</a:t>
+              <a:t>1/20/22</a:t>
             </a:fld>
             <a:endParaRPr lang="en-US"/>
           </a:p>
@@ -1122,7 +1168,7 @@
           <a:p>
             <a:fld id="{1D8BD707-D9CF-40AE-B4C6-C98DA3205C09}" type="datetimeFigureOut">
               <a:rPr lang="en-US"/>
-              <a:t>11/11/2021</a:t>
+              <a:t>1/20/22</a:t>
             </a:fld>
             <a:endParaRPr lang="en-US"/>
           </a:p>
@@ -1314,7 +1360,7 @@
           <a:p>
             <a:fld id="{1D8BD707-D9CF-40AE-B4C6-C98DA3205C09}" type="datetimeFigureOut">
               <a:rPr lang="en-US"/>
-              <a:t>11/11/2021</a:t>
+              <a:t>1/20/22</a:t>
             </a:fld>
             <a:endParaRPr lang="en-US"/>
           </a:p>
@@ -1632,7 +1678,7 @@
           <a:p>
             <a:fld id="{1D8BD707-D9CF-40AE-B4C6-C98DA3205C09}" type="datetimeFigureOut">
               <a:rPr lang="en-US"/>
-              <a:t>11/11/2021</a:t>
+              <a:t>1/20/22</a:t>
             </a:fld>
             <a:endParaRPr lang="en-US"/>
           </a:p>
@@ -1886,8 +1932,8 @@
         </p:nvSpPr>
         <p:spPr>
           <a:xfrm>
-            <a:off x="168564" y="7059493"/>
-            <a:ext cx="5660735" cy="227626"/>
+            <a:off x="168565" y="7162363"/>
+            <a:ext cx="2800350" cy="238760"/>
           </a:xfrm>
           <a:prstGeom prst="rect">
             <a:avLst/>
@@ -1908,7 +1954,7 @@
               </a:spcBef>
             </a:pPr>
             <a:r>
-              <a:rPr lang="es-ES" sz="1400" b="1" u="heavy" dirty="0">
+              <a:rPr sz="1400" b="1" u="heavy" spc="10">
                 <a:solidFill>
                   <a:srgbClr val="020302"/>
                 </a:solidFill>
@@ -1920,8 +1966,87 @@
                 <a:latin typeface="Adobe Clean"/>
                 <a:cs typeface="Adobe Clean"/>
               </a:rPr>
-              <a:t>Destinatarios de nivel de servicio: Respuesta inicial</a:t>
-            </a:r>
+              <a:t>Service </a:t>
+            </a:r>
+            <a:r>
+              <a:rPr sz="1400" b="1" u="heavy" spc="-10">
+                <a:solidFill>
+                  <a:srgbClr val="020302"/>
+                </a:solidFill>
+                <a:uFill>
+                  <a:solidFill>
+                    <a:srgbClr val="020302"/>
+                  </a:solidFill>
+                </a:uFill>
+                <a:latin typeface="Adobe Clean"/>
+                <a:cs typeface="Adobe Clean"/>
+              </a:rPr>
+              <a:t>Level </a:t>
+            </a:r>
+            <a:r>
+              <a:rPr sz="1400" b="1" u="heavy" spc="-45">
+                <a:solidFill>
+                  <a:srgbClr val="020302"/>
+                </a:solidFill>
+                <a:uFill>
+                  <a:solidFill>
+                    <a:srgbClr val="020302"/>
+                  </a:solidFill>
+                </a:uFill>
+                <a:latin typeface="Adobe Clean"/>
+                <a:cs typeface="Adobe Clean"/>
+              </a:rPr>
+              <a:t>Targets: </a:t>
+            </a:r>
+            <a:r>
+              <a:rPr sz="1400" b="1" u="heavy" spc="-10">
+                <a:solidFill>
+                  <a:srgbClr val="020302"/>
+                </a:solidFill>
+                <a:uFill>
+                  <a:solidFill>
+                    <a:srgbClr val="020302"/>
+                  </a:solidFill>
+                </a:uFill>
+                <a:latin typeface="Adobe Clean"/>
+                <a:cs typeface="Adobe Clean"/>
+              </a:rPr>
+              <a:t>Initial</a:t>
+            </a:r>
+            <a:r>
+              <a:rPr sz="1400" b="1" u="heavy" spc="-140">
+                <a:solidFill>
+                  <a:srgbClr val="020302"/>
+                </a:solidFill>
+                <a:uFill>
+                  <a:solidFill>
+                    <a:srgbClr val="020302"/>
+                  </a:solidFill>
+                </a:uFill>
+                <a:latin typeface="Adobe Clean"/>
+                <a:cs typeface="Adobe Clean"/>
+              </a:rPr>
+              <a:t> </a:t>
+            </a:r>
+            <a:r>
+              <a:rPr sz="1400" b="1" u="heavy" spc="-15">
+                <a:solidFill>
+                  <a:srgbClr val="020302"/>
+                </a:solidFill>
+                <a:uFill>
+                  <a:solidFill>
+                    <a:srgbClr val="020302"/>
+                  </a:solidFill>
+                </a:uFill>
+                <a:latin typeface="Adobe Clean"/>
+                <a:cs typeface="Adobe Clean"/>
+              </a:rPr>
+              <a:t>Response</a:t>
+            </a:r>
+            <a:endParaRPr sz="1400">
+              <a:latin typeface="Adobe Clean"/>
+              <a:cs typeface="Adobe Clean"/>
+            </a:endParaRPr>
           </a:p>
         </p:txBody>
       </p:sp>
@@ -1988,11 +2113,20 @@
               </a:spcBef>
             </a:pPr>
             <a:r>
-              <a:rPr lang="es-ES" sz="2300" dirty="0">
+              <a:rPr sz="2300">
                 <a:latin typeface="Adobe Clean"/>
               </a:rPr>
-              <a:t>PLANES DE SOPORTE DE ADOBE</a:t>
-            </a:r>
+              <a:t>ADOBE </a:t>
+            </a:r>
+            <a:r>
+              <a:rPr lang="en-US" sz="2300">
+                <a:latin typeface="Adobe Clean"/>
+              </a:rPr>
+              <a:t>SUPPORT PLANS</a:t>
+            </a:r>
+            <a:endParaRPr sz="2300">
+              <a:latin typeface="Adobe Clean" panose="020B0503020404020204" pitchFamily="34" charset="0"/>
+            </a:endParaRPr>
           </a:p>
         </p:txBody>
       </p:sp>
@@ -2005,7 +2139,7 @@
         <p:spPr>
           <a:xfrm>
             <a:off x="121147" y="531160"/>
-            <a:ext cx="5865216" cy="1424364"/>
+            <a:ext cx="5865216" cy="1269065"/>
           </a:xfrm>
           <a:prstGeom prst="rect">
             <a:avLst/>
@@ -2026,16 +2160,16 @@
               </a:spcBef>
             </a:pPr>
             <a:r>
-              <a:rPr lang="es-ES" sz="900" dirty="0">
+              <a:rPr lang="en-US" sz="900" dirty="0">
                 <a:solidFill>
                   <a:schemeClr val="bg1"/>
                 </a:solidFill>
                 <a:latin typeface="Adobe Clean Light" panose="020B0303020404020204" pitchFamily="34" charset="0"/>
               </a:rPr>
-              <a:t>Online | </a:t>
-            </a:r>
-            <a:r>
-              <a:rPr lang="es-ES" sz="900" b="1" dirty="0">
+              <a:t>Standard | </a:t>
+            </a:r>
+            <a:r>
+              <a:rPr lang="en-US" sz="900" b="1" dirty="0">
                 <a:solidFill>
                   <a:schemeClr val="bg1"/>
                 </a:solidFill>
@@ -2044,7 +2178,7 @@
               <a:t>Business</a:t>
             </a:r>
             <a:r>
-              <a:rPr lang="es-ES" sz="900" dirty="0">
+              <a:rPr lang="en-US" sz="900" dirty="0">
                 <a:solidFill>
                   <a:schemeClr val="bg1"/>
                 </a:solidFill>
@@ -2063,84 +2197,21 @@
               </a:spcBef>
             </a:pPr>
             <a:r>
-              <a:rPr lang="es-ES" sz="900" dirty="0">
+              <a:rPr lang="en-US" sz="900" dirty="0">
                 <a:solidFill>
                   <a:schemeClr val="bg1"/>
                 </a:solidFill>
                 <a:latin typeface="Adobe Clean SemiLight" panose="020B0403020404020204" pitchFamily="34" charset="0"/>
               </a:rPr>
-              <a:t>Adobe ofrece una amplia variedad de recursos técnicos para ayudar a su negocio, incluidos como parte de su suscripción </a:t>
-            </a:r>
-            <a:br>
-              <a:rPr lang="es-ES" sz="900" dirty="0">
-                <a:solidFill>
-                  <a:schemeClr val="bg1"/>
-                </a:solidFill>
-                <a:latin typeface="Adobe Clean SemiLight" panose="020B0403020404020204" pitchFamily="34" charset="0"/>
-              </a:rPr>
-            </a:br>
-            <a:r>
-              <a:rPr lang="es-ES" sz="900" dirty="0">
-                <a:solidFill>
-                  <a:schemeClr val="bg1"/>
-                </a:solidFill>
-                <a:latin typeface="Adobe Clean SemiLight" panose="020B0403020404020204" pitchFamily="34" charset="0"/>
-              </a:rPr>
-              <a:t>de licencia de </a:t>
-            </a:r>
-            <a:r>
-              <a:rPr lang="es-ES" sz="900" dirty="0" err="1">
-                <a:solidFill>
-                  <a:schemeClr val="bg1"/>
-                </a:solidFill>
-                <a:latin typeface="Adobe Clean SemiLight" panose="020B0403020404020204" pitchFamily="34" charset="0"/>
-              </a:rPr>
-              <a:t>Experience</a:t>
-            </a:r>
-            <a:r>
-              <a:rPr lang="es-ES" sz="900" dirty="0">
-                <a:solidFill>
-                  <a:schemeClr val="bg1"/>
-                </a:solidFill>
-                <a:latin typeface="Adobe Clean SemiLight" panose="020B0403020404020204" pitchFamily="34" charset="0"/>
-              </a:rPr>
-              <a:t> Cloud y mejorados en el paquete de soporte BUSINESS. El paquete BUSINESS incluye acceso a rutas </a:t>
-            </a:r>
-            <a:br>
-              <a:rPr lang="es-ES" sz="900" dirty="0">
-                <a:solidFill>
-                  <a:schemeClr val="bg1"/>
-                </a:solidFill>
-                <a:latin typeface="Adobe Clean SemiLight" panose="020B0403020404020204" pitchFamily="34" charset="0"/>
-              </a:rPr>
-            </a:br>
-            <a:r>
-              <a:rPr lang="es-ES" sz="900" dirty="0">
-                <a:solidFill>
-                  <a:schemeClr val="bg1"/>
-                </a:solidFill>
-                <a:latin typeface="Adobe Clean SemiLight" panose="020B0403020404020204" pitchFamily="34" charset="0"/>
-              </a:rPr>
-              <a:t>de aprendizaje personalizadas y foros de la comunidad monitorizados a través de Adobe </a:t>
-            </a:r>
-            <a:r>
-              <a:rPr lang="es-ES" sz="900" dirty="0" err="1">
-                <a:solidFill>
-                  <a:schemeClr val="bg1"/>
-                </a:solidFill>
-                <a:latin typeface="Adobe Clean SemiLight" panose="020B0403020404020204" pitchFamily="34" charset="0"/>
-              </a:rPr>
-              <a:t>Experience</a:t>
-            </a:r>
-            <a:r>
-              <a:rPr lang="es-ES" sz="900" dirty="0">
-                <a:solidFill>
-                  <a:schemeClr val="bg1"/>
-                </a:solidFill>
-                <a:latin typeface="Adobe Clean SemiLight" panose="020B0403020404020204" pitchFamily="34" charset="0"/>
-              </a:rPr>
-              <a:t> League. También puede disfrutar de documentación técnica completa y detallada sobre productos y notas de la versión actual. Los clientes del paquete BUSINESS también pueden acceder a nuestros equipos de soporte técnico si tienen alguna duda con su producto, ya sea a través del teléfono o mediante el portal de asistencia en línea, para proteger su negocio en los momentos más importantes. Los clientes del paquete BUSINESS recibirán notificaciones periódicas y actualizaciones del responsable de asistencia técnica de la cuenta para ayudar en la administración de casos de soporte de las solicitudes más esenciales. </a:t>
-            </a:r>
+              <a:t>Adobe provides a comprehensive range of technical resources to help support your business, included as part of your Experience Cloud license subscription and enhanced in the BUSINESS support package. BUSINESS support includes access to personalized learning paths and monitored community forums via the Adobe Experience League. You can also take advantage of our detailed and in-depth technical product documentation and current release notes. BUSINESS customers also benefit from access to our technical support teams for any product query via either the telephone or the support web portal, to help protect your business at the most critical times. BUSINESS customers will receive regular communications and updates from their Account Support Lead in addition to support case escalation management for your most critical of support requests. </a:t>
+            </a:r>
+            <a:endParaRPr lang="en-US" sz="900" dirty="0">
+              <a:solidFill>
+                <a:schemeClr val="bg1"/>
+              </a:solidFill>
+              <a:latin typeface="Adobe Clean Light" panose="020B0303020404020204" pitchFamily="34" charset="0"/>
+              <a:cs typeface="AdobeClean-Light"/>
+            </a:endParaRPr>
           </a:p>
         </p:txBody>
       </p:sp>
@@ -2207,8 +2278,24 @@
               </a:spcBef>
             </a:pPr>
             <a:r>
-              <a:rPr lang="es-ES"/>
-              <a:t>©2021 Adobe. All Rights Reserved. Adobe Confidential.</a:t>
+              <a:rPr spc="-5"/>
+              <a:t>©202</a:t>
+            </a:r>
+            <a:r>
+              <a:rPr lang="en-US" spc="-5"/>
+              <a:t>1</a:t>
+            </a:r>
+            <a:r>
+              <a:rPr spc="-5"/>
+              <a:t> Adobe. All Rights Reserved. Adobe</a:t>
+            </a:r>
+            <a:r>
+              <a:rPr spc="60"/>
+              <a:t> </a:t>
+            </a:r>
+            <a:r>
+              <a:rPr spc="-5"/>
+              <a:t>Confidential.</a:t>
             </a:r>
           </a:p>
         </p:txBody>
@@ -2222,14 +2309,14 @@
           <p:nvPr>
             <p:extLst>
               <p:ext uri="{D42A27DB-BD31-4B8C-83A1-F6EECF244321}">
-                <p14:modId xmlns:p14="http://schemas.microsoft.com/office/powerpoint/2010/main" val="2269390037"/>
+                <p14:modId xmlns:p14="http://schemas.microsoft.com/office/powerpoint/2010/main" val="2485809364"/>
               </p:ext>
             </p:extLst>
           </p:nvPr>
         </p:nvGraphicFramePr>
         <p:xfrm>
-          <a:off x="118872" y="7357111"/>
-          <a:ext cx="7498851" cy="2436601"/>
+          <a:off x="118872" y="7475985"/>
+          <a:ext cx="7498851" cy="2223598"/>
         </p:xfrm>
         <a:graphic>
           <a:graphicData uri="http://schemas.openxmlformats.org/drawingml/2006/table">
@@ -2238,21 +2325,21 @@
                 <a:tableStyleId>{2D5ABB26-0587-4C30-8999-92F81FD0307C}</a:tableStyleId>
               </a:tblPr>
               <a:tblGrid>
-                <a:gridCol w="4235958">
+                <a:gridCol w="4698744">
                   <a:extLst>
                     <a:ext uri="{9D8B030D-6E8A-4147-A177-3AD203B41FA5}">
                       <a16:colId xmlns:a16="http://schemas.microsoft.com/office/drawing/2014/main" val="20000"/>
                     </a:ext>
                   </a:extLst>
                 </a:gridCol>
-                <a:gridCol w="1611630">
+                <a:gridCol w="1400053">
                   <a:extLst>
                     <a:ext uri="{9D8B030D-6E8A-4147-A177-3AD203B41FA5}">
                       <a16:colId xmlns:a16="http://schemas.microsoft.com/office/drawing/2014/main" val="20001"/>
                     </a:ext>
                   </a:extLst>
                 </a:gridCol>
-                <a:gridCol w="1651263">
+                <a:gridCol w="1400054">
                   <a:extLst>
                     <a:ext uri="{9D8B030D-6E8A-4147-A177-3AD203B41FA5}">
                       <a16:colId xmlns:a16="http://schemas.microsoft.com/office/drawing/2014/main" val="20002"/>
@@ -2260,7 +2347,7 @@
                   </a:extLst>
                 </a:gridCol>
               </a:tblGrid>
-              <a:tr h="295994">
+              <a:tr h="291248">
                 <a:tc>
                   <a:txBody>
                     <a:bodyPr/>
@@ -2275,15 +2362,19 @@
                         </a:spcBef>
                       </a:pPr>
                       <a:r>
-                        <a:rPr lang="es-ES" sz="900" dirty="0">
+                        <a:rPr sz="900" spc="0">
                           <a:solidFill>
                             <a:srgbClr val="020302"/>
                           </a:solidFill>
                           <a:latin typeface="Adobe Clean"/>
                           <a:cs typeface="Adobe Clean"/>
                         </a:rPr>
-                        <a:t>Prioridad</a:t>
+                        <a:t>Priority</a:t>
                       </a:r>
+                      <a:endParaRPr sz="900" spc="0">
+                        <a:latin typeface="Adobe Clean"/>
+                        <a:cs typeface="Adobe Clean"/>
+                      </a:endParaRPr>
                     </a:p>
                   </a:txBody>
                   <a:tcPr marL="0" marR="0" marT="7620" marB="0">
@@ -2330,15 +2421,29 @@
                         </a:spcBef>
                       </a:pPr>
                       <a:r>
-                        <a:rPr lang="es-ES" sz="900">
+                        <a:rPr lang="en-US" sz="900" spc="0" dirty="0">
                           <a:solidFill>
                             <a:srgbClr val="020302"/>
                           </a:solidFill>
                           <a:latin typeface="Adobe Clean"/>
                           <a:cs typeface="Adobe Clean"/>
                         </a:rPr>
-                        <a:t>Soporte Online</a:t>
+                        <a:t>Standard</a:t>
                       </a:r>
+                      <a:r>
+                        <a:rPr sz="900" spc="0" dirty="0">
+                          <a:solidFill>
+                            <a:srgbClr val="020302"/>
+                          </a:solidFill>
+                          <a:latin typeface="Adobe Clean"/>
+                          <a:cs typeface="Adobe Clean"/>
+                        </a:rPr>
+                        <a:t> Support</a:t>
+                      </a:r>
+                      <a:endParaRPr sz="900" spc="0" dirty="0">
+                        <a:latin typeface="Adobe Clean"/>
+                        <a:cs typeface="Adobe Clean"/>
+                      </a:endParaRPr>
                     </a:p>
                   </a:txBody>
                   <a:tcPr marL="182880" marT="91440" anchor="ctr">
@@ -2385,15 +2490,39 @@
                         </a:spcBef>
                       </a:pPr>
                       <a:r>
-                        <a:rPr lang="es-ES" sz="900">
+                        <a:rPr sz="900" spc="0">
                           <a:solidFill>
                             <a:srgbClr val="FFFFFF"/>
                           </a:solidFill>
                           <a:latin typeface="Adobe Clean"/>
                           <a:cs typeface="Adobe Clean"/>
                         </a:rPr>
-                        <a:t>Soporte Business</a:t>
+                        <a:t>Business</a:t>
                       </a:r>
+                      <a:r>
+                        <a:rPr lang="en-US" sz="900" spc="0">
+                          <a:solidFill>
+                            <a:srgbClr val="FFFFFF"/>
+                          </a:solidFill>
+                          <a:latin typeface="Adobe Clean"/>
+                          <a:cs typeface="Adobe Clean"/>
+                        </a:rPr>
+                        <a:t> </a:t>
+                      </a:r>
+                      <a:r>
+                        <a:rPr sz="900" spc="0">
+                          <a:solidFill>
+                            <a:srgbClr val="FFFFFF"/>
+                          </a:solidFill>
+                          <a:latin typeface="Adobe Clean"/>
+                          <a:cs typeface="Adobe Clean"/>
+                        </a:rPr>
+                        <a:t>Support</a:t>
+                      </a:r>
+                      <a:endParaRPr sz="900" spc="0">
+                        <a:latin typeface="Adobe Clean"/>
+                        <a:cs typeface="Adobe Clean"/>
+                      </a:endParaRPr>
                     </a:p>
                   </a:txBody>
                   <a:tcPr marL="182880" marT="91440" anchor="ctr">
@@ -2432,7 +2561,7 @@
                   </a:ext>
                 </a:extLst>
               </a:tr>
-              <a:tr h="629835">
+              <a:tr h="514672">
                 <a:tc>
                   <a:txBody>
                     <a:bodyPr/>
@@ -2447,15 +2576,19 @@
                         </a:spcBef>
                       </a:pPr>
                       <a:r>
-                        <a:rPr lang="es-ES" sz="900" b="1" dirty="0">
+                        <a:rPr sz="900" b="1" spc="0">
                           <a:solidFill>
                             <a:srgbClr val="020302"/>
                           </a:solidFill>
                           <a:latin typeface="Adobe Clean"/>
                           <a:cs typeface="Adobe Clean"/>
                         </a:rPr>
-                        <a:t>PRIORIDAD 1</a:t>
+                        <a:t>PRIORITY 1</a:t>
                       </a:r>
+                      <a:endParaRPr sz="900" spc="0">
+                        <a:latin typeface="Adobe Clean"/>
+                        <a:cs typeface="Adobe Clean"/>
+                      </a:endParaRPr>
                     </a:p>
                     <a:p>
                       <a:pPr marL="50800" marR="387985" lvl="0" indent="0" algn="l" defTabSz="914400" rtl="0" eaLnBrk="1" fontAlgn="auto" latinLnBrk="0" hangingPunct="1">
@@ -2476,14 +2609,19 @@
                         <a:defRPr/>
                       </a:pPr>
                       <a:r>
-                        <a:rPr lang="es-ES" sz="900" b="0" i="0" dirty="0">
+                        <a:rPr lang="en-US" sz="900" b="0" i="0" spc="0">
                           <a:solidFill>
                             <a:srgbClr val="000000"/>
                           </a:solidFill>
+                          <a:effectLst/>
                           <a:latin typeface="Adobe Clean Light" panose="020B0303020404020204" pitchFamily="34" charset="0"/>
                         </a:rPr>
-                        <a:t>Las funciones empresariales de producción del cliente no están activadas o pierden datos o presentan una degradación del servicio significativa, por lo que se requiere atención inmediata para restaurar la funcionalidad y facilidad de uso.</a:t>
+                        <a:t>Customer's production business functions are down or have significant data loss or service degradation and immediate attention is required to restore functionality and usability</a:t>
                       </a:r>
+                      <a:endParaRPr lang="en-US" sz="900" b="0" i="0" spc="0">
+                        <a:latin typeface="Adobe Clean Light" panose="020B0303020404020204" pitchFamily="34" charset="0"/>
+                        <a:cs typeface="AdobeClean-Light"/>
+                      </a:endParaRPr>
                     </a:p>
                   </a:txBody>
                   <a:tcPr marL="0" marR="0" marT="3810" marB="0">
@@ -2527,18 +2665,62 @@
                         </a:spcBef>
                       </a:pPr>
                       <a:r>
-                        <a:rPr lang="es-ES" sz="900" spc="-20" baseline="0" dirty="0">
+                        <a:rPr sz="900" spc="0">
                           <a:solidFill>
                             <a:srgbClr val="020302"/>
                           </a:solidFill>
                           <a:latin typeface="AdobeClean-Light"/>
                           <a:cs typeface="AdobeClean-Light"/>
                         </a:rPr>
-                        <a:t>24x7 / 1 hora</a:t>
+                        <a:t>24x7</a:t>
                       </a:r>
+                      <a:r>
+                        <a:rPr lang="en-US" sz="900" spc="0">
+                          <a:solidFill>
+                            <a:srgbClr val="020302"/>
+                          </a:solidFill>
+                          <a:latin typeface="AdobeClean-Light"/>
+                          <a:cs typeface="AdobeClean-Light"/>
+                        </a:rPr>
+                        <a:t> </a:t>
+                      </a:r>
+                      <a:r>
+                        <a:rPr sz="900" spc="0">
+                          <a:solidFill>
+                            <a:srgbClr val="020302"/>
+                          </a:solidFill>
+                          <a:latin typeface="AdobeClean-Light"/>
+                          <a:cs typeface="AdobeClean-Light"/>
+                        </a:rPr>
+                        <a:t>/</a:t>
+                      </a:r>
+                      <a:r>
+                        <a:rPr lang="en-US" sz="900" spc="0">
+                          <a:solidFill>
+                            <a:srgbClr val="020302"/>
+                          </a:solidFill>
+                          <a:latin typeface="AdobeClean-Light"/>
+                          <a:cs typeface="AdobeClean-Light"/>
+                        </a:rPr>
+                        <a:t> </a:t>
+                      </a:r>
+                      <a:r>
+                        <a:rPr sz="900" spc="0">
+                          <a:solidFill>
+                            <a:srgbClr val="020302"/>
+                          </a:solidFill>
+                          <a:latin typeface="AdobeClean-Light"/>
+                          <a:cs typeface="AdobeClean-Light"/>
+                        </a:rPr>
+                        <a:t>1 hour</a:t>
+                      </a:r>
+                      <a:endParaRPr sz="900" spc="0">
+                        <a:latin typeface="AdobeClean-Light"/>
+                        <a:cs typeface="AdobeClean-Light"/>
+                      </a:endParaRPr>
                     </a:p>
                   </a:txBody>
-                  <a:tcPr marL="0" marR="0" marT="0" marB="0" anchor="ctr" anchorCtr="1">
+                  <a:tcPr marL="0" marR="0" marT="91440" marB="91440" anchor="ctr" anchorCtr="1">
                     <a:lnL w="3175">
                       <a:solidFill>
                         <a:srgbClr val="B7B8B8"/>
@@ -2579,18 +2761,62 @@
                         </a:spcBef>
                       </a:pPr>
                       <a:r>
-                        <a:rPr lang="es-ES" sz="900" spc="-20" baseline="0">
+                        <a:rPr sz="900" spc="0">
                           <a:solidFill>
                             <a:srgbClr val="020302"/>
                           </a:solidFill>
                           <a:latin typeface="AdobeClean-Light"/>
                           <a:cs typeface="AdobeClean-Light"/>
                         </a:rPr>
-                        <a:t>24x7 / 1 hora</a:t>
+                        <a:t>24x7</a:t>
                       </a:r>
+                      <a:r>
+                        <a:rPr lang="en-US" sz="900" spc="0">
+                          <a:solidFill>
+                            <a:srgbClr val="020302"/>
+                          </a:solidFill>
+                          <a:latin typeface="AdobeClean-Light"/>
+                          <a:cs typeface="AdobeClean-Light"/>
+                        </a:rPr>
+                        <a:t> </a:t>
+                      </a:r>
+                      <a:r>
+                        <a:rPr sz="900" spc="0">
+                          <a:solidFill>
+                            <a:srgbClr val="020302"/>
+                          </a:solidFill>
+                          <a:latin typeface="AdobeClean-Light"/>
+                          <a:cs typeface="AdobeClean-Light"/>
+                        </a:rPr>
+                        <a:t>/</a:t>
+                      </a:r>
+                      <a:r>
+                        <a:rPr lang="en-US" sz="900" spc="0">
+                          <a:solidFill>
+                            <a:srgbClr val="020302"/>
+                          </a:solidFill>
+                          <a:latin typeface="AdobeClean-Light"/>
+                          <a:cs typeface="AdobeClean-Light"/>
+                        </a:rPr>
+                        <a:t> </a:t>
+                      </a:r>
+                      <a:r>
+                        <a:rPr sz="900" spc="0">
+                          <a:solidFill>
+                            <a:srgbClr val="020302"/>
+                          </a:solidFill>
+                          <a:latin typeface="AdobeClean-Light"/>
+                          <a:cs typeface="AdobeClean-Light"/>
+                        </a:rPr>
+                        <a:t>1 hour</a:t>
+                      </a:r>
+                      <a:endParaRPr sz="900" spc="0">
+                        <a:latin typeface="AdobeClean-Light"/>
+                        <a:cs typeface="AdobeClean-Light"/>
+                      </a:endParaRPr>
                     </a:p>
                   </a:txBody>
-                  <a:tcPr marL="0" marR="0" marT="0" marB="0" anchor="ctr" anchorCtr="1">
+                  <a:tcPr marL="0" marR="0" marT="91440" marB="91440" anchor="ctr" anchorCtr="1">
                     <a:lnL w="3175">
                       <a:solidFill>
                         <a:srgbClr val="B7B8B8"/>
@@ -2628,7 +2854,7 @@
                   </a:ext>
                 </a:extLst>
               </a:tr>
-              <a:tr h="523060">
+              <a:tr h="514672">
                 <a:tc>
                   <a:txBody>
                     <a:bodyPr/>
@@ -2643,15 +2869,19 @@
                         </a:spcBef>
                       </a:pPr>
                       <a:r>
-                        <a:rPr lang="es-ES" sz="900" b="1">
+                        <a:rPr sz="900" b="1" spc="0">
                           <a:solidFill>
                             <a:srgbClr val="020302"/>
                           </a:solidFill>
                           <a:latin typeface="Adobe Clean"/>
                           <a:cs typeface="Adobe Clean"/>
                         </a:rPr>
-                        <a:t>PRIORIDAD 2</a:t>
+                        <a:t>PRIORITY 2</a:t>
                       </a:r>
+                      <a:endParaRPr sz="900" spc="0">
+                        <a:latin typeface="Adobe Clean"/>
+                        <a:cs typeface="Adobe Clean"/>
+                      </a:endParaRPr>
                     </a:p>
                     <a:p>
                       <a:pPr marL="50165" marR="203200">
@@ -2663,14 +2893,19 @@
                         </a:spcBef>
                       </a:pPr>
                       <a:r>
-                        <a:rPr lang="es-ES" sz="900" b="0" i="0">
+                        <a:rPr lang="en-US" sz="900" b="0" i="0" spc="0">
                           <a:solidFill>
                             <a:srgbClr val="000000"/>
                           </a:solidFill>
+                          <a:effectLst/>
                           <a:latin typeface="Adobe Clean Light" panose="020B0303020404020204" pitchFamily="34" charset="0"/>
                         </a:rPr>
-                        <a:t>Las funciones empresariales del cliente presentan una importante degradación del servicio o hay una posible pérdida de datos, o una función clave se está viendo afectada. </a:t>
+                        <a:t>Customer's business functions have major service degradation or potential data loss, or a major feature is impacted </a:t>
                       </a:r>
+                      <a:endParaRPr lang="en-US" sz="900" b="0" i="0" spc="0">
+                        <a:latin typeface="Adobe Clean Light" panose="020B0303020404020204" pitchFamily="34" charset="0"/>
+                        <a:cs typeface="AdobeClean-Light"/>
+                      </a:endParaRPr>
                     </a:p>
                   </a:txBody>
                   <a:tcPr marL="0" marR="0" marT="3810" marB="0">
@@ -2714,18 +2949,82 @@
                         </a:spcBef>
                       </a:pPr>
                       <a:r>
-                        <a:rPr lang="es-ES" sz="900" spc="-20" baseline="0" dirty="0">
+                        <a:rPr sz="900" spc="0">
                           <a:solidFill>
                             <a:srgbClr val="020302"/>
                           </a:solidFill>
                           <a:latin typeface="AdobeClean-Light"/>
                           <a:cs typeface="AdobeClean-Light"/>
                         </a:rPr>
-                        <a:t>Horario de trabajo / 4 horas</a:t>
+                        <a:t>Business</a:t>
                       </a:r>
+                      <a:r>
+                        <a:rPr lang="en-US" sz="900" spc="0">
+                          <a:solidFill>
+                            <a:srgbClr val="020302"/>
+                          </a:solidFill>
+                          <a:latin typeface="AdobeClean-Light"/>
+                          <a:cs typeface="AdobeClean-Light"/>
+                        </a:rPr>
+                        <a:t> </a:t>
+                      </a:r>
+                      <a:r>
+                        <a:rPr sz="900" spc="0">
+                          <a:solidFill>
+                            <a:srgbClr val="020302"/>
+                          </a:solidFill>
+                          <a:latin typeface="AdobeClean-Light"/>
+                          <a:cs typeface="AdobeClean-Light"/>
+                        </a:rPr>
+                        <a:t>hours</a:t>
+                      </a:r>
+                      <a:r>
+                        <a:rPr lang="en-US" sz="900" spc="0">
+                          <a:solidFill>
+                            <a:srgbClr val="020302"/>
+                          </a:solidFill>
+                          <a:latin typeface="AdobeClean-Light"/>
+                          <a:cs typeface="AdobeClean-Light"/>
+                        </a:rPr>
+                        <a:t> </a:t>
+                      </a:r>
+                      <a:r>
+                        <a:rPr sz="900" spc="0">
+                          <a:solidFill>
+                            <a:srgbClr val="020302"/>
+                          </a:solidFill>
+                          <a:latin typeface="AdobeClean-Light"/>
+                          <a:cs typeface="AdobeClean-Light"/>
+                        </a:rPr>
+                        <a:t>/</a:t>
+                      </a:r>
+                      <a:r>
+                        <a:rPr lang="en-US" sz="900" spc="0">
+                          <a:solidFill>
+                            <a:srgbClr val="020302"/>
+                          </a:solidFill>
+                          <a:latin typeface="AdobeClean-Light"/>
+                          <a:cs typeface="AdobeClean-Light"/>
+                        </a:rPr>
+                        <a:t> </a:t>
+                      </a:r>
+                      <a:r>
+                        <a:rPr sz="900" spc="0">
+                          <a:solidFill>
+                            <a:srgbClr val="020302"/>
+                          </a:solidFill>
+                          <a:latin typeface="AdobeClean-Light"/>
+                          <a:cs typeface="AdobeClean-Light"/>
+                        </a:rPr>
+                        <a:t>4 hours</a:t>
+                      </a:r>
+                      <a:endParaRPr sz="900" spc="0">
+                        <a:latin typeface="AdobeClean-Light"/>
+                        <a:cs typeface="AdobeClean-Light"/>
+                      </a:endParaRPr>
                     </a:p>
                   </a:txBody>
-                  <a:tcPr marL="0" marR="0" marT="0" marB="0" anchor="ctr" anchorCtr="1">
+                  <a:tcPr marL="0" marR="0" marT="91440" marB="91440" anchor="ctr" anchorCtr="1">
                     <a:lnL w="3175">
                       <a:solidFill>
                         <a:srgbClr val="B7B8B8"/>
@@ -2766,18 +3065,92 @@
                         </a:spcBef>
                       </a:pPr>
                       <a:r>
-                        <a:rPr lang="es-ES" sz="900" spc="-20" baseline="0">
+                        <a:rPr lang="en-US" sz="900" spc="0">
                           <a:solidFill>
                             <a:srgbClr val="020302"/>
                           </a:solidFill>
                           <a:latin typeface="AdobeClean-Light"/>
                           <a:cs typeface="AdobeClean-Light"/>
                         </a:rPr>
-                        <a:t>    Horario de trabajo / 2 horas</a:t>
+                        <a:t>    </a:t>
                       </a:r>
+                      <a:r>
+                        <a:rPr sz="900" spc="0">
+                          <a:solidFill>
+                            <a:srgbClr val="020302"/>
+                          </a:solidFill>
+                          <a:latin typeface="AdobeClean-Light"/>
+                          <a:cs typeface="AdobeClean-Light"/>
+                        </a:rPr>
+                        <a:t>Business</a:t>
+                      </a:r>
+                      <a:r>
+                        <a:rPr lang="en-US" sz="900" spc="0">
+                          <a:solidFill>
+                            <a:srgbClr val="020302"/>
+                          </a:solidFill>
+                          <a:latin typeface="AdobeClean-Light"/>
+                          <a:cs typeface="AdobeClean-Light"/>
+                        </a:rPr>
+                        <a:t> </a:t>
+                      </a:r>
+                      <a:r>
+                        <a:rPr sz="900" spc="0">
+                          <a:solidFill>
+                            <a:srgbClr val="020302"/>
+                          </a:solidFill>
+                          <a:latin typeface="AdobeClean-Light"/>
+                          <a:cs typeface="AdobeClean-Light"/>
+                        </a:rPr>
+                        <a:t>hours</a:t>
+                      </a:r>
+                      <a:r>
+                        <a:rPr lang="en-US" sz="900" spc="0">
+                          <a:solidFill>
+                            <a:srgbClr val="020302"/>
+                          </a:solidFill>
+                          <a:latin typeface="AdobeClean-Light"/>
+                          <a:cs typeface="AdobeClean-Light"/>
+                        </a:rPr>
+                        <a:t> / </a:t>
+                      </a:r>
+                      <a:r>
+                        <a:rPr sz="900" spc="0">
+                          <a:solidFill>
+                            <a:srgbClr val="020302"/>
+                          </a:solidFill>
+                          <a:latin typeface="AdobeClean-Light"/>
+                          <a:cs typeface="AdobeClean-Light"/>
+                        </a:rPr>
+                        <a:t>2</a:t>
+                      </a:r>
+                      <a:r>
+                        <a:rPr lang="en-US" sz="900" spc="0">
+                          <a:solidFill>
+                            <a:srgbClr val="020302"/>
+                          </a:solidFill>
+                          <a:latin typeface="AdobeClean-Light"/>
+                          <a:cs typeface="AdobeClean-Light"/>
+                        </a:rPr>
+                        <a:t> </a:t>
+                      </a:r>
+                      <a:r>
+                        <a:rPr sz="900" spc="0">
+                          <a:solidFill>
+                            <a:srgbClr val="020302"/>
+                          </a:solidFill>
+                          <a:latin typeface="AdobeClean-Light"/>
+                          <a:cs typeface="AdobeClean-Light"/>
+                        </a:rPr>
+                        <a:t>hours</a:t>
+                      </a:r>
+                      <a:endParaRPr sz="900" spc="0">
+                        <a:latin typeface="AdobeClean-Light"/>
+                        <a:cs typeface="AdobeClean-Light"/>
+                      </a:endParaRPr>
                     </a:p>
                   </a:txBody>
-                  <a:tcPr marL="0" marR="0" marT="0" marB="0" anchor="ctr" anchorCtr="1">
+                  <a:tcPr marL="0" marR="0" marT="91440" marB="91440" anchor="ctr" anchorCtr="1">
                     <a:lnL w="3175">
                       <a:solidFill>
                         <a:srgbClr val="B7B8B8"/>
@@ -2815,7 +3188,7 @@
                   </a:ext>
                 </a:extLst>
               </a:tr>
-              <a:tr h="523061">
+              <a:tr h="514673">
                 <a:tc>
                   <a:txBody>
                     <a:bodyPr/>
@@ -2830,15 +3203,19 @@
                         </a:spcBef>
                       </a:pPr>
                       <a:r>
-                        <a:rPr lang="es-ES" sz="900" b="1">
+                        <a:rPr sz="900" b="1" spc="0">
                           <a:solidFill>
                             <a:srgbClr val="020302"/>
                           </a:solidFill>
                           <a:latin typeface="Adobe Clean"/>
                           <a:cs typeface="Adobe Clean"/>
                         </a:rPr>
-                        <a:t>PRIORIDAD 3</a:t>
+                        <a:t>PRIORITY 3</a:t>
                       </a:r>
+                      <a:endParaRPr sz="900" spc="0">
+                        <a:latin typeface="Adobe Clean"/>
+                        <a:cs typeface="Adobe Clean"/>
+                      </a:endParaRPr>
                     </a:p>
                     <a:p>
                       <a:pPr marL="49530" marR="212090" indent="-2540">
@@ -2850,21 +3227,26 @@
                         </a:spcBef>
                       </a:pPr>
                       <a:r>
-                        <a:rPr kumimoji="0" lang="es-ES" sz="900" b="0" i="0" u="none" strike="noStrike" cap="none" normalizeH="0" baseline="0" noProof="0">
+                        <a:rPr kumimoji="0" lang="en-US" sz="900" b="0" i="0" u="none" strike="noStrike" kern="1200" cap="none" spc="0" normalizeH="0" baseline="0" noProof="0">
                           <a:ln>
                             <a:noFill/>
                           </a:ln>
                           <a:solidFill>
                             <a:srgbClr val="000000"/>
                           </a:solidFill>
+                          <a:effectLst/>
                           <a:uLnTx/>
                           <a:uFillTx/>
                           <a:latin typeface="Adobe Clean Light" panose="020B0303020404020204" pitchFamily="34" charset="0"/>
                           <a:ea typeface="+mn-ea"/>
                           <a:cs typeface="+mn-cs"/>
                         </a:rPr>
-                        <a:t>Las funciones empresariales del cliente presentan una menor degradación del servicio, pero existe una solución que permite que las funciones empresariales sigan funcionando. </a:t>
+                        <a:t>Customer's business functions have minor service degradation but there exists a solution/workaround allowing business functions to continue </a:t>
                       </a:r>
+                      <a:endParaRPr lang="en-US" sz="900" b="0" i="0" spc="0">
+                        <a:latin typeface="Adobe Clean Light" panose="020B0303020404020204" pitchFamily="34" charset="0"/>
+                        <a:cs typeface="AdobeClean-Light"/>
+                      </a:endParaRPr>
                     </a:p>
                   </a:txBody>
                   <a:tcPr marL="0" marR="0" marT="3810" marB="0">
@@ -2908,18 +3290,92 @@
                         </a:spcBef>
                       </a:pPr>
                       <a:r>
-                        <a:rPr lang="es-ES" sz="900" spc="-20" baseline="0" dirty="0">
+                        <a:rPr lang="en-US" sz="900" spc="0">
                           <a:solidFill>
                             <a:srgbClr val="020302"/>
                           </a:solidFill>
                           <a:latin typeface="AdobeClean-Light"/>
                           <a:cs typeface="AdobeClean-Light"/>
                         </a:rPr>
-                        <a:t>   Horario de trabajo / 6 horas</a:t>
+                        <a:t>   </a:t>
                       </a:r>
+                      <a:r>
+                        <a:rPr sz="900" spc="0">
+                          <a:solidFill>
+                            <a:srgbClr val="020302"/>
+                          </a:solidFill>
+                          <a:latin typeface="AdobeClean-Light"/>
+                          <a:cs typeface="AdobeClean-Light"/>
+                        </a:rPr>
+                        <a:t>Business</a:t>
+                      </a:r>
+                      <a:r>
+                        <a:rPr lang="en-US" sz="900" spc="0">
+                          <a:solidFill>
+                            <a:srgbClr val="020302"/>
+                          </a:solidFill>
+                          <a:latin typeface="AdobeClean-Light"/>
+                          <a:cs typeface="AdobeClean-Light"/>
+                        </a:rPr>
+                        <a:t> </a:t>
+                      </a:r>
+                      <a:r>
+                        <a:rPr sz="900" spc="0">
+                          <a:solidFill>
+                            <a:srgbClr val="020302"/>
+                          </a:solidFill>
+                          <a:latin typeface="AdobeClean-Light"/>
+                          <a:cs typeface="AdobeClean-Light"/>
+                        </a:rPr>
+                        <a:t>hours</a:t>
+                      </a:r>
+                      <a:r>
+                        <a:rPr lang="en-US" sz="900" spc="0">
+                          <a:solidFill>
+                            <a:srgbClr val="020302"/>
+                          </a:solidFill>
+                          <a:latin typeface="AdobeClean-Light"/>
+                          <a:cs typeface="AdobeClean-Light"/>
+                        </a:rPr>
+                        <a:t> / </a:t>
+                      </a:r>
+                      <a:r>
+                        <a:rPr sz="900" spc="0">
+                          <a:solidFill>
+                            <a:srgbClr val="020302"/>
+                          </a:solidFill>
+                          <a:latin typeface="AdobeClean-Light"/>
+                          <a:cs typeface="AdobeClean-Light"/>
+                        </a:rPr>
+                        <a:t>6</a:t>
+                      </a:r>
+                      <a:r>
+                        <a:rPr lang="en-US" sz="900" spc="0">
+                          <a:solidFill>
+                            <a:srgbClr val="020302"/>
+                          </a:solidFill>
+                          <a:latin typeface="AdobeClean-Light"/>
+                          <a:cs typeface="AdobeClean-Light"/>
+                        </a:rPr>
+                        <a:t> </a:t>
+                      </a:r>
+                      <a:r>
+                        <a:rPr sz="900" spc="0">
+                          <a:solidFill>
+                            <a:srgbClr val="020302"/>
+                          </a:solidFill>
+                          <a:latin typeface="AdobeClean-Light"/>
+                          <a:cs typeface="AdobeClean-Light"/>
+                        </a:rPr>
+                        <a:t>hours</a:t>
+                      </a:r>
+                      <a:endParaRPr sz="900" spc="0">
+                        <a:latin typeface="AdobeClean-Light"/>
+                        <a:cs typeface="AdobeClean-Light"/>
+                      </a:endParaRPr>
                     </a:p>
                   </a:txBody>
-                  <a:tcPr marL="0" marR="0" marT="0" marB="0" anchor="ctr" anchorCtr="1">
+                  <a:tcPr marL="0" marR="0" marT="91440" marB="91440" anchor="ctr" anchorCtr="1">
                     <a:lnL w="3175">
                       <a:solidFill>
                         <a:srgbClr val="B7B8B8"/>
@@ -2960,18 +3416,82 @@
                         </a:spcBef>
                       </a:pPr>
                       <a:r>
-                        <a:rPr lang="es-ES" sz="900" spc="-20" baseline="0" dirty="0">
+                        <a:rPr sz="900" spc="0">
                           <a:solidFill>
                             <a:srgbClr val="020302"/>
                           </a:solidFill>
                           <a:latin typeface="AdobeClean-Light"/>
                           <a:cs typeface="AdobeClean-Light"/>
                         </a:rPr>
-                        <a:t>Horario de trabajo / 4 horas</a:t>
+                        <a:t>Business</a:t>
                       </a:r>
+                      <a:r>
+                        <a:rPr lang="en-US" sz="900" spc="0">
+                          <a:solidFill>
+                            <a:srgbClr val="020302"/>
+                          </a:solidFill>
+                          <a:latin typeface="AdobeClean-Light"/>
+                          <a:cs typeface="AdobeClean-Light"/>
+                        </a:rPr>
+                        <a:t> </a:t>
+                      </a:r>
+                      <a:r>
+                        <a:rPr sz="900" spc="0">
+                          <a:solidFill>
+                            <a:srgbClr val="020302"/>
+                          </a:solidFill>
+                          <a:latin typeface="AdobeClean-Light"/>
+                          <a:cs typeface="AdobeClean-Light"/>
+                        </a:rPr>
+                        <a:t>hours</a:t>
+                      </a:r>
+                      <a:r>
+                        <a:rPr lang="en-US" sz="900" spc="0">
+                          <a:solidFill>
+                            <a:srgbClr val="020302"/>
+                          </a:solidFill>
+                          <a:latin typeface="AdobeClean-Light"/>
+                          <a:cs typeface="AdobeClean-Light"/>
+                        </a:rPr>
+                        <a:t> </a:t>
+                      </a:r>
+                      <a:r>
+                        <a:rPr sz="900" spc="0">
+                          <a:solidFill>
+                            <a:srgbClr val="020302"/>
+                          </a:solidFill>
+                          <a:latin typeface="AdobeClean-Light"/>
+                          <a:cs typeface="AdobeClean-Light"/>
+                        </a:rPr>
+                        <a:t>/ 4</a:t>
+                      </a:r>
+                      <a:r>
+                        <a:rPr lang="en-US" sz="900" spc="0">
+                          <a:solidFill>
+                            <a:srgbClr val="020302"/>
+                          </a:solidFill>
+                          <a:latin typeface="AdobeClean-Light"/>
+                          <a:cs typeface="AdobeClean-Light"/>
+                        </a:rPr>
+                        <a:t> </a:t>
+                      </a:r>
+                      <a:r>
+                        <a:rPr sz="900" spc="0">
+                          <a:solidFill>
+                            <a:srgbClr val="020302"/>
+                          </a:solidFill>
+                          <a:latin typeface="AdobeClean-Light"/>
+                          <a:cs typeface="AdobeClean-Light"/>
+                        </a:rPr>
+                        <a:t>hours</a:t>
+                      </a:r>
+                      <a:endParaRPr sz="900" spc="0">
+                        <a:latin typeface="AdobeClean-Light"/>
+                        <a:cs typeface="AdobeClean-Light"/>
+                      </a:endParaRPr>
                     </a:p>
                   </a:txBody>
-                  <a:tcPr marL="0" marR="0" marT="0" marB="0" anchor="ctr" anchorCtr="1">
+                  <a:tcPr marL="0" marR="0" marT="91440" marB="91440" anchor="ctr" anchorCtr="1">
                     <a:lnL w="3175">
                       <a:solidFill>
                         <a:srgbClr val="B7B8B8"/>
@@ -3009,7 +3529,7 @@
                   </a:ext>
                 </a:extLst>
               </a:tr>
-              <a:tr h="464651">
+              <a:tr h="388333">
                 <a:tc>
                   <a:txBody>
                     <a:bodyPr/>
@@ -3024,15 +3544,19 @@
                         </a:spcBef>
                       </a:pPr>
                       <a:r>
-                        <a:rPr lang="es-ES" sz="900" b="1">
+                        <a:rPr sz="900" b="1" spc="0">
                           <a:solidFill>
                             <a:srgbClr val="020302"/>
                           </a:solidFill>
                           <a:latin typeface="Adobe Clean"/>
                           <a:cs typeface="Adobe Clean"/>
                         </a:rPr>
-                        <a:t>PRIORIDAD 4</a:t>
+                        <a:t>PRIORITY 4</a:t>
                       </a:r>
+                      <a:endParaRPr sz="900" spc="0">
+                        <a:latin typeface="Adobe Clean"/>
+                        <a:cs typeface="Adobe Clean"/>
+                      </a:endParaRPr>
                     </a:p>
                     <a:p>
                       <a:pPr marL="48895" marR="0" lvl="0" indent="0" defTabSz="914400" eaLnBrk="1" fontAlgn="auto" latinLnBrk="0" hangingPunct="1">
@@ -3053,14 +3577,19 @@
                         <a:defRPr/>
                       </a:pPr>
                       <a:r>
-                        <a:rPr lang="es-ES" sz="900" b="0" i="0">
+                        <a:rPr lang="en-US" sz="900" b="0" i="0" spc="0">
                           <a:solidFill>
                             <a:srgbClr val="000000"/>
                           </a:solidFill>
+                          <a:effectLst/>
                           <a:latin typeface="Adobe Clean Light" panose="020B0303020404020204" pitchFamily="34" charset="0"/>
                         </a:rPr>
-                        <a:t>Pregunta general sobre la funcionalidad actual del producto o una solicitud de mejora.</a:t>
+                        <a:t>General question regarding current product functionality or an enhancement request</a:t>
                       </a:r>
+                      <a:endParaRPr lang="en-US" sz="900" b="0" i="0" spc="0">
+                        <a:latin typeface="Adobe Clean Light" panose="020B0303020404020204" pitchFamily="34" charset="0"/>
+                        <a:cs typeface="AdobeClean-Light"/>
+                      </a:endParaRPr>
                     </a:p>
                   </a:txBody>
                   <a:tcPr marL="0" marR="0" marT="1905" marB="0">
@@ -3104,18 +3633,72 @@
                         </a:spcBef>
                       </a:pPr>
                       <a:r>
-                        <a:rPr lang="es-ES" sz="900" spc="-20" baseline="0" dirty="0">
+                        <a:rPr lang="en-US" sz="900" spc="0">
                           <a:solidFill>
                             <a:srgbClr val="020302"/>
                           </a:solidFill>
                           <a:latin typeface="AdobeClean-Light"/>
                           <a:cs typeface="AdobeClean-Light"/>
                         </a:rPr>
-                        <a:t>  Días laborables / 3 días</a:t>
+                        <a:t>  </a:t>
                       </a:r>
+                      <a:r>
+                        <a:rPr sz="900" spc="0">
+                          <a:solidFill>
+                            <a:srgbClr val="020302"/>
+                          </a:solidFill>
+                          <a:latin typeface="AdobeClean-Light"/>
+                          <a:cs typeface="AdobeClean-Light"/>
+                        </a:rPr>
+                        <a:t>Business</a:t>
+                      </a:r>
+                      <a:r>
+                        <a:rPr lang="en-US" sz="900" spc="0">
+                          <a:solidFill>
+                            <a:srgbClr val="020302"/>
+                          </a:solidFill>
+                          <a:latin typeface="AdobeClean-Light"/>
+                          <a:cs typeface="AdobeClean-Light"/>
+                        </a:rPr>
+                        <a:t> </a:t>
+                      </a:r>
+                      <a:r>
+                        <a:rPr sz="900" spc="0">
+                          <a:solidFill>
+                            <a:srgbClr val="020302"/>
+                          </a:solidFill>
+                          <a:latin typeface="AdobeClean-Light"/>
+                          <a:cs typeface="AdobeClean-Light"/>
+                        </a:rPr>
+                        <a:t>days</a:t>
+                      </a:r>
+                      <a:r>
+                        <a:rPr lang="en-US" sz="900" spc="0">
+                          <a:solidFill>
+                            <a:srgbClr val="020302"/>
+                          </a:solidFill>
+                          <a:latin typeface="AdobeClean-Light"/>
+                          <a:cs typeface="AdobeClean-Light"/>
+                        </a:rPr>
+                        <a:t> / </a:t>
+                      </a:r>
+                      <a:r>
+                        <a:rPr sz="900" spc="0">
+                          <a:solidFill>
+                            <a:srgbClr val="020302"/>
+                          </a:solidFill>
+                          <a:latin typeface="AdobeClean-Light"/>
+                          <a:cs typeface="AdobeClean-Light"/>
+                        </a:rPr>
+                        <a:t>3 days</a:t>
+                      </a:r>
+                      <a:endParaRPr sz="900" spc="0">
+                        <a:latin typeface="AdobeClean-Light"/>
+                        <a:cs typeface="AdobeClean-Light"/>
+                      </a:endParaRPr>
                     </a:p>
                   </a:txBody>
-                  <a:tcPr marL="0" marR="0" marT="0" marB="0" anchor="ctr" anchorCtr="1">
+                  <a:tcPr marL="0" marR="0" marT="91440" marB="91440" anchor="ctr" anchorCtr="1">
                     <a:lnL w="3175">
                       <a:solidFill>
                         <a:srgbClr val="B7B8B8"/>
@@ -3156,18 +3739,82 @@
                         </a:spcBef>
                       </a:pPr>
                       <a:r>
-                        <a:rPr lang="es-ES" sz="900" spc="-20" baseline="0" dirty="0">
+                        <a:rPr sz="900" spc="0" dirty="0">
                           <a:solidFill>
                             <a:srgbClr val="020302"/>
                           </a:solidFill>
                           <a:latin typeface="AdobeClean-Light"/>
                           <a:cs typeface="AdobeClean-Light"/>
                         </a:rPr>
-                        <a:t>Días laborables / 1 día</a:t>
+                        <a:t>Business</a:t>
                       </a:r>
+                      <a:r>
+                        <a:rPr lang="en-US" sz="900" spc="0" dirty="0">
+                          <a:solidFill>
+                            <a:srgbClr val="020302"/>
+                          </a:solidFill>
+                          <a:latin typeface="AdobeClean-Light"/>
+                          <a:cs typeface="AdobeClean-Light"/>
+                        </a:rPr>
+                        <a:t> </a:t>
+                      </a:r>
+                      <a:r>
+                        <a:rPr sz="900" spc="0" dirty="0">
+                          <a:solidFill>
+                            <a:srgbClr val="020302"/>
+                          </a:solidFill>
+                          <a:latin typeface="AdobeClean-Light"/>
+                          <a:cs typeface="AdobeClean-Light"/>
+                        </a:rPr>
+                        <a:t>day</a:t>
+                      </a:r>
+                      <a:r>
+                        <a:rPr lang="en-US" sz="900" spc="0" dirty="0">
+                          <a:solidFill>
+                            <a:srgbClr val="020302"/>
+                          </a:solidFill>
+                          <a:latin typeface="AdobeClean-Light"/>
+                          <a:cs typeface="AdobeClean-Light"/>
+                        </a:rPr>
+                        <a:t>s </a:t>
+                      </a:r>
+                      <a:r>
+                        <a:rPr sz="900" spc="0" dirty="0">
+                          <a:solidFill>
+                            <a:srgbClr val="020302"/>
+                          </a:solidFill>
+                          <a:latin typeface="AdobeClean-Light"/>
+                          <a:cs typeface="AdobeClean-Light"/>
+                        </a:rPr>
+                        <a:t>/</a:t>
+                      </a:r>
+                      <a:r>
+                        <a:rPr lang="en-US" sz="900" spc="0" dirty="0">
+                          <a:solidFill>
+                            <a:srgbClr val="020302"/>
+                          </a:solidFill>
+                          <a:latin typeface="AdobeClean-Light"/>
+                          <a:cs typeface="AdobeClean-Light"/>
+                        </a:rPr>
+                        <a:t> </a:t>
+                      </a:r>
+                      <a:r>
+                        <a:rPr sz="900" spc="0" dirty="0">
+                          <a:solidFill>
+                            <a:srgbClr val="020302"/>
+                          </a:solidFill>
+                          <a:latin typeface="AdobeClean-Light"/>
+                          <a:cs typeface="AdobeClean-Light"/>
+                        </a:rPr>
+                        <a:t>1 day</a:t>
+                      </a:r>
+                      <a:endParaRPr sz="900" spc="0" dirty="0">
+                        <a:latin typeface="AdobeClean-Light"/>
+                        <a:cs typeface="AdobeClean-Light"/>
+                      </a:endParaRPr>
                     </a:p>
                   </a:txBody>
-                  <a:tcPr marL="0" marR="0" marT="0" marB="0" anchor="ctr" anchorCtr="1">
+                  <a:tcPr marL="0" marR="0" marT="91440" marB="91440" anchor="ctr" anchorCtr="1">
                     <a:lnL w="3175">
                       <a:solidFill>
                         <a:srgbClr val="B7B8B8"/>
@@ -3224,14 +3871,14 @@
           <p:nvPr>
             <p:extLst>
               <p:ext uri="{D42A27DB-BD31-4B8C-83A1-F6EECF244321}">
-                <p14:modId xmlns:p14="http://schemas.microsoft.com/office/powerpoint/2010/main" val="732991917"/>
+                <p14:modId xmlns:p14="http://schemas.microsoft.com/office/powerpoint/2010/main" val="1162910209"/>
               </p:ext>
             </p:extLst>
           </p:nvPr>
         </p:nvGraphicFramePr>
         <p:xfrm>
           <a:off x="121147" y="2120949"/>
-          <a:ext cx="7498851" cy="4815558"/>
+          <a:ext cx="7498851" cy="4714546"/>
         </p:xfrm>
         <a:graphic>
           <a:graphicData uri="http://schemas.openxmlformats.org/drawingml/2006/table">
@@ -3275,7 +3922,7 @@
                     <a:bodyPr/>
                     <a:lstStyle/>
                     <a:p>
-                      <a:endParaRPr lang="en-US" dirty="0"/>
+                      <a:endParaRPr lang="en-US"/>
                     </a:p>
                   </a:txBody>
                   <a:tcPr/>
@@ -3313,15 +3960,39 @@
                         <a:defRPr/>
                       </a:pPr>
                       <a:r>
-                        <a:rPr lang="es-ES" sz="900" dirty="0">
+                        <a:rPr lang="en-US" sz="900" spc="-20" dirty="0">
                           <a:solidFill>
                             <a:srgbClr val="404040"/>
                           </a:solidFill>
                           <a:latin typeface="Adobe Clean"/>
                           <a:cs typeface="Adobe Clean"/>
                         </a:rPr>
-                        <a:t>Soporte Online</a:t>
+                        <a:t>Standard </a:t>
                       </a:r>
+                      <a:r>
+                        <a:rPr lang="en-US" sz="900" spc="-135" dirty="0">
+                          <a:solidFill>
+                            <a:srgbClr val="404040"/>
+                          </a:solidFill>
+                          <a:latin typeface="Adobe Clean"/>
+                          <a:cs typeface="Adobe Clean"/>
+                        </a:rPr>
+                        <a:t> </a:t>
+                      </a:r>
+                      <a:r>
+                        <a:rPr lang="en-US" sz="900" spc="-20" dirty="0">
+                          <a:solidFill>
+                            <a:srgbClr val="404040"/>
+                          </a:solidFill>
+                          <a:latin typeface="Adobe Clean"/>
+                          <a:cs typeface="Adobe Clean"/>
+                        </a:rPr>
+                        <a:t>Support</a:t>
+                      </a:r>
+                      <a:endParaRPr lang="en-US" sz="900" dirty="0">
+                        <a:latin typeface="Adobe Clean"/>
+                        <a:cs typeface="Adobe Clean"/>
+                      </a:endParaRPr>
                     </a:p>
                   </a:txBody>
                   <a:tcPr marL="0" marR="0" marT="7620" marB="0" anchor="ctr">
@@ -3362,15 +4033,39 @@
                         </a:spcBef>
                       </a:pPr>
                       <a:r>
-                        <a:rPr lang="es-ES" sz="900">
+                        <a:rPr sz="900" spc="-20">
                           <a:solidFill>
                             <a:srgbClr val="FFFFFF"/>
                           </a:solidFill>
                           <a:latin typeface="Adobe Clean"/>
                           <a:cs typeface="Adobe Clean"/>
                         </a:rPr>
-                        <a:t>Soporte Business</a:t>
+                        <a:t>Business</a:t>
                       </a:r>
+                      <a:r>
+                        <a:rPr lang="en-US" sz="900" spc="-20">
+                          <a:solidFill>
+                            <a:srgbClr val="FFFFFF"/>
+                          </a:solidFill>
+                          <a:latin typeface="Adobe Clean"/>
+                          <a:cs typeface="Adobe Clean"/>
+                        </a:rPr>
+                        <a:t> </a:t>
+                      </a:r>
+                      <a:r>
+                        <a:rPr sz="900" spc="-20">
+                          <a:solidFill>
+                            <a:srgbClr val="FFFFFF"/>
+                          </a:solidFill>
+                          <a:latin typeface="Adobe Clean"/>
+                          <a:cs typeface="Adobe Clean"/>
+                        </a:rPr>
+                        <a:t>Support</a:t>
+                      </a:r>
+                      <a:endParaRPr sz="900">
+                        <a:latin typeface="Adobe Clean"/>
+                        <a:cs typeface="Adobe Clean"/>
+                      </a:endParaRPr>
                     </a:p>
                   </a:txBody>
                   <a:tcPr marL="0" marR="0" marT="7620" marB="0" anchor="ctr">
@@ -3435,7 +4130,7 @@
                     <a:bodyPr/>
                     <a:lstStyle/>
                     <a:p>
-                      <a:pPr marL="0" marR="0" lvl="0" indent="0" algn="l" defTabSz="914400" rtl="0" eaLnBrk="1" fontAlgn="auto" latinLnBrk="0" hangingPunct="1">
+                      <a:pPr marL="0" marR="0" lvl="0" indent="0" algn="ctr" defTabSz="914400" eaLnBrk="1" fontAlgn="auto" latinLnBrk="0" hangingPunct="1">
                         <a:lnSpc>
                           <a:spcPct val="100000"/>
                         </a:lnSpc>
@@ -3516,13 +4211,13 @@
                         <a:defRPr/>
                       </a:pPr>
                       <a:r>
-                        <a:rPr lang="es-ES" sz="800" i="1">
+                        <a:rPr lang="en-US" sz="800" i="1">
                           <a:solidFill>
                             <a:schemeClr val="bg1"/>
                           </a:solidFill>
                           <a:latin typeface="Adobe Clean Light" panose="020B0303020404020204" pitchFamily="34" charset="0"/>
                         </a:rPr>
-                        <a:t>Soporte de pago ($)</a:t>
+                        <a:t>Paid Support ($)</a:t>
                       </a:r>
                     </a:p>
                   </a:txBody>
@@ -3586,15 +4281,22 @@
                         </a:spcBef>
                       </a:pPr>
                       <a:r>
-                        <a:rPr lang="es-ES" sz="1000" b="1" i="0">
+                        <a:rPr lang="en-US" sz="1000" b="1" i="0" spc="0">
                           <a:solidFill>
                             <a:schemeClr val="bg1"/>
                           </a:solidFill>
                           <a:latin typeface="Adobe Clean" panose="020B0503020404020204" pitchFamily="34" charset="0"/>
                           <a:cs typeface="AdobeClean-Light"/>
                         </a:rPr>
-                        <a:t>Expertos asignados</a:t>
+                        <a:t>Assigned Experts</a:t>
                       </a:r>
+                      <a:endParaRPr sz="1000" b="1" i="0" spc="0">
+                        <a:solidFill>
+                          <a:schemeClr val="bg1"/>
+                        </a:solidFill>
+                        <a:latin typeface="Adobe Clean" panose="020B0503020404020204" pitchFamily="34" charset="0"/>
+                        <a:cs typeface="AdobeClean-Light"/>
+                      </a:endParaRPr>
                     </a:p>
                   </a:txBody>
                   <a:tcPr marL="0" marR="0" marT="58419" marB="0" anchor="ctr">
@@ -3641,15 +4343,19 @@
                         </a:spcBef>
                       </a:pPr>
                       <a:r>
-                        <a:rPr lang="es-ES" sz="900">
+                        <a:rPr sz="900" spc="0">
                           <a:solidFill>
                             <a:srgbClr val="020302"/>
                           </a:solidFill>
                           <a:latin typeface="AdobeClean-Light"/>
                           <a:cs typeface="AdobeClean-Light"/>
                         </a:rPr>
-                        <a:t>Responsable de la asistencia técnica de la cuenta</a:t>
+                        <a:t>Account Support Lead</a:t>
                       </a:r>
+                      <a:endParaRPr sz="900" spc="0">
+                        <a:latin typeface="AdobeClean-Light"/>
+                        <a:cs typeface="AdobeClean-Light"/>
+                      </a:endParaRPr>
                     </a:p>
                   </a:txBody>
                   <a:tcPr marL="0" marR="0" marT="58419" marB="0">
@@ -3684,7 +4390,7 @@
                     <a:bodyPr/>
                     <a:lstStyle/>
                     <a:p>
-                      <a:pPr algn="l" rtl="0">
+                      <a:pPr algn="ctr">
                         <a:lnSpc>
                           <a:spcPct val="100000"/>
                         </a:lnSpc>
@@ -3734,7 +4440,7 @@
                         </a:spcBef>
                       </a:pPr>
                       <a:r>
-                        <a:rPr lang="es-ES" sz="900">
+                        <a:rPr sz="900">
                           <a:solidFill>
                             <a:srgbClr val="020302"/>
                           </a:solidFill>
@@ -3743,6 +4449,10 @@
                         </a:rPr>
                         <a:t></a:t>
                       </a:r>
+                      <a:endParaRPr sz="900">
+                        <a:latin typeface="Wingdings"/>
+                        <a:cs typeface="Wingdings"/>
+                      </a:endParaRPr>
                     </a:p>
                   </a:txBody>
                   <a:tcPr marL="0" marR="0" marT="59690" marB="0" anchor="ctr">
@@ -3774,7 +4484,7 @@
                     <a:bodyPr/>
                     <a:lstStyle/>
                     <a:p>
-                      <a:pPr marL="50800" algn="l" rtl="0">
+                      <a:pPr marL="50800">
                         <a:lnSpc>
                           <a:spcPct val="100000"/>
                         </a:lnSpc>
@@ -3820,15 +4530,19 @@
                         </a:spcBef>
                       </a:pPr>
                       <a:r>
-                        <a:rPr lang="es-ES" sz="900">
+                        <a:rPr sz="900" spc="0">
                           <a:solidFill>
                             <a:srgbClr val="020302"/>
                           </a:solidFill>
                           <a:latin typeface="AdobeClean-Light"/>
                           <a:cs typeface="AdobeClean-Light"/>
                         </a:rPr>
-                        <a:t>Ingeniero de asistencia técnica especializado</a:t>
+                        <a:t>Named Support Engineer</a:t>
                       </a:r>
+                      <a:endParaRPr sz="900" spc="0">
+                        <a:latin typeface="AdobeClean-Light"/>
+                        <a:cs typeface="AdobeClean-Light"/>
+                      </a:endParaRPr>
                     </a:p>
                   </a:txBody>
                   <a:tcPr marL="0" marR="0" marT="58419" marB="0">
@@ -3851,7 +4565,7 @@
                     <a:bodyPr/>
                     <a:lstStyle/>
                     <a:p>
-                      <a:pPr algn="l" rtl="0">
+                      <a:pPr algn="ctr">
                         <a:lnSpc>
                           <a:spcPct val="100000"/>
                         </a:lnSpc>
@@ -3880,7 +4594,7 @@
                     <a:bodyPr/>
                     <a:lstStyle/>
                     <a:p>
-                      <a:pPr algn="l" rtl="0">
+                      <a:pPr algn="ctr">
                         <a:lnSpc>
                           <a:spcPct val="100000"/>
                         </a:lnSpc>
@@ -3911,7 +4625,7 @@
                     <a:bodyPr/>
                     <a:lstStyle/>
                     <a:p>
-                      <a:pPr marL="50800" algn="l" rtl="0">
+                      <a:pPr marL="50800">
                         <a:lnSpc>
                           <a:spcPct val="100000"/>
                         </a:lnSpc>
@@ -3969,15 +4683,19 @@
                         </a:spcBef>
                       </a:pPr>
                       <a:r>
-                        <a:rPr lang="es-ES" sz="900">
+                        <a:rPr sz="900" spc="0">
                           <a:solidFill>
                             <a:srgbClr val="020302"/>
                           </a:solidFill>
                           <a:latin typeface="AdobeClean-Light"/>
                           <a:cs typeface="AdobeClean-Light"/>
                         </a:rPr>
-                        <a:t>Gestor técnico de cuentas</a:t>
+                        <a:t>Technical Account Manager</a:t>
                       </a:r>
+                      <a:endParaRPr sz="900" spc="0">
+                        <a:latin typeface="AdobeClean-Light"/>
+                        <a:cs typeface="AdobeClean-Light"/>
+                      </a:endParaRPr>
                     </a:p>
                   </a:txBody>
                   <a:tcPr marL="0" marR="0" marT="63500" marB="0">
@@ -4006,7 +4724,7 @@
                     <a:bodyPr/>
                     <a:lstStyle/>
                     <a:p>
-                      <a:pPr algn="l" rtl="0">
+                      <a:pPr algn="ctr">
                         <a:lnSpc>
                           <a:spcPct val="100000"/>
                         </a:lnSpc>
@@ -4044,7 +4762,7 @@
                     <a:bodyPr/>
                     <a:lstStyle/>
                     <a:p>
-                      <a:pPr algn="l" rtl="0">
+                      <a:pPr algn="ctr">
                         <a:lnSpc>
                           <a:spcPct val="100000"/>
                         </a:lnSpc>
@@ -4093,15 +4811,22 @@
                         </a:spcBef>
                       </a:pPr>
                       <a:r>
-                        <a:rPr lang="es-ES" sz="1000" b="1" i="0">
+                        <a:rPr lang="en-US" sz="1000" b="1" i="0" spc="0">
                           <a:solidFill>
                             <a:schemeClr val="bg1"/>
                           </a:solidFill>
                           <a:latin typeface="Adobe Clean" panose="020B0503020404020204" pitchFamily="34" charset="0"/>
                           <a:cs typeface="AdobeClean-Light"/>
                         </a:rPr>
-                        <a:t>Servicios de soporte</a:t>
+                        <a:t>Support Services</a:t>
                       </a:r>
+                      <a:endParaRPr sz="1000" b="1" i="0" spc="0">
+                        <a:solidFill>
+                          <a:schemeClr val="bg1"/>
+                        </a:solidFill>
+                        <a:latin typeface="Adobe Clean" panose="020B0503020404020204" pitchFamily="34" charset="0"/>
+                        <a:cs typeface="AdobeClean-Light"/>
+                      </a:endParaRPr>
                     </a:p>
                   </a:txBody>
                   <a:tcPr marL="0" marR="0" marT="57150" marB="0" anchor="ctr">
@@ -4157,15 +4882,29 @@
                         </a:spcBef>
                       </a:pPr>
                       <a:r>
-                        <a:rPr lang="es-ES" sz="900">
+                        <a:rPr lang="en-US" sz="900" spc="0">
                           <a:solidFill>
                             <a:srgbClr val="020302"/>
                           </a:solidFill>
                           <a:latin typeface="AdobeClean-Light"/>
                           <a:cs typeface="AdobeClean-Light"/>
                         </a:rPr>
-                        <a:t>Soporte Online</a:t>
+                        <a:t>Online</a:t>
                       </a:r>
+                      <a:r>
+                        <a:rPr sz="900" spc="0">
+                          <a:solidFill>
+                            <a:srgbClr val="020302"/>
+                          </a:solidFill>
+                          <a:latin typeface="AdobeClean-Light"/>
+                          <a:cs typeface="AdobeClean-Light"/>
+                        </a:rPr>
+                        <a:t> Support</a:t>
+                      </a:r>
+                      <a:endParaRPr sz="900" spc="0">
+                        <a:latin typeface="AdobeClean-Light"/>
+                        <a:cs typeface="AdobeClean-Light"/>
+                      </a:endParaRPr>
                     </a:p>
                   </a:txBody>
                   <a:tcPr marL="0" marR="0" marT="57150" marB="0">
@@ -4203,15 +4942,39 @@
                         </a:spcBef>
                       </a:pPr>
                       <a:r>
-                        <a:rPr lang="es-ES" sz="900">
+                        <a:rPr sz="900" spc="-25">
                           <a:solidFill>
                             <a:srgbClr val="020302"/>
                           </a:solidFill>
                           <a:latin typeface="AdobeClean-Light"/>
                           <a:cs typeface="AdobeClean-Light"/>
                         </a:rPr>
-                        <a:t>Horario de trabajo</a:t>
+                        <a:t>Business</a:t>
                       </a:r>
+                      <a:r>
+                        <a:rPr sz="900" spc="-15">
+                          <a:solidFill>
+                            <a:srgbClr val="020302"/>
+                          </a:solidFill>
+                          <a:latin typeface="AdobeClean-Light"/>
+                          <a:cs typeface="AdobeClean-Light"/>
+                        </a:rPr>
+                        <a:t> </a:t>
+                      </a:r>
+                      <a:r>
+                        <a:rPr sz="900" spc="-30">
+                          <a:solidFill>
+                            <a:srgbClr val="020302"/>
+                          </a:solidFill>
+                          <a:latin typeface="AdobeClean-Light"/>
+                          <a:cs typeface="AdobeClean-Light"/>
+                        </a:rPr>
+                        <a:t>hours</a:t>
+                      </a:r>
+                      <a:endParaRPr sz="900">
+                        <a:latin typeface="AdobeClean-Light"/>
+                        <a:cs typeface="AdobeClean-Light"/>
+                      </a:endParaRPr>
                     </a:p>
                   </a:txBody>
                   <a:tcPr marL="0" marR="0" marT="67945" marB="0">
@@ -4250,15 +5013,39 @@
                         </a:spcBef>
                       </a:pPr>
                       <a:r>
-                        <a:rPr lang="es-ES" sz="900">
+                        <a:rPr sz="900" spc="-25">
                           <a:solidFill>
                             <a:srgbClr val="020302"/>
                           </a:solidFill>
                           <a:latin typeface="AdobeClean-Light"/>
                           <a:cs typeface="AdobeClean-Light"/>
                         </a:rPr>
-                        <a:t>Horario de trabajo</a:t>
+                        <a:t>Business</a:t>
                       </a:r>
+                      <a:r>
+                        <a:rPr sz="900" spc="-15">
+                          <a:solidFill>
+                            <a:srgbClr val="020302"/>
+                          </a:solidFill>
+                          <a:latin typeface="AdobeClean-Light"/>
+                          <a:cs typeface="AdobeClean-Light"/>
+                        </a:rPr>
+                        <a:t> </a:t>
+                      </a:r>
+                      <a:r>
+                        <a:rPr sz="900" spc="-30">
+                          <a:solidFill>
+                            <a:srgbClr val="020302"/>
+                          </a:solidFill>
+                          <a:latin typeface="AdobeClean-Light"/>
+                          <a:cs typeface="AdobeClean-Light"/>
+                        </a:rPr>
+                        <a:t>hours</a:t>
+                      </a:r>
+                      <a:endParaRPr sz="900">
+                        <a:latin typeface="AdobeClean-Light"/>
+                        <a:cs typeface="AdobeClean-Light"/>
+                      </a:endParaRPr>
                     </a:p>
                   </a:txBody>
                   <a:tcPr marL="0" marR="0" marT="67945" marB="0">
@@ -4290,7 +5077,7 @@
                     <a:bodyPr/>
                     <a:lstStyle/>
                     <a:p>
-                      <a:pPr marL="50800" algn="l" rtl="0">
+                      <a:pPr marL="50800">
                         <a:lnSpc>
                           <a:spcPct val="100000"/>
                         </a:lnSpc>
@@ -4339,15 +5126,39 @@
                         </a:spcBef>
                       </a:pPr>
                       <a:r>
-                        <a:rPr lang="es-ES" sz="900">
+                        <a:rPr sz="900" spc="0">
                           <a:solidFill>
                             <a:srgbClr val="020302"/>
                           </a:solidFill>
                           <a:latin typeface="AdobeClean-Light"/>
                           <a:cs typeface="AdobeClean-Light"/>
                         </a:rPr>
-                        <a:t>Soporte con problemas P1 24 x 7 x 365</a:t>
+                        <a:t>24x7</a:t>
                       </a:r>
+                      <a:r>
+                        <a:rPr lang="en-US" sz="900" spc="0">
+                          <a:solidFill>
+                            <a:srgbClr val="020302"/>
+                          </a:solidFill>
+                          <a:latin typeface="AdobeClean-Light"/>
+                          <a:cs typeface="AdobeClean-Light"/>
+                        </a:rPr>
+                        <a:t>x365</a:t>
+                      </a:r>
+                      <a:r>
+                        <a:rPr sz="900" spc="0">
+                          <a:solidFill>
+                            <a:srgbClr val="020302"/>
+                          </a:solidFill>
+                          <a:latin typeface="AdobeClean-Light"/>
+                          <a:cs typeface="AdobeClean-Light"/>
+                        </a:rPr>
+                        <a:t> P1 Issue Support</a:t>
+                      </a:r>
+                      <a:endParaRPr sz="900" spc="0">
+                        <a:latin typeface="AdobeClean-Light"/>
+                        <a:cs typeface="AdobeClean-Light"/>
+                      </a:endParaRPr>
                     </a:p>
                   </a:txBody>
                   <a:tcPr marL="0" marR="0" marT="57785" marB="0">
@@ -4379,7 +5190,7 @@
                         </a:spcBef>
                       </a:pPr>
                       <a:r>
-                        <a:rPr lang="es-ES" sz="900">
+                        <a:rPr sz="900">
                           <a:solidFill>
                             <a:srgbClr val="020302"/>
                           </a:solidFill>
@@ -4388,6 +5199,10 @@
                         </a:rPr>
                         <a:t></a:t>
                       </a:r>
+                      <a:endParaRPr sz="900">
+                        <a:latin typeface="Wingdings"/>
+                        <a:cs typeface="Wingdings"/>
+                      </a:endParaRPr>
                     </a:p>
                   </a:txBody>
                   <a:tcPr marL="0" marR="0" marT="58419" marB="0">
@@ -4417,7 +5232,7 @@
                         </a:spcBef>
                       </a:pPr>
                       <a:r>
-                        <a:rPr lang="es-ES" sz="900">
+                        <a:rPr sz="900">
                           <a:solidFill>
                             <a:srgbClr val="020302"/>
                           </a:solidFill>
@@ -4426,6 +5241,10 @@
                         </a:rPr>
                         <a:t></a:t>
                       </a:r>
+                      <a:endParaRPr sz="900">
+                        <a:latin typeface="Wingdings"/>
+                        <a:cs typeface="Wingdings"/>
+                      </a:endParaRPr>
                     </a:p>
                   </a:txBody>
                   <a:tcPr marL="0" marR="0" marT="58419" marB="0">
@@ -4448,7 +5267,7 @@
                     <a:bodyPr/>
                     <a:lstStyle/>
                     <a:p>
-                      <a:pPr marL="50800" algn="l" rtl="0">
+                      <a:pPr marL="50800">
                         <a:lnSpc>
                           <a:spcPct val="100000"/>
                         </a:lnSpc>
@@ -4506,15 +5325,19 @@
                         </a:spcBef>
                       </a:pPr>
                       <a:r>
-                        <a:rPr lang="es-ES" sz="900">
+                        <a:rPr lang="en-US" sz="900" spc="0">
                           <a:solidFill>
                             <a:srgbClr val="020302"/>
                           </a:solidFill>
                           <a:latin typeface="AdobeClean-Light"/>
                           <a:cs typeface="AdobeClean-Light"/>
                         </a:rPr>
-                        <a:t>Contactos de soporte particulares (por producto)</a:t>
+                        <a:t>Named Support Contacts (per product)</a:t>
                       </a:r>
+                      <a:endParaRPr sz="900" spc="0">
+                        <a:latin typeface="AdobeClean-Light"/>
+                        <a:cs typeface="AdobeClean-Light"/>
+                      </a:endParaRPr>
                     </a:p>
                   </a:txBody>
                   <a:tcPr marL="0" marR="0" marT="57785" marB="0">
@@ -4552,7 +5375,7 @@
                         </a:spcBef>
                       </a:pPr>
                       <a:r>
-                        <a:rPr lang="es-ES" sz="900">
+                        <a:rPr sz="900">
                           <a:solidFill>
                             <a:srgbClr val="020302"/>
                           </a:solidFill>
@@ -4561,6 +5384,10 @@
                         </a:rPr>
                         <a:t>4</a:t>
                       </a:r>
+                      <a:endParaRPr sz="900">
+                        <a:latin typeface="AdobeClean-Light"/>
+                        <a:cs typeface="AdobeClean-Light"/>
+                      </a:endParaRPr>
                     </a:p>
                   </a:txBody>
                   <a:tcPr marL="0" marR="0" marT="57785" marB="0">
@@ -4590,7 +5417,7 @@
                         </a:spcBef>
                       </a:pPr>
                       <a:r>
-                        <a:rPr lang="es-ES" sz="900">
+                        <a:rPr sz="900">
                           <a:solidFill>
                             <a:srgbClr val="020302"/>
                           </a:solidFill>
@@ -4599,6 +5426,10 @@
                         </a:rPr>
                         <a:t>6</a:t>
                       </a:r>
+                      <a:endParaRPr sz="900">
+                        <a:latin typeface="AdobeClean-Light"/>
+                        <a:cs typeface="AdobeClean-Light"/>
+                      </a:endParaRPr>
                     </a:p>
                   </a:txBody>
                   <a:tcPr marL="0" marR="0" marT="57785" marB="0">
@@ -4621,7 +5452,7 @@
                     <a:bodyPr/>
                     <a:lstStyle/>
                     <a:p>
-                      <a:pPr marL="50800" algn="l" rtl="0">
+                      <a:pPr marL="50800">
                         <a:lnSpc>
                           <a:spcPct val="100000"/>
                         </a:lnSpc>
@@ -4670,15 +5501,19 @@
                         </a:spcBef>
                       </a:pPr>
                       <a:r>
-                        <a:rPr lang="es-ES" sz="900">
+                        <a:rPr lang="en-US" sz="900" spc="0">
                           <a:solidFill>
                             <a:srgbClr val="020302"/>
                           </a:solidFill>
                           <a:latin typeface="AdobeClean-Light"/>
                           <a:cs typeface="AdobeClean-Light"/>
                         </a:rPr>
-                        <a:t>Asistencia telefónica en directo</a:t>
+                        <a:t>Live Telephone Support</a:t>
                       </a:r>
+                      <a:endParaRPr sz="900" spc="0">
+                        <a:latin typeface="AdobeClean-Light"/>
+                        <a:cs typeface="AdobeClean-Light"/>
+                      </a:endParaRPr>
                     </a:p>
                   </a:txBody>
                   <a:tcPr marL="0" marR="0" marT="57785" marB="0">
@@ -4701,7 +5536,7 @@
                     <a:bodyPr/>
                     <a:lstStyle/>
                     <a:p>
-                      <a:pPr algn="l" rtl="0">
+                      <a:pPr algn="ctr">
                         <a:lnSpc>
                           <a:spcPct val="100000"/>
                         </a:lnSpc>
@@ -4742,7 +5577,7 @@
                         </a:spcBef>
                       </a:pPr>
                       <a:r>
-                        <a:rPr lang="es-ES" sz="900">
+                        <a:rPr sz="900">
                           <a:solidFill>
                             <a:srgbClr val="020302"/>
                           </a:solidFill>
@@ -4751,6 +5586,10 @@
                         </a:rPr>
                         <a:t></a:t>
                       </a:r>
+                      <a:endParaRPr sz="900">
+                        <a:latin typeface="Wingdings"/>
+                        <a:cs typeface="Wingdings"/>
+                      </a:endParaRPr>
                     </a:p>
                   </a:txBody>
                   <a:tcPr marL="0" marR="0" marT="59054" marB="0">
@@ -4773,7 +5612,7 @@
                     <a:bodyPr/>
                     <a:lstStyle/>
                     <a:p>
-                      <a:pPr marL="50800" algn="l" rtl="0">
+                      <a:pPr marL="50800">
                         <a:lnSpc>
                           <a:spcPct val="100000"/>
                         </a:lnSpc>
@@ -4822,15 +5661,19 @@
                         </a:spcBef>
                       </a:pPr>
                       <a:r>
-                        <a:rPr lang="es-ES" sz="900">
+                        <a:rPr sz="900" spc="0">
                           <a:solidFill>
                             <a:srgbClr val="020302"/>
                           </a:solidFill>
                           <a:latin typeface="AdobeClean-Light"/>
                           <a:cs typeface="AdobeClean-Light"/>
                         </a:rPr>
-                        <a:t>Administración de la escalabilidad</a:t>
+                        <a:t>Escalation Management</a:t>
                       </a:r>
+                      <a:endParaRPr sz="900" spc="0">
+                        <a:latin typeface="AdobeClean-Light"/>
+                        <a:cs typeface="AdobeClean-Light"/>
+                      </a:endParaRPr>
                     </a:p>
                   </a:txBody>
                   <a:tcPr marL="0" marR="0" marT="58419" marB="0">
@@ -4853,7 +5696,7 @@
                     <a:bodyPr/>
                     <a:lstStyle/>
                     <a:p>
-                      <a:pPr algn="l" rtl="0">
+                      <a:pPr algn="ctr">
                         <a:lnSpc>
                           <a:spcPct val="100000"/>
                         </a:lnSpc>
@@ -4894,7 +5737,7 @@
                         </a:spcBef>
                       </a:pPr>
                       <a:r>
-                        <a:rPr lang="es-ES" sz="900">
+                        <a:rPr sz="900">
                           <a:solidFill>
                             <a:srgbClr val="020302"/>
                           </a:solidFill>
@@ -4903,6 +5746,10 @@
                         </a:rPr>
                         <a:t></a:t>
                       </a:r>
+                      <a:endParaRPr sz="900">
+                        <a:latin typeface="Wingdings"/>
+                        <a:cs typeface="Wingdings"/>
+                      </a:endParaRPr>
                     </a:p>
                   </a:txBody>
                   <a:tcPr marL="0" marR="0" marT="59690" marB="0">
@@ -4925,7 +5772,7 @@
                     <a:bodyPr/>
                     <a:lstStyle/>
                     <a:p>
-                      <a:pPr marL="50800" algn="l" rtl="0">
+                      <a:pPr marL="50800">
                         <a:lnSpc>
                           <a:spcPct val="100000"/>
                         </a:lnSpc>
@@ -4974,15 +5821,29 @@
                         </a:spcBef>
                       </a:pPr>
                       <a:r>
-                        <a:rPr lang="es-ES" sz="900">
+                        <a:rPr sz="900" spc="0">
                           <a:solidFill>
                             <a:srgbClr val="020302"/>
                           </a:solidFill>
                           <a:latin typeface="AdobeClean-Light"/>
                           <a:cs typeface="AdobeClean-Light"/>
                         </a:rPr>
-                        <a:t>Revisiones de servicio al año</a:t>
+                        <a:t>Service Reviews </a:t>
                       </a:r>
+                      <a:r>
+                        <a:rPr lang="en-US" sz="900" spc="0">
+                          <a:solidFill>
+                            <a:srgbClr val="020302"/>
+                          </a:solidFill>
+                          <a:latin typeface="AdobeClean-Light"/>
+                          <a:cs typeface="AdobeClean-Light"/>
+                        </a:rPr>
+                        <a:t>per Year</a:t>
+                      </a:r>
+                      <a:endParaRPr sz="900" spc="0">
+                        <a:latin typeface="AdobeClean-Light"/>
+                        <a:cs typeface="AdobeClean-Light"/>
+                      </a:endParaRPr>
                     </a:p>
                   </a:txBody>
                   <a:tcPr marL="0" marR="0" marT="57150" marB="0">
@@ -5005,7 +5866,7 @@
                     <a:bodyPr/>
                     <a:lstStyle/>
                     <a:p>
-                      <a:pPr algn="l" rtl="0">
+                      <a:pPr>
                         <a:lnSpc>
                           <a:spcPct val="100000"/>
                         </a:lnSpc>
@@ -5034,7 +5895,7 @@
                     <a:bodyPr/>
                     <a:lstStyle/>
                     <a:p>
-                      <a:pPr algn="l" rtl="0">
+                      <a:pPr>
                         <a:lnSpc>
                           <a:spcPct val="100000"/>
                         </a:lnSpc>
@@ -5084,12 +5945,16 @@
                         </a:spcBef>
                       </a:pPr>
                       <a:r>
-                        <a:rPr lang="es-ES" sz="900">
+                        <a:rPr lang="en-US" sz="900" spc="0">
                           <a:latin typeface="AdobeClean-Light"/>
                           <a:cs typeface="AdobeClean-Light"/>
                         </a:rPr>
-                        <a:t>Sesiones con expertos al año</a:t>
+                        <a:t>Expert Sessions per Year</a:t>
                       </a:r>
+                      <a:endParaRPr sz="900" spc="0">
+                        <a:latin typeface="AdobeClean-Light"/>
+                        <a:cs typeface="AdobeClean-Light"/>
+                      </a:endParaRPr>
                     </a:p>
                   </a:txBody>
                   <a:tcPr marL="0" marR="0" marT="57150" marB="0">
@@ -5118,7 +5983,7 @@
                     <a:bodyPr/>
                     <a:lstStyle/>
                     <a:p>
-                      <a:pPr algn="l" rtl="0">
+                      <a:pPr>
                         <a:lnSpc>
                           <a:spcPct val="100000"/>
                         </a:lnSpc>
@@ -5147,7 +6012,7 @@
                     <a:bodyPr/>
                     <a:lstStyle/>
                     <a:p>
-                      <a:pPr algn="l" rtl="0">
+                      <a:pPr>
                         <a:lnSpc>
                           <a:spcPct val="100000"/>
                         </a:lnSpc>
@@ -5197,12 +6062,16 @@
                         </a:spcBef>
                       </a:pPr>
                       <a:r>
-                        <a:rPr lang="es-ES" sz="900">
+                        <a:rPr lang="en-US" sz="900" spc="0">
                           <a:latin typeface="AdobeClean-Light"/>
                           <a:cs typeface="AdobeClean-Light"/>
                         </a:rPr>
-                        <a:t>Reseñas de casos</a:t>
+                        <a:t>Case Reviews</a:t>
                       </a:r>
+                      <a:endParaRPr sz="900" spc="0">
+                        <a:latin typeface="AdobeClean-Light"/>
+                        <a:cs typeface="AdobeClean-Light"/>
+                      </a:endParaRPr>
                     </a:p>
                   </a:txBody>
                   <a:tcPr marL="0" marR="0" marT="57150" marB="0">
@@ -5231,7 +6100,7 @@
                     <a:bodyPr/>
                     <a:lstStyle/>
                     <a:p>
-                      <a:pPr algn="l" rtl="0">
+                      <a:pPr>
                         <a:lnSpc>
                           <a:spcPct val="100000"/>
                         </a:lnSpc>
@@ -5260,7 +6129,7 @@
                     <a:bodyPr/>
                     <a:lstStyle/>
                     <a:p>
-                      <a:pPr algn="l" rtl="0">
+                      <a:pPr>
                         <a:lnSpc>
                           <a:spcPct val="100000"/>
                         </a:lnSpc>
@@ -5291,7 +6160,7 @@
                     <a:bodyPr/>
                     <a:lstStyle/>
                     <a:p>
-                      <a:pPr marL="48895" algn="l" rtl="0">
+                      <a:pPr marL="48895">
                         <a:lnSpc>
                           <a:spcPct val="100000"/>
                         </a:lnSpc>
@@ -5349,15 +6218,29 @@
                         </a:spcBef>
                       </a:pPr>
                       <a:r>
-                        <a:rPr lang="es-ES" sz="900">
+                        <a:rPr sz="900" spc="0">
                           <a:solidFill>
                             <a:srgbClr val="020302"/>
                           </a:solidFill>
                           <a:latin typeface="AdobeClean-Light"/>
                           <a:cs typeface="AdobeClean-Light"/>
                         </a:rPr>
-                        <a:t>Gestión de eventos</a:t>
+                        <a:t>Event </a:t>
                       </a:r>
+                      <a:r>
+                        <a:rPr lang="en-US" sz="900" spc="0">
+                          <a:solidFill>
+                            <a:srgbClr val="020302"/>
+                          </a:solidFill>
+                          <a:latin typeface="AdobeClean-Light"/>
+                          <a:cs typeface="AdobeClean-Light"/>
+                        </a:rPr>
+                        <a:t>Management</a:t>
+                      </a:r>
+                      <a:endParaRPr sz="900" spc="0">
+                        <a:latin typeface="AdobeClean-Light"/>
+                        <a:cs typeface="AdobeClean-Light"/>
+                      </a:endParaRPr>
                     </a:p>
                   </a:txBody>
                   <a:tcPr marL="0" marR="0" marT="58419" marB="0">
@@ -5386,7 +6269,7 @@
                     <a:bodyPr/>
                     <a:lstStyle/>
                     <a:p>
-                      <a:pPr algn="l" rtl="0">
+                      <a:pPr>
                         <a:lnSpc>
                           <a:spcPct val="100000"/>
                         </a:lnSpc>
@@ -5415,7 +6298,7 @@
                     <a:bodyPr/>
                     <a:lstStyle/>
                     <a:p>
-                      <a:pPr algn="l" rtl="0">
+                      <a:pPr>
                         <a:lnSpc>
                           <a:spcPct val="100000"/>
                         </a:lnSpc>
@@ -5446,7 +6329,7 @@
                     <a:bodyPr/>
                     <a:lstStyle/>
                     <a:p>
-                      <a:pPr marL="48895" algn="l" rtl="0">
+                      <a:pPr marL="48895">
                         <a:lnSpc>
                           <a:spcPct val="100000"/>
                         </a:lnSpc>
@@ -5495,15 +6378,39 @@
                         </a:spcBef>
                       </a:pPr>
                       <a:r>
-                        <a:rPr lang="es-ES" sz="900">
+                        <a:rPr sz="900" spc="0">
                           <a:solidFill>
                             <a:srgbClr val="020302"/>
                           </a:solidFill>
                           <a:latin typeface="AdobeClean-Light"/>
                           <a:cs typeface="AdobeClean-Light"/>
                         </a:rPr>
-                        <a:t>Revisión, mantenimiento y monitorización del entorno</a:t>
+                        <a:t>Environment</a:t>
                       </a:r>
+                      <a:r>
+                        <a:rPr lang="en-US" sz="900" spc="0">
+                          <a:solidFill>
+                            <a:srgbClr val="020302"/>
+                          </a:solidFill>
+                          <a:latin typeface="AdobeClean-Light"/>
+                          <a:cs typeface="AdobeClean-Light"/>
+                        </a:rPr>
+                        <a:t> </a:t>
+                      </a:r>
+                      <a:r>
+                        <a:rPr sz="900" spc="0">
+                          <a:solidFill>
+                            <a:srgbClr val="020302"/>
+                          </a:solidFill>
+                          <a:latin typeface="AdobeClean-Light"/>
+                          <a:cs typeface="AdobeClean-Light"/>
+                        </a:rPr>
+                        <a:t>Review, Maintenance &amp; Monitoring</a:t>
+                      </a:r>
+                      <a:endParaRPr sz="900" spc="0">
+                        <a:latin typeface="AdobeClean-Light"/>
+                        <a:cs typeface="AdobeClean-Light"/>
+                      </a:endParaRPr>
                     </a:p>
                   </a:txBody>
                   <a:tcPr marL="0" marR="0" marT="59055" marB="0">
@@ -5526,7 +6433,7 @@
                     <a:bodyPr/>
                     <a:lstStyle/>
                     <a:p>
-                      <a:pPr algn="l" rtl="0">
+                      <a:pPr>
                         <a:lnSpc>
                           <a:spcPct val="100000"/>
                         </a:lnSpc>
@@ -5555,7 +6462,7 @@
                     <a:bodyPr/>
                     <a:lstStyle/>
                     <a:p>
-                      <a:pPr algn="l" rtl="0">
+                      <a:pPr>
                         <a:lnSpc>
                           <a:spcPct val="100000"/>
                         </a:lnSpc>
@@ -5586,7 +6493,7 @@
                     <a:bodyPr/>
                     <a:lstStyle/>
                     <a:p>
-                      <a:pPr marL="49530" algn="l" rtl="0">
+                      <a:pPr marL="49530">
                         <a:lnSpc>
                           <a:spcPct val="100000"/>
                         </a:lnSpc>
@@ -5635,34 +6542,19 @@
                         </a:spcBef>
                       </a:pPr>
                       <a:r>
-                        <a:rPr lang="es-ES" sz="900" dirty="0">
+                        <a:rPr sz="900" spc="0">
                           <a:solidFill>
                             <a:srgbClr val="020302"/>
                           </a:solidFill>
                           <a:latin typeface="AdobeClean-Light"/>
                           <a:cs typeface="AdobeClean-Light"/>
                         </a:rPr>
-                        <a:t>Lanzamiento, migración, actualización y revisión </a:t>
+                        <a:t>Release, Migration, Upgrade &amp; Product Roadmap Review</a:t>
                       </a:r>
-                      <a:br>
-                        <a:rPr lang="es-ES" sz="900" dirty="0">
-                          <a:solidFill>
-                            <a:srgbClr val="020302"/>
-                          </a:solidFill>
-                          <a:latin typeface="AdobeClean-Light"/>
-                          <a:cs typeface="AdobeClean-Light"/>
-                        </a:rPr>
-                      </a:br>
-                      <a:r>
-                        <a:rPr lang="es-ES" sz="900" dirty="0">
-                          <a:solidFill>
-                            <a:srgbClr val="020302"/>
-                          </a:solidFill>
-                          <a:latin typeface="AdobeClean-Light"/>
-                          <a:cs typeface="AdobeClean-Light"/>
-                        </a:rPr>
-                        <a:t>de la hoja de ruta del producto</a:t>
-                      </a:r>
+                      <a:endParaRPr sz="900" spc="0">
+                        <a:latin typeface="AdobeClean-Light"/>
+                        <a:cs typeface="AdobeClean-Light"/>
+                      </a:endParaRPr>
                     </a:p>
                   </a:txBody>
                   <a:tcPr marL="0" marR="0" marT="63500" marB="0">
@@ -5685,7 +6577,7 @@
                     <a:bodyPr/>
                     <a:lstStyle/>
                     <a:p>
-                      <a:pPr algn="l" rtl="0">
+                      <a:pPr>
                         <a:lnSpc>
                           <a:spcPct val="100000"/>
                         </a:lnSpc>
@@ -5714,7 +6606,7 @@
                     <a:bodyPr/>
                     <a:lstStyle/>
                     <a:p>
-                      <a:pPr algn="l" rtl="0">
+                      <a:pPr>
                         <a:lnSpc>
                           <a:spcPct val="100000"/>
                         </a:lnSpc>
@@ -5745,7 +6637,7 @@
                     <a:bodyPr/>
                     <a:lstStyle/>
                     <a:p>
-                      <a:pPr marL="49530" algn="l" rtl="0">
+                      <a:pPr marL="49530">
                         <a:lnSpc>
                           <a:spcPct val="100000"/>
                         </a:lnSpc>
@@ -5803,11 +6695,11 @@
                         </a:spcBef>
                       </a:pPr>
                       <a:r>
-                        <a:rPr lang="es-ES" sz="900">
+                        <a:rPr sz="900" spc="0">
                           <a:latin typeface="AdobeClean-Light"/>
                           <a:cs typeface="AdobeClean-Light"/>
                         </a:rPr>
-                        <a:t>Actividades de asistencia en la nube: Experience Manager as Cloud</a:t>
+                        <a:t>Cloud Support Activities – Experience Manager as Cloud</a:t>
                       </a:r>
                     </a:p>
                   </a:txBody>
@@ -5837,7 +6729,7 @@
                     <a:bodyPr/>
                     <a:lstStyle/>
                     <a:p>
-                      <a:pPr algn="l" rtl="0">
+                      <a:pPr>
                         <a:lnSpc>
                           <a:spcPct val="100000"/>
                         </a:lnSpc>
@@ -5875,7 +6767,7 @@
                     <a:bodyPr/>
                     <a:lstStyle/>
                     <a:p>
-                      <a:pPr algn="l" rtl="0">
+                      <a:pPr>
                         <a:lnSpc>
                           <a:spcPct val="100000"/>
                         </a:lnSpc>
@@ -5924,15 +6816,22 @@
                         </a:spcBef>
                       </a:pPr>
                       <a:r>
-                        <a:rPr lang="es-ES" sz="1000" b="1" i="0">
+                        <a:rPr lang="en-US" sz="1000" b="1" i="0" spc="0">
                           <a:solidFill>
                             <a:schemeClr val="bg1"/>
                           </a:solidFill>
                           <a:latin typeface="Adobe Clean" panose="020B0503020404020204" pitchFamily="34" charset="0"/>
                           <a:cs typeface="AdobeClean-Light"/>
                         </a:rPr>
-                        <a:t>Servicios de campo</a:t>
+                        <a:t>Field Services</a:t>
                       </a:r>
+                      <a:endParaRPr sz="1000" b="1" i="0" spc="0">
+                        <a:solidFill>
+                          <a:schemeClr val="bg1"/>
+                        </a:solidFill>
+                        <a:latin typeface="Adobe Clean" panose="020B0503020404020204" pitchFamily="34" charset="0"/>
+                        <a:cs typeface="AdobeClean-Light"/>
+                      </a:endParaRPr>
                     </a:p>
                   </a:txBody>
                   <a:tcPr marL="0" marR="0" marT="48260" marB="0" anchor="ctr">
@@ -5985,15 +6884,19 @@
                         </a:spcBef>
                       </a:pPr>
                       <a:r>
-                        <a:rPr lang="es-ES" sz="900">
+                        <a:rPr sz="900" spc="0">
                           <a:solidFill>
                             <a:srgbClr val="020302"/>
                           </a:solidFill>
                           <a:latin typeface="AdobeClean-Light"/>
                           <a:cs typeface="AdobeClean-Light"/>
                         </a:rPr>
-                        <a:t>Servicios de Launch Advisory: primer año de la nueva solución</a:t>
+                        <a:t>Launch Advisory Services – First Year of new solution</a:t>
                       </a:r>
+                      <a:endParaRPr sz="900" spc="0">
+                        <a:latin typeface="AdobeClean-Light"/>
+                        <a:cs typeface="AdobeClean-Light"/>
+                      </a:endParaRPr>
                     </a:p>
                     <a:p>
                       <a:pPr marL="48260" hangingPunct="0">
@@ -6005,11 +6908,11 @@
                         </a:spcBef>
                       </a:pPr>
                       <a:r>
-                        <a:rPr lang="es-ES" sz="900">
+                        <a:rPr sz="900" spc="0">
                           <a:latin typeface="AdobeClean-Light"/>
                           <a:cs typeface="AdobeClean-Light"/>
                         </a:rPr>
-                        <a:t>Actividades del servicio de campo </a:t>
+                        <a:t>Field Service Activities </a:t>
                       </a:r>
                     </a:p>
                   </a:txBody>
@@ -6045,7 +6948,7 @@
                     <a:bodyPr/>
                     <a:lstStyle/>
                     <a:p>
-                      <a:pPr algn="l" rtl="0">
+                      <a:pPr>
                         <a:lnSpc>
                           <a:spcPct val="100000"/>
                         </a:lnSpc>
@@ -6083,7 +6986,7 @@
                     <a:bodyPr/>
                     <a:lstStyle/>
                     <a:p>
-                      <a:pPr algn="l" rtl="0">
+                      <a:pPr>
                         <a:lnSpc>
                           <a:spcPct val="100000"/>
                         </a:lnSpc>
@@ -6168,7 +7071,7 @@
                     <a:bodyPr/>
                     <a:lstStyle/>
                     <a:p>
-                      <a:pPr algn="l" rtl="0">
+                      <a:pPr>
                         <a:lnSpc>
                           <a:spcPct val="100000"/>
                         </a:lnSpc>
@@ -6194,7 +7097,7 @@
                     <a:bodyPr/>
                     <a:lstStyle/>
                     <a:p>
-                      <a:pPr algn="l" rtl="0">
+                      <a:pPr>
                         <a:lnSpc>
                           <a:spcPct val="100000"/>
                         </a:lnSpc>
@@ -6258,7 +7161,7 @@
           <a:lstStyle/>
           <a:p>
             <a:r>
-              <a:rPr lang="es-ES" sz="700" i="1">
+              <a:rPr lang="en-US" sz="700" i="1">
                 <a:solidFill>
                   <a:schemeClr val="bg1"/>
                 </a:solidFill>
@@ -6439,8 +7342,8 @@
         </p:nvSpPr>
         <p:spPr>
           <a:xfrm>
-            <a:off x="370040" y="1504489"/>
-            <a:ext cx="2286000" cy="1458926"/>
+            <a:off x="370040" y="1409311"/>
+            <a:ext cx="2286000" cy="1289969"/>
           </a:xfrm>
           <a:prstGeom prst="rect">
             <a:avLst/>
@@ -6461,31 +7364,18 @@
               </a:spcBef>
             </a:pPr>
             <a:r>
-              <a:rPr lang="es-ES" sz="1000" dirty="0">
+              <a:rPr lang="en-US" sz="1000">
                 <a:solidFill>
                   <a:srgbClr val="000000"/>
                 </a:solidFill>
                 <a:latin typeface="Adobe Clean Light" panose="020B0303020404020204" pitchFamily="34" charset="0"/>
               </a:rPr>
-              <a:t>Un responsable de la asistencia técnica de </a:t>
-            </a:r>
-            <a:br>
-              <a:rPr lang="es-ES" sz="1000" dirty="0">
-                <a:solidFill>
-                  <a:srgbClr val="000000"/>
-                </a:solidFill>
-                <a:latin typeface="Adobe Clean Light" panose="020B0303020404020204" pitchFamily="34" charset="0"/>
-              </a:rPr>
-            </a:br>
-            <a:r>
-              <a:rPr lang="es-ES" sz="1000" dirty="0">
-                <a:solidFill>
-                  <a:srgbClr val="000000"/>
-                </a:solidFill>
-                <a:latin typeface="Adobe Clean Light" panose="020B0303020404020204" pitchFamily="34" charset="0"/>
-              </a:rPr>
-              <a:t>la cuenta particular para monitorizar de forma proactiva los casos, impulsar la colaboración entre equipos, ofrecer seminarios web de incorporación, ejecutar informes de servicios, proporcionar asistencia no técnica, y actuar como punto de escalación y defensor interno dentro del equipo de asistencia de Adobe.</a:t>
-            </a:r>
+              <a:t>A designated Account Support Lead to proactively monitor cases, drive cross-team collaboration, deliver onboarding webinars, run service reports, provide non-technical support assistance, and function as your escalation point and internal advocate within Adobe Support.</a:t>
+            </a:r>
+            <a:endParaRPr lang="en-US" sz="1000">
+              <a:latin typeface="Adobe Clean Light" panose="020B0303020404020204" pitchFamily="34" charset="0"/>
+              <a:cs typeface="AdobeClean-Light"/>
+            </a:endParaRPr>
           </a:p>
         </p:txBody>
       </p:sp>
@@ -6497,8 +7387,8 @@
         </p:nvSpPr>
         <p:spPr>
           <a:xfrm>
-            <a:off x="2680855" y="8551823"/>
-            <a:ext cx="2488440" cy="641201"/>
+            <a:off x="2836967" y="8618616"/>
+            <a:ext cx="2286000" cy="641201"/>
           </a:xfrm>
           <a:prstGeom prst="rect">
             <a:avLst/>
@@ -6522,14 +7412,44 @@
               </a:tabLst>
             </a:pPr>
             <a:r>
-              <a:rPr lang="es-ES" sz="1000" dirty="0">
+              <a:rPr sz="1000">
                 <a:solidFill>
                   <a:srgbClr val="020302"/>
                 </a:solidFill>
                 <a:latin typeface="AdobeClean-Light"/>
                 <a:cs typeface="AdobeClean-Light"/>
               </a:rPr>
-              <a:t>Inicie una sesión de chat para obtener respuestas y ayuda con el envío de casos.</a:t>
+              <a:t>Start a chat session to get answers</a:t>
+            </a:r>
+            <a:r>
+              <a:rPr lang="en-US" sz="1000">
+                <a:solidFill>
+                  <a:srgbClr val="020302"/>
+                </a:solidFill>
+                <a:latin typeface="AdobeClean-Light"/>
+                <a:cs typeface="AdobeClean-Light"/>
+              </a:rPr>
+              <a:t> &amp; </a:t>
+            </a:r>
+            <a:r>
+              <a:rPr sz="1000">
+                <a:solidFill>
+                  <a:srgbClr val="020302"/>
+                </a:solidFill>
+                <a:latin typeface="AdobeClean-Light"/>
+                <a:cs typeface="AdobeClean-Light"/>
+              </a:rPr>
+              <a:t>help with case submission</a:t>
+            </a:r>
+            <a:r>
+              <a:rPr lang="en-US" sz="1000">
+                <a:solidFill>
+                  <a:srgbClr val="020302"/>
+                </a:solidFill>
+                <a:latin typeface="AdobeClean-Light"/>
+                <a:cs typeface="AdobeClean-Light"/>
+              </a:rPr>
+              <a:t>.</a:t>
             </a:r>
           </a:p>
           <a:p>
@@ -6542,25 +7462,39 @@
               </a:tabLst>
             </a:pPr>
             <a:r>
-              <a:rPr lang="es-ES" sz="1000" i="1" dirty="0">
+              <a:rPr sz="1000" i="1">
                 <a:solidFill>
                   <a:srgbClr val="7A7A7A"/>
                 </a:solidFill>
                 <a:latin typeface="AdobeClean-LightIt"/>
                 <a:cs typeface="AdobeClean-LightIt"/>
               </a:rPr>
-              <a:t>* No todos los productos ofrecen la opción de disfrutar de asistencia mediante chat en directo</a:t>
-            </a:r>
-            <a:r>
-              <a:rPr lang="es-ES" sz="900" i="1" dirty="0">
+              <a:t>*Not all products have live chat support</a:t>
+            </a:r>
+            <a:r>
+              <a:rPr sz="900" i="1">
                 <a:solidFill>
                   <a:srgbClr val="7A7A7A"/>
                 </a:solidFill>
                 <a:latin typeface="AdobeClean-LightIt"/>
                 <a:cs typeface="AdobeClean-LightIt"/>
               </a:rPr>
-              <a:t>.  </a:t>
-            </a:r>
+              <a:t>.</a:t>
+            </a:r>
+            <a:r>
+              <a:rPr lang="en-US" sz="900" i="1">
+                <a:solidFill>
+                  <a:srgbClr val="7A7A7A"/>
+                </a:solidFill>
+                <a:latin typeface="AdobeClean-LightIt"/>
+                <a:cs typeface="AdobeClean-LightIt"/>
+              </a:rPr>
+              <a:t>  </a:t>
+            </a:r>
+            <a:endParaRPr sz="900">
+              <a:latin typeface="AdobeClean-Light"/>
+              <a:cs typeface="AdobeClean-Light"/>
+            </a:endParaRPr>
           </a:p>
         </p:txBody>
       </p:sp>
@@ -6609,7 +7543,7 @@
         </p:nvSpPr>
         <p:spPr>
           <a:xfrm>
-            <a:off x="838200" y="5939387"/>
+            <a:off x="838200" y="6046398"/>
             <a:ext cx="1568246" cy="184666"/>
           </a:xfrm>
           <a:prstGeom prst="rect">
@@ -6636,12 +7570,12 @@
               <a:defRPr/>
             </a:pPr>
             <a:r>
-              <a:rPr lang="es-ES" sz="1200">
+              <a:rPr lang="en-US" sz="1200">
                 <a:solidFill>
                   <a:srgbClr val="000000"/>
                 </a:solidFill>
               </a:rPr>
-              <a:t>Foros de la comunidad</a:t>
+              <a:t>Community Forums</a:t>
             </a:r>
           </a:p>
         </p:txBody>
@@ -6662,7 +7596,7 @@
         </p:nvSpPr>
         <p:spPr>
           <a:xfrm>
-            <a:off x="838200" y="6170294"/>
+            <a:off x="838200" y="6277305"/>
             <a:ext cx="959314" cy="184666"/>
           </a:xfrm>
           <a:prstGeom prst="rect">
@@ -6684,12 +7618,12 @@
               </a:spcAft>
             </a:pPr>
             <a:r>
-              <a:rPr lang="es-ES" sz="1200" b="1">
+              <a:rPr lang="en-US" sz="1200" b="1">
                 <a:latin typeface="+mj-lt"/>
                 <a:ea typeface="Open Sans" pitchFamily="34" charset="0"/>
                 <a:cs typeface="Open Sans" pitchFamily="34" charset="0"/>
               </a:rPr>
-              <a:t>Foros en línea</a:t>
+              <a:t>Online Forums</a:t>
             </a:r>
           </a:p>
         </p:txBody>
@@ -6708,8 +7642,8 @@
         </p:nvSpPr>
         <p:spPr>
           <a:xfrm>
-            <a:off x="370040" y="6422238"/>
-            <a:ext cx="2233067" cy="1113125"/>
+            <a:off x="370040" y="6529249"/>
+            <a:ext cx="2286000" cy="805349"/>
           </a:xfrm>
           <a:prstGeom prst="rect">
             <a:avLst/>
@@ -6722,47 +7656,13 @@
           <a:lstStyle/>
           <a:p>
             <a:r>
-              <a:rPr lang="es-ES" sz="1000" dirty="0">
+              <a:rPr lang="en-US" sz="1000">
                 <a:solidFill>
                   <a:srgbClr val="000000"/>
                 </a:solidFill>
                 <a:latin typeface="Adobe Clean Light" panose="020B0303020404020204" pitchFamily="34" charset="0"/>
               </a:rPr>
-              <a:t>Acceso continuo en línea a una base </a:t>
-            </a:r>
-            <a:br>
-              <a:rPr lang="es-ES" sz="1000" dirty="0">
-                <a:solidFill>
-                  <a:srgbClr val="000000"/>
-                </a:solidFill>
-                <a:latin typeface="Adobe Clean Light" panose="020B0303020404020204" pitchFamily="34" charset="0"/>
-              </a:rPr>
-            </a:br>
-            <a:r>
-              <a:rPr lang="es-ES" sz="1000" dirty="0">
-                <a:solidFill>
-                  <a:srgbClr val="000000"/>
-                </a:solidFill>
-                <a:latin typeface="Adobe Clean Light" panose="020B0303020404020204" pitchFamily="34" charset="0"/>
-              </a:rPr>
-              <a:t>de datos donde encontrará cada vez más soluciones técnicas, documentación de productos, preguntas frecuentes y mucho más. Miles de clientes se pueden conectar para compartir las prácticas recomendadas </a:t>
-            </a:r>
-            <a:br>
-              <a:rPr lang="es-ES" sz="1000" dirty="0">
-                <a:solidFill>
-                  <a:srgbClr val="000000"/>
-                </a:solidFill>
-                <a:latin typeface="Adobe Clean Light" panose="020B0303020404020204" pitchFamily="34" charset="0"/>
-              </a:rPr>
-            </a:br>
-            <a:r>
-              <a:rPr lang="es-ES" sz="1000" dirty="0">
-                <a:solidFill>
-                  <a:srgbClr val="000000"/>
-                </a:solidFill>
-                <a:latin typeface="Adobe Clean Light" panose="020B0303020404020204" pitchFamily="34" charset="0"/>
-              </a:rPr>
-              <a:t>y las lecciones aprendidas.</a:t>
+              <a:t>Continuous online access to a growing database of technical solutions, product documentation, FAQs and more. Thousands of customers can connect to share best practices and lessons learned.</a:t>
             </a:r>
           </a:p>
         </p:txBody>
@@ -6783,7 +7683,7 @@
         </p:nvSpPr>
         <p:spPr>
           <a:xfrm>
-            <a:off x="5786661" y="6170294"/>
+            <a:off x="5851290" y="6277305"/>
             <a:ext cx="1316707" cy="184666"/>
           </a:xfrm>
           <a:prstGeom prst="rect">
@@ -6805,12 +7705,12 @@
               </a:spcAft>
             </a:pPr>
             <a:r>
-              <a:rPr lang="es-ES" sz="1200" b="1">
+              <a:rPr lang="en-US" sz="1200" b="1">
                 <a:latin typeface="+mj-lt"/>
                 <a:ea typeface="Open Sans" pitchFamily="34" charset="0"/>
                 <a:cs typeface="Open Sans" pitchFamily="34" charset="0"/>
               </a:rPr>
-              <a:t>Recorridos autoguiados</a:t>
+              <a:t>Self-guided Journeys</a:t>
             </a:r>
           </a:p>
         </p:txBody>
@@ -6829,8 +7729,8 @@
         </p:nvSpPr>
         <p:spPr>
           <a:xfrm>
-            <a:off x="5311672" y="6422238"/>
-            <a:ext cx="2224649" cy="1267014"/>
+            <a:off x="5376301" y="6529249"/>
+            <a:ext cx="2286000" cy="959237"/>
           </a:xfrm>
           <a:prstGeom prst="rect">
             <a:avLst/>
@@ -6843,67 +7743,13 @@
           <a:lstStyle/>
           <a:p>
             <a:r>
-              <a:rPr lang="es-ES" sz="1000" dirty="0">
+              <a:rPr lang="en-US" sz="1000">
                 <a:solidFill>
                   <a:srgbClr val="000000"/>
                 </a:solidFill>
                 <a:latin typeface="Adobe Clean Light" panose="020B0303020404020204" pitchFamily="34" charset="0"/>
               </a:rPr>
-              <a:t>Los </a:t>
-            </a:r>
-            <a:r>
-              <a:rPr lang="es-ES" sz="1000" dirty="0" err="1">
-                <a:solidFill>
-                  <a:srgbClr val="000000"/>
-                </a:solidFill>
-                <a:latin typeface="Adobe Clean Light" panose="020B0303020404020204" pitchFamily="34" charset="0"/>
-              </a:rPr>
-              <a:t>experience</a:t>
-            </a:r>
-            <a:r>
-              <a:rPr lang="es-ES" sz="1000" dirty="0">
-                <a:solidFill>
-                  <a:srgbClr val="000000"/>
-                </a:solidFill>
-                <a:latin typeface="Adobe Clean Light" panose="020B0303020404020204" pitchFamily="34" charset="0"/>
-              </a:rPr>
-              <a:t> </a:t>
-            </a:r>
-            <a:r>
-              <a:rPr lang="es-ES" sz="1000" dirty="0" err="1">
-                <a:solidFill>
-                  <a:srgbClr val="000000"/>
-                </a:solidFill>
-                <a:latin typeface="Adobe Clean Light" panose="020B0303020404020204" pitchFamily="34" charset="0"/>
-              </a:rPr>
-              <a:t>makers</a:t>
-            </a:r>
-            <a:r>
-              <a:rPr lang="es-ES" sz="1000" dirty="0">
-                <a:solidFill>
-                  <a:srgbClr val="000000"/>
-                </a:solidFill>
-                <a:latin typeface="Adobe Clean Light" panose="020B0303020404020204" pitchFamily="34" charset="0"/>
-              </a:rPr>
-              <a:t> se realizan con </a:t>
-            </a:r>
-            <a:r>
-              <a:rPr lang="es-ES" sz="1000" dirty="0" err="1">
-                <a:solidFill>
-                  <a:srgbClr val="000000"/>
-                </a:solidFill>
-                <a:latin typeface="Adobe Clean Light" panose="020B0303020404020204" pitchFamily="34" charset="0"/>
-              </a:rPr>
-              <a:t>Experience</a:t>
-            </a:r>
-            <a:r>
-              <a:rPr lang="es-ES" sz="1000" dirty="0">
-                <a:solidFill>
-                  <a:srgbClr val="000000"/>
-                </a:solidFill>
-                <a:latin typeface="Adobe Clean Light" panose="020B0303020404020204" pitchFamily="34" charset="0"/>
-              </a:rPr>
-              <a:t> League. Los clientes pueden aplicar sus conocimientos de administración de la experiencia del cliente con aprendizaje personalizado para desarrollar habilidades, interactuar con la comunidad internacional de compañeros y obtener reconocimiento en su trayectoria profesional.</a:t>
+              <a:t>Experience Makers are made with Experience League. Customers can kickstart their Customer Experience Management abilities with personalized learning to develop skills, engage with a global community of peers, and earn career advancing recognition.</a:t>
             </a:r>
           </a:p>
         </p:txBody>
@@ -6924,7 +7770,7 @@
         </p:nvSpPr>
         <p:spPr>
           <a:xfrm>
-            <a:off x="3059783" y="8083348"/>
+            <a:off x="3215895" y="8150141"/>
             <a:ext cx="2520000" cy="184666"/>
           </a:xfrm>
           <a:prstGeom prst="rect">
@@ -6951,12 +7797,12 @@
               <a:defRPr/>
             </a:pPr>
             <a:r>
-              <a:rPr lang="es-ES" sz="1200" dirty="0">
+              <a:rPr lang="en-US" sz="1200">
                 <a:solidFill>
                   <a:srgbClr val="000000"/>
                 </a:solidFill>
               </a:rPr>
-              <a:t>Asistencia mediante chat en directo*</a:t>
+              <a:t>Live Chat  Support*</a:t>
             </a:r>
           </a:p>
         </p:txBody>
@@ -6977,7 +7823,7 @@
         </p:nvSpPr>
         <p:spPr>
           <a:xfrm>
-            <a:off x="3042322" y="8306750"/>
+            <a:off x="3198434" y="8373543"/>
             <a:ext cx="840166" cy="184666"/>
           </a:xfrm>
           <a:prstGeom prst="rect">
@@ -6999,12 +7845,12 @@
               </a:spcAft>
             </a:pPr>
             <a:r>
-              <a:rPr lang="es-ES" sz="1200" b="1">
+              <a:rPr lang="en-US" sz="1200" b="1">
                 <a:latin typeface="+mj-lt"/>
                 <a:ea typeface="Open Sans" pitchFamily="34" charset="0"/>
                 <a:cs typeface="Open Sans" pitchFamily="34" charset="0"/>
               </a:rPr>
-              <a:t>Asistencia mediante chat</a:t>
+              <a:t>Chat Support</a:t>
             </a:r>
           </a:p>
         </p:txBody>
@@ -7025,7 +7871,7 @@
         </p:nvSpPr>
         <p:spPr>
           <a:xfrm>
-            <a:off x="3226143" y="5939387"/>
+            <a:off x="3290772" y="6046398"/>
             <a:ext cx="2520000" cy="184666"/>
           </a:xfrm>
           <a:prstGeom prst="rect">
@@ -7052,12 +7898,12 @@
               <a:defRPr/>
             </a:pPr>
             <a:r>
-              <a:rPr lang="es-ES" sz="1200">
+              <a:rPr lang="en-US" sz="1200">
                 <a:solidFill>
                   <a:srgbClr val="000000"/>
                 </a:solidFill>
               </a:rPr>
-              <a:t>24/7 P1 </a:t>
+              <a:t>24X7 P1 </a:t>
             </a:r>
           </a:p>
         </p:txBody>
@@ -7078,7 +7924,7 @@
         </p:nvSpPr>
         <p:spPr>
           <a:xfrm>
-            <a:off x="3211971" y="6170294"/>
+            <a:off x="3276600" y="6277305"/>
             <a:ext cx="992259" cy="184666"/>
           </a:xfrm>
           <a:prstGeom prst="rect">
@@ -7100,12 +7946,12 @@
               </a:spcAft>
             </a:pPr>
             <a:r>
-              <a:rPr lang="es-ES" sz="1200" b="1">
+              <a:rPr lang="en-US" sz="1200" b="1">
                 <a:latin typeface="+mj-lt"/>
                 <a:ea typeface="Open Sans" pitchFamily="34" charset="0"/>
                 <a:cs typeface="Open Sans" pitchFamily="34" charset="0"/>
               </a:rPr>
-              <a:t>Asistencia telefónica</a:t>
+              <a:t>Phone Support</a:t>
             </a:r>
           </a:p>
         </p:txBody>
@@ -7124,8 +7970,8 @@
         </p:nvSpPr>
         <p:spPr>
           <a:xfrm>
-            <a:off x="2772338" y="6422238"/>
-            <a:ext cx="2286000" cy="959237"/>
+            <a:off x="2836967" y="6529249"/>
+            <a:ext cx="2286000" cy="805349"/>
           </a:xfrm>
           <a:prstGeom prst="rect">
             <a:avLst/>
@@ -7138,37 +7984,26 @@
           <a:lstStyle/>
           <a:p>
             <a:r>
-              <a:rPr lang="es-ES" sz="1000" dirty="0">
+              <a:rPr lang="en-US" sz="1000">
                 <a:solidFill>
                   <a:srgbClr val="020302"/>
                 </a:solidFill>
                 <a:latin typeface="AdobeClean-Light"/>
               </a:rPr>
-              <a:t>Los usuarios autorizados o los contactos </a:t>
-            </a:r>
-            <a:br>
-              <a:rPr lang="es-ES" sz="1000" dirty="0">
-                <a:solidFill>
-                  <a:srgbClr val="020302"/>
-                </a:solidFill>
-                <a:latin typeface="AdobeClean-Light"/>
-              </a:rPr>
-            </a:br>
-            <a:r>
-              <a:rPr lang="es-ES" sz="1000" dirty="0">
-                <a:solidFill>
-                  <a:srgbClr val="020302"/>
-                </a:solidFill>
-                <a:latin typeface="AdobeClean-Light"/>
-              </a:rPr>
-              <a:t>de soporte particulares</a:t>
-            </a:r>
-            <a:r>
-              <a:rPr lang="es-ES" sz="1000" dirty="0">
+              <a:t>Authorized users or Named Support Contacts </a:t>
+            </a:r>
+            <a:r>
+              <a:rPr lang="en-US" sz="1000">
                 <a:latin typeface="Adobe Clean Light" panose="020B0303020404020204" pitchFamily="34" charset="0"/>
               </a:rPr>
-              <a:t> pueden enviar problemas a través de todos los canales disponibles (incluido el teléfono en el caso de los problemas P1) y hablar con nuestro equipo de asistencia en nombre de su empresa. </a:t>
-            </a:r>
+              <a:t>can submit issues through all available  channels (including phone for P1) and interact with our technical support team on behalf of your company. </a:t>
+            </a:r>
+            <a:endParaRPr lang="en-US" sz="1000">
+              <a:solidFill>
+                <a:srgbClr val="000000"/>
+              </a:solidFill>
+              <a:latin typeface="Adobe Clean Light" panose="020B0303020404020204" pitchFamily="34" charset="0"/>
+            </a:endParaRPr>
           </a:p>
         </p:txBody>
       </p:sp>
@@ -7212,8 +8047,24 @@
               </a:spcBef>
             </a:pPr>
             <a:r>
-              <a:rPr lang="es-ES"/>
-              <a:t>©2021 Adobe. All Rights Reserved. Adobe Confidential.</a:t>
+              <a:rPr spc="-5"/>
+              <a:t>©202</a:t>
+            </a:r>
+            <a:r>
+              <a:rPr lang="en-US" spc="-5"/>
+              <a:t>1</a:t>
+            </a:r>
+            <a:r>
+              <a:rPr spc="-5"/>
+              <a:t> Adobe. All Rights Reserved. Adobe</a:t>
+            </a:r>
+            <a:r>
+              <a:rPr spc="60"/>
+              <a:t> </a:t>
+            </a:r>
+            <a:r>
+              <a:rPr spc="-5"/>
+              <a:t>Confidential.</a:t>
             </a:r>
           </a:p>
         </p:txBody>
@@ -7235,7 +8086,7 @@
         <p:spPr>
           <a:xfrm>
             <a:off x="821898" y="1099315"/>
-            <a:ext cx="2020934" cy="369332"/>
+            <a:ext cx="1726164" cy="184666"/>
           </a:xfrm>
           <a:prstGeom prst="rect">
             <a:avLst/>
@@ -7256,13 +8107,13 @@
               </a:spcAft>
             </a:pPr>
             <a:r>
-              <a:rPr lang="es-ES" sz="1200" b="1" dirty="0">
+              <a:rPr lang="en-US" sz="1200" b="1" spc="-10">
                 <a:solidFill>
                   <a:srgbClr val="020302"/>
                 </a:solidFill>
                 <a:latin typeface="+mj-lt"/>
               </a:rPr>
-              <a:t>Responsable de la asistencia técnica de la cuenta</a:t>
+              <a:t>Account Support Lead</a:t>
             </a:r>
           </a:p>
         </p:txBody>
@@ -7281,8 +8132,8 @@
         </p:nvSpPr>
         <p:spPr>
           <a:xfrm>
-            <a:off x="401995" y="5677998"/>
-            <a:ext cx="2168290" cy="45719"/>
+            <a:off x="401995" y="5785009"/>
+            <a:ext cx="1848207" cy="45719"/>
           </a:xfrm>
           <a:custGeom>
             <a:avLst/>
@@ -7329,8 +8180,8 @@
         </p:nvSpPr>
         <p:spPr>
           <a:xfrm>
-            <a:off x="318713" y="5325530"/>
-            <a:ext cx="2006640" cy="307777"/>
+            <a:off x="318713" y="5432541"/>
+            <a:ext cx="2180405" cy="307777"/>
           </a:xfrm>
           <a:prstGeom prst="rect">
             <a:avLst/>
@@ -7351,15 +8202,19 @@
               </a:spcBef>
             </a:pPr>
             <a:r>
-              <a:rPr lang="es-ES" sz="1400" b="1">
+              <a:rPr lang="en-US" sz="1400" b="1" spc="-10" dirty="0">
                 <a:solidFill>
                   <a:srgbClr val="020302"/>
                 </a:solidFill>
                 <a:latin typeface="Adobe Clean"/>
                 <a:cs typeface="Adobe Clean"/>
               </a:rPr>
-              <a:t>Funciones de soporte Online</a:t>
-            </a:r>
+              <a:t>Standard Support Features</a:t>
+            </a:r>
+            <a:endParaRPr lang="en-US" sz="1400" dirty="0">
+              <a:latin typeface="Adobe Clean"/>
+              <a:cs typeface="Adobe Clean"/>
+            </a:endParaRPr>
           </a:p>
         </p:txBody>
       </p:sp>
@@ -7377,8 +8232,8 @@
         </p:nvSpPr>
         <p:spPr>
           <a:xfrm>
-            <a:off x="384420" y="774494"/>
-            <a:ext cx="2253675" cy="109101"/>
+            <a:off x="384421" y="774495"/>
+            <a:ext cx="2011680" cy="0"/>
           </a:xfrm>
           <a:custGeom>
             <a:avLst/>
@@ -7447,15 +8302,19 @@
               </a:spcBef>
             </a:pPr>
             <a:r>
-              <a:rPr lang="es-ES" sz="1400" b="1">
+              <a:rPr lang="en-US" sz="1400" b="1" spc="-10">
                 <a:solidFill>
                   <a:srgbClr val="020302"/>
                 </a:solidFill>
                 <a:latin typeface="Adobe Clean"/>
                 <a:cs typeface="Adobe Clean"/>
               </a:rPr>
-              <a:t>Funciones de soporte Business</a:t>
-            </a:r>
+              <a:t>Business  Support Features</a:t>
+            </a:r>
+            <a:endParaRPr lang="en-US" sz="1400">
+              <a:latin typeface="Adobe Clean"/>
+              <a:cs typeface="Adobe Clean"/>
+            </a:endParaRPr>
           </a:p>
         </p:txBody>
       </p:sp>
@@ -7473,8 +8332,8 @@
         </p:nvSpPr>
         <p:spPr>
           <a:xfrm>
-            <a:off x="2836966" y="1466091"/>
-            <a:ext cx="2535941" cy="1817998"/>
+            <a:off x="2836967" y="1370913"/>
+            <a:ext cx="2286000" cy="1456681"/>
           </a:xfrm>
           <a:prstGeom prst="rect">
             <a:avLst/>
@@ -7495,66 +8354,15 @@
               </a:spcBef>
             </a:pPr>
             <a:r>
-              <a:rPr lang="es-ES" sz="1000" dirty="0">
+              <a:rPr lang="en-US" sz="1000">
                 <a:latin typeface="Adobe Clean Light" panose="020B0303020404020204" pitchFamily="34" charset="0"/>
               </a:rPr>
-              <a:t>Los clientes pueden enviar casos de asistencia</a:t>
-            </a:r>
-            <a:br>
-              <a:rPr lang="es-ES" sz="1000" dirty="0">
-                <a:latin typeface="Adobe Clean Light" panose="020B0303020404020204" pitchFamily="34" charset="0"/>
-              </a:rPr>
-            </a:br>
-            <a:r>
-              <a:rPr lang="es-ES" sz="1000" dirty="0">
-                <a:latin typeface="Adobe Clean Light" panose="020B0303020404020204" pitchFamily="34" charset="0"/>
-              </a:rPr>
-              <a:t>por teléfono en lo relacionado con todos los problemas P2, P3 y P4 durante el horario de asistencia regional. No existen límites máximos </a:t>
-            </a:r>
-            <a:br>
-              <a:rPr lang="es-ES" sz="1000" dirty="0">
-                <a:latin typeface="Adobe Clean Light" panose="020B0303020404020204" pitchFamily="34" charset="0"/>
-              </a:rPr>
-            </a:br>
-            <a:r>
-              <a:rPr lang="es-ES" sz="1000" dirty="0">
-                <a:latin typeface="Adobe Clean Light" panose="020B0303020404020204" pitchFamily="34" charset="0"/>
-              </a:rPr>
-              <a:t>en cuanto a la cantidad de veces que puede </a:t>
-            </a:r>
-            <a:br>
-              <a:rPr lang="sk-SK" sz="1000" dirty="0">
-                <a:latin typeface="Adobe Clean Light" panose="020B0303020404020204" pitchFamily="34" charset="0"/>
-              </a:rPr>
-            </a:br>
-            <a:r>
-              <a:rPr lang="es-ES" sz="1000" dirty="0">
-                <a:latin typeface="Adobe Clean Light" panose="020B0303020404020204" pitchFamily="34" charset="0"/>
-              </a:rPr>
-              <a:t>llamar al equipo de asistencia. Los clientes también pueden solicitar que el servicio de asistencia les llame por teléfono o solicitar una reunión para </a:t>
-            </a:r>
-            <a:br>
-              <a:rPr lang="es-ES" sz="1000" dirty="0">
-                <a:latin typeface="Adobe Clean Light" panose="020B0303020404020204" pitchFamily="34" charset="0"/>
-              </a:rPr>
-            </a:br>
-            <a:r>
-              <a:rPr lang="es-ES" sz="1000" dirty="0">
-                <a:latin typeface="Adobe Clean Light" panose="020B0303020404020204" pitchFamily="34" charset="0"/>
-              </a:rPr>
-              <a:t>ver o solucionar un problema mediante una sesión </a:t>
-            </a:r>
-            <a:br>
-              <a:rPr lang="es-ES" sz="1000" dirty="0">
-                <a:latin typeface="Adobe Clean Light" panose="020B0303020404020204" pitchFamily="34" charset="0"/>
-              </a:rPr>
-            </a:br>
-            <a:r>
-              <a:rPr lang="es-ES" sz="1000" dirty="0">
-                <a:latin typeface="Adobe Clean Light" panose="020B0303020404020204" pitchFamily="34" charset="0"/>
-              </a:rPr>
-              <a:t>de escritorio remoto compartida.</a:t>
-            </a:r>
+              <a:t>Customers can submit support cases via Phone for all P2, P3, P4 issues during regional support hours. There are no upper limits on the number of times you can call into support. Customers can also request a call back from support or request a meeting to demonstrate or work through an issue using a shared remote desktop session.</a:t>
+            </a:r>
+            <a:endParaRPr lang="en-US" sz="1000">
+              <a:latin typeface="Adobe Clean Light" panose="020B0303020404020204" pitchFamily="34" charset="0"/>
+              <a:cs typeface="AdobeClean-Light"/>
+            </a:endParaRPr>
           </a:p>
         </p:txBody>
       </p:sp>
@@ -7596,13 +8404,13 @@
               </a:spcAft>
             </a:pPr>
             <a:r>
-              <a:rPr lang="es-ES" sz="1200" b="1">
+              <a:rPr lang="en-US" sz="1200" b="1" spc="-10">
                 <a:solidFill>
                   <a:srgbClr val="020302"/>
                 </a:solidFill>
                 <a:latin typeface="+mj-lt"/>
               </a:rPr>
-              <a:t>Asistencia telefónica en directo</a:t>
+              <a:t>Live Telephone Support</a:t>
             </a:r>
           </a:p>
         </p:txBody>
@@ -7621,7 +8429,7 @@
         </p:nvSpPr>
         <p:spPr>
           <a:xfrm>
-            <a:off x="5376301" y="1493660"/>
+            <a:off x="5376301" y="1398482"/>
             <a:ext cx="2286000" cy="805349"/>
           </a:xfrm>
           <a:prstGeom prst="rect">
@@ -7643,14 +8451,18 @@
               </a:spcBef>
             </a:pPr>
             <a:r>
-              <a:rPr lang="es-ES" sz="1000">
+              <a:rPr lang="en-US" sz="1000">
                 <a:solidFill>
                   <a:srgbClr val="4B4B4B"/>
                 </a:solidFill>
                 <a:latin typeface="Adobe Clean Light" panose="020B0303020404020204" pitchFamily="34" charset="0"/>
               </a:rPr>
-              <a:t>Un punto de contacto designado de Adobe que puede proporcionar asistencia en cuanto a escalabilidad y actualizaciones frecuentes, así como garantizar que se dé prioridad a sus solicitudes de soporte abierto más críticas.</a:t>
-            </a:r>
+              <a:t>A designated point of contact within Adobe who can provide escalation assistance, regular updates and ensure priority is given to your most critical open support requests.</a:t>
+            </a:r>
+            <a:endParaRPr lang="en-US" sz="1000">
+              <a:latin typeface="Adobe Clean Light" panose="020B0303020404020204" pitchFamily="34" charset="0"/>
+              <a:cs typeface="AdobeClean-Light"/>
+            </a:endParaRPr>
           </a:p>
         </p:txBody>
       </p:sp>
@@ -7671,7 +8483,7 @@
         <p:spPr>
           <a:xfrm>
             <a:off x="5885313" y="1085652"/>
-            <a:ext cx="1608472" cy="369332"/>
+            <a:ext cx="1608472" cy="184666"/>
           </a:xfrm>
           <a:prstGeom prst="rect">
             <a:avLst/>
@@ -7692,30 +8504,13 @@
               </a:spcAft>
             </a:pPr>
             <a:r>
-              <a:rPr lang="es-ES" sz="1200" b="1" dirty="0">
+              <a:rPr lang="en-US" sz="1200" b="1" spc="-10">
                 <a:solidFill>
                   <a:srgbClr val="020302"/>
                 </a:solidFill>
                 <a:latin typeface="+mj-lt"/>
               </a:rPr>
-              <a:t>Administración </a:t>
-            </a:r>
-            <a:br>
-              <a:rPr lang="es-ES" sz="1200" b="1" dirty="0">
-                <a:solidFill>
-                  <a:srgbClr val="020302"/>
-                </a:solidFill>
-                <a:latin typeface="+mj-lt"/>
-              </a:rPr>
-            </a:br>
-            <a:r>
-              <a:rPr lang="es-ES" sz="1200" b="1" dirty="0">
-                <a:solidFill>
-                  <a:srgbClr val="020302"/>
-                </a:solidFill>
-                <a:latin typeface="+mj-lt"/>
-              </a:rPr>
-              <a:t>de la escalabilidad</a:t>
+              <a:t>Escalation Management</a:t>
             </a:r>
           </a:p>
         </p:txBody>
@@ -7736,7 +8531,7 @@
         </p:nvSpPr>
         <p:spPr>
           <a:xfrm>
-            <a:off x="838200" y="8081328"/>
+            <a:off x="838200" y="8148121"/>
             <a:ext cx="2520000" cy="184666"/>
           </a:xfrm>
           <a:prstGeom prst="rect">
@@ -7763,12 +8558,12 @@
               <a:defRPr/>
             </a:pPr>
             <a:r>
-              <a:rPr lang="es-ES" sz="1200">
+              <a:rPr lang="en-US" sz="1200">
                 <a:solidFill>
                   <a:srgbClr val="000000"/>
                 </a:solidFill>
               </a:rPr>
-              <a:t>Horario de oficina</a:t>
+              <a:t>Office Hours</a:t>
             </a:r>
           </a:p>
         </p:txBody>
@@ -7789,7 +8584,7 @@
         </p:nvSpPr>
         <p:spPr>
           <a:xfrm>
-            <a:off x="838200" y="8306750"/>
+            <a:off x="838200" y="8373543"/>
             <a:ext cx="604974" cy="184666"/>
           </a:xfrm>
           <a:prstGeom prst="rect">
@@ -7811,12 +8606,12 @@
               </a:spcAft>
             </a:pPr>
             <a:r>
-              <a:rPr lang="es-ES" sz="1200" b="1">
+              <a:rPr lang="en-US" sz="1200" b="1">
                 <a:latin typeface="+mj-lt"/>
                 <a:ea typeface="Open Sans" pitchFamily="34" charset="0"/>
                 <a:cs typeface="Open Sans" pitchFamily="34" charset="0"/>
               </a:rPr>
-              <a:t>Seminarios web</a:t>
+              <a:t>Webinars</a:t>
             </a:r>
           </a:p>
         </p:txBody>
@@ -7835,8 +8630,8 @@
         </p:nvSpPr>
         <p:spPr>
           <a:xfrm>
-            <a:off x="370040" y="8551823"/>
-            <a:ext cx="2233067" cy="1113125"/>
+            <a:off x="370040" y="8618616"/>
+            <a:ext cx="2286000" cy="1113125"/>
           </a:xfrm>
           <a:prstGeom prst="rect">
             <a:avLst/>
@@ -7849,82 +8644,13 @@
           <a:lstStyle/>
           <a:p>
             <a:r>
-              <a:rPr lang="es-ES" sz="1000" dirty="0">
+              <a:rPr lang="en-US" sz="1000">
                 <a:solidFill>
                   <a:srgbClr val="000000"/>
                 </a:solidFill>
                 <a:latin typeface="Adobe Clean Light" panose="020B0303020404020204" pitchFamily="34" charset="0"/>
               </a:rPr>
-              <a:t>“Horario de oficina” es una iniciativa liderada por el equipo de asistencia al cliente de Adobe. Estas sesiones están diseñadas </a:t>
-            </a:r>
-            <a:br>
-              <a:rPr lang="es-ES" sz="1000" dirty="0">
-                <a:solidFill>
-                  <a:srgbClr val="000000"/>
-                </a:solidFill>
-                <a:latin typeface="Adobe Clean Light" panose="020B0303020404020204" pitchFamily="34" charset="0"/>
-              </a:rPr>
-            </a:br>
-            <a:r>
-              <a:rPr lang="es-ES" sz="1000" dirty="0">
-                <a:solidFill>
-                  <a:srgbClr val="000000"/>
-                </a:solidFill>
-                <a:latin typeface="Adobe Clean Light" panose="020B0303020404020204" pitchFamily="34" charset="0"/>
-              </a:rPr>
-              <a:t>para informar y ayudar a los participantes </a:t>
-            </a:r>
-            <a:br>
-              <a:rPr lang="es-ES" sz="1000" dirty="0">
-                <a:solidFill>
-                  <a:srgbClr val="000000"/>
-                </a:solidFill>
-                <a:latin typeface="Adobe Clean Light" panose="020B0303020404020204" pitchFamily="34" charset="0"/>
-              </a:rPr>
-            </a:br>
-            <a:r>
-              <a:rPr lang="es-ES" sz="1000" dirty="0">
-                <a:solidFill>
-                  <a:srgbClr val="000000"/>
-                </a:solidFill>
-                <a:latin typeface="Adobe Clean Light" panose="020B0303020404020204" pitchFamily="34" charset="0"/>
-              </a:rPr>
-              <a:t>a solucionar problemas, y ofrecen sugerencias y trucos para usar </a:t>
-            </a:r>
-            <a:br>
-              <a:rPr lang="es-ES" sz="1000" dirty="0">
-                <a:solidFill>
-                  <a:srgbClr val="000000"/>
-                </a:solidFill>
-                <a:latin typeface="Adobe Clean Light" panose="020B0303020404020204" pitchFamily="34" charset="0"/>
-              </a:rPr>
-            </a:br>
-            <a:r>
-              <a:rPr lang="es-ES" sz="1000" dirty="0">
-                <a:solidFill>
-                  <a:srgbClr val="000000"/>
-                </a:solidFill>
-                <a:latin typeface="Adobe Clean Light" panose="020B0303020404020204" pitchFamily="34" charset="0"/>
-              </a:rPr>
-              <a:t>correctamente Adobe </a:t>
-            </a:r>
-            <a:r>
-              <a:rPr lang="es-ES" sz="1000" dirty="0" err="1">
-                <a:solidFill>
-                  <a:srgbClr val="000000"/>
-                </a:solidFill>
-                <a:latin typeface="Adobe Clean Light" panose="020B0303020404020204" pitchFamily="34" charset="0"/>
-              </a:rPr>
-              <a:t>Experience</a:t>
-            </a:r>
-            <a:r>
-              <a:rPr lang="es-ES" sz="1000" dirty="0">
-                <a:solidFill>
-                  <a:srgbClr val="000000"/>
-                </a:solidFill>
-                <a:latin typeface="Adobe Clean Light" panose="020B0303020404020204" pitchFamily="34" charset="0"/>
-              </a:rPr>
-              <a:t> Cloud.</a:t>
+              <a:t>Office Hours is an initiative led by the Adobe Customer Support team. These sessions are designed to inform as well as help participants troubleshoot problems and provide tips and tricks to be successful with Adobe Experience Cloud.</a:t>
             </a:r>
           </a:p>
         </p:txBody>
@@ -7945,7 +8671,7 @@
         </p:nvSpPr>
         <p:spPr>
           <a:xfrm>
-            <a:off x="5786661" y="8306750"/>
+            <a:off x="5851290" y="8373543"/>
             <a:ext cx="1267206" cy="184666"/>
           </a:xfrm>
           <a:prstGeom prst="rect">
@@ -7967,12 +8693,12 @@
               </a:spcAft>
             </a:pPr>
             <a:r>
-              <a:rPr lang="es-ES" sz="1200" b="1">
+              <a:rPr lang="en-US" sz="1200" b="1">
                 <a:latin typeface="+mj-lt"/>
                 <a:ea typeface="Open Sans" pitchFamily="34" charset="0"/>
                 <a:cs typeface="Open Sans" pitchFamily="34" charset="0"/>
               </a:rPr>
-              <a:t>Portal de asistencia 24/7</a:t>
+              <a:t>24/7 Support Portal</a:t>
             </a:r>
           </a:p>
         </p:txBody>
@@ -7991,8 +8717,8 @@
         </p:nvSpPr>
         <p:spPr>
           <a:xfrm>
-            <a:off x="5311672" y="8551823"/>
-            <a:ext cx="2286000" cy="959237"/>
+            <a:off x="5376301" y="8618616"/>
+            <a:ext cx="2286000" cy="805349"/>
           </a:xfrm>
           <a:prstGeom prst="rect">
             <a:avLst/>
@@ -8005,16 +8731,16 @@
           <a:lstStyle/>
           <a:p>
             <a:r>
-              <a:rPr lang="es-ES" sz="1000" dirty="0">
+              <a:rPr lang="en-US" sz="1000">
                 <a:solidFill>
                   <a:srgbClr val="000000"/>
                 </a:solidFill>
                 <a:latin typeface="Adobe Clean Light" panose="020B0303020404020204" pitchFamily="34" charset="0"/>
               </a:rPr>
-              <a:t>Acceso al portal de asistencia de autoayuda </a:t>
+              <a:t>On-demand access to the online </a:t>
             </a:r>
             <a:br>
-              <a:rPr lang="es-ES" sz="1000" dirty="0">
+              <a:rPr lang="en-US" sz="1000">
                 <a:solidFill>
                   <a:srgbClr val="000000"/>
                 </a:solidFill>
@@ -8022,30 +8748,13 @@
               </a:rPr>
             </a:br>
             <a:r>
-              <a:rPr lang="es-ES" sz="1000" dirty="0">
+              <a:rPr lang="en-US" sz="1000">
                 <a:solidFill>
                   <a:srgbClr val="000000"/>
                 </a:solidFill>
                 <a:latin typeface="Adobe Clean Light" panose="020B0303020404020204" pitchFamily="34" charset="0"/>
               </a:rPr>
-              <a:t>en línea previa solicitud para enviar solicitudes de asistencia, revisar el estado de los casos </a:t>
-            </a:r>
-            <a:br>
-              <a:rPr lang="es-ES" sz="1000" dirty="0">
-                <a:solidFill>
-                  <a:srgbClr val="000000"/>
-                </a:solidFill>
-                <a:latin typeface="Adobe Clean Light" panose="020B0303020404020204" pitchFamily="34" charset="0"/>
-              </a:rPr>
-            </a:br>
-            <a:r>
-              <a:rPr lang="es-ES" sz="1000" dirty="0">
-                <a:solidFill>
-                  <a:srgbClr val="000000"/>
-                </a:solidFill>
-                <a:latin typeface="Adobe Clean Light" panose="020B0303020404020204" pitchFamily="34" charset="0"/>
-              </a:rPr>
-              <a:t>y examinar otros recursos, como la base de conocimiento, noticias y alertas, sugerencias destacadas, y mucho más.</a:t>
+              <a:t>Self-help Support Portal to submit support requests, review case status, and browse other resources, like our knowledgebase, news and alerts, featured tips, and more.</a:t>
             </a:r>
           </a:p>
         </p:txBody>
@@ -8142,8 +8851,8 @@
         </p:nvSpPr>
         <p:spPr>
           <a:xfrm>
-            <a:off x="789024" y="3650934"/>
-            <a:ext cx="1867015" cy="285247"/>
+            <a:off x="789025" y="3499700"/>
+            <a:ext cx="1336142" cy="285247"/>
           </a:xfrm>
           <a:prstGeom prst="rect">
             <a:avLst/>
@@ -8157,10 +8866,10 @@
           <a:lstStyle/>
           <a:p>
             <a:r>
-              <a:rPr lang="es-ES" sz="1200" b="1">
+              <a:rPr lang="en-US" sz="1200" b="1">
                 <a:latin typeface="+mj-lt"/>
               </a:rPr>
-              <a:t>Servicios empresariales</a:t>
+              <a:t>Business Services</a:t>
             </a:r>
           </a:p>
         </p:txBody>
@@ -8179,8 +8888,8 @@
         </p:nvSpPr>
         <p:spPr>
           <a:xfrm>
-            <a:off x="370041" y="4027066"/>
-            <a:ext cx="2286000" cy="740780"/>
+            <a:off x="370041" y="3875832"/>
+            <a:ext cx="2286000" cy="558999"/>
           </a:xfrm>
           <a:prstGeom prst="rect">
             <a:avLst/>
@@ -8201,44 +8910,15 @@
               </a:spcBef>
             </a:pPr>
             <a:r>
-              <a:rPr lang="es-ES" sz="1000" dirty="0">
+              <a:rPr lang="en-US" sz="1000">
                 <a:latin typeface="Adobe Clean Light" panose="020B0303020404020204" pitchFamily="34" charset="0"/>
               </a:rPr>
-              <a:t>Un responsable de la asistencia técnica </a:t>
-            </a:r>
-            <a:br>
-              <a:rPr lang="es-ES" sz="1000" dirty="0">
-                <a:latin typeface="Adobe Clean Light" panose="020B0303020404020204" pitchFamily="34" charset="0"/>
-              </a:rPr>
-            </a:br>
-            <a:r>
-              <a:rPr lang="es-ES" sz="1000" dirty="0">
-                <a:latin typeface="Adobe Clean Light" panose="020B0303020404020204" pitchFamily="34" charset="0"/>
-              </a:rPr>
-              <a:t>de la cuenta organizará seminarios web </a:t>
-            </a:r>
-            <a:br>
-              <a:rPr lang="es-ES" sz="1000" dirty="0">
-                <a:latin typeface="Adobe Clean Light" panose="020B0303020404020204" pitchFamily="34" charset="0"/>
-              </a:rPr>
-            </a:br>
-            <a:r>
-              <a:rPr lang="es-ES" sz="1000" dirty="0">
-                <a:latin typeface="Adobe Clean Light" panose="020B0303020404020204" pitchFamily="34" charset="0"/>
-              </a:rPr>
-              <a:t>que abarcarán una descripción general </a:t>
-            </a:r>
-            <a:br>
-              <a:rPr lang="es-ES" sz="1000" dirty="0">
-                <a:latin typeface="Adobe Clean Light" panose="020B0303020404020204" pitchFamily="34" charset="0"/>
-              </a:rPr>
-            </a:br>
-            <a:r>
-              <a:rPr lang="es-ES" sz="1000" dirty="0">
-                <a:latin typeface="Adobe Clean Light" panose="020B0303020404020204" pitchFamily="34" charset="0"/>
-              </a:rPr>
-              <a:t>de los servicios de asistencia empresarial.  </a:t>
-            </a:r>
+              <a:t>An Account Support Lead will host webinars covering an overview of business support services.  </a:t>
+            </a:r>
+            <a:endParaRPr lang="en-US" sz="1000">
+              <a:latin typeface="Adobe Clean Light" panose="020B0303020404020204" pitchFamily="34" charset="0"/>
+              <a:cs typeface="AdobeClean-Light"/>
+            </a:endParaRPr>
           </a:p>
         </p:txBody>
       </p:sp>
@@ -8256,7 +8936,7 @@
         </p:nvSpPr>
         <p:spPr>
           <a:xfrm rot="5400000" flipH="1">
-            <a:off x="3863341" y="569650"/>
+            <a:off x="3863341" y="302967"/>
             <a:ext cx="45719" cy="5577840"/>
           </a:xfrm>
           <a:custGeom>
@@ -8367,7 +9047,7 @@
         </p:blipFill>
         <p:spPr>
           <a:xfrm>
-            <a:off x="2638096" y="8079425"/>
+            <a:off x="2794208" y="8146218"/>
             <a:ext cx="411480" cy="411480"/>
           </a:xfrm>
           <a:prstGeom prst="rect">
@@ -8406,7 +9086,7 @@
         </p:blipFill>
         <p:spPr>
           <a:xfrm>
-            <a:off x="388426" y="3587817"/>
+            <a:off x="388426" y="3436583"/>
             <a:ext cx="411480" cy="411480"/>
           </a:xfrm>
           <a:prstGeom prst="rect">
@@ -8445,7 +9125,7 @@
         </p:blipFill>
         <p:spPr>
           <a:xfrm>
-            <a:off x="2772338" y="5955785"/>
+            <a:off x="2836967" y="6062796"/>
             <a:ext cx="411480" cy="411480"/>
           </a:xfrm>
           <a:prstGeom prst="rect">
@@ -8484,7 +9164,7 @@
         </p:blipFill>
         <p:spPr>
           <a:xfrm>
-            <a:off x="359731" y="5955785"/>
+            <a:off x="359731" y="6062796"/>
             <a:ext cx="411480" cy="411480"/>
           </a:xfrm>
           <a:prstGeom prst="rect">
@@ -8523,7 +9203,7 @@
         </p:blipFill>
         <p:spPr>
           <a:xfrm>
-            <a:off x="5264413" y="5955785"/>
+            <a:off x="5329042" y="6062796"/>
             <a:ext cx="411480" cy="411480"/>
           </a:xfrm>
           <a:prstGeom prst="rect">
@@ -8562,7 +9242,7 @@
         </p:blipFill>
         <p:spPr>
           <a:xfrm>
-            <a:off x="5308279" y="8079425"/>
+            <a:off x="5372908" y="8146218"/>
             <a:ext cx="411480" cy="411480"/>
           </a:xfrm>
           <a:prstGeom prst="rect">
@@ -8601,7 +9281,7 @@
         </p:blipFill>
         <p:spPr>
           <a:xfrm>
-            <a:off x="384421" y="8079425"/>
+            <a:off x="384421" y="8146218"/>
             <a:ext cx="411480" cy="411480"/>
           </a:xfrm>
           <a:prstGeom prst="rect">
@@ -8623,7 +9303,7 @@
         </p:nvSpPr>
         <p:spPr>
           <a:xfrm rot="5400000" flipH="1">
-            <a:off x="3863341" y="5007960"/>
+            <a:off x="3863341" y="4967117"/>
             <a:ext cx="45719" cy="5577840"/>
           </a:xfrm>
           <a:custGeom>
@@ -8680,7 +9360,7 @@
         </p:nvSpPr>
         <p:spPr>
           <a:xfrm>
-            <a:off x="5786661" y="8150141"/>
+            <a:off x="5851290" y="8150141"/>
             <a:ext cx="2520000" cy="184666"/>
           </a:xfrm>
           <a:prstGeom prst="rect">
@@ -8707,12 +9387,12 @@
               <a:defRPr/>
             </a:pPr>
             <a:r>
-              <a:rPr lang="es-ES" sz="1200">
+              <a:rPr lang="en-US" sz="1200">
                 <a:solidFill>
                   <a:srgbClr val="000000"/>
                 </a:solidFill>
               </a:rPr>
-              <a:t>Portal de autoayuda</a:t>
+              <a:t>Self– Help Portal</a:t>
             </a:r>
           </a:p>
         </p:txBody>
@@ -8733,7 +9413,7 @@
         </p:nvSpPr>
         <p:spPr>
           <a:xfrm>
-            <a:off x="5786661" y="5939387"/>
+            <a:off x="5851290" y="6046398"/>
             <a:ext cx="2520000" cy="184666"/>
           </a:xfrm>
           <a:prstGeom prst="rect">
@@ -8760,7 +9440,7 @@
               <a:defRPr/>
             </a:pPr>
             <a:r>
-              <a:rPr lang="es-ES" sz="1200">
+              <a:rPr lang="en-US" sz="1200">
                 <a:solidFill>
                   <a:srgbClr val="000000"/>
                 </a:solidFill>
@@ -8822,15 +9502,49 @@
               </a:lnSpc>
             </a:pPr>
             <a:r>
-              <a:rPr lang="es-ES" sz="500">
+              <a:rPr sz="500" spc="-5">
                 <a:solidFill>
                   <a:srgbClr val="6C6C6C"/>
                 </a:solidFill>
                 <a:latin typeface="Adobe Clean"/>
                 <a:cs typeface="Adobe Clean"/>
               </a:rPr>
-              <a:t>©2020 Adobe. All Rights Reserved. Adobe Confidential.</a:t>
-            </a:r>
+              <a:t>©2020 Adobe. All Rights Reserved. </a:t>
+            </a:r>
+            <a:r>
+              <a:rPr sz="500">
+                <a:solidFill>
+                  <a:srgbClr val="6C6C6C"/>
+                </a:solidFill>
+                <a:latin typeface="Adobe Clean"/>
+                <a:cs typeface="Adobe Clean"/>
+              </a:rPr>
+              <a:t>Adobe</a:t>
+            </a:r>
+            <a:r>
+              <a:rPr sz="500" spc="5">
+                <a:solidFill>
+                  <a:srgbClr val="6C6C6C"/>
+                </a:solidFill>
+                <a:latin typeface="Adobe Clean"/>
+                <a:cs typeface="Adobe Clean"/>
+              </a:rPr>
+              <a:t> </a:t>
+            </a:r>
+            <a:r>
+              <a:rPr sz="500" spc="-5">
+                <a:solidFill>
+                  <a:srgbClr val="6C6C6C"/>
+                </a:solidFill>
+                <a:latin typeface="Adobe Clean"/>
+                <a:cs typeface="Adobe Clean"/>
+              </a:rPr>
+              <a:t>Confidential.</a:t>
+            </a:r>
+            <a:endParaRPr sz="500">
+              <a:latin typeface="Adobe Clean"/>
+              <a:cs typeface="Adobe Clean"/>
+            </a:endParaRPr>
           </a:p>
           <a:p>
             <a:pPr>
@@ -8856,15 +9570,39 @@
               </a:spcBef>
             </a:pPr>
             <a:r>
-              <a:rPr lang="es-ES" sz="800">
+              <a:rPr sz="800" spc="-5">
                 <a:solidFill>
                   <a:srgbClr val="6D6D6D"/>
                 </a:solidFill>
                 <a:latin typeface="Adobe Clean"/>
                 <a:cs typeface="Adobe Clean"/>
               </a:rPr>
-              <a:t>©2020 Adobe. All Rights Reserved. Adobe Confidential.</a:t>
-            </a:r>
+              <a:t>©2020 Adobe. All Rights Reserved. Adobe</a:t>
+            </a:r>
+            <a:r>
+              <a:rPr sz="800" spc="75">
+                <a:solidFill>
+                  <a:srgbClr val="6D6D6D"/>
+                </a:solidFill>
+                <a:latin typeface="Adobe Clean"/>
+                <a:cs typeface="Adobe Clean"/>
+              </a:rPr>
+              <a:t> </a:t>
+            </a:r>
+            <a:r>
+              <a:rPr sz="800" spc="-5">
+                <a:solidFill>
+                  <a:srgbClr val="6D6D6D"/>
+                </a:solidFill>
+                <a:latin typeface="Adobe Clean"/>
+                <a:cs typeface="Adobe Clean"/>
+              </a:rPr>
+              <a:t>Confidential.</a:t>
+            </a:r>
+            <a:endParaRPr sz="800">
+              <a:latin typeface="Adobe Clean"/>
+              <a:cs typeface="Adobe Clean"/>
+            </a:endParaRPr>
           </a:p>
         </p:txBody>
       </p:sp>
@@ -8948,15 +9686,19 @@
               </a:spcBef>
             </a:pPr>
             <a:r>
-              <a:rPr lang="es-ES" sz="1400" b="1">
+              <a:rPr lang="en-US" sz="1400" b="1" spc="-15">
                 <a:solidFill>
                   <a:srgbClr val="020302"/>
                 </a:solidFill>
                 <a:latin typeface="Adobe Clean"/>
                 <a:cs typeface="Adobe Clean"/>
               </a:rPr>
-              <a:t>Recursos</a:t>
-            </a:r>
+              <a:t>Resources</a:t>
+            </a:r>
+            <a:endParaRPr sz="1400">
+              <a:latin typeface="Adobe Clean"/>
+              <a:cs typeface="Adobe Clean"/>
+            </a:endParaRPr>
           </a:p>
         </p:txBody>
       </p:sp>
@@ -8969,7 +9711,7 @@
         <p:spPr>
           <a:xfrm>
             <a:off x="6754821" y="9283729"/>
-            <a:ext cx="1017579" cy="662305"/>
+            <a:ext cx="930275" cy="662305"/>
           </a:xfrm>
           <a:prstGeom prst="rect">
             <a:avLst/>
@@ -8990,7 +9732,7 @@
               </a:spcBef>
             </a:pPr>
             <a:r>
-              <a:rPr lang="es-ES" sz="800" dirty="0">
+              <a:rPr sz="800" spc="-15">
                 <a:solidFill>
                   <a:srgbClr val="777879"/>
                 </a:solidFill>
@@ -8999,6 +9741,10 @@
               </a:rPr>
               <a:t>Adobe</a:t>
             </a:r>
+            <a:endParaRPr sz="800">
+              <a:latin typeface="Adobe Clean"/>
+              <a:cs typeface="Adobe Clean"/>
+            </a:endParaRPr>
           </a:p>
           <a:p>
             <a:pPr marL="12700">
@@ -9007,15 +9753,39 @@
               </a:lnSpc>
             </a:pPr>
             <a:r>
-              <a:rPr lang="es-ES" sz="800" dirty="0">
+              <a:rPr sz="800" spc="-15">
                 <a:solidFill>
                   <a:srgbClr val="777879"/>
                 </a:solidFill>
                 <a:latin typeface="Adobe Clean"/>
                 <a:cs typeface="Adobe Clean"/>
               </a:rPr>
-              <a:t>345 Park Avenue</a:t>
-            </a:r>
+              <a:t>345 Park</a:t>
+            </a:r>
+            <a:r>
+              <a:rPr sz="800" spc="-100">
+                <a:solidFill>
+                  <a:srgbClr val="777879"/>
+                </a:solidFill>
+                <a:latin typeface="Adobe Clean"/>
+                <a:cs typeface="Adobe Clean"/>
+              </a:rPr>
+              <a:t> </a:t>
+            </a:r>
+            <a:r>
+              <a:rPr sz="800" spc="-15">
+                <a:solidFill>
+                  <a:srgbClr val="777879"/>
+                </a:solidFill>
+                <a:latin typeface="Adobe Clean"/>
+                <a:cs typeface="Adobe Clean"/>
+              </a:rPr>
+              <a:t>Avenue</a:t>
+            </a:r>
+            <a:endParaRPr sz="800">
+              <a:latin typeface="Adobe Clean"/>
+              <a:cs typeface="Adobe Clean"/>
+            </a:endParaRPr>
           </a:p>
           <a:p>
             <a:pPr marL="12700">
@@ -9024,15 +9794,49 @@
               </a:lnSpc>
             </a:pPr>
             <a:r>
-              <a:rPr lang="es-ES" sz="800" dirty="0">
+              <a:rPr sz="800" spc="-10">
                 <a:solidFill>
                   <a:srgbClr val="777879"/>
                 </a:solidFill>
                 <a:latin typeface="Adobe Clean"/>
                 <a:cs typeface="Adobe Clean"/>
               </a:rPr>
-              <a:t>San José, CA95110-2704</a:t>
-            </a:r>
+              <a:t>San </a:t>
+            </a:r>
+            <a:r>
+              <a:rPr sz="800" spc="-15">
+                <a:solidFill>
+                  <a:srgbClr val="777879"/>
+                </a:solidFill>
+                <a:latin typeface="Adobe Clean"/>
+                <a:cs typeface="Adobe Clean"/>
+              </a:rPr>
+              <a:t>Jose,</a:t>
+            </a:r>
+            <a:r>
+              <a:rPr sz="800" spc="-140">
+                <a:solidFill>
+                  <a:srgbClr val="777879"/>
+                </a:solidFill>
+                <a:latin typeface="Adobe Clean"/>
+                <a:cs typeface="Adobe Clean"/>
+              </a:rPr>
+              <a:t> </a:t>
+            </a:r>
+            <a:r>
+              <a:rPr sz="800" spc="-20">
+                <a:solidFill>
+                  <a:srgbClr val="777879"/>
+                </a:solidFill>
+                <a:latin typeface="Adobe Clean"/>
+                <a:cs typeface="Adobe Clean"/>
+              </a:rPr>
+              <a:t>CA95110-2704</a:t>
+            </a:r>
+            <a:endParaRPr sz="800">
+              <a:latin typeface="Adobe Clean"/>
+              <a:cs typeface="Adobe Clean"/>
+            </a:endParaRPr>
           </a:p>
           <a:p>
             <a:pPr marL="12700">
@@ -9044,15 +9848,19 @@
               </a:spcBef>
             </a:pPr>
             <a:r>
-              <a:rPr lang="es-ES" sz="800" dirty="0">
+              <a:rPr sz="800" spc="-10">
                 <a:solidFill>
                   <a:srgbClr val="777879"/>
                 </a:solidFill>
                 <a:latin typeface="Adobe Clean"/>
                 <a:cs typeface="Adobe Clean"/>
               </a:rPr>
-              <a:t>EE. UU.</a:t>
-            </a:r>
+              <a:t>USA</a:t>
+            </a:r>
+            <a:endParaRPr sz="800">
+              <a:latin typeface="Adobe Clean"/>
+              <a:cs typeface="Adobe Clean"/>
+            </a:endParaRPr>
           </a:p>
           <a:p>
             <a:pPr marL="12700">
@@ -9064,7 +9872,7 @@
               </a:spcBef>
             </a:pPr>
             <a:r>
-              <a:rPr lang="es-ES" sz="800" u="sng" dirty="0">
+              <a:rPr sz="800" u="sng" spc="-25">
                 <a:solidFill>
                   <a:srgbClr val="5F5F5F"/>
                 </a:solidFill>
@@ -9079,6 +9887,10 @@
               </a:rPr>
               <a:t>www.adobe.com</a:t>
             </a:r>
+            <a:endParaRPr sz="800">
+              <a:latin typeface="Adobe Clean"/>
+              <a:cs typeface="Adobe Clean"/>
+            </a:endParaRPr>
           </a:p>
         </p:txBody>
       </p:sp>
@@ -9232,7 +10044,7 @@
         <p:spPr>
           <a:xfrm>
             <a:off x="75947" y="9437110"/>
-            <a:ext cx="5086603" cy="570865"/>
+            <a:ext cx="5466715" cy="570865"/>
           </a:xfrm>
           <a:prstGeom prst="rect">
             <a:avLst/>
@@ -9253,55 +10065,439 @@
               </a:spcBef>
             </a:pPr>
             <a:r>
-              <a:rPr lang="es-ES" sz="1100" i="1" dirty="0">
+              <a:rPr sz="1100" i="1" spc="-10">
                 <a:solidFill>
                   <a:srgbClr val="777879"/>
                 </a:solidFill>
                 <a:latin typeface="AdobeClean-LightIt"/>
                 <a:cs typeface="AdobeClean-LightIt"/>
               </a:rPr>
-              <a:t>Para saber más sobre las ofertas de asistencia de Adobe y el nivel adecuado para usted, póngase en contacto con su administrador de cuentas (NAM) o con su </a:t>
-            </a:r>
-            <a:r>
-              <a:rPr lang="es-ES" sz="1100" i="1" dirty="0" err="1">
+              <a:t>To</a:t>
+            </a:r>
+            <a:r>
+              <a:rPr sz="1100" i="1" spc="-50">
                 <a:solidFill>
                   <a:srgbClr val="777879"/>
                 </a:solidFill>
                 <a:latin typeface="AdobeClean-LightIt"/>
                 <a:cs typeface="AdobeClean-LightIt"/>
               </a:rPr>
-              <a:t>Customer</a:t>
-            </a:r>
-            <a:r>
-              <a:rPr lang="es-ES" sz="1100" i="1" dirty="0">
+              <a:t> </a:t>
+            </a:r>
+            <a:r>
+              <a:rPr sz="1100" i="1" spc="-15">
                 <a:solidFill>
                   <a:srgbClr val="777879"/>
                 </a:solidFill>
                 <a:latin typeface="AdobeClean-LightIt"/>
                 <a:cs typeface="AdobeClean-LightIt"/>
               </a:rPr>
-              <a:t> </a:t>
-            </a:r>
-            <a:r>
-              <a:rPr lang="es-ES" sz="1100" i="1" dirty="0" err="1">
+              <a:t>learn</a:t>
+            </a:r>
+            <a:r>
+              <a:rPr sz="1100" i="1" spc="-40">
                 <a:solidFill>
                   <a:srgbClr val="777879"/>
                 </a:solidFill>
                 <a:latin typeface="AdobeClean-LightIt"/>
                 <a:cs typeface="AdobeClean-LightIt"/>
               </a:rPr>
-              <a:t>Success</a:t>
-            </a:r>
-            <a:r>
-              <a:rPr lang="es-ES" sz="1100" i="1" dirty="0">
+              <a:t> </a:t>
+            </a:r>
+            <a:r>
+              <a:rPr sz="1100" i="1" spc="-15">
                 <a:solidFill>
                   <a:srgbClr val="777879"/>
                 </a:solidFill>
                 <a:latin typeface="AdobeClean-LightIt"/>
                 <a:cs typeface="AdobeClean-LightIt"/>
               </a:rPr>
-              <a:t> Manager (CSM)</a:t>
-            </a:r>
+              <a:t>more</a:t>
+            </a:r>
+            <a:r>
+              <a:rPr sz="1100" i="1" spc="-45">
+                <a:solidFill>
+                  <a:srgbClr val="777879"/>
+                </a:solidFill>
+                <a:latin typeface="AdobeClean-LightIt"/>
+                <a:cs typeface="AdobeClean-LightIt"/>
+              </a:rPr>
+              <a:t> </a:t>
+            </a:r>
+            <a:r>
+              <a:rPr sz="1100" i="1" spc="-15">
+                <a:solidFill>
+                  <a:srgbClr val="777879"/>
+                </a:solidFill>
+                <a:latin typeface="AdobeClean-LightIt"/>
+                <a:cs typeface="AdobeClean-LightIt"/>
+              </a:rPr>
+              <a:t>about</a:t>
+            </a:r>
+            <a:r>
+              <a:rPr sz="1100" i="1" spc="-45">
+                <a:solidFill>
+                  <a:srgbClr val="777879"/>
+                </a:solidFill>
+                <a:latin typeface="AdobeClean-LightIt"/>
+                <a:cs typeface="AdobeClean-LightIt"/>
+              </a:rPr>
+              <a:t> </a:t>
+            </a:r>
+            <a:r>
+              <a:rPr sz="1100" i="1" spc="-15">
+                <a:solidFill>
+                  <a:srgbClr val="777879"/>
+                </a:solidFill>
+                <a:latin typeface="AdobeClean-LightIt"/>
+                <a:cs typeface="AdobeClean-LightIt"/>
+              </a:rPr>
+              <a:t>Adobe</a:t>
+            </a:r>
+            <a:r>
+              <a:rPr sz="1100" i="1" spc="-50">
+                <a:solidFill>
+                  <a:srgbClr val="777879"/>
+                </a:solidFill>
+                <a:latin typeface="AdobeClean-LightIt"/>
+                <a:cs typeface="AdobeClean-LightIt"/>
+              </a:rPr>
+              <a:t> </a:t>
+            </a:r>
+            <a:r>
+              <a:rPr sz="1100" i="1" spc="-15">
+                <a:solidFill>
+                  <a:srgbClr val="777879"/>
+                </a:solidFill>
+                <a:latin typeface="AdobeClean-LightIt"/>
+                <a:cs typeface="AdobeClean-LightIt"/>
+              </a:rPr>
+              <a:t>Support</a:t>
+            </a:r>
+            <a:r>
+              <a:rPr lang="en-US" sz="1100" i="1" spc="-15">
+                <a:solidFill>
+                  <a:srgbClr val="777879"/>
+                </a:solidFill>
+                <a:latin typeface="AdobeClean-LightIt"/>
+                <a:cs typeface="AdobeClean-LightIt"/>
+              </a:rPr>
+              <a:t> Offerings</a:t>
+            </a:r>
+            <a:r>
+              <a:rPr sz="1100" i="1" spc="-75">
+                <a:solidFill>
+                  <a:srgbClr val="777879"/>
+                </a:solidFill>
+                <a:latin typeface="AdobeClean-LightIt"/>
+                <a:cs typeface="AdobeClean-LightIt"/>
+              </a:rPr>
+              <a:t> </a:t>
+            </a:r>
+            <a:r>
+              <a:rPr sz="1100" i="1" spc="-15">
+                <a:solidFill>
+                  <a:srgbClr val="777879"/>
+                </a:solidFill>
+                <a:latin typeface="AdobeClean-LightIt"/>
+                <a:cs typeface="AdobeClean-LightIt"/>
+              </a:rPr>
+              <a:t>and</a:t>
+            </a:r>
+            <a:r>
+              <a:rPr sz="1100" i="1" spc="-50">
+                <a:solidFill>
+                  <a:srgbClr val="777879"/>
+                </a:solidFill>
+                <a:latin typeface="AdobeClean-LightIt"/>
+                <a:cs typeface="AdobeClean-LightIt"/>
+              </a:rPr>
+              <a:t> </a:t>
+            </a:r>
+            <a:r>
+              <a:rPr sz="1100" i="1" spc="-15">
+                <a:solidFill>
+                  <a:srgbClr val="777879"/>
+                </a:solidFill>
+                <a:latin typeface="AdobeClean-LightIt"/>
+                <a:cs typeface="AdobeClean-LightIt"/>
+              </a:rPr>
+              <a:t>the</a:t>
+            </a:r>
+            <a:r>
+              <a:rPr sz="1100" i="1" spc="-55">
+                <a:solidFill>
+                  <a:srgbClr val="777879"/>
+                </a:solidFill>
+                <a:latin typeface="AdobeClean-LightIt"/>
+                <a:cs typeface="AdobeClean-LightIt"/>
+              </a:rPr>
+              <a:t> </a:t>
+            </a:r>
+            <a:r>
+              <a:rPr sz="1100" i="1" spc="-15">
+                <a:solidFill>
+                  <a:srgbClr val="777879"/>
+                </a:solidFill>
+                <a:latin typeface="AdobeClean-LightIt"/>
+                <a:cs typeface="AdobeClean-LightIt"/>
+              </a:rPr>
+              <a:t>right</a:t>
+            </a:r>
+            <a:r>
+              <a:rPr sz="1100" i="1" spc="-95">
+                <a:solidFill>
+                  <a:srgbClr val="777879"/>
+                </a:solidFill>
+                <a:latin typeface="AdobeClean-LightIt"/>
+                <a:cs typeface="AdobeClean-LightIt"/>
+              </a:rPr>
+              <a:t> </a:t>
+            </a:r>
+            <a:r>
+              <a:rPr sz="1100" i="1" spc="-15">
+                <a:solidFill>
+                  <a:srgbClr val="777879"/>
+                </a:solidFill>
+                <a:latin typeface="AdobeClean-LightIt"/>
+                <a:cs typeface="AdobeClean-LightIt"/>
+              </a:rPr>
+              <a:t>level</a:t>
+            </a:r>
+            <a:r>
+              <a:rPr sz="1100" i="1" spc="-55">
+                <a:solidFill>
+                  <a:srgbClr val="777879"/>
+                </a:solidFill>
+                <a:latin typeface="AdobeClean-LightIt"/>
+                <a:cs typeface="AdobeClean-LightIt"/>
+              </a:rPr>
+              <a:t> </a:t>
+            </a:r>
+            <a:r>
+              <a:rPr sz="1100" i="1" spc="-15">
+                <a:solidFill>
+                  <a:srgbClr val="777879"/>
+                </a:solidFill>
+                <a:latin typeface="AdobeClean-LightIt"/>
+                <a:cs typeface="AdobeClean-LightIt"/>
+              </a:rPr>
+              <a:t>for</a:t>
+            </a:r>
+            <a:r>
+              <a:rPr sz="1100" i="1" spc="-85">
+                <a:solidFill>
+                  <a:srgbClr val="777879"/>
+                </a:solidFill>
+                <a:latin typeface="AdobeClean-LightIt"/>
+                <a:cs typeface="AdobeClean-LightIt"/>
+              </a:rPr>
+              <a:t> </a:t>
+            </a:r>
+            <a:r>
+              <a:rPr sz="1100" i="1" spc="-15">
+                <a:solidFill>
+                  <a:srgbClr val="777879"/>
+                </a:solidFill>
+                <a:latin typeface="AdobeClean-LightIt"/>
+                <a:cs typeface="AdobeClean-LightIt"/>
+              </a:rPr>
+              <a:t>you,</a:t>
+            </a:r>
+            <a:r>
+              <a:rPr sz="1100" i="1" spc="-65">
+                <a:solidFill>
+                  <a:srgbClr val="777879"/>
+                </a:solidFill>
+                <a:latin typeface="AdobeClean-LightIt"/>
+                <a:cs typeface="AdobeClean-LightIt"/>
+              </a:rPr>
+              <a:t> </a:t>
+            </a:r>
+            <a:r>
+              <a:rPr sz="1100" i="1" spc="-15">
+                <a:solidFill>
+                  <a:srgbClr val="777879"/>
+                </a:solidFill>
+                <a:latin typeface="AdobeClean-LightIt"/>
+                <a:cs typeface="AdobeClean-LightIt"/>
+              </a:rPr>
+              <a:t>contact</a:t>
+            </a:r>
+            <a:r>
+              <a:rPr sz="1100" i="1" spc="-85">
+                <a:solidFill>
+                  <a:srgbClr val="777879"/>
+                </a:solidFill>
+                <a:latin typeface="AdobeClean-LightIt"/>
+                <a:cs typeface="AdobeClean-LightIt"/>
+              </a:rPr>
+              <a:t> </a:t>
+            </a:r>
+            <a:r>
+              <a:rPr sz="1100" i="1" spc="-15">
+                <a:solidFill>
+                  <a:srgbClr val="777879"/>
+                </a:solidFill>
+                <a:latin typeface="AdobeClean-LightIt"/>
+                <a:cs typeface="AdobeClean-LightIt"/>
+              </a:rPr>
+              <a:t>your</a:t>
+            </a:r>
+            <a:r>
+              <a:rPr sz="1100" i="1" spc="-70">
+                <a:solidFill>
+                  <a:srgbClr val="777879"/>
+                </a:solidFill>
+                <a:latin typeface="AdobeClean-LightIt"/>
+                <a:cs typeface="AdobeClean-LightIt"/>
+              </a:rPr>
+              <a:t> </a:t>
+            </a:r>
+            <a:r>
+              <a:rPr sz="1100" i="1" spc="-15">
+                <a:solidFill>
+                  <a:srgbClr val="777879"/>
+                </a:solidFill>
+                <a:latin typeface="AdobeClean-LightIt"/>
+                <a:cs typeface="AdobeClean-LightIt"/>
+              </a:rPr>
+              <a:t>Named</a:t>
+            </a:r>
+            <a:r>
+              <a:rPr sz="1100" i="1" spc="-55">
+                <a:solidFill>
+                  <a:srgbClr val="777879"/>
+                </a:solidFill>
+                <a:latin typeface="AdobeClean-LightIt"/>
+                <a:cs typeface="AdobeClean-LightIt"/>
+              </a:rPr>
+              <a:t> </a:t>
+            </a:r>
+            <a:r>
+              <a:rPr sz="1100" i="1" spc="-25">
+                <a:solidFill>
+                  <a:srgbClr val="777879"/>
+                </a:solidFill>
+                <a:latin typeface="AdobeClean-LightIt"/>
+                <a:cs typeface="AdobeClean-LightIt"/>
+              </a:rPr>
+              <a:t>Account</a:t>
+            </a:r>
+            <a:r>
+              <a:rPr sz="1100" i="1" spc="-120">
+                <a:solidFill>
+                  <a:srgbClr val="777879"/>
+                </a:solidFill>
+                <a:latin typeface="AdobeClean-LightIt"/>
+                <a:cs typeface="AdobeClean-LightIt"/>
+              </a:rPr>
+              <a:t> </a:t>
+            </a:r>
+            <a:r>
+              <a:rPr sz="1100" i="1" spc="-20">
+                <a:solidFill>
+                  <a:srgbClr val="777879"/>
+                </a:solidFill>
+                <a:latin typeface="AdobeClean-LightIt"/>
+                <a:cs typeface="AdobeClean-LightIt"/>
+              </a:rPr>
+              <a:t>Manager</a:t>
+            </a:r>
+            <a:r>
+              <a:rPr lang="en-US" sz="1100" i="1" spc="-20">
+                <a:solidFill>
+                  <a:srgbClr val="777879"/>
+                </a:solidFill>
+                <a:latin typeface="AdobeClean-LightIt"/>
+                <a:cs typeface="AdobeClean-LightIt"/>
+              </a:rPr>
+              <a:t> </a:t>
+            </a:r>
+            <a:r>
+              <a:rPr sz="1100" i="1" spc="-20">
+                <a:solidFill>
+                  <a:srgbClr val="777879"/>
+                </a:solidFill>
+                <a:latin typeface="AdobeClean-LightIt"/>
+                <a:cs typeface="AdobeClean-LightIt"/>
+              </a:rPr>
+              <a:t> </a:t>
+            </a:r>
+            <a:r>
+              <a:rPr sz="1100" i="1" spc="-15">
+                <a:solidFill>
+                  <a:srgbClr val="777879"/>
+                </a:solidFill>
+                <a:latin typeface="AdobeClean-LightIt"/>
+                <a:cs typeface="AdobeClean-LightIt"/>
+              </a:rPr>
+              <a:t>(NAM) </a:t>
+            </a:r>
+            <a:r>
+              <a:rPr sz="1100" i="1" spc="-10">
+                <a:solidFill>
+                  <a:srgbClr val="777879"/>
+                </a:solidFill>
+                <a:latin typeface="AdobeClean-LightIt"/>
+                <a:cs typeface="AdobeClean-LightIt"/>
+              </a:rPr>
+              <a:t>or </a:t>
+            </a:r>
+            <a:r>
+              <a:rPr sz="1100" i="1" spc="-15">
+                <a:solidFill>
+                  <a:srgbClr val="777879"/>
+                </a:solidFill>
+                <a:latin typeface="AdobeClean-LightIt"/>
+                <a:cs typeface="AdobeClean-LightIt"/>
+              </a:rPr>
+              <a:t>Customer</a:t>
+            </a:r>
+            <a:r>
+              <a:rPr lang="en-US" sz="1100" i="1" spc="-15">
+                <a:solidFill>
+                  <a:srgbClr val="777879"/>
+                </a:solidFill>
+                <a:latin typeface="AdobeClean-LightIt"/>
+                <a:cs typeface="AdobeClean-LightIt"/>
+              </a:rPr>
+              <a:t> </a:t>
+            </a:r>
+            <a:r>
+              <a:rPr lang="en-US" sz="1100" i="1" spc="-20">
+                <a:solidFill>
+                  <a:srgbClr val="777879"/>
+                </a:solidFill>
+                <a:latin typeface="AdobeClean-LightIt"/>
+                <a:cs typeface="AdobeClean-LightIt"/>
+              </a:rPr>
+              <a:t>Success </a:t>
+            </a:r>
+            <a:r>
+              <a:rPr lang="en-US" sz="1100" i="1" spc="-15">
+                <a:solidFill>
+                  <a:srgbClr val="777879"/>
+                </a:solidFill>
+                <a:latin typeface="AdobeClean-LightIt"/>
+                <a:cs typeface="AdobeClean-LightIt"/>
+              </a:rPr>
+              <a:t>Manager </a:t>
+            </a:r>
+            <a:r>
+              <a:rPr sz="1100" i="1" spc="-15">
+                <a:solidFill>
+                  <a:srgbClr val="777879"/>
+                </a:solidFill>
+                <a:latin typeface="AdobeClean-LightIt"/>
+                <a:cs typeface="AdobeClean-LightIt"/>
+              </a:rPr>
+              <a:t>(CSM)</a:t>
+            </a:r>
+            <a:endParaRPr sz="1100">
+              <a:latin typeface="AdobeClean-LightIt"/>
+              <a:cs typeface="AdobeClean-LightIt"/>
+            </a:endParaRPr>
           </a:p>
           <a:p>
             <a:pPr marL="34290">
@@ -9313,95 +10509,59 @@
               </a:spcBef>
             </a:pPr>
             <a:r>
-              <a:rPr lang="es-ES" sz="800" dirty="0">
+              <a:rPr sz="800" spc="-5">
                 <a:solidFill>
                   <a:srgbClr val="6D6D6D"/>
                 </a:solidFill>
                 <a:latin typeface="Adobe Clean"/>
                 <a:cs typeface="Adobe Clean"/>
               </a:rPr>
-              <a:t>©2021 Adobe. </a:t>
-            </a:r>
-            <a:r>
-              <a:rPr lang="es-ES" sz="800" dirty="0" err="1">
+              <a:t>©202</a:t>
+            </a:r>
+            <a:r>
+              <a:rPr lang="en-US" sz="800" spc="-5">
                 <a:solidFill>
                   <a:srgbClr val="6D6D6D"/>
                 </a:solidFill>
                 <a:latin typeface="Adobe Clean"/>
                 <a:cs typeface="Adobe Clean"/>
               </a:rPr>
-              <a:t>All</a:t>
-            </a:r>
-            <a:r>
-              <a:rPr lang="es-ES" sz="800" dirty="0">
+              <a:t>1</a:t>
+            </a:r>
+            <a:r>
+              <a:rPr sz="800" spc="-5">
                 <a:solidFill>
                   <a:srgbClr val="6D6D6D"/>
                 </a:solidFill>
                 <a:latin typeface="Adobe Clean"/>
                 <a:cs typeface="Adobe Clean"/>
               </a:rPr>
-              <a:t> </a:t>
-            </a:r>
-            <a:r>
-              <a:rPr lang="es-ES" sz="800" dirty="0" err="1">
+              <a:t> Adobe. All Rights Reserved. Adobe</a:t>
+            </a:r>
+            <a:r>
+              <a:rPr sz="800" spc="75">
                 <a:solidFill>
                   <a:srgbClr val="6D6D6D"/>
                 </a:solidFill>
                 <a:latin typeface="Adobe Clean"/>
                 <a:cs typeface="Adobe Clean"/>
               </a:rPr>
-              <a:t>Rights</a:t>
-            </a:r>
-            <a:r>
-              <a:rPr lang="es-ES" sz="800" dirty="0">
+              <a:t> </a:t>
+            </a:r>
+            <a:r>
+              <a:rPr sz="800" spc="-5">
                 <a:solidFill>
                   <a:srgbClr val="6D6D6D"/>
                 </a:solidFill>
                 <a:latin typeface="Adobe Clean"/>
                 <a:cs typeface="Adobe Clean"/>
               </a:rPr>
-              <a:t> </a:t>
-            </a:r>
-            <a:r>
-              <a:rPr lang="es-ES" sz="800" dirty="0" err="1">
-                <a:solidFill>
-                  <a:srgbClr val="6D6D6D"/>
-                </a:solidFill>
-                <a:latin typeface="Adobe Clean"/>
-                <a:cs typeface="Adobe Clean"/>
-              </a:rPr>
-              <a:t>Reserved</a:t>
-            </a:r>
-            <a:r>
-              <a:rPr lang="es-ES" sz="800" dirty="0">
-                <a:solidFill>
-                  <a:srgbClr val="6D6D6D"/>
-                </a:solidFill>
-                <a:latin typeface="Adobe Clean"/>
-                <a:cs typeface="Adobe Clean"/>
-              </a:rPr>
-              <a:t>. Adobe </a:t>
-            </a:r>
-            <a:r>
-              <a:rPr lang="es-ES" sz="800" dirty="0" err="1">
-                <a:solidFill>
-                  <a:srgbClr val="6D6D6D"/>
-                </a:solidFill>
-                <a:latin typeface="Adobe Clean"/>
-                <a:cs typeface="Adobe Clean"/>
-              </a:rPr>
-              <a:t>Confidential</a:t>
-            </a:r>
-            <a:r>
-              <a:rPr lang="es-ES" sz="800" dirty="0">
-                <a:solidFill>
-                  <a:srgbClr val="6D6D6D"/>
-                </a:solidFill>
-                <a:latin typeface="Adobe Clean"/>
-                <a:cs typeface="Adobe Clean"/>
-              </a:rPr>
-              <a:t>.</a:t>
-            </a:r>
+              <a:t>Confidential.</a:t>
+            </a:r>
+            <a:endParaRPr sz="800">
+              <a:latin typeface="Adobe Clean"/>
+              <a:cs typeface="Adobe Clean"/>
+            </a:endParaRPr>
           </a:p>
         </p:txBody>
       </p:sp>
@@ -9419,8 +10579,8 @@
         </p:nvSpPr>
         <p:spPr>
           <a:xfrm>
-            <a:off x="197233" y="4969823"/>
-            <a:ext cx="7365294" cy="755976"/>
+            <a:off x="197233" y="5031270"/>
+            <a:ext cx="6476646" cy="755976"/>
           </a:xfrm>
           <a:prstGeom prst="rect">
             <a:avLst/>
@@ -9438,15 +10598,19 @@
               </a:spcBef>
             </a:pPr>
             <a:r>
-              <a:rPr lang="es-ES" sz="1400" b="1" dirty="0">
+              <a:rPr lang="en-US" sz="1400" b="1" spc="-15">
                 <a:solidFill>
                   <a:srgbClr val="020302"/>
                 </a:solidFill>
                 <a:latin typeface="Adobe Clean"/>
                 <a:cs typeface="Adobe Clean"/>
               </a:rPr>
-              <a:t>Alcance regional del Soporte de Adobe, horas locales de trabajo y compatibilidad de idioma</a:t>
-            </a:r>
+              <a:t>Regional scope of Adobe Support, Local Hours Of Operation And Language Support</a:t>
+            </a:r>
+            <a:endParaRPr lang="en-US" sz="1400" spc="-15">
+              <a:ea typeface="+mn-lt"/>
+              <a:cs typeface="+mn-lt"/>
+            </a:endParaRPr>
           </a:p>
           <a:p>
             <a:pPr>
@@ -9455,14 +10619,15 @@
               </a:spcBef>
             </a:pPr>
             <a:r>
-              <a:rPr lang="es-ES" sz="1000" dirty="0">
+              <a:rPr lang="en-US" sz="1000" spc="-15">
                 <a:solidFill>
                   <a:srgbClr val="1F1F1F"/>
                 </a:solidFill>
                 <a:latin typeface="AdobeClean-Light"/>
               </a:rPr>
-              <a:t>El alcance regional del Soporte de Adobe se establece asignando la dirección de facturación del cliente (mediante la orden de venta o el documento de compra de Soporte de Adobe) con una de estas regiones:</a:t>
-            </a:r>
+              <a:t>The Regional scope of Adobe Support is established by aligning the customer's billing address (via the Sales Order or other Adobe Support purchasing document) to one of the following regions:</a:t>
+            </a:r>
+            <a:endParaRPr lang="en-US"/>
           </a:p>
         </p:txBody>
       </p:sp>
@@ -9481,7 +10646,7 @@
           <p:nvPr>
             <p:extLst>
               <p:ext uri="{D42A27DB-BD31-4B8C-83A1-F6EECF244321}">
-                <p14:modId xmlns:p14="http://schemas.microsoft.com/office/powerpoint/2010/main" val="2853681373"/>
+                <p14:modId xmlns:p14="http://schemas.microsoft.com/office/powerpoint/2010/main" val="2969235217"/>
               </p:ext>
             </p:extLst>
           </p:nvPr>
@@ -9534,13 +10699,13 @@
                     <a:p>
                       <a:pPr algn="ctr"/>
                       <a:r>
-                        <a:rPr lang="es-ES" sz="1100">
+                        <a:rPr lang="en-US" sz="1100">
                           <a:solidFill>
                             <a:schemeClr val="tx1"/>
                           </a:solidFill>
                           <a:latin typeface="Adobe Clean"/>
                         </a:rPr>
-                        <a:t>América</a:t>
+                        <a:t>Americas</a:t>
                       </a:r>
                     </a:p>
                   </a:txBody>
@@ -9599,30 +10764,13 @@
                     <a:p>
                       <a:pPr algn="ctr"/>
                       <a:r>
-                        <a:rPr lang="es-ES" sz="1100" dirty="0">
+                        <a:rPr lang="en-US" sz="1100">
                           <a:solidFill>
                             <a:schemeClr val="tx1"/>
                           </a:solidFill>
                           <a:latin typeface="Adobe Clean"/>
                         </a:rPr>
-                        <a:t>Europa, Oriente Medio </a:t>
-                      </a:r>
-                      <a:br>
-                        <a:rPr lang="es-ES" sz="1100" dirty="0">
-                          <a:solidFill>
-                            <a:schemeClr val="tx1"/>
-                          </a:solidFill>
-                          <a:latin typeface="Adobe Clean"/>
-                        </a:rPr>
-                      </a:br>
-                      <a:r>
-                        <a:rPr lang="es-ES" sz="1100" dirty="0">
-                          <a:solidFill>
-                            <a:schemeClr val="tx1"/>
-                          </a:solidFill>
-                          <a:latin typeface="Adobe Clean"/>
-                        </a:rPr>
-                        <a:t>y África</a:t>
+                        <a:t>Europe, Middle East &amp; Africa</a:t>
                       </a:r>
                     </a:p>
                   </a:txBody>
@@ -9681,13 +10829,13 @@
                     <a:p>
                       <a:pPr algn="ctr"/>
                       <a:r>
-                        <a:rPr lang="es-ES" sz="1100">
+                        <a:rPr lang="en-US" sz="1100">
                           <a:solidFill>
                             <a:schemeClr val="tx1"/>
                           </a:solidFill>
                           <a:latin typeface="Adobe Clean"/>
                         </a:rPr>
-                        <a:t>Asia-Pacífico</a:t>
+                        <a:t>Asia Pacific</a:t>
                       </a:r>
                     </a:p>
                   </a:txBody>
@@ -9746,16 +10894,16 @@
                     <a:p>
                       <a:pPr algn="ctr"/>
                       <a:r>
-                        <a:rPr lang="es-ES" sz="1100">
+                        <a:rPr lang="en-US" sz="1100">
                           <a:solidFill>
                             <a:schemeClr val="tx1"/>
                           </a:solidFill>
                           <a:latin typeface="Adobe Clean"/>
                         </a:rPr>
-                        <a:t>Japón </a:t>
+                        <a:t>Japan </a:t>
                       </a:r>
                       <a:r>
-                        <a:rPr lang="es-ES" sz="1100" baseline="30000">
+                        <a:rPr lang="en-US" sz="1100" baseline="30000">
                           <a:solidFill>
                             <a:schemeClr val="tx1"/>
                           </a:solidFill>
@@ -9763,6 +10911,12 @@
                         </a:rPr>
                         <a:t>1 </a:t>
                       </a:r>
+                      <a:endParaRPr lang="en-US" sz="1100">
+                        <a:solidFill>
+                          <a:schemeClr val="tx1"/>
+                        </a:solidFill>
+                        <a:latin typeface="Adobe Clean" panose="020B0503020404020204" pitchFamily="34" charset="0"/>
+                      </a:endParaRPr>
                     </a:p>
                   </a:txBody>
                   <a:tcPr anchor="ctr">
@@ -9827,13 +10981,13 @@
                     <a:p>
                       <a:pPr algn="ctr"/>
                       <a:r>
-                        <a:rPr lang="es-ES" sz="1100">
+                        <a:rPr lang="en-US" sz="1100">
                           <a:solidFill>
                             <a:schemeClr val="tx1"/>
                           </a:solidFill>
                           <a:latin typeface="Adobe Clean"/>
                         </a:rPr>
-                        <a:t>06:00 h - 17:30 h</a:t>
+                        <a:t>6 am – 5:30 pm</a:t>
                       </a:r>
                     </a:p>
                   </a:txBody>
@@ -9892,13 +11046,13 @@
                     <a:p>
                       <a:pPr algn="ctr"/>
                       <a:r>
-                        <a:rPr lang="es-ES" sz="1100">
+                        <a:rPr lang="en-US" sz="1100">
                           <a:solidFill>
                             <a:schemeClr val="tx1"/>
                           </a:solidFill>
                           <a:latin typeface="Adobe Clean"/>
                         </a:rPr>
-                        <a:t>09:00 h - 17:00 h</a:t>
+                        <a:t>9 am – 5 pm</a:t>
                       </a:r>
                     </a:p>
                   </a:txBody>
@@ -9957,13 +11111,13 @@
                     <a:p>
                       <a:pPr algn="ctr"/>
                       <a:r>
-                        <a:rPr lang="es-ES" sz="1100">
+                        <a:rPr lang="en-US" sz="1100">
                           <a:solidFill>
                             <a:schemeClr val="tx1"/>
                           </a:solidFill>
                           <a:latin typeface="Adobe Clean"/>
                         </a:rPr>
-                        <a:t>09:00 h - 17:00 h</a:t>
+                        <a:t>9 am – 5 pm</a:t>
                       </a:r>
                     </a:p>
                   </a:txBody>
@@ -10022,13 +11176,13 @@
                     <a:p>
                       <a:pPr algn="ctr"/>
                       <a:r>
-                        <a:rPr lang="es-ES" sz="1100">
+                        <a:rPr lang="en-US" sz="1100">
                           <a:solidFill>
                             <a:schemeClr val="tx1"/>
                           </a:solidFill>
                           <a:latin typeface="Adobe Clean"/>
                         </a:rPr>
-                        <a:t>09:00 h - 17:30 h</a:t>
+                        <a:t>9 am – 5:30 pm</a:t>
                       </a:r>
                     </a:p>
                   </a:txBody>
@@ -10108,10 +11262,11 @@
                         <a:buNone/>
                       </a:pPr>
                       <a:r>
-                        <a:rPr lang="es-ES" sz="1100" b="1" i="0" u="none" strike="noStrike" cap="none" normalizeH="0" baseline="30000" noProof="0" dirty="0">
+                        <a:rPr lang="en-US" sz="1100" b="1" i="0" u="none" strike="noStrike" kern="0" cap="none" spc="0" normalizeH="0" baseline="30000" noProof="0">
                           <a:ln>
                             <a:noFill/>
                           </a:ln>
+                          <a:effectLst/>
                           <a:uLnTx/>
                           <a:uFillTx/>
                           <a:latin typeface="Adobe Clean"/>
@@ -10121,16 +11276,17 @@
                         <a:t> </a:t>
                       </a:r>
                       <a:r>
-                        <a:rPr lang="es-ES" sz="1100" dirty="0">
+                        <a:rPr lang="en-US" sz="1100">
                           <a:solidFill>
                             <a:schemeClr val="tx1"/>
                           </a:solidFill>
                           <a:latin typeface="Adobe Clean"/>
-                          <a:ea typeface="+mn-ea"/>
-                          <a:cs typeface="+mn-cs"/>
                         </a:rPr>
-                        <a:t>Compatibilidad de idioma solo disponible en inglés y japonés</a:t>
+                        <a:t>Language support is only available in English and Japanese.</a:t>
                       </a:r>
+                      <a:endParaRPr lang="en-US">
+                        <a:latin typeface="Adobe Clean"/>
+                      </a:endParaRPr>
                     </a:p>
                     <a:p>
                       <a:pPr marL="0" marR="0" lvl="0" indent="0" algn="ctr">
@@ -10149,18 +11305,18 @@
                         <a:buNone/>
                       </a:pPr>
                       <a:r>
-                        <a:rPr lang="es-ES" sz="1100" i="1" dirty="0">
+                        <a:rPr lang="en-US" sz="1100" i="1">
                           <a:solidFill>
                             <a:schemeClr val="tx1"/>
                           </a:solidFill>
                           <a:latin typeface="Adobe Clean"/>
                         </a:rPr>
-                        <a:t>*Adobe Commerce no incluye soporte en japonés.</a:t>
+                        <a:t>*Adobe Commerce excludes Japanese languages support.</a:t>
                       </a:r>
                     </a:p>
                     <a:p>
-                      <a:pPr algn="l" rtl="0"/>
-                      <a:endParaRPr kumimoji="0" lang="en-US" sz="1100" b="1" i="0" u="none" strike="noStrike" kern="0" cap="none" spc="0" normalizeH="0" baseline="30000" noProof="0" dirty="0">
+                      <a:pPr algn="ctr"/>
+                      <a:endParaRPr kumimoji="0" lang="en-US" sz="1100" b="1" i="0" u="none" strike="noStrike" kern="0" cap="none" spc="0" normalizeH="0" baseline="30000" noProof="0">
                         <a:ln>
                           <a:noFill/>
                         </a:ln>
@@ -10178,7 +11334,7 @@
                     <a:p>
                       <a:pPr algn="ctr"/>
                       <a:r>
-                        <a:rPr lang="es-ES" sz="1100" i="0" dirty="0">
+                        <a:rPr lang="en-US" sz="1100" i="0">
                           <a:solidFill>
                             <a:schemeClr val="tx1"/>
                           </a:solidFill>
@@ -10187,7 +11343,7 @@
                         <a:t> </a:t>
                       </a:r>
                       <a:r>
-                        <a:rPr lang="es-ES" sz="1100" i="0" baseline="30000" dirty="0">
+                        <a:rPr lang="en-US" sz="1100" i="0" baseline="30000">
                           <a:solidFill>
                             <a:schemeClr val="tx1"/>
                           </a:solidFill>
@@ -10196,14 +11352,20 @@
                         <a:t>1 </a:t>
                       </a:r>
                       <a:r>
-                        <a:rPr lang="es-ES" sz="1100" i="0" dirty="0">
+                        <a:rPr lang="en-US" sz="1100" i="0">
                           <a:solidFill>
                             <a:schemeClr val="tx1"/>
                           </a:solidFill>
                           <a:latin typeface="Adobe Clean"/>
                         </a:rPr>
-                        <a:t>Los casos de P2, P3, P4 se limitan únicamente al horario laboral en Japón.</a:t>
+                        <a:t>P2, P3, P4 cases are limited to business hours only in Japan.</a:t>
                       </a:r>
+                      <a:endParaRPr lang="en-US" sz="1100" b="1" i="0">
+                        <a:solidFill>
+                          <a:schemeClr val="tx1"/>
+                        </a:solidFill>
+                        <a:latin typeface="Adobe Clean"/>
+                      </a:endParaRPr>
                     </a:p>
                   </a:txBody>
                   <a:tcPr anchor="ctr">
@@ -10567,15 +11729,129 @@
               </a:spcBef>
             </a:pPr>
             <a:r>
-              <a:rPr lang="es-ES" sz="1200" b="1" dirty="0">
+              <a:rPr sz="1200" b="1" spc="-15">
                 <a:solidFill>
                   <a:srgbClr val="FFFFFF"/>
                 </a:solidFill>
                 <a:latin typeface="Adobe Clean"/>
                 <a:cs typeface="Adobe Clean"/>
               </a:rPr>
-              <a:t>Experiencia sin igual</a:t>
-            </a:r>
+              <a:t>U</a:t>
+            </a:r>
+            <a:r>
+              <a:rPr sz="1200" b="1" spc="-20">
+                <a:solidFill>
+                  <a:srgbClr val="FFFFFF"/>
+                </a:solidFill>
+                <a:latin typeface="Adobe Clean"/>
+                <a:cs typeface="Adobe Clean"/>
+              </a:rPr>
+              <a:t>n</a:t>
+            </a:r>
+            <a:r>
+              <a:rPr sz="1200" b="1" spc="-25">
+                <a:solidFill>
+                  <a:srgbClr val="FFFFFF"/>
+                </a:solidFill>
+                <a:latin typeface="Adobe Clean"/>
+                <a:cs typeface="Adobe Clean"/>
+              </a:rPr>
+              <a:t>p</a:t>
+            </a:r>
+            <a:r>
+              <a:rPr sz="1200" b="1" spc="-15">
+                <a:solidFill>
+                  <a:srgbClr val="FFFFFF"/>
+                </a:solidFill>
+                <a:latin typeface="Adobe Clean"/>
+                <a:cs typeface="Adobe Clean"/>
+              </a:rPr>
+              <a:t>a</a:t>
+            </a:r>
+            <a:r>
+              <a:rPr sz="1200" b="1" spc="-25">
+                <a:solidFill>
+                  <a:srgbClr val="FFFFFF"/>
+                </a:solidFill>
+                <a:latin typeface="Adobe Clean"/>
+                <a:cs typeface="Adobe Clean"/>
+              </a:rPr>
+              <a:t>r</a:t>
+            </a:r>
+            <a:r>
+              <a:rPr sz="1200" b="1" spc="-15">
+                <a:solidFill>
+                  <a:srgbClr val="FFFFFF"/>
+                </a:solidFill>
+                <a:latin typeface="Adobe Clean"/>
+                <a:cs typeface="Adobe Clean"/>
+              </a:rPr>
+              <a:t>a</a:t>
+            </a:r>
+            <a:r>
+              <a:rPr sz="1200" b="1" spc="-30">
+                <a:solidFill>
+                  <a:srgbClr val="FFFFFF"/>
+                </a:solidFill>
+                <a:latin typeface="Adobe Clean"/>
+                <a:cs typeface="Adobe Clean"/>
+              </a:rPr>
+              <a:t>ll</a:t>
+            </a:r>
+            <a:r>
+              <a:rPr sz="1200" b="1" spc="-25">
+                <a:solidFill>
+                  <a:srgbClr val="FFFFFF"/>
+                </a:solidFill>
+                <a:latin typeface="Adobe Clean"/>
+                <a:cs typeface="Adobe Clean"/>
+              </a:rPr>
+              <a:t>e</a:t>
+            </a:r>
+            <a:r>
+              <a:rPr sz="1200" b="1" spc="-30">
+                <a:solidFill>
+                  <a:srgbClr val="FFFFFF"/>
+                </a:solidFill>
+                <a:latin typeface="Adobe Clean"/>
+                <a:cs typeface="Adobe Clean"/>
+              </a:rPr>
+              <a:t>l</a:t>
+            </a:r>
+            <a:r>
+              <a:rPr sz="1200" b="1" spc="-25">
+                <a:solidFill>
+                  <a:srgbClr val="FFFFFF"/>
+                </a:solidFill>
+                <a:latin typeface="Adobe Clean"/>
+                <a:cs typeface="Adobe Clean"/>
+              </a:rPr>
+              <a:t>e</a:t>
+            </a:r>
+            <a:r>
+              <a:rPr sz="1200" b="1">
+                <a:solidFill>
+                  <a:srgbClr val="FFFFFF"/>
+                </a:solidFill>
+                <a:latin typeface="Adobe Clean"/>
+                <a:cs typeface="Adobe Clean"/>
+              </a:rPr>
+              <a:t>d  </a:t>
+            </a:r>
+            <a:r>
+              <a:rPr sz="1200" b="1" spc="-25">
+                <a:solidFill>
+                  <a:srgbClr val="FFFFFF"/>
+                </a:solidFill>
+                <a:latin typeface="Adobe Clean"/>
+                <a:cs typeface="Adobe Clean"/>
+              </a:rPr>
+              <a:t>Expertise</a:t>
+            </a:r>
+            <a:endParaRPr sz="1200">
+              <a:latin typeface="Adobe Clean"/>
+              <a:cs typeface="Adobe Clean"/>
+            </a:endParaRPr>
           </a:p>
         </p:txBody>
       </p:sp>
@@ -10593,8 +11869,8 @@
         </p:nvSpPr>
         <p:spPr>
           <a:xfrm>
-            <a:off x="4658426" y="8531167"/>
-            <a:ext cx="884236" cy="382797"/>
+            <a:off x="4732495" y="8541244"/>
+            <a:ext cx="810895" cy="382797"/>
           </a:xfrm>
           <a:prstGeom prst="rect">
             <a:avLst/>
@@ -10606,7 +11882,7 @@
           </a:bodyPr>
           <a:lstStyle/>
           <a:p>
-            <a:pPr marR="5080" algn="ctr">
+            <a:pPr marL="139065" marR="5080" indent="-139065">
               <a:lnSpc>
                 <a:spcPts val="1390"/>
               </a:lnSpc>
@@ -10615,15 +11891,19 @@
               </a:spcBef>
             </a:pPr>
             <a:r>
-              <a:rPr lang="es-ES" sz="1200" b="1" dirty="0">
+              <a:rPr lang="en-US" sz="1200" b="1" spc="-15">
                 <a:solidFill>
                   <a:srgbClr val="FFFFFF"/>
                 </a:solidFill>
                 <a:latin typeface="Adobe Clean"/>
                 <a:cs typeface="Adobe Clean"/>
               </a:rPr>
-              <a:t>Asistencia ágil</a:t>
-            </a:r>
+              <a:t>Accelerated Support</a:t>
+            </a:r>
+            <a:endParaRPr sz="1200">
+              <a:latin typeface="Adobe Clean"/>
+              <a:cs typeface="Adobe Clean"/>
+            </a:endParaRPr>
           </a:p>
         </p:txBody>
       </p:sp>
@@ -10641,8 +11921,8 @@
         </p:nvSpPr>
         <p:spPr>
           <a:xfrm>
-            <a:off x="6343650" y="8543943"/>
-            <a:ext cx="1071478" cy="385445"/>
+            <a:off x="6624119" y="8543943"/>
+            <a:ext cx="510540" cy="385445"/>
           </a:xfrm>
           <a:prstGeom prst="rect">
             <a:avLst/>
@@ -10654,7 +11934,7 @@
           </a:bodyPr>
           <a:lstStyle/>
           <a:p>
-            <a:pPr marL="50800" marR="5080" indent="-51435" algn="ctr">
+            <a:pPr marL="50800" marR="5080" indent="-51435">
               <a:lnSpc>
                 <a:spcPts val="1390"/>
               </a:lnSpc>
@@ -10663,15 +11943,109 @@
               </a:spcBef>
             </a:pPr>
             <a:r>
-              <a:rPr lang="es-ES" sz="1200" b="1" dirty="0">
+              <a:rPr sz="1200" b="1" spc="-50">
                 <a:solidFill>
                   <a:srgbClr val="FFFFFF"/>
                 </a:solidFill>
                 <a:latin typeface="Adobe Clean"/>
                 <a:cs typeface="Adobe Clean"/>
               </a:rPr>
-              <a:t>Asesoría estratégica</a:t>
-            </a:r>
+              <a:t>S</a:t>
+            </a:r>
+            <a:r>
+              <a:rPr sz="1200" b="1" spc="-20">
+                <a:solidFill>
+                  <a:srgbClr val="FFFFFF"/>
+                </a:solidFill>
+                <a:latin typeface="Adobe Clean"/>
+                <a:cs typeface="Adobe Clean"/>
+              </a:rPr>
+              <a:t>t</a:t>
+            </a:r>
+            <a:r>
+              <a:rPr sz="1200" b="1" spc="-75">
+                <a:solidFill>
+                  <a:srgbClr val="FFFFFF"/>
+                </a:solidFill>
+                <a:latin typeface="Adobe Clean"/>
+                <a:cs typeface="Adobe Clean"/>
+              </a:rPr>
+              <a:t>r</a:t>
+            </a:r>
+            <a:r>
+              <a:rPr sz="1200" b="1" spc="-90">
+                <a:solidFill>
+                  <a:srgbClr val="FFFFFF"/>
+                </a:solidFill>
+                <a:latin typeface="Adobe Clean"/>
+                <a:cs typeface="Adobe Clean"/>
+              </a:rPr>
+              <a:t>a</a:t>
+            </a:r>
+            <a:r>
+              <a:rPr sz="1200" b="1" spc="-55">
+                <a:solidFill>
+                  <a:srgbClr val="FFFFFF"/>
+                </a:solidFill>
+                <a:latin typeface="Adobe Clean"/>
+                <a:cs typeface="Adobe Clean"/>
+              </a:rPr>
+              <a:t>t</a:t>
+            </a:r>
+            <a:r>
+              <a:rPr sz="1200" b="1" spc="-100">
+                <a:solidFill>
+                  <a:srgbClr val="FFFFFF"/>
+                </a:solidFill>
+                <a:latin typeface="Adobe Clean"/>
+                <a:cs typeface="Adobe Clean"/>
+              </a:rPr>
+              <a:t>e</a:t>
+            </a:r>
+            <a:r>
+              <a:rPr sz="1200" b="1" spc="-80">
+                <a:solidFill>
+                  <a:srgbClr val="FFFFFF"/>
+                </a:solidFill>
+                <a:latin typeface="Adobe Clean"/>
+                <a:cs typeface="Adobe Clean"/>
+              </a:rPr>
+              <a:t>g</a:t>
+            </a:r>
+            <a:r>
+              <a:rPr sz="1200" b="1" spc="-35">
+                <a:solidFill>
+                  <a:srgbClr val="FFFFFF"/>
+                </a:solidFill>
+                <a:latin typeface="Adobe Clean"/>
+                <a:cs typeface="Adobe Clean"/>
+              </a:rPr>
+              <a:t>i</a:t>
+            </a:r>
+            <a:r>
+              <a:rPr sz="1200" b="1">
+                <a:solidFill>
+                  <a:srgbClr val="FFFFFF"/>
+                </a:solidFill>
+                <a:latin typeface="Adobe Clean"/>
+                <a:cs typeface="Adobe Clean"/>
+              </a:rPr>
+              <a:t>c  </a:t>
+            </a:r>
+            <a:r>
+              <a:rPr sz="1200" b="1" spc="-45">
+                <a:solidFill>
+                  <a:srgbClr val="FFFFFF"/>
+                </a:solidFill>
+                <a:latin typeface="Adobe Clean"/>
+                <a:cs typeface="Adobe Clean"/>
+              </a:rPr>
+              <a:t>Advice</a:t>
+            </a:r>
+            <a:endParaRPr sz="1200">
+              <a:latin typeface="Adobe Clean"/>
+              <a:cs typeface="Adobe Clean"/>
+            </a:endParaRPr>
           </a:p>
         </p:txBody>
       </p:sp>
@@ -10690,14 +12064,14 @@
           <p:nvPr>
             <p:extLst>
               <p:ext uri="{D42A27DB-BD31-4B8C-83A1-F6EECF244321}">
-                <p14:modId xmlns:p14="http://schemas.microsoft.com/office/powerpoint/2010/main" val="3067232937"/>
+                <p14:modId xmlns:p14="http://schemas.microsoft.com/office/powerpoint/2010/main" val="3773282750"/>
               </p:ext>
             </p:extLst>
           </p:nvPr>
         </p:nvGraphicFramePr>
         <p:xfrm>
           <a:off x="194236" y="1059345"/>
-          <a:ext cx="7368291" cy="3759200"/>
+          <a:ext cx="7368291" cy="3302000"/>
         </p:xfrm>
         <a:graphic>
           <a:graphicData uri="http://schemas.openxmlformats.org/drawingml/2006/table">
@@ -10728,7 +12102,7 @@
                     <a:lstStyle/>
                     <a:p>
                       <a:r>
-                        <a:rPr lang="es-ES" sz="1100" b="0" dirty="0" err="1">
+                        <a:rPr lang="en-US" sz="1100" b="0">
                           <a:solidFill>
                             <a:schemeClr val="tx1"/>
                           </a:solidFill>
@@ -10737,20 +12111,16 @@
                           <a:cs typeface="+mn-cs"/>
                           <a:hlinkClick r:id="rId7"/>
                         </a:rPr>
-                        <a:t>Experience</a:t>
+                        <a:t>Experience League</a:t>
                       </a:r>
-                      <a:r>
-                        <a:rPr lang="es-ES" sz="1100" b="0" dirty="0">
-                          <a:solidFill>
-                            <a:schemeClr val="tx1"/>
-                          </a:solidFill>
-                          <a:latin typeface="Adobe Clean"/>
-                          <a:ea typeface="+mn-ea"/>
-                          <a:cs typeface="+mn-cs"/>
-                          <a:hlinkClick r:id="rId7"/>
-                        </a:rPr>
-                        <a:t> League</a:t>
-                      </a:r>
+                      <a:endParaRPr lang="en-US" sz="1100" b="0">
+                        <a:solidFill>
+                          <a:schemeClr val="tx1"/>
+                        </a:solidFill>
+                        <a:latin typeface="Adobe Clean"/>
+                        <a:ea typeface="+mn-ea"/>
+                        <a:cs typeface="+mn-cs"/>
+                      </a:endParaRPr>
                     </a:p>
                   </a:txBody>
                   <a:tcPr marL="47625" marR="47625" marT="0" marB="0" anchor="ctr">
@@ -10822,7 +12192,7 @@
                         <a:buNone/>
                       </a:pPr>
                       <a:r>
-                        <a:rPr lang="es-ES" sz="1000" b="0" dirty="0" err="1">
+                        <a:rPr lang="en-US" sz="1000" b="0" kern="1200">
                           <a:solidFill>
                             <a:srgbClr val="000000"/>
                           </a:solidFill>
@@ -10830,19 +12200,16 @@
                           <a:ea typeface="+mn-ea"/>
                           <a:cs typeface="+mn-cs"/>
                         </a:rPr>
-                        <a:t>Experience</a:t>
+                        <a:t>Experience League is how Adobe helps businesses achieve the value they expect from their Adobe investment. It’s the unified place where customers can learn, connect, and grow along a personalized path to success that includes self-help tutorials, product documentation, instructor-led training, community and technical support. </a:t>
                       </a:r>
-                      <a:r>
-                        <a:rPr lang="es-ES" sz="1000" b="0" dirty="0">
-                          <a:solidFill>
-                            <a:srgbClr val="000000"/>
-                          </a:solidFill>
-                          <a:latin typeface="Adobe Clean Light"/>
-                          <a:ea typeface="+mn-ea"/>
-                          <a:cs typeface="+mn-cs"/>
-                        </a:rPr>
-                        <a:t> League permite a Adobe ayudar a las empresas a alcanzar el valor que esperan de su inversión en Adobe. Es el lugar unificado en el que los clientes pueden aprender, dialogar y crecer siguiendo un camino personalizado hacia el éxito que incluye tutoriales de autoayuda, documentación de productos, formación dirigida por instructores, y asistencia técnica y comunitaria. </a:t>
-                      </a:r>
+                      <a:endParaRPr lang="en-US" sz="1000" b="0" kern="1200">
+                        <a:solidFill>
+                          <a:srgbClr val="000000"/>
+                        </a:solidFill>
+                        <a:latin typeface="Adobe Clean Light" panose="020B0303020404020204" pitchFamily="34" charset="0"/>
+                        <a:ea typeface="+mn-ea"/>
+                        <a:cs typeface="+mn-cs"/>
+                      </a:endParaRPr>
                     </a:p>
                   </a:txBody>
                   <a:tcPr anchor="ctr">
@@ -10923,28 +12290,39 @@
                         <a:defRPr/>
                       </a:pPr>
                       <a:r>
-                        <a:rPr lang="es-ES" sz="1100" dirty="0">
+                        <a:rPr lang="en-US" sz="1100">
                           <a:solidFill>
                             <a:schemeClr val="dk1"/>
                           </a:solidFill>
+                          <a:effectLst/>
                           <a:latin typeface="Adobe Clean"/>
                           <a:ea typeface="+mn-ea"/>
                           <a:cs typeface="+mn-cs"/>
                           <a:hlinkClick r:id="rId8"/>
                         </a:rPr>
-                        <a:t>Formación</a:t>
+                        <a:t>Training</a:t>
                       </a:r>
                       <a:r>
-                        <a:rPr lang="es-ES" sz="1100" dirty="0">
+                        <a:rPr lang="en-US" sz="1100">
                           <a:solidFill>
                             <a:schemeClr val="dk1"/>
                           </a:solidFill>
+                          <a:effectLst/>
                           <a:latin typeface="Adobe Clean"/>
                           <a:ea typeface="+mn-ea"/>
                           <a:cs typeface="+mn-cs"/>
                         </a:rPr>
                         <a:t> </a:t>
                       </a:r>
+                      <a:endParaRPr lang="en-US" sz="1100">
+                        <a:solidFill>
+                          <a:schemeClr val="tx1"/>
+                        </a:solidFill>
+                        <a:effectLst/>
+                        <a:latin typeface="Adobe Clean"/>
+                        <a:ea typeface="+mn-ea"/>
+                        <a:cs typeface="+mn-cs"/>
+                      </a:endParaRPr>
                     </a:p>
                   </a:txBody>
                   <a:tcPr anchor="ctr">
@@ -11018,7 +12396,7 @@
                         <a:defRPr/>
                       </a:pPr>
                       <a:r>
-                        <a:rPr lang="es-ES" sz="1000">
+                        <a:rPr lang="en-US" sz="1000" kern="1200">
                           <a:solidFill>
                             <a:srgbClr val="000000"/>
                           </a:solidFill>
@@ -11026,7 +12404,7 @@
                           <a:ea typeface="+mn-ea"/>
                           <a:cs typeface="+mn-cs"/>
                         </a:rPr>
-                        <a:t>Puede acceder a los cursos de Adobe Digital Learning Services desde Experience League. Los cursos de formación incluyen desde lecciones bajo demanda hasta lecciones impartidas por instructores.  Aquí puede aprender habilidades con valor de mercado reconocido para impulsar el éxito en su organización.</a:t>
+                        <a:t>Adobe Digital Learning Services courses are accessible from Experience League. Learning courses integrate both on-demand and instructor-led lessons.  Here you can accrue skills that have recognized market value and position them to drive success in your organizations.</a:t>
                       </a:r>
                     </a:p>
                   </a:txBody>
@@ -11108,17 +12486,27 @@
                         <a:defRPr/>
                       </a:pPr>
                       <a:r>
-                        <a:rPr lang="es-ES" sz="1100">
+                        <a:rPr lang="en-US" sz="1100">
                           <a:solidFill>
                             <a:schemeClr val="tx1"/>
                           </a:solidFill>
+                          <a:effectLst/>
                           <a:latin typeface="Adobe Clean"/>
                           <a:ea typeface="+mn-ea"/>
                           <a:cs typeface="+mn-cs"/>
                           <a:hlinkClick r:id="rId9"/>
                         </a:rPr>
-                        <a:t>Problemas de producción e interrupciones del sistema</a:t>
+                        <a:t>Production Issues &amp; System Outages</a:t>
                       </a:r>
+                      <a:endParaRPr lang="en-US" sz="1100">
+                        <a:solidFill>
+                          <a:schemeClr val="tx1"/>
+                        </a:solidFill>
+                        <a:effectLst/>
+                        <a:latin typeface="Adobe Clean"/>
+                        <a:ea typeface="+mn-ea"/>
+                        <a:cs typeface="+mn-cs"/>
+                      </a:endParaRPr>
                     </a:p>
                   </a:txBody>
                   <a:tcPr anchor="ctr">
@@ -11190,7 +12578,7 @@
                         <a:buNone/>
                       </a:pPr>
                       <a:r>
-                        <a:rPr lang="es-ES" sz="1000">
+                        <a:rPr lang="en-US" sz="1000" kern="1200">
                           <a:solidFill>
                             <a:srgbClr val="000000"/>
                           </a:solidFill>
@@ -11198,8 +12586,16 @@
                           <a:ea typeface="+mn-ea"/>
                           <a:cs typeface="+mn-cs"/>
                         </a:rPr>
-                        <a:t>Status.adobe.com transmite la información de estado de todos los productos y servicios de Adobe implementados en entornos de varios inquilinos. Los clientes pueden elegir sus preferencias de suscripción para recibir notificaciones por correo electrónico cada vez que Adobe cree, actualice o resuelva un evento de producto. Esto puede incluir problemas de mantenimiento o servicio programados de diversos niveles de gravedad. </a:t>
+                        <a:t>Status.adobe.com conveys the health information of all Adobe products and services that are deployed in multi-tenant environments. Customers can choose their subscription preferences to get email notifications whenever Adobe creates, updates or resolves a product event. This can include scheduled maintenance or service issues of varying levels of severity. </a:t>
                       </a:r>
+                      <a:endParaRPr lang="en-US" sz="1000" kern="1200">
+                        <a:solidFill>
+                          <a:srgbClr val="000000"/>
+                        </a:solidFill>
+                        <a:latin typeface="Adobe Clean Light" panose="020B0303020404020204" pitchFamily="34" charset="0"/>
+                        <a:ea typeface="+mn-ea"/>
+                        <a:cs typeface="+mn-cs"/>
+                      </a:endParaRPr>
                     </a:p>
                   </a:txBody>
                   <a:tcPr anchor="ctr">
@@ -11280,17 +12676,27 @@
                         <a:defRPr/>
                       </a:pPr>
                       <a:r>
-                        <a:rPr lang="es-ES" sz="1100" b="0" i="0">
+                        <a:rPr lang="en-US" sz="1100" b="0" i="0">
                           <a:solidFill>
                             <a:schemeClr val="dk1"/>
                           </a:solidFill>
+                          <a:effectLst/>
                           <a:latin typeface="Adobe Clean"/>
                           <a:ea typeface="+mn-ea"/>
                           <a:cs typeface="+mn-cs"/>
-                          <a:hlinkClick r:id="rId10" tooltip="https://helpx.adobe.com/es/support/programs/enterprise-support-programs/premier-support-business.html"/>
+                          <a:hlinkClick r:id="rId10" tooltip="https://helpx.adobe.com/support/programs/enterprise-support-programs/premier-support-business.html"/>
                         </a:rPr>
-                        <a:t>Sitio web de soporte Business</a:t>
+                        <a:t>Business Support Website</a:t>
                       </a:r>
+                      <a:endParaRPr lang="en-US" sz="1100" b="0" i="0">
+                        <a:solidFill>
+                          <a:schemeClr val="dk1"/>
+                        </a:solidFill>
+                        <a:effectLst/>
+                        <a:latin typeface="Adobe Clean"/>
+                        <a:ea typeface="+mn-ea"/>
+                        <a:cs typeface="+mn-cs"/>
+                      </a:endParaRPr>
                     </a:p>
                   </a:txBody>
                   <a:tcPr anchor="ctr">
@@ -11347,7 +12753,7 @@
                     <a:lstStyle/>
                     <a:p>
                       <a:r>
-                        <a:rPr lang="es-ES" sz="1000">
+                        <a:rPr lang="en-US" sz="1000" kern="1200">
                           <a:solidFill>
                             <a:srgbClr val="000000"/>
                           </a:solidFill>
@@ -11355,8 +12761,16 @@
                           <a:ea typeface="+mn-ea"/>
                           <a:cs typeface="+mn-cs"/>
                         </a:rPr>
-                        <a:t>Sitio web de soporte Business de Adobe.</a:t>
+                        <a:t>Adobe Business Support website.</a:t>
                       </a:r>
+                      <a:endParaRPr lang="en-US" sz="1000" kern="1200">
+                        <a:solidFill>
+                          <a:srgbClr val="000000"/>
+                        </a:solidFill>
+                        <a:latin typeface="Adobe Clean Light" panose="020B0303020404020204" pitchFamily="34" charset="0"/>
+                        <a:ea typeface="+mn-ea"/>
+                        <a:cs typeface="+mn-cs"/>
+                      </a:endParaRPr>
                     </a:p>
                   </a:txBody>
                   <a:tcPr anchor="ctr">
@@ -11437,17 +12851,27 @@
                         <a:defRPr/>
                       </a:pPr>
                       <a:r>
-                        <a:rPr lang="es-ES" sz="1100">
+                        <a:rPr lang="en-US" sz="1100">
                           <a:solidFill>
                             <a:schemeClr val="tx1"/>
                           </a:solidFill>
+                          <a:effectLst/>
                           <a:latin typeface="Adobe Clean"/>
                           <a:ea typeface="+mn-ea"/>
                           <a:cs typeface="+mn-cs"/>
                           <a:hlinkClick r:id="rId11"/>
                         </a:rPr>
-                        <a:t>Términos y condiciones</a:t>
+                        <a:t>Terms and Conditions</a:t>
                       </a:r>
+                      <a:endParaRPr lang="en-US" sz="1100">
+                        <a:solidFill>
+                          <a:schemeClr val="tx1"/>
+                        </a:solidFill>
+                        <a:effectLst/>
+                        <a:latin typeface="Adobe Clean"/>
+                        <a:ea typeface="+mn-ea"/>
+                        <a:cs typeface="+mn-cs"/>
+                      </a:endParaRPr>
                     </a:p>
                   </a:txBody>
                   <a:tcPr anchor="ctr">
@@ -11504,7 +12928,7 @@
                     <a:lstStyle/>
                     <a:p>
                       <a:r>
-                        <a:rPr lang="es-ES" sz="1000" dirty="0">
+                        <a:rPr lang="en-US" sz="1000" kern="1200">
                           <a:solidFill>
                             <a:srgbClr val="000000"/>
                           </a:solidFill>
@@ -11512,8 +12936,16 @@
                           <a:ea typeface="+mn-ea"/>
                           <a:cs typeface="+mn-cs"/>
                         </a:rPr>
-                        <a:t>Términos y condiciones de las ofertas de los servicios de soporte.</a:t>
+                        <a:t>Terms and conditions detailing Support Services offerings.</a:t>
                       </a:r>
+                      <a:endParaRPr lang="en-US" sz="1000" kern="1200">
+                        <a:solidFill>
+                          <a:srgbClr val="000000"/>
+                        </a:solidFill>
+                        <a:latin typeface="Adobe Clean Light" panose="020B0303020404020204" pitchFamily="34" charset="0"/>
+                        <a:ea typeface="+mn-ea"/>
+                        <a:cs typeface="+mn-cs"/>
+                      </a:endParaRPr>
                     </a:p>
                   </a:txBody>
                   <a:tcPr anchor="ctr">
@@ -12283,18 +13715,18 @@
 </file>
 
 <file path=customXml/item1.xml><?xml version="1.0" encoding="utf-8"?>
+<p:properties xmlns:p="http://schemas.microsoft.com/office/2006/metadata/properties" xmlns:xsi="http://www.w3.org/2001/XMLSchema-instance" xmlns:pc="http://schemas.microsoft.com/office/infopath/2007/PartnerControls">
+  <documentManagement/>
+</p:properties>
+</file>
+
+<file path=customXml/item2.xml><?xml version="1.0" encoding="utf-8"?>
 <?mso-contentType ?>
 <FormTemplates xmlns="http://schemas.microsoft.com/sharepoint/v3/contenttype/forms">
   <Display>DocumentLibraryForm</Display>
   <Edit>DocumentLibraryForm</Edit>
   <New>DocumentLibraryForm</New>
 </FormTemplates>
-</file>
-
-<file path=customXml/item2.xml><?xml version="1.0" encoding="utf-8"?>
-<p:properties xmlns:p="http://schemas.microsoft.com/office/2006/metadata/properties" xmlns:xsi="http://www.w3.org/2001/XMLSchema-instance" xmlns:pc="http://schemas.microsoft.com/office/infopath/2007/PartnerControls">
-  <documentManagement/>
-</p:properties>
 </file>
 
 <file path=customXml/item3.xml><?xml version="1.0" encoding="utf-8"?>
@@ -12503,26 +13935,26 @@
 </file>
 
 <file path=customXml/itemProps1.xml><?xml version="1.0" encoding="utf-8"?>
-<ds:datastoreItem xmlns:ds="http://schemas.openxmlformats.org/officeDocument/2006/customXml" ds:itemID="{95AE3B0B-E909-400C-B0B3-909FB50E07DE}">
+<ds:datastoreItem xmlns:ds="http://schemas.openxmlformats.org/officeDocument/2006/customXml" ds:itemID="{10FC3CAF-E6F1-40E3-87D4-6B781C97D6B4}">
   <ds:schemaRefs>
-    <ds:schemaRef ds:uri="http://schemas.microsoft.com/sharepoint/v3/contenttype/forms"/>
+    <ds:schemaRef ds:uri="6c8368ec-3776-49b5-a5bb-90648cf9530f"/>
+    <ds:schemaRef ds:uri="http://purl.org/dc/elements/1.1/"/>
+    <ds:schemaRef ds:uri="http://schemas.openxmlformats.org/package/2006/metadata/core-properties"/>
+    <ds:schemaRef ds:uri="8a053bff-88be-49e4-9a87-e748e18b8b62"/>
+    <ds:schemaRef ds:uri="http://www.w3.org/XML/1998/namespace"/>
+    <ds:schemaRef ds:uri="http://purl.org/dc/dcmitype/"/>
+    <ds:schemaRef ds:uri="http://schemas.microsoft.com/office/2006/documentManagement/types"/>
+    <ds:schemaRef ds:uri="http://schemas.microsoft.com/office/infopath/2007/PartnerControls"/>
+    <ds:schemaRef ds:uri="http://schemas.microsoft.com/office/2006/metadata/properties"/>
+    <ds:schemaRef ds:uri="http://purl.org/dc/terms/"/>
   </ds:schemaRefs>
 </ds:datastoreItem>
 </file>
 
 <file path=customXml/itemProps2.xml><?xml version="1.0" encoding="utf-8"?>
-<ds:datastoreItem xmlns:ds="http://schemas.openxmlformats.org/officeDocument/2006/customXml" ds:itemID="{10FC3CAF-E6F1-40E3-87D4-6B781C97D6B4}">
+<ds:datastoreItem xmlns:ds="http://schemas.openxmlformats.org/officeDocument/2006/customXml" ds:itemID="{95AE3B0B-E909-400C-B0B3-909FB50E07DE}">
   <ds:schemaRefs>
-    <ds:schemaRef ds:uri="6c8368ec-3776-49b5-a5bb-90648cf9530f"/>
-    <ds:schemaRef ds:uri="8a053bff-88be-49e4-9a87-e748e18b8b62"/>
-    <ds:schemaRef ds:uri="http://purl.org/dc/dcmitype/"/>
-    <ds:schemaRef ds:uri="http://purl.org/dc/elements/1.1/"/>
-    <ds:schemaRef ds:uri="http://purl.org/dc/terms/"/>
-    <ds:schemaRef ds:uri="http://schemas.microsoft.com/office/2006/documentManagement/types"/>
-    <ds:schemaRef ds:uri="http://schemas.microsoft.com/office/2006/metadata/properties"/>
-    <ds:schemaRef ds:uri="http://schemas.microsoft.com/office/infopath/2007/PartnerControls"/>
-    <ds:schemaRef ds:uri="http://schemas.openxmlformats.org/package/2006/metadata/core-properties"/>
-    <ds:schemaRef ds:uri="http://www.w3.org/XML/1998/namespace"/>
+    <ds:schemaRef ds:uri="http://schemas.microsoft.com/sharepoint/v3/contenttype/forms"/>
   </ds:schemaRefs>
 </ds:datastoreItem>
 </file>

--- a/help/data-sheets/assets/BusinessSupportDatasheet.pptx
+++ b/help/data-sheets/assets/BusinessSupportDatasheet.pptx
@@ -143,62 +143,6 @@
 <file path=ppt/changesInfos/changesInfo1.xml><?xml version="1.0" encoding="utf-8"?>
 <pc:chgInfo xmlns:a="http://schemas.openxmlformats.org/drawingml/2006/main" xmlns:r="http://schemas.openxmlformats.org/officeDocument/2006/relationships" xmlns:ac="http://schemas.microsoft.com/office/drawing/2013/main/command" xmlns:pc="http://schemas.microsoft.com/office/powerpoint/2013/main/command">
   <pc:docChgLst>
-    <pc:chgData name="Akilah Johnson" userId="S::akjohnso@adobe.com::2fa3aa60-0c9c-4d06-bae2-795983241227" providerId="AD" clId="Web-{71D6CFBF-0EA2-99B0-93F4-22F19EF0AE4E}"/>
-    <pc:docChg chg="modSld">
-      <pc:chgData name="Akilah Johnson" userId="S::akjohnso@adobe.com::2fa3aa60-0c9c-4d06-bae2-795983241227" providerId="AD" clId="Web-{71D6CFBF-0EA2-99B0-93F4-22F19EF0AE4E}" dt="2021-09-22T19:06:58.732" v="1" actId="1076"/>
-      <pc:docMkLst>
-        <pc:docMk/>
-      </pc:docMkLst>
-      <pc:sldChg chg="modSp">
-        <pc:chgData name="Akilah Johnson" userId="S::akjohnso@adobe.com::2fa3aa60-0c9c-4d06-bae2-795983241227" providerId="AD" clId="Web-{71D6CFBF-0EA2-99B0-93F4-22F19EF0AE4E}" dt="2021-09-22T19:06:58.732" v="1" actId="1076"/>
-        <pc:sldMkLst>
-          <pc:docMk/>
-          <pc:sldMk cId="1050037809" sldId="261"/>
-        </pc:sldMkLst>
-        <pc:spChg chg="mod">
-          <ac:chgData name="Akilah Johnson" userId="S::akjohnso@adobe.com::2fa3aa60-0c9c-4d06-bae2-795983241227" providerId="AD" clId="Web-{71D6CFBF-0EA2-99B0-93F4-22F19EF0AE4E}" dt="2021-09-22T19:06:58.732" v="1" actId="1076"/>
-          <ac:spMkLst>
-            <pc:docMk/>
-            <pc:sldMk cId="1050037809" sldId="261"/>
-            <ac:spMk id="64" creationId="{41467BDC-3D83-D844-B922-CD07E94E5AAB}"/>
-          </ac:spMkLst>
-        </pc:spChg>
-      </pc:sldChg>
-    </pc:docChg>
-  </pc:docChgLst>
-  <pc:docChgLst>
-    <pc:chgData name="Akilah Johnson" userId="S::akjohnso@adobe.com::2fa3aa60-0c9c-4d06-bae2-795983241227" providerId="AD" clId="Web-{AFB92C2B-405E-C597-0988-18F97C53104C}"/>
-    <pc:docChg chg="modSld">
-      <pc:chgData name="Akilah Johnson" userId="S::akjohnso@adobe.com::2fa3aa60-0c9c-4d06-bae2-795983241227" providerId="AD" clId="Web-{AFB92C2B-405E-C597-0988-18F97C53104C}" dt="2021-09-22T18:53:26.184" v="29"/>
-      <pc:docMkLst>
-        <pc:docMk/>
-      </pc:docMkLst>
-      <pc:sldChg chg="modSp">
-        <pc:chgData name="Akilah Johnson" userId="S::akjohnso@adobe.com::2fa3aa60-0c9c-4d06-bae2-795983241227" providerId="AD" clId="Web-{AFB92C2B-405E-C597-0988-18F97C53104C}" dt="2021-09-22T18:53:26.184" v="29"/>
-        <pc:sldMkLst>
-          <pc:docMk/>
-          <pc:sldMk cId="1050037809" sldId="261"/>
-        </pc:sldMkLst>
-        <pc:spChg chg="mod">
-          <ac:chgData name="Akilah Johnson" userId="S::akjohnso@adobe.com::2fa3aa60-0c9c-4d06-bae2-795983241227" providerId="AD" clId="Web-{AFB92C2B-405E-C597-0988-18F97C53104C}" dt="2021-09-22T18:53:05.841" v="5" actId="20577"/>
-          <ac:spMkLst>
-            <pc:docMk/>
-            <pc:sldMk cId="1050037809" sldId="261"/>
-            <ac:spMk id="64" creationId="{41467BDC-3D83-D844-B922-CD07E94E5AAB}"/>
-          </ac:spMkLst>
-        </pc:spChg>
-        <pc:graphicFrameChg chg="mod modGraphic">
-          <ac:chgData name="Akilah Johnson" userId="S::akjohnso@adobe.com::2fa3aa60-0c9c-4d06-bae2-795983241227" providerId="AD" clId="Web-{AFB92C2B-405E-C597-0988-18F97C53104C}" dt="2021-09-22T18:53:26.184" v="29"/>
-          <ac:graphicFrameMkLst>
-            <pc:docMk/>
-            <pc:sldMk cId="1050037809" sldId="261"/>
-            <ac:graphicFrameMk id="25" creationId="{3A91F5B0-3974-A14D-A146-FB590F2AAD18}"/>
-          </ac:graphicFrameMkLst>
-        </pc:graphicFrameChg>
-      </pc:sldChg>
-    </pc:docChg>
-  </pc:docChgLst>
-  <pc:docChgLst>
     <pc:chgData name="Akilah Johnson" userId="S::akjohnso@adobe.com::2fa3aa60-0c9c-4d06-bae2-795983241227" providerId="AD" clId="Web-{019F6A09-DCDA-BB53-9E3C-5BA3B13E26BB}"/>
     <pc:docChg chg="modSld">
       <pc:chgData name="Akilah Johnson" userId="S::akjohnso@adobe.com::2fa3aa60-0c9c-4d06-bae2-795983241227" providerId="AD" clId="Web-{019F6A09-DCDA-BB53-9E3C-5BA3B13E26BB}" dt="2021-10-12T17:10:36.752" v="17" actId="20577"/>
@@ -240,6 +184,30 @@
             <pc:docMk/>
             <pc:sldMk cId="1050037809" sldId="261"/>
             <ac:graphicFrameMk id="111" creationId="{D8653CEC-4213-DE40-9BAF-D1E3318FF89C}"/>
+          </ac:graphicFrameMkLst>
+        </pc:graphicFrameChg>
+      </pc:sldChg>
+    </pc:docChg>
+  </pc:docChgLst>
+  <pc:docChgLst>
+    <pc:chgData name="Akilah Johnson" userId="S::akjohnso@adobe.com::2fa3aa60-0c9c-4d06-bae2-795983241227" providerId="AD" clId="Web-{4D8E0410-E0CE-85E2-0F84-C1BF4F647622}"/>
+    <pc:docChg chg="modSld">
+      <pc:chgData name="Akilah Johnson" userId="S::akjohnso@adobe.com::2fa3aa60-0c9c-4d06-bae2-795983241227" providerId="AD" clId="Web-{4D8E0410-E0CE-85E2-0F84-C1BF4F647622}" dt="2021-09-22T22:57:04.802" v="5"/>
+      <pc:docMkLst>
+        <pc:docMk/>
+      </pc:docMkLst>
+      <pc:sldChg chg="modSp">
+        <pc:chgData name="Akilah Johnson" userId="S::akjohnso@adobe.com::2fa3aa60-0c9c-4d06-bae2-795983241227" providerId="AD" clId="Web-{4D8E0410-E0CE-85E2-0F84-C1BF4F647622}" dt="2021-09-22T22:57:04.802" v="5"/>
+        <pc:sldMkLst>
+          <pc:docMk/>
+          <pc:sldMk cId="1050037809" sldId="261"/>
+        </pc:sldMkLst>
+        <pc:graphicFrameChg chg="mod modGraphic">
+          <ac:chgData name="Akilah Johnson" userId="S::akjohnso@adobe.com::2fa3aa60-0c9c-4d06-bae2-795983241227" providerId="AD" clId="Web-{4D8E0410-E0CE-85E2-0F84-C1BF4F647622}" dt="2021-09-22T22:57:04.802" v="5"/>
+          <ac:graphicFrameMkLst>
+            <pc:docMk/>
+            <pc:sldMk cId="1050037809" sldId="261"/>
+            <ac:graphicFrameMk id="25" creationId="{3A91F5B0-3974-A14D-A146-FB590F2AAD18}"/>
           </ac:graphicFrameMkLst>
         </pc:graphicFrameChg>
       </pc:sldChg>
@@ -301,6 +269,142 @@
     </pc:docChg>
   </pc:docChgLst>
   <pc:docChgLst>
+    <pc:chgData name="Akilah Johnson" userId="S::akjohnso@adobe.com::2fa3aa60-0c9c-4d06-bae2-795983241227" providerId="AD" clId="Web-{71D6CFBF-0EA2-99B0-93F4-22F19EF0AE4E}"/>
+    <pc:docChg chg="modSld">
+      <pc:chgData name="Akilah Johnson" userId="S::akjohnso@adobe.com::2fa3aa60-0c9c-4d06-bae2-795983241227" providerId="AD" clId="Web-{71D6CFBF-0EA2-99B0-93F4-22F19EF0AE4E}" dt="2021-09-22T19:06:58.732" v="1" actId="1076"/>
+      <pc:docMkLst>
+        <pc:docMk/>
+      </pc:docMkLst>
+      <pc:sldChg chg="modSp">
+        <pc:chgData name="Akilah Johnson" userId="S::akjohnso@adobe.com::2fa3aa60-0c9c-4d06-bae2-795983241227" providerId="AD" clId="Web-{71D6CFBF-0EA2-99B0-93F4-22F19EF0AE4E}" dt="2021-09-22T19:06:58.732" v="1" actId="1076"/>
+        <pc:sldMkLst>
+          <pc:docMk/>
+          <pc:sldMk cId="1050037809" sldId="261"/>
+        </pc:sldMkLst>
+        <pc:spChg chg="mod">
+          <ac:chgData name="Akilah Johnson" userId="S::akjohnso@adobe.com::2fa3aa60-0c9c-4d06-bae2-795983241227" providerId="AD" clId="Web-{71D6CFBF-0EA2-99B0-93F4-22F19EF0AE4E}" dt="2021-09-22T19:06:58.732" v="1" actId="1076"/>
+          <ac:spMkLst>
+            <pc:docMk/>
+            <pc:sldMk cId="1050037809" sldId="261"/>
+            <ac:spMk id="64" creationId="{41467BDC-3D83-D844-B922-CD07E94E5AAB}"/>
+          </ac:spMkLst>
+        </pc:spChg>
+      </pc:sldChg>
+    </pc:docChg>
+  </pc:docChgLst>
+  <pc:docChgLst>
+    <pc:chgData name="Akilah Johnson" userId="S::akjohnso@adobe.com::2fa3aa60-0c9c-4d06-bae2-795983241227" providerId="AD" clId="Web-{D428A0AE-54E2-30D2-C574-7A0742876CCF}"/>
+    <pc:docChg chg="modSld">
+      <pc:chgData name="Akilah Johnson" userId="S::akjohnso@adobe.com::2fa3aa60-0c9c-4d06-bae2-795983241227" providerId="AD" clId="Web-{D428A0AE-54E2-30D2-C574-7A0742876CCF}" dt="2021-10-12T19:11:25.330" v="0" actId="20577"/>
+      <pc:docMkLst>
+        <pc:docMk/>
+      </pc:docMkLst>
+      <pc:sldChg chg="modSp">
+        <pc:chgData name="Akilah Johnson" userId="S::akjohnso@adobe.com::2fa3aa60-0c9c-4d06-bae2-795983241227" providerId="AD" clId="Web-{D428A0AE-54E2-30D2-C574-7A0742876CCF}" dt="2021-10-12T19:11:25.330" v="0" actId="20577"/>
+        <pc:sldMkLst>
+          <pc:docMk/>
+          <pc:sldMk cId="0" sldId="256"/>
+        </pc:sldMkLst>
+        <pc:spChg chg="mod">
+          <ac:chgData name="Akilah Johnson" userId="S::akjohnso@adobe.com::2fa3aa60-0c9c-4d06-bae2-795983241227" providerId="AD" clId="Web-{D428A0AE-54E2-30D2-C574-7A0742876CCF}" dt="2021-10-12T19:11:25.330" v="0" actId="20577"/>
+          <ac:spMkLst>
+            <pc:docMk/>
+            <pc:sldMk cId="0" sldId="256"/>
+            <ac:spMk id="4" creationId="{00000000-0000-0000-0000-000000000000}"/>
+          </ac:spMkLst>
+        </pc:spChg>
+      </pc:sldChg>
+    </pc:docChg>
+  </pc:docChgLst>
+  <pc:docChgLst>
+    <pc:chgData name="Andy Witt" userId="S::awitt@adobe.com::e9157bdf-53b2-40e4-9459-936793d75696" providerId="AD" clId="Web-{06B13378-B080-7F0F-51A5-F9203CEE57ED}"/>
+    <pc:docChg chg="modSld">
+      <pc:chgData name="Andy Witt" userId="S::awitt@adobe.com::e9157bdf-53b2-40e4-9459-936793d75696" providerId="AD" clId="Web-{06B13378-B080-7F0F-51A5-F9203CEE57ED}" dt="2021-08-25T22:25:13.647" v="363"/>
+      <pc:docMkLst>
+        <pc:docMk/>
+      </pc:docMkLst>
+      <pc:sldChg chg="modSp">
+        <pc:chgData name="Andy Witt" userId="S::awitt@adobe.com::e9157bdf-53b2-40e4-9459-936793d75696" providerId="AD" clId="Web-{06B13378-B080-7F0F-51A5-F9203CEE57ED}" dt="2021-08-25T22:25:13.647" v="363"/>
+        <pc:sldMkLst>
+          <pc:docMk/>
+          <pc:sldMk cId="1050037809" sldId="261"/>
+        </pc:sldMkLst>
+        <pc:graphicFrameChg chg="mod modGraphic">
+          <ac:chgData name="Andy Witt" userId="S::awitt@adobe.com::e9157bdf-53b2-40e4-9459-936793d75696" providerId="AD" clId="Web-{06B13378-B080-7F0F-51A5-F9203CEE57ED}" dt="2021-08-25T22:25:13.647" v="363"/>
+          <ac:graphicFrameMkLst>
+            <pc:docMk/>
+            <pc:sldMk cId="1050037809" sldId="261"/>
+            <ac:graphicFrameMk id="25" creationId="{3A91F5B0-3974-A14D-A146-FB590F2AAD18}"/>
+          </ac:graphicFrameMkLst>
+        </pc:graphicFrameChg>
+      </pc:sldChg>
+    </pc:docChg>
+  </pc:docChgLst>
+  <pc:docChgLst>
+    <pc:chgData name="Lauren Schutte" userId="S::schutte@adobe.com::6e08b2d3-447a-4d66-86be-444d50df187f" providerId="AD" clId="Web-{AC30C20D-1316-8ECC-DADD-39CCEC6A7FCF}"/>
+    <pc:docChg chg="modSld">
+      <pc:chgData name="Lauren Schutte" userId="S::schutte@adobe.com::6e08b2d3-447a-4d66-86be-444d50df187f" providerId="AD" clId="Web-{AC30C20D-1316-8ECC-DADD-39CCEC6A7FCF}" dt="2021-10-13T19:03:35.035" v="8" actId="1076"/>
+      <pc:docMkLst>
+        <pc:docMk/>
+      </pc:docMkLst>
+      <pc:sldChg chg="modSp">
+        <pc:chgData name="Lauren Schutte" userId="S::schutte@adobe.com::6e08b2d3-447a-4d66-86be-444d50df187f" providerId="AD" clId="Web-{AC30C20D-1316-8ECC-DADD-39CCEC6A7FCF}" dt="2021-10-13T19:03:35.035" v="8" actId="1076"/>
+        <pc:sldMkLst>
+          <pc:docMk/>
+          <pc:sldMk cId="0" sldId="256"/>
+        </pc:sldMkLst>
+        <pc:spChg chg="mod">
+          <ac:chgData name="Lauren Schutte" userId="S::schutte@adobe.com::6e08b2d3-447a-4d66-86be-444d50df187f" providerId="AD" clId="Web-{AC30C20D-1316-8ECC-DADD-39CCEC6A7FCF}" dt="2021-10-13T19:03:27.878" v="7" actId="14100"/>
+          <ac:spMkLst>
+            <pc:docMk/>
+            <pc:sldMk cId="0" sldId="256"/>
+            <ac:spMk id="3" creationId="{00000000-0000-0000-0000-000000000000}"/>
+          </ac:spMkLst>
+        </pc:spChg>
+        <pc:spChg chg="mod">
+          <ac:chgData name="Lauren Schutte" userId="S::schutte@adobe.com::6e08b2d3-447a-4d66-86be-444d50df187f" providerId="AD" clId="Web-{AC30C20D-1316-8ECC-DADD-39CCEC6A7FCF}" dt="2021-10-13T19:03:35.035" v="8" actId="1076"/>
+          <ac:spMkLst>
+            <pc:docMk/>
+            <pc:sldMk cId="0" sldId="256"/>
+            <ac:spMk id="5" creationId="{00000000-0000-0000-0000-000000000000}"/>
+          </ac:spMkLst>
+        </pc:spChg>
+      </pc:sldChg>
+    </pc:docChg>
+  </pc:docChgLst>
+  <pc:docChgLst>
+    <pc:chgData name="Akilah Johnson" userId="S::akjohnso@adobe.com::2fa3aa60-0c9c-4d06-bae2-795983241227" providerId="AD" clId="Web-{AFB92C2B-405E-C597-0988-18F97C53104C}"/>
+    <pc:docChg chg="modSld">
+      <pc:chgData name="Akilah Johnson" userId="S::akjohnso@adobe.com::2fa3aa60-0c9c-4d06-bae2-795983241227" providerId="AD" clId="Web-{AFB92C2B-405E-C597-0988-18F97C53104C}" dt="2021-09-22T18:53:26.184" v="29"/>
+      <pc:docMkLst>
+        <pc:docMk/>
+      </pc:docMkLst>
+      <pc:sldChg chg="modSp">
+        <pc:chgData name="Akilah Johnson" userId="S::akjohnso@adobe.com::2fa3aa60-0c9c-4d06-bae2-795983241227" providerId="AD" clId="Web-{AFB92C2B-405E-C597-0988-18F97C53104C}" dt="2021-09-22T18:53:26.184" v="29"/>
+        <pc:sldMkLst>
+          <pc:docMk/>
+          <pc:sldMk cId="1050037809" sldId="261"/>
+        </pc:sldMkLst>
+        <pc:spChg chg="mod">
+          <ac:chgData name="Akilah Johnson" userId="S::akjohnso@adobe.com::2fa3aa60-0c9c-4d06-bae2-795983241227" providerId="AD" clId="Web-{AFB92C2B-405E-C597-0988-18F97C53104C}" dt="2021-09-22T18:53:05.841" v="5" actId="20577"/>
+          <ac:spMkLst>
+            <pc:docMk/>
+            <pc:sldMk cId="1050037809" sldId="261"/>
+            <ac:spMk id="64" creationId="{41467BDC-3D83-D844-B922-CD07E94E5AAB}"/>
+          </ac:spMkLst>
+        </pc:spChg>
+        <pc:graphicFrameChg chg="mod modGraphic">
+          <ac:chgData name="Akilah Johnson" userId="S::akjohnso@adobe.com::2fa3aa60-0c9c-4d06-bae2-795983241227" providerId="AD" clId="Web-{AFB92C2B-405E-C597-0988-18F97C53104C}" dt="2021-09-22T18:53:26.184" v="29"/>
+          <ac:graphicFrameMkLst>
+            <pc:docMk/>
+            <pc:sldMk cId="1050037809" sldId="261"/>
+            <ac:graphicFrameMk id="25" creationId="{3A91F5B0-3974-A14D-A146-FB590F2AAD18}"/>
+          </ac:graphicFrameMkLst>
+        </pc:graphicFrameChg>
+      </pc:sldChg>
+    </pc:docChg>
+  </pc:docChgLst>
+  <pc:docChgLst>
     <pc:chgData name="Andy Witt" userId="S::awitt@adobe.com::e9157bdf-53b2-40e4-9459-936793d75696" providerId="AD" clId="Web-{CA5D33DF-AE75-BCA1-B9BC-A7CD44D2F3C7}"/>
     <pc:docChg chg="modSld">
       <pc:chgData name="Andy Witt" userId="S::awitt@adobe.com::e9157bdf-53b2-40e4-9459-936793d75696" providerId="AD" clId="Web-{CA5D33DF-AE75-BCA1-B9BC-A7CD44D2F3C7}" dt="2021-08-25T22:38:18.624" v="1" actId="1076"/>
@@ -353,110 +457,6 @@
             <ac:graphicFrameMk id="9" creationId="{00000000-0000-0000-0000-000000000000}"/>
           </ac:graphicFrameMkLst>
         </pc:graphicFrameChg>
-      </pc:sldChg>
-    </pc:docChg>
-  </pc:docChgLst>
-  <pc:docChgLst>
-    <pc:chgData name="Andy Witt" userId="S::awitt@adobe.com::e9157bdf-53b2-40e4-9459-936793d75696" providerId="AD" clId="Web-{06B13378-B080-7F0F-51A5-F9203CEE57ED}"/>
-    <pc:docChg chg="modSld">
-      <pc:chgData name="Andy Witt" userId="S::awitt@adobe.com::e9157bdf-53b2-40e4-9459-936793d75696" providerId="AD" clId="Web-{06B13378-B080-7F0F-51A5-F9203CEE57ED}" dt="2021-08-25T22:25:13.647" v="363"/>
-      <pc:docMkLst>
-        <pc:docMk/>
-      </pc:docMkLst>
-      <pc:sldChg chg="modSp">
-        <pc:chgData name="Andy Witt" userId="S::awitt@adobe.com::e9157bdf-53b2-40e4-9459-936793d75696" providerId="AD" clId="Web-{06B13378-B080-7F0F-51A5-F9203CEE57ED}" dt="2021-08-25T22:25:13.647" v="363"/>
-        <pc:sldMkLst>
-          <pc:docMk/>
-          <pc:sldMk cId="1050037809" sldId="261"/>
-        </pc:sldMkLst>
-        <pc:graphicFrameChg chg="mod modGraphic">
-          <ac:chgData name="Andy Witt" userId="S::awitt@adobe.com::e9157bdf-53b2-40e4-9459-936793d75696" providerId="AD" clId="Web-{06B13378-B080-7F0F-51A5-F9203CEE57ED}" dt="2021-08-25T22:25:13.647" v="363"/>
-          <ac:graphicFrameMkLst>
-            <pc:docMk/>
-            <pc:sldMk cId="1050037809" sldId="261"/>
-            <ac:graphicFrameMk id="25" creationId="{3A91F5B0-3974-A14D-A146-FB590F2AAD18}"/>
-          </ac:graphicFrameMkLst>
-        </pc:graphicFrameChg>
-      </pc:sldChg>
-    </pc:docChg>
-  </pc:docChgLst>
-  <pc:docChgLst>
-    <pc:chgData name="Akilah Johnson" userId="S::akjohnso@adobe.com::2fa3aa60-0c9c-4d06-bae2-795983241227" providerId="AD" clId="Web-{4D8E0410-E0CE-85E2-0F84-C1BF4F647622}"/>
-    <pc:docChg chg="modSld">
-      <pc:chgData name="Akilah Johnson" userId="S::akjohnso@adobe.com::2fa3aa60-0c9c-4d06-bae2-795983241227" providerId="AD" clId="Web-{4D8E0410-E0CE-85E2-0F84-C1BF4F647622}" dt="2021-09-22T22:57:04.802" v="5"/>
-      <pc:docMkLst>
-        <pc:docMk/>
-      </pc:docMkLst>
-      <pc:sldChg chg="modSp">
-        <pc:chgData name="Akilah Johnson" userId="S::akjohnso@adobe.com::2fa3aa60-0c9c-4d06-bae2-795983241227" providerId="AD" clId="Web-{4D8E0410-E0CE-85E2-0F84-C1BF4F647622}" dt="2021-09-22T22:57:04.802" v="5"/>
-        <pc:sldMkLst>
-          <pc:docMk/>
-          <pc:sldMk cId="1050037809" sldId="261"/>
-        </pc:sldMkLst>
-        <pc:graphicFrameChg chg="mod modGraphic">
-          <ac:chgData name="Akilah Johnson" userId="S::akjohnso@adobe.com::2fa3aa60-0c9c-4d06-bae2-795983241227" providerId="AD" clId="Web-{4D8E0410-E0CE-85E2-0F84-C1BF4F647622}" dt="2021-09-22T22:57:04.802" v="5"/>
-          <ac:graphicFrameMkLst>
-            <pc:docMk/>
-            <pc:sldMk cId="1050037809" sldId="261"/>
-            <ac:graphicFrameMk id="25" creationId="{3A91F5B0-3974-A14D-A146-FB590F2AAD18}"/>
-          </ac:graphicFrameMkLst>
-        </pc:graphicFrameChg>
-      </pc:sldChg>
-    </pc:docChg>
-  </pc:docChgLst>
-  <pc:docChgLst>
-    <pc:chgData name="Lauren Schutte" userId="S::schutte@adobe.com::6e08b2d3-447a-4d66-86be-444d50df187f" providerId="AD" clId="Web-{AC30C20D-1316-8ECC-DADD-39CCEC6A7FCF}"/>
-    <pc:docChg chg="modSld">
-      <pc:chgData name="Lauren Schutte" userId="S::schutte@adobe.com::6e08b2d3-447a-4d66-86be-444d50df187f" providerId="AD" clId="Web-{AC30C20D-1316-8ECC-DADD-39CCEC6A7FCF}" dt="2021-10-13T19:03:35.035" v="8" actId="1076"/>
-      <pc:docMkLst>
-        <pc:docMk/>
-      </pc:docMkLst>
-      <pc:sldChg chg="modSp">
-        <pc:chgData name="Lauren Schutte" userId="S::schutte@adobe.com::6e08b2d3-447a-4d66-86be-444d50df187f" providerId="AD" clId="Web-{AC30C20D-1316-8ECC-DADD-39CCEC6A7FCF}" dt="2021-10-13T19:03:35.035" v="8" actId="1076"/>
-        <pc:sldMkLst>
-          <pc:docMk/>
-          <pc:sldMk cId="0" sldId="256"/>
-        </pc:sldMkLst>
-        <pc:spChg chg="mod">
-          <ac:chgData name="Lauren Schutte" userId="S::schutte@adobe.com::6e08b2d3-447a-4d66-86be-444d50df187f" providerId="AD" clId="Web-{AC30C20D-1316-8ECC-DADD-39CCEC6A7FCF}" dt="2021-10-13T19:03:27.878" v="7" actId="14100"/>
-          <ac:spMkLst>
-            <pc:docMk/>
-            <pc:sldMk cId="0" sldId="256"/>
-            <ac:spMk id="3" creationId="{00000000-0000-0000-0000-000000000000}"/>
-          </ac:spMkLst>
-        </pc:spChg>
-        <pc:spChg chg="mod">
-          <ac:chgData name="Lauren Schutte" userId="S::schutte@adobe.com::6e08b2d3-447a-4d66-86be-444d50df187f" providerId="AD" clId="Web-{AC30C20D-1316-8ECC-DADD-39CCEC6A7FCF}" dt="2021-10-13T19:03:35.035" v="8" actId="1076"/>
-          <ac:spMkLst>
-            <pc:docMk/>
-            <pc:sldMk cId="0" sldId="256"/>
-            <ac:spMk id="5" creationId="{00000000-0000-0000-0000-000000000000}"/>
-          </ac:spMkLst>
-        </pc:spChg>
-      </pc:sldChg>
-    </pc:docChg>
-  </pc:docChgLst>
-  <pc:docChgLst>
-    <pc:chgData name="Akilah Johnson" userId="S::akjohnso@adobe.com::2fa3aa60-0c9c-4d06-bae2-795983241227" providerId="AD" clId="Web-{D428A0AE-54E2-30D2-C574-7A0742876CCF}"/>
-    <pc:docChg chg="modSld">
-      <pc:chgData name="Akilah Johnson" userId="S::akjohnso@adobe.com::2fa3aa60-0c9c-4d06-bae2-795983241227" providerId="AD" clId="Web-{D428A0AE-54E2-30D2-C574-7A0742876CCF}" dt="2021-10-12T19:11:25.330" v="0" actId="20577"/>
-      <pc:docMkLst>
-        <pc:docMk/>
-      </pc:docMkLst>
-      <pc:sldChg chg="modSp">
-        <pc:chgData name="Akilah Johnson" userId="S::akjohnso@adobe.com::2fa3aa60-0c9c-4d06-bae2-795983241227" providerId="AD" clId="Web-{D428A0AE-54E2-30D2-C574-7A0742876CCF}" dt="2021-10-12T19:11:25.330" v="0" actId="20577"/>
-        <pc:sldMkLst>
-          <pc:docMk/>
-          <pc:sldMk cId="0" sldId="256"/>
-        </pc:sldMkLst>
-        <pc:spChg chg="mod">
-          <ac:chgData name="Akilah Johnson" userId="S::akjohnso@adobe.com::2fa3aa60-0c9c-4d06-bae2-795983241227" providerId="AD" clId="Web-{D428A0AE-54E2-30D2-C574-7A0742876CCF}" dt="2021-10-12T19:11:25.330" v="0" actId="20577"/>
-          <ac:spMkLst>
-            <pc:docMk/>
-            <pc:sldMk cId="0" sldId="256"/>
-            <ac:spMk id="4" creationId="{00000000-0000-0000-0000-000000000000}"/>
-          </ac:spMkLst>
-        </pc:spChg>
       </pc:sldChg>
     </pc:docChg>
   </pc:docChgLst>
@@ -545,7 +545,7 @@
           <a:p>
             <a:fld id="{FB81873C-0B24-F04A-98A1-90E0A78F7E8A}" type="datetimeFigureOut">
               <a:rPr lang="en-US" smtClean="0"/>
-              <a:t>1/20/22</a:t>
+              <a:t>2/15/2022</a:t>
             </a:fld>
             <a:endParaRPr lang="en-US"/>
           </a:p>
@@ -1168,7 +1168,7 @@
           <a:p>
             <a:fld id="{1D8BD707-D9CF-40AE-B4C6-C98DA3205C09}" type="datetimeFigureOut">
               <a:rPr lang="en-US"/>
-              <a:t>1/20/22</a:t>
+              <a:t>2/15/2022</a:t>
             </a:fld>
             <a:endParaRPr lang="en-US"/>
           </a:p>
@@ -1360,7 +1360,7 @@
           <a:p>
             <a:fld id="{1D8BD707-D9CF-40AE-B4C6-C98DA3205C09}" type="datetimeFigureOut">
               <a:rPr lang="en-US"/>
-              <a:t>1/20/22</a:t>
+              <a:t>2/15/2022</a:t>
             </a:fld>
             <a:endParaRPr lang="en-US"/>
           </a:p>
@@ -1678,7 +1678,7 @@
           <a:p>
             <a:fld id="{1D8BD707-D9CF-40AE-B4C6-C98DA3205C09}" type="datetimeFigureOut">
               <a:rPr lang="en-US"/>
-              <a:t>1/20/22</a:t>
+              <a:t>2/15/2022</a:t>
             </a:fld>
             <a:endParaRPr lang="en-US"/>
           </a:p>
@@ -1932,8 +1932,8 @@
         </p:nvSpPr>
         <p:spPr>
           <a:xfrm>
-            <a:off x="168565" y="7162363"/>
-            <a:ext cx="2800350" cy="238760"/>
+            <a:off x="168564" y="7162363"/>
+            <a:ext cx="4001099" cy="227626"/>
           </a:xfrm>
           <a:prstGeom prst="rect">
             <a:avLst/>
@@ -1954,7 +1954,7 @@
               </a:spcBef>
             </a:pPr>
             <a:r>
-              <a:rPr sz="1400" b="1" u="heavy" spc="10">
+              <a:rPr lang="es-ES" sz="1400" b="1" u="heavy" dirty="0">
                 <a:solidFill>
                   <a:srgbClr val="020302"/>
                 </a:solidFill>
@@ -1966,87 +1966,8 @@
                 <a:latin typeface="Adobe Clean"/>
                 <a:cs typeface="Adobe Clean"/>
               </a:rPr>
-              <a:t>Service </a:t>
+              <a:t>Destinatarios de nivel de servicio: Respuesta inicial</a:t>
             </a:r>
-            <a:r>
-              <a:rPr sz="1400" b="1" u="heavy" spc="-10">
-                <a:solidFill>
-                  <a:srgbClr val="020302"/>
-                </a:solidFill>
-                <a:uFill>
-                  <a:solidFill>
-                    <a:srgbClr val="020302"/>
-                  </a:solidFill>
-                </a:uFill>
-                <a:latin typeface="Adobe Clean"/>
-                <a:cs typeface="Adobe Clean"/>
-              </a:rPr>
-              <a:t>Level </a:t>
-            </a:r>
-            <a:r>
-              <a:rPr sz="1400" b="1" u="heavy" spc="-45">
-                <a:solidFill>
-                  <a:srgbClr val="020302"/>
-                </a:solidFill>
-                <a:uFill>
-                  <a:solidFill>
-                    <a:srgbClr val="020302"/>
-                  </a:solidFill>
-                </a:uFill>
-                <a:latin typeface="Adobe Clean"/>
-                <a:cs typeface="Adobe Clean"/>
-              </a:rPr>
-              <a:t>Targets: </a:t>
-            </a:r>
-            <a:r>
-              <a:rPr sz="1400" b="1" u="heavy" spc="-10">
-                <a:solidFill>
-                  <a:srgbClr val="020302"/>
-                </a:solidFill>
-                <a:uFill>
-                  <a:solidFill>
-                    <a:srgbClr val="020302"/>
-                  </a:solidFill>
-                </a:uFill>
-                <a:latin typeface="Adobe Clean"/>
-                <a:cs typeface="Adobe Clean"/>
-              </a:rPr>
-              <a:t>Initial</a:t>
-            </a:r>
-            <a:r>
-              <a:rPr sz="1400" b="1" u="heavy" spc="-140">
-                <a:solidFill>
-                  <a:srgbClr val="020302"/>
-                </a:solidFill>
-                <a:uFill>
-                  <a:solidFill>
-                    <a:srgbClr val="020302"/>
-                  </a:solidFill>
-                </a:uFill>
-                <a:latin typeface="Adobe Clean"/>
-                <a:cs typeface="Adobe Clean"/>
-              </a:rPr>
-              <a:t> </a:t>
-            </a:r>
-            <a:r>
-              <a:rPr sz="1400" b="1" u="heavy" spc="-15">
-                <a:solidFill>
-                  <a:srgbClr val="020302"/>
-                </a:solidFill>
-                <a:uFill>
-                  <a:solidFill>
-                    <a:srgbClr val="020302"/>
-                  </a:solidFill>
-                </a:uFill>
-                <a:latin typeface="Adobe Clean"/>
-                <a:cs typeface="Adobe Clean"/>
-              </a:rPr>
-              <a:t>Response</a:t>
-            </a:r>
-            <a:endParaRPr sz="1400">
-              <a:latin typeface="Adobe Clean"/>
-              <a:cs typeface="Adobe Clean"/>
-            </a:endParaRPr>
           </a:p>
         </p:txBody>
       </p:sp>
@@ -2113,20 +2034,11 @@
               </a:spcBef>
             </a:pPr>
             <a:r>
-              <a:rPr sz="2300">
+              <a:rPr lang="es-ES" sz="2300" dirty="0">
                 <a:latin typeface="Adobe Clean"/>
               </a:rPr>
-              <a:t>ADOBE </a:t>
+              <a:t>PLANES DE SOPORTE DE ADOBE</a:t>
             </a:r>
-            <a:r>
-              <a:rPr lang="en-US" sz="2300">
-                <a:latin typeface="Adobe Clean"/>
-              </a:rPr>
-              <a:t>SUPPORT PLANS</a:t>
-            </a:r>
-            <a:endParaRPr sz="2300">
-              <a:latin typeface="Adobe Clean" panose="020B0503020404020204" pitchFamily="34" charset="0"/>
-            </a:endParaRPr>
           </a:p>
         </p:txBody>
       </p:sp>
@@ -2160,7 +2072,7 @@
               </a:spcBef>
             </a:pPr>
             <a:r>
-              <a:rPr lang="en-US" sz="900" dirty="0">
+              <a:rPr lang="es-ES" sz="900" dirty="0">
                 <a:solidFill>
                   <a:schemeClr val="bg1"/>
                 </a:solidFill>
@@ -2169,7 +2081,7 @@
               <a:t>Standard | </a:t>
             </a:r>
             <a:r>
-              <a:rPr lang="en-US" sz="900" b="1" dirty="0">
+              <a:rPr lang="es-ES" sz="900" b="1" dirty="0">
                 <a:solidFill>
                   <a:schemeClr val="bg1"/>
                 </a:solidFill>
@@ -2178,7 +2090,7 @@
               <a:t>Business</a:t>
             </a:r>
             <a:r>
-              <a:rPr lang="en-US" sz="900" dirty="0">
+              <a:rPr lang="es-ES" sz="900" dirty="0">
                 <a:solidFill>
                   <a:schemeClr val="bg1"/>
                 </a:solidFill>
@@ -2197,21 +2109,50 @@
               </a:spcBef>
             </a:pPr>
             <a:r>
-              <a:rPr lang="en-US" sz="900" dirty="0">
+              <a:rPr lang="es-ES" sz="900" dirty="0">
                 <a:solidFill>
                   <a:schemeClr val="bg1"/>
                 </a:solidFill>
                 <a:latin typeface="Adobe Clean SemiLight" panose="020B0403020404020204" pitchFamily="34" charset="0"/>
               </a:rPr>
-              <a:t>Adobe provides a comprehensive range of technical resources to help support your business, included as part of your Experience Cloud license subscription and enhanced in the BUSINESS support package. BUSINESS support includes access to personalized learning paths and monitored community forums via the Adobe Experience League. You can also take advantage of our detailed and in-depth technical product documentation and current release notes. BUSINESS customers also benefit from access to our technical support teams for any product query via either the telephone or the support web portal, to help protect your business at the most critical times. BUSINESS customers will receive regular communications and updates from their Account Support Lead in addition to support case escalation management for your most critical of support requests. </a:t>
+              <a:t>Adobe ofrece una amplia variedad de recursos técnicos para ayudar a su negocio, incluidos como parte de su suscripción de licencia de </a:t>
             </a:r>
-            <a:endParaRPr lang="en-US" sz="900" dirty="0">
-              <a:solidFill>
-                <a:schemeClr val="bg1"/>
-              </a:solidFill>
-              <a:latin typeface="Adobe Clean Light" panose="020B0303020404020204" pitchFamily="34" charset="0"/>
-              <a:cs typeface="AdobeClean-Light"/>
-            </a:endParaRPr>
+            <a:r>
+              <a:rPr lang="es-ES" sz="900" dirty="0" err="1">
+                <a:solidFill>
+                  <a:schemeClr val="bg1"/>
+                </a:solidFill>
+                <a:latin typeface="Adobe Clean SemiLight" panose="020B0403020404020204" pitchFamily="34" charset="0"/>
+              </a:rPr>
+              <a:t>Experience</a:t>
+            </a:r>
+            <a:r>
+              <a:rPr lang="es-ES" sz="900" dirty="0">
+                <a:solidFill>
+                  <a:schemeClr val="bg1"/>
+                </a:solidFill>
+                <a:latin typeface="Adobe Clean SemiLight" panose="020B0403020404020204" pitchFamily="34" charset="0"/>
+              </a:rPr>
+              <a:t> Cloud y mejorados en el paquete de soporte BUSINESS. El paquete BUSINESS incluye acceso a rutas de aprendizaje personalizadas y foros de la comunidad monitorizados a través de Adobe </a:t>
+            </a:r>
+            <a:r>
+              <a:rPr lang="es-ES" sz="900" dirty="0" err="1">
+                <a:solidFill>
+                  <a:schemeClr val="bg1"/>
+                </a:solidFill>
+                <a:latin typeface="Adobe Clean SemiLight" panose="020B0403020404020204" pitchFamily="34" charset="0"/>
+              </a:rPr>
+              <a:t>Experience</a:t>
+            </a:r>
+            <a:r>
+              <a:rPr lang="es-ES" sz="900" dirty="0">
+                <a:solidFill>
+                  <a:schemeClr val="bg1"/>
+                </a:solidFill>
+                <a:latin typeface="Adobe Clean SemiLight" panose="020B0403020404020204" pitchFamily="34" charset="0"/>
+              </a:rPr>
+              <a:t> League. También puede disfrutar de documentación técnica completa y detallada sobre productos y notas de la versión actual. Los clientes del paquete BUSINESS también pueden acceder a nuestros equipos de soporte técnico si tienen alguna duda con su producto, ya sea a través del teléfono o mediante el portal de asistencia en línea, para proteger su negocio en los momentos más importantes. Los clientes del paquete BUSINESS recibirán notificaciones periódicas y actualizaciones del responsable de asistencia técnica de la cuenta para ayudar en la administración de casos de soporte de las solicitudes más esenciales. </a:t>
+            </a:r>
           </a:p>
         </p:txBody>
       </p:sp>
@@ -2278,24 +2219,8 @@
               </a:spcBef>
             </a:pPr>
             <a:r>
-              <a:rPr spc="-5"/>
-              <a:t>©202</a:t>
-            </a:r>
-            <a:r>
-              <a:rPr lang="en-US" spc="-5"/>
-              <a:t>1</a:t>
-            </a:r>
-            <a:r>
-              <a:rPr spc="-5"/>
-              <a:t> Adobe. All Rights Reserved. Adobe</a:t>
-            </a:r>
-            <a:r>
-              <a:rPr spc="60"/>
-              <a:t> </a:t>
-            </a:r>
-            <a:r>
-              <a:rPr spc="-5"/>
-              <a:t>Confidential.</a:t>
+              <a:rPr lang="es-ES"/>
+              <a:t>©2021 Adobe. All Rights Reserved. Adobe Confidential.</a:t>
             </a:r>
           </a:p>
         </p:txBody>
@@ -2309,14 +2234,14 @@
           <p:nvPr>
             <p:extLst>
               <p:ext uri="{D42A27DB-BD31-4B8C-83A1-F6EECF244321}">
-                <p14:modId xmlns:p14="http://schemas.microsoft.com/office/powerpoint/2010/main" val="2485809364"/>
+                <p14:modId xmlns:p14="http://schemas.microsoft.com/office/powerpoint/2010/main" val="3660936810"/>
               </p:ext>
             </p:extLst>
           </p:nvPr>
         </p:nvGraphicFramePr>
         <p:xfrm>
           <a:off x="118872" y="7475985"/>
-          <a:ext cx="7498851" cy="2223598"/>
+          <a:ext cx="7498851" cy="2350563"/>
         </p:xfrm>
         <a:graphic>
           <a:graphicData uri="http://schemas.openxmlformats.org/drawingml/2006/table">
@@ -2362,19 +2287,15 @@
                         </a:spcBef>
                       </a:pPr>
                       <a:r>
-                        <a:rPr sz="900" spc="0">
+                        <a:rPr lang="es-ES" sz="900">
                           <a:solidFill>
                             <a:srgbClr val="020302"/>
                           </a:solidFill>
                           <a:latin typeface="Adobe Clean"/>
                           <a:cs typeface="Adobe Clean"/>
                         </a:rPr>
-                        <a:t>Priority</a:t>
+                        <a:t>Prioridad</a:t>
                       </a:r>
-                      <a:endParaRPr sz="900" spc="0">
-                        <a:latin typeface="Adobe Clean"/>
-                        <a:cs typeface="Adobe Clean"/>
-                      </a:endParaRPr>
                     </a:p>
                   </a:txBody>
                   <a:tcPr marL="0" marR="0" marT="7620" marB="0">
@@ -2421,29 +2342,15 @@
                         </a:spcBef>
                       </a:pPr>
                       <a:r>
-                        <a:rPr lang="en-US" sz="900" spc="0" dirty="0">
+                        <a:rPr lang="es-ES" sz="900">
                           <a:solidFill>
                             <a:srgbClr val="020302"/>
                           </a:solidFill>
                           <a:latin typeface="Adobe Clean"/>
                           <a:cs typeface="Adobe Clean"/>
                         </a:rPr>
-                        <a:t>Standard</a:t>
+                        <a:t>Soporte Standard</a:t>
                       </a:r>
-                      <a:r>
-                        <a:rPr sz="900" spc="0" dirty="0">
-                          <a:solidFill>
-                            <a:srgbClr val="020302"/>
-                          </a:solidFill>
-                          <a:latin typeface="Adobe Clean"/>
-                          <a:cs typeface="Adobe Clean"/>
-                        </a:rPr>
-                        <a:t> Support</a:t>
-                      </a:r>
-                      <a:endParaRPr sz="900" spc="0" dirty="0">
-                        <a:latin typeface="Adobe Clean"/>
-                        <a:cs typeface="Adobe Clean"/>
-                      </a:endParaRPr>
                     </a:p>
                   </a:txBody>
                   <a:tcPr marL="182880" marT="91440" anchor="ctr">
@@ -2490,39 +2397,15 @@
                         </a:spcBef>
                       </a:pPr>
                       <a:r>
-                        <a:rPr sz="900" spc="0">
+                        <a:rPr lang="es-ES" sz="900">
                           <a:solidFill>
                             <a:srgbClr val="FFFFFF"/>
                           </a:solidFill>
                           <a:latin typeface="Adobe Clean"/>
                           <a:cs typeface="Adobe Clean"/>
                         </a:rPr>
-                        <a:t>Business</a:t>
+                        <a:t>Soporte Business</a:t>
                       </a:r>
-                      <a:r>
-                        <a:rPr lang="en-US" sz="900" spc="0">
-                          <a:solidFill>
-                            <a:srgbClr val="FFFFFF"/>
-                          </a:solidFill>
-                          <a:latin typeface="Adobe Clean"/>
-                          <a:cs typeface="Adobe Clean"/>
-                        </a:rPr>
-                        <a:t> </a:t>
-                      </a:r>
-                      <a:r>
-                        <a:rPr sz="900" spc="0">
-                          <a:solidFill>
-                            <a:srgbClr val="FFFFFF"/>
-                          </a:solidFill>
-                          <a:latin typeface="Adobe Clean"/>
-                          <a:cs typeface="Adobe Clean"/>
-                        </a:rPr>
-                        <a:t>Support</a:t>
-                      </a:r>
-                      <a:endParaRPr sz="900" spc="0">
-                        <a:latin typeface="Adobe Clean"/>
-                        <a:cs typeface="Adobe Clean"/>
-                      </a:endParaRPr>
                     </a:p>
                   </a:txBody>
                   <a:tcPr marL="182880" marT="91440" anchor="ctr">
@@ -2576,19 +2459,15 @@
                         </a:spcBef>
                       </a:pPr>
                       <a:r>
-                        <a:rPr sz="900" b="1" spc="0">
+                        <a:rPr lang="es-ES" sz="900" b="1" dirty="0">
                           <a:solidFill>
                             <a:srgbClr val="020302"/>
                           </a:solidFill>
                           <a:latin typeface="Adobe Clean"/>
                           <a:cs typeface="Adobe Clean"/>
                         </a:rPr>
-                        <a:t>PRIORITY 1</a:t>
+                        <a:t>PRIORIDAD 1</a:t>
                       </a:r>
-                      <a:endParaRPr sz="900" spc="0">
-                        <a:latin typeface="Adobe Clean"/>
-                        <a:cs typeface="Adobe Clean"/>
-                      </a:endParaRPr>
                     </a:p>
                     <a:p>
                       <a:pPr marL="50800" marR="387985" lvl="0" indent="0" algn="l" defTabSz="914400" rtl="0" eaLnBrk="1" fontAlgn="auto" latinLnBrk="0" hangingPunct="1">
@@ -2609,19 +2488,31 @@
                         <a:defRPr/>
                       </a:pPr>
                       <a:r>
-                        <a:rPr lang="en-US" sz="900" b="0" i="0" spc="0">
+                        <a:rPr lang="es-ES" sz="900" b="0" i="0" dirty="0">
                           <a:solidFill>
                             <a:srgbClr val="000000"/>
                           </a:solidFill>
-                          <a:effectLst/>
                           <a:latin typeface="Adobe Clean Light" panose="020B0303020404020204" pitchFamily="34" charset="0"/>
                         </a:rPr>
-                        <a:t>Customer's production business functions are down or have significant data loss or service degradation and immediate attention is required to restore functionality and usability</a:t>
+                        <a:t>Las funciones empresariales de producción del cliente no están activadas o pierden datos </a:t>
                       </a:r>
-                      <a:endParaRPr lang="en-US" sz="900" b="0" i="0" spc="0">
-                        <a:latin typeface="Adobe Clean Light" panose="020B0303020404020204" pitchFamily="34" charset="0"/>
-                        <a:cs typeface="AdobeClean-Light"/>
-                      </a:endParaRPr>
+                      <a:br>
+                        <a:rPr lang="es-ES" sz="900" b="0" i="0" dirty="0">
+                          <a:solidFill>
+                            <a:srgbClr val="000000"/>
+                          </a:solidFill>
+                          <a:latin typeface="Adobe Clean Light" panose="020B0303020404020204" pitchFamily="34" charset="0"/>
+                        </a:rPr>
+                      </a:br>
+                      <a:r>
+                        <a:rPr lang="es-ES" sz="900" b="0" i="0" dirty="0">
+                          <a:solidFill>
+                            <a:srgbClr val="000000"/>
+                          </a:solidFill>
+                          <a:latin typeface="Adobe Clean Light" panose="020B0303020404020204" pitchFamily="34" charset="0"/>
+                        </a:rPr>
+                        <a:t>o presentan una degradación del servicio significativa, por lo que se requiere atención inmediata para restaurar la funcionalidad y facilidad de uso.</a:t>
+                      </a:r>
                     </a:p>
                   </a:txBody>
                   <a:tcPr marL="0" marR="0" marT="3810" marB="0">
@@ -2665,59 +2556,15 @@
                         </a:spcBef>
                       </a:pPr>
                       <a:r>
-                        <a:rPr sz="900" spc="0">
+                        <a:rPr lang="es-ES" sz="900">
                           <a:solidFill>
                             <a:srgbClr val="020302"/>
                           </a:solidFill>
                           <a:latin typeface="AdobeClean-Light"/>
                           <a:cs typeface="AdobeClean-Light"/>
                         </a:rPr>
-                        <a:t>24x7</a:t>
+                        <a:t>24x7 / 1 hora</a:t>
                       </a:r>
-                      <a:r>
-                        <a:rPr lang="en-US" sz="900" spc="0">
-                          <a:solidFill>
-                            <a:srgbClr val="020302"/>
-                          </a:solidFill>
-                          <a:latin typeface="AdobeClean-Light"/>
-                          <a:cs typeface="AdobeClean-Light"/>
-                        </a:rPr>
-                        <a:t> </a:t>
-                      </a:r>
-                      <a:r>
-                        <a:rPr sz="900" spc="0">
-                          <a:solidFill>
-                            <a:srgbClr val="020302"/>
-                          </a:solidFill>
-                          <a:latin typeface="AdobeClean-Light"/>
-                          <a:cs typeface="AdobeClean-Light"/>
-                        </a:rPr>
-                        <a:t>/</a:t>
-                      </a:r>
-                      <a:r>
-                        <a:rPr lang="en-US" sz="900" spc="0">
-                          <a:solidFill>
-                            <a:srgbClr val="020302"/>
-                          </a:solidFill>
-                          <a:latin typeface="AdobeClean-Light"/>
-                          <a:cs typeface="AdobeClean-Light"/>
-                        </a:rPr>
-                        <a:t> </a:t>
-                      </a:r>
-                      <a:r>
-                        <a:rPr sz="900" spc="0">
-                          <a:solidFill>
-                            <a:srgbClr val="020302"/>
-                          </a:solidFill>
-                          <a:latin typeface="AdobeClean-Light"/>
-                          <a:cs typeface="AdobeClean-Light"/>
-                        </a:rPr>
-                        <a:t>1 hour</a:t>
-                      </a:r>
-                      <a:endParaRPr sz="900" spc="0">
-                        <a:latin typeface="AdobeClean-Light"/>
-                        <a:cs typeface="AdobeClean-Light"/>
-                      </a:endParaRPr>
                     </a:p>
                   </a:txBody>
                   <a:tcPr marL="0" marR="0" marT="91440" marB="91440" anchor="ctr" anchorCtr="1">
@@ -2761,59 +2608,15 @@
                         </a:spcBef>
                       </a:pPr>
                       <a:r>
-                        <a:rPr sz="900" spc="0">
+                        <a:rPr lang="es-ES" sz="900" dirty="0">
                           <a:solidFill>
                             <a:srgbClr val="020302"/>
                           </a:solidFill>
                           <a:latin typeface="AdobeClean-Light"/>
                           <a:cs typeface="AdobeClean-Light"/>
                         </a:rPr>
-                        <a:t>24x7</a:t>
+                        <a:t>24x7 / 1 hora</a:t>
                       </a:r>
-                      <a:r>
-                        <a:rPr lang="en-US" sz="900" spc="0">
-                          <a:solidFill>
-                            <a:srgbClr val="020302"/>
-                          </a:solidFill>
-                          <a:latin typeface="AdobeClean-Light"/>
-                          <a:cs typeface="AdobeClean-Light"/>
-                        </a:rPr>
-                        <a:t> </a:t>
-                      </a:r>
-                      <a:r>
-                        <a:rPr sz="900" spc="0">
-                          <a:solidFill>
-                            <a:srgbClr val="020302"/>
-                          </a:solidFill>
-                          <a:latin typeface="AdobeClean-Light"/>
-                          <a:cs typeface="AdobeClean-Light"/>
-                        </a:rPr>
-                        <a:t>/</a:t>
-                      </a:r>
-                      <a:r>
-                        <a:rPr lang="en-US" sz="900" spc="0">
-                          <a:solidFill>
-                            <a:srgbClr val="020302"/>
-                          </a:solidFill>
-                          <a:latin typeface="AdobeClean-Light"/>
-                          <a:cs typeface="AdobeClean-Light"/>
-                        </a:rPr>
-                        <a:t> </a:t>
-                      </a:r>
-                      <a:r>
-                        <a:rPr sz="900" spc="0">
-                          <a:solidFill>
-                            <a:srgbClr val="020302"/>
-                          </a:solidFill>
-                          <a:latin typeface="AdobeClean-Light"/>
-                          <a:cs typeface="AdobeClean-Light"/>
-                        </a:rPr>
-                        <a:t>1 hour</a:t>
-                      </a:r>
-                      <a:endParaRPr sz="900" spc="0">
-                        <a:latin typeface="AdobeClean-Light"/>
-                        <a:cs typeface="AdobeClean-Light"/>
-                      </a:endParaRPr>
                     </a:p>
                   </a:txBody>
                   <a:tcPr marL="0" marR="0" marT="91440" marB="91440" anchor="ctr" anchorCtr="1">
@@ -2869,19 +2672,15 @@
                         </a:spcBef>
                       </a:pPr>
                       <a:r>
-                        <a:rPr sz="900" b="1" spc="0">
+                        <a:rPr lang="es-ES" sz="900" b="1" dirty="0">
                           <a:solidFill>
                             <a:srgbClr val="020302"/>
                           </a:solidFill>
                           <a:latin typeface="Adobe Clean"/>
                           <a:cs typeface="Adobe Clean"/>
                         </a:rPr>
-                        <a:t>PRIORITY 2</a:t>
+                        <a:t>PRIORIDAD 2</a:t>
                       </a:r>
-                      <a:endParaRPr sz="900" spc="0">
-                        <a:latin typeface="Adobe Clean"/>
-                        <a:cs typeface="Adobe Clean"/>
-                      </a:endParaRPr>
                     </a:p>
                     <a:p>
                       <a:pPr marL="50165" marR="203200">
@@ -2893,19 +2692,14 @@
                         </a:spcBef>
                       </a:pPr>
                       <a:r>
-                        <a:rPr lang="en-US" sz="900" b="0" i="0" spc="0">
+                        <a:rPr lang="es-ES" sz="900" b="0" i="0" dirty="0">
                           <a:solidFill>
                             <a:srgbClr val="000000"/>
                           </a:solidFill>
-                          <a:effectLst/>
                           <a:latin typeface="Adobe Clean Light" panose="020B0303020404020204" pitchFamily="34" charset="0"/>
                         </a:rPr>
-                        <a:t>Customer's business functions have major service degradation or potential data loss, or a major feature is impacted </a:t>
+                        <a:t>Las funciones empresariales del cliente presentan una importante degradación del servicio o hay una posible pérdida de datos, o una función clave se está viendo afectada. </a:t>
                       </a:r>
-                      <a:endParaRPr lang="en-US" sz="900" b="0" i="0" spc="0">
-                        <a:latin typeface="Adobe Clean Light" panose="020B0303020404020204" pitchFamily="34" charset="0"/>
-                        <a:cs typeface="AdobeClean-Light"/>
-                      </a:endParaRPr>
                     </a:p>
                   </a:txBody>
                   <a:tcPr marL="0" marR="0" marT="3810" marB="0">
@@ -2940,7 +2734,7 @@
                     <a:bodyPr/>
                     <a:lstStyle/>
                     <a:p>
-                      <a:pPr marL="316865" marR="184785" indent="-193675" algn="ctr">
+                      <a:pPr marL="0" marR="184785" indent="0" algn="ctr">
                         <a:lnSpc>
                           <a:spcPct val="100000"/>
                         </a:lnSpc>
@@ -2949,79 +2743,34 @@
                         </a:spcBef>
                       </a:pPr>
                       <a:r>
-                        <a:rPr sz="900" spc="0">
+                        <a:rPr lang="es-ES" sz="900" dirty="0">
                           <a:solidFill>
                             <a:srgbClr val="020302"/>
                           </a:solidFill>
                           <a:latin typeface="AdobeClean-Light"/>
                           <a:cs typeface="AdobeClean-Light"/>
                         </a:rPr>
-                        <a:t>Business</a:t>
+                        <a:t>Horario de trabajo / </a:t>
                       </a:r>
-                      <a:r>
-                        <a:rPr lang="en-US" sz="900" spc="0">
+                      <a:br>
+                        <a:rPr lang="es-ES" sz="900" dirty="0">
                           <a:solidFill>
                             <a:srgbClr val="020302"/>
                           </a:solidFill>
                           <a:latin typeface="AdobeClean-Light"/>
                           <a:cs typeface="AdobeClean-Light"/>
                         </a:rPr>
-                        <a:t> </a:t>
-                      </a:r>
+                      </a:br>
                       <a:r>
-                        <a:rPr sz="900" spc="0">
+                        <a:rPr lang="es-ES" sz="900" dirty="0">
                           <a:solidFill>
                             <a:srgbClr val="020302"/>
                           </a:solidFill>
                           <a:latin typeface="AdobeClean-Light"/>
                           <a:cs typeface="AdobeClean-Light"/>
                         </a:rPr>
-                        <a:t>hours</a:t>
+                        <a:t>4 horas</a:t>
                       </a:r>
-                      <a:r>
-                        <a:rPr lang="en-US" sz="900" spc="0">
-                          <a:solidFill>
-                            <a:srgbClr val="020302"/>
-                          </a:solidFill>
-                          <a:latin typeface="AdobeClean-Light"/>
-                          <a:cs typeface="AdobeClean-Light"/>
-                        </a:rPr>
-                        <a:t> </a:t>
-                      </a:r>
-                      <a:r>
-                        <a:rPr sz="900" spc="0">
-                          <a:solidFill>
-                            <a:srgbClr val="020302"/>
-                          </a:solidFill>
-                          <a:latin typeface="AdobeClean-Light"/>
-                          <a:cs typeface="AdobeClean-Light"/>
-                        </a:rPr>
-                        <a:t>/</a:t>
-                      </a:r>
-                      <a:r>
-                        <a:rPr lang="en-US" sz="900" spc="0">
-                          <a:solidFill>
-                            <a:srgbClr val="020302"/>
-                          </a:solidFill>
-                          <a:latin typeface="AdobeClean-Light"/>
-                          <a:cs typeface="AdobeClean-Light"/>
-                        </a:rPr>
-                        <a:t> </a:t>
-                      </a:r>
-                      <a:r>
-                        <a:rPr sz="900" spc="0">
-                          <a:solidFill>
-                            <a:srgbClr val="020302"/>
-                          </a:solidFill>
-                          <a:latin typeface="AdobeClean-Light"/>
-                          <a:cs typeface="AdobeClean-Light"/>
-                        </a:rPr>
-                        <a:t>4 hours</a:t>
-                      </a:r>
-                      <a:endParaRPr sz="900" spc="0">
-                        <a:latin typeface="AdobeClean-Light"/>
-                        <a:cs typeface="AdobeClean-Light"/>
-                      </a:endParaRPr>
                     </a:p>
                   </a:txBody>
                   <a:tcPr marL="0" marR="0" marT="91440" marB="91440" anchor="ctr" anchorCtr="1">
@@ -3056,7 +2805,7 @@
                     <a:bodyPr/>
                     <a:lstStyle/>
                     <a:p>
-                      <a:pPr marL="317500" marR="184785" indent="-194310" algn="ctr">
+                      <a:pPr marL="0" marR="184785" indent="0" algn="ctr">
                         <a:lnSpc>
                           <a:spcPct val="100000"/>
                         </a:lnSpc>
@@ -3065,89 +2814,34 @@
                         </a:spcBef>
                       </a:pPr>
                       <a:r>
-                        <a:rPr lang="en-US" sz="900" spc="0">
+                        <a:rPr lang="es-ES" sz="900" dirty="0">
                           <a:solidFill>
                             <a:srgbClr val="020302"/>
                           </a:solidFill>
                           <a:latin typeface="AdobeClean-Light"/>
                           <a:cs typeface="AdobeClean-Light"/>
                         </a:rPr>
-                        <a:t>    </a:t>
+                        <a:t>    Horario de trabajo / </a:t>
                       </a:r>
-                      <a:r>
-                        <a:rPr sz="900" spc="0">
+                      <a:br>
+                        <a:rPr lang="es-ES" sz="900" dirty="0">
                           <a:solidFill>
                             <a:srgbClr val="020302"/>
                           </a:solidFill>
                           <a:latin typeface="AdobeClean-Light"/>
                           <a:cs typeface="AdobeClean-Light"/>
                         </a:rPr>
-                        <a:t>Business</a:t>
-                      </a:r>
+                      </a:br>
                       <a:r>
-                        <a:rPr lang="en-US" sz="900" spc="0">
+                        <a:rPr lang="es-ES" sz="900" dirty="0">
                           <a:solidFill>
                             <a:srgbClr val="020302"/>
                           </a:solidFill>
                           <a:latin typeface="AdobeClean-Light"/>
                           <a:cs typeface="AdobeClean-Light"/>
                         </a:rPr>
-                        <a:t> </a:t>
+                        <a:t>2 horas</a:t>
                       </a:r>
-                      <a:r>
-                        <a:rPr sz="900" spc="0">
-                          <a:solidFill>
-                            <a:srgbClr val="020302"/>
-                          </a:solidFill>
-                          <a:latin typeface="AdobeClean-Light"/>
-                          <a:cs typeface="AdobeClean-Light"/>
-                        </a:rPr>
-                        <a:t>hours</a:t>
-                      </a:r>
-                      <a:r>
-                        <a:rPr lang="en-US" sz="900" spc="0">
-                          <a:solidFill>
-                            <a:srgbClr val="020302"/>
-                          </a:solidFill>
-                          <a:latin typeface="AdobeClean-Light"/>
-                          <a:cs typeface="AdobeClean-Light"/>
-                        </a:rPr>
-                        <a:t> / </a:t>
-                      </a:r>
-                      <a:r>
-                        <a:rPr sz="900" spc="0">
-                          <a:solidFill>
-                            <a:srgbClr val="020302"/>
-                          </a:solidFill>
-                          <a:latin typeface="AdobeClean-Light"/>
-                          <a:cs typeface="AdobeClean-Light"/>
-                        </a:rPr>
-                        <a:t>2</a:t>
-                      </a:r>
-                      <a:r>
-                        <a:rPr lang="en-US" sz="900" spc="0">
-                          <a:solidFill>
-                            <a:srgbClr val="020302"/>
-                          </a:solidFill>
-                          <a:latin typeface="AdobeClean-Light"/>
-                          <a:cs typeface="AdobeClean-Light"/>
-                        </a:rPr>
-                        <a:t> </a:t>
-                      </a:r>
-                      <a:r>
-                        <a:rPr sz="900" spc="0">
-                          <a:solidFill>
-                            <a:srgbClr val="020302"/>
-                          </a:solidFill>
-                          <a:latin typeface="AdobeClean-Light"/>
-                          <a:cs typeface="AdobeClean-Light"/>
-                        </a:rPr>
-                        <a:t>hours</a:t>
-                      </a:r>
-                      <a:endParaRPr sz="900" spc="0">
-                        <a:latin typeface="AdobeClean-Light"/>
-                        <a:cs typeface="AdobeClean-Light"/>
-                      </a:endParaRPr>
                     </a:p>
                   </a:txBody>
                   <a:tcPr marL="0" marR="0" marT="91440" marB="91440" anchor="ctr" anchorCtr="1">
@@ -3203,19 +2897,15 @@
                         </a:spcBef>
                       </a:pPr>
                       <a:r>
-                        <a:rPr sz="900" b="1" spc="0">
+                        <a:rPr lang="es-ES" sz="900" b="1" dirty="0">
                           <a:solidFill>
                             <a:srgbClr val="020302"/>
                           </a:solidFill>
                           <a:latin typeface="Adobe Clean"/>
                           <a:cs typeface="Adobe Clean"/>
                         </a:rPr>
-                        <a:t>PRIORITY 3</a:t>
+                        <a:t>PRIORIDAD 3</a:t>
                       </a:r>
-                      <a:endParaRPr sz="900" spc="0">
-                        <a:latin typeface="Adobe Clean"/>
-                        <a:cs typeface="Adobe Clean"/>
-                      </a:endParaRPr>
                     </a:p>
                     <a:p>
                       <a:pPr marL="49530" marR="212090" indent="-2540">
@@ -3227,26 +2917,21 @@
                         </a:spcBef>
                       </a:pPr>
                       <a:r>
-                        <a:rPr kumimoji="0" lang="en-US" sz="900" b="0" i="0" u="none" strike="noStrike" kern="1200" cap="none" spc="0" normalizeH="0" baseline="0" noProof="0">
+                        <a:rPr kumimoji="0" lang="es-ES" sz="900" b="0" i="0" u="none" strike="noStrike" cap="none" normalizeH="0" baseline="0" noProof="0" dirty="0">
                           <a:ln>
                             <a:noFill/>
                           </a:ln>
                           <a:solidFill>
                             <a:srgbClr val="000000"/>
                           </a:solidFill>
-                          <a:effectLst/>
                           <a:uLnTx/>
                           <a:uFillTx/>
                           <a:latin typeface="Adobe Clean Light" panose="020B0303020404020204" pitchFamily="34" charset="0"/>
                           <a:ea typeface="+mn-ea"/>
                           <a:cs typeface="+mn-cs"/>
                         </a:rPr>
-                        <a:t>Customer's business functions have minor service degradation but there exists a solution/workaround allowing business functions to continue </a:t>
+                        <a:t>Las funciones empresariales del cliente presentan una menor degradación del servicio, pero existe una solución que permite que las funciones empresariales sigan funcionando. </a:t>
                       </a:r>
-                      <a:endParaRPr lang="en-US" sz="900" b="0" i="0" spc="0">
-                        <a:latin typeface="Adobe Clean Light" panose="020B0303020404020204" pitchFamily="34" charset="0"/>
-                        <a:cs typeface="AdobeClean-Light"/>
-                      </a:endParaRPr>
                     </a:p>
                   </a:txBody>
                   <a:tcPr marL="0" marR="0" marT="3810" marB="0">
@@ -3281,7 +2966,7 @@
                     <a:bodyPr/>
                     <a:lstStyle/>
                     <a:p>
-                      <a:pPr marL="313690" marR="184150" indent="-189865" algn="ctr">
+                      <a:pPr marL="0" marR="184150" indent="0" algn="ctr">
                         <a:lnSpc>
                           <a:spcPct val="100000"/>
                         </a:lnSpc>
@@ -3290,89 +2975,34 @@
                         </a:spcBef>
                       </a:pPr>
                       <a:r>
-                        <a:rPr lang="en-US" sz="900" spc="0">
+                        <a:rPr lang="es-ES" sz="900" dirty="0">
                           <a:solidFill>
                             <a:srgbClr val="020302"/>
                           </a:solidFill>
                           <a:latin typeface="AdobeClean-Light"/>
                           <a:cs typeface="AdobeClean-Light"/>
                         </a:rPr>
-                        <a:t>   </a:t>
+                        <a:t>   Horario de trabajo / </a:t>
                       </a:r>
-                      <a:r>
-                        <a:rPr sz="900" spc="0">
+                      <a:br>
+                        <a:rPr lang="es-ES" sz="900" dirty="0">
                           <a:solidFill>
                             <a:srgbClr val="020302"/>
                           </a:solidFill>
                           <a:latin typeface="AdobeClean-Light"/>
                           <a:cs typeface="AdobeClean-Light"/>
                         </a:rPr>
-                        <a:t>Business</a:t>
-                      </a:r>
+                      </a:br>
                       <a:r>
-                        <a:rPr lang="en-US" sz="900" spc="0">
+                        <a:rPr lang="es-ES" sz="900" dirty="0">
                           <a:solidFill>
                             <a:srgbClr val="020302"/>
                           </a:solidFill>
                           <a:latin typeface="AdobeClean-Light"/>
                           <a:cs typeface="AdobeClean-Light"/>
                         </a:rPr>
-                        <a:t> </a:t>
+                        <a:t>6 horas</a:t>
                       </a:r>
-                      <a:r>
-                        <a:rPr sz="900" spc="0">
-                          <a:solidFill>
-                            <a:srgbClr val="020302"/>
-                          </a:solidFill>
-                          <a:latin typeface="AdobeClean-Light"/>
-                          <a:cs typeface="AdobeClean-Light"/>
-                        </a:rPr>
-                        <a:t>hours</a:t>
-                      </a:r>
-                      <a:r>
-                        <a:rPr lang="en-US" sz="900" spc="0">
-                          <a:solidFill>
-                            <a:srgbClr val="020302"/>
-                          </a:solidFill>
-                          <a:latin typeface="AdobeClean-Light"/>
-                          <a:cs typeface="AdobeClean-Light"/>
-                        </a:rPr>
-                        <a:t> / </a:t>
-                      </a:r>
-                      <a:r>
-                        <a:rPr sz="900" spc="0">
-                          <a:solidFill>
-                            <a:srgbClr val="020302"/>
-                          </a:solidFill>
-                          <a:latin typeface="AdobeClean-Light"/>
-                          <a:cs typeface="AdobeClean-Light"/>
-                        </a:rPr>
-                        <a:t>6</a:t>
-                      </a:r>
-                      <a:r>
-                        <a:rPr lang="en-US" sz="900" spc="0">
-                          <a:solidFill>
-                            <a:srgbClr val="020302"/>
-                          </a:solidFill>
-                          <a:latin typeface="AdobeClean-Light"/>
-                          <a:cs typeface="AdobeClean-Light"/>
-                        </a:rPr>
-                        <a:t> </a:t>
-                      </a:r>
-                      <a:r>
-                        <a:rPr sz="900" spc="0">
-                          <a:solidFill>
-                            <a:srgbClr val="020302"/>
-                          </a:solidFill>
-                          <a:latin typeface="AdobeClean-Light"/>
-                          <a:cs typeface="AdobeClean-Light"/>
-                        </a:rPr>
-                        <a:t>hours</a:t>
-                      </a:r>
-                      <a:endParaRPr sz="900" spc="0">
-                        <a:latin typeface="AdobeClean-Light"/>
-                        <a:cs typeface="AdobeClean-Light"/>
-                      </a:endParaRPr>
                     </a:p>
                   </a:txBody>
                   <a:tcPr marL="0" marR="0" marT="91440" marB="91440" anchor="ctr" anchorCtr="1">
@@ -3407,7 +3037,7 @@
                     <a:bodyPr/>
                     <a:lstStyle/>
                     <a:p>
-                      <a:pPr marL="316230" marR="185420" indent="-193675" algn="ctr">
+                      <a:pPr marL="0" marR="185420" indent="0" algn="ctr">
                         <a:lnSpc>
                           <a:spcPct val="100000"/>
                         </a:lnSpc>
@@ -3416,79 +3046,34 @@
                         </a:spcBef>
                       </a:pPr>
                       <a:r>
-                        <a:rPr sz="900" spc="0">
+                        <a:rPr lang="es-ES" sz="900" dirty="0">
                           <a:solidFill>
                             <a:srgbClr val="020302"/>
                           </a:solidFill>
                           <a:latin typeface="AdobeClean-Light"/>
                           <a:cs typeface="AdobeClean-Light"/>
                         </a:rPr>
-                        <a:t>Business</a:t>
+                        <a:t>Horario de trabajo / </a:t>
                       </a:r>
-                      <a:r>
-                        <a:rPr lang="en-US" sz="900" spc="0">
+                      <a:br>
+                        <a:rPr lang="es-ES" sz="900" dirty="0">
                           <a:solidFill>
                             <a:srgbClr val="020302"/>
                           </a:solidFill>
                           <a:latin typeface="AdobeClean-Light"/>
                           <a:cs typeface="AdobeClean-Light"/>
                         </a:rPr>
-                        <a:t> </a:t>
-                      </a:r>
+                      </a:br>
                       <a:r>
-                        <a:rPr sz="900" spc="0">
+                        <a:rPr lang="es-ES" sz="900" dirty="0">
                           <a:solidFill>
                             <a:srgbClr val="020302"/>
                           </a:solidFill>
                           <a:latin typeface="AdobeClean-Light"/>
                           <a:cs typeface="AdobeClean-Light"/>
                         </a:rPr>
-                        <a:t>hours</a:t>
+                        <a:t>4 horas</a:t>
                       </a:r>
-                      <a:r>
-                        <a:rPr lang="en-US" sz="900" spc="0">
-                          <a:solidFill>
-                            <a:srgbClr val="020302"/>
-                          </a:solidFill>
-                          <a:latin typeface="AdobeClean-Light"/>
-                          <a:cs typeface="AdobeClean-Light"/>
-                        </a:rPr>
-                        <a:t> </a:t>
-                      </a:r>
-                      <a:r>
-                        <a:rPr sz="900" spc="0">
-                          <a:solidFill>
-                            <a:srgbClr val="020302"/>
-                          </a:solidFill>
-                          <a:latin typeface="AdobeClean-Light"/>
-                          <a:cs typeface="AdobeClean-Light"/>
-                        </a:rPr>
-                        <a:t>/ 4</a:t>
-                      </a:r>
-                      <a:r>
-                        <a:rPr lang="en-US" sz="900" spc="0">
-                          <a:solidFill>
-                            <a:srgbClr val="020302"/>
-                          </a:solidFill>
-                          <a:latin typeface="AdobeClean-Light"/>
-                          <a:cs typeface="AdobeClean-Light"/>
-                        </a:rPr>
-                        <a:t> </a:t>
-                      </a:r>
-                      <a:r>
-                        <a:rPr sz="900" spc="0">
-                          <a:solidFill>
-                            <a:srgbClr val="020302"/>
-                          </a:solidFill>
-                          <a:latin typeface="AdobeClean-Light"/>
-                          <a:cs typeface="AdobeClean-Light"/>
-                        </a:rPr>
-                        <a:t>hours</a:t>
-                      </a:r>
-                      <a:endParaRPr sz="900" spc="0">
-                        <a:latin typeface="AdobeClean-Light"/>
-                        <a:cs typeface="AdobeClean-Light"/>
-                      </a:endParaRPr>
                     </a:p>
                   </a:txBody>
                   <a:tcPr marL="0" marR="0" marT="91440" marB="91440" anchor="ctr" anchorCtr="1">
@@ -3544,19 +3129,15 @@
                         </a:spcBef>
                       </a:pPr>
                       <a:r>
-                        <a:rPr sz="900" b="1" spc="0">
+                        <a:rPr lang="es-ES" sz="900" b="1" dirty="0">
                           <a:solidFill>
                             <a:srgbClr val="020302"/>
                           </a:solidFill>
                           <a:latin typeface="Adobe Clean"/>
                           <a:cs typeface="Adobe Clean"/>
                         </a:rPr>
-                        <a:t>PRIORITY 4</a:t>
+                        <a:t>PRIORIDAD 4</a:t>
                       </a:r>
-                      <a:endParaRPr sz="900" spc="0">
-                        <a:latin typeface="Adobe Clean"/>
-                        <a:cs typeface="Adobe Clean"/>
-                      </a:endParaRPr>
                     </a:p>
                     <a:p>
                       <a:pPr marL="48895" marR="0" lvl="0" indent="0" defTabSz="914400" eaLnBrk="1" fontAlgn="auto" latinLnBrk="0" hangingPunct="1">
@@ -3577,19 +3158,14 @@
                         <a:defRPr/>
                       </a:pPr>
                       <a:r>
-                        <a:rPr lang="en-US" sz="900" b="0" i="0" spc="0">
+                        <a:rPr lang="es-ES" sz="900" b="0" i="0" dirty="0">
                           <a:solidFill>
                             <a:srgbClr val="000000"/>
                           </a:solidFill>
-                          <a:effectLst/>
                           <a:latin typeface="Adobe Clean Light" panose="020B0303020404020204" pitchFamily="34" charset="0"/>
                         </a:rPr>
-                        <a:t>General question regarding current product functionality or an enhancement request</a:t>
+                        <a:t>Pregunta general sobre la funcionalidad actual del producto o una solicitud de mejora.</a:t>
                       </a:r>
-                      <a:endParaRPr lang="en-US" sz="900" b="0" i="0" spc="0">
-                        <a:latin typeface="Adobe Clean Light" panose="020B0303020404020204" pitchFamily="34" charset="0"/>
-                        <a:cs typeface="AdobeClean-Light"/>
-                      </a:endParaRPr>
                     </a:p>
                   </a:txBody>
                   <a:tcPr marL="0" marR="0" marT="1905" marB="0">
@@ -3624,7 +3200,7 @@
                     <a:bodyPr/>
                     <a:lstStyle/>
                     <a:p>
-                      <a:pPr marL="340360" marR="203200" indent="-193040" algn="ctr">
+                      <a:pPr marL="0" marR="203200" indent="0" algn="ctr">
                         <a:lnSpc>
                           <a:spcPct val="100000"/>
                         </a:lnSpc>
@@ -3633,69 +3209,34 @@
                         </a:spcBef>
                       </a:pPr>
                       <a:r>
-                        <a:rPr lang="en-US" sz="900" spc="0">
+                        <a:rPr lang="es-ES" sz="900" dirty="0">
                           <a:solidFill>
                             <a:srgbClr val="020302"/>
                           </a:solidFill>
                           <a:latin typeface="AdobeClean-Light"/>
                           <a:cs typeface="AdobeClean-Light"/>
                         </a:rPr>
-                        <a:t>  </a:t>
+                        <a:t>  Días laborables / </a:t>
                       </a:r>
-                      <a:r>
-                        <a:rPr sz="900" spc="0">
+                      <a:br>
+                        <a:rPr lang="es-ES" sz="900" dirty="0">
                           <a:solidFill>
                             <a:srgbClr val="020302"/>
                           </a:solidFill>
                           <a:latin typeface="AdobeClean-Light"/>
                           <a:cs typeface="AdobeClean-Light"/>
                         </a:rPr>
-                        <a:t>Business</a:t>
-                      </a:r>
+                      </a:br>
                       <a:r>
-                        <a:rPr lang="en-US" sz="900" spc="0">
+                        <a:rPr lang="es-ES" sz="900" dirty="0">
                           <a:solidFill>
                             <a:srgbClr val="020302"/>
                           </a:solidFill>
                           <a:latin typeface="AdobeClean-Light"/>
                           <a:cs typeface="AdobeClean-Light"/>
                         </a:rPr>
-                        <a:t> </a:t>
+                        <a:t>3 días</a:t>
                       </a:r>
-                      <a:r>
-                        <a:rPr sz="900" spc="0">
-                          <a:solidFill>
-                            <a:srgbClr val="020302"/>
-                          </a:solidFill>
-                          <a:latin typeface="AdobeClean-Light"/>
-                          <a:cs typeface="AdobeClean-Light"/>
-                        </a:rPr>
-                        <a:t>days</a:t>
-                      </a:r>
-                      <a:r>
-                        <a:rPr lang="en-US" sz="900" spc="0">
-                          <a:solidFill>
-                            <a:srgbClr val="020302"/>
-                          </a:solidFill>
-                          <a:latin typeface="AdobeClean-Light"/>
-                          <a:cs typeface="AdobeClean-Light"/>
-                        </a:rPr>
-                        <a:t> / </a:t>
-                      </a:r>
-                      <a:r>
-                        <a:rPr sz="900" spc="0">
-                          <a:solidFill>
-                            <a:srgbClr val="020302"/>
-                          </a:solidFill>
-                          <a:latin typeface="AdobeClean-Light"/>
-                          <a:cs typeface="AdobeClean-Light"/>
-                        </a:rPr>
-                        <a:t>3 days</a:t>
-                      </a:r>
-                      <a:endParaRPr sz="900" spc="0">
-                        <a:latin typeface="AdobeClean-Light"/>
-                        <a:cs typeface="AdobeClean-Light"/>
-                      </a:endParaRPr>
                     </a:p>
                   </a:txBody>
                   <a:tcPr marL="0" marR="0" marT="91440" marB="91440" anchor="ctr" anchorCtr="1">
@@ -3739,79 +3280,15 @@
                         </a:spcBef>
                       </a:pPr>
                       <a:r>
-                        <a:rPr sz="900" spc="0" dirty="0">
+                        <a:rPr lang="es-ES" sz="900" dirty="0">
                           <a:solidFill>
                             <a:srgbClr val="020302"/>
                           </a:solidFill>
                           <a:latin typeface="AdobeClean-Light"/>
                           <a:cs typeface="AdobeClean-Light"/>
                         </a:rPr>
-                        <a:t>Business</a:t>
+                        <a:t>Días laborables / 1 día</a:t>
                       </a:r>
-                      <a:r>
-                        <a:rPr lang="en-US" sz="900" spc="0" dirty="0">
-                          <a:solidFill>
-                            <a:srgbClr val="020302"/>
-                          </a:solidFill>
-                          <a:latin typeface="AdobeClean-Light"/>
-                          <a:cs typeface="AdobeClean-Light"/>
-                        </a:rPr>
-                        <a:t> </a:t>
-                      </a:r>
-                      <a:r>
-                        <a:rPr sz="900" spc="0" dirty="0">
-                          <a:solidFill>
-                            <a:srgbClr val="020302"/>
-                          </a:solidFill>
-                          <a:latin typeface="AdobeClean-Light"/>
-                          <a:cs typeface="AdobeClean-Light"/>
-                        </a:rPr>
-                        <a:t>day</a:t>
-                      </a:r>
-                      <a:r>
-                        <a:rPr lang="en-US" sz="900" spc="0" dirty="0">
-                          <a:solidFill>
-                            <a:srgbClr val="020302"/>
-                          </a:solidFill>
-                          <a:latin typeface="AdobeClean-Light"/>
-                          <a:cs typeface="AdobeClean-Light"/>
-                        </a:rPr>
-                        <a:t>s </a:t>
-                      </a:r>
-                      <a:r>
-                        <a:rPr sz="900" spc="0" dirty="0">
-                          <a:solidFill>
-                            <a:srgbClr val="020302"/>
-                          </a:solidFill>
-                          <a:latin typeface="AdobeClean-Light"/>
-                          <a:cs typeface="AdobeClean-Light"/>
-                        </a:rPr>
-                        <a:t>/</a:t>
-                      </a:r>
-                      <a:r>
-                        <a:rPr lang="en-US" sz="900" spc="0" dirty="0">
-                          <a:solidFill>
-                            <a:srgbClr val="020302"/>
-                          </a:solidFill>
-                          <a:latin typeface="AdobeClean-Light"/>
-                          <a:cs typeface="AdobeClean-Light"/>
-                        </a:rPr>
-                        <a:t> </a:t>
-                      </a:r>
-                      <a:r>
-                        <a:rPr sz="900" spc="0" dirty="0">
-                          <a:solidFill>
-                            <a:srgbClr val="020302"/>
-                          </a:solidFill>
-                          <a:latin typeface="AdobeClean-Light"/>
-                          <a:cs typeface="AdobeClean-Light"/>
-                        </a:rPr>
-                        <a:t>1 day</a:t>
-                      </a:r>
-                      <a:endParaRPr sz="900" spc="0" dirty="0">
-                        <a:latin typeface="AdobeClean-Light"/>
-                        <a:cs typeface="AdobeClean-Light"/>
-                      </a:endParaRPr>
                     </a:p>
                   </a:txBody>
                   <a:tcPr marL="0" marR="0" marT="91440" marB="91440" anchor="ctr" anchorCtr="1">
@@ -3878,7 +3355,7 @@
         </p:nvGraphicFramePr>
         <p:xfrm>
           <a:off x="121147" y="2120949"/>
-          <a:ext cx="7498851" cy="4714546"/>
+          <a:ext cx="7498851" cy="4815558"/>
         </p:xfrm>
         <a:graphic>
           <a:graphicData uri="http://schemas.openxmlformats.org/drawingml/2006/table">
@@ -3960,39 +3437,15 @@
                         <a:defRPr/>
                       </a:pPr>
                       <a:r>
-                        <a:rPr lang="en-US" sz="900" spc="-20" dirty="0">
+                        <a:rPr lang="es-ES" sz="900" dirty="0">
                           <a:solidFill>
                             <a:srgbClr val="404040"/>
                           </a:solidFill>
                           <a:latin typeface="Adobe Clean"/>
                           <a:cs typeface="Adobe Clean"/>
                         </a:rPr>
-                        <a:t>Standard </a:t>
+                        <a:t>Soporte Standard</a:t>
                       </a:r>
-                      <a:r>
-                        <a:rPr lang="en-US" sz="900" spc="-135" dirty="0">
-                          <a:solidFill>
-                            <a:srgbClr val="404040"/>
-                          </a:solidFill>
-                          <a:latin typeface="Adobe Clean"/>
-                          <a:cs typeface="Adobe Clean"/>
-                        </a:rPr>
-                        <a:t> </a:t>
-                      </a:r>
-                      <a:r>
-                        <a:rPr lang="en-US" sz="900" spc="-20" dirty="0">
-                          <a:solidFill>
-                            <a:srgbClr val="404040"/>
-                          </a:solidFill>
-                          <a:latin typeface="Adobe Clean"/>
-                          <a:cs typeface="Adobe Clean"/>
-                        </a:rPr>
-                        <a:t>Support</a:t>
-                      </a:r>
-                      <a:endParaRPr lang="en-US" sz="900" dirty="0">
-                        <a:latin typeface="Adobe Clean"/>
-                        <a:cs typeface="Adobe Clean"/>
-                      </a:endParaRPr>
                     </a:p>
                   </a:txBody>
                   <a:tcPr marL="0" marR="0" marT="7620" marB="0" anchor="ctr">
@@ -4033,39 +3486,15 @@
                         </a:spcBef>
                       </a:pPr>
                       <a:r>
-                        <a:rPr sz="900" spc="-20">
+                        <a:rPr lang="es-ES" sz="900" dirty="0">
                           <a:solidFill>
                             <a:srgbClr val="FFFFFF"/>
                           </a:solidFill>
                           <a:latin typeface="Adobe Clean"/>
                           <a:cs typeface="Adobe Clean"/>
                         </a:rPr>
-                        <a:t>Business</a:t>
+                        <a:t>Soporte Business</a:t>
                       </a:r>
-                      <a:r>
-                        <a:rPr lang="en-US" sz="900" spc="-20">
-                          <a:solidFill>
-                            <a:srgbClr val="FFFFFF"/>
-                          </a:solidFill>
-                          <a:latin typeface="Adobe Clean"/>
-                          <a:cs typeface="Adobe Clean"/>
-                        </a:rPr>
-                        <a:t> </a:t>
-                      </a:r>
-                      <a:r>
-                        <a:rPr sz="900" spc="-20">
-                          <a:solidFill>
-                            <a:srgbClr val="FFFFFF"/>
-                          </a:solidFill>
-                          <a:latin typeface="Adobe Clean"/>
-                          <a:cs typeface="Adobe Clean"/>
-                        </a:rPr>
-                        <a:t>Support</a:t>
-                      </a:r>
-                      <a:endParaRPr sz="900">
-                        <a:latin typeface="Adobe Clean"/>
-                        <a:cs typeface="Adobe Clean"/>
-                      </a:endParaRPr>
                     </a:p>
                   </a:txBody>
                   <a:tcPr marL="0" marR="0" marT="7620" marB="0" anchor="ctr">
@@ -4130,7 +3559,7 @@
                     <a:bodyPr/>
                     <a:lstStyle/>
                     <a:p>
-                      <a:pPr marL="0" marR="0" lvl="0" indent="0" algn="ctr" defTabSz="914400" eaLnBrk="1" fontAlgn="auto" latinLnBrk="0" hangingPunct="1">
+                      <a:pPr marL="0" marR="0" lvl="0" indent="0" algn="l" defTabSz="914400" rtl="0" eaLnBrk="1" fontAlgn="auto" latinLnBrk="0" hangingPunct="1">
                         <a:lnSpc>
                           <a:spcPct val="100000"/>
                         </a:lnSpc>
@@ -4211,13 +3640,13 @@
                         <a:defRPr/>
                       </a:pPr>
                       <a:r>
-                        <a:rPr lang="en-US" sz="800" i="1">
+                        <a:rPr lang="es-ES" sz="800" i="1" dirty="0">
                           <a:solidFill>
                             <a:schemeClr val="bg1"/>
                           </a:solidFill>
                           <a:latin typeface="Adobe Clean Light" panose="020B0303020404020204" pitchFamily="34" charset="0"/>
                         </a:rPr>
-                        <a:t>Paid Support ($)</a:t>
+                        <a:t>Soporte de pago ($)</a:t>
                       </a:r>
                     </a:p>
                   </a:txBody>
@@ -4281,22 +3710,15 @@
                         </a:spcBef>
                       </a:pPr>
                       <a:r>
-                        <a:rPr lang="en-US" sz="1000" b="1" i="0" spc="0">
+                        <a:rPr lang="es-ES" sz="1000" b="1" i="0">
                           <a:solidFill>
                             <a:schemeClr val="bg1"/>
                           </a:solidFill>
                           <a:latin typeface="Adobe Clean" panose="020B0503020404020204" pitchFamily="34" charset="0"/>
                           <a:cs typeface="AdobeClean-Light"/>
                         </a:rPr>
-                        <a:t>Assigned Experts</a:t>
+                        <a:t>Expertos asignados</a:t>
                       </a:r>
-                      <a:endParaRPr sz="1000" b="1" i="0" spc="0">
-                        <a:solidFill>
-                          <a:schemeClr val="bg1"/>
-                        </a:solidFill>
-                        <a:latin typeface="Adobe Clean" panose="020B0503020404020204" pitchFamily="34" charset="0"/>
-                        <a:cs typeface="AdobeClean-Light"/>
-                      </a:endParaRPr>
                     </a:p>
                   </a:txBody>
                   <a:tcPr marL="0" marR="0" marT="58419" marB="0" anchor="ctr">
@@ -4343,19 +3765,15 @@
                         </a:spcBef>
                       </a:pPr>
                       <a:r>
-                        <a:rPr sz="900" spc="0">
+                        <a:rPr lang="es-ES" sz="900" dirty="0">
                           <a:solidFill>
                             <a:srgbClr val="020302"/>
                           </a:solidFill>
                           <a:latin typeface="AdobeClean-Light"/>
                           <a:cs typeface="AdobeClean-Light"/>
                         </a:rPr>
-                        <a:t>Account Support Lead</a:t>
+                        <a:t>Responsable de la asistencia técnica de la cuenta</a:t>
                       </a:r>
-                      <a:endParaRPr sz="900" spc="0">
-                        <a:latin typeface="AdobeClean-Light"/>
-                        <a:cs typeface="AdobeClean-Light"/>
-                      </a:endParaRPr>
                     </a:p>
                   </a:txBody>
                   <a:tcPr marL="0" marR="0" marT="58419" marB="0">
@@ -4390,7 +3808,7 @@
                     <a:bodyPr/>
                     <a:lstStyle/>
                     <a:p>
-                      <a:pPr algn="ctr">
+                      <a:pPr algn="l" rtl="0">
                         <a:lnSpc>
                           <a:spcPct val="100000"/>
                         </a:lnSpc>
@@ -4440,7 +3858,7 @@
                         </a:spcBef>
                       </a:pPr>
                       <a:r>
-                        <a:rPr sz="900">
+                        <a:rPr lang="es-ES" sz="900">
                           <a:solidFill>
                             <a:srgbClr val="020302"/>
                           </a:solidFill>
@@ -4449,10 +3867,6 @@
                         </a:rPr>
                         <a:t></a:t>
                       </a:r>
-                      <a:endParaRPr sz="900">
-                        <a:latin typeface="Wingdings"/>
-                        <a:cs typeface="Wingdings"/>
-                      </a:endParaRPr>
                     </a:p>
                   </a:txBody>
                   <a:tcPr marL="0" marR="0" marT="59690" marB="0" anchor="ctr">
@@ -4484,7 +3898,7 @@
                     <a:bodyPr/>
                     <a:lstStyle/>
                     <a:p>
-                      <a:pPr marL="50800">
+                      <a:pPr marL="50800" algn="l" rtl="0">
                         <a:lnSpc>
                           <a:spcPct val="100000"/>
                         </a:lnSpc>
@@ -4530,19 +3944,15 @@
                         </a:spcBef>
                       </a:pPr>
                       <a:r>
-                        <a:rPr sz="900" spc="0">
+                        <a:rPr lang="es-ES" sz="900" dirty="0">
                           <a:solidFill>
                             <a:srgbClr val="020302"/>
                           </a:solidFill>
                           <a:latin typeface="AdobeClean-Light"/>
                           <a:cs typeface="AdobeClean-Light"/>
                         </a:rPr>
-                        <a:t>Named Support Engineer</a:t>
+                        <a:t>Ingeniero de asistencia técnica especializado</a:t>
                       </a:r>
-                      <a:endParaRPr sz="900" spc="0">
-                        <a:latin typeface="AdobeClean-Light"/>
-                        <a:cs typeface="AdobeClean-Light"/>
-                      </a:endParaRPr>
                     </a:p>
                   </a:txBody>
                   <a:tcPr marL="0" marR="0" marT="58419" marB="0">
@@ -4565,7 +3975,7 @@
                     <a:bodyPr/>
                     <a:lstStyle/>
                     <a:p>
-                      <a:pPr algn="ctr">
+                      <a:pPr algn="l" rtl="0">
                         <a:lnSpc>
                           <a:spcPct val="100000"/>
                         </a:lnSpc>
@@ -4594,7 +4004,7 @@
                     <a:bodyPr/>
                     <a:lstStyle/>
                     <a:p>
-                      <a:pPr algn="ctr">
+                      <a:pPr algn="l" rtl="0">
                         <a:lnSpc>
                           <a:spcPct val="100000"/>
                         </a:lnSpc>
@@ -4625,7 +4035,7 @@
                     <a:bodyPr/>
                     <a:lstStyle/>
                     <a:p>
-                      <a:pPr marL="50800">
+                      <a:pPr marL="50800" algn="l" rtl="0">
                         <a:lnSpc>
                           <a:spcPct val="100000"/>
                         </a:lnSpc>
@@ -4683,19 +4093,15 @@
                         </a:spcBef>
                       </a:pPr>
                       <a:r>
-                        <a:rPr sz="900" spc="0">
+                        <a:rPr lang="es-ES" sz="900" dirty="0">
                           <a:solidFill>
                             <a:srgbClr val="020302"/>
                           </a:solidFill>
                           <a:latin typeface="AdobeClean-Light"/>
                           <a:cs typeface="AdobeClean-Light"/>
                         </a:rPr>
-                        <a:t>Technical Account Manager</a:t>
+                        <a:t>Gestor técnico de cuentas</a:t>
                       </a:r>
-                      <a:endParaRPr sz="900" spc="0">
-                        <a:latin typeface="AdobeClean-Light"/>
-                        <a:cs typeface="AdobeClean-Light"/>
-                      </a:endParaRPr>
                     </a:p>
                   </a:txBody>
                   <a:tcPr marL="0" marR="0" marT="63500" marB="0">
@@ -4724,7 +4130,7 @@
                     <a:bodyPr/>
                     <a:lstStyle/>
                     <a:p>
-                      <a:pPr algn="ctr">
+                      <a:pPr algn="l" rtl="0">
                         <a:lnSpc>
                           <a:spcPct val="100000"/>
                         </a:lnSpc>
@@ -4762,7 +4168,7 @@
                     <a:bodyPr/>
                     <a:lstStyle/>
                     <a:p>
-                      <a:pPr algn="ctr">
+                      <a:pPr algn="l" rtl="0">
                         <a:lnSpc>
                           <a:spcPct val="100000"/>
                         </a:lnSpc>
@@ -4811,22 +4217,15 @@
                         </a:spcBef>
                       </a:pPr>
                       <a:r>
-                        <a:rPr lang="en-US" sz="1000" b="1" i="0" spc="0">
+                        <a:rPr lang="es-ES" sz="1000" b="1" i="0">
                           <a:solidFill>
                             <a:schemeClr val="bg1"/>
                           </a:solidFill>
                           <a:latin typeface="Adobe Clean" panose="020B0503020404020204" pitchFamily="34" charset="0"/>
                           <a:cs typeface="AdobeClean-Light"/>
                         </a:rPr>
-                        <a:t>Support Services</a:t>
+                        <a:t>Servicios de soporte</a:t>
                       </a:r>
-                      <a:endParaRPr sz="1000" b="1" i="0" spc="0">
-                        <a:solidFill>
-                          <a:schemeClr val="bg1"/>
-                        </a:solidFill>
-                        <a:latin typeface="Adobe Clean" panose="020B0503020404020204" pitchFamily="34" charset="0"/>
-                        <a:cs typeface="AdobeClean-Light"/>
-                      </a:endParaRPr>
                     </a:p>
                   </a:txBody>
                   <a:tcPr marL="0" marR="0" marT="57150" marB="0" anchor="ctr">
@@ -4882,29 +4281,15 @@
                         </a:spcBef>
                       </a:pPr>
                       <a:r>
-                        <a:rPr lang="en-US" sz="900" spc="0">
+                        <a:rPr lang="es-ES" sz="900">
                           <a:solidFill>
                             <a:srgbClr val="020302"/>
                           </a:solidFill>
                           <a:latin typeface="AdobeClean-Light"/>
                           <a:cs typeface="AdobeClean-Light"/>
                         </a:rPr>
-                        <a:t>Online</a:t>
+                        <a:t>Soporte Online</a:t>
                       </a:r>
-                      <a:r>
-                        <a:rPr sz="900" spc="0">
-                          <a:solidFill>
-                            <a:srgbClr val="020302"/>
-                          </a:solidFill>
-                          <a:latin typeface="AdobeClean-Light"/>
-                          <a:cs typeface="AdobeClean-Light"/>
-                        </a:rPr>
-                        <a:t> Support</a:t>
-                      </a:r>
-                      <a:endParaRPr sz="900" spc="0">
-                        <a:latin typeface="AdobeClean-Light"/>
-                        <a:cs typeface="AdobeClean-Light"/>
-                      </a:endParaRPr>
                     </a:p>
                   </a:txBody>
                   <a:tcPr marL="0" marR="0" marT="57150" marB="0">
@@ -4942,39 +4327,15 @@
                         </a:spcBef>
                       </a:pPr>
                       <a:r>
-                        <a:rPr sz="900" spc="-25">
+                        <a:rPr lang="es-ES" sz="900">
                           <a:solidFill>
                             <a:srgbClr val="020302"/>
                           </a:solidFill>
                           <a:latin typeface="AdobeClean-Light"/>
                           <a:cs typeface="AdobeClean-Light"/>
                         </a:rPr>
-                        <a:t>Business</a:t>
+                        <a:t>Horario de trabajo</a:t>
                       </a:r>
-                      <a:r>
-                        <a:rPr sz="900" spc="-15">
-                          <a:solidFill>
-                            <a:srgbClr val="020302"/>
-                          </a:solidFill>
-                          <a:latin typeface="AdobeClean-Light"/>
-                          <a:cs typeface="AdobeClean-Light"/>
-                        </a:rPr>
-                        <a:t> </a:t>
-                      </a:r>
-                      <a:r>
-                        <a:rPr sz="900" spc="-30">
-                          <a:solidFill>
-                            <a:srgbClr val="020302"/>
-                          </a:solidFill>
-                          <a:latin typeface="AdobeClean-Light"/>
-                          <a:cs typeface="AdobeClean-Light"/>
-                        </a:rPr>
-                        <a:t>hours</a:t>
-                      </a:r>
-                      <a:endParaRPr sz="900">
-                        <a:latin typeface="AdobeClean-Light"/>
-                        <a:cs typeface="AdobeClean-Light"/>
-                      </a:endParaRPr>
                     </a:p>
                   </a:txBody>
                   <a:tcPr marL="0" marR="0" marT="67945" marB="0">
@@ -5013,39 +4374,15 @@
                         </a:spcBef>
                       </a:pPr>
                       <a:r>
-                        <a:rPr sz="900" spc="-25">
+                        <a:rPr lang="es-ES" sz="900">
                           <a:solidFill>
                             <a:srgbClr val="020302"/>
                           </a:solidFill>
                           <a:latin typeface="AdobeClean-Light"/>
                           <a:cs typeface="AdobeClean-Light"/>
                         </a:rPr>
-                        <a:t>Business</a:t>
+                        <a:t>Horario de trabajo</a:t>
                       </a:r>
-                      <a:r>
-                        <a:rPr sz="900" spc="-15">
-                          <a:solidFill>
-                            <a:srgbClr val="020302"/>
-                          </a:solidFill>
-                          <a:latin typeface="AdobeClean-Light"/>
-                          <a:cs typeface="AdobeClean-Light"/>
-                        </a:rPr>
-                        <a:t> </a:t>
-                      </a:r>
-                      <a:r>
-                        <a:rPr sz="900" spc="-30">
-                          <a:solidFill>
-                            <a:srgbClr val="020302"/>
-                          </a:solidFill>
-                          <a:latin typeface="AdobeClean-Light"/>
-                          <a:cs typeface="AdobeClean-Light"/>
-                        </a:rPr>
-                        <a:t>hours</a:t>
-                      </a:r>
-                      <a:endParaRPr sz="900">
-                        <a:latin typeface="AdobeClean-Light"/>
-                        <a:cs typeface="AdobeClean-Light"/>
-                      </a:endParaRPr>
                     </a:p>
                   </a:txBody>
                   <a:tcPr marL="0" marR="0" marT="67945" marB="0">
@@ -5077,7 +4414,7 @@
                     <a:bodyPr/>
                     <a:lstStyle/>
                     <a:p>
-                      <a:pPr marL="50800">
+                      <a:pPr marL="50800" algn="l" rtl="0">
                         <a:lnSpc>
                           <a:spcPct val="100000"/>
                         </a:lnSpc>
@@ -5126,39 +4463,15 @@
                         </a:spcBef>
                       </a:pPr>
                       <a:r>
-                        <a:rPr sz="900" spc="0">
+                        <a:rPr lang="es-ES" sz="900">
                           <a:solidFill>
                             <a:srgbClr val="020302"/>
                           </a:solidFill>
                           <a:latin typeface="AdobeClean-Light"/>
                           <a:cs typeface="AdobeClean-Light"/>
                         </a:rPr>
-                        <a:t>24x7</a:t>
+                        <a:t>Soporte con problemas P1 24 x 7 x 365</a:t>
                       </a:r>
-                      <a:r>
-                        <a:rPr lang="en-US" sz="900" spc="0">
-                          <a:solidFill>
-                            <a:srgbClr val="020302"/>
-                          </a:solidFill>
-                          <a:latin typeface="AdobeClean-Light"/>
-                          <a:cs typeface="AdobeClean-Light"/>
-                        </a:rPr>
-                        <a:t>x365</a:t>
-                      </a:r>
-                      <a:r>
-                        <a:rPr sz="900" spc="0">
-                          <a:solidFill>
-                            <a:srgbClr val="020302"/>
-                          </a:solidFill>
-                          <a:latin typeface="AdobeClean-Light"/>
-                          <a:cs typeface="AdobeClean-Light"/>
-                        </a:rPr>
-                        <a:t> P1 Issue Support</a:t>
-                      </a:r>
-                      <a:endParaRPr sz="900" spc="0">
-                        <a:latin typeface="AdobeClean-Light"/>
-                        <a:cs typeface="AdobeClean-Light"/>
-                      </a:endParaRPr>
                     </a:p>
                   </a:txBody>
                   <a:tcPr marL="0" marR="0" marT="57785" marB="0">
@@ -5190,7 +4503,7 @@
                         </a:spcBef>
                       </a:pPr>
                       <a:r>
-                        <a:rPr sz="900">
+                        <a:rPr lang="es-ES" sz="900">
                           <a:solidFill>
                             <a:srgbClr val="020302"/>
                           </a:solidFill>
@@ -5199,10 +4512,6 @@
                         </a:rPr>
                         <a:t></a:t>
                       </a:r>
-                      <a:endParaRPr sz="900">
-                        <a:latin typeface="Wingdings"/>
-                        <a:cs typeface="Wingdings"/>
-                      </a:endParaRPr>
                     </a:p>
                   </a:txBody>
                   <a:tcPr marL="0" marR="0" marT="58419" marB="0">
@@ -5232,7 +4541,7 @@
                         </a:spcBef>
                       </a:pPr>
                       <a:r>
-                        <a:rPr sz="900">
+                        <a:rPr lang="es-ES" sz="900">
                           <a:solidFill>
                             <a:srgbClr val="020302"/>
                           </a:solidFill>
@@ -5241,10 +4550,6 @@
                         </a:rPr>
                         <a:t></a:t>
                       </a:r>
-                      <a:endParaRPr sz="900">
-                        <a:latin typeface="Wingdings"/>
-                        <a:cs typeface="Wingdings"/>
-                      </a:endParaRPr>
                     </a:p>
                   </a:txBody>
                   <a:tcPr marL="0" marR="0" marT="58419" marB="0">
@@ -5267,7 +4572,7 @@
                     <a:bodyPr/>
                     <a:lstStyle/>
                     <a:p>
-                      <a:pPr marL="50800">
+                      <a:pPr marL="50800" algn="l" rtl="0">
                         <a:lnSpc>
                           <a:spcPct val="100000"/>
                         </a:lnSpc>
@@ -5325,19 +4630,15 @@
                         </a:spcBef>
                       </a:pPr>
                       <a:r>
-                        <a:rPr lang="en-US" sz="900" spc="0">
+                        <a:rPr lang="es-ES" sz="900">
                           <a:solidFill>
                             <a:srgbClr val="020302"/>
                           </a:solidFill>
                           <a:latin typeface="AdobeClean-Light"/>
                           <a:cs typeface="AdobeClean-Light"/>
                         </a:rPr>
-                        <a:t>Named Support Contacts (per product)</a:t>
+                        <a:t>Contactos de soporte particulares (por producto)</a:t>
                       </a:r>
-                      <a:endParaRPr sz="900" spc="0">
-                        <a:latin typeface="AdobeClean-Light"/>
-                        <a:cs typeface="AdobeClean-Light"/>
-                      </a:endParaRPr>
                     </a:p>
                   </a:txBody>
                   <a:tcPr marL="0" marR="0" marT="57785" marB="0">
@@ -5375,7 +4676,7 @@
                         </a:spcBef>
                       </a:pPr>
                       <a:r>
-                        <a:rPr sz="900">
+                        <a:rPr lang="es-ES" sz="900">
                           <a:solidFill>
                             <a:srgbClr val="020302"/>
                           </a:solidFill>
@@ -5384,10 +4685,6 @@
                         </a:rPr>
                         <a:t>4</a:t>
                       </a:r>
-                      <a:endParaRPr sz="900">
-                        <a:latin typeface="AdobeClean-Light"/>
-                        <a:cs typeface="AdobeClean-Light"/>
-                      </a:endParaRPr>
                     </a:p>
                   </a:txBody>
                   <a:tcPr marL="0" marR="0" marT="57785" marB="0">
@@ -5417,7 +4714,7 @@
                         </a:spcBef>
                       </a:pPr>
                       <a:r>
-                        <a:rPr sz="900">
+                        <a:rPr lang="es-ES" sz="900">
                           <a:solidFill>
                             <a:srgbClr val="020302"/>
                           </a:solidFill>
@@ -5426,10 +4723,6 @@
                         </a:rPr>
                         <a:t>6</a:t>
                       </a:r>
-                      <a:endParaRPr sz="900">
-                        <a:latin typeface="AdobeClean-Light"/>
-                        <a:cs typeface="AdobeClean-Light"/>
-                      </a:endParaRPr>
                     </a:p>
                   </a:txBody>
                   <a:tcPr marL="0" marR="0" marT="57785" marB="0">
@@ -5452,7 +4745,7 @@
                     <a:bodyPr/>
                     <a:lstStyle/>
                     <a:p>
-                      <a:pPr marL="50800">
+                      <a:pPr marL="50800" algn="l" rtl="0">
                         <a:lnSpc>
                           <a:spcPct val="100000"/>
                         </a:lnSpc>
@@ -5501,19 +4794,15 @@
                         </a:spcBef>
                       </a:pPr>
                       <a:r>
-                        <a:rPr lang="en-US" sz="900" spc="0">
+                        <a:rPr lang="es-ES" sz="900">
                           <a:solidFill>
                             <a:srgbClr val="020302"/>
                           </a:solidFill>
                           <a:latin typeface="AdobeClean-Light"/>
                           <a:cs typeface="AdobeClean-Light"/>
                         </a:rPr>
-                        <a:t>Live Telephone Support</a:t>
+                        <a:t>Asistencia telefónica en directo</a:t>
                       </a:r>
-                      <a:endParaRPr sz="900" spc="0">
-                        <a:latin typeface="AdobeClean-Light"/>
-                        <a:cs typeface="AdobeClean-Light"/>
-                      </a:endParaRPr>
                     </a:p>
                   </a:txBody>
                   <a:tcPr marL="0" marR="0" marT="57785" marB="0">
@@ -5536,7 +4825,7 @@
                     <a:bodyPr/>
                     <a:lstStyle/>
                     <a:p>
-                      <a:pPr algn="ctr">
+                      <a:pPr algn="l" rtl="0">
                         <a:lnSpc>
                           <a:spcPct val="100000"/>
                         </a:lnSpc>
@@ -5577,7 +4866,7 @@
                         </a:spcBef>
                       </a:pPr>
                       <a:r>
-                        <a:rPr sz="900">
+                        <a:rPr lang="es-ES" sz="900">
                           <a:solidFill>
                             <a:srgbClr val="020302"/>
                           </a:solidFill>
@@ -5586,10 +4875,6 @@
                         </a:rPr>
                         <a:t></a:t>
                       </a:r>
-                      <a:endParaRPr sz="900">
-                        <a:latin typeface="Wingdings"/>
-                        <a:cs typeface="Wingdings"/>
-                      </a:endParaRPr>
                     </a:p>
                   </a:txBody>
                   <a:tcPr marL="0" marR="0" marT="59054" marB="0">
@@ -5612,7 +4897,7 @@
                     <a:bodyPr/>
                     <a:lstStyle/>
                     <a:p>
-                      <a:pPr marL="50800">
+                      <a:pPr marL="50800" algn="l" rtl="0">
                         <a:lnSpc>
                           <a:spcPct val="100000"/>
                         </a:lnSpc>
@@ -5661,19 +4946,15 @@
                         </a:spcBef>
                       </a:pPr>
                       <a:r>
-                        <a:rPr sz="900" spc="0">
+                        <a:rPr lang="es-ES" sz="900">
                           <a:solidFill>
                             <a:srgbClr val="020302"/>
                           </a:solidFill>
                           <a:latin typeface="AdobeClean-Light"/>
                           <a:cs typeface="AdobeClean-Light"/>
                         </a:rPr>
-                        <a:t>Escalation Management</a:t>
+                        <a:t>Administración de la escalabilidad</a:t>
                       </a:r>
-                      <a:endParaRPr sz="900" spc="0">
-                        <a:latin typeface="AdobeClean-Light"/>
-                        <a:cs typeface="AdobeClean-Light"/>
-                      </a:endParaRPr>
                     </a:p>
                   </a:txBody>
                   <a:tcPr marL="0" marR="0" marT="58419" marB="0">
@@ -5696,7 +4977,7 @@
                     <a:bodyPr/>
                     <a:lstStyle/>
                     <a:p>
-                      <a:pPr algn="ctr">
+                      <a:pPr algn="l" rtl="0">
                         <a:lnSpc>
                           <a:spcPct val="100000"/>
                         </a:lnSpc>
@@ -5737,7 +5018,7 @@
                         </a:spcBef>
                       </a:pPr>
                       <a:r>
-                        <a:rPr sz="900">
+                        <a:rPr lang="es-ES" sz="900">
                           <a:solidFill>
                             <a:srgbClr val="020302"/>
                           </a:solidFill>
@@ -5746,10 +5027,6 @@
                         </a:rPr>
                         <a:t></a:t>
                       </a:r>
-                      <a:endParaRPr sz="900">
-                        <a:latin typeface="Wingdings"/>
-                        <a:cs typeface="Wingdings"/>
-                      </a:endParaRPr>
                     </a:p>
                   </a:txBody>
                   <a:tcPr marL="0" marR="0" marT="59690" marB="0">
@@ -5772,7 +5049,7 @@
                     <a:bodyPr/>
                     <a:lstStyle/>
                     <a:p>
-                      <a:pPr marL="50800">
+                      <a:pPr marL="50800" algn="l" rtl="0">
                         <a:lnSpc>
                           <a:spcPct val="100000"/>
                         </a:lnSpc>
@@ -5821,29 +5098,15 @@
                         </a:spcBef>
                       </a:pPr>
                       <a:r>
-                        <a:rPr sz="900" spc="0">
+                        <a:rPr lang="es-ES" sz="900">
                           <a:solidFill>
                             <a:srgbClr val="020302"/>
                           </a:solidFill>
                           <a:latin typeface="AdobeClean-Light"/>
                           <a:cs typeface="AdobeClean-Light"/>
                         </a:rPr>
-                        <a:t>Service Reviews </a:t>
+                        <a:t>Revisiones de servicio al año</a:t>
                       </a:r>
-                      <a:r>
-                        <a:rPr lang="en-US" sz="900" spc="0">
-                          <a:solidFill>
-                            <a:srgbClr val="020302"/>
-                          </a:solidFill>
-                          <a:latin typeface="AdobeClean-Light"/>
-                          <a:cs typeface="AdobeClean-Light"/>
-                        </a:rPr>
-                        <a:t>per Year</a:t>
-                      </a:r>
-                      <a:endParaRPr sz="900" spc="0">
-                        <a:latin typeface="AdobeClean-Light"/>
-                        <a:cs typeface="AdobeClean-Light"/>
-                      </a:endParaRPr>
                     </a:p>
                   </a:txBody>
                   <a:tcPr marL="0" marR="0" marT="57150" marB="0">
@@ -5866,7 +5129,7 @@
                     <a:bodyPr/>
                     <a:lstStyle/>
                     <a:p>
-                      <a:pPr>
+                      <a:pPr algn="l" rtl="0">
                         <a:lnSpc>
                           <a:spcPct val="100000"/>
                         </a:lnSpc>
@@ -5895,7 +5158,7 @@
                     <a:bodyPr/>
                     <a:lstStyle/>
                     <a:p>
-                      <a:pPr>
+                      <a:pPr algn="l" rtl="0">
                         <a:lnSpc>
                           <a:spcPct val="100000"/>
                         </a:lnSpc>
@@ -5945,16 +5208,12 @@
                         </a:spcBef>
                       </a:pPr>
                       <a:r>
-                        <a:rPr lang="en-US" sz="900" spc="0">
+                        <a:rPr lang="es-ES" sz="900">
                           <a:latin typeface="AdobeClean-Light"/>
                           <a:cs typeface="AdobeClean-Light"/>
                         </a:rPr>
-                        <a:t>Expert Sessions per Year</a:t>
+                        <a:t>Sesiones con expertos al año</a:t>
                       </a:r>
-                      <a:endParaRPr sz="900" spc="0">
-                        <a:latin typeface="AdobeClean-Light"/>
-                        <a:cs typeface="AdobeClean-Light"/>
-                      </a:endParaRPr>
                     </a:p>
                   </a:txBody>
                   <a:tcPr marL="0" marR="0" marT="57150" marB="0">
@@ -5983,7 +5242,7 @@
                     <a:bodyPr/>
                     <a:lstStyle/>
                     <a:p>
-                      <a:pPr>
+                      <a:pPr algn="l" rtl="0">
                         <a:lnSpc>
                           <a:spcPct val="100000"/>
                         </a:lnSpc>
@@ -6012,7 +5271,7 @@
                     <a:bodyPr/>
                     <a:lstStyle/>
                     <a:p>
-                      <a:pPr>
+                      <a:pPr algn="l" rtl="0">
                         <a:lnSpc>
                           <a:spcPct val="100000"/>
                         </a:lnSpc>
@@ -6062,16 +5321,12 @@
                         </a:spcBef>
                       </a:pPr>
                       <a:r>
-                        <a:rPr lang="en-US" sz="900" spc="0">
+                        <a:rPr lang="es-ES" sz="900">
                           <a:latin typeface="AdobeClean-Light"/>
                           <a:cs typeface="AdobeClean-Light"/>
                         </a:rPr>
-                        <a:t>Case Reviews</a:t>
+                        <a:t>Reseñas de casos</a:t>
                       </a:r>
-                      <a:endParaRPr sz="900" spc="0">
-                        <a:latin typeface="AdobeClean-Light"/>
-                        <a:cs typeface="AdobeClean-Light"/>
-                      </a:endParaRPr>
                     </a:p>
                   </a:txBody>
                   <a:tcPr marL="0" marR="0" marT="57150" marB="0">
@@ -6100,7 +5355,7 @@
                     <a:bodyPr/>
                     <a:lstStyle/>
                     <a:p>
-                      <a:pPr>
+                      <a:pPr algn="l" rtl="0">
                         <a:lnSpc>
                           <a:spcPct val="100000"/>
                         </a:lnSpc>
@@ -6129,7 +5384,7 @@
                     <a:bodyPr/>
                     <a:lstStyle/>
                     <a:p>
-                      <a:pPr>
+                      <a:pPr algn="l" rtl="0">
                         <a:lnSpc>
                           <a:spcPct val="100000"/>
                         </a:lnSpc>
@@ -6160,7 +5415,7 @@
                     <a:bodyPr/>
                     <a:lstStyle/>
                     <a:p>
-                      <a:pPr marL="48895">
+                      <a:pPr marL="48895" algn="l" rtl="0">
                         <a:lnSpc>
                           <a:spcPct val="100000"/>
                         </a:lnSpc>
@@ -6218,29 +5473,15 @@
                         </a:spcBef>
                       </a:pPr>
                       <a:r>
-                        <a:rPr sz="900" spc="0">
+                        <a:rPr lang="es-ES" sz="900">
                           <a:solidFill>
                             <a:srgbClr val="020302"/>
                           </a:solidFill>
                           <a:latin typeface="AdobeClean-Light"/>
                           <a:cs typeface="AdobeClean-Light"/>
                         </a:rPr>
-                        <a:t>Event </a:t>
+                        <a:t>Gestión de eventos</a:t>
                       </a:r>
-                      <a:r>
-                        <a:rPr lang="en-US" sz="900" spc="0">
-                          <a:solidFill>
-                            <a:srgbClr val="020302"/>
-                          </a:solidFill>
-                          <a:latin typeface="AdobeClean-Light"/>
-                          <a:cs typeface="AdobeClean-Light"/>
-                        </a:rPr>
-                        <a:t>Management</a:t>
-                      </a:r>
-                      <a:endParaRPr sz="900" spc="0">
-                        <a:latin typeface="AdobeClean-Light"/>
-                        <a:cs typeface="AdobeClean-Light"/>
-                      </a:endParaRPr>
                     </a:p>
                   </a:txBody>
                   <a:tcPr marL="0" marR="0" marT="58419" marB="0">
@@ -6269,7 +5510,7 @@
                     <a:bodyPr/>
                     <a:lstStyle/>
                     <a:p>
-                      <a:pPr>
+                      <a:pPr algn="l" rtl="0">
                         <a:lnSpc>
                           <a:spcPct val="100000"/>
                         </a:lnSpc>
@@ -6298,7 +5539,7 @@
                     <a:bodyPr/>
                     <a:lstStyle/>
                     <a:p>
-                      <a:pPr>
+                      <a:pPr algn="l" rtl="0">
                         <a:lnSpc>
                           <a:spcPct val="100000"/>
                         </a:lnSpc>
@@ -6329,7 +5570,7 @@
                     <a:bodyPr/>
                     <a:lstStyle/>
                     <a:p>
-                      <a:pPr marL="48895">
+                      <a:pPr marL="48895" algn="l" rtl="0">
                         <a:lnSpc>
                           <a:spcPct val="100000"/>
                         </a:lnSpc>
@@ -6378,39 +5619,15 @@
                         </a:spcBef>
                       </a:pPr>
                       <a:r>
-                        <a:rPr sz="900" spc="0">
+                        <a:rPr lang="es-ES" sz="900">
                           <a:solidFill>
                             <a:srgbClr val="020302"/>
                           </a:solidFill>
                           <a:latin typeface="AdobeClean-Light"/>
                           <a:cs typeface="AdobeClean-Light"/>
                         </a:rPr>
-                        <a:t>Environment</a:t>
+                        <a:t>Revisión, mantenimiento y monitorización del entorno</a:t>
                       </a:r>
-                      <a:r>
-                        <a:rPr lang="en-US" sz="900" spc="0">
-                          <a:solidFill>
-                            <a:srgbClr val="020302"/>
-                          </a:solidFill>
-                          <a:latin typeface="AdobeClean-Light"/>
-                          <a:cs typeface="AdobeClean-Light"/>
-                        </a:rPr>
-                        <a:t> </a:t>
-                      </a:r>
-                      <a:r>
-                        <a:rPr sz="900" spc="0">
-                          <a:solidFill>
-                            <a:srgbClr val="020302"/>
-                          </a:solidFill>
-                          <a:latin typeface="AdobeClean-Light"/>
-                          <a:cs typeface="AdobeClean-Light"/>
-                        </a:rPr>
-                        <a:t>Review, Maintenance &amp; Monitoring</a:t>
-                      </a:r>
-                      <a:endParaRPr sz="900" spc="0">
-                        <a:latin typeface="AdobeClean-Light"/>
-                        <a:cs typeface="AdobeClean-Light"/>
-                      </a:endParaRPr>
                     </a:p>
                   </a:txBody>
                   <a:tcPr marL="0" marR="0" marT="59055" marB="0">
@@ -6433,7 +5650,7 @@
                     <a:bodyPr/>
                     <a:lstStyle/>
                     <a:p>
-                      <a:pPr>
+                      <a:pPr algn="l" rtl="0">
                         <a:lnSpc>
                           <a:spcPct val="100000"/>
                         </a:lnSpc>
@@ -6462,7 +5679,7 @@
                     <a:bodyPr/>
                     <a:lstStyle/>
                     <a:p>
-                      <a:pPr>
+                      <a:pPr algn="l" rtl="0">
                         <a:lnSpc>
                           <a:spcPct val="100000"/>
                         </a:lnSpc>
@@ -6493,7 +5710,7 @@
                     <a:bodyPr/>
                     <a:lstStyle/>
                     <a:p>
-                      <a:pPr marL="49530">
+                      <a:pPr marL="49530" algn="l" rtl="0">
                         <a:lnSpc>
                           <a:spcPct val="100000"/>
                         </a:lnSpc>
@@ -6542,19 +5759,15 @@
                         </a:spcBef>
                       </a:pPr>
                       <a:r>
-                        <a:rPr sz="900" spc="0">
+                        <a:rPr lang="es-ES" sz="900" dirty="0">
                           <a:solidFill>
                             <a:srgbClr val="020302"/>
                           </a:solidFill>
                           <a:latin typeface="AdobeClean-Light"/>
                           <a:cs typeface="AdobeClean-Light"/>
                         </a:rPr>
-                        <a:t>Release, Migration, Upgrade &amp; Product Roadmap Review</a:t>
+                        <a:t>Lanzamiento, migración, actualización y revisión de la hoja de ruta del producto</a:t>
                       </a:r>
-                      <a:endParaRPr sz="900" spc="0">
-                        <a:latin typeface="AdobeClean-Light"/>
-                        <a:cs typeface="AdobeClean-Light"/>
-                      </a:endParaRPr>
                     </a:p>
                   </a:txBody>
                   <a:tcPr marL="0" marR="0" marT="63500" marB="0">
@@ -6577,7 +5790,7 @@
                     <a:bodyPr/>
                     <a:lstStyle/>
                     <a:p>
-                      <a:pPr>
+                      <a:pPr algn="l" rtl="0">
                         <a:lnSpc>
                           <a:spcPct val="100000"/>
                         </a:lnSpc>
@@ -6606,7 +5819,7 @@
                     <a:bodyPr/>
                     <a:lstStyle/>
                     <a:p>
-                      <a:pPr>
+                      <a:pPr algn="l" rtl="0">
                         <a:lnSpc>
                           <a:spcPct val="100000"/>
                         </a:lnSpc>
@@ -6637,7 +5850,7 @@
                     <a:bodyPr/>
                     <a:lstStyle/>
                     <a:p>
-                      <a:pPr marL="49530">
+                      <a:pPr marL="49530" algn="l" rtl="0">
                         <a:lnSpc>
                           <a:spcPct val="100000"/>
                         </a:lnSpc>
@@ -6695,11 +5908,11 @@
                         </a:spcBef>
                       </a:pPr>
                       <a:r>
-                        <a:rPr sz="900" spc="0">
+                        <a:rPr lang="es-ES" sz="900">
                           <a:latin typeface="AdobeClean-Light"/>
                           <a:cs typeface="AdobeClean-Light"/>
                         </a:rPr>
-                        <a:t>Cloud Support Activities – Experience Manager as Cloud</a:t>
+                        <a:t>Actividades de asistencia en la nube: Experience Manager as Cloud</a:t>
                       </a:r>
                     </a:p>
                   </a:txBody>
@@ -6729,7 +5942,7 @@
                     <a:bodyPr/>
                     <a:lstStyle/>
                     <a:p>
-                      <a:pPr>
+                      <a:pPr algn="l" rtl="0">
                         <a:lnSpc>
                           <a:spcPct val="100000"/>
                         </a:lnSpc>
@@ -6767,7 +5980,7 @@
                     <a:bodyPr/>
                     <a:lstStyle/>
                     <a:p>
-                      <a:pPr>
+                      <a:pPr algn="l" rtl="0">
                         <a:lnSpc>
                           <a:spcPct val="100000"/>
                         </a:lnSpc>
@@ -6816,22 +6029,15 @@
                         </a:spcBef>
                       </a:pPr>
                       <a:r>
-                        <a:rPr lang="en-US" sz="1000" b="1" i="0" spc="0">
+                        <a:rPr lang="es-ES" sz="1000" b="1" i="0">
                           <a:solidFill>
                             <a:schemeClr val="bg1"/>
                           </a:solidFill>
                           <a:latin typeface="Adobe Clean" panose="020B0503020404020204" pitchFamily="34" charset="0"/>
                           <a:cs typeface="AdobeClean-Light"/>
                         </a:rPr>
-                        <a:t>Field Services</a:t>
+                        <a:t>Servicios de campo</a:t>
                       </a:r>
-                      <a:endParaRPr sz="1000" b="1" i="0" spc="0">
-                        <a:solidFill>
-                          <a:schemeClr val="bg1"/>
-                        </a:solidFill>
-                        <a:latin typeface="Adobe Clean" panose="020B0503020404020204" pitchFamily="34" charset="0"/>
-                        <a:cs typeface="AdobeClean-Light"/>
-                      </a:endParaRPr>
                     </a:p>
                   </a:txBody>
                   <a:tcPr marL="0" marR="0" marT="48260" marB="0" anchor="ctr">
@@ -6884,19 +6090,55 @@
                         </a:spcBef>
                       </a:pPr>
                       <a:r>
-                        <a:rPr sz="900" spc="0">
+                        <a:rPr lang="es-ES" sz="900" dirty="0">
                           <a:solidFill>
                             <a:srgbClr val="020302"/>
                           </a:solidFill>
                           <a:latin typeface="AdobeClean-Light"/>
                           <a:cs typeface="AdobeClean-Light"/>
                         </a:rPr>
-                        <a:t>Launch Advisory Services – First Year of new solution</a:t>
+                        <a:t>Servicios de </a:t>
                       </a:r>
-                      <a:endParaRPr sz="900" spc="0">
-                        <a:latin typeface="AdobeClean-Light"/>
-                        <a:cs typeface="AdobeClean-Light"/>
-                      </a:endParaRPr>
+                      <a:r>
+                        <a:rPr lang="es-ES" sz="900" dirty="0" err="1">
+                          <a:solidFill>
+                            <a:srgbClr val="020302"/>
+                          </a:solidFill>
+                          <a:latin typeface="AdobeClean-Light"/>
+                          <a:cs typeface="AdobeClean-Light"/>
+                        </a:rPr>
+                        <a:t>Launch</a:t>
+                      </a:r>
+                      <a:r>
+                        <a:rPr lang="es-ES" sz="900" dirty="0">
+                          <a:solidFill>
+                            <a:srgbClr val="020302"/>
+                          </a:solidFill>
+                          <a:latin typeface="AdobeClean-Light"/>
+                          <a:cs typeface="AdobeClean-Light"/>
+                        </a:rPr>
+                        <a:t> </a:t>
+                      </a:r>
+                      <a:r>
+                        <a:rPr lang="es-ES" sz="900" dirty="0" err="1">
+                          <a:solidFill>
+                            <a:srgbClr val="020302"/>
+                          </a:solidFill>
+                          <a:latin typeface="AdobeClean-Light"/>
+                          <a:cs typeface="AdobeClean-Light"/>
+                        </a:rPr>
+                        <a:t>Advisory</a:t>
+                      </a:r>
+                      <a:r>
+                        <a:rPr lang="es-ES" sz="900" dirty="0">
+                          <a:solidFill>
+                            <a:srgbClr val="020302"/>
+                          </a:solidFill>
+                          <a:latin typeface="AdobeClean-Light"/>
+                          <a:cs typeface="AdobeClean-Light"/>
+                        </a:rPr>
+                        <a:t>: primer año de la nueva solución</a:t>
+                      </a:r>
                     </a:p>
                     <a:p>
                       <a:pPr marL="48260" hangingPunct="0">
@@ -6908,11 +6150,11 @@
                         </a:spcBef>
                       </a:pPr>
                       <a:r>
-                        <a:rPr sz="900" spc="0">
+                        <a:rPr lang="es-ES" sz="900" dirty="0">
                           <a:latin typeface="AdobeClean-Light"/>
                           <a:cs typeface="AdobeClean-Light"/>
                         </a:rPr>
-                        <a:t>Field Service Activities </a:t>
+                        <a:t>Actividades del servicio de campo </a:t>
                       </a:r>
                     </a:p>
                   </a:txBody>
@@ -6948,7 +6190,7 @@
                     <a:bodyPr/>
                     <a:lstStyle/>
                     <a:p>
-                      <a:pPr>
+                      <a:pPr algn="l" rtl="0">
                         <a:lnSpc>
                           <a:spcPct val="100000"/>
                         </a:lnSpc>
@@ -6986,7 +6228,7 @@
                     <a:bodyPr/>
                     <a:lstStyle/>
                     <a:p>
-                      <a:pPr>
+                      <a:pPr algn="l" rtl="0">
                         <a:lnSpc>
                           <a:spcPct val="100000"/>
                         </a:lnSpc>
@@ -7071,7 +6313,7 @@
                     <a:bodyPr/>
                     <a:lstStyle/>
                     <a:p>
-                      <a:pPr>
+                      <a:pPr algn="l" rtl="0">
                         <a:lnSpc>
                           <a:spcPct val="100000"/>
                         </a:lnSpc>
@@ -7097,7 +6339,7 @@
                     <a:bodyPr/>
                     <a:lstStyle/>
                     <a:p>
-                      <a:pPr>
+                      <a:pPr algn="l" rtl="0">
                         <a:lnSpc>
                           <a:spcPct val="100000"/>
                         </a:lnSpc>
@@ -7161,7 +6403,7 @@
           <a:lstStyle/>
           <a:p>
             <a:r>
-              <a:rPr lang="en-US" sz="700" i="1">
+              <a:rPr lang="es-ES" sz="700" i="1">
                 <a:solidFill>
                   <a:schemeClr val="bg1"/>
                 </a:solidFill>
@@ -7343,7 +6585,7 @@
         <p:spPr>
           <a:xfrm>
             <a:off x="370040" y="1409311"/>
-            <a:ext cx="2286000" cy="1289969"/>
+            <a:ext cx="2286000" cy="1456809"/>
           </a:xfrm>
           <a:prstGeom prst="rect">
             <a:avLst/>
@@ -7364,18 +6606,14 @@
               </a:spcBef>
             </a:pPr>
             <a:r>
-              <a:rPr lang="en-US" sz="1000">
+              <a:rPr lang="es-ES" sz="900" dirty="0">
                 <a:solidFill>
                   <a:srgbClr val="000000"/>
                 </a:solidFill>
                 <a:latin typeface="Adobe Clean Light" panose="020B0303020404020204" pitchFamily="34" charset="0"/>
               </a:rPr>
-              <a:t>A designated Account Support Lead to proactively monitor cases, drive cross-team collaboration, deliver onboarding webinars, run service reports, provide non-technical support assistance, and function as your escalation point and internal advocate within Adobe Support.</a:t>
+              <a:t>Un responsable de la asistencia técnica de la cuenta particular para monitorizar de forma proactiva los casos, impulsar la colaboración entre equipos, ofrecer seminarios web de incorporación, ejecutar informes de servicios, proporcionar asistencia no técnica, y actuar como punto de escalación y defensor interno dentro del equipo de asistencia de Adobe.</a:t>
             </a:r>
-            <a:endParaRPr lang="en-US" sz="1000">
-              <a:latin typeface="Adobe Clean Light" panose="020B0303020404020204" pitchFamily="34" charset="0"/>
-              <a:cs typeface="AdobeClean-Light"/>
-            </a:endParaRPr>
           </a:p>
         </p:txBody>
       </p:sp>
@@ -7412,44 +6650,14 @@
               </a:tabLst>
             </a:pPr>
             <a:r>
-              <a:rPr sz="1000">
+              <a:rPr lang="es-ES" sz="1000" dirty="0">
                 <a:solidFill>
                   <a:srgbClr val="020302"/>
                 </a:solidFill>
                 <a:latin typeface="AdobeClean-Light"/>
                 <a:cs typeface="AdobeClean-Light"/>
               </a:rPr>
-              <a:t>Start a chat session to get answers</a:t>
-            </a:r>
-            <a:r>
-              <a:rPr lang="en-US" sz="1000">
-                <a:solidFill>
-                  <a:srgbClr val="020302"/>
-                </a:solidFill>
-                <a:latin typeface="AdobeClean-Light"/>
-                <a:cs typeface="AdobeClean-Light"/>
-              </a:rPr>
-              <a:t> &amp; </a:t>
-            </a:r>
-            <a:r>
-              <a:rPr sz="1000">
-                <a:solidFill>
-                  <a:srgbClr val="020302"/>
-                </a:solidFill>
-                <a:latin typeface="AdobeClean-Light"/>
-                <a:cs typeface="AdobeClean-Light"/>
-              </a:rPr>
-              <a:t>help with case submission</a:t>
-            </a:r>
-            <a:r>
-              <a:rPr lang="en-US" sz="1000">
-                <a:solidFill>
-                  <a:srgbClr val="020302"/>
-                </a:solidFill>
-                <a:latin typeface="AdobeClean-Light"/>
-                <a:cs typeface="AdobeClean-Light"/>
-              </a:rPr>
-              <a:t>.</a:t>
+              <a:t>Inicie una sesión de chat para obtener respuestas y ayuda con el envío de casos.</a:t>
             </a:r>
           </a:p>
           <a:p>
@@ -7462,39 +6670,25 @@
               </a:tabLst>
             </a:pPr>
             <a:r>
-              <a:rPr sz="1000" i="1">
+              <a:rPr lang="es-ES" sz="1000" i="1" dirty="0">
                 <a:solidFill>
                   <a:srgbClr val="7A7A7A"/>
                 </a:solidFill>
                 <a:latin typeface="AdobeClean-LightIt"/>
                 <a:cs typeface="AdobeClean-LightIt"/>
               </a:rPr>
-              <a:t>*Not all products have live chat support</a:t>
+              <a:t>* No todos los productos ofrecen la opción de disfrutar de asistencia mediante chat en directo</a:t>
             </a:r>
             <a:r>
-              <a:rPr sz="900" i="1">
+              <a:rPr lang="es-ES" sz="900" i="1" dirty="0">
                 <a:solidFill>
                   <a:srgbClr val="7A7A7A"/>
                 </a:solidFill>
                 <a:latin typeface="AdobeClean-LightIt"/>
                 <a:cs typeface="AdobeClean-LightIt"/>
               </a:rPr>
-              <a:t>.</a:t>
+              <a:t>.  </a:t>
             </a:r>
-            <a:r>
-              <a:rPr lang="en-US" sz="900" i="1">
-                <a:solidFill>
-                  <a:srgbClr val="7A7A7A"/>
-                </a:solidFill>
-                <a:latin typeface="AdobeClean-LightIt"/>
-                <a:cs typeface="AdobeClean-LightIt"/>
-              </a:rPr>
-              <a:t>  </a:t>
-            </a:r>
-            <a:endParaRPr sz="900">
-              <a:latin typeface="AdobeClean-Light"/>
-              <a:cs typeface="AdobeClean-Light"/>
-            </a:endParaRPr>
           </a:p>
         </p:txBody>
       </p:sp>
@@ -7570,12 +6764,12 @@
               <a:defRPr/>
             </a:pPr>
             <a:r>
-              <a:rPr lang="en-US" sz="1200">
+              <a:rPr lang="es-ES" sz="1200">
                 <a:solidFill>
                   <a:srgbClr val="000000"/>
                 </a:solidFill>
               </a:rPr>
-              <a:t>Community Forums</a:t>
+              <a:t>Foros de la comunidad</a:t>
             </a:r>
           </a:p>
         </p:txBody>
@@ -7618,12 +6812,12 @@
               </a:spcAft>
             </a:pPr>
             <a:r>
-              <a:rPr lang="en-US" sz="1200" b="1">
+              <a:rPr lang="es-ES" sz="1200" b="1">
                 <a:latin typeface="+mj-lt"/>
                 <a:ea typeface="Open Sans" pitchFamily="34" charset="0"/>
                 <a:cs typeface="Open Sans" pitchFamily="34" charset="0"/>
               </a:rPr>
-              <a:t>Online Forums</a:t>
+              <a:t>Foros en línea</a:t>
             </a:r>
           </a:p>
         </p:txBody>
@@ -7643,7 +6837,7 @@
         <p:spPr>
           <a:xfrm>
             <a:off x="370040" y="6529249"/>
-            <a:ext cx="2286000" cy="805349"/>
+            <a:ext cx="2286000" cy="866904"/>
           </a:xfrm>
           <a:prstGeom prst="rect">
             <a:avLst/>
@@ -7656,13 +6850,13 @@
           <a:lstStyle/>
           <a:p>
             <a:r>
-              <a:rPr lang="en-US" sz="1000">
+              <a:rPr lang="es-ES" sz="900" dirty="0">
                 <a:solidFill>
                   <a:srgbClr val="000000"/>
                 </a:solidFill>
                 <a:latin typeface="Adobe Clean Light" panose="020B0303020404020204" pitchFamily="34" charset="0"/>
               </a:rPr>
-              <a:t>Continuous online access to a growing database of technical solutions, product documentation, FAQs and more. Thousands of customers can connect to share best practices and lessons learned.</a:t>
+              <a:t>Acceso continuo en línea a una base de datos donde encontrará cada vez más soluciones técnicas, documentación de productos, preguntas frecuentes y mucho más. Miles de clientes se pueden conectar para compartir las prácticas recomendadas y las lecciones aprendidas.</a:t>
             </a:r>
           </a:p>
         </p:txBody>
@@ -7705,12 +6899,12 @@
               </a:spcAft>
             </a:pPr>
             <a:r>
-              <a:rPr lang="en-US" sz="1200" b="1">
+              <a:rPr lang="es-ES" sz="1200" b="1" dirty="0">
                 <a:latin typeface="+mj-lt"/>
                 <a:ea typeface="Open Sans" pitchFamily="34" charset="0"/>
                 <a:cs typeface="Open Sans" pitchFamily="34" charset="0"/>
               </a:rPr>
-              <a:t>Self-guided Journeys</a:t>
+              <a:t>Recorridos autoguiados</a:t>
             </a:r>
           </a:p>
         </p:txBody>
@@ -7730,7 +6924,7 @@
         <p:spPr>
           <a:xfrm>
             <a:off x="5376301" y="6529249"/>
-            <a:ext cx="2286000" cy="959237"/>
+            <a:ext cx="2286000" cy="1143903"/>
           </a:xfrm>
           <a:prstGeom prst="rect">
             <a:avLst/>
@@ -7743,13 +6937,75 @@
           <a:lstStyle/>
           <a:p>
             <a:r>
-              <a:rPr lang="en-US" sz="1000">
+              <a:rPr lang="es-ES" sz="900" dirty="0">
                 <a:solidFill>
                   <a:srgbClr val="000000"/>
                 </a:solidFill>
                 <a:latin typeface="Adobe Clean Light" panose="020B0303020404020204" pitchFamily="34" charset="0"/>
               </a:rPr>
-              <a:t>Experience Makers are made with Experience League. Customers can kickstart their Customer Experience Management abilities with personalized learning to develop skills, engage with a global community of peers, and earn career advancing recognition.</a:t>
+              <a:t>Los </a:t>
+            </a:r>
+            <a:r>
+              <a:rPr lang="es-ES" sz="900" dirty="0" err="1">
+                <a:solidFill>
+                  <a:srgbClr val="000000"/>
+                </a:solidFill>
+                <a:latin typeface="Adobe Clean Light" panose="020B0303020404020204" pitchFamily="34" charset="0"/>
+              </a:rPr>
+              <a:t>experience</a:t>
+            </a:r>
+            <a:r>
+              <a:rPr lang="es-ES" sz="900" dirty="0">
+                <a:solidFill>
+                  <a:srgbClr val="000000"/>
+                </a:solidFill>
+                <a:latin typeface="Adobe Clean Light" panose="020B0303020404020204" pitchFamily="34" charset="0"/>
+              </a:rPr>
+              <a:t> </a:t>
+            </a:r>
+            <a:r>
+              <a:rPr lang="es-ES" sz="900" dirty="0" err="1">
+                <a:solidFill>
+                  <a:srgbClr val="000000"/>
+                </a:solidFill>
+                <a:latin typeface="Adobe Clean Light" panose="020B0303020404020204" pitchFamily="34" charset="0"/>
+              </a:rPr>
+              <a:t>makers</a:t>
+            </a:r>
+            <a:r>
+              <a:rPr lang="es-ES" sz="900" dirty="0">
+                <a:solidFill>
+                  <a:srgbClr val="000000"/>
+                </a:solidFill>
+                <a:latin typeface="Adobe Clean Light" panose="020B0303020404020204" pitchFamily="34" charset="0"/>
+              </a:rPr>
+              <a:t> se realizan con </a:t>
+            </a:r>
+            <a:br>
+              <a:rPr lang="es-ES" sz="900" dirty="0">
+                <a:solidFill>
+                  <a:srgbClr val="000000"/>
+                </a:solidFill>
+                <a:latin typeface="Adobe Clean Light" panose="020B0303020404020204" pitchFamily="34" charset="0"/>
+              </a:rPr>
+            </a:br>
+            <a:r>
+              <a:rPr lang="es-ES" sz="900" dirty="0" err="1">
+                <a:solidFill>
+                  <a:srgbClr val="000000"/>
+                </a:solidFill>
+                <a:latin typeface="Adobe Clean Light" panose="020B0303020404020204" pitchFamily="34" charset="0"/>
+              </a:rPr>
+              <a:t>Experience</a:t>
+            </a:r>
+            <a:r>
+              <a:rPr lang="es-ES" sz="900" dirty="0">
+                <a:solidFill>
+                  <a:srgbClr val="000000"/>
+                </a:solidFill>
+                <a:latin typeface="Adobe Clean Light" panose="020B0303020404020204" pitchFamily="34" charset="0"/>
+              </a:rPr>
+              <a:t> League. Los clientes pueden aplicar sus conocimientos de administración de la experiencia del cliente con aprendizaje personalizado para desarrollar habilidades, interactuar con la comunidad internacional de compañeros y obtener reconocimiento en su trayectoria profesional.</a:t>
             </a:r>
           </a:p>
         </p:txBody>
@@ -7797,12 +7053,12 @@
               <a:defRPr/>
             </a:pPr>
             <a:r>
-              <a:rPr lang="en-US" sz="1200">
+              <a:rPr lang="es-ES" sz="1200" spc="-30" dirty="0">
                 <a:solidFill>
                   <a:srgbClr val="000000"/>
                 </a:solidFill>
               </a:rPr>
-              <a:t>Live Chat  Support*</a:t>
+              <a:t>Asistencia mediante chat en directo*</a:t>
             </a:r>
           </a:p>
         </p:txBody>
@@ -7845,12 +7101,12 @@
               </a:spcAft>
             </a:pPr>
             <a:r>
-              <a:rPr lang="en-US" sz="1200" b="1">
+              <a:rPr lang="es-ES" sz="1200" b="1">
                 <a:latin typeface="+mj-lt"/>
                 <a:ea typeface="Open Sans" pitchFamily="34" charset="0"/>
                 <a:cs typeface="Open Sans" pitchFamily="34" charset="0"/>
               </a:rPr>
-              <a:t>Chat Support</a:t>
+              <a:t>Asistencia mediante chat</a:t>
             </a:r>
           </a:p>
         </p:txBody>
@@ -7898,12 +7154,12 @@
               <a:defRPr/>
             </a:pPr>
             <a:r>
-              <a:rPr lang="en-US" sz="1200">
+              <a:rPr lang="es-ES" sz="1200">
                 <a:solidFill>
                   <a:srgbClr val="000000"/>
                 </a:solidFill>
               </a:rPr>
-              <a:t>24X7 P1 </a:t>
+              <a:t>24/7 P1 </a:t>
             </a:r>
           </a:p>
         </p:txBody>
@@ -7946,12 +7202,12 @@
               </a:spcAft>
             </a:pPr>
             <a:r>
-              <a:rPr lang="en-US" sz="1200" b="1">
+              <a:rPr lang="es-ES" sz="1200" b="1" dirty="0">
                 <a:latin typeface="+mj-lt"/>
                 <a:ea typeface="Open Sans" pitchFamily="34" charset="0"/>
                 <a:cs typeface="Open Sans" pitchFamily="34" charset="0"/>
               </a:rPr>
-              <a:t>Phone Support</a:t>
+              <a:t>Asistencia telefónica</a:t>
             </a:r>
           </a:p>
         </p:txBody>
@@ -7971,7 +7227,7 @@
         <p:spPr>
           <a:xfrm>
             <a:off x="2836967" y="6529249"/>
-            <a:ext cx="2286000" cy="805349"/>
+            <a:ext cx="2286000" cy="866904"/>
           </a:xfrm>
           <a:prstGeom prst="rect">
             <a:avLst/>
@@ -7984,26 +7240,20 @@
           <a:lstStyle/>
           <a:p>
             <a:r>
-              <a:rPr lang="en-US" sz="1000">
+              <a:rPr lang="es-ES" sz="900" dirty="0">
                 <a:solidFill>
                   <a:srgbClr val="020302"/>
                 </a:solidFill>
                 <a:latin typeface="AdobeClean-Light"/>
               </a:rPr>
-              <a:t>Authorized users or Named Support Contacts </a:t>
+              <a:t>Los usuarios autorizados o los contactos de soporte particulares</a:t>
             </a:r>
             <a:r>
-              <a:rPr lang="en-US" sz="1000">
+              <a:rPr lang="es-ES" sz="900" dirty="0">
                 <a:latin typeface="Adobe Clean Light" panose="020B0303020404020204" pitchFamily="34" charset="0"/>
               </a:rPr>
-              <a:t>can submit issues through all available  channels (including phone for P1) and interact with our technical support team on behalf of your company. </a:t>
+              <a:t> pueden enviar problemas a través de todos los canales disponibles (incluido el teléfono en el caso de los problemas P1) y hablar con nuestro equipo de asistencia en nombre de su empresa. </a:t>
             </a:r>
-            <a:endParaRPr lang="en-US" sz="1000">
-              <a:solidFill>
-                <a:srgbClr val="000000"/>
-              </a:solidFill>
-              <a:latin typeface="Adobe Clean Light" panose="020B0303020404020204" pitchFamily="34" charset="0"/>
-            </a:endParaRPr>
           </a:p>
         </p:txBody>
       </p:sp>
@@ -8025,8 +7275,8 @@
         </p:nvSpPr>
         <p:spPr>
           <a:xfrm>
-            <a:off x="5253416" y="9862966"/>
-            <a:ext cx="2270125" cy="132729"/>
+            <a:off x="5253415" y="9862966"/>
+            <a:ext cx="2377440" cy="132729"/>
           </a:xfrm>
           <a:prstGeom prst="rect">
             <a:avLst/>
@@ -8047,24 +7297,40 @@
               </a:spcBef>
             </a:pPr>
             <a:r>
-              <a:rPr spc="-5"/>
-              <a:t>©202</a:t>
+              <a:rPr lang="es-ES" dirty="0"/>
+              <a:t>©2021 Adobe. </a:t>
             </a:r>
             <a:r>
-              <a:rPr lang="en-US" spc="-5"/>
-              <a:t>1</a:t>
+              <a:rPr lang="es-ES" dirty="0" err="1"/>
+              <a:t>All</a:t>
             </a:r>
             <a:r>
-              <a:rPr spc="-5"/>
-              <a:t> Adobe. All Rights Reserved. Adobe</a:t>
-            </a:r>
-            <a:r>
-              <a:rPr spc="60"/>
+              <a:rPr lang="es-ES" dirty="0"/>
               <a:t> </a:t>
             </a:r>
             <a:r>
-              <a:rPr spc="-5"/>
-              <a:t>Confidential.</a:t>
+              <a:rPr lang="es-ES" dirty="0" err="1"/>
+              <a:t>Rights</a:t>
+            </a:r>
+            <a:r>
+              <a:rPr lang="es-ES" dirty="0"/>
+              <a:t> </a:t>
+            </a:r>
+            <a:r>
+              <a:rPr lang="es-ES" dirty="0" err="1"/>
+              <a:t>Reserved</a:t>
+            </a:r>
+            <a:r>
+              <a:rPr lang="es-ES" dirty="0"/>
+              <a:t>. Adobe </a:t>
+            </a:r>
+            <a:r>
+              <a:rPr lang="es-ES" dirty="0" err="1"/>
+              <a:t>Confidential</a:t>
+            </a:r>
+            <a:r>
+              <a:rPr lang="es-ES" dirty="0"/>
+              <a:t>.</a:t>
             </a:r>
           </a:p>
         </p:txBody>
@@ -8086,7 +7352,7 @@
         <p:spPr>
           <a:xfrm>
             <a:off x="821898" y="1099315"/>
-            <a:ext cx="1726164" cy="184666"/>
+            <a:ext cx="1828800" cy="184666"/>
           </a:xfrm>
           <a:prstGeom prst="rect">
             <a:avLst/>
@@ -8107,13 +7373,13 @@
               </a:spcAft>
             </a:pPr>
             <a:r>
-              <a:rPr lang="en-US" sz="1200" b="1" spc="-10">
+              <a:rPr lang="es-ES" sz="1200" b="1" dirty="0">
                 <a:solidFill>
                   <a:srgbClr val="020302"/>
                 </a:solidFill>
                 <a:latin typeface="+mj-lt"/>
               </a:rPr>
-              <a:t>Account Support Lead</a:t>
+              <a:t>Responsable de la asistencia técnica de la cuenta</a:t>
             </a:r>
           </a:p>
         </p:txBody>
@@ -8202,19 +7468,15 @@
               </a:spcBef>
             </a:pPr>
             <a:r>
-              <a:rPr lang="en-US" sz="1400" b="1" spc="-10" dirty="0">
+              <a:rPr lang="es-ES" sz="1400" b="1">
                 <a:solidFill>
                   <a:srgbClr val="020302"/>
                 </a:solidFill>
                 <a:latin typeface="Adobe Clean"/>
                 <a:cs typeface="Adobe Clean"/>
               </a:rPr>
-              <a:t>Standard Support Features</a:t>
+              <a:t>Funciones de soporte Standard</a:t>
             </a:r>
-            <a:endParaRPr lang="en-US" sz="1400" dirty="0">
-              <a:latin typeface="Adobe Clean"/>
-              <a:cs typeface="Adobe Clean"/>
-            </a:endParaRPr>
           </a:p>
         </p:txBody>
       </p:sp>
@@ -8302,19 +7564,15 @@
               </a:spcBef>
             </a:pPr>
             <a:r>
-              <a:rPr lang="en-US" sz="1400" b="1" spc="-10">
+              <a:rPr lang="es-ES" sz="1400" b="1">
                 <a:solidFill>
                   <a:srgbClr val="020302"/>
                 </a:solidFill>
                 <a:latin typeface="Adobe Clean"/>
                 <a:cs typeface="Adobe Clean"/>
               </a:rPr>
-              <a:t>Business  Support Features</a:t>
+              <a:t>Funciones de soporte Business</a:t>
             </a:r>
-            <a:endParaRPr lang="en-US" sz="1400">
-              <a:latin typeface="Adobe Clean"/>
-              <a:cs typeface="Adobe Clean"/>
-            </a:endParaRPr>
           </a:p>
         </p:txBody>
       </p:sp>
@@ -8332,8 +7590,8 @@
         </p:nvSpPr>
         <p:spPr>
           <a:xfrm>
-            <a:off x="2836967" y="1370913"/>
-            <a:ext cx="2286000" cy="1456681"/>
+            <a:off x="2836966" y="1370913"/>
+            <a:ext cx="2492075" cy="1636345"/>
           </a:xfrm>
           <a:prstGeom prst="rect">
             <a:avLst/>
@@ -8354,15 +7612,11 @@
               </a:spcBef>
             </a:pPr>
             <a:r>
-              <a:rPr lang="en-US" sz="1000">
+              <a:rPr lang="es-ES" sz="900" dirty="0">
                 <a:latin typeface="Adobe Clean Light" panose="020B0303020404020204" pitchFamily="34" charset="0"/>
               </a:rPr>
-              <a:t>Customers can submit support cases via Phone for all P2, P3, P4 issues during regional support hours. There are no upper limits on the number of times you can call into support. Customers can also request a call back from support or request a meeting to demonstrate or work through an issue using a shared remote desktop session.</a:t>
+              <a:t>Los clientes pueden enviar casos de asistencia por teléfono en lo relacionado con todos los problemas P2, P3 y P4 durante el horario de asistencia regional. No existen límites máximos en cuanto a la cantidad de veces que puede llamar al equipo de asistencia. Los clientes también pueden solicitar que el servicio de asistencia les llame por teléfono o solicitar una reunión para ver o solucionar un problema mediante una sesión de escritorio remoto compartida.</a:t>
             </a:r>
-            <a:endParaRPr lang="en-US" sz="1000">
-              <a:latin typeface="Adobe Clean Light" panose="020B0303020404020204" pitchFamily="34" charset="0"/>
-              <a:cs typeface="AdobeClean-Light"/>
-            </a:endParaRPr>
           </a:p>
         </p:txBody>
       </p:sp>
@@ -8404,13 +7658,13 @@
               </a:spcAft>
             </a:pPr>
             <a:r>
-              <a:rPr lang="en-US" sz="1200" b="1" spc="-10">
+              <a:rPr lang="es-ES" sz="1200" b="1">
                 <a:solidFill>
                   <a:srgbClr val="020302"/>
                 </a:solidFill>
                 <a:latin typeface="+mj-lt"/>
               </a:rPr>
-              <a:t>Live Telephone Support</a:t>
+              <a:t>Asistencia telefónica en directo</a:t>
             </a:r>
           </a:p>
         </p:txBody>
@@ -8429,8 +7683,8 @@
         </p:nvSpPr>
         <p:spPr>
           <a:xfrm>
-            <a:off x="5376301" y="1398482"/>
-            <a:ext cx="2286000" cy="805349"/>
+            <a:off x="5443357" y="1398482"/>
+            <a:ext cx="2286000" cy="728405"/>
           </a:xfrm>
           <a:prstGeom prst="rect">
             <a:avLst/>
@@ -8451,18 +7705,14 @@
               </a:spcBef>
             </a:pPr>
             <a:r>
-              <a:rPr lang="en-US" sz="1000">
+              <a:rPr lang="es-ES" sz="900" dirty="0">
                 <a:solidFill>
                   <a:srgbClr val="4B4B4B"/>
                 </a:solidFill>
                 <a:latin typeface="Adobe Clean Light" panose="020B0303020404020204" pitchFamily="34" charset="0"/>
               </a:rPr>
-              <a:t>A designated point of contact within Adobe who can provide escalation assistance, regular updates and ensure priority is given to your most critical open support requests.</a:t>
+              <a:t>Un punto de contacto designado de Adobe que puede proporcionar asistencia en cuanto a escalabilidad y actualizaciones frecuentes, así como garantizar que se dé prioridad a sus solicitudes de soporte abierto más críticas.</a:t>
             </a:r>
-            <a:endParaRPr lang="en-US" sz="1000">
-              <a:latin typeface="Adobe Clean Light" panose="020B0303020404020204" pitchFamily="34" charset="0"/>
-              <a:cs typeface="AdobeClean-Light"/>
-            </a:endParaRPr>
           </a:p>
         </p:txBody>
       </p:sp>
@@ -8482,7 +7732,7 @@
         </p:nvSpPr>
         <p:spPr>
           <a:xfrm>
-            <a:off x="5885313" y="1085652"/>
+            <a:off x="5952369" y="1085652"/>
             <a:ext cx="1608472" cy="184666"/>
           </a:xfrm>
           <a:prstGeom prst="rect">
@@ -8504,13 +7754,13 @@
               </a:spcAft>
             </a:pPr>
             <a:r>
-              <a:rPr lang="en-US" sz="1200" b="1" spc="-10">
+              <a:rPr lang="es-ES" sz="1200" b="1">
                 <a:solidFill>
                   <a:srgbClr val="020302"/>
                 </a:solidFill>
                 <a:latin typeface="+mj-lt"/>
               </a:rPr>
-              <a:t>Escalation Management</a:t>
+              <a:t>Administración de la escalabilidad</a:t>
             </a:r>
           </a:p>
         </p:txBody>
@@ -8558,12 +7808,12 @@
               <a:defRPr/>
             </a:pPr>
             <a:r>
-              <a:rPr lang="en-US" sz="1200">
+              <a:rPr lang="es-ES" sz="1200" dirty="0">
                 <a:solidFill>
                   <a:srgbClr val="000000"/>
                 </a:solidFill>
               </a:rPr>
-              <a:t>Office Hours</a:t>
+              <a:t>Horario de oficina</a:t>
             </a:r>
           </a:p>
         </p:txBody>
@@ -8606,12 +7856,12 @@
               </a:spcAft>
             </a:pPr>
             <a:r>
-              <a:rPr lang="en-US" sz="1200" b="1">
+              <a:rPr lang="es-ES" sz="1200" b="1">
                 <a:latin typeface="+mj-lt"/>
                 <a:ea typeface="Open Sans" pitchFamily="34" charset="0"/>
                 <a:cs typeface="Open Sans" pitchFamily="34" charset="0"/>
               </a:rPr>
-              <a:t>Webinars</a:t>
+              <a:t>Seminarios web</a:t>
             </a:r>
           </a:p>
         </p:txBody>
@@ -8644,13 +7894,31 @@
           <a:lstStyle/>
           <a:p>
             <a:r>
-              <a:rPr lang="en-US" sz="1000">
+              <a:rPr lang="es-ES" sz="1000" dirty="0">
                 <a:solidFill>
                   <a:srgbClr val="000000"/>
                 </a:solidFill>
                 <a:latin typeface="Adobe Clean Light" panose="020B0303020404020204" pitchFamily="34" charset="0"/>
               </a:rPr>
-              <a:t>Office Hours is an initiative led by the Adobe Customer Support team. These sessions are designed to inform as well as help participants troubleshoot problems and provide tips and tricks to be successful with Adobe Experience Cloud.</a:t>
+              <a:t>“Horario de oficina” es una iniciativa liderada por el equipo de asistencia al cliente de Adobe. Estas sesiones están diseñadas para informar y ayudar a los participantes a solucionar problemas, y ofrecen sugerencias y trucos para usar correctamente Adobe </a:t>
+            </a:r>
+            <a:r>
+              <a:rPr lang="es-ES" sz="1000" dirty="0" err="1">
+                <a:solidFill>
+                  <a:srgbClr val="000000"/>
+                </a:solidFill>
+                <a:latin typeface="Adobe Clean Light" panose="020B0303020404020204" pitchFamily="34" charset="0"/>
+              </a:rPr>
+              <a:t>Experience</a:t>
+            </a:r>
+            <a:r>
+              <a:rPr lang="es-ES" sz="1000" dirty="0">
+                <a:solidFill>
+                  <a:srgbClr val="000000"/>
+                </a:solidFill>
+                <a:latin typeface="Adobe Clean Light" panose="020B0303020404020204" pitchFamily="34" charset="0"/>
+              </a:rPr>
+              <a:t> Cloud.</a:t>
             </a:r>
           </a:p>
         </p:txBody>
@@ -8693,12 +7961,12 @@
               </a:spcAft>
             </a:pPr>
             <a:r>
-              <a:rPr lang="en-US" sz="1200" b="1">
+              <a:rPr lang="es-ES" sz="1200" b="1">
                 <a:latin typeface="+mj-lt"/>
                 <a:ea typeface="Open Sans" pitchFamily="34" charset="0"/>
                 <a:cs typeface="Open Sans" pitchFamily="34" charset="0"/>
               </a:rPr>
-              <a:t>24/7 Support Portal</a:t>
+              <a:t>Portal de asistencia 24/7</a:t>
             </a:r>
           </a:p>
         </p:txBody>
@@ -8718,7 +7986,7 @@
         <p:spPr>
           <a:xfrm>
             <a:off x="5376301" y="8618616"/>
-            <a:ext cx="2286000" cy="805349"/>
+            <a:ext cx="2286000" cy="959237"/>
           </a:xfrm>
           <a:prstGeom prst="rect">
             <a:avLst/>
@@ -8731,30 +7999,13 @@
           <a:lstStyle/>
           <a:p>
             <a:r>
-              <a:rPr lang="en-US" sz="1000">
+              <a:rPr lang="es-ES" sz="1000" dirty="0">
                 <a:solidFill>
                   <a:srgbClr val="000000"/>
                 </a:solidFill>
                 <a:latin typeface="Adobe Clean Light" panose="020B0303020404020204" pitchFamily="34" charset="0"/>
               </a:rPr>
-              <a:t>On-demand access to the online </a:t>
-            </a:r>
-            <a:br>
-              <a:rPr lang="en-US" sz="1000">
-                <a:solidFill>
-                  <a:srgbClr val="000000"/>
-                </a:solidFill>
-                <a:latin typeface="Adobe Clean Light" panose="020B0303020404020204" pitchFamily="34" charset="0"/>
-              </a:rPr>
-            </a:br>
-            <a:r>
-              <a:rPr lang="en-US" sz="1000">
-                <a:solidFill>
-                  <a:srgbClr val="000000"/>
-                </a:solidFill>
-                <a:latin typeface="Adobe Clean Light" panose="020B0303020404020204" pitchFamily="34" charset="0"/>
-              </a:rPr>
-              <a:t>Self-help Support Portal to submit support requests, review case status, and browse other resources, like our knowledgebase, news and alerts, featured tips, and more.</a:t>
+              <a:t>Acceso al portal de asistencia de autoayuda en línea previa solicitud para enviar solicitudes de asistencia, revisar el estado de los casos y examinar otros recursos, como la base de conocimiento, noticias y alertas, sugerencias destacadas, y mucho más.</a:t>
             </a:r>
           </a:p>
         </p:txBody>
@@ -8790,7 +8041,7 @@
         </p:blipFill>
         <p:spPr>
           <a:xfrm>
-            <a:off x="5329042" y="933834"/>
+            <a:off x="5396098" y="933834"/>
             <a:ext cx="469271" cy="415313"/>
           </a:xfrm>
           <a:prstGeom prst="rect">
@@ -8851,8 +8102,8 @@
         </p:nvSpPr>
         <p:spPr>
           <a:xfrm>
-            <a:off x="789025" y="3499700"/>
-            <a:ext cx="1336142" cy="285247"/>
+            <a:off x="789024" y="3499700"/>
+            <a:ext cx="2005183" cy="285247"/>
           </a:xfrm>
           <a:prstGeom prst="rect">
             <a:avLst/>
@@ -8866,10 +8117,10 @@
           <a:lstStyle/>
           <a:p>
             <a:r>
-              <a:rPr lang="en-US" sz="1200" b="1">
+              <a:rPr lang="es-ES" sz="1200" b="1" dirty="0">
                 <a:latin typeface="+mj-lt"/>
               </a:rPr>
-              <a:t>Business Services</a:t>
+              <a:t>Servicios empresariales</a:t>
             </a:r>
           </a:p>
         </p:txBody>
@@ -8910,15 +8161,11 @@
               </a:spcBef>
             </a:pPr>
             <a:r>
-              <a:rPr lang="en-US" sz="1000">
+              <a:rPr lang="es-ES" sz="1000" dirty="0">
                 <a:latin typeface="Adobe Clean Light" panose="020B0303020404020204" pitchFamily="34" charset="0"/>
               </a:rPr>
-              <a:t>An Account Support Lead will host webinars covering an overview of business support services.  </a:t>
+              <a:t>Un responsable de la asistencia técnica de la cuenta organizará seminarios web que abarcarán una descripción general de los servicios de asistencia empresarial.  </a:t>
             </a:r>
-            <a:endParaRPr lang="en-US" sz="1000">
-              <a:latin typeface="Adobe Clean Light" panose="020B0303020404020204" pitchFamily="34" charset="0"/>
-              <a:cs typeface="AdobeClean-Light"/>
-            </a:endParaRPr>
           </a:p>
         </p:txBody>
       </p:sp>
@@ -9387,12 +8634,12 @@
               <a:defRPr/>
             </a:pPr>
             <a:r>
-              <a:rPr lang="en-US" sz="1200">
+              <a:rPr lang="es-ES" sz="1200">
                 <a:solidFill>
                   <a:srgbClr val="000000"/>
                 </a:solidFill>
               </a:rPr>
-              <a:t>Self– Help Portal</a:t>
+              <a:t>Portal de autoayuda</a:t>
             </a:r>
           </a:p>
         </p:txBody>
@@ -9440,12 +8687,20 @@
               <a:defRPr/>
             </a:pPr>
             <a:r>
-              <a:rPr lang="en-US" sz="1200">
+              <a:rPr lang="es-ES" sz="1200" dirty="0" err="1">
                 <a:solidFill>
                   <a:srgbClr val="000000"/>
                 </a:solidFill>
               </a:rPr>
-              <a:t>Experience League</a:t>
+              <a:t>Experience</a:t>
+            </a:r>
+            <a:r>
+              <a:rPr lang="es-ES" sz="1200" dirty="0">
+                <a:solidFill>
+                  <a:srgbClr val="000000"/>
+                </a:solidFill>
+              </a:rPr>
+              <a:t> League</a:t>
             </a:r>
           </a:p>
         </p:txBody>
@@ -9502,49 +8757,15 @@
               </a:lnSpc>
             </a:pPr>
             <a:r>
-              <a:rPr sz="500" spc="-5">
+              <a:rPr lang="es-ES" sz="500">
                 <a:solidFill>
                   <a:srgbClr val="6C6C6C"/>
                 </a:solidFill>
                 <a:latin typeface="Adobe Clean"/>
                 <a:cs typeface="Adobe Clean"/>
               </a:rPr>
-              <a:t>©2020 Adobe. All Rights Reserved. </a:t>
+              <a:t>©2020 Adobe. All Rights Reserved. Adobe Confidential.</a:t>
             </a:r>
-            <a:r>
-              <a:rPr sz="500">
-                <a:solidFill>
-                  <a:srgbClr val="6C6C6C"/>
-                </a:solidFill>
-                <a:latin typeface="Adobe Clean"/>
-                <a:cs typeface="Adobe Clean"/>
-              </a:rPr>
-              <a:t>Adobe</a:t>
-            </a:r>
-            <a:r>
-              <a:rPr sz="500" spc="5">
-                <a:solidFill>
-                  <a:srgbClr val="6C6C6C"/>
-                </a:solidFill>
-                <a:latin typeface="Adobe Clean"/>
-                <a:cs typeface="Adobe Clean"/>
-              </a:rPr>
-              <a:t> </a:t>
-            </a:r>
-            <a:r>
-              <a:rPr sz="500" spc="-5">
-                <a:solidFill>
-                  <a:srgbClr val="6C6C6C"/>
-                </a:solidFill>
-                <a:latin typeface="Adobe Clean"/>
-                <a:cs typeface="Adobe Clean"/>
-              </a:rPr>
-              <a:t>Confidential.</a:t>
-            </a:r>
-            <a:endParaRPr sz="500">
-              <a:latin typeface="Adobe Clean"/>
-              <a:cs typeface="Adobe Clean"/>
-            </a:endParaRPr>
           </a:p>
           <a:p>
             <a:pPr>
@@ -9570,39 +8791,15 @@
               </a:spcBef>
             </a:pPr>
             <a:r>
-              <a:rPr sz="800" spc="-5">
+              <a:rPr lang="es-ES" sz="800">
                 <a:solidFill>
                   <a:srgbClr val="6D6D6D"/>
                 </a:solidFill>
                 <a:latin typeface="Adobe Clean"/>
                 <a:cs typeface="Adobe Clean"/>
               </a:rPr>
-              <a:t>©2020 Adobe. All Rights Reserved. Adobe</a:t>
+              <a:t>©2020 Adobe. All Rights Reserved. Adobe Confidential.</a:t>
             </a:r>
-            <a:r>
-              <a:rPr sz="800" spc="75">
-                <a:solidFill>
-                  <a:srgbClr val="6D6D6D"/>
-                </a:solidFill>
-                <a:latin typeface="Adobe Clean"/>
-                <a:cs typeface="Adobe Clean"/>
-              </a:rPr>
-              <a:t> </a:t>
-            </a:r>
-            <a:r>
-              <a:rPr sz="800" spc="-5">
-                <a:solidFill>
-                  <a:srgbClr val="6D6D6D"/>
-                </a:solidFill>
-                <a:latin typeface="Adobe Clean"/>
-                <a:cs typeface="Adobe Clean"/>
-              </a:rPr>
-              <a:t>Confidential.</a:t>
-            </a:r>
-            <a:endParaRPr sz="800">
-              <a:latin typeface="Adobe Clean"/>
-              <a:cs typeface="Adobe Clean"/>
-            </a:endParaRPr>
           </a:p>
         </p:txBody>
       </p:sp>
@@ -9686,19 +8883,15 @@
               </a:spcBef>
             </a:pPr>
             <a:r>
-              <a:rPr lang="en-US" sz="1400" b="1" spc="-15">
+              <a:rPr lang="es-ES" sz="1400" b="1">
                 <a:solidFill>
                   <a:srgbClr val="020302"/>
                 </a:solidFill>
                 <a:latin typeface="Adobe Clean"/>
                 <a:cs typeface="Adobe Clean"/>
               </a:rPr>
-              <a:t>Resources</a:t>
+              <a:t>Recursos</a:t>
             </a:r>
-            <a:endParaRPr sz="1400">
-              <a:latin typeface="Adobe Clean"/>
-              <a:cs typeface="Adobe Clean"/>
-            </a:endParaRPr>
           </a:p>
         </p:txBody>
       </p:sp>
@@ -9732,7 +8925,7 @@
               </a:spcBef>
             </a:pPr>
             <a:r>
-              <a:rPr sz="800" spc="-15">
+              <a:rPr lang="es-ES" sz="800">
                 <a:solidFill>
                   <a:srgbClr val="777879"/>
                 </a:solidFill>
@@ -9741,10 +8934,6 @@
               </a:rPr>
               <a:t>Adobe</a:t>
             </a:r>
-            <a:endParaRPr sz="800">
-              <a:latin typeface="Adobe Clean"/>
-              <a:cs typeface="Adobe Clean"/>
-            </a:endParaRPr>
           </a:p>
           <a:p>
             <a:pPr marL="12700">
@@ -9753,39 +8942,15 @@
               </a:lnSpc>
             </a:pPr>
             <a:r>
-              <a:rPr sz="800" spc="-15">
+              <a:rPr lang="es-ES" sz="800">
                 <a:solidFill>
                   <a:srgbClr val="777879"/>
                 </a:solidFill>
                 <a:latin typeface="Adobe Clean"/>
                 <a:cs typeface="Adobe Clean"/>
               </a:rPr>
-              <a:t>345 Park</a:t>
+              <a:t>345 Park Avenue</a:t>
             </a:r>
-            <a:r>
-              <a:rPr sz="800" spc="-100">
-                <a:solidFill>
-                  <a:srgbClr val="777879"/>
-                </a:solidFill>
-                <a:latin typeface="Adobe Clean"/>
-                <a:cs typeface="Adobe Clean"/>
-              </a:rPr>
-              <a:t> </a:t>
-            </a:r>
-            <a:r>
-              <a:rPr sz="800" spc="-15">
-                <a:solidFill>
-                  <a:srgbClr val="777879"/>
-                </a:solidFill>
-                <a:latin typeface="Adobe Clean"/>
-                <a:cs typeface="Adobe Clean"/>
-              </a:rPr>
-              <a:t>Avenue</a:t>
-            </a:r>
-            <a:endParaRPr sz="800">
-              <a:latin typeface="Adobe Clean"/>
-              <a:cs typeface="Adobe Clean"/>
-            </a:endParaRPr>
           </a:p>
           <a:p>
             <a:pPr marL="12700">
@@ -9794,49 +8959,15 @@
               </a:lnSpc>
             </a:pPr>
             <a:r>
-              <a:rPr sz="800" spc="-10">
+              <a:rPr lang="es-ES" sz="800">
                 <a:solidFill>
                   <a:srgbClr val="777879"/>
                 </a:solidFill>
                 <a:latin typeface="Adobe Clean"/>
                 <a:cs typeface="Adobe Clean"/>
               </a:rPr>
-              <a:t>San </a:t>
+              <a:t>San José, CA95110-2704</a:t>
             </a:r>
-            <a:r>
-              <a:rPr sz="800" spc="-15">
-                <a:solidFill>
-                  <a:srgbClr val="777879"/>
-                </a:solidFill>
-                <a:latin typeface="Adobe Clean"/>
-                <a:cs typeface="Adobe Clean"/>
-              </a:rPr>
-              <a:t>Jose,</a:t>
-            </a:r>
-            <a:r>
-              <a:rPr sz="800" spc="-140">
-                <a:solidFill>
-                  <a:srgbClr val="777879"/>
-                </a:solidFill>
-                <a:latin typeface="Adobe Clean"/>
-                <a:cs typeface="Adobe Clean"/>
-              </a:rPr>
-              <a:t> </a:t>
-            </a:r>
-            <a:r>
-              <a:rPr sz="800" spc="-20">
-                <a:solidFill>
-                  <a:srgbClr val="777879"/>
-                </a:solidFill>
-                <a:latin typeface="Adobe Clean"/>
-                <a:cs typeface="Adobe Clean"/>
-              </a:rPr>
-              <a:t>CA95110-2704</a:t>
-            </a:r>
-            <a:endParaRPr sz="800">
-              <a:latin typeface="Adobe Clean"/>
-              <a:cs typeface="Adobe Clean"/>
-            </a:endParaRPr>
           </a:p>
           <a:p>
             <a:pPr marL="12700">
@@ -9848,19 +8979,15 @@
               </a:spcBef>
             </a:pPr>
             <a:r>
-              <a:rPr sz="800" spc="-10">
+              <a:rPr lang="es-ES" sz="800">
                 <a:solidFill>
                   <a:srgbClr val="777879"/>
                 </a:solidFill>
                 <a:latin typeface="Adobe Clean"/>
                 <a:cs typeface="Adobe Clean"/>
               </a:rPr>
-              <a:t>USA</a:t>
+              <a:t>EE. UU.</a:t>
             </a:r>
-            <a:endParaRPr sz="800">
-              <a:latin typeface="Adobe Clean"/>
-              <a:cs typeface="Adobe Clean"/>
-            </a:endParaRPr>
           </a:p>
           <a:p>
             <a:pPr marL="12700">
@@ -9872,7 +8999,7 @@
               </a:spcBef>
             </a:pPr>
             <a:r>
-              <a:rPr sz="800" u="sng" spc="-25">
+              <a:rPr lang="es-ES" sz="800" u="sng">
                 <a:solidFill>
                   <a:srgbClr val="5F5F5F"/>
                 </a:solidFill>
@@ -9887,10 +9014,6 @@
               </a:rPr>
               <a:t>www.adobe.com</a:t>
             </a:r>
-            <a:endParaRPr sz="800">
-              <a:latin typeface="Adobe Clean"/>
-              <a:cs typeface="Adobe Clean"/>
-            </a:endParaRPr>
           </a:p>
         </p:txBody>
       </p:sp>
@@ -10065,17 +9188,27 @@
               </a:spcBef>
             </a:pPr>
             <a:r>
-              <a:rPr sz="1100" i="1" spc="-10">
+              <a:rPr lang="es-ES" sz="1100" i="1" dirty="0">
                 <a:solidFill>
                   <a:srgbClr val="777879"/>
                 </a:solidFill>
                 <a:latin typeface="AdobeClean-LightIt"/>
                 <a:cs typeface="AdobeClean-LightIt"/>
               </a:rPr>
-              <a:t>To</a:t>
+              <a:t>Para saber más sobre las ofertas de asistencia de Adobe y el nivel adecuado para usted, póngase en contacto con su administrador de cuentas (NAM) o con su </a:t>
             </a:r>
             <a:r>
-              <a:rPr sz="1100" i="1" spc="-50">
+              <a:rPr lang="es-ES" sz="1100" i="1" dirty="0" err="1">
+                <a:solidFill>
+                  <a:srgbClr val="777879"/>
+                </a:solidFill>
+                <a:latin typeface="AdobeClean-LightIt"/>
+                <a:cs typeface="AdobeClean-LightIt"/>
+              </a:rPr>
+              <a:t>Customer</a:t>
+            </a:r>
+            <a:r>
+              <a:rPr lang="es-ES" sz="1100" i="1" dirty="0">
                 <a:solidFill>
                   <a:srgbClr val="777879"/>
                 </a:solidFill>
@@ -10085,419 +9218,25 @@
               <a:t> </a:t>
             </a:r>
             <a:r>
-              <a:rPr sz="1100" i="1" spc="-15">
+              <a:rPr lang="es-ES" sz="1100" i="1" dirty="0" err="1">
                 <a:solidFill>
                   <a:srgbClr val="777879"/>
                 </a:solidFill>
                 <a:latin typeface="AdobeClean-LightIt"/>
                 <a:cs typeface="AdobeClean-LightIt"/>
               </a:rPr>
-              <a:t>learn</a:t>
+              <a:t>Success</a:t>
             </a:r>
             <a:r>
-              <a:rPr sz="1100" i="1" spc="-40">
+              <a:rPr lang="es-ES" sz="1100" i="1" dirty="0">
                 <a:solidFill>
                   <a:srgbClr val="777879"/>
                 </a:solidFill>
                 <a:latin typeface="AdobeClean-LightIt"/>
                 <a:cs typeface="AdobeClean-LightIt"/>
               </a:rPr>
-              <a:t> </a:t>
+              <a:t> Manager (CSM)</a:t>
             </a:r>
-            <a:r>
-              <a:rPr sz="1100" i="1" spc="-15">
-                <a:solidFill>
-                  <a:srgbClr val="777879"/>
-                </a:solidFill>
-                <a:latin typeface="AdobeClean-LightIt"/>
-                <a:cs typeface="AdobeClean-LightIt"/>
-              </a:rPr>
-              <a:t>more</a:t>
-            </a:r>
-            <a:r>
-              <a:rPr sz="1100" i="1" spc="-45">
-                <a:solidFill>
-                  <a:srgbClr val="777879"/>
-                </a:solidFill>
-                <a:latin typeface="AdobeClean-LightIt"/>
-                <a:cs typeface="AdobeClean-LightIt"/>
-              </a:rPr>
-              <a:t> </a:t>
-            </a:r>
-            <a:r>
-              <a:rPr sz="1100" i="1" spc="-15">
-                <a:solidFill>
-                  <a:srgbClr val="777879"/>
-                </a:solidFill>
-                <a:latin typeface="AdobeClean-LightIt"/>
-                <a:cs typeface="AdobeClean-LightIt"/>
-              </a:rPr>
-              <a:t>about</a:t>
-            </a:r>
-            <a:r>
-              <a:rPr sz="1100" i="1" spc="-45">
-                <a:solidFill>
-                  <a:srgbClr val="777879"/>
-                </a:solidFill>
-                <a:latin typeface="AdobeClean-LightIt"/>
-                <a:cs typeface="AdobeClean-LightIt"/>
-              </a:rPr>
-              <a:t> </a:t>
-            </a:r>
-            <a:r>
-              <a:rPr sz="1100" i="1" spc="-15">
-                <a:solidFill>
-                  <a:srgbClr val="777879"/>
-                </a:solidFill>
-                <a:latin typeface="AdobeClean-LightIt"/>
-                <a:cs typeface="AdobeClean-LightIt"/>
-              </a:rPr>
-              <a:t>Adobe</a:t>
-            </a:r>
-            <a:r>
-              <a:rPr sz="1100" i="1" spc="-50">
-                <a:solidFill>
-                  <a:srgbClr val="777879"/>
-                </a:solidFill>
-                <a:latin typeface="AdobeClean-LightIt"/>
-                <a:cs typeface="AdobeClean-LightIt"/>
-              </a:rPr>
-              <a:t> </a:t>
-            </a:r>
-            <a:r>
-              <a:rPr sz="1100" i="1" spc="-15">
-                <a:solidFill>
-                  <a:srgbClr val="777879"/>
-                </a:solidFill>
-                <a:latin typeface="AdobeClean-LightIt"/>
-                <a:cs typeface="AdobeClean-LightIt"/>
-              </a:rPr>
-              <a:t>Support</a:t>
-            </a:r>
-            <a:r>
-              <a:rPr lang="en-US" sz="1100" i="1" spc="-15">
-                <a:solidFill>
-                  <a:srgbClr val="777879"/>
-                </a:solidFill>
-                <a:latin typeface="AdobeClean-LightIt"/>
-                <a:cs typeface="AdobeClean-LightIt"/>
-              </a:rPr>
-              <a:t> Offerings</a:t>
-            </a:r>
-            <a:r>
-              <a:rPr sz="1100" i="1" spc="-75">
-                <a:solidFill>
-                  <a:srgbClr val="777879"/>
-                </a:solidFill>
-                <a:latin typeface="AdobeClean-LightIt"/>
-                <a:cs typeface="AdobeClean-LightIt"/>
-              </a:rPr>
-              <a:t> </a:t>
-            </a:r>
-            <a:r>
-              <a:rPr sz="1100" i="1" spc="-15">
-                <a:solidFill>
-                  <a:srgbClr val="777879"/>
-                </a:solidFill>
-                <a:latin typeface="AdobeClean-LightIt"/>
-                <a:cs typeface="AdobeClean-LightIt"/>
-              </a:rPr>
-              <a:t>and</a:t>
-            </a:r>
-            <a:r>
-              <a:rPr sz="1100" i="1" spc="-50">
-                <a:solidFill>
-                  <a:srgbClr val="777879"/>
-                </a:solidFill>
-                <a:latin typeface="AdobeClean-LightIt"/>
-                <a:cs typeface="AdobeClean-LightIt"/>
-              </a:rPr>
-              <a:t> </a:t>
-            </a:r>
-            <a:r>
-              <a:rPr sz="1100" i="1" spc="-15">
-                <a:solidFill>
-                  <a:srgbClr val="777879"/>
-                </a:solidFill>
-                <a:latin typeface="AdobeClean-LightIt"/>
-                <a:cs typeface="AdobeClean-LightIt"/>
-              </a:rPr>
-              <a:t>the</a:t>
-            </a:r>
-            <a:r>
-              <a:rPr sz="1100" i="1" spc="-55">
-                <a:solidFill>
-                  <a:srgbClr val="777879"/>
-                </a:solidFill>
-                <a:latin typeface="AdobeClean-LightIt"/>
-                <a:cs typeface="AdobeClean-LightIt"/>
-              </a:rPr>
-              <a:t> </a:t>
-            </a:r>
-            <a:r>
-              <a:rPr sz="1100" i="1" spc="-15">
-                <a:solidFill>
-                  <a:srgbClr val="777879"/>
-                </a:solidFill>
-                <a:latin typeface="AdobeClean-LightIt"/>
-                <a:cs typeface="AdobeClean-LightIt"/>
-              </a:rPr>
-              <a:t>right</a:t>
-            </a:r>
-            <a:r>
-              <a:rPr sz="1100" i="1" spc="-95">
-                <a:solidFill>
-                  <a:srgbClr val="777879"/>
-                </a:solidFill>
-                <a:latin typeface="AdobeClean-LightIt"/>
-                <a:cs typeface="AdobeClean-LightIt"/>
-              </a:rPr>
-              <a:t> </a:t>
-            </a:r>
-            <a:r>
-              <a:rPr sz="1100" i="1" spc="-15">
-                <a:solidFill>
-                  <a:srgbClr val="777879"/>
-                </a:solidFill>
-                <a:latin typeface="AdobeClean-LightIt"/>
-                <a:cs typeface="AdobeClean-LightIt"/>
-              </a:rPr>
-              <a:t>level</a:t>
-            </a:r>
-            <a:r>
-              <a:rPr sz="1100" i="1" spc="-55">
-                <a:solidFill>
-                  <a:srgbClr val="777879"/>
-                </a:solidFill>
-                <a:latin typeface="AdobeClean-LightIt"/>
-                <a:cs typeface="AdobeClean-LightIt"/>
-              </a:rPr>
-              <a:t> </a:t>
-            </a:r>
-            <a:r>
-              <a:rPr sz="1100" i="1" spc="-15">
-                <a:solidFill>
-                  <a:srgbClr val="777879"/>
-                </a:solidFill>
-                <a:latin typeface="AdobeClean-LightIt"/>
-                <a:cs typeface="AdobeClean-LightIt"/>
-              </a:rPr>
-              <a:t>for</a:t>
-            </a:r>
-            <a:r>
-              <a:rPr sz="1100" i="1" spc="-85">
-                <a:solidFill>
-                  <a:srgbClr val="777879"/>
-                </a:solidFill>
-                <a:latin typeface="AdobeClean-LightIt"/>
-                <a:cs typeface="AdobeClean-LightIt"/>
-              </a:rPr>
-              <a:t> </a:t>
-            </a:r>
-            <a:r>
-              <a:rPr sz="1100" i="1" spc="-15">
-                <a:solidFill>
-                  <a:srgbClr val="777879"/>
-                </a:solidFill>
-                <a:latin typeface="AdobeClean-LightIt"/>
-                <a:cs typeface="AdobeClean-LightIt"/>
-              </a:rPr>
-              <a:t>you,</a:t>
-            </a:r>
-            <a:r>
-              <a:rPr sz="1100" i="1" spc="-65">
-                <a:solidFill>
-                  <a:srgbClr val="777879"/>
-                </a:solidFill>
-                <a:latin typeface="AdobeClean-LightIt"/>
-                <a:cs typeface="AdobeClean-LightIt"/>
-              </a:rPr>
-              <a:t> </a:t>
-            </a:r>
-            <a:r>
-              <a:rPr sz="1100" i="1" spc="-15">
-                <a:solidFill>
-                  <a:srgbClr val="777879"/>
-                </a:solidFill>
-                <a:latin typeface="AdobeClean-LightIt"/>
-                <a:cs typeface="AdobeClean-LightIt"/>
-              </a:rPr>
-              <a:t>contact</a:t>
-            </a:r>
-            <a:r>
-              <a:rPr sz="1100" i="1" spc="-85">
-                <a:solidFill>
-                  <a:srgbClr val="777879"/>
-                </a:solidFill>
-                <a:latin typeface="AdobeClean-LightIt"/>
-                <a:cs typeface="AdobeClean-LightIt"/>
-              </a:rPr>
-              <a:t> </a:t>
-            </a:r>
-            <a:r>
-              <a:rPr sz="1100" i="1" spc="-15">
-                <a:solidFill>
-                  <a:srgbClr val="777879"/>
-                </a:solidFill>
-                <a:latin typeface="AdobeClean-LightIt"/>
-                <a:cs typeface="AdobeClean-LightIt"/>
-              </a:rPr>
-              <a:t>your</a:t>
-            </a:r>
-            <a:r>
-              <a:rPr sz="1100" i="1" spc="-70">
-                <a:solidFill>
-                  <a:srgbClr val="777879"/>
-                </a:solidFill>
-                <a:latin typeface="AdobeClean-LightIt"/>
-                <a:cs typeface="AdobeClean-LightIt"/>
-              </a:rPr>
-              <a:t> </a:t>
-            </a:r>
-            <a:r>
-              <a:rPr sz="1100" i="1" spc="-15">
-                <a:solidFill>
-                  <a:srgbClr val="777879"/>
-                </a:solidFill>
-                <a:latin typeface="AdobeClean-LightIt"/>
-                <a:cs typeface="AdobeClean-LightIt"/>
-              </a:rPr>
-              <a:t>Named</a:t>
-            </a:r>
-            <a:r>
-              <a:rPr sz="1100" i="1" spc="-55">
-                <a:solidFill>
-                  <a:srgbClr val="777879"/>
-                </a:solidFill>
-                <a:latin typeface="AdobeClean-LightIt"/>
-                <a:cs typeface="AdobeClean-LightIt"/>
-              </a:rPr>
-              <a:t> </a:t>
-            </a:r>
-            <a:r>
-              <a:rPr sz="1100" i="1" spc="-25">
-                <a:solidFill>
-                  <a:srgbClr val="777879"/>
-                </a:solidFill>
-                <a:latin typeface="AdobeClean-LightIt"/>
-                <a:cs typeface="AdobeClean-LightIt"/>
-              </a:rPr>
-              <a:t>Account</a:t>
-            </a:r>
-            <a:r>
-              <a:rPr sz="1100" i="1" spc="-120">
-                <a:solidFill>
-                  <a:srgbClr val="777879"/>
-                </a:solidFill>
-                <a:latin typeface="AdobeClean-LightIt"/>
-                <a:cs typeface="AdobeClean-LightIt"/>
-              </a:rPr>
-              <a:t> </a:t>
-            </a:r>
-            <a:r>
-              <a:rPr sz="1100" i="1" spc="-20">
-                <a:solidFill>
-                  <a:srgbClr val="777879"/>
-                </a:solidFill>
-                <a:latin typeface="AdobeClean-LightIt"/>
-                <a:cs typeface="AdobeClean-LightIt"/>
-              </a:rPr>
-              <a:t>Manager</a:t>
-            </a:r>
-            <a:r>
-              <a:rPr lang="en-US" sz="1100" i="1" spc="-20">
-                <a:solidFill>
-                  <a:srgbClr val="777879"/>
-                </a:solidFill>
-                <a:latin typeface="AdobeClean-LightIt"/>
-                <a:cs typeface="AdobeClean-LightIt"/>
-              </a:rPr>
-              <a:t> </a:t>
-            </a:r>
-            <a:r>
-              <a:rPr sz="1100" i="1" spc="-20">
-                <a:solidFill>
-                  <a:srgbClr val="777879"/>
-                </a:solidFill>
-                <a:latin typeface="AdobeClean-LightIt"/>
-                <a:cs typeface="AdobeClean-LightIt"/>
-              </a:rPr>
-              <a:t> </a:t>
-            </a:r>
-            <a:r>
-              <a:rPr sz="1100" i="1" spc="-15">
-                <a:solidFill>
-                  <a:srgbClr val="777879"/>
-                </a:solidFill>
-                <a:latin typeface="AdobeClean-LightIt"/>
-                <a:cs typeface="AdobeClean-LightIt"/>
-              </a:rPr>
-              <a:t>(NAM) </a:t>
-            </a:r>
-            <a:r>
-              <a:rPr sz="1100" i="1" spc="-10">
-                <a:solidFill>
-                  <a:srgbClr val="777879"/>
-                </a:solidFill>
-                <a:latin typeface="AdobeClean-LightIt"/>
-                <a:cs typeface="AdobeClean-LightIt"/>
-              </a:rPr>
-              <a:t>or </a:t>
-            </a:r>
-            <a:r>
-              <a:rPr sz="1100" i="1" spc="-15">
-                <a:solidFill>
-                  <a:srgbClr val="777879"/>
-                </a:solidFill>
-                <a:latin typeface="AdobeClean-LightIt"/>
-                <a:cs typeface="AdobeClean-LightIt"/>
-              </a:rPr>
-              <a:t>Customer</a:t>
-            </a:r>
-            <a:r>
-              <a:rPr lang="en-US" sz="1100" i="1" spc="-15">
-                <a:solidFill>
-                  <a:srgbClr val="777879"/>
-                </a:solidFill>
-                <a:latin typeface="AdobeClean-LightIt"/>
-                <a:cs typeface="AdobeClean-LightIt"/>
-              </a:rPr>
-              <a:t> </a:t>
-            </a:r>
-            <a:r>
-              <a:rPr lang="en-US" sz="1100" i="1" spc="-20">
-                <a:solidFill>
-                  <a:srgbClr val="777879"/>
-                </a:solidFill>
-                <a:latin typeface="AdobeClean-LightIt"/>
-                <a:cs typeface="AdobeClean-LightIt"/>
-              </a:rPr>
-              <a:t>Success </a:t>
-            </a:r>
-            <a:r>
-              <a:rPr lang="en-US" sz="1100" i="1" spc="-15">
-                <a:solidFill>
-                  <a:srgbClr val="777879"/>
-                </a:solidFill>
-                <a:latin typeface="AdobeClean-LightIt"/>
-                <a:cs typeface="AdobeClean-LightIt"/>
-              </a:rPr>
-              <a:t>Manager </a:t>
-            </a:r>
-            <a:r>
-              <a:rPr sz="1100" i="1" spc="-15">
-                <a:solidFill>
-                  <a:srgbClr val="777879"/>
-                </a:solidFill>
-                <a:latin typeface="AdobeClean-LightIt"/>
-                <a:cs typeface="AdobeClean-LightIt"/>
-              </a:rPr>
-              <a:t>(CSM)</a:t>
-            </a:r>
-            <a:endParaRPr sz="1100">
-              <a:latin typeface="AdobeClean-LightIt"/>
-              <a:cs typeface="AdobeClean-LightIt"/>
-            </a:endParaRPr>
           </a:p>
           <a:p>
             <a:pPr marL="34290">
@@ -10509,37 +9248,27 @@
               </a:spcBef>
             </a:pPr>
             <a:r>
-              <a:rPr sz="800" spc="-5">
+              <a:rPr lang="es-ES" sz="800" dirty="0">
                 <a:solidFill>
                   <a:srgbClr val="6D6D6D"/>
                 </a:solidFill>
                 <a:latin typeface="Adobe Clean"/>
                 <a:cs typeface="Adobe Clean"/>
               </a:rPr>
-              <a:t>©202</a:t>
+              <a:t>©2021 Adobe. </a:t>
             </a:r>
             <a:r>
-              <a:rPr lang="en-US" sz="800" spc="-5">
+              <a:rPr lang="es-ES" sz="800" dirty="0" err="1">
                 <a:solidFill>
                   <a:srgbClr val="6D6D6D"/>
                 </a:solidFill>
                 <a:latin typeface="Adobe Clean"/>
                 <a:cs typeface="Adobe Clean"/>
               </a:rPr>
-              <a:t>1</a:t>
+              <a:t>All</a:t>
             </a:r>
             <a:r>
-              <a:rPr sz="800" spc="-5">
-                <a:solidFill>
-                  <a:srgbClr val="6D6D6D"/>
-                </a:solidFill>
-                <a:latin typeface="Adobe Clean"/>
-                <a:cs typeface="Adobe Clean"/>
-              </a:rPr>
-              <a:t> Adobe. All Rights Reserved. Adobe</a:t>
-            </a:r>
-            <a:r>
-              <a:rPr sz="800" spc="75">
+              <a:rPr lang="es-ES" sz="800" dirty="0">
                 <a:solidFill>
                   <a:srgbClr val="6D6D6D"/>
                 </a:solidFill>
@@ -10549,19 +9278,65 @@
               <a:t> </a:t>
             </a:r>
             <a:r>
-              <a:rPr sz="800" spc="-5">
+              <a:rPr lang="es-ES" sz="800" dirty="0" err="1">
                 <a:solidFill>
                   <a:srgbClr val="6D6D6D"/>
                 </a:solidFill>
                 <a:latin typeface="Adobe Clean"/>
                 <a:cs typeface="Adobe Clean"/>
               </a:rPr>
-              <a:t>Confidential.</a:t>
+              <a:t>Rights</a:t>
             </a:r>
-            <a:endParaRPr sz="800">
-              <a:latin typeface="Adobe Clean"/>
-              <a:cs typeface="Adobe Clean"/>
-            </a:endParaRPr>
+            <a:r>
+              <a:rPr lang="es-ES" sz="800" dirty="0">
+                <a:solidFill>
+                  <a:srgbClr val="6D6D6D"/>
+                </a:solidFill>
+                <a:latin typeface="Adobe Clean"/>
+                <a:cs typeface="Adobe Clean"/>
+              </a:rPr>
+              <a:t> </a:t>
+            </a:r>
+            <a:r>
+              <a:rPr lang="es-ES" sz="800" dirty="0" err="1">
+                <a:solidFill>
+                  <a:srgbClr val="6D6D6D"/>
+                </a:solidFill>
+                <a:latin typeface="Adobe Clean"/>
+                <a:cs typeface="Adobe Clean"/>
+              </a:rPr>
+              <a:t>Reserved</a:t>
+            </a:r>
+            <a:r>
+              <a:rPr lang="es-ES" sz="800" dirty="0">
+                <a:solidFill>
+                  <a:srgbClr val="6D6D6D"/>
+                </a:solidFill>
+                <a:latin typeface="Adobe Clean"/>
+                <a:cs typeface="Adobe Clean"/>
+              </a:rPr>
+              <a:t>. Adobe </a:t>
+            </a:r>
+            <a:r>
+              <a:rPr lang="es-ES" sz="800" dirty="0" err="1">
+                <a:solidFill>
+                  <a:srgbClr val="6D6D6D"/>
+                </a:solidFill>
+                <a:latin typeface="Adobe Clean"/>
+                <a:cs typeface="Adobe Clean"/>
+              </a:rPr>
+              <a:t>Confidential</a:t>
+            </a:r>
+            <a:r>
+              <a:rPr lang="es-ES" sz="800" dirty="0">
+                <a:solidFill>
+                  <a:srgbClr val="6D6D6D"/>
+                </a:solidFill>
+                <a:latin typeface="Adobe Clean"/>
+                <a:cs typeface="Adobe Clean"/>
+              </a:rPr>
+              <a:t>.</a:t>
+            </a:r>
           </a:p>
         </p:txBody>
       </p:sp>
@@ -10580,7 +9355,7 @@
         <p:spPr>
           <a:xfrm>
             <a:off x="197233" y="5031270"/>
-            <a:ext cx="6476646" cy="755976"/>
+            <a:ext cx="7365294" cy="755976"/>
           </a:xfrm>
           <a:prstGeom prst="rect">
             <a:avLst/>
@@ -10598,19 +9373,15 @@
               </a:spcBef>
             </a:pPr>
             <a:r>
-              <a:rPr lang="en-US" sz="1400" b="1" spc="-15">
+              <a:rPr lang="es-ES" sz="1400" b="1" dirty="0">
                 <a:solidFill>
                   <a:srgbClr val="020302"/>
                 </a:solidFill>
                 <a:latin typeface="Adobe Clean"/>
                 <a:cs typeface="Adobe Clean"/>
               </a:rPr>
-              <a:t>Regional scope of Adobe Support, Local Hours Of Operation And Language Support</a:t>
+              <a:t>Alcance regional del Soporte de Adobe, horas locales de trabajo y compatibilidad de idioma</a:t>
             </a:r>
-            <a:endParaRPr lang="en-US" sz="1400" spc="-15">
-              <a:ea typeface="+mn-lt"/>
-              <a:cs typeface="+mn-lt"/>
-            </a:endParaRPr>
           </a:p>
           <a:p>
             <a:pPr>
@@ -10619,15 +9390,14 @@
               </a:spcBef>
             </a:pPr>
             <a:r>
-              <a:rPr lang="en-US" sz="1000" spc="-15">
+              <a:rPr lang="es-ES" sz="1000" dirty="0">
                 <a:solidFill>
                   <a:srgbClr val="1F1F1F"/>
                 </a:solidFill>
                 <a:latin typeface="AdobeClean-Light"/>
               </a:rPr>
-              <a:t>The Regional scope of Adobe Support is established by aligning the customer's billing address (via the Sales Order or other Adobe Support purchasing document) to one of the following regions:</a:t>
+              <a:t>El alcance regional del Soporte de Adobe se establece asignando la dirección de facturación del cliente (mediante la orden de venta o el documento de compra de Soporte de Adobe) con una de estas regiones:</a:t>
             </a:r>
-            <a:endParaRPr lang="en-US"/>
           </a:p>
         </p:txBody>
       </p:sp>
@@ -10646,7 +9416,7 @@
           <p:nvPr>
             <p:extLst>
               <p:ext uri="{D42A27DB-BD31-4B8C-83A1-F6EECF244321}">
-                <p14:modId xmlns:p14="http://schemas.microsoft.com/office/powerpoint/2010/main" val="2969235217"/>
+                <p14:modId xmlns:p14="http://schemas.microsoft.com/office/powerpoint/2010/main" val="4189823759"/>
               </p:ext>
             </p:extLst>
           </p:nvPr>
@@ -10699,13 +9469,13 @@
                     <a:p>
                       <a:pPr algn="ctr"/>
                       <a:r>
-                        <a:rPr lang="en-US" sz="1100">
+                        <a:rPr lang="es-ES" sz="1100">
                           <a:solidFill>
                             <a:schemeClr val="tx1"/>
                           </a:solidFill>
                           <a:latin typeface="Adobe Clean"/>
                         </a:rPr>
-                        <a:t>Americas</a:t>
+                        <a:t>América</a:t>
                       </a:r>
                     </a:p>
                   </a:txBody>
@@ -10764,13 +9534,30 @@
                     <a:p>
                       <a:pPr algn="ctr"/>
                       <a:r>
-                        <a:rPr lang="en-US" sz="1100">
+                        <a:rPr lang="es-ES" sz="1100" dirty="0">
                           <a:solidFill>
                             <a:schemeClr val="tx1"/>
                           </a:solidFill>
                           <a:latin typeface="Adobe Clean"/>
                         </a:rPr>
-                        <a:t>Europe, Middle East &amp; Africa</a:t>
+                        <a:t>Europa, Oriente Medio </a:t>
+                      </a:r>
+                      <a:br>
+                        <a:rPr lang="es-ES" sz="1100" dirty="0">
+                          <a:solidFill>
+                            <a:schemeClr val="tx1"/>
+                          </a:solidFill>
+                          <a:latin typeface="Adobe Clean"/>
+                        </a:rPr>
+                      </a:br>
+                      <a:r>
+                        <a:rPr lang="es-ES" sz="1100" dirty="0">
+                          <a:solidFill>
+                            <a:schemeClr val="tx1"/>
+                          </a:solidFill>
+                          <a:latin typeface="Adobe Clean"/>
+                        </a:rPr>
+                        <a:t>y África</a:t>
                       </a:r>
                     </a:p>
                   </a:txBody>
@@ -10829,13 +9616,13 @@
                     <a:p>
                       <a:pPr algn="ctr"/>
                       <a:r>
-                        <a:rPr lang="en-US" sz="1100">
+                        <a:rPr lang="es-ES" sz="1100">
                           <a:solidFill>
                             <a:schemeClr val="tx1"/>
                           </a:solidFill>
                           <a:latin typeface="Adobe Clean"/>
                         </a:rPr>
-                        <a:t>Asia Pacific</a:t>
+                        <a:t>Asia-Pacífico</a:t>
                       </a:r>
                     </a:p>
                   </a:txBody>
@@ -10894,16 +9681,16 @@
                     <a:p>
                       <a:pPr algn="ctr"/>
                       <a:r>
-                        <a:rPr lang="en-US" sz="1100">
+                        <a:rPr lang="es-ES" sz="1100">
                           <a:solidFill>
                             <a:schemeClr val="tx1"/>
                           </a:solidFill>
                           <a:latin typeface="Adobe Clean"/>
                         </a:rPr>
-                        <a:t>Japan </a:t>
+                        <a:t>Japón </a:t>
                       </a:r>
                       <a:r>
-                        <a:rPr lang="en-US" sz="1100" baseline="30000">
+                        <a:rPr lang="es-ES" sz="1100" baseline="30000">
                           <a:solidFill>
                             <a:schemeClr val="tx1"/>
                           </a:solidFill>
@@ -10911,12 +9698,6 @@
                         </a:rPr>
                         <a:t>1 </a:t>
                       </a:r>
-                      <a:endParaRPr lang="en-US" sz="1100">
-                        <a:solidFill>
-                          <a:schemeClr val="tx1"/>
-                        </a:solidFill>
-                        <a:latin typeface="Adobe Clean" panose="020B0503020404020204" pitchFamily="34" charset="0"/>
-                      </a:endParaRPr>
                     </a:p>
                   </a:txBody>
                   <a:tcPr anchor="ctr">
@@ -10981,13 +9762,13 @@
                     <a:p>
                       <a:pPr algn="ctr"/>
                       <a:r>
-                        <a:rPr lang="en-US" sz="1100">
+                        <a:rPr lang="es-ES" sz="1100">
                           <a:solidFill>
                             <a:schemeClr val="tx1"/>
                           </a:solidFill>
                           <a:latin typeface="Adobe Clean"/>
                         </a:rPr>
-                        <a:t>6 am – 5:30 pm</a:t>
+                        <a:t>06:00 h - 17:30 h</a:t>
                       </a:r>
                     </a:p>
                   </a:txBody>
@@ -11046,13 +9827,13 @@
                     <a:p>
                       <a:pPr algn="ctr"/>
                       <a:r>
-                        <a:rPr lang="en-US" sz="1100">
+                        <a:rPr lang="es-ES" sz="1100">
                           <a:solidFill>
                             <a:schemeClr val="tx1"/>
                           </a:solidFill>
                           <a:latin typeface="Adobe Clean"/>
                         </a:rPr>
-                        <a:t>9 am – 5 pm</a:t>
+                        <a:t>09:00 h - 17:00 h</a:t>
                       </a:r>
                     </a:p>
                   </a:txBody>
@@ -11111,13 +9892,13 @@
                     <a:p>
                       <a:pPr algn="ctr"/>
                       <a:r>
-                        <a:rPr lang="en-US" sz="1100">
+                        <a:rPr lang="es-ES" sz="1100" dirty="0">
                           <a:solidFill>
                             <a:schemeClr val="tx1"/>
                           </a:solidFill>
                           <a:latin typeface="Adobe Clean"/>
                         </a:rPr>
-                        <a:t>9 am – 5 pm</a:t>
+                        <a:t>09:00 h - 17:00 h</a:t>
                       </a:r>
                     </a:p>
                   </a:txBody>
@@ -11176,13 +9957,13 @@
                     <a:p>
                       <a:pPr algn="ctr"/>
                       <a:r>
-                        <a:rPr lang="en-US" sz="1100">
+                        <a:rPr lang="es-ES" sz="1100">
                           <a:solidFill>
                             <a:schemeClr val="tx1"/>
                           </a:solidFill>
                           <a:latin typeface="Adobe Clean"/>
                         </a:rPr>
-                        <a:t>9 am – 5:30 pm</a:t>
+                        <a:t>09:00 h - 17:30 h</a:t>
                       </a:r>
                     </a:p>
                   </a:txBody>
@@ -11262,11 +10043,10 @@
                         <a:buNone/>
                       </a:pPr>
                       <a:r>
-                        <a:rPr lang="en-US" sz="1100" b="1" i="0" u="none" strike="noStrike" kern="0" cap="none" spc="0" normalizeH="0" baseline="30000" noProof="0">
+                        <a:rPr lang="es-ES" sz="1100" b="1" i="0" u="none" strike="noStrike" cap="none" normalizeH="0" baseline="30000" noProof="0" dirty="0">
                           <a:ln>
                             <a:noFill/>
                           </a:ln>
-                          <a:effectLst/>
                           <a:uLnTx/>
                           <a:uFillTx/>
                           <a:latin typeface="Adobe Clean"/>
@@ -11276,17 +10056,16 @@
                         <a:t> </a:t>
                       </a:r>
                       <a:r>
-                        <a:rPr lang="en-US" sz="1100">
+                        <a:rPr lang="es-ES" sz="1100" dirty="0">
                           <a:solidFill>
                             <a:schemeClr val="tx1"/>
                           </a:solidFill>
                           <a:latin typeface="Adobe Clean"/>
+                          <a:ea typeface="+mn-ea"/>
+                          <a:cs typeface="+mn-cs"/>
                         </a:rPr>
-                        <a:t>Language support is only available in English and Japanese.</a:t>
+                        <a:t>Compatibilidad de idioma solo disponible en inglés y japonés</a:t>
                       </a:r>
-                      <a:endParaRPr lang="en-US">
-                        <a:latin typeface="Adobe Clean"/>
-                      </a:endParaRPr>
                     </a:p>
                     <a:p>
                       <a:pPr marL="0" marR="0" lvl="0" indent="0" algn="ctr">
@@ -11305,18 +10084,18 @@
                         <a:buNone/>
                       </a:pPr>
                       <a:r>
-                        <a:rPr lang="en-US" sz="1100" i="1">
+                        <a:rPr lang="es-ES" sz="1100" i="1" dirty="0">
                           <a:solidFill>
                             <a:schemeClr val="tx1"/>
                           </a:solidFill>
                           <a:latin typeface="Adobe Clean"/>
                         </a:rPr>
-                        <a:t>*Adobe Commerce excludes Japanese languages support.</a:t>
+                        <a:t>*Adobe Commerce no incluye soporte en japonés.</a:t>
                       </a:r>
                     </a:p>
                     <a:p>
-                      <a:pPr algn="ctr"/>
-                      <a:endParaRPr kumimoji="0" lang="en-US" sz="1100" b="1" i="0" u="none" strike="noStrike" kern="0" cap="none" spc="0" normalizeH="0" baseline="30000" noProof="0">
+                      <a:pPr algn="l" rtl="0"/>
+                      <a:endParaRPr kumimoji="0" lang="en-US" sz="1100" b="1" i="0" u="none" strike="noStrike" kern="0" cap="none" spc="0" normalizeH="0" baseline="30000" noProof="0" dirty="0">
                         <a:ln>
                           <a:noFill/>
                         </a:ln>
@@ -11334,7 +10113,7 @@
                     <a:p>
                       <a:pPr algn="ctr"/>
                       <a:r>
-                        <a:rPr lang="en-US" sz="1100" i="0">
+                        <a:rPr lang="es-ES" sz="1100" i="0" dirty="0">
                           <a:solidFill>
                             <a:schemeClr val="tx1"/>
                           </a:solidFill>
@@ -11343,7 +10122,7 @@
                         <a:t> </a:t>
                       </a:r>
                       <a:r>
-                        <a:rPr lang="en-US" sz="1100" i="0" baseline="30000">
+                        <a:rPr lang="es-ES" sz="1100" i="0" baseline="30000" dirty="0">
                           <a:solidFill>
                             <a:schemeClr val="tx1"/>
                           </a:solidFill>
@@ -11352,20 +10131,14 @@
                         <a:t>1 </a:t>
                       </a:r>
                       <a:r>
-                        <a:rPr lang="en-US" sz="1100" i="0">
+                        <a:rPr lang="es-ES" sz="1100" i="0" dirty="0">
                           <a:solidFill>
                             <a:schemeClr val="tx1"/>
                           </a:solidFill>
                           <a:latin typeface="Adobe Clean"/>
                         </a:rPr>
-                        <a:t>P2, P3, P4 cases are limited to business hours only in Japan.</a:t>
+                        <a:t>Los casos de P2, P3, P4 se limitan únicamente al horario laboral en Japón.</a:t>
                       </a:r>
-                      <a:endParaRPr lang="en-US" sz="1100" b="1" i="0">
-                        <a:solidFill>
-                          <a:schemeClr val="tx1"/>
-                        </a:solidFill>
-                        <a:latin typeface="Adobe Clean"/>
-                      </a:endParaRPr>
                     </a:p>
                   </a:txBody>
                   <a:tcPr anchor="ctr">
@@ -11720,7 +10493,7 @@
           </a:bodyPr>
           <a:lstStyle/>
           <a:p>
-            <a:pPr marL="139065" marR="5080" indent="-139065">
+            <a:pPr marR="5080" algn="ctr">
               <a:lnSpc>
                 <a:spcPts val="1390"/>
               </a:lnSpc>
@@ -11729,129 +10502,15 @@
               </a:spcBef>
             </a:pPr>
             <a:r>
-              <a:rPr sz="1200" b="1" spc="-15">
+              <a:rPr lang="es-ES" sz="1200" b="1" dirty="0">
                 <a:solidFill>
                   <a:srgbClr val="FFFFFF"/>
                 </a:solidFill>
                 <a:latin typeface="Adobe Clean"/>
                 <a:cs typeface="Adobe Clean"/>
               </a:rPr>
-              <a:t>U</a:t>
+              <a:t>Experiencia sin igual</a:t>
             </a:r>
-            <a:r>
-              <a:rPr sz="1200" b="1" spc="-20">
-                <a:solidFill>
-                  <a:srgbClr val="FFFFFF"/>
-                </a:solidFill>
-                <a:latin typeface="Adobe Clean"/>
-                <a:cs typeface="Adobe Clean"/>
-              </a:rPr>
-              <a:t>n</a:t>
-            </a:r>
-            <a:r>
-              <a:rPr sz="1200" b="1" spc="-25">
-                <a:solidFill>
-                  <a:srgbClr val="FFFFFF"/>
-                </a:solidFill>
-                <a:latin typeface="Adobe Clean"/>
-                <a:cs typeface="Adobe Clean"/>
-              </a:rPr>
-              <a:t>p</a:t>
-            </a:r>
-            <a:r>
-              <a:rPr sz="1200" b="1" spc="-15">
-                <a:solidFill>
-                  <a:srgbClr val="FFFFFF"/>
-                </a:solidFill>
-                <a:latin typeface="Adobe Clean"/>
-                <a:cs typeface="Adobe Clean"/>
-              </a:rPr>
-              <a:t>a</a:t>
-            </a:r>
-            <a:r>
-              <a:rPr sz="1200" b="1" spc="-25">
-                <a:solidFill>
-                  <a:srgbClr val="FFFFFF"/>
-                </a:solidFill>
-                <a:latin typeface="Adobe Clean"/>
-                <a:cs typeface="Adobe Clean"/>
-              </a:rPr>
-              <a:t>r</a:t>
-            </a:r>
-            <a:r>
-              <a:rPr sz="1200" b="1" spc="-15">
-                <a:solidFill>
-                  <a:srgbClr val="FFFFFF"/>
-                </a:solidFill>
-                <a:latin typeface="Adobe Clean"/>
-                <a:cs typeface="Adobe Clean"/>
-              </a:rPr>
-              <a:t>a</a:t>
-            </a:r>
-            <a:r>
-              <a:rPr sz="1200" b="1" spc="-30">
-                <a:solidFill>
-                  <a:srgbClr val="FFFFFF"/>
-                </a:solidFill>
-                <a:latin typeface="Adobe Clean"/>
-                <a:cs typeface="Adobe Clean"/>
-              </a:rPr>
-              <a:t>ll</a:t>
-            </a:r>
-            <a:r>
-              <a:rPr sz="1200" b="1" spc="-25">
-                <a:solidFill>
-                  <a:srgbClr val="FFFFFF"/>
-                </a:solidFill>
-                <a:latin typeface="Adobe Clean"/>
-                <a:cs typeface="Adobe Clean"/>
-              </a:rPr>
-              <a:t>e</a:t>
-            </a:r>
-            <a:r>
-              <a:rPr sz="1200" b="1" spc="-30">
-                <a:solidFill>
-                  <a:srgbClr val="FFFFFF"/>
-                </a:solidFill>
-                <a:latin typeface="Adobe Clean"/>
-                <a:cs typeface="Adobe Clean"/>
-              </a:rPr>
-              <a:t>l</a:t>
-            </a:r>
-            <a:r>
-              <a:rPr sz="1200" b="1" spc="-25">
-                <a:solidFill>
-                  <a:srgbClr val="FFFFFF"/>
-                </a:solidFill>
-                <a:latin typeface="Adobe Clean"/>
-                <a:cs typeface="Adobe Clean"/>
-              </a:rPr>
-              <a:t>e</a:t>
-            </a:r>
-            <a:r>
-              <a:rPr sz="1200" b="1">
-                <a:solidFill>
-                  <a:srgbClr val="FFFFFF"/>
-                </a:solidFill>
-                <a:latin typeface="Adobe Clean"/>
-                <a:cs typeface="Adobe Clean"/>
-              </a:rPr>
-              <a:t>d  </a:t>
-            </a:r>
-            <a:r>
-              <a:rPr sz="1200" b="1" spc="-25">
-                <a:solidFill>
-                  <a:srgbClr val="FFFFFF"/>
-                </a:solidFill>
-                <a:latin typeface="Adobe Clean"/>
-                <a:cs typeface="Adobe Clean"/>
-              </a:rPr>
-              <a:t>Expertise</a:t>
-            </a:r>
-            <a:endParaRPr sz="1200">
-              <a:latin typeface="Adobe Clean"/>
-              <a:cs typeface="Adobe Clean"/>
-            </a:endParaRPr>
           </a:p>
         </p:txBody>
       </p:sp>
@@ -11869,8 +10528,8 @@
         </p:nvSpPr>
         <p:spPr>
           <a:xfrm>
-            <a:off x="4732495" y="8541244"/>
-            <a:ext cx="810895" cy="382797"/>
+            <a:off x="4653247" y="8541244"/>
+            <a:ext cx="955073" cy="382797"/>
           </a:xfrm>
           <a:prstGeom prst="rect">
             <a:avLst/>
@@ -11882,7 +10541,7 @@
           </a:bodyPr>
           <a:lstStyle/>
           <a:p>
-            <a:pPr marL="139065" marR="5080" indent="-139065">
+            <a:pPr marR="5080" algn="ctr">
               <a:lnSpc>
                 <a:spcPts val="1390"/>
               </a:lnSpc>
@@ -11891,19 +10550,34 @@
               </a:spcBef>
             </a:pPr>
             <a:r>
-              <a:rPr lang="en-US" sz="1200" b="1" spc="-15">
+              <a:rPr lang="es-ES" sz="1200" b="1" dirty="0">
                 <a:solidFill>
                   <a:srgbClr val="FFFFFF"/>
                 </a:solidFill>
                 <a:latin typeface="Adobe Clean"/>
                 <a:cs typeface="Adobe Clean"/>
               </a:rPr>
-              <a:t>Accelerated Support</a:t>
+              <a:t>Asistencia </a:t>
             </a:r>
-            <a:endParaRPr sz="1200">
-              <a:latin typeface="Adobe Clean"/>
-              <a:cs typeface="Adobe Clean"/>
-            </a:endParaRPr>
+            <a:br>
+              <a:rPr lang="es-ES" sz="1200" b="1" dirty="0">
+                <a:solidFill>
+                  <a:srgbClr val="FFFFFF"/>
+                </a:solidFill>
+                <a:latin typeface="Adobe Clean"/>
+                <a:cs typeface="Adobe Clean"/>
+              </a:rPr>
+            </a:br>
+            <a:r>
+              <a:rPr lang="es-ES" sz="1200" b="1" dirty="0">
+                <a:solidFill>
+                  <a:srgbClr val="FFFFFF"/>
+                </a:solidFill>
+                <a:latin typeface="Adobe Clean"/>
+                <a:cs typeface="Adobe Clean"/>
+              </a:rPr>
+              <a:t>ágil</a:t>
+            </a:r>
           </a:p>
         </p:txBody>
       </p:sp>
@@ -11921,8 +10595,8 @@
         </p:nvSpPr>
         <p:spPr>
           <a:xfrm>
-            <a:off x="6624119" y="8543943"/>
-            <a:ext cx="510540" cy="385445"/>
+            <a:off x="6538774" y="8543943"/>
+            <a:ext cx="788617" cy="385445"/>
           </a:xfrm>
           <a:prstGeom prst="rect">
             <a:avLst/>
@@ -11934,7 +10608,7 @@
           </a:bodyPr>
           <a:lstStyle/>
           <a:p>
-            <a:pPr marL="50800" marR="5080" indent="-51435">
+            <a:pPr marR="5080" algn="ctr">
               <a:lnSpc>
                 <a:spcPts val="1390"/>
               </a:lnSpc>
@@ -11943,109 +10617,15 @@
               </a:spcBef>
             </a:pPr>
             <a:r>
-              <a:rPr sz="1200" b="1" spc="-50">
+              <a:rPr lang="es-ES" sz="1200" b="1" dirty="0">
                 <a:solidFill>
                   <a:srgbClr val="FFFFFF"/>
                 </a:solidFill>
                 <a:latin typeface="Adobe Clean"/>
                 <a:cs typeface="Adobe Clean"/>
               </a:rPr>
-              <a:t>S</a:t>
+              <a:t>Asesoría estratégica</a:t>
             </a:r>
-            <a:r>
-              <a:rPr sz="1200" b="1" spc="-20">
-                <a:solidFill>
-                  <a:srgbClr val="FFFFFF"/>
-                </a:solidFill>
-                <a:latin typeface="Adobe Clean"/>
-                <a:cs typeface="Adobe Clean"/>
-              </a:rPr>
-              <a:t>t</a:t>
-            </a:r>
-            <a:r>
-              <a:rPr sz="1200" b="1" spc="-75">
-                <a:solidFill>
-                  <a:srgbClr val="FFFFFF"/>
-                </a:solidFill>
-                <a:latin typeface="Adobe Clean"/>
-                <a:cs typeface="Adobe Clean"/>
-              </a:rPr>
-              <a:t>r</a:t>
-            </a:r>
-            <a:r>
-              <a:rPr sz="1200" b="1" spc="-90">
-                <a:solidFill>
-                  <a:srgbClr val="FFFFFF"/>
-                </a:solidFill>
-                <a:latin typeface="Adobe Clean"/>
-                <a:cs typeface="Adobe Clean"/>
-              </a:rPr>
-              <a:t>a</a:t>
-            </a:r>
-            <a:r>
-              <a:rPr sz="1200" b="1" spc="-55">
-                <a:solidFill>
-                  <a:srgbClr val="FFFFFF"/>
-                </a:solidFill>
-                <a:latin typeface="Adobe Clean"/>
-                <a:cs typeface="Adobe Clean"/>
-              </a:rPr>
-              <a:t>t</a:t>
-            </a:r>
-            <a:r>
-              <a:rPr sz="1200" b="1" spc="-100">
-                <a:solidFill>
-                  <a:srgbClr val="FFFFFF"/>
-                </a:solidFill>
-                <a:latin typeface="Adobe Clean"/>
-                <a:cs typeface="Adobe Clean"/>
-              </a:rPr>
-              <a:t>e</a:t>
-            </a:r>
-            <a:r>
-              <a:rPr sz="1200" b="1" spc="-80">
-                <a:solidFill>
-                  <a:srgbClr val="FFFFFF"/>
-                </a:solidFill>
-                <a:latin typeface="Adobe Clean"/>
-                <a:cs typeface="Adobe Clean"/>
-              </a:rPr>
-              <a:t>g</a:t>
-            </a:r>
-            <a:r>
-              <a:rPr sz="1200" b="1" spc="-35">
-                <a:solidFill>
-                  <a:srgbClr val="FFFFFF"/>
-                </a:solidFill>
-                <a:latin typeface="Adobe Clean"/>
-                <a:cs typeface="Adobe Clean"/>
-              </a:rPr>
-              <a:t>i</a:t>
-            </a:r>
-            <a:r>
-              <a:rPr sz="1200" b="1">
-                <a:solidFill>
-                  <a:srgbClr val="FFFFFF"/>
-                </a:solidFill>
-                <a:latin typeface="Adobe Clean"/>
-                <a:cs typeface="Adobe Clean"/>
-              </a:rPr>
-              <a:t>c  </a:t>
-            </a:r>
-            <a:r>
-              <a:rPr sz="1200" b="1" spc="-45">
-                <a:solidFill>
-                  <a:srgbClr val="FFFFFF"/>
-                </a:solidFill>
-                <a:latin typeface="Adobe Clean"/>
-                <a:cs typeface="Adobe Clean"/>
-              </a:rPr>
-              <a:t>Advice</a:t>
-            </a:r>
-            <a:endParaRPr sz="1200">
-              <a:latin typeface="Adobe Clean"/>
-              <a:cs typeface="Adobe Clean"/>
-            </a:endParaRPr>
           </a:p>
         </p:txBody>
       </p:sp>
@@ -12071,7 +10651,7 @@
         </p:nvGraphicFramePr>
         <p:xfrm>
           <a:off x="194236" y="1059345"/>
-          <a:ext cx="7368291" cy="3302000"/>
+          <a:ext cx="7368291" cy="3759200"/>
         </p:xfrm>
         <a:graphic>
           <a:graphicData uri="http://schemas.openxmlformats.org/drawingml/2006/table">
@@ -12102,7 +10682,7 @@
                     <a:lstStyle/>
                     <a:p>
                       <a:r>
-                        <a:rPr lang="en-US" sz="1100" b="0">
+                        <a:rPr lang="es-ES" sz="1100" b="0" dirty="0" err="1">
                           <a:solidFill>
                             <a:schemeClr val="tx1"/>
                           </a:solidFill>
@@ -12111,16 +10691,20 @@
                           <a:cs typeface="+mn-cs"/>
                           <a:hlinkClick r:id="rId7"/>
                         </a:rPr>
-                        <a:t>Experience League</a:t>
+                        <a:t>Experience</a:t>
                       </a:r>
-                      <a:endParaRPr lang="en-US" sz="1100" b="0">
-                        <a:solidFill>
-                          <a:schemeClr val="tx1"/>
-                        </a:solidFill>
-                        <a:latin typeface="Adobe Clean"/>
-                        <a:ea typeface="+mn-ea"/>
-                        <a:cs typeface="+mn-cs"/>
-                      </a:endParaRPr>
+                      <a:r>
+                        <a:rPr lang="es-ES" sz="1100" b="0" dirty="0">
+                          <a:solidFill>
+                            <a:schemeClr val="tx1"/>
+                          </a:solidFill>
+                          <a:latin typeface="Adobe Clean"/>
+                          <a:ea typeface="+mn-ea"/>
+                          <a:cs typeface="+mn-cs"/>
+                          <a:hlinkClick r:id="rId7"/>
+                        </a:rPr>
+                        <a:t> League</a:t>
+                      </a:r>
                     </a:p>
                   </a:txBody>
                   <a:tcPr marL="47625" marR="47625" marT="0" marB="0" anchor="ctr">
@@ -12192,7 +10776,7 @@
                         <a:buNone/>
                       </a:pPr>
                       <a:r>
-                        <a:rPr lang="en-US" sz="1000" b="0" kern="1200">
+                        <a:rPr lang="es-ES" sz="1000" b="0" dirty="0" err="1">
                           <a:solidFill>
                             <a:srgbClr val="000000"/>
                           </a:solidFill>
@@ -12200,16 +10784,19 @@
                           <a:ea typeface="+mn-ea"/>
                           <a:cs typeface="+mn-cs"/>
                         </a:rPr>
-                        <a:t>Experience League is how Adobe helps businesses achieve the value they expect from their Adobe investment. It’s the unified place where customers can learn, connect, and grow along a personalized path to success that includes self-help tutorials, product documentation, instructor-led training, community and technical support. </a:t>
+                        <a:t>Experience</a:t>
                       </a:r>
-                      <a:endParaRPr lang="en-US" sz="1000" b="0" kern="1200">
-                        <a:solidFill>
-                          <a:srgbClr val="000000"/>
-                        </a:solidFill>
-                        <a:latin typeface="Adobe Clean Light" panose="020B0303020404020204" pitchFamily="34" charset="0"/>
-                        <a:ea typeface="+mn-ea"/>
-                        <a:cs typeface="+mn-cs"/>
-                      </a:endParaRPr>
+                      <a:r>
+                        <a:rPr lang="es-ES" sz="1000" b="0" dirty="0">
+                          <a:solidFill>
+                            <a:srgbClr val="000000"/>
+                          </a:solidFill>
+                          <a:latin typeface="Adobe Clean Light"/>
+                          <a:ea typeface="+mn-ea"/>
+                          <a:cs typeface="+mn-cs"/>
+                        </a:rPr>
+                        <a:t> League permite a Adobe ayudar a las empresas a alcanzar el valor que esperan de su inversión en Adobe. Es el lugar unificado en el que los clientes pueden aprender, dialogar y crecer siguiendo un camino personalizado hacia el éxito que incluye tutoriales de autoayuda, documentación de productos, formación dirigida por instructores, y asistencia técnica y comunitaria. </a:t>
+                      </a:r>
                     </a:p>
                   </a:txBody>
                   <a:tcPr anchor="ctr">
@@ -12290,39 +10877,28 @@
                         <a:defRPr/>
                       </a:pPr>
                       <a:r>
-                        <a:rPr lang="en-US" sz="1100">
+                        <a:rPr lang="es-ES" sz="1100" dirty="0">
                           <a:solidFill>
                             <a:schemeClr val="dk1"/>
                           </a:solidFill>
-                          <a:effectLst/>
                           <a:latin typeface="Adobe Clean"/>
                           <a:ea typeface="+mn-ea"/>
                           <a:cs typeface="+mn-cs"/>
                           <a:hlinkClick r:id="rId8"/>
                         </a:rPr>
-                        <a:t>Training</a:t>
+                        <a:t>Formación</a:t>
                       </a:r>
                       <a:r>
-                        <a:rPr lang="en-US" sz="1100">
+                        <a:rPr lang="es-ES" sz="1100" dirty="0">
                           <a:solidFill>
                             <a:schemeClr val="dk1"/>
                           </a:solidFill>
-                          <a:effectLst/>
                           <a:latin typeface="Adobe Clean"/>
                           <a:ea typeface="+mn-ea"/>
                           <a:cs typeface="+mn-cs"/>
                         </a:rPr>
                         <a:t> </a:t>
                       </a:r>
-                      <a:endParaRPr lang="en-US" sz="1100">
-                        <a:solidFill>
-                          <a:schemeClr val="tx1"/>
-                        </a:solidFill>
-                        <a:effectLst/>
-                        <a:latin typeface="Adobe Clean"/>
-                        <a:ea typeface="+mn-ea"/>
-                        <a:cs typeface="+mn-cs"/>
-                      </a:endParaRPr>
                     </a:p>
                   </a:txBody>
                   <a:tcPr anchor="ctr">
@@ -12396,7 +10972,7 @@
                         <a:defRPr/>
                       </a:pPr>
                       <a:r>
-                        <a:rPr lang="en-US" sz="1000" kern="1200">
+                        <a:rPr lang="es-ES" sz="1000" dirty="0">
                           <a:solidFill>
                             <a:srgbClr val="000000"/>
                           </a:solidFill>
@@ -12404,7 +10980,73 @@
                           <a:ea typeface="+mn-ea"/>
                           <a:cs typeface="+mn-cs"/>
                         </a:rPr>
-                        <a:t>Adobe Digital Learning Services courses are accessible from Experience League. Learning courses integrate both on-demand and instructor-led lessons.  Here you can accrue skills that have recognized market value and position them to drive success in your organizations.</a:t>
+                        <a:t>Puede acceder a los cursos de Adobe Digital </a:t>
+                      </a:r>
+                      <a:r>
+                        <a:rPr lang="es-ES" sz="1000" dirty="0" err="1">
+                          <a:solidFill>
+                            <a:srgbClr val="000000"/>
+                          </a:solidFill>
+                          <a:latin typeface="Adobe Clean Light"/>
+                          <a:ea typeface="+mn-ea"/>
+                          <a:cs typeface="+mn-cs"/>
+                        </a:rPr>
+                        <a:t>Learning</a:t>
+                      </a:r>
+                      <a:r>
+                        <a:rPr lang="es-ES" sz="1000" dirty="0">
+                          <a:solidFill>
+                            <a:srgbClr val="000000"/>
+                          </a:solidFill>
+                          <a:latin typeface="Adobe Clean Light"/>
+                          <a:ea typeface="+mn-ea"/>
+                          <a:cs typeface="+mn-cs"/>
+                        </a:rPr>
+                        <a:t> </a:t>
+                      </a:r>
+                      <a:r>
+                        <a:rPr lang="es-ES" sz="1000" dirty="0" err="1">
+                          <a:solidFill>
+                            <a:srgbClr val="000000"/>
+                          </a:solidFill>
+                          <a:latin typeface="Adobe Clean Light"/>
+                          <a:ea typeface="+mn-ea"/>
+                          <a:cs typeface="+mn-cs"/>
+                        </a:rPr>
+                        <a:t>Services</a:t>
+                      </a:r>
+                      <a:r>
+                        <a:rPr lang="es-ES" sz="1000" dirty="0">
+                          <a:solidFill>
+                            <a:srgbClr val="000000"/>
+                          </a:solidFill>
+                          <a:latin typeface="Adobe Clean Light"/>
+                          <a:ea typeface="+mn-ea"/>
+                          <a:cs typeface="+mn-cs"/>
+                        </a:rPr>
+                        <a:t> desde </a:t>
+                      </a:r>
+                      <a:r>
+                        <a:rPr lang="es-ES" sz="1000" dirty="0" err="1">
+                          <a:solidFill>
+                            <a:srgbClr val="000000"/>
+                          </a:solidFill>
+                          <a:latin typeface="Adobe Clean Light"/>
+                          <a:ea typeface="+mn-ea"/>
+                          <a:cs typeface="+mn-cs"/>
+                        </a:rPr>
+                        <a:t>Experience</a:t>
+                      </a:r>
+                      <a:r>
+                        <a:rPr lang="es-ES" sz="1000" dirty="0">
+                          <a:solidFill>
+                            <a:srgbClr val="000000"/>
+                          </a:solidFill>
+                          <a:latin typeface="Adobe Clean Light"/>
+                          <a:ea typeface="+mn-ea"/>
+                          <a:cs typeface="+mn-cs"/>
+                        </a:rPr>
+                        <a:t> League. Los cursos de formación incluyen desde lecciones bajo demanda hasta lecciones impartidas por instructores.  Aquí puede aprender habilidades con valor de mercado reconocido para impulsar el éxito en su organización.</a:t>
                       </a:r>
                     </a:p>
                   </a:txBody>
@@ -12486,27 +11128,17 @@
                         <a:defRPr/>
                       </a:pPr>
                       <a:r>
-                        <a:rPr lang="en-US" sz="1100">
+                        <a:rPr lang="es-ES" sz="1100" dirty="0">
                           <a:solidFill>
                             <a:schemeClr val="tx1"/>
                           </a:solidFill>
-                          <a:effectLst/>
                           <a:latin typeface="Adobe Clean"/>
                           <a:ea typeface="+mn-ea"/>
                           <a:cs typeface="+mn-cs"/>
                           <a:hlinkClick r:id="rId9"/>
                         </a:rPr>
-                        <a:t>Production Issues &amp; System Outages</a:t>
+                        <a:t>Problemas de producción e interrupciones del sistema</a:t>
                       </a:r>
-                      <a:endParaRPr lang="en-US" sz="1100">
-                        <a:solidFill>
-                          <a:schemeClr val="tx1"/>
-                        </a:solidFill>
-                        <a:effectLst/>
-                        <a:latin typeface="Adobe Clean"/>
-                        <a:ea typeface="+mn-ea"/>
-                        <a:cs typeface="+mn-cs"/>
-                      </a:endParaRPr>
                     </a:p>
                   </a:txBody>
                   <a:tcPr anchor="ctr">
@@ -12578,7 +11210,7 @@
                         <a:buNone/>
                       </a:pPr>
                       <a:r>
-                        <a:rPr lang="en-US" sz="1000" kern="1200">
+                        <a:rPr lang="es-ES" sz="1000" dirty="0">
                           <a:solidFill>
                             <a:srgbClr val="000000"/>
                           </a:solidFill>
@@ -12586,16 +11218,8 @@
                           <a:ea typeface="+mn-ea"/>
                           <a:cs typeface="+mn-cs"/>
                         </a:rPr>
-                        <a:t>Status.adobe.com conveys the health information of all Adobe products and services that are deployed in multi-tenant environments. Customers can choose their subscription preferences to get email notifications whenever Adobe creates, updates or resolves a product event. This can include scheduled maintenance or service issues of varying levels of severity. </a:t>
+                        <a:t>Status.adobe.com transmite la información de estado de todos los productos y servicios de Adobe implementados en entornos de varios inquilinos. Los clientes pueden elegir sus preferencias de suscripción para recibir notificaciones por correo electrónico cada vez que Adobe cree, actualice o resuelva un evento de producto. Esto puede incluir problemas de mantenimiento o servicio programados de diversos niveles de gravedad. </a:t>
                       </a:r>
-                      <a:endParaRPr lang="en-US" sz="1000" kern="1200">
-                        <a:solidFill>
-                          <a:srgbClr val="000000"/>
-                        </a:solidFill>
-                        <a:latin typeface="Adobe Clean Light" panose="020B0303020404020204" pitchFamily="34" charset="0"/>
-                        <a:ea typeface="+mn-ea"/>
-                        <a:cs typeface="+mn-cs"/>
-                      </a:endParaRPr>
                     </a:p>
                   </a:txBody>
                   <a:tcPr anchor="ctr">
@@ -12676,27 +11300,17 @@
                         <a:defRPr/>
                       </a:pPr>
                       <a:r>
-                        <a:rPr lang="en-US" sz="1100" b="0" i="0">
+                        <a:rPr lang="es-ES" sz="1100" b="0" i="0" dirty="0">
                           <a:solidFill>
                             <a:schemeClr val="dk1"/>
                           </a:solidFill>
-                          <a:effectLst/>
                           <a:latin typeface="Adobe Clean"/>
                           <a:ea typeface="+mn-ea"/>
                           <a:cs typeface="+mn-cs"/>
-                          <a:hlinkClick r:id="rId10" tooltip="https://helpx.adobe.com/support/programs/enterprise-support-programs/premier-support-business.html"/>
+                          <a:hlinkClick r:id="rId10" tooltip="https://helpx.adobe.com/es/support/programs/enterprise-support-programs/premier-support-business.html"/>
                         </a:rPr>
-                        <a:t>Business Support Website</a:t>
+                        <a:t>Sitio web de soporte Business</a:t>
                       </a:r>
-                      <a:endParaRPr lang="en-US" sz="1100" b="0" i="0">
-                        <a:solidFill>
-                          <a:schemeClr val="dk1"/>
-                        </a:solidFill>
-                        <a:effectLst/>
-                        <a:latin typeface="Adobe Clean"/>
-                        <a:ea typeface="+mn-ea"/>
-                        <a:cs typeface="+mn-cs"/>
-                      </a:endParaRPr>
                     </a:p>
                   </a:txBody>
                   <a:tcPr anchor="ctr">
@@ -12753,7 +11367,7 @@
                     <a:lstStyle/>
                     <a:p>
                       <a:r>
-                        <a:rPr lang="en-US" sz="1000" kern="1200">
+                        <a:rPr lang="es-ES" sz="1000" dirty="0">
                           <a:solidFill>
                             <a:srgbClr val="000000"/>
                           </a:solidFill>
@@ -12761,16 +11375,8 @@
                           <a:ea typeface="+mn-ea"/>
                           <a:cs typeface="+mn-cs"/>
                         </a:rPr>
-                        <a:t>Adobe Business Support website.</a:t>
+                        <a:t>Sitio web de soporte Business de Adobe.</a:t>
                       </a:r>
-                      <a:endParaRPr lang="en-US" sz="1000" kern="1200">
-                        <a:solidFill>
-                          <a:srgbClr val="000000"/>
-                        </a:solidFill>
-                        <a:latin typeface="Adobe Clean Light" panose="020B0303020404020204" pitchFamily="34" charset="0"/>
-                        <a:ea typeface="+mn-ea"/>
-                        <a:cs typeface="+mn-cs"/>
-                      </a:endParaRPr>
                     </a:p>
                   </a:txBody>
                   <a:tcPr anchor="ctr">
@@ -12851,27 +11457,17 @@
                         <a:defRPr/>
                       </a:pPr>
                       <a:r>
-                        <a:rPr lang="en-US" sz="1100">
+                        <a:rPr lang="es-ES" sz="1100" dirty="0">
                           <a:solidFill>
                             <a:schemeClr val="tx1"/>
                           </a:solidFill>
-                          <a:effectLst/>
                           <a:latin typeface="Adobe Clean"/>
                           <a:ea typeface="+mn-ea"/>
                           <a:cs typeface="+mn-cs"/>
                           <a:hlinkClick r:id="rId11"/>
                         </a:rPr>
-                        <a:t>Terms and Conditions</a:t>
+                        <a:t>Términos y condiciones</a:t>
                       </a:r>
-                      <a:endParaRPr lang="en-US" sz="1100">
-                        <a:solidFill>
-                          <a:schemeClr val="tx1"/>
-                        </a:solidFill>
-                        <a:effectLst/>
-                        <a:latin typeface="Adobe Clean"/>
-                        <a:ea typeface="+mn-ea"/>
-                        <a:cs typeface="+mn-cs"/>
-                      </a:endParaRPr>
                     </a:p>
                   </a:txBody>
                   <a:tcPr anchor="ctr">
@@ -12928,7 +11524,7 @@
                     <a:lstStyle/>
                     <a:p>
                       <a:r>
-                        <a:rPr lang="en-US" sz="1000" kern="1200">
+                        <a:rPr lang="es-ES" sz="1000" dirty="0">
                           <a:solidFill>
                             <a:srgbClr val="000000"/>
                           </a:solidFill>
@@ -12936,16 +11532,8 @@
                           <a:ea typeface="+mn-ea"/>
                           <a:cs typeface="+mn-cs"/>
                         </a:rPr>
-                        <a:t>Terms and conditions detailing Support Services offerings.</a:t>
+                        <a:t>Términos y condiciones de las ofertas de los servicios de soporte.</a:t>
                       </a:r>
-                      <a:endParaRPr lang="en-US" sz="1000" kern="1200">
-                        <a:solidFill>
-                          <a:srgbClr val="000000"/>
-                        </a:solidFill>
-                        <a:latin typeface="Adobe Clean Light" panose="020B0303020404020204" pitchFamily="34" charset="0"/>
-                        <a:ea typeface="+mn-ea"/>
-                        <a:cs typeface="+mn-cs"/>
-                      </a:endParaRPr>
                     </a:p>
                   </a:txBody>
                   <a:tcPr anchor="ctr">
@@ -13715,21 +12303,6 @@
 </file>
 
 <file path=customXml/item1.xml><?xml version="1.0" encoding="utf-8"?>
-<p:properties xmlns:p="http://schemas.microsoft.com/office/2006/metadata/properties" xmlns:xsi="http://www.w3.org/2001/XMLSchema-instance" xmlns:pc="http://schemas.microsoft.com/office/infopath/2007/PartnerControls">
-  <documentManagement/>
-</p:properties>
-</file>
-
-<file path=customXml/item2.xml><?xml version="1.0" encoding="utf-8"?>
-<?mso-contentType ?>
-<FormTemplates xmlns="http://schemas.microsoft.com/sharepoint/v3/contenttype/forms">
-  <Display>DocumentLibraryForm</Display>
-  <Edit>DocumentLibraryForm</Edit>
-  <New>DocumentLibraryForm</New>
-</FormTemplates>
-</file>
-
-<file path=customXml/item3.xml><?xml version="1.0" encoding="utf-8"?>
 <ct:contentTypeSchema xmlns:ct="http://schemas.microsoft.com/office/2006/metadata/contentType" xmlns:ma="http://schemas.microsoft.com/office/2006/metadata/properties/metaAttributes" ct:_="" ma:_="" ma:contentTypeName="Document" ma:contentTypeID="0x010100E783BF6876BCC646A459363AF21A7736" ma:contentTypeVersion="10" ma:contentTypeDescription="Create a new document." ma:contentTypeScope="" ma:versionID="c4ffda7f4f415767600769e454c2ea87">
   <xsd:schema xmlns:xsd="http://www.w3.org/2001/XMLSchema" xmlns:xs="http://www.w3.org/2001/XMLSchema" xmlns:p="http://schemas.microsoft.com/office/2006/metadata/properties" xmlns:ns2="8a053bff-88be-49e4-9a87-e748e18b8b62" xmlns:ns3="6c8368ec-3776-49b5-a5bb-90648cf9530f" targetNamespace="http://schemas.microsoft.com/office/2006/metadata/properties" ma:root="true" ma:fieldsID="df3ec33bccc23e23bce7bc897fad43d1" ns2:_="" ns3:_="">
     <xsd:import namespace="8a053bff-88be-49e4-9a87-e748e18b8b62"/>
@@ -13934,32 +12507,22 @@
 </ct:contentTypeSchema>
 </file>
 
-<file path=customXml/itemProps1.xml><?xml version="1.0" encoding="utf-8"?>
-<ds:datastoreItem xmlns:ds="http://schemas.openxmlformats.org/officeDocument/2006/customXml" ds:itemID="{10FC3CAF-E6F1-40E3-87D4-6B781C97D6B4}">
-  <ds:schemaRefs>
-    <ds:schemaRef ds:uri="6c8368ec-3776-49b5-a5bb-90648cf9530f"/>
-    <ds:schemaRef ds:uri="http://purl.org/dc/elements/1.1/"/>
-    <ds:schemaRef ds:uri="http://schemas.openxmlformats.org/package/2006/metadata/core-properties"/>
-    <ds:schemaRef ds:uri="8a053bff-88be-49e4-9a87-e748e18b8b62"/>
-    <ds:schemaRef ds:uri="http://www.w3.org/XML/1998/namespace"/>
-    <ds:schemaRef ds:uri="http://purl.org/dc/dcmitype/"/>
-    <ds:schemaRef ds:uri="http://schemas.microsoft.com/office/2006/documentManagement/types"/>
-    <ds:schemaRef ds:uri="http://schemas.microsoft.com/office/infopath/2007/PartnerControls"/>
-    <ds:schemaRef ds:uri="http://schemas.microsoft.com/office/2006/metadata/properties"/>
-    <ds:schemaRef ds:uri="http://purl.org/dc/terms/"/>
-  </ds:schemaRefs>
-</ds:datastoreItem>
+<file path=customXml/item2.xml><?xml version="1.0" encoding="utf-8"?>
+<?mso-contentType ?>
+<FormTemplates xmlns="http://schemas.microsoft.com/sharepoint/v3/contenttype/forms">
+  <Display>DocumentLibraryForm</Display>
+  <Edit>DocumentLibraryForm</Edit>
+  <New>DocumentLibraryForm</New>
+</FormTemplates>
 </file>
 
-<file path=customXml/itemProps2.xml><?xml version="1.0" encoding="utf-8"?>
-<ds:datastoreItem xmlns:ds="http://schemas.openxmlformats.org/officeDocument/2006/customXml" ds:itemID="{95AE3B0B-E909-400C-B0B3-909FB50E07DE}">
-  <ds:schemaRefs>
-    <ds:schemaRef ds:uri="http://schemas.microsoft.com/sharepoint/v3/contenttype/forms"/>
-  </ds:schemaRefs>
-</ds:datastoreItem>
+<file path=customXml/item3.xml><?xml version="1.0" encoding="utf-8"?>
+<p:properties xmlns:p="http://schemas.microsoft.com/office/2006/metadata/properties" xmlns:xsi="http://www.w3.org/2001/XMLSchema-instance" xmlns:pc="http://schemas.microsoft.com/office/infopath/2007/PartnerControls">
+  <documentManagement/>
+</p:properties>
 </file>
 
-<file path=customXml/itemProps3.xml><?xml version="1.0" encoding="utf-8"?>
+<file path=customXml/itemProps1.xml><?xml version="1.0" encoding="utf-8"?>
 <ds:datastoreItem xmlns:ds="http://schemas.openxmlformats.org/officeDocument/2006/customXml" ds:itemID="{E0DB8BDF-6DA8-4ABC-A3CA-043AFD674CFC}">
   <ds:schemaRefs>
     <ds:schemaRef ds:uri="6c8368ec-3776-49b5-a5bb-90648cf9530f"/>
@@ -13976,4 +12539,29 @@
     <ds:schemaRef ds:uri="http://www.w3.org/2001/XMLSchema"/>
   </ds:schemaRefs>
 </ds:datastoreItem>
+</file>
+
+<file path=customXml/itemProps2.xml><?xml version="1.0" encoding="utf-8"?>
+<ds:datastoreItem xmlns:ds="http://schemas.openxmlformats.org/officeDocument/2006/customXml" ds:itemID="{95AE3B0B-E909-400C-B0B3-909FB50E07DE}">
+  <ds:schemaRefs>
+    <ds:schemaRef ds:uri="http://schemas.microsoft.com/sharepoint/v3/contenttype/forms"/>
+  </ds:schemaRefs>
+</ds:datastoreItem>
+</file>
+
+<file path=customXml/itemProps3.xml><?xml version="1.0" encoding="utf-8"?>
+<ds:datastoreItem xmlns:ds="http://schemas.openxmlformats.org/officeDocument/2006/customXml" ds:itemID="{10FC3CAF-E6F1-40E3-87D4-6B781C97D6B4}">
+  <ds:schemaRefs>
+    <ds:schemaRef ds:uri="6c8368ec-3776-49b5-a5bb-90648cf9530f"/>
+    <ds:schemaRef ds:uri="http://purl.org/dc/elements/1.1/"/>
+    <ds:schemaRef ds:uri="http://schemas.openxmlformats.org/package/2006/metadata/core-properties"/>
+    <ds:schemaRef ds:uri="8a053bff-88be-49e4-9a87-e748e18b8b62"/>
+    <ds:schemaRef ds:uri="http://www.w3.org/XML/1998/namespace"/>
+    <ds:schemaRef ds:uri="http://purl.org/dc/dcmitype/"/>
+    <ds:schemaRef ds:uri="http://schemas.microsoft.com/office/2006/documentManagement/types"/>
+    <ds:schemaRef ds:uri="http://schemas.microsoft.com/office/infopath/2007/PartnerControls"/>
+    <ds:schemaRef ds:uri="http://schemas.microsoft.com/office/2006/metadata/properties"/>
+    <ds:schemaRef ds:uri="http://purl.org/dc/terms/"/>
+  </ds:schemaRefs>
+</ds:datastoreItem>
 </file>